--- a/files/communication_diagram.pptx
+++ b/files/communication_diagram.pptx
@@ -5,10 +5,11 @@
     <p:sldMasterId id="2147483648" r:id="rId1"/>
   </p:sldMasterIdLst>
   <p:notesMasterIdLst>
-    <p:notesMasterId r:id="rId3"/>
+    <p:notesMasterId r:id="rId4"/>
   </p:notesMasterIdLst>
   <p:sldIdLst>
     <p:sldId id="256" r:id="rId2"/>
+    <p:sldId id="257" r:id="rId3"/>
   </p:sldIdLst>
   <p:sldSz cx="12192000" cy="6858000"/>
   <p:notesSz cx="6858000" cy="9144000"/>
@@ -107,6 +108,11 @@
       </a:defRPr>
     </a:lvl9pPr>
   </p:defaultTextStyle>
+  <p:extLst>
+    <p:ext uri="{EFAFB233-063F-42B5-8137-9DF3F51BA10A}">
+      <p15:sldGuideLst xmlns:p15="http://schemas.microsoft.com/office/powerpoint/2012/main"/>
+    </p:ext>
+  </p:extLst>
 </p:presentation>
 </file>
 
@@ -192,7 +198,7 @@
           <a:p>
             <a:fld id="{1DA394A1-87FE-BC40-B428-C4F79D5812EE}" type="datetimeFigureOut">
               <a:rPr lang="en-US" smtClean="0"/>
-              <a:t>5/4/23</a:t>
+              <a:t>5/11/23</a:t>
             </a:fld>
             <a:endParaRPr lang="en-US"/>
           </a:p>
@@ -693,7 +699,7 @@
           <a:p>
             <a:fld id="{5BD1349E-D158-4E40-990A-05F7F3787A3C}" type="datetimeFigureOut">
               <a:rPr lang="en-US" smtClean="0"/>
-              <a:t>5/4/23</a:t>
+              <a:t>5/11/23</a:t>
             </a:fld>
             <a:endParaRPr lang="en-US"/>
           </a:p>
@@ -893,7 +899,7 @@
           <a:p>
             <a:fld id="{5BD1349E-D158-4E40-990A-05F7F3787A3C}" type="datetimeFigureOut">
               <a:rPr lang="en-US" smtClean="0"/>
-              <a:t>5/4/23</a:t>
+              <a:t>5/11/23</a:t>
             </a:fld>
             <a:endParaRPr lang="en-US"/>
           </a:p>
@@ -1103,7 +1109,7 @@
           <a:p>
             <a:fld id="{5BD1349E-D158-4E40-990A-05F7F3787A3C}" type="datetimeFigureOut">
               <a:rPr lang="en-US" smtClean="0"/>
-              <a:t>5/4/23</a:t>
+              <a:t>5/11/23</a:t>
             </a:fld>
             <a:endParaRPr lang="en-US"/>
           </a:p>
@@ -1303,7 +1309,7 @@
           <a:p>
             <a:fld id="{5BD1349E-D158-4E40-990A-05F7F3787A3C}" type="datetimeFigureOut">
               <a:rPr lang="en-US" smtClean="0"/>
-              <a:t>5/4/23</a:t>
+              <a:t>5/11/23</a:t>
             </a:fld>
             <a:endParaRPr lang="en-US"/>
           </a:p>
@@ -1579,7 +1585,7 @@
           <a:p>
             <a:fld id="{5BD1349E-D158-4E40-990A-05F7F3787A3C}" type="datetimeFigureOut">
               <a:rPr lang="en-US" smtClean="0"/>
-              <a:t>5/4/23</a:t>
+              <a:t>5/11/23</a:t>
             </a:fld>
             <a:endParaRPr lang="en-US"/>
           </a:p>
@@ -1847,7 +1853,7 @@
           <a:p>
             <a:fld id="{5BD1349E-D158-4E40-990A-05F7F3787A3C}" type="datetimeFigureOut">
               <a:rPr lang="en-US" smtClean="0"/>
-              <a:t>5/4/23</a:t>
+              <a:t>5/11/23</a:t>
             </a:fld>
             <a:endParaRPr lang="en-US"/>
           </a:p>
@@ -2262,7 +2268,7 @@
           <a:p>
             <a:fld id="{5BD1349E-D158-4E40-990A-05F7F3787A3C}" type="datetimeFigureOut">
               <a:rPr lang="en-US" smtClean="0"/>
-              <a:t>5/4/23</a:t>
+              <a:t>5/11/23</a:t>
             </a:fld>
             <a:endParaRPr lang="en-US"/>
           </a:p>
@@ -2404,7 +2410,7 @@
           <a:p>
             <a:fld id="{5BD1349E-D158-4E40-990A-05F7F3787A3C}" type="datetimeFigureOut">
               <a:rPr lang="en-US" smtClean="0"/>
-              <a:t>5/4/23</a:t>
+              <a:t>5/11/23</a:t>
             </a:fld>
             <a:endParaRPr lang="en-US"/>
           </a:p>
@@ -2517,7 +2523,7 @@
           <a:p>
             <a:fld id="{5BD1349E-D158-4E40-990A-05F7F3787A3C}" type="datetimeFigureOut">
               <a:rPr lang="en-US" smtClean="0"/>
-              <a:t>5/4/23</a:t>
+              <a:t>5/11/23</a:t>
             </a:fld>
             <a:endParaRPr lang="en-US"/>
           </a:p>
@@ -2830,7 +2836,7 @@
           <a:p>
             <a:fld id="{5BD1349E-D158-4E40-990A-05F7F3787A3C}" type="datetimeFigureOut">
               <a:rPr lang="en-US" smtClean="0"/>
-              <a:t>5/4/23</a:t>
+              <a:t>5/11/23</a:t>
             </a:fld>
             <a:endParaRPr lang="en-US"/>
           </a:p>
@@ -3119,7 +3125,7 @@
           <a:p>
             <a:fld id="{5BD1349E-D158-4E40-990A-05F7F3787A3C}" type="datetimeFigureOut">
               <a:rPr lang="en-US" smtClean="0"/>
-              <a:t>5/4/23</a:t>
+              <a:t>5/11/23</a:t>
             </a:fld>
             <a:endParaRPr lang="en-US"/>
           </a:p>
@@ -3362,7 +3368,7 @@
           <a:p>
             <a:fld id="{5BD1349E-D158-4E40-990A-05F7F3787A3C}" type="datetimeFigureOut">
               <a:rPr lang="en-US" smtClean="0"/>
-              <a:t>5/4/23</a:t>
+              <a:t>5/11/23</a:t>
             </a:fld>
             <a:endParaRPr lang="en-US"/>
           </a:p>
@@ -4901,6 +4907,5285 @@
     <p:extLst>
       <p:ext uri="{BB962C8B-B14F-4D97-AF65-F5344CB8AC3E}">
         <p14:creationId xmlns:p14="http://schemas.microsoft.com/office/powerpoint/2010/main" val="1434296839"/>
+      </p:ext>
+    </p:extLst>
+  </p:cSld>
+  <p:clrMapOvr>
+    <a:masterClrMapping/>
+  </p:clrMapOvr>
+</p:sld>
+</file>
+
+<file path=ppt/slides/slide2.xml><?xml version="1.0" encoding="utf-8"?>
+<p:sld xmlns:a="http://schemas.openxmlformats.org/drawingml/2006/main" xmlns:r="http://schemas.openxmlformats.org/officeDocument/2006/relationships" xmlns:p="http://schemas.openxmlformats.org/presentationml/2006/main">
+  <p:cSld>
+    <p:spTree>
+      <p:nvGrpSpPr>
+        <p:cNvPr id="1" name=""/>
+        <p:cNvGrpSpPr/>
+        <p:nvPr/>
+      </p:nvGrpSpPr>
+      <p:grpSpPr>
+        <a:xfrm>
+          <a:off x="0" y="0"/>
+          <a:ext cx="0" cy="0"/>
+          <a:chOff x="0" y="0"/>
+          <a:chExt cx="0" cy="0"/>
+        </a:xfrm>
+      </p:grpSpPr>
+      <p:sp>
+        <p:nvSpPr>
+          <p:cNvPr id="4" name="Rectangle 3">
+            <a:extLst>
+              <a:ext uri="{FF2B5EF4-FFF2-40B4-BE49-F238E27FC236}">
+                <a16:creationId xmlns:a16="http://schemas.microsoft.com/office/drawing/2014/main" id="{CDCD8440-31FD-B475-B593-5E9D7E35D9E1}"/>
+              </a:ext>
+            </a:extLst>
+          </p:cNvPr>
+          <p:cNvSpPr/>
+          <p:nvPr/>
+        </p:nvSpPr>
+        <p:spPr>
+          <a:xfrm>
+            <a:off x="2063984" y="78940"/>
+            <a:ext cx="322151" cy="272753"/>
+          </a:xfrm>
+          <a:prstGeom prst="rect">
+            <a:avLst/>
+          </a:prstGeom>
+          <a:solidFill>
+            <a:srgbClr val="FAFDF0"/>
+          </a:solidFill>
+          <a:ln>
+            <a:solidFill>
+              <a:srgbClr val="DDF08B"/>
+            </a:solidFill>
+          </a:ln>
+        </p:spPr>
+        <p:style>
+          <a:lnRef idx="2">
+            <a:schemeClr val="accent1">
+              <a:shade val="15000"/>
+            </a:schemeClr>
+          </a:lnRef>
+          <a:fillRef idx="1">
+            <a:schemeClr val="accent1"/>
+          </a:fillRef>
+          <a:effectRef idx="0">
+            <a:schemeClr val="accent1"/>
+          </a:effectRef>
+          <a:fontRef idx="minor">
+            <a:schemeClr val="lt1"/>
+          </a:fontRef>
+        </p:style>
+        <p:txBody>
+          <a:bodyPr rtlCol="0" anchor="ctr"/>
+          <a:lstStyle/>
+          <a:p>
+            <a:pPr algn="ctr"/>
+            <a:r>
+              <a:rPr lang="en-US" sz="1000" dirty="0">
+                <a:solidFill>
+                  <a:schemeClr val="tx1"/>
+                </a:solidFill>
+              </a:rPr>
+              <a:t>4</a:t>
+            </a:r>
+          </a:p>
+        </p:txBody>
+      </p:sp>
+      <p:sp>
+        <p:nvSpPr>
+          <p:cNvPr id="22" name="Rectangle 21">
+            <a:extLst>
+              <a:ext uri="{FF2B5EF4-FFF2-40B4-BE49-F238E27FC236}">
+                <a16:creationId xmlns:a16="http://schemas.microsoft.com/office/drawing/2014/main" id="{D5810BE1-D1DA-D292-51B5-53427AEB4A39}"/>
+              </a:ext>
+            </a:extLst>
+          </p:cNvPr>
+          <p:cNvSpPr/>
+          <p:nvPr/>
+        </p:nvSpPr>
+        <p:spPr>
+          <a:xfrm>
+            <a:off x="2386135" y="78939"/>
+            <a:ext cx="322151" cy="272753"/>
+          </a:xfrm>
+          <a:prstGeom prst="rect">
+            <a:avLst/>
+          </a:prstGeom>
+          <a:solidFill>
+            <a:srgbClr val="FAFDF0"/>
+          </a:solidFill>
+          <a:ln>
+            <a:solidFill>
+              <a:srgbClr val="DDF08B"/>
+            </a:solidFill>
+          </a:ln>
+        </p:spPr>
+        <p:style>
+          <a:lnRef idx="2">
+            <a:schemeClr val="accent1">
+              <a:shade val="15000"/>
+            </a:schemeClr>
+          </a:lnRef>
+          <a:fillRef idx="1">
+            <a:schemeClr val="accent1"/>
+          </a:fillRef>
+          <a:effectRef idx="0">
+            <a:schemeClr val="accent1"/>
+          </a:effectRef>
+          <a:fontRef idx="minor">
+            <a:schemeClr val="lt1"/>
+          </a:fontRef>
+        </p:style>
+        <p:txBody>
+          <a:bodyPr rtlCol="0" anchor="ctr"/>
+          <a:lstStyle/>
+          <a:p>
+            <a:pPr algn="ctr"/>
+            <a:r>
+              <a:rPr lang="en-US" sz="1000" dirty="0">
+                <a:solidFill>
+                  <a:schemeClr val="tx1"/>
+                </a:solidFill>
+              </a:rPr>
+              <a:t>8</a:t>
+            </a:r>
+          </a:p>
+        </p:txBody>
+      </p:sp>
+      <p:sp>
+        <p:nvSpPr>
+          <p:cNvPr id="23" name="Rectangle 22">
+            <a:extLst>
+              <a:ext uri="{FF2B5EF4-FFF2-40B4-BE49-F238E27FC236}">
+                <a16:creationId xmlns:a16="http://schemas.microsoft.com/office/drawing/2014/main" id="{CD6DF45D-2CA9-A65D-27C1-223EE2471AAB}"/>
+              </a:ext>
+            </a:extLst>
+          </p:cNvPr>
+          <p:cNvSpPr/>
+          <p:nvPr/>
+        </p:nvSpPr>
+        <p:spPr>
+          <a:xfrm>
+            <a:off x="2708286" y="78938"/>
+            <a:ext cx="322151" cy="272753"/>
+          </a:xfrm>
+          <a:prstGeom prst="rect">
+            <a:avLst/>
+          </a:prstGeom>
+          <a:solidFill>
+            <a:srgbClr val="FAFDF0"/>
+          </a:solidFill>
+          <a:ln>
+            <a:solidFill>
+              <a:srgbClr val="DDF08B"/>
+            </a:solidFill>
+          </a:ln>
+        </p:spPr>
+        <p:style>
+          <a:lnRef idx="2">
+            <a:schemeClr val="accent1">
+              <a:shade val="15000"/>
+            </a:schemeClr>
+          </a:lnRef>
+          <a:fillRef idx="1">
+            <a:schemeClr val="accent1"/>
+          </a:fillRef>
+          <a:effectRef idx="0">
+            <a:schemeClr val="accent1"/>
+          </a:effectRef>
+          <a:fontRef idx="minor">
+            <a:schemeClr val="lt1"/>
+          </a:fontRef>
+        </p:style>
+        <p:txBody>
+          <a:bodyPr rtlCol="0" anchor="ctr"/>
+          <a:lstStyle/>
+          <a:p>
+            <a:pPr algn="ctr"/>
+            <a:r>
+              <a:rPr lang="en-US" sz="1000" dirty="0">
+                <a:solidFill>
+                  <a:schemeClr val="tx1"/>
+                </a:solidFill>
+              </a:rPr>
+              <a:t>12</a:t>
+            </a:r>
+          </a:p>
+        </p:txBody>
+      </p:sp>
+      <p:sp>
+        <p:nvSpPr>
+          <p:cNvPr id="24" name="Rectangle 23">
+            <a:extLst>
+              <a:ext uri="{FF2B5EF4-FFF2-40B4-BE49-F238E27FC236}">
+                <a16:creationId xmlns:a16="http://schemas.microsoft.com/office/drawing/2014/main" id="{19834A6A-6309-8D36-2C14-3560D29E6928}"/>
+              </a:ext>
+            </a:extLst>
+          </p:cNvPr>
+          <p:cNvSpPr/>
+          <p:nvPr/>
+        </p:nvSpPr>
+        <p:spPr>
+          <a:xfrm>
+            <a:off x="3030437" y="78938"/>
+            <a:ext cx="322151" cy="272753"/>
+          </a:xfrm>
+          <a:prstGeom prst="rect">
+            <a:avLst/>
+          </a:prstGeom>
+          <a:solidFill>
+            <a:srgbClr val="FAFDF0"/>
+          </a:solidFill>
+          <a:ln>
+            <a:solidFill>
+              <a:srgbClr val="DDF08B"/>
+            </a:solidFill>
+          </a:ln>
+        </p:spPr>
+        <p:style>
+          <a:lnRef idx="2">
+            <a:schemeClr val="accent1">
+              <a:shade val="15000"/>
+            </a:schemeClr>
+          </a:lnRef>
+          <a:fillRef idx="1">
+            <a:schemeClr val="accent1"/>
+          </a:fillRef>
+          <a:effectRef idx="0">
+            <a:schemeClr val="accent1"/>
+          </a:effectRef>
+          <a:fontRef idx="minor">
+            <a:schemeClr val="lt1"/>
+          </a:fontRef>
+        </p:style>
+        <p:txBody>
+          <a:bodyPr rtlCol="0" anchor="ctr"/>
+          <a:lstStyle/>
+          <a:p>
+            <a:pPr algn="ctr"/>
+            <a:r>
+              <a:rPr lang="en-US" sz="1000" dirty="0">
+                <a:solidFill>
+                  <a:schemeClr val="tx1"/>
+                </a:solidFill>
+              </a:rPr>
+              <a:t>16</a:t>
+            </a:r>
+          </a:p>
+        </p:txBody>
+      </p:sp>
+      <p:sp>
+        <p:nvSpPr>
+          <p:cNvPr id="25" name="Rectangle 24">
+            <a:extLst>
+              <a:ext uri="{FF2B5EF4-FFF2-40B4-BE49-F238E27FC236}">
+                <a16:creationId xmlns:a16="http://schemas.microsoft.com/office/drawing/2014/main" id="{D386B93C-0CFE-D64C-E515-0903618A697D}"/>
+              </a:ext>
+            </a:extLst>
+          </p:cNvPr>
+          <p:cNvSpPr/>
+          <p:nvPr/>
+        </p:nvSpPr>
+        <p:spPr>
+          <a:xfrm>
+            <a:off x="2063984" y="351693"/>
+            <a:ext cx="322151" cy="272753"/>
+          </a:xfrm>
+          <a:prstGeom prst="rect">
+            <a:avLst/>
+          </a:prstGeom>
+          <a:solidFill>
+            <a:srgbClr val="FAFDF0"/>
+          </a:solidFill>
+          <a:ln>
+            <a:solidFill>
+              <a:srgbClr val="DDF08B"/>
+            </a:solidFill>
+          </a:ln>
+        </p:spPr>
+        <p:style>
+          <a:lnRef idx="2">
+            <a:schemeClr val="accent1">
+              <a:shade val="15000"/>
+            </a:schemeClr>
+          </a:lnRef>
+          <a:fillRef idx="1">
+            <a:schemeClr val="accent1"/>
+          </a:fillRef>
+          <a:effectRef idx="0">
+            <a:schemeClr val="accent1"/>
+          </a:effectRef>
+          <a:fontRef idx="minor">
+            <a:schemeClr val="lt1"/>
+          </a:fontRef>
+        </p:style>
+        <p:txBody>
+          <a:bodyPr rtlCol="0" anchor="ctr"/>
+          <a:lstStyle/>
+          <a:p>
+            <a:pPr algn="ctr"/>
+            <a:r>
+              <a:rPr lang="en-US" sz="1000" dirty="0">
+                <a:solidFill>
+                  <a:schemeClr val="tx1"/>
+                </a:solidFill>
+              </a:rPr>
+              <a:t>3</a:t>
+            </a:r>
+          </a:p>
+        </p:txBody>
+      </p:sp>
+      <p:sp>
+        <p:nvSpPr>
+          <p:cNvPr id="26" name="Rectangle 25">
+            <a:extLst>
+              <a:ext uri="{FF2B5EF4-FFF2-40B4-BE49-F238E27FC236}">
+                <a16:creationId xmlns:a16="http://schemas.microsoft.com/office/drawing/2014/main" id="{8D0AAD9C-91B6-30D6-4928-6EE8D6017D70}"/>
+              </a:ext>
+            </a:extLst>
+          </p:cNvPr>
+          <p:cNvSpPr/>
+          <p:nvPr/>
+        </p:nvSpPr>
+        <p:spPr>
+          <a:xfrm>
+            <a:off x="2386135" y="351692"/>
+            <a:ext cx="322151" cy="272753"/>
+          </a:xfrm>
+          <a:prstGeom prst="rect">
+            <a:avLst/>
+          </a:prstGeom>
+          <a:solidFill>
+            <a:srgbClr val="FAFDF0"/>
+          </a:solidFill>
+          <a:ln>
+            <a:solidFill>
+              <a:srgbClr val="DDF08B"/>
+            </a:solidFill>
+          </a:ln>
+        </p:spPr>
+        <p:style>
+          <a:lnRef idx="2">
+            <a:schemeClr val="accent1">
+              <a:shade val="15000"/>
+            </a:schemeClr>
+          </a:lnRef>
+          <a:fillRef idx="1">
+            <a:schemeClr val="accent1"/>
+          </a:fillRef>
+          <a:effectRef idx="0">
+            <a:schemeClr val="accent1"/>
+          </a:effectRef>
+          <a:fontRef idx="minor">
+            <a:schemeClr val="lt1"/>
+          </a:fontRef>
+        </p:style>
+        <p:txBody>
+          <a:bodyPr rtlCol="0" anchor="ctr"/>
+          <a:lstStyle/>
+          <a:p>
+            <a:pPr algn="ctr"/>
+            <a:r>
+              <a:rPr lang="en-US" sz="1000" dirty="0">
+                <a:solidFill>
+                  <a:schemeClr val="tx1"/>
+                </a:solidFill>
+              </a:rPr>
+              <a:t>7</a:t>
+            </a:r>
+          </a:p>
+        </p:txBody>
+      </p:sp>
+      <p:sp>
+        <p:nvSpPr>
+          <p:cNvPr id="27" name="Rectangle 26">
+            <a:extLst>
+              <a:ext uri="{FF2B5EF4-FFF2-40B4-BE49-F238E27FC236}">
+                <a16:creationId xmlns:a16="http://schemas.microsoft.com/office/drawing/2014/main" id="{E7C04463-EF40-3F53-E862-7519D8CF48E9}"/>
+              </a:ext>
+            </a:extLst>
+          </p:cNvPr>
+          <p:cNvSpPr/>
+          <p:nvPr/>
+        </p:nvSpPr>
+        <p:spPr>
+          <a:xfrm>
+            <a:off x="2708286" y="351691"/>
+            <a:ext cx="322151" cy="272753"/>
+          </a:xfrm>
+          <a:prstGeom prst="rect">
+            <a:avLst/>
+          </a:prstGeom>
+          <a:solidFill>
+            <a:srgbClr val="FAFDF0"/>
+          </a:solidFill>
+          <a:ln>
+            <a:solidFill>
+              <a:srgbClr val="DDF08B"/>
+            </a:solidFill>
+          </a:ln>
+        </p:spPr>
+        <p:style>
+          <a:lnRef idx="2">
+            <a:schemeClr val="accent1">
+              <a:shade val="15000"/>
+            </a:schemeClr>
+          </a:lnRef>
+          <a:fillRef idx="1">
+            <a:schemeClr val="accent1"/>
+          </a:fillRef>
+          <a:effectRef idx="0">
+            <a:schemeClr val="accent1"/>
+          </a:effectRef>
+          <a:fontRef idx="minor">
+            <a:schemeClr val="lt1"/>
+          </a:fontRef>
+        </p:style>
+        <p:txBody>
+          <a:bodyPr rtlCol="0" anchor="ctr"/>
+          <a:lstStyle/>
+          <a:p>
+            <a:pPr algn="ctr"/>
+            <a:r>
+              <a:rPr lang="en-US" sz="1000" dirty="0">
+                <a:solidFill>
+                  <a:schemeClr val="tx1"/>
+                </a:solidFill>
+              </a:rPr>
+              <a:t>11</a:t>
+            </a:r>
+          </a:p>
+        </p:txBody>
+      </p:sp>
+      <p:sp>
+        <p:nvSpPr>
+          <p:cNvPr id="28" name="Rectangle 27">
+            <a:extLst>
+              <a:ext uri="{FF2B5EF4-FFF2-40B4-BE49-F238E27FC236}">
+                <a16:creationId xmlns:a16="http://schemas.microsoft.com/office/drawing/2014/main" id="{7067D43B-4470-E62F-E189-05C6507461AA}"/>
+              </a:ext>
+            </a:extLst>
+          </p:cNvPr>
+          <p:cNvSpPr/>
+          <p:nvPr/>
+        </p:nvSpPr>
+        <p:spPr>
+          <a:xfrm>
+            <a:off x="3030437" y="351691"/>
+            <a:ext cx="322151" cy="272753"/>
+          </a:xfrm>
+          <a:prstGeom prst="rect">
+            <a:avLst/>
+          </a:prstGeom>
+          <a:solidFill>
+            <a:srgbClr val="FAFDF0"/>
+          </a:solidFill>
+          <a:ln>
+            <a:solidFill>
+              <a:srgbClr val="DDF08B"/>
+            </a:solidFill>
+          </a:ln>
+        </p:spPr>
+        <p:style>
+          <a:lnRef idx="2">
+            <a:schemeClr val="accent1">
+              <a:shade val="15000"/>
+            </a:schemeClr>
+          </a:lnRef>
+          <a:fillRef idx="1">
+            <a:schemeClr val="accent1"/>
+          </a:fillRef>
+          <a:effectRef idx="0">
+            <a:schemeClr val="accent1"/>
+          </a:effectRef>
+          <a:fontRef idx="minor">
+            <a:schemeClr val="lt1"/>
+          </a:fontRef>
+        </p:style>
+        <p:txBody>
+          <a:bodyPr rtlCol="0" anchor="ctr"/>
+          <a:lstStyle/>
+          <a:p>
+            <a:pPr algn="ctr"/>
+            <a:r>
+              <a:rPr lang="en-US" sz="1000" dirty="0">
+                <a:solidFill>
+                  <a:schemeClr val="tx1"/>
+                </a:solidFill>
+              </a:rPr>
+              <a:t>15</a:t>
+            </a:r>
+          </a:p>
+        </p:txBody>
+      </p:sp>
+      <p:sp>
+        <p:nvSpPr>
+          <p:cNvPr id="29" name="Rectangle 28">
+            <a:extLst>
+              <a:ext uri="{FF2B5EF4-FFF2-40B4-BE49-F238E27FC236}">
+                <a16:creationId xmlns:a16="http://schemas.microsoft.com/office/drawing/2014/main" id="{37624F53-A547-3850-9610-E719904DC671}"/>
+              </a:ext>
+            </a:extLst>
+          </p:cNvPr>
+          <p:cNvSpPr/>
+          <p:nvPr/>
+        </p:nvSpPr>
+        <p:spPr>
+          <a:xfrm>
+            <a:off x="2063984" y="624446"/>
+            <a:ext cx="322151" cy="272753"/>
+          </a:xfrm>
+          <a:prstGeom prst="rect">
+            <a:avLst/>
+          </a:prstGeom>
+          <a:solidFill>
+            <a:srgbClr val="FAFDF0"/>
+          </a:solidFill>
+          <a:ln>
+            <a:solidFill>
+              <a:srgbClr val="DDF08B"/>
+            </a:solidFill>
+          </a:ln>
+        </p:spPr>
+        <p:style>
+          <a:lnRef idx="2">
+            <a:schemeClr val="accent1">
+              <a:shade val="15000"/>
+            </a:schemeClr>
+          </a:lnRef>
+          <a:fillRef idx="1">
+            <a:schemeClr val="accent1"/>
+          </a:fillRef>
+          <a:effectRef idx="0">
+            <a:schemeClr val="accent1"/>
+          </a:effectRef>
+          <a:fontRef idx="minor">
+            <a:schemeClr val="lt1"/>
+          </a:fontRef>
+        </p:style>
+        <p:txBody>
+          <a:bodyPr rtlCol="0" anchor="ctr"/>
+          <a:lstStyle/>
+          <a:p>
+            <a:pPr algn="ctr"/>
+            <a:r>
+              <a:rPr lang="en-US" sz="1000" dirty="0">
+                <a:solidFill>
+                  <a:schemeClr val="tx1"/>
+                </a:solidFill>
+              </a:rPr>
+              <a:t>2</a:t>
+            </a:r>
+          </a:p>
+        </p:txBody>
+      </p:sp>
+      <p:sp>
+        <p:nvSpPr>
+          <p:cNvPr id="30" name="Rectangle 29">
+            <a:extLst>
+              <a:ext uri="{FF2B5EF4-FFF2-40B4-BE49-F238E27FC236}">
+                <a16:creationId xmlns:a16="http://schemas.microsoft.com/office/drawing/2014/main" id="{39CCD825-E908-409C-40E7-DC638B1A7E6E}"/>
+              </a:ext>
+            </a:extLst>
+          </p:cNvPr>
+          <p:cNvSpPr/>
+          <p:nvPr/>
+        </p:nvSpPr>
+        <p:spPr>
+          <a:xfrm>
+            <a:off x="2386135" y="624445"/>
+            <a:ext cx="322151" cy="272753"/>
+          </a:xfrm>
+          <a:prstGeom prst="rect">
+            <a:avLst/>
+          </a:prstGeom>
+          <a:solidFill>
+            <a:srgbClr val="FAFDF0"/>
+          </a:solidFill>
+          <a:ln>
+            <a:solidFill>
+              <a:srgbClr val="DDF08B"/>
+            </a:solidFill>
+          </a:ln>
+        </p:spPr>
+        <p:style>
+          <a:lnRef idx="2">
+            <a:schemeClr val="accent1">
+              <a:shade val="15000"/>
+            </a:schemeClr>
+          </a:lnRef>
+          <a:fillRef idx="1">
+            <a:schemeClr val="accent1"/>
+          </a:fillRef>
+          <a:effectRef idx="0">
+            <a:schemeClr val="accent1"/>
+          </a:effectRef>
+          <a:fontRef idx="minor">
+            <a:schemeClr val="lt1"/>
+          </a:fontRef>
+        </p:style>
+        <p:txBody>
+          <a:bodyPr rtlCol="0" anchor="ctr"/>
+          <a:lstStyle/>
+          <a:p>
+            <a:pPr algn="ctr"/>
+            <a:r>
+              <a:rPr lang="en-US" sz="1000" dirty="0">
+                <a:solidFill>
+                  <a:schemeClr val="tx1"/>
+                </a:solidFill>
+              </a:rPr>
+              <a:t>6</a:t>
+            </a:r>
+          </a:p>
+        </p:txBody>
+      </p:sp>
+      <p:sp>
+        <p:nvSpPr>
+          <p:cNvPr id="31" name="Rectangle 30">
+            <a:extLst>
+              <a:ext uri="{FF2B5EF4-FFF2-40B4-BE49-F238E27FC236}">
+                <a16:creationId xmlns:a16="http://schemas.microsoft.com/office/drawing/2014/main" id="{78FB0975-4864-9C57-2B5B-332BECE0B548}"/>
+              </a:ext>
+            </a:extLst>
+          </p:cNvPr>
+          <p:cNvSpPr/>
+          <p:nvPr/>
+        </p:nvSpPr>
+        <p:spPr>
+          <a:xfrm>
+            <a:off x="2708286" y="624444"/>
+            <a:ext cx="322151" cy="272753"/>
+          </a:xfrm>
+          <a:prstGeom prst="rect">
+            <a:avLst/>
+          </a:prstGeom>
+          <a:solidFill>
+            <a:srgbClr val="FAFDF0"/>
+          </a:solidFill>
+          <a:ln>
+            <a:solidFill>
+              <a:srgbClr val="DDF08B"/>
+            </a:solidFill>
+          </a:ln>
+        </p:spPr>
+        <p:style>
+          <a:lnRef idx="2">
+            <a:schemeClr val="accent1">
+              <a:shade val="15000"/>
+            </a:schemeClr>
+          </a:lnRef>
+          <a:fillRef idx="1">
+            <a:schemeClr val="accent1"/>
+          </a:fillRef>
+          <a:effectRef idx="0">
+            <a:schemeClr val="accent1"/>
+          </a:effectRef>
+          <a:fontRef idx="minor">
+            <a:schemeClr val="lt1"/>
+          </a:fontRef>
+        </p:style>
+        <p:txBody>
+          <a:bodyPr rtlCol="0" anchor="ctr"/>
+          <a:lstStyle/>
+          <a:p>
+            <a:pPr algn="ctr"/>
+            <a:r>
+              <a:rPr lang="en-US" sz="1000" dirty="0">
+                <a:solidFill>
+                  <a:schemeClr val="tx1"/>
+                </a:solidFill>
+              </a:rPr>
+              <a:t>10</a:t>
+            </a:r>
+          </a:p>
+        </p:txBody>
+      </p:sp>
+      <p:sp>
+        <p:nvSpPr>
+          <p:cNvPr id="32" name="Rectangle 31">
+            <a:extLst>
+              <a:ext uri="{FF2B5EF4-FFF2-40B4-BE49-F238E27FC236}">
+                <a16:creationId xmlns:a16="http://schemas.microsoft.com/office/drawing/2014/main" id="{D8BC56C5-D5D9-20E9-D3AF-B4B1EC0155D7}"/>
+              </a:ext>
+            </a:extLst>
+          </p:cNvPr>
+          <p:cNvSpPr/>
+          <p:nvPr/>
+        </p:nvSpPr>
+        <p:spPr>
+          <a:xfrm>
+            <a:off x="3030437" y="624444"/>
+            <a:ext cx="322151" cy="272753"/>
+          </a:xfrm>
+          <a:prstGeom prst="rect">
+            <a:avLst/>
+          </a:prstGeom>
+          <a:solidFill>
+            <a:srgbClr val="FAFDF0"/>
+          </a:solidFill>
+          <a:ln>
+            <a:solidFill>
+              <a:srgbClr val="DDF08B"/>
+            </a:solidFill>
+          </a:ln>
+        </p:spPr>
+        <p:style>
+          <a:lnRef idx="2">
+            <a:schemeClr val="accent1">
+              <a:shade val="15000"/>
+            </a:schemeClr>
+          </a:lnRef>
+          <a:fillRef idx="1">
+            <a:schemeClr val="accent1"/>
+          </a:fillRef>
+          <a:effectRef idx="0">
+            <a:schemeClr val="accent1"/>
+          </a:effectRef>
+          <a:fontRef idx="minor">
+            <a:schemeClr val="lt1"/>
+          </a:fontRef>
+        </p:style>
+        <p:txBody>
+          <a:bodyPr rtlCol="0" anchor="ctr"/>
+          <a:lstStyle/>
+          <a:p>
+            <a:pPr algn="ctr"/>
+            <a:r>
+              <a:rPr lang="en-US" sz="1000" dirty="0">
+                <a:solidFill>
+                  <a:schemeClr val="tx1"/>
+                </a:solidFill>
+              </a:rPr>
+              <a:t>14</a:t>
+            </a:r>
+          </a:p>
+        </p:txBody>
+      </p:sp>
+      <p:sp>
+        <p:nvSpPr>
+          <p:cNvPr id="33" name="Rectangle 32">
+            <a:extLst>
+              <a:ext uri="{FF2B5EF4-FFF2-40B4-BE49-F238E27FC236}">
+                <a16:creationId xmlns:a16="http://schemas.microsoft.com/office/drawing/2014/main" id="{E3252528-7629-EA58-7804-B66C38AD460B}"/>
+              </a:ext>
+            </a:extLst>
+          </p:cNvPr>
+          <p:cNvSpPr/>
+          <p:nvPr/>
+        </p:nvSpPr>
+        <p:spPr>
+          <a:xfrm>
+            <a:off x="2063984" y="897198"/>
+            <a:ext cx="322151" cy="272753"/>
+          </a:xfrm>
+          <a:prstGeom prst="rect">
+            <a:avLst/>
+          </a:prstGeom>
+          <a:solidFill>
+            <a:srgbClr val="FAFDF0"/>
+          </a:solidFill>
+          <a:ln>
+            <a:solidFill>
+              <a:srgbClr val="DDF08B"/>
+            </a:solidFill>
+          </a:ln>
+        </p:spPr>
+        <p:style>
+          <a:lnRef idx="2">
+            <a:schemeClr val="accent1">
+              <a:shade val="15000"/>
+            </a:schemeClr>
+          </a:lnRef>
+          <a:fillRef idx="1">
+            <a:schemeClr val="accent1"/>
+          </a:fillRef>
+          <a:effectRef idx="0">
+            <a:schemeClr val="accent1"/>
+          </a:effectRef>
+          <a:fontRef idx="minor">
+            <a:schemeClr val="lt1"/>
+          </a:fontRef>
+        </p:style>
+        <p:txBody>
+          <a:bodyPr rtlCol="0" anchor="ctr"/>
+          <a:lstStyle/>
+          <a:p>
+            <a:pPr algn="ctr"/>
+            <a:r>
+              <a:rPr lang="en-US" sz="1000" dirty="0">
+                <a:solidFill>
+                  <a:schemeClr val="tx1"/>
+                </a:solidFill>
+              </a:rPr>
+              <a:t>1</a:t>
+            </a:r>
+          </a:p>
+        </p:txBody>
+      </p:sp>
+      <p:sp>
+        <p:nvSpPr>
+          <p:cNvPr id="34" name="Rectangle 33">
+            <a:extLst>
+              <a:ext uri="{FF2B5EF4-FFF2-40B4-BE49-F238E27FC236}">
+                <a16:creationId xmlns:a16="http://schemas.microsoft.com/office/drawing/2014/main" id="{8B1FA3A8-614A-4CB0-609F-C6DBA17FDD72}"/>
+              </a:ext>
+            </a:extLst>
+          </p:cNvPr>
+          <p:cNvSpPr/>
+          <p:nvPr/>
+        </p:nvSpPr>
+        <p:spPr>
+          <a:xfrm>
+            <a:off x="2386135" y="897197"/>
+            <a:ext cx="322151" cy="272753"/>
+          </a:xfrm>
+          <a:prstGeom prst="rect">
+            <a:avLst/>
+          </a:prstGeom>
+          <a:solidFill>
+            <a:srgbClr val="FAFDF0"/>
+          </a:solidFill>
+          <a:ln>
+            <a:solidFill>
+              <a:srgbClr val="DDF08B"/>
+            </a:solidFill>
+          </a:ln>
+        </p:spPr>
+        <p:style>
+          <a:lnRef idx="2">
+            <a:schemeClr val="accent1">
+              <a:shade val="15000"/>
+            </a:schemeClr>
+          </a:lnRef>
+          <a:fillRef idx="1">
+            <a:schemeClr val="accent1"/>
+          </a:fillRef>
+          <a:effectRef idx="0">
+            <a:schemeClr val="accent1"/>
+          </a:effectRef>
+          <a:fontRef idx="minor">
+            <a:schemeClr val="lt1"/>
+          </a:fontRef>
+        </p:style>
+        <p:txBody>
+          <a:bodyPr rtlCol="0" anchor="ctr"/>
+          <a:lstStyle/>
+          <a:p>
+            <a:pPr algn="ctr"/>
+            <a:r>
+              <a:rPr lang="en-US" sz="1000" dirty="0">
+                <a:solidFill>
+                  <a:schemeClr val="tx1"/>
+                </a:solidFill>
+              </a:rPr>
+              <a:t>5</a:t>
+            </a:r>
+          </a:p>
+        </p:txBody>
+      </p:sp>
+      <p:sp>
+        <p:nvSpPr>
+          <p:cNvPr id="35" name="Rectangle 34">
+            <a:extLst>
+              <a:ext uri="{FF2B5EF4-FFF2-40B4-BE49-F238E27FC236}">
+                <a16:creationId xmlns:a16="http://schemas.microsoft.com/office/drawing/2014/main" id="{ADF08D68-FBBE-03DA-244B-1FF37D7FC6ED}"/>
+              </a:ext>
+            </a:extLst>
+          </p:cNvPr>
+          <p:cNvSpPr/>
+          <p:nvPr/>
+        </p:nvSpPr>
+        <p:spPr>
+          <a:xfrm>
+            <a:off x="2708286" y="897196"/>
+            <a:ext cx="322151" cy="272753"/>
+          </a:xfrm>
+          <a:prstGeom prst="rect">
+            <a:avLst/>
+          </a:prstGeom>
+          <a:solidFill>
+            <a:srgbClr val="FAFDF0"/>
+          </a:solidFill>
+          <a:ln>
+            <a:solidFill>
+              <a:srgbClr val="DDF08B"/>
+            </a:solidFill>
+          </a:ln>
+        </p:spPr>
+        <p:style>
+          <a:lnRef idx="2">
+            <a:schemeClr val="accent1">
+              <a:shade val="15000"/>
+            </a:schemeClr>
+          </a:lnRef>
+          <a:fillRef idx="1">
+            <a:schemeClr val="accent1"/>
+          </a:fillRef>
+          <a:effectRef idx="0">
+            <a:schemeClr val="accent1"/>
+          </a:effectRef>
+          <a:fontRef idx="minor">
+            <a:schemeClr val="lt1"/>
+          </a:fontRef>
+        </p:style>
+        <p:txBody>
+          <a:bodyPr rtlCol="0" anchor="ctr"/>
+          <a:lstStyle/>
+          <a:p>
+            <a:pPr algn="ctr"/>
+            <a:r>
+              <a:rPr lang="en-US" sz="1000" dirty="0">
+                <a:solidFill>
+                  <a:schemeClr val="tx1"/>
+                </a:solidFill>
+              </a:rPr>
+              <a:t>9</a:t>
+            </a:r>
+          </a:p>
+        </p:txBody>
+      </p:sp>
+      <p:sp>
+        <p:nvSpPr>
+          <p:cNvPr id="36" name="Rectangle 35">
+            <a:extLst>
+              <a:ext uri="{FF2B5EF4-FFF2-40B4-BE49-F238E27FC236}">
+                <a16:creationId xmlns:a16="http://schemas.microsoft.com/office/drawing/2014/main" id="{61F65415-155A-C5BD-4DDA-CEBAE814F93B}"/>
+              </a:ext>
+            </a:extLst>
+          </p:cNvPr>
+          <p:cNvSpPr/>
+          <p:nvPr/>
+        </p:nvSpPr>
+        <p:spPr>
+          <a:xfrm>
+            <a:off x="3030437" y="897196"/>
+            <a:ext cx="322151" cy="272753"/>
+          </a:xfrm>
+          <a:prstGeom prst="rect">
+            <a:avLst/>
+          </a:prstGeom>
+          <a:solidFill>
+            <a:srgbClr val="FAFDF0"/>
+          </a:solidFill>
+          <a:ln>
+            <a:solidFill>
+              <a:srgbClr val="DDF08B"/>
+            </a:solidFill>
+          </a:ln>
+        </p:spPr>
+        <p:style>
+          <a:lnRef idx="2">
+            <a:schemeClr val="accent1">
+              <a:shade val="15000"/>
+            </a:schemeClr>
+          </a:lnRef>
+          <a:fillRef idx="1">
+            <a:schemeClr val="accent1"/>
+          </a:fillRef>
+          <a:effectRef idx="0">
+            <a:schemeClr val="accent1"/>
+          </a:effectRef>
+          <a:fontRef idx="minor">
+            <a:schemeClr val="lt1"/>
+          </a:fontRef>
+        </p:style>
+        <p:txBody>
+          <a:bodyPr rtlCol="0" anchor="ctr"/>
+          <a:lstStyle/>
+          <a:p>
+            <a:pPr algn="ctr"/>
+            <a:r>
+              <a:rPr lang="en-US" sz="1000" dirty="0">
+                <a:solidFill>
+                  <a:schemeClr val="tx1"/>
+                </a:solidFill>
+              </a:rPr>
+              <a:t>13</a:t>
+            </a:r>
+          </a:p>
+        </p:txBody>
+      </p:sp>
+      <p:sp>
+        <p:nvSpPr>
+          <p:cNvPr id="37" name="Rectangle 36">
+            <a:extLst>
+              <a:ext uri="{FF2B5EF4-FFF2-40B4-BE49-F238E27FC236}">
+                <a16:creationId xmlns:a16="http://schemas.microsoft.com/office/drawing/2014/main" id="{4065DBD7-8FA2-349C-214B-3F2A124922BC}"/>
+              </a:ext>
+            </a:extLst>
+          </p:cNvPr>
+          <p:cNvSpPr/>
+          <p:nvPr/>
+        </p:nvSpPr>
+        <p:spPr>
+          <a:xfrm>
+            <a:off x="131078" y="1348828"/>
+            <a:ext cx="322151" cy="272753"/>
+          </a:xfrm>
+          <a:prstGeom prst="rect">
+            <a:avLst/>
+          </a:prstGeom>
+          <a:solidFill>
+            <a:srgbClr val="FAFDF0"/>
+          </a:solidFill>
+          <a:ln>
+            <a:solidFill>
+              <a:srgbClr val="DDF08B"/>
+            </a:solidFill>
+          </a:ln>
+        </p:spPr>
+        <p:style>
+          <a:lnRef idx="2">
+            <a:schemeClr val="accent1">
+              <a:shade val="15000"/>
+            </a:schemeClr>
+          </a:lnRef>
+          <a:fillRef idx="1">
+            <a:schemeClr val="accent1"/>
+          </a:fillRef>
+          <a:effectRef idx="0">
+            <a:schemeClr val="accent1"/>
+          </a:effectRef>
+          <a:fontRef idx="minor">
+            <a:schemeClr val="lt1"/>
+          </a:fontRef>
+        </p:style>
+        <p:txBody>
+          <a:bodyPr rtlCol="0" anchor="ctr"/>
+          <a:lstStyle/>
+          <a:p>
+            <a:pPr algn="ctr"/>
+            <a:r>
+              <a:rPr lang="en-US" sz="1000" dirty="0">
+                <a:solidFill>
+                  <a:schemeClr val="tx1"/>
+                </a:solidFill>
+              </a:rPr>
+              <a:t>1</a:t>
+            </a:r>
+          </a:p>
+        </p:txBody>
+      </p:sp>
+      <p:sp>
+        <p:nvSpPr>
+          <p:cNvPr id="38" name="Rectangle 37">
+            <a:extLst>
+              <a:ext uri="{FF2B5EF4-FFF2-40B4-BE49-F238E27FC236}">
+                <a16:creationId xmlns:a16="http://schemas.microsoft.com/office/drawing/2014/main" id="{CA401381-FDB9-A351-5020-A070CF66BE13}"/>
+              </a:ext>
+            </a:extLst>
+          </p:cNvPr>
+          <p:cNvSpPr/>
+          <p:nvPr/>
+        </p:nvSpPr>
+        <p:spPr>
+          <a:xfrm>
+            <a:off x="453229" y="1348827"/>
+            <a:ext cx="322151" cy="272753"/>
+          </a:xfrm>
+          <a:prstGeom prst="rect">
+            <a:avLst/>
+          </a:prstGeom>
+          <a:solidFill>
+            <a:srgbClr val="FAFDF0"/>
+          </a:solidFill>
+          <a:ln>
+            <a:solidFill>
+              <a:srgbClr val="DDF08B"/>
+            </a:solidFill>
+          </a:ln>
+        </p:spPr>
+        <p:style>
+          <a:lnRef idx="2">
+            <a:schemeClr val="accent1">
+              <a:shade val="15000"/>
+            </a:schemeClr>
+          </a:lnRef>
+          <a:fillRef idx="1">
+            <a:schemeClr val="accent1"/>
+          </a:fillRef>
+          <a:effectRef idx="0">
+            <a:schemeClr val="accent1"/>
+          </a:effectRef>
+          <a:fontRef idx="minor">
+            <a:schemeClr val="lt1"/>
+          </a:fontRef>
+        </p:style>
+        <p:txBody>
+          <a:bodyPr rtlCol="0" anchor="ctr"/>
+          <a:lstStyle/>
+          <a:p>
+            <a:pPr algn="ctr"/>
+            <a:r>
+              <a:rPr lang="en-US" sz="1000" dirty="0">
+                <a:solidFill>
+                  <a:schemeClr val="tx1"/>
+                </a:solidFill>
+              </a:rPr>
+              <a:t>2</a:t>
+            </a:r>
+          </a:p>
+        </p:txBody>
+      </p:sp>
+      <p:sp>
+        <p:nvSpPr>
+          <p:cNvPr id="39" name="Rectangle 38">
+            <a:extLst>
+              <a:ext uri="{FF2B5EF4-FFF2-40B4-BE49-F238E27FC236}">
+                <a16:creationId xmlns:a16="http://schemas.microsoft.com/office/drawing/2014/main" id="{C71A86E1-CA28-336F-49F0-3A35C0162B16}"/>
+              </a:ext>
+            </a:extLst>
+          </p:cNvPr>
+          <p:cNvSpPr/>
+          <p:nvPr/>
+        </p:nvSpPr>
+        <p:spPr>
+          <a:xfrm>
+            <a:off x="775380" y="1348826"/>
+            <a:ext cx="322151" cy="272753"/>
+          </a:xfrm>
+          <a:prstGeom prst="rect">
+            <a:avLst/>
+          </a:prstGeom>
+          <a:solidFill>
+            <a:srgbClr val="FAFDF0"/>
+          </a:solidFill>
+          <a:ln>
+            <a:solidFill>
+              <a:srgbClr val="DDF08B"/>
+            </a:solidFill>
+          </a:ln>
+        </p:spPr>
+        <p:style>
+          <a:lnRef idx="2">
+            <a:schemeClr val="accent1">
+              <a:shade val="15000"/>
+            </a:schemeClr>
+          </a:lnRef>
+          <a:fillRef idx="1">
+            <a:schemeClr val="accent1"/>
+          </a:fillRef>
+          <a:effectRef idx="0">
+            <a:schemeClr val="accent1"/>
+          </a:effectRef>
+          <a:fontRef idx="minor">
+            <a:schemeClr val="lt1"/>
+          </a:fontRef>
+        </p:style>
+        <p:txBody>
+          <a:bodyPr rtlCol="0" anchor="ctr"/>
+          <a:lstStyle/>
+          <a:p>
+            <a:pPr algn="ctr"/>
+            <a:r>
+              <a:rPr lang="en-US" sz="1000" dirty="0">
+                <a:solidFill>
+                  <a:schemeClr val="tx1"/>
+                </a:solidFill>
+              </a:rPr>
+              <a:t>3</a:t>
+            </a:r>
+          </a:p>
+        </p:txBody>
+      </p:sp>
+      <p:sp>
+        <p:nvSpPr>
+          <p:cNvPr id="40" name="Rectangle 39">
+            <a:extLst>
+              <a:ext uri="{FF2B5EF4-FFF2-40B4-BE49-F238E27FC236}">
+                <a16:creationId xmlns:a16="http://schemas.microsoft.com/office/drawing/2014/main" id="{6E226D8E-0138-4318-D163-D3CA6EAC8676}"/>
+              </a:ext>
+            </a:extLst>
+          </p:cNvPr>
+          <p:cNvSpPr/>
+          <p:nvPr/>
+        </p:nvSpPr>
+        <p:spPr>
+          <a:xfrm>
+            <a:off x="1097531" y="1348826"/>
+            <a:ext cx="322151" cy="272753"/>
+          </a:xfrm>
+          <a:prstGeom prst="rect">
+            <a:avLst/>
+          </a:prstGeom>
+          <a:solidFill>
+            <a:srgbClr val="FAFDF0"/>
+          </a:solidFill>
+          <a:ln>
+            <a:solidFill>
+              <a:srgbClr val="DDF08B"/>
+            </a:solidFill>
+          </a:ln>
+        </p:spPr>
+        <p:style>
+          <a:lnRef idx="2">
+            <a:schemeClr val="accent1">
+              <a:shade val="15000"/>
+            </a:schemeClr>
+          </a:lnRef>
+          <a:fillRef idx="1">
+            <a:schemeClr val="accent1"/>
+          </a:fillRef>
+          <a:effectRef idx="0">
+            <a:schemeClr val="accent1"/>
+          </a:effectRef>
+          <a:fontRef idx="minor">
+            <a:schemeClr val="lt1"/>
+          </a:fontRef>
+        </p:style>
+        <p:txBody>
+          <a:bodyPr rtlCol="0" anchor="ctr"/>
+          <a:lstStyle/>
+          <a:p>
+            <a:pPr algn="ctr"/>
+            <a:r>
+              <a:rPr lang="en-US" sz="1000" dirty="0">
+                <a:solidFill>
+                  <a:schemeClr val="tx1"/>
+                </a:solidFill>
+              </a:rPr>
+              <a:t>4</a:t>
+            </a:r>
+          </a:p>
+        </p:txBody>
+      </p:sp>
+      <p:sp>
+        <p:nvSpPr>
+          <p:cNvPr id="41" name="Rectangle 40">
+            <a:extLst>
+              <a:ext uri="{FF2B5EF4-FFF2-40B4-BE49-F238E27FC236}">
+                <a16:creationId xmlns:a16="http://schemas.microsoft.com/office/drawing/2014/main" id="{86A5E5FA-4DD8-3277-33D6-073A27C4ACA5}"/>
+              </a:ext>
+            </a:extLst>
+          </p:cNvPr>
+          <p:cNvSpPr/>
+          <p:nvPr/>
+        </p:nvSpPr>
+        <p:spPr>
+          <a:xfrm>
+            <a:off x="1419682" y="1348826"/>
+            <a:ext cx="322151" cy="272753"/>
+          </a:xfrm>
+          <a:prstGeom prst="rect">
+            <a:avLst/>
+          </a:prstGeom>
+          <a:solidFill>
+            <a:srgbClr val="FAFDF0"/>
+          </a:solidFill>
+          <a:ln>
+            <a:solidFill>
+              <a:srgbClr val="DDF08B"/>
+            </a:solidFill>
+          </a:ln>
+        </p:spPr>
+        <p:style>
+          <a:lnRef idx="2">
+            <a:schemeClr val="accent1">
+              <a:shade val="15000"/>
+            </a:schemeClr>
+          </a:lnRef>
+          <a:fillRef idx="1">
+            <a:schemeClr val="accent1"/>
+          </a:fillRef>
+          <a:effectRef idx="0">
+            <a:schemeClr val="accent1"/>
+          </a:effectRef>
+          <a:fontRef idx="minor">
+            <a:schemeClr val="lt1"/>
+          </a:fontRef>
+        </p:style>
+        <p:txBody>
+          <a:bodyPr rtlCol="0" anchor="ctr"/>
+          <a:lstStyle/>
+          <a:p>
+            <a:pPr algn="ctr"/>
+            <a:r>
+              <a:rPr lang="en-US" sz="1000" dirty="0">
+                <a:solidFill>
+                  <a:schemeClr val="tx1"/>
+                </a:solidFill>
+              </a:rPr>
+              <a:t>5</a:t>
+            </a:r>
+          </a:p>
+        </p:txBody>
+      </p:sp>
+      <p:sp>
+        <p:nvSpPr>
+          <p:cNvPr id="42" name="Rectangle 41">
+            <a:extLst>
+              <a:ext uri="{FF2B5EF4-FFF2-40B4-BE49-F238E27FC236}">
+                <a16:creationId xmlns:a16="http://schemas.microsoft.com/office/drawing/2014/main" id="{BBFCD4DF-367D-5FAD-C789-24A6276559F5}"/>
+              </a:ext>
+            </a:extLst>
+          </p:cNvPr>
+          <p:cNvSpPr/>
+          <p:nvPr/>
+        </p:nvSpPr>
+        <p:spPr>
+          <a:xfrm>
+            <a:off x="1741833" y="1348825"/>
+            <a:ext cx="322151" cy="272753"/>
+          </a:xfrm>
+          <a:prstGeom prst="rect">
+            <a:avLst/>
+          </a:prstGeom>
+          <a:solidFill>
+            <a:srgbClr val="FAFDF0"/>
+          </a:solidFill>
+          <a:ln>
+            <a:solidFill>
+              <a:srgbClr val="DDF08B"/>
+            </a:solidFill>
+          </a:ln>
+        </p:spPr>
+        <p:style>
+          <a:lnRef idx="2">
+            <a:schemeClr val="accent1">
+              <a:shade val="15000"/>
+            </a:schemeClr>
+          </a:lnRef>
+          <a:fillRef idx="1">
+            <a:schemeClr val="accent1"/>
+          </a:fillRef>
+          <a:effectRef idx="0">
+            <a:schemeClr val="accent1"/>
+          </a:effectRef>
+          <a:fontRef idx="minor">
+            <a:schemeClr val="lt1"/>
+          </a:fontRef>
+        </p:style>
+        <p:txBody>
+          <a:bodyPr rtlCol="0" anchor="ctr"/>
+          <a:lstStyle/>
+          <a:p>
+            <a:pPr algn="ctr"/>
+            <a:r>
+              <a:rPr lang="en-US" sz="1000" dirty="0">
+                <a:solidFill>
+                  <a:schemeClr val="tx1"/>
+                </a:solidFill>
+              </a:rPr>
+              <a:t>6</a:t>
+            </a:r>
+          </a:p>
+        </p:txBody>
+      </p:sp>
+      <p:sp>
+        <p:nvSpPr>
+          <p:cNvPr id="43" name="Rectangle 42">
+            <a:extLst>
+              <a:ext uri="{FF2B5EF4-FFF2-40B4-BE49-F238E27FC236}">
+                <a16:creationId xmlns:a16="http://schemas.microsoft.com/office/drawing/2014/main" id="{FDB19A9B-75AA-AC63-E523-654CE204BB7E}"/>
+              </a:ext>
+            </a:extLst>
+          </p:cNvPr>
+          <p:cNvSpPr/>
+          <p:nvPr/>
+        </p:nvSpPr>
+        <p:spPr>
+          <a:xfrm>
+            <a:off x="2063984" y="1348824"/>
+            <a:ext cx="322151" cy="272753"/>
+          </a:xfrm>
+          <a:prstGeom prst="rect">
+            <a:avLst/>
+          </a:prstGeom>
+          <a:solidFill>
+            <a:srgbClr val="FAFDF0"/>
+          </a:solidFill>
+          <a:ln>
+            <a:solidFill>
+              <a:srgbClr val="DDF08B"/>
+            </a:solidFill>
+          </a:ln>
+        </p:spPr>
+        <p:style>
+          <a:lnRef idx="2">
+            <a:schemeClr val="accent1">
+              <a:shade val="15000"/>
+            </a:schemeClr>
+          </a:lnRef>
+          <a:fillRef idx="1">
+            <a:schemeClr val="accent1"/>
+          </a:fillRef>
+          <a:effectRef idx="0">
+            <a:schemeClr val="accent1"/>
+          </a:effectRef>
+          <a:fontRef idx="minor">
+            <a:schemeClr val="lt1"/>
+          </a:fontRef>
+        </p:style>
+        <p:txBody>
+          <a:bodyPr rtlCol="0" anchor="ctr"/>
+          <a:lstStyle/>
+          <a:p>
+            <a:pPr algn="ctr"/>
+            <a:r>
+              <a:rPr lang="en-US" sz="1000" dirty="0">
+                <a:solidFill>
+                  <a:schemeClr val="tx1"/>
+                </a:solidFill>
+              </a:rPr>
+              <a:t>7</a:t>
+            </a:r>
+          </a:p>
+        </p:txBody>
+      </p:sp>
+      <p:sp>
+        <p:nvSpPr>
+          <p:cNvPr id="44" name="Rectangle 43">
+            <a:extLst>
+              <a:ext uri="{FF2B5EF4-FFF2-40B4-BE49-F238E27FC236}">
+                <a16:creationId xmlns:a16="http://schemas.microsoft.com/office/drawing/2014/main" id="{DCCCAE4E-C1F6-0CCF-AEAD-A562E2C9353B}"/>
+              </a:ext>
+            </a:extLst>
+          </p:cNvPr>
+          <p:cNvSpPr/>
+          <p:nvPr/>
+        </p:nvSpPr>
+        <p:spPr>
+          <a:xfrm>
+            <a:off x="2386135" y="1348824"/>
+            <a:ext cx="322151" cy="272753"/>
+          </a:xfrm>
+          <a:prstGeom prst="rect">
+            <a:avLst/>
+          </a:prstGeom>
+          <a:solidFill>
+            <a:srgbClr val="FAFDF0"/>
+          </a:solidFill>
+          <a:ln>
+            <a:solidFill>
+              <a:srgbClr val="DDF08B"/>
+            </a:solidFill>
+          </a:ln>
+        </p:spPr>
+        <p:style>
+          <a:lnRef idx="2">
+            <a:schemeClr val="accent1">
+              <a:shade val="15000"/>
+            </a:schemeClr>
+          </a:lnRef>
+          <a:fillRef idx="1">
+            <a:schemeClr val="accent1"/>
+          </a:fillRef>
+          <a:effectRef idx="0">
+            <a:schemeClr val="accent1"/>
+          </a:effectRef>
+          <a:fontRef idx="minor">
+            <a:schemeClr val="lt1"/>
+          </a:fontRef>
+        </p:style>
+        <p:txBody>
+          <a:bodyPr rtlCol="0" anchor="ctr"/>
+          <a:lstStyle/>
+          <a:p>
+            <a:pPr algn="ctr"/>
+            <a:r>
+              <a:rPr lang="en-US" sz="1000" dirty="0">
+                <a:solidFill>
+                  <a:schemeClr val="tx1"/>
+                </a:solidFill>
+              </a:rPr>
+              <a:t>8</a:t>
+            </a:r>
+          </a:p>
+        </p:txBody>
+      </p:sp>
+      <p:sp>
+        <p:nvSpPr>
+          <p:cNvPr id="45" name="Rectangle 44">
+            <a:extLst>
+              <a:ext uri="{FF2B5EF4-FFF2-40B4-BE49-F238E27FC236}">
+                <a16:creationId xmlns:a16="http://schemas.microsoft.com/office/drawing/2014/main" id="{5D9064E4-23D9-E4C5-304E-D886F531DED9}"/>
+              </a:ext>
+            </a:extLst>
+          </p:cNvPr>
+          <p:cNvSpPr/>
+          <p:nvPr/>
+        </p:nvSpPr>
+        <p:spPr>
+          <a:xfrm>
+            <a:off x="2708285" y="1348824"/>
+            <a:ext cx="322151" cy="272753"/>
+          </a:xfrm>
+          <a:prstGeom prst="rect">
+            <a:avLst/>
+          </a:prstGeom>
+          <a:solidFill>
+            <a:srgbClr val="FAFDF0"/>
+          </a:solidFill>
+          <a:ln>
+            <a:solidFill>
+              <a:srgbClr val="DDF08B"/>
+            </a:solidFill>
+          </a:ln>
+        </p:spPr>
+        <p:style>
+          <a:lnRef idx="2">
+            <a:schemeClr val="accent1">
+              <a:shade val="15000"/>
+            </a:schemeClr>
+          </a:lnRef>
+          <a:fillRef idx="1">
+            <a:schemeClr val="accent1"/>
+          </a:fillRef>
+          <a:effectRef idx="0">
+            <a:schemeClr val="accent1"/>
+          </a:effectRef>
+          <a:fontRef idx="minor">
+            <a:schemeClr val="lt1"/>
+          </a:fontRef>
+        </p:style>
+        <p:txBody>
+          <a:bodyPr rtlCol="0" anchor="ctr"/>
+          <a:lstStyle/>
+          <a:p>
+            <a:pPr algn="ctr"/>
+            <a:r>
+              <a:rPr lang="en-US" sz="1000" dirty="0">
+                <a:solidFill>
+                  <a:schemeClr val="tx1"/>
+                </a:solidFill>
+              </a:rPr>
+              <a:t>9</a:t>
+            </a:r>
+          </a:p>
+        </p:txBody>
+      </p:sp>
+      <p:sp>
+        <p:nvSpPr>
+          <p:cNvPr id="46" name="Rectangle 45">
+            <a:extLst>
+              <a:ext uri="{FF2B5EF4-FFF2-40B4-BE49-F238E27FC236}">
+                <a16:creationId xmlns:a16="http://schemas.microsoft.com/office/drawing/2014/main" id="{97E82D26-F523-7050-587F-24F13B5727A1}"/>
+              </a:ext>
+            </a:extLst>
+          </p:cNvPr>
+          <p:cNvSpPr/>
+          <p:nvPr/>
+        </p:nvSpPr>
+        <p:spPr>
+          <a:xfrm>
+            <a:off x="3030436" y="1348823"/>
+            <a:ext cx="322151" cy="272753"/>
+          </a:xfrm>
+          <a:prstGeom prst="rect">
+            <a:avLst/>
+          </a:prstGeom>
+          <a:solidFill>
+            <a:srgbClr val="FAFDF0"/>
+          </a:solidFill>
+          <a:ln>
+            <a:solidFill>
+              <a:srgbClr val="DDF08B"/>
+            </a:solidFill>
+          </a:ln>
+        </p:spPr>
+        <p:style>
+          <a:lnRef idx="2">
+            <a:schemeClr val="accent1">
+              <a:shade val="15000"/>
+            </a:schemeClr>
+          </a:lnRef>
+          <a:fillRef idx="1">
+            <a:schemeClr val="accent1"/>
+          </a:fillRef>
+          <a:effectRef idx="0">
+            <a:schemeClr val="accent1"/>
+          </a:effectRef>
+          <a:fontRef idx="minor">
+            <a:schemeClr val="lt1"/>
+          </a:fontRef>
+        </p:style>
+        <p:txBody>
+          <a:bodyPr rtlCol="0" anchor="ctr"/>
+          <a:lstStyle/>
+          <a:p>
+            <a:pPr algn="ctr"/>
+            <a:r>
+              <a:rPr lang="en-US" sz="1000" dirty="0">
+                <a:solidFill>
+                  <a:schemeClr val="tx1"/>
+                </a:solidFill>
+              </a:rPr>
+              <a:t>10</a:t>
+            </a:r>
+          </a:p>
+        </p:txBody>
+      </p:sp>
+      <p:sp>
+        <p:nvSpPr>
+          <p:cNvPr id="47" name="Rectangle 46">
+            <a:extLst>
+              <a:ext uri="{FF2B5EF4-FFF2-40B4-BE49-F238E27FC236}">
+                <a16:creationId xmlns:a16="http://schemas.microsoft.com/office/drawing/2014/main" id="{06E25903-8F28-F6E5-DD9A-3E9C4B8F5A85}"/>
+              </a:ext>
+            </a:extLst>
+          </p:cNvPr>
+          <p:cNvSpPr/>
+          <p:nvPr/>
+        </p:nvSpPr>
+        <p:spPr>
+          <a:xfrm>
+            <a:off x="3352587" y="1348822"/>
+            <a:ext cx="322151" cy="272753"/>
+          </a:xfrm>
+          <a:prstGeom prst="rect">
+            <a:avLst/>
+          </a:prstGeom>
+          <a:solidFill>
+            <a:srgbClr val="FAFDF0"/>
+          </a:solidFill>
+          <a:ln>
+            <a:solidFill>
+              <a:srgbClr val="DDF08B"/>
+            </a:solidFill>
+          </a:ln>
+        </p:spPr>
+        <p:style>
+          <a:lnRef idx="2">
+            <a:schemeClr val="accent1">
+              <a:shade val="15000"/>
+            </a:schemeClr>
+          </a:lnRef>
+          <a:fillRef idx="1">
+            <a:schemeClr val="accent1"/>
+          </a:fillRef>
+          <a:effectRef idx="0">
+            <a:schemeClr val="accent1"/>
+          </a:effectRef>
+          <a:fontRef idx="minor">
+            <a:schemeClr val="lt1"/>
+          </a:fontRef>
+        </p:style>
+        <p:txBody>
+          <a:bodyPr rtlCol="0" anchor="ctr"/>
+          <a:lstStyle/>
+          <a:p>
+            <a:pPr algn="ctr"/>
+            <a:r>
+              <a:rPr lang="en-US" sz="1000" dirty="0">
+                <a:solidFill>
+                  <a:schemeClr val="tx1"/>
+                </a:solidFill>
+              </a:rPr>
+              <a:t>11</a:t>
+            </a:r>
+          </a:p>
+        </p:txBody>
+      </p:sp>
+      <p:sp>
+        <p:nvSpPr>
+          <p:cNvPr id="48" name="Rectangle 47">
+            <a:extLst>
+              <a:ext uri="{FF2B5EF4-FFF2-40B4-BE49-F238E27FC236}">
+                <a16:creationId xmlns:a16="http://schemas.microsoft.com/office/drawing/2014/main" id="{ACA02D8A-3FA4-36E5-8137-BE7E5A92E8B6}"/>
+              </a:ext>
+            </a:extLst>
+          </p:cNvPr>
+          <p:cNvSpPr/>
+          <p:nvPr/>
+        </p:nvSpPr>
+        <p:spPr>
+          <a:xfrm>
+            <a:off x="3674738" y="1348822"/>
+            <a:ext cx="322151" cy="272753"/>
+          </a:xfrm>
+          <a:prstGeom prst="rect">
+            <a:avLst/>
+          </a:prstGeom>
+          <a:solidFill>
+            <a:srgbClr val="FAFDF0"/>
+          </a:solidFill>
+          <a:ln>
+            <a:solidFill>
+              <a:srgbClr val="DDF08B"/>
+            </a:solidFill>
+          </a:ln>
+        </p:spPr>
+        <p:style>
+          <a:lnRef idx="2">
+            <a:schemeClr val="accent1">
+              <a:shade val="15000"/>
+            </a:schemeClr>
+          </a:lnRef>
+          <a:fillRef idx="1">
+            <a:schemeClr val="accent1"/>
+          </a:fillRef>
+          <a:effectRef idx="0">
+            <a:schemeClr val="accent1"/>
+          </a:effectRef>
+          <a:fontRef idx="minor">
+            <a:schemeClr val="lt1"/>
+          </a:fontRef>
+        </p:style>
+        <p:txBody>
+          <a:bodyPr rtlCol="0" anchor="ctr"/>
+          <a:lstStyle/>
+          <a:p>
+            <a:pPr algn="ctr"/>
+            <a:r>
+              <a:rPr lang="en-US" sz="1000" dirty="0">
+                <a:solidFill>
+                  <a:schemeClr val="tx1"/>
+                </a:solidFill>
+              </a:rPr>
+              <a:t>12</a:t>
+            </a:r>
+          </a:p>
+        </p:txBody>
+      </p:sp>
+      <p:sp>
+        <p:nvSpPr>
+          <p:cNvPr id="49" name="Rectangle 48">
+            <a:extLst>
+              <a:ext uri="{FF2B5EF4-FFF2-40B4-BE49-F238E27FC236}">
+                <a16:creationId xmlns:a16="http://schemas.microsoft.com/office/drawing/2014/main" id="{32E1E2FD-33DC-E585-2564-2311D4D74E6A}"/>
+              </a:ext>
+            </a:extLst>
+          </p:cNvPr>
+          <p:cNvSpPr/>
+          <p:nvPr/>
+        </p:nvSpPr>
+        <p:spPr>
+          <a:xfrm>
+            <a:off x="3996888" y="1348822"/>
+            <a:ext cx="322151" cy="272753"/>
+          </a:xfrm>
+          <a:prstGeom prst="rect">
+            <a:avLst/>
+          </a:prstGeom>
+          <a:solidFill>
+            <a:srgbClr val="FAFDF0"/>
+          </a:solidFill>
+          <a:ln>
+            <a:solidFill>
+              <a:srgbClr val="DDF08B"/>
+            </a:solidFill>
+          </a:ln>
+        </p:spPr>
+        <p:style>
+          <a:lnRef idx="2">
+            <a:schemeClr val="accent1">
+              <a:shade val="15000"/>
+            </a:schemeClr>
+          </a:lnRef>
+          <a:fillRef idx="1">
+            <a:schemeClr val="accent1"/>
+          </a:fillRef>
+          <a:effectRef idx="0">
+            <a:schemeClr val="accent1"/>
+          </a:effectRef>
+          <a:fontRef idx="minor">
+            <a:schemeClr val="lt1"/>
+          </a:fontRef>
+        </p:style>
+        <p:txBody>
+          <a:bodyPr rtlCol="0" anchor="ctr"/>
+          <a:lstStyle/>
+          <a:p>
+            <a:pPr algn="ctr"/>
+            <a:r>
+              <a:rPr lang="en-US" sz="1000" dirty="0">
+                <a:solidFill>
+                  <a:schemeClr val="tx1"/>
+                </a:solidFill>
+              </a:rPr>
+              <a:t>13</a:t>
+            </a:r>
+          </a:p>
+        </p:txBody>
+      </p:sp>
+      <p:sp>
+        <p:nvSpPr>
+          <p:cNvPr id="50" name="Rectangle 49">
+            <a:extLst>
+              <a:ext uri="{FF2B5EF4-FFF2-40B4-BE49-F238E27FC236}">
+                <a16:creationId xmlns:a16="http://schemas.microsoft.com/office/drawing/2014/main" id="{B8F93B9D-1511-01BE-1177-0EF41D2800E2}"/>
+              </a:ext>
+            </a:extLst>
+          </p:cNvPr>
+          <p:cNvSpPr/>
+          <p:nvPr/>
+        </p:nvSpPr>
+        <p:spPr>
+          <a:xfrm>
+            <a:off x="4319039" y="1348821"/>
+            <a:ext cx="322151" cy="272753"/>
+          </a:xfrm>
+          <a:prstGeom prst="rect">
+            <a:avLst/>
+          </a:prstGeom>
+          <a:solidFill>
+            <a:srgbClr val="FAFDF0"/>
+          </a:solidFill>
+          <a:ln>
+            <a:solidFill>
+              <a:srgbClr val="DDF08B"/>
+            </a:solidFill>
+          </a:ln>
+        </p:spPr>
+        <p:style>
+          <a:lnRef idx="2">
+            <a:schemeClr val="accent1">
+              <a:shade val="15000"/>
+            </a:schemeClr>
+          </a:lnRef>
+          <a:fillRef idx="1">
+            <a:schemeClr val="accent1"/>
+          </a:fillRef>
+          <a:effectRef idx="0">
+            <a:schemeClr val="accent1"/>
+          </a:effectRef>
+          <a:fontRef idx="minor">
+            <a:schemeClr val="lt1"/>
+          </a:fontRef>
+        </p:style>
+        <p:txBody>
+          <a:bodyPr rtlCol="0" anchor="ctr"/>
+          <a:lstStyle/>
+          <a:p>
+            <a:pPr algn="ctr"/>
+            <a:r>
+              <a:rPr lang="en-US" sz="1000" dirty="0">
+                <a:solidFill>
+                  <a:schemeClr val="tx1"/>
+                </a:solidFill>
+              </a:rPr>
+              <a:t>14</a:t>
+            </a:r>
+          </a:p>
+        </p:txBody>
+      </p:sp>
+      <p:sp>
+        <p:nvSpPr>
+          <p:cNvPr id="51" name="Rectangle 50">
+            <a:extLst>
+              <a:ext uri="{FF2B5EF4-FFF2-40B4-BE49-F238E27FC236}">
+                <a16:creationId xmlns:a16="http://schemas.microsoft.com/office/drawing/2014/main" id="{C3952E36-D13D-89DA-C50D-988431EA42B4}"/>
+              </a:ext>
+            </a:extLst>
+          </p:cNvPr>
+          <p:cNvSpPr/>
+          <p:nvPr/>
+        </p:nvSpPr>
+        <p:spPr>
+          <a:xfrm>
+            <a:off x="4641190" y="1348820"/>
+            <a:ext cx="322151" cy="272753"/>
+          </a:xfrm>
+          <a:prstGeom prst="rect">
+            <a:avLst/>
+          </a:prstGeom>
+          <a:solidFill>
+            <a:srgbClr val="FAFDF0"/>
+          </a:solidFill>
+          <a:ln>
+            <a:solidFill>
+              <a:srgbClr val="DDF08B"/>
+            </a:solidFill>
+          </a:ln>
+        </p:spPr>
+        <p:style>
+          <a:lnRef idx="2">
+            <a:schemeClr val="accent1">
+              <a:shade val="15000"/>
+            </a:schemeClr>
+          </a:lnRef>
+          <a:fillRef idx="1">
+            <a:schemeClr val="accent1"/>
+          </a:fillRef>
+          <a:effectRef idx="0">
+            <a:schemeClr val="accent1"/>
+          </a:effectRef>
+          <a:fontRef idx="minor">
+            <a:schemeClr val="lt1"/>
+          </a:fontRef>
+        </p:style>
+        <p:txBody>
+          <a:bodyPr rtlCol="0" anchor="ctr"/>
+          <a:lstStyle/>
+          <a:p>
+            <a:pPr algn="ctr"/>
+            <a:r>
+              <a:rPr lang="en-US" sz="1000" dirty="0">
+                <a:solidFill>
+                  <a:schemeClr val="tx1"/>
+                </a:solidFill>
+              </a:rPr>
+              <a:t>15</a:t>
+            </a:r>
+          </a:p>
+        </p:txBody>
+      </p:sp>
+      <p:sp>
+        <p:nvSpPr>
+          <p:cNvPr id="52" name="Rectangle 51">
+            <a:extLst>
+              <a:ext uri="{FF2B5EF4-FFF2-40B4-BE49-F238E27FC236}">
+                <a16:creationId xmlns:a16="http://schemas.microsoft.com/office/drawing/2014/main" id="{FC5E6643-0C29-8E98-4A62-9BEE04E8A8DC}"/>
+              </a:ext>
+            </a:extLst>
+          </p:cNvPr>
+          <p:cNvSpPr/>
+          <p:nvPr/>
+        </p:nvSpPr>
+        <p:spPr>
+          <a:xfrm>
+            <a:off x="4963341" y="1348820"/>
+            <a:ext cx="322151" cy="272753"/>
+          </a:xfrm>
+          <a:prstGeom prst="rect">
+            <a:avLst/>
+          </a:prstGeom>
+          <a:solidFill>
+            <a:srgbClr val="FAFDF0"/>
+          </a:solidFill>
+          <a:ln>
+            <a:solidFill>
+              <a:srgbClr val="DDF08B"/>
+            </a:solidFill>
+          </a:ln>
+        </p:spPr>
+        <p:style>
+          <a:lnRef idx="2">
+            <a:schemeClr val="accent1">
+              <a:shade val="15000"/>
+            </a:schemeClr>
+          </a:lnRef>
+          <a:fillRef idx="1">
+            <a:schemeClr val="accent1"/>
+          </a:fillRef>
+          <a:effectRef idx="0">
+            <a:schemeClr val="accent1"/>
+          </a:effectRef>
+          <a:fontRef idx="minor">
+            <a:schemeClr val="lt1"/>
+          </a:fontRef>
+        </p:style>
+        <p:txBody>
+          <a:bodyPr rtlCol="0" anchor="ctr"/>
+          <a:lstStyle/>
+          <a:p>
+            <a:pPr algn="ctr"/>
+            <a:r>
+              <a:rPr lang="en-US" sz="1000" dirty="0">
+                <a:solidFill>
+                  <a:schemeClr val="tx1"/>
+                </a:solidFill>
+              </a:rPr>
+              <a:t>16</a:t>
+            </a:r>
+          </a:p>
+        </p:txBody>
+      </p:sp>
+      <p:sp>
+        <p:nvSpPr>
+          <p:cNvPr id="53" name="Rectangle 52">
+            <a:extLst>
+              <a:ext uri="{FF2B5EF4-FFF2-40B4-BE49-F238E27FC236}">
+                <a16:creationId xmlns:a16="http://schemas.microsoft.com/office/drawing/2014/main" id="{8DA340F7-4392-47E6-1A56-04A3E0AB8230}"/>
+              </a:ext>
+            </a:extLst>
+          </p:cNvPr>
+          <p:cNvSpPr/>
+          <p:nvPr/>
+        </p:nvSpPr>
+        <p:spPr>
+          <a:xfrm>
+            <a:off x="2063982" y="1936823"/>
+            <a:ext cx="322151" cy="272753"/>
+          </a:xfrm>
+          <a:prstGeom prst="rect">
+            <a:avLst/>
+          </a:prstGeom>
+          <a:solidFill>
+            <a:srgbClr val="FAFDF0"/>
+          </a:solidFill>
+          <a:ln>
+            <a:solidFill>
+              <a:srgbClr val="DDF08B"/>
+            </a:solidFill>
+          </a:ln>
+        </p:spPr>
+        <p:style>
+          <a:lnRef idx="2">
+            <a:schemeClr val="accent1">
+              <a:shade val="15000"/>
+            </a:schemeClr>
+          </a:lnRef>
+          <a:fillRef idx="1">
+            <a:schemeClr val="accent1"/>
+          </a:fillRef>
+          <a:effectRef idx="0">
+            <a:schemeClr val="accent1"/>
+          </a:effectRef>
+          <a:fontRef idx="minor">
+            <a:schemeClr val="lt1"/>
+          </a:fontRef>
+        </p:style>
+        <p:txBody>
+          <a:bodyPr rtlCol="0" anchor="ctr"/>
+          <a:lstStyle/>
+          <a:p>
+            <a:pPr algn="ctr"/>
+            <a:r>
+              <a:rPr lang="en-US" sz="1000" dirty="0">
+                <a:solidFill>
+                  <a:schemeClr val="tx1"/>
+                </a:solidFill>
+              </a:rPr>
+              <a:t>4</a:t>
+            </a:r>
+          </a:p>
+        </p:txBody>
+      </p:sp>
+      <p:sp>
+        <p:nvSpPr>
+          <p:cNvPr id="54" name="Rectangle 53">
+            <a:extLst>
+              <a:ext uri="{FF2B5EF4-FFF2-40B4-BE49-F238E27FC236}">
+                <a16:creationId xmlns:a16="http://schemas.microsoft.com/office/drawing/2014/main" id="{A2255650-187C-8C24-0B53-4DB95A495F70}"/>
+              </a:ext>
+            </a:extLst>
+          </p:cNvPr>
+          <p:cNvSpPr/>
+          <p:nvPr/>
+        </p:nvSpPr>
+        <p:spPr>
+          <a:xfrm>
+            <a:off x="2386133" y="1936822"/>
+            <a:ext cx="322151" cy="272753"/>
+          </a:xfrm>
+          <a:prstGeom prst="rect">
+            <a:avLst/>
+          </a:prstGeom>
+          <a:solidFill>
+            <a:srgbClr val="FAFDF0"/>
+          </a:solidFill>
+          <a:ln>
+            <a:solidFill>
+              <a:srgbClr val="DDF08B"/>
+            </a:solidFill>
+          </a:ln>
+        </p:spPr>
+        <p:style>
+          <a:lnRef idx="2">
+            <a:schemeClr val="accent1">
+              <a:shade val="15000"/>
+            </a:schemeClr>
+          </a:lnRef>
+          <a:fillRef idx="1">
+            <a:schemeClr val="accent1"/>
+          </a:fillRef>
+          <a:effectRef idx="0">
+            <a:schemeClr val="accent1"/>
+          </a:effectRef>
+          <a:fontRef idx="minor">
+            <a:schemeClr val="lt1"/>
+          </a:fontRef>
+        </p:style>
+        <p:txBody>
+          <a:bodyPr rtlCol="0" anchor="ctr"/>
+          <a:lstStyle/>
+          <a:p>
+            <a:pPr algn="ctr"/>
+            <a:r>
+              <a:rPr lang="en-US" sz="1000" dirty="0">
+                <a:solidFill>
+                  <a:schemeClr val="tx1"/>
+                </a:solidFill>
+              </a:rPr>
+              <a:t>8</a:t>
+            </a:r>
+          </a:p>
+        </p:txBody>
+      </p:sp>
+      <p:sp>
+        <p:nvSpPr>
+          <p:cNvPr id="55" name="Rectangle 54">
+            <a:extLst>
+              <a:ext uri="{FF2B5EF4-FFF2-40B4-BE49-F238E27FC236}">
+                <a16:creationId xmlns:a16="http://schemas.microsoft.com/office/drawing/2014/main" id="{6D2A1401-1819-BA3C-031D-321BB292B46D}"/>
+              </a:ext>
+            </a:extLst>
+          </p:cNvPr>
+          <p:cNvSpPr/>
+          <p:nvPr/>
+        </p:nvSpPr>
+        <p:spPr>
+          <a:xfrm>
+            <a:off x="2708284" y="1936821"/>
+            <a:ext cx="322151" cy="272753"/>
+          </a:xfrm>
+          <a:prstGeom prst="rect">
+            <a:avLst/>
+          </a:prstGeom>
+          <a:solidFill>
+            <a:srgbClr val="FAFDF0"/>
+          </a:solidFill>
+          <a:ln>
+            <a:solidFill>
+              <a:srgbClr val="DDF08B"/>
+            </a:solidFill>
+          </a:ln>
+        </p:spPr>
+        <p:style>
+          <a:lnRef idx="2">
+            <a:schemeClr val="accent1">
+              <a:shade val="15000"/>
+            </a:schemeClr>
+          </a:lnRef>
+          <a:fillRef idx="1">
+            <a:schemeClr val="accent1"/>
+          </a:fillRef>
+          <a:effectRef idx="0">
+            <a:schemeClr val="accent1"/>
+          </a:effectRef>
+          <a:fontRef idx="minor">
+            <a:schemeClr val="lt1"/>
+          </a:fontRef>
+        </p:style>
+        <p:txBody>
+          <a:bodyPr rtlCol="0" anchor="ctr"/>
+          <a:lstStyle/>
+          <a:p>
+            <a:pPr algn="ctr"/>
+            <a:r>
+              <a:rPr lang="en-US" sz="1000" dirty="0">
+                <a:solidFill>
+                  <a:schemeClr val="tx1"/>
+                </a:solidFill>
+              </a:rPr>
+              <a:t>12</a:t>
+            </a:r>
+          </a:p>
+        </p:txBody>
+      </p:sp>
+      <p:sp>
+        <p:nvSpPr>
+          <p:cNvPr id="56" name="Rectangle 55">
+            <a:extLst>
+              <a:ext uri="{FF2B5EF4-FFF2-40B4-BE49-F238E27FC236}">
+                <a16:creationId xmlns:a16="http://schemas.microsoft.com/office/drawing/2014/main" id="{1092459C-2C98-5C50-3666-DC12E10D62A6}"/>
+              </a:ext>
+            </a:extLst>
+          </p:cNvPr>
+          <p:cNvSpPr/>
+          <p:nvPr/>
+        </p:nvSpPr>
+        <p:spPr>
+          <a:xfrm>
+            <a:off x="3030435" y="1936821"/>
+            <a:ext cx="322151" cy="272753"/>
+          </a:xfrm>
+          <a:prstGeom prst="rect">
+            <a:avLst/>
+          </a:prstGeom>
+          <a:solidFill>
+            <a:srgbClr val="FAFDF0"/>
+          </a:solidFill>
+          <a:ln>
+            <a:solidFill>
+              <a:srgbClr val="DDF08B"/>
+            </a:solidFill>
+          </a:ln>
+        </p:spPr>
+        <p:style>
+          <a:lnRef idx="2">
+            <a:schemeClr val="accent1">
+              <a:shade val="15000"/>
+            </a:schemeClr>
+          </a:lnRef>
+          <a:fillRef idx="1">
+            <a:schemeClr val="accent1"/>
+          </a:fillRef>
+          <a:effectRef idx="0">
+            <a:schemeClr val="accent1"/>
+          </a:effectRef>
+          <a:fontRef idx="minor">
+            <a:schemeClr val="lt1"/>
+          </a:fontRef>
+        </p:style>
+        <p:txBody>
+          <a:bodyPr rtlCol="0" anchor="ctr"/>
+          <a:lstStyle/>
+          <a:p>
+            <a:pPr algn="ctr"/>
+            <a:r>
+              <a:rPr lang="en-US" sz="1000" dirty="0">
+                <a:solidFill>
+                  <a:schemeClr val="tx1"/>
+                </a:solidFill>
+              </a:rPr>
+              <a:t>16</a:t>
+            </a:r>
+          </a:p>
+        </p:txBody>
+      </p:sp>
+      <p:sp>
+        <p:nvSpPr>
+          <p:cNvPr id="65" name="Rectangle 64">
+            <a:extLst>
+              <a:ext uri="{FF2B5EF4-FFF2-40B4-BE49-F238E27FC236}">
+                <a16:creationId xmlns:a16="http://schemas.microsoft.com/office/drawing/2014/main" id="{B66BB99F-C223-B6AF-C5AB-64EB4AFFE142}"/>
+              </a:ext>
+            </a:extLst>
+          </p:cNvPr>
+          <p:cNvSpPr/>
+          <p:nvPr/>
+        </p:nvSpPr>
+        <p:spPr>
+          <a:xfrm>
+            <a:off x="2063982" y="2755081"/>
+            <a:ext cx="322151" cy="272753"/>
+          </a:xfrm>
+          <a:prstGeom prst="rect">
+            <a:avLst/>
+          </a:prstGeom>
+          <a:solidFill>
+            <a:srgbClr val="FAFDF0"/>
+          </a:solidFill>
+          <a:ln>
+            <a:solidFill>
+              <a:srgbClr val="DDF08B"/>
+            </a:solidFill>
+          </a:ln>
+        </p:spPr>
+        <p:style>
+          <a:lnRef idx="2">
+            <a:schemeClr val="accent1">
+              <a:shade val="15000"/>
+            </a:schemeClr>
+          </a:lnRef>
+          <a:fillRef idx="1">
+            <a:schemeClr val="accent1"/>
+          </a:fillRef>
+          <a:effectRef idx="0">
+            <a:schemeClr val="accent1"/>
+          </a:effectRef>
+          <a:fontRef idx="minor">
+            <a:schemeClr val="lt1"/>
+          </a:fontRef>
+        </p:style>
+        <p:txBody>
+          <a:bodyPr rtlCol="0" anchor="ctr"/>
+          <a:lstStyle/>
+          <a:p>
+            <a:pPr algn="ctr"/>
+            <a:r>
+              <a:rPr lang="en-US" sz="1000" dirty="0">
+                <a:solidFill>
+                  <a:schemeClr val="tx1"/>
+                </a:solidFill>
+              </a:rPr>
+              <a:t>1</a:t>
+            </a:r>
+          </a:p>
+        </p:txBody>
+      </p:sp>
+      <p:sp>
+        <p:nvSpPr>
+          <p:cNvPr id="66" name="Rectangle 65">
+            <a:extLst>
+              <a:ext uri="{FF2B5EF4-FFF2-40B4-BE49-F238E27FC236}">
+                <a16:creationId xmlns:a16="http://schemas.microsoft.com/office/drawing/2014/main" id="{334E762F-907C-9B12-6F0A-952FFC2D8EB3}"/>
+              </a:ext>
+            </a:extLst>
+          </p:cNvPr>
+          <p:cNvSpPr/>
+          <p:nvPr/>
+        </p:nvSpPr>
+        <p:spPr>
+          <a:xfrm>
+            <a:off x="2386133" y="2755080"/>
+            <a:ext cx="322151" cy="272753"/>
+          </a:xfrm>
+          <a:prstGeom prst="rect">
+            <a:avLst/>
+          </a:prstGeom>
+          <a:solidFill>
+            <a:srgbClr val="FAFDF0"/>
+          </a:solidFill>
+          <a:ln>
+            <a:solidFill>
+              <a:srgbClr val="DDF08B"/>
+            </a:solidFill>
+          </a:ln>
+        </p:spPr>
+        <p:style>
+          <a:lnRef idx="2">
+            <a:schemeClr val="accent1">
+              <a:shade val="15000"/>
+            </a:schemeClr>
+          </a:lnRef>
+          <a:fillRef idx="1">
+            <a:schemeClr val="accent1"/>
+          </a:fillRef>
+          <a:effectRef idx="0">
+            <a:schemeClr val="accent1"/>
+          </a:effectRef>
+          <a:fontRef idx="minor">
+            <a:schemeClr val="lt1"/>
+          </a:fontRef>
+        </p:style>
+        <p:txBody>
+          <a:bodyPr rtlCol="0" anchor="ctr"/>
+          <a:lstStyle/>
+          <a:p>
+            <a:pPr algn="ctr"/>
+            <a:r>
+              <a:rPr lang="en-US" sz="1000" dirty="0">
+                <a:solidFill>
+                  <a:schemeClr val="tx1"/>
+                </a:solidFill>
+              </a:rPr>
+              <a:t>5</a:t>
+            </a:r>
+          </a:p>
+        </p:txBody>
+      </p:sp>
+      <p:sp>
+        <p:nvSpPr>
+          <p:cNvPr id="67" name="Rectangle 66">
+            <a:extLst>
+              <a:ext uri="{FF2B5EF4-FFF2-40B4-BE49-F238E27FC236}">
+                <a16:creationId xmlns:a16="http://schemas.microsoft.com/office/drawing/2014/main" id="{53C5BFE7-95A9-8909-F8B6-73B3F62A3D77}"/>
+              </a:ext>
+            </a:extLst>
+          </p:cNvPr>
+          <p:cNvSpPr/>
+          <p:nvPr/>
+        </p:nvSpPr>
+        <p:spPr>
+          <a:xfrm>
+            <a:off x="2708284" y="2755079"/>
+            <a:ext cx="322151" cy="272753"/>
+          </a:xfrm>
+          <a:prstGeom prst="rect">
+            <a:avLst/>
+          </a:prstGeom>
+          <a:solidFill>
+            <a:srgbClr val="FAFDF0"/>
+          </a:solidFill>
+          <a:ln>
+            <a:solidFill>
+              <a:srgbClr val="DDF08B"/>
+            </a:solidFill>
+          </a:ln>
+        </p:spPr>
+        <p:style>
+          <a:lnRef idx="2">
+            <a:schemeClr val="accent1">
+              <a:shade val="15000"/>
+            </a:schemeClr>
+          </a:lnRef>
+          <a:fillRef idx="1">
+            <a:schemeClr val="accent1"/>
+          </a:fillRef>
+          <a:effectRef idx="0">
+            <a:schemeClr val="accent1"/>
+          </a:effectRef>
+          <a:fontRef idx="minor">
+            <a:schemeClr val="lt1"/>
+          </a:fontRef>
+        </p:style>
+        <p:txBody>
+          <a:bodyPr rtlCol="0" anchor="ctr"/>
+          <a:lstStyle/>
+          <a:p>
+            <a:pPr algn="ctr"/>
+            <a:r>
+              <a:rPr lang="en-US" sz="1000" dirty="0">
+                <a:solidFill>
+                  <a:schemeClr val="tx1"/>
+                </a:solidFill>
+              </a:rPr>
+              <a:t>9</a:t>
+            </a:r>
+          </a:p>
+        </p:txBody>
+      </p:sp>
+      <p:sp>
+        <p:nvSpPr>
+          <p:cNvPr id="68" name="Rectangle 67">
+            <a:extLst>
+              <a:ext uri="{FF2B5EF4-FFF2-40B4-BE49-F238E27FC236}">
+                <a16:creationId xmlns:a16="http://schemas.microsoft.com/office/drawing/2014/main" id="{B4FCE03E-F33A-D4D5-A320-42D366755872}"/>
+              </a:ext>
+            </a:extLst>
+          </p:cNvPr>
+          <p:cNvSpPr/>
+          <p:nvPr/>
+        </p:nvSpPr>
+        <p:spPr>
+          <a:xfrm>
+            <a:off x="3030435" y="2755079"/>
+            <a:ext cx="322151" cy="272753"/>
+          </a:xfrm>
+          <a:prstGeom prst="rect">
+            <a:avLst/>
+          </a:prstGeom>
+          <a:solidFill>
+            <a:srgbClr val="FAFDF0"/>
+          </a:solidFill>
+          <a:ln>
+            <a:solidFill>
+              <a:srgbClr val="DDF08B"/>
+            </a:solidFill>
+          </a:ln>
+        </p:spPr>
+        <p:style>
+          <a:lnRef idx="2">
+            <a:schemeClr val="accent1">
+              <a:shade val="15000"/>
+            </a:schemeClr>
+          </a:lnRef>
+          <a:fillRef idx="1">
+            <a:schemeClr val="accent1"/>
+          </a:fillRef>
+          <a:effectRef idx="0">
+            <a:schemeClr val="accent1"/>
+          </a:effectRef>
+          <a:fontRef idx="minor">
+            <a:schemeClr val="lt1"/>
+          </a:fontRef>
+        </p:style>
+        <p:txBody>
+          <a:bodyPr rtlCol="0" anchor="ctr"/>
+          <a:lstStyle/>
+          <a:p>
+            <a:pPr algn="ctr"/>
+            <a:r>
+              <a:rPr lang="en-US" sz="1000" dirty="0">
+                <a:solidFill>
+                  <a:schemeClr val="tx1"/>
+                </a:solidFill>
+              </a:rPr>
+              <a:t>13</a:t>
+            </a:r>
+          </a:p>
+        </p:txBody>
+      </p:sp>
+      <p:sp>
+        <p:nvSpPr>
+          <p:cNvPr id="69" name="Rectangle 68">
+            <a:extLst>
+              <a:ext uri="{FF2B5EF4-FFF2-40B4-BE49-F238E27FC236}">
+                <a16:creationId xmlns:a16="http://schemas.microsoft.com/office/drawing/2014/main" id="{E075C853-2E1E-2EA5-C4C0-2D9A4CD6B8D2}"/>
+              </a:ext>
+            </a:extLst>
+          </p:cNvPr>
+          <p:cNvSpPr/>
+          <p:nvPr/>
+        </p:nvSpPr>
+        <p:spPr>
+          <a:xfrm>
+            <a:off x="131076" y="3206711"/>
+            <a:ext cx="322151" cy="272753"/>
+          </a:xfrm>
+          <a:prstGeom prst="rect">
+            <a:avLst/>
+          </a:prstGeom>
+          <a:solidFill>
+            <a:srgbClr val="FAFDF0"/>
+          </a:solidFill>
+          <a:ln>
+            <a:solidFill>
+              <a:srgbClr val="DDF08B"/>
+            </a:solidFill>
+          </a:ln>
+        </p:spPr>
+        <p:style>
+          <a:lnRef idx="2">
+            <a:schemeClr val="accent1">
+              <a:shade val="15000"/>
+            </a:schemeClr>
+          </a:lnRef>
+          <a:fillRef idx="1">
+            <a:schemeClr val="accent1"/>
+          </a:fillRef>
+          <a:effectRef idx="0">
+            <a:schemeClr val="accent1"/>
+          </a:effectRef>
+          <a:fontRef idx="minor">
+            <a:schemeClr val="lt1"/>
+          </a:fontRef>
+        </p:style>
+        <p:txBody>
+          <a:bodyPr rtlCol="0" anchor="ctr"/>
+          <a:lstStyle/>
+          <a:p>
+            <a:pPr algn="ctr"/>
+            <a:r>
+              <a:rPr lang="en-US" sz="1000" dirty="0">
+                <a:solidFill>
+                  <a:schemeClr val="tx1"/>
+                </a:solidFill>
+              </a:rPr>
+              <a:t>1</a:t>
+            </a:r>
+          </a:p>
+        </p:txBody>
+      </p:sp>
+      <p:sp>
+        <p:nvSpPr>
+          <p:cNvPr id="70" name="Rectangle 69">
+            <a:extLst>
+              <a:ext uri="{FF2B5EF4-FFF2-40B4-BE49-F238E27FC236}">
+                <a16:creationId xmlns:a16="http://schemas.microsoft.com/office/drawing/2014/main" id="{8E974A00-652B-58D9-B4B5-2A0FEABAAACE}"/>
+              </a:ext>
+            </a:extLst>
+          </p:cNvPr>
+          <p:cNvSpPr/>
+          <p:nvPr/>
+        </p:nvSpPr>
+        <p:spPr>
+          <a:xfrm>
+            <a:off x="453227" y="3206710"/>
+            <a:ext cx="322151" cy="272753"/>
+          </a:xfrm>
+          <a:prstGeom prst="rect">
+            <a:avLst/>
+          </a:prstGeom>
+          <a:solidFill>
+            <a:srgbClr val="F2EFF6"/>
+          </a:solidFill>
+          <a:ln>
+            <a:solidFill>
+              <a:srgbClr val="360084"/>
+            </a:solidFill>
+          </a:ln>
+        </p:spPr>
+        <p:style>
+          <a:lnRef idx="2">
+            <a:schemeClr val="accent1">
+              <a:shade val="15000"/>
+            </a:schemeClr>
+          </a:lnRef>
+          <a:fillRef idx="1">
+            <a:schemeClr val="accent1"/>
+          </a:fillRef>
+          <a:effectRef idx="0">
+            <a:schemeClr val="accent1"/>
+          </a:effectRef>
+          <a:fontRef idx="minor">
+            <a:schemeClr val="lt1"/>
+          </a:fontRef>
+        </p:style>
+        <p:txBody>
+          <a:bodyPr rtlCol="0" anchor="ctr"/>
+          <a:lstStyle/>
+          <a:p>
+            <a:pPr algn="ctr"/>
+            <a:r>
+              <a:rPr lang="en-US" sz="1000" dirty="0">
+                <a:solidFill>
+                  <a:schemeClr val="tx1"/>
+                </a:solidFill>
+              </a:rPr>
+              <a:t>2</a:t>
+            </a:r>
+          </a:p>
+        </p:txBody>
+      </p:sp>
+      <p:sp>
+        <p:nvSpPr>
+          <p:cNvPr id="72" name="Rectangle 71">
+            <a:extLst>
+              <a:ext uri="{FF2B5EF4-FFF2-40B4-BE49-F238E27FC236}">
+                <a16:creationId xmlns:a16="http://schemas.microsoft.com/office/drawing/2014/main" id="{18B4C033-F606-02A0-093B-54E078B8978C}"/>
+              </a:ext>
+            </a:extLst>
+          </p:cNvPr>
+          <p:cNvSpPr/>
+          <p:nvPr/>
+        </p:nvSpPr>
+        <p:spPr>
+          <a:xfrm>
+            <a:off x="1097529" y="3206709"/>
+            <a:ext cx="322151" cy="272753"/>
+          </a:xfrm>
+          <a:prstGeom prst="rect">
+            <a:avLst/>
+          </a:prstGeom>
+          <a:solidFill>
+            <a:srgbClr val="FAFDF0"/>
+          </a:solidFill>
+          <a:ln>
+            <a:solidFill>
+              <a:srgbClr val="DDF08B"/>
+            </a:solidFill>
+          </a:ln>
+        </p:spPr>
+        <p:style>
+          <a:lnRef idx="2">
+            <a:schemeClr val="accent1">
+              <a:shade val="15000"/>
+            </a:schemeClr>
+          </a:lnRef>
+          <a:fillRef idx="1">
+            <a:schemeClr val="accent1"/>
+          </a:fillRef>
+          <a:effectRef idx="0">
+            <a:schemeClr val="accent1"/>
+          </a:effectRef>
+          <a:fontRef idx="minor">
+            <a:schemeClr val="lt1"/>
+          </a:fontRef>
+        </p:style>
+        <p:txBody>
+          <a:bodyPr rtlCol="0" anchor="ctr"/>
+          <a:lstStyle/>
+          <a:p>
+            <a:pPr algn="ctr"/>
+            <a:r>
+              <a:rPr lang="en-US" sz="1000" dirty="0">
+                <a:solidFill>
+                  <a:schemeClr val="tx1"/>
+                </a:solidFill>
+              </a:rPr>
+              <a:t>4</a:t>
+            </a:r>
+          </a:p>
+        </p:txBody>
+      </p:sp>
+      <p:sp>
+        <p:nvSpPr>
+          <p:cNvPr id="73" name="Rectangle 72">
+            <a:extLst>
+              <a:ext uri="{FF2B5EF4-FFF2-40B4-BE49-F238E27FC236}">
+                <a16:creationId xmlns:a16="http://schemas.microsoft.com/office/drawing/2014/main" id="{E5246A23-DE04-B8DC-3563-C4A3CAB9ADD4}"/>
+              </a:ext>
+            </a:extLst>
+          </p:cNvPr>
+          <p:cNvSpPr/>
+          <p:nvPr/>
+        </p:nvSpPr>
+        <p:spPr>
+          <a:xfrm>
+            <a:off x="1419680" y="3206709"/>
+            <a:ext cx="322151" cy="272753"/>
+          </a:xfrm>
+          <a:prstGeom prst="rect">
+            <a:avLst/>
+          </a:prstGeom>
+          <a:solidFill>
+            <a:srgbClr val="FAFDF0"/>
+          </a:solidFill>
+          <a:ln>
+            <a:solidFill>
+              <a:srgbClr val="DDF08B"/>
+            </a:solidFill>
+          </a:ln>
+        </p:spPr>
+        <p:style>
+          <a:lnRef idx="2">
+            <a:schemeClr val="accent1">
+              <a:shade val="15000"/>
+            </a:schemeClr>
+          </a:lnRef>
+          <a:fillRef idx="1">
+            <a:schemeClr val="accent1"/>
+          </a:fillRef>
+          <a:effectRef idx="0">
+            <a:schemeClr val="accent1"/>
+          </a:effectRef>
+          <a:fontRef idx="minor">
+            <a:schemeClr val="lt1"/>
+          </a:fontRef>
+        </p:style>
+        <p:txBody>
+          <a:bodyPr rtlCol="0" anchor="ctr"/>
+          <a:lstStyle/>
+          <a:p>
+            <a:pPr algn="ctr"/>
+            <a:r>
+              <a:rPr lang="en-US" sz="1000" dirty="0">
+                <a:solidFill>
+                  <a:schemeClr val="tx1"/>
+                </a:solidFill>
+              </a:rPr>
+              <a:t>5</a:t>
+            </a:r>
+          </a:p>
+        </p:txBody>
+      </p:sp>
+      <p:sp>
+        <p:nvSpPr>
+          <p:cNvPr id="57" name="Rectangle 56">
+            <a:extLst>
+              <a:ext uri="{FF2B5EF4-FFF2-40B4-BE49-F238E27FC236}">
+                <a16:creationId xmlns:a16="http://schemas.microsoft.com/office/drawing/2014/main" id="{A19AF599-4BFD-ED7F-83CB-9F1FFE32EB19}"/>
+              </a:ext>
+            </a:extLst>
+          </p:cNvPr>
+          <p:cNvSpPr/>
+          <p:nvPr/>
+        </p:nvSpPr>
+        <p:spPr>
+          <a:xfrm>
+            <a:off x="2063982" y="2209576"/>
+            <a:ext cx="322151" cy="272753"/>
+          </a:xfrm>
+          <a:prstGeom prst="rect">
+            <a:avLst/>
+          </a:prstGeom>
+          <a:solidFill>
+            <a:srgbClr val="F2EFF6"/>
+          </a:solidFill>
+          <a:ln>
+            <a:solidFill>
+              <a:srgbClr val="360084"/>
+            </a:solidFill>
+          </a:ln>
+        </p:spPr>
+        <p:style>
+          <a:lnRef idx="2">
+            <a:schemeClr val="accent1">
+              <a:shade val="15000"/>
+            </a:schemeClr>
+          </a:lnRef>
+          <a:fillRef idx="1">
+            <a:schemeClr val="accent1"/>
+          </a:fillRef>
+          <a:effectRef idx="0">
+            <a:schemeClr val="accent1"/>
+          </a:effectRef>
+          <a:fontRef idx="minor">
+            <a:schemeClr val="lt1"/>
+          </a:fontRef>
+        </p:style>
+        <p:txBody>
+          <a:bodyPr rtlCol="0" anchor="ctr"/>
+          <a:lstStyle/>
+          <a:p>
+            <a:pPr algn="ctr"/>
+            <a:r>
+              <a:rPr lang="en-US" sz="1000" dirty="0">
+                <a:solidFill>
+                  <a:schemeClr val="tx1"/>
+                </a:solidFill>
+              </a:rPr>
+              <a:t>3</a:t>
+            </a:r>
+          </a:p>
+        </p:txBody>
+      </p:sp>
+      <p:sp>
+        <p:nvSpPr>
+          <p:cNvPr id="60" name="Rectangle 59">
+            <a:extLst>
+              <a:ext uri="{FF2B5EF4-FFF2-40B4-BE49-F238E27FC236}">
+                <a16:creationId xmlns:a16="http://schemas.microsoft.com/office/drawing/2014/main" id="{D3054C98-E92C-AC0C-5385-D6B909A184CB}"/>
+              </a:ext>
+            </a:extLst>
+          </p:cNvPr>
+          <p:cNvSpPr/>
+          <p:nvPr/>
+        </p:nvSpPr>
+        <p:spPr>
+          <a:xfrm>
+            <a:off x="3030435" y="2209574"/>
+            <a:ext cx="322151" cy="272753"/>
+          </a:xfrm>
+          <a:prstGeom prst="rect">
+            <a:avLst/>
+          </a:prstGeom>
+          <a:solidFill>
+            <a:srgbClr val="F2EFF6"/>
+          </a:solidFill>
+          <a:ln>
+            <a:solidFill>
+              <a:srgbClr val="360084"/>
+            </a:solidFill>
+          </a:ln>
+        </p:spPr>
+        <p:style>
+          <a:lnRef idx="2">
+            <a:schemeClr val="accent1">
+              <a:shade val="15000"/>
+            </a:schemeClr>
+          </a:lnRef>
+          <a:fillRef idx="1">
+            <a:schemeClr val="accent1"/>
+          </a:fillRef>
+          <a:effectRef idx="0">
+            <a:schemeClr val="accent1"/>
+          </a:effectRef>
+          <a:fontRef idx="minor">
+            <a:schemeClr val="lt1"/>
+          </a:fontRef>
+        </p:style>
+        <p:txBody>
+          <a:bodyPr rtlCol="0" anchor="ctr"/>
+          <a:lstStyle/>
+          <a:p>
+            <a:pPr algn="ctr"/>
+            <a:r>
+              <a:rPr lang="en-US" sz="1000" dirty="0">
+                <a:solidFill>
+                  <a:schemeClr val="tx1"/>
+                </a:solidFill>
+              </a:rPr>
+              <a:t>15</a:t>
+            </a:r>
+          </a:p>
+        </p:txBody>
+      </p:sp>
+      <p:sp>
+        <p:nvSpPr>
+          <p:cNvPr id="61" name="Rectangle 60">
+            <a:extLst>
+              <a:ext uri="{FF2B5EF4-FFF2-40B4-BE49-F238E27FC236}">
+                <a16:creationId xmlns:a16="http://schemas.microsoft.com/office/drawing/2014/main" id="{5F227E7E-7E8D-80AE-0914-415CCF6350C5}"/>
+              </a:ext>
+            </a:extLst>
+          </p:cNvPr>
+          <p:cNvSpPr/>
+          <p:nvPr/>
+        </p:nvSpPr>
+        <p:spPr>
+          <a:xfrm>
+            <a:off x="2063982" y="2482329"/>
+            <a:ext cx="322151" cy="272753"/>
+          </a:xfrm>
+          <a:prstGeom prst="rect">
+            <a:avLst/>
+          </a:prstGeom>
+          <a:solidFill>
+            <a:srgbClr val="F2EFF6"/>
+          </a:solidFill>
+          <a:ln>
+            <a:solidFill>
+              <a:srgbClr val="360084"/>
+            </a:solidFill>
+          </a:ln>
+        </p:spPr>
+        <p:style>
+          <a:lnRef idx="2">
+            <a:schemeClr val="accent1">
+              <a:shade val="15000"/>
+            </a:schemeClr>
+          </a:lnRef>
+          <a:fillRef idx="1">
+            <a:schemeClr val="accent1"/>
+          </a:fillRef>
+          <a:effectRef idx="0">
+            <a:schemeClr val="accent1"/>
+          </a:effectRef>
+          <a:fontRef idx="minor">
+            <a:schemeClr val="lt1"/>
+          </a:fontRef>
+        </p:style>
+        <p:txBody>
+          <a:bodyPr rtlCol="0" anchor="ctr"/>
+          <a:lstStyle/>
+          <a:p>
+            <a:pPr algn="ctr"/>
+            <a:r>
+              <a:rPr lang="en-US" sz="1000" dirty="0">
+                <a:solidFill>
+                  <a:schemeClr val="tx1"/>
+                </a:solidFill>
+              </a:rPr>
+              <a:t>2</a:t>
+            </a:r>
+          </a:p>
+        </p:txBody>
+      </p:sp>
+      <p:sp>
+        <p:nvSpPr>
+          <p:cNvPr id="64" name="Rectangle 63">
+            <a:extLst>
+              <a:ext uri="{FF2B5EF4-FFF2-40B4-BE49-F238E27FC236}">
+                <a16:creationId xmlns:a16="http://schemas.microsoft.com/office/drawing/2014/main" id="{D94D3477-D443-ECCA-9CBA-4EECA5BDF3F8}"/>
+              </a:ext>
+            </a:extLst>
+          </p:cNvPr>
+          <p:cNvSpPr/>
+          <p:nvPr/>
+        </p:nvSpPr>
+        <p:spPr>
+          <a:xfrm>
+            <a:off x="3030435" y="2482327"/>
+            <a:ext cx="322151" cy="272753"/>
+          </a:xfrm>
+          <a:prstGeom prst="rect">
+            <a:avLst/>
+          </a:prstGeom>
+          <a:solidFill>
+            <a:srgbClr val="F2EFF6"/>
+          </a:solidFill>
+          <a:ln>
+            <a:solidFill>
+              <a:srgbClr val="360084"/>
+            </a:solidFill>
+          </a:ln>
+        </p:spPr>
+        <p:style>
+          <a:lnRef idx="2">
+            <a:schemeClr val="accent1">
+              <a:shade val="15000"/>
+            </a:schemeClr>
+          </a:lnRef>
+          <a:fillRef idx="1">
+            <a:schemeClr val="accent1"/>
+          </a:fillRef>
+          <a:effectRef idx="0">
+            <a:schemeClr val="accent1"/>
+          </a:effectRef>
+          <a:fontRef idx="minor">
+            <a:schemeClr val="lt1"/>
+          </a:fontRef>
+        </p:style>
+        <p:txBody>
+          <a:bodyPr rtlCol="0" anchor="ctr"/>
+          <a:lstStyle/>
+          <a:p>
+            <a:pPr algn="ctr"/>
+            <a:r>
+              <a:rPr lang="en-US" sz="1000" dirty="0">
+                <a:solidFill>
+                  <a:schemeClr val="tx1"/>
+                </a:solidFill>
+              </a:rPr>
+              <a:t>14</a:t>
+            </a:r>
+          </a:p>
+        </p:txBody>
+      </p:sp>
+      <p:sp>
+        <p:nvSpPr>
+          <p:cNvPr id="71" name="Rectangle 70">
+            <a:extLst>
+              <a:ext uri="{FF2B5EF4-FFF2-40B4-BE49-F238E27FC236}">
+                <a16:creationId xmlns:a16="http://schemas.microsoft.com/office/drawing/2014/main" id="{AA0BF03E-88CD-C4C3-7CCF-A62F3BEE2808}"/>
+              </a:ext>
+            </a:extLst>
+          </p:cNvPr>
+          <p:cNvSpPr/>
+          <p:nvPr/>
+        </p:nvSpPr>
+        <p:spPr>
+          <a:xfrm>
+            <a:off x="775378" y="3206709"/>
+            <a:ext cx="322151" cy="272753"/>
+          </a:xfrm>
+          <a:prstGeom prst="rect">
+            <a:avLst/>
+          </a:prstGeom>
+          <a:solidFill>
+            <a:srgbClr val="F2EFF6"/>
+          </a:solidFill>
+          <a:ln>
+            <a:solidFill>
+              <a:srgbClr val="360084"/>
+            </a:solidFill>
+          </a:ln>
+        </p:spPr>
+        <p:style>
+          <a:lnRef idx="2">
+            <a:schemeClr val="accent1">
+              <a:shade val="15000"/>
+            </a:schemeClr>
+          </a:lnRef>
+          <a:fillRef idx="1">
+            <a:schemeClr val="accent1"/>
+          </a:fillRef>
+          <a:effectRef idx="0">
+            <a:schemeClr val="accent1"/>
+          </a:effectRef>
+          <a:fontRef idx="minor">
+            <a:schemeClr val="lt1"/>
+          </a:fontRef>
+        </p:style>
+        <p:txBody>
+          <a:bodyPr rtlCol="0" anchor="ctr"/>
+          <a:lstStyle/>
+          <a:p>
+            <a:pPr algn="ctr"/>
+            <a:r>
+              <a:rPr lang="en-US" sz="1000" dirty="0">
+                <a:solidFill>
+                  <a:schemeClr val="tx1"/>
+                </a:solidFill>
+              </a:rPr>
+              <a:t>3</a:t>
+            </a:r>
+          </a:p>
+        </p:txBody>
+      </p:sp>
+      <p:sp>
+        <p:nvSpPr>
+          <p:cNvPr id="76" name="Rectangle 75">
+            <a:extLst>
+              <a:ext uri="{FF2B5EF4-FFF2-40B4-BE49-F238E27FC236}">
+                <a16:creationId xmlns:a16="http://schemas.microsoft.com/office/drawing/2014/main" id="{9D403B33-470E-8FC5-1E17-50F220B8DF9B}"/>
+              </a:ext>
+            </a:extLst>
+          </p:cNvPr>
+          <p:cNvSpPr/>
+          <p:nvPr/>
+        </p:nvSpPr>
+        <p:spPr>
+          <a:xfrm>
+            <a:off x="2386133" y="3206707"/>
+            <a:ext cx="322151" cy="272753"/>
+          </a:xfrm>
+          <a:prstGeom prst="rect">
+            <a:avLst/>
+          </a:prstGeom>
+          <a:solidFill>
+            <a:srgbClr val="FAFDF0"/>
+          </a:solidFill>
+          <a:ln>
+            <a:solidFill>
+              <a:srgbClr val="DDF08B"/>
+            </a:solidFill>
+          </a:ln>
+        </p:spPr>
+        <p:style>
+          <a:lnRef idx="2">
+            <a:schemeClr val="accent1">
+              <a:shade val="15000"/>
+            </a:schemeClr>
+          </a:lnRef>
+          <a:fillRef idx="1">
+            <a:schemeClr val="accent1"/>
+          </a:fillRef>
+          <a:effectRef idx="0">
+            <a:schemeClr val="accent1"/>
+          </a:effectRef>
+          <a:fontRef idx="minor">
+            <a:schemeClr val="lt1"/>
+          </a:fontRef>
+        </p:style>
+        <p:txBody>
+          <a:bodyPr rtlCol="0" anchor="ctr"/>
+          <a:lstStyle/>
+          <a:p>
+            <a:pPr algn="ctr"/>
+            <a:r>
+              <a:rPr lang="en-US" sz="1000" dirty="0">
+                <a:solidFill>
+                  <a:schemeClr val="tx1"/>
+                </a:solidFill>
+              </a:rPr>
+              <a:t>8</a:t>
+            </a:r>
+          </a:p>
+        </p:txBody>
+      </p:sp>
+      <p:sp>
+        <p:nvSpPr>
+          <p:cNvPr id="77" name="Rectangle 76">
+            <a:extLst>
+              <a:ext uri="{FF2B5EF4-FFF2-40B4-BE49-F238E27FC236}">
+                <a16:creationId xmlns:a16="http://schemas.microsoft.com/office/drawing/2014/main" id="{B3E8F952-3806-F034-8D70-C8EA1617E99E}"/>
+              </a:ext>
+            </a:extLst>
+          </p:cNvPr>
+          <p:cNvSpPr/>
+          <p:nvPr/>
+        </p:nvSpPr>
+        <p:spPr>
+          <a:xfrm>
+            <a:off x="2708283" y="3206707"/>
+            <a:ext cx="322151" cy="272753"/>
+          </a:xfrm>
+          <a:prstGeom prst="rect">
+            <a:avLst/>
+          </a:prstGeom>
+          <a:solidFill>
+            <a:srgbClr val="FAFDF0"/>
+          </a:solidFill>
+          <a:ln>
+            <a:solidFill>
+              <a:srgbClr val="DDF08B"/>
+            </a:solidFill>
+          </a:ln>
+        </p:spPr>
+        <p:style>
+          <a:lnRef idx="2">
+            <a:schemeClr val="accent1">
+              <a:shade val="15000"/>
+            </a:schemeClr>
+          </a:lnRef>
+          <a:fillRef idx="1">
+            <a:schemeClr val="accent1"/>
+          </a:fillRef>
+          <a:effectRef idx="0">
+            <a:schemeClr val="accent1"/>
+          </a:effectRef>
+          <a:fontRef idx="minor">
+            <a:schemeClr val="lt1"/>
+          </a:fontRef>
+        </p:style>
+        <p:txBody>
+          <a:bodyPr rtlCol="0" anchor="ctr"/>
+          <a:lstStyle/>
+          <a:p>
+            <a:pPr algn="ctr"/>
+            <a:r>
+              <a:rPr lang="en-US" sz="1000" dirty="0">
+                <a:solidFill>
+                  <a:schemeClr val="tx1"/>
+                </a:solidFill>
+              </a:rPr>
+              <a:t>9</a:t>
+            </a:r>
+          </a:p>
+        </p:txBody>
+      </p:sp>
+      <p:sp>
+        <p:nvSpPr>
+          <p:cNvPr id="80" name="Rectangle 79">
+            <a:extLst>
+              <a:ext uri="{FF2B5EF4-FFF2-40B4-BE49-F238E27FC236}">
+                <a16:creationId xmlns:a16="http://schemas.microsoft.com/office/drawing/2014/main" id="{75EE8735-52DE-AF37-2E83-DB052E527C5E}"/>
+              </a:ext>
+            </a:extLst>
+          </p:cNvPr>
+          <p:cNvSpPr/>
+          <p:nvPr/>
+        </p:nvSpPr>
+        <p:spPr>
+          <a:xfrm>
+            <a:off x="3674736" y="3206705"/>
+            <a:ext cx="322151" cy="272753"/>
+          </a:xfrm>
+          <a:prstGeom prst="rect">
+            <a:avLst/>
+          </a:prstGeom>
+          <a:solidFill>
+            <a:srgbClr val="FAFDF0"/>
+          </a:solidFill>
+          <a:ln>
+            <a:solidFill>
+              <a:srgbClr val="DDF08B"/>
+            </a:solidFill>
+          </a:ln>
+        </p:spPr>
+        <p:style>
+          <a:lnRef idx="2">
+            <a:schemeClr val="accent1">
+              <a:shade val="15000"/>
+            </a:schemeClr>
+          </a:lnRef>
+          <a:fillRef idx="1">
+            <a:schemeClr val="accent1"/>
+          </a:fillRef>
+          <a:effectRef idx="0">
+            <a:schemeClr val="accent1"/>
+          </a:effectRef>
+          <a:fontRef idx="minor">
+            <a:schemeClr val="lt1"/>
+          </a:fontRef>
+        </p:style>
+        <p:txBody>
+          <a:bodyPr rtlCol="0" anchor="ctr"/>
+          <a:lstStyle/>
+          <a:p>
+            <a:pPr algn="ctr"/>
+            <a:r>
+              <a:rPr lang="en-US" sz="1000" dirty="0">
+                <a:solidFill>
+                  <a:schemeClr val="tx1"/>
+                </a:solidFill>
+              </a:rPr>
+              <a:t>12</a:t>
+            </a:r>
+          </a:p>
+        </p:txBody>
+      </p:sp>
+      <p:sp>
+        <p:nvSpPr>
+          <p:cNvPr id="81" name="Rectangle 80">
+            <a:extLst>
+              <a:ext uri="{FF2B5EF4-FFF2-40B4-BE49-F238E27FC236}">
+                <a16:creationId xmlns:a16="http://schemas.microsoft.com/office/drawing/2014/main" id="{507DA400-0024-3A3B-4AC9-4B84864FDD08}"/>
+              </a:ext>
+            </a:extLst>
+          </p:cNvPr>
+          <p:cNvSpPr/>
+          <p:nvPr/>
+        </p:nvSpPr>
+        <p:spPr>
+          <a:xfrm>
+            <a:off x="3996886" y="3206705"/>
+            <a:ext cx="322151" cy="272753"/>
+          </a:xfrm>
+          <a:prstGeom prst="rect">
+            <a:avLst/>
+          </a:prstGeom>
+          <a:solidFill>
+            <a:srgbClr val="FAFDF0"/>
+          </a:solidFill>
+          <a:ln>
+            <a:solidFill>
+              <a:srgbClr val="DDF08B"/>
+            </a:solidFill>
+          </a:ln>
+        </p:spPr>
+        <p:style>
+          <a:lnRef idx="2">
+            <a:schemeClr val="accent1">
+              <a:shade val="15000"/>
+            </a:schemeClr>
+          </a:lnRef>
+          <a:fillRef idx="1">
+            <a:schemeClr val="accent1"/>
+          </a:fillRef>
+          <a:effectRef idx="0">
+            <a:schemeClr val="accent1"/>
+          </a:effectRef>
+          <a:fontRef idx="minor">
+            <a:schemeClr val="lt1"/>
+          </a:fontRef>
+        </p:style>
+        <p:txBody>
+          <a:bodyPr rtlCol="0" anchor="ctr"/>
+          <a:lstStyle/>
+          <a:p>
+            <a:pPr algn="ctr"/>
+            <a:r>
+              <a:rPr lang="en-US" sz="1000" dirty="0">
+                <a:solidFill>
+                  <a:schemeClr val="tx1"/>
+                </a:solidFill>
+              </a:rPr>
+              <a:t>13</a:t>
+            </a:r>
+          </a:p>
+        </p:txBody>
+      </p:sp>
+      <p:sp>
+        <p:nvSpPr>
+          <p:cNvPr id="84" name="Rectangle 83">
+            <a:extLst>
+              <a:ext uri="{FF2B5EF4-FFF2-40B4-BE49-F238E27FC236}">
+                <a16:creationId xmlns:a16="http://schemas.microsoft.com/office/drawing/2014/main" id="{5489309C-F3E8-77F4-06F8-3DAC87C33BE2}"/>
+              </a:ext>
+            </a:extLst>
+          </p:cNvPr>
+          <p:cNvSpPr/>
+          <p:nvPr/>
+        </p:nvSpPr>
+        <p:spPr>
+          <a:xfrm>
+            <a:off x="4963339" y="3206703"/>
+            <a:ext cx="322151" cy="272753"/>
+          </a:xfrm>
+          <a:prstGeom prst="rect">
+            <a:avLst/>
+          </a:prstGeom>
+          <a:solidFill>
+            <a:srgbClr val="FAFDF0"/>
+          </a:solidFill>
+          <a:ln>
+            <a:solidFill>
+              <a:srgbClr val="DDF08B"/>
+            </a:solidFill>
+          </a:ln>
+        </p:spPr>
+        <p:style>
+          <a:lnRef idx="2">
+            <a:schemeClr val="accent1">
+              <a:shade val="15000"/>
+            </a:schemeClr>
+          </a:lnRef>
+          <a:fillRef idx="1">
+            <a:schemeClr val="accent1"/>
+          </a:fillRef>
+          <a:effectRef idx="0">
+            <a:schemeClr val="accent1"/>
+          </a:effectRef>
+          <a:fontRef idx="minor">
+            <a:schemeClr val="lt1"/>
+          </a:fontRef>
+        </p:style>
+        <p:txBody>
+          <a:bodyPr rtlCol="0" anchor="ctr"/>
+          <a:lstStyle/>
+          <a:p>
+            <a:pPr algn="ctr"/>
+            <a:r>
+              <a:rPr lang="en-US" sz="1000" dirty="0">
+                <a:solidFill>
+                  <a:schemeClr val="tx1"/>
+                </a:solidFill>
+              </a:rPr>
+              <a:t>16</a:t>
+            </a:r>
+          </a:p>
+        </p:txBody>
+      </p:sp>
+      <p:sp>
+        <p:nvSpPr>
+          <p:cNvPr id="58" name="Rectangle 57">
+            <a:extLst>
+              <a:ext uri="{FF2B5EF4-FFF2-40B4-BE49-F238E27FC236}">
+                <a16:creationId xmlns:a16="http://schemas.microsoft.com/office/drawing/2014/main" id="{51E7B264-FC67-8A77-80CB-2B72D5B89304}"/>
+              </a:ext>
+            </a:extLst>
+          </p:cNvPr>
+          <p:cNvSpPr/>
+          <p:nvPr/>
+        </p:nvSpPr>
+        <p:spPr>
+          <a:xfrm>
+            <a:off x="2386133" y="2209575"/>
+            <a:ext cx="322151" cy="272753"/>
+          </a:xfrm>
+          <a:prstGeom prst="rect">
+            <a:avLst/>
+          </a:prstGeom>
+          <a:solidFill>
+            <a:srgbClr val="F2EFF6"/>
+          </a:solidFill>
+          <a:ln>
+            <a:solidFill>
+              <a:srgbClr val="360084"/>
+            </a:solidFill>
+          </a:ln>
+        </p:spPr>
+        <p:style>
+          <a:lnRef idx="2">
+            <a:schemeClr val="accent1">
+              <a:shade val="15000"/>
+            </a:schemeClr>
+          </a:lnRef>
+          <a:fillRef idx="1">
+            <a:schemeClr val="accent1"/>
+          </a:fillRef>
+          <a:effectRef idx="0">
+            <a:schemeClr val="accent1"/>
+          </a:effectRef>
+          <a:fontRef idx="minor">
+            <a:schemeClr val="lt1"/>
+          </a:fontRef>
+        </p:style>
+        <p:txBody>
+          <a:bodyPr rtlCol="0" anchor="ctr"/>
+          <a:lstStyle/>
+          <a:p>
+            <a:pPr algn="ctr"/>
+            <a:r>
+              <a:rPr lang="en-US" sz="1000" dirty="0">
+                <a:solidFill>
+                  <a:schemeClr val="tx1"/>
+                </a:solidFill>
+              </a:rPr>
+              <a:t>7</a:t>
+            </a:r>
+          </a:p>
+        </p:txBody>
+      </p:sp>
+      <p:sp>
+        <p:nvSpPr>
+          <p:cNvPr id="59" name="Rectangle 58">
+            <a:extLst>
+              <a:ext uri="{FF2B5EF4-FFF2-40B4-BE49-F238E27FC236}">
+                <a16:creationId xmlns:a16="http://schemas.microsoft.com/office/drawing/2014/main" id="{93492025-294D-0DA0-6509-650126179925}"/>
+              </a:ext>
+            </a:extLst>
+          </p:cNvPr>
+          <p:cNvSpPr/>
+          <p:nvPr/>
+        </p:nvSpPr>
+        <p:spPr>
+          <a:xfrm>
+            <a:off x="2708284" y="2209574"/>
+            <a:ext cx="322151" cy="272753"/>
+          </a:xfrm>
+          <a:prstGeom prst="rect">
+            <a:avLst/>
+          </a:prstGeom>
+          <a:solidFill>
+            <a:srgbClr val="F2EFF6"/>
+          </a:solidFill>
+          <a:ln>
+            <a:solidFill>
+              <a:srgbClr val="360084"/>
+            </a:solidFill>
+          </a:ln>
+        </p:spPr>
+        <p:style>
+          <a:lnRef idx="2">
+            <a:schemeClr val="accent1">
+              <a:shade val="15000"/>
+            </a:schemeClr>
+          </a:lnRef>
+          <a:fillRef idx="1">
+            <a:schemeClr val="accent1"/>
+          </a:fillRef>
+          <a:effectRef idx="0">
+            <a:schemeClr val="accent1"/>
+          </a:effectRef>
+          <a:fontRef idx="minor">
+            <a:schemeClr val="lt1"/>
+          </a:fontRef>
+        </p:style>
+        <p:txBody>
+          <a:bodyPr rtlCol="0" anchor="ctr"/>
+          <a:lstStyle/>
+          <a:p>
+            <a:pPr algn="ctr"/>
+            <a:r>
+              <a:rPr lang="en-US" sz="1000" dirty="0">
+                <a:solidFill>
+                  <a:schemeClr val="tx1"/>
+                </a:solidFill>
+              </a:rPr>
+              <a:t>11</a:t>
+            </a:r>
+          </a:p>
+        </p:txBody>
+      </p:sp>
+      <p:sp>
+        <p:nvSpPr>
+          <p:cNvPr id="62" name="Rectangle 61">
+            <a:extLst>
+              <a:ext uri="{FF2B5EF4-FFF2-40B4-BE49-F238E27FC236}">
+                <a16:creationId xmlns:a16="http://schemas.microsoft.com/office/drawing/2014/main" id="{5E0638CD-B78D-0D71-AE64-8CCFCB1AF5BF}"/>
+              </a:ext>
+            </a:extLst>
+          </p:cNvPr>
+          <p:cNvSpPr/>
+          <p:nvPr/>
+        </p:nvSpPr>
+        <p:spPr>
+          <a:xfrm>
+            <a:off x="2386133" y="2482328"/>
+            <a:ext cx="322151" cy="272753"/>
+          </a:xfrm>
+          <a:prstGeom prst="rect">
+            <a:avLst/>
+          </a:prstGeom>
+          <a:solidFill>
+            <a:srgbClr val="F2EFF6"/>
+          </a:solidFill>
+          <a:ln>
+            <a:solidFill>
+              <a:srgbClr val="360084"/>
+            </a:solidFill>
+          </a:ln>
+        </p:spPr>
+        <p:style>
+          <a:lnRef idx="2">
+            <a:schemeClr val="accent1">
+              <a:shade val="15000"/>
+            </a:schemeClr>
+          </a:lnRef>
+          <a:fillRef idx="1">
+            <a:schemeClr val="accent1"/>
+          </a:fillRef>
+          <a:effectRef idx="0">
+            <a:schemeClr val="accent1"/>
+          </a:effectRef>
+          <a:fontRef idx="minor">
+            <a:schemeClr val="lt1"/>
+          </a:fontRef>
+        </p:style>
+        <p:txBody>
+          <a:bodyPr rtlCol="0" anchor="ctr"/>
+          <a:lstStyle/>
+          <a:p>
+            <a:pPr algn="ctr"/>
+            <a:r>
+              <a:rPr lang="en-US" sz="1000" dirty="0">
+                <a:solidFill>
+                  <a:schemeClr val="tx1"/>
+                </a:solidFill>
+              </a:rPr>
+              <a:t>6</a:t>
+            </a:r>
+          </a:p>
+        </p:txBody>
+      </p:sp>
+      <p:sp>
+        <p:nvSpPr>
+          <p:cNvPr id="63" name="Rectangle 62">
+            <a:extLst>
+              <a:ext uri="{FF2B5EF4-FFF2-40B4-BE49-F238E27FC236}">
+                <a16:creationId xmlns:a16="http://schemas.microsoft.com/office/drawing/2014/main" id="{69D14175-D9FC-F10E-1D11-9AA38363D585}"/>
+              </a:ext>
+            </a:extLst>
+          </p:cNvPr>
+          <p:cNvSpPr/>
+          <p:nvPr/>
+        </p:nvSpPr>
+        <p:spPr>
+          <a:xfrm>
+            <a:off x="2708284" y="2482327"/>
+            <a:ext cx="322151" cy="272753"/>
+          </a:xfrm>
+          <a:prstGeom prst="rect">
+            <a:avLst/>
+          </a:prstGeom>
+          <a:solidFill>
+            <a:srgbClr val="F2EFF6"/>
+          </a:solidFill>
+          <a:ln>
+            <a:solidFill>
+              <a:srgbClr val="360084"/>
+            </a:solidFill>
+          </a:ln>
+        </p:spPr>
+        <p:style>
+          <a:lnRef idx="2">
+            <a:schemeClr val="accent1">
+              <a:shade val="15000"/>
+            </a:schemeClr>
+          </a:lnRef>
+          <a:fillRef idx="1">
+            <a:schemeClr val="accent1"/>
+          </a:fillRef>
+          <a:effectRef idx="0">
+            <a:schemeClr val="accent1"/>
+          </a:effectRef>
+          <a:fontRef idx="minor">
+            <a:schemeClr val="lt1"/>
+          </a:fontRef>
+        </p:style>
+        <p:txBody>
+          <a:bodyPr rtlCol="0" anchor="ctr"/>
+          <a:lstStyle/>
+          <a:p>
+            <a:pPr algn="ctr"/>
+            <a:r>
+              <a:rPr lang="en-US" sz="1000" dirty="0">
+                <a:solidFill>
+                  <a:schemeClr val="tx1"/>
+                </a:solidFill>
+              </a:rPr>
+              <a:t>10</a:t>
+            </a:r>
+          </a:p>
+        </p:txBody>
+      </p:sp>
+      <p:sp>
+        <p:nvSpPr>
+          <p:cNvPr id="74" name="Rectangle 73">
+            <a:extLst>
+              <a:ext uri="{FF2B5EF4-FFF2-40B4-BE49-F238E27FC236}">
+                <a16:creationId xmlns:a16="http://schemas.microsoft.com/office/drawing/2014/main" id="{698211C9-BADF-0654-2012-97A7CF833BC3}"/>
+              </a:ext>
+            </a:extLst>
+          </p:cNvPr>
+          <p:cNvSpPr/>
+          <p:nvPr/>
+        </p:nvSpPr>
+        <p:spPr>
+          <a:xfrm>
+            <a:off x="1741831" y="3206708"/>
+            <a:ext cx="322151" cy="272753"/>
+          </a:xfrm>
+          <a:prstGeom prst="rect">
+            <a:avLst/>
+          </a:prstGeom>
+          <a:solidFill>
+            <a:srgbClr val="F2EFF6"/>
+          </a:solidFill>
+          <a:ln>
+            <a:solidFill>
+              <a:srgbClr val="360084"/>
+            </a:solidFill>
+          </a:ln>
+        </p:spPr>
+        <p:style>
+          <a:lnRef idx="2">
+            <a:schemeClr val="accent1">
+              <a:shade val="15000"/>
+            </a:schemeClr>
+          </a:lnRef>
+          <a:fillRef idx="1">
+            <a:schemeClr val="accent1"/>
+          </a:fillRef>
+          <a:effectRef idx="0">
+            <a:schemeClr val="accent1"/>
+          </a:effectRef>
+          <a:fontRef idx="minor">
+            <a:schemeClr val="lt1"/>
+          </a:fontRef>
+        </p:style>
+        <p:txBody>
+          <a:bodyPr rtlCol="0" anchor="ctr"/>
+          <a:lstStyle/>
+          <a:p>
+            <a:pPr algn="ctr"/>
+            <a:r>
+              <a:rPr lang="en-US" sz="1000" dirty="0">
+                <a:solidFill>
+                  <a:schemeClr val="tx1"/>
+                </a:solidFill>
+              </a:rPr>
+              <a:t>6</a:t>
+            </a:r>
+          </a:p>
+        </p:txBody>
+      </p:sp>
+      <p:sp>
+        <p:nvSpPr>
+          <p:cNvPr id="82" name="Rectangle 81">
+            <a:extLst>
+              <a:ext uri="{FF2B5EF4-FFF2-40B4-BE49-F238E27FC236}">
+                <a16:creationId xmlns:a16="http://schemas.microsoft.com/office/drawing/2014/main" id="{5A4BBC48-A4C2-CFD4-12D2-6924967A6747}"/>
+              </a:ext>
+            </a:extLst>
+          </p:cNvPr>
+          <p:cNvSpPr/>
+          <p:nvPr/>
+        </p:nvSpPr>
+        <p:spPr>
+          <a:xfrm>
+            <a:off x="4319037" y="3206704"/>
+            <a:ext cx="322151" cy="272753"/>
+          </a:xfrm>
+          <a:prstGeom prst="rect">
+            <a:avLst/>
+          </a:prstGeom>
+          <a:solidFill>
+            <a:srgbClr val="F2EFF6"/>
+          </a:solidFill>
+          <a:ln>
+            <a:solidFill>
+              <a:srgbClr val="360084"/>
+            </a:solidFill>
+          </a:ln>
+        </p:spPr>
+        <p:style>
+          <a:lnRef idx="2">
+            <a:schemeClr val="accent1">
+              <a:shade val="15000"/>
+            </a:schemeClr>
+          </a:lnRef>
+          <a:fillRef idx="1">
+            <a:schemeClr val="accent1"/>
+          </a:fillRef>
+          <a:effectRef idx="0">
+            <a:schemeClr val="accent1"/>
+          </a:effectRef>
+          <a:fontRef idx="minor">
+            <a:schemeClr val="lt1"/>
+          </a:fontRef>
+        </p:style>
+        <p:txBody>
+          <a:bodyPr rtlCol="0" anchor="ctr"/>
+          <a:lstStyle/>
+          <a:p>
+            <a:pPr algn="ctr"/>
+            <a:r>
+              <a:rPr lang="en-US" sz="1000" dirty="0">
+                <a:solidFill>
+                  <a:schemeClr val="tx1"/>
+                </a:solidFill>
+              </a:rPr>
+              <a:t>14</a:t>
+            </a:r>
+          </a:p>
+        </p:txBody>
+      </p:sp>
+      <p:sp>
+        <p:nvSpPr>
+          <p:cNvPr id="83" name="Rectangle 82">
+            <a:extLst>
+              <a:ext uri="{FF2B5EF4-FFF2-40B4-BE49-F238E27FC236}">
+                <a16:creationId xmlns:a16="http://schemas.microsoft.com/office/drawing/2014/main" id="{6F25C9BC-4E87-293E-7853-21716B4346E9}"/>
+              </a:ext>
+            </a:extLst>
+          </p:cNvPr>
+          <p:cNvSpPr/>
+          <p:nvPr/>
+        </p:nvSpPr>
+        <p:spPr>
+          <a:xfrm>
+            <a:off x="4641188" y="3206703"/>
+            <a:ext cx="322151" cy="272753"/>
+          </a:xfrm>
+          <a:prstGeom prst="rect">
+            <a:avLst/>
+          </a:prstGeom>
+          <a:solidFill>
+            <a:srgbClr val="F2EFF6"/>
+          </a:solidFill>
+          <a:ln>
+            <a:solidFill>
+              <a:srgbClr val="360084"/>
+            </a:solidFill>
+          </a:ln>
+        </p:spPr>
+        <p:style>
+          <a:lnRef idx="2">
+            <a:schemeClr val="accent1">
+              <a:shade val="15000"/>
+            </a:schemeClr>
+          </a:lnRef>
+          <a:fillRef idx="1">
+            <a:schemeClr val="accent1"/>
+          </a:fillRef>
+          <a:effectRef idx="0">
+            <a:schemeClr val="accent1"/>
+          </a:effectRef>
+          <a:fontRef idx="minor">
+            <a:schemeClr val="lt1"/>
+          </a:fontRef>
+        </p:style>
+        <p:txBody>
+          <a:bodyPr rtlCol="0" anchor="ctr"/>
+          <a:lstStyle/>
+          <a:p>
+            <a:pPr algn="ctr"/>
+            <a:r>
+              <a:rPr lang="en-US" sz="1000" dirty="0">
+                <a:solidFill>
+                  <a:schemeClr val="tx1"/>
+                </a:solidFill>
+              </a:rPr>
+              <a:t>15</a:t>
+            </a:r>
+          </a:p>
+        </p:txBody>
+      </p:sp>
+      <p:sp>
+        <p:nvSpPr>
+          <p:cNvPr id="75" name="Rectangle 74">
+            <a:extLst>
+              <a:ext uri="{FF2B5EF4-FFF2-40B4-BE49-F238E27FC236}">
+                <a16:creationId xmlns:a16="http://schemas.microsoft.com/office/drawing/2014/main" id="{740CD15F-9FC5-334A-0C6D-B5E47FA25719}"/>
+              </a:ext>
+            </a:extLst>
+          </p:cNvPr>
+          <p:cNvSpPr/>
+          <p:nvPr/>
+        </p:nvSpPr>
+        <p:spPr>
+          <a:xfrm>
+            <a:off x="2063982" y="3206707"/>
+            <a:ext cx="322151" cy="272753"/>
+          </a:xfrm>
+          <a:prstGeom prst="rect">
+            <a:avLst/>
+          </a:prstGeom>
+          <a:solidFill>
+            <a:srgbClr val="F2EFF6"/>
+          </a:solidFill>
+          <a:ln>
+            <a:solidFill>
+              <a:srgbClr val="360084"/>
+            </a:solidFill>
+          </a:ln>
+        </p:spPr>
+        <p:style>
+          <a:lnRef idx="2">
+            <a:schemeClr val="accent1">
+              <a:shade val="15000"/>
+            </a:schemeClr>
+          </a:lnRef>
+          <a:fillRef idx="1">
+            <a:schemeClr val="accent1"/>
+          </a:fillRef>
+          <a:effectRef idx="0">
+            <a:schemeClr val="accent1"/>
+          </a:effectRef>
+          <a:fontRef idx="minor">
+            <a:schemeClr val="lt1"/>
+          </a:fontRef>
+        </p:style>
+        <p:txBody>
+          <a:bodyPr rtlCol="0" anchor="ctr"/>
+          <a:lstStyle/>
+          <a:p>
+            <a:pPr algn="ctr"/>
+            <a:r>
+              <a:rPr lang="en-US" sz="1000" dirty="0">
+                <a:solidFill>
+                  <a:schemeClr val="tx1"/>
+                </a:solidFill>
+              </a:rPr>
+              <a:t>7</a:t>
+            </a:r>
+          </a:p>
+        </p:txBody>
+      </p:sp>
+      <p:sp>
+        <p:nvSpPr>
+          <p:cNvPr id="78" name="Rectangle 77">
+            <a:extLst>
+              <a:ext uri="{FF2B5EF4-FFF2-40B4-BE49-F238E27FC236}">
+                <a16:creationId xmlns:a16="http://schemas.microsoft.com/office/drawing/2014/main" id="{A841A541-E3C3-2950-E32E-5B5510BE8003}"/>
+              </a:ext>
+            </a:extLst>
+          </p:cNvPr>
+          <p:cNvSpPr/>
+          <p:nvPr/>
+        </p:nvSpPr>
+        <p:spPr>
+          <a:xfrm>
+            <a:off x="3030434" y="3206706"/>
+            <a:ext cx="322151" cy="272753"/>
+          </a:xfrm>
+          <a:prstGeom prst="rect">
+            <a:avLst/>
+          </a:prstGeom>
+          <a:solidFill>
+            <a:srgbClr val="F2EFF6"/>
+          </a:solidFill>
+          <a:ln>
+            <a:solidFill>
+              <a:srgbClr val="360084"/>
+            </a:solidFill>
+          </a:ln>
+        </p:spPr>
+        <p:style>
+          <a:lnRef idx="2">
+            <a:schemeClr val="accent1">
+              <a:shade val="15000"/>
+            </a:schemeClr>
+          </a:lnRef>
+          <a:fillRef idx="1">
+            <a:schemeClr val="accent1"/>
+          </a:fillRef>
+          <a:effectRef idx="0">
+            <a:schemeClr val="accent1"/>
+          </a:effectRef>
+          <a:fontRef idx="minor">
+            <a:schemeClr val="lt1"/>
+          </a:fontRef>
+        </p:style>
+        <p:txBody>
+          <a:bodyPr rtlCol="0" anchor="ctr"/>
+          <a:lstStyle/>
+          <a:p>
+            <a:pPr algn="ctr"/>
+            <a:r>
+              <a:rPr lang="en-US" sz="1000" dirty="0">
+                <a:solidFill>
+                  <a:schemeClr val="tx1"/>
+                </a:solidFill>
+              </a:rPr>
+              <a:t>10</a:t>
+            </a:r>
+          </a:p>
+        </p:txBody>
+      </p:sp>
+      <p:sp>
+        <p:nvSpPr>
+          <p:cNvPr id="79" name="Rectangle 78">
+            <a:extLst>
+              <a:ext uri="{FF2B5EF4-FFF2-40B4-BE49-F238E27FC236}">
+                <a16:creationId xmlns:a16="http://schemas.microsoft.com/office/drawing/2014/main" id="{E4D23DD9-B6D6-74EE-EDD2-D6D0B50B4019}"/>
+              </a:ext>
+            </a:extLst>
+          </p:cNvPr>
+          <p:cNvSpPr/>
+          <p:nvPr/>
+        </p:nvSpPr>
+        <p:spPr>
+          <a:xfrm>
+            <a:off x="3352585" y="3206705"/>
+            <a:ext cx="322151" cy="272753"/>
+          </a:xfrm>
+          <a:prstGeom prst="rect">
+            <a:avLst/>
+          </a:prstGeom>
+          <a:solidFill>
+            <a:srgbClr val="F2EFF6"/>
+          </a:solidFill>
+          <a:ln>
+            <a:solidFill>
+              <a:srgbClr val="360084"/>
+            </a:solidFill>
+          </a:ln>
+        </p:spPr>
+        <p:style>
+          <a:lnRef idx="2">
+            <a:schemeClr val="accent1">
+              <a:shade val="15000"/>
+            </a:schemeClr>
+          </a:lnRef>
+          <a:fillRef idx="1">
+            <a:schemeClr val="accent1"/>
+          </a:fillRef>
+          <a:effectRef idx="0">
+            <a:schemeClr val="accent1"/>
+          </a:effectRef>
+          <a:fontRef idx="minor">
+            <a:schemeClr val="lt1"/>
+          </a:fontRef>
+        </p:style>
+        <p:txBody>
+          <a:bodyPr rtlCol="0" anchor="ctr"/>
+          <a:lstStyle/>
+          <a:p>
+            <a:pPr algn="ctr"/>
+            <a:r>
+              <a:rPr lang="en-US" sz="1000" dirty="0">
+                <a:solidFill>
+                  <a:schemeClr val="tx1"/>
+                </a:solidFill>
+              </a:rPr>
+              <a:t>11</a:t>
+            </a:r>
+          </a:p>
+        </p:txBody>
+      </p:sp>
+      <p:sp>
+        <p:nvSpPr>
+          <p:cNvPr id="88" name="Rectangle 87">
+            <a:extLst>
+              <a:ext uri="{FF2B5EF4-FFF2-40B4-BE49-F238E27FC236}">
+                <a16:creationId xmlns:a16="http://schemas.microsoft.com/office/drawing/2014/main" id="{77CD76F9-E670-6A42-ACA0-EB44DF5B5CBE}"/>
+              </a:ext>
+            </a:extLst>
+          </p:cNvPr>
+          <p:cNvSpPr/>
+          <p:nvPr/>
+        </p:nvSpPr>
+        <p:spPr>
+          <a:xfrm>
+            <a:off x="131076" y="4791840"/>
+            <a:ext cx="322151" cy="272753"/>
+          </a:xfrm>
+          <a:prstGeom prst="rect">
+            <a:avLst/>
+          </a:prstGeom>
+          <a:solidFill>
+            <a:srgbClr val="FAFDF0"/>
+          </a:solidFill>
+          <a:ln>
+            <a:solidFill>
+              <a:srgbClr val="DDF08B"/>
+            </a:solidFill>
+          </a:ln>
+        </p:spPr>
+        <p:style>
+          <a:lnRef idx="2">
+            <a:schemeClr val="accent1">
+              <a:shade val="15000"/>
+            </a:schemeClr>
+          </a:lnRef>
+          <a:fillRef idx="1">
+            <a:schemeClr val="accent1"/>
+          </a:fillRef>
+          <a:effectRef idx="0">
+            <a:schemeClr val="accent1"/>
+          </a:effectRef>
+          <a:fontRef idx="minor">
+            <a:schemeClr val="lt1"/>
+          </a:fontRef>
+        </p:style>
+        <p:txBody>
+          <a:bodyPr rtlCol="0" anchor="ctr"/>
+          <a:lstStyle/>
+          <a:p>
+            <a:pPr algn="ctr"/>
+            <a:r>
+              <a:rPr lang="en-US" sz="1000" dirty="0">
+                <a:solidFill>
+                  <a:schemeClr val="tx1"/>
+                </a:solidFill>
+              </a:rPr>
+              <a:t>1</a:t>
+            </a:r>
+          </a:p>
+        </p:txBody>
+      </p:sp>
+      <p:sp>
+        <p:nvSpPr>
+          <p:cNvPr id="89" name="Rectangle 88">
+            <a:extLst>
+              <a:ext uri="{FF2B5EF4-FFF2-40B4-BE49-F238E27FC236}">
+                <a16:creationId xmlns:a16="http://schemas.microsoft.com/office/drawing/2014/main" id="{EBD33367-3901-AEBA-8F9D-B82684811ABE}"/>
+              </a:ext>
+            </a:extLst>
+          </p:cNvPr>
+          <p:cNvSpPr/>
+          <p:nvPr/>
+        </p:nvSpPr>
+        <p:spPr>
+          <a:xfrm>
+            <a:off x="453227" y="4791839"/>
+            <a:ext cx="322151" cy="272753"/>
+          </a:xfrm>
+          <a:prstGeom prst="rect">
+            <a:avLst/>
+          </a:prstGeom>
+          <a:solidFill>
+            <a:srgbClr val="F2EFF6"/>
+          </a:solidFill>
+          <a:ln>
+            <a:solidFill>
+              <a:srgbClr val="360084"/>
+            </a:solidFill>
+          </a:ln>
+        </p:spPr>
+        <p:style>
+          <a:lnRef idx="2">
+            <a:schemeClr val="accent1">
+              <a:shade val="15000"/>
+            </a:schemeClr>
+          </a:lnRef>
+          <a:fillRef idx="1">
+            <a:schemeClr val="accent1"/>
+          </a:fillRef>
+          <a:effectRef idx="0">
+            <a:schemeClr val="accent1"/>
+          </a:effectRef>
+          <a:fontRef idx="minor">
+            <a:schemeClr val="lt1"/>
+          </a:fontRef>
+        </p:style>
+        <p:txBody>
+          <a:bodyPr rtlCol="0" anchor="ctr"/>
+          <a:lstStyle/>
+          <a:p>
+            <a:pPr algn="ctr"/>
+            <a:r>
+              <a:rPr lang="en-US" sz="1000" dirty="0">
+                <a:solidFill>
+                  <a:schemeClr val="tx1"/>
+                </a:solidFill>
+              </a:rPr>
+              <a:t>2</a:t>
+            </a:r>
+          </a:p>
+        </p:txBody>
+      </p:sp>
+      <p:sp>
+        <p:nvSpPr>
+          <p:cNvPr id="90" name="Rectangle 89">
+            <a:extLst>
+              <a:ext uri="{FF2B5EF4-FFF2-40B4-BE49-F238E27FC236}">
+                <a16:creationId xmlns:a16="http://schemas.microsoft.com/office/drawing/2014/main" id="{09F66A95-12BC-52CA-B513-B106C9B33624}"/>
+              </a:ext>
+            </a:extLst>
+          </p:cNvPr>
+          <p:cNvSpPr/>
+          <p:nvPr/>
+        </p:nvSpPr>
+        <p:spPr>
+          <a:xfrm>
+            <a:off x="1097529" y="4791838"/>
+            <a:ext cx="322151" cy="272753"/>
+          </a:xfrm>
+          <a:prstGeom prst="rect">
+            <a:avLst/>
+          </a:prstGeom>
+          <a:solidFill>
+            <a:srgbClr val="FAFDF0"/>
+          </a:solidFill>
+          <a:ln>
+            <a:solidFill>
+              <a:srgbClr val="DDF08B"/>
+            </a:solidFill>
+          </a:ln>
+        </p:spPr>
+        <p:style>
+          <a:lnRef idx="2">
+            <a:schemeClr val="accent1">
+              <a:shade val="15000"/>
+            </a:schemeClr>
+          </a:lnRef>
+          <a:fillRef idx="1">
+            <a:schemeClr val="accent1"/>
+          </a:fillRef>
+          <a:effectRef idx="0">
+            <a:schemeClr val="accent1"/>
+          </a:effectRef>
+          <a:fontRef idx="minor">
+            <a:schemeClr val="lt1"/>
+          </a:fontRef>
+        </p:style>
+        <p:txBody>
+          <a:bodyPr rtlCol="0" anchor="ctr"/>
+          <a:lstStyle/>
+          <a:p>
+            <a:pPr algn="ctr"/>
+            <a:r>
+              <a:rPr lang="en-US" sz="1000" dirty="0">
+                <a:solidFill>
+                  <a:schemeClr val="tx1"/>
+                </a:solidFill>
+              </a:rPr>
+              <a:t>4</a:t>
+            </a:r>
+          </a:p>
+        </p:txBody>
+      </p:sp>
+      <p:sp>
+        <p:nvSpPr>
+          <p:cNvPr id="91" name="Rectangle 90">
+            <a:extLst>
+              <a:ext uri="{FF2B5EF4-FFF2-40B4-BE49-F238E27FC236}">
+                <a16:creationId xmlns:a16="http://schemas.microsoft.com/office/drawing/2014/main" id="{B38E1018-5012-9AA4-26D3-51D1EC2E8AF1}"/>
+              </a:ext>
+            </a:extLst>
+          </p:cNvPr>
+          <p:cNvSpPr/>
+          <p:nvPr/>
+        </p:nvSpPr>
+        <p:spPr>
+          <a:xfrm>
+            <a:off x="1419680" y="4791838"/>
+            <a:ext cx="322151" cy="272753"/>
+          </a:xfrm>
+          <a:prstGeom prst="rect">
+            <a:avLst/>
+          </a:prstGeom>
+          <a:solidFill>
+            <a:srgbClr val="FAFDF0"/>
+          </a:solidFill>
+          <a:ln>
+            <a:solidFill>
+              <a:srgbClr val="DDF08B"/>
+            </a:solidFill>
+          </a:ln>
+        </p:spPr>
+        <p:style>
+          <a:lnRef idx="2">
+            <a:schemeClr val="accent1">
+              <a:shade val="15000"/>
+            </a:schemeClr>
+          </a:lnRef>
+          <a:fillRef idx="1">
+            <a:schemeClr val="accent1"/>
+          </a:fillRef>
+          <a:effectRef idx="0">
+            <a:schemeClr val="accent1"/>
+          </a:effectRef>
+          <a:fontRef idx="minor">
+            <a:schemeClr val="lt1"/>
+          </a:fontRef>
+        </p:style>
+        <p:txBody>
+          <a:bodyPr rtlCol="0" anchor="ctr"/>
+          <a:lstStyle/>
+          <a:p>
+            <a:pPr algn="ctr"/>
+            <a:r>
+              <a:rPr lang="en-US" sz="1000" dirty="0">
+                <a:solidFill>
+                  <a:schemeClr val="tx1"/>
+                </a:solidFill>
+              </a:rPr>
+              <a:t>5</a:t>
+            </a:r>
+          </a:p>
+        </p:txBody>
+      </p:sp>
+      <p:sp>
+        <p:nvSpPr>
+          <p:cNvPr id="92" name="Rectangle 91">
+            <a:extLst>
+              <a:ext uri="{FF2B5EF4-FFF2-40B4-BE49-F238E27FC236}">
+                <a16:creationId xmlns:a16="http://schemas.microsoft.com/office/drawing/2014/main" id="{F39486EB-BAB6-A4DC-6DF7-19F6073B9F0A}"/>
+              </a:ext>
+            </a:extLst>
+          </p:cNvPr>
+          <p:cNvSpPr/>
+          <p:nvPr/>
+        </p:nvSpPr>
+        <p:spPr>
+          <a:xfrm>
+            <a:off x="775378" y="4791838"/>
+            <a:ext cx="322151" cy="272753"/>
+          </a:xfrm>
+          <a:prstGeom prst="rect">
+            <a:avLst/>
+          </a:prstGeom>
+          <a:solidFill>
+            <a:srgbClr val="F2EFF6"/>
+          </a:solidFill>
+          <a:ln>
+            <a:solidFill>
+              <a:srgbClr val="360084"/>
+            </a:solidFill>
+          </a:ln>
+        </p:spPr>
+        <p:style>
+          <a:lnRef idx="2">
+            <a:schemeClr val="accent1">
+              <a:shade val="15000"/>
+            </a:schemeClr>
+          </a:lnRef>
+          <a:fillRef idx="1">
+            <a:schemeClr val="accent1"/>
+          </a:fillRef>
+          <a:effectRef idx="0">
+            <a:schemeClr val="accent1"/>
+          </a:effectRef>
+          <a:fontRef idx="minor">
+            <a:schemeClr val="lt1"/>
+          </a:fontRef>
+        </p:style>
+        <p:txBody>
+          <a:bodyPr rtlCol="0" anchor="ctr"/>
+          <a:lstStyle/>
+          <a:p>
+            <a:pPr algn="ctr"/>
+            <a:r>
+              <a:rPr lang="en-US" sz="1000" dirty="0">
+                <a:solidFill>
+                  <a:schemeClr val="tx1"/>
+                </a:solidFill>
+              </a:rPr>
+              <a:t>3</a:t>
+            </a:r>
+          </a:p>
+        </p:txBody>
+      </p:sp>
+      <p:sp>
+        <p:nvSpPr>
+          <p:cNvPr id="93" name="Rectangle 92">
+            <a:extLst>
+              <a:ext uri="{FF2B5EF4-FFF2-40B4-BE49-F238E27FC236}">
+                <a16:creationId xmlns:a16="http://schemas.microsoft.com/office/drawing/2014/main" id="{BBC9C7F9-F735-C2F7-E952-21B9B2592DC5}"/>
+              </a:ext>
+            </a:extLst>
+          </p:cNvPr>
+          <p:cNvSpPr/>
+          <p:nvPr/>
+        </p:nvSpPr>
+        <p:spPr>
+          <a:xfrm>
+            <a:off x="2386133" y="4791836"/>
+            <a:ext cx="322151" cy="272753"/>
+          </a:xfrm>
+          <a:prstGeom prst="rect">
+            <a:avLst/>
+          </a:prstGeom>
+          <a:solidFill>
+            <a:srgbClr val="FAFDF0"/>
+          </a:solidFill>
+          <a:ln>
+            <a:solidFill>
+              <a:srgbClr val="DDF08B"/>
+            </a:solidFill>
+          </a:ln>
+        </p:spPr>
+        <p:style>
+          <a:lnRef idx="2">
+            <a:schemeClr val="accent1">
+              <a:shade val="15000"/>
+            </a:schemeClr>
+          </a:lnRef>
+          <a:fillRef idx="1">
+            <a:schemeClr val="accent1"/>
+          </a:fillRef>
+          <a:effectRef idx="0">
+            <a:schemeClr val="accent1"/>
+          </a:effectRef>
+          <a:fontRef idx="minor">
+            <a:schemeClr val="lt1"/>
+          </a:fontRef>
+        </p:style>
+        <p:txBody>
+          <a:bodyPr rtlCol="0" anchor="ctr"/>
+          <a:lstStyle/>
+          <a:p>
+            <a:pPr algn="ctr"/>
+            <a:r>
+              <a:rPr lang="en-US" sz="1000" dirty="0">
+                <a:solidFill>
+                  <a:schemeClr val="tx1"/>
+                </a:solidFill>
+              </a:rPr>
+              <a:t>8</a:t>
+            </a:r>
+          </a:p>
+        </p:txBody>
+      </p:sp>
+      <p:sp>
+        <p:nvSpPr>
+          <p:cNvPr id="94" name="Rectangle 93">
+            <a:extLst>
+              <a:ext uri="{FF2B5EF4-FFF2-40B4-BE49-F238E27FC236}">
+                <a16:creationId xmlns:a16="http://schemas.microsoft.com/office/drawing/2014/main" id="{F6B3063A-79FE-91F2-B3C3-78765DB1DA2A}"/>
+              </a:ext>
+            </a:extLst>
+          </p:cNvPr>
+          <p:cNvSpPr/>
+          <p:nvPr/>
+        </p:nvSpPr>
+        <p:spPr>
+          <a:xfrm>
+            <a:off x="2708283" y="4791836"/>
+            <a:ext cx="322151" cy="272753"/>
+          </a:xfrm>
+          <a:prstGeom prst="rect">
+            <a:avLst/>
+          </a:prstGeom>
+          <a:solidFill>
+            <a:srgbClr val="FAFDF0"/>
+          </a:solidFill>
+          <a:ln>
+            <a:solidFill>
+              <a:srgbClr val="DDF08B"/>
+            </a:solidFill>
+          </a:ln>
+        </p:spPr>
+        <p:style>
+          <a:lnRef idx="2">
+            <a:schemeClr val="accent1">
+              <a:shade val="15000"/>
+            </a:schemeClr>
+          </a:lnRef>
+          <a:fillRef idx="1">
+            <a:schemeClr val="accent1"/>
+          </a:fillRef>
+          <a:effectRef idx="0">
+            <a:schemeClr val="accent1"/>
+          </a:effectRef>
+          <a:fontRef idx="minor">
+            <a:schemeClr val="lt1"/>
+          </a:fontRef>
+        </p:style>
+        <p:txBody>
+          <a:bodyPr rtlCol="0" anchor="ctr"/>
+          <a:lstStyle/>
+          <a:p>
+            <a:pPr algn="ctr"/>
+            <a:r>
+              <a:rPr lang="en-US" sz="1000" dirty="0">
+                <a:solidFill>
+                  <a:schemeClr val="tx1"/>
+                </a:solidFill>
+              </a:rPr>
+              <a:t>9</a:t>
+            </a:r>
+          </a:p>
+        </p:txBody>
+      </p:sp>
+      <p:sp>
+        <p:nvSpPr>
+          <p:cNvPr id="95" name="Rectangle 94">
+            <a:extLst>
+              <a:ext uri="{FF2B5EF4-FFF2-40B4-BE49-F238E27FC236}">
+                <a16:creationId xmlns:a16="http://schemas.microsoft.com/office/drawing/2014/main" id="{60A53B55-F569-3826-01DA-4C7B45AD9070}"/>
+              </a:ext>
+            </a:extLst>
+          </p:cNvPr>
+          <p:cNvSpPr/>
+          <p:nvPr/>
+        </p:nvSpPr>
+        <p:spPr>
+          <a:xfrm>
+            <a:off x="3674736" y="4791834"/>
+            <a:ext cx="322151" cy="272753"/>
+          </a:xfrm>
+          <a:prstGeom prst="rect">
+            <a:avLst/>
+          </a:prstGeom>
+          <a:solidFill>
+            <a:srgbClr val="FAFDF0"/>
+          </a:solidFill>
+          <a:ln>
+            <a:solidFill>
+              <a:srgbClr val="DDF08B"/>
+            </a:solidFill>
+          </a:ln>
+        </p:spPr>
+        <p:style>
+          <a:lnRef idx="2">
+            <a:schemeClr val="accent1">
+              <a:shade val="15000"/>
+            </a:schemeClr>
+          </a:lnRef>
+          <a:fillRef idx="1">
+            <a:schemeClr val="accent1"/>
+          </a:fillRef>
+          <a:effectRef idx="0">
+            <a:schemeClr val="accent1"/>
+          </a:effectRef>
+          <a:fontRef idx="minor">
+            <a:schemeClr val="lt1"/>
+          </a:fontRef>
+        </p:style>
+        <p:txBody>
+          <a:bodyPr rtlCol="0" anchor="ctr"/>
+          <a:lstStyle/>
+          <a:p>
+            <a:pPr algn="ctr"/>
+            <a:r>
+              <a:rPr lang="en-US" sz="1000" dirty="0">
+                <a:solidFill>
+                  <a:schemeClr val="tx1"/>
+                </a:solidFill>
+              </a:rPr>
+              <a:t>12</a:t>
+            </a:r>
+          </a:p>
+        </p:txBody>
+      </p:sp>
+      <p:sp>
+        <p:nvSpPr>
+          <p:cNvPr id="96" name="Rectangle 95">
+            <a:extLst>
+              <a:ext uri="{FF2B5EF4-FFF2-40B4-BE49-F238E27FC236}">
+                <a16:creationId xmlns:a16="http://schemas.microsoft.com/office/drawing/2014/main" id="{2ED6A90E-5CAB-4383-632E-8DE2FA933319}"/>
+              </a:ext>
+            </a:extLst>
+          </p:cNvPr>
+          <p:cNvSpPr/>
+          <p:nvPr/>
+        </p:nvSpPr>
+        <p:spPr>
+          <a:xfrm>
+            <a:off x="3996886" y="4791834"/>
+            <a:ext cx="322151" cy="272753"/>
+          </a:xfrm>
+          <a:prstGeom prst="rect">
+            <a:avLst/>
+          </a:prstGeom>
+          <a:solidFill>
+            <a:srgbClr val="FAFDF0"/>
+          </a:solidFill>
+          <a:ln>
+            <a:solidFill>
+              <a:srgbClr val="DDF08B"/>
+            </a:solidFill>
+          </a:ln>
+        </p:spPr>
+        <p:style>
+          <a:lnRef idx="2">
+            <a:schemeClr val="accent1">
+              <a:shade val="15000"/>
+            </a:schemeClr>
+          </a:lnRef>
+          <a:fillRef idx="1">
+            <a:schemeClr val="accent1"/>
+          </a:fillRef>
+          <a:effectRef idx="0">
+            <a:schemeClr val="accent1"/>
+          </a:effectRef>
+          <a:fontRef idx="minor">
+            <a:schemeClr val="lt1"/>
+          </a:fontRef>
+        </p:style>
+        <p:txBody>
+          <a:bodyPr rtlCol="0" anchor="ctr"/>
+          <a:lstStyle/>
+          <a:p>
+            <a:pPr algn="ctr"/>
+            <a:r>
+              <a:rPr lang="en-US" sz="1000" dirty="0">
+                <a:solidFill>
+                  <a:schemeClr val="tx1"/>
+                </a:solidFill>
+              </a:rPr>
+              <a:t>13</a:t>
+            </a:r>
+          </a:p>
+        </p:txBody>
+      </p:sp>
+      <p:sp>
+        <p:nvSpPr>
+          <p:cNvPr id="97" name="Rectangle 96">
+            <a:extLst>
+              <a:ext uri="{FF2B5EF4-FFF2-40B4-BE49-F238E27FC236}">
+                <a16:creationId xmlns:a16="http://schemas.microsoft.com/office/drawing/2014/main" id="{A560829C-BC62-B119-4992-3F20B7B2AA68}"/>
+              </a:ext>
+            </a:extLst>
+          </p:cNvPr>
+          <p:cNvSpPr/>
+          <p:nvPr/>
+        </p:nvSpPr>
+        <p:spPr>
+          <a:xfrm>
+            <a:off x="4963339" y="4791832"/>
+            <a:ext cx="322151" cy="272753"/>
+          </a:xfrm>
+          <a:prstGeom prst="rect">
+            <a:avLst/>
+          </a:prstGeom>
+          <a:solidFill>
+            <a:srgbClr val="FAFDF0"/>
+          </a:solidFill>
+          <a:ln>
+            <a:solidFill>
+              <a:srgbClr val="DDF08B"/>
+            </a:solidFill>
+          </a:ln>
+        </p:spPr>
+        <p:style>
+          <a:lnRef idx="2">
+            <a:schemeClr val="accent1">
+              <a:shade val="15000"/>
+            </a:schemeClr>
+          </a:lnRef>
+          <a:fillRef idx="1">
+            <a:schemeClr val="accent1"/>
+          </a:fillRef>
+          <a:effectRef idx="0">
+            <a:schemeClr val="accent1"/>
+          </a:effectRef>
+          <a:fontRef idx="minor">
+            <a:schemeClr val="lt1"/>
+          </a:fontRef>
+        </p:style>
+        <p:txBody>
+          <a:bodyPr rtlCol="0" anchor="ctr"/>
+          <a:lstStyle/>
+          <a:p>
+            <a:pPr algn="ctr"/>
+            <a:r>
+              <a:rPr lang="en-US" sz="1000" dirty="0">
+                <a:solidFill>
+                  <a:schemeClr val="tx1"/>
+                </a:solidFill>
+              </a:rPr>
+              <a:t>16</a:t>
+            </a:r>
+          </a:p>
+        </p:txBody>
+      </p:sp>
+      <p:sp>
+        <p:nvSpPr>
+          <p:cNvPr id="98" name="Rectangle 97">
+            <a:extLst>
+              <a:ext uri="{FF2B5EF4-FFF2-40B4-BE49-F238E27FC236}">
+                <a16:creationId xmlns:a16="http://schemas.microsoft.com/office/drawing/2014/main" id="{46E23C4D-A8A7-DC00-73B2-E88BC0F338B4}"/>
+              </a:ext>
+            </a:extLst>
+          </p:cNvPr>
+          <p:cNvSpPr/>
+          <p:nvPr/>
+        </p:nvSpPr>
+        <p:spPr>
+          <a:xfrm>
+            <a:off x="1741831" y="4791837"/>
+            <a:ext cx="322151" cy="272753"/>
+          </a:xfrm>
+          <a:prstGeom prst="rect">
+            <a:avLst/>
+          </a:prstGeom>
+          <a:solidFill>
+            <a:srgbClr val="F2EFF6"/>
+          </a:solidFill>
+          <a:ln>
+            <a:solidFill>
+              <a:srgbClr val="360084"/>
+            </a:solidFill>
+          </a:ln>
+        </p:spPr>
+        <p:style>
+          <a:lnRef idx="2">
+            <a:schemeClr val="accent1">
+              <a:shade val="15000"/>
+            </a:schemeClr>
+          </a:lnRef>
+          <a:fillRef idx="1">
+            <a:schemeClr val="accent1"/>
+          </a:fillRef>
+          <a:effectRef idx="0">
+            <a:schemeClr val="accent1"/>
+          </a:effectRef>
+          <a:fontRef idx="minor">
+            <a:schemeClr val="lt1"/>
+          </a:fontRef>
+        </p:style>
+        <p:txBody>
+          <a:bodyPr rtlCol="0" anchor="ctr"/>
+          <a:lstStyle/>
+          <a:p>
+            <a:pPr algn="ctr"/>
+            <a:r>
+              <a:rPr lang="en-US" sz="1000" dirty="0">
+                <a:solidFill>
+                  <a:schemeClr val="tx1"/>
+                </a:solidFill>
+              </a:rPr>
+              <a:t>6</a:t>
+            </a:r>
+          </a:p>
+        </p:txBody>
+      </p:sp>
+      <p:sp>
+        <p:nvSpPr>
+          <p:cNvPr id="99" name="Rectangle 98">
+            <a:extLst>
+              <a:ext uri="{FF2B5EF4-FFF2-40B4-BE49-F238E27FC236}">
+                <a16:creationId xmlns:a16="http://schemas.microsoft.com/office/drawing/2014/main" id="{C0F90E48-44AB-3CAD-877C-82A5A8E95383}"/>
+              </a:ext>
+            </a:extLst>
+          </p:cNvPr>
+          <p:cNvSpPr/>
+          <p:nvPr/>
+        </p:nvSpPr>
+        <p:spPr>
+          <a:xfrm>
+            <a:off x="4319037" y="4791833"/>
+            <a:ext cx="322151" cy="272753"/>
+          </a:xfrm>
+          <a:prstGeom prst="rect">
+            <a:avLst/>
+          </a:prstGeom>
+          <a:solidFill>
+            <a:srgbClr val="F2EFF6"/>
+          </a:solidFill>
+          <a:ln>
+            <a:solidFill>
+              <a:srgbClr val="360084"/>
+            </a:solidFill>
+          </a:ln>
+        </p:spPr>
+        <p:style>
+          <a:lnRef idx="2">
+            <a:schemeClr val="accent1">
+              <a:shade val="15000"/>
+            </a:schemeClr>
+          </a:lnRef>
+          <a:fillRef idx="1">
+            <a:schemeClr val="accent1"/>
+          </a:fillRef>
+          <a:effectRef idx="0">
+            <a:schemeClr val="accent1"/>
+          </a:effectRef>
+          <a:fontRef idx="minor">
+            <a:schemeClr val="lt1"/>
+          </a:fontRef>
+        </p:style>
+        <p:txBody>
+          <a:bodyPr rtlCol="0" anchor="ctr"/>
+          <a:lstStyle/>
+          <a:p>
+            <a:pPr algn="ctr"/>
+            <a:r>
+              <a:rPr lang="en-US" sz="1000" dirty="0">
+                <a:solidFill>
+                  <a:schemeClr val="tx1"/>
+                </a:solidFill>
+              </a:rPr>
+              <a:t>14</a:t>
+            </a:r>
+          </a:p>
+        </p:txBody>
+      </p:sp>
+      <p:sp>
+        <p:nvSpPr>
+          <p:cNvPr id="100" name="Rectangle 99">
+            <a:extLst>
+              <a:ext uri="{FF2B5EF4-FFF2-40B4-BE49-F238E27FC236}">
+                <a16:creationId xmlns:a16="http://schemas.microsoft.com/office/drawing/2014/main" id="{4D3DBCA9-A331-9621-7BCC-BBE6246F73AD}"/>
+              </a:ext>
+            </a:extLst>
+          </p:cNvPr>
+          <p:cNvSpPr/>
+          <p:nvPr/>
+        </p:nvSpPr>
+        <p:spPr>
+          <a:xfrm>
+            <a:off x="4641188" y="4791832"/>
+            <a:ext cx="322151" cy="272753"/>
+          </a:xfrm>
+          <a:prstGeom prst="rect">
+            <a:avLst/>
+          </a:prstGeom>
+          <a:solidFill>
+            <a:srgbClr val="F2EFF6"/>
+          </a:solidFill>
+          <a:ln>
+            <a:solidFill>
+              <a:srgbClr val="360084"/>
+            </a:solidFill>
+          </a:ln>
+        </p:spPr>
+        <p:style>
+          <a:lnRef idx="2">
+            <a:schemeClr val="accent1">
+              <a:shade val="15000"/>
+            </a:schemeClr>
+          </a:lnRef>
+          <a:fillRef idx="1">
+            <a:schemeClr val="accent1"/>
+          </a:fillRef>
+          <a:effectRef idx="0">
+            <a:schemeClr val="accent1"/>
+          </a:effectRef>
+          <a:fontRef idx="minor">
+            <a:schemeClr val="lt1"/>
+          </a:fontRef>
+        </p:style>
+        <p:txBody>
+          <a:bodyPr rtlCol="0" anchor="ctr"/>
+          <a:lstStyle/>
+          <a:p>
+            <a:pPr algn="ctr"/>
+            <a:r>
+              <a:rPr lang="en-US" sz="1000" dirty="0">
+                <a:solidFill>
+                  <a:schemeClr val="tx1"/>
+                </a:solidFill>
+              </a:rPr>
+              <a:t>15</a:t>
+            </a:r>
+          </a:p>
+        </p:txBody>
+      </p:sp>
+      <p:sp>
+        <p:nvSpPr>
+          <p:cNvPr id="101" name="Rectangle 100">
+            <a:extLst>
+              <a:ext uri="{FF2B5EF4-FFF2-40B4-BE49-F238E27FC236}">
+                <a16:creationId xmlns:a16="http://schemas.microsoft.com/office/drawing/2014/main" id="{87559C4E-35C4-48F8-8B23-C59F17365111}"/>
+              </a:ext>
+            </a:extLst>
+          </p:cNvPr>
+          <p:cNvSpPr/>
+          <p:nvPr/>
+        </p:nvSpPr>
+        <p:spPr>
+          <a:xfrm>
+            <a:off x="2063982" y="4791836"/>
+            <a:ext cx="322151" cy="272753"/>
+          </a:xfrm>
+          <a:prstGeom prst="rect">
+            <a:avLst/>
+          </a:prstGeom>
+          <a:solidFill>
+            <a:srgbClr val="F2EFF6"/>
+          </a:solidFill>
+          <a:ln>
+            <a:solidFill>
+              <a:srgbClr val="360084"/>
+            </a:solidFill>
+          </a:ln>
+        </p:spPr>
+        <p:style>
+          <a:lnRef idx="2">
+            <a:schemeClr val="accent1">
+              <a:shade val="15000"/>
+            </a:schemeClr>
+          </a:lnRef>
+          <a:fillRef idx="1">
+            <a:schemeClr val="accent1"/>
+          </a:fillRef>
+          <a:effectRef idx="0">
+            <a:schemeClr val="accent1"/>
+          </a:effectRef>
+          <a:fontRef idx="minor">
+            <a:schemeClr val="lt1"/>
+          </a:fontRef>
+        </p:style>
+        <p:txBody>
+          <a:bodyPr rtlCol="0" anchor="ctr"/>
+          <a:lstStyle/>
+          <a:p>
+            <a:pPr algn="ctr"/>
+            <a:r>
+              <a:rPr lang="en-US" sz="1000" dirty="0">
+                <a:solidFill>
+                  <a:schemeClr val="tx1"/>
+                </a:solidFill>
+              </a:rPr>
+              <a:t>7</a:t>
+            </a:r>
+          </a:p>
+        </p:txBody>
+      </p:sp>
+      <p:sp>
+        <p:nvSpPr>
+          <p:cNvPr id="102" name="Rectangle 101">
+            <a:extLst>
+              <a:ext uri="{FF2B5EF4-FFF2-40B4-BE49-F238E27FC236}">
+                <a16:creationId xmlns:a16="http://schemas.microsoft.com/office/drawing/2014/main" id="{B3225113-EAB0-2BDC-1C68-2FF716802536}"/>
+              </a:ext>
+            </a:extLst>
+          </p:cNvPr>
+          <p:cNvSpPr/>
+          <p:nvPr/>
+        </p:nvSpPr>
+        <p:spPr>
+          <a:xfrm>
+            <a:off x="3030434" y="4791835"/>
+            <a:ext cx="322151" cy="272753"/>
+          </a:xfrm>
+          <a:prstGeom prst="rect">
+            <a:avLst/>
+          </a:prstGeom>
+          <a:solidFill>
+            <a:srgbClr val="F2EFF6"/>
+          </a:solidFill>
+          <a:ln>
+            <a:solidFill>
+              <a:srgbClr val="360084"/>
+            </a:solidFill>
+          </a:ln>
+        </p:spPr>
+        <p:style>
+          <a:lnRef idx="2">
+            <a:schemeClr val="accent1">
+              <a:shade val="15000"/>
+            </a:schemeClr>
+          </a:lnRef>
+          <a:fillRef idx="1">
+            <a:schemeClr val="accent1"/>
+          </a:fillRef>
+          <a:effectRef idx="0">
+            <a:schemeClr val="accent1"/>
+          </a:effectRef>
+          <a:fontRef idx="minor">
+            <a:schemeClr val="lt1"/>
+          </a:fontRef>
+        </p:style>
+        <p:txBody>
+          <a:bodyPr rtlCol="0" anchor="ctr"/>
+          <a:lstStyle/>
+          <a:p>
+            <a:pPr algn="ctr"/>
+            <a:r>
+              <a:rPr lang="en-US" sz="1000" dirty="0">
+                <a:solidFill>
+                  <a:schemeClr val="tx1"/>
+                </a:solidFill>
+              </a:rPr>
+              <a:t>10</a:t>
+            </a:r>
+          </a:p>
+        </p:txBody>
+      </p:sp>
+      <p:sp>
+        <p:nvSpPr>
+          <p:cNvPr id="103" name="Rectangle 102">
+            <a:extLst>
+              <a:ext uri="{FF2B5EF4-FFF2-40B4-BE49-F238E27FC236}">
+                <a16:creationId xmlns:a16="http://schemas.microsoft.com/office/drawing/2014/main" id="{D717D77A-17C3-66CF-616B-0DA6181BF4C6}"/>
+              </a:ext>
+            </a:extLst>
+          </p:cNvPr>
+          <p:cNvSpPr/>
+          <p:nvPr/>
+        </p:nvSpPr>
+        <p:spPr>
+          <a:xfrm>
+            <a:off x="3352585" y="4791834"/>
+            <a:ext cx="322151" cy="272753"/>
+          </a:xfrm>
+          <a:prstGeom prst="rect">
+            <a:avLst/>
+          </a:prstGeom>
+          <a:solidFill>
+            <a:srgbClr val="F2EFF6"/>
+          </a:solidFill>
+          <a:ln>
+            <a:solidFill>
+              <a:srgbClr val="360084"/>
+            </a:solidFill>
+          </a:ln>
+        </p:spPr>
+        <p:style>
+          <a:lnRef idx="2">
+            <a:schemeClr val="accent1">
+              <a:shade val="15000"/>
+            </a:schemeClr>
+          </a:lnRef>
+          <a:fillRef idx="1">
+            <a:schemeClr val="accent1"/>
+          </a:fillRef>
+          <a:effectRef idx="0">
+            <a:schemeClr val="accent1"/>
+          </a:effectRef>
+          <a:fontRef idx="minor">
+            <a:schemeClr val="lt1"/>
+          </a:fontRef>
+        </p:style>
+        <p:txBody>
+          <a:bodyPr rtlCol="0" anchor="ctr"/>
+          <a:lstStyle/>
+          <a:p>
+            <a:pPr algn="ctr"/>
+            <a:r>
+              <a:rPr lang="en-US" sz="1000" dirty="0">
+                <a:solidFill>
+                  <a:schemeClr val="tx1"/>
+                </a:solidFill>
+              </a:rPr>
+              <a:t>11</a:t>
+            </a:r>
+          </a:p>
+        </p:txBody>
+      </p:sp>
+      <p:cxnSp>
+        <p:nvCxnSpPr>
+          <p:cNvPr id="105" name="Straight Arrow Connector 104">
+            <a:extLst>
+              <a:ext uri="{FF2B5EF4-FFF2-40B4-BE49-F238E27FC236}">
+                <a16:creationId xmlns:a16="http://schemas.microsoft.com/office/drawing/2014/main" id="{68108193-3FC7-FB75-834C-EA2F33DAC4AE}"/>
+              </a:ext>
+            </a:extLst>
+          </p:cNvPr>
+          <p:cNvCxnSpPr>
+            <a:cxnSpLocks/>
+          </p:cNvCxnSpPr>
+          <p:nvPr/>
+        </p:nvCxnSpPr>
+        <p:spPr>
+          <a:xfrm>
+            <a:off x="453227" y="4520845"/>
+            <a:ext cx="644302" cy="0"/>
+          </a:xfrm>
+          <a:prstGeom prst="straightConnector1">
+            <a:avLst/>
+          </a:prstGeom>
+          <a:ln>
+            <a:solidFill>
+              <a:srgbClr val="360084"/>
+            </a:solidFill>
+            <a:headEnd type="triangle"/>
+            <a:tailEnd type="triangle"/>
+          </a:ln>
+        </p:spPr>
+        <p:style>
+          <a:lnRef idx="1">
+            <a:schemeClr val="accent1"/>
+          </a:lnRef>
+          <a:fillRef idx="0">
+            <a:schemeClr val="accent1"/>
+          </a:fillRef>
+          <a:effectRef idx="0">
+            <a:schemeClr val="accent1"/>
+          </a:effectRef>
+          <a:fontRef idx="minor">
+            <a:schemeClr val="tx1"/>
+          </a:fontRef>
+        </p:style>
+      </p:cxnSp>
+      <p:cxnSp>
+        <p:nvCxnSpPr>
+          <p:cNvPr id="107" name="Straight Arrow Connector 106">
+            <a:extLst>
+              <a:ext uri="{FF2B5EF4-FFF2-40B4-BE49-F238E27FC236}">
+                <a16:creationId xmlns:a16="http://schemas.microsoft.com/office/drawing/2014/main" id="{4E364BC9-A8FA-F549-2BE6-A89F2312BE5F}"/>
+              </a:ext>
+            </a:extLst>
+          </p:cNvPr>
+          <p:cNvCxnSpPr>
+            <a:cxnSpLocks/>
+          </p:cNvCxnSpPr>
+          <p:nvPr/>
+        </p:nvCxnSpPr>
+        <p:spPr>
+          <a:xfrm>
+            <a:off x="453227" y="5338263"/>
+            <a:ext cx="1288604" cy="0"/>
+          </a:xfrm>
+          <a:prstGeom prst="straightConnector1">
+            <a:avLst/>
+          </a:prstGeom>
+          <a:ln>
+            <a:solidFill>
+              <a:srgbClr val="360084"/>
+            </a:solidFill>
+            <a:headEnd type="triangle"/>
+            <a:tailEnd type="triangle"/>
+          </a:ln>
+        </p:spPr>
+        <p:style>
+          <a:lnRef idx="1">
+            <a:schemeClr val="accent1"/>
+          </a:lnRef>
+          <a:fillRef idx="0">
+            <a:schemeClr val="accent1"/>
+          </a:fillRef>
+          <a:effectRef idx="0">
+            <a:schemeClr val="accent1"/>
+          </a:effectRef>
+          <a:fontRef idx="minor">
+            <a:schemeClr val="tx1"/>
+          </a:fontRef>
+        </p:style>
+      </p:cxnSp>
+      <p:cxnSp>
+        <p:nvCxnSpPr>
+          <p:cNvPr id="110" name="Straight Arrow Connector 109">
+            <a:extLst>
+              <a:ext uri="{FF2B5EF4-FFF2-40B4-BE49-F238E27FC236}">
+                <a16:creationId xmlns:a16="http://schemas.microsoft.com/office/drawing/2014/main" id="{2F341A68-93B9-A176-D5C7-6C43AB1976BA}"/>
+              </a:ext>
+            </a:extLst>
+          </p:cNvPr>
+          <p:cNvCxnSpPr/>
+          <p:nvPr/>
+        </p:nvCxnSpPr>
+        <p:spPr>
+          <a:xfrm flipV="1">
+            <a:off x="775378" y="4124392"/>
+            <a:ext cx="1520214" cy="667440"/>
+          </a:xfrm>
+          <a:prstGeom prst="straightConnector1">
+            <a:avLst/>
+          </a:prstGeom>
+          <a:ln>
+            <a:solidFill>
+              <a:srgbClr val="360084"/>
+            </a:solidFill>
+            <a:tailEnd type="triangle"/>
+          </a:ln>
+        </p:spPr>
+        <p:style>
+          <a:lnRef idx="1">
+            <a:schemeClr val="accent1"/>
+          </a:lnRef>
+          <a:fillRef idx="0">
+            <a:schemeClr val="accent1"/>
+          </a:fillRef>
+          <a:effectRef idx="0">
+            <a:schemeClr val="accent1"/>
+          </a:effectRef>
+          <a:fontRef idx="minor">
+            <a:schemeClr val="tx1"/>
+          </a:fontRef>
+        </p:style>
+      </p:cxnSp>
+      <p:cxnSp>
+        <p:nvCxnSpPr>
+          <p:cNvPr id="111" name="Straight Arrow Connector 110">
+            <a:extLst>
+              <a:ext uri="{FF2B5EF4-FFF2-40B4-BE49-F238E27FC236}">
+                <a16:creationId xmlns:a16="http://schemas.microsoft.com/office/drawing/2014/main" id="{287ACF77-60ED-96F3-D401-302BD7D29ADA}"/>
+              </a:ext>
+            </a:extLst>
+          </p:cNvPr>
+          <p:cNvCxnSpPr>
+            <a:cxnSpLocks/>
+          </p:cNvCxnSpPr>
+          <p:nvPr/>
+        </p:nvCxnSpPr>
+        <p:spPr>
+          <a:xfrm flipV="1">
+            <a:off x="2059644" y="4203839"/>
+            <a:ext cx="487563" cy="587993"/>
+          </a:xfrm>
+          <a:prstGeom prst="straightConnector1">
+            <a:avLst/>
+          </a:prstGeom>
+          <a:ln>
+            <a:solidFill>
+              <a:srgbClr val="360084"/>
+            </a:solidFill>
+            <a:tailEnd type="triangle"/>
+          </a:ln>
+        </p:spPr>
+        <p:style>
+          <a:lnRef idx="1">
+            <a:schemeClr val="accent1"/>
+          </a:lnRef>
+          <a:fillRef idx="0">
+            <a:schemeClr val="accent1"/>
+          </a:fillRef>
+          <a:effectRef idx="0">
+            <a:schemeClr val="accent1"/>
+          </a:effectRef>
+          <a:fontRef idx="minor">
+            <a:schemeClr val="tx1"/>
+          </a:fontRef>
+        </p:style>
+      </p:cxnSp>
+      <p:cxnSp>
+        <p:nvCxnSpPr>
+          <p:cNvPr id="114" name="Straight Arrow Connector 113">
+            <a:extLst>
+              <a:ext uri="{FF2B5EF4-FFF2-40B4-BE49-F238E27FC236}">
+                <a16:creationId xmlns:a16="http://schemas.microsoft.com/office/drawing/2014/main" id="{5FA6BE66-F017-7A7A-E5CA-30198D7F6B67}"/>
+              </a:ext>
+            </a:extLst>
+          </p:cNvPr>
+          <p:cNvCxnSpPr>
+            <a:cxnSpLocks/>
+          </p:cNvCxnSpPr>
+          <p:nvPr/>
+        </p:nvCxnSpPr>
+        <p:spPr>
+          <a:xfrm flipH="1" flipV="1">
+            <a:off x="2699607" y="4356239"/>
+            <a:ext cx="648641" cy="435593"/>
+          </a:xfrm>
+          <a:prstGeom prst="straightConnector1">
+            <a:avLst/>
+          </a:prstGeom>
+          <a:ln>
+            <a:solidFill>
+              <a:srgbClr val="360084"/>
+            </a:solidFill>
+            <a:tailEnd type="triangle"/>
+          </a:ln>
+        </p:spPr>
+        <p:style>
+          <a:lnRef idx="1">
+            <a:schemeClr val="accent1"/>
+          </a:lnRef>
+          <a:fillRef idx="0">
+            <a:schemeClr val="accent1"/>
+          </a:fillRef>
+          <a:effectRef idx="0">
+            <a:schemeClr val="accent1"/>
+          </a:effectRef>
+          <a:fontRef idx="minor">
+            <a:schemeClr val="tx1"/>
+          </a:fontRef>
+        </p:style>
+      </p:cxnSp>
+      <p:cxnSp>
+        <p:nvCxnSpPr>
+          <p:cNvPr id="116" name="Straight Arrow Connector 115">
+            <a:extLst>
+              <a:ext uri="{FF2B5EF4-FFF2-40B4-BE49-F238E27FC236}">
+                <a16:creationId xmlns:a16="http://schemas.microsoft.com/office/drawing/2014/main" id="{5CC6F9BA-95CA-57AD-BA06-7BDF0B7CF36F}"/>
+              </a:ext>
+            </a:extLst>
+          </p:cNvPr>
+          <p:cNvCxnSpPr>
+            <a:cxnSpLocks/>
+          </p:cNvCxnSpPr>
+          <p:nvPr/>
+        </p:nvCxnSpPr>
+        <p:spPr>
+          <a:xfrm flipH="1" flipV="1">
+            <a:off x="3187171" y="4265069"/>
+            <a:ext cx="1454017" cy="526763"/>
+          </a:xfrm>
+          <a:prstGeom prst="straightConnector1">
+            <a:avLst/>
+          </a:prstGeom>
+          <a:ln>
+            <a:solidFill>
+              <a:srgbClr val="360084"/>
+            </a:solidFill>
+            <a:tailEnd type="triangle"/>
+          </a:ln>
+        </p:spPr>
+        <p:style>
+          <a:lnRef idx="1">
+            <a:schemeClr val="accent1"/>
+          </a:lnRef>
+          <a:fillRef idx="0">
+            <a:schemeClr val="accent1"/>
+          </a:fillRef>
+          <a:effectRef idx="0">
+            <a:schemeClr val="accent1"/>
+          </a:effectRef>
+          <a:fontRef idx="minor">
+            <a:schemeClr val="tx1"/>
+          </a:fontRef>
+        </p:style>
+      </p:cxnSp>
+      <p:sp>
+        <p:nvSpPr>
+          <p:cNvPr id="119" name="TextBox 118">
+            <a:extLst>
+              <a:ext uri="{FF2B5EF4-FFF2-40B4-BE49-F238E27FC236}">
+                <a16:creationId xmlns:a16="http://schemas.microsoft.com/office/drawing/2014/main" id="{BE8D1446-760C-5312-6954-A50DCEE868D3}"/>
+              </a:ext>
+            </a:extLst>
+          </p:cNvPr>
+          <p:cNvSpPr txBox="1"/>
+          <p:nvPr/>
+        </p:nvSpPr>
+        <p:spPr>
+          <a:xfrm>
+            <a:off x="775378" y="5505583"/>
+            <a:ext cx="737702" cy="369332"/>
+          </a:xfrm>
+          <a:prstGeom prst="rect">
+            <a:avLst/>
+          </a:prstGeom>
+          <a:noFill/>
+        </p:spPr>
+        <p:txBody>
+          <a:bodyPr wrap="none" rtlCol="0">
+            <a:spAutoFit/>
+          </a:bodyPr>
+          <a:lstStyle/>
+          <a:p>
+            <a:r>
+              <a:rPr lang="en-US" dirty="0"/>
+              <a:t>Stride</a:t>
+            </a:r>
+          </a:p>
+        </p:txBody>
+      </p:sp>
+      <p:sp>
+        <p:nvSpPr>
+          <p:cNvPr id="120" name="TextBox 119">
+            <a:extLst>
+              <a:ext uri="{FF2B5EF4-FFF2-40B4-BE49-F238E27FC236}">
+                <a16:creationId xmlns:a16="http://schemas.microsoft.com/office/drawing/2014/main" id="{2D148BA6-717B-9379-9339-216959CDF9DE}"/>
+              </a:ext>
+            </a:extLst>
+          </p:cNvPr>
+          <p:cNvSpPr txBox="1"/>
+          <p:nvPr/>
+        </p:nvSpPr>
+        <p:spPr>
+          <a:xfrm>
+            <a:off x="614302" y="4124386"/>
+            <a:ext cx="1333763" cy="369332"/>
+          </a:xfrm>
+          <a:prstGeom prst="rect">
+            <a:avLst/>
+          </a:prstGeom>
+          <a:noFill/>
+        </p:spPr>
+        <p:txBody>
+          <a:bodyPr wrap="none" rtlCol="0">
+            <a:spAutoFit/>
+          </a:bodyPr>
+          <a:lstStyle/>
+          <a:p>
+            <a:r>
+              <a:rPr lang="en-US" dirty="0"/>
+              <a:t>Block length</a:t>
+            </a:r>
+          </a:p>
+        </p:txBody>
+      </p:sp>
+      <p:sp>
+        <p:nvSpPr>
+          <p:cNvPr id="121" name="TextBox 120">
+            <a:extLst>
+              <a:ext uri="{FF2B5EF4-FFF2-40B4-BE49-F238E27FC236}">
+                <a16:creationId xmlns:a16="http://schemas.microsoft.com/office/drawing/2014/main" id="{DEE76F7E-9165-18EA-FAAA-B6ACA67A4E1A}"/>
+              </a:ext>
+            </a:extLst>
+          </p:cNvPr>
+          <p:cNvSpPr txBox="1"/>
+          <p:nvPr/>
+        </p:nvSpPr>
+        <p:spPr>
+          <a:xfrm>
+            <a:off x="2452329" y="3939723"/>
+            <a:ext cx="748410" cy="369332"/>
+          </a:xfrm>
+          <a:prstGeom prst="rect">
+            <a:avLst/>
+          </a:prstGeom>
+          <a:noFill/>
+        </p:spPr>
+        <p:txBody>
+          <a:bodyPr wrap="none" rtlCol="0">
+            <a:spAutoFit/>
+          </a:bodyPr>
+          <a:lstStyle/>
+          <a:p>
+            <a:r>
+              <a:rPr lang="en-US" dirty="0"/>
+              <a:t>Count</a:t>
+            </a:r>
+          </a:p>
+        </p:txBody>
+      </p:sp>
+    </p:spTree>
+    <p:extLst>
+      <p:ext uri="{BB962C8B-B14F-4D97-AF65-F5344CB8AC3E}">
+        <p14:creationId xmlns:p14="http://schemas.microsoft.com/office/powerpoint/2010/main" val="1149380182"/>
       </p:ext>
     </p:extLst>
   </p:cSld>

--- a/files/communication_diagram.pptx
+++ b/files/communication_diagram.pptx
@@ -551,6 +551,90 @@
 </p:notes>
 </file>
 
+<file path=ppt/notesSlides/notesSlide2.xml><?xml version="1.0" encoding="utf-8"?>
+<p:notes xmlns:a="http://schemas.openxmlformats.org/drawingml/2006/main" xmlns:r="http://schemas.openxmlformats.org/officeDocument/2006/relationships" xmlns:p="http://schemas.openxmlformats.org/presentationml/2006/main">
+  <p:cSld>
+    <p:spTree>
+      <p:nvGrpSpPr>
+        <p:cNvPr id="1" name=""/>
+        <p:cNvGrpSpPr/>
+        <p:nvPr/>
+      </p:nvGrpSpPr>
+      <p:grpSpPr>
+        <a:xfrm>
+          <a:off x="0" y="0"/>
+          <a:ext cx="0" cy="0"/>
+          <a:chOff x="0" y="0"/>
+          <a:chExt cx="0" cy="0"/>
+        </a:xfrm>
+      </p:grpSpPr>
+      <p:sp>
+        <p:nvSpPr>
+          <p:cNvPr id="2" name="Slide Image Placeholder 1"/>
+          <p:cNvSpPr>
+            <a:spLocks noGrp="1" noRot="1" noChangeAspect="1"/>
+          </p:cNvSpPr>
+          <p:nvPr>
+            <p:ph type="sldImg"/>
+          </p:nvPr>
+        </p:nvSpPr>
+        <p:spPr/>
+      </p:sp>
+      <p:sp>
+        <p:nvSpPr>
+          <p:cNvPr id="3" name="Notes Placeholder 2"/>
+          <p:cNvSpPr>
+            <a:spLocks noGrp="1"/>
+          </p:cNvSpPr>
+          <p:nvPr>
+            <p:ph type="body" idx="1"/>
+          </p:nvPr>
+        </p:nvSpPr>
+        <p:spPr/>
+        <p:txBody>
+          <a:bodyPr/>
+          <a:lstStyle/>
+          <a:p>
+            <a:endParaRPr lang="en-US" dirty="0"/>
+          </a:p>
+        </p:txBody>
+      </p:sp>
+      <p:sp>
+        <p:nvSpPr>
+          <p:cNvPr id="4" name="Slide Number Placeholder 3"/>
+          <p:cNvSpPr>
+            <a:spLocks noGrp="1"/>
+          </p:cNvSpPr>
+          <p:nvPr>
+            <p:ph type="sldNum" sz="quarter" idx="5"/>
+          </p:nvPr>
+        </p:nvSpPr>
+        <p:spPr/>
+        <p:txBody>
+          <a:bodyPr/>
+          <a:lstStyle/>
+          <a:p>
+            <a:fld id="{DEBBBD2F-05DD-6243-8AB1-A4EFA551B609}" type="slidenum">
+              <a:rPr lang="en-US" smtClean="0"/>
+              <a:t>2</a:t>
+            </a:fld>
+            <a:endParaRPr lang="en-US"/>
+          </a:p>
+        </p:txBody>
+      </p:sp>
+    </p:spTree>
+    <p:extLst>
+      <p:ext uri="{BB962C8B-B14F-4D97-AF65-F5344CB8AC3E}">
+        <p14:creationId xmlns:p14="http://schemas.microsoft.com/office/powerpoint/2010/main" val="2115458267"/>
+      </p:ext>
+    </p:extLst>
+  </p:cSld>
+  <p:clrMapOvr>
+    <a:masterClrMapping/>
+  </p:clrMapOvr>
+</p:notes>
+</file>
+
 <file path=ppt/slideLayouts/slideLayout1.xml><?xml version="1.0" encoding="utf-8"?>
 <p:sldLayout xmlns:a="http://schemas.openxmlformats.org/drawingml/2006/main" xmlns:r="http://schemas.openxmlformats.org/officeDocument/2006/relationships" xmlns:p="http://schemas.openxmlformats.org/presentationml/2006/main" type="title" preserve="1">
   <p:cSld name="Title Slide">
@@ -4956,9 +5040,9 @@
           <a:prstGeom prst="straightConnector1">
             <a:avLst/>
           </a:prstGeom>
-          <a:ln>
-            <a:solidFill>
-              <a:srgbClr val="360084"/>
+          <a:ln w="22225">
+            <a:solidFill>
+              <a:schemeClr val="tx1"/>
             </a:solidFill>
             <a:headEnd type="triangle"/>
             <a:tailEnd type="triangle"/>
@@ -5001,9 +5085,9 @@
           <a:prstGeom prst="straightConnector1">
             <a:avLst/>
           </a:prstGeom>
-          <a:ln>
-            <a:solidFill>
-              <a:srgbClr val="360084"/>
+          <a:ln w="22225">
+            <a:solidFill>
+              <a:schemeClr val="tx1"/>
             </a:solidFill>
             <a:headEnd type="triangle"/>
             <a:tailEnd type="triangle"/>
@@ -5085,6 +5169,9 @@
             <a:avLst/>
           </a:prstGeom>
           <a:noFill/>
+          <a:ln>
+            <a:noFill/>
+          </a:ln>
         </p:spPr>
         <p:txBody>
           <a:bodyPr wrap="square" rtlCol="0">
@@ -5093,11 +5180,7 @@
           <a:lstStyle/>
           <a:p>
             <a:r>
-              <a:rPr lang="en-US" sz="1400" dirty="0">
-                <a:solidFill>
-                  <a:srgbClr val="360084"/>
-                </a:solidFill>
-              </a:rPr>
+              <a:rPr lang="en-US" sz="1400" dirty="0"/>
               <a:t>Block length = 4</a:t>
             </a:r>
           </a:p>
@@ -5124,6 +5207,9 @@
             <a:avLst/>
           </a:prstGeom>
           <a:noFill/>
+          <a:ln>
+            <a:noFill/>
+          </a:ln>
         </p:spPr>
         <p:txBody>
           <a:bodyPr wrap="square" rtlCol="0">
@@ -5133,11 +5219,7 @@
           <a:p>
             <a:pPr algn="ctr"/>
             <a:r>
-              <a:rPr lang="en-US" sz="1400" dirty="0">
-                <a:solidFill>
-                  <a:srgbClr val="360084"/>
-                </a:solidFill>
-              </a:rPr>
+              <a:rPr lang="en-US" sz="1400" dirty="0"/>
               <a:t>Count = 2</a:t>
             </a:r>
           </a:p>
@@ -6132,69 +6214,8 @@
           <p:nvPr/>
         </p:nvSpPr>
         <p:spPr>
-          <a:xfrm>
-            <a:off x="7067587" y="4009347"/>
-            <a:ext cx="322151" cy="272753"/>
-          </a:xfrm>
-          <a:prstGeom prst="rect">
-            <a:avLst/>
-          </a:prstGeom>
-          <a:solidFill>
-            <a:srgbClr val="FAFDF0"/>
-          </a:solidFill>
-          <a:ln>
-            <a:solidFill>
-              <a:srgbClr val="DDF08B"/>
-            </a:solidFill>
-          </a:ln>
-        </p:spPr>
-        <p:style>
-          <a:lnRef idx="2">
-            <a:schemeClr val="accent1">
-              <a:shade val="15000"/>
-            </a:schemeClr>
-          </a:lnRef>
-          <a:fillRef idx="1">
-            <a:schemeClr val="accent1"/>
-          </a:fillRef>
-          <a:effectRef idx="0">
-            <a:schemeClr val="accent1"/>
-          </a:effectRef>
-          <a:fontRef idx="minor">
-            <a:schemeClr val="lt1"/>
-          </a:fontRef>
-        </p:style>
-        <p:txBody>
-          <a:bodyPr rtlCol="0" anchor="ctr"/>
-          <a:lstStyle/>
-          <a:p>
-            <a:pPr algn="ctr"/>
-            <a:r>
-              <a:rPr lang="en-US" sz="1000" dirty="0">
-                <a:solidFill>
-                  <a:schemeClr val="tx1"/>
-                </a:solidFill>
-              </a:rPr>
-              <a:t>3</a:t>
-            </a:r>
-          </a:p>
-        </p:txBody>
-      </p:sp>
-      <p:sp>
-        <p:nvSpPr>
-          <p:cNvPr id="145" name="Rectangle 144">
-            <a:extLst>
-              <a:ext uri="{FF2B5EF4-FFF2-40B4-BE49-F238E27FC236}">
-                <a16:creationId xmlns:a16="http://schemas.microsoft.com/office/drawing/2014/main" id="{A4718426-0358-D872-EB0B-12599DE3070F}"/>
-              </a:ext>
-            </a:extLst>
-          </p:cNvPr>
-          <p:cNvSpPr/>
-          <p:nvPr/>
-        </p:nvSpPr>
-        <p:spPr>
-          <a:xfrm>
-            <a:off x="7711889" y="4009346"/>
+          <a:xfrm rot="10800000" flipH="1" flipV="1">
+            <a:off x="7067587" y="4827605"/>
             <a:ext cx="322151" cy="272753"/>
           </a:xfrm>
           <a:prstGeom prst="rect">
@@ -6240,19 +6261,19 @@
       </p:sp>
       <p:sp>
         <p:nvSpPr>
-          <p:cNvPr id="146" name="Rectangle 145">
-            <a:extLst>
-              <a:ext uri="{FF2B5EF4-FFF2-40B4-BE49-F238E27FC236}">
-                <a16:creationId xmlns:a16="http://schemas.microsoft.com/office/drawing/2014/main" id="{1BD51DC3-C569-BD4F-8CDE-40F5EE9B0E31}"/>
-              </a:ext>
-            </a:extLst>
-          </p:cNvPr>
-          <p:cNvSpPr/>
-          <p:nvPr/>
-        </p:nvSpPr>
-        <p:spPr>
-          <a:xfrm>
-            <a:off x="7067587" y="4827605"/>
+          <p:cNvPr id="145" name="Rectangle 144">
+            <a:extLst>
+              <a:ext uri="{FF2B5EF4-FFF2-40B4-BE49-F238E27FC236}">
+                <a16:creationId xmlns:a16="http://schemas.microsoft.com/office/drawing/2014/main" id="{A4718426-0358-D872-EB0B-12599DE3070F}"/>
+              </a:ext>
+            </a:extLst>
+          </p:cNvPr>
+          <p:cNvSpPr/>
+          <p:nvPr/>
+        </p:nvSpPr>
+        <p:spPr>
+          <a:xfrm rot="10800000" flipH="1">
+            <a:off x="7711889" y="4827606"/>
             <a:ext cx="322151" cy="272753"/>
           </a:xfrm>
           <a:prstGeom prst="rect">
@@ -6298,19 +6319,19 @@
       </p:sp>
       <p:sp>
         <p:nvSpPr>
-          <p:cNvPr id="147" name="Rectangle 146">
-            <a:extLst>
-              <a:ext uri="{FF2B5EF4-FFF2-40B4-BE49-F238E27FC236}">
-                <a16:creationId xmlns:a16="http://schemas.microsoft.com/office/drawing/2014/main" id="{C17E2E40-5CD3-6B2B-E8E9-E932AA327E4D}"/>
-              </a:ext>
-            </a:extLst>
-          </p:cNvPr>
-          <p:cNvSpPr/>
-          <p:nvPr/>
-        </p:nvSpPr>
-        <p:spPr>
-          <a:xfrm>
-            <a:off x="7711889" y="4827604"/>
+          <p:cNvPr id="146" name="Rectangle 145">
+            <a:extLst>
+              <a:ext uri="{FF2B5EF4-FFF2-40B4-BE49-F238E27FC236}">
+                <a16:creationId xmlns:a16="http://schemas.microsoft.com/office/drawing/2014/main" id="{1BD51DC3-C569-BD4F-8CDE-40F5EE9B0E31}"/>
+              </a:ext>
+            </a:extLst>
+          </p:cNvPr>
+          <p:cNvSpPr/>
+          <p:nvPr/>
+        </p:nvSpPr>
+        <p:spPr>
+          <a:xfrm rot="10800000" flipH="1">
+            <a:off x="7067587" y="4009347"/>
             <a:ext cx="322151" cy="272753"/>
           </a:xfrm>
           <a:prstGeom prst="rect">
@@ -6356,19 +6377,19 @@
       </p:sp>
       <p:sp>
         <p:nvSpPr>
-          <p:cNvPr id="148" name="Rectangle 147">
-            <a:extLst>
-              <a:ext uri="{FF2B5EF4-FFF2-40B4-BE49-F238E27FC236}">
-                <a16:creationId xmlns:a16="http://schemas.microsoft.com/office/drawing/2014/main" id="{9A396232-7249-149B-7F0E-027B063A240E}"/>
-              </a:ext>
-            </a:extLst>
-          </p:cNvPr>
-          <p:cNvSpPr/>
-          <p:nvPr/>
-        </p:nvSpPr>
-        <p:spPr>
-          <a:xfrm>
-            <a:off x="6745436" y="4009348"/>
+          <p:cNvPr id="147" name="Rectangle 146">
+            <a:extLst>
+              <a:ext uri="{FF2B5EF4-FFF2-40B4-BE49-F238E27FC236}">
+                <a16:creationId xmlns:a16="http://schemas.microsoft.com/office/drawing/2014/main" id="{C17E2E40-5CD3-6B2B-E8E9-E932AA327E4D}"/>
+              </a:ext>
+            </a:extLst>
+          </p:cNvPr>
+          <p:cNvSpPr/>
+          <p:nvPr/>
+        </p:nvSpPr>
+        <p:spPr>
+          <a:xfrm rot="10800000" flipH="1">
+            <a:off x="7711889" y="4009348"/>
             <a:ext cx="322151" cy="272753"/>
           </a:xfrm>
           <a:prstGeom prst="rect">
@@ -6414,19 +6435,19 @@
       </p:sp>
       <p:sp>
         <p:nvSpPr>
-          <p:cNvPr id="149" name="Rectangle 148">
-            <a:extLst>
-              <a:ext uri="{FF2B5EF4-FFF2-40B4-BE49-F238E27FC236}">
-                <a16:creationId xmlns:a16="http://schemas.microsoft.com/office/drawing/2014/main" id="{CB36B4E2-2621-E660-4D78-06E562CB868F}"/>
-              </a:ext>
-            </a:extLst>
-          </p:cNvPr>
-          <p:cNvSpPr/>
-          <p:nvPr/>
-        </p:nvSpPr>
-        <p:spPr>
-          <a:xfrm>
-            <a:off x="6745436" y="4827606"/>
+          <p:cNvPr id="148" name="Rectangle 147">
+            <a:extLst>
+              <a:ext uri="{FF2B5EF4-FFF2-40B4-BE49-F238E27FC236}">
+                <a16:creationId xmlns:a16="http://schemas.microsoft.com/office/drawing/2014/main" id="{9A396232-7249-149B-7F0E-027B063A240E}"/>
+              </a:ext>
+            </a:extLst>
+          </p:cNvPr>
+          <p:cNvSpPr/>
+          <p:nvPr/>
+        </p:nvSpPr>
+        <p:spPr>
+          <a:xfrm rot="10800000" flipH="1">
+            <a:off x="6745436" y="4827604"/>
             <a:ext cx="322151" cy="272753"/>
           </a:xfrm>
           <a:prstGeom prst="rect">
@@ -6472,19 +6493,19 @@
       </p:sp>
       <p:sp>
         <p:nvSpPr>
-          <p:cNvPr id="150" name="Rectangle 149">
-            <a:extLst>
-              <a:ext uri="{FF2B5EF4-FFF2-40B4-BE49-F238E27FC236}">
-                <a16:creationId xmlns:a16="http://schemas.microsoft.com/office/drawing/2014/main" id="{9F702086-A2BA-097B-1EAD-7FD2D139C0BB}"/>
-              </a:ext>
-            </a:extLst>
-          </p:cNvPr>
-          <p:cNvSpPr/>
-          <p:nvPr/>
-        </p:nvSpPr>
-        <p:spPr>
-          <a:xfrm>
-            <a:off x="7389738" y="4009346"/>
+          <p:cNvPr id="149" name="Rectangle 148">
+            <a:extLst>
+              <a:ext uri="{FF2B5EF4-FFF2-40B4-BE49-F238E27FC236}">
+                <a16:creationId xmlns:a16="http://schemas.microsoft.com/office/drawing/2014/main" id="{CB36B4E2-2621-E660-4D78-06E562CB868F}"/>
+              </a:ext>
+            </a:extLst>
+          </p:cNvPr>
+          <p:cNvSpPr/>
+          <p:nvPr/>
+        </p:nvSpPr>
+        <p:spPr>
+          <a:xfrm rot="10800000" flipH="1">
+            <a:off x="6745436" y="4009346"/>
             <a:ext cx="322151" cy="272753"/>
           </a:xfrm>
           <a:prstGeom prst="rect">
@@ -6530,80 +6551,19 @@
       </p:sp>
       <p:sp>
         <p:nvSpPr>
-          <p:cNvPr id="151" name="Rectangle 150">
-            <a:extLst>
-              <a:ext uri="{FF2B5EF4-FFF2-40B4-BE49-F238E27FC236}">
-                <a16:creationId xmlns:a16="http://schemas.microsoft.com/office/drawing/2014/main" id="{AFC5529E-F241-26F0-E6D1-6BA1B6BD0172}"/>
-              </a:ext>
-            </a:extLst>
-          </p:cNvPr>
-          <p:cNvSpPr/>
-          <p:nvPr/>
-        </p:nvSpPr>
-        <p:spPr>
-          <a:xfrm>
-            <a:off x="7389738" y="4827604"/>
-            <a:ext cx="322151" cy="272753"/>
-          </a:xfrm>
-          <a:prstGeom prst="rect">
-            <a:avLst/>
-          </a:prstGeom>
-          <a:solidFill>
-            <a:srgbClr val="FAFDF0"/>
-          </a:solidFill>
-          <a:ln>
-            <a:solidFill>
-              <a:srgbClr val="DDF08B"/>
-            </a:solidFill>
-          </a:ln>
-        </p:spPr>
-        <p:style>
-          <a:lnRef idx="2">
-            <a:schemeClr val="accent1">
-              <a:shade val="15000"/>
-            </a:schemeClr>
-          </a:lnRef>
-          <a:fillRef idx="1">
-            <a:schemeClr val="accent1"/>
-          </a:fillRef>
-          <a:effectRef idx="0">
-            <a:schemeClr val="accent1"/>
-          </a:effectRef>
-          <a:fontRef idx="minor">
-            <a:schemeClr val="lt1"/>
-          </a:fontRef>
-        </p:style>
-        <p:txBody>
-          <a:bodyPr rtlCol="0" anchor="ctr"/>
-          <a:lstStyle/>
-          <a:p>
-            <a:pPr algn="ctr"/>
-            <a:r>
-              <a:rPr lang="en-US" sz="1000" dirty="0">
-                <a:solidFill>
-                  <a:schemeClr val="tx1"/>
-                </a:solidFill>
-              </a:rPr>
-              <a:t>4</a:t>
-            </a:r>
-          </a:p>
-        </p:txBody>
-      </p:sp>
-      <p:sp>
-        <p:nvSpPr>
-          <p:cNvPr id="152" name="Rectangle 151">
-            <a:extLst>
-              <a:ext uri="{FF2B5EF4-FFF2-40B4-BE49-F238E27FC236}">
-                <a16:creationId xmlns:a16="http://schemas.microsoft.com/office/drawing/2014/main" id="{1D1C3B29-2EEE-2104-78E9-C077E2D337E1}"/>
-              </a:ext>
-            </a:extLst>
-          </p:cNvPr>
-          <p:cNvSpPr/>
-          <p:nvPr/>
-        </p:nvSpPr>
-        <p:spPr>
-          <a:xfrm>
-            <a:off x="7711889" y="4282099"/>
+          <p:cNvPr id="150" name="Rectangle 149">
+            <a:extLst>
+              <a:ext uri="{FF2B5EF4-FFF2-40B4-BE49-F238E27FC236}">
+                <a16:creationId xmlns:a16="http://schemas.microsoft.com/office/drawing/2014/main" id="{9F702086-A2BA-097B-1EAD-7FD2D139C0BB}"/>
+              </a:ext>
+            </a:extLst>
+          </p:cNvPr>
+          <p:cNvSpPr/>
+          <p:nvPr/>
+        </p:nvSpPr>
+        <p:spPr>
+          <a:xfrm rot="10800000" flipH="1">
+            <a:off x="7389738" y="4827606"/>
             <a:ext cx="322151" cy="272753"/>
           </a:xfrm>
           <a:prstGeom prst="rect">
@@ -6649,19 +6609,19 @@
       </p:sp>
       <p:sp>
         <p:nvSpPr>
-          <p:cNvPr id="153" name="Rectangle 152">
-            <a:extLst>
-              <a:ext uri="{FF2B5EF4-FFF2-40B4-BE49-F238E27FC236}">
-                <a16:creationId xmlns:a16="http://schemas.microsoft.com/office/drawing/2014/main" id="{DF9B1A7E-0BE4-1E2D-BBB2-85CF83AA9443}"/>
-              </a:ext>
-            </a:extLst>
-          </p:cNvPr>
-          <p:cNvSpPr/>
-          <p:nvPr/>
-        </p:nvSpPr>
-        <p:spPr>
-          <a:xfrm>
-            <a:off x="7711889" y="4554852"/>
+          <p:cNvPr id="151" name="Rectangle 150">
+            <a:extLst>
+              <a:ext uri="{FF2B5EF4-FFF2-40B4-BE49-F238E27FC236}">
+                <a16:creationId xmlns:a16="http://schemas.microsoft.com/office/drawing/2014/main" id="{AFC5529E-F241-26F0-E6D1-6BA1B6BD0172}"/>
+              </a:ext>
+            </a:extLst>
+          </p:cNvPr>
+          <p:cNvSpPr/>
+          <p:nvPr/>
+        </p:nvSpPr>
+        <p:spPr>
+          <a:xfrm rot="10800000" flipH="1" flipV="1">
+            <a:off x="7389738" y="4009348"/>
             <a:ext cx="322151" cy="272753"/>
           </a:xfrm>
           <a:prstGeom prst="rect">
@@ -6707,19 +6667,19 @@
       </p:sp>
       <p:sp>
         <p:nvSpPr>
-          <p:cNvPr id="154" name="Rectangle 153">
-            <a:extLst>
-              <a:ext uri="{FF2B5EF4-FFF2-40B4-BE49-F238E27FC236}">
-                <a16:creationId xmlns:a16="http://schemas.microsoft.com/office/drawing/2014/main" id="{9A15E09C-55D9-7765-1EAE-7AE4625A72A7}"/>
-              </a:ext>
-            </a:extLst>
-          </p:cNvPr>
-          <p:cNvSpPr/>
-          <p:nvPr/>
-        </p:nvSpPr>
-        <p:spPr>
-          <a:xfrm>
-            <a:off x="6745436" y="4282101"/>
+          <p:cNvPr id="152" name="Rectangle 151">
+            <a:extLst>
+              <a:ext uri="{FF2B5EF4-FFF2-40B4-BE49-F238E27FC236}">
+                <a16:creationId xmlns:a16="http://schemas.microsoft.com/office/drawing/2014/main" id="{1D1C3B29-2EEE-2104-78E9-C077E2D337E1}"/>
+              </a:ext>
+            </a:extLst>
+          </p:cNvPr>
+          <p:cNvSpPr/>
+          <p:nvPr/>
+        </p:nvSpPr>
+        <p:spPr>
+          <a:xfrm rot="10800000" flipH="1">
+            <a:off x="7711889" y="4554853"/>
             <a:ext cx="322151" cy="272753"/>
           </a:xfrm>
           <a:prstGeom prst="rect">
@@ -6765,6 +6725,128 @@
       </p:sp>
       <p:sp>
         <p:nvSpPr>
+          <p:cNvPr id="153" name="Rectangle 152">
+            <a:extLst>
+              <a:ext uri="{FF2B5EF4-FFF2-40B4-BE49-F238E27FC236}">
+                <a16:creationId xmlns:a16="http://schemas.microsoft.com/office/drawing/2014/main" id="{DF9B1A7E-0BE4-1E2D-BBB2-85CF83AA9443}"/>
+              </a:ext>
+            </a:extLst>
+          </p:cNvPr>
+          <p:cNvSpPr/>
+          <p:nvPr/>
+        </p:nvSpPr>
+        <p:spPr>
+          <a:xfrm rot="10800000" flipH="1" flipV="1">
+            <a:off x="7711889" y="4282100"/>
+            <a:ext cx="322151" cy="272753"/>
+          </a:xfrm>
+          <a:prstGeom prst="rect">
+            <a:avLst/>
+          </a:prstGeom>
+          <a:solidFill>
+            <a:srgbClr val="FAFDF0"/>
+          </a:solidFill>
+          <a:ln>
+            <a:solidFill>
+              <a:srgbClr val="DDF08B"/>
+            </a:solidFill>
+          </a:ln>
+        </p:spPr>
+        <p:style>
+          <a:lnRef idx="2">
+            <a:schemeClr val="accent1">
+              <a:shade val="15000"/>
+            </a:schemeClr>
+          </a:lnRef>
+          <a:fillRef idx="1">
+            <a:schemeClr val="accent1"/>
+          </a:fillRef>
+          <a:effectRef idx="0">
+            <a:schemeClr val="accent1"/>
+          </a:effectRef>
+          <a:fontRef idx="minor">
+            <a:schemeClr val="lt1"/>
+          </a:fontRef>
+        </p:style>
+        <p:txBody>
+          <a:bodyPr rtlCol="0" anchor="ctr"/>
+          <a:lstStyle/>
+          <a:p>
+            <a:pPr algn="ctr"/>
+            <a:r>
+              <a:rPr lang="en-US" sz="1000" dirty="0">
+                <a:solidFill>
+                  <a:schemeClr val="tx1"/>
+                </a:solidFill>
+              </a:rPr>
+              <a:t>3</a:t>
+            </a:r>
+          </a:p>
+        </p:txBody>
+      </p:sp>
+      <p:sp>
+        <p:nvSpPr>
+          <p:cNvPr id="154" name="Rectangle 153">
+            <a:extLst>
+              <a:ext uri="{FF2B5EF4-FFF2-40B4-BE49-F238E27FC236}">
+                <a16:creationId xmlns:a16="http://schemas.microsoft.com/office/drawing/2014/main" id="{9A15E09C-55D9-7765-1EAE-7AE4625A72A7}"/>
+              </a:ext>
+            </a:extLst>
+          </p:cNvPr>
+          <p:cNvSpPr/>
+          <p:nvPr/>
+        </p:nvSpPr>
+        <p:spPr>
+          <a:xfrm rot="10800000" flipH="1" flipV="1">
+            <a:off x="6745436" y="4554851"/>
+            <a:ext cx="322151" cy="272753"/>
+          </a:xfrm>
+          <a:prstGeom prst="rect">
+            <a:avLst/>
+          </a:prstGeom>
+          <a:solidFill>
+            <a:srgbClr val="FAFDF0"/>
+          </a:solidFill>
+          <a:ln>
+            <a:solidFill>
+              <a:srgbClr val="DDF08B"/>
+            </a:solidFill>
+          </a:ln>
+        </p:spPr>
+        <p:style>
+          <a:lnRef idx="2">
+            <a:schemeClr val="accent1">
+              <a:shade val="15000"/>
+            </a:schemeClr>
+          </a:lnRef>
+          <a:fillRef idx="1">
+            <a:schemeClr val="accent1"/>
+          </a:fillRef>
+          <a:effectRef idx="0">
+            <a:schemeClr val="accent1"/>
+          </a:effectRef>
+          <a:fontRef idx="minor">
+            <a:schemeClr val="lt1"/>
+          </a:fontRef>
+        </p:style>
+        <p:txBody>
+          <a:bodyPr rtlCol="0" anchor="ctr"/>
+          <a:lstStyle/>
+          <a:p>
+            <a:pPr algn="ctr"/>
+            <a:r>
+              <a:rPr lang="en-US" sz="1000" dirty="0">
+                <a:solidFill>
+                  <a:schemeClr val="tx1"/>
+                </a:solidFill>
+              </a:rPr>
+              <a:t>4</a:t>
+            </a:r>
+          </a:p>
+        </p:txBody>
+      </p:sp>
+      <p:sp>
+        <p:nvSpPr>
           <p:cNvPr id="155" name="Rectangle 154">
             <a:extLst>
               <a:ext uri="{FF2B5EF4-FFF2-40B4-BE49-F238E27FC236}">
@@ -6776,8 +6858,8 @@
           <p:nvPr/>
         </p:nvSpPr>
         <p:spPr>
-          <a:xfrm>
-            <a:off x="6745436" y="4554854"/>
+          <a:xfrm rot="10800000" flipH="1">
+            <a:off x="6745436" y="4282098"/>
             <a:ext cx="322151" cy="272753"/>
           </a:xfrm>
           <a:prstGeom prst="rect">
@@ -6834,69 +6916,8 @@
           <p:nvPr/>
         </p:nvSpPr>
         <p:spPr>
-          <a:xfrm>
-            <a:off x="7067587" y="4282100"/>
-            <a:ext cx="322151" cy="272753"/>
-          </a:xfrm>
-          <a:prstGeom prst="rect">
-            <a:avLst/>
-          </a:prstGeom>
-          <a:solidFill>
-            <a:srgbClr val="F2EFF6"/>
-          </a:solidFill>
-          <a:ln>
-            <a:solidFill>
-              <a:srgbClr val="360084"/>
-            </a:solidFill>
-          </a:ln>
-        </p:spPr>
-        <p:style>
-          <a:lnRef idx="2">
-            <a:schemeClr val="accent1">
-              <a:shade val="15000"/>
-            </a:schemeClr>
-          </a:lnRef>
-          <a:fillRef idx="1">
-            <a:schemeClr val="accent1"/>
-          </a:fillRef>
-          <a:effectRef idx="0">
-            <a:schemeClr val="accent1"/>
-          </a:effectRef>
-          <a:fontRef idx="minor">
-            <a:schemeClr val="lt1"/>
-          </a:fontRef>
-        </p:style>
-        <p:txBody>
-          <a:bodyPr rtlCol="0" anchor="ctr"/>
-          <a:lstStyle/>
-          <a:p>
-            <a:pPr algn="ctr"/>
-            <a:r>
-              <a:rPr lang="en-US" sz="1000" dirty="0">
-                <a:solidFill>
-                  <a:schemeClr val="tx1"/>
-                </a:solidFill>
-              </a:rPr>
-              <a:t>2</a:t>
-            </a:r>
-          </a:p>
-        </p:txBody>
-      </p:sp>
-      <p:sp>
-        <p:nvSpPr>
-          <p:cNvPr id="157" name="Rectangle 156">
-            <a:extLst>
-              <a:ext uri="{FF2B5EF4-FFF2-40B4-BE49-F238E27FC236}">
-                <a16:creationId xmlns:a16="http://schemas.microsoft.com/office/drawing/2014/main" id="{B9013BFB-509E-6B05-3AB6-1F39420632CD}"/>
-              </a:ext>
-            </a:extLst>
-          </p:cNvPr>
-          <p:cNvSpPr/>
-          <p:nvPr/>
-        </p:nvSpPr>
-        <p:spPr>
-          <a:xfrm>
-            <a:off x="7389738" y="4282099"/>
+          <a:xfrm rot="10800000" flipH="1" flipV="1">
+            <a:off x="7067587" y="4554852"/>
             <a:ext cx="322151" cy="272753"/>
           </a:xfrm>
           <a:prstGeom prst="rect">
@@ -6942,80 +6963,19 @@
       </p:sp>
       <p:sp>
         <p:nvSpPr>
-          <p:cNvPr id="158" name="Rectangle 157">
-            <a:extLst>
-              <a:ext uri="{FF2B5EF4-FFF2-40B4-BE49-F238E27FC236}">
-                <a16:creationId xmlns:a16="http://schemas.microsoft.com/office/drawing/2014/main" id="{C7A0ACB5-B69B-0381-C187-54520FF36F91}"/>
-              </a:ext>
-            </a:extLst>
-          </p:cNvPr>
-          <p:cNvSpPr/>
-          <p:nvPr/>
-        </p:nvSpPr>
-        <p:spPr>
-          <a:xfrm>
-            <a:off x="7067587" y="4554853"/>
-            <a:ext cx="322151" cy="272753"/>
-          </a:xfrm>
-          <a:prstGeom prst="rect">
-            <a:avLst/>
-          </a:prstGeom>
-          <a:solidFill>
-            <a:srgbClr val="F2EFF6"/>
-          </a:solidFill>
-          <a:ln>
-            <a:solidFill>
-              <a:srgbClr val="360084"/>
-            </a:solidFill>
-          </a:ln>
-        </p:spPr>
-        <p:style>
-          <a:lnRef idx="2">
-            <a:schemeClr val="accent1">
-              <a:shade val="15000"/>
-            </a:schemeClr>
-          </a:lnRef>
-          <a:fillRef idx="1">
-            <a:schemeClr val="accent1"/>
-          </a:fillRef>
-          <a:effectRef idx="0">
-            <a:schemeClr val="accent1"/>
-          </a:effectRef>
-          <a:fontRef idx="minor">
-            <a:schemeClr val="lt1"/>
-          </a:fontRef>
-        </p:style>
-        <p:txBody>
-          <a:bodyPr rtlCol="0" anchor="ctr"/>
-          <a:lstStyle/>
-          <a:p>
-            <a:pPr algn="ctr"/>
-            <a:r>
-              <a:rPr lang="en-US" sz="1000" dirty="0">
-                <a:solidFill>
-                  <a:schemeClr val="tx1"/>
-                </a:solidFill>
-              </a:rPr>
-              <a:t>1</a:t>
-            </a:r>
-          </a:p>
-        </p:txBody>
-      </p:sp>
-      <p:sp>
-        <p:nvSpPr>
-          <p:cNvPr id="159" name="Rectangle 158">
-            <a:extLst>
-              <a:ext uri="{FF2B5EF4-FFF2-40B4-BE49-F238E27FC236}">
-                <a16:creationId xmlns:a16="http://schemas.microsoft.com/office/drawing/2014/main" id="{E90D88F4-4C0A-9DB8-31EB-A4A797CA0C46}"/>
-              </a:ext>
-            </a:extLst>
-          </p:cNvPr>
-          <p:cNvSpPr/>
-          <p:nvPr/>
-        </p:nvSpPr>
-        <p:spPr>
-          <a:xfrm>
-            <a:off x="7389738" y="4554852"/>
+          <p:cNvPr id="157" name="Rectangle 156">
+            <a:extLst>
+              <a:ext uri="{FF2B5EF4-FFF2-40B4-BE49-F238E27FC236}">
+                <a16:creationId xmlns:a16="http://schemas.microsoft.com/office/drawing/2014/main" id="{B9013BFB-509E-6B05-3AB6-1F39420632CD}"/>
+              </a:ext>
+            </a:extLst>
+          </p:cNvPr>
+          <p:cNvSpPr/>
+          <p:nvPr/>
+        </p:nvSpPr>
+        <p:spPr>
+          <a:xfrm rot="10800000" flipH="1">
+            <a:off x="7389738" y="4554853"/>
             <a:ext cx="322151" cy="272753"/>
           </a:xfrm>
           <a:prstGeom prst="rect">
@@ -7059,6 +7019,128 @@
           </a:p>
         </p:txBody>
       </p:sp>
+      <p:sp>
+        <p:nvSpPr>
+          <p:cNvPr id="158" name="Rectangle 157">
+            <a:extLst>
+              <a:ext uri="{FF2B5EF4-FFF2-40B4-BE49-F238E27FC236}">
+                <a16:creationId xmlns:a16="http://schemas.microsoft.com/office/drawing/2014/main" id="{C7A0ACB5-B69B-0381-C187-54520FF36F91}"/>
+              </a:ext>
+            </a:extLst>
+          </p:cNvPr>
+          <p:cNvSpPr/>
+          <p:nvPr/>
+        </p:nvSpPr>
+        <p:spPr>
+          <a:xfrm rot="10800000" flipH="1" flipV="1">
+            <a:off x="7067587" y="4282099"/>
+            <a:ext cx="322151" cy="272753"/>
+          </a:xfrm>
+          <a:prstGeom prst="rect">
+            <a:avLst/>
+          </a:prstGeom>
+          <a:solidFill>
+            <a:srgbClr val="F2EFF6"/>
+          </a:solidFill>
+          <a:ln>
+            <a:solidFill>
+              <a:srgbClr val="360084"/>
+            </a:solidFill>
+          </a:ln>
+        </p:spPr>
+        <p:style>
+          <a:lnRef idx="2">
+            <a:schemeClr val="accent1">
+              <a:shade val="15000"/>
+            </a:schemeClr>
+          </a:lnRef>
+          <a:fillRef idx="1">
+            <a:schemeClr val="accent1"/>
+          </a:fillRef>
+          <a:effectRef idx="0">
+            <a:schemeClr val="accent1"/>
+          </a:effectRef>
+          <a:fontRef idx="minor">
+            <a:schemeClr val="lt1"/>
+          </a:fontRef>
+        </p:style>
+        <p:txBody>
+          <a:bodyPr rtlCol="0" anchor="ctr"/>
+          <a:lstStyle/>
+          <a:p>
+            <a:pPr algn="ctr"/>
+            <a:r>
+              <a:rPr lang="en-US" sz="1000" dirty="0">
+                <a:solidFill>
+                  <a:schemeClr val="tx1"/>
+                </a:solidFill>
+              </a:rPr>
+              <a:t>1</a:t>
+            </a:r>
+          </a:p>
+        </p:txBody>
+      </p:sp>
+      <p:sp>
+        <p:nvSpPr>
+          <p:cNvPr id="159" name="Rectangle 158">
+            <a:extLst>
+              <a:ext uri="{FF2B5EF4-FFF2-40B4-BE49-F238E27FC236}">
+                <a16:creationId xmlns:a16="http://schemas.microsoft.com/office/drawing/2014/main" id="{E90D88F4-4C0A-9DB8-31EB-A4A797CA0C46}"/>
+              </a:ext>
+            </a:extLst>
+          </p:cNvPr>
+          <p:cNvSpPr/>
+          <p:nvPr/>
+        </p:nvSpPr>
+        <p:spPr>
+          <a:xfrm rot="10800000" flipH="1" flipV="1">
+            <a:off x="7389738" y="4282100"/>
+            <a:ext cx="322151" cy="272753"/>
+          </a:xfrm>
+          <a:prstGeom prst="rect">
+            <a:avLst/>
+          </a:prstGeom>
+          <a:solidFill>
+            <a:srgbClr val="F2EFF6"/>
+          </a:solidFill>
+          <a:ln>
+            <a:solidFill>
+              <a:srgbClr val="360084"/>
+            </a:solidFill>
+          </a:ln>
+        </p:spPr>
+        <p:style>
+          <a:lnRef idx="2">
+            <a:schemeClr val="accent1">
+              <a:shade val="15000"/>
+            </a:schemeClr>
+          </a:lnRef>
+          <a:fillRef idx="1">
+            <a:schemeClr val="accent1"/>
+          </a:fillRef>
+          <a:effectRef idx="0">
+            <a:schemeClr val="accent1"/>
+          </a:effectRef>
+          <a:fontRef idx="minor">
+            <a:schemeClr val="lt1"/>
+          </a:fontRef>
+        </p:style>
+        <p:txBody>
+          <a:bodyPr rtlCol="0" anchor="ctr"/>
+          <a:lstStyle/>
+          <a:p>
+            <a:pPr algn="ctr"/>
+            <a:r>
+              <a:rPr lang="en-US" sz="1000" dirty="0">
+                <a:solidFill>
+                  <a:schemeClr val="tx1"/>
+                </a:solidFill>
+              </a:rPr>
+              <a:t>2</a:t>
+            </a:r>
+          </a:p>
+        </p:txBody>
+      </p:sp>
       <p:cxnSp>
         <p:nvCxnSpPr>
           <p:cNvPr id="161" name="Straight Arrow Connector 160">
@@ -7074,9 +7156,9 @@
           <p:nvPr/>
         </p:nvCxnSpPr>
         <p:spPr>
-          <a:xfrm flipV="1">
-            <a:off x="7711889" y="4827604"/>
-            <a:ext cx="0" cy="272752"/>
+          <a:xfrm>
+            <a:off x="6744969" y="4827602"/>
+            <a:ext cx="322617" cy="0"/>
           </a:xfrm>
           <a:prstGeom prst="straightConnector1">
             <a:avLst/>
@@ -7118,9 +7200,9 @@
           <p:nvPr/>
         </p:nvCxnSpPr>
         <p:spPr>
-          <a:xfrm flipV="1">
-            <a:off x="7389738" y="4009346"/>
-            <a:ext cx="0" cy="818258"/>
+          <a:xfrm>
+            <a:off x="7067586" y="4554851"/>
+            <a:ext cx="965783" cy="0"/>
           </a:xfrm>
           <a:prstGeom prst="straightConnector1">
             <a:avLst/>
@@ -7129,7 +7211,7 @@
             <a:solidFill>
               <a:srgbClr val="360084"/>
             </a:solidFill>
-            <a:tailEnd type="triangle"/>
+            <a:tailEnd type="none"/>
           </a:ln>
         </p:spPr>
         <p:style>
@@ -7168,6 +7250,9 @@
             <a:avLst/>
           </a:prstGeom>
           <a:noFill/>
+          <a:ln>
+            <a:noFill/>
+          </a:ln>
         </p:spPr>
         <p:txBody>
           <a:bodyPr wrap="square" rtlCol="0">
@@ -7177,18 +7262,10 @@
           <a:p>
             <a:pPr algn="ctr"/>
             <a:r>
-              <a:rPr lang="en-US" sz="1400">
-                <a:solidFill>
-                  <a:srgbClr val="360084"/>
-                </a:solidFill>
-              </a:rPr>
+              <a:rPr lang="en-US" sz="1400"/>
               <a:t>Stride = 8</a:t>
             </a:r>
-            <a:endParaRPr lang="en-US" sz="1400" dirty="0">
-              <a:solidFill>
-                <a:srgbClr val="360084"/>
-              </a:solidFill>
-            </a:endParaRPr>
+            <a:endParaRPr lang="en-US" sz="1400" dirty="0"/>
           </a:p>
         </p:txBody>
       </p:sp>
@@ -7248,7 +7325,7 @@
                   <a:schemeClr val="tx1"/>
                 </a:solidFill>
               </a:rPr>
-              <a:t>0,0</a:t>
+              <a:t>1</a:t>
             </a:r>
           </a:p>
         </p:txBody>
@@ -7309,7 +7386,7 @@
                   <a:schemeClr val="tx1"/>
                 </a:solidFill>
               </a:rPr>
-              <a:t>1,0</a:t>
+              <a:t>2</a:t>
             </a:r>
           </a:p>
         </p:txBody>
@@ -7370,7 +7447,7 @@
                   <a:schemeClr val="tx1"/>
                 </a:solidFill>
               </a:rPr>
-              <a:t>2,0</a:t>
+              <a:t>3</a:t>
             </a:r>
           </a:p>
         </p:txBody>
@@ -7431,7 +7508,7 @@
                   <a:schemeClr val="tx1"/>
                 </a:solidFill>
               </a:rPr>
-              <a:t>0,3</a:t>
+              <a:t>13</a:t>
             </a:r>
           </a:p>
         </p:txBody>
@@ -7492,7 +7569,7 @@
                   <a:schemeClr val="tx1"/>
                 </a:solidFill>
               </a:rPr>
-              <a:t>3,3</a:t>
+              <a:t>16</a:t>
             </a:r>
           </a:p>
         </p:txBody>
@@ -7553,7 +7630,7 @@
                   <a:schemeClr val="tx1"/>
                 </a:solidFill>
               </a:rPr>
-              <a:t>1,2</a:t>
+              <a:t>10</a:t>
             </a:r>
           </a:p>
         </p:txBody>
@@ -7614,7 +7691,7 @@
                   <a:schemeClr val="tx1"/>
                 </a:solidFill>
               </a:rPr>
-              <a:t>2,2</a:t>
+              <a:t>11</a:t>
             </a:r>
           </a:p>
         </p:txBody>
@@ -7675,7 +7752,7 @@
                   <a:schemeClr val="tx1"/>
                 </a:solidFill>
               </a:rPr>
-              <a:t>1,3</a:t>
+              <a:t>14</a:t>
             </a:r>
           </a:p>
         </p:txBody>
@@ -7736,7 +7813,7 @@
                   <a:schemeClr val="tx1"/>
                 </a:solidFill>
               </a:rPr>
-              <a:t>2,3</a:t>
+              <a:t>15</a:t>
             </a:r>
           </a:p>
         </p:txBody>
@@ -7797,7 +7874,7 @@
                   <a:schemeClr val="tx1"/>
                 </a:solidFill>
               </a:rPr>
-              <a:t>3,2</a:t>
+              <a:t>12</a:t>
             </a:r>
           </a:p>
         </p:txBody>
@@ -7858,7 +7935,7 @@
                   <a:schemeClr val="tx1"/>
                 </a:solidFill>
               </a:rPr>
-              <a:t>0,1</a:t>
+              <a:t>5</a:t>
             </a:r>
           </a:p>
         </p:txBody>
@@ -7919,7 +7996,7 @@
                   <a:schemeClr val="tx1"/>
                 </a:solidFill>
               </a:rPr>
-              <a:t>3,1</a:t>
+              <a:t>8</a:t>
             </a:r>
           </a:p>
         </p:txBody>
@@ -7980,7 +8057,7 @@
                   <a:schemeClr val="tx1"/>
                 </a:solidFill>
               </a:rPr>
-              <a:t>1,1</a:t>
+              <a:t>6</a:t>
             </a:r>
           </a:p>
         </p:txBody>
@@ -8041,7 +8118,7 @@
                   <a:schemeClr val="tx1"/>
                 </a:solidFill>
               </a:rPr>
-              <a:t>2,1</a:t>
+              <a:t>7</a:t>
             </a:r>
           </a:p>
         </p:txBody>
@@ -8102,7 +8179,7 @@
                   <a:schemeClr val="tx1"/>
                 </a:solidFill>
               </a:rPr>
-              <a:t>3,0</a:t>
+              <a:t>4</a:t>
             </a:r>
           </a:p>
         </p:txBody>
@@ -8163,7 +8240,7 @@
                   <a:schemeClr val="tx1"/>
                 </a:solidFill>
               </a:rPr>
-              <a:t>0,2</a:t>
+              <a:t>9</a:t>
             </a:r>
           </a:p>
         </p:txBody>
@@ -12460,67 +12537,6 @@
       </p:sp>
       <p:sp>
         <p:nvSpPr>
-          <p:cNvPr id="551" name="Rectangle 550">
-            <a:extLst>
-              <a:ext uri="{FF2B5EF4-FFF2-40B4-BE49-F238E27FC236}">
-                <a16:creationId xmlns:a16="http://schemas.microsoft.com/office/drawing/2014/main" id="{17EDEAED-9AD8-DA6C-071F-95B5F2F120B8}"/>
-              </a:ext>
-            </a:extLst>
-          </p:cNvPr>
-          <p:cNvSpPr/>
-          <p:nvPr/>
-        </p:nvSpPr>
-        <p:spPr>
-          <a:xfrm>
-            <a:off x="3820406" y="2657724"/>
-            <a:ext cx="322151" cy="272753"/>
-          </a:xfrm>
-          <a:prstGeom prst="rect">
-            <a:avLst/>
-          </a:prstGeom>
-          <a:solidFill>
-            <a:srgbClr val="FDF8EE"/>
-          </a:solidFill>
-          <a:ln>
-            <a:solidFill>
-              <a:srgbClr val="EFC57B"/>
-            </a:solidFill>
-          </a:ln>
-        </p:spPr>
-        <p:style>
-          <a:lnRef idx="2">
-            <a:schemeClr val="accent1">
-              <a:shade val="15000"/>
-            </a:schemeClr>
-          </a:lnRef>
-          <a:fillRef idx="1">
-            <a:schemeClr val="accent1"/>
-          </a:fillRef>
-          <a:effectRef idx="0">
-            <a:schemeClr val="accent1"/>
-          </a:effectRef>
-          <a:fontRef idx="minor">
-            <a:schemeClr val="lt1"/>
-          </a:fontRef>
-        </p:style>
-        <p:txBody>
-          <a:bodyPr rtlCol="0" anchor="ctr"/>
-          <a:lstStyle/>
-          <a:p>
-            <a:pPr algn="ctr"/>
-            <a:r>
-              <a:rPr lang="en-US" sz="800" dirty="0">
-                <a:solidFill>
-                  <a:schemeClr val="tx1"/>
-                </a:solidFill>
-              </a:rPr>
-              <a:t>12</a:t>
-            </a:r>
-          </a:p>
-        </p:txBody>
-      </p:sp>
-      <p:sp>
-        <p:nvSpPr>
           <p:cNvPr id="552" name="Rectangle 551">
             <a:extLst>
               <a:ext uri="{FF2B5EF4-FFF2-40B4-BE49-F238E27FC236}">
@@ -16256,6 +16272,67 @@
                 </a:solidFill>
               </a:rPr>
               <a:t>1,0</a:t>
+            </a:r>
+          </a:p>
+        </p:txBody>
+      </p:sp>
+      <p:sp>
+        <p:nvSpPr>
+          <p:cNvPr id="551" name="Rectangle 550">
+            <a:extLst>
+              <a:ext uri="{FF2B5EF4-FFF2-40B4-BE49-F238E27FC236}">
+                <a16:creationId xmlns:a16="http://schemas.microsoft.com/office/drawing/2014/main" id="{17EDEAED-9AD8-DA6C-071F-95B5F2F120B8}"/>
+              </a:ext>
+            </a:extLst>
+          </p:cNvPr>
+          <p:cNvSpPr/>
+          <p:nvPr/>
+        </p:nvSpPr>
+        <p:spPr>
+          <a:xfrm>
+            <a:off x="3820406" y="2657724"/>
+            <a:ext cx="322151" cy="272753"/>
+          </a:xfrm>
+          <a:prstGeom prst="rect">
+            <a:avLst/>
+          </a:prstGeom>
+          <a:solidFill>
+            <a:srgbClr val="FDF8EE"/>
+          </a:solidFill>
+          <a:ln>
+            <a:solidFill>
+              <a:srgbClr val="EFC57B"/>
+            </a:solidFill>
+          </a:ln>
+        </p:spPr>
+        <p:style>
+          <a:lnRef idx="2">
+            <a:schemeClr val="accent1">
+              <a:shade val="15000"/>
+            </a:schemeClr>
+          </a:lnRef>
+          <a:fillRef idx="1">
+            <a:schemeClr val="accent1"/>
+          </a:fillRef>
+          <a:effectRef idx="0">
+            <a:schemeClr val="accent1"/>
+          </a:effectRef>
+          <a:fontRef idx="minor">
+            <a:schemeClr val="lt1"/>
+          </a:fontRef>
+        </p:style>
+        <p:txBody>
+          <a:bodyPr rtlCol="0" anchor="ctr"/>
+          <a:lstStyle/>
+          <a:p>
+            <a:pPr algn="ctr"/>
+            <a:r>
+              <a:rPr lang="en-US" sz="800" dirty="0">
+                <a:solidFill>
+                  <a:schemeClr val="tx1"/>
+                </a:solidFill>
+              </a:rPr>
+              <a:t>12</a:t>
             </a:r>
           </a:p>
         </p:txBody>

--- a/files/communication_diagram.pptx
+++ b/files/communication_diagram.pptx
@@ -5018,6 +5018,494 @@
           <a:chExt cx="0" cy="0"/>
         </a:xfrm>
       </p:grpSpPr>
+      <p:sp>
+        <p:nvSpPr>
+          <p:cNvPr id="568" name="Rectangle 567">
+            <a:extLst>
+              <a:ext uri="{FF2B5EF4-FFF2-40B4-BE49-F238E27FC236}">
+                <a16:creationId xmlns:a16="http://schemas.microsoft.com/office/drawing/2014/main" id="{7EA69787-2809-5E9B-07DA-EC851697267C}"/>
+              </a:ext>
+            </a:extLst>
+          </p:cNvPr>
+          <p:cNvSpPr/>
+          <p:nvPr/>
+        </p:nvSpPr>
+        <p:spPr>
+          <a:xfrm>
+            <a:off x="3498252" y="4180583"/>
+            <a:ext cx="322151" cy="272753"/>
+          </a:xfrm>
+          <a:prstGeom prst="rect">
+            <a:avLst/>
+          </a:prstGeom>
+          <a:solidFill>
+            <a:srgbClr val="FAFDF0"/>
+          </a:solidFill>
+          <a:ln>
+            <a:solidFill>
+              <a:srgbClr val="DDF08B"/>
+            </a:solidFill>
+          </a:ln>
+        </p:spPr>
+        <p:style>
+          <a:lnRef idx="2">
+            <a:schemeClr val="accent1">
+              <a:shade val="15000"/>
+            </a:schemeClr>
+          </a:lnRef>
+          <a:fillRef idx="1">
+            <a:schemeClr val="accent1"/>
+          </a:fillRef>
+          <a:effectRef idx="0">
+            <a:schemeClr val="accent1"/>
+          </a:effectRef>
+          <a:fontRef idx="minor">
+            <a:schemeClr val="lt1"/>
+          </a:fontRef>
+        </p:style>
+        <p:txBody>
+          <a:bodyPr rtlCol="0" anchor="ctr"/>
+          <a:lstStyle/>
+          <a:p>
+            <a:pPr algn="ctr"/>
+            <a:r>
+              <a:rPr lang="en-US" sz="800" dirty="0">
+                <a:solidFill>
+                  <a:schemeClr val="tx1"/>
+                </a:solidFill>
+              </a:rPr>
+              <a:t>13</a:t>
+            </a:r>
+          </a:p>
+        </p:txBody>
+      </p:sp>
+      <p:sp>
+        <p:nvSpPr>
+          <p:cNvPr id="569" name="Rectangle 568">
+            <a:extLst>
+              <a:ext uri="{FF2B5EF4-FFF2-40B4-BE49-F238E27FC236}">
+                <a16:creationId xmlns:a16="http://schemas.microsoft.com/office/drawing/2014/main" id="{B6A3F13D-BC8C-BA13-784C-8DF33CA0D687}"/>
+              </a:ext>
+            </a:extLst>
+          </p:cNvPr>
+          <p:cNvSpPr/>
+          <p:nvPr/>
+        </p:nvSpPr>
+        <p:spPr>
+          <a:xfrm>
+            <a:off x="4464707" y="4180583"/>
+            <a:ext cx="322151" cy="272753"/>
+          </a:xfrm>
+          <a:prstGeom prst="rect">
+            <a:avLst/>
+          </a:prstGeom>
+          <a:solidFill>
+            <a:srgbClr val="FAFDF0"/>
+          </a:solidFill>
+          <a:ln>
+            <a:solidFill>
+              <a:srgbClr val="DDF08B"/>
+            </a:solidFill>
+          </a:ln>
+        </p:spPr>
+        <p:style>
+          <a:lnRef idx="2">
+            <a:schemeClr val="accent1">
+              <a:shade val="15000"/>
+            </a:schemeClr>
+          </a:lnRef>
+          <a:fillRef idx="1">
+            <a:schemeClr val="accent1"/>
+          </a:fillRef>
+          <a:effectRef idx="0">
+            <a:schemeClr val="accent1"/>
+          </a:effectRef>
+          <a:fontRef idx="minor">
+            <a:schemeClr val="lt1"/>
+          </a:fontRef>
+        </p:style>
+        <p:txBody>
+          <a:bodyPr rtlCol="0" anchor="ctr"/>
+          <a:lstStyle/>
+          <a:p>
+            <a:pPr algn="ctr"/>
+            <a:r>
+              <a:rPr lang="en-US" sz="800" dirty="0">
+                <a:solidFill>
+                  <a:schemeClr val="tx1"/>
+                </a:solidFill>
+              </a:rPr>
+              <a:t>16</a:t>
+            </a:r>
+          </a:p>
+        </p:txBody>
+      </p:sp>
+      <p:sp>
+        <p:nvSpPr>
+          <p:cNvPr id="570" name="Rectangle 569">
+            <a:extLst>
+              <a:ext uri="{FF2B5EF4-FFF2-40B4-BE49-F238E27FC236}">
+                <a16:creationId xmlns:a16="http://schemas.microsoft.com/office/drawing/2014/main" id="{02779194-E458-327D-A603-7C5F635A89DA}"/>
+              </a:ext>
+            </a:extLst>
+          </p:cNvPr>
+          <p:cNvSpPr/>
+          <p:nvPr/>
+        </p:nvSpPr>
+        <p:spPr>
+          <a:xfrm>
+            <a:off x="4142556" y="4180583"/>
+            <a:ext cx="322151" cy="272753"/>
+          </a:xfrm>
+          <a:prstGeom prst="rect">
+            <a:avLst/>
+          </a:prstGeom>
+          <a:solidFill>
+            <a:srgbClr val="FAFDF0"/>
+          </a:solidFill>
+          <a:ln>
+            <a:solidFill>
+              <a:srgbClr val="DDF08B"/>
+            </a:solidFill>
+          </a:ln>
+        </p:spPr>
+        <p:style>
+          <a:lnRef idx="2">
+            <a:schemeClr val="accent1">
+              <a:shade val="15000"/>
+            </a:schemeClr>
+          </a:lnRef>
+          <a:fillRef idx="1">
+            <a:schemeClr val="accent1"/>
+          </a:fillRef>
+          <a:effectRef idx="0">
+            <a:schemeClr val="accent1"/>
+          </a:effectRef>
+          <a:fontRef idx="minor">
+            <a:schemeClr val="lt1"/>
+          </a:fontRef>
+        </p:style>
+        <p:txBody>
+          <a:bodyPr rtlCol="0" anchor="ctr"/>
+          <a:lstStyle/>
+          <a:p>
+            <a:pPr algn="ctr"/>
+            <a:r>
+              <a:rPr lang="en-US" sz="800" dirty="0">
+                <a:solidFill>
+                  <a:schemeClr val="tx1"/>
+                </a:solidFill>
+              </a:rPr>
+              <a:t>15</a:t>
+            </a:r>
+          </a:p>
+        </p:txBody>
+      </p:sp>
+      <p:sp>
+        <p:nvSpPr>
+          <p:cNvPr id="580" name="Rectangle 579">
+            <a:extLst>
+              <a:ext uri="{FF2B5EF4-FFF2-40B4-BE49-F238E27FC236}">
+                <a16:creationId xmlns:a16="http://schemas.microsoft.com/office/drawing/2014/main" id="{97109025-6071-342F-F0B2-1676311B53A4}"/>
+              </a:ext>
+            </a:extLst>
+          </p:cNvPr>
+          <p:cNvSpPr/>
+          <p:nvPr/>
+        </p:nvSpPr>
+        <p:spPr>
+          <a:xfrm>
+            <a:off x="3820405" y="4180584"/>
+            <a:ext cx="322151" cy="272753"/>
+          </a:xfrm>
+          <a:prstGeom prst="rect">
+            <a:avLst/>
+          </a:prstGeom>
+          <a:solidFill>
+            <a:srgbClr val="FAFDF0"/>
+          </a:solidFill>
+          <a:ln>
+            <a:solidFill>
+              <a:srgbClr val="DDF08B"/>
+            </a:solidFill>
+          </a:ln>
+        </p:spPr>
+        <p:style>
+          <a:lnRef idx="2">
+            <a:schemeClr val="accent1">
+              <a:shade val="15000"/>
+            </a:schemeClr>
+          </a:lnRef>
+          <a:fillRef idx="1">
+            <a:schemeClr val="accent1"/>
+          </a:fillRef>
+          <a:effectRef idx="0">
+            <a:schemeClr val="accent1"/>
+          </a:effectRef>
+          <a:fontRef idx="minor">
+            <a:schemeClr val="lt1"/>
+          </a:fontRef>
+        </p:style>
+        <p:txBody>
+          <a:bodyPr rtlCol="0" anchor="ctr"/>
+          <a:lstStyle/>
+          <a:p>
+            <a:pPr algn="ctr"/>
+            <a:r>
+              <a:rPr lang="en-US" sz="800" dirty="0">
+                <a:solidFill>
+                  <a:schemeClr val="tx1"/>
+                </a:solidFill>
+              </a:rPr>
+              <a:t>14</a:t>
+            </a:r>
+          </a:p>
+        </p:txBody>
+      </p:sp>
+      <p:sp>
+        <p:nvSpPr>
+          <p:cNvPr id="590" name="Rectangle 589">
+            <a:extLst>
+              <a:ext uri="{FF2B5EF4-FFF2-40B4-BE49-F238E27FC236}">
+                <a16:creationId xmlns:a16="http://schemas.microsoft.com/office/drawing/2014/main" id="{0CB7C09F-2895-3421-6538-0404A6902E82}"/>
+              </a:ext>
+            </a:extLst>
+          </p:cNvPr>
+          <p:cNvSpPr/>
+          <p:nvPr/>
+        </p:nvSpPr>
+        <p:spPr>
+          <a:xfrm>
+            <a:off x="921049" y="4180585"/>
+            <a:ext cx="322151" cy="272753"/>
+          </a:xfrm>
+          <a:prstGeom prst="rect">
+            <a:avLst/>
+          </a:prstGeom>
+          <a:solidFill>
+            <a:srgbClr val="FAFDF0"/>
+          </a:solidFill>
+          <a:ln>
+            <a:solidFill>
+              <a:srgbClr val="DDF08B"/>
+            </a:solidFill>
+          </a:ln>
+        </p:spPr>
+        <p:style>
+          <a:lnRef idx="2">
+            <a:schemeClr val="accent1">
+              <a:shade val="15000"/>
+            </a:schemeClr>
+          </a:lnRef>
+          <a:fillRef idx="1">
+            <a:schemeClr val="accent1"/>
+          </a:fillRef>
+          <a:effectRef idx="0">
+            <a:schemeClr val="accent1"/>
+          </a:effectRef>
+          <a:fontRef idx="minor">
+            <a:schemeClr val="lt1"/>
+          </a:fontRef>
+        </p:style>
+        <p:txBody>
+          <a:bodyPr rtlCol="0" anchor="ctr"/>
+          <a:lstStyle/>
+          <a:p>
+            <a:pPr algn="ctr"/>
+            <a:r>
+              <a:rPr lang="en-US" sz="800" dirty="0">
+                <a:solidFill>
+                  <a:schemeClr val="tx1"/>
+                </a:solidFill>
+              </a:rPr>
+              <a:t>3,0</a:t>
+            </a:r>
+          </a:p>
+        </p:txBody>
+      </p:sp>
+      <p:sp>
+        <p:nvSpPr>
+          <p:cNvPr id="591" name="Rectangle 590">
+            <a:extLst>
+              <a:ext uri="{FF2B5EF4-FFF2-40B4-BE49-F238E27FC236}">
+                <a16:creationId xmlns:a16="http://schemas.microsoft.com/office/drawing/2014/main" id="{6D24EF12-9DF3-DF69-5714-1DD50171B69D}"/>
+              </a:ext>
+            </a:extLst>
+          </p:cNvPr>
+          <p:cNvSpPr/>
+          <p:nvPr/>
+        </p:nvSpPr>
+        <p:spPr>
+          <a:xfrm>
+            <a:off x="1887504" y="4180585"/>
+            <a:ext cx="322151" cy="272753"/>
+          </a:xfrm>
+          <a:prstGeom prst="rect">
+            <a:avLst/>
+          </a:prstGeom>
+          <a:solidFill>
+            <a:srgbClr val="FAFDF0"/>
+          </a:solidFill>
+          <a:ln>
+            <a:solidFill>
+              <a:srgbClr val="DDF08B"/>
+            </a:solidFill>
+          </a:ln>
+        </p:spPr>
+        <p:style>
+          <a:lnRef idx="2">
+            <a:schemeClr val="accent1">
+              <a:shade val="15000"/>
+            </a:schemeClr>
+          </a:lnRef>
+          <a:fillRef idx="1">
+            <a:schemeClr val="accent1"/>
+          </a:fillRef>
+          <a:effectRef idx="0">
+            <a:schemeClr val="accent1"/>
+          </a:effectRef>
+          <a:fontRef idx="minor">
+            <a:schemeClr val="lt1"/>
+          </a:fontRef>
+        </p:style>
+        <p:txBody>
+          <a:bodyPr rtlCol="0" anchor="ctr"/>
+          <a:lstStyle/>
+          <a:p>
+            <a:pPr algn="ctr"/>
+            <a:r>
+              <a:rPr lang="en-US" sz="800" dirty="0">
+                <a:solidFill>
+                  <a:schemeClr val="tx1"/>
+                </a:solidFill>
+              </a:rPr>
+              <a:t>3,3</a:t>
+            </a:r>
+          </a:p>
+        </p:txBody>
+      </p:sp>
+      <p:sp>
+        <p:nvSpPr>
+          <p:cNvPr id="592" name="Rectangle 591">
+            <a:extLst>
+              <a:ext uri="{FF2B5EF4-FFF2-40B4-BE49-F238E27FC236}">
+                <a16:creationId xmlns:a16="http://schemas.microsoft.com/office/drawing/2014/main" id="{E90CEC76-04CD-3E10-831B-476CAA1607DE}"/>
+              </a:ext>
+            </a:extLst>
+          </p:cNvPr>
+          <p:cNvSpPr/>
+          <p:nvPr/>
+        </p:nvSpPr>
+        <p:spPr>
+          <a:xfrm>
+            <a:off x="1565353" y="4180585"/>
+            <a:ext cx="322151" cy="272753"/>
+          </a:xfrm>
+          <a:prstGeom prst="rect">
+            <a:avLst/>
+          </a:prstGeom>
+          <a:solidFill>
+            <a:srgbClr val="FAFDF0"/>
+          </a:solidFill>
+          <a:ln>
+            <a:solidFill>
+              <a:srgbClr val="DDF08B"/>
+            </a:solidFill>
+          </a:ln>
+        </p:spPr>
+        <p:style>
+          <a:lnRef idx="2">
+            <a:schemeClr val="accent1">
+              <a:shade val="15000"/>
+            </a:schemeClr>
+          </a:lnRef>
+          <a:fillRef idx="1">
+            <a:schemeClr val="accent1"/>
+          </a:fillRef>
+          <a:effectRef idx="0">
+            <a:schemeClr val="accent1"/>
+          </a:effectRef>
+          <a:fontRef idx="minor">
+            <a:schemeClr val="lt1"/>
+          </a:fontRef>
+        </p:style>
+        <p:txBody>
+          <a:bodyPr rtlCol="0" anchor="ctr"/>
+          <a:lstStyle/>
+          <a:p>
+            <a:pPr algn="ctr"/>
+            <a:r>
+              <a:rPr lang="en-US" sz="800" dirty="0">
+                <a:solidFill>
+                  <a:schemeClr val="tx1"/>
+                </a:solidFill>
+              </a:rPr>
+              <a:t>3,2</a:t>
+            </a:r>
+          </a:p>
+        </p:txBody>
+      </p:sp>
+      <p:sp>
+        <p:nvSpPr>
+          <p:cNvPr id="596" name="Rectangle 595">
+            <a:extLst>
+              <a:ext uri="{FF2B5EF4-FFF2-40B4-BE49-F238E27FC236}">
+                <a16:creationId xmlns:a16="http://schemas.microsoft.com/office/drawing/2014/main" id="{EDB5F02E-292B-CF43-819E-3FE7A8602948}"/>
+              </a:ext>
+            </a:extLst>
+          </p:cNvPr>
+          <p:cNvSpPr/>
+          <p:nvPr/>
+        </p:nvSpPr>
+        <p:spPr>
+          <a:xfrm>
+            <a:off x="1243202" y="4180586"/>
+            <a:ext cx="322151" cy="272753"/>
+          </a:xfrm>
+          <a:prstGeom prst="rect">
+            <a:avLst/>
+          </a:prstGeom>
+          <a:solidFill>
+            <a:srgbClr val="FAFDF0"/>
+          </a:solidFill>
+          <a:ln>
+            <a:solidFill>
+              <a:srgbClr val="DDF08B"/>
+            </a:solidFill>
+          </a:ln>
+        </p:spPr>
+        <p:style>
+          <a:lnRef idx="2">
+            <a:schemeClr val="accent1">
+              <a:shade val="15000"/>
+            </a:schemeClr>
+          </a:lnRef>
+          <a:fillRef idx="1">
+            <a:schemeClr val="accent1"/>
+          </a:fillRef>
+          <a:effectRef idx="0">
+            <a:schemeClr val="accent1"/>
+          </a:effectRef>
+          <a:fontRef idx="minor">
+            <a:schemeClr val="lt1"/>
+          </a:fontRef>
+        </p:style>
+        <p:txBody>
+          <a:bodyPr rtlCol="0" anchor="ctr"/>
+          <a:lstStyle/>
+          <a:p>
+            <a:pPr algn="ctr"/>
+            <a:r>
+              <a:rPr lang="en-US" sz="800" dirty="0">
+                <a:solidFill>
+                  <a:schemeClr val="tx1"/>
+                </a:solidFill>
+              </a:rPr>
+              <a:t>3,1</a:t>
+            </a:r>
+          </a:p>
+        </p:txBody>
+      </p:sp>
       <p:cxnSp>
         <p:nvCxnSpPr>
           <p:cNvPr id="105" name="Straight Arrow Connector 104">
@@ -5162,7 +5650,7 @@
         </p:nvSpPr>
         <p:spPr>
           <a:xfrm>
-            <a:off x="142390" y="5853122"/>
+            <a:off x="144182" y="5913017"/>
             <a:ext cx="1341215" cy="307777"/>
           </a:xfrm>
           <a:prstGeom prst="rect">
@@ -5239,7 +5727,7 @@
         </p:nvSpPr>
         <p:spPr>
           <a:xfrm>
-            <a:off x="7067587" y="2618703"/>
+            <a:off x="10616648" y="3495203"/>
             <a:ext cx="322151" cy="272753"/>
           </a:xfrm>
           <a:prstGeom prst="rect">
@@ -5300,7 +5788,7 @@
         </p:nvSpPr>
         <p:spPr>
           <a:xfrm>
-            <a:off x="7711889" y="2618702"/>
+            <a:off x="11260950" y="3495202"/>
             <a:ext cx="322151" cy="272753"/>
           </a:xfrm>
           <a:prstGeom prst="rect">
@@ -5361,7 +5849,7 @@
         </p:nvSpPr>
         <p:spPr>
           <a:xfrm>
-            <a:off x="7067587" y="3436961"/>
+            <a:off x="10616648" y="4313461"/>
             <a:ext cx="322151" cy="272753"/>
           </a:xfrm>
           <a:prstGeom prst="rect">
@@ -5422,7 +5910,7 @@
         </p:nvSpPr>
         <p:spPr>
           <a:xfrm>
-            <a:off x="7711889" y="3436960"/>
+            <a:off x="11260950" y="4313460"/>
             <a:ext cx="322151" cy="272753"/>
           </a:xfrm>
           <a:prstGeom prst="rect">
@@ -5483,7 +5971,7 @@
         </p:nvSpPr>
         <p:spPr>
           <a:xfrm>
-            <a:off x="6745436" y="2618704"/>
+            <a:off x="10294497" y="3495204"/>
             <a:ext cx="322151" cy="272753"/>
           </a:xfrm>
           <a:prstGeom prst="rect">
@@ -5544,7 +6032,7 @@
         </p:nvSpPr>
         <p:spPr>
           <a:xfrm>
-            <a:off x="6745436" y="3436962"/>
+            <a:off x="10294497" y="4313462"/>
             <a:ext cx="322151" cy="272753"/>
           </a:xfrm>
           <a:prstGeom prst="rect">
@@ -5605,7 +6093,7 @@
         </p:nvSpPr>
         <p:spPr>
           <a:xfrm>
-            <a:off x="7389738" y="2618702"/>
+            <a:off x="10938799" y="3495202"/>
             <a:ext cx="322151" cy="272753"/>
           </a:xfrm>
           <a:prstGeom prst="rect">
@@ -5666,7 +6154,7 @@
         </p:nvSpPr>
         <p:spPr>
           <a:xfrm>
-            <a:off x="7389738" y="3436960"/>
+            <a:off x="10938799" y="4313460"/>
             <a:ext cx="322151" cy="272753"/>
           </a:xfrm>
           <a:prstGeom prst="rect">
@@ -5727,7 +6215,7 @@
         </p:nvSpPr>
         <p:spPr>
           <a:xfrm>
-            <a:off x="7711889" y="2891455"/>
+            <a:off x="11260950" y="3767955"/>
             <a:ext cx="322151" cy="272753"/>
           </a:xfrm>
           <a:prstGeom prst="rect">
@@ -5788,7 +6276,7 @@
         </p:nvSpPr>
         <p:spPr>
           <a:xfrm>
-            <a:off x="7711889" y="3164208"/>
+            <a:off x="11260950" y="4040708"/>
             <a:ext cx="322151" cy="272753"/>
           </a:xfrm>
           <a:prstGeom prst="rect">
@@ -5849,7 +6337,7 @@
         </p:nvSpPr>
         <p:spPr>
           <a:xfrm>
-            <a:off x="6745436" y="2891457"/>
+            <a:off x="10294497" y="3767957"/>
             <a:ext cx="322151" cy="272753"/>
           </a:xfrm>
           <a:prstGeom prst="rect">
@@ -5910,7 +6398,7 @@
         </p:nvSpPr>
         <p:spPr>
           <a:xfrm>
-            <a:off x="6745436" y="3164210"/>
+            <a:off x="10294497" y="4040710"/>
             <a:ext cx="322151" cy="272753"/>
           </a:xfrm>
           <a:prstGeom prst="rect">
@@ -5971,7 +6459,7 @@
         </p:nvSpPr>
         <p:spPr>
           <a:xfrm>
-            <a:off x="7067587" y="2891456"/>
+            <a:off x="10616648" y="3767956"/>
             <a:ext cx="322151" cy="272753"/>
           </a:xfrm>
           <a:prstGeom prst="rect">
@@ -6032,7 +6520,7 @@
         </p:nvSpPr>
         <p:spPr>
           <a:xfrm>
-            <a:off x="7389738" y="2891455"/>
+            <a:off x="10938799" y="3767955"/>
             <a:ext cx="322151" cy="272753"/>
           </a:xfrm>
           <a:prstGeom prst="rect">
@@ -6093,7 +6581,7 @@
         </p:nvSpPr>
         <p:spPr>
           <a:xfrm>
-            <a:off x="7067587" y="3164209"/>
+            <a:off x="10616648" y="4040709"/>
             <a:ext cx="322151" cy="272753"/>
           </a:xfrm>
           <a:prstGeom prst="rect">
@@ -6154,7 +6642,7 @@
         </p:nvSpPr>
         <p:spPr>
           <a:xfrm>
-            <a:off x="7389738" y="3164208"/>
+            <a:off x="10938799" y="4040708"/>
             <a:ext cx="322151" cy="272753"/>
           </a:xfrm>
           <a:prstGeom prst="rect">
@@ -6215,7 +6703,7 @@
         </p:nvSpPr>
         <p:spPr>
           <a:xfrm rot="10800000" flipH="1" flipV="1">
-            <a:off x="7067587" y="4827605"/>
+            <a:off x="10616648" y="5704105"/>
             <a:ext cx="322151" cy="272753"/>
           </a:xfrm>
           <a:prstGeom prst="rect">
@@ -6273,7 +6761,7 @@
         </p:nvSpPr>
         <p:spPr>
           <a:xfrm rot="10800000" flipH="1">
-            <a:off x="7711889" y="4827606"/>
+            <a:off x="11260950" y="5704106"/>
             <a:ext cx="322151" cy="272753"/>
           </a:xfrm>
           <a:prstGeom prst="rect">
@@ -6331,7 +6819,7 @@
         </p:nvSpPr>
         <p:spPr>
           <a:xfrm rot="10800000" flipH="1">
-            <a:off x="7067587" y="4009347"/>
+            <a:off x="10616648" y="4885847"/>
             <a:ext cx="322151" cy="272753"/>
           </a:xfrm>
           <a:prstGeom prst="rect">
@@ -6389,7 +6877,7 @@
         </p:nvSpPr>
         <p:spPr>
           <a:xfrm rot="10800000" flipH="1">
-            <a:off x="7711889" y="4009348"/>
+            <a:off x="11260950" y="4885848"/>
             <a:ext cx="322151" cy="272753"/>
           </a:xfrm>
           <a:prstGeom prst="rect">
@@ -6447,7 +6935,7 @@
         </p:nvSpPr>
         <p:spPr>
           <a:xfrm rot="10800000" flipH="1">
-            <a:off x="6745436" y="4827604"/>
+            <a:off x="10294497" y="5704104"/>
             <a:ext cx="322151" cy="272753"/>
           </a:xfrm>
           <a:prstGeom prst="rect">
@@ -6505,7 +6993,7 @@
         </p:nvSpPr>
         <p:spPr>
           <a:xfrm rot="10800000" flipH="1">
-            <a:off x="6745436" y="4009346"/>
+            <a:off x="10294497" y="4885846"/>
             <a:ext cx="322151" cy="272753"/>
           </a:xfrm>
           <a:prstGeom prst="rect">
@@ -6563,7 +7051,7 @@
         </p:nvSpPr>
         <p:spPr>
           <a:xfrm rot="10800000" flipH="1">
-            <a:off x="7389738" y="4827606"/>
+            <a:off x="10938799" y="5704106"/>
             <a:ext cx="322151" cy="272753"/>
           </a:xfrm>
           <a:prstGeom prst="rect">
@@ -6621,7 +7109,7 @@
         </p:nvSpPr>
         <p:spPr>
           <a:xfrm rot="10800000" flipH="1" flipV="1">
-            <a:off x="7389738" y="4009348"/>
+            <a:off x="10938799" y="4885848"/>
             <a:ext cx="322151" cy="272753"/>
           </a:xfrm>
           <a:prstGeom prst="rect">
@@ -6679,7 +7167,7 @@
         </p:nvSpPr>
         <p:spPr>
           <a:xfrm rot="10800000" flipH="1">
-            <a:off x="7711889" y="4554853"/>
+            <a:off x="11260950" y="5431353"/>
             <a:ext cx="322151" cy="272753"/>
           </a:xfrm>
           <a:prstGeom prst="rect">
@@ -6737,7 +7225,7 @@
         </p:nvSpPr>
         <p:spPr>
           <a:xfrm rot="10800000" flipH="1" flipV="1">
-            <a:off x="7711889" y="4282100"/>
+            <a:off x="11260950" y="5158600"/>
             <a:ext cx="322151" cy="272753"/>
           </a:xfrm>
           <a:prstGeom prst="rect">
@@ -6798,7 +7286,7 @@
         </p:nvSpPr>
         <p:spPr>
           <a:xfrm rot="10800000" flipH="1" flipV="1">
-            <a:off x="6745436" y="4554851"/>
+            <a:off x="10294497" y="5431351"/>
             <a:ext cx="322151" cy="272753"/>
           </a:xfrm>
           <a:prstGeom prst="rect">
@@ -6859,7 +7347,7 @@
         </p:nvSpPr>
         <p:spPr>
           <a:xfrm rot="10800000" flipH="1">
-            <a:off x="6745436" y="4282098"/>
+            <a:off x="10294497" y="5158598"/>
             <a:ext cx="322151" cy="272753"/>
           </a:xfrm>
           <a:prstGeom prst="rect">
@@ -6917,7 +7405,7 @@
         </p:nvSpPr>
         <p:spPr>
           <a:xfrm rot="10800000" flipH="1" flipV="1">
-            <a:off x="7067587" y="4554852"/>
+            <a:off x="10616648" y="5431352"/>
             <a:ext cx="322151" cy="272753"/>
           </a:xfrm>
           <a:prstGeom prst="rect">
@@ -6975,7 +7463,7 @@
         </p:nvSpPr>
         <p:spPr>
           <a:xfrm rot="10800000" flipH="1">
-            <a:off x="7389738" y="4554853"/>
+            <a:off x="10938799" y="5431353"/>
             <a:ext cx="322151" cy="272753"/>
           </a:xfrm>
           <a:prstGeom prst="rect">
@@ -7033,7 +7521,7 @@
         </p:nvSpPr>
         <p:spPr>
           <a:xfrm rot="10800000" flipH="1" flipV="1">
-            <a:off x="7067587" y="4282099"/>
+            <a:off x="10616648" y="5158599"/>
             <a:ext cx="322151" cy="272753"/>
           </a:xfrm>
           <a:prstGeom prst="rect">
@@ -7094,7 +7582,7 @@
         </p:nvSpPr>
         <p:spPr>
           <a:xfrm rot="10800000" flipH="1" flipV="1">
-            <a:off x="7389738" y="4282100"/>
+            <a:off x="10938799" y="5158600"/>
             <a:ext cx="322151" cy="272753"/>
           </a:xfrm>
           <a:prstGeom prst="rect">
@@ -7157,7 +7645,7 @@
         </p:nvCxnSpPr>
         <p:spPr>
           <a:xfrm>
-            <a:off x="6744969" y="4827602"/>
+            <a:off x="10294030" y="5704102"/>
             <a:ext cx="322617" cy="0"/>
           </a:xfrm>
           <a:prstGeom prst="straightConnector1">
@@ -7201,7 +7689,7 @@
         </p:nvCxnSpPr>
         <p:spPr>
           <a:xfrm>
-            <a:off x="7067586" y="4554851"/>
+            <a:off x="10616647" y="5431351"/>
             <a:ext cx="965783" cy="0"/>
           </a:xfrm>
           <a:prstGeom prst="straightConnector1">
@@ -13328,189 +13816,6 @@
           </a:p>
         </p:txBody>
       </p:sp>
-      <p:sp>
-        <p:nvSpPr>
-          <p:cNvPr id="568" name="Rectangle 567">
-            <a:extLst>
-              <a:ext uri="{FF2B5EF4-FFF2-40B4-BE49-F238E27FC236}">
-                <a16:creationId xmlns:a16="http://schemas.microsoft.com/office/drawing/2014/main" id="{7EA69787-2809-5E9B-07DA-EC851697267C}"/>
-              </a:ext>
-            </a:extLst>
-          </p:cNvPr>
-          <p:cNvSpPr/>
-          <p:nvPr/>
-        </p:nvSpPr>
-        <p:spPr>
-          <a:xfrm>
-            <a:off x="3498252" y="4180583"/>
-            <a:ext cx="322151" cy="272753"/>
-          </a:xfrm>
-          <a:prstGeom prst="rect">
-            <a:avLst/>
-          </a:prstGeom>
-          <a:solidFill>
-            <a:srgbClr val="FAFDF0"/>
-          </a:solidFill>
-          <a:ln>
-            <a:solidFill>
-              <a:srgbClr val="DDF08B"/>
-            </a:solidFill>
-          </a:ln>
-        </p:spPr>
-        <p:style>
-          <a:lnRef idx="2">
-            <a:schemeClr val="accent1">
-              <a:shade val="15000"/>
-            </a:schemeClr>
-          </a:lnRef>
-          <a:fillRef idx="1">
-            <a:schemeClr val="accent1"/>
-          </a:fillRef>
-          <a:effectRef idx="0">
-            <a:schemeClr val="accent1"/>
-          </a:effectRef>
-          <a:fontRef idx="minor">
-            <a:schemeClr val="lt1"/>
-          </a:fontRef>
-        </p:style>
-        <p:txBody>
-          <a:bodyPr rtlCol="0" anchor="ctr"/>
-          <a:lstStyle/>
-          <a:p>
-            <a:pPr algn="ctr"/>
-            <a:r>
-              <a:rPr lang="en-US" sz="800" dirty="0">
-                <a:solidFill>
-                  <a:schemeClr val="tx1"/>
-                </a:solidFill>
-              </a:rPr>
-              <a:t>13</a:t>
-            </a:r>
-          </a:p>
-        </p:txBody>
-      </p:sp>
-      <p:sp>
-        <p:nvSpPr>
-          <p:cNvPr id="569" name="Rectangle 568">
-            <a:extLst>
-              <a:ext uri="{FF2B5EF4-FFF2-40B4-BE49-F238E27FC236}">
-                <a16:creationId xmlns:a16="http://schemas.microsoft.com/office/drawing/2014/main" id="{B6A3F13D-BC8C-BA13-784C-8DF33CA0D687}"/>
-              </a:ext>
-            </a:extLst>
-          </p:cNvPr>
-          <p:cNvSpPr/>
-          <p:nvPr/>
-        </p:nvSpPr>
-        <p:spPr>
-          <a:xfrm>
-            <a:off x="4464707" y="4180583"/>
-            <a:ext cx="322151" cy="272753"/>
-          </a:xfrm>
-          <a:prstGeom prst="rect">
-            <a:avLst/>
-          </a:prstGeom>
-          <a:solidFill>
-            <a:srgbClr val="FAFDF0"/>
-          </a:solidFill>
-          <a:ln>
-            <a:solidFill>
-              <a:srgbClr val="DDF08B"/>
-            </a:solidFill>
-          </a:ln>
-        </p:spPr>
-        <p:style>
-          <a:lnRef idx="2">
-            <a:schemeClr val="accent1">
-              <a:shade val="15000"/>
-            </a:schemeClr>
-          </a:lnRef>
-          <a:fillRef idx="1">
-            <a:schemeClr val="accent1"/>
-          </a:fillRef>
-          <a:effectRef idx="0">
-            <a:schemeClr val="accent1"/>
-          </a:effectRef>
-          <a:fontRef idx="minor">
-            <a:schemeClr val="lt1"/>
-          </a:fontRef>
-        </p:style>
-        <p:txBody>
-          <a:bodyPr rtlCol="0" anchor="ctr"/>
-          <a:lstStyle/>
-          <a:p>
-            <a:pPr algn="ctr"/>
-            <a:r>
-              <a:rPr lang="en-US" sz="800" dirty="0">
-                <a:solidFill>
-                  <a:schemeClr val="tx1"/>
-                </a:solidFill>
-              </a:rPr>
-              <a:t>16</a:t>
-            </a:r>
-          </a:p>
-        </p:txBody>
-      </p:sp>
-      <p:sp>
-        <p:nvSpPr>
-          <p:cNvPr id="570" name="Rectangle 569">
-            <a:extLst>
-              <a:ext uri="{FF2B5EF4-FFF2-40B4-BE49-F238E27FC236}">
-                <a16:creationId xmlns:a16="http://schemas.microsoft.com/office/drawing/2014/main" id="{02779194-E458-327D-A603-7C5F635A89DA}"/>
-              </a:ext>
-            </a:extLst>
-          </p:cNvPr>
-          <p:cNvSpPr/>
-          <p:nvPr/>
-        </p:nvSpPr>
-        <p:spPr>
-          <a:xfrm>
-            <a:off x="4142556" y="4180583"/>
-            <a:ext cx="322151" cy="272753"/>
-          </a:xfrm>
-          <a:prstGeom prst="rect">
-            <a:avLst/>
-          </a:prstGeom>
-          <a:solidFill>
-            <a:srgbClr val="FAFDF0"/>
-          </a:solidFill>
-          <a:ln>
-            <a:solidFill>
-              <a:srgbClr val="DDF08B"/>
-            </a:solidFill>
-          </a:ln>
-        </p:spPr>
-        <p:style>
-          <a:lnRef idx="2">
-            <a:schemeClr val="accent1">
-              <a:shade val="15000"/>
-            </a:schemeClr>
-          </a:lnRef>
-          <a:fillRef idx="1">
-            <a:schemeClr val="accent1"/>
-          </a:fillRef>
-          <a:effectRef idx="0">
-            <a:schemeClr val="accent1"/>
-          </a:effectRef>
-          <a:fontRef idx="minor">
-            <a:schemeClr val="lt1"/>
-          </a:fontRef>
-        </p:style>
-        <p:txBody>
-          <a:bodyPr rtlCol="0" anchor="ctr"/>
-          <a:lstStyle/>
-          <a:p>
-            <a:pPr algn="ctr"/>
-            <a:r>
-              <a:rPr lang="en-US" sz="800" dirty="0">
-                <a:solidFill>
-                  <a:schemeClr val="tx1"/>
-                </a:solidFill>
-              </a:rPr>
-              <a:t>15</a:t>
-            </a:r>
-          </a:p>
-        </p:txBody>
-      </p:sp>
       <p:cxnSp>
         <p:nvCxnSpPr>
           <p:cNvPr id="571" name="Straight Arrow Connector 570">
@@ -13967,19 +14272,19 @@
       </p:sp>
       <p:sp>
         <p:nvSpPr>
-          <p:cNvPr id="580" name="Rectangle 579">
-            <a:extLst>
-              <a:ext uri="{FF2B5EF4-FFF2-40B4-BE49-F238E27FC236}">
-                <a16:creationId xmlns:a16="http://schemas.microsoft.com/office/drawing/2014/main" id="{97109025-6071-342F-F0B2-1676311B53A4}"/>
-              </a:ext>
-            </a:extLst>
-          </p:cNvPr>
-          <p:cNvSpPr/>
-          <p:nvPr/>
-        </p:nvSpPr>
-        <p:spPr>
-          <a:xfrm>
-            <a:off x="3820405" y="4180584"/>
+          <p:cNvPr id="581" name="Rectangle 580">
+            <a:extLst>
+              <a:ext uri="{FF2B5EF4-FFF2-40B4-BE49-F238E27FC236}">
+                <a16:creationId xmlns:a16="http://schemas.microsoft.com/office/drawing/2014/main" id="{30CE67D0-CCD5-D935-E164-912859DE3E06}"/>
+              </a:ext>
+            </a:extLst>
+          </p:cNvPr>
+          <p:cNvSpPr/>
+          <p:nvPr/>
+        </p:nvSpPr>
+        <p:spPr>
+          <a:xfrm>
+            <a:off x="921048" y="3375210"/>
             <a:ext cx="322151" cy="272753"/>
           </a:xfrm>
           <a:prstGeom prst="rect">
@@ -14021,26 +14326,26 @@
                   <a:schemeClr val="tx1"/>
                 </a:solidFill>
               </a:rPr>
-              <a:t>14</a:t>
-            </a:r>
-          </a:p>
-        </p:txBody>
-      </p:sp>
-      <p:sp>
-        <p:nvSpPr>
-          <p:cNvPr id="581" name="Rectangle 580">
-            <a:extLst>
-              <a:ext uri="{FF2B5EF4-FFF2-40B4-BE49-F238E27FC236}">
-                <a16:creationId xmlns:a16="http://schemas.microsoft.com/office/drawing/2014/main" id="{30CE67D0-CCD5-D935-E164-912859DE3E06}"/>
-              </a:ext>
-            </a:extLst>
-          </p:cNvPr>
-          <p:cNvSpPr/>
-          <p:nvPr/>
-        </p:nvSpPr>
-        <p:spPr>
-          <a:xfrm>
-            <a:off x="921048" y="3375210"/>
+              <a:t>0,0</a:t>
+            </a:r>
+          </a:p>
+        </p:txBody>
+      </p:sp>
+      <p:sp>
+        <p:nvSpPr>
+          <p:cNvPr id="582" name="Rectangle 581">
+            <a:extLst>
+              <a:ext uri="{FF2B5EF4-FFF2-40B4-BE49-F238E27FC236}">
+                <a16:creationId xmlns:a16="http://schemas.microsoft.com/office/drawing/2014/main" id="{05F2D643-DBB2-9E1D-D398-9D4DE2AAFDFE}"/>
+              </a:ext>
+            </a:extLst>
+          </p:cNvPr>
+          <p:cNvSpPr/>
+          <p:nvPr/>
+        </p:nvSpPr>
+        <p:spPr>
+          <a:xfrm>
+            <a:off x="1887501" y="3375208"/>
             <a:ext cx="322151" cy="272753"/>
           </a:xfrm>
           <a:prstGeom prst="rect">
@@ -14082,26 +14387,26 @@
                   <a:schemeClr val="tx1"/>
                 </a:solidFill>
               </a:rPr>
-              <a:t>0,0</a:t>
-            </a:r>
-          </a:p>
-        </p:txBody>
-      </p:sp>
-      <p:sp>
-        <p:nvSpPr>
-          <p:cNvPr id="582" name="Rectangle 581">
-            <a:extLst>
-              <a:ext uri="{FF2B5EF4-FFF2-40B4-BE49-F238E27FC236}">
-                <a16:creationId xmlns:a16="http://schemas.microsoft.com/office/drawing/2014/main" id="{05F2D643-DBB2-9E1D-D398-9D4DE2AAFDFE}"/>
-              </a:ext>
-            </a:extLst>
-          </p:cNvPr>
-          <p:cNvSpPr/>
-          <p:nvPr/>
-        </p:nvSpPr>
-        <p:spPr>
-          <a:xfrm>
-            <a:off x="1887501" y="3375208"/>
+              <a:t>0,3</a:t>
+            </a:r>
+          </a:p>
+        </p:txBody>
+      </p:sp>
+      <p:sp>
+        <p:nvSpPr>
+          <p:cNvPr id="583" name="Rectangle 582">
+            <a:extLst>
+              <a:ext uri="{FF2B5EF4-FFF2-40B4-BE49-F238E27FC236}">
+                <a16:creationId xmlns:a16="http://schemas.microsoft.com/office/drawing/2014/main" id="{BBBA921E-AD1A-1BF7-BEA0-6BA760054D0C}"/>
+              </a:ext>
+            </a:extLst>
+          </p:cNvPr>
+          <p:cNvSpPr/>
+          <p:nvPr/>
+        </p:nvSpPr>
+        <p:spPr>
+          <a:xfrm>
+            <a:off x="1565350" y="3375208"/>
             <a:ext cx="322151" cy="272753"/>
           </a:xfrm>
           <a:prstGeom prst="rect">
@@ -14143,26 +14448,209 @@
                   <a:schemeClr val="tx1"/>
                 </a:solidFill>
               </a:rPr>
-              <a:t>0,3</a:t>
-            </a:r>
-          </a:p>
-        </p:txBody>
-      </p:sp>
-      <p:sp>
-        <p:nvSpPr>
-          <p:cNvPr id="583" name="Rectangle 582">
-            <a:extLst>
-              <a:ext uri="{FF2B5EF4-FFF2-40B4-BE49-F238E27FC236}">
-                <a16:creationId xmlns:a16="http://schemas.microsoft.com/office/drawing/2014/main" id="{BBBA921E-AD1A-1BF7-BEA0-6BA760054D0C}"/>
-              </a:ext>
-            </a:extLst>
-          </p:cNvPr>
-          <p:cNvSpPr/>
-          <p:nvPr/>
-        </p:nvSpPr>
-        <p:spPr>
-          <a:xfrm>
-            <a:off x="1565350" y="3375208"/>
+              <a:t>0,2</a:t>
+            </a:r>
+          </a:p>
+        </p:txBody>
+      </p:sp>
+      <p:sp>
+        <p:nvSpPr>
+          <p:cNvPr id="587" name="Rectangle 586">
+            <a:extLst>
+              <a:ext uri="{FF2B5EF4-FFF2-40B4-BE49-F238E27FC236}">
+                <a16:creationId xmlns:a16="http://schemas.microsoft.com/office/drawing/2014/main" id="{D16EB834-B8C6-D5F8-4AF2-D8777A7EB8C0}"/>
+              </a:ext>
+            </a:extLst>
+          </p:cNvPr>
+          <p:cNvSpPr/>
+          <p:nvPr/>
+        </p:nvSpPr>
+        <p:spPr>
+          <a:xfrm>
+            <a:off x="921050" y="3920719"/>
+            <a:ext cx="322151" cy="272753"/>
+          </a:xfrm>
+          <a:prstGeom prst="rect">
+            <a:avLst/>
+          </a:prstGeom>
+          <a:solidFill>
+            <a:srgbClr val="FDF8EE"/>
+          </a:solidFill>
+          <a:ln>
+            <a:solidFill>
+              <a:srgbClr val="EFC57B"/>
+            </a:solidFill>
+          </a:ln>
+        </p:spPr>
+        <p:style>
+          <a:lnRef idx="2">
+            <a:schemeClr val="accent1">
+              <a:shade val="15000"/>
+            </a:schemeClr>
+          </a:lnRef>
+          <a:fillRef idx="1">
+            <a:schemeClr val="accent1"/>
+          </a:fillRef>
+          <a:effectRef idx="0">
+            <a:schemeClr val="accent1"/>
+          </a:effectRef>
+          <a:fontRef idx="minor">
+            <a:schemeClr val="lt1"/>
+          </a:fontRef>
+        </p:style>
+        <p:txBody>
+          <a:bodyPr rtlCol="0" anchor="ctr"/>
+          <a:lstStyle/>
+          <a:p>
+            <a:pPr algn="ctr"/>
+            <a:r>
+              <a:rPr lang="en-US" sz="800" dirty="0">
+                <a:solidFill>
+                  <a:schemeClr val="tx1"/>
+                </a:solidFill>
+              </a:rPr>
+              <a:t>2,0</a:t>
+            </a:r>
+          </a:p>
+        </p:txBody>
+      </p:sp>
+      <p:sp>
+        <p:nvSpPr>
+          <p:cNvPr id="588" name="Rectangle 587">
+            <a:extLst>
+              <a:ext uri="{FF2B5EF4-FFF2-40B4-BE49-F238E27FC236}">
+                <a16:creationId xmlns:a16="http://schemas.microsoft.com/office/drawing/2014/main" id="{1D1CA2E6-EFA3-3ED6-90F3-667CDF4178C7}"/>
+              </a:ext>
+            </a:extLst>
+          </p:cNvPr>
+          <p:cNvSpPr/>
+          <p:nvPr/>
+        </p:nvSpPr>
+        <p:spPr>
+          <a:xfrm>
+            <a:off x="1887503" y="3920717"/>
+            <a:ext cx="322151" cy="272753"/>
+          </a:xfrm>
+          <a:prstGeom prst="rect">
+            <a:avLst/>
+          </a:prstGeom>
+          <a:solidFill>
+            <a:srgbClr val="FDF8EE"/>
+          </a:solidFill>
+          <a:ln>
+            <a:solidFill>
+              <a:srgbClr val="EFC57B"/>
+            </a:solidFill>
+          </a:ln>
+        </p:spPr>
+        <p:style>
+          <a:lnRef idx="2">
+            <a:schemeClr val="accent1">
+              <a:shade val="15000"/>
+            </a:schemeClr>
+          </a:lnRef>
+          <a:fillRef idx="1">
+            <a:schemeClr val="accent1"/>
+          </a:fillRef>
+          <a:effectRef idx="0">
+            <a:schemeClr val="accent1"/>
+          </a:effectRef>
+          <a:fontRef idx="minor">
+            <a:schemeClr val="lt1"/>
+          </a:fontRef>
+        </p:style>
+        <p:txBody>
+          <a:bodyPr rtlCol="0" anchor="ctr"/>
+          <a:lstStyle/>
+          <a:p>
+            <a:pPr algn="ctr"/>
+            <a:r>
+              <a:rPr lang="en-US" sz="800" dirty="0">
+                <a:solidFill>
+                  <a:schemeClr val="tx1"/>
+                </a:solidFill>
+              </a:rPr>
+              <a:t>2,3</a:t>
+            </a:r>
+          </a:p>
+        </p:txBody>
+      </p:sp>
+      <p:sp>
+        <p:nvSpPr>
+          <p:cNvPr id="589" name="Rectangle 588">
+            <a:extLst>
+              <a:ext uri="{FF2B5EF4-FFF2-40B4-BE49-F238E27FC236}">
+                <a16:creationId xmlns:a16="http://schemas.microsoft.com/office/drawing/2014/main" id="{C0F9028A-A827-3D02-41CA-48911EF7DDD0}"/>
+              </a:ext>
+            </a:extLst>
+          </p:cNvPr>
+          <p:cNvSpPr/>
+          <p:nvPr/>
+        </p:nvSpPr>
+        <p:spPr>
+          <a:xfrm>
+            <a:off x="1565352" y="3920717"/>
+            <a:ext cx="322151" cy="272753"/>
+          </a:xfrm>
+          <a:prstGeom prst="rect">
+            <a:avLst/>
+          </a:prstGeom>
+          <a:solidFill>
+            <a:srgbClr val="FDF8EE"/>
+          </a:solidFill>
+          <a:ln>
+            <a:solidFill>
+              <a:srgbClr val="EFC57B"/>
+            </a:solidFill>
+          </a:ln>
+        </p:spPr>
+        <p:style>
+          <a:lnRef idx="2">
+            <a:schemeClr val="accent1">
+              <a:shade val="15000"/>
+            </a:schemeClr>
+          </a:lnRef>
+          <a:fillRef idx="1">
+            <a:schemeClr val="accent1"/>
+          </a:fillRef>
+          <a:effectRef idx="0">
+            <a:schemeClr val="accent1"/>
+          </a:effectRef>
+          <a:fontRef idx="minor">
+            <a:schemeClr val="lt1"/>
+          </a:fontRef>
+        </p:style>
+        <p:txBody>
+          <a:bodyPr rtlCol="0" anchor="ctr"/>
+          <a:lstStyle/>
+          <a:p>
+            <a:pPr algn="ctr"/>
+            <a:r>
+              <a:rPr lang="en-US" sz="800" dirty="0">
+                <a:solidFill>
+                  <a:schemeClr val="tx1"/>
+                </a:solidFill>
+              </a:rPr>
+              <a:t>2,2</a:t>
+            </a:r>
+          </a:p>
+        </p:txBody>
+      </p:sp>
+      <p:sp>
+        <p:nvSpPr>
+          <p:cNvPr id="593" name="Rectangle 592">
+            <a:extLst>
+              <a:ext uri="{FF2B5EF4-FFF2-40B4-BE49-F238E27FC236}">
+                <a16:creationId xmlns:a16="http://schemas.microsoft.com/office/drawing/2014/main" id="{4212EE4D-F4C5-364B-B859-853230D4BCBC}"/>
+              </a:ext>
+            </a:extLst>
+          </p:cNvPr>
+          <p:cNvSpPr/>
+          <p:nvPr/>
+        </p:nvSpPr>
+        <p:spPr>
+          <a:xfrm>
+            <a:off x="1243199" y="3375209"/>
             <a:ext cx="322151" cy="272753"/>
           </a:xfrm>
           <a:prstGeom prst="rect">
@@ -14204,26 +14692,26 @@
                   <a:schemeClr val="tx1"/>
                 </a:solidFill>
               </a:rPr>
-              <a:t>0,2</a:t>
-            </a:r>
-          </a:p>
-        </p:txBody>
-      </p:sp>
-      <p:sp>
-        <p:nvSpPr>
-          <p:cNvPr id="587" name="Rectangle 586">
-            <a:extLst>
-              <a:ext uri="{FF2B5EF4-FFF2-40B4-BE49-F238E27FC236}">
-                <a16:creationId xmlns:a16="http://schemas.microsoft.com/office/drawing/2014/main" id="{D16EB834-B8C6-D5F8-4AF2-D8777A7EB8C0}"/>
-              </a:ext>
-            </a:extLst>
-          </p:cNvPr>
-          <p:cNvSpPr/>
-          <p:nvPr/>
-        </p:nvSpPr>
-        <p:spPr>
-          <a:xfrm>
-            <a:off x="921050" y="3920719"/>
+              <a:t>0,1</a:t>
+            </a:r>
+          </a:p>
+        </p:txBody>
+      </p:sp>
+      <p:sp>
+        <p:nvSpPr>
+          <p:cNvPr id="595" name="Rectangle 594">
+            <a:extLst>
+              <a:ext uri="{FF2B5EF4-FFF2-40B4-BE49-F238E27FC236}">
+                <a16:creationId xmlns:a16="http://schemas.microsoft.com/office/drawing/2014/main" id="{D166D67E-E14C-693D-C181-31967D548D60}"/>
+              </a:ext>
+            </a:extLst>
+          </p:cNvPr>
+          <p:cNvSpPr/>
+          <p:nvPr/>
+        </p:nvSpPr>
+        <p:spPr>
+          <a:xfrm>
+            <a:off x="1243201" y="3920718"/>
             <a:ext cx="322151" cy="272753"/>
           </a:xfrm>
           <a:prstGeom prst="rect">
@@ -14265,495 +14753,7 @@
                   <a:schemeClr val="tx1"/>
                 </a:solidFill>
               </a:rPr>
-              <a:t>2,0</a:t>
-            </a:r>
-          </a:p>
-        </p:txBody>
-      </p:sp>
-      <p:sp>
-        <p:nvSpPr>
-          <p:cNvPr id="588" name="Rectangle 587">
-            <a:extLst>
-              <a:ext uri="{FF2B5EF4-FFF2-40B4-BE49-F238E27FC236}">
-                <a16:creationId xmlns:a16="http://schemas.microsoft.com/office/drawing/2014/main" id="{1D1CA2E6-EFA3-3ED6-90F3-667CDF4178C7}"/>
-              </a:ext>
-            </a:extLst>
-          </p:cNvPr>
-          <p:cNvSpPr/>
-          <p:nvPr/>
-        </p:nvSpPr>
-        <p:spPr>
-          <a:xfrm>
-            <a:off x="1887503" y="3920717"/>
-            <a:ext cx="322151" cy="272753"/>
-          </a:xfrm>
-          <a:prstGeom prst="rect">
-            <a:avLst/>
-          </a:prstGeom>
-          <a:solidFill>
-            <a:srgbClr val="FDF8EE"/>
-          </a:solidFill>
-          <a:ln>
-            <a:solidFill>
-              <a:srgbClr val="EFC57B"/>
-            </a:solidFill>
-          </a:ln>
-        </p:spPr>
-        <p:style>
-          <a:lnRef idx="2">
-            <a:schemeClr val="accent1">
-              <a:shade val="15000"/>
-            </a:schemeClr>
-          </a:lnRef>
-          <a:fillRef idx="1">
-            <a:schemeClr val="accent1"/>
-          </a:fillRef>
-          <a:effectRef idx="0">
-            <a:schemeClr val="accent1"/>
-          </a:effectRef>
-          <a:fontRef idx="minor">
-            <a:schemeClr val="lt1"/>
-          </a:fontRef>
-        </p:style>
-        <p:txBody>
-          <a:bodyPr rtlCol="0" anchor="ctr"/>
-          <a:lstStyle/>
-          <a:p>
-            <a:pPr algn="ctr"/>
-            <a:r>
-              <a:rPr lang="en-US" sz="800" dirty="0">
-                <a:solidFill>
-                  <a:schemeClr val="tx1"/>
-                </a:solidFill>
-              </a:rPr>
-              <a:t>2,3</a:t>
-            </a:r>
-          </a:p>
-        </p:txBody>
-      </p:sp>
-      <p:sp>
-        <p:nvSpPr>
-          <p:cNvPr id="589" name="Rectangle 588">
-            <a:extLst>
-              <a:ext uri="{FF2B5EF4-FFF2-40B4-BE49-F238E27FC236}">
-                <a16:creationId xmlns:a16="http://schemas.microsoft.com/office/drawing/2014/main" id="{C0F9028A-A827-3D02-41CA-48911EF7DDD0}"/>
-              </a:ext>
-            </a:extLst>
-          </p:cNvPr>
-          <p:cNvSpPr/>
-          <p:nvPr/>
-        </p:nvSpPr>
-        <p:spPr>
-          <a:xfrm>
-            <a:off x="1565352" y="3920717"/>
-            <a:ext cx="322151" cy="272753"/>
-          </a:xfrm>
-          <a:prstGeom prst="rect">
-            <a:avLst/>
-          </a:prstGeom>
-          <a:solidFill>
-            <a:srgbClr val="FDF8EE"/>
-          </a:solidFill>
-          <a:ln>
-            <a:solidFill>
-              <a:srgbClr val="EFC57B"/>
-            </a:solidFill>
-          </a:ln>
-        </p:spPr>
-        <p:style>
-          <a:lnRef idx="2">
-            <a:schemeClr val="accent1">
-              <a:shade val="15000"/>
-            </a:schemeClr>
-          </a:lnRef>
-          <a:fillRef idx="1">
-            <a:schemeClr val="accent1"/>
-          </a:fillRef>
-          <a:effectRef idx="0">
-            <a:schemeClr val="accent1"/>
-          </a:effectRef>
-          <a:fontRef idx="minor">
-            <a:schemeClr val="lt1"/>
-          </a:fontRef>
-        </p:style>
-        <p:txBody>
-          <a:bodyPr rtlCol="0" anchor="ctr"/>
-          <a:lstStyle/>
-          <a:p>
-            <a:pPr algn="ctr"/>
-            <a:r>
-              <a:rPr lang="en-US" sz="800" dirty="0">
-                <a:solidFill>
-                  <a:schemeClr val="tx1"/>
-                </a:solidFill>
-              </a:rPr>
-              <a:t>2,2</a:t>
-            </a:r>
-          </a:p>
-        </p:txBody>
-      </p:sp>
-      <p:sp>
-        <p:nvSpPr>
-          <p:cNvPr id="590" name="Rectangle 589">
-            <a:extLst>
-              <a:ext uri="{FF2B5EF4-FFF2-40B4-BE49-F238E27FC236}">
-                <a16:creationId xmlns:a16="http://schemas.microsoft.com/office/drawing/2014/main" id="{0CB7C09F-2895-3421-6538-0404A6902E82}"/>
-              </a:ext>
-            </a:extLst>
-          </p:cNvPr>
-          <p:cNvSpPr/>
-          <p:nvPr/>
-        </p:nvSpPr>
-        <p:spPr>
-          <a:xfrm>
-            <a:off x="921049" y="4180585"/>
-            <a:ext cx="322151" cy="272753"/>
-          </a:xfrm>
-          <a:prstGeom prst="rect">
-            <a:avLst/>
-          </a:prstGeom>
-          <a:solidFill>
-            <a:srgbClr val="FAFDF0"/>
-          </a:solidFill>
-          <a:ln>
-            <a:solidFill>
-              <a:srgbClr val="DDF08B"/>
-            </a:solidFill>
-          </a:ln>
-        </p:spPr>
-        <p:style>
-          <a:lnRef idx="2">
-            <a:schemeClr val="accent1">
-              <a:shade val="15000"/>
-            </a:schemeClr>
-          </a:lnRef>
-          <a:fillRef idx="1">
-            <a:schemeClr val="accent1"/>
-          </a:fillRef>
-          <a:effectRef idx="0">
-            <a:schemeClr val="accent1"/>
-          </a:effectRef>
-          <a:fontRef idx="minor">
-            <a:schemeClr val="lt1"/>
-          </a:fontRef>
-        </p:style>
-        <p:txBody>
-          <a:bodyPr rtlCol="0" anchor="ctr"/>
-          <a:lstStyle/>
-          <a:p>
-            <a:pPr algn="ctr"/>
-            <a:r>
-              <a:rPr lang="en-US" sz="800" dirty="0">
-                <a:solidFill>
-                  <a:schemeClr val="tx1"/>
-                </a:solidFill>
-              </a:rPr>
-              <a:t>3,0</a:t>
-            </a:r>
-          </a:p>
-        </p:txBody>
-      </p:sp>
-      <p:sp>
-        <p:nvSpPr>
-          <p:cNvPr id="591" name="Rectangle 590">
-            <a:extLst>
-              <a:ext uri="{FF2B5EF4-FFF2-40B4-BE49-F238E27FC236}">
-                <a16:creationId xmlns:a16="http://schemas.microsoft.com/office/drawing/2014/main" id="{6D24EF12-9DF3-DF69-5714-1DD50171B69D}"/>
-              </a:ext>
-            </a:extLst>
-          </p:cNvPr>
-          <p:cNvSpPr/>
-          <p:nvPr/>
-        </p:nvSpPr>
-        <p:spPr>
-          <a:xfrm>
-            <a:off x="1887504" y="4180585"/>
-            <a:ext cx="322151" cy="272753"/>
-          </a:xfrm>
-          <a:prstGeom prst="rect">
-            <a:avLst/>
-          </a:prstGeom>
-          <a:solidFill>
-            <a:srgbClr val="FAFDF0"/>
-          </a:solidFill>
-          <a:ln>
-            <a:solidFill>
-              <a:srgbClr val="DDF08B"/>
-            </a:solidFill>
-          </a:ln>
-        </p:spPr>
-        <p:style>
-          <a:lnRef idx="2">
-            <a:schemeClr val="accent1">
-              <a:shade val="15000"/>
-            </a:schemeClr>
-          </a:lnRef>
-          <a:fillRef idx="1">
-            <a:schemeClr val="accent1"/>
-          </a:fillRef>
-          <a:effectRef idx="0">
-            <a:schemeClr val="accent1"/>
-          </a:effectRef>
-          <a:fontRef idx="minor">
-            <a:schemeClr val="lt1"/>
-          </a:fontRef>
-        </p:style>
-        <p:txBody>
-          <a:bodyPr rtlCol="0" anchor="ctr"/>
-          <a:lstStyle/>
-          <a:p>
-            <a:pPr algn="ctr"/>
-            <a:r>
-              <a:rPr lang="en-US" sz="800" dirty="0">
-                <a:solidFill>
-                  <a:schemeClr val="tx1"/>
-                </a:solidFill>
-              </a:rPr>
-              <a:t>3,3</a:t>
-            </a:r>
-          </a:p>
-        </p:txBody>
-      </p:sp>
-      <p:sp>
-        <p:nvSpPr>
-          <p:cNvPr id="592" name="Rectangle 591">
-            <a:extLst>
-              <a:ext uri="{FF2B5EF4-FFF2-40B4-BE49-F238E27FC236}">
-                <a16:creationId xmlns:a16="http://schemas.microsoft.com/office/drawing/2014/main" id="{E90CEC76-04CD-3E10-831B-476CAA1607DE}"/>
-              </a:ext>
-            </a:extLst>
-          </p:cNvPr>
-          <p:cNvSpPr/>
-          <p:nvPr/>
-        </p:nvSpPr>
-        <p:spPr>
-          <a:xfrm>
-            <a:off x="1565353" y="4180585"/>
-            <a:ext cx="322151" cy="272753"/>
-          </a:xfrm>
-          <a:prstGeom prst="rect">
-            <a:avLst/>
-          </a:prstGeom>
-          <a:solidFill>
-            <a:srgbClr val="FAFDF0"/>
-          </a:solidFill>
-          <a:ln>
-            <a:solidFill>
-              <a:srgbClr val="DDF08B"/>
-            </a:solidFill>
-          </a:ln>
-        </p:spPr>
-        <p:style>
-          <a:lnRef idx="2">
-            <a:schemeClr val="accent1">
-              <a:shade val="15000"/>
-            </a:schemeClr>
-          </a:lnRef>
-          <a:fillRef idx="1">
-            <a:schemeClr val="accent1"/>
-          </a:fillRef>
-          <a:effectRef idx="0">
-            <a:schemeClr val="accent1"/>
-          </a:effectRef>
-          <a:fontRef idx="minor">
-            <a:schemeClr val="lt1"/>
-          </a:fontRef>
-        </p:style>
-        <p:txBody>
-          <a:bodyPr rtlCol="0" anchor="ctr"/>
-          <a:lstStyle/>
-          <a:p>
-            <a:pPr algn="ctr"/>
-            <a:r>
-              <a:rPr lang="en-US" sz="800" dirty="0">
-                <a:solidFill>
-                  <a:schemeClr val="tx1"/>
-                </a:solidFill>
-              </a:rPr>
-              <a:t>3,2</a:t>
-            </a:r>
-          </a:p>
-        </p:txBody>
-      </p:sp>
-      <p:sp>
-        <p:nvSpPr>
-          <p:cNvPr id="593" name="Rectangle 592">
-            <a:extLst>
-              <a:ext uri="{FF2B5EF4-FFF2-40B4-BE49-F238E27FC236}">
-                <a16:creationId xmlns:a16="http://schemas.microsoft.com/office/drawing/2014/main" id="{4212EE4D-F4C5-364B-B859-853230D4BCBC}"/>
-              </a:ext>
-            </a:extLst>
-          </p:cNvPr>
-          <p:cNvSpPr/>
-          <p:nvPr/>
-        </p:nvSpPr>
-        <p:spPr>
-          <a:xfrm>
-            <a:off x="1243199" y="3375209"/>
-            <a:ext cx="322151" cy="272753"/>
-          </a:xfrm>
-          <a:prstGeom prst="rect">
-            <a:avLst/>
-          </a:prstGeom>
-          <a:solidFill>
-            <a:srgbClr val="FAFDF0"/>
-          </a:solidFill>
-          <a:ln>
-            <a:solidFill>
-              <a:srgbClr val="DDF08B"/>
-            </a:solidFill>
-          </a:ln>
-        </p:spPr>
-        <p:style>
-          <a:lnRef idx="2">
-            <a:schemeClr val="accent1">
-              <a:shade val="15000"/>
-            </a:schemeClr>
-          </a:lnRef>
-          <a:fillRef idx="1">
-            <a:schemeClr val="accent1"/>
-          </a:fillRef>
-          <a:effectRef idx="0">
-            <a:schemeClr val="accent1"/>
-          </a:effectRef>
-          <a:fontRef idx="minor">
-            <a:schemeClr val="lt1"/>
-          </a:fontRef>
-        </p:style>
-        <p:txBody>
-          <a:bodyPr rtlCol="0" anchor="ctr"/>
-          <a:lstStyle/>
-          <a:p>
-            <a:pPr algn="ctr"/>
-            <a:r>
-              <a:rPr lang="en-US" sz="800" dirty="0">
-                <a:solidFill>
-                  <a:schemeClr val="tx1"/>
-                </a:solidFill>
-              </a:rPr>
-              <a:t>0,1</a:t>
-            </a:r>
-          </a:p>
-        </p:txBody>
-      </p:sp>
-      <p:sp>
-        <p:nvSpPr>
-          <p:cNvPr id="595" name="Rectangle 594">
-            <a:extLst>
-              <a:ext uri="{FF2B5EF4-FFF2-40B4-BE49-F238E27FC236}">
-                <a16:creationId xmlns:a16="http://schemas.microsoft.com/office/drawing/2014/main" id="{D166D67E-E14C-693D-C181-31967D548D60}"/>
-              </a:ext>
-            </a:extLst>
-          </p:cNvPr>
-          <p:cNvSpPr/>
-          <p:nvPr/>
-        </p:nvSpPr>
-        <p:spPr>
-          <a:xfrm>
-            <a:off x="1243201" y="3920718"/>
-            <a:ext cx="322151" cy="272753"/>
-          </a:xfrm>
-          <a:prstGeom prst="rect">
-            <a:avLst/>
-          </a:prstGeom>
-          <a:solidFill>
-            <a:srgbClr val="FDF8EE"/>
-          </a:solidFill>
-          <a:ln>
-            <a:solidFill>
-              <a:srgbClr val="EFC57B"/>
-            </a:solidFill>
-          </a:ln>
-        </p:spPr>
-        <p:style>
-          <a:lnRef idx="2">
-            <a:schemeClr val="accent1">
-              <a:shade val="15000"/>
-            </a:schemeClr>
-          </a:lnRef>
-          <a:fillRef idx="1">
-            <a:schemeClr val="accent1"/>
-          </a:fillRef>
-          <a:effectRef idx="0">
-            <a:schemeClr val="accent1"/>
-          </a:effectRef>
-          <a:fontRef idx="minor">
-            <a:schemeClr val="lt1"/>
-          </a:fontRef>
-        </p:style>
-        <p:txBody>
-          <a:bodyPr rtlCol="0" anchor="ctr"/>
-          <a:lstStyle/>
-          <a:p>
-            <a:pPr algn="ctr"/>
-            <a:r>
-              <a:rPr lang="en-US" sz="800" dirty="0">
-                <a:solidFill>
-                  <a:schemeClr val="tx1"/>
-                </a:solidFill>
-              </a:rPr>
               <a:t>2,1</a:t>
-            </a:r>
-          </a:p>
-        </p:txBody>
-      </p:sp>
-      <p:sp>
-        <p:nvSpPr>
-          <p:cNvPr id="596" name="Rectangle 595">
-            <a:extLst>
-              <a:ext uri="{FF2B5EF4-FFF2-40B4-BE49-F238E27FC236}">
-                <a16:creationId xmlns:a16="http://schemas.microsoft.com/office/drawing/2014/main" id="{EDB5F02E-292B-CF43-819E-3FE7A8602948}"/>
-              </a:ext>
-            </a:extLst>
-          </p:cNvPr>
-          <p:cNvSpPr/>
-          <p:nvPr/>
-        </p:nvSpPr>
-        <p:spPr>
-          <a:xfrm>
-            <a:off x="1243202" y="4180586"/>
-            <a:ext cx="322151" cy="272753"/>
-          </a:xfrm>
-          <a:prstGeom prst="rect">
-            <a:avLst/>
-          </a:prstGeom>
-          <a:solidFill>
-            <a:srgbClr val="FAFDF0"/>
-          </a:solidFill>
-          <a:ln>
-            <a:solidFill>
-              <a:srgbClr val="DDF08B"/>
-            </a:solidFill>
-          </a:ln>
-        </p:spPr>
-        <p:style>
-          <a:lnRef idx="2">
-            <a:schemeClr val="accent1">
-              <a:shade val="15000"/>
-            </a:schemeClr>
-          </a:lnRef>
-          <a:fillRef idx="1">
-            <a:schemeClr val="accent1"/>
-          </a:fillRef>
-          <a:effectRef idx="0">
-            <a:schemeClr val="accent1"/>
-          </a:effectRef>
-          <a:fontRef idx="minor">
-            <a:schemeClr val="lt1"/>
-          </a:fontRef>
-        </p:style>
-        <p:txBody>
-          <a:bodyPr rtlCol="0" anchor="ctr"/>
-          <a:lstStyle/>
-          <a:p>
-            <a:pPr algn="ctr"/>
-            <a:r>
-              <a:rPr lang="en-US" sz="800" dirty="0">
-                <a:solidFill>
-                  <a:schemeClr val="tx1"/>
-                </a:solidFill>
-              </a:rPr>
-              <a:t>3,1</a:t>
             </a:r>
           </a:p>
         </p:txBody>
@@ -16337,6 +16337,451 @@
           </a:p>
         </p:txBody>
       </p:sp>
+      <p:sp>
+        <p:nvSpPr>
+          <p:cNvPr id="625" name="Rectangle 624">
+            <a:extLst>
+              <a:ext uri="{FF2B5EF4-FFF2-40B4-BE49-F238E27FC236}">
+                <a16:creationId xmlns:a16="http://schemas.microsoft.com/office/drawing/2014/main" id="{3F157984-4F74-2619-2447-2D856B034BBF}"/>
+              </a:ext>
+            </a:extLst>
+          </p:cNvPr>
+          <p:cNvSpPr/>
+          <p:nvPr/>
+        </p:nvSpPr>
+        <p:spPr>
+          <a:xfrm rot="10800000" flipH="1">
+            <a:off x="10938462" y="6449683"/>
+            <a:ext cx="322151" cy="272753"/>
+          </a:xfrm>
+          <a:prstGeom prst="rect">
+            <a:avLst/>
+          </a:prstGeom>
+          <a:solidFill>
+            <a:srgbClr val="FAFDF0"/>
+          </a:solidFill>
+          <a:ln>
+            <a:solidFill>
+              <a:srgbClr val="DDF08B"/>
+            </a:solidFill>
+          </a:ln>
+        </p:spPr>
+        <p:style>
+          <a:lnRef idx="2">
+            <a:schemeClr val="accent1">
+              <a:shade val="15000"/>
+            </a:schemeClr>
+          </a:lnRef>
+          <a:fillRef idx="1">
+            <a:schemeClr val="accent1"/>
+          </a:fillRef>
+          <a:effectRef idx="0">
+            <a:schemeClr val="accent1"/>
+          </a:effectRef>
+          <a:fontRef idx="minor">
+            <a:schemeClr val="lt1"/>
+          </a:fontRef>
+        </p:style>
+        <p:txBody>
+          <a:bodyPr rtlCol="0" anchor="ctr"/>
+          <a:lstStyle/>
+          <a:p>
+            <a:pPr algn="ctr"/>
+            <a:endParaRPr lang="en-US" sz="1000" dirty="0">
+              <a:solidFill>
+                <a:schemeClr val="tx1"/>
+              </a:solidFill>
+            </a:endParaRPr>
+          </a:p>
+        </p:txBody>
+      </p:sp>
+      <p:sp>
+        <p:nvSpPr>
+          <p:cNvPr id="628" name="Rectangle 627">
+            <a:extLst>
+              <a:ext uri="{FF2B5EF4-FFF2-40B4-BE49-F238E27FC236}">
+                <a16:creationId xmlns:a16="http://schemas.microsoft.com/office/drawing/2014/main" id="{C66DB09D-8A85-AA5D-7A5D-F3222509A251}"/>
+              </a:ext>
+            </a:extLst>
+          </p:cNvPr>
+          <p:cNvSpPr/>
+          <p:nvPr/>
+        </p:nvSpPr>
+        <p:spPr>
+          <a:xfrm rot="10800000" flipH="1">
+            <a:off x="10294496" y="6176932"/>
+            <a:ext cx="322151" cy="272753"/>
+          </a:xfrm>
+          <a:prstGeom prst="rect">
+            <a:avLst/>
+          </a:prstGeom>
+          <a:solidFill>
+            <a:srgbClr val="FAFDF0"/>
+          </a:solidFill>
+          <a:ln>
+            <a:solidFill>
+              <a:srgbClr val="DDF08B"/>
+            </a:solidFill>
+          </a:ln>
+        </p:spPr>
+        <p:style>
+          <a:lnRef idx="2">
+            <a:schemeClr val="accent1">
+              <a:shade val="15000"/>
+            </a:schemeClr>
+          </a:lnRef>
+          <a:fillRef idx="1">
+            <a:schemeClr val="accent1"/>
+          </a:fillRef>
+          <a:effectRef idx="0">
+            <a:schemeClr val="accent1"/>
+          </a:effectRef>
+          <a:fontRef idx="minor">
+            <a:schemeClr val="lt1"/>
+          </a:fontRef>
+        </p:style>
+        <p:txBody>
+          <a:bodyPr rtlCol="0" anchor="ctr"/>
+          <a:lstStyle/>
+          <a:p>
+            <a:pPr algn="ctr"/>
+            <a:endParaRPr lang="en-US" sz="1000" dirty="0">
+              <a:solidFill>
+                <a:schemeClr val="tx1"/>
+              </a:solidFill>
+            </a:endParaRPr>
+          </a:p>
+        </p:txBody>
+      </p:sp>
+      <p:sp>
+        <p:nvSpPr>
+          <p:cNvPr id="630" name="Rectangle 629">
+            <a:extLst>
+              <a:ext uri="{FF2B5EF4-FFF2-40B4-BE49-F238E27FC236}">
+                <a16:creationId xmlns:a16="http://schemas.microsoft.com/office/drawing/2014/main" id="{1377EF93-5C3E-9F90-6DAC-D320A23698BF}"/>
+              </a:ext>
+            </a:extLst>
+          </p:cNvPr>
+          <p:cNvSpPr/>
+          <p:nvPr/>
+        </p:nvSpPr>
+        <p:spPr>
+          <a:xfrm rot="10800000" flipH="1" flipV="1">
+            <a:off x="10938798" y="6176934"/>
+            <a:ext cx="322151" cy="272753"/>
+          </a:xfrm>
+          <a:prstGeom prst="rect">
+            <a:avLst/>
+          </a:prstGeom>
+          <a:solidFill>
+            <a:srgbClr val="FAFDF0"/>
+          </a:solidFill>
+          <a:ln>
+            <a:solidFill>
+              <a:srgbClr val="DDF08B"/>
+            </a:solidFill>
+          </a:ln>
+        </p:spPr>
+        <p:style>
+          <a:lnRef idx="2">
+            <a:schemeClr val="accent1">
+              <a:shade val="15000"/>
+            </a:schemeClr>
+          </a:lnRef>
+          <a:fillRef idx="1">
+            <a:schemeClr val="accent1"/>
+          </a:fillRef>
+          <a:effectRef idx="0">
+            <a:schemeClr val="accent1"/>
+          </a:effectRef>
+          <a:fontRef idx="minor">
+            <a:schemeClr val="lt1"/>
+          </a:fontRef>
+        </p:style>
+        <p:txBody>
+          <a:bodyPr rtlCol="0" anchor="ctr"/>
+          <a:lstStyle/>
+          <a:p>
+            <a:pPr algn="ctr"/>
+            <a:r>
+              <a:rPr lang="en-US" sz="1000" dirty="0">
+                <a:solidFill>
+                  <a:schemeClr val="tx1"/>
+                </a:solidFill>
+              </a:rPr>
+              <a:t>2</a:t>
+            </a:r>
+          </a:p>
+        </p:txBody>
+      </p:sp>
+      <p:sp>
+        <p:nvSpPr>
+          <p:cNvPr id="634" name="Rectangle 633">
+            <a:extLst>
+              <a:ext uri="{FF2B5EF4-FFF2-40B4-BE49-F238E27FC236}">
+                <a16:creationId xmlns:a16="http://schemas.microsoft.com/office/drawing/2014/main" id="{C9B4ACA9-E86A-1E86-E336-DCD03EC00BFD}"/>
+              </a:ext>
+            </a:extLst>
+          </p:cNvPr>
+          <p:cNvSpPr/>
+          <p:nvPr/>
+        </p:nvSpPr>
+        <p:spPr>
+          <a:xfrm rot="10800000" flipH="1" flipV="1">
+            <a:off x="10294496" y="6449684"/>
+            <a:ext cx="322151" cy="272753"/>
+          </a:xfrm>
+          <a:prstGeom prst="rect">
+            <a:avLst/>
+          </a:prstGeom>
+          <a:solidFill>
+            <a:srgbClr val="FAFDF0"/>
+          </a:solidFill>
+          <a:ln>
+            <a:solidFill>
+              <a:srgbClr val="DDF08B"/>
+            </a:solidFill>
+          </a:ln>
+        </p:spPr>
+        <p:style>
+          <a:lnRef idx="2">
+            <a:schemeClr val="accent1">
+              <a:shade val="15000"/>
+            </a:schemeClr>
+          </a:lnRef>
+          <a:fillRef idx="1">
+            <a:schemeClr val="accent1"/>
+          </a:fillRef>
+          <a:effectRef idx="0">
+            <a:schemeClr val="accent1"/>
+          </a:effectRef>
+          <a:fontRef idx="minor">
+            <a:schemeClr val="lt1"/>
+          </a:fontRef>
+        </p:style>
+        <p:txBody>
+          <a:bodyPr rtlCol="0" anchor="ctr"/>
+          <a:lstStyle/>
+          <a:p>
+            <a:pPr algn="ctr"/>
+            <a:r>
+              <a:rPr lang="en-US" sz="1000" dirty="0">
+                <a:solidFill>
+                  <a:schemeClr val="tx1"/>
+                </a:solidFill>
+              </a:rPr>
+              <a:t>3</a:t>
+            </a:r>
+          </a:p>
+        </p:txBody>
+      </p:sp>
+      <p:sp>
+        <p:nvSpPr>
+          <p:cNvPr id="637" name="Rectangle 636">
+            <a:extLst>
+              <a:ext uri="{FF2B5EF4-FFF2-40B4-BE49-F238E27FC236}">
+                <a16:creationId xmlns:a16="http://schemas.microsoft.com/office/drawing/2014/main" id="{D64E7E63-A58D-A8B7-48BA-4F0E50C445E3}"/>
+              </a:ext>
+            </a:extLst>
+          </p:cNvPr>
+          <p:cNvSpPr/>
+          <p:nvPr/>
+        </p:nvSpPr>
+        <p:spPr>
+          <a:xfrm rot="10800000" flipH="1" flipV="1">
+            <a:off x="10620669" y="6176931"/>
+            <a:ext cx="322151" cy="272753"/>
+          </a:xfrm>
+          <a:prstGeom prst="rect">
+            <a:avLst/>
+          </a:prstGeom>
+          <a:solidFill>
+            <a:srgbClr val="F2EFF6"/>
+          </a:solidFill>
+          <a:ln>
+            <a:solidFill>
+              <a:srgbClr val="360084"/>
+            </a:solidFill>
+          </a:ln>
+        </p:spPr>
+        <p:style>
+          <a:lnRef idx="2">
+            <a:schemeClr val="accent1">
+              <a:shade val="15000"/>
+            </a:schemeClr>
+          </a:lnRef>
+          <a:fillRef idx="1">
+            <a:schemeClr val="accent1"/>
+          </a:fillRef>
+          <a:effectRef idx="0">
+            <a:schemeClr val="accent1"/>
+          </a:effectRef>
+          <a:fontRef idx="minor">
+            <a:schemeClr val="lt1"/>
+          </a:fontRef>
+        </p:style>
+        <p:txBody>
+          <a:bodyPr rtlCol="0" anchor="ctr"/>
+          <a:lstStyle/>
+          <a:p>
+            <a:pPr algn="ctr"/>
+            <a:r>
+              <a:rPr lang="en-US" sz="1000" dirty="0">
+                <a:solidFill>
+                  <a:schemeClr val="tx1"/>
+                </a:solidFill>
+              </a:rPr>
+              <a:t>1</a:t>
+            </a:r>
+          </a:p>
+        </p:txBody>
+      </p:sp>
+      <p:sp>
+        <p:nvSpPr>
+          <p:cNvPr id="638" name="Rectangle 637">
+            <a:extLst>
+              <a:ext uri="{FF2B5EF4-FFF2-40B4-BE49-F238E27FC236}">
+                <a16:creationId xmlns:a16="http://schemas.microsoft.com/office/drawing/2014/main" id="{2F6A1A14-7A6C-30BF-7B40-D52E39BEA6FF}"/>
+              </a:ext>
+            </a:extLst>
+          </p:cNvPr>
+          <p:cNvSpPr/>
+          <p:nvPr/>
+        </p:nvSpPr>
+        <p:spPr>
+          <a:xfrm rot="10800000" flipH="1" flipV="1">
+            <a:off x="10620669" y="6449684"/>
+            <a:ext cx="322151" cy="272753"/>
+          </a:xfrm>
+          <a:prstGeom prst="rect">
+            <a:avLst/>
+          </a:prstGeom>
+          <a:solidFill>
+            <a:srgbClr val="F2EFF6"/>
+          </a:solidFill>
+          <a:ln>
+            <a:solidFill>
+              <a:srgbClr val="360084"/>
+            </a:solidFill>
+          </a:ln>
+        </p:spPr>
+        <p:style>
+          <a:lnRef idx="2">
+            <a:schemeClr val="accent1">
+              <a:shade val="15000"/>
+            </a:schemeClr>
+          </a:lnRef>
+          <a:fillRef idx="1">
+            <a:schemeClr val="accent1"/>
+          </a:fillRef>
+          <a:effectRef idx="0">
+            <a:schemeClr val="accent1"/>
+          </a:effectRef>
+          <a:fontRef idx="minor">
+            <a:schemeClr val="lt1"/>
+          </a:fontRef>
+        </p:style>
+        <p:txBody>
+          <a:bodyPr rtlCol="0" anchor="ctr"/>
+          <a:lstStyle/>
+          <a:p>
+            <a:pPr algn="ctr"/>
+            <a:endParaRPr lang="en-US" sz="1000" dirty="0">
+              <a:solidFill>
+                <a:schemeClr val="tx1"/>
+              </a:solidFill>
+            </a:endParaRPr>
+          </a:p>
+        </p:txBody>
+      </p:sp>
+      <p:cxnSp>
+        <p:nvCxnSpPr>
+          <p:cNvPr id="641" name="Straight Arrow Connector 640">
+            <a:extLst>
+              <a:ext uri="{FF2B5EF4-FFF2-40B4-BE49-F238E27FC236}">
+                <a16:creationId xmlns:a16="http://schemas.microsoft.com/office/drawing/2014/main" id="{A64D0BCC-3CF5-79DA-9FDB-2E8296A884F8}"/>
+              </a:ext>
+            </a:extLst>
+          </p:cNvPr>
+          <p:cNvCxnSpPr>
+            <a:cxnSpLocks/>
+          </p:cNvCxnSpPr>
+          <p:nvPr/>
+        </p:nvCxnSpPr>
+        <p:spPr>
+          <a:xfrm>
+            <a:off x="10616647" y="6449154"/>
+            <a:ext cx="643966" cy="0"/>
+          </a:xfrm>
+          <a:prstGeom prst="straightConnector1">
+            <a:avLst/>
+          </a:prstGeom>
+          <a:ln w="38100">
+            <a:solidFill>
+              <a:srgbClr val="360084"/>
+            </a:solidFill>
+            <a:tailEnd type="none"/>
+          </a:ln>
+        </p:spPr>
+        <p:style>
+          <a:lnRef idx="1">
+            <a:schemeClr val="accent1"/>
+          </a:lnRef>
+          <a:fillRef idx="0">
+            <a:schemeClr val="accent1"/>
+          </a:fillRef>
+          <a:effectRef idx="0">
+            <a:schemeClr val="accent1"/>
+          </a:effectRef>
+          <a:fontRef idx="minor">
+            <a:schemeClr val="tx1"/>
+          </a:fontRef>
+        </p:style>
+      </p:cxnSp>
+      <p:cxnSp>
+        <p:nvCxnSpPr>
+          <p:cNvPr id="643" name="Straight Arrow Connector 642">
+            <a:extLst>
+              <a:ext uri="{FF2B5EF4-FFF2-40B4-BE49-F238E27FC236}">
+                <a16:creationId xmlns:a16="http://schemas.microsoft.com/office/drawing/2014/main" id="{57E1C3E1-41CE-30D7-D23F-92084630E3F6}"/>
+              </a:ext>
+            </a:extLst>
+          </p:cNvPr>
+          <p:cNvCxnSpPr>
+            <a:cxnSpLocks/>
+          </p:cNvCxnSpPr>
+          <p:nvPr/>
+        </p:nvCxnSpPr>
+        <p:spPr>
+          <a:xfrm>
+            <a:off x="10294030" y="6709815"/>
+            <a:ext cx="322617" cy="0"/>
+          </a:xfrm>
+          <a:prstGeom prst="straightConnector1">
+            <a:avLst/>
+          </a:prstGeom>
+          <a:ln w="38100">
+            <a:solidFill>
+              <a:srgbClr val="360084"/>
+            </a:solidFill>
+            <a:tailEnd type="triangle"/>
+          </a:ln>
+        </p:spPr>
+        <p:style>
+          <a:lnRef idx="1">
+            <a:schemeClr val="accent1"/>
+          </a:lnRef>
+          <a:fillRef idx="0">
+            <a:schemeClr val="accent1"/>
+          </a:fillRef>
+          <a:effectRef idx="0">
+            <a:schemeClr val="accent1"/>
+          </a:effectRef>
+          <a:fontRef idx="minor">
+            <a:schemeClr val="tx1"/>
+          </a:fontRef>
+        </p:style>
+      </p:cxnSp>
     </p:spTree>
     <p:extLst>
       <p:ext uri="{BB962C8B-B14F-4D97-AF65-F5344CB8AC3E}">
@@ -16367,1476 +16812,12 @@
           <a:chExt cx="0" cy="0"/>
         </a:xfrm>
       </p:grpSpPr>
-      <p:sp>
-        <p:nvSpPr>
-          <p:cNvPr id="29" name="Rectangle 28">
-            <a:extLst>
-              <a:ext uri="{FF2B5EF4-FFF2-40B4-BE49-F238E27FC236}">
-                <a16:creationId xmlns:a16="http://schemas.microsoft.com/office/drawing/2014/main" id="{978ECACD-4C6A-48D0-94A4-A5CED981E059}"/>
-              </a:ext>
-            </a:extLst>
-          </p:cNvPr>
-          <p:cNvSpPr/>
-          <p:nvPr/>
-        </p:nvSpPr>
-        <p:spPr>
-          <a:xfrm>
-            <a:off x="439228" y="331243"/>
-            <a:ext cx="322151" cy="272753"/>
-          </a:xfrm>
-          <a:prstGeom prst="rect">
-            <a:avLst/>
-          </a:prstGeom>
-          <a:solidFill>
-            <a:srgbClr val="FAFDF0"/>
-          </a:solidFill>
-          <a:ln>
-            <a:solidFill>
-              <a:srgbClr val="DDF08B"/>
-            </a:solidFill>
-          </a:ln>
-        </p:spPr>
-        <p:style>
-          <a:lnRef idx="2">
-            <a:schemeClr val="accent1">
-              <a:shade val="15000"/>
-            </a:schemeClr>
-          </a:lnRef>
-          <a:fillRef idx="1">
-            <a:schemeClr val="accent1"/>
-          </a:fillRef>
-          <a:effectRef idx="0">
-            <a:schemeClr val="accent1"/>
-          </a:effectRef>
-          <a:fontRef idx="minor">
-            <a:schemeClr val="lt1"/>
-          </a:fontRef>
-        </p:style>
-        <p:txBody>
-          <a:bodyPr rtlCol="0" anchor="ctr"/>
-          <a:lstStyle/>
-          <a:p>
-            <a:pPr algn="ctr"/>
-            <a:r>
-              <a:rPr lang="en-US" sz="800" dirty="0">
-                <a:solidFill>
-                  <a:schemeClr val="tx1"/>
-                </a:solidFill>
-              </a:rPr>
-              <a:t>1</a:t>
-            </a:r>
-          </a:p>
-        </p:txBody>
-      </p:sp>
-      <p:sp>
-        <p:nvSpPr>
-          <p:cNvPr id="30" name="Rectangle 29">
-            <a:extLst>
-              <a:ext uri="{FF2B5EF4-FFF2-40B4-BE49-F238E27FC236}">
-                <a16:creationId xmlns:a16="http://schemas.microsoft.com/office/drawing/2014/main" id="{C2E812F2-D1F4-F570-0663-3C3BC6B27E61}"/>
-              </a:ext>
-            </a:extLst>
-          </p:cNvPr>
-          <p:cNvSpPr/>
-          <p:nvPr/>
-        </p:nvSpPr>
-        <p:spPr>
-          <a:xfrm>
-            <a:off x="1405681" y="331241"/>
-            <a:ext cx="322151" cy="272753"/>
-          </a:xfrm>
-          <a:prstGeom prst="rect">
-            <a:avLst/>
-          </a:prstGeom>
-          <a:solidFill>
-            <a:srgbClr val="FAFDF0"/>
-          </a:solidFill>
-          <a:ln>
-            <a:solidFill>
-              <a:srgbClr val="DDF08B"/>
-            </a:solidFill>
-          </a:ln>
-        </p:spPr>
-        <p:style>
-          <a:lnRef idx="2">
-            <a:schemeClr val="accent1">
-              <a:shade val="15000"/>
-            </a:schemeClr>
-          </a:lnRef>
-          <a:fillRef idx="1">
-            <a:schemeClr val="accent1"/>
-          </a:fillRef>
-          <a:effectRef idx="0">
-            <a:schemeClr val="accent1"/>
-          </a:effectRef>
-          <a:fontRef idx="minor">
-            <a:schemeClr val="lt1"/>
-          </a:fontRef>
-        </p:style>
-        <p:txBody>
-          <a:bodyPr rtlCol="0" anchor="ctr"/>
-          <a:lstStyle/>
-          <a:p>
-            <a:pPr algn="ctr"/>
-            <a:r>
-              <a:rPr lang="en-US" sz="800" dirty="0">
-                <a:solidFill>
-                  <a:schemeClr val="tx1"/>
-                </a:solidFill>
-              </a:rPr>
-              <a:t>4</a:t>
-            </a:r>
-          </a:p>
-        </p:txBody>
-      </p:sp>
-      <p:sp>
-        <p:nvSpPr>
-          <p:cNvPr id="32" name="Rectangle 31">
-            <a:extLst>
-              <a:ext uri="{FF2B5EF4-FFF2-40B4-BE49-F238E27FC236}">
-                <a16:creationId xmlns:a16="http://schemas.microsoft.com/office/drawing/2014/main" id="{3D17D05E-B23A-4CD9-75DF-679CEFF23AFE}"/>
-              </a:ext>
-            </a:extLst>
-          </p:cNvPr>
-          <p:cNvSpPr/>
-          <p:nvPr/>
-        </p:nvSpPr>
-        <p:spPr>
-          <a:xfrm>
-            <a:off x="1083530" y="331241"/>
-            <a:ext cx="322151" cy="272753"/>
-          </a:xfrm>
-          <a:prstGeom prst="rect">
-            <a:avLst/>
-          </a:prstGeom>
-          <a:solidFill>
-            <a:srgbClr val="FDF8EE"/>
-          </a:solidFill>
-          <a:ln>
-            <a:solidFill>
-              <a:srgbClr val="EFC57B"/>
-            </a:solidFill>
-          </a:ln>
-        </p:spPr>
-        <p:style>
-          <a:lnRef idx="2">
-            <a:schemeClr val="accent1">
-              <a:shade val="15000"/>
-            </a:schemeClr>
-          </a:lnRef>
-          <a:fillRef idx="1">
-            <a:schemeClr val="accent1"/>
-          </a:fillRef>
-          <a:effectRef idx="0">
-            <a:schemeClr val="accent1"/>
-          </a:effectRef>
-          <a:fontRef idx="minor">
-            <a:schemeClr val="lt1"/>
-          </a:fontRef>
-        </p:style>
-        <p:txBody>
-          <a:bodyPr rtlCol="0" anchor="ctr"/>
-          <a:lstStyle/>
-          <a:p>
-            <a:pPr algn="ctr"/>
-            <a:r>
-              <a:rPr lang="en-US" sz="800" dirty="0">
-                <a:solidFill>
-                  <a:schemeClr val="tx1"/>
-                </a:solidFill>
-              </a:rPr>
-              <a:t>3</a:t>
-            </a:r>
-          </a:p>
-        </p:txBody>
-      </p:sp>
-      <p:sp>
-        <p:nvSpPr>
-          <p:cNvPr id="33" name="Rectangle 32">
-            <a:extLst>
-              <a:ext uri="{FF2B5EF4-FFF2-40B4-BE49-F238E27FC236}">
-                <a16:creationId xmlns:a16="http://schemas.microsoft.com/office/drawing/2014/main" id="{9F2A052C-0839-1C7B-39FB-CBF9A3A2D1C9}"/>
-              </a:ext>
-            </a:extLst>
-          </p:cNvPr>
-          <p:cNvSpPr/>
-          <p:nvPr/>
-        </p:nvSpPr>
-        <p:spPr>
-          <a:xfrm>
-            <a:off x="3016435" y="331239"/>
-            <a:ext cx="322151" cy="272753"/>
-          </a:xfrm>
-          <a:prstGeom prst="rect">
-            <a:avLst/>
-          </a:prstGeom>
-          <a:solidFill>
-            <a:srgbClr val="FAFDF0"/>
-          </a:solidFill>
-          <a:ln>
-            <a:solidFill>
-              <a:srgbClr val="DDF08B"/>
-            </a:solidFill>
-          </a:ln>
-        </p:spPr>
-        <p:style>
-          <a:lnRef idx="2">
-            <a:schemeClr val="accent1">
-              <a:shade val="15000"/>
-            </a:schemeClr>
-          </a:lnRef>
-          <a:fillRef idx="1">
-            <a:schemeClr val="accent1"/>
-          </a:fillRef>
-          <a:effectRef idx="0">
-            <a:schemeClr val="accent1"/>
-          </a:effectRef>
-          <a:fontRef idx="minor">
-            <a:schemeClr val="lt1"/>
-          </a:fontRef>
-        </p:style>
-        <p:txBody>
-          <a:bodyPr rtlCol="0" anchor="ctr"/>
-          <a:lstStyle/>
-          <a:p>
-            <a:pPr algn="ctr"/>
-            <a:r>
-              <a:rPr lang="en-US" sz="800" dirty="0">
-                <a:solidFill>
-                  <a:schemeClr val="tx1"/>
-                </a:solidFill>
-              </a:rPr>
-              <a:t>9</a:t>
-            </a:r>
-          </a:p>
-        </p:txBody>
-      </p:sp>
-      <p:sp>
-        <p:nvSpPr>
-          <p:cNvPr id="34" name="Rectangle 33">
-            <a:extLst>
-              <a:ext uri="{FF2B5EF4-FFF2-40B4-BE49-F238E27FC236}">
-                <a16:creationId xmlns:a16="http://schemas.microsoft.com/office/drawing/2014/main" id="{272D7C0F-69F8-7E65-701E-94E2129D2979}"/>
-              </a:ext>
-            </a:extLst>
-          </p:cNvPr>
-          <p:cNvSpPr/>
-          <p:nvPr/>
-        </p:nvSpPr>
-        <p:spPr>
-          <a:xfrm>
-            <a:off x="3982888" y="331237"/>
-            <a:ext cx="322151" cy="272753"/>
-          </a:xfrm>
-          <a:prstGeom prst="rect">
-            <a:avLst/>
-          </a:prstGeom>
-          <a:solidFill>
-            <a:srgbClr val="FAFDF0"/>
-          </a:solidFill>
-          <a:ln>
-            <a:solidFill>
-              <a:srgbClr val="DDF08B"/>
-            </a:solidFill>
-          </a:ln>
-        </p:spPr>
-        <p:style>
-          <a:lnRef idx="2">
-            <a:schemeClr val="accent1">
-              <a:shade val="15000"/>
-            </a:schemeClr>
-          </a:lnRef>
-          <a:fillRef idx="1">
-            <a:schemeClr val="accent1"/>
-          </a:fillRef>
-          <a:effectRef idx="0">
-            <a:schemeClr val="accent1"/>
-          </a:effectRef>
-          <a:fontRef idx="minor">
-            <a:schemeClr val="lt1"/>
-          </a:fontRef>
-        </p:style>
-        <p:txBody>
-          <a:bodyPr rtlCol="0" anchor="ctr"/>
-          <a:lstStyle/>
-          <a:p>
-            <a:pPr algn="ctr"/>
-            <a:r>
-              <a:rPr lang="en-US" sz="800" dirty="0">
-                <a:solidFill>
-                  <a:schemeClr val="tx1"/>
-                </a:solidFill>
-              </a:rPr>
-              <a:t>12</a:t>
-            </a:r>
-          </a:p>
-        </p:txBody>
-      </p:sp>
-      <p:sp>
-        <p:nvSpPr>
-          <p:cNvPr id="37" name="Rectangle 36">
-            <a:extLst>
-              <a:ext uri="{FF2B5EF4-FFF2-40B4-BE49-F238E27FC236}">
-                <a16:creationId xmlns:a16="http://schemas.microsoft.com/office/drawing/2014/main" id="{CF3F4DB6-5A9C-672C-03D3-2E4C2643A2E0}"/>
-              </a:ext>
-            </a:extLst>
-          </p:cNvPr>
-          <p:cNvSpPr/>
-          <p:nvPr/>
-        </p:nvSpPr>
-        <p:spPr>
-          <a:xfrm>
-            <a:off x="3660737" y="331237"/>
-            <a:ext cx="322151" cy="272753"/>
-          </a:xfrm>
-          <a:prstGeom prst="rect">
-            <a:avLst/>
-          </a:prstGeom>
-          <a:solidFill>
-            <a:srgbClr val="FDF8EE"/>
-          </a:solidFill>
-          <a:ln>
-            <a:solidFill>
-              <a:srgbClr val="EFC57B"/>
-            </a:solidFill>
-          </a:ln>
-        </p:spPr>
-        <p:style>
-          <a:lnRef idx="2">
-            <a:schemeClr val="accent1">
-              <a:shade val="15000"/>
-            </a:schemeClr>
-          </a:lnRef>
-          <a:fillRef idx="1">
-            <a:schemeClr val="accent1"/>
-          </a:fillRef>
-          <a:effectRef idx="0">
-            <a:schemeClr val="accent1"/>
-          </a:effectRef>
-          <a:fontRef idx="minor">
-            <a:schemeClr val="lt1"/>
-          </a:fontRef>
-        </p:style>
-        <p:txBody>
-          <a:bodyPr rtlCol="0" anchor="ctr"/>
-          <a:lstStyle/>
-          <a:p>
-            <a:pPr algn="ctr"/>
-            <a:r>
-              <a:rPr lang="en-US" sz="800" dirty="0">
-                <a:solidFill>
-                  <a:schemeClr val="tx1"/>
-                </a:solidFill>
-              </a:rPr>
-              <a:t>11</a:t>
-            </a:r>
-          </a:p>
-        </p:txBody>
-      </p:sp>
-      <p:sp>
-        <p:nvSpPr>
-          <p:cNvPr id="28" name="Rectangle 27">
-            <a:extLst>
-              <a:ext uri="{FF2B5EF4-FFF2-40B4-BE49-F238E27FC236}">
-                <a16:creationId xmlns:a16="http://schemas.microsoft.com/office/drawing/2014/main" id="{00D200B6-35D6-A0B2-5022-2BE0E6E1CF39}"/>
-              </a:ext>
-            </a:extLst>
-          </p:cNvPr>
-          <p:cNvSpPr/>
-          <p:nvPr/>
-        </p:nvSpPr>
-        <p:spPr>
-          <a:xfrm>
-            <a:off x="4305036" y="331235"/>
-            <a:ext cx="322151" cy="272753"/>
-          </a:xfrm>
-          <a:prstGeom prst="rect">
-            <a:avLst/>
-          </a:prstGeom>
-          <a:solidFill>
-            <a:srgbClr val="FAFDF0"/>
-          </a:solidFill>
-          <a:ln>
-            <a:solidFill>
-              <a:srgbClr val="DDF08B"/>
-            </a:solidFill>
-          </a:ln>
-        </p:spPr>
-        <p:style>
-          <a:lnRef idx="2">
-            <a:schemeClr val="accent1">
-              <a:shade val="15000"/>
-            </a:schemeClr>
-          </a:lnRef>
-          <a:fillRef idx="1">
-            <a:schemeClr val="accent1"/>
-          </a:fillRef>
-          <a:effectRef idx="0">
-            <a:schemeClr val="accent1"/>
-          </a:effectRef>
-          <a:fontRef idx="minor">
-            <a:schemeClr val="lt1"/>
-          </a:fontRef>
-        </p:style>
-        <p:txBody>
-          <a:bodyPr rtlCol="0" anchor="ctr"/>
-          <a:lstStyle/>
-          <a:p>
-            <a:pPr algn="ctr"/>
-            <a:r>
-              <a:rPr lang="en-US" sz="800" dirty="0">
-                <a:solidFill>
-                  <a:schemeClr val="tx1"/>
-                </a:solidFill>
-              </a:rPr>
-              <a:t>13</a:t>
-            </a:r>
-          </a:p>
-        </p:txBody>
-      </p:sp>
-      <p:sp>
-        <p:nvSpPr>
-          <p:cNvPr id="35" name="Rectangle 34">
-            <a:extLst>
-              <a:ext uri="{FF2B5EF4-FFF2-40B4-BE49-F238E27FC236}">
-                <a16:creationId xmlns:a16="http://schemas.microsoft.com/office/drawing/2014/main" id="{F0BBC2F0-5ED0-1654-4F82-73EB1A1905F1}"/>
-              </a:ext>
-            </a:extLst>
-          </p:cNvPr>
-          <p:cNvSpPr/>
-          <p:nvPr/>
-        </p:nvSpPr>
-        <p:spPr>
-          <a:xfrm>
-            <a:off x="5271491" y="331235"/>
-            <a:ext cx="322151" cy="272753"/>
-          </a:xfrm>
-          <a:prstGeom prst="rect">
-            <a:avLst/>
-          </a:prstGeom>
-          <a:solidFill>
-            <a:srgbClr val="FAFDF0"/>
-          </a:solidFill>
-          <a:ln>
-            <a:solidFill>
-              <a:srgbClr val="DDF08B"/>
-            </a:solidFill>
-          </a:ln>
-        </p:spPr>
-        <p:style>
-          <a:lnRef idx="2">
-            <a:schemeClr val="accent1">
-              <a:shade val="15000"/>
-            </a:schemeClr>
-          </a:lnRef>
-          <a:fillRef idx="1">
-            <a:schemeClr val="accent1"/>
-          </a:fillRef>
-          <a:effectRef idx="0">
-            <a:schemeClr val="accent1"/>
-          </a:effectRef>
-          <a:fontRef idx="minor">
-            <a:schemeClr val="lt1"/>
-          </a:fontRef>
-        </p:style>
-        <p:txBody>
-          <a:bodyPr rtlCol="0" anchor="ctr"/>
-          <a:lstStyle/>
-          <a:p>
-            <a:pPr algn="ctr"/>
-            <a:r>
-              <a:rPr lang="en-US" sz="800" dirty="0">
-                <a:solidFill>
-                  <a:schemeClr val="tx1"/>
-                </a:solidFill>
-              </a:rPr>
-              <a:t>16</a:t>
-            </a:r>
-          </a:p>
-        </p:txBody>
-      </p:sp>
-      <p:sp>
-        <p:nvSpPr>
-          <p:cNvPr id="39" name="Rectangle 38">
-            <a:extLst>
-              <a:ext uri="{FF2B5EF4-FFF2-40B4-BE49-F238E27FC236}">
-                <a16:creationId xmlns:a16="http://schemas.microsoft.com/office/drawing/2014/main" id="{46678F69-25EC-3221-6BCA-237379655CAF}"/>
-              </a:ext>
-            </a:extLst>
-          </p:cNvPr>
-          <p:cNvSpPr/>
-          <p:nvPr/>
-        </p:nvSpPr>
-        <p:spPr>
-          <a:xfrm>
-            <a:off x="4949340" y="331235"/>
-            <a:ext cx="322151" cy="272753"/>
-          </a:xfrm>
-          <a:prstGeom prst="rect">
-            <a:avLst/>
-          </a:prstGeom>
-          <a:solidFill>
-            <a:srgbClr val="FDF8EE"/>
-          </a:solidFill>
-          <a:ln>
-            <a:solidFill>
-              <a:srgbClr val="EFC57B"/>
-            </a:solidFill>
-          </a:ln>
-        </p:spPr>
-        <p:style>
-          <a:lnRef idx="2">
-            <a:schemeClr val="accent1">
-              <a:shade val="15000"/>
-            </a:schemeClr>
-          </a:lnRef>
-          <a:fillRef idx="1">
-            <a:schemeClr val="accent1"/>
-          </a:fillRef>
-          <a:effectRef idx="0">
-            <a:schemeClr val="accent1"/>
-          </a:effectRef>
-          <a:fontRef idx="minor">
-            <a:schemeClr val="lt1"/>
-          </a:fontRef>
-        </p:style>
-        <p:txBody>
-          <a:bodyPr rtlCol="0" anchor="ctr"/>
-          <a:lstStyle/>
-          <a:p>
-            <a:pPr algn="ctr"/>
-            <a:r>
-              <a:rPr lang="en-US" sz="800" dirty="0">
-                <a:solidFill>
-                  <a:schemeClr val="tx1"/>
-                </a:solidFill>
-              </a:rPr>
-              <a:t>15</a:t>
-            </a:r>
-          </a:p>
-        </p:txBody>
-      </p:sp>
-      <p:sp>
-        <p:nvSpPr>
-          <p:cNvPr id="40" name="Rectangle 39">
-            <a:extLst>
-              <a:ext uri="{FF2B5EF4-FFF2-40B4-BE49-F238E27FC236}">
-                <a16:creationId xmlns:a16="http://schemas.microsoft.com/office/drawing/2014/main" id="{4307709B-AF90-B049-8B65-D2E9CA43417B}"/>
-              </a:ext>
-            </a:extLst>
-          </p:cNvPr>
-          <p:cNvSpPr/>
-          <p:nvPr/>
-        </p:nvSpPr>
-        <p:spPr>
-          <a:xfrm>
-            <a:off x="1727832" y="331241"/>
-            <a:ext cx="322151" cy="272753"/>
-          </a:xfrm>
-          <a:prstGeom prst="rect">
-            <a:avLst/>
-          </a:prstGeom>
-          <a:solidFill>
-            <a:srgbClr val="FAFDF0"/>
-          </a:solidFill>
-          <a:ln>
-            <a:solidFill>
-              <a:srgbClr val="DDF08B"/>
-            </a:solidFill>
-          </a:ln>
-        </p:spPr>
-        <p:style>
-          <a:lnRef idx="2">
-            <a:schemeClr val="accent1">
-              <a:shade val="15000"/>
-            </a:schemeClr>
-          </a:lnRef>
-          <a:fillRef idx="1">
-            <a:schemeClr val="accent1"/>
-          </a:fillRef>
-          <a:effectRef idx="0">
-            <a:schemeClr val="accent1"/>
-          </a:effectRef>
-          <a:fontRef idx="minor">
-            <a:schemeClr val="lt1"/>
-          </a:fontRef>
-        </p:style>
-        <p:txBody>
-          <a:bodyPr rtlCol="0" anchor="ctr"/>
-          <a:lstStyle/>
-          <a:p>
-            <a:pPr algn="ctr"/>
-            <a:r>
-              <a:rPr lang="en-US" sz="800" dirty="0">
-                <a:solidFill>
-                  <a:schemeClr val="tx1"/>
-                </a:solidFill>
-              </a:rPr>
-              <a:t>5</a:t>
-            </a:r>
-          </a:p>
-        </p:txBody>
-      </p:sp>
-      <p:sp>
-        <p:nvSpPr>
-          <p:cNvPr id="41" name="Rectangle 40">
-            <a:extLst>
-              <a:ext uri="{FF2B5EF4-FFF2-40B4-BE49-F238E27FC236}">
-                <a16:creationId xmlns:a16="http://schemas.microsoft.com/office/drawing/2014/main" id="{39E68AAC-CC78-5EC2-73C7-60B2419024D7}"/>
-              </a:ext>
-            </a:extLst>
-          </p:cNvPr>
-          <p:cNvSpPr/>
-          <p:nvPr/>
-        </p:nvSpPr>
-        <p:spPr>
-          <a:xfrm>
-            <a:off x="2694285" y="331239"/>
-            <a:ext cx="322151" cy="272753"/>
-          </a:xfrm>
-          <a:prstGeom prst="rect">
-            <a:avLst/>
-          </a:prstGeom>
-          <a:solidFill>
-            <a:srgbClr val="FAFDF0"/>
-          </a:solidFill>
-          <a:ln>
-            <a:solidFill>
-              <a:srgbClr val="DDF08B"/>
-            </a:solidFill>
-          </a:ln>
-        </p:spPr>
-        <p:style>
-          <a:lnRef idx="2">
-            <a:schemeClr val="accent1">
-              <a:shade val="15000"/>
-            </a:schemeClr>
-          </a:lnRef>
-          <a:fillRef idx="1">
-            <a:schemeClr val="accent1"/>
-          </a:fillRef>
-          <a:effectRef idx="0">
-            <a:schemeClr val="accent1"/>
-          </a:effectRef>
-          <a:fontRef idx="minor">
-            <a:schemeClr val="lt1"/>
-          </a:fontRef>
-        </p:style>
-        <p:txBody>
-          <a:bodyPr rtlCol="0" anchor="ctr"/>
-          <a:lstStyle/>
-          <a:p>
-            <a:pPr algn="ctr"/>
-            <a:r>
-              <a:rPr lang="en-US" sz="800" dirty="0">
-                <a:solidFill>
-                  <a:schemeClr val="tx1"/>
-                </a:solidFill>
-              </a:rPr>
-              <a:t>8</a:t>
-            </a:r>
-          </a:p>
-        </p:txBody>
-      </p:sp>
-      <p:sp>
-        <p:nvSpPr>
-          <p:cNvPr id="43" name="Rectangle 42">
-            <a:extLst>
-              <a:ext uri="{FF2B5EF4-FFF2-40B4-BE49-F238E27FC236}">
-                <a16:creationId xmlns:a16="http://schemas.microsoft.com/office/drawing/2014/main" id="{1AA5A912-B64E-21A4-C103-7D8BA1AF409C}"/>
-              </a:ext>
-            </a:extLst>
-          </p:cNvPr>
-          <p:cNvSpPr/>
-          <p:nvPr/>
-        </p:nvSpPr>
-        <p:spPr>
-          <a:xfrm>
-            <a:off x="2372134" y="331239"/>
-            <a:ext cx="322151" cy="272753"/>
-          </a:xfrm>
-          <a:prstGeom prst="rect">
-            <a:avLst/>
-          </a:prstGeom>
-          <a:solidFill>
-            <a:srgbClr val="FDF8EE"/>
-          </a:solidFill>
-          <a:ln>
-            <a:solidFill>
-              <a:srgbClr val="EFC57B"/>
-            </a:solidFill>
-          </a:ln>
-        </p:spPr>
-        <p:style>
-          <a:lnRef idx="2">
-            <a:schemeClr val="accent1">
-              <a:shade val="15000"/>
-            </a:schemeClr>
-          </a:lnRef>
-          <a:fillRef idx="1">
-            <a:schemeClr val="accent1"/>
-          </a:fillRef>
-          <a:effectRef idx="0">
-            <a:schemeClr val="accent1"/>
-          </a:effectRef>
-          <a:fontRef idx="minor">
-            <a:schemeClr val="lt1"/>
-          </a:fontRef>
-        </p:style>
-        <p:txBody>
-          <a:bodyPr rtlCol="0" anchor="ctr"/>
-          <a:lstStyle/>
-          <a:p>
-            <a:pPr algn="ctr"/>
-            <a:r>
-              <a:rPr lang="en-US" sz="800" dirty="0">
-                <a:solidFill>
-                  <a:schemeClr val="tx1"/>
-                </a:solidFill>
-              </a:rPr>
-              <a:t>7</a:t>
-            </a:r>
-          </a:p>
-        </p:txBody>
-      </p:sp>
-      <p:sp>
-        <p:nvSpPr>
-          <p:cNvPr id="49" name="Rectangle 48">
-            <a:extLst>
-              <a:ext uri="{FF2B5EF4-FFF2-40B4-BE49-F238E27FC236}">
-                <a16:creationId xmlns:a16="http://schemas.microsoft.com/office/drawing/2014/main" id="{4A7D1764-21E2-4D66-7492-717F099F3F16}"/>
-              </a:ext>
-            </a:extLst>
-          </p:cNvPr>
-          <p:cNvSpPr/>
-          <p:nvPr/>
-        </p:nvSpPr>
-        <p:spPr>
-          <a:xfrm>
-            <a:off x="3660733" y="1048721"/>
-            <a:ext cx="322151" cy="272753"/>
-          </a:xfrm>
-          <a:prstGeom prst="rect">
-            <a:avLst/>
-          </a:prstGeom>
-          <a:solidFill>
-            <a:srgbClr val="FAFDF0"/>
-          </a:solidFill>
-          <a:ln>
-            <a:solidFill>
-              <a:srgbClr val="DDF08B"/>
-            </a:solidFill>
-          </a:ln>
-        </p:spPr>
-        <p:style>
-          <a:lnRef idx="2">
-            <a:schemeClr val="accent1">
-              <a:shade val="15000"/>
-            </a:schemeClr>
-          </a:lnRef>
-          <a:fillRef idx="1">
-            <a:schemeClr val="accent1"/>
-          </a:fillRef>
-          <a:effectRef idx="0">
-            <a:schemeClr val="accent1"/>
-          </a:effectRef>
-          <a:fontRef idx="minor">
-            <a:schemeClr val="lt1"/>
-          </a:fontRef>
-        </p:style>
-        <p:txBody>
-          <a:bodyPr rtlCol="0" anchor="ctr"/>
-          <a:lstStyle/>
-          <a:p>
-            <a:pPr algn="ctr"/>
-            <a:r>
-              <a:rPr lang="en-US" sz="800" dirty="0">
-                <a:solidFill>
-                  <a:schemeClr val="tx1"/>
-                </a:solidFill>
-              </a:rPr>
-              <a:t>1</a:t>
-            </a:r>
-          </a:p>
-        </p:txBody>
-      </p:sp>
-      <p:sp>
-        <p:nvSpPr>
-          <p:cNvPr id="50" name="Rectangle 49">
-            <a:extLst>
-              <a:ext uri="{FF2B5EF4-FFF2-40B4-BE49-F238E27FC236}">
-                <a16:creationId xmlns:a16="http://schemas.microsoft.com/office/drawing/2014/main" id="{7028FAC3-3C8D-B858-B1DF-523FB72B522B}"/>
-              </a:ext>
-            </a:extLst>
-          </p:cNvPr>
-          <p:cNvSpPr/>
-          <p:nvPr/>
-        </p:nvSpPr>
-        <p:spPr>
-          <a:xfrm>
-            <a:off x="4627186" y="1048719"/>
-            <a:ext cx="322151" cy="272753"/>
-          </a:xfrm>
-          <a:prstGeom prst="rect">
-            <a:avLst/>
-          </a:prstGeom>
-          <a:solidFill>
-            <a:srgbClr val="FAFDF0"/>
-          </a:solidFill>
-          <a:ln>
-            <a:solidFill>
-              <a:srgbClr val="DDF08B"/>
-            </a:solidFill>
-          </a:ln>
-        </p:spPr>
-        <p:style>
-          <a:lnRef idx="2">
-            <a:schemeClr val="accent1">
-              <a:shade val="15000"/>
-            </a:schemeClr>
-          </a:lnRef>
-          <a:fillRef idx="1">
-            <a:schemeClr val="accent1"/>
-          </a:fillRef>
-          <a:effectRef idx="0">
-            <a:schemeClr val="accent1"/>
-          </a:effectRef>
-          <a:fontRef idx="minor">
-            <a:schemeClr val="lt1"/>
-          </a:fontRef>
-        </p:style>
-        <p:txBody>
-          <a:bodyPr rtlCol="0" anchor="ctr"/>
-          <a:lstStyle/>
-          <a:p>
-            <a:pPr algn="ctr"/>
-            <a:r>
-              <a:rPr lang="en-US" sz="800" dirty="0">
-                <a:solidFill>
-                  <a:schemeClr val="tx1"/>
-                </a:solidFill>
-              </a:rPr>
-              <a:t>4</a:t>
-            </a:r>
-          </a:p>
-        </p:txBody>
-      </p:sp>
-      <p:sp>
-        <p:nvSpPr>
-          <p:cNvPr id="52" name="Rectangle 51">
-            <a:extLst>
-              <a:ext uri="{FF2B5EF4-FFF2-40B4-BE49-F238E27FC236}">
-                <a16:creationId xmlns:a16="http://schemas.microsoft.com/office/drawing/2014/main" id="{F1C8E97B-59E8-AA4B-6208-83DAB92E4956}"/>
-              </a:ext>
-            </a:extLst>
-          </p:cNvPr>
-          <p:cNvSpPr/>
-          <p:nvPr/>
-        </p:nvSpPr>
-        <p:spPr>
-          <a:xfrm>
-            <a:off x="4305035" y="1048719"/>
-            <a:ext cx="322151" cy="272753"/>
-          </a:xfrm>
-          <a:prstGeom prst="rect">
-            <a:avLst/>
-          </a:prstGeom>
-          <a:solidFill>
-            <a:srgbClr val="FDF8EE"/>
-          </a:solidFill>
-          <a:ln>
-            <a:solidFill>
-              <a:srgbClr val="EFC57B"/>
-            </a:solidFill>
-          </a:ln>
-        </p:spPr>
-        <p:style>
-          <a:lnRef idx="2">
-            <a:schemeClr val="accent1">
-              <a:shade val="15000"/>
-            </a:schemeClr>
-          </a:lnRef>
-          <a:fillRef idx="1">
-            <a:schemeClr val="accent1"/>
-          </a:fillRef>
-          <a:effectRef idx="0">
-            <a:schemeClr val="accent1"/>
-          </a:effectRef>
-          <a:fontRef idx="minor">
-            <a:schemeClr val="lt1"/>
-          </a:fontRef>
-        </p:style>
-        <p:txBody>
-          <a:bodyPr rtlCol="0" anchor="ctr"/>
-          <a:lstStyle/>
-          <a:p>
-            <a:pPr algn="ctr"/>
-            <a:r>
-              <a:rPr lang="en-US" sz="800" dirty="0">
-                <a:solidFill>
-                  <a:schemeClr val="tx1"/>
-                </a:solidFill>
-              </a:rPr>
-              <a:t>3</a:t>
-            </a:r>
-          </a:p>
-        </p:txBody>
-      </p:sp>
-      <p:sp>
-        <p:nvSpPr>
-          <p:cNvPr id="54" name="Rectangle 53">
-            <a:extLst>
-              <a:ext uri="{FF2B5EF4-FFF2-40B4-BE49-F238E27FC236}">
-                <a16:creationId xmlns:a16="http://schemas.microsoft.com/office/drawing/2014/main" id="{0D650888-6EC9-4FC3-A21F-8C274B7705E1}"/>
-              </a:ext>
-            </a:extLst>
-          </p:cNvPr>
-          <p:cNvSpPr/>
-          <p:nvPr/>
-        </p:nvSpPr>
-        <p:spPr>
-          <a:xfrm>
-            <a:off x="3660735" y="1321475"/>
-            <a:ext cx="322151" cy="272753"/>
-          </a:xfrm>
-          <a:prstGeom prst="rect">
-            <a:avLst/>
-          </a:prstGeom>
-          <a:solidFill>
-            <a:srgbClr val="FAFDF0"/>
-          </a:solidFill>
-          <a:ln>
-            <a:solidFill>
-              <a:srgbClr val="DDF08B"/>
-            </a:solidFill>
-          </a:ln>
-        </p:spPr>
-        <p:style>
-          <a:lnRef idx="2">
-            <a:schemeClr val="accent1">
-              <a:shade val="15000"/>
-            </a:schemeClr>
-          </a:lnRef>
-          <a:fillRef idx="1">
-            <a:schemeClr val="accent1"/>
-          </a:fillRef>
-          <a:effectRef idx="0">
-            <a:schemeClr val="accent1"/>
-          </a:effectRef>
-          <a:fontRef idx="minor">
-            <a:schemeClr val="lt1"/>
-          </a:fontRef>
-        </p:style>
-        <p:txBody>
-          <a:bodyPr rtlCol="0" anchor="ctr"/>
-          <a:lstStyle/>
-          <a:p>
-            <a:pPr algn="ctr"/>
-            <a:r>
-              <a:rPr lang="en-US" sz="800" dirty="0">
-                <a:solidFill>
-                  <a:schemeClr val="tx1"/>
-                </a:solidFill>
-              </a:rPr>
-              <a:t>5</a:t>
-            </a:r>
-          </a:p>
-        </p:txBody>
-      </p:sp>
-      <p:sp>
-        <p:nvSpPr>
-          <p:cNvPr id="55" name="Rectangle 54">
-            <a:extLst>
-              <a:ext uri="{FF2B5EF4-FFF2-40B4-BE49-F238E27FC236}">
-                <a16:creationId xmlns:a16="http://schemas.microsoft.com/office/drawing/2014/main" id="{9FA04D04-6D6A-5772-A08B-C836FB07EA00}"/>
-              </a:ext>
-            </a:extLst>
-          </p:cNvPr>
-          <p:cNvSpPr/>
-          <p:nvPr/>
-        </p:nvSpPr>
-        <p:spPr>
-          <a:xfrm>
-            <a:off x="4627188" y="1321473"/>
-            <a:ext cx="322151" cy="272753"/>
-          </a:xfrm>
-          <a:prstGeom prst="rect">
-            <a:avLst/>
-          </a:prstGeom>
-          <a:solidFill>
-            <a:srgbClr val="FAFDF0"/>
-          </a:solidFill>
-          <a:ln>
-            <a:solidFill>
-              <a:srgbClr val="DDF08B"/>
-            </a:solidFill>
-          </a:ln>
-        </p:spPr>
-        <p:style>
-          <a:lnRef idx="2">
-            <a:schemeClr val="accent1">
-              <a:shade val="15000"/>
-            </a:schemeClr>
-          </a:lnRef>
-          <a:fillRef idx="1">
-            <a:schemeClr val="accent1"/>
-          </a:fillRef>
-          <a:effectRef idx="0">
-            <a:schemeClr val="accent1"/>
-          </a:effectRef>
-          <a:fontRef idx="minor">
-            <a:schemeClr val="lt1"/>
-          </a:fontRef>
-        </p:style>
-        <p:txBody>
-          <a:bodyPr rtlCol="0" anchor="ctr"/>
-          <a:lstStyle/>
-          <a:p>
-            <a:pPr algn="ctr"/>
-            <a:r>
-              <a:rPr lang="en-US" sz="800" dirty="0">
-                <a:solidFill>
-                  <a:schemeClr val="tx1"/>
-                </a:solidFill>
-              </a:rPr>
-              <a:t>8</a:t>
-            </a:r>
-          </a:p>
-        </p:txBody>
-      </p:sp>
-      <p:sp>
-        <p:nvSpPr>
-          <p:cNvPr id="57" name="Rectangle 56">
-            <a:extLst>
-              <a:ext uri="{FF2B5EF4-FFF2-40B4-BE49-F238E27FC236}">
-                <a16:creationId xmlns:a16="http://schemas.microsoft.com/office/drawing/2014/main" id="{776FBF86-F37F-11A2-74E9-87B2C95B56E6}"/>
-              </a:ext>
-            </a:extLst>
-          </p:cNvPr>
-          <p:cNvSpPr/>
-          <p:nvPr/>
-        </p:nvSpPr>
-        <p:spPr>
-          <a:xfrm>
-            <a:off x="4305037" y="1321473"/>
-            <a:ext cx="322151" cy="272753"/>
-          </a:xfrm>
-          <a:prstGeom prst="rect">
-            <a:avLst/>
-          </a:prstGeom>
-          <a:solidFill>
-            <a:srgbClr val="FDF8EE"/>
-          </a:solidFill>
-          <a:ln>
-            <a:solidFill>
-              <a:srgbClr val="EFC57B"/>
-            </a:solidFill>
-          </a:ln>
-        </p:spPr>
-        <p:style>
-          <a:lnRef idx="2">
-            <a:schemeClr val="accent1">
-              <a:shade val="15000"/>
-            </a:schemeClr>
-          </a:lnRef>
-          <a:fillRef idx="1">
-            <a:schemeClr val="accent1"/>
-          </a:fillRef>
-          <a:effectRef idx="0">
-            <a:schemeClr val="accent1"/>
-          </a:effectRef>
-          <a:fontRef idx="minor">
-            <a:schemeClr val="lt1"/>
-          </a:fontRef>
-        </p:style>
-        <p:txBody>
-          <a:bodyPr rtlCol="0" anchor="ctr"/>
-          <a:lstStyle/>
-          <a:p>
-            <a:pPr algn="ctr"/>
-            <a:r>
-              <a:rPr lang="en-US" sz="800" dirty="0">
-                <a:solidFill>
-                  <a:schemeClr val="tx1"/>
-                </a:solidFill>
-              </a:rPr>
-              <a:t>7</a:t>
-            </a:r>
-          </a:p>
-        </p:txBody>
-      </p:sp>
-      <p:sp>
-        <p:nvSpPr>
-          <p:cNvPr id="59" name="Rectangle 58">
-            <a:extLst>
-              <a:ext uri="{FF2B5EF4-FFF2-40B4-BE49-F238E27FC236}">
-                <a16:creationId xmlns:a16="http://schemas.microsoft.com/office/drawing/2014/main" id="{CA64CAFE-8771-113F-F84F-04E06EFAEF31}"/>
-              </a:ext>
-            </a:extLst>
-          </p:cNvPr>
-          <p:cNvSpPr/>
-          <p:nvPr/>
-        </p:nvSpPr>
-        <p:spPr>
-          <a:xfrm>
-            <a:off x="3660735" y="1594230"/>
-            <a:ext cx="322151" cy="272753"/>
-          </a:xfrm>
-          <a:prstGeom prst="rect">
-            <a:avLst/>
-          </a:prstGeom>
-          <a:solidFill>
-            <a:srgbClr val="FAFDF0"/>
-          </a:solidFill>
-          <a:ln>
-            <a:solidFill>
-              <a:srgbClr val="DDF08B"/>
-            </a:solidFill>
-          </a:ln>
-        </p:spPr>
-        <p:style>
-          <a:lnRef idx="2">
-            <a:schemeClr val="accent1">
-              <a:shade val="15000"/>
-            </a:schemeClr>
-          </a:lnRef>
-          <a:fillRef idx="1">
-            <a:schemeClr val="accent1"/>
-          </a:fillRef>
-          <a:effectRef idx="0">
-            <a:schemeClr val="accent1"/>
-          </a:effectRef>
-          <a:fontRef idx="minor">
-            <a:schemeClr val="lt1"/>
-          </a:fontRef>
-        </p:style>
-        <p:txBody>
-          <a:bodyPr rtlCol="0" anchor="ctr"/>
-          <a:lstStyle/>
-          <a:p>
-            <a:pPr algn="ctr"/>
-            <a:r>
-              <a:rPr lang="en-US" sz="800" dirty="0">
-                <a:solidFill>
-                  <a:schemeClr val="tx1"/>
-                </a:solidFill>
-              </a:rPr>
-              <a:t>9</a:t>
-            </a:r>
-          </a:p>
-        </p:txBody>
-      </p:sp>
-      <p:sp>
-        <p:nvSpPr>
-          <p:cNvPr id="60" name="Rectangle 59">
-            <a:extLst>
-              <a:ext uri="{FF2B5EF4-FFF2-40B4-BE49-F238E27FC236}">
-                <a16:creationId xmlns:a16="http://schemas.microsoft.com/office/drawing/2014/main" id="{A5846F9D-697F-AFFC-1B41-06825CB77D96}"/>
-              </a:ext>
-            </a:extLst>
-          </p:cNvPr>
-          <p:cNvSpPr/>
-          <p:nvPr/>
-        </p:nvSpPr>
-        <p:spPr>
-          <a:xfrm>
-            <a:off x="4627188" y="1594228"/>
-            <a:ext cx="322151" cy="272753"/>
-          </a:xfrm>
-          <a:prstGeom prst="rect">
-            <a:avLst/>
-          </a:prstGeom>
-          <a:solidFill>
-            <a:srgbClr val="FAFDF0"/>
-          </a:solidFill>
-          <a:ln>
-            <a:solidFill>
-              <a:srgbClr val="DDF08B"/>
-            </a:solidFill>
-          </a:ln>
-        </p:spPr>
-        <p:style>
-          <a:lnRef idx="2">
-            <a:schemeClr val="accent1">
-              <a:shade val="15000"/>
-            </a:schemeClr>
-          </a:lnRef>
-          <a:fillRef idx="1">
-            <a:schemeClr val="accent1"/>
-          </a:fillRef>
-          <a:effectRef idx="0">
-            <a:schemeClr val="accent1"/>
-          </a:effectRef>
-          <a:fontRef idx="minor">
-            <a:schemeClr val="lt1"/>
-          </a:fontRef>
-        </p:style>
-        <p:txBody>
-          <a:bodyPr rtlCol="0" anchor="ctr"/>
-          <a:lstStyle/>
-          <a:p>
-            <a:pPr algn="ctr"/>
-            <a:r>
-              <a:rPr lang="en-US" sz="800" dirty="0">
-                <a:solidFill>
-                  <a:schemeClr val="tx1"/>
-                </a:solidFill>
-              </a:rPr>
-              <a:t>12</a:t>
-            </a:r>
-          </a:p>
-        </p:txBody>
-      </p:sp>
-      <p:sp>
-        <p:nvSpPr>
-          <p:cNvPr id="62" name="Rectangle 61">
-            <a:extLst>
-              <a:ext uri="{FF2B5EF4-FFF2-40B4-BE49-F238E27FC236}">
-                <a16:creationId xmlns:a16="http://schemas.microsoft.com/office/drawing/2014/main" id="{D37D2D7E-DD3C-6860-22F9-C174C620EB60}"/>
-              </a:ext>
-            </a:extLst>
-          </p:cNvPr>
-          <p:cNvSpPr/>
-          <p:nvPr/>
-        </p:nvSpPr>
-        <p:spPr>
-          <a:xfrm>
-            <a:off x="4305037" y="1594228"/>
-            <a:ext cx="322151" cy="272753"/>
-          </a:xfrm>
-          <a:prstGeom prst="rect">
-            <a:avLst/>
-          </a:prstGeom>
-          <a:solidFill>
-            <a:srgbClr val="FDF8EE"/>
-          </a:solidFill>
-          <a:ln>
-            <a:solidFill>
-              <a:srgbClr val="EFC57B"/>
-            </a:solidFill>
-          </a:ln>
-        </p:spPr>
-        <p:style>
-          <a:lnRef idx="2">
-            <a:schemeClr val="accent1">
-              <a:shade val="15000"/>
-            </a:schemeClr>
-          </a:lnRef>
-          <a:fillRef idx="1">
-            <a:schemeClr val="accent1"/>
-          </a:fillRef>
-          <a:effectRef idx="0">
-            <a:schemeClr val="accent1"/>
-          </a:effectRef>
-          <a:fontRef idx="minor">
-            <a:schemeClr val="lt1"/>
-          </a:fontRef>
-        </p:style>
-        <p:txBody>
-          <a:bodyPr rtlCol="0" anchor="ctr"/>
-          <a:lstStyle/>
-          <a:p>
-            <a:pPr algn="ctr"/>
-            <a:r>
-              <a:rPr lang="en-US" sz="800" dirty="0">
-                <a:solidFill>
-                  <a:schemeClr val="tx1"/>
-                </a:solidFill>
-              </a:rPr>
-              <a:t>11</a:t>
-            </a:r>
-          </a:p>
-        </p:txBody>
-      </p:sp>
-      <p:sp>
-        <p:nvSpPr>
-          <p:cNvPr id="64" name="Rectangle 63">
-            <a:extLst>
-              <a:ext uri="{FF2B5EF4-FFF2-40B4-BE49-F238E27FC236}">
-                <a16:creationId xmlns:a16="http://schemas.microsoft.com/office/drawing/2014/main" id="{F54C0963-A758-72B5-F20D-D178B255D1B9}"/>
-              </a:ext>
-            </a:extLst>
-          </p:cNvPr>
-          <p:cNvSpPr/>
-          <p:nvPr/>
-        </p:nvSpPr>
-        <p:spPr>
-          <a:xfrm>
-            <a:off x="3660734" y="1854096"/>
-            <a:ext cx="322151" cy="272753"/>
-          </a:xfrm>
-          <a:prstGeom prst="rect">
-            <a:avLst/>
-          </a:prstGeom>
-          <a:solidFill>
-            <a:srgbClr val="FAFDF0"/>
-          </a:solidFill>
-          <a:ln>
-            <a:solidFill>
-              <a:srgbClr val="DDF08B"/>
-            </a:solidFill>
-          </a:ln>
-        </p:spPr>
-        <p:style>
-          <a:lnRef idx="2">
-            <a:schemeClr val="accent1">
-              <a:shade val="15000"/>
-            </a:schemeClr>
-          </a:lnRef>
-          <a:fillRef idx="1">
-            <a:schemeClr val="accent1"/>
-          </a:fillRef>
-          <a:effectRef idx="0">
-            <a:schemeClr val="accent1"/>
-          </a:effectRef>
-          <a:fontRef idx="minor">
-            <a:schemeClr val="lt1"/>
-          </a:fontRef>
-        </p:style>
-        <p:txBody>
-          <a:bodyPr rtlCol="0" anchor="ctr"/>
-          <a:lstStyle/>
-          <a:p>
-            <a:pPr algn="ctr"/>
-            <a:r>
-              <a:rPr lang="en-US" sz="800" dirty="0">
-                <a:solidFill>
-                  <a:schemeClr val="tx1"/>
-                </a:solidFill>
-              </a:rPr>
-              <a:t>13</a:t>
-            </a:r>
-          </a:p>
-        </p:txBody>
-      </p:sp>
-      <p:sp>
-        <p:nvSpPr>
-          <p:cNvPr id="65" name="Rectangle 64">
-            <a:extLst>
-              <a:ext uri="{FF2B5EF4-FFF2-40B4-BE49-F238E27FC236}">
-                <a16:creationId xmlns:a16="http://schemas.microsoft.com/office/drawing/2014/main" id="{84F3EA4F-53F7-2043-E9D4-A9665C128D35}"/>
-              </a:ext>
-            </a:extLst>
-          </p:cNvPr>
-          <p:cNvSpPr/>
-          <p:nvPr/>
-        </p:nvSpPr>
-        <p:spPr>
-          <a:xfrm>
-            <a:off x="4627189" y="1854096"/>
-            <a:ext cx="322151" cy="272753"/>
-          </a:xfrm>
-          <a:prstGeom prst="rect">
-            <a:avLst/>
-          </a:prstGeom>
-          <a:solidFill>
-            <a:srgbClr val="FAFDF0"/>
-          </a:solidFill>
-          <a:ln>
-            <a:solidFill>
-              <a:srgbClr val="DDF08B"/>
-            </a:solidFill>
-          </a:ln>
-        </p:spPr>
-        <p:style>
-          <a:lnRef idx="2">
-            <a:schemeClr val="accent1">
-              <a:shade val="15000"/>
-            </a:schemeClr>
-          </a:lnRef>
-          <a:fillRef idx="1">
-            <a:schemeClr val="accent1"/>
-          </a:fillRef>
-          <a:effectRef idx="0">
-            <a:schemeClr val="accent1"/>
-          </a:effectRef>
-          <a:fontRef idx="minor">
-            <a:schemeClr val="lt1"/>
-          </a:fontRef>
-        </p:style>
-        <p:txBody>
-          <a:bodyPr rtlCol="0" anchor="ctr"/>
-          <a:lstStyle/>
-          <a:p>
-            <a:pPr algn="ctr"/>
-            <a:r>
-              <a:rPr lang="en-US" sz="800" dirty="0">
-                <a:solidFill>
-                  <a:schemeClr val="tx1"/>
-                </a:solidFill>
-              </a:rPr>
-              <a:t>16</a:t>
-            </a:r>
-          </a:p>
-        </p:txBody>
-      </p:sp>
-      <p:sp>
-        <p:nvSpPr>
-          <p:cNvPr id="67" name="Rectangle 66">
-            <a:extLst>
-              <a:ext uri="{FF2B5EF4-FFF2-40B4-BE49-F238E27FC236}">
-                <a16:creationId xmlns:a16="http://schemas.microsoft.com/office/drawing/2014/main" id="{D17FA440-0319-E1AA-569D-3B07EB90A769}"/>
-              </a:ext>
-            </a:extLst>
-          </p:cNvPr>
-          <p:cNvSpPr/>
-          <p:nvPr/>
-        </p:nvSpPr>
-        <p:spPr>
-          <a:xfrm>
-            <a:off x="4305038" y="1854096"/>
-            <a:ext cx="322151" cy="272753"/>
-          </a:xfrm>
-          <a:prstGeom prst="rect">
-            <a:avLst/>
-          </a:prstGeom>
-          <a:solidFill>
-            <a:srgbClr val="FDF8EE"/>
-          </a:solidFill>
-          <a:ln>
-            <a:solidFill>
-              <a:srgbClr val="EFC57B"/>
-            </a:solidFill>
-          </a:ln>
-        </p:spPr>
-        <p:style>
-          <a:lnRef idx="2">
-            <a:schemeClr val="accent1">
-              <a:shade val="15000"/>
-            </a:schemeClr>
-          </a:lnRef>
-          <a:fillRef idx="1">
-            <a:schemeClr val="accent1"/>
-          </a:fillRef>
-          <a:effectRef idx="0">
-            <a:schemeClr val="accent1"/>
-          </a:effectRef>
-          <a:fontRef idx="minor">
-            <a:schemeClr val="lt1"/>
-          </a:fontRef>
-        </p:style>
-        <p:txBody>
-          <a:bodyPr rtlCol="0" anchor="ctr"/>
-          <a:lstStyle/>
-          <a:p>
-            <a:pPr algn="ctr"/>
-            <a:r>
-              <a:rPr lang="en-US" sz="800" dirty="0">
-                <a:solidFill>
-                  <a:schemeClr val="tx1"/>
-                </a:solidFill>
-              </a:rPr>
-              <a:t>15</a:t>
-            </a:r>
-          </a:p>
-        </p:txBody>
-      </p:sp>
       <p:cxnSp>
         <p:nvCxnSpPr>
-          <p:cNvPr id="69" name="Straight Arrow Connector 68">
-            <a:extLst>
-              <a:ext uri="{FF2B5EF4-FFF2-40B4-BE49-F238E27FC236}">
-                <a16:creationId xmlns:a16="http://schemas.microsoft.com/office/drawing/2014/main" id="{76E46D73-20B1-3A75-6A61-AB5717ED9188}"/>
+          <p:cNvPr id="122" name="Straight Arrow Connector 121">
+            <a:extLst>
+              <a:ext uri="{FF2B5EF4-FFF2-40B4-BE49-F238E27FC236}">
+                <a16:creationId xmlns:a16="http://schemas.microsoft.com/office/drawing/2014/main" id="{D48EE9E8-7C0C-3452-F7EA-B5DAEF8BCDB4}"/>
               </a:ext>
             </a:extLst>
           </p:cNvPr>
@@ -17847,17 +16828,18 @@
         </p:nvCxnSpPr>
         <p:spPr>
           <a:xfrm>
-            <a:off x="439228" y="868984"/>
-            <a:ext cx="0" cy="194502"/>
+            <a:off x="9001377" y="869829"/>
+            <a:ext cx="1311770" cy="0"/>
           </a:xfrm>
           <a:prstGeom prst="straightConnector1">
             <a:avLst/>
           </a:prstGeom>
-          <a:ln w="19050">
-            <a:solidFill>
-              <a:srgbClr val="360084"/>
-            </a:solidFill>
-            <a:tailEnd type="stealth" w="sm" len="sm"/>
+          <a:ln w="22225">
+            <a:solidFill>
+              <a:schemeClr val="tx1"/>
+            </a:solidFill>
+            <a:headEnd type="triangle"/>
+            <a:tailEnd type="triangle"/>
           </a:ln>
         </p:spPr>
         <p:style>
@@ -17877,10 +16859,10 @@
       </p:cxnSp>
       <p:cxnSp>
         <p:nvCxnSpPr>
-          <p:cNvPr id="71" name="Straight Arrow Connector 70">
-            <a:extLst>
-              <a:ext uri="{FF2B5EF4-FFF2-40B4-BE49-F238E27FC236}">
-                <a16:creationId xmlns:a16="http://schemas.microsoft.com/office/drawing/2014/main" id="{4CC98F8C-D2D3-9ACE-F6EE-C26077AC0C44}"/>
+          <p:cNvPr id="123" name="Straight Arrow Connector 122">
+            <a:extLst>
+              <a:ext uri="{FF2B5EF4-FFF2-40B4-BE49-F238E27FC236}">
+                <a16:creationId xmlns:a16="http://schemas.microsoft.com/office/drawing/2014/main" id="{69F25CA2-0415-72CE-7FFA-448D58989C55}"/>
               </a:ext>
             </a:extLst>
           </p:cNvPr>
@@ -17891,17 +16873,18 @@
         </p:nvCxnSpPr>
         <p:spPr>
           <a:xfrm>
-            <a:off x="439228" y="868984"/>
-            <a:ext cx="184666" cy="0"/>
+            <a:off x="6437282" y="334885"/>
+            <a:ext cx="2589053" cy="0"/>
           </a:xfrm>
           <a:prstGeom prst="straightConnector1">
             <a:avLst/>
           </a:prstGeom>
-          <a:ln w="19050">
-            <a:solidFill>
-              <a:srgbClr val="360084"/>
-            </a:solidFill>
-            <a:tailEnd type="stealth" w="sm" len="sm"/>
+          <a:ln w="22225">
+            <a:solidFill>
+              <a:schemeClr val="tx1"/>
+            </a:solidFill>
+            <a:headEnd type="triangle"/>
+            <a:tailEnd type="triangle"/>
           </a:ln>
         </p:spPr>
         <p:style>
@@ -17921,1930 +16904,10 @@
       </p:cxnSp>
       <p:sp>
         <p:nvSpPr>
-          <p:cNvPr id="31" name="Rectangle 30">
-            <a:extLst>
-              <a:ext uri="{FF2B5EF4-FFF2-40B4-BE49-F238E27FC236}">
-                <a16:creationId xmlns:a16="http://schemas.microsoft.com/office/drawing/2014/main" id="{5168576D-BC15-1F08-270D-6DE03EE0D093}"/>
-              </a:ext>
-            </a:extLst>
-          </p:cNvPr>
-          <p:cNvSpPr/>
-          <p:nvPr/>
-        </p:nvSpPr>
-        <p:spPr>
-          <a:xfrm>
-            <a:off x="761379" y="331242"/>
-            <a:ext cx="322151" cy="272753"/>
-          </a:xfrm>
-          <a:prstGeom prst="rect">
-            <a:avLst/>
-          </a:prstGeom>
-          <a:solidFill>
-            <a:srgbClr val="F2EFF6"/>
-          </a:solidFill>
-          <a:ln>
-            <a:solidFill>
-              <a:srgbClr val="360084"/>
-            </a:solidFill>
-          </a:ln>
-        </p:spPr>
-        <p:style>
-          <a:lnRef idx="2">
-            <a:schemeClr val="accent1">
-              <a:shade val="15000"/>
-            </a:schemeClr>
-          </a:lnRef>
-          <a:fillRef idx="1">
-            <a:schemeClr val="accent1"/>
-          </a:fillRef>
-          <a:effectRef idx="0">
-            <a:schemeClr val="accent1"/>
-          </a:effectRef>
-          <a:fontRef idx="minor">
-            <a:schemeClr val="lt1"/>
-          </a:fontRef>
-        </p:style>
-        <p:txBody>
-          <a:bodyPr rtlCol="0" anchor="ctr"/>
-          <a:lstStyle/>
-          <a:p>
-            <a:pPr algn="ctr"/>
-            <a:r>
-              <a:rPr lang="en-US" sz="800" dirty="0">
-                <a:solidFill>
-                  <a:schemeClr val="tx1"/>
-                </a:solidFill>
-              </a:rPr>
-              <a:t>2</a:t>
-            </a:r>
-          </a:p>
-        </p:txBody>
-      </p:sp>
-      <p:sp>
-        <p:nvSpPr>
-          <p:cNvPr id="36" name="Rectangle 35">
-            <a:extLst>
-              <a:ext uri="{FF2B5EF4-FFF2-40B4-BE49-F238E27FC236}">
-                <a16:creationId xmlns:a16="http://schemas.microsoft.com/office/drawing/2014/main" id="{6B95C7A6-AF8D-AB40-3670-A2653DC7EB2A}"/>
-              </a:ext>
-            </a:extLst>
-          </p:cNvPr>
-          <p:cNvSpPr/>
-          <p:nvPr/>
-        </p:nvSpPr>
-        <p:spPr>
-          <a:xfrm>
-            <a:off x="3338586" y="331238"/>
-            <a:ext cx="322151" cy="272753"/>
-          </a:xfrm>
-          <a:prstGeom prst="rect">
-            <a:avLst/>
-          </a:prstGeom>
-          <a:solidFill>
-            <a:srgbClr val="F2EFF6"/>
-          </a:solidFill>
-          <a:ln>
-            <a:solidFill>
-              <a:srgbClr val="360084"/>
-            </a:solidFill>
-          </a:ln>
-        </p:spPr>
-        <p:style>
-          <a:lnRef idx="2">
-            <a:schemeClr val="accent1">
-              <a:shade val="15000"/>
-            </a:schemeClr>
-          </a:lnRef>
-          <a:fillRef idx="1">
-            <a:schemeClr val="accent1"/>
-          </a:fillRef>
-          <a:effectRef idx="0">
-            <a:schemeClr val="accent1"/>
-          </a:effectRef>
-          <a:fontRef idx="minor">
-            <a:schemeClr val="lt1"/>
-          </a:fontRef>
-        </p:style>
-        <p:txBody>
-          <a:bodyPr rtlCol="0" anchor="ctr"/>
-          <a:lstStyle/>
-          <a:p>
-            <a:pPr algn="ctr"/>
-            <a:r>
-              <a:rPr lang="en-US" sz="800" dirty="0">
-                <a:solidFill>
-                  <a:schemeClr val="tx1"/>
-                </a:solidFill>
-              </a:rPr>
-              <a:t>10</a:t>
-            </a:r>
-          </a:p>
-        </p:txBody>
-      </p:sp>
-      <p:sp>
-        <p:nvSpPr>
-          <p:cNvPr id="38" name="Rectangle 37">
-            <a:extLst>
-              <a:ext uri="{FF2B5EF4-FFF2-40B4-BE49-F238E27FC236}">
-                <a16:creationId xmlns:a16="http://schemas.microsoft.com/office/drawing/2014/main" id="{30BD16FE-FE63-CBBC-D873-625693123C74}"/>
-              </a:ext>
-            </a:extLst>
-          </p:cNvPr>
-          <p:cNvSpPr/>
-          <p:nvPr/>
-        </p:nvSpPr>
-        <p:spPr>
-          <a:xfrm>
-            <a:off x="4627189" y="331236"/>
-            <a:ext cx="322151" cy="272753"/>
-          </a:xfrm>
-          <a:prstGeom prst="rect">
-            <a:avLst/>
-          </a:prstGeom>
-          <a:solidFill>
-            <a:srgbClr val="F2EFF6"/>
-          </a:solidFill>
-          <a:ln>
-            <a:solidFill>
-              <a:srgbClr val="360084"/>
-            </a:solidFill>
-          </a:ln>
-        </p:spPr>
-        <p:style>
-          <a:lnRef idx="2">
-            <a:schemeClr val="accent1">
-              <a:shade val="15000"/>
-            </a:schemeClr>
-          </a:lnRef>
-          <a:fillRef idx="1">
-            <a:schemeClr val="accent1"/>
-          </a:fillRef>
-          <a:effectRef idx="0">
-            <a:schemeClr val="accent1"/>
-          </a:effectRef>
-          <a:fontRef idx="minor">
-            <a:schemeClr val="lt1"/>
-          </a:fontRef>
-        </p:style>
-        <p:txBody>
-          <a:bodyPr rtlCol="0" anchor="ctr"/>
-          <a:lstStyle/>
-          <a:p>
-            <a:pPr algn="ctr"/>
-            <a:r>
-              <a:rPr lang="en-US" sz="800" dirty="0">
-                <a:solidFill>
-                  <a:schemeClr val="tx1"/>
-                </a:solidFill>
-              </a:rPr>
-              <a:t>14</a:t>
-            </a:r>
-          </a:p>
-        </p:txBody>
-      </p:sp>
-      <p:sp>
-        <p:nvSpPr>
-          <p:cNvPr id="42" name="Rectangle 41">
-            <a:extLst>
-              <a:ext uri="{FF2B5EF4-FFF2-40B4-BE49-F238E27FC236}">
-                <a16:creationId xmlns:a16="http://schemas.microsoft.com/office/drawing/2014/main" id="{4831B773-B971-D68D-F8FC-11D5F8758866}"/>
-              </a:ext>
-            </a:extLst>
-          </p:cNvPr>
-          <p:cNvSpPr/>
-          <p:nvPr/>
-        </p:nvSpPr>
-        <p:spPr>
-          <a:xfrm>
-            <a:off x="2049983" y="331240"/>
-            <a:ext cx="322151" cy="272753"/>
-          </a:xfrm>
-          <a:prstGeom prst="rect">
-            <a:avLst/>
-          </a:prstGeom>
-          <a:solidFill>
-            <a:srgbClr val="F2EFF6"/>
-          </a:solidFill>
-          <a:ln>
-            <a:solidFill>
-              <a:srgbClr val="360084"/>
-            </a:solidFill>
-          </a:ln>
-        </p:spPr>
-        <p:style>
-          <a:lnRef idx="2">
-            <a:schemeClr val="accent1">
-              <a:shade val="15000"/>
-            </a:schemeClr>
-          </a:lnRef>
-          <a:fillRef idx="1">
-            <a:schemeClr val="accent1"/>
-          </a:fillRef>
-          <a:effectRef idx="0">
-            <a:schemeClr val="accent1"/>
-          </a:effectRef>
-          <a:fontRef idx="minor">
-            <a:schemeClr val="lt1"/>
-          </a:fontRef>
-        </p:style>
-        <p:txBody>
-          <a:bodyPr rtlCol="0" anchor="ctr"/>
-          <a:lstStyle/>
-          <a:p>
-            <a:pPr algn="ctr"/>
-            <a:r>
-              <a:rPr lang="en-US" sz="800" dirty="0">
-                <a:solidFill>
-                  <a:schemeClr val="tx1"/>
-                </a:solidFill>
-              </a:rPr>
-              <a:t>6</a:t>
-            </a:r>
-          </a:p>
-        </p:txBody>
-      </p:sp>
-      <p:sp>
-        <p:nvSpPr>
-          <p:cNvPr id="51" name="Rectangle 50">
-            <a:extLst>
-              <a:ext uri="{FF2B5EF4-FFF2-40B4-BE49-F238E27FC236}">
-                <a16:creationId xmlns:a16="http://schemas.microsoft.com/office/drawing/2014/main" id="{79F3DBF3-1859-ADB9-1279-0A29457B8C22}"/>
-              </a:ext>
-            </a:extLst>
-          </p:cNvPr>
-          <p:cNvSpPr/>
-          <p:nvPr/>
-        </p:nvSpPr>
-        <p:spPr>
-          <a:xfrm>
-            <a:off x="3982884" y="1048720"/>
-            <a:ext cx="322151" cy="272753"/>
-          </a:xfrm>
-          <a:prstGeom prst="rect">
-            <a:avLst/>
-          </a:prstGeom>
-          <a:solidFill>
-            <a:srgbClr val="F2EFF6"/>
-          </a:solidFill>
-          <a:ln>
-            <a:solidFill>
-              <a:srgbClr val="360084"/>
-            </a:solidFill>
-          </a:ln>
-        </p:spPr>
-        <p:style>
-          <a:lnRef idx="2">
-            <a:schemeClr val="accent1">
-              <a:shade val="15000"/>
-            </a:schemeClr>
-          </a:lnRef>
-          <a:fillRef idx="1">
-            <a:schemeClr val="accent1"/>
-          </a:fillRef>
-          <a:effectRef idx="0">
-            <a:schemeClr val="accent1"/>
-          </a:effectRef>
-          <a:fontRef idx="minor">
-            <a:schemeClr val="lt1"/>
-          </a:fontRef>
-        </p:style>
-        <p:txBody>
-          <a:bodyPr rtlCol="0" anchor="ctr"/>
-          <a:lstStyle/>
-          <a:p>
-            <a:pPr algn="ctr"/>
-            <a:r>
-              <a:rPr lang="en-US" sz="800" dirty="0">
-                <a:solidFill>
-                  <a:schemeClr val="tx1"/>
-                </a:solidFill>
-              </a:rPr>
-              <a:t>2</a:t>
-            </a:r>
-          </a:p>
-        </p:txBody>
-      </p:sp>
-      <p:sp>
-        <p:nvSpPr>
-          <p:cNvPr id="56" name="Rectangle 55">
-            <a:extLst>
-              <a:ext uri="{FF2B5EF4-FFF2-40B4-BE49-F238E27FC236}">
-                <a16:creationId xmlns:a16="http://schemas.microsoft.com/office/drawing/2014/main" id="{C8AC15E8-3D5B-DBB1-B641-2B93398DF576}"/>
-              </a:ext>
-            </a:extLst>
-          </p:cNvPr>
-          <p:cNvSpPr/>
-          <p:nvPr/>
-        </p:nvSpPr>
-        <p:spPr>
-          <a:xfrm>
-            <a:off x="3982886" y="1321474"/>
-            <a:ext cx="322151" cy="272753"/>
-          </a:xfrm>
-          <a:prstGeom prst="rect">
-            <a:avLst/>
-          </a:prstGeom>
-          <a:solidFill>
-            <a:srgbClr val="F2EFF6"/>
-          </a:solidFill>
-          <a:ln>
-            <a:solidFill>
-              <a:srgbClr val="360084"/>
-            </a:solidFill>
-          </a:ln>
-        </p:spPr>
-        <p:style>
-          <a:lnRef idx="2">
-            <a:schemeClr val="accent1">
-              <a:shade val="15000"/>
-            </a:schemeClr>
-          </a:lnRef>
-          <a:fillRef idx="1">
-            <a:schemeClr val="accent1"/>
-          </a:fillRef>
-          <a:effectRef idx="0">
-            <a:schemeClr val="accent1"/>
-          </a:effectRef>
-          <a:fontRef idx="minor">
-            <a:schemeClr val="lt1"/>
-          </a:fontRef>
-        </p:style>
-        <p:txBody>
-          <a:bodyPr rtlCol="0" anchor="ctr"/>
-          <a:lstStyle/>
-          <a:p>
-            <a:pPr algn="ctr"/>
-            <a:r>
-              <a:rPr lang="en-US" sz="800" dirty="0">
-                <a:solidFill>
-                  <a:schemeClr val="tx1"/>
-                </a:solidFill>
-              </a:rPr>
-              <a:t>6</a:t>
-            </a:r>
-          </a:p>
-        </p:txBody>
-      </p:sp>
-      <p:sp>
-        <p:nvSpPr>
-          <p:cNvPr id="61" name="Rectangle 60">
-            <a:extLst>
-              <a:ext uri="{FF2B5EF4-FFF2-40B4-BE49-F238E27FC236}">
-                <a16:creationId xmlns:a16="http://schemas.microsoft.com/office/drawing/2014/main" id="{F543ECF9-2658-FC21-BA63-AD862900E938}"/>
-              </a:ext>
-            </a:extLst>
-          </p:cNvPr>
-          <p:cNvSpPr/>
-          <p:nvPr/>
-        </p:nvSpPr>
-        <p:spPr>
-          <a:xfrm>
-            <a:off x="3982886" y="1594229"/>
-            <a:ext cx="322151" cy="272753"/>
-          </a:xfrm>
-          <a:prstGeom prst="rect">
-            <a:avLst/>
-          </a:prstGeom>
-          <a:solidFill>
-            <a:srgbClr val="F2EFF6"/>
-          </a:solidFill>
-          <a:ln>
-            <a:solidFill>
-              <a:srgbClr val="360084"/>
-            </a:solidFill>
-          </a:ln>
-        </p:spPr>
-        <p:style>
-          <a:lnRef idx="2">
-            <a:schemeClr val="accent1">
-              <a:shade val="15000"/>
-            </a:schemeClr>
-          </a:lnRef>
-          <a:fillRef idx="1">
-            <a:schemeClr val="accent1"/>
-          </a:fillRef>
-          <a:effectRef idx="0">
-            <a:schemeClr val="accent1"/>
-          </a:effectRef>
-          <a:fontRef idx="minor">
-            <a:schemeClr val="lt1"/>
-          </a:fontRef>
-        </p:style>
-        <p:txBody>
-          <a:bodyPr rtlCol="0" anchor="ctr"/>
-          <a:lstStyle/>
-          <a:p>
-            <a:pPr algn="ctr"/>
-            <a:r>
-              <a:rPr lang="en-US" sz="800" dirty="0">
-                <a:solidFill>
-                  <a:schemeClr val="tx1"/>
-                </a:solidFill>
-              </a:rPr>
-              <a:t>10</a:t>
-            </a:r>
-          </a:p>
-        </p:txBody>
-      </p:sp>
-      <p:sp>
-        <p:nvSpPr>
-          <p:cNvPr id="66" name="Rectangle 65">
-            <a:extLst>
-              <a:ext uri="{FF2B5EF4-FFF2-40B4-BE49-F238E27FC236}">
-                <a16:creationId xmlns:a16="http://schemas.microsoft.com/office/drawing/2014/main" id="{3BCE47EA-954B-5F29-AFE3-3D6593D62C36}"/>
-              </a:ext>
-            </a:extLst>
-          </p:cNvPr>
-          <p:cNvSpPr/>
-          <p:nvPr/>
-        </p:nvSpPr>
-        <p:spPr>
-          <a:xfrm>
-            <a:off x="3982887" y="1854097"/>
-            <a:ext cx="322151" cy="272753"/>
-          </a:xfrm>
-          <a:prstGeom prst="rect">
-            <a:avLst/>
-          </a:prstGeom>
-          <a:solidFill>
-            <a:srgbClr val="F2EFF6"/>
-          </a:solidFill>
-          <a:ln>
-            <a:solidFill>
-              <a:srgbClr val="360084"/>
-            </a:solidFill>
-          </a:ln>
-        </p:spPr>
-        <p:style>
-          <a:lnRef idx="2">
-            <a:schemeClr val="accent1">
-              <a:shade val="15000"/>
-            </a:schemeClr>
-          </a:lnRef>
-          <a:fillRef idx="1">
-            <a:schemeClr val="accent1"/>
-          </a:fillRef>
-          <a:effectRef idx="0">
-            <a:schemeClr val="accent1"/>
-          </a:effectRef>
-          <a:fontRef idx="minor">
-            <a:schemeClr val="lt1"/>
-          </a:fontRef>
-        </p:style>
-        <p:txBody>
-          <a:bodyPr rtlCol="0" anchor="ctr"/>
-          <a:lstStyle/>
-          <a:p>
-            <a:pPr algn="ctr"/>
-            <a:r>
-              <a:rPr lang="en-US" sz="800" dirty="0">
-                <a:solidFill>
-                  <a:schemeClr val="tx1"/>
-                </a:solidFill>
-              </a:rPr>
-              <a:t>14</a:t>
-            </a:r>
-          </a:p>
-        </p:txBody>
-      </p:sp>
-      <p:sp>
-        <p:nvSpPr>
-          <p:cNvPr id="82" name="Rectangle 81">
-            <a:extLst>
-              <a:ext uri="{FF2B5EF4-FFF2-40B4-BE49-F238E27FC236}">
-                <a16:creationId xmlns:a16="http://schemas.microsoft.com/office/drawing/2014/main" id="{8533DB5C-46C3-7045-F338-2426AEE947E7}"/>
-              </a:ext>
-            </a:extLst>
-          </p:cNvPr>
-          <p:cNvSpPr/>
-          <p:nvPr/>
-        </p:nvSpPr>
-        <p:spPr>
-          <a:xfrm>
-            <a:off x="1083530" y="1048723"/>
-            <a:ext cx="322151" cy="272753"/>
-          </a:xfrm>
-          <a:prstGeom prst="rect">
-            <a:avLst/>
-          </a:prstGeom>
-          <a:solidFill>
-            <a:srgbClr val="FAFDF0"/>
-          </a:solidFill>
-          <a:ln>
-            <a:solidFill>
-              <a:srgbClr val="DDF08B"/>
-            </a:solidFill>
-          </a:ln>
-        </p:spPr>
-        <p:style>
-          <a:lnRef idx="2">
-            <a:schemeClr val="accent1">
-              <a:shade val="15000"/>
-            </a:schemeClr>
-          </a:lnRef>
-          <a:fillRef idx="1">
-            <a:schemeClr val="accent1"/>
-          </a:fillRef>
-          <a:effectRef idx="0">
-            <a:schemeClr val="accent1"/>
-          </a:effectRef>
-          <a:fontRef idx="minor">
-            <a:schemeClr val="lt1"/>
-          </a:fontRef>
-        </p:style>
-        <p:txBody>
-          <a:bodyPr rtlCol="0" anchor="ctr"/>
-          <a:lstStyle/>
-          <a:p>
-            <a:pPr algn="ctr"/>
-            <a:r>
-              <a:rPr lang="en-US" sz="800" dirty="0">
-                <a:solidFill>
-                  <a:schemeClr val="tx1"/>
-                </a:solidFill>
-              </a:rPr>
-              <a:t>0,0</a:t>
-            </a:r>
-          </a:p>
-        </p:txBody>
-      </p:sp>
-      <p:sp>
-        <p:nvSpPr>
-          <p:cNvPr id="83" name="Rectangle 82">
-            <a:extLst>
-              <a:ext uri="{FF2B5EF4-FFF2-40B4-BE49-F238E27FC236}">
-                <a16:creationId xmlns:a16="http://schemas.microsoft.com/office/drawing/2014/main" id="{56B3E579-E649-7FF2-F110-D43A804E0065}"/>
-              </a:ext>
-            </a:extLst>
-          </p:cNvPr>
-          <p:cNvSpPr/>
-          <p:nvPr/>
-        </p:nvSpPr>
-        <p:spPr>
-          <a:xfrm>
-            <a:off x="2049983" y="1048721"/>
-            <a:ext cx="322151" cy="272753"/>
-          </a:xfrm>
-          <a:prstGeom prst="rect">
-            <a:avLst/>
-          </a:prstGeom>
-          <a:solidFill>
-            <a:srgbClr val="FAFDF0"/>
-          </a:solidFill>
-          <a:ln>
-            <a:solidFill>
-              <a:srgbClr val="DDF08B"/>
-            </a:solidFill>
-          </a:ln>
-        </p:spPr>
-        <p:style>
-          <a:lnRef idx="2">
-            <a:schemeClr val="accent1">
-              <a:shade val="15000"/>
-            </a:schemeClr>
-          </a:lnRef>
-          <a:fillRef idx="1">
-            <a:schemeClr val="accent1"/>
-          </a:fillRef>
-          <a:effectRef idx="0">
-            <a:schemeClr val="accent1"/>
-          </a:effectRef>
-          <a:fontRef idx="minor">
-            <a:schemeClr val="lt1"/>
-          </a:fontRef>
-        </p:style>
-        <p:txBody>
-          <a:bodyPr rtlCol="0" anchor="ctr"/>
-          <a:lstStyle/>
-          <a:p>
-            <a:pPr algn="ctr"/>
-            <a:r>
-              <a:rPr lang="en-US" sz="800" dirty="0">
-                <a:solidFill>
-                  <a:schemeClr val="tx1"/>
-                </a:solidFill>
-              </a:rPr>
-              <a:t>0,3</a:t>
-            </a:r>
-          </a:p>
-        </p:txBody>
-      </p:sp>
-      <p:sp>
-        <p:nvSpPr>
-          <p:cNvPr id="84" name="Rectangle 83">
-            <a:extLst>
-              <a:ext uri="{FF2B5EF4-FFF2-40B4-BE49-F238E27FC236}">
-                <a16:creationId xmlns:a16="http://schemas.microsoft.com/office/drawing/2014/main" id="{D94E1292-A457-3F1A-E340-624BF1DEE36F}"/>
-              </a:ext>
-            </a:extLst>
-          </p:cNvPr>
-          <p:cNvSpPr/>
-          <p:nvPr/>
-        </p:nvSpPr>
-        <p:spPr>
-          <a:xfrm>
-            <a:off x="1727832" y="1048721"/>
-            <a:ext cx="322151" cy="272753"/>
-          </a:xfrm>
-          <a:prstGeom prst="rect">
-            <a:avLst/>
-          </a:prstGeom>
-          <a:solidFill>
-            <a:srgbClr val="FDF8EE"/>
-          </a:solidFill>
-          <a:ln>
-            <a:solidFill>
-              <a:srgbClr val="EFC57B"/>
-            </a:solidFill>
-          </a:ln>
-        </p:spPr>
-        <p:style>
-          <a:lnRef idx="2">
-            <a:schemeClr val="accent1">
-              <a:shade val="15000"/>
-            </a:schemeClr>
-          </a:lnRef>
-          <a:fillRef idx="1">
-            <a:schemeClr val="accent1"/>
-          </a:fillRef>
-          <a:effectRef idx="0">
-            <a:schemeClr val="accent1"/>
-          </a:effectRef>
-          <a:fontRef idx="minor">
-            <a:schemeClr val="lt1"/>
-          </a:fontRef>
-        </p:style>
-        <p:txBody>
-          <a:bodyPr rtlCol="0" anchor="ctr"/>
-          <a:lstStyle/>
-          <a:p>
-            <a:pPr algn="ctr"/>
-            <a:r>
-              <a:rPr lang="en-US" sz="800" dirty="0">
-                <a:solidFill>
-                  <a:schemeClr val="tx1"/>
-                </a:solidFill>
-              </a:rPr>
-              <a:t>0,2</a:t>
-            </a:r>
-          </a:p>
-        </p:txBody>
-      </p:sp>
-      <p:sp>
-        <p:nvSpPr>
-          <p:cNvPr id="85" name="Rectangle 84">
-            <a:extLst>
-              <a:ext uri="{FF2B5EF4-FFF2-40B4-BE49-F238E27FC236}">
-                <a16:creationId xmlns:a16="http://schemas.microsoft.com/office/drawing/2014/main" id="{11D08D4C-551F-4136-5FDA-7512B96F140C}"/>
-              </a:ext>
-            </a:extLst>
-          </p:cNvPr>
-          <p:cNvSpPr/>
-          <p:nvPr/>
-        </p:nvSpPr>
-        <p:spPr>
-          <a:xfrm>
-            <a:off x="1083532" y="1321477"/>
-            <a:ext cx="322151" cy="272753"/>
-          </a:xfrm>
-          <a:prstGeom prst="rect">
-            <a:avLst/>
-          </a:prstGeom>
-          <a:solidFill>
-            <a:srgbClr val="FAFDF0"/>
-          </a:solidFill>
-          <a:ln>
-            <a:solidFill>
-              <a:srgbClr val="DDF08B"/>
-            </a:solidFill>
-          </a:ln>
-        </p:spPr>
-        <p:style>
-          <a:lnRef idx="2">
-            <a:schemeClr val="accent1">
-              <a:shade val="15000"/>
-            </a:schemeClr>
-          </a:lnRef>
-          <a:fillRef idx="1">
-            <a:schemeClr val="accent1"/>
-          </a:fillRef>
-          <a:effectRef idx="0">
-            <a:schemeClr val="accent1"/>
-          </a:effectRef>
-          <a:fontRef idx="minor">
-            <a:schemeClr val="lt1"/>
-          </a:fontRef>
-        </p:style>
-        <p:txBody>
-          <a:bodyPr rtlCol="0" anchor="ctr"/>
-          <a:lstStyle/>
-          <a:p>
-            <a:pPr algn="ctr"/>
-            <a:r>
-              <a:rPr lang="en-US" sz="800" dirty="0">
-                <a:solidFill>
-                  <a:schemeClr val="tx1"/>
-                </a:solidFill>
-              </a:rPr>
-              <a:t>1,0</a:t>
-            </a:r>
-          </a:p>
-        </p:txBody>
-      </p:sp>
-      <p:sp>
-        <p:nvSpPr>
-          <p:cNvPr id="86" name="Rectangle 85">
-            <a:extLst>
-              <a:ext uri="{FF2B5EF4-FFF2-40B4-BE49-F238E27FC236}">
-                <a16:creationId xmlns:a16="http://schemas.microsoft.com/office/drawing/2014/main" id="{B6969D93-DE32-641A-CC18-B5A747CE5B9F}"/>
-              </a:ext>
-            </a:extLst>
-          </p:cNvPr>
-          <p:cNvSpPr/>
-          <p:nvPr/>
-        </p:nvSpPr>
-        <p:spPr>
-          <a:xfrm>
-            <a:off x="2049985" y="1321475"/>
-            <a:ext cx="322151" cy="272753"/>
-          </a:xfrm>
-          <a:prstGeom prst="rect">
-            <a:avLst/>
-          </a:prstGeom>
-          <a:solidFill>
-            <a:srgbClr val="FAFDF0"/>
-          </a:solidFill>
-          <a:ln>
-            <a:solidFill>
-              <a:srgbClr val="DDF08B"/>
-            </a:solidFill>
-          </a:ln>
-        </p:spPr>
-        <p:style>
-          <a:lnRef idx="2">
-            <a:schemeClr val="accent1">
-              <a:shade val="15000"/>
-            </a:schemeClr>
-          </a:lnRef>
-          <a:fillRef idx="1">
-            <a:schemeClr val="accent1"/>
-          </a:fillRef>
-          <a:effectRef idx="0">
-            <a:schemeClr val="accent1"/>
-          </a:effectRef>
-          <a:fontRef idx="minor">
-            <a:schemeClr val="lt1"/>
-          </a:fontRef>
-        </p:style>
-        <p:txBody>
-          <a:bodyPr rtlCol="0" anchor="ctr"/>
-          <a:lstStyle/>
-          <a:p>
-            <a:pPr algn="ctr"/>
-            <a:r>
-              <a:rPr lang="en-US" sz="800" dirty="0">
-                <a:solidFill>
-                  <a:schemeClr val="tx1"/>
-                </a:solidFill>
-              </a:rPr>
-              <a:t>1,3</a:t>
-            </a:r>
-          </a:p>
-        </p:txBody>
-      </p:sp>
-      <p:sp>
-        <p:nvSpPr>
-          <p:cNvPr id="87" name="Rectangle 86">
-            <a:extLst>
-              <a:ext uri="{FF2B5EF4-FFF2-40B4-BE49-F238E27FC236}">
-                <a16:creationId xmlns:a16="http://schemas.microsoft.com/office/drawing/2014/main" id="{CAB874DA-AC78-ED18-19B2-D97EC864BB4C}"/>
-              </a:ext>
-            </a:extLst>
-          </p:cNvPr>
-          <p:cNvSpPr/>
-          <p:nvPr/>
-        </p:nvSpPr>
-        <p:spPr>
-          <a:xfrm>
-            <a:off x="1727834" y="1321475"/>
-            <a:ext cx="322151" cy="272753"/>
-          </a:xfrm>
-          <a:prstGeom prst="rect">
-            <a:avLst/>
-          </a:prstGeom>
-          <a:solidFill>
-            <a:srgbClr val="FDF8EE"/>
-          </a:solidFill>
-          <a:ln>
-            <a:solidFill>
-              <a:srgbClr val="EFC57B"/>
-            </a:solidFill>
-          </a:ln>
-        </p:spPr>
-        <p:style>
-          <a:lnRef idx="2">
-            <a:schemeClr val="accent1">
-              <a:shade val="15000"/>
-            </a:schemeClr>
-          </a:lnRef>
-          <a:fillRef idx="1">
-            <a:schemeClr val="accent1"/>
-          </a:fillRef>
-          <a:effectRef idx="0">
-            <a:schemeClr val="accent1"/>
-          </a:effectRef>
-          <a:fontRef idx="minor">
-            <a:schemeClr val="lt1"/>
-          </a:fontRef>
-        </p:style>
-        <p:txBody>
-          <a:bodyPr rtlCol="0" anchor="ctr"/>
-          <a:lstStyle/>
-          <a:p>
-            <a:pPr algn="ctr"/>
-            <a:r>
-              <a:rPr lang="en-US" sz="800" dirty="0">
-                <a:solidFill>
-                  <a:schemeClr val="tx1"/>
-                </a:solidFill>
-              </a:rPr>
-              <a:t>1,2</a:t>
-            </a:r>
-          </a:p>
-        </p:txBody>
-      </p:sp>
-      <p:sp>
-        <p:nvSpPr>
-          <p:cNvPr id="88" name="Rectangle 87">
-            <a:extLst>
-              <a:ext uri="{FF2B5EF4-FFF2-40B4-BE49-F238E27FC236}">
-                <a16:creationId xmlns:a16="http://schemas.microsoft.com/office/drawing/2014/main" id="{A5815F82-9851-2780-2C1C-A2E2A11541D6}"/>
-              </a:ext>
-            </a:extLst>
-          </p:cNvPr>
-          <p:cNvSpPr/>
-          <p:nvPr/>
-        </p:nvSpPr>
-        <p:spPr>
-          <a:xfrm>
-            <a:off x="1083532" y="1594232"/>
-            <a:ext cx="322151" cy="272753"/>
-          </a:xfrm>
-          <a:prstGeom prst="rect">
-            <a:avLst/>
-          </a:prstGeom>
-          <a:solidFill>
-            <a:srgbClr val="FAFDF0"/>
-          </a:solidFill>
-          <a:ln>
-            <a:solidFill>
-              <a:srgbClr val="DDF08B"/>
-            </a:solidFill>
-          </a:ln>
-        </p:spPr>
-        <p:style>
-          <a:lnRef idx="2">
-            <a:schemeClr val="accent1">
-              <a:shade val="15000"/>
-            </a:schemeClr>
-          </a:lnRef>
-          <a:fillRef idx="1">
-            <a:schemeClr val="accent1"/>
-          </a:fillRef>
-          <a:effectRef idx="0">
-            <a:schemeClr val="accent1"/>
-          </a:effectRef>
-          <a:fontRef idx="minor">
-            <a:schemeClr val="lt1"/>
-          </a:fontRef>
-        </p:style>
-        <p:txBody>
-          <a:bodyPr rtlCol="0" anchor="ctr"/>
-          <a:lstStyle/>
-          <a:p>
-            <a:pPr algn="ctr"/>
-            <a:r>
-              <a:rPr lang="en-US" sz="800" dirty="0">
-                <a:solidFill>
-                  <a:schemeClr val="tx1"/>
-                </a:solidFill>
-              </a:rPr>
-              <a:t>2,0</a:t>
-            </a:r>
-          </a:p>
-        </p:txBody>
-      </p:sp>
-      <p:sp>
-        <p:nvSpPr>
-          <p:cNvPr id="89" name="Rectangle 88">
-            <a:extLst>
-              <a:ext uri="{FF2B5EF4-FFF2-40B4-BE49-F238E27FC236}">
-                <a16:creationId xmlns:a16="http://schemas.microsoft.com/office/drawing/2014/main" id="{4088E3A4-95F4-419E-D4E4-73F765B83B83}"/>
-              </a:ext>
-            </a:extLst>
-          </p:cNvPr>
-          <p:cNvSpPr/>
-          <p:nvPr/>
-        </p:nvSpPr>
-        <p:spPr>
-          <a:xfrm>
-            <a:off x="2049985" y="1594230"/>
-            <a:ext cx="322151" cy="272753"/>
-          </a:xfrm>
-          <a:prstGeom prst="rect">
-            <a:avLst/>
-          </a:prstGeom>
-          <a:solidFill>
-            <a:srgbClr val="FAFDF0"/>
-          </a:solidFill>
-          <a:ln>
-            <a:solidFill>
-              <a:srgbClr val="DDF08B"/>
-            </a:solidFill>
-          </a:ln>
-        </p:spPr>
-        <p:style>
-          <a:lnRef idx="2">
-            <a:schemeClr val="accent1">
-              <a:shade val="15000"/>
-            </a:schemeClr>
-          </a:lnRef>
-          <a:fillRef idx="1">
-            <a:schemeClr val="accent1"/>
-          </a:fillRef>
-          <a:effectRef idx="0">
-            <a:schemeClr val="accent1"/>
-          </a:effectRef>
-          <a:fontRef idx="minor">
-            <a:schemeClr val="lt1"/>
-          </a:fontRef>
-        </p:style>
-        <p:txBody>
-          <a:bodyPr rtlCol="0" anchor="ctr"/>
-          <a:lstStyle/>
-          <a:p>
-            <a:pPr algn="ctr"/>
-            <a:r>
-              <a:rPr lang="en-US" sz="800" dirty="0">
-                <a:solidFill>
-                  <a:schemeClr val="tx1"/>
-                </a:solidFill>
-              </a:rPr>
-              <a:t>2,3</a:t>
-            </a:r>
-          </a:p>
-        </p:txBody>
-      </p:sp>
-      <p:sp>
-        <p:nvSpPr>
-          <p:cNvPr id="90" name="Rectangle 89">
-            <a:extLst>
-              <a:ext uri="{FF2B5EF4-FFF2-40B4-BE49-F238E27FC236}">
-                <a16:creationId xmlns:a16="http://schemas.microsoft.com/office/drawing/2014/main" id="{A7BD2B1A-7081-963F-FFD8-E9D2E2A174A4}"/>
-              </a:ext>
-            </a:extLst>
-          </p:cNvPr>
-          <p:cNvSpPr/>
-          <p:nvPr/>
-        </p:nvSpPr>
-        <p:spPr>
-          <a:xfrm>
-            <a:off x="1727834" y="1594230"/>
-            <a:ext cx="322151" cy="272753"/>
-          </a:xfrm>
-          <a:prstGeom prst="rect">
-            <a:avLst/>
-          </a:prstGeom>
-          <a:solidFill>
-            <a:srgbClr val="FDF8EE"/>
-          </a:solidFill>
-          <a:ln>
-            <a:solidFill>
-              <a:srgbClr val="EFC57B"/>
-            </a:solidFill>
-          </a:ln>
-        </p:spPr>
-        <p:style>
-          <a:lnRef idx="2">
-            <a:schemeClr val="accent1">
-              <a:shade val="15000"/>
-            </a:schemeClr>
-          </a:lnRef>
-          <a:fillRef idx="1">
-            <a:schemeClr val="accent1"/>
-          </a:fillRef>
-          <a:effectRef idx="0">
-            <a:schemeClr val="accent1"/>
-          </a:effectRef>
-          <a:fontRef idx="minor">
-            <a:schemeClr val="lt1"/>
-          </a:fontRef>
-        </p:style>
-        <p:txBody>
-          <a:bodyPr rtlCol="0" anchor="ctr"/>
-          <a:lstStyle/>
-          <a:p>
-            <a:pPr algn="ctr"/>
-            <a:r>
-              <a:rPr lang="en-US" sz="800" dirty="0">
-                <a:solidFill>
-                  <a:schemeClr val="tx1"/>
-                </a:solidFill>
-              </a:rPr>
-              <a:t>2,2</a:t>
-            </a:r>
-          </a:p>
-        </p:txBody>
-      </p:sp>
-      <p:sp>
-        <p:nvSpPr>
-          <p:cNvPr id="91" name="Rectangle 90">
-            <a:extLst>
-              <a:ext uri="{FF2B5EF4-FFF2-40B4-BE49-F238E27FC236}">
-                <a16:creationId xmlns:a16="http://schemas.microsoft.com/office/drawing/2014/main" id="{C7806787-CF21-C99B-C36E-7502B05270E3}"/>
-              </a:ext>
-            </a:extLst>
-          </p:cNvPr>
-          <p:cNvSpPr/>
-          <p:nvPr/>
-        </p:nvSpPr>
-        <p:spPr>
-          <a:xfrm>
-            <a:off x="1083531" y="1854098"/>
-            <a:ext cx="322151" cy="272753"/>
-          </a:xfrm>
-          <a:prstGeom prst="rect">
-            <a:avLst/>
-          </a:prstGeom>
-          <a:solidFill>
-            <a:srgbClr val="FAFDF0"/>
-          </a:solidFill>
-          <a:ln>
-            <a:solidFill>
-              <a:srgbClr val="DDF08B"/>
-            </a:solidFill>
-          </a:ln>
-        </p:spPr>
-        <p:style>
-          <a:lnRef idx="2">
-            <a:schemeClr val="accent1">
-              <a:shade val="15000"/>
-            </a:schemeClr>
-          </a:lnRef>
-          <a:fillRef idx="1">
-            <a:schemeClr val="accent1"/>
-          </a:fillRef>
-          <a:effectRef idx="0">
-            <a:schemeClr val="accent1"/>
-          </a:effectRef>
-          <a:fontRef idx="minor">
-            <a:schemeClr val="lt1"/>
-          </a:fontRef>
-        </p:style>
-        <p:txBody>
-          <a:bodyPr rtlCol="0" anchor="ctr"/>
-          <a:lstStyle/>
-          <a:p>
-            <a:pPr algn="ctr"/>
-            <a:r>
-              <a:rPr lang="en-US" sz="800" dirty="0">
-                <a:solidFill>
-                  <a:schemeClr val="tx1"/>
-                </a:solidFill>
-              </a:rPr>
-              <a:t>3,0</a:t>
-            </a:r>
-          </a:p>
-        </p:txBody>
-      </p:sp>
-      <p:sp>
-        <p:nvSpPr>
-          <p:cNvPr id="92" name="Rectangle 91">
-            <a:extLst>
-              <a:ext uri="{FF2B5EF4-FFF2-40B4-BE49-F238E27FC236}">
-                <a16:creationId xmlns:a16="http://schemas.microsoft.com/office/drawing/2014/main" id="{2ED46335-3ED9-3FC8-A8AB-5A94D4A2DAFD}"/>
-              </a:ext>
-            </a:extLst>
-          </p:cNvPr>
-          <p:cNvSpPr/>
-          <p:nvPr/>
-        </p:nvSpPr>
-        <p:spPr>
-          <a:xfrm>
-            <a:off x="2049986" y="1854098"/>
-            <a:ext cx="322151" cy="272753"/>
-          </a:xfrm>
-          <a:prstGeom prst="rect">
-            <a:avLst/>
-          </a:prstGeom>
-          <a:solidFill>
-            <a:srgbClr val="FAFDF0"/>
-          </a:solidFill>
-          <a:ln>
-            <a:solidFill>
-              <a:srgbClr val="DDF08B"/>
-            </a:solidFill>
-          </a:ln>
-        </p:spPr>
-        <p:style>
-          <a:lnRef idx="2">
-            <a:schemeClr val="accent1">
-              <a:shade val="15000"/>
-            </a:schemeClr>
-          </a:lnRef>
-          <a:fillRef idx="1">
-            <a:schemeClr val="accent1"/>
-          </a:fillRef>
-          <a:effectRef idx="0">
-            <a:schemeClr val="accent1"/>
-          </a:effectRef>
-          <a:fontRef idx="minor">
-            <a:schemeClr val="lt1"/>
-          </a:fontRef>
-        </p:style>
-        <p:txBody>
-          <a:bodyPr rtlCol="0" anchor="ctr"/>
-          <a:lstStyle/>
-          <a:p>
-            <a:pPr algn="ctr"/>
-            <a:r>
-              <a:rPr lang="en-US" sz="800" dirty="0">
-                <a:solidFill>
-                  <a:schemeClr val="tx1"/>
-                </a:solidFill>
-              </a:rPr>
-              <a:t>3,3</a:t>
-            </a:r>
-          </a:p>
-        </p:txBody>
-      </p:sp>
-      <p:sp>
-        <p:nvSpPr>
-          <p:cNvPr id="93" name="Rectangle 92">
-            <a:extLst>
-              <a:ext uri="{FF2B5EF4-FFF2-40B4-BE49-F238E27FC236}">
-                <a16:creationId xmlns:a16="http://schemas.microsoft.com/office/drawing/2014/main" id="{8D287765-F8D9-D6A1-2EA9-5EEC8E0140BB}"/>
-              </a:ext>
-            </a:extLst>
-          </p:cNvPr>
-          <p:cNvSpPr/>
-          <p:nvPr/>
-        </p:nvSpPr>
-        <p:spPr>
-          <a:xfrm>
-            <a:off x="1727835" y="1854098"/>
-            <a:ext cx="322151" cy="272753"/>
-          </a:xfrm>
-          <a:prstGeom prst="rect">
-            <a:avLst/>
-          </a:prstGeom>
-          <a:solidFill>
-            <a:srgbClr val="FDF8EE"/>
-          </a:solidFill>
-          <a:ln>
-            <a:solidFill>
-              <a:srgbClr val="EFC57B"/>
-            </a:solidFill>
-          </a:ln>
-        </p:spPr>
-        <p:style>
-          <a:lnRef idx="2">
-            <a:schemeClr val="accent1">
-              <a:shade val="15000"/>
-            </a:schemeClr>
-          </a:lnRef>
-          <a:fillRef idx="1">
-            <a:schemeClr val="accent1"/>
-          </a:fillRef>
-          <a:effectRef idx="0">
-            <a:schemeClr val="accent1"/>
-          </a:effectRef>
-          <a:fontRef idx="minor">
-            <a:schemeClr val="lt1"/>
-          </a:fontRef>
-        </p:style>
-        <p:txBody>
-          <a:bodyPr rtlCol="0" anchor="ctr"/>
-          <a:lstStyle/>
-          <a:p>
-            <a:pPr algn="ctr"/>
-            <a:r>
-              <a:rPr lang="en-US" sz="800" dirty="0">
-                <a:solidFill>
-                  <a:schemeClr val="tx1"/>
-                </a:solidFill>
-              </a:rPr>
-              <a:t>3,2</a:t>
-            </a:r>
-          </a:p>
-        </p:txBody>
-      </p:sp>
-      <p:sp>
-        <p:nvSpPr>
-          <p:cNvPr id="94" name="Rectangle 93">
-            <a:extLst>
-              <a:ext uri="{FF2B5EF4-FFF2-40B4-BE49-F238E27FC236}">
-                <a16:creationId xmlns:a16="http://schemas.microsoft.com/office/drawing/2014/main" id="{75D803D0-CF3E-F6E7-14CF-7107010C1FB6}"/>
-              </a:ext>
-            </a:extLst>
-          </p:cNvPr>
-          <p:cNvSpPr/>
-          <p:nvPr/>
-        </p:nvSpPr>
-        <p:spPr>
-          <a:xfrm>
-            <a:off x="1405681" y="1048722"/>
-            <a:ext cx="322151" cy="272753"/>
-          </a:xfrm>
-          <a:prstGeom prst="rect">
-            <a:avLst/>
-          </a:prstGeom>
-          <a:solidFill>
-            <a:srgbClr val="F2EFF6"/>
-          </a:solidFill>
-          <a:ln>
-            <a:solidFill>
-              <a:srgbClr val="360084"/>
-            </a:solidFill>
-          </a:ln>
-        </p:spPr>
-        <p:style>
-          <a:lnRef idx="2">
-            <a:schemeClr val="accent1">
-              <a:shade val="15000"/>
-            </a:schemeClr>
-          </a:lnRef>
-          <a:fillRef idx="1">
-            <a:schemeClr val="accent1"/>
-          </a:fillRef>
-          <a:effectRef idx="0">
-            <a:schemeClr val="accent1"/>
-          </a:effectRef>
-          <a:fontRef idx="minor">
-            <a:schemeClr val="lt1"/>
-          </a:fontRef>
-        </p:style>
-        <p:txBody>
-          <a:bodyPr rtlCol="0" anchor="ctr"/>
-          <a:lstStyle/>
-          <a:p>
-            <a:pPr algn="ctr"/>
-            <a:r>
-              <a:rPr lang="en-US" sz="800" dirty="0">
-                <a:solidFill>
-                  <a:schemeClr val="tx1"/>
-                </a:solidFill>
-              </a:rPr>
-              <a:t>0,1</a:t>
-            </a:r>
-          </a:p>
-        </p:txBody>
-      </p:sp>
-      <p:sp>
-        <p:nvSpPr>
-          <p:cNvPr id="95" name="Rectangle 94">
-            <a:extLst>
-              <a:ext uri="{FF2B5EF4-FFF2-40B4-BE49-F238E27FC236}">
-                <a16:creationId xmlns:a16="http://schemas.microsoft.com/office/drawing/2014/main" id="{EF49F503-EEFA-5FAC-439F-F202E21D9AB7}"/>
-              </a:ext>
-            </a:extLst>
-          </p:cNvPr>
-          <p:cNvSpPr/>
-          <p:nvPr/>
-        </p:nvSpPr>
-        <p:spPr>
-          <a:xfrm>
-            <a:off x="1405683" y="1321476"/>
-            <a:ext cx="322151" cy="272753"/>
-          </a:xfrm>
-          <a:prstGeom prst="rect">
-            <a:avLst/>
-          </a:prstGeom>
-          <a:solidFill>
-            <a:srgbClr val="F2EFF6"/>
-          </a:solidFill>
-          <a:ln>
-            <a:solidFill>
-              <a:srgbClr val="360084"/>
-            </a:solidFill>
-          </a:ln>
-        </p:spPr>
-        <p:style>
-          <a:lnRef idx="2">
-            <a:schemeClr val="accent1">
-              <a:shade val="15000"/>
-            </a:schemeClr>
-          </a:lnRef>
-          <a:fillRef idx="1">
-            <a:schemeClr val="accent1"/>
-          </a:fillRef>
-          <a:effectRef idx="0">
-            <a:schemeClr val="accent1"/>
-          </a:effectRef>
-          <a:fontRef idx="minor">
-            <a:schemeClr val="lt1"/>
-          </a:fontRef>
-        </p:style>
-        <p:txBody>
-          <a:bodyPr rtlCol="0" anchor="ctr"/>
-          <a:lstStyle/>
-          <a:p>
-            <a:pPr algn="ctr"/>
-            <a:r>
-              <a:rPr lang="en-US" sz="800" dirty="0">
-                <a:solidFill>
-                  <a:schemeClr val="tx1"/>
-                </a:solidFill>
-              </a:rPr>
-              <a:t>1,1</a:t>
-            </a:r>
-          </a:p>
-        </p:txBody>
-      </p:sp>
-      <p:sp>
-        <p:nvSpPr>
-          <p:cNvPr id="96" name="Rectangle 95">
-            <a:extLst>
-              <a:ext uri="{FF2B5EF4-FFF2-40B4-BE49-F238E27FC236}">
-                <a16:creationId xmlns:a16="http://schemas.microsoft.com/office/drawing/2014/main" id="{A3494733-027E-59FC-106D-505B4716ABE2}"/>
-              </a:ext>
-            </a:extLst>
-          </p:cNvPr>
-          <p:cNvSpPr/>
-          <p:nvPr/>
-        </p:nvSpPr>
-        <p:spPr>
-          <a:xfrm>
-            <a:off x="1405683" y="1594231"/>
-            <a:ext cx="322151" cy="272753"/>
-          </a:xfrm>
-          <a:prstGeom prst="rect">
-            <a:avLst/>
-          </a:prstGeom>
-          <a:solidFill>
-            <a:srgbClr val="F2EFF6"/>
-          </a:solidFill>
-          <a:ln>
-            <a:solidFill>
-              <a:srgbClr val="360084"/>
-            </a:solidFill>
-          </a:ln>
-        </p:spPr>
-        <p:style>
-          <a:lnRef idx="2">
-            <a:schemeClr val="accent1">
-              <a:shade val="15000"/>
-            </a:schemeClr>
-          </a:lnRef>
-          <a:fillRef idx="1">
-            <a:schemeClr val="accent1"/>
-          </a:fillRef>
-          <a:effectRef idx="0">
-            <a:schemeClr val="accent1"/>
-          </a:effectRef>
-          <a:fontRef idx="minor">
-            <a:schemeClr val="lt1"/>
-          </a:fontRef>
-        </p:style>
-        <p:txBody>
-          <a:bodyPr rtlCol="0" anchor="ctr"/>
-          <a:lstStyle/>
-          <a:p>
-            <a:pPr algn="ctr"/>
-            <a:r>
-              <a:rPr lang="en-US" sz="800" dirty="0">
-                <a:solidFill>
-                  <a:schemeClr val="tx1"/>
-                </a:solidFill>
-              </a:rPr>
-              <a:t>2,1</a:t>
-            </a:r>
-          </a:p>
-        </p:txBody>
-      </p:sp>
-      <p:sp>
-        <p:nvSpPr>
-          <p:cNvPr id="97" name="Rectangle 96">
-            <a:extLst>
-              <a:ext uri="{FF2B5EF4-FFF2-40B4-BE49-F238E27FC236}">
-                <a16:creationId xmlns:a16="http://schemas.microsoft.com/office/drawing/2014/main" id="{47A6082A-2A5F-6096-3F4D-2C8443F43BF8}"/>
-              </a:ext>
-            </a:extLst>
-          </p:cNvPr>
-          <p:cNvSpPr/>
-          <p:nvPr/>
-        </p:nvSpPr>
-        <p:spPr>
-          <a:xfrm>
-            <a:off x="1405684" y="1854099"/>
-            <a:ext cx="322151" cy="272753"/>
-          </a:xfrm>
-          <a:prstGeom prst="rect">
-            <a:avLst/>
-          </a:prstGeom>
-          <a:solidFill>
-            <a:srgbClr val="F2EFF6"/>
-          </a:solidFill>
-          <a:ln>
-            <a:solidFill>
-              <a:srgbClr val="360084"/>
-            </a:solidFill>
-          </a:ln>
-        </p:spPr>
-        <p:style>
-          <a:lnRef idx="2">
-            <a:schemeClr val="accent1">
-              <a:shade val="15000"/>
-            </a:schemeClr>
-          </a:lnRef>
-          <a:fillRef idx="1">
-            <a:schemeClr val="accent1"/>
-          </a:fillRef>
-          <a:effectRef idx="0">
-            <a:schemeClr val="accent1"/>
-          </a:effectRef>
-          <a:fontRef idx="minor">
-            <a:schemeClr val="lt1"/>
-          </a:fontRef>
-        </p:style>
-        <p:txBody>
-          <a:bodyPr rtlCol="0" anchor="ctr"/>
-          <a:lstStyle/>
-          <a:p>
-            <a:pPr algn="ctr"/>
-            <a:r>
-              <a:rPr lang="en-US" sz="800" dirty="0">
-                <a:solidFill>
-                  <a:schemeClr val="tx1"/>
-                </a:solidFill>
-              </a:rPr>
-              <a:t>3,1</a:t>
-            </a:r>
-          </a:p>
-        </p:txBody>
-      </p:sp>
-      <p:sp>
-        <p:nvSpPr>
-          <p:cNvPr id="98" name="Rectangle 97">
-            <a:extLst>
-              <a:ext uri="{FF2B5EF4-FFF2-40B4-BE49-F238E27FC236}">
-                <a16:creationId xmlns:a16="http://schemas.microsoft.com/office/drawing/2014/main" id="{99797FFC-DF82-C24F-C1BD-2B20EA47EB58}"/>
-              </a:ext>
-            </a:extLst>
-          </p:cNvPr>
-          <p:cNvSpPr/>
-          <p:nvPr/>
-        </p:nvSpPr>
-        <p:spPr>
-          <a:xfrm>
-            <a:off x="1083528" y="775968"/>
-            <a:ext cx="322151" cy="272753"/>
-          </a:xfrm>
-          <a:prstGeom prst="rect">
-            <a:avLst/>
-          </a:prstGeom>
-          <a:noFill/>
-          <a:ln>
-            <a:noFill/>
-          </a:ln>
-        </p:spPr>
-        <p:style>
-          <a:lnRef idx="2">
-            <a:schemeClr val="accent1">
-              <a:shade val="15000"/>
-            </a:schemeClr>
-          </a:lnRef>
-          <a:fillRef idx="1">
-            <a:schemeClr val="accent1"/>
-          </a:fillRef>
-          <a:effectRef idx="0">
-            <a:schemeClr val="accent1"/>
-          </a:effectRef>
-          <a:fontRef idx="minor">
-            <a:schemeClr val="lt1"/>
-          </a:fontRef>
-        </p:style>
-        <p:txBody>
-          <a:bodyPr rtlCol="0" anchor="ctr"/>
-          <a:lstStyle/>
-          <a:p>
-            <a:pPr algn="ctr"/>
-            <a:r>
-              <a:rPr lang="en-US" sz="800" dirty="0">
-                <a:solidFill>
-                  <a:schemeClr val="tx1"/>
-                </a:solidFill>
-              </a:rPr>
-              <a:t>0</a:t>
-            </a:r>
-          </a:p>
-        </p:txBody>
-      </p:sp>
-      <p:sp>
-        <p:nvSpPr>
-          <p:cNvPr id="99" name="Rectangle 98">
-            <a:extLst>
-              <a:ext uri="{FF2B5EF4-FFF2-40B4-BE49-F238E27FC236}">
-                <a16:creationId xmlns:a16="http://schemas.microsoft.com/office/drawing/2014/main" id="{9D4D3872-BD96-0EF4-D12E-0BD07E35B1E9}"/>
-              </a:ext>
-            </a:extLst>
-          </p:cNvPr>
-          <p:cNvSpPr/>
-          <p:nvPr/>
-        </p:nvSpPr>
-        <p:spPr>
-          <a:xfrm>
-            <a:off x="2049981" y="775966"/>
-            <a:ext cx="322151" cy="272753"/>
-          </a:xfrm>
-          <a:prstGeom prst="rect">
-            <a:avLst/>
-          </a:prstGeom>
-          <a:noFill/>
-          <a:ln>
-            <a:noFill/>
-          </a:ln>
-        </p:spPr>
-        <p:style>
-          <a:lnRef idx="2">
-            <a:schemeClr val="accent1">
-              <a:shade val="15000"/>
-            </a:schemeClr>
-          </a:lnRef>
-          <a:fillRef idx="1">
-            <a:schemeClr val="accent1"/>
-          </a:fillRef>
-          <a:effectRef idx="0">
-            <a:schemeClr val="accent1"/>
-          </a:effectRef>
-          <a:fontRef idx="minor">
-            <a:schemeClr val="lt1"/>
-          </a:fontRef>
-        </p:style>
-        <p:txBody>
-          <a:bodyPr rtlCol="0" anchor="ctr"/>
-          <a:lstStyle/>
-          <a:p>
-            <a:pPr algn="ctr"/>
-            <a:r>
-              <a:rPr lang="en-US" sz="800" dirty="0">
-                <a:solidFill>
-                  <a:schemeClr val="tx1"/>
-                </a:solidFill>
-              </a:rPr>
-              <a:t>3</a:t>
-            </a:r>
-          </a:p>
-        </p:txBody>
-      </p:sp>
-      <p:sp>
-        <p:nvSpPr>
-          <p:cNvPr id="100" name="Rectangle 99">
-            <a:extLst>
-              <a:ext uri="{FF2B5EF4-FFF2-40B4-BE49-F238E27FC236}">
-                <a16:creationId xmlns:a16="http://schemas.microsoft.com/office/drawing/2014/main" id="{142A07F7-3DF2-AA56-9B90-71DF0C5757AC}"/>
-              </a:ext>
-            </a:extLst>
-          </p:cNvPr>
-          <p:cNvSpPr/>
-          <p:nvPr/>
-        </p:nvSpPr>
-        <p:spPr>
-          <a:xfrm>
-            <a:off x="1727830" y="775966"/>
-            <a:ext cx="322151" cy="272753"/>
-          </a:xfrm>
-          <a:prstGeom prst="rect">
-            <a:avLst/>
-          </a:prstGeom>
-          <a:noFill/>
-          <a:ln>
-            <a:noFill/>
-          </a:ln>
-        </p:spPr>
-        <p:style>
-          <a:lnRef idx="2">
-            <a:schemeClr val="accent1">
-              <a:shade val="15000"/>
-            </a:schemeClr>
-          </a:lnRef>
-          <a:fillRef idx="1">
-            <a:schemeClr val="accent1"/>
-          </a:fillRef>
-          <a:effectRef idx="0">
-            <a:schemeClr val="accent1"/>
-          </a:effectRef>
-          <a:fontRef idx="minor">
-            <a:schemeClr val="lt1"/>
-          </a:fontRef>
-        </p:style>
-        <p:txBody>
-          <a:bodyPr rtlCol="0" anchor="ctr"/>
-          <a:lstStyle/>
-          <a:p>
-            <a:pPr algn="ctr"/>
-            <a:r>
-              <a:rPr lang="en-US" sz="800" dirty="0">
-                <a:solidFill>
-                  <a:schemeClr val="tx1"/>
-                </a:solidFill>
-              </a:rPr>
-              <a:t>2</a:t>
-            </a:r>
-          </a:p>
-        </p:txBody>
-      </p:sp>
-      <p:sp>
-        <p:nvSpPr>
-          <p:cNvPr id="101" name="Rectangle 100">
-            <a:extLst>
-              <a:ext uri="{FF2B5EF4-FFF2-40B4-BE49-F238E27FC236}">
-                <a16:creationId xmlns:a16="http://schemas.microsoft.com/office/drawing/2014/main" id="{553B8167-0169-911D-A207-E7C48E8CF456}"/>
-              </a:ext>
-            </a:extLst>
-          </p:cNvPr>
-          <p:cNvSpPr/>
-          <p:nvPr/>
-        </p:nvSpPr>
-        <p:spPr>
-          <a:xfrm>
-            <a:off x="1405679" y="775967"/>
-            <a:ext cx="322151" cy="272753"/>
-          </a:xfrm>
-          <a:prstGeom prst="rect">
-            <a:avLst/>
-          </a:prstGeom>
-          <a:noFill/>
-          <a:ln>
-            <a:noFill/>
-          </a:ln>
-        </p:spPr>
-        <p:style>
-          <a:lnRef idx="2">
-            <a:schemeClr val="accent1">
-              <a:shade val="15000"/>
-            </a:schemeClr>
-          </a:lnRef>
-          <a:fillRef idx="1">
-            <a:schemeClr val="accent1"/>
-          </a:fillRef>
-          <a:effectRef idx="0">
-            <a:schemeClr val="accent1"/>
-          </a:effectRef>
-          <a:fontRef idx="minor">
-            <a:schemeClr val="lt1"/>
-          </a:fontRef>
-        </p:style>
-        <p:txBody>
-          <a:bodyPr rtlCol="0" anchor="ctr"/>
-          <a:lstStyle/>
-          <a:p>
-            <a:pPr algn="ctr"/>
-            <a:r>
-              <a:rPr lang="en-US" sz="800" dirty="0">
-                <a:solidFill>
-                  <a:schemeClr val="tx1"/>
-                </a:solidFill>
-              </a:rPr>
-              <a:t>1</a:t>
-            </a:r>
-          </a:p>
-        </p:txBody>
-      </p:sp>
-      <p:sp>
-        <p:nvSpPr>
-          <p:cNvPr id="102" name="Rectangle 101">
-            <a:extLst>
-              <a:ext uri="{FF2B5EF4-FFF2-40B4-BE49-F238E27FC236}">
-                <a16:creationId xmlns:a16="http://schemas.microsoft.com/office/drawing/2014/main" id="{223BEC3C-EA8D-E27C-DBBB-A0046C9B1C0E}"/>
-              </a:ext>
-            </a:extLst>
-          </p:cNvPr>
-          <p:cNvSpPr/>
-          <p:nvPr/>
-        </p:nvSpPr>
-        <p:spPr>
-          <a:xfrm>
-            <a:off x="758633" y="1048723"/>
-            <a:ext cx="322151" cy="272753"/>
-          </a:xfrm>
-          <a:prstGeom prst="rect">
-            <a:avLst/>
-          </a:prstGeom>
-          <a:noFill/>
-          <a:ln>
-            <a:noFill/>
-          </a:ln>
-        </p:spPr>
-        <p:style>
-          <a:lnRef idx="2">
-            <a:schemeClr val="accent1">
-              <a:shade val="15000"/>
-            </a:schemeClr>
-          </a:lnRef>
-          <a:fillRef idx="1">
-            <a:schemeClr val="accent1"/>
-          </a:fillRef>
-          <a:effectRef idx="0">
-            <a:schemeClr val="accent1"/>
-          </a:effectRef>
-          <a:fontRef idx="minor">
-            <a:schemeClr val="lt1"/>
-          </a:fontRef>
-        </p:style>
-        <p:txBody>
-          <a:bodyPr rtlCol="0" anchor="ctr"/>
-          <a:lstStyle/>
-          <a:p>
-            <a:pPr algn="ctr"/>
-            <a:r>
-              <a:rPr lang="en-US" sz="800" dirty="0">
-                <a:solidFill>
-                  <a:schemeClr val="tx1"/>
-                </a:solidFill>
-              </a:rPr>
-              <a:t>0</a:t>
-            </a:r>
-          </a:p>
-        </p:txBody>
-      </p:sp>
-      <p:sp>
-        <p:nvSpPr>
-          <p:cNvPr id="103" name="Rectangle 102">
-            <a:extLst>
-              <a:ext uri="{FF2B5EF4-FFF2-40B4-BE49-F238E27FC236}">
-                <a16:creationId xmlns:a16="http://schemas.microsoft.com/office/drawing/2014/main" id="{18E24A74-400B-DA80-3656-8C90305854C0}"/>
-              </a:ext>
-            </a:extLst>
-          </p:cNvPr>
-          <p:cNvSpPr/>
-          <p:nvPr/>
-        </p:nvSpPr>
-        <p:spPr>
-          <a:xfrm>
-            <a:off x="758635" y="1321477"/>
-            <a:ext cx="322151" cy="272753"/>
-          </a:xfrm>
-          <a:prstGeom prst="rect">
-            <a:avLst/>
-          </a:prstGeom>
-          <a:noFill/>
-          <a:ln>
-            <a:noFill/>
-          </a:ln>
-        </p:spPr>
-        <p:style>
-          <a:lnRef idx="2">
-            <a:schemeClr val="accent1">
-              <a:shade val="15000"/>
-            </a:schemeClr>
-          </a:lnRef>
-          <a:fillRef idx="1">
-            <a:schemeClr val="accent1"/>
-          </a:fillRef>
-          <a:effectRef idx="0">
-            <a:schemeClr val="accent1"/>
-          </a:effectRef>
-          <a:fontRef idx="minor">
-            <a:schemeClr val="lt1"/>
-          </a:fontRef>
-        </p:style>
-        <p:txBody>
-          <a:bodyPr rtlCol="0" anchor="ctr"/>
-          <a:lstStyle/>
-          <a:p>
-            <a:pPr algn="ctr"/>
-            <a:r>
-              <a:rPr lang="en-US" sz="800" dirty="0">
-                <a:solidFill>
-                  <a:schemeClr val="tx1"/>
-                </a:solidFill>
-              </a:rPr>
-              <a:t>1</a:t>
-            </a:r>
-          </a:p>
-        </p:txBody>
-      </p:sp>
-      <p:sp>
-        <p:nvSpPr>
-          <p:cNvPr id="104" name="Rectangle 103">
-            <a:extLst>
-              <a:ext uri="{FF2B5EF4-FFF2-40B4-BE49-F238E27FC236}">
-                <a16:creationId xmlns:a16="http://schemas.microsoft.com/office/drawing/2014/main" id="{A6D5D047-B477-1C9D-DA52-DF0FFE28B333}"/>
-              </a:ext>
-            </a:extLst>
-          </p:cNvPr>
-          <p:cNvSpPr/>
-          <p:nvPr/>
-        </p:nvSpPr>
-        <p:spPr>
-          <a:xfrm>
-            <a:off x="758635" y="1594232"/>
-            <a:ext cx="322151" cy="272753"/>
-          </a:xfrm>
-          <a:prstGeom prst="rect">
-            <a:avLst/>
-          </a:prstGeom>
-          <a:noFill/>
-          <a:ln>
-            <a:noFill/>
-          </a:ln>
-        </p:spPr>
-        <p:style>
-          <a:lnRef idx="2">
-            <a:schemeClr val="accent1">
-              <a:shade val="15000"/>
-            </a:schemeClr>
-          </a:lnRef>
-          <a:fillRef idx="1">
-            <a:schemeClr val="accent1"/>
-          </a:fillRef>
-          <a:effectRef idx="0">
-            <a:schemeClr val="accent1"/>
-          </a:effectRef>
-          <a:fontRef idx="minor">
-            <a:schemeClr val="lt1"/>
-          </a:fontRef>
-        </p:style>
-        <p:txBody>
-          <a:bodyPr rtlCol="0" anchor="ctr"/>
-          <a:lstStyle/>
-          <a:p>
-            <a:pPr algn="ctr"/>
-            <a:r>
-              <a:rPr lang="en-US" sz="800" dirty="0">
-                <a:solidFill>
-                  <a:schemeClr val="tx1"/>
-                </a:solidFill>
-              </a:rPr>
-              <a:t>2</a:t>
-            </a:r>
-          </a:p>
-        </p:txBody>
-      </p:sp>
-      <p:sp>
-        <p:nvSpPr>
-          <p:cNvPr id="105" name="Rectangle 104">
-            <a:extLst>
-              <a:ext uri="{FF2B5EF4-FFF2-40B4-BE49-F238E27FC236}">
-                <a16:creationId xmlns:a16="http://schemas.microsoft.com/office/drawing/2014/main" id="{587F3805-06C2-F9AB-D3BF-1C2EDC4756C8}"/>
-              </a:ext>
-            </a:extLst>
-          </p:cNvPr>
-          <p:cNvSpPr/>
-          <p:nvPr/>
-        </p:nvSpPr>
-        <p:spPr>
-          <a:xfrm>
-            <a:off x="758634" y="1854098"/>
-            <a:ext cx="322151" cy="272753"/>
-          </a:xfrm>
-          <a:prstGeom prst="rect">
-            <a:avLst/>
-          </a:prstGeom>
-          <a:noFill/>
-          <a:ln>
-            <a:noFill/>
-          </a:ln>
-        </p:spPr>
-        <p:style>
-          <a:lnRef idx="2">
-            <a:schemeClr val="accent1">
-              <a:shade val="15000"/>
-            </a:schemeClr>
-          </a:lnRef>
-          <a:fillRef idx="1">
-            <a:schemeClr val="accent1"/>
-          </a:fillRef>
-          <a:effectRef idx="0">
-            <a:schemeClr val="accent1"/>
-          </a:effectRef>
-          <a:fontRef idx="minor">
-            <a:schemeClr val="lt1"/>
-          </a:fontRef>
-        </p:style>
-        <p:txBody>
-          <a:bodyPr rtlCol="0" anchor="ctr"/>
-          <a:lstStyle/>
-          <a:p>
-            <a:pPr algn="ctr"/>
-            <a:r>
-              <a:rPr lang="en-US" sz="800" dirty="0">
-                <a:solidFill>
-                  <a:schemeClr val="tx1"/>
-                </a:solidFill>
-              </a:rPr>
-              <a:t>3</a:t>
-            </a:r>
-          </a:p>
-        </p:txBody>
-      </p:sp>
-      <p:sp>
-        <p:nvSpPr>
-          <p:cNvPr id="106" name="TextBox 105">
-            <a:extLst>
-              <a:ext uri="{FF2B5EF4-FFF2-40B4-BE49-F238E27FC236}">
-                <a16:creationId xmlns:a16="http://schemas.microsoft.com/office/drawing/2014/main" id="{3E5D21A5-30F4-B49A-69E6-A54B14663F72}"/>
+          <p:cNvPr id="124" name="TextBox 123">
+            <a:extLst>
+              <a:ext uri="{FF2B5EF4-FFF2-40B4-BE49-F238E27FC236}">
+                <a16:creationId xmlns:a16="http://schemas.microsoft.com/office/drawing/2014/main" id="{076675A4-0C76-9773-2EAE-3301798670EF}"/>
               </a:ext>
             </a:extLst>
           </p:cNvPr>
@@ -19853,8 +16916,8 @@
         </p:nvSpPr>
         <p:spPr>
           <a:xfrm>
-            <a:off x="1081254" y="2125107"/>
-            <a:ext cx="1291348" cy="261610"/>
+            <a:off x="6425970" y="493129"/>
+            <a:ext cx="2568279" cy="307777"/>
           </a:xfrm>
           <a:prstGeom prst="rect">
             <a:avLst/>
@@ -19869,36 +16932,32 @@
           <a:p>
             <a:pPr algn="ctr"/>
             <a:r>
-              <a:rPr lang="en-US" sz="1050" dirty="0"/>
-              <a:t>X[</a:t>
-            </a:r>
-            <a:r>
-              <a:rPr lang="en-US" sz="1050" dirty="0" err="1"/>
-              <a:t>i</a:t>
-            </a:r>
-            <a:r>
-              <a:rPr lang="en-US" sz="1050" dirty="0"/>
-              <a:t>][j]</a:t>
-            </a:r>
-          </a:p>
-        </p:txBody>
-      </p:sp>
-      <p:sp>
-        <p:nvSpPr>
-          <p:cNvPr id="107" name="Rectangle 106">
-            <a:extLst>
-              <a:ext uri="{FF2B5EF4-FFF2-40B4-BE49-F238E27FC236}">
-                <a16:creationId xmlns:a16="http://schemas.microsoft.com/office/drawing/2014/main" id="{281B0A78-DF25-74F3-1456-D4DA69B58688}"/>
-              </a:ext>
-            </a:extLst>
-          </p:cNvPr>
-          <p:cNvSpPr/>
-          <p:nvPr/>
-        </p:nvSpPr>
-        <p:spPr>
-          <a:xfrm>
-            <a:off x="3664149" y="775968"/>
-            <a:ext cx="322151" cy="272753"/>
+              <a:rPr lang="en-US" sz="1400" dirty="0">
+                <a:solidFill>
+                  <a:srgbClr val="360084"/>
+                </a:solidFill>
+              </a:rPr>
+              <a:t>Stride = 8</a:t>
+            </a:r>
+          </a:p>
+        </p:txBody>
+      </p:sp>
+      <p:sp>
+        <p:nvSpPr>
+          <p:cNvPr id="125" name="TextBox 124">
+            <a:extLst>
+              <a:ext uri="{FF2B5EF4-FFF2-40B4-BE49-F238E27FC236}">
+                <a16:creationId xmlns:a16="http://schemas.microsoft.com/office/drawing/2014/main" id="{9CB72DEC-7966-57E0-501E-F60079DEC39A}"/>
+              </a:ext>
+            </a:extLst>
+          </p:cNvPr>
+          <p:cNvSpPr txBox="1"/>
+          <p:nvPr/>
+        </p:nvSpPr>
+        <p:spPr>
+          <a:xfrm>
+            <a:off x="9014489" y="929724"/>
+            <a:ext cx="1341215" cy="307777"/>
           </a:xfrm>
           <a:prstGeom prst="rect">
             <a:avLst/>
@@ -19908,478 +16967,25 @@
             <a:noFill/>
           </a:ln>
         </p:spPr>
-        <p:style>
-          <a:lnRef idx="2">
-            <a:schemeClr val="accent1">
-              <a:shade val="15000"/>
-            </a:schemeClr>
-          </a:lnRef>
-          <a:fillRef idx="1">
-            <a:schemeClr val="accent1"/>
-          </a:fillRef>
-          <a:effectRef idx="0">
-            <a:schemeClr val="accent1"/>
-          </a:effectRef>
-          <a:fontRef idx="minor">
-            <a:schemeClr val="lt1"/>
-          </a:fontRef>
-        </p:style>
-        <p:txBody>
-          <a:bodyPr rtlCol="0" anchor="ctr"/>
-          <a:lstStyle/>
-          <a:p>
-            <a:pPr algn="ctr"/>
-            <a:r>
-              <a:rPr lang="en-US" sz="800" dirty="0">
-                <a:solidFill>
-                  <a:schemeClr val="tx1"/>
-                </a:solidFill>
-              </a:rPr>
-              <a:t>0</a:t>
-            </a:r>
-          </a:p>
-        </p:txBody>
-      </p:sp>
-      <p:sp>
-        <p:nvSpPr>
-          <p:cNvPr id="108" name="Rectangle 107">
-            <a:extLst>
-              <a:ext uri="{FF2B5EF4-FFF2-40B4-BE49-F238E27FC236}">
-                <a16:creationId xmlns:a16="http://schemas.microsoft.com/office/drawing/2014/main" id="{1FA350D6-8457-5C4B-AB8F-2249A3951201}"/>
-              </a:ext>
-            </a:extLst>
-          </p:cNvPr>
-          <p:cNvSpPr/>
-          <p:nvPr/>
-        </p:nvSpPr>
-        <p:spPr>
-          <a:xfrm>
-            <a:off x="4630602" y="775966"/>
-            <a:ext cx="322151" cy="272753"/>
-          </a:xfrm>
-          <a:prstGeom prst="rect">
-            <a:avLst/>
-          </a:prstGeom>
-          <a:noFill/>
-          <a:ln>
-            <a:noFill/>
-          </a:ln>
-        </p:spPr>
-        <p:style>
-          <a:lnRef idx="2">
-            <a:schemeClr val="accent1">
-              <a:shade val="15000"/>
-            </a:schemeClr>
-          </a:lnRef>
-          <a:fillRef idx="1">
-            <a:schemeClr val="accent1"/>
-          </a:fillRef>
-          <a:effectRef idx="0">
-            <a:schemeClr val="accent1"/>
-          </a:effectRef>
-          <a:fontRef idx="minor">
-            <a:schemeClr val="lt1"/>
-          </a:fontRef>
-        </p:style>
-        <p:txBody>
-          <a:bodyPr rtlCol="0" anchor="ctr"/>
-          <a:lstStyle/>
-          <a:p>
-            <a:pPr algn="ctr"/>
-            <a:r>
-              <a:rPr lang="en-US" sz="800" dirty="0">
-                <a:solidFill>
-                  <a:schemeClr val="tx1"/>
-                </a:solidFill>
-              </a:rPr>
-              <a:t>3</a:t>
-            </a:r>
-          </a:p>
-        </p:txBody>
-      </p:sp>
-      <p:sp>
-        <p:nvSpPr>
-          <p:cNvPr id="109" name="Rectangle 108">
-            <a:extLst>
-              <a:ext uri="{FF2B5EF4-FFF2-40B4-BE49-F238E27FC236}">
-                <a16:creationId xmlns:a16="http://schemas.microsoft.com/office/drawing/2014/main" id="{48ED95F8-A2BD-3B37-C931-C4956E97C1A7}"/>
-              </a:ext>
-            </a:extLst>
-          </p:cNvPr>
-          <p:cNvSpPr/>
-          <p:nvPr/>
-        </p:nvSpPr>
-        <p:spPr>
-          <a:xfrm>
-            <a:off x="4308451" y="775966"/>
-            <a:ext cx="322151" cy="272753"/>
-          </a:xfrm>
-          <a:prstGeom prst="rect">
-            <a:avLst/>
-          </a:prstGeom>
-          <a:noFill/>
-          <a:ln>
-            <a:noFill/>
-          </a:ln>
-        </p:spPr>
-        <p:style>
-          <a:lnRef idx="2">
-            <a:schemeClr val="accent1">
-              <a:shade val="15000"/>
-            </a:schemeClr>
-          </a:lnRef>
-          <a:fillRef idx="1">
-            <a:schemeClr val="accent1"/>
-          </a:fillRef>
-          <a:effectRef idx="0">
-            <a:schemeClr val="accent1"/>
-          </a:effectRef>
-          <a:fontRef idx="minor">
-            <a:schemeClr val="lt1"/>
-          </a:fontRef>
-        </p:style>
-        <p:txBody>
-          <a:bodyPr rtlCol="0" anchor="ctr"/>
-          <a:lstStyle/>
-          <a:p>
-            <a:pPr algn="ctr"/>
-            <a:r>
-              <a:rPr lang="en-US" sz="800" dirty="0">
-                <a:solidFill>
-                  <a:schemeClr val="tx1"/>
-                </a:solidFill>
-              </a:rPr>
-              <a:t>2</a:t>
-            </a:r>
-          </a:p>
-        </p:txBody>
-      </p:sp>
-      <p:sp>
-        <p:nvSpPr>
-          <p:cNvPr id="110" name="Rectangle 109">
-            <a:extLst>
-              <a:ext uri="{FF2B5EF4-FFF2-40B4-BE49-F238E27FC236}">
-                <a16:creationId xmlns:a16="http://schemas.microsoft.com/office/drawing/2014/main" id="{4C7CC14A-738C-D720-6FC4-B5AD2573ABFE}"/>
-              </a:ext>
-            </a:extLst>
-          </p:cNvPr>
-          <p:cNvSpPr/>
-          <p:nvPr/>
-        </p:nvSpPr>
-        <p:spPr>
-          <a:xfrm>
-            <a:off x="3986300" y="775967"/>
-            <a:ext cx="322151" cy="272753"/>
-          </a:xfrm>
-          <a:prstGeom prst="rect">
-            <a:avLst/>
-          </a:prstGeom>
-          <a:noFill/>
-          <a:ln>
-            <a:noFill/>
-          </a:ln>
-        </p:spPr>
-        <p:style>
-          <a:lnRef idx="2">
-            <a:schemeClr val="accent1">
-              <a:shade val="15000"/>
-            </a:schemeClr>
-          </a:lnRef>
-          <a:fillRef idx="1">
-            <a:schemeClr val="accent1"/>
-          </a:fillRef>
-          <a:effectRef idx="0">
-            <a:schemeClr val="accent1"/>
-          </a:effectRef>
-          <a:fontRef idx="minor">
-            <a:schemeClr val="lt1"/>
-          </a:fontRef>
-        </p:style>
-        <p:txBody>
-          <a:bodyPr rtlCol="0" anchor="ctr"/>
-          <a:lstStyle/>
-          <a:p>
-            <a:pPr algn="ctr"/>
-            <a:r>
-              <a:rPr lang="en-US" sz="800" dirty="0">
-                <a:solidFill>
-                  <a:schemeClr val="tx1"/>
-                </a:solidFill>
-              </a:rPr>
-              <a:t>1</a:t>
-            </a:r>
-          </a:p>
-        </p:txBody>
-      </p:sp>
-      <p:sp>
-        <p:nvSpPr>
-          <p:cNvPr id="111" name="Rectangle 110">
-            <a:extLst>
-              <a:ext uri="{FF2B5EF4-FFF2-40B4-BE49-F238E27FC236}">
-                <a16:creationId xmlns:a16="http://schemas.microsoft.com/office/drawing/2014/main" id="{1C6537B1-9682-A6F8-94B9-337C4352CEA0}"/>
-              </a:ext>
-            </a:extLst>
-          </p:cNvPr>
-          <p:cNvSpPr/>
-          <p:nvPr/>
-        </p:nvSpPr>
-        <p:spPr>
-          <a:xfrm>
-            <a:off x="3339254" y="1048723"/>
-            <a:ext cx="322151" cy="272753"/>
-          </a:xfrm>
-          <a:prstGeom prst="rect">
-            <a:avLst/>
-          </a:prstGeom>
-          <a:noFill/>
-          <a:ln>
-            <a:noFill/>
-          </a:ln>
-        </p:spPr>
-        <p:style>
-          <a:lnRef idx="2">
-            <a:schemeClr val="accent1">
-              <a:shade val="15000"/>
-            </a:schemeClr>
-          </a:lnRef>
-          <a:fillRef idx="1">
-            <a:schemeClr val="accent1"/>
-          </a:fillRef>
-          <a:effectRef idx="0">
-            <a:schemeClr val="accent1"/>
-          </a:effectRef>
-          <a:fontRef idx="minor">
-            <a:schemeClr val="lt1"/>
-          </a:fontRef>
-        </p:style>
-        <p:txBody>
-          <a:bodyPr rtlCol="0" anchor="ctr"/>
-          <a:lstStyle/>
-          <a:p>
-            <a:pPr algn="ctr"/>
-            <a:r>
-              <a:rPr lang="en-US" sz="800" dirty="0">
-                <a:solidFill>
-                  <a:schemeClr val="tx1"/>
-                </a:solidFill>
-              </a:rPr>
-              <a:t>0</a:t>
-            </a:r>
-          </a:p>
-        </p:txBody>
-      </p:sp>
-      <p:sp>
-        <p:nvSpPr>
-          <p:cNvPr id="112" name="Rectangle 111">
-            <a:extLst>
-              <a:ext uri="{FF2B5EF4-FFF2-40B4-BE49-F238E27FC236}">
-                <a16:creationId xmlns:a16="http://schemas.microsoft.com/office/drawing/2014/main" id="{D128ADB4-E416-2EF8-88B7-57F9C0D998A7}"/>
-              </a:ext>
-            </a:extLst>
-          </p:cNvPr>
-          <p:cNvSpPr/>
-          <p:nvPr/>
-        </p:nvSpPr>
-        <p:spPr>
-          <a:xfrm>
-            <a:off x="3339256" y="1321477"/>
-            <a:ext cx="322151" cy="272753"/>
-          </a:xfrm>
-          <a:prstGeom prst="rect">
-            <a:avLst/>
-          </a:prstGeom>
-          <a:noFill/>
-          <a:ln>
-            <a:noFill/>
-          </a:ln>
-        </p:spPr>
-        <p:style>
-          <a:lnRef idx="2">
-            <a:schemeClr val="accent1">
-              <a:shade val="15000"/>
-            </a:schemeClr>
-          </a:lnRef>
-          <a:fillRef idx="1">
-            <a:schemeClr val="accent1"/>
-          </a:fillRef>
-          <a:effectRef idx="0">
-            <a:schemeClr val="accent1"/>
-          </a:effectRef>
-          <a:fontRef idx="minor">
-            <a:schemeClr val="lt1"/>
-          </a:fontRef>
-        </p:style>
-        <p:txBody>
-          <a:bodyPr rtlCol="0" anchor="ctr"/>
-          <a:lstStyle/>
-          <a:p>
-            <a:pPr algn="ctr"/>
-            <a:r>
-              <a:rPr lang="en-US" sz="800" dirty="0">
-                <a:solidFill>
-                  <a:schemeClr val="tx1"/>
-                </a:solidFill>
-              </a:rPr>
-              <a:t>1</a:t>
-            </a:r>
-          </a:p>
-        </p:txBody>
-      </p:sp>
-      <p:sp>
-        <p:nvSpPr>
-          <p:cNvPr id="113" name="Rectangle 112">
-            <a:extLst>
-              <a:ext uri="{FF2B5EF4-FFF2-40B4-BE49-F238E27FC236}">
-                <a16:creationId xmlns:a16="http://schemas.microsoft.com/office/drawing/2014/main" id="{2AF62213-ED1E-98FB-688A-4EE8A0D4FA2F}"/>
-              </a:ext>
-            </a:extLst>
-          </p:cNvPr>
-          <p:cNvSpPr/>
-          <p:nvPr/>
-        </p:nvSpPr>
-        <p:spPr>
-          <a:xfrm>
-            <a:off x="3339256" y="1594232"/>
-            <a:ext cx="322151" cy="272753"/>
-          </a:xfrm>
-          <a:prstGeom prst="rect">
-            <a:avLst/>
-          </a:prstGeom>
-          <a:noFill/>
-          <a:ln>
-            <a:noFill/>
-          </a:ln>
-        </p:spPr>
-        <p:style>
-          <a:lnRef idx="2">
-            <a:schemeClr val="accent1">
-              <a:shade val="15000"/>
-            </a:schemeClr>
-          </a:lnRef>
-          <a:fillRef idx="1">
-            <a:schemeClr val="accent1"/>
-          </a:fillRef>
-          <a:effectRef idx="0">
-            <a:schemeClr val="accent1"/>
-          </a:effectRef>
-          <a:fontRef idx="minor">
-            <a:schemeClr val="lt1"/>
-          </a:fontRef>
-        </p:style>
-        <p:txBody>
-          <a:bodyPr rtlCol="0" anchor="ctr"/>
-          <a:lstStyle/>
-          <a:p>
-            <a:pPr algn="ctr"/>
-            <a:r>
-              <a:rPr lang="en-US" sz="800" dirty="0">
-                <a:solidFill>
-                  <a:schemeClr val="tx1"/>
-                </a:solidFill>
-              </a:rPr>
-              <a:t>2</a:t>
-            </a:r>
-          </a:p>
-        </p:txBody>
-      </p:sp>
-      <p:sp>
-        <p:nvSpPr>
-          <p:cNvPr id="114" name="Rectangle 113">
-            <a:extLst>
-              <a:ext uri="{FF2B5EF4-FFF2-40B4-BE49-F238E27FC236}">
-                <a16:creationId xmlns:a16="http://schemas.microsoft.com/office/drawing/2014/main" id="{44F5A1CB-9A09-E2EF-CC76-903A093C22A4}"/>
-              </a:ext>
-            </a:extLst>
-          </p:cNvPr>
-          <p:cNvSpPr/>
-          <p:nvPr/>
-        </p:nvSpPr>
-        <p:spPr>
-          <a:xfrm>
-            <a:off x="3339255" y="1854098"/>
-            <a:ext cx="322151" cy="272753"/>
-          </a:xfrm>
-          <a:prstGeom prst="rect">
-            <a:avLst/>
-          </a:prstGeom>
-          <a:noFill/>
-          <a:ln>
-            <a:noFill/>
-          </a:ln>
-        </p:spPr>
-        <p:style>
-          <a:lnRef idx="2">
-            <a:schemeClr val="accent1">
-              <a:shade val="15000"/>
-            </a:schemeClr>
-          </a:lnRef>
-          <a:fillRef idx="1">
-            <a:schemeClr val="accent1"/>
-          </a:fillRef>
-          <a:effectRef idx="0">
-            <a:schemeClr val="accent1"/>
-          </a:effectRef>
-          <a:fontRef idx="minor">
-            <a:schemeClr val="lt1"/>
-          </a:fontRef>
-        </p:style>
-        <p:txBody>
-          <a:bodyPr rtlCol="0" anchor="ctr"/>
-          <a:lstStyle/>
-          <a:p>
-            <a:pPr algn="ctr"/>
-            <a:r>
-              <a:rPr lang="en-US" sz="800" dirty="0">
-                <a:solidFill>
-                  <a:schemeClr val="tx1"/>
-                </a:solidFill>
-              </a:rPr>
-              <a:t>3</a:t>
-            </a:r>
-          </a:p>
-        </p:txBody>
-      </p:sp>
-      <p:sp>
-        <p:nvSpPr>
-          <p:cNvPr id="120" name="TextBox 119">
-            <a:extLst>
-              <a:ext uri="{FF2B5EF4-FFF2-40B4-BE49-F238E27FC236}">
-                <a16:creationId xmlns:a16="http://schemas.microsoft.com/office/drawing/2014/main" id="{0B224451-E357-A358-5106-6F9BCC44703A}"/>
-              </a:ext>
-            </a:extLst>
-          </p:cNvPr>
-          <p:cNvSpPr txBox="1"/>
-          <p:nvPr/>
-        </p:nvSpPr>
-        <p:spPr>
-          <a:xfrm>
-            <a:off x="595402" y="775966"/>
-            <a:ext cx="453970" cy="215444"/>
-          </a:xfrm>
-          <a:prstGeom prst="rect">
-            <a:avLst/>
-          </a:prstGeom>
-          <a:noFill/>
-        </p:spPr>
-        <p:txBody>
-          <a:bodyPr wrap="none" rtlCol="0">
+        <p:txBody>
+          <a:bodyPr wrap="square" rtlCol="0">
             <a:spAutoFit/>
           </a:bodyPr>
           <a:lstStyle/>
           <a:p>
             <a:r>
-              <a:rPr lang="en-US" sz="800" dirty="0"/>
-              <a:t>j (cols)</a:t>
-            </a:r>
-          </a:p>
-        </p:txBody>
-      </p:sp>
-      <p:sp>
-        <p:nvSpPr>
-          <p:cNvPr id="121" name="TextBox 120">
-            <a:extLst>
-              <a:ext uri="{FF2B5EF4-FFF2-40B4-BE49-F238E27FC236}">
-                <a16:creationId xmlns:a16="http://schemas.microsoft.com/office/drawing/2014/main" id="{68EED9A8-644F-14F5-017D-AC5D59007030}"/>
+              <a:rPr lang="en-US" sz="1400" dirty="0"/>
+              <a:t>Block length = 4</a:t>
+            </a:r>
+          </a:p>
+        </p:txBody>
+      </p:sp>
+      <p:sp>
+        <p:nvSpPr>
+          <p:cNvPr id="126" name="TextBox 125">
+            <a:extLst>
+              <a:ext uri="{FF2B5EF4-FFF2-40B4-BE49-F238E27FC236}">
+                <a16:creationId xmlns:a16="http://schemas.microsoft.com/office/drawing/2014/main" id="{79F8B872-88D4-638C-EB6F-EDBB99604577}"/>
               </a:ext>
             </a:extLst>
           </p:cNvPr>
@@ -20388,27 +16994,2019 @@
         </p:nvSpPr>
         <p:spPr>
           <a:xfrm>
-            <a:off x="195385" y="1089648"/>
-            <a:ext cx="495649" cy="215444"/>
+            <a:off x="9014488" y="129835"/>
+            <a:ext cx="1279541" cy="307777"/>
           </a:xfrm>
           <a:prstGeom prst="rect">
             <a:avLst/>
           </a:prstGeom>
           <a:noFill/>
-        </p:spPr>
-        <p:txBody>
-          <a:bodyPr wrap="none" rtlCol="0">
+          <a:ln>
+            <a:noFill/>
+          </a:ln>
+        </p:spPr>
+        <p:txBody>
+          <a:bodyPr wrap="square" rtlCol="0">
             <a:spAutoFit/>
           </a:bodyPr>
           <a:lstStyle/>
           <a:p>
-            <a:r>
-              <a:rPr lang="en-US" sz="800" dirty="0" err="1"/>
-              <a:t>i</a:t>
-            </a:r>
-            <a:r>
-              <a:rPr lang="en-US" sz="800" dirty="0"/>
-              <a:t> (rows)</a:t>
+            <a:pPr algn="ctr"/>
+            <a:r>
+              <a:rPr lang="en-US" sz="1400" dirty="0"/>
+              <a:t>Count = 2</a:t>
+            </a:r>
+          </a:p>
+        </p:txBody>
+      </p:sp>
+      <p:sp>
+        <p:nvSpPr>
+          <p:cNvPr id="127" name="TextBox 126">
+            <a:extLst>
+              <a:ext uri="{FF2B5EF4-FFF2-40B4-BE49-F238E27FC236}">
+                <a16:creationId xmlns:a16="http://schemas.microsoft.com/office/drawing/2014/main" id="{A254D4B4-5877-5E57-22E3-8A653A248242}"/>
+              </a:ext>
+            </a:extLst>
+          </p:cNvPr>
+          <p:cNvSpPr txBox="1"/>
+          <p:nvPr/>
+        </p:nvSpPr>
+        <p:spPr>
+          <a:xfrm>
+            <a:off x="6460440" y="1123"/>
+            <a:ext cx="2559597" cy="307777"/>
+          </a:xfrm>
+          <a:prstGeom prst="rect">
+            <a:avLst/>
+          </a:prstGeom>
+          <a:noFill/>
+          <a:ln>
+            <a:noFill/>
+          </a:ln>
+        </p:spPr>
+        <p:txBody>
+          <a:bodyPr wrap="square" rtlCol="0">
+            <a:spAutoFit/>
+          </a:bodyPr>
+          <a:lstStyle/>
+          <a:p>
+            <a:pPr algn="ctr"/>
+            <a:r>
+              <a:rPr lang="en-US" sz="1400"/>
+              <a:t>Stride = 8</a:t>
+            </a:r>
+            <a:endParaRPr lang="en-US" sz="1400" dirty="0"/>
+          </a:p>
+        </p:txBody>
+      </p:sp>
+      <p:sp>
+        <p:nvSpPr>
+          <p:cNvPr id="128" name="Rectangle 127">
+            <a:extLst>
+              <a:ext uri="{FF2B5EF4-FFF2-40B4-BE49-F238E27FC236}">
+                <a16:creationId xmlns:a16="http://schemas.microsoft.com/office/drawing/2014/main" id="{3DA5076A-25F3-640F-7F7C-B2C54E3F4DC4}"/>
+              </a:ext>
+            </a:extLst>
+          </p:cNvPr>
+          <p:cNvSpPr/>
+          <p:nvPr/>
+        </p:nvSpPr>
+        <p:spPr>
+          <a:xfrm>
+            <a:off x="6437282" y="461901"/>
+            <a:ext cx="322151" cy="272753"/>
+          </a:xfrm>
+          <a:prstGeom prst="rect">
+            <a:avLst/>
+          </a:prstGeom>
+          <a:solidFill>
+            <a:srgbClr val="F2EFF6"/>
+          </a:solidFill>
+          <a:ln>
+            <a:solidFill>
+              <a:srgbClr val="360084"/>
+            </a:solidFill>
+          </a:ln>
+        </p:spPr>
+        <p:style>
+          <a:lnRef idx="2">
+            <a:schemeClr val="accent1">
+              <a:shade val="15000"/>
+            </a:schemeClr>
+          </a:lnRef>
+          <a:fillRef idx="1">
+            <a:schemeClr val="accent1"/>
+          </a:fillRef>
+          <a:effectRef idx="0">
+            <a:schemeClr val="accent1"/>
+          </a:effectRef>
+          <a:fontRef idx="minor">
+            <a:schemeClr val="lt1"/>
+          </a:fontRef>
+        </p:style>
+        <p:txBody>
+          <a:bodyPr rtlCol="0" anchor="ctr"/>
+          <a:lstStyle/>
+          <a:p>
+            <a:pPr algn="ctr"/>
+            <a:r>
+              <a:rPr lang="en-US" sz="800" dirty="0">
+                <a:solidFill>
+                  <a:schemeClr val="tx1"/>
+                </a:solidFill>
+              </a:rPr>
+              <a:t>1</a:t>
+            </a:r>
+          </a:p>
+        </p:txBody>
+      </p:sp>
+      <p:sp>
+        <p:nvSpPr>
+          <p:cNvPr id="129" name="Rectangle 128">
+            <a:extLst>
+              <a:ext uri="{FF2B5EF4-FFF2-40B4-BE49-F238E27FC236}">
+                <a16:creationId xmlns:a16="http://schemas.microsoft.com/office/drawing/2014/main" id="{62169986-5406-FE9F-E88C-19629C383F26}"/>
+              </a:ext>
+            </a:extLst>
+          </p:cNvPr>
+          <p:cNvSpPr/>
+          <p:nvPr/>
+        </p:nvSpPr>
+        <p:spPr>
+          <a:xfrm>
+            <a:off x="6759433" y="461900"/>
+            <a:ext cx="322151" cy="272753"/>
+          </a:xfrm>
+          <a:prstGeom prst="rect">
+            <a:avLst/>
+          </a:prstGeom>
+          <a:solidFill>
+            <a:srgbClr val="F2EFF6"/>
+          </a:solidFill>
+          <a:ln>
+            <a:solidFill>
+              <a:srgbClr val="360084"/>
+            </a:solidFill>
+          </a:ln>
+        </p:spPr>
+        <p:style>
+          <a:lnRef idx="2">
+            <a:schemeClr val="accent1">
+              <a:shade val="15000"/>
+            </a:schemeClr>
+          </a:lnRef>
+          <a:fillRef idx="1">
+            <a:schemeClr val="accent1"/>
+          </a:fillRef>
+          <a:effectRef idx="0">
+            <a:schemeClr val="accent1"/>
+          </a:effectRef>
+          <a:fontRef idx="minor">
+            <a:schemeClr val="lt1"/>
+          </a:fontRef>
+        </p:style>
+        <p:txBody>
+          <a:bodyPr rtlCol="0" anchor="ctr"/>
+          <a:lstStyle/>
+          <a:p>
+            <a:pPr algn="ctr"/>
+            <a:r>
+              <a:rPr lang="en-US" sz="800" dirty="0">
+                <a:solidFill>
+                  <a:schemeClr val="tx1"/>
+                </a:solidFill>
+              </a:rPr>
+              <a:t>2</a:t>
+            </a:r>
+          </a:p>
+        </p:txBody>
+      </p:sp>
+      <p:sp>
+        <p:nvSpPr>
+          <p:cNvPr id="130" name="Rectangle 129">
+            <a:extLst>
+              <a:ext uri="{FF2B5EF4-FFF2-40B4-BE49-F238E27FC236}">
+                <a16:creationId xmlns:a16="http://schemas.microsoft.com/office/drawing/2014/main" id="{FC1A8F46-1D15-7650-378B-D97C3EB9B84D}"/>
+              </a:ext>
+            </a:extLst>
+          </p:cNvPr>
+          <p:cNvSpPr/>
+          <p:nvPr/>
+        </p:nvSpPr>
+        <p:spPr>
+          <a:xfrm>
+            <a:off x="7081584" y="461899"/>
+            <a:ext cx="322151" cy="272753"/>
+          </a:xfrm>
+          <a:prstGeom prst="rect">
+            <a:avLst/>
+          </a:prstGeom>
+          <a:solidFill>
+            <a:srgbClr val="F2EFF6"/>
+          </a:solidFill>
+          <a:ln>
+            <a:solidFill>
+              <a:srgbClr val="360084"/>
+            </a:solidFill>
+          </a:ln>
+        </p:spPr>
+        <p:style>
+          <a:lnRef idx="2">
+            <a:schemeClr val="accent1">
+              <a:shade val="15000"/>
+            </a:schemeClr>
+          </a:lnRef>
+          <a:fillRef idx="1">
+            <a:schemeClr val="accent1"/>
+          </a:fillRef>
+          <a:effectRef idx="0">
+            <a:schemeClr val="accent1"/>
+          </a:effectRef>
+          <a:fontRef idx="minor">
+            <a:schemeClr val="lt1"/>
+          </a:fontRef>
+        </p:style>
+        <p:txBody>
+          <a:bodyPr rtlCol="0" anchor="ctr"/>
+          <a:lstStyle/>
+          <a:p>
+            <a:pPr algn="ctr"/>
+            <a:r>
+              <a:rPr lang="en-US" sz="800" dirty="0">
+                <a:solidFill>
+                  <a:schemeClr val="tx1"/>
+                </a:solidFill>
+              </a:rPr>
+              <a:t>3</a:t>
+            </a:r>
+          </a:p>
+        </p:txBody>
+      </p:sp>
+      <p:sp>
+        <p:nvSpPr>
+          <p:cNvPr id="131" name="Rectangle 130">
+            <a:extLst>
+              <a:ext uri="{FF2B5EF4-FFF2-40B4-BE49-F238E27FC236}">
+                <a16:creationId xmlns:a16="http://schemas.microsoft.com/office/drawing/2014/main" id="{62C57B49-A1C9-9EF4-A19A-C3F2261C58C1}"/>
+              </a:ext>
+            </a:extLst>
+          </p:cNvPr>
+          <p:cNvSpPr/>
+          <p:nvPr/>
+        </p:nvSpPr>
+        <p:spPr>
+          <a:xfrm>
+            <a:off x="10303090" y="461893"/>
+            <a:ext cx="322151" cy="272753"/>
+          </a:xfrm>
+          <a:prstGeom prst="rect">
+            <a:avLst/>
+          </a:prstGeom>
+          <a:solidFill>
+            <a:srgbClr val="FAFDF0"/>
+          </a:solidFill>
+          <a:ln>
+            <a:solidFill>
+              <a:srgbClr val="DDF08B"/>
+            </a:solidFill>
+          </a:ln>
+        </p:spPr>
+        <p:style>
+          <a:lnRef idx="2">
+            <a:schemeClr val="accent1">
+              <a:shade val="15000"/>
+            </a:schemeClr>
+          </a:lnRef>
+          <a:fillRef idx="1">
+            <a:schemeClr val="accent1"/>
+          </a:fillRef>
+          <a:effectRef idx="0">
+            <a:schemeClr val="accent1"/>
+          </a:effectRef>
+          <a:fontRef idx="minor">
+            <a:schemeClr val="lt1"/>
+          </a:fontRef>
+        </p:style>
+        <p:txBody>
+          <a:bodyPr rtlCol="0" anchor="ctr"/>
+          <a:lstStyle/>
+          <a:p>
+            <a:pPr algn="ctr"/>
+            <a:r>
+              <a:rPr lang="en-US" sz="800" dirty="0">
+                <a:solidFill>
+                  <a:schemeClr val="tx1"/>
+                </a:solidFill>
+              </a:rPr>
+              <a:t>13</a:t>
+            </a:r>
+          </a:p>
+        </p:txBody>
+      </p:sp>
+      <p:sp>
+        <p:nvSpPr>
+          <p:cNvPr id="132" name="Rectangle 131">
+            <a:extLst>
+              <a:ext uri="{FF2B5EF4-FFF2-40B4-BE49-F238E27FC236}">
+                <a16:creationId xmlns:a16="http://schemas.microsoft.com/office/drawing/2014/main" id="{5FE764BB-D170-11EF-89E4-6DACFE388C52}"/>
+              </a:ext>
+            </a:extLst>
+          </p:cNvPr>
+          <p:cNvSpPr/>
+          <p:nvPr/>
+        </p:nvSpPr>
+        <p:spPr>
+          <a:xfrm>
+            <a:off x="11269545" y="461893"/>
+            <a:ext cx="322151" cy="272753"/>
+          </a:xfrm>
+          <a:prstGeom prst="rect">
+            <a:avLst/>
+          </a:prstGeom>
+          <a:solidFill>
+            <a:srgbClr val="FAFDF0"/>
+          </a:solidFill>
+          <a:ln>
+            <a:solidFill>
+              <a:srgbClr val="DDF08B"/>
+            </a:solidFill>
+          </a:ln>
+        </p:spPr>
+        <p:style>
+          <a:lnRef idx="2">
+            <a:schemeClr val="accent1">
+              <a:shade val="15000"/>
+            </a:schemeClr>
+          </a:lnRef>
+          <a:fillRef idx="1">
+            <a:schemeClr val="accent1"/>
+          </a:fillRef>
+          <a:effectRef idx="0">
+            <a:schemeClr val="accent1"/>
+          </a:effectRef>
+          <a:fontRef idx="minor">
+            <a:schemeClr val="lt1"/>
+          </a:fontRef>
+        </p:style>
+        <p:txBody>
+          <a:bodyPr rtlCol="0" anchor="ctr"/>
+          <a:lstStyle/>
+          <a:p>
+            <a:pPr algn="ctr"/>
+            <a:r>
+              <a:rPr lang="en-US" sz="800" dirty="0">
+                <a:solidFill>
+                  <a:schemeClr val="tx1"/>
+                </a:solidFill>
+              </a:rPr>
+              <a:t>16</a:t>
+            </a:r>
+          </a:p>
+        </p:txBody>
+      </p:sp>
+      <p:sp>
+        <p:nvSpPr>
+          <p:cNvPr id="133" name="Rectangle 132">
+            <a:extLst>
+              <a:ext uri="{FF2B5EF4-FFF2-40B4-BE49-F238E27FC236}">
+                <a16:creationId xmlns:a16="http://schemas.microsoft.com/office/drawing/2014/main" id="{E1D1EBDE-8D27-CEDF-B2FC-B56AC1D5C58A}"/>
+              </a:ext>
+            </a:extLst>
+          </p:cNvPr>
+          <p:cNvSpPr/>
+          <p:nvPr/>
+        </p:nvSpPr>
+        <p:spPr>
+          <a:xfrm>
+            <a:off x="9336640" y="461896"/>
+            <a:ext cx="322151" cy="272753"/>
+          </a:xfrm>
+          <a:prstGeom prst="rect">
+            <a:avLst/>
+          </a:prstGeom>
+          <a:solidFill>
+            <a:srgbClr val="FDF8EE"/>
+          </a:solidFill>
+          <a:ln>
+            <a:solidFill>
+              <a:srgbClr val="EFC57B"/>
+            </a:solidFill>
+          </a:ln>
+        </p:spPr>
+        <p:style>
+          <a:lnRef idx="2">
+            <a:schemeClr val="accent1">
+              <a:shade val="15000"/>
+            </a:schemeClr>
+          </a:lnRef>
+          <a:fillRef idx="1">
+            <a:schemeClr val="accent1"/>
+          </a:fillRef>
+          <a:effectRef idx="0">
+            <a:schemeClr val="accent1"/>
+          </a:effectRef>
+          <a:fontRef idx="minor">
+            <a:schemeClr val="lt1"/>
+          </a:fontRef>
+        </p:style>
+        <p:txBody>
+          <a:bodyPr rtlCol="0" anchor="ctr"/>
+          <a:lstStyle/>
+          <a:p>
+            <a:pPr algn="ctr"/>
+            <a:r>
+              <a:rPr lang="en-US" sz="800" dirty="0">
+                <a:solidFill>
+                  <a:schemeClr val="tx1"/>
+                </a:solidFill>
+              </a:rPr>
+              <a:t>10</a:t>
+            </a:r>
+          </a:p>
+        </p:txBody>
+      </p:sp>
+      <p:sp>
+        <p:nvSpPr>
+          <p:cNvPr id="134" name="Rectangle 133">
+            <a:extLst>
+              <a:ext uri="{FF2B5EF4-FFF2-40B4-BE49-F238E27FC236}">
+                <a16:creationId xmlns:a16="http://schemas.microsoft.com/office/drawing/2014/main" id="{9C0A8DE9-8BD0-D828-8BFC-59B8560AAB16}"/>
+              </a:ext>
+            </a:extLst>
+          </p:cNvPr>
+          <p:cNvSpPr/>
+          <p:nvPr/>
+        </p:nvSpPr>
+        <p:spPr>
+          <a:xfrm>
+            <a:off x="9658791" y="461895"/>
+            <a:ext cx="322151" cy="272753"/>
+          </a:xfrm>
+          <a:prstGeom prst="rect">
+            <a:avLst/>
+          </a:prstGeom>
+          <a:solidFill>
+            <a:srgbClr val="FDF8EE"/>
+          </a:solidFill>
+          <a:ln>
+            <a:solidFill>
+              <a:srgbClr val="EFC57B"/>
+            </a:solidFill>
+          </a:ln>
+        </p:spPr>
+        <p:style>
+          <a:lnRef idx="2">
+            <a:schemeClr val="accent1">
+              <a:shade val="15000"/>
+            </a:schemeClr>
+          </a:lnRef>
+          <a:fillRef idx="1">
+            <a:schemeClr val="accent1"/>
+          </a:fillRef>
+          <a:effectRef idx="0">
+            <a:schemeClr val="accent1"/>
+          </a:effectRef>
+          <a:fontRef idx="minor">
+            <a:schemeClr val="lt1"/>
+          </a:fontRef>
+        </p:style>
+        <p:txBody>
+          <a:bodyPr rtlCol="0" anchor="ctr"/>
+          <a:lstStyle/>
+          <a:p>
+            <a:pPr algn="ctr"/>
+            <a:r>
+              <a:rPr lang="en-US" sz="800" dirty="0">
+                <a:solidFill>
+                  <a:schemeClr val="tx1"/>
+                </a:solidFill>
+              </a:rPr>
+              <a:t>11</a:t>
+            </a:r>
+          </a:p>
+        </p:txBody>
+      </p:sp>
+      <p:sp>
+        <p:nvSpPr>
+          <p:cNvPr id="135" name="Rectangle 134">
+            <a:extLst>
+              <a:ext uri="{FF2B5EF4-FFF2-40B4-BE49-F238E27FC236}">
+                <a16:creationId xmlns:a16="http://schemas.microsoft.com/office/drawing/2014/main" id="{9C7C105C-0F17-80F6-4413-AAB2F098DF51}"/>
+              </a:ext>
+            </a:extLst>
+          </p:cNvPr>
+          <p:cNvSpPr/>
+          <p:nvPr/>
+        </p:nvSpPr>
+        <p:spPr>
+          <a:xfrm>
+            <a:off x="10625243" y="461894"/>
+            <a:ext cx="322151" cy="272753"/>
+          </a:xfrm>
+          <a:prstGeom prst="rect">
+            <a:avLst/>
+          </a:prstGeom>
+          <a:solidFill>
+            <a:srgbClr val="FAFDF0"/>
+          </a:solidFill>
+          <a:ln>
+            <a:solidFill>
+              <a:srgbClr val="DDF08B"/>
+            </a:solidFill>
+          </a:ln>
+        </p:spPr>
+        <p:style>
+          <a:lnRef idx="2">
+            <a:schemeClr val="accent1">
+              <a:shade val="15000"/>
+            </a:schemeClr>
+          </a:lnRef>
+          <a:fillRef idx="1">
+            <a:schemeClr val="accent1"/>
+          </a:fillRef>
+          <a:effectRef idx="0">
+            <a:schemeClr val="accent1"/>
+          </a:effectRef>
+          <a:fontRef idx="minor">
+            <a:schemeClr val="lt1"/>
+          </a:fontRef>
+        </p:style>
+        <p:txBody>
+          <a:bodyPr rtlCol="0" anchor="ctr"/>
+          <a:lstStyle/>
+          <a:p>
+            <a:pPr algn="ctr"/>
+            <a:r>
+              <a:rPr lang="en-US" sz="800" dirty="0">
+                <a:solidFill>
+                  <a:schemeClr val="tx1"/>
+                </a:solidFill>
+              </a:rPr>
+              <a:t>14</a:t>
+            </a:r>
+          </a:p>
+        </p:txBody>
+      </p:sp>
+      <p:sp>
+        <p:nvSpPr>
+          <p:cNvPr id="136" name="Rectangle 135">
+            <a:extLst>
+              <a:ext uri="{FF2B5EF4-FFF2-40B4-BE49-F238E27FC236}">
+                <a16:creationId xmlns:a16="http://schemas.microsoft.com/office/drawing/2014/main" id="{8DA717C7-CFAC-B0F7-A3C5-DD8586CE79FA}"/>
+              </a:ext>
+            </a:extLst>
+          </p:cNvPr>
+          <p:cNvSpPr/>
+          <p:nvPr/>
+        </p:nvSpPr>
+        <p:spPr>
+          <a:xfrm>
+            <a:off x="10947394" y="461893"/>
+            <a:ext cx="322151" cy="272753"/>
+          </a:xfrm>
+          <a:prstGeom prst="rect">
+            <a:avLst/>
+          </a:prstGeom>
+          <a:solidFill>
+            <a:srgbClr val="FAFDF0"/>
+          </a:solidFill>
+          <a:ln>
+            <a:solidFill>
+              <a:srgbClr val="DDF08B"/>
+            </a:solidFill>
+          </a:ln>
+        </p:spPr>
+        <p:style>
+          <a:lnRef idx="2">
+            <a:schemeClr val="accent1">
+              <a:shade val="15000"/>
+            </a:schemeClr>
+          </a:lnRef>
+          <a:fillRef idx="1">
+            <a:schemeClr val="accent1"/>
+          </a:fillRef>
+          <a:effectRef idx="0">
+            <a:schemeClr val="accent1"/>
+          </a:effectRef>
+          <a:fontRef idx="minor">
+            <a:schemeClr val="lt1"/>
+          </a:fontRef>
+        </p:style>
+        <p:txBody>
+          <a:bodyPr rtlCol="0" anchor="ctr"/>
+          <a:lstStyle/>
+          <a:p>
+            <a:pPr algn="ctr"/>
+            <a:r>
+              <a:rPr lang="en-US" sz="800" dirty="0">
+                <a:solidFill>
+                  <a:schemeClr val="tx1"/>
+                </a:solidFill>
+              </a:rPr>
+              <a:t>15</a:t>
+            </a:r>
+          </a:p>
+        </p:txBody>
+      </p:sp>
+      <p:sp>
+        <p:nvSpPr>
+          <p:cNvPr id="137" name="Rectangle 136">
+            <a:extLst>
+              <a:ext uri="{FF2B5EF4-FFF2-40B4-BE49-F238E27FC236}">
+                <a16:creationId xmlns:a16="http://schemas.microsoft.com/office/drawing/2014/main" id="{33451890-227C-9484-88C7-9D84A3A37FCD}"/>
+              </a:ext>
+            </a:extLst>
+          </p:cNvPr>
+          <p:cNvSpPr/>
+          <p:nvPr/>
+        </p:nvSpPr>
+        <p:spPr>
+          <a:xfrm>
+            <a:off x="9980942" y="461895"/>
+            <a:ext cx="322151" cy="272753"/>
+          </a:xfrm>
+          <a:prstGeom prst="rect">
+            <a:avLst/>
+          </a:prstGeom>
+          <a:solidFill>
+            <a:srgbClr val="FDF8EE"/>
+          </a:solidFill>
+          <a:ln>
+            <a:solidFill>
+              <a:srgbClr val="EFC57B"/>
+            </a:solidFill>
+          </a:ln>
+        </p:spPr>
+        <p:style>
+          <a:lnRef idx="2">
+            <a:schemeClr val="accent1">
+              <a:shade val="15000"/>
+            </a:schemeClr>
+          </a:lnRef>
+          <a:fillRef idx="1">
+            <a:schemeClr val="accent1"/>
+          </a:fillRef>
+          <a:effectRef idx="0">
+            <a:schemeClr val="accent1"/>
+          </a:effectRef>
+          <a:fontRef idx="minor">
+            <a:schemeClr val="lt1"/>
+          </a:fontRef>
+        </p:style>
+        <p:txBody>
+          <a:bodyPr rtlCol="0" anchor="ctr"/>
+          <a:lstStyle/>
+          <a:p>
+            <a:pPr algn="ctr"/>
+            <a:r>
+              <a:rPr lang="en-US" sz="800" dirty="0">
+                <a:solidFill>
+                  <a:schemeClr val="tx1"/>
+                </a:solidFill>
+              </a:rPr>
+              <a:t>12</a:t>
+            </a:r>
+          </a:p>
+        </p:txBody>
+      </p:sp>
+      <p:sp>
+        <p:nvSpPr>
+          <p:cNvPr id="138" name="Rectangle 137">
+            <a:extLst>
+              <a:ext uri="{FF2B5EF4-FFF2-40B4-BE49-F238E27FC236}">
+                <a16:creationId xmlns:a16="http://schemas.microsoft.com/office/drawing/2014/main" id="{FD57AC91-525C-80AE-37D9-685A8767F51B}"/>
+              </a:ext>
+            </a:extLst>
+          </p:cNvPr>
+          <p:cNvSpPr/>
+          <p:nvPr/>
+        </p:nvSpPr>
+        <p:spPr>
+          <a:xfrm>
+            <a:off x="7725886" y="461899"/>
+            <a:ext cx="322151" cy="272753"/>
+          </a:xfrm>
+          <a:prstGeom prst="rect">
+            <a:avLst/>
+          </a:prstGeom>
+          <a:solidFill>
+            <a:srgbClr val="FAFDF0"/>
+          </a:solidFill>
+          <a:ln>
+            <a:solidFill>
+              <a:srgbClr val="DDF08B"/>
+            </a:solidFill>
+          </a:ln>
+        </p:spPr>
+        <p:style>
+          <a:lnRef idx="2">
+            <a:schemeClr val="accent1">
+              <a:shade val="15000"/>
+            </a:schemeClr>
+          </a:lnRef>
+          <a:fillRef idx="1">
+            <a:schemeClr val="accent1"/>
+          </a:fillRef>
+          <a:effectRef idx="0">
+            <a:schemeClr val="accent1"/>
+          </a:effectRef>
+          <a:fontRef idx="minor">
+            <a:schemeClr val="lt1"/>
+          </a:fontRef>
+        </p:style>
+        <p:txBody>
+          <a:bodyPr rtlCol="0" anchor="ctr"/>
+          <a:lstStyle/>
+          <a:p>
+            <a:pPr algn="ctr"/>
+            <a:r>
+              <a:rPr lang="en-US" sz="800" dirty="0">
+                <a:solidFill>
+                  <a:schemeClr val="tx1"/>
+                </a:solidFill>
+              </a:rPr>
+              <a:t>5</a:t>
+            </a:r>
+          </a:p>
+        </p:txBody>
+      </p:sp>
+      <p:sp>
+        <p:nvSpPr>
+          <p:cNvPr id="139" name="Rectangle 138">
+            <a:extLst>
+              <a:ext uri="{FF2B5EF4-FFF2-40B4-BE49-F238E27FC236}">
+                <a16:creationId xmlns:a16="http://schemas.microsoft.com/office/drawing/2014/main" id="{D792F8B0-4FAE-8A10-DEA5-CFCC649F256F}"/>
+              </a:ext>
+            </a:extLst>
+          </p:cNvPr>
+          <p:cNvSpPr/>
+          <p:nvPr/>
+        </p:nvSpPr>
+        <p:spPr>
+          <a:xfrm>
+            <a:off x="8692339" y="461897"/>
+            <a:ext cx="322151" cy="272753"/>
+          </a:xfrm>
+          <a:prstGeom prst="rect">
+            <a:avLst/>
+          </a:prstGeom>
+          <a:solidFill>
+            <a:srgbClr val="FAFDF0"/>
+          </a:solidFill>
+          <a:ln>
+            <a:solidFill>
+              <a:srgbClr val="DDF08B"/>
+            </a:solidFill>
+          </a:ln>
+        </p:spPr>
+        <p:style>
+          <a:lnRef idx="2">
+            <a:schemeClr val="accent1">
+              <a:shade val="15000"/>
+            </a:schemeClr>
+          </a:lnRef>
+          <a:fillRef idx="1">
+            <a:schemeClr val="accent1"/>
+          </a:fillRef>
+          <a:effectRef idx="0">
+            <a:schemeClr val="accent1"/>
+          </a:effectRef>
+          <a:fontRef idx="minor">
+            <a:schemeClr val="lt1"/>
+          </a:fontRef>
+        </p:style>
+        <p:txBody>
+          <a:bodyPr rtlCol="0" anchor="ctr"/>
+          <a:lstStyle/>
+          <a:p>
+            <a:pPr algn="ctr"/>
+            <a:r>
+              <a:rPr lang="en-US" sz="800" dirty="0">
+                <a:solidFill>
+                  <a:schemeClr val="tx1"/>
+                </a:solidFill>
+              </a:rPr>
+              <a:t>8</a:t>
+            </a:r>
+          </a:p>
+        </p:txBody>
+      </p:sp>
+      <p:sp>
+        <p:nvSpPr>
+          <p:cNvPr id="140" name="Rectangle 139">
+            <a:extLst>
+              <a:ext uri="{FF2B5EF4-FFF2-40B4-BE49-F238E27FC236}">
+                <a16:creationId xmlns:a16="http://schemas.microsoft.com/office/drawing/2014/main" id="{147B3FE3-5C9E-75E6-E401-D6A920B25F83}"/>
+              </a:ext>
+            </a:extLst>
+          </p:cNvPr>
+          <p:cNvSpPr/>
+          <p:nvPr/>
+        </p:nvSpPr>
+        <p:spPr>
+          <a:xfrm>
+            <a:off x="8048037" y="461898"/>
+            <a:ext cx="322151" cy="272753"/>
+          </a:xfrm>
+          <a:prstGeom prst="rect">
+            <a:avLst/>
+          </a:prstGeom>
+          <a:solidFill>
+            <a:srgbClr val="FAFDF0"/>
+          </a:solidFill>
+          <a:ln>
+            <a:solidFill>
+              <a:srgbClr val="DDF08B"/>
+            </a:solidFill>
+          </a:ln>
+        </p:spPr>
+        <p:style>
+          <a:lnRef idx="2">
+            <a:schemeClr val="accent1">
+              <a:shade val="15000"/>
+            </a:schemeClr>
+          </a:lnRef>
+          <a:fillRef idx="1">
+            <a:schemeClr val="accent1"/>
+          </a:fillRef>
+          <a:effectRef idx="0">
+            <a:schemeClr val="accent1"/>
+          </a:effectRef>
+          <a:fontRef idx="minor">
+            <a:schemeClr val="lt1"/>
+          </a:fontRef>
+        </p:style>
+        <p:txBody>
+          <a:bodyPr rtlCol="0" anchor="ctr"/>
+          <a:lstStyle/>
+          <a:p>
+            <a:pPr algn="ctr"/>
+            <a:r>
+              <a:rPr lang="en-US" sz="800" dirty="0">
+                <a:solidFill>
+                  <a:schemeClr val="tx1"/>
+                </a:solidFill>
+              </a:rPr>
+              <a:t>6</a:t>
+            </a:r>
+          </a:p>
+        </p:txBody>
+      </p:sp>
+      <p:sp>
+        <p:nvSpPr>
+          <p:cNvPr id="141" name="Rectangle 140">
+            <a:extLst>
+              <a:ext uri="{FF2B5EF4-FFF2-40B4-BE49-F238E27FC236}">
+                <a16:creationId xmlns:a16="http://schemas.microsoft.com/office/drawing/2014/main" id="{9B4251E4-DF92-5F33-70F7-CF11B525C0B8}"/>
+              </a:ext>
+            </a:extLst>
+          </p:cNvPr>
+          <p:cNvSpPr/>
+          <p:nvPr/>
+        </p:nvSpPr>
+        <p:spPr>
+          <a:xfrm>
+            <a:off x="8370188" y="461897"/>
+            <a:ext cx="322151" cy="272753"/>
+          </a:xfrm>
+          <a:prstGeom prst="rect">
+            <a:avLst/>
+          </a:prstGeom>
+          <a:solidFill>
+            <a:srgbClr val="FAFDF0"/>
+          </a:solidFill>
+          <a:ln>
+            <a:solidFill>
+              <a:srgbClr val="DDF08B"/>
+            </a:solidFill>
+          </a:ln>
+        </p:spPr>
+        <p:style>
+          <a:lnRef idx="2">
+            <a:schemeClr val="accent1">
+              <a:shade val="15000"/>
+            </a:schemeClr>
+          </a:lnRef>
+          <a:fillRef idx="1">
+            <a:schemeClr val="accent1"/>
+          </a:fillRef>
+          <a:effectRef idx="0">
+            <a:schemeClr val="accent1"/>
+          </a:effectRef>
+          <a:fontRef idx="minor">
+            <a:schemeClr val="lt1"/>
+          </a:fontRef>
+        </p:style>
+        <p:txBody>
+          <a:bodyPr rtlCol="0" anchor="ctr"/>
+          <a:lstStyle/>
+          <a:p>
+            <a:pPr algn="ctr"/>
+            <a:r>
+              <a:rPr lang="en-US" sz="800" dirty="0">
+                <a:solidFill>
+                  <a:schemeClr val="tx1"/>
+                </a:solidFill>
+              </a:rPr>
+              <a:t>7</a:t>
+            </a:r>
+          </a:p>
+        </p:txBody>
+      </p:sp>
+      <p:sp>
+        <p:nvSpPr>
+          <p:cNvPr id="142" name="Rectangle 141">
+            <a:extLst>
+              <a:ext uri="{FF2B5EF4-FFF2-40B4-BE49-F238E27FC236}">
+                <a16:creationId xmlns:a16="http://schemas.microsoft.com/office/drawing/2014/main" id="{9F73B6BC-16C6-285B-C2DF-467266CF4883}"/>
+              </a:ext>
+            </a:extLst>
+          </p:cNvPr>
+          <p:cNvSpPr/>
+          <p:nvPr/>
+        </p:nvSpPr>
+        <p:spPr>
+          <a:xfrm>
+            <a:off x="7403735" y="461899"/>
+            <a:ext cx="322151" cy="272753"/>
+          </a:xfrm>
+          <a:prstGeom prst="rect">
+            <a:avLst/>
+          </a:prstGeom>
+          <a:solidFill>
+            <a:srgbClr val="F2EFF6"/>
+          </a:solidFill>
+          <a:ln>
+            <a:solidFill>
+              <a:srgbClr val="360084"/>
+            </a:solidFill>
+          </a:ln>
+        </p:spPr>
+        <p:style>
+          <a:lnRef idx="2">
+            <a:schemeClr val="accent1">
+              <a:shade val="15000"/>
+            </a:schemeClr>
+          </a:lnRef>
+          <a:fillRef idx="1">
+            <a:schemeClr val="accent1"/>
+          </a:fillRef>
+          <a:effectRef idx="0">
+            <a:schemeClr val="accent1"/>
+          </a:effectRef>
+          <a:fontRef idx="minor">
+            <a:schemeClr val="lt1"/>
+          </a:fontRef>
+        </p:style>
+        <p:txBody>
+          <a:bodyPr rtlCol="0" anchor="ctr"/>
+          <a:lstStyle/>
+          <a:p>
+            <a:pPr algn="ctr"/>
+            <a:r>
+              <a:rPr lang="en-US" sz="800" dirty="0">
+                <a:solidFill>
+                  <a:schemeClr val="tx1"/>
+                </a:solidFill>
+              </a:rPr>
+              <a:t>4</a:t>
+            </a:r>
+          </a:p>
+        </p:txBody>
+      </p:sp>
+      <p:sp>
+        <p:nvSpPr>
+          <p:cNvPr id="143" name="Rectangle 142">
+            <a:extLst>
+              <a:ext uri="{FF2B5EF4-FFF2-40B4-BE49-F238E27FC236}">
+                <a16:creationId xmlns:a16="http://schemas.microsoft.com/office/drawing/2014/main" id="{57CA944D-862C-A847-2AC3-3B5027A7E903}"/>
+              </a:ext>
+            </a:extLst>
+          </p:cNvPr>
+          <p:cNvSpPr/>
+          <p:nvPr/>
+        </p:nvSpPr>
+        <p:spPr>
+          <a:xfrm>
+            <a:off x="9014489" y="461897"/>
+            <a:ext cx="322151" cy="272753"/>
+          </a:xfrm>
+          <a:prstGeom prst="rect">
+            <a:avLst/>
+          </a:prstGeom>
+          <a:solidFill>
+            <a:srgbClr val="FDF8EE"/>
+          </a:solidFill>
+          <a:ln>
+            <a:solidFill>
+              <a:srgbClr val="EFC57B"/>
+            </a:solidFill>
+          </a:ln>
+        </p:spPr>
+        <p:style>
+          <a:lnRef idx="2">
+            <a:schemeClr val="accent1">
+              <a:shade val="15000"/>
+            </a:schemeClr>
+          </a:lnRef>
+          <a:fillRef idx="1">
+            <a:schemeClr val="accent1"/>
+          </a:fillRef>
+          <a:effectRef idx="0">
+            <a:schemeClr val="accent1"/>
+          </a:effectRef>
+          <a:fontRef idx="minor">
+            <a:schemeClr val="lt1"/>
+          </a:fontRef>
+        </p:style>
+        <p:txBody>
+          <a:bodyPr rtlCol="0" anchor="ctr"/>
+          <a:lstStyle/>
+          <a:p>
+            <a:pPr algn="ctr"/>
+            <a:r>
+              <a:rPr lang="en-US" sz="800" dirty="0">
+                <a:solidFill>
+                  <a:schemeClr val="tx1"/>
+                </a:solidFill>
+              </a:rPr>
+              <a:t>9</a:t>
+            </a:r>
+          </a:p>
+        </p:txBody>
+      </p:sp>
+      <p:sp>
+        <p:nvSpPr>
+          <p:cNvPr id="144" name="Rectangle 143">
+            <a:extLst>
+              <a:ext uri="{FF2B5EF4-FFF2-40B4-BE49-F238E27FC236}">
+                <a16:creationId xmlns:a16="http://schemas.microsoft.com/office/drawing/2014/main" id="{2B3DA730-CA89-13BA-1724-563EB8AF6B1F}"/>
+              </a:ext>
+            </a:extLst>
+          </p:cNvPr>
+          <p:cNvSpPr/>
+          <p:nvPr/>
+        </p:nvSpPr>
+        <p:spPr>
+          <a:xfrm>
+            <a:off x="6437283" y="1758648"/>
+            <a:ext cx="322151" cy="272753"/>
+          </a:xfrm>
+          <a:prstGeom prst="rect">
+            <a:avLst/>
+          </a:prstGeom>
+          <a:solidFill>
+            <a:srgbClr val="FAFDF0"/>
+          </a:solidFill>
+          <a:ln>
+            <a:solidFill>
+              <a:srgbClr val="DDF08B"/>
+            </a:solidFill>
+          </a:ln>
+        </p:spPr>
+        <p:style>
+          <a:lnRef idx="2">
+            <a:schemeClr val="accent1">
+              <a:shade val="15000"/>
+            </a:schemeClr>
+          </a:lnRef>
+          <a:fillRef idx="1">
+            <a:schemeClr val="accent1"/>
+          </a:fillRef>
+          <a:effectRef idx="0">
+            <a:schemeClr val="accent1"/>
+          </a:effectRef>
+          <a:fontRef idx="minor">
+            <a:schemeClr val="lt1"/>
+          </a:fontRef>
+        </p:style>
+        <p:txBody>
+          <a:bodyPr rtlCol="0" anchor="ctr"/>
+          <a:lstStyle/>
+          <a:p>
+            <a:pPr algn="ctr"/>
+            <a:r>
+              <a:rPr lang="en-US" sz="800" dirty="0">
+                <a:solidFill>
+                  <a:schemeClr val="tx1"/>
+                </a:solidFill>
+              </a:rPr>
+              <a:t>13</a:t>
+            </a:r>
+          </a:p>
+        </p:txBody>
+      </p:sp>
+      <p:sp>
+        <p:nvSpPr>
+          <p:cNvPr id="145" name="Rectangle 144">
+            <a:extLst>
+              <a:ext uri="{FF2B5EF4-FFF2-40B4-BE49-F238E27FC236}">
+                <a16:creationId xmlns:a16="http://schemas.microsoft.com/office/drawing/2014/main" id="{9EF7CE60-3A21-8B02-9E71-1A5E12611872}"/>
+              </a:ext>
+            </a:extLst>
+          </p:cNvPr>
+          <p:cNvSpPr/>
+          <p:nvPr/>
+        </p:nvSpPr>
+        <p:spPr>
+          <a:xfrm>
+            <a:off x="7403738" y="1758648"/>
+            <a:ext cx="322151" cy="272753"/>
+          </a:xfrm>
+          <a:prstGeom prst="rect">
+            <a:avLst/>
+          </a:prstGeom>
+          <a:solidFill>
+            <a:srgbClr val="FAFDF0"/>
+          </a:solidFill>
+          <a:ln>
+            <a:solidFill>
+              <a:srgbClr val="DDF08B"/>
+            </a:solidFill>
+          </a:ln>
+        </p:spPr>
+        <p:style>
+          <a:lnRef idx="2">
+            <a:schemeClr val="accent1">
+              <a:shade val="15000"/>
+            </a:schemeClr>
+          </a:lnRef>
+          <a:fillRef idx="1">
+            <a:schemeClr val="accent1"/>
+          </a:fillRef>
+          <a:effectRef idx="0">
+            <a:schemeClr val="accent1"/>
+          </a:effectRef>
+          <a:fontRef idx="minor">
+            <a:schemeClr val="lt1"/>
+          </a:fontRef>
+        </p:style>
+        <p:txBody>
+          <a:bodyPr rtlCol="0" anchor="ctr"/>
+          <a:lstStyle/>
+          <a:p>
+            <a:pPr algn="ctr"/>
+            <a:r>
+              <a:rPr lang="en-US" sz="800" dirty="0">
+                <a:solidFill>
+                  <a:schemeClr val="tx1"/>
+                </a:solidFill>
+              </a:rPr>
+              <a:t>16</a:t>
+            </a:r>
+          </a:p>
+        </p:txBody>
+      </p:sp>
+      <p:sp>
+        <p:nvSpPr>
+          <p:cNvPr id="146" name="Rectangle 145">
+            <a:extLst>
+              <a:ext uri="{FF2B5EF4-FFF2-40B4-BE49-F238E27FC236}">
+                <a16:creationId xmlns:a16="http://schemas.microsoft.com/office/drawing/2014/main" id="{813AD1AD-7C05-BB04-2B9E-7DC06721CAF8}"/>
+              </a:ext>
+            </a:extLst>
+          </p:cNvPr>
+          <p:cNvSpPr/>
+          <p:nvPr/>
+        </p:nvSpPr>
+        <p:spPr>
+          <a:xfrm>
+            <a:off x="7081587" y="1758648"/>
+            <a:ext cx="322151" cy="272753"/>
+          </a:xfrm>
+          <a:prstGeom prst="rect">
+            <a:avLst/>
+          </a:prstGeom>
+          <a:solidFill>
+            <a:srgbClr val="FAFDF0"/>
+          </a:solidFill>
+          <a:ln>
+            <a:solidFill>
+              <a:srgbClr val="DDF08B"/>
+            </a:solidFill>
+          </a:ln>
+        </p:spPr>
+        <p:style>
+          <a:lnRef idx="2">
+            <a:schemeClr val="accent1">
+              <a:shade val="15000"/>
+            </a:schemeClr>
+          </a:lnRef>
+          <a:fillRef idx="1">
+            <a:schemeClr val="accent1"/>
+          </a:fillRef>
+          <a:effectRef idx="0">
+            <a:schemeClr val="accent1"/>
+          </a:effectRef>
+          <a:fontRef idx="minor">
+            <a:schemeClr val="lt1"/>
+          </a:fontRef>
+        </p:style>
+        <p:txBody>
+          <a:bodyPr rtlCol="0" anchor="ctr"/>
+          <a:lstStyle/>
+          <a:p>
+            <a:pPr algn="ctr"/>
+            <a:r>
+              <a:rPr lang="en-US" sz="800" dirty="0">
+                <a:solidFill>
+                  <a:schemeClr val="tx1"/>
+                </a:solidFill>
+              </a:rPr>
+              <a:t>15</a:t>
+            </a:r>
+          </a:p>
+        </p:txBody>
+      </p:sp>
+      <p:sp>
+        <p:nvSpPr>
+          <p:cNvPr id="147" name="Rectangle 146">
+            <a:extLst>
+              <a:ext uri="{FF2B5EF4-FFF2-40B4-BE49-F238E27FC236}">
+                <a16:creationId xmlns:a16="http://schemas.microsoft.com/office/drawing/2014/main" id="{68FF698F-3316-6939-BED2-FF0CE1CE1C78}"/>
+              </a:ext>
+            </a:extLst>
+          </p:cNvPr>
+          <p:cNvSpPr/>
+          <p:nvPr/>
+        </p:nvSpPr>
+        <p:spPr>
+          <a:xfrm>
+            <a:off x="6759436" y="1758649"/>
+            <a:ext cx="322151" cy="272753"/>
+          </a:xfrm>
+          <a:prstGeom prst="rect">
+            <a:avLst/>
+          </a:prstGeom>
+          <a:solidFill>
+            <a:srgbClr val="FAFDF0"/>
+          </a:solidFill>
+          <a:ln>
+            <a:solidFill>
+              <a:srgbClr val="DDF08B"/>
+            </a:solidFill>
+          </a:ln>
+        </p:spPr>
+        <p:style>
+          <a:lnRef idx="2">
+            <a:schemeClr val="accent1">
+              <a:shade val="15000"/>
+            </a:schemeClr>
+          </a:lnRef>
+          <a:fillRef idx="1">
+            <a:schemeClr val="accent1"/>
+          </a:fillRef>
+          <a:effectRef idx="0">
+            <a:schemeClr val="accent1"/>
+          </a:effectRef>
+          <a:fontRef idx="minor">
+            <a:schemeClr val="lt1"/>
+          </a:fontRef>
+        </p:style>
+        <p:txBody>
+          <a:bodyPr rtlCol="0" anchor="ctr"/>
+          <a:lstStyle/>
+          <a:p>
+            <a:pPr algn="ctr"/>
+            <a:r>
+              <a:rPr lang="en-US" sz="800" dirty="0">
+                <a:solidFill>
+                  <a:schemeClr val="tx1"/>
+                </a:solidFill>
+              </a:rPr>
+              <a:t>14</a:t>
+            </a:r>
+          </a:p>
+        </p:txBody>
+      </p:sp>
+      <p:sp>
+        <p:nvSpPr>
+          <p:cNvPr id="148" name="Rectangle 147">
+            <a:extLst>
+              <a:ext uri="{FF2B5EF4-FFF2-40B4-BE49-F238E27FC236}">
+                <a16:creationId xmlns:a16="http://schemas.microsoft.com/office/drawing/2014/main" id="{CBCF0F37-433F-834E-A1EC-1C3D5A9C7B22}"/>
+              </a:ext>
+            </a:extLst>
+          </p:cNvPr>
+          <p:cNvSpPr/>
+          <p:nvPr/>
+        </p:nvSpPr>
+        <p:spPr>
+          <a:xfrm>
+            <a:off x="6437284" y="1226027"/>
+            <a:ext cx="322151" cy="272753"/>
+          </a:xfrm>
+          <a:prstGeom prst="rect">
+            <a:avLst/>
+          </a:prstGeom>
+          <a:solidFill>
+            <a:srgbClr val="FAFDF0"/>
+          </a:solidFill>
+          <a:ln>
+            <a:solidFill>
+              <a:srgbClr val="DDF08B"/>
+            </a:solidFill>
+          </a:ln>
+        </p:spPr>
+        <p:style>
+          <a:lnRef idx="2">
+            <a:schemeClr val="accent1">
+              <a:shade val="15000"/>
+            </a:schemeClr>
+          </a:lnRef>
+          <a:fillRef idx="1">
+            <a:schemeClr val="accent1"/>
+          </a:fillRef>
+          <a:effectRef idx="0">
+            <a:schemeClr val="accent1"/>
+          </a:effectRef>
+          <a:fontRef idx="minor">
+            <a:schemeClr val="lt1"/>
+          </a:fontRef>
+        </p:style>
+        <p:txBody>
+          <a:bodyPr rtlCol="0" anchor="ctr"/>
+          <a:lstStyle/>
+          <a:p>
+            <a:pPr algn="ctr"/>
+            <a:r>
+              <a:rPr lang="en-US" sz="800" dirty="0">
+                <a:solidFill>
+                  <a:schemeClr val="tx1"/>
+                </a:solidFill>
+              </a:rPr>
+              <a:t>5</a:t>
+            </a:r>
+          </a:p>
+        </p:txBody>
+      </p:sp>
+      <p:sp>
+        <p:nvSpPr>
+          <p:cNvPr id="149" name="Rectangle 148">
+            <a:extLst>
+              <a:ext uri="{FF2B5EF4-FFF2-40B4-BE49-F238E27FC236}">
+                <a16:creationId xmlns:a16="http://schemas.microsoft.com/office/drawing/2014/main" id="{02649150-E880-DE96-84CC-9627BC7858E4}"/>
+              </a:ext>
+            </a:extLst>
+          </p:cNvPr>
+          <p:cNvSpPr/>
+          <p:nvPr/>
+        </p:nvSpPr>
+        <p:spPr>
+          <a:xfrm>
+            <a:off x="7403737" y="1226025"/>
+            <a:ext cx="322151" cy="272753"/>
+          </a:xfrm>
+          <a:prstGeom prst="rect">
+            <a:avLst/>
+          </a:prstGeom>
+          <a:solidFill>
+            <a:srgbClr val="FAFDF0"/>
+          </a:solidFill>
+          <a:ln>
+            <a:solidFill>
+              <a:srgbClr val="DDF08B"/>
+            </a:solidFill>
+          </a:ln>
+        </p:spPr>
+        <p:style>
+          <a:lnRef idx="2">
+            <a:schemeClr val="accent1">
+              <a:shade val="15000"/>
+            </a:schemeClr>
+          </a:lnRef>
+          <a:fillRef idx="1">
+            <a:schemeClr val="accent1"/>
+          </a:fillRef>
+          <a:effectRef idx="0">
+            <a:schemeClr val="accent1"/>
+          </a:effectRef>
+          <a:fontRef idx="minor">
+            <a:schemeClr val="lt1"/>
+          </a:fontRef>
+        </p:style>
+        <p:txBody>
+          <a:bodyPr rtlCol="0" anchor="ctr"/>
+          <a:lstStyle/>
+          <a:p>
+            <a:pPr algn="ctr"/>
+            <a:r>
+              <a:rPr lang="en-US" sz="800" dirty="0">
+                <a:solidFill>
+                  <a:schemeClr val="tx1"/>
+                </a:solidFill>
+              </a:rPr>
+              <a:t>8</a:t>
+            </a:r>
+          </a:p>
+        </p:txBody>
+      </p:sp>
+      <p:sp>
+        <p:nvSpPr>
+          <p:cNvPr id="150" name="Rectangle 149">
+            <a:extLst>
+              <a:ext uri="{FF2B5EF4-FFF2-40B4-BE49-F238E27FC236}">
+                <a16:creationId xmlns:a16="http://schemas.microsoft.com/office/drawing/2014/main" id="{D0A7DB99-0E80-72C1-2108-9B9AFAC9A624}"/>
+              </a:ext>
+            </a:extLst>
+          </p:cNvPr>
+          <p:cNvSpPr/>
+          <p:nvPr/>
+        </p:nvSpPr>
+        <p:spPr>
+          <a:xfrm>
+            <a:off x="7081586" y="1226025"/>
+            <a:ext cx="322151" cy="272753"/>
+          </a:xfrm>
+          <a:prstGeom prst="rect">
+            <a:avLst/>
+          </a:prstGeom>
+          <a:solidFill>
+            <a:srgbClr val="FAFDF0"/>
+          </a:solidFill>
+          <a:ln>
+            <a:solidFill>
+              <a:srgbClr val="DDF08B"/>
+            </a:solidFill>
+          </a:ln>
+        </p:spPr>
+        <p:style>
+          <a:lnRef idx="2">
+            <a:schemeClr val="accent1">
+              <a:shade val="15000"/>
+            </a:schemeClr>
+          </a:lnRef>
+          <a:fillRef idx="1">
+            <a:schemeClr val="accent1"/>
+          </a:fillRef>
+          <a:effectRef idx="0">
+            <a:schemeClr val="accent1"/>
+          </a:effectRef>
+          <a:fontRef idx="minor">
+            <a:schemeClr val="lt1"/>
+          </a:fontRef>
+        </p:style>
+        <p:txBody>
+          <a:bodyPr rtlCol="0" anchor="ctr"/>
+          <a:lstStyle/>
+          <a:p>
+            <a:pPr algn="ctr"/>
+            <a:r>
+              <a:rPr lang="en-US" sz="800" dirty="0">
+                <a:solidFill>
+                  <a:schemeClr val="tx1"/>
+                </a:solidFill>
+              </a:rPr>
+              <a:t>7</a:t>
+            </a:r>
+          </a:p>
+        </p:txBody>
+      </p:sp>
+      <p:sp>
+        <p:nvSpPr>
+          <p:cNvPr id="151" name="Rectangle 150">
+            <a:extLst>
+              <a:ext uri="{FF2B5EF4-FFF2-40B4-BE49-F238E27FC236}">
+                <a16:creationId xmlns:a16="http://schemas.microsoft.com/office/drawing/2014/main" id="{919DECA3-B1DE-7D44-8702-7B31083A4F9E}"/>
+              </a:ext>
+            </a:extLst>
+          </p:cNvPr>
+          <p:cNvSpPr/>
+          <p:nvPr/>
+        </p:nvSpPr>
+        <p:spPr>
+          <a:xfrm>
+            <a:off x="6759435" y="1226026"/>
+            <a:ext cx="322151" cy="272753"/>
+          </a:xfrm>
+          <a:prstGeom prst="rect">
+            <a:avLst/>
+          </a:prstGeom>
+          <a:solidFill>
+            <a:srgbClr val="FAFDF0"/>
+          </a:solidFill>
+          <a:ln>
+            <a:solidFill>
+              <a:srgbClr val="DDF08B"/>
+            </a:solidFill>
+          </a:ln>
+        </p:spPr>
+        <p:style>
+          <a:lnRef idx="2">
+            <a:schemeClr val="accent1">
+              <a:shade val="15000"/>
+            </a:schemeClr>
+          </a:lnRef>
+          <a:fillRef idx="1">
+            <a:schemeClr val="accent1"/>
+          </a:fillRef>
+          <a:effectRef idx="0">
+            <a:schemeClr val="accent1"/>
+          </a:effectRef>
+          <a:fontRef idx="minor">
+            <a:schemeClr val="lt1"/>
+          </a:fontRef>
+        </p:style>
+        <p:txBody>
+          <a:bodyPr rtlCol="0" anchor="ctr"/>
+          <a:lstStyle/>
+          <a:p>
+            <a:pPr algn="ctr"/>
+            <a:r>
+              <a:rPr lang="en-US" sz="800" dirty="0">
+                <a:solidFill>
+                  <a:schemeClr val="tx1"/>
+                </a:solidFill>
+              </a:rPr>
+              <a:t>6</a:t>
+            </a:r>
+          </a:p>
+        </p:txBody>
+      </p:sp>
+      <p:sp>
+        <p:nvSpPr>
+          <p:cNvPr id="152" name="Rectangle 151">
+            <a:extLst>
+              <a:ext uri="{FF2B5EF4-FFF2-40B4-BE49-F238E27FC236}">
+                <a16:creationId xmlns:a16="http://schemas.microsoft.com/office/drawing/2014/main" id="{BD6A6FA3-52CE-2045-3A08-36D67891C8D3}"/>
+              </a:ext>
+            </a:extLst>
+          </p:cNvPr>
+          <p:cNvSpPr/>
+          <p:nvPr/>
+        </p:nvSpPr>
+        <p:spPr>
+          <a:xfrm>
+            <a:off x="6437282" y="953273"/>
+            <a:ext cx="322151" cy="272753"/>
+          </a:xfrm>
+          <a:prstGeom prst="rect">
+            <a:avLst/>
+          </a:prstGeom>
+          <a:solidFill>
+            <a:srgbClr val="F2EFF6"/>
+          </a:solidFill>
+          <a:ln>
+            <a:solidFill>
+              <a:srgbClr val="360084"/>
+            </a:solidFill>
+          </a:ln>
+        </p:spPr>
+        <p:style>
+          <a:lnRef idx="2">
+            <a:schemeClr val="accent1">
+              <a:shade val="15000"/>
+            </a:schemeClr>
+          </a:lnRef>
+          <a:fillRef idx="1">
+            <a:schemeClr val="accent1"/>
+          </a:fillRef>
+          <a:effectRef idx="0">
+            <a:schemeClr val="accent1"/>
+          </a:effectRef>
+          <a:fontRef idx="minor">
+            <a:schemeClr val="lt1"/>
+          </a:fontRef>
+        </p:style>
+        <p:txBody>
+          <a:bodyPr rtlCol="0" anchor="ctr"/>
+          <a:lstStyle/>
+          <a:p>
+            <a:pPr algn="ctr"/>
+            <a:r>
+              <a:rPr lang="en-US" sz="800" dirty="0">
+                <a:solidFill>
+                  <a:schemeClr val="tx1"/>
+                </a:solidFill>
+              </a:rPr>
+              <a:t>1</a:t>
+            </a:r>
+          </a:p>
+        </p:txBody>
+      </p:sp>
+      <p:sp>
+        <p:nvSpPr>
+          <p:cNvPr id="153" name="Rectangle 152">
+            <a:extLst>
+              <a:ext uri="{FF2B5EF4-FFF2-40B4-BE49-F238E27FC236}">
+                <a16:creationId xmlns:a16="http://schemas.microsoft.com/office/drawing/2014/main" id="{93E93285-7563-FA39-90F7-BE9AE8666D25}"/>
+              </a:ext>
+            </a:extLst>
+          </p:cNvPr>
+          <p:cNvSpPr/>
+          <p:nvPr/>
+        </p:nvSpPr>
+        <p:spPr>
+          <a:xfrm>
+            <a:off x="7403735" y="953271"/>
+            <a:ext cx="322151" cy="272753"/>
+          </a:xfrm>
+          <a:prstGeom prst="rect">
+            <a:avLst/>
+          </a:prstGeom>
+          <a:solidFill>
+            <a:srgbClr val="F2EFF6"/>
+          </a:solidFill>
+          <a:ln>
+            <a:solidFill>
+              <a:srgbClr val="360084"/>
+            </a:solidFill>
+          </a:ln>
+        </p:spPr>
+        <p:style>
+          <a:lnRef idx="2">
+            <a:schemeClr val="accent1">
+              <a:shade val="15000"/>
+            </a:schemeClr>
+          </a:lnRef>
+          <a:fillRef idx="1">
+            <a:schemeClr val="accent1"/>
+          </a:fillRef>
+          <a:effectRef idx="0">
+            <a:schemeClr val="accent1"/>
+          </a:effectRef>
+          <a:fontRef idx="minor">
+            <a:schemeClr val="lt1"/>
+          </a:fontRef>
+        </p:style>
+        <p:txBody>
+          <a:bodyPr rtlCol="0" anchor="ctr"/>
+          <a:lstStyle/>
+          <a:p>
+            <a:pPr algn="ctr"/>
+            <a:r>
+              <a:rPr lang="en-US" sz="800" dirty="0">
+                <a:solidFill>
+                  <a:schemeClr val="tx1"/>
+                </a:solidFill>
+              </a:rPr>
+              <a:t>4</a:t>
+            </a:r>
+          </a:p>
+        </p:txBody>
+      </p:sp>
+      <p:sp>
+        <p:nvSpPr>
+          <p:cNvPr id="154" name="Rectangle 153">
+            <a:extLst>
+              <a:ext uri="{FF2B5EF4-FFF2-40B4-BE49-F238E27FC236}">
+                <a16:creationId xmlns:a16="http://schemas.microsoft.com/office/drawing/2014/main" id="{C8DE36DB-5E58-0D12-664B-6A5A1B886956}"/>
+              </a:ext>
+            </a:extLst>
+          </p:cNvPr>
+          <p:cNvSpPr/>
+          <p:nvPr/>
+        </p:nvSpPr>
+        <p:spPr>
+          <a:xfrm>
+            <a:off x="7081584" y="953271"/>
+            <a:ext cx="322151" cy="272753"/>
+          </a:xfrm>
+          <a:prstGeom prst="rect">
+            <a:avLst/>
+          </a:prstGeom>
+          <a:solidFill>
+            <a:srgbClr val="F2EFF6"/>
+          </a:solidFill>
+          <a:ln>
+            <a:solidFill>
+              <a:srgbClr val="360084"/>
+            </a:solidFill>
+          </a:ln>
+        </p:spPr>
+        <p:style>
+          <a:lnRef idx="2">
+            <a:schemeClr val="accent1">
+              <a:shade val="15000"/>
+            </a:schemeClr>
+          </a:lnRef>
+          <a:fillRef idx="1">
+            <a:schemeClr val="accent1"/>
+          </a:fillRef>
+          <a:effectRef idx="0">
+            <a:schemeClr val="accent1"/>
+          </a:effectRef>
+          <a:fontRef idx="minor">
+            <a:schemeClr val="lt1"/>
+          </a:fontRef>
+        </p:style>
+        <p:txBody>
+          <a:bodyPr rtlCol="0" anchor="ctr"/>
+          <a:lstStyle/>
+          <a:p>
+            <a:pPr algn="ctr"/>
+            <a:r>
+              <a:rPr lang="en-US" sz="800" dirty="0">
+                <a:solidFill>
+                  <a:schemeClr val="tx1"/>
+                </a:solidFill>
+              </a:rPr>
+              <a:t>3</a:t>
+            </a:r>
+          </a:p>
+        </p:txBody>
+      </p:sp>
+      <p:sp>
+        <p:nvSpPr>
+          <p:cNvPr id="155" name="Rectangle 154">
+            <a:extLst>
+              <a:ext uri="{FF2B5EF4-FFF2-40B4-BE49-F238E27FC236}">
+                <a16:creationId xmlns:a16="http://schemas.microsoft.com/office/drawing/2014/main" id="{64520E2F-4D7F-B4DF-3795-F8BA9FC1EA0F}"/>
+              </a:ext>
+            </a:extLst>
+          </p:cNvPr>
+          <p:cNvSpPr/>
+          <p:nvPr/>
+        </p:nvSpPr>
+        <p:spPr>
+          <a:xfrm>
+            <a:off x="6437284" y="1498782"/>
+            <a:ext cx="322151" cy="272753"/>
+          </a:xfrm>
+          <a:prstGeom prst="rect">
+            <a:avLst/>
+          </a:prstGeom>
+          <a:solidFill>
+            <a:srgbClr val="FDF8EE"/>
+          </a:solidFill>
+          <a:ln>
+            <a:solidFill>
+              <a:srgbClr val="EFC57B"/>
+            </a:solidFill>
+          </a:ln>
+        </p:spPr>
+        <p:style>
+          <a:lnRef idx="2">
+            <a:schemeClr val="accent1">
+              <a:shade val="15000"/>
+            </a:schemeClr>
+          </a:lnRef>
+          <a:fillRef idx="1">
+            <a:schemeClr val="accent1"/>
+          </a:fillRef>
+          <a:effectRef idx="0">
+            <a:schemeClr val="accent1"/>
+          </a:effectRef>
+          <a:fontRef idx="minor">
+            <a:schemeClr val="lt1"/>
+          </a:fontRef>
+        </p:style>
+        <p:txBody>
+          <a:bodyPr rtlCol="0" anchor="ctr"/>
+          <a:lstStyle/>
+          <a:p>
+            <a:pPr algn="ctr"/>
+            <a:r>
+              <a:rPr lang="en-US" sz="800" dirty="0">
+                <a:solidFill>
+                  <a:schemeClr val="tx1"/>
+                </a:solidFill>
+              </a:rPr>
+              <a:t>9</a:t>
+            </a:r>
+          </a:p>
+        </p:txBody>
+      </p:sp>
+      <p:sp>
+        <p:nvSpPr>
+          <p:cNvPr id="156" name="Rectangle 155">
+            <a:extLst>
+              <a:ext uri="{FF2B5EF4-FFF2-40B4-BE49-F238E27FC236}">
+                <a16:creationId xmlns:a16="http://schemas.microsoft.com/office/drawing/2014/main" id="{1368FC30-67A3-2DCE-CC50-7AD269361369}"/>
+              </a:ext>
+            </a:extLst>
+          </p:cNvPr>
+          <p:cNvSpPr/>
+          <p:nvPr/>
+        </p:nvSpPr>
+        <p:spPr>
+          <a:xfrm>
+            <a:off x="7403737" y="1498780"/>
+            <a:ext cx="322151" cy="272753"/>
+          </a:xfrm>
+          <a:prstGeom prst="rect">
+            <a:avLst/>
+          </a:prstGeom>
+          <a:solidFill>
+            <a:srgbClr val="FDF8EE"/>
+          </a:solidFill>
+          <a:ln>
+            <a:solidFill>
+              <a:srgbClr val="EFC57B"/>
+            </a:solidFill>
+          </a:ln>
+        </p:spPr>
+        <p:style>
+          <a:lnRef idx="2">
+            <a:schemeClr val="accent1">
+              <a:shade val="15000"/>
+            </a:schemeClr>
+          </a:lnRef>
+          <a:fillRef idx="1">
+            <a:schemeClr val="accent1"/>
+          </a:fillRef>
+          <a:effectRef idx="0">
+            <a:schemeClr val="accent1"/>
+          </a:effectRef>
+          <a:fontRef idx="minor">
+            <a:schemeClr val="lt1"/>
+          </a:fontRef>
+        </p:style>
+        <p:txBody>
+          <a:bodyPr rtlCol="0" anchor="ctr"/>
+          <a:lstStyle/>
+          <a:p>
+            <a:pPr algn="ctr"/>
+            <a:r>
+              <a:rPr lang="en-US" sz="800" dirty="0">
+                <a:solidFill>
+                  <a:schemeClr val="tx1"/>
+                </a:solidFill>
+              </a:rPr>
+              <a:t>12</a:t>
+            </a:r>
+          </a:p>
+        </p:txBody>
+      </p:sp>
+      <p:sp>
+        <p:nvSpPr>
+          <p:cNvPr id="157" name="Rectangle 156">
+            <a:extLst>
+              <a:ext uri="{FF2B5EF4-FFF2-40B4-BE49-F238E27FC236}">
+                <a16:creationId xmlns:a16="http://schemas.microsoft.com/office/drawing/2014/main" id="{35EC3B8E-9BA5-D57C-9909-BB93723D4080}"/>
+              </a:ext>
+            </a:extLst>
+          </p:cNvPr>
+          <p:cNvSpPr/>
+          <p:nvPr/>
+        </p:nvSpPr>
+        <p:spPr>
+          <a:xfrm>
+            <a:off x="7081586" y="1498780"/>
+            <a:ext cx="322151" cy="272753"/>
+          </a:xfrm>
+          <a:prstGeom prst="rect">
+            <a:avLst/>
+          </a:prstGeom>
+          <a:solidFill>
+            <a:srgbClr val="FDF8EE"/>
+          </a:solidFill>
+          <a:ln>
+            <a:solidFill>
+              <a:srgbClr val="EFC57B"/>
+            </a:solidFill>
+          </a:ln>
+        </p:spPr>
+        <p:style>
+          <a:lnRef idx="2">
+            <a:schemeClr val="accent1">
+              <a:shade val="15000"/>
+            </a:schemeClr>
+          </a:lnRef>
+          <a:fillRef idx="1">
+            <a:schemeClr val="accent1"/>
+          </a:fillRef>
+          <a:effectRef idx="0">
+            <a:schemeClr val="accent1"/>
+          </a:effectRef>
+          <a:fontRef idx="minor">
+            <a:schemeClr val="lt1"/>
+          </a:fontRef>
+        </p:style>
+        <p:txBody>
+          <a:bodyPr rtlCol="0" anchor="ctr"/>
+          <a:lstStyle/>
+          <a:p>
+            <a:pPr algn="ctr"/>
+            <a:r>
+              <a:rPr lang="en-US" sz="800" dirty="0">
+                <a:solidFill>
+                  <a:schemeClr val="tx1"/>
+                </a:solidFill>
+              </a:rPr>
+              <a:t>11</a:t>
+            </a:r>
+          </a:p>
+        </p:txBody>
+      </p:sp>
+      <p:sp>
+        <p:nvSpPr>
+          <p:cNvPr id="158" name="Rectangle 157">
+            <a:extLst>
+              <a:ext uri="{FF2B5EF4-FFF2-40B4-BE49-F238E27FC236}">
+                <a16:creationId xmlns:a16="http://schemas.microsoft.com/office/drawing/2014/main" id="{17E56CB6-35D0-D8C6-FC0D-1D7B88DC2711}"/>
+              </a:ext>
+            </a:extLst>
+          </p:cNvPr>
+          <p:cNvSpPr/>
+          <p:nvPr/>
+        </p:nvSpPr>
+        <p:spPr>
+          <a:xfrm>
+            <a:off x="6759433" y="953272"/>
+            <a:ext cx="322151" cy="272753"/>
+          </a:xfrm>
+          <a:prstGeom prst="rect">
+            <a:avLst/>
+          </a:prstGeom>
+          <a:solidFill>
+            <a:srgbClr val="F2EFF6"/>
+          </a:solidFill>
+          <a:ln>
+            <a:solidFill>
+              <a:srgbClr val="360084"/>
+            </a:solidFill>
+          </a:ln>
+        </p:spPr>
+        <p:style>
+          <a:lnRef idx="2">
+            <a:schemeClr val="accent1">
+              <a:shade val="15000"/>
+            </a:schemeClr>
+          </a:lnRef>
+          <a:fillRef idx="1">
+            <a:schemeClr val="accent1"/>
+          </a:fillRef>
+          <a:effectRef idx="0">
+            <a:schemeClr val="accent1"/>
+          </a:effectRef>
+          <a:fontRef idx="minor">
+            <a:schemeClr val="lt1"/>
+          </a:fontRef>
+        </p:style>
+        <p:txBody>
+          <a:bodyPr rtlCol="0" anchor="ctr"/>
+          <a:lstStyle/>
+          <a:p>
+            <a:pPr algn="ctr"/>
+            <a:r>
+              <a:rPr lang="en-US" sz="800" dirty="0">
+                <a:solidFill>
+                  <a:schemeClr val="tx1"/>
+                </a:solidFill>
+              </a:rPr>
+              <a:t>2</a:t>
+            </a:r>
+          </a:p>
+        </p:txBody>
+      </p:sp>
+      <p:sp>
+        <p:nvSpPr>
+          <p:cNvPr id="159" name="Rectangle 158">
+            <a:extLst>
+              <a:ext uri="{FF2B5EF4-FFF2-40B4-BE49-F238E27FC236}">
+                <a16:creationId xmlns:a16="http://schemas.microsoft.com/office/drawing/2014/main" id="{6CD3529D-38C9-20A0-0DD5-B2873AED6456}"/>
+              </a:ext>
+            </a:extLst>
+          </p:cNvPr>
+          <p:cNvSpPr/>
+          <p:nvPr/>
+        </p:nvSpPr>
+        <p:spPr>
+          <a:xfrm>
+            <a:off x="6759435" y="1498781"/>
+            <a:ext cx="322151" cy="272753"/>
+          </a:xfrm>
+          <a:prstGeom prst="rect">
+            <a:avLst/>
+          </a:prstGeom>
+          <a:solidFill>
+            <a:srgbClr val="FDF8EE"/>
+          </a:solidFill>
+          <a:ln>
+            <a:solidFill>
+              <a:srgbClr val="EFC57B"/>
+            </a:solidFill>
+          </a:ln>
+        </p:spPr>
+        <p:style>
+          <a:lnRef idx="2">
+            <a:schemeClr val="accent1">
+              <a:shade val="15000"/>
+            </a:schemeClr>
+          </a:lnRef>
+          <a:fillRef idx="1">
+            <a:schemeClr val="accent1"/>
+          </a:fillRef>
+          <a:effectRef idx="0">
+            <a:schemeClr val="accent1"/>
+          </a:effectRef>
+          <a:fontRef idx="minor">
+            <a:schemeClr val="lt1"/>
+          </a:fontRef>
+        </p:style>
+        <p:txBody>
+          <a:bodyPr rtlCol="0" anchor="ctr"/>
+          <a:lstStyle/>
+          <a:p>
+            <a:pPr algn="ctr"/>
+            <a:r>
+              <a:rPr lang="en-US" sz="800" dirty="0">
+                <a:solidFill>
+                  <a:schemeClr val="tx1"/>
+                </a:solidFill>
+              </a:rPr>
+              <a:t>10</a:t>
             </a:r>
           </a:p>
         </p:txBody>

--- a/files/communication_diagram.pptx
+++ b/files/communication_diagram.pptx
@@ -5032,7 +5032,7 @@
         </p:nvSpPr>
         <p:spPr>
           <a:xfrm>
-            <a:off x="3498252" y="4180583"/>
+            <a:off x="3657318" y="4202046"/>
             <a:ext cx="322151" cy="272753"/>
           </a:xfrm>
           <a:prstGeom prst="rect">
@@ -5093,7 +5093,7 @@
         </p:nvSpPr>
         <p:spPr>
           <a:xfrm>
-            <a:off x="4464707" y="4180583"/>
+            <a:off x="4623773" y="4202046"/>
             <a:ext cx="322151" cy="272753"/>
           </a:xfrm>
           <a:prstGeom prst="rect">
@@ -5154,7 +5154,7 @@
         </p:nvSpPr>
         <p:spPr>
           <a:xfrm>
-            <a:off x="4142556" y="4180583"/>
+            <a:off x="4301622" y="4202046"/>
             <a:ext cx="322151" cy="272753"/>
           </a:xfrm>
           <a:prstGeom prst="rect">
@@ -5215,7 +5215,7 @@
         </p:nvSpPr>
         <p:spPr>
           <a:xfrm>
-            <a:off x="3820405" y="4180584"/>
+            <a:off x="3979471" y="4202047"/>
             <a:ext cx="322151" cy="272753"/>
           </a:xfrm>
           <a:prstGeom prst="rect">
@@ -5276,7 +5276,7 @@
         </p:nvSpPr>
         <p:spPr>
           <a:xfrm>
-            <a:off x="921049" y="4180585"/>
+            <a:off x="1080115" y="4202048"/>
             <a:ext cx="322151" cy="272753"/>
           </a:xfrm>
           <a:prstGeom prst="rect">
@@ -5337,7 +5337,7 @@
         </p:nvSpPr>
         <p:spPr>
           <a:xfrm>
-            <a:off x="1887504" y="4180585"/>
+            <a:off x="2046570" y="4202048"/>
             <a:ext cx="322151" cy="272753"/>
           </a:xfrm>
           <a:prstGeom prst="rect">
@@ -5398,7 +5398,7 @@
         </p:nvSpPr>
         <p:spPr>
           <a:xfrm>
-            <a:off x="1565353" y="4180585"/>
+            <a:off x="1724419" y="4202048"/>
             <a:ext cx="322151" cy="272753"/>
           </a:xfrm>
           <a:prstGeom prst="rect">
@@ -5459,7 +5459,7 @@
         </p:nvSpPr>
         <p:spPr>
           <a:xfrm>
-            <a:off x="1243202" y="4180586"/>
+            <a:off x="1402268" y="4202049"/>
             <a:ext cx="322151" cy="272753"/>
           </a:xfrm>
           <a:prstGeom prst="rect">
@@ -12793,7 +12793,7 @@
         </p:nvSpPr>
         <p:spPr>
           <a:xfrm>
-            <a:off x="276746" y="2657730"/>
+            <a:off x="435812" y="2679193"/>
             <a:ext cx="322151" cy="272753"/>
           </a:xfrm>
           <a:prstGeom prst="rect">
@@ -12854,7 +12854,7 @@
         </p:nvSpPr>
         <p:spPr>
           <a:xfrm>
-            <a:off x="1243199" y="2657728"/>
+            <a:off x="1402265" y="2679191"/>
             <a:ext cx="322151" cy="272753"/>
           </a:xfrm>
           <a:prstGeom prst="rect">
@@ -12915,7 +12915,7 @@
         </p:nvSpPr>
         <p:spPr>
           <a:xfrm>
-            <a:off x="921048" y="2657728"/>
+            <a:off x="1080114" y="2679191"/>
             <a:ext cx="322151" cy="272753"/>
           </a:xfrm>
           <a:prstGeom prst="rect">
@@ -12976,7 +12976,7 @@
         </p:nvSpPr>
         <p:spPr>
           <a:xfrm>
-            <a:off x="2853953" y="2657726"/>
+            <a:off x="3013019" y="2679189"/>
             <a:ext cx="322151" cy="272753"/>
           </a:xfrm>
           <a:prstGeom prst="rect">
@@ -13037,7 +13037,7 @@
         </p:nvSpPr>
         <p:spPr>
           <a:xfrm>
-            <a:off x="3498255" y="2657724"/>
+            <a:off x="3657321" y="2679187"/>
             <a:ext cx="322151" cy="272753"/>
           </a:xfrm>
           <a:prstGeom prst="rect">
@@ -13098,7 +13098,7 @@
         </p:nvSpPr>
         <p:spPr>
           <a:xfrm>
-            <a:off x="4142554" y="2657722"/>
+            <a:off x="4301620" y="2679185"/>
             <a:ext cx="322151" cy="272753"/>
           </a:xfrm>
           <a:prstGeom prst="rect">
@@ -13159,7 +13159,7 @@
         </p:nvSpPr>
         <p:spPr>
           <a:xfrm>
-            <a:off x="5109009" y="2657722"/>
+            <a:off x="5268075" y="2679185"/>
             <a:ext cx="322151" cy="272753"/>
           </a:xfrm>
           <a:prstGeom prst="rect">
@@ -13220,7 +13220,7 @@
         </p:nvSpPr>
         <p:spPr>
           <a:xfrm>
-            <a:off x="4786858" y="2657722"/>
+            <a:off x="4945924" y="2679185"/>
             <a:ext cx="322151" cy="272753"/>
           </a:xfrm>
           <a:prstGeom prst="rect">
@@ -13281,7 +13281,7 @@
         </p:nvSpPr>
         <p:spPr>
           <a:xfrm>
-            <a:off x="1565350" y="2657728"/>
+            <a:off x="1724416" y="2679191"/>
             <a:ext cx="322151" cy="272753"/>
           </a:xfrm>
           <a:prstGeom prst="rect">
@@ -13342,7 +13342,7 @@
         </p:nvSpPr>
         <p:spPr>
           <a:xfrm>
-            <a:off x="2531803" y="2657726"/>
+            <a:off x="2690869" y="2679189"/>
             <a:ext cx="322151" cy="272753"/>
           </a:xfrm>
           <a:prstGeom prst="rect">
@@ -13403,7 +13403,7 @@
         </p:nvSpPr>
         <p:spPr>
           <a:xfrm>
-            <a:off x="2209652" y="2657726"/>
+            <a:off x="2368718" y="2679189"/>
             <a:ext cx="322151" cy="272753"/>
           </a:xfrm>
           <a:prstGeom prst="rect">
@@ -13464,7 +13464,7 @@
         </p:nvSpPr>
         <p:spPr>
           <a:xfrm>
-            <a:off x="3498251" y="3375208"/>
+            <a:off x="3657317" y="3396671"/>
             <a:ext cx="322151" cy="272753"/>
           </a:xfrm>
           <a:prstGeom prst="rect">
@@ -13525,7 +13525,7 @@
         </p:nvSpPr>
         <p:spPr>
           <a:xfrm>
-            <a:off x="4464704" y="3375206"/>
+            <a:off x="4623770" y="3396669"/>
             <a:ext cx="322151" cy="272753"/>
           </a:xfrm>
           <a:prstGeom prst="rect">
@@ -13586,7 +13586,7 @@
         </p:nvSpPr>
         <p:spPr>
           <a:xfrm>
-            <a:off x="4142553" y="3375206"/>
+            <a:off x="4301619" y="3396669"/>
             <a:ext cx="322151" cy="272753"/>
           </a:xfrm>
           <a:prstGeom prst="rect">
@@ -13647,7 +13647,7 @@
         </p:nvSpPr>
         <p:spPr>
           <a:xfrm>
-            <a:off x="3498253" y="3920717"/>
+            <a:off x="3657319" y="3942180"/>
             <a:ext cx="322151" cy="272753"/>
           </a:xfrm>
           <a:prstGeom prst="rect">
@@ -13708,7 +13708,7 @@
         </p:nvSpPr>
         <p:spPr>
           <a:xfrm>
-            <a:off x="4464706" y="3920715"/>
+            <a:off x="4623772" y="3942178"/>
             <a:ext cx="322151" cy="272753"/>
           </a:xfrm>
           <a:prstGeom prst="rect">
@@ -13769,7 +13769,7 @@
         </p:nvSpPr>
         <p:spPr>
           <a:xfrm>
-            <a:off x="4142555" y="3920715"/>
+            <a:off x="4301621" y="3942178"/>
             <a:ext cx="322151" cy="272753"/>
           </a:xfrm>
           <a:prstGeom prst="rect">
@@ -13832,7 +13832,7 @@
         </p:nvCxnSpPr>
         <p:spPr>
           <a:xfrm>
-            <a:off x="276746" y="3195471"/>
+            <a:off x="435812" y="3216934"/>
             <a:ext cx="0" cy="194502"/>
           </a:xfrm>
           <a:prstGeom prst="straightConnector1">
@@ -13876,7 +13876,7 @@
         </p:nvCxnSpPr>
         <p:spPr>
           <a:xfrm>
-            <a:off x="276746" y="3195471"/>
+            <a:off x="435812" y="3216934"/>
             <a:ext cx="184666" cy="0"/>
           </a:xfrm>
           <a:prstGeom prst="straightConnector1">
@@ -13918,7 +13918,7 @@
         </p:nvSpPr>
         <p:spPr>
           <a:xfrm>
-            <a:off x="598897" y="2657729"/>
+            <a:off x="757963" y="2679192"/>
             <a:ext cx="322151" cy="272753"/>
           </a:xfrm>
           <a:prstGeom prst="rect">
@@ -13979,7 +13979,7 @@
         </p:nvSpPr>
         <p:spPr>
           <a:xfrm>
-            <a:off x="3176104" y="2657725"/>
+            <a:off x="3335170" y="2679188"/>
             <a:ext cx="322151" cy="272753"/>
           </a:xfrm>
           <a:prstGeom prst="rect">
@@ -14040,7 +14040,7 @@
         </p:nvSpPr>
         <p:spPr>
           <a:xfrm>
-            <a:off x="4464707" y="2657723"/>
+            <a:off x="4623773" y="2679186"/>
             <a:ext cx="322151" cy="272753"/>
           </a:xfrm>
           <a:prstGeom prst="rect">
@@ -14101,7 +14101,7 @@
         </p:nvSpPr>
         <p:spPr>
           <a:xfrm>
-            <a:off x="1887501" y="2657727"/>
+            <a:off x="2046567" y="2679190"/>
             <a:ext cx="322151" cy="272753"/>
           </a:xfrm>
           <a:prstGeom prst="rect">
@@ -14162,7 +14162,7 @@
         </p:nvSpPr>
         <p:spPr>
           <a:xfrm>
-            <a:off x="3820402" y="3375207"/>
+            <a:off x="3979468" y="3396670"/>
             <a:ext cx="322151" cy="272753"/>
           </a:xfrm>
           <a:prstGeom prst="rect">
@@ -14223,7 +14223,7 @@
         </p:nvSpPr>
         <p:spPr>
           <a:xfrm>
-            <a:off x="3820404" y="3920716"/>
+            <a:off x="3979470" y="3942179"/>
             <a:ext cx="322151" cy="272753"/>
           </a:xfrm>
           <a:prstGeom prst="rect">
@@ -14284,7 +14284,7 @@
         </p:nvSpPr>
         <p:spPr>
           <a:xfrm>
-            <a:off x="921048" y="3375210"/>
+            <a:off x="1080114" y="3396673"/>
             <a:ext cx="322151" cy="272753"/>
           </a:xfrm>
           <a:prstGeom prst="rect">
@@ -14345,7 +14345,7 @@
         </p:nvSpPr>
         <p:spPr>
           <a:xfrm>
-            <a:off x="1887501" y="3375208"/>
+            <a:off x="2046567" y="3396671"/>
             <a:ext cx="322151" cy="272753"/>
           </a:xfrm>
           <a:prstGeom prst="rect">
@@ -14406,7 +14406,7 @@
         </p:nvSpPr>
         <p:spPr>
           <a:xfrm>
-            <a:off x="1565350" y="3375208"/>
+            <a:off x="1724416" y="3396671"/>
             <a:ext cx="322151" cy="272753"/>
           </a:xfrm>
           <a:prstGeom prst="rect">
@@ -14467,7 +14467,7 @@
         </p:nvSpPr>
         <p:spPr>
           <a:xfrm>
-            <a:off x="921050" y="3920719"/>
+            <a:off x="1080116" y="3942182"/>
             <a:ext cx="322151" cy="272753"/>
           </a:xfrm>
           <a:prstGeom prst="rect">
@@ -14528,7 +14528,7 @@
         </p:nvSpPr>
         <p:spPr>
           <a:xfrm>
-            <a:off x="1887503" y="3920717"/>
+            <a:off x="2046569" y="3942180"/>
             <a:ext cx="322151" cy="272753"/>
           </a:xfrm>
           <a:prstGeom prst="rect">
@@ -14589,7 +14589,7 @@
         </p:nvSpPr>
         <p:spPr>
           <a:xfrm>
-            <a:off x="1565352" y="3920717"/>
+            <a:off x="1724418" y="3942180"/>
             <a:ext cx="322151" cy="272753"/>
           </a:xfrm>
           <a:prstGeom prst="rect">
@@ -14650,7 +14650,7 @@
         </p:nvSpPr>
         <p:spPr>
           <a:xfrm>
-            <a:off x="1243199" y="3375209"/>
+            <a:off x="1402265" y="3396672"/>
             <a:ext cx="322151" cy="272753"/>
           </a:xfrm>
           <a:prstGeom prst="rect">
@@ -14711,7 +14711,7 @@
         </p:nvSpPr>
         <p:spPr>
           <a:xfrm>
-            <a:off x="1243201" y="3920718"/>
+            <a:off x="1402267" y="3942181"/>
             <a:ext cx="322151" cy="272753"/>
           </a:xfrm>
           <a:prstGeom prst="rect">
@@ -14772,7 +14772,7 @@
         </p:nvSpPr>
         <p:spPr>
           <a:xfrm>
-            <a:off x="921046" y="3102455"/>
+            <a:off x="1080112" y="3123918"/>
             <a:ext cx="322151" cy="272753"/>
           </a:xfrm>
           <a:prstGeom prst="rect">
@@ -14829,7 +14829,7 @@
         </p:nvSpPr>
         <p:spPr>
           <a:xfrm>
-            <a:off x="1887499" y="3102453"/>
+            <a:off x="2046565" y="3123916"/>
             <a:ext cx="322151" cy="272753"/>
           </a:xfrm>
           <a:prstGeom prst="rect">
@@ -14886,7 +14886,7 @@
         </p:nvSpPr>
         <p:spPr>
           <a:xfrm>
-            <a:off x="1565348" y="3102453"/>
+            <a:off x="1724414" y="3123916"/>
             <a:ext cx="322151" cy="272753"/>
           </a:xfrm>
           <a:prstGeom prst="rect">
@@ -14943,7 +14943,7 @@
         </p:nvSpPr>
         <p:spPr>
           <a:xfrm>
-            <a:off x="1243197" y="3102454"/>
+            <a:off x="1402263" y="3123917"/>
             <a:ext cx="322151" cy="272753"/>
           </a:xfrm>
           <a:prstGeom prst="rect">
@@ -15000,7 +15000,7 @@
         </p:nvSpPr>
         <p:spPr>
           <a:xfrm>
-            <a:off x="596151" y="3375210"/>
+            <a:off x="755217" y="3396673"/>
             <a:ext cx="322151" cy="272753"/>
           </a:xfrm>
           <a:prstGeom prst="rect">
@@ -15057,7 +15057,7 @@
         </p:nvSpPr>
         <p:spPr>
           <a:xfrm>
-            <a:off x="596153" y="3647964"/>
+            <a:off x="755219" y="3669427"/>
             <a:ext cx="322151" cy="272753"/>
           </a:xfrm>
           <a:prstGeom prst="rect">
@@ -15114,7 +15114,7 @@
         </p:nvSpPr>
         <p:spPr>
           <a:xfrm>
-            <a:off x="596153" y="3920719"/>
+            <a:off x="755219" y="3942182"/>
             <a:ext cx="322151" cy="272753"/>
           </a:xfrm>
           <a:prstGeom prst="rect">
@@ -15171,7 +15171,7 @@
         </p:nvSpPr>
         <p:spPr>
           <a:xfrm>
-            <a:off x="596152" y="4180585"/>
+            <a:off x="755218" y="4202048"/>
             <a:ext cx="322151" cy="272753"/>
           </a:xfrm>
           <a:prstGeom prst="rect">
@@ -15228,7 +15228,7 @@
         </p:nvSpPr>
         <p:spPr>
           <a:xfrm>
-            <a:off x="918772" y="4451594"/>
+            <a:off x="1077838" y="4473057"/>
             <a:ext cx="1291348" cy="261610"/>
           </a:xfrm>
           <a:prstGeom prst="rect">
@@ -15272,7 +15272,7 @@
         </p:nvSpPr>
         <p:spPr>
           <a:xfrm>
-            <a:off x="3501667" y="3102455"/>
+            <a:off x="3660733" y="3123918"/>
             <a:ext cx="322151" cy="272753"/>
           </a:xfrm>
           <a:prstGeom prst="rect">
@@ -15329,7 +15329,7 @@
         </p:nvSpPr>
         <p:spPr>
           <a:xfrm>
-            <a:off x="4468120" y="3102453"/>
+            <a:off x="4627186" y="3123916"/>
             <a:ext cx="322151" cy="272753"/>
           </a:xfrm>
           <a:prstGeom prst="rect">
@@ -15386,7 +15386,7 @@
         </p:nvSpPr>
         <p:spPr>
           <a:xfrm>
-            <a:off x="4145969" y="3102453"/>
+            <a:off x="4305035" y="3123916"/>
             <a:ext cx="322151" cy="272753"/>
           </a:xfrm>
           <a:prstGeom prst="rect">
@@ -15443,7 +15443,7 @@
         </p:nvSpPr>
         <p:spPr>
           <a:xfrm>
-            <a:off x="3823818" y="3102454"/>
+            <a:off x="3982884" y="3123917"/>
             <a:ext cx="322151" cy="272753"/>
           </a:xfrm>
           <a:prstGeom prst="rect">
@@ -15500,7 +15500,7 @@
         </p:nvSpPr>
         <p:spPr>
           <a:xfrm>
-            <a:off x="3176772" y="3375210"/>
+            <a:off x="3335838" y="3396673"/>
             <a:ext cx="322151" cy="272753"/>
           </a:xfrm>
           <a:prstGeom prst="rect">
@@ -15557,7 +15557,7 @@
         </p:nvSpPr>
         <p:spPr>
           <a:xfrm>
-            <a:off x="3176774" y="3647964"/>
+            <a:off x="3335840" y="3669427"/>
             <a:ext cx="322151" cy="272753"/>
           </a:xfrm>
           <a:prstGeom prst="rect">
@@ -15614,7 +15614,7 @@
         </p:nvSpPr>
         <p:spPr>
           <a:xfrm>
-            <a:off x="3176774" y="3920719"/>
+            <a:off x="3335840" y="3942182"/>
             <a:ext cx="322151" cy="272753"/>
           </a:xfrm>
           <a:prstGeom prst="rect">
@@ -15671,7 +15671,7 @@
         </p:nvSpPr>
         <p:spPr>
           <a:xfrm>
-            <a:off x="3176773" y="4180585"/>
+            <a:off x="3335839" y="4202048"/>
             <a:ext cx="322151" cy="272753"/>
           </a:xfrm>
           <a:prstGeom prst="rect">
@@ -15728,7 +15728,7 @@
         </p:nvSpPr>
         <p:spPr>
           <a:xfrm>
-            <a:off x="432920" y="3102453"/>
+            <a:off x="591986" y="3123916"/>
             <a:ext cx="453970" cy="215444"/>
           </a:xfrm>
           <a:prstGeom prst="rect">
@@ -15763,7 +15763,7 @@
         </p:nvSpPr>
         <p:spPr>
           <a:xfrm>
-            <a:off x="32903" y="3416135"/>
+            <a:off x="191969" y="3437598"/>
             <a:ext cx="495649" cy="215444"/>
           </a:xfrm>
           <a:prstGeom prst="rect">
@@ -15802,7 +15802,7 @@
         </p:nvSpPr>
         <p:spPr>
           <a:xfrm>
-            <a:off x="3498253" y="3647962"/>
+            <a:off x="3657319" y="3669425"/>
             <a:ext cx="322151" cy="272753"/>
           </a:xfrm>
           <a:prstGeom prst="rect">
@@ -15863,7 +15863,7 @@
         </p:nvSpPr>
         <p:spPr>
           <a:xfrm>
-            <a:off x="4464706" y="3647960"/>
+            <a:off x="4623772" y="3669423"/>
             <a:ext cx="322151" cy="272753"/>
           </a:xfrm>
           <a:prstGeom prst="rect">
@@ -15924,7 +15924,7 @@
         </p:nvSpPr>
         <p:spPr>
           <a:xfrm>
-            <a:off x="4142555" y="3647960"/>
+            <a:off x="4301621" y="3669423"/>
             <a:ext cx="322151" cy="272753"/>
           </a:xfrm>
           <a:prstGeom prst="rect">
@@ -15985,7 +15985,7 @@
         </p:nvSpPr>
         <p:spPr>
           <a:xfrm>
-            <a:off x="3820404" y="3647961"/>
+            <a:off x="3979470" y="3669424"/>
             <a:ext cx="322151" cy="272753"/>
           </a:xfrm>
           <a:prstGeom prst="rect">
@@ -16046,7 +16046,7 @@
         </p:nvSpPr>
         <p:spPr>
           <a:xfrm>
-            <a:off x="1887503" y="3647962"/>
+            <a:off x="2046569" y="3669425"/>
             <a:ext cx="322151" cy="272753"/>
           </a:xfrm>
           <a:prstGeom prst="rect">
@@ -16107,7 +16107,7 @@
         </p:nvSpPr>
         <p:spPr>
           <a:xfrm>
-            <a:off x="1565352" y="3647962"/>
+            <a:off x="1724418" y="3669425"/>
             <a:ext cx="322151" cy="272753"/>
           </a:xfrm>
           <a:prstGeom prst="rect">
@@ -16168,7 +16168,7 @@
         </p:nvSpPr>
         <p:spPr>
           <a:xfrm>
-            <a:off x="1243201" y="3647963"/>
+            <a:off x="1402267" y="3669426"/>
             <a:ext cx="322151" cy="272753"/>
           </a:xfrm>
           <a:prstGeom prst="rect">
@@ -16229,7 +16229,7 @@
         </p:nvSpPr>
         <p:spPr>
           <a:xfrm>
-            <a:off x="921050" y="3647964"/>
+            <a:off x="1080116" y="3669427"/>
             <a:ext cx="322151" cy="272753"/>
           </a:xfrm>
           <a:prstGeom prst="rect">
@@ -16290,7 +16290,7 @@
         </p:nvSpPr>
         <p:spPr>
           <a:xfrm>
-            <a:off x="3820406" y="2657724"/>
+            <a:off x="3979472" y="2679187"/>
             <a:ext cx="322151" cy="272753"/>
           </a:xfrm>
           <a:prstGeom prst="rect">
@@ -16828,7 +16828,7 @@
         </p:nvCxnSpPr>
         <p:spPr>
           <a:xfrm>
-            <a:off x="9001377" y="869829"/>
+            <a:off x="4188077" y="981919"/>
             <a:ext cx="1311770" cy="0"/>
           </a:xfrm>
           <a:prstGeom prst="straightConnector1">
@@ -16873,7 +16873,7 @@
         </p:nvCxnSpPr>
         <p:spPr>
           <a:xfrm>
-            <a:off x="6437282" y="334885"/>
+            <a:off x="1623982" y="446975"/>
             <a:ext cx="2589053" cy="0"/>
           </a:xfrm>
           <a:prstGeom prst="straightConnector1">
@@ -16916,7 +16916,7 @@
         </p:nvSpPr>
         <p:spPr>
           <a:xfrm>
-            <a:off x="6425970" y="493129"/>
+            <a:off x="1612670" y="605219"/>
             <a:ext cx="2568279" cy="307777"/>
           </a:xfrm>
           <a:prstGeom prst="rect">
@@ -16956,7 +16956,7 @@
         </p:nvSpPr>
         <p:spPr>
           <a:xfrm>
-            <a:off x="9014489" y="929724"/>
+            <a:off x="4201189" y="1041814"/>
             <a:ext cx="1341215" cy="307777"/>
           </a:xfrm>
           <a:prstGeom prst="rect">
@@ -16994,7 +16994,7 @@
         </p:nvSpPr>
         <p:spPr>
           <a:xfrm>
-            <a:off x="9014488" y="129835"/>
+            <a:off x="4201188" y="241925"/>
             <a:ext cx="1279541" cy="307777"/>
           </a:xfrm>
           <a:prstGeom prst="rect">
@@ -17033,7 +17033,7 @@
         </p:nvSpPr>
         <p:spPr>
           <a:xfrm>
-            <a:off x="6460440" y="1123"/>
+            <a:off x="1647140" y="113213"/>
             <a:ext cx="2559597" cy="307777"/>
           </a:xfrm>
           <a:prstGeom prst="rect">
@@ -17073,7 +17073,7 @@
         </p:nvSpPr>
         <p:spPr>
           <a:xfrm>
-            <a:off x="6437282" y="461901"/>
+            <a:off x="1623982" y="573991"/>
             <a:ext cx="322151" cy="272753"/>
           </a:xfrm>
           <a:prstGeom prst="rect">
@@ -17134,7 +17134,7 @@
         </p:nvSpPr>
         <p:spPr>
           <a:xfrm>
-            <a:off x="6759433" y="461900"/>
+            <a:off x="1946133" y="573990"/>
             <a:ext cx="322151" cy="272753"/>
           </a:xfrm>
           <a:prstGeom prst="rect">
@@ -17195,7 +17195,7 @@
         </p:nvSpPr>
         <p:spPr>
           <a:xfrm>
-            <a:off x="7081584" y="461899"/>
+            <a:off x="2268284" y="573989"/>
             <a:ext cx="322151" cy="272753"/>
           </a:xfrm>
           <a:prstGeom prst="rect">
@@ -17256,7 +17256,7 @@
         </p:nvSpPr>
         <p:spPr>
           <a:xfrm>
-            <a:off x="10303090" y="461893"/>
+            <a:off x="5489790" y="573983"/>
             <a:ext cx="322151" cy="272753"/>
           </a:xfrm>
           <a:prstGeom prst="rect">
@@ -17317,7 +17317,7 @@
         </p:nvSpPr>
         <p:spPr>
           <a:xfrm>
-            <a:off x="11269545" y="461893"/>
+            <a:off x="6456245" y="573983"/>
             <a:ext cx="322151" cy="272753"/>
           </a:xfrm>
           <a:prstGeom prst="rect">
@@ -17378,7 +17378,7 @@
         </p:nvSpPr>
         <p:spPr>
           <a:xfrm>
-            <a:off x="9336640" y="461896"/>
+            <a:off x="4523340" y="573986"/>
             <a:ext cx="322151" cy="272753"/>
           </a:xfrm>
           <a:prstGeom prst="rect">
@@ -17439,7 +17439,7 @@
         </p:nvSpPr>
         <p:spPr>
           <a:xfrm>
-            <a:off x="9658791" y="461895"/>
+            <a:off x="4845491" y="573985"/>
             <a:ext cx="322151" cy="272753"/>
           </a:xfrm>
           <a:prstGeom prst="rect">
@@ -17500,7 +17500,7 @@
         </p:nvSpPr>
         <p:spPr>
           <a:xfrm>
-            <a:off x="10625243" y="461894"/>
+            <a:off x="5811943" y="573984"/>
             <a:ext cx="322151" cy="272753"/>
           </a:xfrm>
           <a:prstGeom prst="rect">
@@ -17561,7 +17561,7 @@
         </p:nvSpPr>
         <p:spPr>
           <a:xfrm>
-            <a:off x="10947394" y="461893"/>
+            <a:off x="6134094" y="573983"/>
             <a:ext cx="322151" cy="272753"/>
           </a:xfrm>
           <a:prstGeom prst="rect">
@@ -17622,7 +17622,7 @@
         </p:nvSpPr>
         <p:spPr>
           <a:xfrm>
-            <a:off x="9980942" y="461895"/>
+            <a:off x="5167642" y="573985"/>
             <a:ext cx="322151" cy="272753"/>
           </a:xfrm>
           <a:prstGeom prst="rect">
@@ -17683,7 +17683,7 @@
         </p:nvSpPr>
         <p:spPr>
           <a:xfrm>
-            <a:off x="7725886" y="461899"/>
+            <a:off x="2912586" y="573989"/>
             <a:ext cx="322151" cy="272753"/>
           </a:xfrm>
           <a:prstGeom prst="rect">
@@ -17744,7 +17744,7 @@
         </p:nvSpPr>
         <p:spPr>
           <a:xfrm>
-            <a:off x="8692339" y="461897"/>
+            <a:off x="3879039" y="573987"/>
             <a:ext cx="322151" cy="272753"/>
           </a:xfrm>
           <a:prstGeom prst="rect">
@@ -17805,7 +17805,7 @@
         </p:nvSpPr>
         <p:spPr>
           <a:xfrm>
-            <a:off x="8048037" y="461898"/>
+            <a:off x="3234737" y="573988"/>
             <a:ext cx="322151" cy="272753"/>
           </a:xfrm>
           <a:prstGeom prst="rect">
@@ -17866,7 +17866,7 @@
         </p:nvSpPr>
         <p:spPr>
           <a:xfrm>
-            <a:off x="8370188" y="461897"/>
+            <a:off x="3556888" y="573987"/>
             <a:ext cx="322151" cy="272753"/>
           </a:xfrm>
           <a:prstGeom prst="rect">
@@ -17927,7 +17927,7 @@
         </p:nvSpPr>
         <p:spPr>
           <a:xfrm>
-            <a:off x="7403735" y="461899"/>
+            <a:off x="2590435" y="573989"/>
             <a:ext cx="322151" cy="272753"/>
           </a:xfrm>
           <a:prstGeom prst="rect">
@@ -17988,7 +17988,7 @@
         </p:nvSpPr>
         <p:spPr>
           <a:xfrm>
-            <a:off x="9014489" y="461897"/>
+            <a:off x="4201189" y="573987"/>
             <a:ext cx="322151" cy="272753"/>
           </a:xfrm>
           <a:prstGeom prst="rect">
@@ -18049,7 +18049,7 @@
         </p:nvSpPr>
         <p:spPr>
           <a:xfrm>
-            <a:off x="6437283" y="1758648"/>
+            <a:off x="182533" y="970235"/>
             <a:ext cx="322151" cy="272753"/>
           </a:xfrm>
           <a:prstGeom prst="rect">
@@ -18110,7 +18110,7 @@
         </p:nvSpPr>
         <p:spPr>
           <a:xfrm>
-            <a:off x="7403738" y="1758648"/>
+            <a:off x="1148988" y="970235"/>
             <a:ext cx="322151" cy="272753"/>
           </a:xfrm>
           <a:prstGeom prst="rect">
@@ -18171,7 +18171,7 @@
         </p:nvSpPr>
         <p:spPr>
           <a:xfrm>
-            <a:off x="7081587" y="1758648"/>
+            <a:off x="826837" y="970235"/>
             <a:ext cx="322151" cy="272753"/>
           </a:xfrm>
           <a:prstGeom prst="rect">
@@ -18232,7 +18232,7 @@
         </p:nvSpPr>
         <p:spPr>
           <a:xfrm>
-            <a:off x="6759436" y="1758649"/>
+            <a:off x="504686" y="970236"/>
             <a:ext cx="322151" cy="272753"/>
           </a:xfrm>
           <a:prstGeom prst="rect">
@@ -18293,7 +18293,7 @@
         </p:nvSpPr>
         <p:spPr>
           <a:xfrm>
-            <a:off x="6437284" y="1226027"/>
+            <a:off x="182534" y="437614"/>
             <a:ext cx="322151" cy="272753"/>
           </a:xfrm>
           <a:prstGeom prst="rect">
@@ -18354,7 +18354,7 @@
         </p:nvSpPr>
         <p:spPr>
           <a:xfrm>
-            <a:off x="7403737" y="1226025"/>
+            <a:off x="1148987" y="437612"/>
             <a:ext cx="322151" cy="272753"/>
           </a:xfrm>
           <a:prstGeom prst="rect">
@@ -18415,7 +18415,7 @@
         </p:nvSpPr>
         <p:spPr>
           <a:xfrm>
-            <a:off x="7081586" y="1226025"/>
+            <a:off x="826836" y="437612"/>
             <a:ext cx="322151" cy="272753"/>
           </a:xfrm>
           <a:prstGeom prst="rect">
@@ -18476,7 +18476,7 @@
         </p:nvSpPr>
         <p:spPr>
           <a:xfrm>
-            <a:off x="6759435" y="1226026"/>
+            <a:off x="504685" y="437613"/>
             <a:ext cx="322151" cy="272753"/>
           </a:xfrm>
           <a:prstGeom prst="rect">
@@ -18537,7 +18537,7 @@
         </p:nvSpPr>
         <p:spPr>
           <a:xfrm>
-            <a:off x="6437282" y="953273"/>
+            <a:off x="182532" y="164860"/>
             <a:ext cx="322151" cy="272753"/>
           </a:xfrm>
           <a:prstGeom prst="rect">
@@ -18598,7 +18598,7 @@
         </p:nvSpPr>
         <p:spPr>
           <a:xfrm>
-            <a:off x="7403735" y="953271"/>
+            <a:off x="1148985" y="164858"/>
             <a:ext cx="322151" cy="272753"/>
           </a:xfrm>
           <a:prstGeom prst="rect">
@@ -18659,7 +18659,7 @@
         </p:nvSpPr>
         <p:spPr>
           <a:xfrm>
-            <a:off x="7081584" y="953271"/>
+            <a:off x="826834" y="164858"/>
             <a:ext cx="322151" cy="272753"/>
           </a:xfrm>
           <a:prstGeom prst="rect">
@@ -18720,7 +18720,7 @@
         </p:nvSpPr>
         <p:spPr>
           <a:xfrm>
-            <a:off x="6437284" y="1498782"/>
+            <a:off x="182534" y="710369"/>
             <a:ext cx="322151" cy="272753"/>
           </a:xfrm>
           <a:prstGeom prst="rect">
@@ -18781,7 +18781,7 @@
         </p:nvSpPr>
         <p:spPr>
           <a:xfrm>
-            <a:off x="7403737" y="1498780"/>
+            <a:off x="1148987" y="710367"/>
             <a:ext cx="322151" cy="272753"/>
           </a:xfrm>
           <a:prstGeom prst="rect">
@@ -18842,7 +18842,7 @@
         </p:nvSpPr>
         <p:spPr>
           <a:xfrm>
-            <a:off x="7081586" y="1498780"/>
+            <a:off x="826836" y="710367"/>
             <a:ext cx="322151" cy="272753"/>
           </a:xfrm>
           <a:prstGeom prst="rect">
@@ -18903,7 +18903,7 @@
         </p:nvSpPr>
         <p:spPr>
           <a:xfrm>
-            <a:off x="6759433" y="953272"/>
+            <a:off x="504683" y="164859"/>
             <a:ext cx="322151" cy="272753"/>
           </a:xfrm>
           <a:prstGeom prst="rect">
@@ -18964,7 +18964,7 @@
         </p:nvSpPr>
         <p:spPr>
           <a:xfrm>
-            <a:off x="6759435" y="1498781"/>
+            <a:off x="504685" y="710368"/>
             <a:ext cx="322151" cy="272753"/>
           </a:xfrm>
           <a:prstGeom prst="rect">
@@ -19011,6 +19011,946 @@
           </a:p>
         </p:txBody>
       </p:sp>
+      <p:sp>
+        <p:nvSpPr>
+          <p:cNvPr id="163" name="Rectangle 162">
+            <a:extLst>
+              <a:ext uri="{FF2B5EF4-FFF2-40B4-BE49-F238E27FC236}">
+                <a16:creationId xmlns:a16="http://schemas.microsoft.com/office/drawing/2014/main" id="{8B5CC65D-E330-18F0-FE09-75C10137C599}"/>
+              </a:ext>
+            </a:extLst>
+          </p:cNvPr>
+          <p:cNvSpPr/>
+          <p:nvPr/>
+        </p:nvSpPr>
+        <p:spPr>
+          <a:xfrm>
+            <a:off x="2674684" y="2596813"/>
+            <a:ext cx="745014" cy="272753"/>
+          </a:xfrm>
+          <a:prstGeom prst="rect">
+            <a:avLst/>
+          </a:prstGeom>
+          <a:solidFill>
+            <a:srgbClr val="FAFDF0"/>
+          </a:solidFill>
+          <a:ln>
+            <a:solidFill>
+              <a:srgbClr val="DDF08B"/>
+            </a:solidFill>
+          </a:ln>
+        </p:spPr>
+        <p:style>
+          <a:lnRef idx="2">
+            <a:schemeClr val="accent1">
+              <a:shade val="15000"/>
+            </a:schemeClr>
+          </a:lnRef>
+          <a:fillRef idx="1">
+            <a:schemeClr val="accent1"/>
+          </a:fillRef>
+          <a:effectRef idx="0">
+            <a:schemeClr val="accent1"/>
+          </a:effectRef>
+          <a:fontRef idx="minor">
+            <a:schemeClr val="lt1"/>
+          </a:fontRef>
+        </p:style>
+        <p:txBody>
+          <a:bodyPr rtlCol="0" anchor="ctr"/>
+          <a:lstStyle/>
+          <a:p>
+            <a:pPr algn="ctr"/>
+            <a:endParaRPr lang="en-US" sz="800" dirty="0">
+              <a:solidFill>
+                <a:schemeClr val="tx1"/>
+              </a:solidFill>
+            </a:endParaRPr>
+          </a:p>
+        </p:txBody>
+      </p:sp>
+      <p:sp>
+        <p:nvSpPr>
+          <p:cNvPr id="166" name="Rectangle 165">
+            <a:extLst>
+              <a:ext uri="{FF2B5EF4-FFF2-40B4-BE49-F238E27FC236}">
+                <a16:creationId xmlns:a16="http://schemas.microsoft.com/office/drawing/2014/main" id="{7E063202-51EC-BF65-4CC6-896792ADA83A}"/>
+              </a:ext>
+            </a:extLst>
+          </p:cNvPr>
+          <p:cNvSpPr/>
+          <p:nvPr/>
+        </p:nvSpPr>
+        <p:spPr>
+          <a:xfrm>
+            <a:off x="2674684" y="2869566"/>
+            <a:ext cx="745014" cy="272753"/>
+          </a:xfrm>
+          <a:prstGeom prst="rect">
+            <a:avLst/>
+          </a:prstGeom>
+          <a:solidFill>
+            <a:srgbClr val="FAFDF0"/>
+          </a:solidFill>
+          <a:ln>
+            <a:solidFill>
+              <a:srgbClr val="DDF08B"/>
+            </a:solidFill>
+          </a:ln>
+        </p:spPr>
+        <p:style>
+          <a:lnRef idx="2">
+            <a:schemeClr val="accent1">
+              <a:shade val="15000"/>
+            </a:schemeClr>
+          </a:lnRef>
+          <a:fillRef idx="1">
+            <a:schemeClr val="accent1"/>
+          </a:fillRef>
+          <a:effectRef idx="0">
+            <a:schemeClr val="accent1"/>
+          </a:effectRef>
+          <a:fontRef idx="minor">
+            <a:schemeClr val="lt1"/>
+          </a:fontRef>
+        </p:style>
+        <p:txBody>
+          <a:bodyPr rtlCol="0" anchor="ctr"/>
+          <a:lstStyle/>
+          <a:p>
+            <a:pPr algn="ctr"/>
+            <a:endParaRPr lang="en-US" sz="800" dirty="0">
+              <a:solidFill>
+                <a:schemeClr val="tx1"/>
+              </a:solidFill>
+            </a:endParaRPr>
+          </a:p>
+        </p:txBody>
+      </p:sp>
+      <p:sp>
+        <p:nvSpPr>
+          <p:cNvPr id="167" name="Rectangle 166">
+            <a:extLst>
+              <a:ext uri="{FF2B5EF4-FFF2-40B4-BE49-F238E27FC236}">
+                <a16:creationId xmlns:a16="http://schemas.microsoft.com/office/drawing/2014/main" id="{F3C82F66-AA2B-5A4A-A7EB-E4CD82CF5542}"/>
+              </a:ext>
+            </a:extLst>
+          </p:cNvPr>
+          <p:cNvSpPr/>
+          <p:nvPr/>
+        </p:nvSpPr>
+        <p:spPr>
+          <a:xfrm>
+            <a:off x="2674684" y="3143280"/>
+            <a:ext cx="745014" cy="272753"/>
+          </a:xfrm>
+          <a:prstGeom prst="rect">
+            <a:avLst/>
+          </a:prstGeom>
+          <a:solidFill>
+            <a:srgbClr val="F0FDF2"/>
+          </a:solidFill>
+          <a:ln>
+            <a:solidFill>
+              <a:srgbClr val="82E995"/>
+            </a:solidFill>
+          </a:ln>
+        </p:spPr>
+        <p:style>
+          <a:lnRef idx="2">
+            <a:schemeClr val="accent1">
+              <a:shade val="15000"/>
+            </a:schemeClr>
+          </a:lnRef>
+          <a:fillRef idx="1">
+            <a:schemeClr val="accent1"/>
+          </a:fillRef>
+          <a:effectRef idx="0">
+            <a:schemeClr val="accent1"/>
+          </a:effectRef>
+          <a:fontRef idx="minor">
+            <a:schemeClr val="lt1"/>
+          </a:fontRef>
+        </p:style>
+        <p:txBody>
+          <a:bodyPr rtlCol="0" anchor="ctr"/>
+          <a:lstStyle/>
+          <a:p>
+            <a:pPr algn="ctr"/>
+            <a:r>
+              <a:rPr lang="en-US" sz="800" dirty="0">
+                <a:solidFill>
+                  <a:schemeClr val="tx1"/>
+                </a:solidFill>
+              </a:rPr>
+              <a:t>name[0]</a:t>
+            </a:r>
+          </a:p>
+        </p:txBody>
+      </p:sp>
+      <p:sp>
+        <p:nvSpPr>
+          <p:cNvPr id="172" name="Rectangle 171">
+            <a:extLst>
+              <a:ext uri="{FF2B5EF4-FFF2-40B4-BE49-F238E27FC236}">
+                <a16:creationId xmlns:a16="http://schemas.microsoft.com/office/drawing/2014/main" id="{68ECC8A0-F6AC-2CC3-6DF5-A6EF608216C1}"/>
+              </a:ext>
+            </a:extLst>
+          </p:cNvPr>
+          <p:cNvSpPr/>
+          <p:nvPr/>
+        </p:nvSpPr>
+        <p:spPr>
+          <a:xfrm>
+            <a:off x="2674684" y="3416634"/>
+            <a:ext cx="745014" cy="272753"/>
+          </a:xfrm>
+          <a:prstGeom prst="rect">
+            <a:avLst/>
+          </a:prstGeom>
+          <a:solidFill>
+            <a:srgbClr val="F0FDF2"/>
+          </a:solidFill>
+          <a:ln>
+            <a:solidFill>
+              <a:srgbClr val="82E995"/>
+            </a:solidFill>
+          </a:ln>
+        </p:spPr>
+        <p:style>
+          <a:lnRef idx="2">
+            <a:schemeClr val="accent1">
+              <a:shade val="15000"/>
+            </a:schemeClr>
+          </a:lnRef>
+          <a:fillRef idx="1">
+            <a:schemeClr val="accent1"/>
+          </a:fillRef>
+          <a:effectRef idx="0">
+            <a:schemeClr val="accent1"/>
+          </a:effectRef>
+          <a:fontRef idx="minor">
+            <a:schemeClr val="lt1"/>
+          </a:fontRef>
+        </p:style>
+        <p:txBody>
+          <a:bodyPr rtlCol="0" anchor="ctr"/>
+          <a:lstStyle/>
+          <a:p>
+            <a:pPr algn="ctr"/>
+            <a:r>
+              <a:rPr lang="en-US" sz="800" dirty="0">
+                <a:solidFill>
+                  <a:schemeClr val="tx1"/>
+                </a:solidFill>
+              </a:rPr>
+              <a:t>name[1]</a:t>
+            </a:r>
+          </a:p>
+        </p:txBody>
+      </p:sp>
+      <p:sp>
+        <p:nvSpPr>
+          <p:cNvPr id="173" name="Rectangle 172">
+            <a:extLst>
+              <a:ext uri="{FF2B5EF4-FFF2-40B4-BE49-F238E27FC236}">
+                <a16:creationId xmlns:a16="http://schemas.microsoft.com/office/drawing/2014/main" id="{3612A61C-61D4-981A-768E-0035D77A022B}"/>
+              </a:ext>
+            </a:extLst>
+          </p:cNvPr>
+          <p:cNvSpPr/>
+          <p:nvPr/>
+        </p:nvSpPr>
+        <p:spPr>
+          <a:xfrm>
+            <a:off x="2674684" y="3683998"/>
+            <a:ext cx="745014" cy="272753"/>
+          </a:xfrm>
+          <a:prstGeom prst="rect">
+            <a:avLst/>
+          </a:prstGeom>
+          <a:solidFill>
+            <a:srgbClr val="F0FDF2"/>
+          </a:solidFill>
+          <a:ln>
+            <a:solidFill>
+              <a:srgbClr val="82E995"/>
+            </a:solidFill>
+          </a:ln>
+        </p:spPr>
+        <p:style>
+          <a:lnRef idx="2">
+            <a:schemeClr val="accent1">
+              <a:shade val="15000"/>
+            </a:schemeClr>
+          </a:lnRef>
+          <a:fillRef idx="1">
+            <a:schemeClr val="accent1"/>
+          </a:fillRef>
+          <a:effectRef idx="0">
+            <a:schemeClr val="accent1"/>
+          </a:effectRef>
+          <a:fontRef idx="minor">
+            <a:schemeClr val="lt1"/>
+          </a:fontRef>
+        </p:style>
+        <p:txBody>
+          <a:bodyPr rtlCol="0" anchor="ctr"/>
+          <a:lstStyle/>
+          <a:p>
+            <a:pPr algn="ctr"/>
+            <a:r>
+              <a:rPr lang="en-US" sz="800" dirty="0">
+                <a:solidFill>
+                  <a:schemeClr val="tx1"/>
+                </a:solidFill>
+              </a:rPr>
+              <a:t>name[2]</a:t>
+            </a:r>
+          </a:p>
+        </p:txBody>
+      </p:sp>
+      <p:sp>
+        <p:nvSpPr>
+          <p:cNvPr id="174" name="Rectangle 173">
+            <a:extLst>
+              <a:ext uri="{FF2B5EF4-FFF2-40B4-BE49-F238E27FC236}">
+                <a16:creationId xmlns:a16="http://schemas.microsoft.com/office/drawing/2014/main" id="{7B6BB7F3-924F-6437-9F58-A8720010D41E}"/>
+              </a:ext>
+            </a:extLst>
+          </p:cNvPr>
+          <p:cNvSpPr/>
+          <p:nvPr/>
+        </p:nvSpPr>
+        <p:spPr>
+          <a:xfrm>
+            <a:off x="2674684" y="3956751"/>
+            <a:ext cx="745014" cy="272753"/>
+          </a:xfrm>
+          <a:prstGeom prst="rect">
+            <a:avLst/>
+          </a:prstGeom>
+          <a:solidFill>
+            <a:srgbClr val="F0FDF2"/>
+          </a:solidFill>
+          <a:ln>
+            <a:solidFill>
+              <a:srgbClr val="82E995"/>
+            </a:solidFill>
+          </a:ln>
+        </p:spPr>
+        <p:style>
+          <a:lnRef idx="2">
+            <a:schemeClr val="accent1">
+              <a:shade val="15000"/>
+            </a:schemeClr>
+          </a:lnRef>
+          <a:fillRef idx="1">
+            <a:schemeClr val="accent1"/>
+          </a:fillRef>
+          <a:effectRef idx="0">
+            <a:schemeClr val="accent1"/>
+          </a:effectRef>
+          <a:fontRef idx="minor">
+            <a:schemeClr val="lt1"/>
+          </a:fontRef>
+        </p:style>
+        <p:txBody>
+          <a:bodyPr rtlCol="0" anchor="ctr"/>
+          <a:lstStyle/>
+          <a:p>
+            <a:pPr algn="ctr"/>
+            <a:r>
+              <a:rPr lang="en-US" sz="800" dirty="0">
+                <a:solidFill>
+                  <a:schemeClr val="tx1"/>
+                </a:solidFill>
+              </a:rPr>
+              <a:t>name[3]</a:t>
+            </a:r>
+          </a:p>
+        </p:txBody>
+      </p:sp>
+      <p:sp>
+        <p:nvSpPr>
+          <p:cNvPr id="175" name="Rectangle 174">
+            <a:extLst>
+              <a:ext uri="{FF2B5EF4-FFF2-40B4-BE49-F238E27FC236}">
+                <a16:creationId xmlns:a16="http://schemas.microsoft.com/office/drawing/2014/main" id="{7A7C75F0-074D-DBFF-32B9-54DC61047B1F}"/>
+              </a:ext>
+            </a:extLst>
+          </p:cNvPr>
+          <p:cNvSpPr/>
+          <p:nvPr/>
+        </p:nvSpPr>
+        <p:spPr>
+          <a:xfrm>
+            <a:off x="2674684" y="4224115"/>
+            <a:ext cx="745014" cy="272753"/>
+          </a:xfrm>
+          <a:prstGeom prst="rect">
+            <a:avLst/>
+          </a:prstGeom>
+          <a:solidFill>
+            <a:srgbClr val="F0FDF2"/>
+          </a:solidFill>
+          <a:ln>
+            <a:solidFill>
+              <a:srgbClr val="82E995"/>
+            </a:solidFill>
+          </a:ln>
+        </p:spPr>
+        <p:style>
+          <a:lnRef idx="2">
+            <a:schemeClr val="accent1">
+              <a:shade val="15000"/>
+            </a:schemeClr>
+          </a:lnRef>
+          <a:fillRef idx="1">
+            <a:schemeClr val="accent1"/>
+          </a:fillRef>
+          <a:effectRef idx="0">
+            <a:schemeClr val="accent1"/>
+          </a:effectRef>
+          <a:fontRef idx="minor">
+            <a:schemeClr val="lt1"/>
+          </a:fontRef>
+        </p:style>
+        <p:txBody>
+          <a:bodyPr rtlCol="0" anchor="ctr"/>
+          <a:lstStyle/>
+          <a:p>
+            <a:pPr algn="ctr"/>
+            <a:r>
+              <a:rPr lang="en-US" sz="800" dirty="0">
+                <a:solidFill>
+                  <a:schemeClr val="tx1"/>
+                </a:solidFill>
+              </a:rPr>
+              <a:t>name[4]</a:t>
+            </a:r>
+          </a:p>
+        </p:txBody>
+      </p:sp>
+      <p:sp>
+        <p:nvSpPr>
+          <p:cNvPr id="181" name="Rectangle 180">
+            <a:extLst>
+              <a:ext uri="{FF2B5EF4-FFF2-40B4-BE49-F238E27FC236}">
+                <a16:creationId xmlns:a16="http://schemas.microsoft.com/office/drawing/2014/main" id="{B6F2837D-28F8-7EA6-8660-A44F748A548C}"/>
+              </a:ext>
+            </a:extLst>
+          </p:cNvPr>
+          <p:cNvSpPr/>
+          <p:nvPr/>
+        </p:nvSpPr>
+        <p:spPr>
+          <a:xfrm>
+            <a:off x="2674684" y="2049865"/>
+            <a:ext cx="745014" cy="272753"/>
+          </a:xfrm>
+          <a:prstGeom prst="rect">
+            <a:avLst/>
+          </a:prstGeom>
+          <a:solidFill>
+            <a:srgbClr val="FAFDF0"/>
+          </a:solidFill>
+          <a:ln>
+            <a:solidFill>
+              <a:srgbClr val="DDF08B"/>
+            </a:solidFill>
+          </a:ln>
+        </p:spPr>
+        <p:style>
+          <a:lnRef idx="2">
+            <a:schemeClr val="accent1">
+              <a:shade val="15000"/>
+            </a:schemeClr>
+          </a:lnRef>
+          <a:fillRef idx="1">
+            <a:schemeClr val="accent1"/>
+          </a:fillRef>
+          <a:effectRef idx="0">
+            <a:schemeClr val="accent1"/>
+          </a:effectRef>
+          <a:fontRef idx="minor">
+            <a:schemeClr val="lt1"/>
+          </a:fontRef>
+        </p:style>
+        <p:txBody>
+          <a:bodyPr rtlCol="0" anchor="ctr"/>
+          <a:lstStyle/>
+          <a:p>
+            <a:pPr algn="ctr"/>
+            <a:endParaRPr lang="en-US" sz="800" dirty="0">
+              <a:solidFill>
+                <a:schemeClr val="tx1"/>
+              </a:solidFill>
+            </a:endParaRPr>
+          </a:p>
+        </p:txBody>
+      </p:sp>
+      <p:sp>
+        <p:nvSpPr>
+          <p:cNvPr id="182" name="Rectangle 181">
+            <a:extLst>
+              <a:ext uri="{FF2B5EF4-FFF2-40B4-BE49-F238E27FC236}">
+                <a16:creationId xmlns:a16="http://schemas.microsoft.com/office/drawing/2014/main" id="{9FBDFDFD-6E44-49F5-CA54-6CA0911DB1FB}"/>
+              </a:ext>
+            </a:extLst>
+          </p:cNvPr>
+          <p:cNvSpPr/>
+          <p:nvPr/>
+        </p:nvSpPr>
+        <p:spPr>
+          <a:xfrm>
+            <a:off x="182532" y="1775610"/>
+            <a:ext cx="1838183" cy="2733417"/>
+          </a:xfrm>
+          <a:prstGeom prst="rect">
+            <a:avLst/>
+          </a:prstGeom>
+          <a:noFill/>
+          <a:ln>
+            <a:noFill/>
+          </a:ln>
+        </p:spPr>
+        <p:style>
+          <a:lnRef idx="2">
+            <a:schemeClr val="accent1">
+              <a:shade val="15000"/>
+            </a:schemeClr>
+          </a:lnRef>
+          <a:fillRef idx="1">
+            <a:schemeClr val="accent1"/>
+          </a:fillRef>
+          <a:effectRef idx="0">
+            <a:schemeClr val="accent1"/>
+          </a:effectRef>
+          <a:fontRef idx="minor">
+            <a:schemeClr val="lt1"/>
+          </a:fontRef>
+        </p:style>
+        <p:txBody>
+          <a:bodyPr rtlCol="0" anchor="ctr"/>
+          <a:lstStyle/>
+          <a:p>
+            <a:r>
+              <a:rPr lang="en-US" dirty="0">
+                <a:solidFill>
+                  <a:srgbClr val="008001"/>
+                </a:solidFill>
+              </a:rPr>
+              <a:t>struct</a:t>
+            </a:r>
+            <a:r>
+              <a:rPr lang="en-US" dirty="0">
+                <a:solidFill>
+                  <a:schemeClr val="tx1"/>
+                </a:solidFill>
+              </a:rPr>
+              <a:t> </a:t>
+            </a:r>
+            <a:r>
+              <a:rPr lang="en-US" dirty="0" err="1">
+                <a:solidFill>
+                  <a:schemeClr val="tx1"/>
+                </a:solidFill>
+              </a:rPr>
+              <a:t>MyStruct</a:t>
+            </a:r>
+            <a:r>
+              <a:rPr lang="en-US" dirty="0">
+                <a:solidFill>
+                  <a:schemeClr val="tx1"/>
+                </a:solidFill>
+              </a:rPr>
+              <a:t> {</a:t>
+            </a:r>
+          </a:p>
+          <a:p>
+            <a:pPr algn="r"/>
+            <a:r>
+              <a:rPr lang="en-US" dirty="0">
+                <a:solidFill>
+                  <a:schemeClr val="tx1"/>
+                </a:solidFill>
+              </a:rPr>
+              <a:t>    </a:t>
+            </a:r>
+            <a:r>
+              <a:rPr lang="en-US" dirty="0">
+                <a:solidFill>
+                  <a:srgbClr val="B00040"/>
+                </a:solidFill>
+              </a:rPr>
+              <a:t>int</a:t>
+            </a:r>
+            <a:r>
+              <a:rPr lang="en-US" dirty="0">
+                <a:solidFill>
+                  <a:schemeClr val="tx1"/>
+                </a:solidFill>
+              </a:rPr>
+              <a:t> </a:t>
+            </a:r>
+            <a:r>
+              <a:rPr lang="en-US" dirty="0">
+                <a:solidFill>
+                  <a:srgbClr val="360084"/>
+                </a:solidFill>
+              </a:rPr>
+              <a:t>id</a:t>
+            </a:r>
+            <a:r>
+              <a:rPr lang="en-US" dirty="0">
+                <a:solidFill>
+                  <a:schemeClr val="tx1"/>
+                </a:solidFill>
+              </a:rPr>
+              <a:t>;</a:t>
+            </a:r>
+          </a:p>
+          <a:p>
+            <a:pPr algn="r"/>
+            <a:r>
+              <a:rPr lang="en-US" dirty="0">
+                <a:solidFill>
+                  <a:schemeClr val="tx1"/>
+                </a:solidFill>
+              </a:rPr>
+              <a:t>    </a:t>
+            </a:r>
+            <a:r>
+              <a:rPr lang="en-US" dirty="0">
+                <a:solidFill>
+                  <a:srgbClr val="B00040"/>
+                </a:solidFill>
+              </a:rPr>
+              <a:t>double</a:t>
+            </a:r>
+            <a:r>
+              <a:rPr lang="en-US" dirty="0">
+                <a:solidFill>
+                  <a:schemeClr val="tx1"/>
+                </a:solidFill>
+              </a:rPr>
+              <a:t> </a:t>
+            </a:r>
+            <a:r>
+              <a:rPr lang="en-US" dirty="0">
+                <a:solidFill>
+                  <a:srgbClr val="EFC57B"/>
+                </a:solidFill>
+              </a:rPr>
+              <a:t>value</a:t>
+            </a:r>
+            <a:r>
+              <a:rPr lang="en-US" dirty="0">
+                <a:solidFill>
+                  <a:schemeClr val="tx1"/>
+                </a:solidFill>
+              </a:rPr>
+              <a:t>;</a:t>
+            </a:r>
+          </a:p>
+          <a:p>
+            <a:pPr algn="r"/>
+            <a:r>
+              <a:rPr lang="en-US" dirty="0">
+                <a:solidFill>
+                  <a:schemeClr val="tx1"/>
+                </a:solidFill>
+              </a:rPr>
+              <a:t>    </a:t>
+            </a:r>
+            <a:r>
+              <a:rPr lang="en-US" dirty="0">
+                <a:solidFill>
+                  <a:srgbClr val="B00040"/>
+                </a:solidFill>
+              </a:rPr>
+              <a:t>char</a:t>
+            </a:r>
+            <a:r>
+              <a:rPr lang="en-US" dirty="0">
+                <a:solidFill>
+                  <a:schemeClr val="tx1"/>
+                </a:solidFill>
+              </a:rPr>
+              <a:t> </a:t>
+            </a:r>
+            <a:r>
+              <a:rPr lang="en-US" dirty="0">
+                <a:solidFill>
+                  <a:srgbClr val="82E995"/>
+                </a:solidFill>
+              </a:rPr>
+              <a:t>name[5];</a:t>
+            </a:r>
+          </a:p>
+          <a:p>
+            <a:r>
+              <a:rPr lang="en-US" dirty="0">
+                <a:solidFill>
+                  <a:schemeClr val="tx1"/>
+                </a:solidFill>
+              </a:rPr>
+              <a:t>};</a:t>
+            </a:r>
+          </a:p>
+        </p:txBody>
+      </p:sp>
+      <p:sp>
+        <p:nvSpPr>
+          <p:cNvPr id="162" name="Rectangle 161">
+            <a:extLst>
+              <a:ext uri="{FF2B5EF4-FFF2-40B4-BE49-F238E27FC236}">
+                <a16:creationId xmlns:a16="http://schemas.microsoft.com/office/drawing/2014/main" id="{9CB46FAE-109A-2965-2352-390E8D3B94DC}"/>
+              </a:ext>
+            </a:extLst>
+          </p:cNvPr>
+          <p:cNvSpPr/>
+          <p:nvPr/>
+        </p:nvSpPr>
+        <p:spPr>
+          <a:xfrm>
+            <a:off x="2674684" y="2323099"/>
+            <a:ext cx="745014" cy="272753"/>
+          </a:xfrm>
+          <a:prstGeom prst="rect">
+            <a:avLst/>
+          </a:prstGeom>
+          <a:solidFill>
+            <a:srgbClr val="FDF8EE"/>
+          </a:solidFill>
+          <a:ln>
+            <a:solidFill>
+              <a:srgbClr val="EFC57B"/>
+            </a:solidFill>
+          </a:ln>
+        </p:spPr>
+        <p:style>
+          <a:lnRef idx="2">
+            <a:schemeClr val="accent1">
+              <a:shade val="15000"/>
+            </a:schemeClr>
+          </a:lnRef>
+          <a:fillRef idx="1">
+            <a:schemeClr val="accent1"/>
+          </a:fillRef>
+          <a:effectRef idx="0">
+            <a:schemeClr val="accent1"/>
+          </a:effectRef>
+          <a:fontRef idx="minor">
+            <a:schemeClr val="lt1"/>
+          </a:fontRef>
+        </p:style>
+        <p:txBody>
+          <a:bodyPr rtlCol="0" anchor="ctr"/>
+          <a:lstStyle/>
+          <a:p>
+            <a:pPr algn="ctr"/>
+            <a:r>
+              <a:rPr lang="en-US" sz="800" dirty="0">
+                <a:solidFill>
+                  <a:schemeClr val="tx1"/>
+                </a:solidFill>
+              </a:rPr>
+              <a:t>value</a:t>
+            </a:r>
+          </a:p>
+        </p:txBody>
+      </p:sp>
+      <p:sp>
+        <p:nvSpPr>
+          <p:cNvPr id="180" name="Rectangle 179">
+            <a:extLst>
+              <a:ext uri="{FF2B5EF4-FFF2-40B4-BE49-F238E27FC236}">
+                <a16:creationId xmlns:a16="http://schemas.microsoft.com/office/drawing/2014/main" id="{BC301751-CFF4-FB04-DD16-9F2AAACA0BF1}"/>
+              </a:ext>
+            </a:extLst>
+          </p:cNvPr>
+          <p:cNvSpPr/>
+          <p:nvPr/>
+        </p:nvSpPr>
+        <p:spPr>
+          <a:xfrm>
+            <a:off x="2674684" y="1776151"/>
+            <a:ext cx="745014" cy="272753"/>
+          </a:xfrm>
+          <a:prstGeom prst="rect">
+            <a:avLst/>
+          </a:prstGeom>
+          <a:solidFill>
+            <a:srgbClr val="F2EFF6"/>
+          </a:solidFill>
+          <a:ln>
+            <a:solidFill>
+              <a:srgbClr val="360084"/>
+            </a:solidFill>
+          </a:ln>
+        </p:spPr>
+        <p:style>
+          <a:lnRef idx="2">
+            <a:schemeClr val="accent1">
+              <a:shade val="15000"/>
+            </a:schemeClr>
+          </a:lnRef>
+          <a:fillRef idx="1">
+            <a:schemeClr val="accent1"/>
+          </a:fillRef>
+          <a:effectRef idx="0">
+            <a:schemeClr val="accent1"/>
+          </a:effectRef>
+          <a:fontRef idx="minor">
+            <a:schemeClr val="lt1"/>
+          </a:fontRef>
+        </p:style>
+        <p:txBody>
+          <a:bodyPr rtlCol="0" anchor="ctr"/>
+          <a:lstStyle/>
+          <a:p>
+            <a:pPr algn="ctr"/>
+            <a:r>
+              <a:rPr lang="en-US" sz="800" dirty="0">
+                <a:solidFill>
+                  <a:schemeClr val="tx1"/>
+                </a:solidFill>
+              </a:rPr>
+              <a:t>id</a:t>
+            </a:r>
+          </a:p>
+        </p:txBody>
+      </p:sp>
+      <p:cxnSp>
+        <p:nvCxnSpPr>
+          <p:cNvPr id="184" name="Straight Arrow Connector 183">
+            <a:extLst>
+              <a:ext uri="{FF2B5EF4-FFF2-40B4-BE49-F238E27FC236}">
+                <a16:creationId xmlns:a16="http://schemas.microsoft.com/office/drawing/2014/main" id="{0529B84F-D2BC-75EB-66BD-758CD542EAFA}"/>
+              </a:ext>
+            </a:extLst>
+          </p:cNvPr>
+          <p:cNvCxnSpPr/>
+          <p:nvPr/>
+        </p:nvCxnSpPr>
+        <p:spPr>
+          <a:xfrm flipV="1">
+            <a:off x="1946133" y="2048904"/>
+            <a:ext cx="728551" cy="820662"/>
+          </a:xfrm>
+          <a:prstGeom prst="straightConnector1">
+            <a:avLst/>
+          </a:prstGeom>
+          <a:ln w="19050">
+            <a:solidFill>
+              <a:srgbClr val="360084"/>
+            </a:solidFill>
+            <a:tailEnd type="triangle"/>
+          </a:ln>
+        </p:spPr>
+        <p:style>
+          <a:lnRef idx="1">
+            <a:schemeClr val="accent1"/>
+          </a:lnRef>
+          <a:fillRef idx="0">
+            <a:schemeClr val="accent1"/>
+          </a:fillRef>
+          <a:effectRef idx="0">
+            <a:schemeClr val="accent1"/>
+          </a:effectRef>
+          <a:fontRef idx="minor">
+            <a:schemeClr val="tx1"/>
+          </a:fontRef>
+        </p:style>
+      </p:cxnSp>
+      <p:cxnSp>
+        <p:nvCxnSpPr>
+          <p:cNvPr id="186" name="Straight Arrow Connector 185">
+            <a:extLst>
+              <a:ext uri="{FF2B5EF4-FFF2-40B4-BE49-F238E27FC236}">
+                <a16:creationId xmlns:a16="http://schemas.microsoft.com/office/drawing/2014/main" id="{39FD29F5-4411-137B-1639-D450A471B8BC}"/>
+              </a:ext>
+            </a:extLst>
+          </p:cNvPr>
+          <p:cNvCxnSpPr/>
+          <p:nvPr/>
+        </p:nvCxnSpPr>
+        <p:spPr>
+          <a:xfrm flipV="1">
+            <a:off x="1946133" y="2595852"/>
+            <a:ext cx="728551" cy="546466"/>
+          </a:xfrm>
+          <a:prstGeom prst="straightConnector1">
+            <a:avLst/>
+          </a:prstGeom>
+          <a:ln w="19050">
+            <a:solidFill>
+              <a:srgbClr val="EFC57B"/>
+            </a:solidFill>
+            <a:tailEnd type="triangle"/>
+          </a:ln>
+        </p:spPr>
+        <p:style>
+          <a:lnRef idx="1">
+            <a:schemeClr val="accent1"/>
+          </a:lnRef>
+          <a:fillRef idx="0">
+            <a:schemeClr val="accent1"/>
+          </a:fillRef>
+          <a:effectRef idx="0">
+            <a:schemeClr val="accent1"/>
+          </a:effectRef>
+          <a:fontRef idx="minor">
+            <a:schemeClr val="tx1"/>
+          </a:fontRef>
+        </p:style>
+      </p:cxnSp>
+      <p:cxnSp>
+        <p:nvCxnSpPr>
+          <p:cNvPr id="188" name="Straight Arrow Connector 187">
+            <a:extLst>
+              <a:ext uri="{FF2B5EF4-FFF2-40B4-BE49-F238E27FC236}">
+                <a16:creationId xmlns:a16="http://schemas.microsoft.com/office/drawing/2014/main" id="{4246B330-5DFF-3C6A-4282-7CEF4C63A0BB}"/>
+              </a:ext>
+            </a:extLst>
+          </p:cNvPr>
+          <p:cNvCxnSpPr>
+            <a:cxnSpLocks/>
+          </p:cNvCxnSpPr>
+          <p:nvPr/>
+        </p:nvCxnSpPr>
+        <p:spPr>
+          <a:xfrm>
+            <a:off x="1946133" y="3428234"/>
+            <a:ext cx="728551" cy="261153"/>
+          </a:xfrm>
+          <a:prstGeom prst="straightConnector1">
+            <a:avLst/>
+          </a:prstGeom>
+          <a:ln w="19050">
+            <a:solidFill>
+              <a:srgbClr val="82E995"/>
+            </a:solidFill>
+            <a:tailEnd type="triangle"/>
+          </a:ln>
+        </p:spPr>
+        <p:style>
+          <a:lnRef idx="1">
+            <a:schemeClr val="accent1"/>
+          </a:lnRef>
+          <a:fillRef idx="0">
+            <a:schemeClr val="accent1"/>
+          </a:fillRef>
+          <a:effectRef idx="0">
+            <a:schemeClr val="accent1"/>
+          </a:effectRef>
+          <a:fontRef idx="minor">
+            <a:schemeClr val="tx1"/>
+          </a:fontRef>
+        </p:style>
+      </p:cxnSp>
     </p:spTree>
     <p:extLst>
       <p:ext uri="{BB962C8B-B14F-4D97-AF65-F5344CB8AC3E}">

--- a/files/communication_diagram.pptx
+++ b/files/communication_diagram.pptx
@@ -199,7 +199,7 @@
           <a:p>
             <a:fld id="{1DA394A1-87FE-BC40-B428-C4F79D5812EE}" type="datetimeFigureOut">
               <a:rPr lang="en-US" smtClean="0"/>
-              <a:t>5/12/23</a:t>
+              <a:t>5/19/23</a:t>
             </a:fld>
             <a:endParaRPr lang="en-US"/>
           </a:p>
@@ -784,7 +784,7 @@
           <a:p>
             <a:fld id="{5BD1349E-D158-4E40-990A-05F7F3787A3C}" type="datetimeFigureOut">
               <a:rPr lang="en-US" smtClean="0"/>
-              <a:t>5/12/23</a:t>
+              <a:t>5/19/23</a:t>
             </a:fld>
             <a:endParaRPr lang="en-US"/>
           </a:p>
@@ -984,7 +984,7 @@
           <a:p>
             <a:fld id="{5BD1349E-D158-4E40-990A-05F7F3787A3C}" type="datetimeFigureOut">
               <a:rPr lang="en-US" smtClean="0"/>
-              <a:t>5/12/23</a:t>
+              <a:t>5/19/23</a:t>
             </a:fld>
             <a:endParaRPr lang="en-US"/>
           </a:p>
@@ -1194,7 +1194,7 @@
           <a:p>
             <a:fld id="{5BD1349E-D158-4E40-990A-05F7F3787A3C}" type="datetimeFigureOut">
               <a:rPr lang="en-US" smtClean="0"/>
-              <a:t>5/12/23</a:t>
+              <a:t>5/19/23</a:t>
             </a:fld>
             <a:endParaRPr lang="en-US"/>
           </a:p>
@@ -1394,7 +1394,7 @@
           <a:p>
             <a:fld id="{5BD1349E-D158-4E40-990A-05F7F3787A3C}" type="datetimeFigureOut">
               <a:rPr lang="en-US" smtClean="0"/>
-              <a:t>5/12/23</a:t>
+              <a:t>5/19/23</a:t>
             </a:fld>
             <a:endParaRPr lang="en-US"/>
           </a:p>
@@ -1670,7 +1670,7 @@
           <a:p>
             <a:fld id="{5BD1349E-D158-4E40-990A-05F7F3787A3C}" type="datetimeFigureOut">
               <a:rPr lang="en-US" smtClean="0"/>
-              <a:t>5/12/23</a:t>
+              <a:t>5/19/23</a:t>
             </a:fld>
             <a:endParaRPr lang="en-US"/>
           </a:p>
@@ -1938,7 +1938,7 @@
           <a:p>
             <a:fld id="{5BD1349E-D158-4E40-990A-05F7F3787A3C}" type="datetimeFigureOut">
               <a:rPr lang="en-US" smtClean="0"/>
-              <a:t>5/12/23</a:t>
+              <a:t>5/19/23</a:t>
             </a:fld>
             <a:endParaRPr lang="en-US"/>
           </a:p>
@@ -2353,7 +2353,7 @@
           <a:p>
             <a:fld id="{5BD1349E-D158-4E40-990A-05F7F3787A3C}" type="datetimeFigureOut">
               <a:rPr lang="en-US" smtClean="0"/>
-              <a:t>5/12/23</a:t>
+              <a:t>5/19/23</a:t>
             </a:fld>
             <a:endParaRPr lang="en-US"/>
           </a:p>
@@ -2495,7 +2495,7 @@
           <a:p>
             <a:fld id="{5BD1349E-D158-4E40-990A-05F7F3787A3C}" type="datetimeFigureOut">
               <a:rPr lang="en-US" smtClean="0"/>
-              <a:t>5/12/23</a:t>
+              <a:t>5/19/23</a:t>
             </a:fld>
             <a:endParaRPr lang="en-US"/>
           </a:p>
@@ -2608,7 +2608,7 @@
           <a:p>
             <a:fld id="{5BD1349E-D158-4E40-990A-05F7F3787A3C}" type="datetimeFigureOut">
               <a:rPr lang="en-US" smtClean="0"/>
-              <a:t>5/12/23</a:t>
+              <a:t>5/19/23</a:t>
             </a:fld>
             <a:endParaRPr lang="en-US"/>
           </a:p>
@@ -2921,7 +2921,7 @@
           <a:p>
             <a:fld id="{5BD1349E-D158-4E40-990A-05F7F3787A3C}" type="datetimeFigureOut">
               <a:rPr lang="en-US" smtClean="0"/>
-              <a:t>5/12/23</a:t>
+              <a:t>5/19/23</a:t>
             </a:fld>
             <a:endParaRPr lang="en-US"/>
           </a:p>
@@ -3210,7 +3210,7 @@
           <a:p>
             <a:fld id="{5BD1349E-D158-4E40-990A-05F7F3787A3C}" type="datetimeFigureOut">
               <a:rPr lang="en-US" smtClean="0"/>
-              <a:t>5/12/23</a:t>
+              <a:t>5/19/23</a:t>
             </a:fld>
             <a:endParaRPr lang="en-US"/>
           </a:p>
@@ -3453,7 +3453,7 @@
           <a:p>
             <a:fld id="{5BD1349E-D158-4E40-990A-05F7F3787A3C}" type="datetimeFigureOut">
               <a:rPr lang="en-US" smtClean="0"/>
-              <a:t>5/12/23</a:t>
+              <a:t>5/19/23</a:t>
             </a:fld>
             <a:endParaRPr lang="en-US"/>
           </a:p>
@@ -5522,7 +5522,7 @@
         </p:nvCxnSpPr>
         <p:spPr>
           <a:xfrm>
-            <a:off x="131070" y="5853122"/>
+            <a:off x="96794" y="6404946"/>
             <a:ext cx="1311770" cy="0"/>
           </a:xfrm>
           <a:prstGeom prst="straightConnector1">
@@ -5567,7 +5567,7 @@
         </p:nvCxnSpPr>
         <p:spPr>
           <a:xfrm>
-            <a:off x="142390" y="5326419"/>
+            <a:off x="108114" y="5878243"/>
             <a:ext cx="2589053" cy="0"/>
           </a:xfrm>
           <a:prstGeom prst="straightConnector1">
@@ -5610,7 +5610,7 @@
         </p:nvSpPr>
         <p:spPr>
           <a:xfrm>
-            <a:off x="131078" y="5484663"/>
+            <a:off x="96802" y="6036487"/>
             <a:ext cx="2568279" cy="307777"/>
           </a:xfrm>
           <a:prstGeom prst="rect">
@@ -5650,7 +5650,7 @@
         </p:nvSpPr>
         <p:spPr>
           <a:xfrm>
-            <a:off x="144182" y="5913017"/>
+            <a:off x="109906" y="6464841"/>
             <a:ext cx="1341215" cy="307777"/>
           </a:xfrm>
           <a:prstGeom prst="rect">
@@ -5688,7 +5688,7 @@
         </p:nvSpPr>
         <p:spPr>
           <a:xfrm>
-            <a:off x="2725145" y="5747213"/>
+            <a:off x="2690869" y="6299037"/>
             <a:ext cx="1294901" cy="307777"/>
           </a:xfrm>
           <a:prstGeom prst="rect">
@@ -5727,7 +5727,7 @@
         </p:nvSpPr>
         <p:spPr>
           <a:xfrm>
-            <a:off x="10616648" y="3495203"/>
+            <a:off x="6556669" y="331236"/>
             <a:ext cx="322151" cy="272753"/>
           </a:xfrm>
           <a:prstGeom prst="rect">
@@ -5788,7 +5788,7 @@
         </p:nvSpPr>
         <p:spPr>
           <a:xfrm>
-            <a:off x="11260950" y="3495202"/>
+            <a:off x="7200971" y="331235"/>
             <a:ext cx="322151" cy="272753"/>
           </a:xfrm>
           <a:prstGeom prst="rect">
@@ -5849,7 +5849,7 @@
         </p:nvSpPr>
         <p:spPr>
           <a:xfrm>
-            <a:off x="10616648" y="4313461"/>
+            <a:off x="6556669" y="1149494"/>
             <a:ext cx="322151" cy="272753"/>
           </a:xfrm>
           <a:prstGeom prst="rect">
@@ -5910,7 +5910,7 @@
         </p:nvSpPr>
         <p:spPr>
           <a:xfrm>
-            <a:off x="11260950" y="4313460"/>
+            <a:off x="7200971" y="1149493"/>
             <a:ext cx="322151" cy="272753"/>
           </a:xfrm>
           <a:prstGeom prst="rect">
@@ -5971,7 +5971,7 @@
         </p:nvSpPr>
         <p:spPr>
           <a:xfrm>
-            <a:off x="10294497" y="3495204"/>
+            <a:off x="6234518" y="331237"/>
             <a:ext cx="322151" cy="272753"/>
           </a:xfrm>
           <a:prstGeom prst="rect">
@@ -6032,7 +6032,7 @@
         </p:nvSpPr>
         <p:spPr>
           <a:xfrm>
-            <a:off x="10294497" y="4313462"/>
+            <a:off x="6234518" y="1149495"/>
             <a:ext cx="322151" cy="272753"/>
           </a:xfrm>
           <a:prstGeom prst="rect">
@@ -6093,7 +6093,7 @@
         </p:nvSpPr>
         <p:spPr>
           <a:xfrm>
-            <a:off x="10938799" y="3495202"/>
+            <a:off x="6878820" y="331235"/>
             <a:ext cx="322151" cy="272753"/>
           </a:xfrm>
           <a:prstGeom prst="rect">
@@ -6154,7 +6154,7 @@
         </p:nvSpPr>
         <p:spPr>
           <a:xfrm>
-            <a:off x="10938799" y="4313460"/>
+            <a:off x="6878820" y="1149493"/>
             <a:ext cx="322151" cy="272753"/>
           </a:xfrm>
           <a:prstGeom prst="rect">
@@ -6215,7 +6215,7 @@
         </p:nvSpPr>
         <p:spPr>
           <a:xfrm>
-            <a:off x="11260950" y="3767955"/>
+            <a:off x="7200971" y="603988"/>
             <a:ext cx="322151" cy="272753"/>
           </a:xfrm>
           <a:prstGeom prst="rect">
@@ -6276,7 +6276,7 @@
         </p:nvSpPr>
         <p:spPr>
           <a:xfrm>
-            <a:off x="11260950" y="4040708"/>
+            <a:off x="7200971" y="876741"/>
             <a:ext cx="322151" cy="272753"/>
           </a:xfrm>
           <a:prstGeom prst="rect">
@@ -6337,7 +6337,7 @@
         </p:nvSpPr>
         <p:spPr>
           <a:xfrm>
-            <a:off x="10294497" y="3767957"/>
+            <a:off x="6234518" y="603990"/>
             <a:ext cx="322151" cy="272753"/>
           </a:xfrm>
           <a:prstGeom prst="rect">
@@ -6398,7 +6398,7 @@
         </p:nvSpPr>
         <p:spPr>
           <a:xfrm>
-            <a:off x="10294497" y="4040710"/>
+            <a:off x="6234518" y="876743"/>
             <a:ext cx="322151" cy="272753"/>
           </a:xfrm>
           <a:prstGeom prst="rect">
@@ -6459,7 +6459,7 @@
         </p:nvSpPr>
         <p:spPr>
           <a:xfrm>
-            <a:off x="10616648" y="3767956"/>
+            <a:off x="6556669" y="603989"/>
             <a:ext cx="322151" cy="272753"/>
           </a:xfrm>
           <a:prstGeom prst="rect">
@@ -6520,7 +6520,7 @@
         </p:nvSpPr>
         <p:spPr>
           <a:xfrm>
-            <a:off x="10938799" y="3767955"/>
+            <a:off x="6878820" y="603988"/>
             <a:ext cx="322151" cy="272753"/>
           </a:xfrm>
           <a:prstGeom prst="rect">
@@ -6581,7 +6581,7 @@
         </p:nvSpPr>
         <p:spPr>
           <a:xfrm>
-            <a:off x="10616648" y="4040709"/>
+            <a:off x="6556669" y="876742"/>
             <a:ext cx="322151" cy="272753"/>
           </a:xfrm>
           <a:prstGeom prst="rect">
@@ -6642,7 +6642,7 @@
         </p:nvSpPr>
         <p:spPr>
           <a:xfrm>
-            <a:off x="10938799" y="4040708"/>
+            <a:off x="6878820" y="876741"/>
             <a:ext cx="322151" cy="272753"/>
           </a:xfrm>
           <a:prstGeom prst="rect">
@@ -6703,7 +6703,7 @@
         </p:nvSpPr>
         <p:spPr>
           <a:xfrm rot="10800000" flipH="1" flipV="1">
-            <a:off x="10616648" y="5704105"/>
+            <a:off x="8646158" y="2276108"/>
             <a:ext cx="322151" cy="272753"/>
           </a:xfrm>
           <a:prstGeom prst="rect">
@@ -6761,7 +6761,7 @@
         </p:nvSpPr>
         <p:spPr>
           <a:xfrm rot="10800000" flipH="1">
-            <a:off x="11260950" y="5704106"/>
+            <a:off x="9290460" y="2276109"/>
             <a:ext cx="322151" cy="272753"/>
           </a:xfrm>
           <a:prstGeom prst="rect">
@@ -6819,7 +6819,7 @@
         </p:nvSpPr>
         <p:spPr>
           <a:xfrm rot="10800000" flipH="1">
-            <a:off x="10616648" y="4885847"/>
+            <a:off x="8646158" y="1457850"/>
             <a:ext cx="322151" cy="272753"/>
           </a:xfrm>
           <a:prstGeom prst="rect">
@@ -6877,7 +6877,7 @@
         </p:nvSpPr>
         <p:spPr>
           <a:xfrm rot="10800000" flipH="1">
-            <a:off x="11260950" y="4885848"/>
+            <a:off x="9290460" y="1457851"/>
             <a:ext cx="322151" cy="272753"/>
           </a:xfrm>
           <a:prstGeom prst="rect">
@@ -6935,7 +6935,7 @@
         </p:nvSpPr>
         <p:spPr>
           <a:xfrm rot="10800000" flipH="1">
-            <a:off x="10294497" y="5704104"/>
+            <a:off x="8324007" y="2276107"/>
             <a:ext cx="322151" cy="272753"/>
           </a:xfrm>
           <a:prstGeom prst="rect">
@@ -6993,7 +6993,7 @@
         </p:nvSpPr>
         <p:spPr>
           <a:xfrm rot="10800000" flipH="1">
-            <a:off x="10294497" y="4885846"/>
+            <a:off x="8324007" y="1457849"/>
             <a:ext cx="322151" cy="272753"/>
           </a:xfrm>
           <a:prstGeom prst="rect">
@@ -7051,7 +7051,7 @@
         </p:nvSpPr>
         <p:spPr>
           <a:xfrm rot="10800000" flipH="1">
-            <a:off x="10938799" y="5704106"/>
+            <a:off x="8968309" y="2276109"/>
             <a:ext cx="322151" cy="272753"/>
           </a:xfrm>
           <a:prstGeom prst="rect">
@@ -7109,7 +7109,7 @@
         </p:nvSpPr>
         <p:spPr>
           <a:xfrm rot="10800000" flipH="1" flipV="1">
-            <a:off x="10938799" y="4885848"/>
+            <a:off x="8968309" y="1457851"/>
             <a:ext cx="322151" cy="272753"/>
           </a:xfrm>
           <a:prstGeom prst="rect">
@@ -7167,7 +7167,7 @@
         </p:nvSpPr>
         <p:spPr>
           <a:xfrm rot="10800000" flipH="1">
-            <a:off x="11260950" y="5431353"/>
+            <a:off x="9290460" y="2003356"/>
             <a:ext cx="322151" cy="272753"/>
           </a:xfrm>
           <a:prstGeom prst="rect">
@@ -7225,7 +7225,7 @@
         </p:nvSpPr>
         <p:spPr>
           <a:xfrm rot="10800000" flipH="1" flipV="1">
-            <a:off x="11260950" y="5158600"/>
+            <a:off x="9290460" y="1730603"/>
             <a:ext cx="322151" cy="272753"/>
           </a:xfrm>
           <a:prstGeom prst="rect">
@@ -7286,7 +7286,7 @@
         </p:nvSpPr>
         <p:spPr>
           <a:xfrm rot="10800000" flipH="1" flipV="1">
-            <a:off x="10294497" y="5431351"/>
+            <a:off x="8324007" y="2003354"/>
             <a:ext cx="322151" cy="272753"/>
           </a:xfrm>
           <a:prstGeom prst="rect">
@@ -7347,7 +7347,7 @@
         </p:nvSpPr>
         <p:spPr>
           <a:xfrm rot="10800000" flipH="1">
-            <a:off x="10294497" y="5158598"/>
+            <a:off x="8324007" y="1730601"/>
             <a:ext cx="322151" cy="272753"/>
           </a:xfrm>
           <a:prstGeom prst="rect">
@@ -7405,7 +7405,7 @@
         </p:nvSpPr>
         <p:spPr>
           <a:xfrm rot="10800000" flipH="1" flipV="1">
-            <a:off x="10616648" y="5431352"/>
+            <a:off x="8646158" y="2003355"/>
             <a:ext cx="322151" cy="272753"/>
           </a:xfrm>
           <a:prstGeom prst="rect">
@@ -7463,7 +7463,7 @@
         </p:nvSpPr>
         <p:spPr>
           <a:xfrm rot="10800000" flipH="1">
-            <a:off x="10938799" y="5431353"/>
+            <a:off x="8968309" y="2003356"/>
             <a:ext cx="322151" cy="272753"/>
           </a:xfrm>
           <a:prstGeom prst="rect">
@@ -7521,7 +7521,7 @@
         </p:nvSpPr>
         <p:spPr>
           <a:xfrm rot="10800000" flipH="1" flipV="1">
-            <a:off x="10616648" y="5158599"/>
+            <a:off x="8646158" y="1730602"/>
             <a:ext cx="322151" cy="272753"/>
           </a:xfrm>
           <a:prstGeom prst="rect">
@@ -7582,7 +7582,7 @@
         </p:nvSpPr>
         <p:spPr>
           <a:xfrm rot="10800000" flipH="1" flipV="1">
-            <a:off x="10938799" y="5158600"/>
+            <a:off x="8968309" y="1730603"/>
             <a:ext cx="322151" cy="272753"/>
           </a:xfrm>
           <a:prstGeom prst="rect">
@@ -7645,7 +7645,7 @@
         </p:nvCxnSpPr>
         <p:spPr>
           <a:xfrm>
-            <a:off x="10294030" y="5704102"/>
+            <a:off x="8323540" y="2276105"/>
             <a:ext cx="322617" cy="0"/>
           </a:xfrm>
           <a:prstGeom prst="straightConnector1">
@@ -7689,7 +7689,7 @@
         </p:nvCxnSpPr>
         <p:spPr>
           <a:xfrm>
-            <a:off x="10616647" y="5431351"/>
+            <a:off x="8646157" y="2003354"/>
             <a:ext cx="965783" cy="0"/>
           </a:xfrm>
           <a:prstGeom prst="straightConnector1">
@@ -7731,7 +7731,7 @@
         </p:nvSpPr>
         <p:spPr>
           <a:xfrm>
-            <a:off x="165548" y="4992657"/>
+            <a:off x="131272" y="5544481"/>
             <a:ext cx="2559597" cy="307777"/>
           </a:xfrm>
           <a:prstGeom prst="rect">
@@ -7771,7 +7771,7 @@
         </p:nvSpPr>
         <p:spPr>
           <a:xfrm>
-            <a:off x="142390" y="5453435"/>
+            <a:off x="108114" y="6005259"/>
             <a:ext cx="322151" cy="272753"/>
           </a:xfrm>
           <a:prstGeom prst="rect">
@@ -7832,7 +7832,7 @@
         </p:nvSpPr>
         <p:spPr>
           <a:xfrm>
-            <a:off x="464541" y="5453434"/>
+            <a:off x="430265" y="6005258"/>
             <a:ext cx="322151" cy="272753"/>
           </a:xfrm>
           <a:prstGeom prst="rect">
@@ -7893,7 +7893,7 @@
         </p:nvSpPr>
         <p:spPr>
           <a:xfrm>
-            <a:off x="786692" y="5453433"/>
+            <a:off x="752416" y="6005257"/>
             <a:ext cx="322151" cy="272753"/>
           </a:xfrm>
           <a:prstGeom prst="rect">
@@ -7954,7 +7954,7 @@
         </p:nvSpPr>
         <p:spPr>
           <a:xfrm>
-            <a:off x="4008198" y="5453427"/>
+            <a:off x="3973922" y="6005251"/>
             <a:ext cx="322151" cy="272753"/>
           </a:xfrm>
           <a:prstGeom prst="rect">
@@ -8015,7 +8015,7 @@
         </p:nvSpPr>
         <p:spPr>
           <a:xfrm>
-            <a:off x="4974653" y="5453427"/>
+            <a:off x="4940377" y="6005251"/>
             <a:ext cx="322151" cy="272753"/>
           </a:xfrm>
           <a:prstGeom prst="rect">
@@ -8076,7 +8076,7 @@
         </p:nvSpPr>
         <p:spPr>
           <a:xfrm>
-            <a:off x="3041748" y="5453430"/>
+            <a:off x="3007472" y="6005254"/>
             <a:ext cx="322151" cy="272753"/>
           </a:xfrm>
           <a:prstGeom prst="rect">
@@ -8137,7 +8137,7 @@
         </p:nvSpPr>
         <p:spPr>
           <a:xfrm>
-            <a:off x="3363899" y="5453429"/>
+            <a:off x="3329623" y="6005253"/>
             <a:ext cx="322151" cy="272753"/>
           </a:xfrm>
           <a:prstGeom prst="rect">
@@ -8198,7 +8198,7 @@
         </p:nvSpPr>
         <p:spPr>
           <a:xfrm>
-            <a:off x="4330351" y="5453428"/>
+            <a:off x="4296075" y="6005252"/>
             <a:ext cx="322151" cy="272753"/>
           </a:xfrm>
           <a:prstGeom prst="rect">
@@ -8259,7 +8259,7 @@
         </p:nvSpPr>
         <p:spPr>
           <a:xfrm>
-            <a:off x="4652502" y="5453427"/>
+            <a:off x="4618226" y="6005251"/>
             <a:ext cx="322151" cy="272753"/>
           </a:xfrm>
           <a:prstGeom prst="rect">
@@ -8320,7 +8320,7 @@
         </p:nvSpPr>
         <p:spPr>
           <a:xfrm>
-            <a:off x="3686050" y="5453429"/>
+            <a:off x="3651774" y="6005253"/>
             <a:ext cx="322151" cy="272753"/>
           </a:xfrm>
           <a:prstGeom prst="rect">
@@ -8381,7 +8381,7 @@
         </p:nvSpPr>
         <p:spPr>
           <a:xfrm>
-            <a:off x="1430994" y="5453433"/>
+            <a:off x="1396718" y="6005257"/>
             <a:ext cx="322151" cy="272753"/>
           </a:xfrm>
           <a:prstGeom prst="rect">
@@ -8442,7 +8442,7 @@
         </p:nvSpPr>
         <p:spPr>
           <a:xfrm>
-            <a:off x="2397447" y="5453431"/>
+            <a:off x="2363171" y="6005255"/>
             <a:ext cx="322151" cy="272753"/>
           </a:xfrm>
           <a:prstGeom prst="rect">
@@ -8503,7 +8503,7 @@
         </p:nvSpPr>
         <p:spPr>
           <a:xfrm>
-            <a:off x="1753145" y="5453432"/>
+            <a:off x="1718869" y="6005256"/>
             <a:ext cx="322151" cy="272753"/>
           </a:xfrm>
           <a:prstGeom prst="rect">
@@ -8564,7 +8564,7 @@
         </p:nvSpPr>
         <p:spPr>
           <a:xfrm>
-            <a:off x="2075296" y="5453431"/>
+            <a:off x="2041020" y="6005255"/>
             <a:ext cx="322151" cy="272753"/>
           </a:xfrm>
           <a:prstGeom prst="rect">
@@ -8625,7 +8625,7 @@
         </p:nvSpPr>
         <p:spPr>
           <a:xfrm>
-            <a:off x="1108843" y="5453433"/>
+            <a:off x="1074567" y="6005257"/>
             <a:ext cx="322151" cy="272753"/>
           </a:xfrm>
           <a:prstGeom prst="rect">
@@ -8686,7 +8686,7 @@
         </p:nvSpPr>
         <p:spPr>
           <a:xfrm>
-            <a:off x="2719597" y="5453431"/>
+            <a:off x="2685321" y="6005255"/>
             <a:ext cx="322151" cy="272753"/>
           </a:xfrm>
           <a:prstGeom prst="rect">
@@ -16351,7 +16351,7 @@
         </p:nvSpPr>
         <p:spPr>
           <a:xfrm rot="10800000" flipH="1">
-            <a:off x="10938462" y="6449683"/>
+            <a:off x="8968439" y="603987"/>
             <a:ext cx="322151" cy="272753"/>
           </a:xfrm>
           <a:prstGeom prst="rect">
@@ -16409,7 +16409,7 @@
         </p:nvSpPr>
         <p:spPr>
           <a:xfrm rot="10800000" flipH="1">
-            <a:off x="10294496" y="6176932"/>
+            <a:off x="8324473" y="331236"/>
             <a:ext cx="322151" cy="272753"/>
           </a:xfrm>
           <a:prstGeom prst="rect">
@@ -16467,7 +16467,7 @@
         </p:nvSpPr>
         <p:spPr>
           <a:xfrm rot="10800000" flipH="1" flipV="1">
-            <a:off x="10938798" y="6176934"/>
+            <a:off x="8968775" y="331238"/>
             <a:ext cx="322151" cy="272753"/>
           </a:xfrm>
           <a:prstGeom prst="rect">
@@ -16528,7 +16528,7 @@
         </p:nvSpPr>
         <p:spPr>
           <a:xfrm rot="10800000" flipH="1" flipV="1">
-            <a:off x="10294496" y="6449684"/>
+            <a:off x="8324473" y="603988"/>
             <a:ext cx="322151" cy="272753"/>
           </a:xfrm>
           <a:prstGeom prst="rect">
@@ -16589,7 +16589,7 @@
         </p:nvSpPr>
         <p:spPr>
           <a:xfrm rot="10800000" flipH="1" flipV="1">
-            <a:off x="10620669" y="6176931"/>
+            <a:off x="8650646" y="331235"/>
             <a:ext cx="322151" cy="272753"/>
           </a:xfrm>
           <a:prstGeom prst="rect">
@@ -16650,7 +16650,7 @@
         </p:nvSpPr>
         <p:spPr>
           <a:xfrm rot="10800000" flipH="1" flipV="1">
-            <a:off x="10620669" y="6449684"/>
+            <a:off x="8650646" y="603988"/>
             <a:ext cx="322151" cy="272753"/>
           </a:xfrm>
           <a:prstGeom prst="rect">
@@ -16710,7 +16710,7 @@
         </p:nvCxnSpPr>
         <p:spPr>
           <a:xfrm>
-            <a:off x="10616647" y="6449154"/>
+            <a:off x="8646624" y="603458"/>
             <a:ext cx="643966" cy="0"/>
           </a:xfrm>
           <a:prstGeom prst="straightConnector1">
@@ -16754,7 +16754,7 @@
         </p:nvCxnSpPr>
         <p:spPr>
           <a:xfrm>
-            <a:off x="10294030" y="6709815"/>
+            <a:off x="8324007" y="864119"/>
             <a:ext cx="322617" cy="0"/>
           </a:xfrm>
           <a:prstGeom prst="straightConnector1">
@@ -16782,6 +16782,2205 @@
           </a:fontRef>
         </p:style>
       </p:cxnSp>
+      <p:cxnSp>
+        <p:nvCxnSpPr>
+          <p:cNvPr id="2" name="Straight Arrow Connector 1">
+            <a:extLst>
+              <a:ext uri="{FF2B5EF4-FFF2-40B4-BE49-F238E27FC236}">
+                <a16:creationId xmlns:a16="http://schemas.microsoft.com/office/drawing/2014/main" id="{FE781175-4594-E4DB-12BD-64E1E9F0A5E4}"/>
+              </a:ext>
+            </a:extLst>
+          </p:cNvPr>
+          <p:cNvCxnSpPr>
+            <a:cxnSpLocks/>
+          </p:cNvCxnSpPr>
+          <p:nvPr/>
+        </p:nvCxnSpPr>
+        <p:spPr>
+          <a:xfrm>
+            <a:off x="9277348" y="5358818"/>
+            <a:ext cx="1311770" cy="0"/>
+          </a:xfrm>
+          <a:prstGeom prst="straightConnector1">
+            <a:avLst/>
+          </a:prstGeom>
+          <a:ln w="22225">
+            <a:solidFill>
+              <a:schemeClr val="tx1"/>
+            </a:solidFill>
+            <a:headEnd type="triangle"/>
+            <a:tailEnd type="triangle"/>
+          </a:ln>
+        </p:spPr>
+        <p:style>
+          <a:lnRef idx="1">
+            <a:schemeClr val="accent1"/>
+          </a:lnRef>
+          <a:fillRef idx="0">
+            <a:schemeClr val="accent1"/>
+          </a:fillRef>
+          <a:effectRef idx="0">
+            <a:schemeClr val="accent1"/>
+          </a:effectRef>
+          <a:fontRef idx="minor">
+            <a:schemeClr val="tx1"/>
+          </a:fontRef>
+        </p:style>
+      </p:cxnSp>
+      <p:cxnSp>
+        <p:nvCxnSpPr>
+          <p:cNvPr id="3" name="Straight Arrow Connector 2">
+            <a:extLst>
+              <a:ext uri="{FF2B5EF4-FFF2-40B4-BE49-F238E27FC236}">
+                <a16:creationId xmlns:a16="http://schemas.microsoft.com/office/drawing/2014/main" id="{D4BF1937-7E56-BD59-3F63-3923AF3F092B}"/>
+              </a:ext>
+            </a:extLst>
+          </p:cNvPr>
+          <p:cNvCxnSpPr>
+            <a:cxnSpLocks/>
+          </p:cNvCxnSpPr>
+          <p:nvPr/>
+        </p:nvCxnSpPr>
+        <p:spPr>
+          <a:xfrm>
+            <a:off x="6713253" y="4823874"/>
+            <a:ext cx="2589053" cy="0"/>
+          </a:xfrm>
+          <a:prstGeom prst="straightConnector1">
+            <a:avLst/>
+          </a:prstGeom>
+          <a:ln w="22225">
+            <a:solidFill>
+              <a:schemeClr val="tx1"/>
+            </a:solidFill>
+            <a:headEnd type="triangle"/>
+            <a:tailEnd type="triangle"/>
+          </a:ln>
+        </p:spPr>
+        <p:style>
+          <a:lnRef idx="1">
+            <a:schemeClr val="accent1"/>
+          </a:lnRef>
+          <a:fillRef idx="0">
+            <a:schemeClr val="accent1"/>
+          </a:fillRef>
+          <a:effectRef idx="0">
+            <a:schemeClr val="accent1"/>
+          </a:effectRef>
+          <a:fontRef idx="minor">
+            <a:schemeClr val="tx1"/>
+          </a:fontRef>
+        </p:style>
+      </p:cxnSp>
+      <p:sp>
+        <p:nvSpPr>
+          <p:cNvPr id="4" name="TextBox 3">
+            <a:extLst>
+              <a:ext uri="{FF2B5EF4-FFF2-40B4-BE49-F238E27FC236}">
+                <a16:creationId xmlns:a16="http://schemas.microsoft.com/office/drawing/2014/main" id="{FCDBC9B8-C0E5-59BD-FCE8-FBD776B95DA6}"/>
+              </a:ext>
+            </a:extLst>
+          </p:cNvPr>
+          <p:cNvSpPr txBox="1"/>
+          <p:nvPr/>
+        </p:nvSpPr>
+        <p:spPr>
+          <a:xfrm>
+            <a:off x="6701941" y="4982118"/>
+            <a:ext cx="2568279" cy="307777"/>
+          </a:xfrm>
+          <a:prstGeom prst="rect">
+            <a:avLst/>
+          </a:prstGeom>
+          <a:noFill/>
+        </p:spPr>
+        <p:txBody>
+          <a:bodyPr wrap="square" rtlCol="0">
+            <a:spAutoFit/>
+          </a:bodyPr>
+          <a:lstStyle/>
+          <a:p>
+            <a:pPr algn="ctr"/>
+            <a:r>
+              <a:rPr lang="en-US" sz="1400" dirty="0">
+                <a:solidFill>
+                  <a:srgbClr val="360084"/>
+                </a:solidFill>
+              </a:rPr>
+              <a:t>Stride = 8</a:t>
+            </a:r>
+          </a:p>
+        </p:txBody>
+      </p:sp>
+      <p:sp>
+        <p:nvSpPr>
+          <p:cNvPr id="5" name="TextBox 4">
+            <a:extLst>
+              <a:ext uri="{FF2B5EF4-FFF2-40B4-BE49-F238E27FC236}">
+                <a16:creationId xmlns:a16="http://schemas.microsoft.com/office/drawing/2014/main" id="{1850FFC2-4AD6-89CE-B862-B72E85983FF1}"/>
+              </a:ext>
+            </a:extLst>
+          </p:cNvPr>
+          <p:cNvSpPr txBox="1"/>
+          <p:nvPr/>
+        </p:nvSpPr>
+        <p:spPr>
+          <a:xfrm>
+            <a:off x="9290460" y="5418713"/>
+            <a:ext cx="1341215" cy="307777"/>
+          </a:xfrm>
+          <a:prstGeom prst="rect">
+            <a:avLst/>
+          </a:prstGeom>
+          <a:noFill/>
+          <a:ln>
+            <a:noFill/>
+          </a:ln>
+        </p:spPr>
+        <p:txBody>
+          <a:bodyPr wrap="square" rtlCol="0">
+            <a:spAutoFit/>
+          </a:bodyPr>
+          <a:lstStyle/>
+          <a:p>
+            <a:r>
+              <a:rPr lang="en-US" sz="1400" dirty="0"/>
+              <a:t>Block length = 4</a:t>
+            </a:r>
+          </a:p>
+        </p:txBody>
+      </p:sp>
+      <p:sp>
+        <p:nvSpPr>
+          <p:cNvPr id="6" name="TextBox 5">
+            <a:extLst>
+              <a:ext uri="{FF2B5EF4-FFF2-40B4-BE49-F238E27FC236}">
+                <a16:creationId xmlns:a16="http://schemas.microsoft.com/office/drawing/2014/main" id="{337D0022-B88E-9502-AB7A-052DF3ABEF1F}"/>
+              </a:ext>
+            </a:extLst>
+          </p:cNvPr>
+          <p:cNvSpPr txBox="1"/>
+          <p:nvPr/>
+        </p:nvSpPr>
+        <p:spPr>
+          <a:xfrm>
+            <a:off x="9290459" y="4618824"/>
+            <a:ext cx="1279541" cy="307777"/>
+          </a:xfrm>
+          <a:prstGeom prst="rect">
+            <a:avLst/>
+          </a:prstGeom>
+          <a:noFill/>
+          <a:ln>
+            <a:noFill/>
+          </a:ln>
+        </p:spPr>
+        <p:txBody>
+          <a:bodyPr wrap="square" rtlCol="0">
+            <a:spAutoFit/>
+          </a:bodyPr>
+          <a:lstStyle/>
+          <a:p>
+            <a:pPr algn="ctr"/>
+            <a:r>
+              <a:rPr lang="en-US" sz="1400" dirty="0"/>
+              <a:t>Count = 2</a:t>
+            </a:r>
+          </a:p>
+        </p:txBody>
+      </p:sp>
+      <p:sp>
+        <p:nvSpPr>
+          <p:cNvPr id="7" name="TextBox 6">
+            <a:extLst>
+              <a:ext uri="{FF2B5EF4-FFF2-40B4-BE49-F238E27FC236}">
+                <a16:creationId xmlns:a16="http://schemas.microsoft.com/office/drawing/2014/main" id="{CB40B6D5-BC7D-FA08-AE47-593116E1F200}"/>
+              </a:ext>
+            </a:extLst>
+          </p:cNvPr>
+          <p:cNvSpPr txBox="1"/>
+          <p:nvPr/>
+        </p:nvSpPr>
+        <p:spPr>
+          <a:xfrm>
+            <a:off x="6736411" y="4490112"/>
+            <a:ext cx="2559597" cy="307777"/>
+          </a:xfrm>
+          <a:prstGeom prst="rect">
+            <a:avLst/>
+          </a:prstGeom>
+          <a:noFill/>
+          <a:ln>
+            <a:noFill/>
+          </a:ln>
+        </p:spPr>
+        <p:txBody>
+          <a:bodyPr wrap="square" rtlCol="0">
+            <a:spAutoFit/>
+          </a:bodyPr>
+          <a:lstStyle/>
+          <a:p>
+            <a:pPr algn="ctr"/>
+            <a:r>
+              <a:rPr lang="en-US" sz="1400"/>
+              <a:t>Stride = 8</a:t>
+            </a:r>
+            <a:endParaRPr lang="en-US" sz="1400" dirty="0"/>
+          </a:p>
+        </p:txBody>
+      </p:sp>
+      <p:sp>
+        <p:nvSpPr>
+          <p:cNvPr id="8" name="Rectangle 7">
+            <a:extLst>
+              <a:ext uri="{FF2B5EF4-FFF2-40B4-BE49-F238E27FC236}">
+                <a16:creationId xmlns:a16="http://schemas.microsoft.com/office/drawing/2014/main" id="{54686C0B-DC81-CEC0-5503-15F3681CD565}"/>
+              </a:ext>
+            </a:extLst>
+          </p:cNvPr>
+          <p:cNvSpPr/>
+          <p:nvPr/>
+        </p:nvSpPr>
+        <p:spPr>
+          <a:xfrm>
+            <a:off x="6713253" y="4950890"/>
+            <a:ext cx="322151" cy="272753"/>
+          </a:xfrm>
+          <a:prstGeom prst="rect">
+            <a:avLst/>
+          </a:prstGeom>
+          <a:solidFill>
+            <a:srgbClr val="F2EFF6"/>
+          </a:solidFill>
+          <a:ln>
+            <a:solidFill>
+              <a:srgbClr val="360084"/>
+            </a:solidFill>
+          </a:ln>
+        </p:spPr>
+        <p:style>
+          <a:lnRef idx="2">
+            <a:schemeClr val="accent1">
+              <a:shade val="15000"/>
+            </a:schemeClr>
+          </a:lnRef>
+          <a:fillRef idx="1">
+            <a:schemeClr val="accent1"/>
+          </a:fillRef>
+          <a:effectRef idx="0">
+            <a:schemeClr val="accent1"/>
+          </a:effectRef>
+          <a:fontRef idx="minor">
+            <a:schemeClr val="lt1"/>
+          </a:fontRef>
+        </p:style>
+        <p:txBody>
+          <a:bodyPr rtlCol="0" anchor="ctr"/>
+          <a:lstStyle/>
+          <a:p>
+            <a:pPr algn="ctr"/>
+            <a:r>
+              <a:rPr lang="en-US" sz="800" dirty="0">
+                <a:solidFill>
+                  <a:schemeClr val="tx1"/>
+                </a:solidFill>
+              </a:rPr>
+              <a:t>1</a:t>
+            </a:r>
+          </a:p>
+        </p:txBody>
+      </p:sp>
+      <p:sp>
+        <p:nvSpPr>
+          <p:cNvPr id="9" name="Rectangle 8">
+            <a:extLst>
+              <a:ext uri="{FF2B5EF4-FFF2-40B4-BE49-F238E27FC236}">
+                <a16:creationId xmlns:a16="http://schemas.microsoft.com/office/drawing/2014/main" id="{F52B11F9-5FD7-9265-5B6C-4B231E419682}"/>
+              </a:ext>
+            </a:extLst>
+          </p:cNvPr>
+          <p:cNvSpPr/>
+          <p:nvPr/>
+        </p:nvSpPr>
+        <p:spPr>
+          <a:xfrm>
+            <a:off x="7035404" y="4950889"/>
+            <a:ext cx="322151" cy="272753"/>
+          </a:xfrm>
+          <a:prstGeom prst="rect">
+            <a:avLst/>
+          </a:prstGeom>
+          <a:solidFill>
+            <a:srgbClr val="F2EFF6"/>
+          </a:solidFill>
+          <a:ln>
+            <a:solidFill>
+              <a:srgbClr val="360084"/>
+            </a:solidFill>
+          </a:ln>
+        </p:spPr>
+        <p:style>
+          <a:lnRef idx="2">
+            <a:schemeClr val="accent1">
+              <a:shade val="15000"/>
+            </a:schemeClr>
+          </a:lnRef>
+          <a:fillRef idx="1">
+            <a:schemeClr val="accent1"/>
+          </a:fillRef>
+          <a:effectRef idx="0">
+            <a:schemeClr val="accent1"/>
+          </a:effectRef>
+          <a:fontRef idx="minor">
+            <a:schemeClr val="lt1"/>
+          </a:fontRef>
+        </p:style>
+        <p:txBody>
+          <a:bodyPr rtlCol="0" anchor="ctr"/>
+          <a:lstStyle/>
+          <a:p>
+            <a:pPr algn="ctr"/>
+            <a:r>
+              <a:rPr lang="en-US" sz="800" dirty="0">
+                <a:solidFill>
+                  <a:schemeClr val="tx1"/>
+                </a:solidFill>
+              </a:rPr>
+              <a:t>2</a:t>
+            </a:r>
+          </a:p>
+        </p:txBody>
+      </p:sp>
+      <p:sp>
+        <p:nvSpPr>
+          <p:cNvPr id="10" name="Rectangle 9">
+            <a:extLst>
+              <a:ext uri="{FF2B5EF4-FFF2-40B4-BE49-F238E27FC236}">
+                <a16:creationId xmlns:a16="http://schemas.microsoft.com/office/drawing/2014/main" id="{A80F3F74-3B7C-0C76-D5DC-F90339520B9E}"/>
+              </a:ext>
+            </a:extLst>
+          </p:cNvPr>
+          <p:cNvSpPr/>
+          <p:nvPr/>
+        </p:nvSpPr>
+        <p:spPr>
+          <a:xfrm>
+            <a:off x="7357555" y="4950888"/>
+            <a:ext cx="322151" cy="272753"/>
+          </a:xfrm>
+          <a:prstGeom prst="rect">
+            <a:avLst/>
+          </a:prstGeom>
+          <a:solidFill>
+            <a:srgbClr val="F2EFF6"/>
+          </a:solidFill>
+          <a:ln>
+            <a:solidFill>
+              <a:srgbClr val="360084"/>
+            </a:solidFill>
+          </a:ln>
+        </p:spPr>
+        <p:style>
+          <a:lnRef idx="2">
+            <a:schemeClr val="accent1">
+              <a:shade val="15000"/>
+            </a:schemeClr>
+          </a:lnRef>
+          <a:fillRef idx="1">
+            <a:schemeClr val="accent1"/>
+          </a:fillRef>
+          <a:effectRef idx="0">
+            <a:schemeClr val="accent1"/>
+          </a:effectRef>
+          <a:fontRef idx="minor">
+            <a:schemeClr val="lt1"/>
+          </a:fontRef>
+        </p:style>
+        <p:txBody>
+          <a:bodyPr rtlCol="0" anchor="ctr"/>
+          <a:lstStyle/>
+          <a:p>
+            <a:pPr algn="ctr"/>
+            <a:r>
+              <a:rPr lang="en-US" sz="800" dirty="0">
+                <a:solidFill>
+                  <a:schemeClr val="tx1"/>
+                </a:solidFill>
+              </a:rPr>
+              <a:t>3</a:t>
+            </a:r>
+          </a:p>
+        </p:txBody>
+      </p:sp>
+      <p:sp>
+        <p:nvSpPr>
+          <p:cNvPr id="11" name="Rectangle 10">
+            <a:extLst>
+              <a:ext uri="{FF2B5EF4-FFF2-40B4-BE49-F238E27FC236}">
+                <a16:creationId xmlns:a16="http://schemas.microsoft.com/office/drawing/2014/main" id="{8C2584E2-8752-B93A-0125-0FE85DBB66DD}"/>
+              </a:ext>
+            </a:extLst>
+          </p:cNvPr>
+          <p:cNvSpPr/>
+          <p:nvPr/>
+        </p:nvSpPr>
+        <p:spPr>
+          <a:xfrm>
+            <a:off x="10579061" y="4950882"/>
+            <a:ext cx="322151" cy="272753"/>
+          </a:xfrm>
+          <a:prstGeom prst="rect">
+            <a:avLst/>
+          </a:prstGeom>
+          <a:solidFill>
+            <a:srgbClr val="FAFDF0"/>
+          </a:solidFill>
+          <a:ln>
+            <a:solidFill>
+              <a:srgbClr val="DDF08B"/>
+            </a:solidFill>
+          </a:ln>
+        </p:spPr>
+        <p:style>
+          <a:lnRef idx="2">
+            <a:schemeClr val="accent1">
+              <a:shade val="15000"/>
+            </a:schemeClr>
+          </a:lnRef>
+          <a:fillRef idx="1">
+            <a:schemeClr val="accent1"/>
+          </a:fillRef>
+          <a:effectRef idx="0">
+            <a:schemeClr val="accent1"/>
+          </a:effectRef>
+          <a:fontRef idx="minor">
+            <a:schemeClr val="lt1"/>
+          </a:fontRef>
+        </p:style>
+        <p:txBody>
+          <a:bodyPr rtlCol="0" anchor="ctr"/>
+          <a:lstStyle/>
+          <a:p>
+            <a:pPr algn="ctr"/>
+            <a:r>
+              <a:rPr lang="en-US" sz="800" dirty="0">
+                <a:solidFill>
+                  <a:schemeClr val="tx1"/>
+                </a:solidFill>
+              </a:rPr>
+              <a:t>13</a:t>
+            </a:r>
+          </a:p>
+        </p:txBody>
+      </p:sp>
+      <p:sp>
+        <p:nvSpPr>
+          <p:cNvPr id="12" name="Rectangle 11">
+            <a:extLst>
+              <a:ext uri="{FF2B5EF4-FFF2-40B4-BE49-F238E27FC236}">
+                <a16:creationId xmlns:a16="http://schemas.microsoft.com/office/drawing/2014/main" id="{798039A4-9565-AA78-1855-F55E765E8E43}"/>
+              </a:ext>
+            </a:extLst>
+          </p:cNvPr>
+          <p:cNvSpPr/>
+          <p:nvPr/>
+        </p:nvSpPr>
+        <p:spPr>
+          <a:xfrm>
+            <a:off x="11545516" y="4950882"/>
+            <a:ext cx="322151" cy="272753"/>
+          </a:xfrm>
+          <a:prstGeom prst="rect">
+            <a:avLst/>
+          </a:prstGeom>
+          <a:solidFill>
+            <a:srgbClr val="FAFDF0"/>
+          </a:solidFill>
+          <a:ln>
+            <a:solidFill>
+              <a:srgbClr val="DDF08B"/>
+            </a:solidFill>
+          </a:ln>
+        </p:spPr>
+        <p:style>
+          <a:lnRef idx="2">
+            <a:schemeClr val="accent1">
+              <a:shade val="15000"/>
+            </a:schemeClr>
+          </a:lnRef>
+          <a:fillRef idx="1">
+            <a:schemeClr val="accent1"/>
+          </a:fillRef>
+          <a:effectRef idx="0">
+            <a:schemeClr val="accent1"/>
+          </a:effectRef>
+          <a:fontRef idx="minor">
+            <a:schemeClr val="lt1"/>
+          </a:fontRef>
+        </p:style>
+        <p:txBody>
+          <a:bodyPr rtlCol="0" anchor="ctr"/>
+          <a:lstStyle/>
+          <a:p>
+            <a:pPr algn="ctr"/>
+            <a:r>
+              <a:rPr lang="en-US" sz="800" dirty="0">
+                <a:solidFill>
+                  <a:schemeClr val="tx1"/>
+                </a:solidFill>
+              </a:rPr>
+              <a:t>16</a:t>
+            </a:r>
+          </a:p>
+        </p:txBody>
+      </p:sp>
+      <p:sp>
+        <p:nvSpPr>
+          <p:cNvPr id="13" name="Rectangle 12">
+            <a:extLst>
+              <a:ext uri="{FF2B5EF4-FFF2-40B4-BE49-F238E27FC236}">
+                <a16:creationId xmlns:a16="http://schemas.microsoft.com/office/drawing/2014/main" id="{688A3179-56D9-D6FC-8B00-94F14E30198B}"/>
+              </a:ext>
+            </a:extLst>
+          </p:cNvPr>
+          <p:cNvSpPr/>
+          <p:nvPr/>
+        </p:nvSpPr>
+        <p:spPr>
+          <a:xfrm>
+            <a:off x="9612611" y="4950885"/>
+            <a:ext cx="322151" cy="272753"/>
+          </a:xfrm>
+          <a:prstGeom prst="rect">
+            <a:avLst/>
+          </a:prstGeom>
+          <a:solidFill>
+            <a:srgbClr val="FDF8EE"/>
+          </a:solidFill>
+          <a:ln>
+            <a:solidFill>
+              <a:srgbClr val="EFC57B"/>
+            </a:solidFill>
+          </a:ln>
+        </p:spPr>
+        <p:style>
+          <a:lnRef idx="2">
+            <a:schemeClr val="accent1">
+              <a:shade val="15000"/>
+            </a:schemeClr>
+          </a:lnRef>
+          <a:fillRef idx="1">
+            <a:schemeClr val="accent1"/>
+          </a:fillRef>
+          <a:effectRef idx="0">
+            <a:schemeClr val="accent1"/>
+          </a:effectRef>
+          <a:fontRef idx="minor">
+            <a:schemeClr val="lt1"/>
+          </a:fontRef>
+        </p:style>
+        <p:txBody>
+          <a:bodyPr rtlCol="0" anchor="ctr"/>
+          <a:lstStyle/>
+          <a:p>
+            <a:pPr algn="ctr"/>
+            <a:r>
+              <a:rPr lang="en-US" sz="800" dirty="0">
+                <a:solidFill>
+                  <a:schemeClr val="tx1"/>
+                </a:solidFill>
+              </a:rPr>
+              <a:t>10</a:t>
+            </a:r>
+          </a:p>
+        </p:txBody>
+      </p:sp>
+      <p:sp>
+        <p:nvSpPr>
+          <p:cNvPr id="14" name="Rectangle 13">
+            <a:extLst>
+              <a:ext uri="{FF2B5EF4-FFF2-40B4-BE49-F238E27FC236}">
+                <a16:creationId xmlns:a16="http://schemas.microsoft.com/office/drawing/2014/main" id="{1F90F9C9-D111-3F94-3A36-F6814518F51F}"/>
+              </a:ext>
+            </a:extLst>
+          </p:cNvPr>
+          <p:cNvSpPr/>
+          <p:nvPr/>
+        </p:nvSpPr>
+        <p:spPr>
+          <a:xfrm>
+            <a:off x="9934762" y="4950884"/>
+            <a:ext cx="322151" cy="272753"/>
+          </a:xfrm>
+          <a:prstGeom prst="rect">
+            <a:avLst/>
+          </a:prstGeom>
+          <a:solidFill>
+            <a:srgbClr val="FDF8EE"/>
+          </a:solidFill>
+          <a:ln>
+            <a:solidFill>
+              <a:srgbClr val="EFC57B"/>
+            </a:solidFill>
+          </a:ln>
+        </p:spPr>
+        <p:style>
+          <a:lnRef idx="2">
+            <a:schemeClr val="accent1">
+              <a:shade val="15000"/>
+            </a:schemeClr>
+          </a:lnRef>
+          <a:fillRef idx="1">
+            <a:schemeClr val="accent1"/>
+          </a:fillRef>
+          <a:effectRef idx="0">
+            <a:schemeClr val="accent1"/>
+          </a:effectRef>
+          <a:fontRef idx="minor">
+            <a:schemeClr val="lt1"/>
+          </a:fontRef>
+        </p:style>
+        <p:txBody>
+          <a:bodyPr rtlCol="0" anchor="ctr"/>
+          <a:lstStyle/>
+          <a:p>
+            <a:pPr algn="ctr"/>
+            <a:r>
+              <a:rPr lang="en-US" sz="800" dirty="0">
+                <a:solidFill>
+                  <a:schemeClr val="tx1"/>
+                </a:solidFill>
+              </a:rPr>
+              <a:t>11</a:t>
+            </a:r>
+          </a:p>
+        </p:txBody>
+      </p:sp>
+      <p:sp>
+        <p:nvSpPr>
+          <p:cNvPr id="15" name="Rectangle 14">
+            <a:extLst>
+              <a:ext uri="{FF2B5EF4-FFF2-40B4-BE49-F238E27FC236}">
+                <a16:creationId xmlns:a16="http://schemas.microsoft.com/office/drawing/2014/main" id="{C78D187D-F3A6-7993-E7FC-7B539B4C0357}"/>
+              </a:ext>
+            </a:extLst>
+          </p:cNvPr>
+          <p:cNvSpPr/>
+          <p:nvPr/>
+        </p:nvSpPr>
+        <p:spPr>
+          <a:xfrm>
+            <a:off x="10901214" y="4950883"/>
+            <a:ext cx="322151" cy="272753"/>
+          </a:xfrm>
+          <a:prstGeom prst="rect">
+            <a:avLst/>
+          </a:prstGeom>
+          <a:solidFill>
+            <a:srgbClr val="FAFDF0"/>
+          </a:solidFill>
+          <a:ln>
+            <a:solidFill>
+              <a:srgbClr val="DDF08B"/>
+            </a:solidFill>
+          </a:ln>
+        </p:spPr>
+        <p:style>
+          <a:lnRef idx="2">
+            <a:schemeClr val="accent1">
+              <a:shade val="15000"/>
+            </a:schemeClr>
+          </a:lnRef>
+          <a:fillRef idx="1">
+            <a:schemeClr val="accent1"/>
+          </a:fillRef>
+          <a:effectRef idx="0">
+            <a:schemeClr val="accent1"/>
+          </a:effectRef>
+          <a:fontRef idx="minor">
+            <a:schemeClr val="lt1"/>
+          </a:fontRef>
+        </p:style>
+        <p:txBody>
+          <a:bodyPr rtlCol="0" anchor="ctr"/>
+          <a:lstStyle/>
+          <a:p>
+            <a:pPr algn="ctr"/>
+            <a:r>
+              <a:rPr lang="en-US" sz="800" dirty="0">
+                <a:solidFill>
+                  <a:schemeClr val="tx1"/>
+                </a:solidFill>
+              </a:rPr>
+              <a:t>14</a:t>
+            </a:r>
+          </a:p>
+        </p:txBody>
+      </p:sp>
+      <p:sp>
+        <p:nvSpPr>
+          <p:cNvPr id="16" name="Rectangle 15">
+            <a:extLst>
+              <a:ext uri="{FF2B5EF4-FFF2-40B4-BE49-F238E27FC236}">
+                <a16:creationId xmlns:a16="http://schemas.microsoft.com/office/drawing/2014/main" id="{07FC84F8-C37E-BB31-D76E-2B977456ED52}"/>
+              </a:ext>
+            </a:extLst>
+          </p:cNvPr>
+          <p:cNvSpPr/>
+          <p:nvPr/>
+        </p:nvSpPr>
+        <p:spPr>
+          <a:xfrm>
+            <a:off x="11223365" y="4950882"/>
+            <a:ext cx="322151" cy="272753"/>
+          </a:xfrm>
+          <a:prstGeom prst="rect">
+            <a:avLst/>
+          </a:prstGeom>
+          <a:solidFill>
+            <a:srgbClr val="FAFDF0"/>
+          </a:solidFill>
+          <a:ln>
+            <a:solidFill>
+              <a:srgbClr val="DDF08B"/>
+            </a:solidFill>
+          </a:ln>
+        </p:spPr>
+        <p:style>
+          <a:lnRef idx="2">
+            <a:schemeClr val="accent1">
+              <a:shade val="15000"/>
+            </a:schemeClr>
+          </a:lnRef>
+          <a:fillRef idx="1">
+            <a:schemeClr val="accent1"/>
+          </a:fillRef>
+          <a:effectRef idx="0">
+            <a:schemeClr val="accent1"/>
+          </a:effectRef>
+          <a:fontRef idx="minor">
+            <a:schemeClr val="lt1"/>
+          </a:fontRef>
+        </p:style>
+        <p:txBody>
+          <a:bodyPr rtlCol="0" anchor="ctr"/>
+          <a:lstStyle/>
+          <a:p>
+            <a:pPr algn="ctr"/>
+            <a:r>
+              <a:rPr lang="en-US" sz="800" dirty="0">
+                <a:solidFill>
+                  <a:schemeClr val="tx1"/>
+                </a:solidFill>
+              </a:rPr>
+              <a:t>15</a:t>
+            </a:r>
+          </a:p>
+        </p:txBody>
+      </p:sp>
+      <p:sp>
+        <p:nvSpPr>
+          <p:cNvPr id="17" name="Rectangle 16">
+            <a:extLst>
+              <a:ext uri="{FF2B5EF4-FFF2-40B4-BE49-F238E27FC236}">
+                <a16:creationId xmlns:a16="http://schemas.microsoft.com/office/drawing/2014/main" id="{D7CC6CEC-1109-7597-B9CB-76A49CCFCCBD}"/>
+              </a:ext>
+            </a:extLst>
+          </p:cNvPr>
+          <p:cNvSpPr/>
+          <p:nvPr/>
+        </p:nvSpPr>
+        <p:spPr>
+          <a:xfrm>
+            <a:off x="10256913" y="4950884"/>
+            <a:ext cx="322151" cy="272753"/>
+          </a:xfrm>
+          <a:prstGeom prst="rect">
+            <a:avLst/>
+          </a:prstGeom>
+          <a:solidFill>
+            <a:srgbClr val="FDF8EE"/>
+          </a:solidFill>
+          <a:ln>
+            <a:solidFill>
+              <a:srgbClr val="EFC57B"/>
+            </a:solidFill>
+          </a:ln>
+        </p:spPr>
+        <p:style>
+          <a:lnRef idx="2">
+            <a:schemeClr val="accent1">
+              <a:shade val="15000"/>
+            </a:schemeClr>
+          </a:lnRef>
+          <a:fillRef idx="1">
+            <a:schemeClr val="accent1"/>
+          </a:fillRef>
+          <a:effectRef idx="0">
+            <a:schemeClr val="accent1"/>
+          </a:effectRef>
+          <a:fontRef idx="minor">
+            <a:schemeClr val="lt1"/>
+          </a:fontRef>
+        </p:style>
+        <p:txBody>
+          <a:bodyPr rtlCol="0" anchor="ctr"/>
+          <a:lstStyle/>
+          <a:p>
+            <a:pPr algn="ctr"/>
+            <a:r>
+              <a:rPr lang="en-US" sz="800" dirty="0">
+                <a:solidFill>
+                  <a:schemeClr val="tx1"/>
+                </a:solidFill>
+              </a:rPr>
+              <a:t>12</a:t>
+            </a:r>
+          </a:p>
+        </p:txBody>
+      </p:sp>
+      <p:sp>
+        <p:nvSpPr>
+          <p:cNvPr id="18" name="Rectangle 17">
+            <a:extLst>
+              <a:ext uri="{FF2B5EF4-FFF2-40B4-BE49-F238E27FC236}">
+                <a16:creationId xmlns:a16="http://schemas.microsoft.com/office/drawing/2014/main" id="{CDB5C682-19AC-C026-7E39-B1FFE0B2B35A}"/>
+              </a:ext>
+            </a:extLst>
+          </p:cNvPr>
+          <p:cNvSpPr/>
+          <p:nvPr/>
+        </p:nvSpPr>
+        <p:spPr>
+          <a:xfrm>
+            <a:off x="8001857" y="4950888"/>
+            <a:ext cx="322151" cy="272753"/>
+          </a:xfrm>
+          <a:prstGeom prst="rect">
+            <a:avLst/>
+          </a:prstGeom>
+          <a:solidFill>
+            <a:srgbClr val="FAFDF0"/>
+          </a:solidFill>
+          <a:ln>
+            <a:solidFill>
+              <a:srgbClr val="DDF08B"/>
+            </a:solidFill>
+          </a:ln>
+        </p:spPr>
+        <p:style>
+          <a:lnRef idx="2">
+            <a:schemeClr val="accent1">
+              <a:shade val="15000"/>
+            </a:schemeClr>
+          </a:lnRef>
+          <a:fillRef idx="1">
+            <a:schemeClr val="accent1"/>
+          </a:fillRef>
+          <a:effectRef idx="0">
+            <a:schemeClr val="accent1"/>
+          </a:effectRef>
+          <a:fontRef idx="minor">
+            <a:schemeClr val="lt1"/>
+          </a:fontRef>
+        </p:style>
+        <p:txBody>
+          <a:bodyPr rtlCol="0" anchor="ctr"/>
+          <a:lstStyle/>
+          <a:p>
+            <a:pPr algn="ctr"/>
+            <a:r>
+              <a:rPr lang="en-US" sz="800" dirty="0">
+                <a:solidFill>
+                  <a:schemeClr val="tx1"/>
+                </a:solidFill>
+              </a:rPr>
+              <a:t>5</a:t>
+            </a:r>
+          </a:p>
+        </p:txBody>
+      </p:sp>
+      <p:sp>
+        <p:nvSpPr>
+          <p:cNvPr id="19" name="Rectangle 18">
+            <a:extLst>
+              <a:ext uri="{FF2B5EF4-FFF2-40B4-BE49-F238E27FC236}">
+                <a16:creationId xmlns:a16="http://schemas.microsoft.com/office/drawing/2014/main" id="{90ABEBCD-C932-0FF9-8FB1-28B36DF08CDF}"/>
+              </a:ext>
+            </a:extLst>
+          </p:cNvPr>
+          <p:cNvSpPr/>
+          <p:nvPr/>
+        </p:nvSpPr>
+        <p:spPr>
+          <a:xfrm>
+            <a:off x="8968310" y="4950886"/>
+            <a:ext cx="322151" cy="272753"/>
+          </a:xfrm>
+          <a:prstGeom prst="rect">
+            <a:avLst/>
+          </a:prstGeom>
+          <a:solidFill>
+            <a:srgbClr val="FAFDF0"/>
+          </a:solidFill>
+          <a:ln>
+            <a:solidFill>
+              <a:srgbClr val="DDF08B"/>
+            </a:solidFill>
+          </a:ln>
+        </p:spPr>
+        <p:style>
+          <a:lnRef idx="2">
+            <a:schemeClr val="accent1">
+              <a:shade val="15000"/>
+            </a:schemeClr>
+          </a:lnRef>
+          <a:fillRef idx="1">
+            <a:schemeClr val="accent1"/>
+          </a:fillRef>
+          <a:effectRef idx="0">
+            <a:schemeClr val="accent1"/>
+          </a:effectRef>
+          <a:fontRef idx="minor">
+            <a:schemeClr val="lt1"/>
+          </a:fontRef>
+        </p:style>
+        <p:txBody>
+          <a:bodyPr rtlCol="0" anchor="ctr"/>
+          <a:lstStyle/>
+          <a:p>
+            <a:pPr algn="ctr"/>
+            <a:r>
+              <a:rPr lang="en-US" sz="800" dirty="0">
+                <a:solidFill>
+                  <a:schemeClr val="tx1"/>
+                </a:solidFill>
+              </a:rPr>
+              <a:t>8</a:t>
+            </a:r>
+          </a:p>
+        </p:txBody>
+      </p:sp>
+      <p:sp>
+        <p:nvSpPr>
+          <p:cNvPr id="20" name="Rectangle 19">
+            <a:extLst>
+              <a:ext uri="{FF2B5EF4-FFF2-40B4-BE49-F238E27FC236}">
+                <a16:creationId xmlns:a16="http://schemas.microsoft.com/office/drawing/2014/main" id="{506B76BB-CBEB-7A1C-BC08-B8972EB3EB1A}"/>
+              </a:ext>
+            </a:extLst>
+          </p:cNvPr>
+          <p:cNvSpPr/>
+          <p:nvPr/>
+        </p:nvSpPr>
+        <p:spPr>
+          <a:xfrm>
+            <a:off x="8324008" y="4950887"/>
+            <a:ext cx="322151" cy="272753"/>
+          </a:xfrm>
+          <a:prstGeom prst="rect">
+            <a:avLst/>
+          </a:prstGeom>
+          <a:solidFill>
+            <a:srgbClr val="FAFDF0"/>
+          </a:solidFill>
+          <a:ln>
+            <a:solidFill>
+              <a:srgbClr val="DDF08B"/>
+            </a:solidFill>
+          </a:ln>
+        </p:spPr>
+        <p:style>
+          <a:lnRef idx="2">
+            <a:schemeClr val="accent1">
+              <a:shade val="15000"/>
+            </a:schemeClr>
+          </a:lnRef>
+          <a:fillRef idx="1">
+            <a:schemeClr val="accent1"/>
+          </a:fillRef>
+          <a:effectRef idx="0">
+            <a:schemeClr val="accent1"/>
+          </a:effectRef>
+          <a:fontRef idx="minor">
+            <a:schemeClr val="lt1"/>
+          </a:fontRef>
+        </p:style>
+        <p:txBody>
+          <a:bodyPr rtlCol="0" anchor="ctr"/>
+          <a:lstStyle/>
+          <a:p>
+            <a:pPr algn="ctr"/>
+            <a:r>
+              <a:rPr lang="en-US" sz="800" dirty="0">
+                <a:solidFill>
+                  <a:schemeClr val="tx1"/>
+                </a:solidFill>
+              </a:rPr>
+              <a:t>6</a:t>
+            </a:r>
+          </a:p>
+        </p:txBody>
+      </p:sp>
+      <p:sp>
+        <p:nvSpPr>
+          <p:cNvPr id="21" name="Rectangle 20">
+            <a:extLst>
+              <a:ext uri="{FF2B5EF4-FFF2-40B4-BE49-F238E27FC236}">
+                <a16:creationId xmlns:a16="http://schemas.microsoft.com/office/drawing/2014/main" id="{E4FE25DA-C62D-D5E3-69A4-B90117DF2D5E}"/>
+              </a:ext>
+            </a:extLst>
+          </p:cNvPr>
+          <p:cNvSpPr/>
+          <p:nvPr/>
+        </p:nvSpPr>
+        <p:spPr>
+          <a:xfrm>
+            <a:off x="8646159" y="4950886"/>
+            <a:ext cx="322151" cy="272753"/>
+          </a:xfrm>
+          <a:prstGeom prst="rect">
+            <a:avLst/>
+          </a:prstGeom>
+          <a:solidFill>
+            <a:srgbClr val="FAFDF0"/>
+          </a:solidFill>
+          <a:ln>
+            <a:solidFill>
+              <a:srgbClr val="DDF08B"/>
+            </a:solidFill>
+          </a:ln>
+        </p:spPr>
+        <p:style>
+          <a:lnRef idx="2">
+            <a:schemeClr val="accent1">
+              <a:shade val="15000"/>
+            </a:schemeClr>
+          </a:lnRef>
+          <a:fillRef idx="1">
+            <a:schemeClr val="accent1"/>
+          </a:fillRef>
+          <a:effectRef idx="0">
+            <a:schemeClr val="accent1"/>
+          </a:effectRef>
+          <a:fontRef idx="minor">
+            <a:schemeClr val="lt1"/>
+          </a:fontRef>
+        </p:style>
+        <p:txBody>
+          <a:bodyPr rtlCol="0" anchor="ctr"/>
+          <a:lstStyle/>
+          <a:p>
+            <a:pPr algn="ctr"/>
+            <a:r>
+              <a:rPr lang="en-US" sz="800" dirty="0">
+                <a:solidFill>
+                  <a:schemeClr val="tx1"/>
+                </a:solidFill>
+              </a:rPr>
+              <a:t>7</a:t>
+            </a:r>
+          </a:p>
+        </p:txBody>
+      </p:sp>
+      <p:sp>
+        <p:nvSpPr>
+          <p:cNvPr id="22" name="Rectangle 21">
+            <a:extLst>
+              <a:ext uri="{FF2B5EF4-FFF2-40B4-BE49-F238E27FC236}">
+                <a16:creationId xmlns:a16="http://schemas.microsoft.com/office/drawing/2014/main" id="{7772F239-F37D-02A9-868B-979E2E6191A7}"/>
+              </a:ext>
+            </a:extLst>
+          </p:cNvPr>
+          <p:cNvSpPr/>
+          <p:nvPr/>
+        </p:nvSpPr>
+        <p:spPr>
+          <a:xfrm>
+            <a:off x="7679706" y="4950888"/>
+            <a:ext cx="322151" cy="272753"/>
+          </a:xfrm>
+          <a:prstGeom prst="rect">
+            <a:avLst/>
+          </a:prstGeom>
+          <a:solidFill>
+            <a:srgbClr val="F2EFF6"/>
+          </a:solidFill>
+          <a:ln>
+            <a:solidFill>
+              <a:srgbClr val="360084"/>
+            </a:solidFill>
+          </a:ln>
+        </p:spPr>
+        <p:style>
+          <a:lnRef idx="2">
+            <a:schemeClr val="accent1">
+              <a:shade val="15000"/>
+            </a:schemeClr>
+          </a:lnRef>
+          <a:fillRef idx="1">
+            <a:schemeClr val="accent1"/>
+          </a:fillRef>
+          <a:effectRef idx="0">
+            <a:schemeClr val="accent1"/>
+          </a:effectRef>
+          <a:fontRef idx="minor">
+            <a:schemeClr val="lt1"/>
+          </a:fontRef>
+        </p:style>
+        <p:txBody>
+          <a:bodyPr rtlCol="0" anchor="ctr"/>
+          <a:lstStyle/>
+          <a:p>
+            <a:pPr algn="ctr"/>
+            <a:r>
+              <a:rPr lang="en-US" sz="800" dirty="0">
+                <a:solidFill>
+                  <a:schemeClr val="tx1"/>
+                </a:solidFill>
+              </a:rPr>
+              <a:t>4</a:t>
+            </a:r>
+          </a:p>
+        </p:txBody>
+      </p:sp>
+      <p:sp>
+        <p:nvSpPr>
+          <p:cNvPr id="23" name="Rectangle 22">
+            <a:extLst>
+              <a:ext uri="{FF2B5EF4-FFF2-40B4-BE49-F238E27FC236}">
+                <a16:creationId xmlns:a16="http://schemas.microsoft.com/office/drawing/2014/main" id="{FC728F9B-28F3-48AF-21D6-157A652D25F2}"/>
+              </a:ext>
+            </a:extLst>
+          </p:cNvPr>
+          <p:cNvSpPr/>
+          <p:nvPr/>
+        </p:nvSpPr>
+        <p:spPr>
+          <a:xfrm>
+            <a:off x="9290460" y="4950886"/>
+            <a:ext cx="322151" cy="272753"/>
+          </a:xfrm>
+          <a:prstGeom prst="rect">
+            <a:avLst/>
+          </a:prstGeom>
+          <a:solidFill>
+            <a:srgbClr val="FDF8EE"/>
+          </a:solidFill>
+          <a:ln>
+            <a:solidFill>
+              <a:srgbClr val="EFC57B"/>
+            </a:solidFill>
+          </a:ln>
+        </p:spPr>
+        <p:style>
+          <a:lnRef idx="2">
+            <a:schemeClr val="accent1">
+              <a:shade val="15000"/>
+            </a:schemeClr>
+          </a:lnRef>
+          <a:fillRef idx="1">
+            <a:schemeClr val="accent1"/>
+          </a:fillRef>
+          <a:effectRef idx="0">
+            <a:schemeClr val="accent1"/>
+          </a:effectRef>
+          <a:fontRef idx="minor">
+            <a:schemeClr val="lt1"/>
+          </a:fontRef>
+        </p:style>
+        <p:txBody>
+          <a:bodyPr rtlCol="0" anchor="ctr"/>
+          <a:lstStyle/>
+          <a:p>
+            <a:pPr algn="ctr"/>
+            <a:r>
+              <a:rPr lang="en-US" sz="800" dirty="0">
+                <a:solidFill>
+                  <a:schemeClr val="tx1"/>
+                </a:solidFill>
+              </a:rPr>
+              <a:t>9</a:t>
+            </a:r>
+          </a:p>
+        </p:txBody>
+      </p:sp>
+      <p:sp>
+        <p:nvSpPr>
+          <p:cNvPr id="24" name="Rectangle 23">
+            <a:extLst>
+              <a:ext uri="{FF2B5EF4-FFF2-40B4-BE49-F238E27FC236}">
+                <a16:creationId xmlns:a16="http://schemas.microsoft.com/office/drawing/2014/main" id="{C6B83C7C-F293-F5B2-0701-81CDF48FAC22}"/>
+              </a:ext>
+            </a:extLst>
+          </p:cNvPr>
+          <p:cNvSpPr/>
+          <p:nvPr/>
+        </p:nvSpPr>
+        <p:spPr>
+          <a:xfrm>
+            <a:off x="5271804" y="5347134"/>
+            <a:ext cx="322151" cy="272753"/>
+          </a:xfrm>
+          <a:prstGeom prst="rect">
+            <a:avLst/>
+          </a:prstGeom>
+          <a:solidFill>
+            <a:srgbClr val="FAFDF0"/>
+          </a:solidFill>
+          <a:ln>
+            <a:solidFill>
+              <a:srgbClr val="DDF08B"/>
+            </a:solidFill>
+          </a:ln>
+        </p:spPr>
+        <p:style>
+          <a:lnRef idx="2">
+            <a:schemeClr val="accent1">
+              <a:shade val="15000"/>
+            </a:schemeClr>
+          </a:lnRef>
+          <a:fillRef idx="1">
+            <a:schemeClr val="accent1"/>
+          </a:fillRef>
+          <a:effectRef idx="0">
+            <a:schemeClr val="accent1"/>
+          </a:effectRef>
+          <a:fontRef idx="minor">
+            <a:schemeClr val="lt1"/>
+          </a:fontRef>
+        </p:style>
+        <p:txBody>
+          <a:bodyPr rtlCol="0" anchor="ctr"/>
+          <a:lstStyle/>
+          <a:p>
+            <a:pPr algn="ctr"/>
+            <a:r>
+              <a:rPr lang="en-US" sz="800" dirty="0">
+                <a:solidFill>
+                  <a:schemeClr val="tx1"/>
+                </a:solidFill>
+              </a:rPr>
+              <a:t>13</a:t>
+            </a:r>
+          </a:p>
+        </p:txBody>
+      </p:sp>
+      <p:sp>
+        <p:nvSpPr>
+          <p:cNvPr id="25" name="Rectangle 24">
+            <a:extLst>
+              <a:ext uri="{FF2B5EF4-FFF2-40B4-BE49-F238E27FC236}">
+                <a16:creationId xmlns:a16="http://schemas.microsoft.com/office/drawing/2014/main" id="{DF35DC19-F67A-051F-2D91-FAB4170AAF41}"/>
+              </a:ext>
+            </a:extLst>
+          </p:cNvPr>
+          <p:cNvSpPr/>
+          <p:nvPr/>
+        </p:nvSpPr>
+        <p:spPr>
+          <a:xfrm>
+            <a:off x="6238259" y="5347134"/>
+            <a:ext cx="322151" cy="272753"/>
+          </a:xfrm>
+          <a:prstGeom prst="rect">
+            <a:avLst/>
+          </a:prstGeom>
+          <a:solidFill>
+            <a:srgbClr val="FAFDF0"/>
+          </a:solidFill>
+          <a:ln>
+            <a:solidFill>
+              <a:srgbClr val="DDF08B"/>
+            </a:solidFill>
+          </a:ln>
+        </p:spPr>
+        <p:style>
+          <a:lnRef idx="2">
+            <a:schemeClr val="accent1">
+              <a:shade val="15000"/>
+            </a:schemeClr>
+          </a:lnRef>
+          <a:fillRef idx="1">
+            <a:schemeClr val="accent1"/>
+          </a:fillRef>
+          <a:effectRef idx="0">
+            <a:schemeClr val="accent1"/>
+          </a:effectRef>
+          <a:fontRef idx="minor">
+            <a:schemeClr val="lt1"/>
+          </a:fontRef>
+        </p:style>
+        <p:txBody>
+          <a:bodyPr rtlCol="0" anchor="ctr"/>
+          <a:lstStyle/>
+          <a:p>
+            <a:pPr algn="ctr"/>
+            <a:r>
+              <a:rPr lang="en-US" sz="800" dirty="0">
+                <a:solidFill>
+                  <a:schemeClr val="tx1"/>
+                </a:solidFill>
+              </a:rPr>
+              <a:t>16</a:t>
+            </a:r>
+          </a:p>
+        </p:txBody>
+      </p:sp>
+      <p:sp>
+        <p:nvSpPr>
+          <p:cNvPr id="26" name="Rectangle 25">
+            <a:extLst>
+              <a:ext uri="{FF2B5EF4-FFF2-40B4-BE49-F238E27FC236}">
+                <a16:creationId xmlns:a16="http://schemas.microsoft.com/office/drawing/2014/main" id="{6EF85E65-9C9B-227C-2081-1F6CC5DA0A37}"/>
+              </a:ext>
+            </a:extLst>
+          </p:cNvPr>
+          <p:cNvSpPr/>
+          <p:nvPr/>
+        </p:nvSpPr>
+        <p:spPr>
+          <a:xfrm>
+            <a:off x="5916108" y="5347134"/>
+            <a:ext cx="322151" cy="272753"/>
+          </a:xfrm>
+          <a:prstGeom prst="rect">
+            <a:avLst/>
+          </a:prstGeom>
+          <a:solidFill>
+            <a:srgbClr val="FAFDF0"/>
+          </a:solidFill>
+          <a:ln>
+            <a:solidFill>
+              <a:srgbClr val="DDF08B"/>
+            </a:solidFill>
+          </a:ln>
+        </p:spPr>
+        <p:style>
+          <a:lnRef idx="2">
+            <a:schemeClr val="accent1">
+              <a:shade val="15000"/>
+            </a:schemeClr>
+          </a:lnRef>
+          <a:fillRef idx="1">
+            <a:schemeClr val="accent1"/>
+          </a:fillRef>
+          <a:effectRef idx="0">
+            <a:schemeClr val="accent1"/>
+          </a:effectRef>
+          <a:fontRef idx="minor">
+            <a:schemeClr val="lt1"/>
+          </a:fontRef>
+        </p:style>
+        <p:txBody>
+          <a:bodyPr rtlCol="0" anchor="ctr"/>
+          <a:lstStyle/>
+          <a:p>
+            <a:pPr algn="ctr"/>
+            <a:r>
+              <a:rPr lang="en-US" sz="800" dirty="0">
+                <a:solidFill>
+                  <a:schemeClr val="tx1"/>
+                </a:solidFill>
+              </a:rPr>
+              <a:t>15</a:t>
+            </a:r>
+          </a:p>
+        </p:txBody>
+      </p:sp>
+      <p:sp>
+        <p:nvSpPr>
+          <p:cNvPr id="27" name="Rectangle 26">
+            <a:extLst>
+              <a:ext uri="{FF2B5EF4-FFF2-40B4-BE49-F238E27FC236}">
+                <a16:creationId xmlns:a16="http://schemas.microsoft.com/office/drawing/2014/main" id="{6A8CD253-C3B5-9232-EC81-E53A96ED5224}"/>
+              </a:ext>
+            </a:extLst>
+          </p:cNvPr>
+          <p:cNvSpPr/>
+          <p:nvPr/>
+        </p:nvSpPr>
+        <p:spPr>
+          <a:xfrm>
+            <a:off x="5593957" y="5347135"/>
+            <a:ext cx="322151" cy="272753"/>
+          </a:xfrm>
+          <a:prstGeom prst="rect">
+            <a:avLst/>
+          </a:prstGeom>
+          <a:solidFill>
+            <a:srgbClr val="FAFDF0"/>
+          </a:solidFill>
+          <a:ln>
+            <a:solidFill>
+              <a:srgbClr val="DDF08B"/>
+            </a:solidFill>
+          </a:ln>
+        </p:spPr>
+        <p:style>
+          <a:lnRef idx="2">
+            <a:schemeClr val="accent1">
+              <a:shade val="15000"/>
+            </a:schemeClr>
+          </a:lnRef>
+          <a:fillRef idx="1">
+            <a:schemeClr val="accent1"/>
+          </a:fillRef>
+          <a:effectRef idx="0">
+            <a:schemeClr val="accent1"/>
+          </a:effectRef>
+          <a:fontRef idx="minor">
+            <a:schemeClr val="lt1"/>
+          </a:fontRef>
+        </p:style>
+        <p:txBody>
+          <a:bodyPr rtlCol="0" anchor="ctr"/>
+          <a:lstStyle/>
+          <a:p>
+            <a:pPr algn="ctr"/>
+            <a:r>
+              <a:rPr lang="en-US" sz="800" dirty="0">
+                <a:solidFill>
+                  <a:schemeClr val="tx1"/>
+                </a:solidFill>
+              </a:rPr>
+              <a:t>14</a:t>
+            </a:r>
+          </a:p>
+        </p:txBody>
+      </p:sp>
+      <p:sp>
+        <p:nvSpPr>
+          <p:cNvPr id="28" name="Rectangle 27">
+            <a:extLst>
+              <a:ext uri="{FF2B5EF4-FFF2-40B4-BE49-F238E27FC236}">
+                <a16:creationId xmlns:a16="http://schemas.microsoft.com/office/drawing/2014/main" id="{200653D6-B5A1-5415-8BEC-04AF3B8A8A77}"/>
+              </a:ext>
+            </a:extLst>
+          </p:cNvPr>
+          <p:cNvSpPr/>
+          <p:nvPr/>
+        </p:nvSpPr>
+        <p:spPr>
+          <a:xfrm>
+            <a:off x="5271805" y="4814513"/>
+            <a:ext cx="322151" cy="272753"/>
+          </a:xfrm>
+          <a:prstGeom prst="rect">
+            <a:avLst/>
+          </a:prstGeom>
+          <a:solidFill>
+            <a:srgbClr val="FAFDF0"/>
+          </a:solidFill>
+          <a:ln>
+            <a:solidFill>
+              <a:srgbClr val="DDF08B"/>
+            </a:solidFill>
+          </a:ln>
+        </p:spPr>
+        <p:style>
+          <a:lnRef idx="2">
+            <a:schemeClr val="accent1">
+              <a:shade val="15000"/>
+            </a:schemeClr>
+          </a:lnRef>
+          <a:fillRef idx="1">
+            <a:schemeClr val="accent1"/>
+          </a:fillRef>
+          <a:effectRef idx="0">
+            <a:schemeClr val="accent1"/>
+          </a:effectRef>
+          <a:fontRef idx="minor">
+            <a:schemeClr val="lt1"/>
+          </a:fontRef>
+        </p:style>
+        <p:txBody>
+          <a:bodyPr rtlCol="0" anchor="ctr"/>
+          <a:lstStyle/>
+          <a:p>
+            <a:pPr algn="ctr"/>
+            <a:r>
+              <a:rPr lang="en-US" sz="800" dirty="0">
+                <a:solidFill>
+                  <a:schemeClr val="tx1"/>
+                </a:solidFill>
+              </a:rPr>
+              <a:t>5</a:t>
+            </a:r>
+          </a:p>
+        </p:txBody>
+      </p:sp>
+      <p:sp>
+        <p:nvSpPr>
+          <p:cNvPr id="29" name="Rectangle 28">
+            <a:extLst>
+              <a:ext uri="{FF2B5EF4-FFF2-40B4-BE49-F238E27FC236}">
+                <a16:creationId xmlns:a16="http://schemas.microsoft.com/office/drawing/2014/main" id="{CE0BD098-EA07-3E81-977D-B5FE9FA2C15E}"/>
+              </a:ext>
+            </a:extLst>
+          </p:cNvPr>
+          <p:cNvSpPr/>
+          <p:nvPr/>
+        </p:nvSpPr>
+        <p:spPr>
+          <a:xfrm>
+            <a:off x="6238258" y="4814511"/>
+            <a:ext cx="322151" cy="272753"/>
+          </a:xfrm>
+          <a:prstGeom prst="rect">
+            <a:avLst/>
+          </a:prstGeom>
+          <a:solidFill>
+            <a:srgbClr val="FAFDF0"/>
+          </a:solidFill>
+          <a:ln>
+            <a:solidFill>
+              <a:srgbClr val="DDF08B"/>
+            </a:solidFill>
+          </a:ln>
+        </p:spPr>
+        <p:style>
+          <a:lnRef idx="2">
+            <a:schemeClr val="accent1">
+              <a:shade val="15000"/>
+            </a:schemeClr>
+          </a:lnRef>
+          <a:fillRef idx="1">
+            <a:schemeClr val="accent1"/>
+          </a:fillRef>
+          <a:effectRef idx="0">
+            <a:schemeClr val="accent1"/>
+          </a:effectRef>
+          <a:fontRef idx="minor">
+            <a:schemeClr val="lt1"/>
+          </a:fontRef>
+        </p:style>
+        <p:txBody>
+          <a:bodyPr rtlCol="0" anchor="ctr"/>
+          <a:lstStyle/>
+          <a:p>
+            <a:pPr algn="ctr"/>
+            <a:r>
+              <a:rPr lang="en-US" sz="800" dirty="0">
+                <a:solidFill>
+                  <a:schemeClr val="tx1"/>
+                </a:solidFill>
+              </a:rPr>
+              <a:t>8</a:t>
+            </a:r>
+          </a:p>
+        </p:txBody>
+      </p:sp>
+      <p:sp>
+        <p:nvSpPr>
+          <p:cNvPr id="30" name="Rectangle 29">
+            <a:extLst>
+              <a:ext uri="{FF2B5EF4-FFF2-40B4-BE49-F238E27FC236}">
+                <a16:creationId xmlns:a16="http://schemas.microsoft.com/office/drawing/2014/main" id="{E3DF6BCE-FC99-1BEF-AD75-7232E32CBAFA}"/>
+              </a:ext>
+            </a:extLst>
+          </p:cNvPr>
+          <p:cNvSpPr/>
+          <p:nvPr/>
+        </p:nvSpPr>
+        <p:spPr>
+          <a:xfrm>
+            <a:off x="5916107" y="4814511"/>
+            <a:ext cx="322151" cy="272753"/>
+          </a:xfrm>
+          <a:prstGeom prst="rect">
+            <a:avLst/>
+          </a:prstGeom>
+          <a:solidFill>
+            <a:srgbClr val="FAFDF0"/>
+          </a:solidFill>
+          <a:ln>
+            <a:solidFill>
+              <a:srgbClr val="DDF08B"/>
+            </a:solidFill>
+          </a:ln>
+        </p:spPr>
+        <p:style>
+          <a:lnRef idx="2">
+            <a:schemeClr val="accent1">
+              <a:shade val="15000"/>
+            </a:schemeClr>
+          </a:lnRef>
+          <a:fillRef idx="1">
+            <a:schemeClr val="accent1"/>
+          </a:fillRef>
+          <a:effectRef idx="0">
+            <a:schemeClr val="accent1"/>
+          </a:effectRef>
+          <a:fontRef idx="minor">
+            <a:schemeClr val="lt1"/>
+          </a:fontRef>
+        </p:style>
+        <p:txBody>
+          <a:bodyPr rtlCol="0" anchor="ctr"/>
+          <a:lstStyle/>
+          <a:p>
+            <a:pPr algn="ctr"/>
+            <a:r>
+              <a:rPr lang="en-US" sz="800" dirty="0">
+                <a:solidFill>
+                  <a:schemeClr val="tx1"/>
+                </a:solidFill>
+              </a:rPr>
+              <a:t>7</a:t>
+            </a:r>
+          </a:p>
+        </p:txBody>
+      </p:sp>
+      <p:sp>
+        <p:nvSpPr>
+          <p:cNvPr id="31" name="Rectangle 30">
+            <a:extLst>
+              <a:ext uri="{FF2B5EF4-FFF2-40B4-BE49-F238E27FC236}">
+                <a16:creationId xmlns:a16="http://schemas.microsoft.com/office/drawing/2014/main" id="{94E021E4-86E6-F4C1-25E3-F099B2649508}"/>
+              </a:ext>
+            </a:extLst>
+          </p:cNvPr>
+          <p:cNvSpPr/>
+          <p:nvPr/>
+        </p:nvSpPr>
+        <p:spPr>
+          <a:xfrm>
+            <a:off x="5593956" y="4814512"/>
+            <a:ext cx="322151" cy="272753"/>
+          </a:xfrm>
+          <a:prstGeom prst="rect">
+            <a:avLst/>
+          </a:prstGeom>
+          <a:solidFill>
+            <a:srgbClr val="FAFDF0"/>
+          </a:solidFill>
+          <a:ln>
+            <a:solidFill>
+              <a:srgbClr val="DDF08B"/>
+            </a:solidFill>
+          </a:ln>
+        </p:spPr>
+        <p:style>
+          <a:lnRef idx="2">
+            <a:schemeClr val="accent1">
+              <a:shade val="15000"/>
+            </a:schemeClr>
+          </a:lnRef>
+          <a:fillRef idx="1">
+            <a:schemeClr val="accent1"/>
+          </a:fillRef>
+          <a:effectRef idx="0">
+            <a:schemeClr val="accent1"/>
+          </a:effectRef>
+          <a:fontRef idx="minor">
+            <a:schemeClr val="lt1"/>
+          </a:fontRef>
+        </p:style>
+        <p:txBody>
+          <a:bodyPr rtlCol="0" anchor="ctr"/>
+          <a:lstStyle/>
+          <a:p>
+            <a:pPr algn="ctr"/>
+            <a:r>
+              <a:rPr lang="en-US" sz="800" dirty="0">
+                <a:solidFill>
+                  <a:schemeClr val="tx1"/>
+                </a:solidFill>
+              </a:rPr>
+              <a:t>6</a:t>
+            </a:r>
+          </a:p>
+        </p:txBody>
+      </p:sp>
+      <p:sp>
+        <p:nvSpPr>
+          <p:cNvPr id="32" name="Rectangle 31">
+            <a:extLst>
+              <a:ext uri="{FF2B5EF4-FFF2-40B4-BE49-F238E27FC236}">
+                <a16:creationId xmlns:a16="http://schemas.microsoft.com/office/drawing/2014/main" id="{63A6EAD7-D258-015B-8884-5D3B06E2208A}"/>
+              </a:ext>
+            </a:extLst>
+          </p:cNvPr>
+          <p:cNvSpPr/>
+          <p:nvPr/>
+        </p:nvSpPr>
+        <p:spPr>
+          <a:xfrm>
+            <a:off x="5271803" y="4541759"/>
+            <a:ext cx="322151" cy="272753"/>
+          </a:xfrm>
+          <a:prstGeom prst="rect">
+            <a:avLst/>
+          </a:prstGeom>
+          <a:solidFill>
+            <a:srgbClr val="F2EFF6"/>
+          </a:solidFill>
+          <a:ln>
+            <a:solidFill>
+              <a:srgbClr val="360084"/>
+            </a:solidFill>
+          </a:ln>
+        </p:spPr>
+        <p:style>
+          <a:lnRef idx="2">
+            <a:schemeClr val="accent1">
+              <a:shade val="15000"/>
+            </a:schemeClr>
+          </a:lnRef>
+          <a:fillRef idx="1">
+            <a:schemeClr val="accent1"/>
+          </a:fillRef>
+          <a:effectRef idx="0">
+            <a:schemeClr val="accent1"/>
+          </a:effectRef>
+          <a:fontRef idx="minor">
+            <a:schemeClr val="lt1"/>
+          </a:fontRef>
+        </p:style>
+        <p:txBody>
+          <a:bodyPr rtlCol="0" anchor="ctr"/>
+          <a:lstStyle/>
+          <a:p>
+            <a:pPr algn="ctr"/>
+            <a:r>
+              <a:rPr lang="en-US" sz="800" dirty="0">
+                <a:solidFill>
+                  <a:schemeClr val="tx1"/>
+                </a:solidFill>
+              </a:rPr>
+              <a:t>1</a:t>
+            </a:r>
+          </a:p>
+        </p:txBody>
+      </p:sp>
+      <p:sp>
+        <p:nvSpPr>
+          <p:cNvPr id="33" name="Rectangle 32">
+            <a:extLst>
+              <a:ext uri="{FF2B5EF4-FFF2-40B4-BE49-F238E27FC236}">
+                <a16:creationId xmlns:a16="http://schemas.microsoft.com/office/drawing/2014/main" id="{DBD1C448-683D-CA27-4438-C8DDCDE693A0}"/>
+              </a:ext>
+            </a:extLst>
+          </p:cNvPr>
+          <p:cNvSpPr/>
+          <p:nvPr/>
+        </p:nvSpPr>
+        <p:spPr>
+          <a:xfrm>
+            <a:off x="6238256" y="4541757"/>
+            <a:ext cx="322151" cy="272753"/>
+          </a:xfrm>
+          <a:prstGeom prst="rect">
+            <a:avLst/>
+          </a:prstGeom>
+          <a:solidFill>
+            <a:srgbClr val="F2EFF6"/>
+          </a:solidFill>
+          <a:ln>
+            <a:solidFill>
+              <a:srgbClr val="360084"/>
+            </a:solidFill>
+          </a:ln>
+        </p:spPr>
+        <p:style>
+          <a:lnRef idx="2">
+            <a:schemeClr val="accent1">
+              <a:shade val="15000"/>
+            </a:schemeClr>
+          </a:lnRef>
+          <a:fillRef idx="1">
+            <a:schemeClr val="accent1"/>
+          </a:fillRef>
+          <a:effectRef idx="0">
+            <a:schemeClr val="accent1"/>
+          </a:effectRef>
+          <a:fontRef idx="minor">
+            <a:schemeClr val="lt1"/>
+          </a:fontRef>
+        </p:style>
+        <p:txBody>
+          <a:bodyPr rtlCol="0" anchor="ctr"/>
+          <a:lstStyle/>
+          <a:p>
+            <a:pPr algn="ctr"/>
+            <a:r>
+              <a:rPr lang="en-US" sz="800" dirty="0">
+                <a:solidFill>
+                  <a:schemeClr val="tx1"/>
+                </a:solidFill>
+              </a:rPr>
+              <a:t>4</a:t>
+            </a:r>
+          </a:p>
+        </p:txBody>
+      </p:sp>
+      <p:sp>
+        <p:nvSpPr>
+          <p:cNvPr id="34" name="Rectangle 33">
+            <a:extLst>
+              <a:ext uri="{FF2B5EF4-FFF2-40B4-BE49-F238E27FC236}">
+                <a16:creationId xmlns:a16="http://schemas.microsoft.com/office/drawing/2014/main" id="{5B24D949-EEBB-4E01-7422-6E6E4C87EF22}"/>
+              </a:ext>
+            </a:extLst>
+          </p:cNvPr>
+          <p:cNvSpPr/>
+          <p:nvPr/>
+        </p:nvSpPr>
+        <p:spPr>
+          <a:xfrm>
+            <a:off x="5916105" y="4541757"/>
+            <a:ext cx="322151" cy="272753"/>
+          </a:xfrm>
+          <a:prstGeom prst="rect">
+            <a:avLst/>
+          </a:prstGeom>
+          <a:solidFill>
+            <a:srgbClr val="F2EFF6"/>
+          </a:solidFill>
+          <a:ln>
+            <a:solidFill>
+              <a:srgbClr val="360084"/>
+            </a:solidFill>
+          </a:ln>
+        </p:spPr>
+        <p:style>
+          <a:lnRef idx="2">
+            <a:schemeClr val="accent1">
+              <a:shade val="15000"/>
+            </a:schemeClr>
+          </a:lnRef>
+          <a:fillRef idx="1">
+            <a:schemeClr val="accent1"/>
+          </a:fillRef>
+          <a:effectRef idx="0">
+            <a:schemeClr val="accent1"/>
+          </a:effectRef>
+          <a:fontRef idx="minor">
+            <a:schemeClr val="lt1"/>
+          </a:fontRef>
+        </p:style>
+        <p:txBody>
+          <a:bodyPr rtlCol="0" anchor="ctr"/>
+          <a:lstStyle/>
+          <a:p>
+            <a:pPr algn="ctr"/>
+            <a:r>
+              <a:rPr lang="en-US" sz="800" dirty="0">
+                <a:solidFill>
+                  <a:schemeClr val="tx1"/>
+                </a:solidFill>
+              </a:rPr>
+              <a:t>3</a:t>
+            </a:r>
+          </a:p>
+        </p:txBody>
+      </p:sp>
+      <p:sp>
+        <p:nvSpPr>
+          <p:cNvPr id="35" name="Rectangle 34">
+            <a:extLst>
+              <a:ext uri="{FF2B5EF4-FFF2-40B4-BE49-F238E27FC236}">
+                <a16:creationId xmlns:a16="http://schemas.microsoft.com/office/drawing/2014/main" id="{C9821A39-4000-BB5A-F718-2EBAC48A1D78}"/>
+              </a:ext>
+            </a:extLst>
+          </p:cNvPr>
+          <p:cNvSpPr/>
+          <p:nvPr/>
+        </p:nvSpPr>
+        <p:spPr>
+          <a:xfrm>
+            <a:off x="5271805" y="5087268"/>
+            <a:ext cx="322151" cy="272753"/>
+          </a:xfrm>
+          <a:prstGeom prst="rect">
+            <a:avLst/>
+          </a:prstGeom>
+          <a:solidFill>
+            <a:srgbClr val="FDF8EE"/>
+          </a:solidFill>
+          <a:ln>
+            <a:solidFill>
+              <a:srgbClr val="EFC57B"/>
+            </a:solidFill>
+          </a:ln>
+        </p:spPr>
+        <p:style>
+          <a:lnRef idx="2">
+            <a:schemeClr val="accent1">
+              <a:shade val="15000"/>
+            </a:schemeClr>
+          </a:lnRef>
+          <a:fillRef idx="1">
+            <a:schemeClr val="accent1"/>
+          </a:fillRef>
+          <a:effectRef idx="0">
+            <a:schemeClr val="accent1"/>
+          </a:effectRef>
+          <a:fontRef idx="minor">
+            <a:schemeClr val="lt1"/>
+          </a:fontRef>
+        </p:style>
+        <p:txBody>
+          <a:bodyPr rtlCol="0" anchor="ctr"/>
+          <a:lstStyle/>
+          <a:p>
+            <a:pPr algn="ctr"/>
+            <a:r>
+              <a:rPr lang="en-US" sz="800" dirty="0">
+                <a:solidFill>
+                  <a:schemeClr val="tx1"/>
+                </a:solidFill>
+              </a:rPr>
+              <a:t>9</a:t>
+            </a:r>
+          </a:p>
+        </p:txBody>
+      </p:sp>
+      <p:sp>
+        <p:nvSpPr>
+          <p:cNvPr id="36" name="Rectangle 35">
+            <a:extLst>
+              <a:ext uri="{FF2B5EF4-FFF2-40B4-BE49-F238E27FC236}">
+                <a16:creationId xmlns:a16="http://schemas.microsoft.com/office/drawing/2014/main" id="{DB8338FC-6312-A56F-E44F-1C4FF7FCCCD6}"/>
+              </a:ext>
+            </a:extLst>
+          </p:cNvPr>
+          <p:cNvSpPr/>
+          <p:nvPr/>
+        </p:nvSpPr>
+        <p:spPr>
+          <a:xfrm>
+            <a:off x="6238258" y="5087266"/>
+            <a:ext cx="322151" cy="272753"/>
+          </a:xfrm>
+          <a:prstGeom prst="rect">
+            <a:avLst/>
+          </a:prstGeom>
+          <a:solidFill>
+            <a:srgbClr val="FDF8EE"/>
+          </a:solidFill>
+          <a:ln>
+            <a:solidFill>
+              <a:srgbClr val="EFC57B"/>
+            </a:solidFill>
+          </a:ln>
+        </p:spPr>
+        <p:style>
+          <a:lnRef idx="2">
+            <a:schemeClr val="accent1">
+              <a:shade val="15000"/>
+            </a:schemeClr>
+          </a:lnRef>
+          <a:fillRef idx="1">
+            <a:schemeClr val="accent1"/>
+          </a:fillRef>
+          <a:effectRef idx="0">
+            <a:schemeClr val="accent1"/>
+          </a:effectRef>
+          <a:fontRef idx="minor">
+            <a:schemeClr val="lt1"/>
+          </a:fontRef>
+        </p:style>
+        <p:txBody>
+          <a:bodyPr rtlCol="0" anchor="ctr"/>
+          <a:lstStyle/>
+          <a:p>
+            <a:pPr algn="ctr"/>
+            <a:r>
+              <a:rPr lang="en-US" sz="800" dirty="0">
+                <a:solidFill>
+                  <a:schemeClr val="tx1"/>
+                </a:solidFill>
+              </a:rPr>
+              <a:t>12</a:t>
+            </a:r>
+          </a:p>
+        </p:txBody>
+      </p:sp>
+      <p:sp>
+        <p:nvSpPr>
+          <p:cNvPr id="37" name="Rectangle 36">
+            <a:extLst>
+              <a:ext uri="{FF2B5EF4-FFF2-40B4-BE49-F238E27FC236}">
+                <a16:creationId xmlns:a16="http://schemas.microsoft.com/office/drawing/2014/main" id="{6A84884D-175A-BE51-F3FB-5A37B1DC544C}"/>
+              </a:ext>
+            </a:extLst>
+          </p:cNvPr>
+          <p:cNvSpPr/>
+          <p:nvPr/>
+        </p:nvSpPr>
+        <p:spPr>
+          <a:xfrm>
+            <a:off x="5916107" y="5087266"/>
+            <a:ext cx="322151" cy="272753"/>
+          </a:xfrm>
+          <a:prstGeom prst="rect">
+            <a:avLst/>
+          </a:prstGeom>
+          <a:solidFill>
+            <a:srgbClr val="FDF8EE"/>
+          </a:solidFill>
+          <a:ln>
+            <a:solidFill>
+              <a:srgbClr val="EFC57B"/>
+            </a:solidFill>
+          </a:ln>
+        </p:spPr>
+        <p:style>
+          <a:lnRef idx="2">
+            <a:schemeClr val="accent1">
+              <a:shade val="15000"/>
+            </a:schemeClr>
+          </a:lnRef>
+          <a:fillRef idx="1">
+            <a:schemeClr val="accent1"/>
+          </a:fillRef>
+          <a:effectRef idx="0">
+            <a:schemeClr val="accent1"/>
+          </a:effectRef>
+          <a:fontRef idx="minor">
+            <a:schemeClr val="lt1"/>
+          </a:fontRef>
+        </p:style>
+        <p:txBody>
+          <a:bodyPr rtlCol="0" anchor="ctr"/>
+          <a:lstStyle/>
+          <a:p>
+            <a:pPr algn="ctr"/>
+            <a:r>
+              <a:rPr lang="en-US" sz="800" dirty="0">
+                <a:solidFill>
+                  <a:schemeClr val="tx1"/>
+                </a:solidFill>
+              </a:rPr>
+              <a:t>11</a:t>
+            </a:r>
+          </a:p>
+        </p:txBody>
+      </p:sp>
+      <p:sp>
+        <p:nvSpPr>
+          <p:cNvPr id="38" name="Rectangle 37">
+            <a:extLst>
+              <a:ext uri="{FF2B5EF4-FFF2-40B4-BE49-F238E27FC236}">
+                <a16:creationId xmlns:a16="http://schemas.microsoft.com/office/drawing/2014/main" id="{5B38D35B-99F0-DF29-D807-53A5D52BC2E3}"/>
+              </a:ext>
+            </a:extLst>
+          </p:cNvPr>
+          <p:cNvSpPr/>
+          <p:nvPr/>
+        </p:nvSpPr>
+        <p:spPr>
+          <a:xfrm>
+            <a:off x="5593954" y="4541758"/>
+            <a:ext cx="322151" cy="272753"/>
+          </a:xfrm>
+          <a:prstGeom prst="rect">
+            <a:avLst/>
+          </a:prstGeom>
+          <a:solidFill>
+            <a:srgbClr val="F2EFF6"/>
+          </a:solidFill>
+          <a:ln>
+            <a:solidFill>
+              <a:srgbClr val="360084"/>
+            </a:solidFill>
+          </a:ln>
+        </p:spPr>
+        <p:style>
+          <a:lnRef idx="2">
+            <a:schemeClr val="accent1">
+              <a:shade val="15000"/>
+            </a:schemeClr>
+          </a:lnRef>
+          <a:fillRef idx="1">
+            <a:schemeClr val="accent1"/>
+          </a:fillRef>
+          <a:effectRef idx="0">
+            <a:schemeClr val="accent1"/>
+          </a:effectRef>
+          <a:fontRef idx="minor">
+            <a:schemeClr val="lt1"/>
+          </a:fontRef>
+        </p:style>
+        <p:txBody>
+          <a:bodyPr rtlCol="0" anchor="ctr"/>
+          <a:lstStyle/>
+          <a:p>
+            <a:pPr algn="ctr"/>
+            <a:r>
+              <a:rPr lang="en-US" sz="800" dirty="0">
+                <a:solidFill>
+                  <a:schemeClr val="tx1"/>
+                </a:solidFill>
+              </a:rPr>
+              <a:t>2</a:t>
+            </a:r>
+          </a:p>
+        </p:txBody>
+      </p:sp>
+      <p:sp>
+        <p:nvSpPr>
+          <p:cNvPr id="39" name="Rectangle 38">
+            <a:extLst>
+              <a:ext uri="{FF2B5EF4-FFF2-40B4-BE49-F238E27FC236}">
+                <a16:creationId xmlns:a16="http://schemas.microsoft.com/office/drawing/2014/main" id="{C1DCD387-7B75-84D5-C3C8-FCC9847EE9AA}"/>
+              </a:ext>
+            </a:extLst>
+          </p:cNvPr>
+          <p:cNvSpPr/>
+          <p:nvPr/>
+        </p:nvSpPr>
+        <p:spPr>
+          <a:xfrm>
+            <a:off x="5593956" y="5087267"/>
+            <a:ext cx="322151" cy="272753"/>
+          </a:xfrm>
+          <a:prstGeom prst="rect">
+            <a:avLst/>
+          </a:prstGeom>
+          <a:solidFill>
+            <a:srgbClr val="FDF8EE"/>
+          </a:solidFill>
+          <a:ln>
+            <a:solidFill>
+              <a:srgbClr val="EFC57B"/>
+            </a:solidFill>
+          </a:ln>
+        </p:spPr>
+        <p:style>
+          <a:lnRef idx="2">
+            <a:schemeClr val="accent1">
+              <a:shade val="15000"/>
+            </a:schemeClr>
+          </a:lnRef>
+          <a:fillRef idx="1">
+            <a:schemeClr val="accent1"/>
+          </a:fillRef>
+          <a:effectRef idx="0">
+            <a:schemeClr val="accent1"/>
+          </a:effectRef>
+          <a:fontRef idx="minor">
+            <a:schemeClr val="lt1"/>
+          </a:fontRef>
+        </p:style>
+        <p:txBody>
+          <a:bodyPr rtlCol="0" anchor="ctr"/>
+          <a:lstStyle/>
+          <a:p>
+            <a:pPr algn="ctr"/>
+            <a:r>
+              <a:rPr lang="en-US" sz="800" dirty="0">
+                <a:solidFill>
+                  <a:schemeClr val="tx1"/>
+                </a:solidFill>
+              </a:rPr>
+              <a:t>10</a:t>
+            </a:r>
+          </a:p>
+        </p:txBody>
+      </p:sp>
     </p:spTree>
     <p:extLst>
       <p:ext uri="{BB962C8B-B14F-4D97-AF65-F5344CB8AC3E}">
@@ -16812,2205 +19011,6 @@
           <a:chExt cx="0" cy="0"/>
         </a:xfrm>
       </p:grpSpPr>
-      <p:cxnSp>
-        <p:nvCxnSpPr>
-          <p:cNvPr id="122" name="Straight Arrow Connector 121">
-            <a:extLst>
-              <a:ext uri="{FF2B5EF4-FFF2-40B4-BE49-F238E27FC236}">
-                <a16:creationId xmlns:a16="http://schemas.microsoft.com/office/drawing/2014/main" id="{D48EE9E8-7C0C-3452-F7EA-B5DAEF8BCDB4}"/>
-              </a:ext>
-            </a:extLst>
-          </p:cNvPr>
-          <p:cNvCxnSpPr>
-            <a:cxnSpLocks/>
-          </p:cNvCxnSpPr>
-          <p:nvPr/>
-        </p:nvCxnSpPr>
-        <p:spPr>
-          <a:xfrm>
-            <a:off x="4188077" y="981919"/>
-            <a:ext cx="1311770" cy="0"/>
-          </a:xfrm>
-          <a:prstGeom prst="straightConnector1">
-            <a:avLst/>
-          </a:prstGeom>
-          <a:ln w="22225">
-            <a:solidFill>
-              <a:schemeClr val="tx1"/>
-            </a:solidFill>
-            <a:headEnd type="triangle"/>
-            <a:tailEnd type="triangle"/>
-          </a:ln>
-        </p:spPr>
-        <p:style>
-          <a:lnRef idx="1">
-            <a:schemeClr val="accent1"/>
-          </a:lnRef>
-          <a:fillRef idx="0">
-            <a:schemeClr val="accent1"/>
-          </a:fillRef>
-          <a:effectRef idx="0">
-            <a:schemeClr val="accent1"/>
-          </a:effectRef>
-          <a:fontRef idx="minor">
-            <a:schemeClr val="tx1"/>
-          </a:fontRef>
-        </p:style>
-      </p:cxnSp>
-      <p:cxnSp>
-        <p:nvCxnSpPr>
-          <p:cNvPr id="123" name="Straight Arrow Connector 122">
-            <a:extLst>
-              <a:ext uri="{FF2B5EF4-FFF2-40B4-BE49-F238E27FC236}">
-                <a16:creationId xmlns:a16="http://schemas.microsoft.com/office/drawing/2014/main" id="{69F25CA2-0415-72CE-7FFA-448D58989C55}"/>
-              </a:ext>
-            </a:extLst>
-          </p:cNvPr>
-          <p:cNvCxnSpPr>
-            <a:cxnSpLocks/>
-          </p:cNvCxnSpPr>
-          <p:nvPr/>
-        </p:nvCxnSpPr>
-        <p:spPr>
-          <a:xfrm>
-            <a:off x="1623982" y="446975"/>
-            <a:ext cx="2589053" cy="0"/>
-          </a:xfrm>
-          <a:prstGeom prst="straightConnector1">
-            <a:avLst/>
-          </a:prstGeom>
-          <a:ln w="22225">
-            <a:solidFill>
-              <a:schemeClr val="tx1"/>
-            </a:solidFill>
-            <a:headEnd type="triangle"/>
-            <a:tailEnd type="triangle"/>
-          </a:ln>
-        </p:spPr>
-        <p:style>
-          <a:lnRef idx="1">
-            <a:schemeClr val="accent1"/>
-          </a:lnRef>
-          <a:fillRef idx="0">
-            <a:schemeClr val="accent1"/>
-          </a:fillRef>
-          <a:effectRef idx="0">
-            <a:schemeClr val="accent1"/>
-          </a:effectRef>
-          <a:fontRef idx="minor">
-            <a:schemeClr val="tx1"/>
-          </a:fontRef>
-        </p:style>
-      </p:cxnSp>
-      <p:sp>
-        <p:nvSpPr>
-          <p:cNvPr id="124" name="TextBox 123">
-            <a:extLst>
-              <a:ext uri="{FF2B5EF4-FFF2-40B4-BE49-F238E27FC236}">
-                <a16:creationId xmlns:a16="http://schemas.microsoft.com/office/drawing/2014/main" id="{076675A4-0C76-9773-2EAE-3301798670EF}"/>
-              </a:ext>
-            </a:extLst>
-          </p:cNvPr>
-          <p:cNvSpPr txBox="1"/>
-          <p:nvPr/>
-        </p:nvSpPr>
-        <p:spPr>
-          <a:xfrm>
-            <a:off x="1612670" y="605219"/>
-            <a:ext cx="2568279" cy="307777"/>
-          </a:xfrm>
-          <a:prstGeom prst="rect">
-            <a:avLst/>
-          </a:prstGeom>
-          <a:noFill/>
-        </p:spPr>
-        <p:txBody>
-          <a:bodyPr wrap="square" rtlCol="0">
-            <a:spAutoFit/>
-          </a:bodyPr>
-          <a:lstStyle/>
-          <a:p>
-            <a:pPr algn="ctr"/>
-            <a:r>
-              <a:rPr lang="en-US" sz="1400" dirty="0">
-                <a:solidFill>
-                  <a:srgbClr val="360084"/>
-                </a:solidFill>
-              </a:rPr>
-              <a:t>Stride = 8</a:t>
-            </a:r>
-          </a:p>
-        </p:txBody>
-      </p:sp>
-      <p:sp>
-        <p:nvSpPr>
-          <p:cNvPr id="125" name="TextBox 124">
-            <a:extLst>
-              <a:ext uri="{FF2B5EF4-FFF2-40B4-BE49-F238E27FC236}">
-                <a16:creationId xmlns:a16="http://schemas.microsoft.com/office/drawing/2014/main" id="{9CB72DEC-7966-57E0-501E-F60079DEC39A}"/>
-              </a:ext>
-            </a:extLst>
-          </p:cNvPr>
-          <p:cNvSpPr txBox="1"/>
-          <p:nvPr/>
-        </p:nvSpPr>
-        <p:spPr>
-          <a:xfrm>
-            <a:off x="4201189" y="1041814"/>
-            <a:ext cx="1341215" cy="307777"/>
-          </a:xfrm>
-          <a:prstGeom prst="rect">
-            <a:avLst/>
-          </a:prstGeom>
-          <a:noFill/>
-          <a:ln>
-            <a:noFill/>
-          </a:ln>
-        </p:spPr>
-        <p:txBody>
-          <a:bodyPr wrap="square" rtlCol="0">
-            <a:spAutoFit/>
-          </a:bodyPr>
-          <a:lstStyle/>
-          <a:p>
-            <a:r>
-              <a:rPr lang="en-US" sz="1400" dirty="0"/>
-              <a:t>Block length = 4</a:t>
-            </a:r>
-          </a:p>
-        </p:txBody>
-      </p:sp>
-      <p:sp>
-        <p:nvSpPr>
-          <p:cNvPr id="126" name="TextBox 125">
-            <a:extLst>
-              <a:ext uri="{FF2B5EF4-FFF2-40B4-BE49-F238E27FC236}">
-                <a16:creationId xmlns:a16="http://schemas.microsoft.com/office/drawing/2014/main" id="{79F8B872-88D4-638C-EB6F-EDBB99604577}"/>
-              </a:ext>
-            </a:extLst>
-          </p:cNvPr>
-          <p:cNvSpPr txBox="1"/>
-          <p:nvPr/>
-        </p:nvSpPr>
-        <p:spPr>
-          <a:xfrm>
-            <a:off x="4201188" y="241925"/>
-            <a:ext cx="1279541" cy="307777"/>
-          </a:xfrm>
-          <a:prstGeom prst="rect">
-            <a:avLst/>
-          </a:prstGeom>
-          <a:noFill/>
-          <a:ln>
-            <a:noFill/>
-          </a:ln>
-        </p:spPr>
-        <p:txBody>
-          <a:bodyPr wrap="square" rtlCol="0">
-            <a:spAutoFit/>
-          </a:bodyPr>
-          <a:lstStyle/>
-          <a:p>
-            <a:pPr algn="ctr"/>
-            <a:r>
-              <a:rPr lang="en-US" sz="1400" dirty="0"/>
-              <a:t>Count = 2</a:t>
-            </a:r>
-          </a:p>
-        </p:txBody>
-      </p:sp>
-      <p:sp>
-        <p:nvSpPr>
-          <p:cNvPr id="127" name="TextBox 126">
-            <a:extLst>
-              <a:ext uri="{FF2B5EF4-FFF2-40B4-BE49-F238E27FC236}">
-                <a16:creationId xmlns:a16="http://schemas.microsoft.com/office/drawing/2014/main" id="{A254D4B4-5877-5E57-22E3-8A653A248242}"/>
-              </a:ext>
-            </a:extLst>
-          </p:cNvPr>
-          <p:cNvSpPr txBox="1"/>
-          <p:nvPr/>
-        </p:nvSpPr>
-        <p:spPr>
-          <a:xfrm>
-            <a:off x="1647140" y="113213"/>
-            <a:ext cx="2559597" cy="307777"/>
-          </a:xfrm>
-          <a:prstGeom prst="rect">
-            <a:avLst/>
-          </a:prstGeom>
-          <a:noFill/>
-          <a:ln>
-            <a:noFill/>
-          </a:ln>
-        </p:spPr>
-        <p:txBody>
-          <a:bodyPr wrap="square" rtlCol="0">
-            <a:spAutoFit/>
-          </a:bodyPr>
-          <a:lstStyle/>
-          <a:p>
-            <a:pPr algn="ctr"/>
-            <a:r>
-              <a:rPr lang="en-US" sz="1400"/>
-              <a:t>Stride = 8</a:t>
-            </a:r>
-            <a:endParaRPr lang="en-US" sz="1400" dirty="0"/>
-          </a:p>
-        </p:txBody>
-      </p:sp>
-      <p:sp>
-        <p:nvSpPr>
-          <p:cNvPr id="128" name="Rectangle 127">
-            <a:extLst>
-              <a:ext uri="{FF2B5EF4-FFF2-40B4-BE49-F238E27FC236}">
-                <a16:creationId xmlns:a16="http://schemas.microsoft.com/office/drawing/2014/main" id="{3DA5076A-25F3-640F-7F7C-B2C54E3F4DC4}"/>
-              </a:ext>
-            </a:extLst>
-          </p:cNvPr>
-          <p:cNvSpPr/>
-          <p:nvPr/>
-        </p:nvSpPr>
-        <p:spPr>
-          <a:xfrm>
-            <a:off x="1623982" y="573991"/>
-            <a:ext cx="322151" cy="272753"/>
-          </a:xfrm>
-          <a:prstGeom prst="rect">
-            <a:avLst/>
-          </a:prstGeom>
-          <a:solidFill>
-            <a:srgbClr val="F2EFF6"/>
-          </a:solidFill>
-          <a:ln>
-            <a:solidFill>
-              <a:srgbClr val="360084"/>
-            </a:solidFill>
-          </a:ln>
-        </p:spPr>
-        <p:style>
-          <a:lnRef idx="2">
-            <a:schemeClr val="accent1">
-              <a:shade val="15000"/>
-            </a:schemeClr>
-          </a:lnRef>
-          <a:fillRef idx="1">
-            <a:schemeClr val="accent1"/>
-          </a:fillRef>
-          <a:effectRef idx="0">
-            <a:schemeClr val="accent1"/>
-          </a:effectRef>
-          <a:fontRef idx="minor">
-            <a:schemeClr val="lt1"/>
-          </a:fontRef>
-        </p:style>
-        <p:txBody>
-          <a:bodyPr rtlCol="0" anchor="ctr"/>
-          <a:lstStyle/>
-          <a:p>
-            <a:pPr algn="ctr"/>
-            <a:r>
-              <a:rPr lang="en-US" sz="800" dirty="0">
-                <a:solidFill>
-                  <a:schemeClr val="tx1"/>
-                </a:solidFill>
-              </a:rPr>
-              <a:t>1</a:t>
-            </a:r>
-          </a:p>
-        </p:txBody>
-      </p:sp>
-      <p:sp>
-        <p:nvSpPr>
-          <p:cNvPr id="129" name="Rectangle 128">
-            <a:extLst>
-              <a:ext uri="{FF2B5EF4-FFF2-40B4-BE49-F238E27FC236}">
-                <a16:creationId xmlns:a16="http://schemas.microsoft.com/office/drawing/2014/main" id="{62169986-5406-FE9F-E88C-19629C383F26}"/>
-              </a:ext>
-            </a:extLst>
-          </p:cNvPr>
-          <p:cNvSpPr/>
-          <p:nvPr/>
-        </p:nvSpPr>
-        <p:spPr>
-          <a:xfrm>
-            <a:off x="1946133" y="573990"/>
-            <a:ext cx="322151" cy="272753"/>
-          </a:xfrm>
-          <a:prstGeom prst="rect">
-            <a:avLst/>
-          </a:prstGeom>
-          <a:solidFill>
-            <a:srgbClr val="F2EFF6"/>
-          </a:solidFill>
-          <a:ln>
-            <a:solidFill>
-              <a:srgbClr val="360084"/>
-            </a:solidFill>
-          </a:ln>
-        </p:spPr>
-        <p:style>
-          <a:lnRef idx="2">
-            <a:schemeClr val="accent1">
-              <a:shade val="15000"/>
-            </a:schemeClr>
-          </a:lnRef>
-          <a:fillRef idx="1">
-            <a:schemeClr val="accent1"/>
-          </a:fillRef>
-          <a:effectRef idx="0">
-            <a:schemeClr val="accent1"/>
-          </a:effectRef>
-          <a:fontRef idx="minor">
-            <a:schemeClr val="lt1"/>
-          </a:fontRef>
-        </p:style>
-        <p:txBody>
-          <a:bodyPr rtlCol="0" anchor="ctr"/>
-          <a:lstStyle/>
-          <a:p>
-            <a:pPr algn="ctr"/>
-            <a:r>
-              <a:rPr lang="en-US" sz="800" dirty="0">
-                <a:solidFill>
-                  <a:schemeClr val="tx1"/>
-                </a:solidFill>
-              </a:rPr>
-              <a:t>2</a:t>
-            </a:r>
-          </a:p>
-        </p:txBody>
-      </p:sp>
-      <p:sp>
-        <p:nvSpPr>
-          <p:cNvPr id="130" name="Rectangle 129">
-            <a:extLst>
-              <a:ext uri="{FF2B5EF4-FFF2-40B4-BE49-F238E27FC236}">
-                <a16:creationId xmlns:a16="http://schemas.microsoft.com/office/drawing/2014/main" id="{FC1A8F46-1D15-7650-378B-D97C3EB9B84D}"/>
-              </a:ext>
-            </a:extLst>
-          </p:cNvPr>
-          <p:cNvSpPr/>
-          <p:nvPr/>
-        </p:nvSpPr>
-        <p:spPr>
-          <a:xfrm>
-            <a:off x="2268284" y="573989"/>
-            <a:ext cx="322151" cy="272753"/>
-          </a:xfrm>
-          <a:prstGeom prst="rect">
-            <a:avLst/>
-          </a:prstGeom>
-          <a:solidFill>
-            <a:srgbClr val="F2EFF6"/>
-          </a:solidFill>
-          <a:ln>
-            <a:solidFill>
-              <a:srgbClr val="360084"/>
-            </a:solidFill>
-          </a:ln>
-        </p:spPr>
-        <p:style>
-          <a:lnRef idx="2">
-            <a:schemeClr val="accent1">
-              <a:shade val="15000"/>
-            </a:schemeClr>
-          </a:lnRef>
-          <a:fillRef idx="1">
-            <a:schemeClr val="accent1"/>
-          </a:fillRef>
-          <a:effectRef idx="0">
-            <a:schemeClr val="accent1"/>
-          </a:effectRef>
-          <a:fontRef idx="minor">
-            <a:schemeClr val="lt1"/>
-          </a:fontRef>
-        </p:style>
-        <p:txBody>
-          <a:bodyPr rtlCol="0" anchor="ctr"/>
-          <a:lstStyle/>
-          <a:p>
-            <a:pPr algn="ctr"/>
-            <a:r>
-              <a:rPr lang="en-US" sz="800" dirty="0">
-                <a:solidFill>
-                  <a:schemeClr val="tx1"/>
-                </a:solidFill>
-              </a:rPr>
-              <a:t>3</a:t>
-            </a:r>
-          </a:p>
-        </p:txBody>
-      </p:sp>
-      <p:sp>
-        <p:nvSpPr>
-          <p:cNvPr id="131" name="Rectangle 130">
-            <a:extLst>
-              <a:ext uri="{FF2B5EF4-FFF2-40B4-BE49-F238E27FC236}">
-                <a16:creationId xmlns:a16="http://schemas.microsoft.com/office/drawing/2014/main" id="{62C57B49-A1C9-9EF4-A19A-C3F2261C58C1}"/>
-              </a:ext>
-            </a:extLst>
-          </p:cNvPr>
-          <p:cNvSpPr/>
-          <p:nvPr/>
-        </p:nvSpPr>
-        <p:spPr>
-          <a:xfrm>
-            <a:off x="5489790" y="573983"/>
-            <a:ext cx="322151" cy="272753"/>
-          </a:xfrm>
-          <a:prstGeom prst="rect">
-            <a:avLst/>
-          </a:prstGeom>
-          <a:solidFill>
-            <a:srgbClr val="FAFDF0"/>
-          </a:solidFill>
-          <a:ln>
-            <a:solidFill>
-              <a:srgbClr val="DDF08B"/>
-            </a:solidFill>
-          </a:ln>
-        </p:spPr>
-        <p:style>
-          <a:lnRef idx="2">
-            <a:schemeClr val="accent1">
-              <a:shade val="15000"/>
-            </a:schemeClr>
-          </a:lnRef>
-          <a:fillRef idx="1">
-            <a:schemeClr val="accent1"/>
-          </a:fillRef>
-          <a:effectRef idx="0">
-            <a:schemeClr val="accent1"/>
-          </a:effectRef>
-          <a:fontRef idx="minor">
-            <a:schemeClr val="lt1"/>
-          </a:fontRef>
-        </p:style>
-        <p:txBody>
-          <a:bodyPr rtlCol="0" anchor="ctr"/>
-          <a:lstStyle/>
-          <a:p>
-            <a:pPr algn="ctr"/>
-            <a:r>
-              <a:rPr lang="en-US" sz="800" dirty="0">
-                <a:solidFill>
-                  <a:schemeClr val="tx1"/>
-                </a:solidFill>
-              </a:rPr>
-              <a:t>13</a:t>
-            </a:r>
-          </a:p>
-        </p:txBody>
-      </p:sp>
-      <p:sp>
-        <p:nvSpPr>
-          <p:cNvPr id="132" name="Rectangle 131">
-            <a:extLst>
-              <a:ext uri="{FF2B5EF4-FFF2-40B4-BE49-F238E27FC236}">
-                <a16:creationId xmlns:a16="http://schemas.microsoft.com/office/drawing/2014/main" id="{5FE764BB-D170-11EF-89E4-6DACFE388C52}"/>
-              </a:ext>
-            </a:extLst>
-          </p:cNvPr>
-          <p:cNvSpPr/>
-          <p:nvPr/>
-        </p:nvSpPr>
-        <p:spPr>
-          <a:xfrm>
-            <a:off x="6456245" y="573983"/>
-            <a:ext cx="322151" cy="272753"/>
-          </a:xfrm>
-          <a:prstGeom prst="rect">
-            <a:avLst/>
-          </a:prstGeom>
-          <a:solidFill>
-            <a:srgbClr val="FAFDF0"/>
-          </a:solidFill>
-          <a:ln>
-            <a:solidFill>
-              <a:srgbClr val="DDF08B"/>
-            </a:solidFill>
-          </a:ln>
-        </p:spPr>
-        <p:style>
-          <a:lnRef idx="2">
-            <a:schemeClr val="accent1">
-              <a:shade val="15000"/>
-            </a:schemeClr>
-          </a:lnRef>
-          <a:fillRef idx="1">
-            <a:schemeClr val="accent1"/>
-          </a:fillRef>
-          <a:effectRef idx="0">
-            <a:schemeClr val="accent1"/>
-          </a:effectRef>
-          <a:fontRef idx="minor">
-            <a:schemeClr val="lt1"/>
-          </a:fontRef>
-        </p:style>
-        <p:txBody>
-          <a:bodyPr rtlCol="0" anchor="ctr"/>
-          <a:lstStyle/>
-          <a:p>
-            <a:pPr algn="ctr"/>
-            <a:r>
-              <a:rPr lang="en-US" sz="800" dirty="0">
-                <a:solidFill>
-                  <a:schemeClr val="tx1"/>
-                </a:solidFill>
-              </a:rPr>
-              <a:t>16</a:t>
-            </a:r>
-          </a:p>
-        </p:txBody>
-      </p:sp>
-      <p:sp>
-        <p:nvSpPr>
-          <p:cNvPr id="133" name="Rectangle 132">
-            <a:extLst>
-              <a:ext uri="{FF2B5EF4-FFF2-40B4-BE49-F238E27FC236}">
-                <a16:creationId xmlns:a16="http://schemas.microsoft.com/office/drawing/2014/main" id="{E1D1EBDE-8D27-CEDF-B2FC-B56AC1D5C58A}"/>
-              </a:ext>
-            </a:extLst>
-          </p:cNvPr>
-          <p:cNvSpPr/>
-          <p:nvPr/>
-        </p:nvSpPr>
-        <p:spPr>
-          <a:xfrm>
-            <a:off x="4523340" y="573986"/>
-            <a:ext cx="322151" cy="272753"/>
-          </a:xfrm>
-          <a:prstGeom prst="rect">
-            <a:avLst/>
-          </a:prstGeom>
-          <a:solidFill>
-            <a:srgbClr val="FDF8EE"/>
-          </a:solidFill>
-          <a:ln>
-            <a:solidFill>
-              <a:srgbClr val="EFC57B"/>
-            </a:solidFill>
-          </a:ln>
-        </p:spPr>
-        <p:style>
-          <a:lnRef idx="2">
-            <a:schemeClr val="accent1">
-              <a:shade val="15000"/>
-            </a:schemeClr>
-          </a:lnRef>
-          <a:fillRef idx="1">
-            <a:schemeClr val="accent1"/>
-          </a:fillRef>
-          <a:effectRef idx="0">
-            <a:schemeClr val="accent1"/>
-          </a:effectRef>
-          <a:fontRef idx="minor">
-            <a:schemeClr val="lt1"/>
-          </a:fontRef>
-        </p:style>
-        <p:txBody>
-          <a:bodyPr rtlCol="0" anchor="ctr"/>
-          <a:lstStyle/>
-          <a:p>
-            <a:pPr algn="ctr"/>
-            <a:r>
-              <a:rPr lang="en-US" sz="800" dirty="0">
-                <a:solidFill>
-                  <a:schemeClr val="tx1"/>
-                </a:solidFill>
-              </a:rPr>
-              <a:t>10</a:t>
-            </a:r>
-          </a:p>
-        </p:txBody>
-      </p:sp>
-      <p:sp>
-        <p:nvSpPr>
-          <p:cNvPr id="134" name="Rectangle 133">
-            <a:extLst>
-              <a:ext uri="{FF2B5EF4-FFF2-40B4-BE49-F238E27FC236}">
-                <a16:creationId xmlns:a16="http://schemas.microsoft.com/office/drawing/2014/main" id="{9C0A8DE9-8BD0-D828-8BFC-59B8560AAB16}"/>
-              </a:ext>
-            </a:extLst>
-          </p:cNvPr>
-          <p:cNvSpPr/>
-          <p:nvPr/>
-        </p:nvSpPr>
-        <p:spPr>
-          <a:xfrm>
-            <a:off x="4845491" y="573985"/>
-            <a:ext cx="322151" cy="272753"/>
-          </a:xfrm>
-          <a:prstGeom prst="rect">
-            <a:avLst/>
-          </a:prstGeom>
-          <a:solidFill>
-            <a:srgbClr val="FDF8EE"/>
-          </a:solidFill>
-          <a:ln>
-            <a:solidFill>
-              <a:srgbClr val="EFC57B"/>
-            </a:solidFill>
-          </a:ln>
-        </p:spPr>
-        <p:style>
-          <a:lnRef idx="2">
-            <a:schemeClr val="accent1">
-              <a:shade val="15000"/>
-            </a:schemeClr>
-          </a:lnRef>
-          <a:fillRef idx="1">
-            <a:schemeClr val="accent1"/>
-          </a:fillRef>
-          <a:effectRef idx="0">
-            <a:schemeClr val="accent1"/>
-          </a:effectRef>
-          <a:fontRef idx="minor">
-            <a:schemeClr val="lt1"/>
-          </a:fontRef>
-        </p:style>
-        <p:txBody>
-          <a:bodyPr rtlCol="0" anchor="ctr"/>
-          <a:lstStyle/>
-          <a:p>
-            <a:pPr algn="ctr"/>
-            <a:r>
-              <a:rPr lang="en-US" sz="800" dirty="0">
-                <a:solidFill>
-                  <a:schemeClr val="tx1"/>
-                </a:solidFill>
-              </a:rPr>
-              <a:t>11</a:t>
-            </a:r>
-          </a:p>
-        </p:txBody>
-      </p:sp>
-      <p:sp>
-        <p:nvSpPr>
-          <p:cNvPr id="135" name="Rectangle 134">
-            <a:extLst>
-              <a:ext uri="{FF2B5EF4-FFF2-40B4-BE49-F238E27FC236}">
-                <a16:creationId xmlns:a16="http://schemas.microsoft.com/office/drawing/2014/main" id="{9C7C105C-0F17-80F6-4413-AAB2F098DF51}"/>
-              </a:ext>
-            </a:extLst>
-          </p:cNvPr>
-          <p:cNvSpPr/>
-          <p:nvPr/>
-        </p:nvSpPr>
-        <p:spPr>
-          <a:xfrm>
-            <a:off x="5811943" y="573984"/>
-            <a:ext cx="322151" cy="272753"/>
-          </a:xfrm>
-          <a:prstGeom prst="rect">
-            <a:avLst/>
-          </a:prstGeom>
-          <a:solidFill>
-            <a:srgbClr val="FAFDF0"/>
-          </a:solidFill>
-          <a:ln>
-            <a:solidFill>
-              <a:srgbClr val="DDF08B"/>
-            </a:solidFill>
-          </a:ln>
-        </p:spPr>
-        <p:style>
-          <a:lnRef idx="2">
-            <a:schemeClr val="accent1">
-              <a:shade val="15000"/>
-            </a:schemeClr>
-          </a:lnRef>
-          <a:fillRef idx="1">
-            <a:schemeClr val="accent1"/>
-          </a:fillRef>
-          <a:effectRef idx="0">
-            <a:schemeClr val="accent1"/>
-          </a:effectRef>
-          <a:fontRef idx="minor">
-            <a:schemeClr val="lt1"/>
-          </a:fontRef>
-        </p:style>
-        <p:txBody>
-          <a:bodyPr rtlCol="0" anchor="ctr"/>
-          <a:lstStyle/>
-          <a:p>
-            <a:pPr algn="ctr"/>
-            <a:r>
-              <a:rPr lang="en-US" sz="800" dirty="0">
-                <a:solidFill>
-                  <a:schemeClr val="tx1"/>
-                </a:solidFill>
-              </a:rPr>
-              <a:t>14</a:t>
-            </a:r>
-          </a:p>
-        </p:txBody>
-      </p:sp>
-      <p:sp>
-        <p:nvSpPr>
-          <p:cNvPr id="136" name="Rectangle 135">
-            <a:extLst>
-              <a:ext uri="{FF2B5EF4-FFF2-40B4-BE49-F238E27FC236}">
-                <a16:creationId xmlns:a16="http://schemas.microsoft.com/office/drawing/2014/main" id="{8DA717C7-CFAC-B0F7-A3C5-DD8586CE79FA}"/>
-              </a:ext>
-            </a:extLst>
-          </p:cNvPr>
-          <p:cNvSpPr/>
-          <p:nvPr/>
-        </p:nvSpPr>
-        <p:spPr>
-          <a:xfrm>
-            <a:off x="6134094" y="573983"/>
-            <a:ext cx="322151" cy="272753"/>
-          </a:xfrm>
-          <a:prstGeom prst="rect">
-            <a:avLst/>
-          </a:prstGeom>
-          <a:solidFill>
-            <a:srgbClr val="FAFDF0"/>
-          </a:solidFill>
-          <a:ln>
-            <a:solidFill>
-              <a:srgbClr val="DDF08B"/>
-            </a:solidFill>
-          </a:ln>
-        </p:spPr>
-        <p:style>
-          <a:lnRef idx="2">
-            <a:schemeClr val="accent1">
-              <a:shade val="15000"/>
-            </a:schemeClr>
-          </a:lnRef>
-          <a:fillRef idx="1">
-            <a:schemeClr val="accent1"/>
-          </a:fillRef>
-          <a:effectRef idx="0">
-            <a:schemeClr val="accent1"/>
-          </a:effectRef>
-          <a:fontRef idx="minor">
-            <a:schemeClr val="lt1"/>
-          </a:fontRef>
-        </p:style>
-        <p:txBody>
-          <a:bodyPr rtlCol="0" anchor="ctr"/>
-          <a:lstStyle/>
-          <a:p>
-            <a:pPr algn="ctr"/>
-            <a:r>
-              <a:rPr lang="en-US" sz="800" dirty="0">
-                <a:solidFill>
-                  <a:schemeClr val="tx1"/>
-                </a:solidFill>
-              </a:rPr>
-              <a:t>15</a:t>
-            </a:r>
-          </a:p>
-        </p:txBody>
-      </p:sp>
-      <p:sp>
-        <p:nvSpPr>
-          <p:cNvPr id="137" name="Rectangle 136">
-            <a:extLst>
-              <a:ext uri="{FF2B5EF4-FFF2-40B4-BE49-F238E27FC236}">
-                <a16:creationId xmlns:a16="http://schemas.microsoft.com/office/drawing/2014/main" id="{33451890-227C-9484-88C7-9D84A3A37FCD}"/>
-              </a:ext>
-            </a:extLst>
-          </p:cNvPr>
-          <p:cNvSpPr/>
-          <p:nvPr/>
-        </p:nvSpPr>
-        <p:spPr>
-          <a:xfrm>
-            <a:off x="5167642" y="573985"/>
-            <a:ext cx="322151" cy="272753"/>
-          </a:xfrm>
-          <a:prstGeom prst="rect">
-            <a:avLst/>
-          </a:prstGeom>
-          <a:solidFill>
-            <a:srgbClr val="FDF8EE"/>
-          </a:solidFill>
-          <a:ln>
-            <a:solidFill>
-              <a:srgbClr val="EFC57B"/>
-            </a:solidFill>
-          </a:ln>
-        </p:spPr>
-        <p:style>
-          <a:lnRef idx="2">
-            <a:schemeClr val="accent1">
-              <a:shade val="15000"/>
-            </a:schemeClr>
-          </a:lnRef>
-          <a:fillRef idx="1">
-            <a:schemeClr val="accent1"/>
-          </a:fillRef>
-          <a:effectRef idx="0">
-            <a:schemeClr val="accent1"/>
-          </a:effectRef>
-          <a:fontRef idx="minor">
-            <a:schemeClr val="lt1"/>
-          </a:fontRef>
-        </p:style>
-        <p:txBody>
-          <a:bodyPr rtlCol="0" anchor="ctr"/>
-          <a:lstStyle/>
-          <a:p>
-            <a:pPr algn="ctr"/>
-            <a:r>
-              <a:rPr lang="en-US" sz="800" dirty="0">
-                <a:solidFill>
-                  <a:schemeClr val="tx1"/>
-                </a:solidFill>
-              </a:rPr>
-              <a:t>12</a:t>
-            </a:r>
-          </a:p>
-        </p:txBody>
-      </p:sp>
-      <p:sp>
-        <p:nvSpPr>
-          <p:cNvPr id="138" name="Rectangle 137">
-            <a:extLst>
-              <a:ext uri="{FF2B5EF4-FFF2-40B4-BE49-F238E27FC236}">
-                <a16:creationId xmlns:a16="http://schemas.microsoft.com/office/drawing/2014/main" id="{FD57AC91-525C-80AE-37D9-685A8767F51B}"/>
-              </a:ext>
-            </a:extLst>
-          </p:cNvPr>
-          <p:cNvSpPr/>
-          <p:nvPr/>
-        </p:nvSpPr>
-        <p:spPr>
-          <a:xfrm>
-            <a:off x="2912586" y="573989"/>
-            <a:ext cx="322151" cy="272753"/>
-          </a:xfrm>
-          <a:prstGeom prst="rect">
-            <a:avLst/>
-          </a:prstGeom>
-          <a:solidFill>
-            <a:srgbClr val="FAFDF0"/>
-          </a:solidFill>
-          <a:ln>
-            <a:solidFill>
-              <a:srgbClr val="DDF08B"/>
-            </a:solidFill>
-          </a:ln>
-        </p:spPr>
-        <p:style>
-          <a:lnRef idx="2">
-            <a:schemeClr val="accent1">
-              <a:shade val="15000"/>
-            </a:schemeClr>
-          </a:lnRef>
-          <a:fillRef idx="1">
-            <a:schemeClr val="accent1"/>
-          </a:fillRef>
-          <a:effectRef idx="0">
-            <a:schemeClr val="accent1"/>
-          </a:effectRef>
-          <a:fontRef idx="minor">
-            <a:schemeClr val="lt1"/>
-          </a:fontRef>
-        </p:style>
-        <p:txBody>
-          <a:bodyPr rtlCol="0" anchor="ctr"/>
-          <a:lstStyle/>
-          <a:p>
-            <a:pPr algn="ctr"/>
-            <a:r>
-              <a:rPr lang="en-US" sz="800" dirty="0">
-                <a:solidFill>
-                  <a:schemeClr val="tx1"/>
-                </a:solidFill>
-              </a:rPr>
-              <a:t>5</a:t>
-            </a:r>
-          </a:p>
-        </p:txBody>
-      </p:sp>
-      <p:sp>
-        <p:nvSpPr>
-          <p:cNvPr id="139" name="Rectangle 138">
-            <a:extLst>
-              <a:ext uri="{FF2B5EF4-FFF2-40B4-BE49-F238E27FC236}">
-                <a16:creationId xmlns:a16="http://schemas.microsoft.com/office/drawing/2014/main" id="{D792F8B0-4FAE-8A10-DEA5-CFCC649F256F}"/>
-              </a:ext>
-            </a:extLst>
-          </p:cNvPr>
-          <p:cNvSpPr/>
-          <p:nvPr/>
-        </p:nvSpPr>
-        <p:spPr>
-          <a:xfrm>
-            <a:off x="3879039" y="573987"/>
-            <a:ext cx="322151" cy="272753"/>
-          </a:xfrm>
-          <a:prstGeom prst="rect">
-            <a:avLst/>
-          </a:prstGeom>
-          <a:solidFill>
-            <a:srgbClr val="FAFDF0"/>
-          </a:solidFill>
-          <a:ln>
-            <a:solidFill>
-              <a:srgbClr val="DDF08B"/>
-            </a:solidFill>
-          </a:ln>
-        </p:spPr>
-        <p:style>
-          <a:lnRef idx="2">
-            <a:schemeClr val="accent1">
-              <a:shade val="15000"/>
-            </a:schemeClr>
-          </a:lnRef>
-          <a:fillRef idx="1">
-            <a:schemeClr val="accent1"/>
-          </a:fillRef>
-          <a:effectRef idx="0">
-            <a:schemeClr val="accent1"/>
-          </a:effectRef>
-          <a:fontRef idx="minor">
-            <a:schemeClr val="lt1"/>
-          </a:fontRef>
-        </p:style>
-        <p:txBody>
-          <a:bodyPr rtlCol="0" anchor="ctr"/>
-          <a:lstStyle/>
-          <a:p>
-            <a:pPr algn="ctr"/>
-            <a:r>
-              <a:rPr lang="en-US" sz="800" dirty="0">
-                <a:solidFill>
-                  <a:schemeClr val="tx1"/>
-                </a:solidFill>
-              </a:rPr>
-              <a:t>8</a:t>
-            </a:r>
-          </a:p>
-        </p:txBody>
-      </p:sp>
-      <p:sp>
-        <p:nvSpPr>
-          <p:cNvPr id="140" name="Rectangle 139">
-            <a:extLst>
-              <a:ext uri="{FF2B5EF4-FFF2-40B4-BE49-F238E27FC236}">
-                <a16:creationId xmlns:a16="http://schemas.microsoft.com/office/drawing/2014/main" id="{147B3FE3-5C9E-75E6-E401-D6A920B25F83}"/>
-              </a:ext>
-            </a:extLst>
-          </p:cNvPr>
-          <p:cNvSpPr/>
-          <p:nvPr/>
-        </p:nvSpPr>
-        <p:spPr>
-          <a:xfrm>
-            <a:off x="3234737" y="573988"/>
-            <a:ext cx="322151" cy="272753"/>
-          </a:xfrm>
-          <a:prstGeom prst="rect">
-            <a:avLst/>
-          </a:prstGeom>
-          <a:solidFill>
-            <a:srgbClr val="FAFDF0"/>
-          </a:solidFill>
-          <a:ln>
-            <a:solidFill>
-              <a:srgbClr val="DDF08B"/>
-            </a:solidFill>
-          </a:ln>
-        </p:spPr>
-        <p:style>
-          <a:lnRef idx="2">
-            <a:schemeClr val="accent1">
-              <a:shade val="15000"/>
-            </a:schemeClr>
-          </a:lnRef>
-          <a:fillRef idx="1">
-            <a:schemeClr val="accent1"/>
-          </a:fillRef>
-          <a:effectRef idx="0">
-            <a:schemeClr val="accent1"/>
-          </a:effectRef>
-          <a:fontRef idx="minor">
-            <a:schemeClr val="lt1"/>
-          </a:fontRef>
-        </p:style>
-        <p:txBody>
-          <a:bodyPr rtlCol="0" anchor="ctr"/>
-          <a:lstStyle/>
-          <a:p>
-            <a:pPr algn="ctr"/>
-            <a:r>
-              <a:rPr lang="en-US" sz="800" dirty="0">
-                <a:solidFill>
-                  <a:schemeClr val="tx1"/>
-                </a:solidFill>
-              </a:rPr>
-              <a:t>6</a:t>
-            </a:r>
-          </a:p>
-        </p:txBody>
-      </p:sp>
-      <p:sp>
-        <p:nvSpPr>
-          <p:cNvPr id="141" name="Rectangle 140">
-            <a:extLst>
-              <a:ext uri="{FF2B5EF4-FFF2-40B4-BE49-F238E27FC236}">
-                <a16:creationId xmlns:a16="http://schemas.microsoft.com/office/drawing/2014/main" id="{9B4251E4-DF92-5F33-70F7-CF11B525C0B8}"/>
-              </a:ext>
-            </a:extLst>
-          </p:cNvPr>
-          <p:cNvSpPr/>
-          <p:nvPr/>
-        </p:nvSpPr>
-        <p:spPr>
-          <a:xfrm>
-            <a:off x="3556888" y="573987"/>
-            <a:ext cx="322151" cy="272753"/>
-          </a:xfrm>
-          <a:prstGeom prst="rect">
-            <a:avLst/>
-          </a:prstGeom>
-          <a:solidFill>
-            <a:srgbClr val="FAFDF0"/>
-          </a:solidFill>
-          <a:ln>
-            <a:solidFill>
-              <a:srgbClr val="DDF08B"/>
-            </a:solidFill>
-          </a:ln>
-        </p:spPr>
-        <p:style>
-          <a:lnRef idx="2">
-            <a:schemeClr val="accent1">
-              <a:shade val="15000"/>
-            </a:schemeClr>
-          </a:lnRef>
-          <a:fillRef idx="1">
-            <a:schemeClr val="accent1"/>
-          </a:fillRef>
-          <a:effectRef idx="0">
-            <a:schemeClr val="accent1"/>
-          </a:effectRef>
-          <a:fontRef idx="minor">
-            <a:schemeClr val="lt1"/>
-          </a:fontRef>
-        </p:style>
-        <p:txBody>
-          <a:bodyPr rtlCol="0" anchor="ctr"/>
-          <a:lstStyle/>
-          <a:p>
-            <a:pPr algn="ctr"/>
-            <a:r>
-              <a:rPr lang="en-US" sz="800" dirty="0">
-                <a:solidFill>
-                  <a:schemeClr val="tx1"/>
-                </a:solidFill>
-              </a:rPr>
-              <a:t>7</a:t>
-            </a:r>
-          </a:p>
-        </p:txBody>
-      </p:sp>
-      <p:sp>
-        <p:nvSpPr>
-          <p:cNvPr id="142" name="Rectangle 141">
-            <a:extLst>
-              <a:ext uri="{FF2B5EF4-FFF2-40B4-BE49-F238E27FC236}">
-                <a16:creationId xmlns:a16="http://schemas.microsoft.com/office/drawing/2014/main" id="{9F73B6BC-16C6-285B-C2DF-467266CF4883}"/>
-              </a:ext>
-            </a:extLst>
-          </p:cNvPr>
-          <p:cNvSpPr/>
-          <p:nvPr/>
-        </p:nvSpPr>
-        <p:spPr>
-          <a:xfrm>
-            <a:off x="2590435" y="573989"/>
-            <a:ext cx="322151" cy="272753"/>
-          </a:xfrm>
-          <a:prstGeom prst="rect">
-            <a:avLst/>
-          </a:prstGeom>
-          <a:solidFill>
-            <a:srgbClr val="F2EFF6"/>
-          </a:solidFill>
-          <a:ln>
-            <a:solidFill>
-              <a:srgbClr val="360084"/>
-            </a:solidFill>
-          </a:ln>
-        </p:spPr>
-        <p:style>
-          <a:lnRef idx="2">
-            <a:schemeClr val="accent1">
-              <a:shade val="15000"/>
-            </a:schemeClr>
-          </a:lnRef>
-          <a:fillRef idx="1">
-            <a:schemeClr val="accent1"/>
-          </a:fillRef>
-          <a:effectRef idx="0">
-            <a:schemeClr val="accent1"/>
-          </a:effectRef>
-          <a:fontRef idx="minor">
-            <a:schemeClr val="lt1"/>
-          </a:fontRef>
-        </p:style>
-        <p:txBody>
-          <a:bodyPr rtlCol="0" anchor="ctr"/>
-          <a:lstStyle/>
-          <a:p>
-            <a:pPr algn="ctr"/>
-            <a:r>
-              <a:rPr lang="en-US" sz="800" dirty="0">
-                <a:solidFill>
-                  <a:schemeClr val="tx1"/>
-                </a:solidFill>
-              </a:rPr>
-              <a:t>4</a:t>
-            </a:r>
-          </a:p>
-        </p:txBody>
-      </p:sp>
-      <p:sp>
-        <p:nvSpPr>
-          <p:cNvPr id="143" name="Rectangle 142">
-            <a:extLst>
-              <a:ext uri="{FF2B5EF4-FFF2-40B4-BE49-F238E27FC236}">
-                <a16:creationId xmlns:a16="http://schemas.microsoft.com/office/drawing/2014/main" id="{57CA944D-862C-A847-2AC3-3B5027A7E903}"/>
-              </a:ext>
-            </a:extLst>
-          </p:cNvPr>
-          <p:cNvSpPr/>
-          <p:nvPr/>
-        </p:nvSpPr>
-        <p:spPr>
-          <a:xfrm>
-            <a:off x="4201189" y="573987"/>
-            <a:ext cx="322151" cy="272753"/>
-          </a:xfrm>
-          <a:prstGeom prst="rect">
-            <a:avLst/>
-          </a:prstGeom>
-          <a:solidFill>
-            <a:srgbClr val="FDF8EE"/>
-          </a:solidFill>
-          <a:ln>
-            <a:solidFill>
-              <a:srgbClr val="EFC57B"/>
-            </a:solidFill>
-          </a:ln>
-        </p:spPr>
-        <p:style>
-          <a:lnRef idx="2">
-            <a:schemeClr val="accent1">
-              <a:shade val="15000"/>
-            </a:schemeClr>
-          </a:lnRef>
-          <a:fillRef idx="1">
-            <a:schemeClr val="accent1"/>
-          </a:fillRef>
-          <a:effectRef idx="0">
-            <a:schemeClr val="accent1"/>
-          </a:effectRef>
-          <a:fontRef idx="minor">
-            <a:schemeClr val="lt1"/>
-          </a:fontRef>
-        </p:style>
-        <p:txBody>
-          <a:bodyPr rtlCol="0" anchor="ctr"/>
-          <a:lstStyle/>
-          <a:p>
-            <a:pPr algn="ctr"/>
-            <a:r>
-              <a:rPr lang="en-US" sz="800" dirty="0">
-                <a:solidFill>
-                  <a:schemeClr val="tx1"/>
-                </a:solidFill>
-              </a:rPr>
-              <a:t>9</a:t>
-            </a:r>
-          </a:p>
-        </p:txBody>
-      </p:sp>
-      <p:sp>
-        <p:nvSpPr>
-          <p:cNvPr id="144" name="Rectangle 143">
-            <a:extLst>
-              <a:ext uri="{FF2B5EF4-FFF2-40B4-BE49-F238E27FC236}">
-                <a16:creationId xmlns:a16="http://schemas.microsoft.com/office/drawing/2014/main" id="{2B3DA730-CA89-13BA-1724-563EB8AF6B1F}"/>
-              </a:ext>
-            </a:extLst>
-          </p:cNvPr>
-          <p:cNvSpPr/>
-          <p:nvPr/>
-        </p:nvSpPr>
-        <p:spPr>
-          <a:xfrm>
-            <a:off x="182533" y="970235"/>
-            <a:ext cx="322151" cy="272753"/>
-          </a:xfrm>
-          <a:prstGeom prst="rect">
-            <a:avLst/>
-          </a:prstGeom>
-          <a:solidFill>
-            <a:srgbClr val="FAFDF0"/>
-          </a:solidFill>
-          <a:ln>
-            <a:solidFill>
-              <a:srgbClr val="DDF08B"/>
-            </a:solidFill>
-          </a:ln>
-        </p:spPr>
-        <p:style>
-          <a:lnRef idx="2">
-            <a:schemeClr val="accent1">
-              <a:shade val="15000"/>
-            </a:schemeClr>
-          </a:lnRef>
-          <a:fillRef idx="1">
-            <a:schemeClr val="accent1"/>
-          </a:fillRef>
-          <a:effectRef idx="0">
-            <a:schemeClr val="accent1"/>
-          </a:effectRef>
-          <a:fontRef idx="minor">
-            <a:schemeClr val="lt1"/>
-          </a:fontRef>
-        </p:style>
-        <p:txBody>
-          <a:bodyPr rtlCol="0" anchor="ctr"/>
-          <a:lstStyle/>
-          <a:p>
-            <a:pPr algn="ctr"/>
-            <a:r>
-              <a:rPr lang="en-US" sz="800" dirty="0">
-                <a:solidFill>
-                  <a:schemeClr val="tx1"/>
-                </a:solidFill>
-              </a:rPr>
-              <a:t>13</a:t>
-            </a:r>
-          </a:p>
-        </p:txBody>
-      </p:sp>
-      <p:sp>
-        <p:nvSpPr>
-          <p:cNvPr id="145" name="Rectangle 144">
-            <a:extLst>
-              <a:ext uri="{FF2B5EF4-FFF2-40B4-BE49-F238E27FC236}">
-                <a16:creationId xmlns:a16="http://schemas.microsoft.com/office/drawing/2014/main" id="{9EF7CE60-3A21-8B02-9E71-1A5E12611872}"/>
-              </a:ext>
-            </a:extLst>
-          </p:cNvPr>
-          <p:cNvSpPr/>
-          <p:nvPr/>
-        </p:nvSpPr>
-        <p:spPr>
-          <a:xfrm>
-            <a:off x="1148988" y="970235"/>
-            <a:ext cx="322151" cy="272753"/>
-          </a:xfrm>
-          <a:prstGeom prst="rect">
-            <a:avLst/>
-          </a:prstGeom>
-          <a:solidFill>
-            <a:srgbClr val="FAFDF0"/>
-          </a:solidFill>
-          <a:ln>
-            <a:solidFill>
-              <a:srgbClr val="DDF08B"/>
-            </a:solidFill>
-          </a:ln>
-        </p:spPr>
-        <p:style>
-          <a:lnRef idx="2">
-            <a:schemeClr val="accent1">
-              <a:shade val="15000"/>
-            </a:schemeClr>
-          </a:lnRef>
-          <a:fillRef idx="1">
-            <a:schemeClr val="accent1"/>
-          </a:fillRef>
-          <a:effectRef idx="0">
-            <a:schemeClr val="accent1"/>
-          </a:effectRef>
-          <a:fontRef idx="minor">
-            <a:schemeClr val="lt1"/>
-          </a:fontRef>
-        </p:style>
-        <p:txBody>
-          <a:bodyPr rtlCol="0" anchor="ctr"/>
-          <a:lstStyle/>
-          <a:p>
-            <a:pPr algn="ctr"/>
-            <a:r>
-              <a:rPr lang="en-US" sz="800" dirty="0">
-                <a:solidFill>
-                  <a:schemeClr val="tx1"/>
-                </a:solidFill>
-              </a:rPr>
-              <a:t>16</a:t>
-            </a:r>
-          </a:p>
-        </p:txBody>
-      </p:sp>
-      <p:sp>
-        <p:nvSpPr>
-          <p:cNvPr id="146" name="Rectangle 145">
-            <a:extLst>
-              <a:ext uri="{FF2B5EF4-FFF2-40B4-BE49-F238E27FC236}">
-                <a16:creationId xmlns:a16="http://schemas.microsoft.com/office/drawing/2014/main" id="{813AD1AD-7C05-BB04-2B9E-7DC06721CAF8}"/>
-              </a:ext>
-            </a:extLst>
-          </p:cNvPr>
-          <p:cNvSpPr/>
-          <p:nvPr/>
-        </p:nvSpPr>
-        <p:spPr>
-          <a:xfrm>
-            <a:off x="826837" y="970235"/>
-            <a:ext cx="322151" cy="272753"/>
-          </a:xfrm>
-          <a:prstGeom prst="rect">
-            <a:avLst/>
-          </a:prstGeom>
-          <a:solidFill>
-            <a:srgbClr val="FAFDF0"/>
-          </a:solidFill>
-          <a:ln>
-            <a:solidFill>
-              <a:srgbClr val="DDF08B"/>
-            </a:solidFill>
-          </a:ln>
-        </p:spPr>
-        <p:style>
-          <a:lnRef idx="2">
-            <a:schemeClr val="accent1">
-              <a:shade val="15000"/>
-            </a:schemeClr>
-          </a:lnRef>
-          <a:fillRef idx="1">
-            <a:schemeClr val="accent1"/>
-          </a:fillRef>
-          <a:effectRef idx="0">
-            <a:schemeClr val="accent1"/>
-          </a:effectRef>
-          <a:fontRef idx="minor">
-            <a:schemeClr val="lt1"/>
-          </a:fontRef>
-        </p:style>
-        <p:txBody>
-          <a:bodyPr rtlCol="0" anchor="ctr"/>
-          <a:lstStyle/>
-          <a:p>
-            <a:pPr algn="ctr"/>
-            <a:r>
-              <a:rPr lang="en-US" sz="800" dirty="0">
-                <a:solidFill>
-                  <a:schemeClr val="tx1"/>
-                </a:solidFill>
-              </a:rPr>
-              <a:t>15</a:t>
-            </a:r>
-          </a:p>
-        </p:txBody>
-      </p:sp>
-      <p:sp>
-        <p:nvSpPr>
-          <p:cNvPr id="147" name="Rectangle 146">
-            <a:extLst>
-              <a:ext uri="{FF2B5EF4-FFF2-40B4-BE49-F238E27FC236}">
-                <a16:creationId xmlns:a16="http://schemas.microsoft.com/office/drawing/2014/main" id="{68FF698F-3316-6939-BED2-FF0CE1CE1C78}"/>
-              </a:ext>
-            </a:extLst>
-          </p:cNvPr>
-          <p:cNvSpPr/>
-          <p:nvPr/>
-        </p:nvSpPr>
-        <p:spPr>
-          <a:xfrm>
-            <a:off x="504686" y="970236"/>
-            <a:ext cx="322151" cy="272753"/>
-          </a:xfrm>
-          <a:prstGeom prst="rect">
-            <a:avLst/>
-          </a:prstGeom>
-          <a:solidFill>
-            <a:srgbClr val="FAFDF0"/>
-          </a:solidFill>
-          <a:ln>
-            <a:solidFill>
-              <a:srgbClr val="DDF08B"/>
-            </a:solidFill>
-          </a:ln>
-        </p:spPr>
-        <p:style>
-          <a:lnRef idx="2">
-            <a:schemeClr val="accent1">
-              <a:shade val="15000"/>
-            </a:schemeClr>
-          </a:lnRef>
-          <a:fillRef idx="1">
-            <a:schemeClr val="accent1"/>
-          </a:fillRef>
-          <a:effectRef idx="0">
-            <a:schemeClr val="accent1"/>
-          </a:effectRef>
-          <a:fontRef idx="minor">
-            <a:schemeClr val="lt1"/>
-          </a:fontRef>
-        </p:style>
-        <p:txBody>
-          <a:bodyPr rtlCol="0" anchor="ctr"/>
-          <a:lstStyle/>
-          <a:p>
-            <a:pPr algn="ctr"/>
-            <a:r>
-              <a:rPr lang="en-US" sz="800" dirty="0">
-                <a:solidFill>
-                  <a:schemeClr val="tx1"/>
-                </a:solidFill>
-              </a:rPr>
-              <a:t>14</a:t>
-            </a:r>
-          </a:p>
-        </p:txBody>
-      </p:sp>
-      <p:sp>
-        <p:nvSpPr>
-          <p:cNvPr id="148" name="Rectangle 147">
-            <a:extLst>
-              <a:ext uri="{FF2B5EF4-FFF2-40B4-BE49-F238E27FC236}">
-                <a16:creationId xmlns:a16="http://schemas.microsoft.com/office/drawing/2014/main" id="{CBCF0F37-433F-834E-A1EC-1C3D5A9C7B22}"/>
-              </a:ext>
-            </a:extLst>
-          </p:cNvPr>
-          <p:cNvSpPr/>
-          <p:nvPr/>
-        </p:nvSpPr>
-        <p:spPr>
-          <a:xfrm>
-            <a:off x="182534" y="437614"/>
-            <a:ext cx="322151" cy="272753"/>
-          </a:xfrm>
-          <a:prstGeom prst="rect">
-            <a:avLst/>
-          </a:prstGeom>
-          <a:solidFill>
-            <a:srgbClr val="FAFDF0"/>
-          </a:solidFill>
-          <a:ln>
-            <a:solidFill>
-              <a:srgbClr val="DDF08B"/>
-            </a:solidFill>
-          </a:ln>
-        </p:spPr>
-        <p:style>
-          <a:lnRef idx="2">
-            <a:schemeClr val="accent1">
-              <a:shade val="15000"/>
-            </a:schemeClr>
-          </a:lnRef>
-          <a:fillRef idx="1">
-            <a:schemeClr val="accent1"/>
-          </a:fillRef>
-          <a:effectRef idx="0">
-            <a:schemeClr val="accent1"/>
-          </a:effectRef>
-          <a:fontRef idx="minor">
-            <a:schemeClr val="lt1"/>
-          </a:fontRef>
-        </p:style>
-        <p:txBody>
-          <a:bodyPr rtlCol="0" anchor="ctr"/>
-          <a:lstStyle/>
-          <a:p>
-            <a:pPr algn="ctr"/>
-            <a:r>
-              <a:rPr lang="en-US" sz="800" dirty="0">
-                <a:solidFill>
-                  <a:schemeClr val="tx1"/>
-                </a:solidFill>
-              </a:rPr>
-              <a:t>5</a:t>
-            </a:r>
-          </a:p>
-        </p:txBody>
-      </p:sp>
-      <p:sp>
-        <p:nvSpPr>
-          <p:cNvPr id="149" name="Rectangle 148">
-            <a:extLst>
-              <a:ext uri="{FF2B5EF4-FFF2-40B4-BE49-F238E27FC236}">
-                <a16:creationId xmlns:a16="http://schemas.microsoft.com/office/drawing/2014/main" id="{02649150-E880-DE96-84CC-9627BC7858E4}"/>
-              </a:ext>
-            </a:extLst>
-          </p:cNvPr>
-          <p:cNvSpPr/>
-          <p:nvPr/>
-        </p:nvSpPr>
-        <p:spPr>
-          <a:xfrm>
-            <a:off x="1148987" y="437612"/>
-            <a:ext cx="322151" cy="272753"/>
-          </a:xfrm>
-          <a:prstGeom prst="rect">
-            <a:avLst/>
-          </a:prstGeom>
-          <a:solidFill>
-            <a:srgbClr val="FAFDF0"/>
-          </a:solidFill>
-          <a:ln>
-            <a:solidFill>
-              <a:srgbClr val="DDF08B"/>
-            </a:solidFill>
-          </a:ln>
-        </p:spPr>
-        <p:style>
-          <a:lnRef idx="2">
-            <a:schemeClr val="accent1">
-              <a:shade val="15000"/>
-            </a:schemeClr>
-          </a:lnRef>
-          <a:fillRef idx="1">
-            <a:schemeClr val="accent1"/>
-          </a:fillRef>
-          <a:effectRef idx="0">
-            <a:schemeClr val="accent1"/>
-          </a:effectRef>
-          <a:fontRef idx="minor">
-            <a:schemeClr val="lt1"/>
-          </a:fontRef>
-        </p:style>
-        <p:txBody>
-          <a:bodyPr rtlCol="0" anchor="ctr"/>
-          <a:lstStyle/>
-          <a:p>
-            <a:pPr algn="ctr"/>
-            <a:r>
-              <a:rPr lang="en-US" sz="800" dirty="0">
-                <a:solidFill>
-                  <a:schemeClr val="tx1"/>
-                </a:solidFill>
-              </a:rPr>
-              <a:t>8</a:t>
-            </a:r>
-          </a:p>
-        </p:txBody>
-      </p:sp>
-      <p:sp>
-        <p:nvSpPr>
-          <p:cNvPr id="150" name="Rectangle 149">
-            <a:extLst>
-              <a:ext uri="{FF2B5EF4-FFF2-40B4-BE49-F238E27FC236}">
-                <a16:creationId xmlns:a16="http://schemas.microsoft.com/office/drawing/2014/main" id="{D0A7DB99-0E80-72C1-2108-9B9AFAC9A624}"/>
-              </a:ext>
-            </a:extLst>
-          </p:cNvPr>
-          <p:cNvSpPr/>
-          <p:nvPr/>
-        </p:nvSpPr>
-        <p:spPr>
-          <a:xfrm>
-            <a:off x="826836" y="437612"/>
-            <a:ext cx="322151" cy="272753"/>
-          </a:xfrm>
-          <a:prstGeom prst="rect">
-            <a:avLst/>
-          </a:prstGeom>
-          <a:solidFill>
-            <a:srgbClr val="FAFDF0"/>
-          </a:solidFill>
-          <a:ln>
-            <a:solidFill>
-              <a:srgbClr val="DDF08B"/>
-            </a:solidFill>
-          </a:ln>
-        </p:spPr>
-        <p:style>
-          <a:lnRef idx="2">
-            <a:schemeClr val="accent1">
-              <a:shade val="15000"/>
-            </a:schemeClr>
-          </a:lnRef>
-          <a:fillRef idx="1">
-            <a:schemeClr val="accent1"/>
-          </a:fillRef>
-          <a:effectRef idx="0">
-            <a:schemeClr val="accent1"/>
-          </a:effectRef>
-          <a:fontRef idx="minor">
-            <a:schemeClr val="lt1"/>
-          </a:fontRef>
-        </p:style>
-        <p:txBody>
-          <a:bodyPr rtlCol="0" anchor="ctr"/>
-          <a:lstStyle/>
-          <a:p>
-            <a:pPr algn="ctr"/>
-            <a:r>
-              <a:rPr lang="en-US" sz="800" dirty="0">
-                <a:solidFill>
-                  <a:schemeClr val="tx1"/>
-                </a:solidFill>
-              </a:rPr>
-              <a:t>7</a:t>
-            </a:r>
-          </a:p>
-        </p:txBody>
-      </p:sp>
-      <p:sp>
-        <p:nvSpPr>
-          <p:cNvPr id="151" name="Rectangle 150">
-            <a:extLst>
-              <a:ext uri="{FF2B5EF4-FFF2-40B4-BE49-F238E27FC236}">
-                <a16:creationId xmlns:a16="http://schemas.microsoft.com/office/drawing/2014/main" id="{919DECA3-B1DE-7D44-8702-7B31083A4F9E}"/>
-              </a:ext>
-            </a:extLst>
-          </p:cNvPr>
-          <p:cNvSpPr/>
-          <p:nvPr/>
-        </p:nvSpPr>
-        <p:spPr>
-          <a:xfrm>
-            <a:off x="504685" y="437613"/>
-            <a:ext cx="322151" cy="272753"/>
-          </a:xfrm>
-          <a:prstGeom prst="rect">
-            <a:avLst/>
-          </a:prstGeom>
-          <a:solidFill>
-            <a:srgbClr val="FAFDF0"/>
-          </a:solidFill>
-          <a:ln>
-            <a:solidFill>
-              <a:srgbClr val="DDF08B"/>
-            </a:solidFill>
-          </a:ln>
-        </p:spPr>
-        <p:style>
-          <a:lnRef idx="2">
-            <a:schemeClr val="accent1">
-              <a:shade val="15000"/>
-            </a:schemeClr>
-          </a:lnRef>
-          <a:fillRef idx="1">
-            <a:schemeClr val="accent1"/>
-          </a:fillRef>
-          <a:effectRef idx="0">
-            <a:schemeClr val="accent1"/>
-          </a:effectRef>
-          <a:fontRef idx="minor">
-            <a:schemeClr val="lt1"/>
-          </a:fontRef>
-        </p:style>
-        <p:txBody>
-          <a:bodyPr rtlCol="0" anchor="ctr"/>
-          <a:lstStyle/>
-          <a:p>
-            <a:pPr algn="ctr"/>
-            <a:r>
-              <a:rPr lang="en-US" sz="800" dirty="0">
-                <a:solidFill>
-                  <a:schemeClr val="tx1"/>
-                </a:solidFill>
-              </a:rPr>
-              <a:t>6</a:t>
-            </a:r>
-          </a:p>
-        </p:txBody>
-      </p:sp>
-      <p:sp>
-        <p:nvSpPr>
-          <p:cNvPr id="152" name="Rectangle 151">
-            <a:extLst>
-              <a:ext uri="{FF2B5EF4-FFF2-40B4-BE49-F238E27FC236}">
-                <a16:creationId xmlns:a16="http://schemas.microsoft.com/office/drawing/2014/main" id="{BD6A6FA3-52CE-2045-3A08-36D67891C8D3}"/>
-              </a:ext>
-            </a:extLst>
-          </p:cNvPr>
-          <p:cNvSpPr/>
-          <p:nvPr/>
-        </p:nvSpPr>
-        <p:spPr>
-          <a:xfrm>
-            <a:off x="182532" y="164860"/>
-            <a:ext cx="322151" cy="272753"/>
-          </a:xfrm>
-          <a:prstGeom prst="rect">
-            <a:avLst/>
-          </a:prstGeom>
-          <a:solidFill>
-            <a:srgbClr val="F2EFF6"/>
-          </a:solidFill>
-          <a:ln>
-            <a:solidFill>
-              <a:srgbClr val="360084"/>
-            </a:solidFill>
-          </a:ln>
-        </p:spPr>
-        <p:style>
-          <a:lnRef idx="2">
-            <a:schemeClr val="accent1">
-              <a:shade val="15000"/>
-            </a:schemeClr>
-          </a:lnRef>
-          <a:fillRef idx="1">
-            <a:schemeClr val="accent1"/>
-          </a:fillRef>
-          <a:effectRef idx="0">
-            <a:schemeClr val="accent1"/>
-          </a:effectRef>
-          <a:fontRef idx="minor">
-            <a:schemeClr val="lt1"/>
-          </a:fontRef>
-        </p:style>
-        <p:txBody>
-          <a:bodyPr rtlCol="0" anchor="ctr"/>
-          <a:lstStyle/>
-          <a:p>
-            <a:pPr algn="ctr"/>
-            <a:r>
-              <a:rPr lang="en-US" sz="800" dirty="0">
-                <a:solidFill>
-                  <a:schemeClr val="tx1"/>
-                </a:solidFill>
-              </a:rPr>
-              <a:t>1</a:t>
-            </a:r>
-          </a:p>
-        </p:txBody>
-      </p:sp>
-      <p:sp>
-        <p:nvSpPr>
-          <p:cNvPr id="153" name="Rectangle 152">
-            <a:extLst>
-              <a:ext uri="{FF2B5EF4-FFF2-40B4-BE49-F238E27FC236}">
-                <a16:creationId xmlns:a16="http://schemas.microsoft.com/office/drawing/2014/main" id="{93E93285-7563-FA39-90F7-BE9AE8666D25}"/>
-              </a:ext>
-            </a:extLst>
-          </p:cNvPr>
-          <p:cNvSpPr/>
-          <p:nvPr/>
-        </p:nvSpPr>
-        <p:spPr>
-          <a:xfrm>
-            <a:off x="1148985" y="164858"/>
-            <a:ext cx="322151" cy="272753"/>
-          </a:xfrm>
-          <a:prstGeom prst="rect">
-            <a:avLst/>
-          </a:prstGeom>
-          <a:solidFill>
-            <a:srgbClr val="F2EFF6"/>
-          </a:solidFill>
-          <a:ln>
-            <a:solidFill>
-              <a:srgbClr val="360084"/>
-            </a:solidFill>
-          </a:ln>
-        </p:spPr>
-        <p:style>
-          <a:lnRef idx="2">
-            <a:schemeClr val="accent1">
-              <a:shade val="15000"/>
-            </a:schemeClr>
-          </a:lnRef>
-          <a:fillRef idx="1">
-            <a:schemeClr val="accent1"/>
-          </a:fillRef>
-          <a:effectRef idx="0">
-            <a:schemeClr val="accent1"/>
-          </a:effectRef>
-          <a:fontRef idx="minor">
-            <a:schemeClr val="lt1"/>
-          </a:fontRef>
-        </p:style>
-        <p:txBody>
-          <a:bodyPr rtlCol="0" anchor="ctr"/>
-          <a:lstStyle/>
-          <a:p>
-            <a:pPr algn="ctr"/>
-            <a:r>
-              <a:rPr lang="en-US" sz="800" dirty="0">
-                <a:solidFill>
-                  <a:schemeClr val="tx1"/>
-                </a:solidFill>
-              </a:rPr>
-              <a:t>4</a:t>
-            </a:r>
-          </a:p>
-        </p:txBody>
-      </p:sp>
-      <p:sp>
-        <p:nvSpPr>
-          <p:cNvPr id="154" name="Rectangle 153">
-            <a:extLst>
-              <a:ext uri="{FF2B5EF4-FFF2-40B4-BE49-F238E27FC236}">
-                <a16:creationId xmlns:a16="http://schemas.microsoft.com/office/drawing/2014/main" id="{C8DE36DB-5E58-0D12-664B-6A5A1B886956}"/>
-              </a:ext>
-            </a:extLst>
-          </p:cNvPr>
-          <p:cNvSpPr/>
-          <p:nvPr/>
-        </p:nvSpPr>
-        <p:spPr>
-          <a:xfrm>
-            <a:off x="826834" y="164858"/>
-            <a:ext cx="322151" cy="272753"/>
-          </a:xfrm>
-          <a:prstGeom prst="rect">
-            <a:avLst/>
-          </a:prstGeom>
-          <a:solidFill>
-            <a:srgbClr val="F2EFF6"/>
-          </a:solidFill>
-          <a:ln>
-            <a:solidFill>
-              <a:srgbClr val="360084"/>
-            </a:solidFill>
-          </a:ln>
-        </p:spPr>
-        <p:style>
-          <a:lnRef idx="2">
-            <a:schemeClr val="accent1">
-              <a:shade val="15000"/>
-            </a:schemeClr>
-          </a:lnRef>
-          <a:fillRef idx="1">
-            <a:schemeClr val="accent1"/>
-          </a:fillRef>
-          <a:effectRef idx="0">
-            <a:schemeClr val="accent1"/>
-          </a:effectRef>
-          <a:fontRef idx="minor">
-            <a:schemeClr val="lt1"/>
-          </a:fontRef>
-        </p:style>
-        <p:txBody>
-          <a:bodyPr rtlCol="0" anchor="ctr"/>
-          <a:lstStyle/>
-          <a:p>
-            <a:pPr algn="ctr"/>
-            <a:r>
-              <a:rPr lang="en-US" sz="800" dirty="0">
-                <a:solidFill>
-                  <a:schemeClr val="tx1"/>
-                </a:solidFill>
-              </a:rPr>
-              <a:t>3</a:t>
-            </a:r>
-          </a:p>
-        </p:txBody>
-      </p:sp>
-      <p:sp>
-        <p:nvSpPr>
-          <p:cNvPr id="155" name="Rectangle 154">
-            <a:extLst>
-              <a:ext uri="{FF2B5EF4-FFF2-40B4-BE49-F238E27FC236}">
-                <a16:creationId xmlns:a16="http://schemas.microsoft.com/office/drawing/2014/main" id="{64520E2F-4D7F-B4DF-3795-F8BA9FC1EA0F}"/>
-              </a:ext>
-            </a:extLst>
-          </p:cNvPr>
-          <p:cNvSpPr/>
-          <p:nvPr/>
-        </p:nvSpPr>
-        <p:spPr>
-          <a:xfrm>
-            <a:off x="182534" y="710369"/>
-            <a:ext cx="322151" cy="272753"/>
-          </a:xfrm>
-          <a:prstGeom prst="rect">
-            <a:avLst/>
-          </a:prstGeom>
-          <a:solidFill>
-            <a:srgbClr val="FDF8EE"/>
-          </a:solidFill>
-          <a:ln>
-            <a:solidFill>
-              <a:srgbClr val="EFC57B"/>
-            </a:solidFill>
-          </a:ln>
-        </p:spPr>
-        <p:style>
-          <a:lnRef idx="2">
-            <a:schemeClr val="accent1">
-              <a:shade val="15000"/>
-            </a:schemeClr>
-          </a:lnRef>
-          <a:fillRef idx="1">
-            <a:schemeClr val="accent1"/>
-          </a:fillRef>
-          <a:effectRef idx="0">
-            <a:schemeClr val="accent1"/>
-          </a:effectRef>
-          <a:fontRef idx="minor">
-            <a:schemeClr val="lt1"/>
-          </a:fontRef>
-        </p:style>
-        <p:txBody>
-          <a:bodyPr rtlCol="0" anchor="ctr"/>
-          <a:lstStyle/>
-          <a:p>
-            <a:pPr algn="ctr"/>
-            <a:r>
-              <a:rPr lang="en-US" sz="800" dirty="0">
-                <a:solidFill>
-                  <a:schemeClr val="tx1"/>
-                </a:solidFill>
-              </a:rPr>
-              <a:t>9</a:t>
-            </a:r>
-          </a:p>
-        </p:txBody>
-      </p:sp>
-      <p:sp>
-        <p:nvSpPr>
-          <p:cNvPr id="156" name="Rectangle 155">
-            <a:extLst>
-              <a:ext uri="{FF2B5EF4-FFF2-40B4-BE49-F238E27FC236}">
-                <a16:creationId xmlns:a16="http://schemas.microsoft.com/office/drawing/2014/main" id="{1368FC30-67A3-2DCE-CC50-7AD269361369}"/>
-              </a:ext>
-            </a:extLst>
-          </p:cNvPr>
-          <p:cNvSpPr/>
-          <p:nvPr/>
-        </p:nvSpPr>
-        <p:spPr>
-          <a:xfrm>
-            <a:off x="1148987" y="710367"/>
-            <a:ext cx="322151" cy="272753"/>
-          </a:xfrm>
-          <a:prstGeom prst="rect">
-            <a:avLst/>
-          </a:prstGeom>
-          <a:solidFill>
-            <a:srgbClr val="FDF8EE"/>
-          </a:solidFill>
-          <a:ln>
-            <a:solidFill>
-              <a:srgbClr val="EFC57B"/>
-            </a:solidFill>
-          </a:ln>
-        </p:spPr>
-        <p:style>
-          <a:lnRef idx="2">
-            <a:schemeClr val="accent1">
-              <a:shade val="15000"/>
-            </a:schemeClr>
-          </a:lnRef>
-          <a:fillRef idx="1">
-            <a:schemeClr val="accent1"/>
-          </a:fillRef>
-          <a:effectRef idx="0">
-            <a:schemeClr val="accent1"/>
-          </a:effectRef>
-          <a:fontRef idx="minor">
-            <a:schemeClr val="lt1"/>
-          </a:fontRef>
-        </p:style>
-        <p:txBody>
-          <a:bodyPr rtlCol="0" anchor="ctr"/>
-          <a:lstStyle/>
-          <a:p>
-            <a:pPr algn="ctr"/>
-            <a:r>
-              <a:rPr lang="en-US" sz="800" dirty="0">
-                <a:solidFill>
-                  <a:schemeClr val="tx1"/>
-                </a:solidFill>
-              </a:rPr>
-              <a:t>12</a:t>
-            </a:r>
-          </a:p>
-        </p:txBody>
-      </p:sp>
-      <p:sp>
-        <p:nvSpPr>
-          <p:cNvPr id="157" name="Rectangle 156">
-            <a:extLst>
-              <a:ext uri="{FF2B5EF4-FFF2-40B4-BE49-F238E27FC236}">
-                <a16:creationId xmlns:a16="http://schemas.microsoft.com/office/drawing/2014/main" id="{35EC3B8E-9BA5-D57C-9909-BB93723D4080}"/>
-              </a:ext>
-            </a:extLst>
-          </p:cNvPr>
-          <p:cNvSpPr/>
-          <p:nvPr/>
-        </p:nvSpPr>
-        <p:spPr>
-          <a:xfrm>
-            <a:off x="826836" y="710367"/>
-            <a:ext cx="322151" cy="272753"/>
-          </a:xfrm>
-          <a:prstGeom prst="rect">
-            <a:avLst/>
-          </a:prstGeom>
-          <a:solidFill>
-            <a:srgbClr val="FDF8EE"/>
-          </a:solidFill>
-          <a:ln>
-            <a:solidFill>
-              <a:srgbClr val="EFC57B"/>
-            </a:solidFill>
-          </a:ln>
-        </p:spPr>
-        <p:style>
-          <a:lnRef idx="2">
-            <a:schemeClr val="accent1">
-              <a:shade val="15000"/>
-            </a:schemeClr>
-          </a:lnRef>
-          <a:fillRef idx="1">
-            <a:schemeClr val="accent1"/>
-          </a:fillRef>
-          <a:effectRef idx="0">
-            <a:schemeClr val="accent1"/>
-          </a:effectRef>
-          <a:fontRef idx="minor">
-            <a:schemeClr val="lt1"/>
-          </a:fontRef>
-        </p:style>
-        <p:txBody>
-          <a:bodyPr rtlCol="0" anchor="ctr"/>
-          <a:lstStyle/>
-          <a:p>
-            <a:pPr algn="ctr"/>
-            <a:r>
-              <a:rPr lang="en-US" sz="800" dirty="0">
-                <a:solidFill>
-                  <a:schemeClr val="tx1"/>
-                </a:solidFill>
-              </a:rPr>
-              <a:t>11</a:t>
-            </a:r>
-          </a:p>
-        </p:txBody>
-      </p:sp>
-      <p:sp>
-        <p:nvSpPr>
-          <p:cNvPr id="158" name="Rectangle 157">
-            <a:extLst>
-              <a:ext uri="{FF2B5EF4-FFF2-40B4-BE49-F238E27FC236}">
-                <a16:creationId xmlns:a16="http://schemas.microsoft.com/office/drawing/2014/main" id="{17E56CB6-35D0-D8C6-FC0D-1D7B88DC2711}"/>
-              </a:ext>
-            </a:extLst>
-          </p:cNvPr>
-          <p:cNvSpPr/>
-          <p:nvPr/>
-        </p:nvSpPr>
-        <p:spPr>
-          <a:xfrm>
-            <a:off x="504683" y="164859"/>
-            <a:ext cx="322151" cy="272753"/>
-          </a:xfrm>
-          <a:prstGeom prst="rect">
-            <a:avLst/>
-          </a:prstGeom>
-          <a:solidFill>
-            <a:srgbClr val="F2EFF6"/>
-          </a:solidFill>
-          <a:ln>
-            <a:solidFill>
-              <a:srgbClr val="360084"/>
-            </a:solidFill>
-          </a:ln>
-        </p:spPr>
-        <p:style>
-          <a:lnRef idx="2">
-            <a:schemeClr val="accent1">
-              <a:shade val="15000"/>
-            </a:schemeClr>
-          </a:lnRef>
-          <a:fillRef idx="1">
-            <a:schemeClr val="accent1"/>
-          </a:fillRef>
-          <a:effectRef idx="0">
-            <a:schemeClr val="accent1"/>
-          </a:effectRef>
-          <a:fontRef idx="minor">
-            <a:schemeClr val="lt1"/>
-          </a:fontRef>
-        </p:style>
-        <p:txBody>
-          <a:bodyPr rtlCol="0" anchor="ctr"/>
-          <a:lstStyle/>
-          <a:p>
-            <a:pPr algn="ctr"/>
-            <a:r>
-              <a:rPr lang="en-US" sz="800" dirty="0">
-                <a:solidFill>
-                  <a:schemeClr val="tx1"/>
-                </a:solidFill>
-              </a:rPr>
-              <a:t>2</a:t>
-            </a:r>
-          </a:p>
-        </p:txBody>
-      </p:sp>
-      <p:sp>
-        <p:nvSpPr>
-          <p:cNvPr id="159" name="Rectangle 158">
-            <a:extLst>
-              <a:ext uri="{FF2B5EF4-FFF2-40B4-BE49-F238E27FC236}">
-                <a16:creationId xmlns:a16="http://schemas.microsoft.com/office/drawing/2014/main" id="{6CD3529D-38C9-20A0-0DD5-B2873AED6456}"/>
-              </a:ext>
-            </a:extLst>
-          </p:cNvPr>
-          <p:cNvSpPr/>
-          <p:nvPr/>
-        </p:nvSpPr>
-        <p:spPr>
-          <a:xfrm>
-            <a:off x="504685" y="710368"/>
-            <a:ext cx="322151" cy="272753"/>
-          </a:xfrm>
-          <a:prstGeom prst="rect">
-            <a:avLst/>
-          </a:prstGeom>
-          <a:solidFill>
-            <a:srgbClr val="FDF8EE"/>
-          </a:solidFill>
-          <a:ln>
-            <a:solidFill>
-              <a:srgbClr val="EFC57B"/>
-            </a:solidFill>
-          </a:ln>
-        </p:spPr>
-        <p:style>
-          <a:lnRef idx="2">
-            <a:schemeClr val="accent1">
-              <a:shade val="15000"/>
-            </a:schemeClr>
-          </a:lnRef>
-          <a:fillRef idx="1">
-            <a:schemeClr val="accent1"/>
-          </a:fillRef>
-          <a:effectRef idx="0">
-            <a:schemeClr val="accent1"/>
-          </a:effectRef>
-          <a:fontRef idx="minor">
-            <a:schemeClr val="lt1"/>
-          </a:fontRef>
-        </p:style>
-        <p:txBody>
-          <a:bodyPr rtlCol="0" anchor="ctr"/>
-          <a:lstStyle/>
-          <a:p>
-            <a:pPr algn="ctr"/>
-            <a:r>
-              <a:rPr lang="en-US" sz="800" dirty="0">
-                <a:solidFill>
-                  <a:schemeClr val="tx1"/>
-                </a:solidFill>
-              </a:rPr>
-              <a:t>10</a:t>
-            </a:r>
-          </a:p>
-        </p:txBody>
-      </p:sp>
       <p:sp>
         <p:nvSpPr>
           <p:cNvPr id="163" name="Rectangle 162">
@@ -19025,7 +19025,7 @@
         </p:nvSpPr>
         <p:spPr>
           <a:xfrm>
-            <a:off x="2674684" y="2596813"/>
+            <a:off x="2730831" y="1016665"/>
             <a:ext cx="745014" cy="272753"/>
           </a:xfrm>
           <a:prstGeom prst="rect">
@@ -19071,19 +19071,324 @@
       </p:sp>
       <p:sp>
         <p:nvSpPr>
-          <p:cNvPr id="166" name="Rectangle 165">
-            <a:extLst>
-              <a:ext uri="{FF2B5EF4-FFF2-40B4-BE49-F238E27FC236}">
-                <a16:creationId xmlns:a16="http://schemas.microsoft.com/office/drawing/2014/main" id="{7E063202-51EC-BF65-4CC6-896792ADA83A}"/>
-              </a:ext>
-            </a:extLst>
-          </p:cNvPr>
-          <p:cNvSpPr/>
-          <p:nvPr/>
-        </p:nvSpPr>
-        <p:spPr>
-          <a:xfrm>
-            <a:off x="2674684" y="2869566"/>
+          <p:cNvPr id="167" name="Rectangle 166">
+            <a:extLst>
+              <a:ext uri="{FF2B5EF4-FFF2-40B4-BE49-F238E27FC236}">
+                <a16:creationId xmlns:a16="http://schemas.microsoft.com/office/drawing/2014/main" id="{F3C82F66-AA2B-5A4A-A7EB-E4CD82CF5542}"/>
+              </a:ext>
+            </a:extLst>
+          </p:cNvPr>
+          <p:cNvSpPr/>
+          <p:nvPr/>
+        </p:nvSpPr>
+        <p:spPr>
+          <a:xfrm>
+            <a:off x="2730831" y="1301033"/>
+            <a:ext cx="745014" cy="272753"/>
+          </a:xfrm>
+          <a:prstGeom prst="rect">
+            <a:avLst/>
+          </a:prstGeom>
+          <a:solidFill>
+            <a:srgbClr val="F0FDF2"/>
+          </a:solidFill>
+          <a:ln>
+            <a:solidFill>
+              <a:srgbClr val="82E995"/>
+            </a:solidFill>
+          </a:ln>
+        </p:spPr>
+        <p:style>
+          <a:lnRef idx="2">
+            <a:schemeClr val="accent1">
+              <a:shade val="15000"/>
+            </a:schemeClr>
+          </a:lnRef>
+          <a:fillRef idx="1">
+            <a:schemeClr val="accent1"/>
+          </a:fillRef>
+          <a:effectRef idx="0">
+            <a:schemeClr val="accent1"/>
+          </a:effectRef>
+          <a:fontRef idx="minor">
+            <a:schemeClr val="lt1"/>
+          </a:fontRef>
+        </p:style>
+        <p:txBody>
+          <a:bodyPr rtlCol="0" anchor="ctr"/>
+          <a:lstStyle/>
+          <a:p>
+            <a:pPr algn="ctr"/>
+            <a:r>
+              <a:rPr lang="en-US" sz="800" dirty="0">
+                <a:solidFill>
+                  <a:schemeClr val="tx1"/>
+                </a:solidFill>
+              </a:rPr>
+              <a:t>name[0]</a:t>
+            </a:r>
+          </a:p>
+        </p:txBody>
+      </p:sp>
+      <p:sp>
+        <p:nvSpPr>
+          <p:cNvPr id="172" name="Rectangle 171">
+            <a:extLst>
+              <a:ext uri="{FF2B5EF4-FFF2-40B4-BE49-F238E27FC236}">
+                <a16:creationId xmlns:a16="http://schemas.microsoft.com/office/drawing/2014/main" id="{68ECC8A0-F6AC-2CC3-6DF5-A6EF608216C1}"/>
+              </a:ext>
+            </a:extLst>
+          </p:cNvPr>
+          <p:cNvSpPr/>
+          <p:nvPr/>
+        </p:nvSpPr>
+        <p:spPr>
+          <a:xfrm>
+            <a:off x="2730831" y="1574387"/>
+            <a:ext cx="745014" cy="272753"/>
+          </a:xfrm>
+          <a:prstGeom prst="rect">
+            <a:avLst/>
+          </a:prstGeom>
+          <a:solidFill>
+            <a:srgbClr val="F0FDF2"/>
+          </a:solidFill>
+          <a:ln>
+            <a:solidFill>
+              <a:srgbClr val="82E995"/>
+            </a:solidFill>
+          </a:ln>
+        </p:spPr>
+        <p:style>
+          <a:lnRef idx="2">
+            <a:schemeClr val="accent1">
+              <a:shade val="15000"/>
+            </a:schemeClr>
+          </a:lnRef>
+          <a:fillRef idx="1">
+            <a:schemeClr val="accent1"/>
+          </a:fillRef>
+          <a:effectRef idx="0">
+            <a:schemeClr val="accent1"/>
+          </a:effectRef>
+          <a:fontRef idx="minor">
+            <a:schemeClr val="lt1"/>
+          </a:fontRef>
+        </p:style>
+        <p:txBody>
+          <a:bodyPr rtlCol="0" anchor="ctr"/>
+          <a:lstStyle/>
+          <a:p>
+            <a:pPr algn="ctr"/>
+            <a:r>
+              <a:rPr lang="en-US" sz="800" dirty="0">
+                <a:solidFill>
+                  <a:schemeClr val="tx1"/>
+                </a:solidFill>
+              </a:rPr>
+              <a:t>name[1]</a:t>
+            </a:r>
+          </a:p>
+        </p:txBody>
+      </p:sp>
+      <p:sp>
+        <p:nvSpPr>
+          <p:cNvPr id="173" name="Rectangle 172">
+            <a:extLst>
+              <a:ext uri="{FF2B5EF4-FFF2-40B4-BE49-F238E27FC236}">
+                <a16:creationId xmlns:a16="http://schemas.microsoft.com/office/drawing/2014/main" id="{3612A61C-61D4-981A-768E-0035D77A022B}"/>
+              </a:ext>
+            </a:extLst>
+          </p:cNvPr>
+          <p:cNvSpPr/>
+          <p:nvPr/>
+        </p:nvSpPr>
+        <p:spPr>
+          <a:xfrm>
+            <a:off x="2730831" y="1841751"/>
+            <a:ext cx="745014" cy="272753"/>
+          </a:xfrm>
+          <a:prstGeom prst="rect">
+            <a:avLst/>
+          </a:prstGeom>
+          <a:solidFill>
+            <a:srgbClr val="F0FDF2"/>
+          </a:solidFill>
+          <a:ln>
+            <a:solidFill>
+              <a:srgbClr val="82E995"/>
+            </a:solidFill>
+          </a:ln>
+        </p:spPr>
+        <p:style>
+          <a:lnRef idx="2">
+            <a:schemeClr val="accent1">
+              <a:shade val="15000"/>
+            </a:schemeClr>
+          </a:lnRef>
+          <a:fillRef idx="1">
+            <a:schemeClr val="accent1"/>
+          </a:fillRef>
+          <a:effectRef idx="0">
+            <a:schemeClr val="accent1"/>
+          </a:effectRef>
+          <a:fontRef idx="minor">
+            <a:schemeClr val="lt1"/>
+          </a:fontRef>
+        </p:style>
+        <p:txBody>
+          <a:bodyPr rtlCol="0" anchor="ctr"/>
+          <a:lstStyle/>
+          <a:p>
+            <a:pPr algn="ctr"/>
+            <a:r>
+              <a:rPr lang="en-US" sz="800" dirty="0">
+                <a:solidFill>
+                  <a:schemeClr val="tx1"/>
+                </a:solidFill>
+              </a:rPr>
+              <a:t>name[2]</a:t>
+            </a:r>
+          </a:p>
+        </p:txBody>
+      </p:sp>
+      <p:sp>
+        <p:nvSpPr>
+          <p:cNvPr id="174" name="Rectangle 173">
+            <a:extLst>
+              <a:ext uri="{FF2B5EF4-FFF2-40B4-BE49-F238E27FC236}">
+                <a16:creationId xmlns:a16="http://schemas.microsoft.com/office/drawing/2014/main" id="{7B6BB7F3-924F-6437-9F58-A8720010D41E}"/>
+              </a:ext>
+            </a:extLst>
+          </p:cNvPr>
+          <p:cNvSpPr/>
+          <p:nvPr/>
+        </p:nvSpPr>
+        <p:spPr>
+          <a:xfrm>
+            <a:off x="2730831" y="2114504"/>
+            <a:ext cx="745014" cy="272753"/>
+          </a:xfrm>
+          <a:prstGeom prst="rect">
+            <a:avLst/>
+          </a:prstGeom>
+          <a:solidFill>
+            <a:srgbClr val="F0FDF2"/>
+          </a:solidFill>
+          <a:ln>
+            <a:solidFill>
+              <a:srgbClr val="82E995"/>
+            </a:solidFill>
+          </a:ln>
+        </p:spPr>
+        <p:style>
+          <a:lnRef idx="2">
+            <a:schemeClr val="accent1">
+              <a:shade val="15000"/>
+            </a:schemeClr>
+          </a:lnRef>
+          <a:fillRef idx="1">
+            <a:schemeClr val="accent1"/>
+          </a:fillRef>
+          <a:effectRef idx="0">
+            <a:schemeClr val="accent1"/>
+          </a:effectRef>
+          <a:fontRef idx="minor">
+            <a:schemeClr val="lt1"/>
+          </a:fontRef>
+        </p:style>
+        <p:txBody>
+          <a:bodyPr rtlCol="0" anchor="ctr"/>
+          <a:lstStyle/>
+          <a:p>
+            <a:pPr algn="ctr"/>
+            <a:r>
+              <a:rPr lang="en-US" sz="800" dirty="0">
+                <a:solidFill>
+                  <a:schemeClr val="tx1"/>
+                </a:solidFill>
+              </a:rPr>
+              <a:t>name[3]</a:t>
+            </a:r>
+          </a:p>
+        </p:txBody>
+      </p:sp>
+      <p:sp>
+        <p:nvSpPr>
+          <p:cNvPr id="175" name="Rectangle 174">
+            <a:extLst>
+              <a:ext uri="{FF2B5EF4-FFF2-40B4-BE49-F238E27FC236}">
+                <a16:creationId xmlns:a16="http://schemas.microsoft.com/office/drawing/2014/main" id="{7A7C75F0-074D-DBFF-32B9-54DC61047B1F}"/>
+              </a:ext>
+            </a:extLst>
+          </p:cNvPr>
+          <p:cNvSpPr/>
+          <p:nvPr/>
+        </p:nvSpPr>
+        <p:spPr>
+          <a:xfrm>
+            <a:off x="2730831" y="2381868"/>
+            <a:ext cx="745014" cy="272753"/>
+          </a:xfrm>
+          <a:prstGeom prst="rect">
+            <a:avLst/>
+          </a:prstGeom>
+          <a:solidFill>
+            <a:srgbClr val="F0FDF2"/>
+          </a:solidFill>
+          <a:ln>
+            <a:solidFill>
+              <a:srgbClr val="82E995"/>
+            </a:solidFill>
+          </a:ln>
+        </p:spPr>
+        <p:style>
+          <a:lnRef idx="2">
+            <a:schemeClr val="accent1">
+              <a:shade val="15000"/>
+            </a:schemeClr>
+          </a:lnRef>
+          <a:fillRef idx="1">
+            <a:schemeClr val="accent1"/>
+          </a:fillRef>
+          <a:effectRef idx="0">
+            <a:schemeClr val="accent1"/>
+          </a:effectRef>
+          <a:fontRef idx="minor">
+            <a:schemeClr val="lt1"/>
+          </a:fontRef>
+        </p:style>
+        <p:txBody>
+          <a:bodyPr rtlCol="0" anchor="ctr"/>
+          <a:lstStyle/>
+          <a:p>
+            <a:pPr algn="ctr"/>
+            <a:r>
+              <a:rPr lang="en-US" sz="800" dirty="0">
+                <a:solidFill>
+                  <a:schemeClr val="tx1"/>
+                </a:solidFill>
+              </a:rPr>
+              <a:t>name[4]</a:t>
+            </a:r>
+          </a:p>
+        </p:txBody>
+      </p:sp>
+      <p:sp>
+        <p:nvSpPr>
+          <p:cNvPr id="181" name="Rectangle 180">
+            <a:extLst>
+              <a:ext uri="{FF2B5EF4-FFF2-40B4-BE49-F238E27FC236}">
+                <a16:creationId xmlns:a16="http://schemas.microsoft.com/office/drawing/2014/main" id="{B6F2837D-28F8-7EA6-8660-A44F748A548C}"/>
+              </a:ext>
+            </a:extLst>
+          </p:cNvPr>
+          <p:cNvSpPr/>
+          <p:nvPr/>
+        </p:nvSpPr>
+        <p:spPr>
+          <a:xfrm>
+            <a:off x="2730831" y="469717"/>
             <a:ext cx="745014" cy="272753"/>
           </a:xfrm>
           <a:prstGeom prst="rect">
@@ -19129,25 +19434,486 @@
       </p:sp>
       <p:sp>
         <p:nvSpPr>
-          <p:cNvPr id="167" name="Rectangle 166">
-            <a:extLst>
-              <a:ext uri="{FF2B5EF4-FFF2-40B4-BE49-F238E27FC236}">
-                <a16:creationId xmlns:a16="http://schemas.microsoft.com/office/drawing/2014/main" id="{F3C82F66-AA2B-5A4A-A7EB-E4CD82CF5542}"/>
-              </a:ext>
-            </a:extLst>
-          </p:cNvPr>
-          <p:cNvSpPr/>
-          <p:nvPr/>
-        </p:nvSpPr>
-        <p:spPr>
-          <a:xfrm>
-            <a:off x="2674684" y="3143280"/>
+          <p:cNvPr id="182" name="Rectangle 181">
+            <a:extLst>
+              <a:ext uri="{FF2B5EF4-FFF2-40B4-BE49-F238E27FC236}">
+                <a16:creationId xmlns:a16="http://schemas.microsoft.com/office/drawing/2014/main" id="{9FBDFDFD-6E44-49F5-CA54-6CA0911DB1FB}"/>
+              </a:ext>
+            </a:extLst>
+          </p:cNvPr>
+          <p:cNvSpPr/>
+          <p:nvPr/>
+        </p:nvSpPr>
+        <p:spPr>
+          <a:xfrm>
+            <a:off x="238679" y="195462"/>
+            <a:ext cx="1838183" cy="2733417"/>
+          </a:xfrm>
+          <a:prstGeom prst="rect">
+            <a:avLst/>
+          </a:prstGeom>
+          <a:noFill/>
+          <a:ln>
+            <a:noFill/>
+          </a:ln>
+        </p:spPr>
+        <p:style>
+          <a:lnRef idx="2">
+            <a:schemeClr val="accent1">
+              <a:shade val="15000"/>
+            </a:schemeClr>
+          </a:lnRef>
+          <a:fillRef idx="1">
+            <a:schemeClr val="accent1"/>
+          </a:fillRef>
+          <a:effectRef idx="0">
+            <a:schemeClr val="accent1"/>
+          </a:effectRef>
+          <a:fontRef idx="minor">
+            <a:schemeClr val="lt1"/>
+          </a:fontRef>
+        </p:style>
+        <p:txBody>
+          <a:bodyPr rtlCol="0" anchor="ctr"/>
+          <a:lstStyle/>
+          <a:p>
+            <a:r>
+              <a:rPr lang="en-US" dirty="0">
+                <a:solidFill>
+                  <a:srgbClr val="008001"/>
+                </a:solidFill>
+              </a:rPr>
+              <a:t>struct</a:t>
+            </a:r>
+            <a:r>
+              <a:rPr lang="en-US" dirty="0">
+                <a:solidFill>
+                  <a:schemeClr val="tx1"/>
+                </a:solidFill>
+              </a:rPr>
+              <a:t> </a:t>
+            </a:r>
+            <a:r>
+              <a:rPr lang="en-US" dirty="0" err="1">
+                <a:solidFill>
+                  <a:schemeClr val="tx1"/>
+                </a:solidFill>
+              </a:rPr>
+              <a:t>MyStruct</a:t>
+            </a:r>
+            <a:r>
+              <a:rPr lang="en-US" dirty="0">
+                <a:solidFill>
+                  <a:schemeClr val="tx1"/>
+                </a:solidFill>
+              </a:rPr>
+              <a:t> {</a:t>
+            </a:r>
+          </a:p>
+          <a:p>
+            <a:pPr algn="r"/>
+            <a:r>
+              <a:rPr lang="en-US" dirty="0">
+                <a:solidFill>
+                  <a:schemeClr val="tx1"/>
+                </a:solidFill>
+              </a:rPr>
+              <a:t>    </a:t>
+            </a:r>
+            <a:r>
+              <a:rPr lang="en-US" dirty="0">
+                <a:solidFill>
+                  <a:srgbClr val="B00040"/>
+                </a:solidFill>
+              </a:rPr>
+              <a:t>int</a:t>
+            </a:r>
+            <a:r>
+              <a:rPr lang="en-US" dirty="0">
+                <a:solidFill>
+                  <a:schemeClr val="tx1"/>
+                </a:solidFill>
+              </a:rPr>
+              <a:t> </a:t>
+            </a:r>
+            <a:r>
+              <a:rPr lang="en-US" dirty="0">
+                <a:solidFill>
+                  <a:srgbClr val="360084"/>
+                </a:solidFill>
+              </a:rPr>
+              <a:t>id</a:t>
+            </a:r>
+            <a:r>
+              <a:rPr lang="en-US" dirty="0">
+                <a:solidFill>
+                  <a:schemeClr val="tx1"/>
+                </a:solidFill>
+              </a:rPr>
+              <a:t>;</a:t>
+            </a:r>
+          </a:p>
+          <a:p>
+            <a:pPr algn="r"/>
+            <a:r>
+              <a:rPr lang="en-US" dirty="0">
+                <a:solidFill>
+                  <a:schemeClr val="tx1"/>
+                </a:solidFill>
+              </a:rPr>
+              <a:t>    </a:t>
+            </a:r>
+            <a:r>
+              <a:rPr lang="en-US" dirty="0">
+                <a:solidFill>
+                  <a:srgbClr val="B00040"/>
+                </a:solidFill>
+              </a:rPr>
+              <a:t>double</a:t>
+            </a:r>
+            <a:r>
+              <a:rPr lang="en-US" dirty="0">
+                <a:solidFill>
+                  <a:schemeClr val="tx1"/>
+                </a:solidFill>
+              </a:rPr>
+              <a:t> </a:t>
+            </a:r>
+            <a:r>
+              <a:rPr lang="en-US" dirty="0">
+                <a:solidFill>
+                  <a:srgbClr val="EFC57B"/>
+                </a:solidFill>
+              </a:rPr>
+              <a:t>value</a:t>
+            </a:r>
+            <a:r>
+              <a:rPr lang="en-US" dirty="0">
+                <a:solidFill>
+                  <a:schemeClr val="tx1"/>
+                </a:solidFill>
+              </a:rPr>
+              <a:t>;</a:t>
+            </a:r>
+          </a:p>
+          <a:p>
+            <a:pPr algn="r"/>
+            <a:r>
+              <a:rPr lang="en-US" dirty="0">
+                <a:solidFill>
+                  <a:schemeClr val="tx1"/>
+                </a:solidFill>
+              </a:rPr>
+              <a:t>    </a:t>
+            </a:r>
+            <a:r>
+              <a:rPr lang="en-US" dirty="0">
+                <a:solidFill>
+                  <a:srgbClr val="B00040"/>
+                </a:solidFill>
+              </a:rPr>
+              <a:t>char</a:t>
+            </a:r>
+            <a:r>
+              <a:rPr lang="en-US" dirty="0">
+                <a:solidFill>
+                  <a:schemeClr val="tx1"/>
+                </a:solidFill>
+              </a:rPr>
+              <a:t> </a:t>
+            </a:r>
+            <a:r>
+              <a:rPr lang="en-US" dirty="0">
+                <a:solidFill>
+                  <a:srgbClr val="82E995"/>
+                </a:solidFill>
+              </a:rPr>
+              <a:t>name[5];</a:t>
+            </a:r>
+          </a:p>
+          <a:p>
+            <a:r>
+              <a:rPr lang="en-US" dirty="0">
+                <a:solidFill>
+                  <a:schemeClr val="tx1"/>
+                </a:solidFill>
+              </a:rPr>
+              <a:t>};</a:t>
+            </a:r>
+          </a:p>
+        </p:txBody>
+      </p:sp>
+      <p:sp>
+        <p:nvSpPr>
+          <p:cNvPr id="162" name="Rectangle 161">
+            <a:extLst>
+              <a:ext uri="{FF2B5EF4-FFF2-40B4-BE49-F238E27FC236}">
+                <a16:creationId xmlns:a16="http://schemas.microsoft.com/office/drawing/2014/main" id="{9CB46FAE-109A-2965-2352-390E8D3B94DC}"/>
+              </a:ext>
+            </a:extLst>
+          </p:cNvPr>
+          <p:cNvSpPr/>
+          <p:nvPr/>
+        </p:nvSpPr>
+        <p:spPr>
+          <a:xfrm>
+            <a:off x="2730831" y="742951"/>
             <a:ext cx="745014" cy="272753"/>
           </a:xfrm>
           <a:prstGeom prst="rect">
             <a:avLst/>
           </a:prstGeom>
           <a:solidFill>
+            <a:srgbClr val="FDF8EE"/>
+          </a:solidFill>
+          <a:ln>
+            <a:solidFill>
+              <a:srgbClr val="EFC57B"/>
+            </a:solidFill>
+          </a:ln>
+        </p:spPr>
+        <p:style>
+          <a:lnRef idx="2">
+            <a:schemeClr val="accent1">
+              <a:shade val="15000"/>
+            </a:schemeClr>
+          </a:lnRef>
+          <a:fillRef idx="1">
+            <a:schemeClr val="accent1"/>
+          </a:fillRef>
+          <a:effectRef idx="0">
+            <a:schemeClr val="accent1"/>
+          </a:effectRef>
+          <a:fontRef idx="minor">
+            <a:schemeClr val="lt1"/>
+          </a:fontRef>
+        </p:style>
+        <p:txBody>
+          <a:bodyPr rtlCol="0" anchor="ctr"/>
+          <a:lstStyle/>
+          <a:p>
+            <a:pPr algn="ctr"/>
+            <a:r>
+              <a:rPr lang="en-US" sz="800" dirty="0">
+                <a:solidFill>
+                  <a:schemeClr val="tx1"/>
+                </a:solidFill>
+              </a:rPr>
+              <a:t>value</a:t>
+            </a:r>
+          </a:p>
+        </p:txBody>
+      </p:sp>
+      <p:sp>
+        <p:nvSpPr>
+          <p:cNvPr id="180" name="Rectangle 179">
+            <a:extLst>
+              <a:ext uri="{FF2B5EF4-FFF2-40B4-BE49-F238E27FC236}">
+                <a16:creationId xmlns:a16="http://schemas.microsoft.com/office/drawing/2014/main" id="{BC301751-CFF4-FB04-DD16-9F2AAACA0BF1}"/>
+              </a:ext>
+            </a:extLst>
+          </p:cNvPr>
+          <p:cNvSpPr/>
+          <p:nvPr/>
+        </p:nvSpPr>
+        <p:spPr>
+          <a:xfrm>
+            <a:off x="2730831" y="196003"/>
+            <a:ext cx="745014" cy="272753"/>
+          </a:xfrm>
+          <a:prstGeom prst="rect">
+            <a:avLst/>
+          </a:prstGeom>
+          <a:solidFill>
+            <a:srgbClr val="F2EFF6"/>
+          </a:solidFill>
+          <a:ln>
+            <a:solidFill>
+              <a:srgbClr val="360084"/>
+            </a:solidFill>
+          </a:ln>
+        </p:spPr>
+        <p:style>
+          <a:lnRef idx="2">
+            <a:schemeClr val="accent1">
+              <a:shade val="15000"/>
+            </a:schemeClr>
+          </a:lnRef>
+          <a:fillRef idx="1">
+            <a:schemeClr val="accent1"/>
+          </a:fillRef>
+          <a:effectRef idx="0">
+            <a:schemeClr val="accent1"/>
+          </a:effectRef>
+          <a:fontRef idx="minor">
+            <a:schemeClr val="lt1"/>
+          </a:fontRef>
+        </p:style>
+        <p:txBody>
+          <a:bodyPr rtlCol="0" anchor="ctr"/>
+          <a:lstStyle/>
+          <a:p>
+            <a:pPr algn="ctr"/>
+            <a:r>
+              <a:rPr lang="en-US" sz="800" dirty="0">
+                <a:solidFill>
+                  <a:schemeClr val="tx1"/>
+                </a:solidFill>
+              </a:rPr>
+              <a:t>id</a:t>
+            </a:r>
+          </a:p>
+        </p:txBody>
+      </p:sp>
+      <p:cxnSp>
+        <p:nvCxnSpPr>
+          <p:cNvPr id="184" name="Straight Arrow Connector 183">
+            <a:extLst>
+              <a:ext uri="{FF2B5EF4-FFF2-40B4-BE49-F238E27FC236}">
+                <a16:creationId xmlns:a16="http://schemas.microsoft.com/office/drawing/2014/main" id="{0529B84F-D2BC-75EB-66BD-758CD542EAFA}"/>
+              </a:ext>
+            </a:extLst>
+          </p:cNvPr>
+          <p:cNvCxnSpPr/>
+          <p:nvPr/>
+        </p:nvCxnSpPr>
+        <p:spPr>
+          <a:xfrm flipV="1">
+            <a:off x="2002280" y="468756"/>
+            <a:ext cx="728551" cy="820662"/>
+          </a:xfrm>
+          <a:prstGeom prst="straightConnector1">
+            <a:avLst/>
+          </a:prstGeom>
+          <a:ln w="19050">
+            <a:solidFill>
+              <a:srgbClr val="360084"/>
+            </a:solidFill>
+            <a:tailEnd type="triangle"/>
+          </a:ln>
+        </p:spPr>
+        <p:style>
+          <a:lnRef idx="1">
+            <a:schemeClr val="accent1"/>
+          </a:lnRef>
+          <a:fillRef idx="0">
+            <a:schemeClr val="accent1"/>
+          </a:fillRef>
+          <a:effectRef idx="0">
+            <a:schemeClr val="accent1"/>
+          </a:effectRef>
+          <a:fontRef idx="minor">
+            <a:schemeClr val="tx1"/>
+          </a:fontRef>
+        </p:style>
+      </p:cxnSp>
+      <p:cxnSp>
+        <p:nvCxnSpPr>
+          <p:cNvPr id="186" name="Straight Arrow Connector 185">
+            <a:extLst>
+              <a:ext uri="{FF2B5EF4-FFF2-40B4-BE49-F238E27FC236}">
+                <a16:creationId xmlns:a16="http://schemas.microsoft.com/office/drawing/2014/main" id="{39FD29F5-4411-137B-1639-D450A471B8BC}"/>
+              </a:ext>
+            </a:extLst>
+          </p:cNvPr>
+          <p:cNvCxnSpPr/>
+          <p:nvPr/>
+        </p:nvCxnSpPr>
+        <p:spPr>
+          <a:xfrm flipV="1">
+            <a:off x="2002280" y="1015704"/>
+            <a:ext cx="728551" cy="546466"/>
+          </a:xfrm>
+          <a:prstGeom prst="straightConnector1">
+            <a:avLst/>
+          </a:prstGeom>
+          <a:ln w="19050">
+            <a:solidFill>
+              <a:srgbClr val="EFC57B"/>
+            </a:solidFill>
+            <a:tailEnd type="triangle"/>
+          </a:ln>
+        </p:spPr>
+        <p:style>
+          <a:lnRef idx="1">
+            <a:schemeClr val="accent1"/>
+          </a:lnRef>
+          <a:fillRef idx="0">
+            <a:schemeClr val="accent1"/>
+          </a:fillRef>
+          <a:effectRef idx="0">
+            <a:schemeClr val="accent1"/>
+          </a:effectRef>
+          <a:fontRef idx="minor">
+            <a:schemeClr val="tx1"/>
+          </a:fontRef>
+        </p:style>
+      </p:cxnSp>
+      <p:cxnSp>
+        <p:nvCxnSpPr>
+          <p:cNvPr id="188" name="Straight Arrow Connector 187">
+            <a:extLst>
+              <a:ext uri="{FF2B5EF4-FFF2-40B4-BE49-F238E27FC236}">
+                <a16:creationId xmlns:a16="http://schemas.microsoft.com/office/drawing/2014/main" id="{4246B330-5DFF-3C6A-4282-7CEF4C63A0BB}"/>
+              </a:ext>
+            </a:extLst>
+          </p:cNvPr>
+          <p:cNvCxnSpPr>
+            <a:cxnSpLocks/>
+          </p:cNvCxnSpPr>
+          <p:nvPr/>
+        </p:nvCxnSpPr>
+        <p:spPr>
+          <a:xfrm>
+            <a:off x="2002280" y="1848086"/>
+            <a:ext cx="728551" cy="261153"/>
+          </a:xfrm>
+          <a:prstGeom prst="straightConnector1">
+            <a:avLst/>
+          </a:prstGeom>
+          <a:ln w="19050">
+            <a:solidFill>
+              <a:srgbClr val="82E995"/>
+            </a:solidFill>
+            <a:tailEnd type="triangle"/>
+          </a:ln>
+        </p:spPr>
+        <p:style>
+          <a:lnRef idx="1">
+            <a:schemeClr val="accent1"/>
+          </a:lnRef>
+          <a:fillRef idx="0">
+            <a:schemeClr val="accent1"/>
+          </a:fillRef>
+          <a:effectRef idx="0">
+            <a:schemeClr val="accent1"/>
+          </a:effectRef>
+          <a:fontRef idx="minor">
+            <a:schemeClr val="tx1"/>
+          </a:fontRef>
+        </p:style>
+      </p:cxnSp>
+      <p:sp>
+        <p:nvSpPr>
+          <p:cNvPr id="16" name="Rectangle 15">
+            <a:extLst>
+              <a:ext uri="{FF2B5EF4-FFF2-40B4-BE49-F238E27FC236}">
+                <a16:creationId xmlns:a16="http://schemas.microsoft.com/office/drawing/2014/main" id="{5CCC20D7-73C0-69E4-C0F3-E9029C61E4E3}"/>
+              </a:ext>
+            </a:extLst>
+          </p:cNvPr>
+          <p:cNvSpPr/>
+          <p:nvPr/>
+        </p:nvSpPr>
+        <p:spPr>
+          <a:xfrm>
+            <a:off x="7799217" y="711988"/>
+            <a:ext cx="745014" cy="272753"/>
+          </a:xfrm>
+          <a:prstGeom prst="rect">
+            <a:avLst/>
+          </a:prstGeom>
+          <a:solidFill>
             <a:srgbClr val="F0FDF2"/>
           </a:solidFill>
           <a:ln>
@@ -19183,26 +19949,26 @@
                   <a:schemeClr val="tx1"/>
                 </a:solidFill>
               </a:rPr>
-              <a:t>name[0]</a:t>
-            </a:r>
-          </a:p>
-        </p:txBody>
-      </p:sp>
-      <p:sp>
-        <p:nvSpPr>
-          <p:cNvPr id="172" name="Rectangle 171">
-            <a:extLst>
-              <a:ext uri="{FF2B5EF4-FFF2-40B4-BE49-F238E27FC236}">
-                <a16:creationId xmlns:a16="http://schemas.microsoft.com/office/drawing/2014/main" id="{68ECC8A0-F6AC-2CC3-6DF5-A6EF608216C1}"/>
-              </a:ext>
-            </a:extLst>
-          </p:cNvPr>
-          <p:cNvSpPr/>
-          <p:nvPr/>
-        </p:nvSpPr>
-        <p:spPr>
-          <a:xfrm>
-            <a:off x="2674684" y="3416634"/>
+              <a:t>position[0]</a:t>
+            </a:r>
+          </a:p>
+        </p:txBody>
+      </p:sp>
+      <p:sp>
+        <p:nvSpPr>
+          <p:cNvPr id="17" name="Rectangle 16">
+            <a:extLst>
+              <a:ext uri="{FF2B5EF4-FFF2-40B4-BE49-F238E27FC236}">
+                <a16:creationId xmlns:a16="http://schemas.microsoft.com/office/drawing/2014/main" id="{A4CB90BB-9200-8692-6F8E-D2741D69F684}"/>
+              </a:ext>
+            </a:extLst>
+          </p:cNvPr>
+          <p:cNvSpPr/>
+          <p:nvPr/>
+        </p:nvSpPr>
+        <p:spPr>
+          <a:xfrm>
+            <a:off x="7799217" y="985342"/>
             <a:ext cx="745014" cy="272753"/>
           </a:xfrm>
           <a:prstGeom prst="rect">
@@ -19244,26 +20010,26 @@
                   <a:schemeClr val="tx1"/>
                 </a:solidFill>
               </a:rPr>
-              <a:t>name[1]</a:t>
-            </a:r>
-          </a:p>
-        </p:txBody>
-      </p:sp>
-      <p:sp>
-        <p:nvSpPr>
-          <p:cNvPr id="173" name="Rectangle 172">
-            <a:extLst>
-              <a:ext uri="{FF2B5EF4-FFF2-40B4-BE49-F238E27FC236}">
-                <a16:creationId xmlns:a16="http://schemas.microsoft.com/office/drawing/2014/main" id="{3612A61C-61D4-981A-768E-0035D77A022B}"/>
-              </a:ext>
-            </a:extLst>
-          </p:cNvPr>
-          <p:cNvSpPr/>
-          <p:nvPr/>
-        </p:nvSpPr>
-        <p:spPr>
-          <a:xfrm>
-            <a:off x="2674684" y="3683998"/>
+              <a:t>position[1]</a:t>
+            </a:r>
+          </a:p>
+        </p:txBody>
+      </p:sp>
+      <p:sp>
+        <p:nvSpPr>
+          <p:cNvPr id="18" name="Rectangle 17">
+            <a:extLst>
+              <a:ext uri="{FF2B5EF4-FFF2-40B4-BE49-F238E27FC236}">
+                <a16:creationId xmlns:a16="http://schemas.microsoft.com/office/drawing/2014/main" id="{9F6479A7-2B36-E6D9-43A6-69DF82245989}"/>
+              </a:ext>
+            </a:extLst>
+          </p:cNvPr>
+          <p:cNvSpPr/>
+          <p:nvPr/>
+        </p:nvSpPr>
+        <p:spPr>
+          <a:xfrm>
+            <a:off x="7799217" y="1252706"/>
             <a:ext cx="745014" cy="272753"/>
           </a:xfrm>
           <a:prstGeom prst="rect">
@@ -19305,26 +20071,26 @@
                   <a:schemeClr val="tx1"/>
                 </a:solidFill>
               </a:rPr>
-              <a:t>name[2]</a:t>
-            </a:r>
-          </a:p>
-        </p:txBody>
-      </p:sp>
-      <p:sp>
-        <p:nvSpPr>
-          <p:cNvPr id="174" name="Rectangle 173">
-            <a:extLst>
-              <a:ext uri="{FF2B5EF4-FFF2-40B4-BE49-F238E27FC236}">
-                <a16:creationId xmlns:a16="http://schemas.microsoft.com/office/drawing/2014/main" id="{7B6BB7F3-924F-6437-9F58-A8720010D41E}"/>
-              </a:ext>
-            </a:extLst>
-          </p:cNvPr>
-          <p:cNvSpPr/>
-          <p:nvPr/>
-        </p:nvSpPr>
-        <p:spPr>
-          <a:xfrm>
-            <a:off x="2674684" y="3956751"/>
+              <a:t>position[2]</a:t>
+            </a:r>
+          </a:p>
+        </p:txBody>
+      </p:sp>
+      <p:sp>
+        <p:nvSpPr>
+          <p:cNvPr id="19" name="Rectangle 18">
+            <a:extLst>
+              <a:ext uri="{FF2B5EF4-FFF2-40B4-BE49-F238E27FC236}">
+                <a16:creationId xmlns:a16="http://schemas.microsoft.com/office/drawing/2014/main" id="{7A04AFA7-31A2-B0E4-3D25-B53EBC790A01}"/>
+              </a:ext>
+            </a:extLst>
+          </p:cNvPr>
+          <p:cNvSpPr/>
+          <p:nvPr/>
+        </p:nvSpPr>
+        <p:spPr>
+          <a:xfrm>
+            <a:off x="7799217" y="1525459"/>
             <a:ext cx="745014" cy="272753"/>
           </a:xfrm>
           <a:prstGeom prst="rect">
@@ -19366,26 +20132,26 @@
                   <a:schemeClr val="tx1"/>
                 </a:solidFill>
               </a:rPr>
-              <a:t>name[3]</a:t>
-            </a:r>
-          </a:p>
-        </p:txBody>
-      </p:sp>
-      <p:sp>
-        <p:nvSpPr>
-          <p:cNvPr id="175" name="Rectangle 174">
-            <a:extLst>
-              <a:ext uri="{FF2B5EF4-FFF2-40B4-BE49-F238E27FC236}">
-                <a16:creationId xmlns:a16="http://schemas.microsoft.com/office/drawing/2014/main" id="{7A7C75F0-074D-DBFF-32B9-54DC61047B1F}"/>
-              </a:ext>
-            </a:extLst>
-          </p:cNvPr>
-          <p:cNvSpPr/>
-          <p:nvPr/>
-        </p:nvSpPr>
-        <p:spPr>
-          <a:xfrm>
-            <a:off x="2674684" y="4224115"/>
+              <a:t>position[3]</a:t>
+            </a:r>
+          </a:p>
+        </p:txBody>
+      </p:sp>
+      <p:sp>
+        <p:nvSpPr>
+          <p:cNvPr id="20" name="Rectangle 19">
+            <a:extLst>
+              <a:ext uri="{FF2B5EF4-FFF2-40B4-BE49-F238E27FC236}">
+                <a16:creationId xmlns:a16="http://schemas.microsoft.com/office/drawing/2014/main" id="{63EBBC81-8262-65C1-5418-7ED4106FF530}"/>
+              </a:ext>
+            </a:extLst>
+          </p:cNvPr>
+          <p:cNvSpPr/>
+          <p:nvPr/>
+        </p:nvSpPr>
+        <p:spPr>
+          <a:xfrm>
+            <a:off x="7799217" y="1792823"/>
             <a:ext cx="745014" cy="272753"/>
           </a:xfrm>
           <a:prstGeom prst="rect">
@@ -19427,26 +20193,26 @@
                   <a:schemeClr val="tx1"/>
                 </a:solidFill>
               </a:rPr>
-              <a:t>name[4]</a:t>
-            </a:r>
-          </a:p>
-        </p:txBody>
-      </p:sp>
-      <p:sp>
-        <p:nvSpPr>
-          <p:cNvPr id="181" name="Rectangle 180">
-            <a:extLst>
-              <a:ext uri="{FF2B5EF4-FFF2-40B4-BE49-F238E27FC236}">
-                <a16:creationId xmlns:a16="http://schemas.microsoft.com/office/drawing/2014/main" id="{B6F2837D-28F8-7EA6-8660-A44F748A548C}"/>
-              </a:ext>
-            </a:extLst>
-          </p:cNvPr>
-          <p:cNvSpPr/>
-          <p:nvPr/>
-        </p:nvSpPr>
-        <p:spPr>
-          <a:xfrm>
-            <a:off x="2674684" y="2049865"/>
+              <a:t>position[4]</a:t>
+            </a:r>
+          </a:p>
+        </p:txBody>
+      </p:sp>
+      <p:sp>
+        <p:nvSpPr>
+          <p:cNvPr id="21" name="Rectangle 20">
+            <a:extLst>
+              <a:ext uri="{FF2B5EF4-FFF2-40B4-BE49-F238E27FC236}">
+                <a16:creationId xmlns:a16="http://schemas.microsoft.com/office/drawing/2014/main" id="{B2C58507-D4C8-FDD2-02F9-9BF0FB4CFBAD}"/>
+              </a:ext>
+            </a:extLst>
+          </p:cNvPr>
+          <p:cNvSpPr/>
+          <p:nvPr/>
+        </p:nvSpPr>
+        <p:spPr>
+          <a:xfrm>
+            <a:off x="6519463" y="1526387"/>
             <a:ext cx="745014" cy="272753"/>
           </a:xfrm>
           <a:prstGeom prst="rect">
@@ -19492,20 +20258,20 @@
       </p:sp>
       <p:sp>
         <p:nvSpPr>
-          <p:cNvPr id="182" name="Rectangle 181">
-            <a:extLst>
-              <a:ext uri="{FF2B5EF4-FFF2-40B4-BE49-F238E27FC236}">
-                <a16:creationId xmlns:a16="http://schemas.microsoft.com/office/drawing/2014/main" id="{9FBDFDFD-6E44-49F5-CA54-6CA0911DB1FB}"/>
-              </a:ext>
-            </a:extLst>
-          </p:cNvPr>
-          <p:cNvSpPr/>
-          <p:nvPr/>
-        </p:nvSpPr>
-        <p:spPr>
-          <a:xfrm>
-            <a:off x="182532" y="1775610"/>
-            <a:ext cx="1838183" cy="2733417"/>
+          <p:cNvPr id="22" name="Rectangle 21">
+            <a:extLst>
+              <a:ext uri="{FF2B5EF4-FFF2-40B4-BE49-F238E27FC236}">
+                <a16:creationId xmlns:a16="http://schemas.microsoft.com/office/drawing/2014/main" id="{5A4582A0-27BC-9248-E1DE-5298607E70DF}"/>
+              </a:ext>
+            </a:extLst>
+          </p:cNvPr>
+          <p:cNvSpPr/>
+          <p:nvPr/>
+        </p:nvSpPr>
+        <p:spPr>
+          <a:xfrm>
+            <a:off x="4097047" y="1012304"/>
+            <a:ext cx="2054492" cy="1225937"/>
           </a:xfrm>
           <a:prstGeom prst="rect">
             <a:avLst/>
@@ -19549,15 +20315,77 @@
                   <a:schemeClr val="tx1"/>
                 </a:solidFill>
               </a:rPr>
+              <a:t> Grid {</a:t>
+            </a:r>
+          </a:p>
+          <a:p>
+            <a:pPr algn="r"/>
+            <a:r>
+              <a:rPr lang="en-US" dirty="0">
+                <a:solidFill>
+                  <a:schemeClr val="tx1"/>
+                </a:solidFill>
+              </a:rPr>
+              <a:t>    </a:t>
+            </a:r>
+            <a:r>
+              <a:rPr lang="en-US" dirty="0">
+                <a:solidFill>
+                  <a:srgbClr val="B00040"/>
+                </a:solidFill>
+              </a:rPr>
+              <a:t>double *</a:t>
+            </a:r>
+            <a:r>
+              <a:rPr lang="en-US" dirty="0">
+                <a:solidFill>
+                  <a:srgbClr val="360084"/>
+                </a:solidFill>
+              </a:rPr>
+              <a:t>position</a:t>
+            </a:r>
+            <a:r>
+              <a:rPr lang="en-US" dirty="0">
+                <a:solidFill>
+                  <a:schemeClr val="tx1"/>
+                </a:solidFill>
+              </a:rPr>
+              <a:t>;</a:t>
+            </a:r>
+          </a:p>
+          <a:p>
+            <a:pPr algn="r"/>
+            <a:r>
+              <a:rPr lang="en-US" dirty="0">
+                <a:solidFill>
+                  <a:schemeClr val="tx1"/>
+                </a:solidFill>
+              </a:rPr>
+              <a:t>    </a:t>
+            </a:r>
+            <a:r>
+              <a:rPr lang="en-US" dirty="0">
+                <a:solidFill>
+                  <a:srgbClr val="B00040"/>
+                </a:solidFill>
+              </a:rPr>
+              <a:t>int</a:t>
+            </a:r>
+            <a:r>
+              <a:rPr lang="en-US" dirty="0">
+                <a:solidFill>
+                  <a:schemeClr val="tx1"/>
+                </a:solidFill>
+              </a:rPr>
               <a:t> </a:t>
             </a:r>
             <a:r>
               <a:rPr lang="en-US" dirty="0" err="1">
                 <a:solidFill>
-                  <a:schemeClr val="tx1"/>
-                </a:solidFill>
-              </a:rPr>
-              <a:t>MyStruct</a:t>
+                  <a:srgbClr val="EFC57B"/>
+                </a:solidFill>
+              </a:rPr>
+              <a:t>num_cells</a:t>
             </a:r>
             <a:r>
               <a:rPr lang="en-US" dirty="0">
@@ -19565,137 +20393,21 @@
                   <a:schemeClr val="tx1"/>
                 </a:solidFill>
               </a:rPr>
-              <a:t> {</a:t>
-            </a:r>
-          </a:p>
-          <a:p>
-            <a:pPr algn="r"/>
+              <a:t>;</a:t>
+            </a:r>
+            <a:endParaRPr lang="en-US" dirty="0">
+              <a:solidFill>
+                <a:srgbClr val="82E995"/>
+              </a:solidFill>
+            </a:endParaRPr>
+          </a:p>
+          <a:p>
             <a:r>
               <a:rPr lang="en-US" dirty="0">
                 <a:solidFill>
                   <a:schemeClr val="tx1"/>
                 </a:solidFill>
               </a:rPr>
-              <a:t>    </a:t>
-            </a:r>
-            <a:r>
-              <a:rPr lang="en-US" dirty="0">
-                <a:solidFill>
-                  <a:srgbClr val="B00040"/>
-                </a:solidFill>
-              </a:rPr>
-              <a:t>int</a:t>
-            </a:r>
-            <a:r>
-              <a:rPr lang="en-US" dirty="0">
-                <a:solidFill>
-                  <a:schemeClr val="tx1"/>
-                </a:solidFill>
-              </a:rPr>
-              <a:t> </a:t>
-            </a:r>
-            <a:r>
-              <a:rPr lang="en-US" dirty="0">
-                <a:solidFill>
-                  <a:srgbClr val="360084"/>
-                </a:solidFill>
-              </a:rPr>
-              <a:t>id</a:t>
-            </a:r>
-            <a:r>
-              <a:rPr lang="en-US" dirty="0">
-                <a:solidFill>
-                  <a:schemeClr val="tx1"/>
-                </a:solidFill>
-              </a:rPr>
-              <a:t>;</a:t>
-            </a:r>
-          </a:p>
-          <a:p>
-            <a:pPr algn="r"/>
-            <a:r>
-              <a:rPr lang="en-US" dirty="0">
-                <a:solidFill>
-                  <a:schemeClr val="tx1"/>
-                </a:solidFill>
-              </a:rPr>
-              <a:t>    </a:t>
-            </a:r>
-            <a:r>
-              <a:rPr lang="en-US" dirty="0">
-                <a:solidFill>
-                  <a:srgbClr val="B00040"/>
-                </a:solidFill>
-              </a:rPr>
-              <a:t>double</a:t>
-            </a:r>
-            <a:r>
-              <a:rPr lang="en-US" dirty="0">
-                <a:solidFill>
-                  <a:schemeClr val="tx1"/>
-                </a:solidFill>
-              </a:rPr>
-              <a:t> </a:t>
-            </a:r>
-            <a:r>
-              <a:rPr lang="en-US" dirty="0">
-                <a:solidFill>
-                  <a:srgbClr val="EFC57B"/>
-                </a:solidFill>
-              </a:rPr>
-              <a:t>value</a:t>
-            </a:r>
-            <a:r>
-              <a:rPr lang="en-US" dirty="0">
-                <a:solidFill>
-                  <a:schemeClr val="tx1"/>
-                </a:solidFill>
-              </a:rPr>
-              <a:t>;</a:t>
-            </a:r>
-          </a:p>
-          <a:p>
-            <a:pPr algn="r"/>
-            <a:r>
-              <a:rPr lang="en-US" dirty="0">
-                <a:solidFill>
-                  <a:schemeClr val="tx1"/>
-                </a:solidFill>
-              </a:rPr>
-              <a:t>    </a:t>
-            </a:r>
-            <a:r>
-              <a:rPr lang="en-US" dirty="0">
-                <a:solidFill>
-                  <a:srgbClr val="B00040"/>
-                </a:solidFill>
-              </a:rPr>
-              <a:t>char</a:t>
-            </a:r>
-            <a:r>
-              <a:rPr lang="en-US" dirty="0">
-                <a:solidFill>
-                  <a:schemeClr val="tx1"/>
-                </a:solidFill>
-              </a:rPr>
-              <a:t> </a:t>
-            </a:r>
-            <a:r>
-              <a:rPr lang="en-US" dirty="0">
-                <a:solidFill>
-                  <a:srgbClr val="82E995"/>
-                </a:solidFill>
-              </a:rPr>
-              <a:t>name[5];</a:t>
-            </a:r>
-          </a:p>
-          <a:p>
-            <a:r>
-              <a:rPr lang="en-US" dirty="0">
-                <a:solidFill>
-                  <a:schemeClr val="tx1"/>
-                </a:solidFill>
-              </a:rPr>
               <a:t>};</a:t>
             </a:r>
           </a:p>
@@ -19703,19 +20415,19 @@
       </p:sp>
       <p:sp>
         <p:nvSpPr>
-          <p:cNvPr id="162" name="Rectangle 161">
-            <a:extLst>
-              <a:ext uri="{FF2B5EF4-FFF2-40B4-BE49-F238E27FC236}">
-                <a16:creationId xmlns:a16="http://schemas.microsoft.com/office/drawing/2014/main" id="{9CB46FAE-109A-2965-2352-390E8D3B94DC}"/>
-              </a:ext>
-            </a:extLst>
-          </p:cNvPr>
-          <p:cNvSpPr/>
-          <p:nvPr/>
-        </p:nvSpPr>
-        <p:spPr>
-          <a:xfrm>
-            <a:off x="2674684" y="2323099"/>
+          <p:cNvPr id="23" name="Rectangle 22">
+            <a:extLst>
+              <a:ext uri="{FF2B5EF4-FFF2-40B4-BE49-F238E27FC236}">
+                <a16:creationId xmlns:a16="http://schemas.microsoft.com/office/drawing/2014/main" id="{6347CDE5-CD26-48B2-4B02-DD2DA5915E6C}"/>
+              </a:ext>
+            </a:extLst>
+          </p:cNvPr>
+          <p:cNvSpPr/>
+          <p:nvPr/>
+        </p:nvSpPr>
+        <p:spPr>
+          <a:xfrm>
+            <a:off x="6519463" y="1799621"/>
             <a:ext cx="745014" cy="272753"/>
           </a:xfrm>
           <a:prstGeom prst="rect">
@@ -19757,26 +20469,26 @@
                   <a:schemeClr val="tx1"/>
                 </a:solidFill>
               </a:rPr>
-              <a:t>value</a:t>
-            </a:r>
-          </a:p>
-        </p:txBody>
-      </p:sp>
-      <p:sp>
-        <p:nvSpPr>
-          <p:cNvPr id="180" name="Rectangle 179">
-            <a:extLst>
-              <a:ext uri="{FF2B5EF4-FFF2-40B4-BE49-F238E27FC236}">
-                <a16:creationId xmlns:a16="http://schemas.microsoft.com/office/drawing/2014/main" id="{BC301751-CFF4-FB04-DD16-9F2AAACA0BF1}"/>
-              </a:ext>
-            </a:extLst>
-          </p:cNvPr>
-          <p:cNvSpPr/>
-          <p:nvPr/>
-        </p:nvSpPr>
-        <p:spPr>
-          <a:xfrm>
-            <a:off x="2674684" y="1776151"/>
+              <a:t>5</a:t>
+            </a:r>
+          </a:p>
+        </p:txBody>
+      </p:sp>
+      <p:sp>
+        <p:nvSpPr>
+          <p:cNvPr id="24" name="Rectangle 23">
+            <a:extLst>
+              <a:ext uri="{FF2B5EF4-FFF2-40B4-BE49-F238E27FC236}">
+                <a16:creationId xmlns:a16="http://schemas.microsoft.com/office/drawing/2014/main" id="{D966AC06-FF00-4E7C-58E7-C7635525CF3D}"/>
+              </a:ext>
+            </a:extLst>
+          </p:cNvPr>
+          <p:cNvSpPr/>
+          <p:nvPr/>
+        </p:nvSpPr>
+        <p:spPr>
+          <a:xfrm>
+            <a:off x="6519463" y="1252673"/>
             <a:ext cx="745014" cy="272753"/>
           </a:xfrm>
           <a:prstGeom prst="rect">
@@ -19818,27 +20530,29 @@
                   <a:schemeClr val="tx1"/>
                 </a:solidFill>
               </a:rPr>
-              <a:t>id</a:t>
+              <a:t>&amp;position[0]</a:t>
             </a:r>
           </a:p>
         </p:txBody>
       </p:sp>
       <p:cxnSp>
         <p:nvCxnSpPr>
-          <p:cNvPr id="184" name="Straight Arrow Connector 183">
-            <a:extLst>
-              <a:ext uri="{FF2B5EF4-FFF2-40B4-BE49-F238E27FC236}">
-                <a16:creationId xmlns:a16="http://schemas.microsoft.com/office/drawing/2014/main" id="{0529B84F-D2BC-75EB-66BD-758CD542EAFA}"/>
-              </a:ext>
-            </a:extLst>
-          </p:cNvPr>
-          <p:cNvCxnSpPr/>
+          <p:cNvPr id="25" name="Straight Arrow Connector 24">
+            <a:extLst>
+              <a:ext uri="{FF2B5EF4-FFF2-40B4-BE49-F238E27FC236}">
+                <a16:creationId xmlns:a16="http://schemas.microsoft.com/office/drawing/2014/main" id="{FDBABC29-C980-8F9E-C96C-143C52CEB531}"/>
+              </a:ext>
+            </a:extLst>
+          </p:cNvPr>
+          <p:cNvCxnSpPr>
+            <a:cxnSpLocks/>
+          </p:cNvCxnSpPr>
           <p:nvPr/>
         </p:nvCxnSpPr>
         <p:spPr>
           <a:xfrm flipV="1">
-            <a:off x="1946133" y="2048904"/>
-            <a:ext cx="728551" cy="820662"/>
+            <a:off x="6096000" y="1389050"/>
+            <a:ext cx="423463" cy="106667"/>
           </a:xfrm>
           <a:prstGeom prst="straightConnector1">
             <a:avLst/>
@@ -19867,20 +20581,23 @@
       </p:cxnSp>
       <p:cxnSp>
         <p:nvCxnSpPr>
-          <p:cNvPr id="186" name="Straight Arrow Connector 185">
-            <a:extLst>
-              <a:ext uri="{FF2B5EF4-FFF2-40B4-BE49-F238E27FC236}">
-                <a16:creationId xmlns:a16="http://schemas.microsoft.com/office/drawing/2014/main" id="{39FD29F5-4411-137B-1639-D450A471B8BC}"/>
-              </a:ext>
-            </a:extLst>
-          </p:cNvPr>
-          <p:cNvCxnSpPr/>
+          <p:cNvPr id="26" name="Straight Arrow Connector 25">
+            <a:extLst>
+              <a:ext uri="{FF2B5EF4-FFF2-40B4-BE49-F238E27FC236}">
+                <a16:creationId xmlns:a16="http://schemas.microsoft.com/office/drawing/2014/main" id="{DABC29EA-4C7B-DDAF-8C36-0BDEC2D21433}"/>
+              </a:ext>
+            </a:extLst>
+          </p:cNvPr>
+          <p:cNvCxnSpPr>
+            <a:cxnSpLocks/>
+            <a:endCxn id="23" idx="1"/>
+          </p:cNvCxnSpPr>
           <p:nvPr/>
         </p:nvCxnSpPr>
         <p:spPr>
-          <a:xfrm flipV="1">
-            <a:off x="1946133" y="2595852"/>
-            <a:ext cx="728551" cy="546466"/>
+          <a:xfrm>
+            <a:off x="6096000" y="1823301"/>
+            <a:ext cx="423463" cy="112697"/>
           </a:xfrm>
           <a:prstGeom prst="straightConnector1">
             <a:avLst/>
@@ -19909,22 +20626,24 @@
       </p:cxnSp>
       <p:cxnSp>
         <p:nvCxnSpPr>
-          <p:cNvPr id="188" name="Straight Arrow Connector 187">
-            <a:extLst>
-              <a:ext uri="{FF2B5EF4-FFF2-40B4-BE49-F238E27FC236}">
-                <a16:creationId xmlns:a16="http://schemas.microsoft.com/office/drawing/2014/main" id="{4246B330-5DFF-3C6A-4282-7CEF4C63A0BB}"/>
+          <p:cNvPr id="28" name="Straight Arrow Connector 27">
+            <a:extLst>
+              <a:ext uri="{FF2B5EF4-FFF2-40B4-BE49-F238E27FC236}">
+                <a16:creationId xmlns:a16="http://schemas.microsoft.com/office/drawing/2014/main" id="{15D781B3-8766-D4E6-6E29-CD2478AFE6A7}"/>
               </a:ext>
             </a:extLst>
           </p:cNvPr>
           <p:cNvCxnSpPr>
             <a:cxnSpLocks/>
+            <a:stCxn id="24" idx="3"/>
+            <a:endCxn id="18" idx="1"/>
           </p:cNvCxnSpPr>
           <p:nvPr/>
         </p:nvCxnSpPr>
         <p:spPr>
           <a:xfrm>
-            <a:off x="1946133" y="3428234"/>
-            <a:ext cx="728551" cy="261153"/>
+            <a:off x="7264477" y="1389050"/>
+            <a:ext cx="534740" cy="33"/>
           </a:xfrm>
           <a:prstGeom prst="straightConnector1">
             <a:avLst/>

--- a/files/communication_diagram.pptx
+++ b/files/communication_diagram.pptx
@@ -5,12 +5,13 @@
     <p:sldMasterId id="2147483648" r:id="rId1"/>
   </p:sldMasterIdLst>
   <p:notesMasterIdLst>
-    <p:notesMasterId r:id="rId5"/>
+    <p:notesMasterId r:id="rId6"/>
   </p:notesMasterIdLst>
   <p:sldIdLst>
     <p:sldId id="256" r:id="rId2"/>
     <p:sldId id="257" r:id="rId3"/>
     <p:sldId id="258" r:id="rId4"/>
+    <p:sldId id="259" r:id="rId5"/>
   </p:sldIdLst>
   <p:sldSz cx="12192000" cy="6858000"/>
   <p:notesSz cx="6858000" cy="9144000"/>
@@ -19011,6 +19012,52 @@
           <a:chExt cx="0" cy="0"/>
         </a:xfrm>
       </p:grpSpPr>
+      <p:cxnSp>
+        <p:nvCxnSpPr>
+          <p:cNvPr id="28" name="Straight Arrow Connector 27">
+            <a:extLst>
+              <a:ext uri="{FF2B5EF4-FFF2-40B4-BE49-F238E27FC236}">
+                <a16:creationId xmlns:a16="http://schemas.microsoft.com/office/drawing/2014/main" id="{15D781B3-8766-D4E6-6E29-CD2478AFE6A7}"/>
+              </a:ext>
+            </a:extLst>
+          </p:cNvPr>
+          <p:cNvCxnSpPr>
+            <a:cxnSpLocks/>
+            <a:stCxn id="24" idx="3"/>
+            <a:endCxn id="18" idx="1"/>
+          </p:cNvCxnSpPr>
+          <p:nvPr/>
+        </p:nvCxnSpPr>
+        <p:spPr>
+          <a:xfrm>
+            <a:off x="7264477" y="1389050"/>
+            <a:ext cx="534740" cy="33"/>
+          </a:xfrm>
+          <a:prstGeom prst="straightConnector1">
+            <a:avLst/>
+          </a:prstGeom>
+          <a:ln w="19050">
+            <a:solidFill>
+              <a:srgbClr val="82E995"/>
+            </a:solidFill>
+            <a:tailEnd type="triangle"/>
+          </a:ln>
+        </p:spPr>
+        <p:style>
+          <a:lnRef idx="1">
+            <a:schemeClr val="accent1"/>
+          </a:lnRef>
+          <a:fillRef idx="0">
+            <a:schemeClr val="accent1"/>
+          </a:fillRef>
+          <a:effectRef idx="0">
+            <a:schemeClr val="accent1"/>
+          </a:effectRef>
+          <a:fontRef idx="minor">
+            <a:schemeClr val="tx1"/>
+          </a:fontRef>
+        </p:style>
+      </p:cxnSp>
       <p:sp>
         <p:nvSpPr>
           <p:cNvPr id="163" name="Rectangle 162">
@@ -19083,7 +19130,7 @@
         </p:nvSpPr>
         <p:spPr>
           <a:xfrm>
-            <a:off x="2730831" y="1301033"/>
+            <a:off x="2730831" y="1294053"/>
             <a:ext cx="745014" cy="272753"/>
           </a:xfrm>
           <a:prstGeom prst="rect">
@@ -19144,7 +19191,7 @@
         </p:nvSpPr>
         <p:spPr>
           <a:xfrm>
-            <a:off x="2730831" y="1574387"/>
+            <a:off x="2730831" y="1567407"/>
             <a:ext cx="745014" cy="272753"/>
           </a:xfrm>
           <a:prstGeom prst="rect">
@@ -19205,7 +19252,7 @@
         </p:nvSpPr>
         <p:spPr>
           <a:xfrm>
-            <a:off x="2730831" y="1841751"/>
+            <a:off x="2730831" y="1834771"/>
             <a:ext cx="745014" cy="272753"/>
           </a:xfrm>
           <a:prstGeom prst="rect">
@@ -19266,7 +19313,7 @@
         </p:nvSpPr>
         <p:spPr>
           <a:xfrm>
-            <a:off x="2730831" y="2114504"/>
+            <a:off x="2730831" y="2107524"/>
             <a:ext cx="745014" cy="272753"/>
           </a:xfrm>
           <a:prstGeom prst="rect">
@@ -19327,7 +19374,7 @@
         </p:nvSpPr>
         <p:spPr>
           <a:xfrm>
-            <a:off x="2730831" y="2381868"/>
+            <a:off x="2730831" y="2374888"/>
             <a:ext cx="745014" cy="272753"/>
           </a:xfrm>
           <a:prstGeom prst="rect">
@@ -19774,13 +19821,16 @@
               </a:ext>
             </a:extLst>
           </p:cNvPr>
-          <p:cNvCxnSpPr/>
+          <p:cNvCxnSpPr>
+            <a:cxnSpLocks/>
+            <a:endCxn id="180" idx="1"/>
+          </p:cNvCxnSpPr>
           <p:nvPr/>
         </p:nvCxnSpPr>
         <p:spPr>
           <a:xfrm flipV="1">
-            <a:off x="2002280" y="468756"/>
-            <a:ext cx="728551" cy="820662"/>
+            <a:off x="2002280" y="332380"/>
+            <a:ext cx="728551" cy="957038"/>
           </a:xfrm>
           <a:prstGeom prst="straightConnector1">
             <a:avLst/>
@@ -19816,13 +19866,16 @@
               </a:ext>
             </a:extLst>
           </p:cNvPr>
-          <p:cNvCxnSpPr/>
+          <p:cNvCxnSpPr>
+            <a:cxnSpLocks/>
+            <a:endCxn id="162" idx="1"/>
+          </p:cNvCxnSpPr>
           <p:nvPr/>
         </p:nvCxnSpPr>
         <p:spPr>
           <a:xfrm flipV="1">
-            <a:off x="2002280" y="1015704"/>
-            <a:ext cx="728551" cy="546466"/>
+            <a:off x="2002280" y="879328"/>
+            <a:ext cx="728551" cy="682842"/>
           </a:xfrm>
           <a:prstGeom prst="straightConnector1">
             <a:avLst/>
@@ -19860,13 +19913,14 @@
           </p:cNvPr>
           <p:cNvCxnSpPr>
             <a:cxnSpLocks/>
+            <a:endCxn id="173" idx="1"/>
           </p:cNvCxnSpPr>
           <p:nvPr/>
         </p:nvCxnSpPr>
         <p:spPr>
           <a:xfrm>
             <a:off x="2002280" y="1848086"/>
-            <a:ext cx="728551" cy="261153"/>
+            <a:ext cx="728551" cy="123062"/>
           </a:xfrm>
           <a:prstGeom prst="straightConnector1">
             <a:avLst/>
@@ -20624,56 +20678,1832 @@
           </a:fontRef>
         </p:style>
       </p:cxnSp>
-      <p:cxnSp>
-        <p:nvCxnSpPr>
-          <p:cNvPr id="28" name="Straight Arrow Connector 27">
-            <a:extLst>
-              <a:ext uri="{FF2B5EF4-FFF2-40B4-BE49-F238E27FC236}">
-                <a16:creationId xmlns:a16="http://schemas.microsoft.com/office/drawing/2014/main" id="{15D781B3-8766-D4E6-6E29-CD2478AFE6A7}"/>
-              </a:ext>
-            </a:extLst>
-          </p:cNvPr>
-          <p:cNvCxnSpPr>
-            <a:cxnSpLocks/>
-            <a:stCxn id="24" idx="3"/>
-            <a:endCxn id="18" idx="1"/>
-          </p:cNvCxnSpPr>
-          <p:nvPr/>
-        </p:nvCxnSpPr>
-        <p:spPr>
-          <a:xfrm>
-            <a:off x="7264477" y="1389050"/>
-            <a:ext cx="534740" cy="33"/>
-          </a:xfrm>
-          <a:prstGeom prst="straightConnector1">
-            <a:avLst/>
-          </a:prstGeom>
-          <a:ln w="19050">
-            <a:solidFill>
-              <a:srgbClr val="82E995"/>
-            </a:solidFill>
-            <a:tailEnd type="triangle"/>
-          </a:ln>
-        </p:spPr>
-        <p:style>
-          <a:lnRef idx="1">
-            <a:schemeClr val="accent1"/>
-          </a:lnRef>
-          <a:fillRef idx="0">
-            <a:schemeClr val="accent1"/>
-          </a:fillRef>
-          <a:effectRef idx="0">
-            <a:schemeClr val="accent1"/>
-          </a:effectRef>
-          <a:fontRef idx="minor">
-            <a:schemeClr val="tx1"/>
-          </a:fontRef>
-        </p:style>
-      </p:cxnSp>
     </p:spTree>
     <p:extLst>
       <p:ext uri="{BB962C8B-B14F-4D97-AF65-F5344CB8AC3E}">
         <p14:creationId xmlns:p14="http://schemas.microsoft.com/office/powerpoint/2010/main" val="2451603949"/>
+      </p:ext>
+    </p:extLst>
+  </p:cSld>
+  <p:clrMapOvr>
+    <a:masterClrMapping/>
+  </p:clrMapOvr>
+</p:sld>
+</file>
+
+<file path=ppt/slides/slide4.xml><?xml version="1.0" encoding="utf-8"?>
+<p:sld xmlns:a="http://schemas.openxmlformats.org/drawingml/2006/main" xmlns:r="http://schemas.openxmlformats.org/officeDocument/2006/relationships" xmlns:p="http://schemas.openxmlformats.org/presentationml/2006/main">
+  <p:cSld>
+    <p:spTree>
+      <p:nvGrpSpPr>
+        <p:cNvPr id="1" name=""/>
+        <p:cNvGrpSpPr/>
+        <p:nvPr/>
+      </p:nvGrpSpPr>
+      <p:grpSpPr>
+        <a:xfrm>
+          <a:off x="0" y="0"/>
+          <a:ext cx="0" cy="0"/>
+          <a:chOff x="0" y="0"/>
+          <a:chExt cx="0" cy="0"/>
+        </a:xfrm>
+      </p:grpSpPr>
+      <p:sp>
+        <p:nvSpPr>
+          <p:cNvPr id="20" name="Rectangle 19">
+            <a:extLst>
+              <a:ext uri="{FF2B5EF4-FFF2-40B4-BE49-F238E27FC236}">
+                <a16:creationId xmlns:a16="http://schemas.microsoft.com/office/drawing/2014/main" id="{97BDB14A-C8FB-EF6A-A654-05C4A650A5A7}"/>
+              </a:ext>
+            </a:extLst>
+          </p:cNvPr>
+          <p:cNvSpPr/>
+          <p:nvPr/>
+        </p:nvSpPr>
+        <p:spPr>
+          <a:xfrm>
+            <a:off x="1867112" y="253613"/>
+            <a:ext cx="322151" cy="272753"/>
+          </a:xfrm>
+          <a:prstGeom prst="rect">
+            <a:avLst/>
+          </a:prstGeom>
+          <a:solidFill>
+            <a:srgbClr val="F2EFF6"/>
+          </a:solidFill>
+          <a:ln>
+            <a:solidFill>
+              <a:srgbClr val="360084"/>
+            </a:solidFill>
+          </a:ln>
+        </p:spPr>
+        <p:style>
+          <a:lnRef idx="2">
+            <a:schemeClr val="accent1">
+              <a:shade val="15000"/>
+            </a:schemeClr>
+          </a:lnRef>
+          <a:fillRef idx="1">
+            <a:schemeClr val="accent1"/>
+          </a:fillRef>
+          <a:effectRef idx="0">
+            <a:schemeClr val="accent1"/>
+          </a:effectRef>
+          <a:fontRef idx="minor">
+            <a:schemeClr val="lt1"/>
+          </a:fontRef>
+        </p:style>
+        <p:txBody>
+          <a:bodyPr rtlCol="0" anchor="ctr"/>
+          <a:lstStyle/>
+          <a:p>
+            <a:pPr algn="ctr"/>
+            <a:endParaRPr lang="en-US" sz="800" dirty="0">
+              <a:solidFill>
+                <a:schemeClr val="tx1"/>
+              </a:solidFill>
+            </a:endParaRPr>
+          </a:p>
+        </p:txBody>
+      </p:sp>
+      <p:sp>
+        <p:nvSpPr>
+          <p:cNvPr id="21" name="Rectangle 20">
+            <a:extLst>
+              <a:ext uri="{FF2B5EF4-FFF2-40B4-BE49-F238E27FC236}">
+                <a16:creationId xmlns:a16="http://schemas.microsoft.com/office/drawing/2014/main" id="{5507BB2A-B3C9-45B1-BBDD-FDCE1754D73A}"/>
+              </a:ext>
+            </a:extLst>
+          </p:cNvPr>
+          <p:cNvSpPr/>
+          <p:nvPr/>
+        </p:nvSpPr>
+        <p:spPr>
+          <a:xfrm>
+            <a:off x="2189263" y="253612"/>
+            <a:ext cx="322151" cy="272753"/>
+          </a:xfrm>
+          <a:prstGeom prst="rect">
+            <a:avLst/>
+          </a:prstGeom>
+          <a:solidFill>
+            <a:srgbClr val="F2EFF6"/>
+          </a:solidFill>
+          <a:ln>
+            <a:solidFill>
+              <a:srgbClr val="360084"/>
+            </a:solidFill>
+          </a:ln>
+        </p:spPr>
+        <p:style>
+          <a:lnRef idx="2">
+            <a:schemeClr val="accent1">
+              <a:shade val="15000"/>
+            </a:schemeClr>
+          </a:lnRef>
+          <a:fillRef idx="1">
+            <a:schemeClr val="accent1"/>
+          </a:fillRef>
+          <a:effectRef idx="0">
+            <a:schemeClr val="accent1"/>
+          </a:effectRef>
+          <a:fontRef idx="minor">
+            <a:schemeClr val="lt1"/>
+          </a:fontRef>
+        </p:style>
+        <p:txBody>
+          <a:bodyPr rtlCol="0" anchor="ctr"/>
+          <a:lstStyle/>
+          <a:p>
+            <a:pPr algn="ctr"/>
+            <a:endParaRPr lang="en-US" sz="800" dirty="0">
+              <a:solidFill>
+                <a:schemeClr val="tx1"/>
+              </a:solidFill>
+            </a:endParaRPr>
+          </a:p>
+        </p:txBody>
+      </p:sp>
+      <p:sp>
+        <p:nvSpPr>
+          <p:cNvPr id="22" name="Rectangle 21">
+            <a:extLst>
+              <a:ext uri="{FF2B5EF4-FFF2-40B4-BE49-F238E27FC236}">
+                <a16:creationId xmlns:a16="http://schemas.microsoft.com/office/drawing/2014/main" id="{92A1B641-6BD3-908F-C36B-91F22CB5B6E9}"/>
+              </a:ext>
+            </a:extLst>
+          </p:cNvPr>
+          <p:cNvSpPr/>
+          <p:nvPr/>
+        </p:nvSpPr>
+        <p:spPr>
+          <a:xfrm>
+            <a:off x="2511414" y="253611"/>
+            <a:ext cx="322151" cy="272753"/>
+          </a:xfrm>
+          <a:prstGeom prst="rect">
+            <a:avLst/>
+          </a:prstGeom>
+          <a:solidFill>
+            <a:srgbClr val="F2EFF6"/>
+          </a:solidFill>
+          <a:ln>
+            <a:solidFill>
+              <a:srgbClr val="360084"/>
+            </a:solidFill>
+          </a:ln>
+        </p:spPr>
+        <p:style>
+          <a:lnRef idx="2">
+            <a:schemeClr val="accent1">
+              <a:shade val="15000"/>
+            </a:schemeClr>
+          </a:lnRef>
+          <a:fillRef idx="1">
+            <a:schemeClr val="accent1"/>
+          </a:fillRef>
+          <a:effectRef idx="0">
+            <a:schemeClr val="accent1"/>
+          </a:effectRef>
+          <a:fontRef idx="minor">
+            <a:schemeClr val="lt1"/>
+          </a:fontRef>
+        </p:style>
+        <p:txBody>
+          <a:bodyPr rtlCol="0" anchor="ctr"/>
+          <a:lstStyle/>
+          <a:p>
+            <a:pPr algn="ctr"/>
+            <a:endParaRPr lang="en-US" sz="800" dirty="0">
+              <a:solidFill>
+                <a:schemeClr val="tx1"/>
+              </a:solidFill>
+            </a:endParaRPr>
+          </a:p>
+        </p:txBody>
+      </p:sp>
+      <p:sp>
+        <p:nvSpPr>
+          <p:cNvPr id="23" name="Rectangle 22">
+            <a:extLst>
+              <a:ext uri="{FF2B5EF4-FFF2-40B4-BE49-F238E27FC236}">
+                <a16:creationId xmlns:a16="http://schemas.microsoft.com/office/drawing/2014/main" id="{8CAD7EA1-2665-3694-3031-33454E3821DA}"/>
+              </a:ext>
+            </a:extLst>
+          </p:cNvPr>
+          <p:cNvSpPr/>
+          <p:nvPr/>
+        </p:nvSpPr>
+        <p:spPr>
+          <a:xfrm>
+            <a:off x="5732920" y="253605"/>
+            <a:ext cx="322151" cy="272753"/>
+          </a:xfrm>
+          <a:prstGeom prst="rect">
+            <a:avLst/>
+          </a:prstGeom>
+          <a:solidFill>
+            <a:srgbClr val="FAFDF0"/>
+          </a:solidFill>
+          <a:ln>
+            <a:solidFill>
+              <a:srgbClr val="DDF08B"/>
+            </a:solidFill>
+          </a:ln>
+        </p:spPr>
+        <p:style>
+          <a:lnRef idx="2">
+            <a:schemeClr val="accent1">
+              <a:shade val="15000"/>
+            </a:schemeClr>
+          </a:lnRef>
+          <a:fillRef idx="1">
+            <a:schemeClr val="accent1"/>
+          </a:fillRef>
+          <a:effectRef idx="0">
+            <a:schemeClr val="accent1"/>
+          </a:effectRef>
+          <a:fontRef idx="minor">
+            <a:schemeClr val="lt1"/>
+          </a:fontRef>
+        </p:style>
+        <p:txBody>
+          <a:bodyPr rtlCol="0" anchor="ctr"/>
+          <a:lstStyle/>
+          <a:p>
+            <a:pPr algn="ctr"/>
+            <a:endParaRPr lang="en-US" sz="800" dirty="0">
+              <a:solidFill>
+                <a:schemeClr val="tx1"/>
+              </a:solidFill>
+            </a:endParaRPr>
+          </a:p>
+        </p:txBody>
+      </p:sp>
+      <p:sp>
+        <p:nvSpPr>
+          <p:cNvPr id="24" name="Rectangle 23">
+            <a:extLst>
+              <a:ext uri="{FF2B5EF4-FFF2-40B4-BE49-F238E27FC236}">
+                <a16:creationId xmlns:a16="http://schemas.microsoft.com/office/drawing/2014/main" id="{1AE8C708-30F2-C7FD-7833-3E0A4A89DA7C}"/>
+              </a:ext>
+            </a:extLst>
+          </p:cNvPr>
+          <p:cNvSpPr/>
+          <p:nvPr/>
+        </p:nvSpPr>
+        <p:spPr>
+          <a:xfrm>
+            <a:off x="6699375" y="253605"/>
+            <a:ext cx="322151" cy="272753"/>
+          </a:xfrm>
+          <a:prstGeom prst="rect">
+            <a:avLst/>
+          </a:prstGeom>
+          <a:solidFill>
+            <a:srgbClr val="FAFDF0"/>
+          </a:solidFill>
+          <a:ln>
+            <a:solidFill>
+              <a:srgbClr val="DDF08B"/>
+            </a:solidFill>
+          </a:ln>
+        </p:spPr>
+        <p:style>
+          <a:lnRef idx="2">
+            <a:schemeClr val="accent1">
+              <a:shade val="15000"/>
+            </a:schemeClr>
+          </a:lnRef>
+          <a:fillRef idx="1">
+            <a:schemeClr val="accent1"/>
+          </a:fillRef>
+          <a:effectRef idx="0">
+            <a:schemeClr val="accent1"/>
+          </a:effectRef>
+          <a:fontRef idx="minor">
+            <a:schemeClr val="lt1"/>
+          </a:fontRef>
+        </p:style>
+        <p:txBody>
+          <a:bodyPr rtlCol="0" anchor="ctr"/>
+          <a:lstStyle/>
+          <a:p>
+            <a:pPr algn="ctr"/>
+            <a:endParaRPr lang="en-US" sz="800" dirty="0">
+              <a:solidFill>
+                <a:schemeClr val="tx1"/>
+              </a:solidFill>
+            </a:endParaRPr>
+          </a:p>
+        </p:txBody>
+      </p:sp>
+      <p:sp>
+        <p:nvSpPr>
+          <p:cNvPr id="25" name="Rectangle 24">
+            <a:extLst>
+              <a:ext uri="{FF2B5EF4-FFF2-40B4-BE49-F238E27FC236}">
+                <a16:creationId xmlns:a16="http://schemas.microsoft.com/office/drawing/2014/main" id="{B0BA7E38-442F-9767-1AD7-774A17E47ED6}"/>
+              </a:ext>
+            </a:extLst>
+          </p:cNvPr>
+          <p:cNvSpPr/>
+          <p:nvPr/>
+        </p:nvSpPr>
+        <p:spPr>
+          <a:xfrm>
+            <a:off x="4766470" y="253608"/>
+            <a:ext cx="322151" cy="272753"/>
+          </a:xfrm>
+          <a:prstGeom prst="rect">
+            <a:avLst/>
+          </a:prstGeom>
+          <a:solidFill>
+            <a:srgbClr val="FDF8EE"/>
+          </a:solidFill>
+          <a:ln>
+            <a:solidFill>
+              <a:srgbClr val="EFC57B"/>
+            </a:solidFill>
+          </a:ln>
+        </p:spPr>
+        <p:style>
+          <a:lnRef idx="2">
+            <a:schemeClr val="accent1">
+              <a:shade val="15000"/>
+            </a:schemeClr>
+          </a:lnRef>
+          <a:fillRef idx="1">
+            <a:schemeClr val="accent1"/>
+          </a:fillRef>
+          <a:effectRef idx="0">
+            <a:schemeClr val="accent1"/>
+          </a:effectRef>
+          <a:fontRef idx="minor">
+            <a:schemeClr val="lt1"/>
+          </a:fontRef>
+        </p:style>
+        <p:txBody>
+          <a:bodyPr rtlCol="0" anchor="ctr"/>
+          <a:lstStyle/>
+          <a:p>
+            <a:pPr algn="ctr"/>
+            <a:endParaRPr lang="en-US" sz="800" dirty="0">
+              <a:solidFill>
+                <a:schemeClr val="tx1"/>
+              </a:solidFill>
+            </a:endParaRPr>
+          </a:p>
+        </p:txBody>
+      </p:sp>
+      <p:sp>
+        <p:nvSpPr>
+          <p:cNvPr id="26" name="Rectangle 25">
+            <a:extLst>
+              <a:ext uri="{FF2B5EF4-FFF2-40B4-BE49-F238E27FC236}">
+                <a16:creationId xmlns:a16="http://schemas.microsoft.com/office/drawing/2014/main" id="{42CE0387-79B8-1F0C-9A65-3B47CAE784FB}"/>
+              </a:ext>
+            </a:extLst>
+          </p:cNvPr>
+          <p:cNvSpPr/>
+          <p:nvPr/>
+        </p:nvSpPr>
+        <p:spPr>
+          <a:xfrm>
+            <a:off x="5088621" y="253607"/>
+            <a:ext cx="322151" cy="272753"/>
+          </a:xfrm>
+          <a:prstGeom prst="rect">
+            <a:avLst/>
+          </a:prstGeom>
+          <a:solidFill>
+            <a:srgbClr val="FDF8EE"/>
+          </a:solidFill>
+          <a:ln>
+            <a:solidFill>
+              <a:srgbClr val="EFC57B"/>
+            </a:solidFill>
+          </a:ln>
+        </p:spPr>
+        <p:style>
+          <a:lnRef idx="2">
+            <a:schemeClr val="accent1">
+              <a:shade val="15000"/>
+            </a:schemeClr>
+          </a:lnRef>
+          <a:fillRef idx="1">
+            <a:schemeClr val="accent1"/>
+          </a:fillRef>
+          <a:effectRef idx="0">
+            <a:schemeClr val="accent1"/>
+          </a:effectRef>
+          <a:fontRef idx="minor">
+            <a:schemeClr val="lt1"/>
+          </a:fontRef>
+        </p:style>
+        <p:txBody>
+          <a:bodyPr rtlCol="0" anchor="ctr"/>
+          <a:lstStyle/>
+          <a:p>
+            <a:pPr algn="ctr"/>
+            <a:endParaRPr lang="en-US" sz="800" dirty="0">
+              <a:solidFill>
+                <a:schemeClr val="tx1"/>
+              </a:solidFill>
+            </a:endParaRPr>
+          </a:p>
+        </p:txBody>
+      </p:sp>
+      <p:sp>
+        <p:nvSpPr>
+          <p:cNvPr id="27" name="Rectangle 26">
+            <a:extLst>
+              <a:ext uri="{FF2B5EF4-FFF2-40B4-BE49-F238E27FC236}">
+                <a16:creationId xmlns:a16="http://schemas.microsoft.com/office/drawing/2014/main" id="{89A93FD3-EDBB-6CBD-D89B-44FF4A1210A0}"/>
+              </a:ext>
+            </a:extLst>
+          </p:cNvPr>
+          <p:cNvSpPr/>
+          <p:nvPr/>
+        </p:nvSpPr>
+        <p:spPr>
+          <a:xfrm>
+            <a:off x="6055073" y="253606"/>
+            <a:ext cx="322151" cy="272753"/>
+          </a:xfrm>
+          <a:prstGeom prst="rect">
+            <a:avLst/>
+          </a:prstGeom>
+          <a:solidFill>
+            <a:srgbClr val="FAFDF0"/>
+          </a:solidFill>
+          <a:ln>
+            <a:solidFill>
+              <a:srgbClr val="DDF08B"/>
+            </a:solidFill>
+          </a:ln>
+        </p:spPr>
+        <p:style>
+          <a:lnRef idx="2">
+            <a:schemeClr val="accent1">
+              <a:shade val="15000"/>
+            </a:schemeClr>
+          </a:lnRef>
+          <a:fillRef idx="1">
+            <a:schemeClr val="accent1"/>
+          </a:fillRef>
+          <a:effectRef idx="0">
+            <a:schemeClr val="accent1"/>
+          </a:effectRef>
+          <a:fontRef idx="minor">
+            <a:schemeClr val="lt1"/>
+          </a:fontRef>
+        </p:style>
+        <p:txBody>
+          <a:bodyPr rtlCol="0" anchor="ctr"/>
+          <a:lstStyle/>
+          <a:p>
+            <a:pPr algn="ctr"/>
+            <a:endParaRPr lang="en-US" sz="800" dirty="0">
+              <a:solidFill>
+                <a:schemeClr val="tx1"/>
+              </a:solidFill>
+            </a:endParaRPr>
+          </a:p>
+        </p:txBody>
+      </p:sp>
+      <p:sp>
+        <p:nvSpPr>
+          <p:cNvPr id="28" name="Rectangle 27">
+            <a:extLst>
+              <a:ext uri="{FF2B5EF4-FFF2-40B4-BE49-F238E27FC236}">
+                <a16:creationId xmlns:a16="http://schemas.microsoft.com/office/drawing/2014/main" id="{BF16CA68-23F7-34E7-8B4E-3670216FE344}"/>
+              </a:ext>
+            </a:extLst>
+          </p:cNvPr>
+          <p:cNvSpPr/>
+          <p:nvPr/>
+        </p:nvSpPr>
+        <p:spPr>
+          <a:xfrm>
+            <a:off x="6377224" y="253605"/>
+            <a:ext cx="322151" cy="272753"/>
+          </a:xfrm>
+          <a:prstGeom prst="rect">
+            <a:avLst/>
+          </a:prstGeom>
+          <a:solidFill>
+            <a:srgbClr val="FAFDF0"/>
+          </a:solidFill>
+          <a:ln>
+            <a:solidFill>
+              <a:srgbClr val="DDF08B"/>
+            </a:solidFill>
+          </a:ln>
+        </p:spPr>
+        <p:style>
+          <a:lnRef idx="2">
+            <a:schemeClr val="accent1">
+              <a:shade val="15000"/>
+            </a:schemeClr>
+          </a:lnRef>
+          <a:fillRef idx="1">
+            <a:schemeClr val="accent1"/>
+          </a:fillRef>
+          <a:effectRef idx="0">
+            <a:schemeClr val="accent1"/>
+          </a:effectRef>
+          <a:fontRef idx="minor">
+            <a:schemeClr val="lt1"/>
+          </a:fontRef>
+        </p:style>
+        <p:txBody>
+          <a:bodyPr rtlCol="0" anchor="ctr"/>
+          <a:lstStyle/>
+          <a:p>
+            <a:pPr algn="ctr"/>
+            <a:endParaRPr lang="en-US" sz="800" dirty="0">
+              <a:solidFill>
+                <a:schemeClr val="tx1"/>
+              </a:solidFill>
+            </a:endParaRPr>
+          </a:p>
+        </p:txBody>
+      </p:sp>
+      <p:sp>
+        <p:nvSpPr>
+          <p:cNvPr id="29" name="Rectangle 28">
+            <a:extLst>
+              <a:ext uri="{FF2B5EF4-FFF2-40B4-BE49-F238E27FC236}">
+                <a16:creationId xmlns:a16="http://schemas.microsoft.com/office/drawing/2014/main" id="{96887129-7E8A-6E9C-7F30-91896F3E9C05}"/>
+              </a:ext>
+            </a:extLst>
+          </p:cNvPr>
+          <p:cNvSpPr/>
+          <p:nvPr/>
+        </p:nvSpPr>
+        <p:spPr>
+          <a:xfrm>
+            <a:off x="5410772" y="253607"/>
+            <a:ext cx="322151" cy="272753"/>
+          </a:xfrm>
+          <a:prstGeom prst="rect">
+            <a:avLst/>
+          </a:prstGeom>
+          <a:solidFill>
+            <a:srgbClr val="FDF8EE"/>
+          </a:solidFill>
+          <a:ln>
+            <a:solidFill>
+              <a:srgbClr val="EFC57B"/>
+            </a:solidFill>
+          </a:ln>
+        </p:spPr>
+        <p:style>
+          <a:lnRef idx="2">
+            <a:schemeClr val="accent1">
+              <a:shade val="15000"/>
+            </a:schemeClr>
+          </a:lnRef>
+          <a:fillRef idx="1">
+            <a:schemeClr val="accent1"/>
+          </a:fillRef>
+          <a:effectRef idx="0">
+            <a:schemeClr val="accent1"/>
+          </a:effectRef>
+          <a:fontRef idx="minor">
+            <a:schemeClr val="lt1"/>
+          </a:fontRef>
+        </p:style>
+        <p:txBody>
+          <a:bodyPr rtlCol="0" anchor="ctr"/>
+          <a:lstStyle/>
+          <a:p>
+            <a:pPr algn="ctr"/>
+            <a:endParaRPr lang="en-US" sz="800" dirty="0">
+              <a:solidFill>
+                <a:schemeClr val="tx1"/>
+              </a:solidFill>
+            </a:endParaRPr>
+          </a:p>
+        </p:txBody>
+      </p:sp>
+      <p:sp>
+        <p:nvSpPr>
+          <p:cNvPr id="30" name="Rectangle 29">
+            <a:extLst>
+              <a:ext uri="{FF2B5EF4-FFF2-40B4-BE49-F238E27FC236}">
+                <a16:creationId xmlns:a16="http://schemas.microsoft.com/office/drawing/2014/main" id="{DE6AD10A-44D6-DD6E-644B-017460711E87}"/>
+              </a:ext>
+            </a:extLst>
+          </p:cNvPr>
+          <p:cNvSpPr/>
+          <p:nvPr/>
+        </p:nvSpPr>
+        <p:spPr>
+          <a:xfrm>
+            <a:off x="3155716" y="253611"/>
+            <a:ext cx="322151" cy="272753"/>
+          </a:xfrm>
+          <a:prstGeom prst="rect">
+            <a:avLst/>
+          </a:prstGeom>
+          <a:solidFill>
+            <a:srgbClr val="FAFDF0"/>
+          </a:solidFill>
+          <a:ln>
+            <a:solidFill>
+              <a:srgbClr val="DDF08B"/>
+            </a:solidFill>
+          </a:ln>
+        </p:spPr>
+        <p:style>
+          <a:lnRef idx="2">
+            <a:schemeClr val="accent1">
+              <a:shade val="15000"/>
+            </a:schemeClr>
+          </a:lnRef>
+          <a:fillRef idx="1">
+            <a:schemeClr val="accent1"/>
+          </a:fillRef>
+          <a:effectRef idx="0">
+            <a:schemeClr val="accent1"/>
+          </a:effectRef>
+          <a:fontRef idx="minor">
+            <a:schemeClr val="lt1"/>
+          </a:fontRef>
+        </p:style>
+        <p:txBody>
+          <a:bodyPr rtlCol="0" anchor="ctr"/>
+          <a:lstStyle/>
+          <a:p>
+            <a:pPr algn="ctr"/>
+            <a:endParaRPr lang="en-US" sz="800" dirty="0">
+              <a:solidFill>
+                <a:schemeClr val="tx1"/>
+              </a:solidFill>
+            </a:endParaRPr>
+          </a:p>
+        </p:txBody>
+      </p:sp>
+      <p:sp>
+        <p:nvSpPr>
+          <p:cNvPr id="31" name="Rectangle 30">
+            <a:extLst>
+              <a:ext uri="{FF2B5EF4-FFF2-40B4-BE49-F238E27FC236}">
+                <a16:creationId xmlns:a16="http://schemas.microsoft.com/office/drawing/2014/main" id="{6EF843CE-F97A-96C6-531A-57F857868D16}"/>
+              </a:ext>
+            </a:extLst>
+          </p:cNvPr>
+          <p:cNvSpPr/>
+          <p:nvPr/>
+        </p:nvSpPr>
+        <p:spPr>
+          <a:xfrm>
+            <a:off x="4122169" y="253609"/>
+            <a:ext cx="322151" cy="272753"/>
+          </a:xfrm>
+          <a:prstGeom prst="rect">
+            <a:avLst/>
+          </a:prstGeom>
+          <a:solidFill>
+            <a:srgbClr val="FAFDF0"/>
+          </a:solidFill>
+          <a:ln>
+            <a:solidFill>
+              <a:srgbClr val="DDF08B"/>
+            </a:solidFill>
+          </a:ln>
+        </p:spPr>
+        <p:style>
+          <a:lnRef idx="2">
+            <a:schemeClr val="accent1">
+              <a:shade val="15000"/>
+            </a:schemeClr>
+          </a:lnRef>
+          <a:fillRef idx="1">
+            <a:schemeClr val="accent1"/>
+          </a:fillRef>
+          <a:effectRef idx="0">
+            <a:schemeClr val="accent1"/>
+          </a:effectRef>
+          <a:fontRef idx="minor">
+            <a:schemeClr val="lt1"/>
+          </a:fontRef>
+        </p:style>
+        <p:txBody>
+          <a:bodyPr rtlCol="0" anchor="ctr"/>
+          <a:lstStyle/>
+          <a:p>
+            <a:pPr algn="ctr"/>
+            <a:endParaRPr lang="en-US" sz="800" dirty="0">
+              <a:solidFill>
+                <a:schemeClr val="tx1"/>
+              </a:solidFill>
+            </a:endParaRPr>
+          </a:p>
+        </p:txBody>
+      </p:sp>
+      <p:sp>
+        <p:nvSpPr>
+          <p:cNvPr id="32" name="Rectangle 31">
+            <a:extLst>
+              <a:ext uri="{FF2B5EF4-FFF2-40B4-BE49-F238E27FC236}">
+                <a16:creationId xmlns:a16="http://schemas.microsoft.com/office/drawing/2014/main" id="{C927F461-7AFB-7E17-067B-ABC29034FA29}"/>
+              </a:ext>
+            </a:extLst>
+          </p:cNvPr>
+          <p:cNvSpPr/>
+          <p:nvPr/>
+        </p:nvSpPr>
+        <p:spPr>
+          <a:xfrm>
+            <a:off x="3477867" y="253610"/>
+            <a:ext cx="322151" cy="272753"/>
+          </a:xfrm>
+          <a:prstGeom prst="rect">
+            <a:avLst/>
+          </a:prstGeom>
+          <a:solidFill>
+            <a:srgbClr val="FAFDF0"/>
+          </a:solidFill>
+          <a:ln>
+            <a:solidFill>
+              <a:srgbClr val="DDF08B"/>
+            </a:solidFill>
+          </a:ln>
+        </p:spPr>
+        <p:style>
+          <a:lnRef idx="2">
+            <a:schemeClr val="accent1">
+              <a:shade val="15000"/>
+            </a:schemeClr>
+          </a:lnRef>
+          <a:fillRef idx="1">
+            <a:schemeClr val="accent1"/>
+          </a:fillRef>
+          <a:effectRef idx="0">
+            <a:schemeClr val="accent1"/>
+          </a:effectRef>
+          <a:fontRef idx="minor">
+            <a:schemeClr val="lt1"/>
+          </a:fontRef>
+        </p:style>
+        <p:txBody>
+          <a:bodyPr rtlCol="0" anchor="ctr"/>
+          <a:lstStyle/>
+          <a:p>
+            <a:pPr algn="ctr"/>
+            <a:endParaRPr lang="en-US" sz="800" dirty="0">
+              <a:solidFill>
+                <a:schemeClr val="tx1"/>
+              </a:solidFill>
+            </a:endParaRPr>
+          </a:p>
+        </p:txBody>
+      </p:sp>
+      <p:sp>
+        <p:nvSpPr>
+          <p:cNvPr id="33" name="Rectangle 32">
+            <a:extLst>
+              <a:ext uri="{FF2B5EF4-FFF2-40B4-BE49-F238E27FC236}">
+                <a16:creationId xmlns:a16="http://schemas.microsoft.com/office/drawing/2014/main" id="{463B9CE4-01E5-F66E-FCC5-C6E411EFDE1D}"/>
+              </a:ext>
+            </a:extLst>
+          </p:cNvPr>
+          <p:cNvSpPr/>
+          <p:nvPr/>
+        </p:nvSpPr>
+        <p:spPr>
+          <a:xfrm>
+            <a:off x="3800018" y="253609"/>
+            <a:ext cx="322151" cy="272753"/>
+          </a:xfrm>
+          <a:prstGeom prst="rect">
+            <a:avLst/>
+          </a:prstGeom>
+          <a:solidFill>
+            <a:srgbClr val="FAFDF0"/>
+          </a:solidFill>
+          <a:ln>
+            <a:solidFill>
+              <a:srgbClr val="DDF08B"/>
+            </a:solidFill>
+          </a:ln>
+        </p:spPr>
+        <p:style>
+          <a:lnRef idx="2">
+            <a:schemeClr val="accent1">
+              <a:shade val="15000"/>
+            </a:schemeClr>
+          </a:lnRef>
+          <a:fillRef idx="1">
+            <a:schemeClr val="accent1"/>
+          </a:fillRef>
+          <a:effectRef idx="0">
+            <a:schemeClr val="accent1"/>
+          </a:effectRef>
+          <a:fontRef idx="minor">
+            <a:schemeClr val="lt1"/>
+          </a:fontRef>
+        </p:style>
+        <p:txBody>
+          <a:bodyPr rtlCol="0" anchor="ctr"/>
+          <a:lstStyle/>
+          <a:p>
+            <a:pPr algn="ctr"/>
+            <a:endParaRPr lang="en-US" sz="800" dirty="0">
+              <a:solidFill>
+                <a:schemeClr val="tx1"/>
+              </a:solidFill>
+            </a:endParaRPr>
+          </a:p>
+        </p:txBody>
+      </p:sp>
+      <p:sp>
+        <p:nvSpPr>
+          <p:cNvPr id="34" name="Rectangle 33">
+            <a:extLst>
+              <a:ext uri="{FF2B5EF4-FFF2-40B4-BE49-F238E27FC236}">
+                <a16:creationId xmlns:a16="http://schemas.microsoft.com/office/drawing/2014/main" id="{076E9E92-B3E9-67DB-F97B-5D3E4350E2C5}"/>
+              </a:ext>
+            </a:extLst>
+          </p:cNvPr>
+          <p:cNvSpPr/>
+          <p:nvPr/>
+        </p:nvSpPr>
+        <p:spPr>
+          <a:xfrm>
+            <a:off x="2833565" y="253611"/>
+            <a:ext cx="322151" cy="272753"/>
+          </a:xfrm>
+          <a:prstGeom prst="rect">
+            <a:avLst/>
+          </a:prstGeom>
+          <a:solidFill>
+            <a:srgbClr val="F2EFF6"/>
+          </a:solidFill>
+          <a:ln>
+            <a:solidFill>
+              <a:srgbClr val="360084"/>
+            </a:solidFill>
+          </a:ln>
+        </p:spPr>
+        <p:style>
+          <a:lnRef idx="2">
+            <a:schemeClr val="accent1">
+              <a:shade val="15000"/>
+            </a:schemeClr>
+          </a:lnRef>
+          <a:fillRef idx="1">
+            <a:schemeClr val="accent1"/>
+          </a:fillRef>
+          <a:effectRef idx="0">
+            <a:schemeClr val="accent1"/>
+          </a:effectRef>
+          <a:fontRef idx="minor">
+            <a:schemeClr val="lt1"/>
+          </a:fontRef>
+        </p:style>
+        <p:txBody>
+          <a:bodyPr rtlCol="0" anchor="ctr"/>
+          <a:lstStyle/>
+          <a:p>
+            <a:pPr algn="ctr"/>
+            <a:endParaRPr lang="en-US" sz="800" dirty="0">
+              <a:solidFill>
+                <a:schemeClr val="tx1"/>
+              </a:solidFill>
+            </a:endParaRPr>
+          </a:p>
+        </p:txBody>
+      </p:sp>
+      <p:sp>
+        <p:nvSpPr>
+          <p:cNvPr id="35" name="Rectangle 34">
+            <a:extLst>
+              <a:ext uri="{FF2B5EF4-FFF2-40B4-BE49-F238E27FC236}">
+                <a16:creationId xmlns:a16="http://schemas.microsoft.com/office/drawing/2014/main" id="{5264B164-BCCE-D1D2-5711-AFBDFBA0323E}"/>
+              </a:ext>
+            </a:extLst>
+          </p:cNvPr>
+          <p:cNvSpPr/>
+          <p:nvPr/>
+        </p:nvSpPr>
+        <p:spPr>
+          <a:xfrm>
+            <a:off x="4444319" y="253609"/>
+            <a:ext cx="322151" cy="272753"/>
+          </a:xfrm>
+          <a:prstGeom prst="rect">
+            <a:avLst/>
+          </a:prstGeom>
+          <a:solidFill>
+            <a:srgbClr val="FDF8EE"/>
+          </a:solidFill>
+          <a:ln>
+            <a:solidFill>
+              <a:srgbClr val="EFC57B"/>
+            </a:solidFill>
+          </a:ln>
+        </p:spPr>
+        <p:style>
+          <a:lnRef idx="2">
+            <a:schemeClr val="accent1">
+              <a:shade val="15000"/>
+            </a:schemeClr>
+          </a:lnRef>
+          <a:fillRef idx="1">
+            <a:schemeClr val="accent1"/>
+          </a:fillRef>
+          <a:effectRef idx="0">
+            <a:schemeClr val="accent1"/>
+          </a:effectRef>
+          <a:fontRef idx="minor">
+            <a:schemeClr val="lt1"/>
+          </a:fontRef>
+        </p:style>
+        <p:txBody>
+          <a:bodyPr rtlCol="0" anchor="ctr"/>
+          <a:lstStyle/>
+          <a:p>
+            <a:pPr algn="ctr"/>
+            <a:endParaRPr lang="en-US" sz="800" dirty="0">
+              <a:solidFill>
+                <a:schemeClr val="tx1"/>
+              </a:solidFill>
+            </a:endParaRPr>
+          </a:p>
+        </p:txBody>
+      </p:sp>
+      <p:sp>
+        <p:nvSpPr>
+          <p:cNvPr id="36" name="Rectangle 35">
+            <a:extLst>
+              <a:ext uri="{FF2B5EF4-FFF2-40B4-BE49-F238E27FC236}">
+                <a16:creationId xmlns:a16="http://schemas.microsoft.com/office/drawing/2014/main" id="{5CE6A78A-C55E-5FD0-A432-FA7067E4421F}"/>
+              </a:ext>
+            </a:extLst>
+          </p:cNvPr>
+          <p:cNvSpPr/>
+          <p:nvPr/>
+        </p:nvSpPr>
+        <p:spPr>
+          <a:xfrm>
+            <a:off x="1867112" y="1111009"/>
+            <a:ext cx="322151" cy="272753"/>
+          </a:xfrm>
+          <a:prstGeom prst="rect">
+            <a:avLst/>
+          </a:prstGeom>
+          <a:solidFill>
+            <a:srgbClr val="F2EFF6"/>
+          </a:solidFill>
+          <a:ln>
+            <a:solidFill>
+              <a:srgbClr val="360084"/>
+            </a:solidFill>
+          </a:ln>
+        </p:spPr>
+        <p:style>
+          <a:lnRef idx="2">
+            <a:schemeClr val="accent1">
+              <a:shade val="15000"/>
+            </a:schemeClr>
+          </a:lnRef>
+          <a:fillRef idx="1">
+            <a:schemeClr val="accent1"/>
+          </a:fillRef>
+          <a:effectRef idx="0">
+            <a:schemeClr val="accent1"/>
+          </a:effectRef>
+          <a:fontRef idx="minor">
+            <a:schemeClr val="lt1"/>
+          </a:fontRef>
+        </p:style>
+        <p:txBody>
+          <a:bodyPr rtlCol="0" anchor="ctr"/>
+          <a:lstStyle/>
+          <a:p>
+            <a:pPr algn="ctr"/>
+            <a:endParaRPr lang="en-US" sz="800" dirty="0">
+              <a:solidFill>
+                <a:schemeClr val="tx1"/>
+              </a:solidFill>
+            </a:endParaRPr>
+          </a:p>
+        </p:txBody>
+      </p:sp>
+      <p:sp>
+        <p:nvSpPr>
+          <p:cNvPr id="37" name="Rectangle 36">
+            <a:extLst>
+              <a:ext uri="{FF2B5EF4-FFF2-40B4-BE49-F238E27FC236}">
+                <a16:creationId xmlns:a16="http://schemas.microsoft.com/office/drawing/2014/main" id="{82891F91-6D93-9AC5-FBF4-78BEE02508BF}"/>
+              </a:ext>
+            </a:extLst>
+          </p:cNvPr>
+          <p:cNvSpPr/>
+          <p:nvPr/>
+        </p:nvSpPr>
+        <p:spPr>
+          <a:xfrm>
+            <a:off x="2189263" y="1111008"/>
+            <a:ext cx="322151" cy="272753"/>
+          </a:xfrm>
+          <a:prstGeom prst="rect">
+            <a:avLst/>
+          </a:prstGeom>
+          <a:solidFill>
+            <a:srgbClr val="F2EFF6"/>
+          </a:solidFill>
+          <a:ln>
+            <a:solidFill>
+              <a:srgbClr val="360084"/>
+            </a:solidFill>
+          </a:ln>
+        </p:spPr>
+        <p:style>
+          <a:lnRef idx="2">
+            <a:schemeClr val="accent1">
+              <a:shade val="15000"/>
+            </a:schemeClr>
+          </a:lnRef>
+          <a:fillRef idx="1">
+            <a:schemeClr val="accent1"/>
+          </a:fillRef>
+          <a:effectRef idx="0">
+            <a:schemeClr val="accent1"/>
+          </a:effectRef>
+          <a:fontRef idx="minor">
+            <a:schemeClr val="lt1"/>
+          </a:fontRef>
+        </p:style>
+        <p:txBody>
+          <a:bodyPr rtlCol="0" anchor="ctr"/>
+          <a:lstStyle/>
+          <a:p>
+            <a:pPr algn="ctr"/>
+            <a:endParaRPr lang="en-US" sz="800" dirty="0">
+              <a:solidFill>
+                <a:schemeClr val="tx1"/>
+              </a:solidFill>
+            </a:endParaRPr>
+          </a:p>
+        </p:txBody>
+      </p:sp>
+      <p:sp>
+        <p:nvSpPr>
+          <p:cNvPr id="38" name="Rectangle 37">
+            <a:extLst>
+              <a:ext uri="{FF2B5EF4-FFF2-40B4-BE49-F238E27FC236}">
+                <a16:creationId xmlns:a16="http://schemas.microsoft.com/office/drawing/2014/main" id="{47FA9643-D368-F783-EB9C-C34059D88D83}"/>
+              </a:ext>
+            </a:extLst>
+          </p:cNvPr>
+          <p:cNvSpPr/>
+          <p:nvPr/>
+        </p:nvSpPr>
+        <p:spPr>
+          <a:xfrm>
+            <a:off x="2511414" y="1111007"/>
+            <a:ext cx="322151" cy="272753"/>
+          </a:xfrm>
+          <a:prstGeom prst="rect">
+            <a:avLst/>
+          </a:prstGeom>
+          <a:solidFill>
+            <a:srgbClr val="F2EFF6"/>
+          </a:solidFill>
+          <a:ln>
+            <a:solidFill>
+              <a:srgbClr val="360084"/>
+            </a:solidFill>
+          </a:ln>
+        </p:spPr>
+        <p:style>
+          <a:lnRef idx="2">
+            <a:schemeClr val="accent1">
+              <a:shade val="15000"/>
+            </a:schemeClr>
+          </a:lnRef>
+          <a:fillRef idx="1">
+            <a:schemeClr val="accent1"/>
+          </a:fillRef>
+          <a:effectRef idx="0">
+            <a:schemeClr val="accent1"/>
+          </a:effectRef>
+          <a:fontRef idx="minor">
+            <a:schemeClr val="lt1"/>
+          </a:fontRef>
+        </p:style>
+        <p:txBody>
+          <a:bodyPr rtlCol="0" anchor="ctr"/>
+          <a:lstStyle/>
+          <a:p>
+            <a:pPr algn="ctr"/>
+            <a:endParaRPr lang="en-US" sz="800" dirty="0">
+              <a:solidFill>
+                <a:schemeClr val="tx1"/>
+              </a:solidFill>
+            </a:endParaRPr>
+          </a:p>
+        </p:txBody>
+      </p:sp>
+      <p:sp>
+        <p:nvSpPr>
+          <p:cNvPr id="40" name="Rectangle 39">
+            <a:extLst>
+              <a:ext uri="{FF2B5EF4-FFF2-40B4-BE49-F238E27FC236}">
+                <a16:creationId xmlns:a16="http://schemas.microsoft.com/office/drawing/2014/main" id="{44533F58-4FE4-1602-0066-4FCA111177CD}"/>
+              </a:ext>
+            </a:extLst>
+          </p:cNvPr>
+          <p:cNvSpPr/>
+          <p:nvPr/>
+        </p:nvSpPr>
+        <p:spPr>
+          <a:xfrm>
+            <a:off x="4122169" y="1111005"/>
+            <a:ext cx="322151" cy="272753"/>
+          </a:xfrm>
+          <a:prstGeom prst="rect">
+            <a:avLst/>
+          </a:prstGeom>
+          <a:solidFill>
+            <a:srgbClr val="FDF8EE"/>
+          </a:solidFill>
+          <a:ln>
+            <a:solidFill>
+              <a:srgbClr val="EFC57B"/>
+            </a:solidFill>
+          </a:ln>
+        </p:spPr>
+        <p:style>
+          <a:lnRef idx="2">
+            <a:schemeClr val="accent1">
+              <a:shade val="15000"/>
+            </a:schemeClr>
+          </a:lnRef>
+          <a:fillRef idx="1">
+            <a:schemeClr val="accent1"/>
+          </a:fillRef>
+          <a:effectRef idx="0">
+            <a:schemeClr val="accent1"/>
+          </a:effectRef>
+          <a:fontRef idx="minor">
+            <a:schemeClr val="lt1"/>
+          </a:fontRef>
+        </p:style>
+        <p:txBody>
+          <a:bodyPr rtlCol="0" anchor="ctr"/>
+          <a:lstStyle/>
+          <a:p>
+            <a:pPr algn="ctr"/>
+            <a:endParaRPr lang="en-US" sz="800" dirty="0">
+              <a:solidFill>
+                <a:schemeClr val="tx1"/>
+              </a:solidFill>
+            </a:endParaRPr>
+          </a:p>
+        </p:txBody>
+      </p:sp>
+      <p:sp>
+        <p:nvSpPr>
+          <p:cNvPr id="41" name="Rectangle 40">
+            <a:extLst>
+              <a:ext uri="{FF2B5EF4-FFF2-40B4-BE49-F238E27FC236}">
+                <a16:creationId xmlns:a16="http://schemas.microsoft.com/office/drawing/2014/main" id="{37DF5E3A-6341-2497-2EE3-B4B92A55FED8}"/>
+              </a:ext>
+            </a:extLst>
+          </p:cNvPr>
+          <p:cNvSpPr/>
+          <p:nvPr/>
+        </p:nvSpPr>
+        <p:spPr>
+          <a:xfrm>
+            <a:off x="3477867" y="1111006"/>
+            <a:ext cx="322151" cy="272753"/>
+          </a:xfrm>
+          <a:prstGeom prst="rect">
+            <a:avLst/>
+          </a:prstGeom>
+          <a:solidFill>
+            <a:srgbClr val="FDF8EE"/>
+          </a:solidFill>
+          <a:ln>
+            <a:solidFill>
+              <a:srgbClr val="EFC57B"/>
+            </a:solidFill>
+          </a:ln>
+        </p:spPr>
+        <p:style>
+          <a:lnRef idx="2">
+            <a:schemeClr val="accent1">
+              <a:shade val="15000"/>
+            </a:schemeClr>
+          </a:lnRef>
+          <a:fillRef idx="1">
+            <a:schemeClr val="accent1"/>
+          </a:fillRef>
+          <a:effectRef idx="0">
+            <a:schemeClr val="accent1"/>
+          </a:effectRef>
+          <a:fontRef idx="minor">
+            <a:schemeClr val="lt1"/>
+          </a:fontRef>
+        </p:style>
+        <p:txBody>
+          <a:bodyPr rtlCol="0" anchor="ctr"/>
+          <a:lstStyle/>
+          <a:p>
+            <a:pPr algn="ctr"/>
+            <a:endParaRPr lang="en-US" sz="800" dirty="0">
+              <a:solidFill>
+                <a:schemeClr val="tx1"/>
+              </a:solidFill>
+            </a:endParaRPr>
+          </a:p>
+        </p:txBody>
+      </p:sp>
+      <p:sp>
+        <p:nvSpPr>
+          <p:cNvPr id="42" name="Rectangle 41">
+            <a:extLst>
+              <a:ext uri="{FF2B5EF4-FFF2-40B4-BE49-F238E27FC236}">
+                <a16:creationId xmlns:a16="http://schemas.microsoft.com/office/drawing/2014/main" id="{F615455A-A222-9EFA-EF1A-BF0B308A1D2B}"/>
+              </a:ext>
+            </a:extLst>
+          </p:cNvPr>
+          <p:cNvSpPr/>
+          <p:nvPr/>
+        </p:nvSpPr>
+        <p:spPr>
+          <a:xfrm>
+            <a:off x="3800018" y="1111005"/>
+            <a:ext cx="322151" cy="272753"/>
+          </a:xfrm>
+          <a:prstGeom prst="rect">
+            <a:avLst/>
+          </a:prstGeom>
+          <a:solidFill>
+            <a:srgbClr val="FDF8EE"/>
+          </a:solidFill>
+          <a:ln>
+            <a:solidFill>
+              <a:srgbClr val="EFC57B"/>
+            </a:solidFill>
+          </a:ln>
+        </p:spPr>
+        <p:style>
+          <a:lnRef idx="2">
+            <a:schemeClr val="accent1">
+              <a:shade val="15000"/>
+            </a:schemeClr>
+          </a:lnRef>
+          <a:fillRef idx="1">
+            <a:schemeClr val="accent1"/>
+          </a:fillRef>
+          <a:effectRef idx="0">
+            <a:schemeClr val="accent1"/>
+          </a:effectRef>
+          <a:fontRef idx="minor">
+            <a:schemeClr val="lt1"/>
+          </a:fontRef>
+        </p:style>
+        <p:txBody>
+          <a:bodyPr rtlCol="0" anchor="ctr"/>
+          <a:lstStyle/>
+          <a:p>
+            <a:pPr algn="ctr"/>
+            <a:endParaRPr lang="en-US" sz="800" dirty="0">
+              <a:solidFill>
+                <a:schemeClr val="tx1"/>
+              </a:solidFill>
+            </a:endParaRPr>
+          </a:p>
+        </p:txBody>
+      </p:sp>
+      <p:sp>
+        <p:nvSpPr>
+          <p:cNvPr id="43" name="Rectangle 42">
+            <a:extLst>
+              <a:ext uri="{FF2B5EF4-FFF2-40B4-BE49-F238E27FC236}">
+                <a16:creationId xmlns:a16="http://schemas.microsoft.com/office/drawing/2014/main" id="{5A790D2E-1FEC-5D7B-939F-3C0656685A11}"/>
+              </a:ext>
+            </a:extLst>
+          </p:cNvPr>
+          <p:cNvSpPr/>
+          <p:nvPr/>
+        </p:nvSpPr>
+        <p:spPr>
+          <a:xfrm>
+            <a:off x="2833565" y="1111007"/>
+            <a:ext cx="322151" cy="272753"/>
+          </a:xfrm>
+          <a:prstGeom prst="rect">
+            <a:avLst/>
+          </a:prstGeom>
+          <a:solidFill>
+            <a:srgbClr val="F2EFF6"/>
+          </a:solidFill>
+          <a:ln>
+            <a:solidFill>
+              <a:srgbClr val="360084"/>
+            </a:solidFill>
+          </a:ln>
+        </p:spPr>
+        <p:style>
+          <a:lnRef idx="2">
+            <a:schemeClr val="accent1">
+              <a:shade val="15000"/>
+            </a:schemeClr>
+          </a:lnRef>
+          <a:fillRef idx="1">
+            <a:schemeClr val="accent1"/>
+          </a:fillRef>
+          <a:effectRef idx="0">
+            <a:schemeClr val="accent1"/>
+          </a:effectRef>
+          <a:fontRef idx="minor">
+            <a:schemeClr val="lt1"/>
+          </a:fontRef>
+        </p:style>
+        <p:txBody>
+          <a:bodyPr rtlCol="0" anchor="ctr"/>
+          <a:lstStyle/>
+          <a:p>
+            <a:pPr algn="ctr"/>
+            <a:endParaRPr lang="en-US" sz="800" dirty="0">
+              <a:solidFill>
+                <a:schemeClr val="tx1"/>
+              </a:solidFill>
+            </a:endParaRPr>
+          </a:p>
+        </p:txBody>
+      </p:sp>
+      <p:sp>
+        <p:nvSpPr>
+          <p:cNvPr id="45" name="Rectangle 44">
+            <a:extLst>
+              <a:ext uri="{FF2B5EF4-FFF2-40B4-BE49-F238E27FC236}">
+                <a16:creationId xmlns:a16="http://schemas.microsoft.com/office/drawing/2014/main" id="{1E846ADE-ED93-27CE-0ED1-22E443B49A45}"/>
+              </a:ext>
+            </a:extLst>
+          </p:cNvPr>
+          <p:cNvSpPr/>
+          <p:nvPr/>
+        </p:nvSpPr>
+        <p:spPr>
+          <a:xfrm>
+            <a:off x="4444320" y="1111005"/>
+            <a:ext cx="322151" cy="272753"/>
+          </a:xfrm>
+          <a:prstGeom prst="rect">
+            <a:avLst/>
+          </a:prstGeom>
+          <a:solidFill>
+            <a:srgbClr val="FDF8EE"/>
+          </a:solidFill>
+          <a:ln>
+            <a:solidFill>
+              <a:srgbClr val="EFC57B"/>
+            </a:solidFill>
+          </a:ln>
+        </p:spPr>
+        <p:style>
+          <a:lnRef idx="2">
+            <a:schemeClr val="accent1">
+              <a:shade val="15000"/>
+            </a:schemeClr>
+          </a:lnRef>
+          <a:fillRef idx="1">
+            <a:schemeClr val="accent1"/>
+          </a:fillRef>
+          <a:effectRef idx="0">
+            <a:schemeClr val="accent1"/>
+          </a:effectRef>
+          <a:fontRef idx="minor">
+            <a:schemeClr val="lt1"/>
+          </a:fontRef>
+        </p:style>
+        <p:txBody>
+          <a:bodyPr rtlCol="0" anchor="ctr"/>
+          <a:lstStyle/>
+          <a:p>
+            <a:pPr algn="ctr"/>
+            <a:endParaRPr lang="en-US" sz="800" dirty="0">
+              <a:solidFill>
+                <a:schemeClr val="tx1"/>
+              </a:solidFill>
+            </a:endParaRPr>
+          </a:p>
+        </p:txBody>
+      </p:sp>
+      <p:sp>
+        <p:nvSpPr>
+          <p:cNvPr id="39" name="Rectangle 38">
+            <a:extLst>
+              <a:ext uri="{FF2B5EF4-FFF2-40B4-BE49-F238E27FC236}">
+                <a16:creationId xmlns:a16="http://schemas.microsoft.com/office/drawing/2014/main" id="{A111B3C1-D11C-EDDB-D6F6-0AF39CE8531F}"/>
+              </a:ext>
+            </a:extLst>
+          </p:cNvPr>
+          <p:cNvSpPr/>
+          <p:nvPr/>
+        </p:nvSpPr>
+        <p:spPr>
+          <a:xfrm>
+            <a:off x="3155716" y="1111007"/>
+            <a:ext cx="322151" cy="272753"/>
+          </a:xfrm>
+          <a:prstGeom prst="rect">
+            <a:avLst/>
+          </a:prstGeom>
+          <a:pattFill prst="wdUpDiag">
+            <a:fgClr>
+              <a:srgbClr val="360084"/>
+            </a:fgClr>
+            <a:bgClr>
+              <a:schemeClr val="bg1"/>
+            </a:bgClr>
+          </a:pattFill>
+          <a:ln>
+            <a:solidFill>
+              <a:srgbClr val="360084"/>
+            </a:solidFill>
+          </a:ln>
+        </p:spPr>
+        <p:style>
+          <a:lnRef idx="2">
+            <a:schemeClr val="accent1">
+              <a:shade val="15000"/>
+            </a:schemeClr>
+          </a:lnRef>
+          <a:fillRef idx="1">
+            <a:schemeClr val="accent1"/>
+          </a:fillRef>
+          <a:effectRef idx="0">
+            <a:schemeClr val="accent1"/>
+          </a:effectRef>
+          <a:fontRef idx="minor">
+            <a:schemeClr val="lt1"/>
+          </a:fontRef>
+        </p:style>
+        <p:txBody>
+          <a:bodyPr rtlCol="0" anchor="ctr"/>
+          <a:lstStyle/>
+          <a:p>
+            <a:pPr algn="ctr"/>
+            <a:endParaRPr lang="en-US" sz="800" dirty="0">
+              <a:solidFill>
+                <a:schemeClr val="tx1"/>
+              </a:solidFill>
+            </a:endParaRPr>
+          </a:p>
+        </p:txBody>
+      </p:sp>
+      <p:cxnSp>
+        <p:nvCxnSpPr>
+          <p:cNvPr id="47" name="Straight Arrow Connector 46">
+            <a:extLst>
+              <a:ext uri="{FF2B5EF4-FFF2-40B4-BE49-F238E27FC236}">
+                <a16:creationId xmlns:a16="http://schemas.microsoft.com/office/drawing/2014/main" id="{E009DCF6-720B-ADEC-C76E-7F57144EAFD6}"/>
+              </a:ext>
+            </a:extLst>
+          </p:cNvPr>
+          <p:cNvCxnSpPr/>
+          <p:nvPr/>
+        </p:nvCxnSpPr>
+        <p:spPr>
+          <a:xfrm>
+            <a:off x="2511414" y="526358"/>
+            <a:ext cx="0" cy="584647"/>
+          </a:xfrm>
+          <a:prstGeom prst="straightConnector1">
+            <a:avLst/>
+          </a:prstGeom>
+          <a:ln w="12700">
+            <a:solidFill>
+              <a:srgbClr val="360084"/>
+            </a:solidFill>
+            <a:tailEnd type="triangle"/>
+          </a:ln>
+        </p:spPr>
+        <p:style>
+          <a:lnRef idx="1">
+            <a:schemeClr val="accent1"/>
+          </a:lnRef>
+          <a:fillRef idx="0">
+            <a:schemeClr val="accent1"/>
+          </a:fillRef>
+          <a:effectRef idx="0">
+            <a:schemeClr val="accent1"/>
+          </a:effectRef>
+          <a:fontRef idx="minor">
+            <a:schemeClr val="tx1"/>
+          </a:fontRef>
+        </p:style>
+      </p:cxnSp>
+      <p:cxnSp>
+        <p:nvCxnSpPr>
+          <p:cNvPr id="48" name="Straight Arrow Connector 47">
+            <a:extLst>
+              <a:ext uri="{FF2B5EF4-FFF2-40B4-BE49-F238E27FC236}">
+                <a16:creationId xmlns:a16="http://schemas.microsoft.com/office/drawing/2014/main" id="{F493AC74-8D8B-60B2-1E78-3C008281F9B2}"/>
+              </a:ext>
+            </a:extLst>
+          </p:cNvPr>
+          <p:cNvCxnSpPr>
+            <a:cxnSpLocks/>
+          </p:cNvCxnSpPr>
+          <p:nvPr/>
+        </p:nvCxnSpPr>
+        <p:spPr>
+          <a:xfrm flipH="1">
+            <a:off x="4122169" y="526358"/>
+            <a:ext cx="966452" cy="584647"/>
+          </a:xfrm>
+          <a:prstGeom prst="straightConnector1">
+            <a:avLst/>
+          </a:prstGeom>
+          <a:ln w="12700">
+            <a:solidFill>
+              <a:srgbClr val="EFC57B"/>
+            </a:solidFill>
+            <a:tailEnd type="triangle"/>
+          </a:ln>
+        </p:spPr>
+        <p:style>
+          <a:lnRef idx="1">
+            <a:schemeClr val="accent1"/>
+          </a:lnRef>
+          <a:fillRef idx="0">
+            <a:schemeClr val="accent1"/>
+          </a:fillRef>
+          <a:effectRef idx="0">
+            <a:schemeClr val="accent1"/>
+          </a:effectRef>
+          <a:fontRef idx="minor">
+            <a:schemeClr val="tx1"/>
+          </a:fontRef>
+        </p:style>
+      </p:cxnSp>
+      <p:sp>
+        <p:nvSpPr>
+          <p:cNvPr id="50" name="TextBox 49">
+            <a:extLst>
+              <a:ext uri="{FF2B5EF4-FFF2-40B4-BE49-F238E27FC236}">
+                <a16:creationId xmlns:a16="http://schemas.microsoft.com/office/drawing/2014/main" id="{C49D1F21-689E-69D7-ACBD-AC6A28BA1024}"/>
+              </a:ext>
+            </a:extLst>
+          </p:cNvPr>
+          <p:cNvSpPr txBox="1"/>
+          <p:nvPr/>
+        </p:nvSpPr>
+        <p:spPr>
+          <a:xfrm>
+            <a:off x="576903" y="1106759"/>
+            <a:ext cx="1180323" cy="307777"/>
+          </a:xfrm>
+          <a:prstGeom prst="rect">
+            <a:avLst/>
+          </a:prstGeom>
+          <a:noFill/>
+        </p:spPr>
+        <p:txBody>
+          <a:bodyPr wrap="none" rtlCol="0">
+            <a:spAutoFit/>
+          </a:bodyPr>
+          <a:lstStyle/>
+          <a:p>
+            <a:pPr algn="r"/>
+            <a:r>
+              <a:rPr lang="en-US" sz="1400" dirty="0"/>
+              <a:t>Packed buffer</a:t>
+            </a:r>
+          </a:p>
+        </p:txBody>
+      </p:sp>
+      <p:sp>
+        <p:nvSpPr>
+          <p:cNvPr id="51" name="TextBox 50">
+            <a:extLst>
+              <a:ext uri="{FF2B5EF4-FFF2-40B4-BE49-F238E27FC236}">
+                <a16:creationId xmlns:a16="http://schemas.microsoft.com/office/drawing/2014/main" id="{51BB6E5C-1742-8EC0-4CD9-294FD782CCEE}"/>
+              </a:ext>
+            </a:extLst>
+          </p:cNvPr>
+          <p:cNvSpPr txBox="1"/>
+          <p:nvPr/>
+        </p:nvSpPr>
+        <p:spPr>
+          <a:xfrm>
+            <a:off x="576902" y="249359"/>
+            <a:ext cx="1180324" cy="307777"/>
+          </a:xfrm>
+          <a:prstGeom prst="rect">
+            <a:avLst/>
+          </a:prstGeom>
+          <a:noFill/>
+        </p:spPr>
+        <p:txBody>
+          <a:bodyPr wrap="square" rtlCol="0">
+            <a:spAutoFit/>
+          </a:bodyPr>
+          <a:lstStyle/>
+          <a:p>
+            <a:pPr algn="r"/>
+            <a:r>
+              <a:rPr lang="en-US" sz="1400" dirty="0"/>
+              <a:t>Array</a:t>
+            </a:r>
+          </a:p>
+        </p:txBody>
+      </p:sp>
+      <p:sp>
+        <p:nvSpPr>
+          <p:cNvPr id="52" name="Rectangle 51">
+            <a:extLst>
+              <a:ext uri="{FF2B5EF4-FFF2-40B4-BE49-F238E27FC236}">
+                <a16:creationId xmlns:a16="http://schemas.microsoft.com/office/drawing/2014/main" id="{D25E4042-2CCB-9195-F7CF-9321235B7426}"/>
+              </a:ext>
+            </a:extLst>
+          </p:cNvPr>
+          <p:cNvSpPr/>
+          <p:nvPr/>
+        </p:nvSpPr>
+        <p:spPr>
+          <a:xfrm>
+            <a:off x="5088619" y="1111001"/>
+            <a:ext cx="322151" cy="272753"/>
+          </a:xfrm>
+          <a:prstGeom prst="rect">
+            <a:avLst/>
+          </a:prstGeom>
+          <a:solidFill>
+            <a:srgbClr val="FAFDF0"/>
+          </a:solidFill>
+          <a:ln>
+            <a:solidFill>
+              <a:srgbClr val="DDF08B"/>
+            </a:solidFill>
+          </a:ln>
+        </p:spPr>
+        <p:style>
+          <a:lnRef idx="2">
+            <a:schemeClr val="accent1">
+              <a:shade val="15000"/>
+            </a:schemeClr>
+          </a:lnRef>
+          <a:fillRef idx="1">
+            <a:schemeClr val="accent1"/>
+          </a:fillRef>
+          <a:effectRef idx="0">
+            <a:schemeClr val="accent1"/>
+          </a:effectRef>
+          <a:fontRef idx="minor">
+            <a:schemeClr val="lt1"/>
+          </a:fontRef>
+        </p:style>
+        <p:txBody>
+          <a:bodyPr rtlCol="0" anchor="ctr"/>
+          <a:lstStyle/>
+          <a:p>
+            <a:pPr algn="ctr"/>
+            <a:endParaRPr lang="en-US" sz="800" dirty="0">
+              <a:solidFill>
+                <a:schemeClr val="tx1"/>
+              </a:solidFill>
+            </a:endParaRPr>
+          </a:p>
+        </p:txBody>
+      </p:sp>
+      <p:sp>
+        <p:nvSpPr>
+          <p:cNvPr id="53" name="Rectangle 52">
+            <a:extLst>
+              <a:ext uri="{FF2B5EF4-FFF2-40B4-BE49-F238E27FC236}">
+                <a16:creationId xmlns:a16="http://schemas.microsoft.com/office/drawing/2014/main" id="{D0D106E4-744C-C0CD-1CC0-EA4B8FB6A168}"/>
+              </a:ext>
+            </a:extLst>
+          </p:cNvPr>
+          <p:cNvSpPr/>
+          <p:nvPr/>
+        </p:nvSpPr>
+        <p:spPr>
+          <a:xfrm>
+            <a:off x="5410772" y="1111002"/>
+            <a:ext cx="322151" cy="272753"/>
+          </a:xfrm>
+          <a:prstGeom prst="rect">
+            <a:avLst/>
+          </a:prstGeom>
+          <a:solidFill>
+            <a:srgbClr val="FAFDF0"/>
+          </a:solidFill>
+          <a:ln>
+            <a:solidFill>
+              <a:srgbClr val="DDF08B"/>
+            </a:solidFill>
+          </a:ln>
+        </p:spPr>
+        <p:style>
+          <a:lnRef idx="2">
+            <a:schemeClr val="accent1">
+              <a:shade val="15000"/>
+            </a:schemeClr>
+          </a:lnRef>
+          <a:fillRef idx="1">
+            <a:schemeClr val="accent1"/>
+          </a:fillRef>
+          <a:effectRef idx="0">
+            <a:schemeClr val="accent1"/>
+          </a:effectRef>
+          <a:fontRef idx="minor">
+            <a:schemeClr val="lt1"/>
+          </a:fontRef>
+        </p:style>
+        <p:txBody>
+          <a:bodyPr rtlCol="0" anchor="ctr"/>
+          <a:lstStyle/>
+          <a:p>
+            <a:pPr algn="ctr"/>
+            <a:endParaRPr lang="en-US" sz="800" dirty="0">
+              <a:solidFill>
+                <a:schemeClr val="tx1"/>
+              </a:solidFill>
+            </a:endParaRPr>
+          </a:p>
+        </p:txBody>
+      </p:sp>
+      <p:sp>
+        <p:nvSpPr>
+          <p:cNvPr id="44" name="Rectangle 43">
+            <a:extLst>
+              <a:ext uri="{FF2B5EF4-FFF2-40B4-BE49-F238E27FC236}">
+                <a16:creationId xmlns:a16="http://schemas.microsoft.com/office/drawing/2014/main" id="{A6FAAB99-493F-1924-7F30-BAA03308AF34}"/>
+              </a:ext>
+            </a:extLst>
+          </p:cNvPr>
+          <p:cNvSpPr/>
+          <p:nvPr/>
+        </p:nvSpPr>
+        <p:spPr>
+          <a:xfrm>
+            <a:off x="4766471" y="1111005"/>
+            <a:ext cx="322151" cy="272753"/>
+          </a:xfrm>
+          <a:prstGeom prst="rect">
+            <a:avLst/>
+          </a:prstGeom>
+          <a:pattFill prst="wdUpDiag">
+            <a:fgClr>
+              <a:srgbClr val="EFC57B"/>
+            </a:fgClr>
+            <a:bgClr>
+              <a:schemeClr val="bg1"/>
+            </a:bgClr>
+          </a:pattFill>
+          <a:ln>
+            <a:solidFill>
+              <a:srgbClr val="EFC57B"/>
+            </a:solidFill>
+          </a:ln>
+        </p:spPr>
+        <p:style>
+          <a:lnRef idx="2">
+            <a:schemeClr val="accent1">
+              <a:shade val="15000"/>
+            </a:schemeClr>
+          </a:lnRef>
+          <a:fillRef idx="1">
+            <a:schemeClr val="accent1"/>
+          </a:fillRef>
+          <a:effectRef idx="0">
+            <a:schemeClr val="accent1"/>
+          </a:effectRef>
+          <a:fontRef idx="minor">
+            <a:schemeClr val="lt1"/>
+          </a:fontRef>
+        </p:style>
+        <p:txBody>
+          <a:bodyPr rtlCol="0" anchor="ctr"/>
+          <a:lstStyle/>
+          <a:p>
+            <a:pPr algn="ctr"/>
+            <a:endParaRPr lang="en-US" sz="800" dirty="0">
+              <a:solidFill>
+                <a:schemeClr val="tx1"/>
+              </a:solidFill>
+            </a:endParaRPr>
+          </a:p>
+        </p:txBody>
+      </p:sp>
+    </p:spTree>
+    <p:extLst>
+      <p:ext uri="{BB962C8B-B14F-4D97-AF65-F5344CB8AC3E}">
+        <p14:creationId xmlns:p14="http://schemas.microsoft.com/office/powerpoint/2010/main" val="2905784832"/>
       </p:ext>
     </p:extLst>
   </p:cSld>

--- a/files/communication_diagram.pptx
+++ b/files/communication_diagram.pptx
@@ -200,7 +200,7 @@
           <a:p>
             <a:fld id="{1DA394A1-87FE-BC40-B428-C4F79D5812EE}" type="datetimeFigureOut">
               <a:rPr lang="en-US" smtClean="0"/>
-              <a:t>5/19/23</a:t>
+              <a:t>5/22/23</a:t>
             </a:fld>
             <a:endParaRPr lang="en-US"/>
           </a:p>
@@ -785,7 +785,7 @@
           <a:p>
             <a:fld id="{5BD1349E-D158-4E40-990A-05F7F3787A3C}" type="datetimeFigureOut">
               <a:rPr lang="en-US" smtClean="0"/>
-              <a:t>5/19/23</a:t>
+              <a:t>5/22/23</a:t>
             </a:fld>
             <a:endParaRPr lang="en-US"/>
           </a:p>
@@ -985,7 +985,7 @@
           <a:p>
             <a:fld id="{5BD1349E-D158-4E40-990A-05F7F3787A3C}" type="datetimeFigureOut">
               <a:rPr lang="en-US" smtClean="0"/>
-              <a:t>5/19/23</a:t>
+              <a:t>5/22/23</a:t>
             </a:fld>
             <a:endParaRPr lang="en-US"/>
           </a:p>
@@ -1195,7 +1195,7 @@
           <a:p>
             <a:fld id="{5BD1349E-D158-4E40-990A-05F7F3787A3C}" type="datetimeFigureOut">
               <a:rPr lang="en-US" smtClean="0"/>
-              <a:t>5/19/23</a:t>
+              <a:t>5/22/23</a:t>
             </a:fld>
             <a:endParaRPr lang="en-US"/>
           </a:p>
@@ -1395,7 +1395,7 @@
           <a:p>
             <a:fld id="{5BD1349E-D158-4E40-990A-05F7F3787A3C}" type="datetimeFigureOut">
               <a:rPr lang="en-US" smtClean="0"/>
-              <a:t>5/19/23</a:t>
+              <a:t>5/22/23</a:t>
             </a:fld>
             <a:endParaRPr lang="en-US"/>
           </a:p>
@@ -1671,7 +1671,7 @@
           <a:p>
             <a:fld id="{5BD1349E-D158-4E40-990A-05F7F3787A3C}" type="datetimeFigureOut">
               <a:rPr lang="en-US" smtClean="0"/>
-              <a:t>5/19/23</a:t>
+              <a:t>5/22/23</a:t>
             </a:fld>
             <a:endParaRPr lang="en-US"/>
           </a:p>
@@ -1939,7 +1939,7 @@
           <a:p>
             <a:fld id="{5BD1349E-D158-4E40-990A-05F7F3787A3C}" type="datetimeFigureOut">
               <a:rPr lang="en-US" smtClean="0"/>
-              <a:t>5/19/23</a:t>
+              <a:t>5/22/23</a:t>
             </a:fld>
             <a:endParaRPr lang="en-US"/>
           </a:p>
@@ -2354,7 +2354,7 @@
           <a:p>
             <a:fld id="{5BD1349E-D158-4E40-990A-05F7F3787A3C}" type="datetimeFigureOut">
               <a:rPr lang="en-US" smtClean="0"/>
-              <a:t>5/19/23</a:t>
+              <a:t>5/22/23</a:t>
             </a:fld>
             <a:endParaRPr lang="en-US"/>
           </a:p>
@@ -2496,7 +2496,7 @@
           <a:p>
             <a:fld id="{5BD1349E-D158-4E40-990A-05F7F3787A3C}" type="datetimeFigureOut">
               <a:rPr lang="en-US" smtClean="0"/>
-              <a:t>5/19/23</a:t>
+              <a:t>5/22/23</a:t>
             </a:fld>
             <a:endParaRPr lang="en-US"/>
           </a:p>
@@ -2609,7 +2609,7 @@
           <a:p>
             <a:fld id="{5BD1349E-D158-4E40-990A-05F7F3787A3C}" type="datetimeFigureOut">
               <a:rPr lang="en-US" smtClean="0"/>
-              <a:t>5/19/23</a:t>
+              <a:t>5/22/23</a:t>
             </a:fld>
             <a:endParaRPr lang="en-US"/>
           </a:p>
@@ -2922,7 +2922,7 @@
           <a:p>
             <a:fld id="{5BD1349E-D158-4E40-990A-05F7F3787A3C}" type="datetimeFigureOut">
               <a:rPr lang="en-US" smtClean="0"/>
-              <a:t>5/19/23</a:t>
+              <a:t>5/22/23</a:t>
             </a:fld>
             <a:endParaRPr lang="en-US"/>
           </a:p>
@@ -3211,7 +3211,7 @@
           <a:p>
             <a:fld id="{5BD1349E-D158-4E40-990A-05F7F3787A3C}" type="datetimeFigureOut">
               <a:rPr lang="en-US" smtClean="0"/>
-              <a:t>5/19/23</a:t>
+              <a:t>5/22/23</a:t>
             </a:fld>
             <a:endParaRPr lang="en-US"/>
           </a:p>
@@ -3454,7 +3454,7 @@
           <a:p>
             <a:fld id="{5BD1349E-D158-4E40-990A-05F7F3787A3C}" type="datetimeFigureOut">
               <a:rPr lang="en-US" smtClean="0"/>
-              <a:t>5/19/23</a:t>
+              <a:t>5/22/23</a:t>
             </a:fld>
             <a:endParaRPr lang="en-US"/>
           </a:p>
@@ -19024,14 +19024,14 @@
           <p:cNvCxnSpPr>
             <a:cxnSpLocks/>
             <a:stCxn id="24" idx="3"/>
-            <a:endCxn id="18" idx="1"/>
+            <a:endCxn id="17" idx="1"/>
           </p:cNvCxnSpPr>
           <p:nvPr/>
         </p:nvCxnSpPr>
         <p:spPr>
           <a:xfrm>
-            <a:off x="7264477" y="1389050"/>
-            <a:ext cx="534740" cy="33"/>
+            <a:off x="8151744" y="1256074"/>
+            <a:ext cx="513508" cy="601"/>
           </a:xfrm>
           <a:prstGeom prst="straightConnector1">
             <a:avLst/>
@@ -19072,7 +19072,7 @@
         </p:nvSpPr>
         <p:spPr>
           <a:xfrm>
-            <a:off x="2730831" y="1016665"/>
+            <a:off x="2781735" y="1113347"/>
             <a:ext cx="745014" cy="272753"/>
           </a:xfrm>
           <a:prstGeom prst="rect">
@@ -19130,7 +19130,7 @@
         </p:nvSpPr>
         <p:spPr>
           <a:xfrm>
-            <a:off x="2730831" y="1294053"/>
+            <a:off x="2781735" y="1929546"/>
             <a:ext cx="745014" cy="272753"/>
           </a:xfrm>
           <a:prstGeom prst="rect">
@@ -19191,7 +19191,7 @@
         </p:nvSpPr>
         <p:spPr>
           <a:xfrm>
-            <a:off x="2730831" y="1567407"/>
+            <a:off x="2781735" y="2202900"/>
             <a:ext cx="745014" cy="272753"/>
           </a:xfrm>
           <a:prstGeom prst="rect">
@@ -19252,7 +19252,7 @@
         </p:nvSpPr>
         <p:spPr>
           <a:xfrm>
-            <a:off x="2730831" y="1834771"/>
+            <a:off x="2781735" y="2470264"/>
             <a:ext cx="745014" cy="272753"/>
           </a:xfrm>
           <a:prstGeom prst="rect">
@@ -19313,7 +19313,7 @@
         </p:nvSpPr>
         <p:spPr>
           <a:xfrm>
-            <a:off x="2730831" y="2107524"/>
+            <a:off x="2781735" y="2743017"/>
             <a:ext cx="745014" cy="272753"/>
           </a:xfrm>
           <a:prstGeom prst="rect">
@@ -19374,7 +19374,7 @@
         </p:nvSpPr>
         <p:spPr>
           <a:xfrm>
-            <a:off x="2730831" y="2374888"/>
+            <a:off x="2781735" y="3010381"/>
             <a:ext cx="745014" cy="272753"/>
           </a:xfrm>
           <a:prstGeom prst="rect">
@@ -19435,7 +19435,7 @@
         </p:nvSpPr>
         <p:spPr>
           <a:xfrm>
-            <a:off x="2730831" y="469717"/>
+            <a:off x="2781735" y="846944"/>
             <a:ext cx="745014" cy="272753"/>
           </a:xfrm>
           <a:prstGeom prst="rect">
@@ -19493,7 +19493,7 @@
         </p:nvSpPr>
         <p:spPr>
           <a:xfrm>
-            <a:off x="238679" y="195462"/>
+            <a:off x="289583" y="572689"/>
             <a:ext cx="1838183" cy="2733417"/>
           </a:xfrm>
           <a:prstGeom prst="rect">
@@ -19692,67 +19692,6 @@
       </p:sp>
       <p:sp>
         <p:nvSpPr>
-          <p:cNvPr id="162" name="Rectangle 161">
-            <a:extLst>
-              <a:ext uri="{FF2B5EF4-FFF2-40B4-BE49-F238E27FC236}">
-                <a16:creationId xmlns:a16="http://schemas.microsoft.com/office/drawing/2014/main" id="{9CB46FAE-109A-2965-2352-390E8D3B94DC}"/>
-              </a:ext>
-            </a:extLst>
-          </p:cNvPr>
-          <p:cNvSpPr/>
-          <p:nvPr/>
-        </p:nvSpPr>
-        <p:spPr>
-          <a:xfrm>
-            <a:off x="2730831" y="742951"/>
-            <a:ext cx="745014" cy="272753"/>
-          </a:xfrm>
-          <a:prstGeom prst="rect">
-            <a:avLst/>
-          </a:prstGeom>
-          <a:solidFill>
-            <a:srgbClr val="FDF8EE"/>
-          </a:solidFill>
-          <a:ln>
-            <a:solidFill>
-              <a:srgbClr val="EFC57B"/>
-            </a:solidFill>
-          </a:ln>
-        </p:spPr>
-        <p:style>
-          <a:lnRef idx="2">
-            <a:schemeClr val="accent1">
-              <a:shade val="15000"/>
-            </a:schemeClr>
-          </a:lnRef>
-          <a:fillRef idx="1">
-            <a:schemeClr val="accent1"/>
-          </a:fillRef>
-          <a:effectRef idx="0">
-            <a:schemeClr val="accent1"/>
-          </a:effectRef>
-          <a:fontRef idx="minor">
-            <a:schemeClr val="lt1"/>
-          </a:fontRef>
-        </p:style>
-        <p:txBody>
-          <a:bodyPr rtlCol="0" anchor="ctr"/>
-          <a:lstStyle/>
-          <a:p>
-            <a:pPr algn="ctr"/>
-            <a:r>
-              <a:rPr lang="en-US" sz="800" dirty="0">
-                <a:solidFill>
-                  <a:schemeClr val="tx1"/>
-                </a:solidFill>
-              </a:rPr>
-              <a:t>value</a:t>
-            </a:r>
-          </a:p>
-        </p:txBody>
-      </p:sp>
-      <p:sp>
-        <p:nvSpPr>
           <p:cNvPr id="180" name="Rectangle 179">
             <a:extLst>
               <a:ext uri="{FF2B5EF4-FFF2-40B4-BE49-F238E27FC236}">
@@ -19765,7 +19704,7 @@
         </p:nvSpPr>
         <p:spPr>
           <a:xfrm>
-            <a:off x="2730831" y="196003"/>
+            <a:off x="2781735" y="573230"/>
             <a:ext cx="745014" cy="272753"/>
           </a:xfrm>
           <a:prstGeom prst="rect">
@@ -19829,7 +19768,7 @@
         </p:nvCxnSpPr>
         <p:spPr>
           <a:xfrm flipV="1">
-            <a:off x="2002280" y="332380"/>
+            <a:off x="2053184" y="709607"/>
             <a:ext cx="728551" cy="957038"/>
           </a:xfrm>
           <a:prstGeom prst="straightConnector1">
@@ -19874,8 +19813,8 @@
         </p:nvCxnSpPr>
         <p:spPr>
           <a:xfrm flipV="1">
-            <a:off x="2002280" y="879328"/>
-            <a:ext cx="728551" cy="682842"/>
+            <a:off x="2053184" y="1522476"/>
+            <a:ext cx="728551" cy="425449"/>
           </a:xfrm>
           <a:prstGeom prst="straightConnector1">
             <a:avLst/>
@@ -19919,8 +19858,8 @@
         </p:nvCxnSpPr>
         <p:spPr>
           <a:xfrm>
-            <a:off x="2002280" y="1848086"/>
-            <a:ext cx="728551" cy="123062"/>
+            <a:off x="2090475" y="2218618"/>
+            <a:ext cx="691260" cy="388023"/>
           </a:xfrm>
           <a:prstGeom prst="straightConnector1">
             <a:avLst/>
@@ -19961,7 +19900,7 @@
         </p:nvSpPr>
         <p:spPr>
           <a:xfrm>
-            <a:off x="7799217" y="711988"/>
+            <a:off x="8665252" y="846944"/>
             <a:ext cx="745014" cy="272753"/>
           </a:xfrm>
           <a:prstGeom prst="rect">
@@ -20022,7 +19961,7 @@
         </p:nvSpPr>
         <p:spPr>
           <a:xfrm>
-            <a:off x="7799217" y="985342"/>
+            <a:off x="8665252" y="1120298"/>
             <a:ext cx="745014" cy="272753"/>
           </a:xfrm>
           <a:prstGeom prst="rect">
@@ -20083,7 +20022,7 @@
         </p:nvSpPr>
         <p:spPr>
           <a:xfrm>
-            <a:off x="7799217" y="1252706"/>
+            <a:off x="8665252" y="1387662"/>
             <a:ext cx="745014" cy="272753"/>
           </a:xfrm>
           <a:prstGeom prst="rect">
@@ -20132,128 +20071,6 @@
       </p:sp>
       <p:sp>
         <p:nvSpPr>
-          <p:cNvPr id="19" name="Rectangle 18">
-            <a:extLst>
-              <a:ext uri="{FF2B5EF4-FFF2-40B4-BE49-F238E27FC236}">
-                <a16:creationId xmlns:a16="http://schemas.microsoft.com/office/drawing/2014/main" id="{7A04AFA7-31A2-B0E4-3D25-B53EBC790A01}"/>
-              </a:ext>
-            </a:extLst>
-          </p:cNvPr>
-          <p:cNvSpPr/>
-          <p:nvPr/>
-        </p:nvSpPr>
-        <p:spPr>
-          <a:xfrm>
-            <a:off x="7799217" y="1525459"/>
-            <a:ext cx="745014" cy="272753"/>
-          </a:xfrm>
-          <a:prstGeom prst="rect">
-            <a:avLst/>
-          </a:prstGeom>
-          <a:solidFill>
-            <a:srgbClr val="F0FDF2"/>
-          </a:solidFill>
-          <a:ln>
-            <a:solidFill>
-              <a:srgbClr val="82E995"/>
-            </a:solidFill>
-          </a:ln>
-        </p:spPr>
-        <p:style>
-          <a:lnRef idx="2">
-            <a:schemeClr val="accent1">
-              <a:shade val="15000"/>
-            </a:schemeClr>
-          </a:lnRef>
-          <a:fillRef idx="1">
-            <a:schemeClr val="accent1"/>
-          </a:fillRef>
-          <a:effectRef idx="0">
-            <a:schemeClr val="accent1"/>
-          </a:effectRef>
-          <a:fontRef idx="minor">
-            <a:schemeClr val="lt1"/>
-          </a:fontRef>
-        </p:style>
-        <p:txBody>
-          <a:bodyPr rtlCol="0" anchor="ctr"/>
-          <a:lstStyle/>
-          <a:p>
-            <a:pPr algn="ctr"/>
-            <a:r>
-              <a:rPr lang="en-US" sz="800" dirty="0">
-                <a:solidFill>
-                  <a:schemeClr val="tx1"/>
-                </a:solidFill>
-              </a:rPr>
-              <a:t>position[3]</a:t>
-            </a:r>
-          </a:p>
-        </p:txBody>
-      </p:sp>
-      <p:sp>
-        <p:nvSpPr>
-          <p:cNvPr id="20" name="Rectangle 19">
-            <a:extLst>
-              <a:ext uri="{FF2B5EF4-FFF2-40B4-BE49-F238E27FC236}">
-                <a16:creationId xmlns:a16="http://schemas.microsoft.com/office/drawing/2014/main" id="{63EBBC81-8262-65C1-5418-7ED4106FF530}"/>
-              </a:ext>
-            </a:extLst>
-          </p:cNvPr>
-          <p:cNvSpPr/>
-          <p:nvPr/>
-        </p:nvSpPr>
-        <p:spPr>
-          <a:xfrm>
-            <a:off x="7799217" y="1792823"/>
-            <a:ext cx="745014" cy="272753"/>
-          </a:xfrm>
-          <a:prstGeom prst="rect">
-            <a:avLst/>
-          </a:prstGeom>
-          <a:solidFill>
-            <a:srgbClr val="F0FDF2"/>
-          </a:solidFill>
-          <a:ln>
-            <a:solidFill>
-              <a:srgbClr val="82E995"/>
-            </a:solidFill>
-          </a:ln>
-        </p:spPr>
-        <p:style>
-          <a:lnRef idx="2">
-            <a:schemeClr val="accent1">
-              <a:shade val="15000"/>
-            </a:schemeClr>
-          </a:lnRef>
-          <a:fillRef idx="1">
-            <a:schemeClr val="accent1"/>
-          </a:fillRef>
-          <a:effectRef idx="0">
-            <a:schemeClr val="accent1"/>
-          </a:effectRef>
-          <a:fontRef idx="minor">
-            <a:schemeClr val="lt1"/>
-          </a:fontRef>
-        </p:style>
-        <p:txBody>
-          <a:bodyPr rtlCol="0" anchor="ctr"/>
-          <a:lstStyle/>
-          <a:p>
-            <a:pPr algn="ctr"/>
-            <a:r>
-              <a:rPr lang="en-US" sz="800" dirty="0">
-                <a:solidFill>
-                  <a:schemeClr val="tx1"/>
-                </a:solidFill>
-              </a:rPr>
-              <a:t>position[4]</a:t>
-            </a:r>
-          </a:p>
-        </p:txBody>
-      </p:sp>
-      <p:sp>
-        <p:nvSpPr>
           <p:cNvPr id="21" name="Rectangle 20">
             <a:extLst>
               <a:ext uri="{FF2B5EF4-FFF2-40B4-BE49-F238E27FC236}">
@@ -20266,7 +20083,7 @@
         </p:nvSpPr>
         <p:spPr>
           <a:xfrm>
-            <a:off x="6519463" y="1526387"/>
+            <a:off x="7406730" y="1393411"/>
             <a:ext cx="745014" cy="272753"/>
           </a:xfrm>
           <a:prstGeom prst="rect">
@@ -20324,7 +20141,7 @@
         </p:nvSpPr>
         <p:spPr>
           <a:xfrm>
-            <a:off x="4097047" y="1012304"/>
+            <a:off x="4984314" y="879328"/>
             <a:ext cx="2054492" cy="1225937"/>
           </a:xfrm>
           <a:prstGeom prst="rect">
@@ -20481,7 +20298,7 @@
         </p:nvSpPr>
         <p:spPr>
           <a:xfrm>
-            <a:off x="6519463" y="1799621"/>
+            <a:off x="7406730" y="1666645"/>
             <a:ext cx="745014" cy="272753"/>
           </a:xfrm>
           <a:prstGeom prst="rect">
@@ -20518,13 +20335,18 @@
           <a:p>
             <a:pPr algn="ctr"/>
             <a:r>
-              <a:rPr lang="en-US" sz="800" dirty="0">
-                <a:solidFill>
-                  <a:schemeClr val="tx1"/>
-                </a:solidFill>
-              </a:rPr>
-              <a:t>5</a:t>
-            </a:r>
+              <a:rPr lang="en-US" sz="800" dirty="0" err="1">
+                <a:solidFill>
+                  <a:schemeClr val="tx1"/>
+                </a:solidFill>
+              </a:rPr>
+              <a:t>num_cells</a:t>
+            </a:r>
+            <a:endParaRPr lang="en-US" sz="800" dirty="0">
+              <a:solidFill>
+                <a:schemeClr val="tx1"/>
+              </a:solidFill>
+            </a:endParaRPr>
           </a:p>
         </p:txBody>
       </p:sp>
@@ -20542,7 +20364,7 @@
         </p:nvSpPr>
         <p:spPr>
           <a:xfrm>
-            <a:off x="6519463" y="1252673"/>
+            <a:off x="7406730" y="1119697"/>
             <a:ext cx="745014" cy="272753"/>
           </a:xfrm>
           <a:prstGeom prst="rect">
@@ -20605,7 +20427,7 @@
         </p:nvCxnSpPr>
         <p:spPr>
           <a:xfrm flipV="1">
-            <a:off x="6096000" y="1389050"/>
+            <a:off x="6983267" y="1256074"/>
             <a:ext cx="423463" cy="106667"/>
           </a:xfrm>
           <a:prstGeom prst="straightConnector1">
@@ -20650,7 +20472,7 @@
         </p:nvCxnSpPr>
         <p:spPr>
           <a:xfrm>
-            <a:off x="6096000" y="1823301"/>
+            <a:off x="6983267" y="1690325"/>
             <a:ext cx="423463" cy="112697"/>
           </a:xfrm>
           <a:prstGeom prst="straightConnector1">
@@ -20678,6 +20500,125 @@
           </a:fontRef>
         </p:style>
       </p:cxnSp>
+      <p:sp>
+        <p:nvSpPr>
+          <p:cNvPr id="7" name="Rectangle 6">
+            <a:extLst>
+              <a:ext uri="{FF2B5EF4-FFF2-40B4-BE49-F238E27FC236}">
+                <a16:creationId xmlns:a16="http://schemas.microsoft.com/office/drawing/2014/main" id="{868112EA-37A7-4581-AFD9-E6D749F1EE06}"/>
+              </a:ext>
+            </a:extLst>
+          </p:cNvPr>
+          <p:cNvSpPr/>
+          <p:nvPr/>
+        </p:nvSpPr>
+        <p:spPr>
+          <a:xfrm>
+            <a:off x="2782660" y="1656793"/>
+            <a:ext cx="745014" cy="272753"/>
+          </a:xfrm>
+          <a:prstGeom prst="rect">
+            <a:avLst/>
+          </a:prstGeom>
+          <a:solidFill>
+            <a:srgbClr val="FAFDF0"/>
+          </a:solidFill>
+          <a:ln>
+            <a:solidFill>
+              <a:srgbClr val="DDF08B"/>
+            </a:solidFill>
+          </a:ln>
+        </p:spPr>
+        <p:style>
+          <a:lnRef idx="2">
+            <a:schemeClr val="accent1">
+              <a:shade val="15000"/>
+            </a:schemeClr>
+          </a:lnRef>
+          <a:fillRef idx="1">
+            <a:schemeClr val="accent1"/>
+          </a:fillRef>
+          <a:effectRef idx="0">
+            <a:schemeClr val="accent1"/>
+          </a:effectRef>
+          <a:fontRef idx="minor">
+            <a:schemeClr val="lt1"/>
+          </a:fontRef>
+        </p:style>
+        <p:txBody>
+          <a:bodyPr rtlCol="0" anchor="ctr"/>
+          <a:lstStyle/>
+          <a:p>
+            <a:pPr algn="ctr"/>
+            <a:endParaRPr lang="en-US" sz="800" dirty="0">
+              <a:solidFill>
+                <a:schemeClr val="tx1"/>
+              </a:solidFill>
+            </a:endParaRPr>
+          </a:p>
+        </p:txBody>
+      </p:sp>
+      <p:sp>
+        <p:nvSpPr>
+          <p:cNvPr id="162" name="Rectangle 161">
+            <a:extLst>
+              <a:ext uri="{FF2B5EF4-FFF2-40B4-BE49-F238E27FC236}">
+                <a16:creationId xmlns:a16="http://schemas.microsoft.com/office/drawing/2014/main" id="{9CB46FAE-109A-2965-2352-390E8D3B94DC}"/>
+              </a:ext>
+            </a:extLst>
+          </p:cNvPr>
+          <p:cNvSpPr/>
+          <p:nvPr/>
+        </p:nvSpPr>
+        <p:spPr>
+          <a:xfrm>
+            <a:off x="2781735" y="1386099"/>
+            <a:ext cx="745014" cy="272753"/>
+          </a:xfrm>
+          <a:prstGeom prst="rect">
+            <a:avLst/>
+          </a:prstGeom>
+          <a:solidFill>
+            <a:srgbClr val="FDF8EE"/>
+          </a:solidFill>
+          <a:ln>
+            <a:solidFill>
+              <a:srgbClr val="EFC57B"/>
+            </a:solidFill>
+          </a:ln>
+        </p:spPr>
+        <p:style>
+          <a:lnRef idx="2">
+            <a:schemeClr val="accent1">
+              <a:shade val="15000"/>
+            </a:schemeClr>
+          </a:lnRef>
+          <a:fillRef idx="1">
+            <a:schemeClr val="accent1"/>
+          </a:fillRef>
+          <a:effectRef idx="0">
+            <a:schemeClr val="accent1"/>
+          </a:effectRef>
+          <a:fontRef idx="minor">
+            <a:schemeClr val="lt1"/>
+          </a:fontRef>
+        </p:style>
+        <p:txBody>
+          <a:bodyPr rtlCol="0" anchor="ctr"/>
+          <a:lstStyle/>
+          <a:p>
+            <a:pPr algn="ctr"/>
+            <a:r>
+              <a:rPr lang="en-US" sz="800" dirty="0">
+                <a:solidFill>
+                  <a:schemeClr val="tx1"/>
+                </a:solidFill>
+              </a:rPr>
+              <a:t>value</a:t>
+            </a:r>
+          </a:p>
+        </p:txBody>
+      </p:sp>
     </p:spTree>
     <p:extLst>
       <p:ext uri="{BB962C8B-B14F-4D97-AF65-F5344CB8AC3E}">

--- a/files/communication_diagram.pptx
+++ b/files/communication_diagram.pptx
@@ -200,7 +200,7 @@
           <a:p>
             <a:fld id="{1DA394A1-87FE-BC40-B428-C4F79D5812EE}" type="datetimeFigureOut">
               <a:rPr lang="en-US" smtClean="0"/>
-              <a:t>5/22/23</a:t>
+              <a:t>5/24/23</a:t>
             </a:fld>
             <a:endParaRPr lang="en-US"/>
           </a:p>
@@ -785,7 +785,7 @@
           <a:p>
             <a:fld id="{5BD1349E-D158-4E40-990A-05F7F3787A3C}" type="datetimeFigureOut">
               <a:rPr lang="en-US" smtClean="0"/>
-              <a:t>5/22/23</a:t>
+              <a:t>5/24/23</a:t>
             </a:fld>
             <a:endParaRPr lang="en-US"/>
           </a:p>
@@ -985,7 +985,7 @@
           <a:p>
             <a:fld id="{5BD1349E-D158-4E40-990A-05F7F3787A3C}" type="datetimeFigureOut">
               <a:rPr lang="en-US" smtClean="0"/>
-              <a:t>5/22/23</a:t>
+              <a:t>5/24/23</a:t>
             </a:fld>
             <a:endParaRPr lang="en-US"/>
           </a:p>
@@ -1195,7 +1195,7 @@
           <a:p>
             <a:fld id="{5BD1349E-D158-4E40-990A-05F7F3787A3C}" type="datetimeFigureOut">
               <a:rPr lang="en-US" smtClean="0"/>
-              <a:t>5/22/23</a:t>
+              <a:t>5/24/23</a:t>
             </a:fld>
             <a:endParaRPr lang="en-US"/>
           </a:p>
@@ -1395,7 +1395,7 @@
           <a:p>
             <a:fld id="{5BD1349E-D158-4E40-990A-05F7F3787A3C}" type="datetimeFigureOut">
               <a:rPr lang="en-US" smtClean="0"/>
-              <a:t>5/22/23</a:t>
+              <a:t>5/24/23</a:t>
             </a:fld>
             <a:endParaRPr lang="en-US"/>
           </a:p>
@@ -1671,7 +1671,7 @@
           <a:p>
             <a:fld id="{5BD1349E-D158-4E40-990A-05F7F3787A3C}" type="datetimeFigureOut">
               <a:rPr lang="en-US" smtClean="0"/>
-              <a:t>5/22/23</a:t>
+              <a:t>5/24/23</a:t>
             </a:fld>
             <a:endParaRPr lang="en-US"/>
           </a:p>
@@ -1939,7 +1939,7 @@
           <a:p>
             <a:fld id="{5BD1349E-D158-4E40-990A-05F7F3787A3C}" type="datetimeFigureOut">
               <a:rPr lang="en-US" smtClean="0"/>
-              <a:t>5/22/23</a:t>
+              <a:t>5/24/23</a:t>
             </a:fld>
             <a:endParaRPr lang="en-US"/>
           </a:p>
@@ -2354,7 +2354,7 @@
           <a:p>
             <a:fld id="{5BD1349E-D158-4E40-990A-05F7F3787A3C}" type="datetimeFigureOut">
               <a:rPr lang="en-US" smtClean="0"/>
-              <a:t>5/22/23</a:t>
+              <a:t>5/24/23</a:t>
             </a:fld>
             <a:endParaRPr lang="en-US"/>
           </a:p>
@@ -2496,7 +2496,7 @@
           <a:p>
             <a:fld id="{5BD1349E-D158-4E40-990A-05F7F3787A3C}" type="datetimeFigureOut">
               <a:rPr lang="en-US" smtClean="0"/>
-              <a:t>5/22/23</a:t>
+              <a:t>5/24/23</a:t>
             </a:fld>
             <a:endParaRPr lang="en-US"/>
           </a:p>
@@ -2609,7 +2609,7 @@
           <a:p>
             <a:fld id="{5BD1349E-D158-4E40-990A-05F7F3787A3C}" type="datetimeFigureOut">
               <a:rPr lang="en-US" smtClean="0"/>
-              <a:t>5/22/23</a:t>
+              <a:t>5/24/23</a:t>
             </a:fld>
             <a:endParaRPr lang="en-US"/>
           </a:p>
@@ -2922,7 +2922,7 @@
           <a:p>
             <a:fld id="{5BD1349E-D158-4E40-990A-05F7F3787A3C}" type="datetimeFigureOut">
               <a:rPr lang="en-US" smtClean="0"/>
-              <a:t>5/22/23</a:t>
+              <a:t>5/24/23</a:t>
             </a:fld>
             <a:endParaRPr lang="en-US"/>
           </a:p>
@@ -3211,7 +3211,7 @@
           <a:p>
             <a:fld id="{5BD1349E-D158-4E40-990A-05F7F3787A3C}" type="datetimeFigureOut">
               <a:rPr lang="en-US" smtClean="0"/>
-              <a:t>5/22/23</a:t>
+              <a:t>5/24/23</a:t>
             </a:fld>
             <a:endParaRPr lang="en-US"/>
           </a:p>
@@ -3454,7 +3454,7 @@
           <a:p>
             <a:fld id="{5BD1349E-D158-4E40-990A-05F7F3787A3C}" type="datetimeFigureOut">
               <a:rPr lang="en-US" smtClean="0"/>
-              <a:t>5/22/23</a:t>
+              <a:t>5/24/23</a:t>
             </a:fld>
             <a:endParaRPr lang="en-US"/>
           </a:p>
@@ -20699,6 +20699,189 @@
           <a:lstStyle/>
           <a:p>
             <a:pPr algn="ctr"/>
+            <a:r>
+              <a:rPr lang="en-US" sz="700" dirty="0">
+                <a:solidFill>
+                  <a:schemeClr val="tx1"/>
+                </a:solidFill>
+              </a:rPr>
+              <a:t>x[0]</a:t>
+            </a:r>
+          </a:p>
+        </p:txBody>
+      </p:sp>
+      <p:sp>
+        <p:nvSpPr>
+          <p:cNvPr id="21" name="Rectangle 20">
+            <a:extLst>
+              <a:ext uri="{FF2B5EF4-FFF2-40B4-BE49-F238E27FC236}">
+                <a16:creationId xmlns:a16="http://schemas.microsoft.com/office/drawing/2014/main" id="{5507BB2A-B3C9-45B1-BBDD-FDCE1754D73A}"/>
+              </a:ext>
+            </a:extLst>
+          </p:cNvPr>
+          <p:cNvSpPr/>
+          <p:nvPr/>
+        </p:nvSpPr>
+        <p:spPr>
+          <a:xfrm>
+            <a:off x="2189263" y="253612"/>
+            <a:ext cx="322151" cy="272753"/>
+          </a:xfrm>
+          <a:prstGeom prst="rect">
+            <a:avLst/>
+          </a:prstGeom>
+          <a:solidFill>
+            <a:srgbClr val="F2EFF6"/>
+          </a:solidFill>
+          <a:ln>
+            <a:solidFill>
+              <a:srgbClr val="360084"/>
+            </a:solidFill>
+          </a:ln>
+        </p:spPr>
+        <p:style>
+          <a:lnRef idx="2">
+            <a:schemeClr val="accent1">
+              <a:shade val="15000"/>
+            </a:schemeClr>
+          </a:lnRef>
+          <a:fillRef idx="1">
+            <a:schemeClr val="accent1"/>
+          </a:fillRef>
+          <a:effectRef idx="0">
+            <a:schemeClr val="accent1"/>
+          </a:effectRef>
+          <a:fontRef idx="minor">
+            <a:schemeClr val="lt1"/>
+          </a:fontRef>
+        </p:style>
+        <p:txBody>
+          <a:bodyPr rtlCol="0" anchor="ctr"/>
+          <a:lstStyle/>
+          <a:p>
+            <a:pPr algn="ctr"/>
+            <a:r>
+              <a:rPr lang="en-US" sz="700" dirty="0">
+                <a:solidFill>
+                  <a:schemeClr val="tx1"/>
+                </a:solidFill>
+              </a:rPr>
+              <a:t>x[1]</a:t>
+            </a:r>
+          </a:p>
+        </p:txBody>
+      </p:sp>
+      <p:sp>
+        <p:nvSpPr>
+          <p:cNvPr id="22" name="Rectangle 21">
+            <a:extLst>
+              <a:ext uri="{FF2B5EF4-FFF2-40B4-BE49-F238E27FC236}">
+                <a16:creationId xmlns:a16="http://schemas.microsoft.com/office/drawing/2014/main" id="{92A1B641-6BD3-908F-C36B-91F22CB5B6E9}"/>
+              </a:ext>
+            </a:extLst>
+          </p:cNvPr>
+          <p:cNvSpPr/>
+          <p:nvPr/>
+        </p:nvSpPr>
+        <p:spPr>
+          <a:xfrm>
+            <a:off x="2511414" y="253611"/>
+            <a:ext cx="322151" cy="272753"/>
+          </a:xfrm>
+          <a:prstGeom prst="rect">
+            <a:avLst/>
+          </a:prstGeom>
+          <a:solidFill>
+            <a:srgbClr val="F2EFF6"/>
+          </a:solidFill>
+          <a:ln>
+            <a:solidFill>
+              <a:srgbClr val="360084"/>
+            </a:solidFill>
+          </a:ln>
+        </p:spPr>
+        <p:style>
+          <a:lnRef idx="2">
+            <a:schemeClr val="accent1">
+              <a:shade val="15000"/>
+            </a:schemeClr>
+          </a:lnRef>
+          <a:fillRef idx="1">
+            <a:schemeClr val="accent1"/>
+          </a:fillRef>
+          <a:effectRef idx="0">
+            <a:schemeClr val="accent1"/>
+          </a:effectRef>
+          <a:fontRef idx="minor">
+            <a:schemeClr val="lt1"/>
+          </a:fontRef>
+        </p:style>
+        <p:txBody>
+          <a:bodyPr rtlCol="0" anchor="ctr"/>
+          <a:lstStyle/>
+          <a:p>
+            <a:pPr algn="ctr"/>
+            <a:r>
+              <a:rPr lang="en-US" sz="700" dirty="0">
+                <a:solidFill>
+                  <a:schemeClr val="tx1"/>
+                </a:solidFill>
+              </a:rPr>
+              <a:t>x[2]</a:t>
+            </a:r>
+          </a:p>
+        </p:txBody>
+      </p:sp>
+      <p:sp>
+        <p:nvSpPr>
+          <p:cNvPr id="24" name="Rectangle 23">
+            <a:extLst>
+              <a:ext uri="{FF2B5EF4-FFF2-40B4-BE49-F238E27FC236}">
+                <a16:creationId xmlns:a16="http://schemas.microsoft.com/office/drawing/2014/main" id="{1AE8C708-30F2-C7FD-7833-3E0A4A89DA7C}"/>
+              </a:ext>
+            </a:extLst>
+          </p:cNvPr>
+          <p:cNvSpPr/>
+          <p:nvPr/>
+        </p:nvSpPr>
+        <p:spPr>
+          <a:xfrm>
+            <a:off x="6699375" y="253605"/>
+            <a:ext cx="322151" cy="272753"/>
+          </a:xfrm>
+          <a:prstGeom prst="rect">
+            <a:avLst/>
+          </a:prstGeom>
+          <a:solidFill>
+            <a:srgbClr val="FAFDF0"/>
+          </a:solidFill>
+          <a:ln>
+            <a:solidFill>
+              <a:srgbClr val="DDF08B"/>
+            </a:solidFill>
+          </a:ln>
+        </p:spPr>
+        <p:style>
+          <a:lnRef idx="2">
+            <a:schemeClr val="accent1">
+              <a:shade val="15000"/>
+            </a:schemeClr>
+          </a:lnRef>
+          <a:fillRef idx="1">
+            <a:schemeClr val="accent1"/>
+          </a:fillRef>
+          <a:effectRef idx="0">
+            <a:schemeClr val="accent1"/>
+          </a:effectRef>
+          <a:fontRef idx="minor">
+            <a:schemeClr val="lt1"/>
+          </a:fontRef>
+        </p:style>
+        <p:txBody>
+          <a:bodyPr rtlCol="0" anchor="ctr"/>
+          <a:lstStyle/>
+          <a:p>
+            <a:pPr algn="ctr"/>
             <a:endParaRPr lang="en-US" sz="800" dirty="0">
               <a:solidFill>
                 <a:schemeClr val="tx1"/>
@@ -20709,30 +20892,152 @@
       </p:sp>
       <p:sp>
         <p:nvSpPr>
-          <p:cNvPr id="21" name="Rectangle 20">
-            <a:extLst>
-              <a:ext uri="{FF2B5EF4-FFF2-40B4-BE49-F238E27FC236}">
-                <a16:creationId xmlns:a16="http://schemas.microsoft.com/office/drawing/2014/main" id="{5507BB2A-B3C9-45B1-BBDD-FDCE1754D73A}"/>
-              </a:ext>
-            </a:extLst>
-          </p:cNvPr>
-          <p:cNvSpPr/>
-          <p:nvPr/>
-        </p:nvSpPr>
-        <p:spPr>
-          <a:xfrm>
-            <a:off x="2189263" y="253612"/>
-            <a:ext cx="322151" cy="272753"/>
-          </a:xfrm>
-          <a:prstGeom prst="rect">
-            <a:avLst/>
-          </a:prstGeom>
-          <a:solidFill>
-            <a:srgbClr val="F2EFF6"/>
-          </a:solidFill>
-          <a:ln>
-            <a:solidFill>
-              <a:srgbClr val="360084"/>
+          <p:cNvPr id="25" name="Rectangle 24">
+            <a:extLst>
+              <a:ext uri="{FF2B5EF4-FFF2-40B4-BE49-F238E27FC236}">
+                <a16:creationId xmlns:a16="http://schemas.microsoft.com/office/drawing/2014/main" id="{B0BA7E38-442F-9767-1AD7-774A17E47ED6}"/>
+              </a:ext>
+            </a:extLst>
+          </p:cNvPr>
+          <p:cNvSpPr/>
+          <p:nvPr/>
+        </p:nvSpPr>
+        <p:spPr>
+          <a:xfrm>
+            <a:off x="4766470" y="253608"/>
+            <a:ext cx="322151" cy="272753"/>
+          </a:xfrm>
+          <a:prstGeom prst="rect">
+            <a:avLst/>
+          </a:prstGeom>
+          <a:solidFill>
+            <a:srgbClr val="FDF8EE"/>
+          </a:solidFill>
+          <a:ln>
+            <a:solidFill>
+              <a:srgbClr val="EFC57B"/>
+            </a:solidFill>
+          </a:ln>
+        </p:spPr>
+        <p:style>
+          <a:lnRef idx="2">
+            <a:schemeClr val="accent1">
+              <a:shade val="15000"/>
+            </a:schemeClr>
+          </a:lnRef>
+          <a:fillRef idx="1">
+            <a:schemeClr val="accent1"/>
+          </a:fillRef>
+          <a:effectRef idx="0">
+            <a:schemeClr val="accent1"/>
+          </a:effectRef>
+          <a:fontRef idx="minor">
+            <a:schemeClr val="lt1"/>
+          </a:fontRef>
+        </p:style>
+        <p:txBody>
+          <a:bodyPr rtlCol="0" anchor="ctr"/>
+          <a:lstStyle/>
+          <a:p>
+            <a:pPr algn="ctr"/>
+            <a:r>
+              <a:rPr lang="en-US" sz="700" dirty="0">
+                <a:solidFill>
+                  <a:schemeClr val="tx1"/>
+                </a:solidFill>
+              </a:rPr>
+              <a:t>y[1]</a:t>
+            </a:r>
+          </a:p>
+        </p:txBody>
+      </p:sp>
+      <p:sp>
+        <p:nvSpPr>
+          <p:cNvPr id="26" name="Rectangle 25">
+            <a:extLst>
+              <a:ext uri="{FF2B5EF4-FFF2-40B4-BE49-F238E27FC236}">
+                <a16:creationId xmlns:a16="http://schemas.microsoft.com/office/drawing/2014/main" id="{42CE0387-79B8-1F0C-9A65-3B47CAE784FB}"/>
+              </a:ext>
+            </a:extLst>
+          </p:cNvPr>
+          <p:cNvSpPr/>
+          <p:nvPr/>
+        </p:nvSpPr>
+        <p:spPr>
+          <a:xfrm>
+            <a:off x="5088621" y="253607"/>
+            <a:ext cx="322151" cy="272753"/>
+          </a:xfrm>
+          <a:prstGeom prst="rect">
+            <a:avLst/>
+          </a:prstGeom>
+          <a:solidFill>
+            <a:srgbClr val="FDF8EE"/>
+          </a:solidFill>
+          <a:ln>
+            <a:solidFill>
+              <a:srgbClr val="EFC57B"/>
+            </a:solidFill>
+          </a:ln>
+        </p:spPr>
+        <p:style>
+          <a:lnRef idx="2">
+            <a:schemeClr val="accent1">
+              <a:shade val="15000"/>
+            </a:schemeClr>
+          </a:lnRef>
+          <a:fillRef idx="1">
+            <a:schemeClr val="accent1"/>
+          </a:fillRef>
+          <a:effectRef idx="0">
+            <a:schemeClr val="accent1"/>
+          </a:effectRef>
+          <a:fontRef idx="minor">
+            <a:schemeClr val="lt1"/>
+          </a:fontRef>
+        </p:style>
+        <p:txBody>
+          <a:bodyPr rtlCol="0" anchor="ctr"/>
+          <a:lstStyle/>
+          <a:p>
+            <a:pPr algn="ctr"/>
+            <a:r>
+              <a:rPr lang="en-US" sz="700" dirty="0">
+                <a:solidFill>
+                  <a:schemeClr val="tx1"/>
+                </a:solidFill>
+              </a:rPr>
+              <a:t>y[2]</a:t>
+            </a:r>
+          </a:p>
+        </p:txBody>
+      </p:sp>
+      <p:sp>
+        <p:nvSpPr>
+          <p:cNvPr id="27" name="Rectangle 26">
+            <a:extLst>
+              <a:ext uri="{FF2B5EF4-FFF2-40B4-BE49-F238E27FC236}">
+                <a16:creationId xmlns:a16="http://schemas.microsoft.com/office/drawing/2014/main" id="{89A93FD3-EDBB-6CBD-D89B-44FF4A1210A0}"/>
+              </a:ext>
+            </a:extLst>
+          </p:cNvPr>
+          <p:cNvSpPr/>
+          <p:nvPr/>
+        </p:nvSpPr>
+        <p:spPr>
+          <a:xfrm>
+            <a:off x="6055073" y="253606"/>
+            <a:ext cx="322151" cy="272753"/>
+          </a:xfrm>
+          <a:prstGeom prst="rect">
+            <a:avLst/>
+          </a:prstGeom>
+          <a:solidFill>
+            <a:srgbClr val="FAFDF0"/>
+          </a:solidFill>
+          <a:ln>
+            <a:solidFill>
+              <a:srgbClr val="DDF08B"/>
             </a:solidFill>
           </a:ln>
         </p:spPr>
@@ -20767,30 +21072,30 @@
       </p:sp>
       <p:sp>
         <p:nvSpPr>
-          <p:cNvPr id="22" name="Rectangle 21">
-            <a:extLst>
-              <a:ext uri="{FF2B5EF4-FFF2-40B4-BE49-F238E27FC236}">
-                <a16:creationId xmlns:a16="http://schemas.microsoft.com/office/drawing/2014/main" id="{92A1B641-6BD3-908F-C36B-91F22CB5B6E9}"/>
-              </a:ext>
-            </a:extLst>
-          </p:cNvPr>
-          <p:cNvSpPr/>
-          <p:nvPr/>
-        </p:nvSpPr>
-        <p:spPr>
-          <a:xfrm>
-            <a:off x="2511414" y="253611"/>
-            <a:ext cx="322151" cy="272753"/>
-          </a:xfrm>
-          <a:prstGeom prst="rect">
-            <a:avLst/>
-          </a:prstGeom>
-          <a:solidFill>
-            <a:srgbClr val="F2EFF6"/>
-          </a:solidFill>
-          <a:ln>
-            <a:solidFill>
-              <a:srgbClr val="360084"/>
+          <p:cNvPr id="28" name="Rectangle 27">
+            <a:extLst>
+              <a:ext uri="{FF2B5EF4-FFF2-40B4-BE49-F238E27FC236}">
+                <a16:creationId xmlns:a16="http://schemas.microsoft.com/office/drawing/2014/main" id="{BF16CA68-23F7-34E7-8B4E-3670216FE344}"/>
+              </a:ext>
+            </a:extLst>
+          </p:cNvPr>
+          <p:cNvSpPr/>
+          <p:nvPr/>
+        </p:nvSpPr>
+        <p:spPr>
+          <a:xfrm>
+            <a:off x="6377224" y="253605"/>
+            <a:ext cx="322151" cy="272753"/>
+          </a:xfrm>
+          <a:prstGeom prst="rect">
+            <a:avLst/>
+          </a:prstGeom>
+          <a:solidFill>
+            <a:srgbClr val="FAFDF0"/>
+          </a:solidFill>
+          <a:ln>
+            <a:solidFill>
+              <a:srgbClr val="DDF08B"/>
             </a:solidFill>
           </a:ln>
         </p:spPr>
@@ -20825,19 +21130,80 @@
       </p:sp>
       <p:sp>
         <p:nvSpPr>
-          <p:cNvPr id="23" name="Rectangle 22">
-            <a:extLst>
-              <a:ext uri="{FF2B5EF4-FFF2-40B4-BE49-F238E27FC236}">
-                <a16:creationId xmlns:a16="http://schemas.microsoft.com/office/drawing/2014/main" id="{8CAD7EA1-2665-3694-3031-33454E3821DA}"/>
-              </a:ext>
-            </a:extLst>
-          </p:cNvPr>
-          <p:cNvSpPr/>
-          <p:nvPr/>
-        </p:nvSpPr>
-        <p:spPr>
-          <a:xfrm>
-            <a:off x="5732920" y="253605"/>
+          <p:cNvPr id="29" name="Rectangle 28">
+            <a:extLst>
+              <a:ext uri="{FF2B5EF4-FFF2-40B4-BE49-F238E27FC236}">
+                <a16:creationId xmlns:a16="http://schemas.microsoft.com/office/drawing/2014/main" id="{96887129-7E8A-6E9C-7F30-91896F3E9C05}"/>
+              </a:ext>
+            </a:extLst>
+          </p:cNvPr>
+          <p:cNvSpPr/>
+          <p:nvPr/>
+        </p:nvSpPr>
+        <p:spPr>
+          <a:xfrm>
+            <a:off x="5410772" y="253607"/>
+            <a:ext cx="322151" cy="272753"/>
+          </a:xfrm>
+          <a:prstGeom prst="rect">
+            <a:avLst/>
+          </a:prstGeom>
+          <a:solidFill>
+            <a:srgbClr val="FDF8EE"/>
+          </a:solidFill>
+          <a:ln>
+            <a:solidFill>
+              <a:srgbClr val="EFC57B"/>
+            </a:solidFill>
+          </a:ln>
+        </p:spPr>
+        <p:style>
+          <a:lnRef idx="2">
+            <a:schemeClr val="accent1">
+              <a:shade val="15000"/>
+            </a:schemeClr>
+          </a:lnRef>
+          <a:fillRef idx="1">
+            <a:schemeClr val="accent1"/>
+          </a:fillRef>
+          <a:effectRef idx="0">
+            <a:schemeClr val="accent1"/>
+          </a:effectRef>
+          <a:fontRef idx="minor">
+            <a:schemeClr val="lt1"/>
+          </a:fontRef>
+        </p:style>
+        <p:txBody>
+          <a:bodyPr rtlCol="0" anchor="ctr"/>
+          <a:lstStyle/>
+          <a:p>
+            <a:pPr algn="ctr"/>
+            <a:r>
+              <a:rPr lang="en-US" sz="700" dirty="0">
+                <a:solidFill>
+                  <a:schemeClr val="tx1"/>
+                </a:solidFill>
+              </a:rPr>
+              <a:t>y[3]</a:t>
+            </a:r>
+          </a:p>
+        </p:txBody>
+      </p:sp>
+      <p:sp>
+        <p:nvSpPr>
+          <p:cNvPr id="30" name="Rectangle 29">
+            <a:extLst>
+              <a:ext uri="{FF2B5EF4-FFF2-40B4-BE49-F238E27FC236}">
+                <a16:creationId xmlns:a16="http://schemas.microsoft.com/office/drawing/2014/main" id="{DE6AD10A-44D6-DD6E-644B-017460711E87}"/>
+              </a:ext>
+            </a:extLst>
+          </p:cNvPr>
+          <p:cNvSpPr/>
+          <p:nvPr/>
+        </p:nvSpPr>
+        <p:spPr>
+          <a:xfrm>
+            <a:off x="3155716" y="253611"/>
             <a:ext cx="322151" cy="272753"/>
           </a:xfrm>
           <a:prstGeom prst="rect">
@@ -20883,19 +21249,19 @@
       </p:sp>
       <p:sp>
         <p:nvSpPr>
-          <p:cNvPr id="24" name="Rectangle 23">
-            <a:extLst>
-              <a:ext uri="{FF2B5EF4-FFF2-40B4-BE49-F238E27FC236}">
-                <a16:creationId xmlns:a16="http://schemas.microsoft.com/office/drawing/2014/main" id="{1AE8C708-30F2-C7FD-7833-3E0A4A89DA7C}"/>
-              </a:ext>
-            </a:extLst>
-          </p:cNvPr>
-          <p:cNvSpPr/>
-          <p:nvPr/>
-        </p:nvSpPr>
-        <p:spPr>
-          <a:xfrm>
-            <a:off x="6699375" y="253605"/>
+          <p:cNvPr id="31" name="Rectangle 30">
+            <a:extLst>
+              <a:ext uri="{FF2B5EF4-FFF2-40B4-BE49-F238E27FC236}">
+                <a16:creationId xmlns:a16="http://schemas.microsoft.com/office/drawing/2014/main" id="{6EF843CE-F97A-96C6-531A-57F857868D16}"/>
+              </a:ext>
+            </a:extLst>
+          </p:cNvPr>
+          <p:cNvSpPr/>
+          <p:nvPr/>
+        </p:nvSpPr>
+        <p:spPr>
+          <a:xfrm>
+            <a:off x="4122169" y="253609"/>
             <a:ext cx="322151" cy="272753"/>
           </a:xfrm>
           <a:prstGeom prst="rect">
@@ -20941,30 +21307,30 @@
       </p:sp>
       <p:sp>
         <p:nvSpPr>
-          <p:cNvPr id="25" name="Rectangle 24">
-            <a:extLst>
-              <a:ext uri="{FF2B5EF4-FFF2-40B4-BE49-F238E27FC236}">
-                <a16:creationId xmlns:a16="http://schemas.microsoft.com/office/drawing/2014/main" id="{B0BA7E38-442F-9767-1AD7-774A17E47ED6}"/>
-              </a:ext>
-            </a:extLst>
-          </p:cNvPr>
-          <p:cNvSpPr/>
-          <p:nvPr/>
-        </p:nvSpPr>
-        <p:spPr>
-          <a:xfrm>
-            <a:off x="4766470" y="253608"/>
-            <a:ext cx="322151" cy="272753"/>
-          </a:xfrm>
-          <a:prstGeom prst="rect">
-            <a:avLst/>
-          </a:prstGeom>
-          <a:solidFill>
-            <a:srgbClr val="FDF8EE"/>
-          </a:solidFill>
-          <a:ln>
-            <a:solidFill>
-              <a:srgbClr val="EFC57B"/>
+          <p:cNvPr id="32" name="Rectangle 31">
+            <a:extLst>
+              <a:ext uri="{FF2B5EF4-FFF2-40B4-BE49-F238E27FC236}">
+                <a16:creationId xmlns:a16="http://schemas.microsoft.com/office/drawing/2014/main" id="{C927F461-7AFB-7E17-067B-ABC29034FA29}"/>
+              </a:ext>
+            </a:extLst>
+          </p:cNvPr>
+          <p:cNvSpPr/>
+          <p:nvPr/>
+        </p:nvSpPr>
+        <p:spPr>
+          <a:xfrm>
+            <a:off x="3477867" y="253610"/>
+            <a:ext cx="322151" cy="272753"/>
+          </a:xfrm>
+          <a:prstGeom prst="rect">
+            <a:avLst/>
+          </a:prstGeom>
+          <a:solidFill>
+            <a:srgbClr val="FAFDF0"/>
+          </a:solidFill>
+          <a:ln>
+            <a:solidFill>
+              <a:srgbClr val="DDF08B"/>
             </a:solidFill>
           </a:ln>
         </p:spPr>
@@ -20999,30 +21365,30 @@
       </p:sp>
       <p:sp>
         <p:nvSpPr>
-          <p:cNvPr id="26" name="Rectangle 25">
-            <a:extLst>
-              <a:ext uri="{FF2B5EF4-FFF2-40B4-BE49-F238E27FC236}">
-                <a16:creationId xmlns:a16="http://schemas.microsoft.com/office/drawing/2014/main" id="{42CE0387-79B8-1F0C-9A65-3B47CAE784FB}"/>
-              </a:ext>
-            </a:extLst>
-          </p:cNvPr>
-          <p:cNvSpPr/>
-          <p:nvPr/>
-        </p:nvSpPr>
-        <p:spPr>
-          <a:xfrm>
-            <a:off x="5088621" y="253607"/>
-            <a:ext cx="322151" cy="272753"/>
-          </a:xfrm>
-          <a:prstGeom prst="rect">
-            <a:avLst/>
-          </a:prstGeom>
-          <a:solidFill>
-            <a:srgbClr val="FDF8EE"/>
-          </a:solidFill>
-          <a:ln>
-            <a:solidFill>
-              <a:srgbClr val="EFC57B"/>
+          <p:cNvPr id="33" name="Rectangle 32">
+            <a:extLst>
+              <a:ext uri="{FF2B5EF4-FFF2-40B4-BE49-F238E27FC236}">
+                <a16:creationId xmlns:a16="http://schemas.microsoft.com/office/drawing/2014/main" id="{463B9CE4-01E5-F66E-FCC5-C6E411EFDE1D}"/>
+              </a:ext>
+            </a:extLst>
+          </p:cNvPr>
+          <p:cNvSpPr/>
+          <p:nvPr/>
+        </p:nvSpPr>
+        <p:spPr>
+          <a:xfrm>
+            <a:off x="3800018" y="253609"/>
+            <a:ext cx="322151" cy="272753"/>
+          </a:xfrm>
+          <a:prstGeom prst="rect">
+            <a:avLst/>
+          </a:prstGeom>
+          <a:solidFill>
+            <a:srgbClr val="FAFDF0"/>
+          </a:solidFill>
+          <a:ln>
+            <a:solidFill>
+              <a:srgbClr val="DDF08B"/>
             </a:solidFill>
           </a:ln>
         </p:spPr>
@@ -21057,30 +21423,684 @@
       </p:sp>
       <p:sp>
         <p:nvSpPr>
-          <p:cNvPr id="27" name="Rectangle 26">
-            <a:extLst>
-              <a:ext uri="{FF2B5EF4-FFF2-40B4-BE49-F238E27FC236}">
-                <a16:creationId xmlns:a16="http://schemas.microsoft.com/office/drawing/2014/main" id="{89A93FD3-EDBB-6CBD-D89B-44FF4A1210A0}"/>
-              </a:ext>
-            </a:extLst>
-          </p:cNvPr>
-          <p:cNvSpPr/>
-          <p:nvPr/>
-        </p:nvSpPr>
-        <p:spPr>
-          <a:xfrm>
-            <a:off x="6055073" y="253606"/>
-            <a:ext cx="322151" cy="272753"/>
-          </a:xfrm>
-          <a:prstGeom prst="rect">
-            <a:avLst/>
-          </a:prstGeom>
-          <a:solidFill>
-            <a:srgbClr val="FAFDF0"/>
-          </a:solidFill>
-          <a:ln>
-            <a:solidFill>
-              <a:srgbClr val="DDF08B"/>
+          <p:cNvPr id="34" name="Rectangle 33">
+            <a:extLst>
+              <a:ext uri="{FF2B5EF4-FFF2-40B4-BE49-F238E27FC236}">
+                <a16:creationId xmlns:a16="http://schemas.microsoft.com/office/drawing/2014/main" id="{076E9E92-B3E9-67DB-F97B-5D3E4350E2C5}"/>
+              </a:ext>
+            </a:extLst>
+          </p:cNvPr>
+          <p:cNvSpPr/>
+          <p:nvPr/>
+        </p:nvSpPr>
+        <p:spPr>
+          <a:xfrm>
+            <a:off x="2833565" y="253611"/>
+            <a:ext cx="322151" cy="272753"/>
+          </a:xfrm>
+          <a:prstGeom prst="rect">
+            <a:avLst/>
+          </a:prstGeom>
+          <a:solidFill>
+            <a:srgbClr val="F2EFF6"/>
+          </a:solidFill>
+          <a:ln>
+            <a:solidFill>
+              <a:srgbClr val="360084"/>
+            </a:solidFill>
+          </a:ln>
+        </p:spPr>
+        <p:style>
+          <a:lnRef idx="2">
+            <a:schemeClr val="accent1">
+              <a:shade val="15000"/>
+            </a:schemeClr>
+          </a:lnRef>
+          <a:fillRef idx="1">
+            <a:schemeClr val="accent1"/>
+          </a:fillRef>
+          <a:effectRef idx="0">
+            <a:schemeClr val="accent1"/>
+          </a:effectRef>
+          <a:fontRef idx="minor">
+            <a:schemeClr val="lt1"/>
+          </a:fontRef>
+        </p:style>
+        <p:txBody>
+          <a:bodyPr rtlCol="0" anchor="ctr"/>
+          <a:lstStyle/>
+          <a:p>
+            <a:pPr algn="ctr"/>
+            <a:r>
+              <a:rPr lang="en-US" sz="700" dirty="0">
+                <a:solidFill>
+                  <a:schemeClr val="tx1"/>
+                </a:solidFill>
+              </a:rPr>
+              <a:t>x[3]</a:t>
+            </a:r>
+          </a:p>
+        </p:txBody>
+      </p:sp>
+      <p:sp>
+        <p:nvSpPr>
+          <p:cNvPr id="35" name="Rectangle 34">
+            <a:extLst>
+              <a:ext uri="{FF2B5EF4-FFF2-40B4-BE49-F238E27FC236}">
+                <a16:creationId xmlns:a16="http://schemas.microsoft.com/office/drawing/2014/main" id="{5264B164-BCCE-D1D2-5711-AFBDFBA0323E}"/>
+              </a:ext>
+            </a:extLst>
+          </p:cNvPr>
+          <p:cNvSpPr/>
+          <p:nvPr/>
+        </p:nvSpPr>
+        <p:spPr>
+          <a:xfrm>
+            <a:off x="4444319" y="253609"/>
+            <a:ext cx="322151" cy="272753"/>
+          </a:xfrm>
+          <a:prstGeom prst="rect">
+            <a:avLst/>
+          </a:prstGeom>
+          <a:solidFill>
+            <a:srgbClr val="FDF8EE"/>
+          </a:solidFill>
+          <a:ln>
+            <a:solidFill>
+              <a:srgbClr val="EFC57B"/>
+            </a:solidFill>
+          </a:ln>
+        </p:spPr>
+        <p:style>
+          <a:lnRef idx="2">
+            <a:schemeClr val="accent1">
+              <a:shade val="15000"/>
+            </a:schemeClr>
+          </a:lnRef>
+          <a:fillRef idx="1">
+            <a:schemeClr val="accent1"/>
+          </a:fillRef>
+          <a:effectRef idx="0">
+            <a:schemeClr val="accent1"/>
+          </a:effectRef>
+          <a:fontRef idx="minor">
+            <a:schemeClr val="lt1"/>
+          </a:fontRef>
+        </p:style>
+        <p:txBody>
+          <a:bodyPr rtlCol="0" anchor="ctr"/>
+          <a:lstStyle/>
+          <a:p>
+            <a:pPr algn="ctr"/>
+            <a:r>
+              <a:rPr lang="en-US" sz="700" dirty="0">
+                <a:solidFill>
+                  <a:schemeClr val="tx1"/>
+                </a:solidFill>
+              </a:rPr>
+              <a:t>y[0]</a:t>
+            </a:r>
+          </a:p>
+        </p:txBody>
+      </p:sp>
+      <p:sp>
+        <p:nvSpPr>
+          <p:cNvPr id="37" name="Rectangle 36">
+            <a:extLst>
+              <a:ext uri="{FF2B5EF4-FFF2-40B4-BE49-F238E27FC236}">
+                <a16:creationId xmlns:a16="http://schemas.microsoft.com/office/drawing/2014/main" id="{82891F91-6D93-9AC5-FBF4-78BEE02508BF}"/>
+              </a:ext>
+            </a:extLst>
+          </p:cNvPr>
+          <p:cNvSpPr/>
+          <p:nvPr/>
+        </p:nvSpPr>
+        <p:spPr>
+          <a:xfrm>
+            <a:off x="2825816" y="1141784"/>
+            <a:ext cx="322151" cy="272753"/>
+          </a:xfrm>
+          <a:prstGeom prst="rect">
+            <a:avLst/>
+          </a:prstGeom>
+          <a:solidFill>
+            <a:srgbClr val="F2EFF6"/>
+          </a:solidFill>
+          <a:ln>
+            <a:solidFill>
+              <a:srgbClr val="360084"/>
+            </a:solidFill>
+          </a:ln>
+        </p:spPr>
+        <p:style>
+          <a:lnRef idx="2">
+            <a:schemeClr val="accent1">
+              <a:shade val="15000"/>
+            </a:schemeClr>
+          </a:lnRef>
+          <a:fillRef idx="1">
+            <a:schemeClr val="accent1"/>
+          </a:fillRef>
+          <a:effectRef idx="0">
+            <a:schemeClr val="accent1"/>
+          </a:effectRef>
+          <a:fontRef idx="minor">
+            <a:schemeClr val="lt1"/>
+          </a:fontRef>
+        </p:style>
+        <p:txBody>
+          <a:bodyPr rtlCol="0" anchor="ctr"/>
+          <a:lstStyle/>
+          <a:p>
+            <a:pPr algn="ctr"/>
+            <a:r>
+              <a:rPr lang="en-US" sz="700" dirty="0">
+                <a:solidFill>
+                  <a:schemeClr val="tx1"/>
+                </a:solidFill>
+              </a:rPr>
+              <a:t>x[1]</a:t>
+            </a:r>
+          </a:p>
+        </p:txBody>
+      </p:sp>
+      <p:sp>
+        <p:nvSpPr>
+          <p:cNvPr id="38" name="Rectangle 37">
+            <a:extLst>
+              <a:ext uri="{FF2B5EF4-FFF2-40B4-BE49-F238E27FC236}">
+                <a16:creationId xmlns:a16="http://schemas.microsoft.com/office/drawing/2014/main" id="{47FA9643-D368-F783-EB9C-C34059D88D83}"/>
+              </a:ext>
+            </a:extLst>
+          </p:cNvPr>
+          <p:cNvSpPr/>
+          <p:nvPr/>
+        </p:nvSpPr>
+        <p:spPr>
+          <a:xfrm>
+            <a:off x="3147967" y="1141783"/>
+            <a:ext cx="322151" cy="272753"/>
+          </a:xfrm>
+          <a:prstGeom prst="rect">
+            <a:avLst/>
+          </a:prstGeom>
+          <a:solidFill>
+            <a:srgbClr val="F2EFF6"/>
+          </a:solidFill>
+          <a:ln>
+            <a:solidFill>
+              <a:srgbClr val="360084"/>
+            </a:solidFill>
+          </a:ln>
+        </p:spPr>
+        <p:style>
+          <a:lnRef idx="2">
+            <a:schemeClr val="accent1">
+              <a:shade val="15000"/>
+            </a:schemeClr>
+          </a:lnRef>
+          <a:fillRef idx="1">
+            <a:schemeClr val="accent1"/>
+          </a:fillRef>
+          <a:effectRef idx="0">
+            <a:schemeClr val="accent1"/>
+          </a:effectRef>
+          <a:fontRef idx="minor">
+            <a:schemeClr val="lt1"/>
+          </a:fontRef>
+        </p:style>
+        <p:txBody>
+          <a:bodyPr rtlCol="0" anchor="ctr"/>
+          <a:lstStyle/>
+          <a:p>
+            <a:pPr algn="ctr"/>
+            <a:r>
+              <a:rPr lang="en-US" sz="700" dirty="0">
+                <a:solidFill>
+                  <a:schemeClr val="tx1"/>
+                </a:solidFill>
+              </a:rPr>
+              <a:t>x[2]</a:t>
+            </a:r>
+          </a:p>
+        </p:txBody>
+      </p:sp>
+      <p:sp>
+        <p:nvSpPr>
+          <p:cNvPr id="40" name="Rectangle 39">
+            <a:extLst>
+              <a:ext uri="{FF2B5EF4-FFF2-40B4-BE49-F238E27FC236}">
+                <a16:creationId xmlns:a16="http://schemas.microsoft.com/office/drawing/2014/main" id="{44533F58-4FE4-1602-0066-4FCA111177CD}"/>
+              </a:ext>
+            </a:extLst>
+          </p:cNvPr>
+          <p:cNvSpPr/>
+          <p:nvPr/>
+        </p:nvSpPr>
+        <p:spPr>
+          <a:xfrm>
+            <a:off x="5403022" y="1141956"/>
+            <a:ext cx="322151" cy="272753"/>
+          </a:xfrm>
+          <a:prstGeom prst="rect">
+            <a:avLst/>
+          </a:prstGeom>
+          <a:solidFill>
+            <a:srgbClr val="FDF8EE"/>
+          </a:solidFill>
+          <a:ln>
+            <a:solidFill>
+              <a:srgbClr val="EFC57B"/>
+            </a:solidFill>
+          </a:ln>
+        </p:spPr>
+        <p:style>
+          <a:lnRef idx="2">
+            <a:schemeClr val="accent1">
+              <a:shade val="15000"/>
+            </a:schemeClr>
+          </a:lnRef>
+          <a:fillRef idx="1">
+            <a:schemeClr val="accent1"/>
+          </a:fillRef>
+          <a:effectRef idx="0">
+            <a:schemeClr val="accent1"/>
+          </a:effectRef>
+          <a:fontRef idx="minor">
+            <a:schemeClr val="lt1"/>
+          </a:fontRef>
+        </p:style>
+        <p:txBody>
+          <a:bodyPr rtlCol="0" anchor="ctr"/>
+          <a:lstStyle/>
+          <a:p>
+            <a:pPr algn="ctr"/>
+            <a:r>
+              <a:rPr lang="en-US" sz="700" dirty="0">
+                <a:solidFill>
+                  <a:schemeClr val="tx1"/>
+                </a:solidFill>
+              </a:rPr>
+              <a:t>y[2]</a:t>
+            </a:r>
+          </a:p>
+        </p:txBody>
+      </p:sp>
+      <p:sp>
+        <p:nvSpPr>
+          <p:cNvPr id="42" name="Rectangle 41">
+            <a:extLst>
+              <a:ext uri="{FF2B5EF4-FFF2-40B4-BE49-F238E27FC236}">
+                <a16:creationId xmlns:a16="http://schemas.microsoft.com/office/drawing/2014/main" id="{F615455A-A222-9EFA-EF1A-BF0B308A1D2B}"/>
+              </a:ext>
+            </a:extLst>
+          </p:cNvPr>
+          <p:cNvSpPr/>
+          <p:nvPr/>
+        </p:nvSpPr>
+        <p:spPr>
+          <a:xfrm>
+            <a:off x="5080871" y="1141956"/>
+            <a:ext cx="322151" cy="272753"/>
+          </a:xfrm>
+          <a:prstGeom prst="rect">
+            <a:avLst/>
+          </a:prstGeom>
+          <a:solidFill>
+            <a:srgbClr val="FDF8EE"/>
+          </a:solidFill>
+          <a:ln>
+            <a:solidFill>
+              <a:srgbClr val="EFC57B"/>
+            </a:solidFill>
+          </a:ln>
+        </p:spPr>
+        <p:style>
+          <a:lnRef idx="2">
+            <a:schemeClr val="accent1">
+              <a:shade val="15000"/>
+            </a:schemeClr>
+          </a:lnRef>
+          <a:fillRef idx="1">
+            <a:schemeClr val="accent1"/>
+          </a:fillRef>
+          <a:effectRef idx="0">
+            <a:schemeClr val="accent1"/>
+          </a:effectRef>
+          <a:fontRef idx="minor">
+            <a:schemeClr val="lt1"/>
+          </a:fontRef>
+        </p:style>
+        <p:txBody>
+          <a:bodyPr rtlCol="0" anchor="ctr"/>
+          <a:lstStyle/>
+          <a:p>
+            <a:pPr algn="ctr"/>
+            <a:r>
+              <a:rPr lang="en-US" sz="700" dirty="0">
+                <a:solidFill>
+                  <a:schemeClr val="tx1"/>
+                </a:solidFill>
+              </a:rPr>
+              <a:t>y[1]</a:t>
+            </a:r>
+          </a:p>
+        </p:txBody>
+      </p:sp>
+      <p:sp>
+        <p:nvSpPr>
+          <p:cNvPr id="43" name="Rectangle 42">
+            <a:extLst>
+              <a:ext uri="{FF2B5EF4-FFF2-40B4-BE49-F238E27FC236}">
+                <a16:creationId xmlns:a16="http://schemas.microsoft.com/office/drawing/2014/main" id="{5A790D2E-1FEC-5D7B-939F-3C0656685A11}"/>
+              </a:ext>
+            </a:extLst>
+          </p:cNvPr>
+          <p:cNvSpPr/>
+          <p:nvPr/>
+        </p:nvSpPr>
+        <p:spPr>
+          <a:xfrm>
+            <a:off x="3470118" y="1141783"/>
+            <a:ext cx="322151" cy="272753"/>
+          </a:xfrm>
+          <a:prstGeom prst="rect">
+            <a:avLst/>
+          </a:prstGeom>
+          <a:solidFill>
+            <a:srgbClr val="F2EFF6"/>
+          </a:solidFill>
+          <a:ln>
+            <a:solidFill>
+              <a:srgbClr val="360084"/>
+            </a:solidFill>
+          </a:ln>
+        </p:spPr>
+        <p:style>
+          <a:lnRef idx="2">
+            <a:schemeClr val="accent1">
+              <a:shade val="15000"/>
+            </a:schemeClr>
+          </a:lnRef>
+          <a:fillRef idx="1">
+            <a:schemeClr val="accent1"/>
+          </a:fillRef>
+          <a:effectRef idx="0">
+            <a:schemeClr val="accent1"/>
+          </a:effectRef>
+          <a:fontRef idx="minor">
+            <a:schemeClr val="lt1"/>
+          </a:fontRef>
+        </p:style>
+        <p:txBody>
+          <a:bodyPr rtlCol="0" anchor="ctr"/>
+          <a:lstStyle/>
+          <a:p>
+            <a:pPr algn="ctr"/>
+            <a:r>
+              <a:rPr lang="en-US" sz="700" dirty="0">
+                <a:solidFill>
+                  <a:schemeClr val="tx1"/>
+                </a:solidFill>
+              </a:rPr>
+              <a:t>x[3]</a:t>
+            </a:r>
+          </a:p>
+        </p:txBody>
+      </p:sp>
+      <p:sp>
+        <p:nvSpPr>
+          <p:cNvPr id="45" name="Rectangle 44">
+            <a:extLst>
+              <a:ext uri="{FF2B5EF4-FFF2-40B4-BE49-F238E27FC236}">
+                <a16:creationId xmlns:a16="http://schemas.microsoft.com/office/drawing/2014/main" id="{1E846ADE-ED93-27CE-0ED1-22E443B49A45}"/>
+              </a:ext>
+            </a:extLst>
+          </p:cNvPr>
+          <p:cNvSpPr/>
+          <p:nvPr/>
+        </p:nvSpPr>
+        <p:spPr>
+          <a:xfrm>
+            <a:off x="5725173" y="1141956"/>
+            <a:ext cx="322151" cy="272753"/>
+          </a:xfrm>
+          <a:prstGeom prst="rect">
+            <a:avLst/>
+          </a:prstGeom>
+          <a:solidFill>
+            <a:srgbClr val="FDF8EE"/>
+          </a:solidFill>
+          <a:ln>
+            <a:solidFill>
+              <a:srgbClr val="EFC57B"/>
+            </a:solidFill>
+          </a:ln>
+        </p:spPr>
+        <p:style>
+          <a:lnRef idx="2">
+            <a:schemeClr val="accent1">
+              <a:shade val="15000"/>
+            </a:schemeClr>
+          </a:lnRef>
+          <a:fillRef idx="1">
+            <a:schemeClr val="accent1"/>
+          </a:fillRef>
+          <a:effectRef idx="0">
+            <a:schemeClr val="accent1"/>
+          </a:effectRef>
+          <a:fontRef idx="minor">
+            <a:schemeClr val="lt1"/>
+          </a:fontRef>
+        </p:style>
+        <p:txBody>
+          <a:bodyPr rtlCol="0" anchor="ctr"/>
+          <a:lstStyle/>
+          <a:p>
+            <a:pPr algn="ctr"/>
+            <a:r>
+              <a:rPr lang="en-US" sz="700" dirty="0">
+                <a:solidFill>
+                  <a:schemeClr val="tx1"/>
+                </a:solidFill>
+              </a:rPr>
+              <a:t>y[3]</a:t>
+            </a:r>
+          </a:p>
+        </p:txBody>
+      </p:sp>
+      <p:cxnSp>
+        <p:nvCxnSpPr>
+          <p:cNvPr id="47" name="Straight Arrow Connector 46">
+            <a:extLst>
+              <a:ext uri="{FF2B5EF4-FFF2-40B4-BE49-F238E27FC236}">
+                <a16:creationId xmlns:a16="http://schemas.microsoft.com/office/drawing/2014/main" id="{E009DCF6-720B-ADEC-C76E-7F57144EAFD6}"/>
+              </a:ext>
+            </a:extLst>
+          </p:cNvPr>
+          <p:cNvCxnSpPr>
+            <a:cxnSpLocks/>
+          </p:cNvCxnSpPr>
+          <p:nvPr/>
+        </p:nvCxnSpPr>
+        <p:spPr>
+          <a:xfrm>
+            <a:off x="2511414" y="526358"/>
+            <a:ext cx="644301" cy="615423"/>
+          </a:xfrm>
+          <a:prstGeom prst="straightConnector1">
+            <a:avLst/>
+          </a:prstGeom>
+          <a:ln w="12700">
+            <a:solidFill>
+              <a:srgbClr val="360084"/>
+            </a:solidFill>
+            <a:tailEnd type="triangle"/>
+          </a:ln>
+        </p:spPr>
+        <p:style>
+          <a:lnRef idx="1">
+            <a:schemeClr val="accent1"/>
+          </a:lnRef>
+          <a:fillRef idx="0">
+            <a:schemeClr val="accent1"/>
+          </a:fillRef>
+          <a:effectRef idx="0">
+            <a:schemeClr val="accent1"/>
+          </a:effectRef>
+          <a:fontRef idx="minor">
+            <a:schemeClr val="tx1"/>
+          </a:fontRef>
+        </p:style>
+      </p:cxnSp>
+      <p:cxnSp>
+        <p:nvCxnSpPr>
+          <p:cNvPr id="48" name="Straight Arrow Connector 47">
+            <a:extLst>
+              <a:ext uri="{FF2B5EF4-FFF2-40B4-BE49-F238E27FC236}">
+                <a16:creationId xmlns:a16="http://schemas.microsoft.com/office/drawing/2014/main" id="{F493AC74-8D8B-60B2-1E78-3C008281F9B2}"/>
+              </a:ext>
+            </a:extLst>
+          </p:cNvPr>
+          <p:cNvCxnSpPr>
+            <a:cxnSpLocks/>
+            <a:endCxn id="40" idx="0"/>
+          </p:cNvCxnSpPr>
+          <p:nvPr/>
+        </p:nvCxnSpPr>
+        <p:spPr>
+          <a:xfrm>
+            <a:off x="5080872" y="526358"/>
+            <a:ext cx="483226" cy="615598"/>
+          </a:xfrm>
+          <a:prstGeom prst="straightConnector1">
+            <a:avLst/>
+          </a:prstGeom>
+          <a:ln w="12700">
+            <a:solidFill>
+              <a:srgbClr val="EFC57B"/>
+            </a:solidFill>
+            <a:tailEnd type="triangle"/>
+          </a:ln>
+        </p:spPr>
+        <p:style>
+          <a:lnRef idx="1">
+            <a:schemeClr val="accent1"/>
+          </a:lnRef>
+          <a:fillRef idx="0">
+            <a:schemeClr val="accent1"/>
+          </a:fillRef>
+          <a:effectRef idx="0">
+            <a:schemeClr val="accent1"/>
+          </a:effectRef>
+          <a:fontRef idx="minor">
+            <a:schemeClr val="tx1"/>
+          </a:fontRef>
+        </p:style>
+      </p:cxnSp>
+      <p:sp>
+        <p:nvSpPr>
+          <p:cNvPr id="50" name="TextBox 49">
+            <a:extLst>
+              <a:ext uri="{FF2B5EF4-FFF2-40B4-BE49-F238E27FC236}">
+                <a16:creationId xmlns:a16="http://schemas.microsoft.com/office/drawing/2014/main" id="{C49D1F21-689E-69D7-ACBD-AC6A28BA1024}"/>
+              </a:ext>
+            </a:extLst>
+          </p:cNvPr>
+          <p:cNvSpPr txBox="1"/>
+          <p:nvPr/>
+        </p:nvSpPr>
+        <p:spPr>
+          <a:xfrm>
+            <a:off x="576903" y="1106759"/>
+            <a:ext cx="1180323" cy="307777"/>
+          </a:xfrm>
+          <a:prstGeom prst="rect">
+            <a:avLst/>
+          </a:prstGeom>
+          <a:noFill/>
+        </p:spPr>
+        <p:txBody>
+          <a:bodyPr wrap="none" rtlCol="0">
+            <a:spAutoFit/>
+          </a:bodyPr>
+          <a:lstStyle/>
+          <a:p>
+            <a:pPr algn="r"/>
+            <a:r>
+              <a:rPr lang="en-US" sz="1400" dirty="0"/>
+              <a:t>Packed buffer</a:t>
+            </a:r>
+          </a:p>
+        </p:txBody>
+      </p:sp>
+      <p:sp>
+        <p:nvSpPr>
+          <p:cNvPr id="51" name="TextBox 50">
+            <a:extLst>
+              <a:ext uri="{FF2B5EF4-FFF2-40B4-BE49-F238E27FC236}">
+                <a16:creationId xmlns:a16="http://schemas.microsoft.com/office/drawing/2014/main" id="{51BB6E5C-1742-8EC0-4CD9-294FD782CCEE}"/>
+              </a:ext>
+            </a:extLst>
+          </p:cNvPr>
+          <p:cNvSpPr txBox="1"/>
+          <p:nvPr/>
+        </p:nvSpPr>
+        <p:spPr>
+          <a:xfrm>
+            <a:off x="576902" y="249359"/>
+            <a:ext cx="1180324" cy="307777"/>
+          </a:xfrm>
+          <a:prstGeom prst="rect">
+            <a:avLst/>
+          </a:prstGeom>
+          <a:noFill/>
+        </p:spPr>
+        <p:txBody>
+          <a:bodyPr wrap="square" rtlCol="0">
+            <a:spAutoFit/>
+          </a:bodyPr>
+          <a:lstStyle/>
+          <a:p>
+            <a:pPr algn="r"/>
+            <a:r>
+              <a:rPr lang="en-US" sz="1400" dirty="0"/>
+              <a:t>Array</a:t>
+            </a:r>
+          </a:p>
+        </p:txBody>
+      </p:sp>
+      <p:sp>
+        <p:nvSpPr>
+          <p:cNvPr id="44" name="Rectangle 43">
+            <a:extLst>
+              <a:ext uri="{FF2B5EF4-FFF2-40B4-BE49-F238E27FC236}">
+                <a16:creationId xmlns:a16="http://schemas.microsoft.com/office/drawing/2014/main" id="{A6FAAB99-493F-1924-7F30-BAA03308AF34}"/>
+              </a:ext>
+            </a:extLst>
+          </p:cNvPr>
+          <p:cNvSpPr/>
+          <p:nvPr/>
+        </p:nvSpPr>
+        <p:spPr>
+          <a:xfrm>
+            <a:off x="6369475" y="1141953"/>
+            <a:ext cx="322151" cy="272753"/>
+          </a:xfrm>
+          <a:prstGeom prst="rect">
+            <a:avLst/>
+          </a:prstGeom>
+          <a:pattFill prst="wdUpDiag">
+            <a:fgClr>
+              <a:srgbClr val="EFC57B"/>
+            </a:fgClr>
+            <a:bgClr>
+              <a:schemeClr val="bg1"/>
+            </a:bgClr>
+          </a:pattFill>
+          <a:ln>
+            <a:solidFill>
+              <a:srgbClr val="EFC57B"/>
             </a:solidFill>
           </a:ln>
         </p:spPr>
@@ -21115,30 +22135,279 @@
       </p:sp>
       <p:sp>
         <p:nvSpPr>
-          <p:cNvPr id="28" name="Rectangle 27">
-            <a:extLst>
-              <a:ext uri="{FF2B5EF4-FFF2-40B4-BE49-F238E27FC236}">
-                <a16:creationId xmlns:a16="http://schemas.microsoft.com/office/drawing/2014/main" id="{BF16CA68-23F7-34E7-8B4E-3670216FE344}"/>
-              </a:ext>
-            </a:extLst>
-          </p:cNvPr>
-          <p:cNvSpPr/>
-          <p:nvPr/>
-        </p:nvSpPr>
-        <p:spPr>
-          <a:xfrm>
-            <a:off x="6377224" y="253605"/>
-            <a:ext cx="322151" cy="272753"/>
-          </a:xfrm>
-          <a:prstGeom prst="rect">
-            <a:avLst/>
-          </a:prstGeom>
-          <a:solidFill>
-            <a:srgbClr val="FAFDF0"/>
-          </a:solidFill>
-          <a:ln>
-            <a:solidFill>
-              <a:srgbClr val="DDF08B"/>
+          <p:cNvPr id="3" name="Rectangle 2">
+            <a:extLst>
+              <a:ext uri="{FF2B5EF4-FFF2-40B4-BE49-F238E27FC236}">
+                <a16:creationId xmlns:a16="http://schemas.microsoft.com/office/drawing/2014/main" id="{8839767C-8CA2-5290-BB52-8EC3C544EBB0}"/>
+              </a:ext>
+            </a:extLst>
+          </p:cNvPr>
+          <p:cNvSpPr/>
+          <p:nvPr/>
+        </p:nvSpPr>
+        <p:spPr>
+          <a:xfrm>
+            <a:off x="5732922" y="253605"/>
+            <a:ext cx="322151" cy="272753"/>
+          </a:xfrm>
+          <a:prstGeom prst="rect">
+            <a:avLst/>
+          </a:prstGeom>
+          <a:solidFill>
+            <a:srgbClr val="FDF8EE"/>
+          </a:solidFill>
+          <a:ln>
+            <a:solidFill>
+              <a:srgbClr val="EFC57B"/>
+            </a:solidFill>
+          </a:ln>
+        </p:spPr>
+        <p:style>
+          <a:lnRef idx="2">
+            <a:schemeClr val="accent1">
+              <a:shade val="15000"/>
+            </a:schemeClr>
+          </a:lnRef>
+          <a:fillRef idx="1">
+            <a:schemeClr val="accent1"/>
+          </a:fillRef>
+          <a:effectRef idx="0">
+            <a:schemeClr val="accent1"/>
+          </a:effectRef>
+          <a:fontRef idx="minor">
+            <a:schemeClr val="lt1"/>
+          </a:fontRef>
+        </p:style>
+        <p:txBody>
+          <a:bodyPr rtlCol="0" anchor="ctr"/>
+          <a:lstStyle/>
+          <a:p>
+            <a:pPr algn="ctr"/>
+            <a:r>
+              <a:rPr lang="en-US" sz="700" dirty="0">
+                <a:solidFill>
+                  <a:schemeClr val="tx1"/>
+                </a:solidFill>
+              </a:rPr>
+              <a:t>y[4]</a:t>
+            </a:r>
+          </a:p>
+        </p:txBody>
+      </p:sp>
+      <p:sp>
+        <p:nvSpPr>
+          <p:cNvPr id="4" name="Rectangle 3">
+            <a:extLst>
+              <a:ext uri="{FF2B5EF4-FFF2-40B4-BE49-F238E27FC236}">
+                <a16:creationId xmlns:a16="http://schemas.microsoft.com/office/drawing/2014/main" id="{81B38D1C-6656-57F1-658E-72A38B9964C4}"/>
+              </a:ext>
+            </a:extLst>
+          </p:cNvPr>
+          <p:cNvSpPr/>
+          <p:nvPr/>
+        </p:nvSpPr>
+        <p:spPr>
+          <a:xfrm>
+            <a:off x="6047324" y="1141868"/>
+            <a:ext cx="322151" cy="272753"/>
+          </a:xfrm>
+          <a:prstGeom prst="rect">
+            <a:avLst/>
+          </a:prstGeom>
+          <a:solidFill>
+            <a:srgbClr val="FDF8EE"/>
+          </a:solidFill>
+          <a:ln>
+            <a:solidFill>
+              <a:srgbClr val="EFC57B"/>
+            </a:solidFill>
+          </a:ln>
+        </p:spPr>
+        <p:style>
+          <a:lnRef idx="2">
+            <a:schemeClr val="accent1">
+              <a:shade val="15000"/>
+            </a:schemeClr>
+          </a:lnRef>
+          <a:fillRef idx="1">
+            <a:schemeClr val="accent1"/>
+          </a:fillRef>
+          <a:effectRef idx="0">
+            <a:schemeClr val="accent1"/>
+          </a:effectRef>
+          <a:fontRef idx="minor">
+            <a:schemeClr val="lt1"/>
+          </a:fontRef>
+        </p:style>
+        <p:txBody>
+          <a:bodyPr rtlCol="0" anchor="ctr"/>
+          <a:lstStyle/>
+          <a:p>
+            <a:pPr algn="ctr"/>
+            <a:r>
+              <a:rPr lang="en-US" sz="700" dirty="0">
+                <a:solidFill>
+                  <a:schemeClr val="tx1"/>
+                </a:solidFill>
+              </a:rPr>
+              <a:t>y[4]</a:t>
+            </a:r>
+          </a:p>
+        </p:txBody>
+      </p:sp>
+      <p:sp>
+        <p:nvSpPr>
+          <p:cNvPr id="5" name="Rectangle 4">
+            <a:extLst>
+              <a:ext uri="{FF2B5EF4-FFF2-40B4-BE49-F238E27FC236}">
+                <a16:creationId xmlns:a16="http://schemas.microsoft.com/office/drawing/2014/main" id="{513E6787-8715-BA6B-1D5B-EFE1C0626FCA}"/>
+              </a:ext>
+            </a:extLst>
+          </p:cNvPr>
+          <p:cNvSpPr/>
+          <p:nvPr/>
+        </p:nvSpPr>
+        <p:spPr>
+          <a:xfrm>
+            <a:off x="1867112" y="1141783"/>
+            <a:ext cx="322151" cy="272753"/>
+          </a:xfrm>
+          <a:prstGeom prst="rect">
+            <a:avLst/>
+          </a:prstGeom>
+          <a:solidFill>
+            <a:srgbClr val="F0FDF2"/>
+          </a:solidFill>
+          <a:ln>
+            <a:solidFill>
+              <a:srgbClr val="82E995"/>
+            </a:solidFill>
+          </a:ln>
+        </p:spPr>
+        <p:style>
+          <a:lnRef idx="2">
+            <a:schemeClr val="accent1">
+              <a:shade val="15000"/>
+            </a:schemeClr>
+          </a:lnRef>
+          <a:fillRef idx="1">
+            <a:schemeClr val="accent1"/>
+          </a:fillRef>
+          <a:effectRef idx="0">
+            <a:schemeClr val="accent1"/>
+          </a:effectRef>
+          <a:fontRef idx="minor">
+            <a:schemeClr val="lt1"/>
+          </a:fontRef>
+        </p:style>
+        <p:txBody>
+          <a:bodyPr rtlCol="0" anchor="ctr"/>
+          <a:lstStyle/>
+          <a:p>
+            <a:pPr algn="ctr"/>
+            <a:r>
+              <a:rPr lang="en-US" sz="700" dirty="0">
+                <a:solidFill>
+                  <a:schemeClr val="tx1"/>
+                </a:solidFill>
+              </a:rPr>
+              <a:t>4</a:t>
+            </a:r>
+          </a:p>
+        </p:txBody>
+      </p:sp>
+      <p:sp>
+        <p:nvSpPr>
+          <p:cNvPr id="7" name="Rectangle 6">
+            <a:extLst>
+              <a:ext uri="{FF2B5EF4-FFF2-40B4-BE49-F238E27FC236}">
+                <a16:creationId xmlns:a16="http://schemas.microsoft.com/office/drawing/2014/main" id="{6197113B-9DAA-FC1A-D9F0-357FCC8B6D74}"/>
+              </a:ext>
+            </a:extLst>
+          </p:cNvPr>
+          <p:cNvSpPr/>
+          <p:nvPr/>
+        </p:nvSpPr>
+        <p:spPr>
+          <a:xfrm>
+            <a:off x="4114418" y="1141783"/>
+            <a:ext cx="322151" cy="272753"/>
+          </a:xfrm>
+          <a:prstGeom prst="rect">
+            <a:avLst/>
+          </a:prstGeom>
+          <a:solidFill>
+            <a:srgbClr val="F0FDF2"/>
+          </a:solidFill>
+          <a:ln>
+            <a:solidFill>
+              <a:srgbClr val="82E995"/>
+            </a:solidFill>
+          </a:ln>
+        </p:spPr>
+        <p:style>
+          <a:lnRef idx="2">
+            <a:schemeClr val="accent1">
+              <a:shade val="15000"/>
+            </a:schemeClr>
+          </a:lnRef>
+          <a:fillRef idx="1">
+            <a:schemeClr val="accent1"/>
+          </a:fillRef>
+          <a:effectRef idx="0">
+            <a:schemeClr val="accent1"/>
+          </a:effectRef>
+          <a:fontRef idx="minor">
+            <a:schemeClr val="lt1"/>
+          </a:fontRef>
+        </p:style>
+        <p:txBody>
+          <a:bodyPr rtlCol="0" anchor="ctr"/>
+          <a:lstStyle/>
+          <a:p>
+            <a:pPr algn="ctr"/>
+            <a:r>
+              <a:rPr lang="en-US" sz="700" dirty="0">
+                <a:solidFill>
+                  <a:schemeClr val="tx1"/>
+                </a:solidFill>
+              </a:rPr>
+              <a:t>5</a:t>
+            </a:r>
+          </a:p>
+        </p:txBody>
+      </p:sp>
+      <p:sp>
+        <p:nvSpPr>
+          <p:cNvPr id="8" name="Rectangle 7">
+            <a:extLst>
+              <a:ext uri="{FF2B5EF4-FFF2-40B4-BE49-F238E27FC236}">
+                <a16:creationId xmlns:a16="http://schemas.microsoft.com/office/drawing/2014/main" id="{BFD82EA9-0329-418E-268E-9985FDB0D4A5}"/>
+              </a:ext>
+            </a:extLst>
+          </p:cNvPr>
+          <p:cNvSpPr/>
+          <p:nvPr/>
+        </p:nvSpPr>
+        <p:spPr>
+          <a:xfrm>
+            <a:off x="2181514" y="1141783"/>
+            <a:ext cx="322151" cy="272753"/>
+          </a:xfrm>
+          <a:prstGeom prst="rect">
+            <a:avLst/>
+          </a:prstGeom>
+          <a:pattFill prst="wdUpDiag">
+            <a:fgClr>
+              <a:srgbClr val="82E995"/>
+            </a:fgClr>
+            <a:bgClr>
+              <a:schemeClr val="bg1"/>
+            </a:bgClr>
+          </a:pattFill>
+          <a:ln>
+            <a:solidFill>
+              <a:srgbClr val="82E995"/>
             </a:solidFill>
           </a:ln>
         </p:spPr>
@@ -21173,30 +22442,35 @@
       </p:sp>
       <p:sp>
         <p:nvSpPr>
-          <p:cNvPr id="29" name="Rectangle 28">
-            <a:extLst>
-              <a:ext uri="{FF2B5EF4-FFF2-40B4-BE49-F238E27FC236}">
-                <a16:creationId xmlns:a16="http://schemas.microsoft.com/office/drawing/2014/main" id="{96887129-7E8A-6E9C-7F30-91896F3E9C05}"/>
-              </a:ext>
-            </a:extLst>
-          </p:cNvPr>
-          <p:cNvSpPr/>
-          <p:nvPr/>
-        </p:nvSpPr>
-        <p:spPr>
-          <a:xfrm>
-            <a:off x="5410772" y="253607"/>
-            <a:ext cx="322151" cy="272753"/>
-          </a:xfrm>
-          <a:prstGeom prst="rect">
-            <a:avLst/>
-          </a:prstGeom>
-          <a:solidFill>
-            <a:srgbClr val="FDF8EE"/>
-          </a:solidFill>
-          <a:ln>
-            <a:solidFill>
-              <a:srgbClr val="EFC57B"/>
+          <p:cNvPr id="9" name="Rectangle 8">
+            <a:extLst>
+              <a:ext uri="{FF2B5EF4-FFF2-40B4-BE49-F238E27FC236}">
+                <a16:creationId xmlns:a16="http://schemas.microsoft.com/office/drawing/2014/main" id="{7316CBFA-73A2-AC0C-F84F-8C9ABAAC1230}"/>
+              </a:ext>
+            </a:extLst>
+          </p:cNvPr>
+          <p:cNvSpPr/>
+          <p:nvPr/>
+        </p:nvSpPr>
+        <p:spPr>
+          <a:xfrm>
+            <a:off x="4436569" y="1141783"/>
+            <a:ext cx="322151" cy="272753"/>
+          </a:xfrm>
+          <a:prstGeom prst="rect">
+            <a:avLst/>
+          </a:prstGeom>
+          <a:pattFill prst="wdUpDiag">
+            <a:fgClr>
+              <a:srgbClr val="82E995"/>
+            </a:fgClr>
+            <a:bgClr>
+              <a:schemeClr val="bg1"/>
+            </a:bgClr>
+          </a:pattFill>
+          <a:ln>
+            <a:solidFill>
+              <a:srgbClr val="82E995"/>
             </a:solidFill>
           </a:ln>
         </p:spPr>
@@ -21231,251 +22505,19 @@
       </p:sp>
       <p:sp>
         <p:nvSpPr>
-          <p:cNvPr id="30" name="Rectangle 29">
-            <a:extLst>
-              <a:ext uri="{FF2B5EF4-FFF2-40B4-BE49-F238E27FC236}">
-                <a16:creationId xmlns:a16="http://schemas.microsoft.com/office/drawing/2014/main" id="{DE6AD10A-44D6-DD6E-644B-017460711E87}"/>
-              </a:ext>
-            </a:extLst>
-          </p:cNvPr>
-          <p:cNvSpPr/>
-          <p:nvPr/>
-        </p:nvSpPr>
-        <p:spPr>
-          <a:xfrm>
-            <a:off x="3155716" y="253611"/>
-            <a:ext cx="322151" cy="272753"/>
-          </a:xfrm>
-          <a:prstGeom prst="rect">
-            <a:avLst/>
-          </a:prstGeom>
-          <a:solidFill>
-            <a:srgbClr val="FAFDF0"/>
-          </a:solidFill>
-          <a:ln>
-            <a:solidFill>
-              <a:srgbClr val="DDF08B"/>
-            </a:solidFill>
-          </a:ln>
-        </p:spPr>
-        <p:style>
-          <a:lnRef idx="2">
-            <a:schemeClr val="accent1">
-              <a:shade val="15000"/>
-            </a:schemeClr>
-          </a:lnRef>
-          <a:fillRef idx="1">
-            <a:schemeClr val="accent1"/>
-          </a:fillRef>
-          <a:effectRef idx="0">
-            <a:schemeClr val="accent1"/>
-          </a:effectRef>
-          <a:fontRef idx="minor">
-            <a:schemeClr val="lt1"/>
-          </a:fontRef>
-        </p:style>
-        <p:txBody>
-          <a:bodyPr rtlCol="0" anchor="ctr"/>
-          <a:lstStyle/>
-          <a:p>
-            <a:pPr algn="ctr"/>
-            <a:endParaRPr lang="en-US" sz="800" dirty="0">
-              <a:solidFill>
-                <a:schemeClr val="tx1"/>
-              </a:solidFill>
-            </a:endParaRPr>
-          </a:p>
-        </p:txBody>
-      </p:sp>
-      <p:sp>
-        <p:nvSpPr>
-          <p:cNvPr id="31" name="Rectangle 30">
-            <a:extLst>
-              <a:ext uri="{FF2B5EF4-FFF2-40B4-BE49-F238E27FC236}">
-                <a16:creationId xmlns:a16="http://schemas.microsoft.com/office/drawing/2014/main" id="{6EF843CE-F97A-96C6-531A-57F857868D16}"/>
-              </a:ext>
-            </a:extLst>
-          </p:cNvPr>
-          <p:cNvSpPr/>
-          <p:nvPr/>
-        </p:nvSpPr>
-        <p:spPr>
-          <a:xfrm>
-            <a:off x="4122169" y="253609"/>
-            <a:ext cx="322151" cy="272753"/>
-          </a:xfrm>
-          <a:prstGeom prst="rect">
-            <a:avLst/>
-          </a:prstGeom>
-          <a:solidFill>
-            <a:srgbClr val="FAFDF0"/>
-          </a:solidFill>
-          <a:ln>
-            <a:solidFill>
-              <a:srgbClr val="DDF08B"/>
-            </a:solidFill>
-          </a:ln>
-        </p:spPr>
-        <p:style>
-          <a:lnRef idx="2">
-            <a:schemeClr val="accent1">
-              <a:shade val="15000"/>
-            </a:schemeClr>
-          </a:lnRef>
-          <a:fillRef idx="1">
-            <a:schemeClr val="accent1"/>
-          </a:fillRef>
-          <a:effectRef idx="0">
-            <a:schemeClr val="accent1"/>
-          </a:effectRef>
-          <a:fontRef idx="minor">
-            <a:schemeClr val="lt1"/>
-          </a:fontRef>
-        </p:style>
-        <p:txBody>
-          <a:bodyPr rtlCol="0" anchor="ctr"/>
-          <a:lstStyle/>
-          <a:p>
-            <a:pPr algn="ctr"/>
-            <a:endParaRPr lang="en-US" sz="800" dirty="0">
-              <a:solidFill>
-                <a:schemeClr val="tx1"/>
-              </a:solidFill>
-            </a:endParaRPr>
-          </a:p>
-        </p:txBody>
-      </p:sp>
-      <p:sp>
-        <p:nvSpPr>
-          <p:cNvPr id="32" name="Rectangle 31">
-            <a:extLst>
-              <a:ext uri="{FF2B5EF4-FFF2-40B4-BE49-F238E27FC236}">
-                <a16:creationId xmlns:a16="http://schemas.microsoft.com/office/drawing/2014/main" id="{C927F461-7AFB-7E17-067B-ABC29034FA29}"/>
-              </a:ext>
-            </a:extLst>
-          </p:cNvPr>
-          <p:cNvSpPr/>
-          <p:nvPr/>
-        </p:nvSpPr>
-        <p:spPr>
-          <a:xfrm>
-            <a:off x="3477867" y="253610"/>
-            <a:ext cx="322151" cy="272753"/>
-          </a:xfrm>
-          <a:prstGeom prst="rect">
-            <a:avLst/>
-          </a:prstGeom>
-          <a:solidFill>
-            <a:srgbClr val="FAFDF0"/>
-          </a:solidFill>
-          <a:ln>
-            <a:solidFill>
-              <a:srgbClr val="DDF08B"/>
-            </a:solidFill>
-          </a:ln>
-        </p:spPr>
-        <p:style>
-          <a:lnRef idx="2">
-            <a:schemeClr val="accent1">
-              <a:shade val="15000"/>
-            </a:schemeClr>
-          </a:lnRef>
-          <a:fillRef idx="1">
-            <a:schemeClr val="accent1"/>
-          </a:fillRef>
-          <a:effectRef idx="0">
-            <a:schemeClr val="accent1"/>
-          </a:effectRef>
-          <a:fontRef idx="minor">
-            <a:schemeClr val="lt1"/>
-          </a:fontRef>
-        </p:style>
-        <p:txBody>
-          <a:bodyPr rtlCol="0" anchor="ctr"/>
-          <a:lstStyle/>
-          <a:p>
-            <a:pPr algn="ctr"/>
-            <a:endParaRPr lang="en-US" sz="800" dirty="0">
-              <a:solidFill>
-                <a:schemeClr val="tx1"/>
-              </a:solidFill>
-            </a:endParaRPr>
-          </a:p>
-        </p:txBody>
-      </p:sp>
-      <p:sp>
-        <p:nvSpPr>
-          <p:cNvPr id="33" name="Rectangle 32">
-            <a:extLst>
-              <a:ext uri="{FF2B5EF4-FFF2-40B4-BE49-F238E27FC236}">
-                <a16:creationId xmlns:a16="http://schemas.microsoft.com/office/drawing/2014/main" id="{463B9CE4-01E5-F66E-FCC5-C6E411EFDE1D}"/>
-              </a:ext>
-            </a:extLst>
-          </p:cNvPr>
-          <p:cNvSpPr/>
-          <p:nvPr/>
-        </p:nvSpPr>
-        <p:spPr>
-          <a:xfrm>
-            <a:off x="3800018" y="253609"/>
-            <a:ext cx="322151" cy="272753"/>
-          </a:xfrm>
-          <a:prstGeom prst="rect">
-            <a:avLst/>
-          </a:prstGeom>
-          <a:solidFill>
-            <a:srgbClr val="FAFDF0"/>
-          </a:solidFill>
-          <a:ln>
-            <a:solidFill>
-              <a:srgbClr val="DDF08B"/>
-            </a:solidFill>
-          </a:ln>
-        </p:spPr>
-        <p:style>
-          <a:lnRef idx="2">
-            <a:schemeClr val="accent1">
-              <a:shade val="15000"/>
-            </a:schemeClr>
-          </a:lnRef>
-          <a:fillRef idx="1">
-            <a:schemeClr val="accent1"/>
-          </a:fillRef>
-          <a:effectRef idx="0">
-            <a:schemeClr val="accent1"/>
-          </a:effectRef>
-          <a:fontRef idx="minor">
-            <a:schemeClr val="lt1"/>
-          </a:fontRef>
-        </p:style>
-        <p:txBody>
-          <a:bodyPr rtlCol="0" anchor="ctr"/>
-          <a:lstStyle/>
-          <a:p>
-            <a:pPr algn="ctr"/>
-            <a:endParaRPr lang="en-US" sz="800" dirty="0">
-              <a:solidFill>
-                <a:schemeClr val="tx1"/>
-              </a:solidFill>
-            </a:endParaRPr>
-          </a:p>
-        </p:txBody>
-      </p:sp>
-      <p:sp>
-        <p:nvSpPr>
-          <p:cNvPr id="34" name="Rectangle 33">
-            <a:extLst>
-              <a:ext uri="{FF2B5EF4-FFF2-40B4-BE49-F238E27FC236}">
-                <a16:creationId xmlns:a16="http://schemas.microsoft.com/office/drawing/2014/main" id="{076E9E92-B3E9-67DB-F97B-5D3E4350E2C5}"/>
-              </a:ext>
-            </a:extLst>
-          </p:cNvPr>
-          <p:cNvSpPr/>
-          <p:nvPr/>
-        </p:nvSpPr>
-        <p:spPr>
-          <a:xfrm>
-            <a:off x="2833565" y="253611"/>
+          <p:cNvPr id="36" name="Rectangle 35">
+            <a:extLst>
+              <a:ext uri="{FF2B5EF4-FFF2-40B4-BE49-F238E27FC236}">
+                <a16:creationId xmlns:a16="http://schemas.microsoft.com/office/drawing/2014/main" id="{5CE6A78A-C55E-5FD0-A432-FA7067E4421F}"/>
+              </a:ext>
+            </a:extLst>
+          </p:cNvPr>
+          <p:cNvSpPr/>
+          <p:nvPr/>
+        </p:nvSpPr>
+        <p:spPr>
+          <a:xfrm>
+            <a:off x="2503665" y="1141785"/>
             <a:ext cx="322151" cy="272753"/>
           </a:xfrm>
           <a:prstGeom prst="rect">
@@ -21511,29 +22553,32 @@
           <a:lstStyle/>
           <a:p>
             <a:pPr algn="ctr"/>
-            <a:endParaRPr lang="en-US" sz="800" dirty="0">
-              <a:solidFill>
-                <a:schemeClr val="tx1"/>
-              </a:solidFill>
-            </a:endParaRPr>
-          </a:p>
-        </p:txBody>
-      </p:sp>
-      <p:sp>
-        <p:nvSpPr>
-          <p:cNvPr id="35" name="Rectangle 34">
-            <a:extLst>
-              <a:ext uri="{FF2B5EF4-FFF2-40B4-BE49-F238E27FC236}">
-                <a16:creationId xmlns:a16="http://schemas.microsoft.com/office/drawing/2014/main" id="{5264B164-BCCE-D1D2-5711-AFBDFBA0323E}"/>
-              </a:ext>
-            </a:extLst>
-          </p:cNvPr>
-          <p:cNvSpPr/>
-          <p:nvPr/>
-        </p:nvSpPr>
-        <p:spPr>
-          <a:xfrm>
-            <a:off x="4444319" y="253609"/>
+            <a:r>
+              <a:rPr lang="en-US" sz="700" dirty="0">
+                <a:solidFill>
+                  <a:schemeClr val="tx1"/>
+                </a:solidFill>
+              </a:rPr>
+              <a:t>x[0]</a:t>
+            </a:r>
+          </a:p>
+        </p:txBody>
+      </p:sp>
+      <p:sp>
+        <p:nvSpPr>
+          <p:cNvPr id="41" name="Rectangle 40">
+            <a:extLst>
+              <a:ext uri="{FF2B5EF4-FFF2-40B4-BE49-F238E27FC236}">
+                <a16:creationId xmlns:a16="http://schemas.microsoft.com/office/drawing/2014/main" id="{37DF5E3A-6341-2497-2EE3-B4B92A55FED8}"/>
+              </a:ext>
+            </a:extLst>
+          </p:cNvPr>
+          <p:cNvSpPr/>
+          <p:nvPr/>
+        </p:nvSpPr>
+        <p:spPr>
+          <a:xfrm>
+            <a:off x="4758720" y="1141957"/>
             <a:ext cx="322151" cy="272753"/>
           </a:xfrm>
           <a:prstGeom prst="rect">
@@ -21569,475 +22614,14 @@
           <a:lstStyle/>
           <a:p>
             <a:pPr algn="ctr"/>
-            <a:endParaRPr lang="en-US" sz="800" dirty="0">
-              <a:solidFill>
-                <a:schemeClr val="tx1"/>
-              </a:solidFill>
-            </a:endParaRPr>
-          </a:p>
-        </p:txBody>
-      </p:sp>
-      <p:sp>
-        <p:nvSpPr>
-          <p:cNvPr id="36" name="Rectangle 35">
-            <a:extLst>
-              <a:ext uri="{FF2B5EF4-FFF2-40B4-BE49-F238E27FC236}">
-                <a16:creationId xmlns:a16="http://schemas.microsoft.com/office/drawing/2014/main" id="{5CE6A78A-C55E-5FD0-A432-FA7067E4421F}"/>
-              </a:ext>
-            </a:extLst>
-          </p:cNvPr>
-          <p:cNvSpPr/>
-          <p:nvPr/>
-        </p:nvSpPr>
-        <p:spPr>
-          <a:xfrm>
-            <a:off x="1867112" y="1111009"/>
-            <a:ext cx="322151" cy="272753"/>
-          </a:xfrm>
-          <a:prstGeom prst="rect">
-            <a:avLst/>
-          </a:prstGeom>
-          <a:solidFill>
-            <a:srgbClr val="F2EFF6"/>
-          </a:solidFill>
-          <a:ln>
-            <a:solidFill>
-              <a:srgbClr val="360084"/>
-            </a:solidFill>
-          </a:ln>
-        </p:spPr>
-        <p:style>
-          <a:lnRef idx="2">
-            <a:schemeClr val="accent1">
-              <a:shade val="15000"/>
-            </a:schemeClr>
-          </a:lnRef>
-          <a:fillRef idx="1">
-            <a:schemeClr val="accent1"/>
-          </a:fillRef>
-          <a:effectRef idx="0">
-            <a:schemeClr val="accent1"/>
-          </a:effectRef>
-          <a:fontRef idx="minor">
-            <a:schemeClr val="lt1"/>
-          </a:fontRef>
-        </p:style>
-        <p:txBody>
-          <a:bodyPr rtlCol="0" anchor="ctr"/>
-          <a:lstStyle/>
-          <a:p>
-            <a:pPr algn="ctr"/>
-            <a:endParaRPr lang="en-US" sz="800" dirty="0">
-              <a:solidFill>
-                <a:schemeClr val="tx1"/>
-              </a:solidFill>
-            </a:endParaRPr>
-          </a:p>
-        </p:txBody>
-      </p:sp>
-      <p:sp>
-        <p:nvSpPr>
-          <p:cNvPr id="37" name="Rectangle 36">
-            <a:extLst>
-              <a:ext uri="{FF2B5EF4-FFF2-40B4-BE49-F238E27FC236}">
-                <a16:creationId xmlns:a16="http://schemas.microsoft.com/office/drawing/2014/main" id="{82891F91-6D93-9AC5-FBF4-78BEE02508BF}"/>
-              </a:ext>
-            </a:extLst>
-          </p:cNvPr>
-          <p:cNvSpPr/>
-          <p:nvPr/>
-        </p:nvSpPr>
-        <p:spPr>
-          <a:xfrm>
-            <a:off x="2189263" y="1111008"/>
-            <a:ext cx="322151" cy="272753"/>
-          </a:xfrm>
-          <a:prstGeom prst="rect">
-            <a:avLst/>
-          </a:prstGeom>
-          <a:solidFill>
-            <a:srgbClr val="F2EFF6"/>
-          </a:solidFill>
-          <a:ln>
-            <a:solidFill>
-              <a:srgbClr val="360084"/>
-            </a:solidFill>
-          </a:ln>
-        </p:spPr>
-        <p:style>
-          <a:lnRef idx="2">
-            <a:schemeClr val="accent1">
-              <a:shade val="15000"/>
-            </a:schemeClr>
-          </a:lnRef>
-          <a:fillRef idx="1">
-            <a:schemeClr val="accent1"/>
-          </a:fillRef>
-          <a:effectRef idx="0">
-            <a:schemeClr val="accent1"/>
-          </a:effectRef>
-          <a:fontRef idx="minor">
-            <a:schemeClr val="lt1"/>
-          </a:fontRef>
-        </p:style>
-        <p:txBody>
-          <a:bodyPr rtlCol="0" anchor="ctr"/>
-          <a:lstStyle/>
-          <a:p>
-            <a:pPr algn="ctr"/>
-            <a:endParaRPr lang="en-US" sz="800" dirty="0">
-              <a:solidFill>
-                <a:schemeClr val="tx1"/>
-              </a:solidFill>
-            </a:endParaRPr>
-          </a:p>
-        </p:txBody>
-      </p:sp>
-      <p:sp>
-        <p:nvSpPr>
-          <p:cNvPr id="38" name="Rectangle 37">
-            <a:extLst>
-              <a:ext uri="{FF2B5EF4-FFF2-40B4-BE49-F238E27FC236}">
-                <a16:creationId xmlns:a16="http://schemas.microsoft.com/office/drawing/2014/main" id="{47FA9643-D368-F783-EB9C-C34059D88D83}"/>
-              </a:ext>
-            </a:extLst>
-          </p:cNvPr>
-          <p:cNvSpPr/>
-          <p:nvPr/>
-        </p:nvSpPr>
-        <p:spPr>
-          <a:xfrm>
-            <a:off x="2511414" y="1111007"/>
-            <a:ext cx="322151" cy="272753"/>
-          </a:xfrm>
-          <a:prstGeom prst="rect">
-            <a:avLst/>
-          </a:prstGeom>
-          <a:solidFill>
-            <a:srgbClr val="F2EFF6"/>
-          </a:solidFill>
-          <a:ln>
-            <a:solidFill>
-              <a:srgbClr val="360084"/>
-            </a:solidFill>
-          </a:ln>
-        </p:spPr>
-        <p:style>
-          <a:lnRef idx="2">
-            <a:schemeClr val="accent1">
-              <a:shade val="15000"/>
-            </a:schemeClr>
-          </a:lnRef>
-          <a:fillRef idx="1">
-            <a:schemeClr val="accent1"/>
-          </a:fillRef>
-          <a:effectRef idx="0">
-            <a:schemeClr val="accent1"/>
-          </a:effectRef>
-          <a:fontRef idx="minor">
-            <a:schemeClr val="lt1"/>
-          </a:fontRef>
-        </p:style>
-        <p:txBody>
-          <a:bodyPr rtlCol="0" anchor="ctr"/>
-          <a:lstStyle/>
-          <a:p>
-            <a:pPr algn="ctr"/>
-            <a:endParaRPr lang="en-US" sz="800" dirty="0">
-              <a:solidFill>
-                <a:schemeClr val="tx1"/>
-              </a:solidFill>
-            </a:endParaRPr>
-          </a:p>
-        </p:txBody>
-      </p:sp>
-      <p:sp>
-        <p:nvSpPr>
-          <p:cNvPr id="40" name="Rectangle 39">
-            <a:extLst>
-              <a:ext uri="{FF2B5EF4-FFF2-40B4-BE49-F238E27FC236}">
-                <a16:creationId xmlns:a16="http://schemas.microsoft.com/office/drawing/2014/main" id="{44533F58-4FE4-1602-0066-4FCA111177CD}"/>
-              </a:ext>
-            </a:extLst>
-          </p:cNvPr>
-          <p:cNvSpPr/>
-          <p:nvPr/>
-        </p:nvSpPr>
-        <p:spPr>
-          <a:xfrm>
-            <a:off x="4122169" y="1111005"/>
-            <a:ext cx="322151" cy="272753"/>
-          </a:xfrm>
-          <a:prstGeom prst="rect">
-            <a:avLst/>
-          </a:prstGeom>
-          <a:solidFill>
-            <a:srgbClr val="FDF8EE"/>
-          </a:solidFill>
-          <a:ln>
-            <a:solidFill>
-              <a:srgbClr val="EFC57B"/>
-            </a:solidFill>
-          </a:ln>
-        </p:spPr>
-        <p:style>
-          <a:lnRef idx="2">
-            <a:schemeClr val="accent1">
-              <a:shade val="15000"/>
-            </a:schemeClr>
-          </a:lnRef>
-          <a:fillRef idx="1">
-            <a:schemeClr val="accent1"/>
-          </a:fillRef>
-          <a:effectRef idx="0">
-            <a:schemeClr val="accent1"/>
-          </a:effectRef>
-          <a:fontRef idx="minor">
-            <a:schemeClr val="lt1"/>
-          </a:fontRef>
-        </p:style>
-        <p:txBody>
-          <a:bodyPr rtlCol="0" anchor="ctr"/>
-          <a:lstStyle/>
-          <a:p>
-            <a:pPr algn="ctr"/>
-            <a:endParaRPr lang="en-US" sz="800" dirty="0">
-              <a:solidFill>
-                <a:schemeClr val="tx1"/>
-              </a:solidFill>
-            </a:endParaRPr>
-          </a:p>
-        </p:txBody>
-      </p:sp>
-      <p:sp>
-        <p:nvSpPr>
-          <p:cNvPr id="41" name="Rectangle 40">
-            <a:extLst>
-              <a:ext uri="{FF2B5EF4-FFF2-40B4-BE49-F238E27FC236}">
-                <a16:creationId xmlns:a16="http://schemas.microsoft.com/office/drawing/2014/main" id="{37DF5E3A-6341-2497-2EE3-B4B92A55FED8}"/>
-              </a:ext>
-            </a:extLst>
-          </p:cNvPr>
-          <p:cNvSpPr/>
-          <p:nvPr/>
-        </p:nvSpPr>
-        <p:spPr>
-          <a:xfrm>
-            <a:off x="3477867" y="1111006"/>
-            <a:ext cx="322151" cy="272753"/>
-          </a:xfrm>
-          <a:prstGeom prst="rect">
-            <a:avLst/>
-          </a:prstGeom>
-          <a:solidFill>
-            <a:srgbClr val="FDF8EE"/>
-          </a:solidFill>
-          <a:ln>
-            <a:solidFill>
-              <a:srgbClr val="EFC57B"/>
-            </a:solidFill>
-          </a:ln>
-        </p:spPr>
-        <p:style>
-          <a:lnRef idx="2">
-            <a:schemeClr val="accent1">
-              <a:shade val="15000"/>
-            </a:schemeClr>
-          </a:lnRef>
-          <a:fillRef idx="1">
-            <a:schemeClr val="accent1"/>
-          </a:fillRef>
-          <a:effectRef idx="0">
-            <a:schemeClr val="accent1"/>
-          </a:effectRef>
-          <a:fontRef idx="minor">
-            <a:schemeClr val="lt1"/>
-          </a:fontRef>
-        </p:style>
-        <p:txBody>
-          <a:bodyPr rtlCol="0" anchor="ctr"/>
-          <a:lstStyle/>
-          <a:p>
-            <a:pPr algn="ctr"/>
-            <a:endParaRPr lang="en-US" sz="800" dirty="0">
-              <a:solidFill>
-                <a:schemeClr val="tx1"/>
-              </a:solidFill>
-            </a:endParaRPr>
-          </a:p>
-        </p:txBody>
-      </p:sp>
-      <p:sp>
-        <p:nvSpPr>
-          <p:cNvPr id="42" name="Rectangle 41">
-            <a:extLst>
-              <a:ext uri="{FF2B5EF4-FFF2-40B4-BE49-F238E27FC236}">
-                <a16:creationId xmlns:a16="http://schemas.microsoft.com/office/drawing/2014/main" id="{F615455A-A222-9EFA-EF1A-BF0B308A1D2B}"/>
-              </a:ext>
-            </a:extLst>
-          </p:cNvPr>
-          <p:cNvSpPr/>
-          <p:nvPr/>
-        </p:nvSpPr>
-        <p:spPr>
-          <a:xfrm>
-            <a:off x="3800018" y="1111005"/>
-            <a:ext cx="322151" cy="272753"/>
-          </a:xfrm>
-          <a:prstGeom prst="rect">
-            <a:avLst/>
-          </a:prstGeom>
-          <a:solidFill>
-            <a:srgbClr val="FDF8EE"/>
-          </a:solidFill>
-          <a:ln>
-            <a:solidFill>
-              <a:srgbClr val="EFC57B"/>
-            </a:solidFill>
-          </a:ln>
-        </p:spPr>
-        <p:style>
-          <a:lnRef idx="2">
-            <a:schemeClr val="accent1">
-              <a:shade val="15000"/>
-            </a:schemeClr>
-          </a:lnRef>
-          <a:fillRef idx="1">
-            <a:schemeClr val="accent1"/>
-          </a:fillRef>
-          <a:effectRef idx="0">
-            <a:schemeClr val="accent1"/>
-          </a:effectRef>
-          <a:fontRef idx="minor">
-            <a:schemeClr val="lt1"/>
-          </a:fontRef>
-        </p:style>
-        <p:txBody>
-          <a:bodyPr rtlCol="0" anchor="ctr"/>
-          <a:lstStyle/>
-          <a:p>
-            <a:pPr algn="ctr"/>
-            <a:endParaRPr lang="en-US" sz="800" dirty="0">
-              <a:solidFill>
-                <a:schemeClr val="tx1"/>
-              </a:solidFill>
-            </a:endParaRPr>
-          </a:p>
-        </p:txBody>
-      </p:sp>
-      <p:sp>
-        <p:nvSpPr>
-          <p:cNvPr id="43" name="Rectangle 42">
-            <a:extLst>
-              <a:ext uri="{FF2B5EF4-FFF2-40B4-BE49-F238E27FC236}">
-                <a16:creationId xmlns:a16="http://schemas.microsoft.com/office/drawing/2014/main" id="{5A790D2E-1FEC-5D7B-939F-3C0656685A11}"/>
-              </a:ext>
-            </a:extLst>
-          </p:cNvPr>
-          <p:cNvSpPr/>
-          <p:nvPr/>
-        </p:nvSpPr>
-        <p:spPr>
-          <a:xfrm>
-            <a:off x="2833565" y="1111007"/>
-            <a:ext cx="322151" cy="272753"/>
-          </a:xfrm>
-          <a:prstGeom prst="rect">
-            <a:avLst/>
-          </a:prstGeom>
-          <a:solidFill>
-            <a:srgbClr val="F2EFF6"/>
-          </a:solidFill>
-          <a:ln>
-            <a:solidFill>
-              <a:srgbClr val="360084"/>
-            </a:solidFill>
-          </a:ln>
-        </p:spPr>
-        <p:style>
-          <a:lnRef idx="2">
-            <a:schemeClr val="accent1">
-              <a:shade val="15000"/>
-            </a:schemeClr>
-          </a:lnRef>
-          <a:fillRef idx="1">
-            <a:schemeClr val="accent1"/>
-          </a:fillRef>
-          <a:effectRef idx="0">
-            <a:schemeClr val="accent1"/>
-          </a:effectRef>
-          <a:fontRef idx="minor">
-            <a:schemeClr val="lt1"/>
-          </a:fontRef>
-        </p:style>
-        <p:txBody>
-          <a:bodyPr rtlCol="0" anchor="ctr"/>
-          <a:lstStyle/>
-          <a:p>
-            <a:pPr algn="ctr"/>
-            <a:endParaRPr lang="en-US" sz="800" dirty="0">
-              <a:solidFill>
-                <a:schemeClr val="tx1"/>
-              </a:solidFill>
-            </a:endParaRPr>
-          </a:p>
-        </p:txBody>
-      </p:sp>
-      <p:sp>
-        <p:nvSpPr>
-          <p:cNvPr id="45" name="Rectangle 44">
-            <a:extLst>
-              <a:ext uri="{FF2B5EF4-FFF2-40B4-BE49-F238E27FC236}">
-                <a16:creationId xmlns:a16="http://schemas.microsoft.com/office/drawing/2014/main" id="{1E846ADE-ED93-27CE-0ED1-22E443B49A45}"/>
-              </a:ext>
-            </a:extLst>
-          </p:cNvPr>
-          <p:cNvSpPr/>
-          <p:nvPr/>
-        </p:nvSpPr>
-        <p:spPr>
-          <a:xfrm>
-            <a:off x="4444320" y="1111005"/>
-            <a:ext cx="322151" cy="272753"/>
-          </a:xfrm>
-          <a:prstGeom prst="rect">
-            <a:avLst/>
-          </a:prstGeom>
-          <a:solidFill>
-            <a:srgbClr val="FDF8EE"/>
-          </a:solidFill>
-          <a:ln>
-            <a:solidFill>
-              <a:srgbClr val="EFC57B"/>
-            </a:solidFill>
-          </a:ln>
-        </p:spPr>
-        <p:style>
-          <a:lnRef idx="2">
-            <a:schemeClr val="accent1">
-              <a:shade val="15000"/>
-            </a:schemeClr>
-          </a:lnRef>
-          <a:fillRef idx="1">
-            <a:schemeClr val="accent1"/>
-          </a:fillRef>
-          <a:effectRef idx="0">
-            <a:schemeClr val="accent1"/>
-          </a:effectRef>
-          <a:fontRef idx="minor">
-            <a:schemeClr val="lt1"/>
-          </a:fontRef>
-        </p:style>
-        <p:txBody>
-          <a:bodyPr rtlCol="0" anchor="ctr"/>
-          <a:lstStyle/>
-          <a:p>
-            <a:pPr algn="ctr"/>
-            <a:endParaRPr lang="en-US" sz="800" dirty="0">
-              <a:solidFill>
-                <a:schemeClr val="tx1"/>
-              </a:solidFill>
-            </a:endParaRPr>
+            <a:r>
+              <a:rPr lang="en-US" sz="700" dirty="0">
+                <a:solidFill>
+                  <a:schemeClr val="tx1"/>
+                </a:solidFill>
+              </a:rPr>
+              <a:t>y[0]</a:t>
+            </a:r>
           </a:p>
         </p:txBody>
       </p:sp>
@@ -22055,7 +22639,7 @@
         </p:nvSpPr>
         <p:spPr>
           <a:xfrm>
-            <a:off x="3155716" y="1111007"/>
+            <a:off x="3792269" y="1141783"/>
             <a:ext cx="322151" cy="272753"/>
           </a:xfrm>
           <a:prstGeom prst="rect">
@@ -22072,343 +22656,6 @@
           <a:ln>
             <a:solidFill>
               <a:srgbClr val="360084"/>
-            </a:solidFill>
-          </a:ln>
-        </p:spPr>
-        <p:style>
-          <a:lnRef idx="2">
-            <a:schemeClr val="accent1">
-              <a:shade val="15000"/>
-            </a:schemeClr>
-          </a:lnRef>
-          <a:fillRef idx="1">
-            <a:schemeClr val="accent1"/>
-          </a:fillRef>
-          <a:effectRef idx="0">
-            <a:schemeClr val="accent1"/>
-          </a:effectRef>
-          <a:fontRef idx="minor">
-            <a:schemeClr val="lt1"/>
-          </a:fontRef>
-        </p:style>
-        <p:txBody>
-          <a:bodyPr rtlCol="0" anchor="ctr"/>
-          <a:lstStyle/>
-          <a:p>
-            <a:pPr algn="ctr"/>
-            <a:endParaRPr lang="en-US" sz="800" dirty="0">
-              <a:solidFill>
-                <a:schemeClr val="tx1"/>
-              </a:solidFill>
-            </a:endParaRPr>
-          </a:p>
-        </p:txBody>
-      </p:sp>
-      <p:cxnSp>
-        <p:nvCxnSpPr>
-          <p:cNvPr id="47" name="Straight Arrow Connector 46">
-            <a:extLst>
-              <a:ext uri="{FF2B5EF4-FFF2-40B4-BE49-F238E27FC236}">
-                <a16:creationId xmlns:a16="http://schemas.microsoft.com/office/drawing/2014/main" id="{E009DCF6-720B-ADEC-C76E-7F57144EAFD6}"/>
-              </a:ext>
-            </a:extLst>
-          </p:cNvPr>
-          <p:cNvCxnSpPr/>
-          <p:nvPr/>
-        </p:nvCxnSpPr>
-        <p:spPr>
-          <a:xfrm>
-            <a:off x="2511414" y="526358"/>
-            <a:ext cx="0" cy="584647"/>
-          </a:xfrm>
-          <a:prstGeom prst="straightConnector1">
-            <a:avLst/>
-          </a:prstGeom>
-          <a:ln w="12700">
-            <a:solidFill>
-              <a:srgbClr val="360084"/>
-            </a:solidFill>
-            <a:tailEnd type="triangle"/>
-          </a:ln>
-        </p:spPr>
-        <p:style>
-          <a:lnRef idx="1">
-            <a:schemeClr val="accent1"/>
-          </a:lnRef>
-          <a:fillRef idx="0">
-            <a:schemeClr val="accent1"/>
-          </a:fillRef>
-          <a:effectRef idx="0">
-            <a:schemeClr val="accent1"/>
-          </a:effectRef>
-          <a:fontRef idx="minor">
-            <a:schemeClr val="tx1"/>
-          </a:fontRef>
-        </p:style>
-      </p:cxnSp>
-      <p:cxnSp>
-        <p:nvCxnSpPr>
-          <p:cNvPr id="48" name="Straight Arrow Connector 47">
-            <a:extLst>
-              <a:ext uri="{FF2B5EF4-FFF2-40B4-BE49-F238E27FC236}">
-                <a16:creationId xmlns:a16="http://schemas.microsoft.com/office/drawing/2014/main" id="{F493AC74-8D8B-60B2-1E78-3C008281F9B2}"/>
-              </a:ext>
-            </a:extLst>
-          </p:cNvPr>
-          <p:cNvCxnSpPr>
-            <a:cxnSpLocks/>
-          </p:cNvCxnSpPr>
-          <p:nvPr/>
-        </p:nvCxnSpPr>
-        <p:spPr>
-          <a:xfrm flipH="1">
-            <a:off x="4122169" y="526358"/>
-            <a:ext cx="966452" cy="584647"/>
-          </a:xfrm>
-          <a:prstGeom prst="straightConnector1">
-            <a:avLst/>
-          </a:prstGeom>
-          <a:ln w="12700">
-            <a:solidFill>
-              <a:srgbClr val="EFC57B"/>
-            </a:solidFill>
-            <a:tailEnd type="triangle"/>
-          </a:ln>
-        </p:spPr>
-        <p:style>
-          <a:lnRef idx="1">
-            <a:schemeClr val="accent1"/>
-          </a:lnRef>
-          <a:fillRef idx="0">
-            <a:schemeClr val="accent1"/>
-          </a:fillRef>
-          <a:effectRef idx="0">
-            <a:schemeClr val="accent1"/>
-          </a:effectRef>
-          <a:fontRef idx="minor">
-            <a:schemeClr val="tx1"/>
-          </a:fontRef>
-        </p:style>
-      </p:cxnSp>
-      <p:sp>
-        <p:nvSpPr>
-          <p:cNvPr id="50" name="TextBox 49">
-            <a:extLst>
-              <a:ext uri="{FF2B5EF4-FFF2-40B4-BE49-F238E27FC236}">
-                <a16:creationId xmlns:a16="http://schemas.microsoft.com/office/drawing/2014/main" id="{C49D1F21-689E-69D7-ACBD-AC6A28BA1024}"/>
-              </a:ext>
-            </a:extLst>
-          </p:cNvPr>
-          <p:cNvSpPr txBox="1"/>
-          <p:nvPr/>
-        </p:nvSpPr>
-        <p:spPr>
-          <a:xfrm>
-            <a:off x="576903" y="1106759"/>
-            <a:ext cx="1180323" cy="307777"/>
-          </a:xfrm>
-          <a:prstGeom prst="rect">
-            <a:avLst/>
-          </a:prstGeom>
-          <a:noFill/>
-        </p:spPr>
-        <p:txBody>
-          <a:bodyPr wrap="none" rtlCol="0">
-            <a:spAutoFit/>
-          </a:bodyPr>
-          <a:lstStyle/>
-          <a:p>
-            <a:pPr algn="r"/>
-            <a:r>
-              <a:rPr lang="en-US" sz="1400" dirty="0"/>
-              <a:t>Packed buffer</a:t>
-            </a:r>
-          </a:p>
-        </p:txBody>
-      </p:sp>
-      <p:sp>
-        <p:nvSpPr>
-          <p:cNvPr id="51" name="TextBox 50">
-            <a:extLst>
-              <a:ext uri="{FF2B5EF4-FFF2-40B4-BE49-F238E27FC236}">
-                <a16:creationId xmlns:a16="http://schemas.microsoft.com/office/drawing/2014/main" id="{51BB6E5C-1742-8EC0-4CD9-294FD782CCEE}"/>
-              </a:ext>
-            </a:extLst>
-          </p:cNvPr>
-          <p:cNvSpPr txBox="1"/>
-          <p:nvPr/>
-        </p:nvSpPr>
-        <p:spPr>
-          <a:xfrm>
-            <a:off x="576902" y="249359"/>
-            <a:ext cx="1180324" cy="307777"/>
-          </a:xfrm>
-          <a:prstGeom prst="rect">
-            <a:avLst/>
-          </a:prstGeom>
-          <a:noFill/>
-        </p:spPr>
-        <p:txBody>
-          <a:bodyPr wrap="square" rtlCol="0">
-            <a:spAutoFit/>
-          </a:bodyPr>
-          <a:lstStyle/>
-          <a:p>
-            <a:pPr algn="r"/>
-            <a:r>
-              <a:rPr lang="en-US" sz="1400" dirty="0"/>
-              <a:t>Array</a:t>
-            </a:r>
-          </a:p>
-        </p:txBody>
-      </p:sp>
-      <p:sp>
-        <p:nvSpPr>
-          <p:cNvPr id="52" name="Rectangle 51">
-            <a:extLst>
-              <a:ext uri="{FF2B5EF4-FFF2-40B4-BE49-F238E27FC236}">
-                <a16:creationId xmlns:a16="http://schemas.microsoft.com/office/drawing/2014/main" id="{D25E4042-2CCB-9195-F7CF-9321235B7426}"/>
-              </a:ext>
-            </a:extLst>
-          </p:cNvPr>
-          <p:cNvSpPr/>
-          <p:nvPr/>
-        </p:nvSpPr>
-        <p:spPr>
-          <a:xfrm>
-            <a:off x="5088619" y="1111001"/>
-            <a:ext cx="322151" cy="272753"/>
-          </a:xfrm>
-          <a:prstGeom prst="rect">
-            <a:avLst/>
-          </a:prstGeom>
-          <a:solidFill>
-            <a:srgbClr val="FAFDF0"/>
-          </a:solidFill>
-          <a:ln>
-            <a:solidFill>
-              <a:srgbClr val="DDF08B"/>
-            </a:solidFill>
-          </a:ln>
-        </p:spPr>
-        <p:style>
-          <a:lnRef idx="2">
-            <a:schemeClr val="accent1">
-              <a:shade val="15000"/>
-            </a:schemeClr>
-          </a:lnRef>
-          <a:fillRef idx="1">
-            <a:schemeClr val="accent1"/>
-          </a:fillRef>
-          <a:effectRef idx="0">
-            <a:schemeClr val="accent1"/>
-          </a:effectRef>
-          <a:fontRef idx="minor">
-            <a:schemeClr val="lt1"/>
-          </a:fontRef>
-        </p:style>
-        <p:txBody>
-          <a:bodyPr rtlCol="0" anchor="ctr"/>
-          <a:lstStyle/>
-          <a:p>
-            <a:pPr algn="ctr"/>
-            <a:endParaRPr lang="en-US" sz="800" dirty="0">
-              <a:solidFill>
-                <a:schemeClr val="tx1"/>
-              </a:solidFill>
-            </a:endParaRPr>
-          </a:p>
-        </p:txBody>
-      </p:sp>
-      <p:sp>
-        <p:nvSpPr>
-          <p:cNvPr id="53" name="Rectangle 52">
-            <a:extLst>
-              <a:ext uri="{FF2B5EF4-FFF2-40B4-BE49-F238E27FC236}">
-                <a16:creationId xmlns:a16="http://schemas.microsoft.com/office/drawing/2014/main" id="{D0D106E4-744C-C0CD-1CC0-EA4B8FB6A168}"/>
-              </a:ext>
-            </a:extLst>
-          </p:cNvPr>
-          <p:cNvSpPr/>
-          <p:nvPr/>
-        </p:nvSpPr>
-        <p:spPr>
-          <a:xfrm>
-            <a:off x="5410772" y="1111002"/>
-            <a:ext cx="322151" cy="272753"/>
-          </a:xfrm>
-          <a:prstGeom prst="rect">
-            <a:avLst/>
-          </a:prstGeom>
-          <a:solidFill>
-            <a:srgbClr val="FAFDF0"/>
-          </a:solidFill>
-          <a:ln>
-            <a:solidFill>
-              <a:srgbClr val="DDF08B"/>
-            </a:solidFill>
-          </a:ln>
-        </p:spPr>
-        <p:style>
-          <a:lnRef idx="2">
-            <a:schemeClr val="accent1">
-              <a:shade val="15000"/>
-            </a:schemeClr>
-          </a:lnRef>
-          <a:fillRef idx="1">
-            <a:schemeClr val="accent1"/>
-          </a:fillRef>
-          <a:effectRef idx="0">
-            <a:schemeClr val="accent1"/>
-          </a:effectRef>
-          <a:fontRef idx="minor">
-            <a:schemeClr val="lt1"/>
-          </a:fontRef>
-        </p:style>
-        <p:txBody>
-          <a:bodyPr rtlCol="0" anchor="ctr"/>
-          <a:lstStyle/>
-          <a:p>
-            <a:pPr algn="ctr"/>
-            <a:endParaRPr lang="en-US" sz="800" dirty="0">
-              <a:solidFill>
-                <a:schemeClr val="tx1"/>
-              </a:solidFill>
-            </a:endParaRPr>
-          </a:p>
-        </p:txBody>
-      </p:sp>
-      <p:sp>
-        <p:nvSpPr>
-          <p:cNvPr id="44" name="Rectangle 43">
-            <a:extLst>
-              <a:ext uri="{FF2B5EF4-FFF2-40B4-BE49-F238E27FC236}">
-                <a16:creationId xmlns:a16="http://schemas.microsoft.com/office/drawing/2014/main" id="{A6FAAB99-493F-1924-7F30-BAA03308AF34}"/>
-              </a:ext>
-            </a:extLst>
-          </p:cNvPr>
-          <p:cNvSpPr/>
-          <p:nvPr/>
-        </p:nvSpPr>
-        <p:spPr>
-          <a:xfrm>
-            <a:off x="4766471" y="1111005"/>
-            <a:ext cx="322151" cy="272753"/>
-          </a:xfrm>
-          <a:prstGeom prst="rect">
-            <a:avLst/>
-          </a:prstGeom>
-          <a:pattFill prst="wdUpDiag">
-            <a:fgClr>
-              <a:srgbClr val="EFC57B"/>
-            </a:fgClr>
-            <a:bgClr>
-              <a:schemeClr val="bg1"/>
-            </a:bgClr>
-          </a:pattFill>
-          <a:ln>
-            <a:solidFill>
-              <a:srgbClr val="EFC57B"/>
             </a:solidFill>
           </a:ln>
         </p:spPr>

--- a/files/communication_diagram.pptx
+++ b/files/communication_diagram.pptx
@@ -200,7 +200,7 @@
           <a:p>
             <a:fld id="{1DA394A1-87FE-BC40-B428-C4F79D5812EE}" type="datetimeFigureOut">
               <a:rPr lang="en-US" smtClean="0"/>
-              <a:t>5/24/23</a:t>
+              <a:t>5/30/23</a:t>
             </a:fld>
             <a:endParaRPr lang="en-US"/>
           </a:p>
@@ -785,7 +785,7 @@
           <a:p>
             <a:fld id="{5BD1349E-D158-4E40-990A-05F7F3787A3C}" type="datetimeFigureOut">
               <a:rPr lang="en-US" smtClean="0"/>
-              <a:t>5/24/23</a:t>
+              <a:t>5/30/23</a:t>
             </a:fld>
             <a:endParaRPr lang="en-US"/>
           </a:p>
@@ -985,7 +985,7 @@
           <a:p>
             <a:fld id="{5BD1349E-D158-4E40-990A-05F7F3787A3C}" type="datetimeFigureOut">
               <a:rPr lang="en-US" smtClean="0"/>
-              <a:t>5/24/23</a:t>
+              <a:t>5/30/23</a:t>
             </a:fld>
             <a:endParaRPr lang="en-US"/>
           </a:p>
@@ -1195,7 +1195,7 @@
           <a:p>
             <a:fld id="{5BD1349E-D158-4E40-990A-05F7F3787A3C}" type="datetimeFigureOut">
               <a:rPr lang="en-US" smtClean="0"/>
-              <a:t>5/24/23</a:t>
+              <a:t>5/30/23</a:t>
             </a:fld>
             <a:endParaRPr lang="en-US"/>
           </a:p>
@@ -1395,7 +1395,7 @@
           <a:p>
             <a:fld id="{5BD1349E-D158-4E40-990A-05F7F3787A3C}" type="datetimeFigureOut">
               <a:rPr lang="en-US" smtClean="0"/>
-              <a:t>5/24/23</a:t>
+              <a:t>5/30/23</a:t>
             </a:fld>
             <a:endParaRPr lang="en-US"/>
           </a:p>
@@ -1671,7 +1671,7 @@
           <a:p>
             <a:fld id="{5BD1349E-D158-4E40-990A-05F7F3787A3C}" type="datetimeFigureOut">
               <a:rPr lang="en-US" smtClean="0"/>
-              <a:t>5/24/23</a:t>
+              <a:t>5/30/23</a:t>
             </a:fld>
             <a:endParaRPr lang="en-US"/>
           </a:p>
@@ -1939,7 +1939,7 @@
           <a:p>
             <a:fld id="{5BD1349E-D158-4E40-990A-05F7F3787A3C}" type="datetimeFigureOut">
               <a:rPr lang="en-US" smtClean="0"/>
-              <a:t>5/24/23</a:t>
+              <a:t>5/30/23</a:t>
             </a:fld>
             <a:endParaRPr lang="en-US"/>
           </a:p>
@@ -2354,7 +2354,7 @@
           <a:p>
             <a:fld id="{5BD1349E-D158-4E40-990A-05F7F3787A3C}" type="datetimeFigureOut">
               <a:rPr lang="en-US" smtClean="0"/>
-              <a:t>5/24/23</a:t>
+              <a:t>5/30/23</a:t>
             </a:fld>
             <a:endParaRPr lang="en-US"/>
           </a:p>
@@ -2496,7 +2496,7 @@
           <a:p>
             <a:fld id="{5BD1349E-D158-4E40-990A-05F7F3787A3C}" type="datetimeFigureOut">
               <a:rPr lang="en-US" smtClean="0"/>
-              <a:t>5/24/23</a:t>
+              <a:t>5/30/23</a:t>
             </a:fld>
             <a:endParaRPr lang="en-US"/>
           </a:p>
@@ -2609,7 +2609,7 @@
           <a:p>
             <a:fld id="{5BD1349E-D158-4E40-990A-05F7F3787A3C}" type="datetimeFigureOut">
               <a:rPr lang="en-US" smtClean="0"/>
-              <a:t>5/24/23</a:t>
+              <a:t>5/30/23</a:t>
             </a:fld>
             <a:endParaRPr lang="en-US"/>
           </a:p>
@@ -2922,7 +2922,7 @@
           <a:p>
             <a:fld id="{5BD1349E-D158-4E40-990A-05F7F3787A3C}" type="datetimeFigureOut">
               <a:rPr lang="en-US" smtClean="0"/>
-              <a:t>5/24/23</a:t>
+              <a:t>5/30/23</a:t>
             </a:fld>
             <a:endParaRPr lang="en-US"/>
           </a:p>
@@ -3211,7 +3211,7 @@
           <a:p>
             <a:fld id="{5BD1349E-D158-4E40-990A-05F7F3787A3C}" type="datetimeFigureOut">
               <a:rPr lang="en-US" smtClean="0"/>
-              <a:t>5/24/23</a:t>
+              <a:t>5/30/23</a:t>
             </a:fld>
             <a:endParaRPr lang="en-US"/>
           </a:p>
@@ -3454,7 +3454,7 @@
           <a:p>
             <a:fld id="{5BD1349E-D158-4E40-990A-05F7F3787A3C}" type="datetimeFigureOut">
               <a:rPr lang="en-US" smtClean="0"/>
-              <a:t>5/24/23</a:t>
+              <a:t>5/30/23</a:t>
             </a:fld>
             <a:endParaRPr lang="en-US"/>
           </a:p>
@@ -21557,7 +21557,7 @@
         </p:nvSpPr>
         <p:spPr>
           <a:xfrm>
-            <a:off x="2825816" y="1141784"/>
+            <a:off x="2994640" y="684615"/>
             <a:ext cx="322151" cy="272753"/>
           </a:xfrm>
           <a:prstGeom prst="rect">
@@ -21618,7 +21618,7 @@
         </p:nvSpPr>
         <p:spPr>
           <a:xfrm>
-            <a:off x="3147967" y="1141783"/>
+            <a:off x="3316791" y="684614"/>
             <a:ext cx="322151" cy="272753"/>
           </a:xfrm>
           <a:prstGeom prst="rect">
@@ -21679,7 +21679,7 @@
         </p:nvSpPr>
         <p:spPr>
           <a:xfrm>
-            <a:off x="5403022" y="1141956"/>
+            <a:off x="5571846" y="684787"/>
             <a:ext cx="322151" cy="272753"/>
           </a:xfrm>
           <a:prstGeom prst="rect">
@@ -21740,7 +21740,7 @@
         </p:nvSpPr>
         <p:spPr>
           <a:xfrm>
-            <a:off x="5080871" y="1141956"/>
+            <a:off x="5249695" y="684787"/>
             <a:ext cx="322151" cy="272753"/>
           </a:xfrm>
           <a:prstGeom prst="rect">
@@ -21801,7 +21801,7 @@
         </p:nvSpPr>
         <p:spPr>
           <a:xfrm>
-            <a:off x="3470118" y="1141783"/>
+            <a:off x="3638942" y="684614"/>
             <a:ext cx="322151" cy="272753"/>
           </a:xfrm>
           <a:prstGeom prst="rect">
@@ -21862,7 +21862,7 @@
         </p:nvSpPr>
         <p:spPr>
           <a:xfrm>
-            <a:off x="5725173" y="1141956"/>
+            <a:off x="5893997" y="684787"/>
             <a:ext cx="322151" cy="272753"/>
           </a:xfrm>
           <a:prstGeom prst="rect">
@@ -21909,95 +21909,6 @@
           </a:p>
         </p:txBody>
       </p:sp>
-      <p:cxnSp>
-        <p:nvCxnSpPr>
-          <p:cNvPr id="47" name="Straight Arrow Connector 46">
-            <a:extLst>
-              <a:ext uri="{FF2B5EF4-FFF2-40B4-BE49-F238E27FC236}">
-                <a16:creationId xmlns:a16="http://schemas.microsoft.com/office/drawing/2014/main" id="{E009DCF6-720B-ADEC-C76E-7F57144EAFD6}"/>
-              </a:ext>
-            </a:extLst>
-          </p:cNvPr>
-          <p:cNvCxnSpPr>
-            <a:cxnSpLocks/>
-          </p:cNvCxnSpPr>
-          <p:nvPr/>
-        </p:nvCxnSpPr>
-        <p:spPr>
-          <a:xfrm>
-            <a:off x="2511414" y="526358"/>
-            <a:ext cx="644301" cy="615423"/>
-          </a:xfrm>
-          <a:prstGeom prst="straightConnector1">
-            <a:avLst/>
-          </a:prstGeom>
-          <a:ln w="12700">
-            <a:solidFill>
-              <a:srgbClr val="360084"/>
-            </a:solidFill>
-            <a:tailEnd type="triangle"/>
-          </a:ln>
-        </p:spPr>
-        <p:style>
-          <a:lnRef idx="1">
-            <a:schemeClr val="accent1"/>
-          </a:lnRef>
-          <a:fillRef idx="0">
-            <a:schemeClr val="accent1"/>
-          </a:fillRef>
-          <a:effectRef idx="0">
-            <a:schemeClr val="accent1"/>
-          </a:effectRef>
-          <a:fontRef idx="minor">
-            <a:schemeClr val="tx1"/>
-          </a:fontRef>
-        </p:style>
-      </p:cxnSp>
-      <p:cxnSp>
-        <p:nvCxnSpPr>
-          <p:cNvPr id="48" name="Straight Arrow Connector 47">
-            <a:extLst>
-              <a:ext uri="{FF2B5EF4-FFF2-40B4-BE49-F238E27FC236}">
-                <a16:creationId xmlns:a16="http://schemas.microsoft.com/office/drawing/2014/main" id="{F493AC74-8D8B-60B2-1E78-3C008281F9B2}"/>
-              </a:ext>
-            </a:extLst>
-          </p:cNvPr>
-          <p:cNvCxnSpPr>
-            <a:cxnSpLocks/>
-            <a:endCxn id="40" idx="0"/>
-          </p:cNvCxnSpPr>
-          <p:nvPr/>
-        </p:nvCxnSpPr>
-        <p:spPr>
-          <a:xfrm>
-            <a:off x="5080872" y="526358"/>
-            <a:ext cx="483226" cy="615598"/>
-          </a:xfrm>
-          <a:prstGeom prst="straightConnector1">
-            <a:avLst/>
-          </a:prstGeom>
-          <a:ln w="12700">
-            <a:solidFill>
-              <a:srgbClr val="EFC57B"/>
-            </a:solidFill>
-            <a:tailEnd type="triangle"/>
-          </a:ln>
-        </p:spPr>
-        <p:style>
-          <a:lnRef idx="1">
-            <a:schemeClr val="accent1"/>
-          </a:lnRef>
-          <a:fillRef idx="0">
-            <a:schemeClr val="accent1"/>
-          </a:fillRef>
-          <a:effectRef idx="0">
-            <a:schemeClr val="accent1"/>
-          </a:effectRef>
-          <a:fontRef idx="minor">
-            <a:schemeClr val="tx1"/>
-          </a:fontRef>
-        </p:style>
-      </p:cxnSp>
       <p:sp>
         <p:nvSpPr>
           <p:cNvPr id="50" name="TextBox 49">
@@ -22012,44 +21923,8 @@
         </p:nvSpPr>
         <p:spPr>
           <a:xfrm>
-            <a:off x="576903" y="1106759"/>
-            <a:ext cx="1180323" cy="307777"/>
-          </a:xfrm>
-          <a:prstGeom prst="rect">
-            <a:avLst/>
-          </a:prstGeom>
-          <a:noFill/>
-        </p:spPr>
-        <p:txBody>
-          <a:bodyPr wrap="none" rtlCol="0">
-            <a:spAutoFit/>
-          </a:bodyPr>
-          <a:lstStyle/>
-          <a:p>
-            <a:pPr algn="r"/>
-            <a:r>
-              <a:rPr lang="en-US" sz="1400" dirty="0"/>
-              <a:t>Packed buffer</a:t>
-            </a:r>
-          </a:p>
-        </p:txBody>
-      </p:sp>
-      <p:sp>
-        <p:nvSpPr>
-          <p:cNvPr id="51" name="TextBox 50">
-            <a:extLst>
-              <a:ext uri="{FF2B5EF4-FFF2-40B4-BE49-F238E27FC236}">
-                <a16:creationId xmlns:a16="http://schemas.microsoft.com/office/drawing/2014/main" id="{51BB6E5C-1742-8EC0-4CD9-294FD782CCEE}"/>
-              </a:ext>
-            </a:extLst>
-          </p:cNvPr>
-          <p:cNvSpPr txBox="1"/>
-          <p:nvPr/>
-        </p:nvSpPr>
-        <p:spPr>
-          <a:xfrm>
-            <a:off x="576902" y="249359"/>
-            <a:ext cx="1180324" cy="307777"/>
+            <a:off x="1061202" y="649760"/>
+            <a:ext cx="696023" cy="307777"/>
           </a:xfrm>
           <a:prstGeom prst="rect">
             <a:avLst/>
@@ -22065,7 +21940,43 @@
             <a:pPr algn="r"/>
             <a:r>
               <a:rPr lang="en-US" sz="1400" dirty="0"/>
-              <a:t>Array</a:t>
+              <a:t>Packed</a:t>
+            </a:r>
+          </a:p>
+        </p:txBody>
+      </p:sp>
+      <p:sp>
+        <p:nvSpPr>
+          <p:cNvPr id="51" name="TextBox 50">
+            <a:extLst>
+              <a:ext uri="{FF2B5EF4-FFF2-40B4-BE49-F238E27FC236}">
+                <a16:creationId xmlns:a16="http://schemas.microsoft.com/office/drawing/2014/main" id="{51BB6E5C-1742-8EC0-4CD9-294FD782CCEE}"/>
+              </a:ext>
+            </a:extLst>
+          </p:cNvPr>
+          <p:cNvSpPr txBox="1"/>
+          <p:nvPr/>
+        </p:nvSpPr>
+        <p:spPr>
+          <a:xfrm>
+            <a:off x="900659" y="249359"/>
+            <a:ext cx="856567" cy="307777"/>
+          </a:xfrm>
+          <a:prstGeom prst="rect">
+            <a:avLst/>
+          </a:prstGeom>
+          <a:noFill/>
+        </p:spPr>
+        <p:txBody>
+          <a:bodyPr wrap="square" rtlCol="0">
+            <a:spAutoFit/>
+          </a:bodyPr>
+          <a:lstStyle/>
+          <a:p>
+            <a:pPr algn="r"/>
+            <a:r>
+              <a:rPr lang="en-US" sz="1400" dirty="0"/>
+              <a:t>Memory</a:t>
             </a:r>
           </a:p>
         </p:txBody>
@@ -22084,7 +21995,7 @@
         </p:nvSpPr>
         <p:spPr>
           <a:xfrm>
-            <a:off x="6369475" y="1141953"/>
+            <a:off x="6538299" y="684784"/>
             <a:ext cx="322151" cy="272753"/>
           </a:xfrm>
           <a:prstGeom prst="rect">
@@ -22208,7 +22119,7 @@
         </p:nvSpPr>
         <p:spPr>
           <a:xfrm>
-            <a:off x="6047324" y="1141868"/>
+            <a:off x="6216148" y="684699"/>
             <a:ext cx="322151" cy="272753"/>
           </a:xfrm>
           <a:prstGeom prst="rect">
@@ -22269,7 +22180,7 @@
         </p:nvSpPr>
         <p:spPr>
           <a:xfrm>
-            <a:off x="1867112" y="1141783"/>
+            <a:off x="2035936" y="684614"/>
             <a:ext cx="322151" cy="272753"/>
           </a:xfrm>
           <a:prstGeom prst="rect">
@@ -22330,7 +22241,7 @@
         </p:nvSpPr>
         <p:spPr>
           <a:xfrm>
-            <a:off x="4114418" y="1141783"/>
+            <a:off x="4283242" y="684614"/>
             <a:ext cx="322151" cy="272753"/>
           </a:xfrm>
           <a:prstGeom prst="rect">
@@ -22391,7 +22302,7 @@
         </p:nvSpPr>
         <p:spPr>
           <a:xfrm>
-            <a:off x="2181514" y="1141783"/>
+            <a:off x="2350338" y="684614"/>
             <a:ext cx="322151" cy="272753"/>
           </a:xfrm>
           <a:prstGeom prst="rect">
@@ -22454,7 +22365,7 @@
         </p:nvSpPr>
         <p:spPr>
           <a:xfrm>
-            <a:off x="4436569" y="1141783"/>
+            <a:off x="4605393" y="684614"/>
             <a:ext cx="322151" cy="272753"/>
           </a:xfrm>
           <a:prstGeom prst="rect">
@@ -22517,7 +22428,7 @@
         </p:nvSpPr>
         <p:spPr>
           <a:xfrm>
-            <a:off x="2503665" y="1141785"/>
+            <a:off x="2672489" y="684616"/>
             <a:ext cx="322151" cy="272753"/>
           </a:xfrm>
           <a:prstGeom prst="rect">
@@ -22578,7 +22489,7 @@
         </p:nvSpPr>
         <p:spPr>
           <a:xfrm>
-            <a:off x="4758720" y="1141957"/>
+            <a:off x="4927544" y="684788"/>
             <a:ext cx="322151" cy="272753"/>
           </a:xfrm>
           <a:prstGeom prst="rect">
@@ -22639,7 +22550,7 @@
         </p:nvSpPr>
         <p:spPr>
           <a:xfrm>
-            <a:off x="3792269" y="1141783"/>
+            <a:off x="3961093" y="684614"/>
             <a:ext cx="322151" cy="272753"/>
           </a:xfrm>
           <a:prstGeom prst="rect">

--- a/files/communication_diagram.pptx
+++ b/files/communication_diagram.pptx
@@ -21557,7 +21557,7 @@
         </p:nvSpPr>
         <p:spPr>
           <a:xfrm>
-            <a:off x="2994640" y="684615"/>
+            <a:off x="2508316" y="659294"/>
             <a:ext cx="322151" cy="272753"/>
           </a:xfrm>
           <a:prstGeom prst="rect">
@@ -21618,7 +21618,7 @@
         </p:nvSpPr>
         <p:spPr>
           <a:xfrm>
-            <a:off x="3316791" y="684614"/>
+            <a:off x="2830467" y="659293"/>
             <a:ext cx="322151" cy="272753"/>
           </a:xfrm>
           <a:prstGeom prst="rect">
@@ -21679,7 +21679,7 @@
         </p:nvSpPr>
         <p:spPr>
           <a:xfrm>
-            <a:off x="5571846" y="684787"/>
+            <a:off x="4436571" y="659293"/>
             <a:ext cx="322151" cy="272753"/>
           </a:xfrm>
           <a:prstGeom prst="rect">
@@ -21740,7 +21740,7 @@
         </p:nvSpPr>
         <p:spPr>
           <a:xfrm>
-            <a:off x="5249695" y="684787"/>
+            <a:off x="4114420" y="659293"/>
             <a:ext cx="322151" cy="272753"/>
           </a:xfrm>
           <a:prstGeom prst="rect">
@@ -21789,67 +21789,6 @@
       </p:sp>
       <p:sp>
         <p:nvSpPr>
-          <p:cNvPr id="43" name="Rectangle 42">
-            <a:extLst>
-              <a:ext uri="{FF2B5EF4-FFF2-40B4-BE49-F238E27FC236}">
-                <a16:creationId xmlns:a16="http://schemas.microsoft.com/office/drawing/2014/main" id="{5A790D2E-1FEC-5D7B-939F-3C0656685A11}"/>
-              </a:ext>
-            </a:extLst>
-          </p:cNvPr>
-          <p:cNvSpPr/>
-          <p:nvPr/>
-        </p:nvSpPr>
-        <p:spPr>
-          <a:xfrm>
-            <a:off x="3638942" y="684614"/>
-            <a:ext cx="322151" cy="272753"/>
-          </a:xfrm>
-          <a:prstGeom prst="rect">
-            <a:avLst/>
-          </a:prstGeom>
-          <a:solidFill>
-            <a:srgbClr val="F2EFF6"/>
-          </a:solidFill>
-          <a:ln>
-            <a:solidFill>
-              <a:srgbClr val="360084"/>
-            </a:solidFill>
-          </a:ln>
-        </p:spPr>
-        <p:style>
-          <a:lnRef idx="2">
-            <a:schemeClr val="accent1">
-              <a:shade val="15000"/>
-            </a:schemeClr>
-          </a:lnRef>
-          <a:fillRef idx="1">
-            <a:schemeClr val="accent1"/>
-          </a:fillRef>
-          <a:effectRef idx="0">
-            <a:schemeClr val="accent1"/>
-          </a:effectRef>
-          <a:fontRef idx="minor">
-            <a:schemeClr val="lt1"/>
-          </a:fontRef>
-        </p:style>
-        <p:txBody>
-          <a:bodyPr rtlCol="0" anchor="ctr"/>
-          <a:lstStyle/>
-          <a:p>
-            <a:pPr algn="ctr"/>
-            <a:r>
-              <a:rPr lang="en-US" sz="700" dirty="0">
-                <a:solidFill>
-                  <a:schemeClr val="tx1"/>
-                </a:solidFill>
-              </a:rPr>
-              <a:t>x[3]</a:t>
-            </a:r>
-          </a:p>
-        </p:txBody>
-      </p:sp>
-      <p:sp>
-        <p:nvSpPr>
           <p:cNvPr id="45" name="Rectangle 44">
             <a:extLst>
               <a:ext uri="{FF2B5EF4-FFF2-40B4-BE49-F238E27FC236}">
@@ -21862,7 +21801,7 @@
         </p:nvSpPr>
         <p:spPr>
           <a:xfrm>
-            <a:off x="5893997" y="684787"/>
+            <a:off x="4758722" y="659293"/>
             <a:ext cx="322151" cy="272753"/>
           </a:xfrm>
           <a:prstGeom prst="rect">
@@ -21983,32 +21922,88 @@
       </p:sp>
       <p:sp>
         <p:nvSpPr>
-          <p:cNvPr id="44" name="Rectangle 43">
-            <a:extLst>
-              <a:ext uri="{FF2B5EF4-FFF2-40B4-BE49-F238E27FC236}">
-                <a16:creationId xmlns:a16="http://schemas.microsoft.com/office/drawing/2014/main" id="{A6FAAB99-493F-1924-7F30-BAA03308AF34}"/>
-              </a:ext>
-            </a:extLst>
-          </p:cNvPr>
-          <p:cNvSpPr/>
-          <p:nvPr/>
-        </p:nvSpPr>
-        <p:spPr>
-          <a:xfrm>
-            <a:off x="6538299" y="684784"/>
-            <a:ext cx="322151" cy="272753"/>
-          </a:xfrm>
-          <a:prstGeom prst="rect">
-            <a:avLst/>
-          </a:prstGeom>
-          <a:pattFill prst="wdUpDiag">
-            <a:fgClr>
+          <p:cNvPr id="3" name="Rectangle 2">
+            <a:extLst>
+              <a:ext uri="{FF2B5EF4-FFF2-40B4-BE49-F238E27FC236}">
+                <a16:creationId xmlns:a16="http://schemas.microsoft.com/office/drawing/2014/main" id="{8839767C-8CA2-5290-BB52-8EC3C544EBB0}"/>
+              </a:ext>
+            </a:extLst>
+          </p:cNvPr>
+          <p:cNvSpPr/>
+          <p:nvPr/>
+        </p:nvSpPr>
+        <p:spPr>
+          <a:xfrm>
+            <a:off x="5732922" y="253605"/>
+            <a:ext cx="322151" cy="272753"/>
+          </a:xfrm>
+          <a:prstGeom prst="rect">
+            <a:avLst/>
+          </a:prstGeom>
+          <a:solidFill>
+            <a:srgbClr val="FDF8EE"/>
+          </a:solidFill>
+          <a:ln>
+            <a:solidFill>
               <a:srgbClr val="EFC57B"/>
-            </a:fgClr>
-            <a:bgClr>
-              <a:schemeClr val="bg1"/>
-            </a:bgClr>
-          </a:pattFill>
+            </a:solidFill>
+          </a:ln>
+        </p:spPr>
+        <p:style>
+          <a:lnRef idx="2">
+            <a:schemeClr val="accent1">
+              <a:shade val="15000"/>
+            </a:schemeClr>
+          </a:lnRef>
+          <a:fillRef idx="1">
+            <a:schemeClr val="accent1"/>
+          </a:fillRef>
+          <a:effectRef idx="0">
+            <a:schemeClr val="accent1"/>
+          </a:effectRef>
+          <a:fontRef idx="minor">
+            <a:schemeClr val="lt1"/>
+          </a:fontRef>
+        </p:style>
+        <p:txBody>
+          <a:bodyPr rtlCol="0" anchor="ctr"/>
+          <a:lstStyle/>
+          <a:p>
+            <a:pPr algn="ctr"/>
+            <a:r>
+              <a:rPr lang="en-US" sz="700" dirty="0">
+                <a:solidFill>
+                  <a:schemeClr val="tx1"/>
+                </a:solidFill>
+              </a:rPr>
+              <a:t>y[4]</a:t>
+            </a:r>
+          </a:p>
+        </p:txBody>
+      </p:sp>
+      <p:sp>
+        <p:nvSpPr>
+          <p:cNvPr id="4" name="Rectangle 3">
+            <a:extLst>
+              <a:ext uri="{FF2B5EF4-FFF2-40B4-BE49-F238E27FC236}">
+                <a16:creationId xmlns:a16="http://schemas.microsoft.com/office/drawing/2014/main" id="{81B38D1C-6656-57F1-658E-72A38B9964C4}"/>
+              </a:ext>
+            </a:extLst>
+          </p:cNvPr>
+          <p:cNvSpPr/>
+          <p:nvPr/>
+        </p:nvSpPr>
+        <p:spPr>
+          <a:xfrm>
+            <a:off x="5080873" y="659291"/>
+            <a:ext cx="322151" cy="272753"/>
+          </a:xfrm>
+          <a:prstGeom prst="rect">
+            <a:avLst/>
+          </a:prstGeom>
+          <a:solidFill>
+            <a:srgbClr val="FDF8EE"/>
+          </a:solidFill>
           <a:ln>
             <a:solidFill>
               <a:srgbClr val="EFC57B"/>
@@ -22036,29 +22031,215 @@
           <a:lstStyle/>
           <a:p>
             <a:pPr algn="ctr"/>
-            <a:endParaRPr lang="en-US" sz="800" dirty="0">
-              <a:solidFill>
-                <a:schemeClr val="tx1"/>
-              </a:solidFill>
-            </a:endParaRPr>
-          </a:p>
-        </p:txBody>
-      </p:sp>
-      <p:sp>
-        <p:nvSpPr>
-          <p:cNvPr id="3" name="Rectangle 2">
-            <a:extLst>
-              <a:ext uri="{FF2B5EF4-FFF2-40B4-BE49-F238E27FC236}">
-                <a16:creationId xmlns:a16="http://schemas.microsoft.com/office/drawing/2014/main" id="{8839767C-8CA2-5290-BB52-8EC3C544EBB0}"/>
-              </a:ext>
-            </a:extLst>
-          </p:cNvPr>
-          <p:cNvSpPr/>
-          <p:nvPr/>
-        </p:nvSpPr>
-        <p:spPr>
-          <a:xfrm>
-            <a:off x="5732922" y="253605"/>
+            <a:r>
+              <a:rPr lang="en-US" sz="700" dirty="0">
+                <a:solidFill>
+                  <a:schemeClr val="tx1"/>
+                </a:solidFill>
+              </a:rPr>
+              <a:t>y[4]</a:t>
+            </a:r>
+          </a:p>
+        </p:txBody>
+      </p:sp>
+      <p:sp>
+        <p:nvSpPr>
+          <p:cNvPr id="5" name="Rectangle 4">
+            <a:extLst>
+              <a:ext uri="{FF2B5EF4-FFF2-40B4-BE49-F238E27FC236}">
+                <a16:creationId xmlns:a16="http://schemas.microsoft.com/office/drawing/2014/main" id="{513E6787-8715-BA6B-1D5B-EFE1C0626FCA}"/>
+              </a:ext>
+            </a:extLst>
+          </p:cNvPr>
+          <p:cNvSpPr/>
+          <p:nvPr/>
+        </p:nvSpPr>
+        <p:spPr>
+          <a:xfrm>
+            <a:off x="1867112" y="659295"/>
+            <a:ext cx="322151" cy="272753"/>
+          </a:xfrm>
+          <a:prstGeom prst="rect">
+            <a:avLst/>
+          </a:prstGeom>
+          <a:solidFill>
+            <a:srgbClr val="F0FDF2"/>
+          </a:solidFill>
+          <a:ln>
+            <a:solidFill>
+              <a:srgbClr val="82E995"/>
+            </a:solidFill>
+          </a:ln>
+        </p:spPr>
+        <p:style>
+          <a:lnRef idx="2">
+            <a:schemeClr val="accent1">
+              <a:shade val="15000"/>
+            </a:schemeClr>
+          </a:lnRef>
+          <a:fillRef idx="1">
+            <a:schemeClr val="accent1"/>
+          </a:fillRef>
+          <a:effectRef idx="0">
+            <a:schemeClr val="accent1"/>
+          </a:effectRef>
+          <a:fontRef idx="minor">
+            <a:schemeClr val="lt1"/>
+          </a:fontRef>
+        </p:style>
+        <p:txBody>
+          <a:bodyPr rtlCol="0" anchor="ctr"/>
+          <a:lstStyle/>
+          <a:p>
+            <a:pPr algn="ctr"/>
+            <a:r>
+              <a:rPr lang="en-US" sz="700" dirty="0">
+                <a:solidFill>
+                  <a:schemeClr val="tx1"/>
+                </a:solidFill>
+              </a:rPr>
+              <a:t>4</a:t>
+            </a:r>
+          </a:p>
+        </p:txBody>
+      </p:sp>
+      <p:sp>
+        <p:nvSpPr>
+          <p:cNvPr id="7" name="Rectangle 6">
+            <a:extLst>
+              <a:ext uri="{FF2B5EF4-FFF2-40B4-BE49-F238E27FC236}">
+                <a16:creationId xmlns:a16="http://schemas.microsoft.com/office/drawing/2014/main" id="{6197113B-9DAA-FC1A-D9F0-357FCC8B6D74}"/>
+              </a:ext>
+            </a:extLst>
+          </p:cNvPr>
+          <p:cNvSpPr/>
+          <p:nvPr/>
+        </p:nvSpPr>
+        <p:spPr>
+          <a:xfrm>
+            <a:off x="3470118" y="659293"/>
+            <a:ext cx="322151" cy="272753"/>
+          </a:xfrm>
+          <a:prstGeom prst="rect">
+            <a:avLst/>
+          </a:prstGeom>
+          <a:solidFill>
+            <a:srgbClr val="F0FDF2"/>
+          </a:solidFill>
+          <a:ln>
+            <a:solidFill>
+              <a:srgbClr val="82E995"/>
+            </a:solidFill>
+          </a:ln>
+        </p:spPr>
+        <p:style>
+          <a:lnRef idx="2">
+            <a:schemeClr val="accent1">
+              <a:shade val="15000"/>
+            </a:schemeClr>
+          </a:lnRef>
+          <a:fillRef idx="1">
+            <a:schemeClr val="accent1"/>
+          </a:fillRef>
+          <a:effectRef idx="0">
+            <a:schemeClr val="accent1"/>
+          </a:effectRef>
+          <a:fontRef idx="minor">
+            <a:schemeClr val="lt1"/>
+          </a:fontRef>
+        </p:style>
+        <p:txBody>
+          <a:bodyPr rtlCol="0" anchor="ctr"/>
+          <a:lstStyle/>
+          <a:p>
+            <a:pPr algn="ctr"/>
+            <a:r>
+              <a:rPr lang="en-US" sz="700" dirty="0">
+                <a:solidFill>
+                  <a:schemeClr val="tx1"/>
+                </a:solidFill>
+              </a:rPr>
+              <a:t>5</a:t>
+            </a:r>
+          </a:p>
+        </p:txBody>
+      </p:sp>
+      <p:sp>
+        <p:nvSpPr>
+          <p:cNvPr id="36" name="Rectangle 35">
+            <a:extLst>
+              <a:ext uri="{FF2B5EF4-FFF2-40B4-BE49-F238E27FC236}">
+                <a16:creationId xmlns:a16="http://schemas.microsoft.com/office/drawing/2014/main" id="{5CE6A78A-C55E-5FD0-A432-FA7067E4421F}"/>
+              </a:ext>
+            </a:extLst>
+          </p:cNvPr>
+          <p:cNvSpPr/>
+          <p:nvPr/>
+        </p:nvSpPr>
+        <p:spPr>
+          <a:xfrm>
+            <a:off x="2186165" y="659295"/>
+            <a:ext cx="322151" cy="272753"/>
+          </a:xfrm>
+          <a:prstGeom prst="rect">
+            <a:avLst/>
+          </a:prstGeom>
+          <a:solidFill>
+            <a:srgbClr val="F2EFF6"/>
+          </a:solidFill>
+          <a:ln>
+            <a:solidFill>
+              <a:srgbClr val="360084"/>
+            </a:solidFill>
+          </a:ln>
+        </p:spPr>
+        <p:style>
+          <a:lnRef idx="2">
+            <a:schemeClr val="accent1">
+              <a:shade val="15000"/>
+            </a:schemeClr>
+          </a:lnRef>
+          <a:fillRef idx="1">
+            <a:schemeClr val="accent1"/>
+          </a:fillRef>
+          <a:effectRef idx="0">
+            <a:schemeClr val="accent1"/>
+          </a:effectRef>
+          <a:fontRef idx="minor">
+            <a:schemeClr val="lt1"/>
+          </a:fontRef>
+        </p:style>
+        <p:txBody>
+          <a:bodyPr rtlCol="0" anchor="ctr"/>
+          <a:lstStyle/>
+          <a:p>
+            <a:pPr algn="ctr"/>
+            <a:r>
+              <a:rPr lang="en-US" sz="700" dirty="0">
+                <a:solidFill>
+                  <a:schemeClr val="tx1"/>
+                </a:solidFill>
+              </a:rPr>
+              <a:t>x[0]</a:t>
+            </a:r>
+          </a:p>
+        </p:txBody>
+      </p:sp>
+      <p:sp>
+        <p:nvSpPr>
+          <p:cNvPr id="41" name="Rectangle 40">
+            <a:extLst>
+              <a:ext uri="{FF2B5EF4-FFF2-40B4-BE49-F238E27FC236}">
+                <a16:creationId xmlns:a16="http://schemas.microsoft.com/office/drawing/2014/main" id="{37DF5E3A-6341-2497-2EE3-B4B92A55FED8}"/>
+              </a:ext>
+            </a:extLst>
+          </p:cNvPr>
+          <p:cNvSpPr/>
+          <p:nvPr/>
+        </p:nvSpPr>
+        <p:spPr>
+          <a:xfrm>
+            <a:off x="3792269" y="659294"/>
             <a:ext cx="322151" cy="272753"/>
           </a:xfrm>
           <a:prstGeom prst="rect">
@@ -22100,37 +22281,37 @@
                   <a:schemeClr val="tx1"/>
                 </a:solidFill>
               </a:rPr>
-              <a:t>y[4]</a:t>
-            </a:r>
-          </a:p>
-        </p:txBody>
-      </p:sp>
-      <p:sp>
-        <p:nvSpPr>
-          <p:cNvPr id="4" name="Rectangle 3">
-            <a:extLst>
-              <a:ext uri="{FF2B5EF4-FFF2-40B4-BE49-F238E27FC236}">
-                <a16:creationId xmlns:a16="http://schemas.microsoft.com/office/drawing/2014/main" id="{81B38D1C-6656-57F1-658E-72A38B9964C4}"/>
-              </a:ext>
-            </a:extLst>
-          </p:cNvPr>
-          <p:cNvSpPr/>
-          <p:nvPr/>
-        </p:nvSpPr>
-        <p:spPr>
-          <a:xfrm>
-            <a:off x="6216148" y="684699"/>
-            <a:ext cx="322151" cy="272753"/>
-          </a:xfrm>
-          <a:prstGeom prst="rect">
-            <a:avLst/>
-          </a:prstGeom>
-          <a:solidFill>
-            <a:srgbClr val="FDF8EE"/>
-          </a:solidFill>
-          <a:ln>
-            <a:solidFill>
-              <a:srgbClr val="EFC57B"/>
+              <a:t>y[0]</a:t>
+            </a:r>
+          </a:p>
+        </p:txBody>
+      </p:sp>
+      <p:sp>
+        <p:nvSpPr>
+          <p:cNvPr id="43" name="Rectangle 42">
+            <a:extLst>
+              <a:ext uri="{FF2B5EF4-FFF2-40B4-BE49-F238E27FC236}">
+                <a16:creationId xmlns:a16="http://schemas.microsoft.com/office/drawing/2014/main" id="{5A790D2E-1FEC-5D7B-939F-3C0656685A11}"/>
+              </a:ext>
+            </a:extLst>
+          </p:cNvPr>
+          <p:cNvSpPr/>
+          <p:nvPr/>
+        </p:nvSpPr>
+        <p:spPr>
+          <a:xfrm>
+            <a:off x="3152618" y="659293"/>
+            <a:ext cx="322151" cy="272753"/>
+          </a:xfrm>
+          <a:prstGeom prst="rect">
+            <a:avLst/>
+          </a:prstGeom>
+          <a:solidFill>
+            <a:srgbClr val="F2EFF6"/>
+          </a:solidFill>
+          <a:ln>
+            <a:solidFill>
+              <a:srgbClr val="360084"/>
             </a:solidFill>
           </a:ln>
         </p:spPr>
@@ -22161,441 +22342,8 @@
                   <a:schemeClr val="tx1"/>
                 </a:solidFill>
               </a:rPr>
-              <a:t>y[4]</a:t>
-            </a:r>
-          </a:p>
-        </p:txBody>
-      </p:sp>
-      <p:sp>
-        <p:nvSpPr>
-          <p:cNvPr id="5" name="Rectangle 4">
-            <a:extLst>
-              <a:ext uri="{FF2B5EF4-FFF2-40B4-BE49-F238E27FC236}">
-                <a16:creationId xmlns:a16="http://schemas.microsoft.com/office/drawing/2014/main" id="{513E6787-8715-BA6B-1D5B-EFE1C0626FCA}"/>
-              </a:ext>
-            </a:extLst>
-          </p:cNvPr>
-          <p:cNvSpPr/>
-          <p:nvPr/>
-        </p:nvSpPr>
-        <p:spPr>
-          <a:xfrm>
-            <a:off x="2035936" y="684614"/>
-            <a:ext cx="322151" cy="272753"/>
-          </a:xfrm>
-          <a:prstGeom prst="rect">
-            <a:avLst/>
-          </a:prstGeom>
-          <a:solidFill>
-            <a:srgbClr val="F0FDF2"/>
-          </a:solidFill>
-          <a:ln>
-            <a:solidFill>
-              <a:srgbClr val="82E995"/>
-            </a:solidFill>
-          </a:ln>
-        </p:spPr>
-        <p:style>
-          <a:lnRef idx="2">
-            <a:schemeClr val="accent1">
-              <a:shade val="15000"/>
-            </a:schemeClr>
-          </a:lnRef>
-          <a:fillRef idx="1">
-            <a:schemeClr val="accent1"/>
-          </a:fillRef>
-          <a:effectRef idx="0">
-            <a:schemeClr val="accent1"/>
-          </a:effectRef>
-          <a:fontRef idx="minor">
-            <a:schemeClr val="lt1"/>
-          </a:fontRef>
-        </p:style>
-        <p:txBody>
-          <a:bodyPr rtlCol="0" anchor="ctr"/>
-          <a:lstStyle/>
-          <a:p>
-            <a:pPr algn="ctr"/>
-            <a:r>
-              <a:rPr lang="en-US" sz="700" dirty="0">
-                <a:solidFill>
-                  <a:schemeClr val="tx1"/>
-                </a:solidFill>
-              </a:rPr>
-              <a:t>4</a:t>
-            </a:r>
-          </a:p>
-        </p:txBody>
-      </p:sp>
-      <p:sp>
-        <p:nvSpPr>
-          <p:cNvPr id="7" name="Rectangle 6">
-            <a:extLst>
-              <a:ext uri="{FF2B5EF4-FFF2-40B4-BE49-F238E27FC236}">
-                <a16:creationId xmlns:a16="http://schemas.microsoft.com/office/drawing/2014/main" id="{6197113B-9DAA-FC1A-D9F0-357FCC8B6D74}"/>
-              </a:ext>
-            </a:extLst>
-          </p:cNvPr>
-          <p:cNvSpPr/>
-          <p:nvPr/>
-        </p:nvSpPr>
-        <p:spPr>
-          <a:xfrm>
-            <a:off x="4283242" y="684614"/>
-            <a:ext cx="322151" cy="272753"/>
-          </a:xfrm>
-          <a:prstGeom prst="rect">
-            <a:avLst/>
-          </a:prstGeom>
-          <a:solidFill>
-            <a:srgbClr val="F0FDF2"/>
-          </a:solidFill>
-          <a:ln>
-            <a:solidFill>
-              <a:srgbClr val="82E995"/>
-            </a:solidFill>
-          </a:ln>
-        </p:spPr>
-        <p:style>
-          <a:lnRef idx="2">
-            <a:schemeClr val="accent1">
-              <a:shade val="15000"/>
-            </a:schemeClr>
-          </a:lnRef>
-          <a:fillRef idx="1">
-            <a:schemeClr val="accent1"/>
-          </a:fillRef>
-          <a:effectRef idx="0">
-            <a:schemeClr val="accent1"/>
-          </a:effectRef>
-          <a:fontRef idx="minor">
-            <a:schemeClr val="lt1"/>
-          </a:fontRef>
-        </p:style>
-        <p:txBody>
-          <a:bodyPr rtlCol="0" anchor="ctr"/>
-          <a:lstStyle/>
-          <a:p>
-            <a:pPr algn="ctr"/>
-            <a:r>
-              <a:rPr lang="en-US" sz="700" dirty="0">
-                <a:solidFill>
-                  <a:schemeClr val="tx1"/>
-                </a:solidFill>
-              </a:rPr>
-              <a:t>5</a:t>
-            </a:r>
-          </a:p>
-        </p:txBody>
-      </p:sp>
-      <p:sp>
-        <p:nvSpPr>
-          <p:cNvPr id="8" name="Rectangle 7">
-            <a:extLst>
-              <a:ext uri="{FF2B5EF4-FFF2-40B4-BE49-F238E27FC236}">
-                <a16:creationId xmlns:a16="http://schemas.microsoft.com/office/drawing/2014/main" id="{BFD82EA9-0329-418E-268E-9985FDB0D4A5}"/>
-              </a:ext>
-            </a:extLst>
-          </p:cNvPr>
-          <p:cNvSpPr/>
-          <p:nvPr/>
-        </p:nvSpPr>
-        <p:spPr>
-          <a:xfrm>
-            <a:off x="2350338" y="684614"/>
-            <a:ext cx="322151" cy="272753"/>
-          </a:xfrm>
-          <a:prstGeom prst="rect">
-            <a:avLst/>
-          </a:prstGeom>
-          <a:pattFill prst="wdUpDiag">
-            <a:fgClr>
-              <a:srgbClr val="82E995"/>
-            </a:fgClr>
-            <a:bgClr>
-              <a:schemeClr val="bg1"/>
-            </a:bgClr>
-          </a:pattFill>
-          <a:ln>
-            <a:solidFill>
-              <a:srgbClr val="82E995"/>
-            </a:solidFill>
-          </a:ln>
-        </p:spPr>
-        <p:style>
-          <a:lnRef idx="2">
-            <a:schemeClr val="accent1">
-              <a:shade val="15000"/>
-            </a:schemeClr>
-          </a:lnRef>
-          <a:fillRef idx="1">
-            <a:schemeClr val="accent1"/>
-          </a:fillRef>
-          <a:effectRef idx="0">
-            <a:schemeClr val="accent1"/>
-          </a:effectRef>
-          <a:fontRef idx="minor">
-            <a:schemeClr val="lt1"/>
-          </a:fontRef>
-        </p:style>
-        <p:txBody>
-          <a:bodyPr rtlCol="0" anchor="ctr"/>
-          <a:lstStyle/>
-          <a:p>
-            <a:pPr algn="ctr"/>
-            <a:endParaRPr lang="en-US" sz="800" dirty="0">
-              <a:solidFill>
-                <a:schemeClr val="tx1"/>
-              </a:solidFill>
-            </a:endParaRPr>
-          </a:p>
-        </p:txBody>
-      </p:sp>
-      <p:sp>
-        <p:nvSpPr>
-          <p:cNvPr id="9" name="Rectangle 8">
-            <a:extLst>
-              <a:ext uri="{FF2B5EF4-FFF2-40B4-BE49-F238E27FC236}">
-                <a16:creationId xmlns:a16="http://schemas.microsoft.com/office/drawing/2014/main" id="{7316CBFA-73A2-AC0C-F84F-8C9ABAAC1230}"/>
-              </a:ext>
-            </a:extLst>
-          </p:cNvPr>
-          <p:cNvSpPr/>
-          <p:nvPr/>
-        </p:nvSpPr>
-        <p:spPr>
-          <a:xfrm>
-            <a:off x="4605393" y="684614"/>
-            <a:ext cx="322151" cy="272753"/>
-          </a:xfrm>
-          <a:prstGeom prst="rect">
-            <a:avLst/>
-          </a:prstGeom>
-          <a:pattFill prst="wdUpDiag">
-            <a:fgClr>
-              <a:srgbClr val="82E995"/>
-            </a:fgClr>
-            <a:bgClr>
-              <a:schemeClr val="bg1"/>
-            </a:bgClr>
-          </a:pattFill>
-          <a:ln>
-            <a:solidFill>
-              <a:srgbClr val="82E995"/>
-            </a:solidFill>
-          </a:ln>
-        </p:spPr>
-        <p:style>
-          <a:lnRef idx="2">
-            <a:schemeClr val="accent1">
-              <a:shade val="15000"/>
-            </a:schemeClr>
-          </a:lnRef>
-          <a:fillRef idx="1">
-            <a:schemeClr val="accent1"/>
-          </a:fillRef>
-          <a:effectRef idx="0">
-            <a:schemeClr val="accent1"/>
-          </a:effectRef>
-          <a:fontRef idx="minor">
-            <a:schemeClr val="lt1"/>
-          </a:fontRef>
-        </p:style>
-        <p:txBody>
-          <a:bodyPr rtlCol="0" anchor="ctr"/>
-          <a:lstStyle/>
-          <a:p>
-            <a:pPr algn="ctr"/>
-            <a:endParaRPr lang="en-US" sz="800" dirty="0">
-              <a:solidFill>
-                <a:schemeClr val="tx1"/>
-              </a:solidFill>
-            </a:endParaRPr>
-          </a:p>
-        </p:txBody>
-      </p:sp>
-      <p:sp>
-        <p:nvSpPr>
-          <p:cNvPr id="36" name="Rectangle 35">
-            <a:extLst>
-              <a:ext uri="{FF2B5EF4-FFF2-40B4-BE49-F238E27FC236}">
-                <a16:creationId xmlns:a16="http://schemas.microsoft.com/office/drawing/2014/main" id="{5CE6A78A-C55E-5FD0-A432-FA7067E4421F}"/>
-              </a:ext>
-            </a:extLst>
-          </p:cNvPr>
-          <p:cNvSpPr/>
-          <p:nvPr/>
-        </p:nvSpPr>
-        <p:spPr>
-          <a:xfrm>
-            <a:off x="2672489" y="684616"/>
-            <a:ext cx="322151" cy="272753"/>
-          </a:xfrm>
-          <a:prstGeom prst="rect">
-            <a:avLst/>
-          </a:prstGeom>
-          <a:solidFill>
-            <a:srgbClr val="F2EFF6"/>
-          </a:solidFill>
-          <a:ln>
-            <a:solidFill>
-              <a:srgbClr val="360084"/>
-            </a:solidFill>
-          </a:ln>
-        </p:spPr>
-        <p:style>
-          <a:lnRef idx="2">
-            <a:schemeClr val="accent1">
-              <a:shade val="15000"/>
-            </a:schemeClr>
-          </a:lnRef>
-          <a:fillRef idx="1">
-            <a:schemeClr val="accent1"/>
-          </a:fillRef>
-          <a:effectRef idx="0">
-            <a:schemeClr val="accent1"/>
-          </a:effectRef>
-          <a:fontRef idx="minor">
-            <a:schemeClr val="lt1"/>
-          </a:fontRef>
-        </p:style>
-        <p:txBody>
-          <a:bodyPr rtlCol="0" anchor="ctr"/>
-          <a:lstStyle/>
-          <a:p>
-            <a:pPr algn="ctr"/>
-            <a:r>
-              <a:rPr lang="en-US" sz="700" dirty="0">
-                <a:solidFill>
-                  <a:schemeClr val="tx1"/>
-                </a:solidFill>
-              </a:rPr>
-              <a:t>x[0]</a:t>
-            </a:r>
-          </a:p>
-        </p:txBody>
-      </p:sp>
-      <p:sp>
-        <p:nvSpPr>
-          <p:cNvPr id="41" name="Rectangle 40">
-            <a:extLst>
-              <a:ext uri="{FF2B5EF4-FFF2-40B4-BE49-F238E27FC236}">
-                <a16:creationId xmlns:a16="http://schemas.microsoft.com/office/drawing/2014/main" id="{37DF5E3A-6341-2497-2EE3-B4B92A55FED8}"/>
-              </a:ext>
-            </a:extLst>
-          </p:cNvPr>
-          <p:cNvSpPr/>
-          <p:nvPr/>
-        </p:nvSpPr>
-        <p:spPr>
-          <a:xfrm>
-            <a:off x="4927544" y="684788"/>
-            <a:ext cx="322151" cy="272753"/>
-          </a:xfrm>
-          <a:prstGeom prst="rect">
-            <a:avLst/>
-          </a:prstGeom>
-          <a:solidFill>
-            <a:srgbClr val="FDF8EE"/>
-          </a:solidFill>
-          <a:ln>
-            <a:solidFill>
-              <a:srgbClr val="EFC57B"/>
-            </a:solidFill>
-          </a:ln>
-        </p:spPr>
-        <p:style>
-          <a:lnRef idx="2">
-            <a:schemeClr val="accent1">
-              <a:shade val="15000"/>
-            </a:schemeClr>
-          </a:lnRef>
-          <a:fillRef idx="1">
-            <a:schemeClr val="accent1"/>
-          </a:fillRef>
-          <a:effectRef idx="0">
-            <a:schemeClr val="accent1"/>
-          </a:effectRef>
-          <a:fontRef idx="minor">
-            <a:schemeClr val="lt1"/>
-          </a:fontRef>
-        </p:style>
-        <p:txBody>
-          <a:bodyPr rtlCol="0" anchor="ctr"/>
-          <a:lstStyle/>
-          <a:p>
-            <a:pPr algn="ctr"/>
-            <a:r>
-              <a:rPr lang="en-US" sz="700" dirty="0">
-                <a:solidFill>
-                  <a:schemeClr val="tx1"/>
-                </a:solidFill>
-              </a:rPr>
-              <a:t>y[0]</a:t>
-            </a:r>
-          </a:p>
-        </p:txBody>
-      </p:sp>
-      <p:sp>
-        <p:nvSpPr>
-          <p:cNvPr id="39" name="Rectangle 38">
-            <a:extLst>
-              <a:ext uri="{FF2B5EF4-FFF2-40B4-BE49-F238E27FC236}">
-                <a16:creationId xmlns:a16="http://schemas.microsoft.com/office/drawing/2014/main" id="{A111B3C1-D11C-EDDB-D6F6-0AF39CE8531F}"/>
-              </a:ext>
-            </a:extLst>
-          </p:cNvPr>
-          <p:cNvSpPr/>
-          <p:nvPr/>
-        </p:nvSpPr>
-        <p:spPr>
-          <a:xfrm>
-            <a:off x="3961093" y="684614"/>
-            <a:ext cx="322151" cy="272753"/>
-          </a:xfrm>
-          <a:prstGeom prst="rect">
-            <a:avLst/>
-          </a:prstGeom>
-          <a:pattFill prst="wdUpDiag">
-            <a:fgClr>
-              <a:srgbClr val="360084"/>
-            </a:fgClr>
-            <a:bgClr>
-              <a:schemeClr val="bg1"/>
-            </a:bgClr>
-          </a:pattFill>
-          <a:ln>
-            <a:solidFill>
-              <a:srgbClr val="360084"/>
-            </a:solidFill>
-          </a:ln>
-        </p:spPr>
-        <p:style>
-          <a:lnRef idx="2">
-            <a:schemeClr val="accent1">
-              <a:shade val="15000"/>
-            </a:schemeClr>
-          </a:lnRef>
-          <a:fillRef idx="1">
-            <a:schemeClr val="accent1"/>
-          </a:fillRef>
-          <a:effectRef idx="0">
-            <a:schemeClr val="accent1"/>
-          </a:effectRef>
-          <a:fontRef idx="minor">
-            <a:schemeClr val="lt1"/>
-          </a:fontRef>
-        </p:style>
-        <p:txBody>
-          <a:bodyPr rtlCol="0" anchor="ctr"/>
-          <a:lstStyle/>
-          <a:p>
-            <a:pPr algn="ctr"/>
-            <a:endParaRPr lang="en-US" sz="800" dirty="0">
-              <a:solidFill>
-                <a:schemeClr val="tx1"/>
-              </a:solidFill>
-            </a:endParaRPr>
+              <a:t>x[3]</a:t>
+            </a:r>
           </a:p>
         </p:txBody>
       </p:sp>

--- a/files/communication_diagram.pptx
+++ b/files/communication_diagram.pptx
@@ -200,7 +200,7 @@
           <a:p>
             <a:fld id="{1DA394A1-87FE-BC40-B428-C4F79D5812EE}" type="datetimeFigureOut">
               <a:rPr lang="en-US" smtClean="0"/>
-              <a:t>5/19/23</a:t>
+              <a:t>5/30/23</a:t>
             </a:fld>
             <a:endParaRPr lang="en-US"/>
           </a:p>
@@ -785,7 +785,7 @@
           <a:p>
             <a:fld id="{5BD1349E-D158-4E40-990A-05F7F3787A3C}" type="datetimeFigureOut">
               <a:rPr lang="en-US" smtClean="0"/>
-              <a:t>5/19/23</a:t>
+              <a:t>5/30/23</a:t>
             </a:fld>
             <a:endParaRPr lang="en-US"/>
           </a:p>
@@ -985,7 +985,7 @@
           <a:p>
             <a:fld id="{5BD1349E-D158-4E40-990A-05F7F3787A3C}" type="datetimeFigureOut">
               <a:rPr lang="en-US" smtClean="0"/>
-              <a:t>5/19/23</a:t>
+              <a:t>5/30/23</a:t>
             </a:fld>
             <a:endParaRPr lang="en-US"/>
           </a:p>
@@ -1195,7 +1195,7 @@
           <a:p>
             <a:fld id="{5BD1349E-D158-4E40-990A-05F7F3787A3C}" type="datetimeFigureOut">
               <a:rPr lang="en-US" smtClean="0"/>
-              <a:t>5/19/23</a:t>
+              <a:t>5/30/23</a:t>
             </a:fld>
             <a:endParaRPr lang="en-US"/>
           </a:p>
@@ -1395,7 +1395,7 @@
           <a:p>
             <a:fld id="{5BD1349E-D158-4E40-990A-05F7F3787A3C}" type="datetimeFigureOut">
               <a:rPr lang="en-US" smtClean="0"/>
-              <a:t>5/19/23</a:t>
+              <a:t>5/30/23</a:t>
             </a:fld>
             <a:endParaRPr lang="en-US"/>
           </a:p>
@@ -1671,7 +1671,7 @@
           <a:p>
             <a:fld id="{5BD1349E-D158-4E40-990A-05F7F3787A3C}" type="datetimeFigureOut">
               <a:rPr lang="en-US" smtClean="0"/>
-              <a:t>5/19/23</a:t>
+              <a:t>5/30/23</a:t>
             </a:fld>
             <a:endParaRPr lang="en-US"/>
           </a:p>
@@ -1939,7 +1939,7 @@
           <a:p>
             <a:fld id="{5BD1349E-D158-4E40-990A-05F7F3787A3C}" type="datetimeFigureOut">
               <a:rPr lang="en-US" smtClean="0"/>
-              <a:t>5/19/23</a:t>
+              <a:t>5/30/23</a:t>
             </a:fld>
             <a:endParaRPr lang="en-US"/>
           </a:p>
@@ -2354,7 +2354,7 @@
           <a:p>
             <a:fld id="{5BD1349E-D158-4E40-990A-05F7F3787A3C}" type="datetimeFigureOut">
               <a:rPr lang="en-US" smtClean="0"/>
-              <a:t>5/19/23</a:t>
+              <a:t>5/30/23</a:t>
             </a:fld>
             <a:endParaRPr lang="en-US"/>
           </a:p>
@@ -2496,7 +2496,7 @@
           <a:p>
             <a:fld id="{5BD1349E-D158-4E40-990A-05F7F3787A3C}" type="datetimeFigureOut">
               <a:rPr lang="en-US" smtClean="0"/>
-              <a:t>5/19/23</a:t>
+              <a:t>5/30/23</a:t>
             </a:fld>
             <a:endParaRPr lang="en-US"/>
           </a:p>
@@ -2609,7 +2609,7 @@
           <a:p>
             <a:fld id="{5BD1349E-D158-4E40-990A-05F7F3787A3C}" type="datetimeFigureOut">
               <a:rPr lang="en-US" smtClean="0"/>
-              <a:t>5/19/23</a:t>
+              <a:t>5/30/23</a:t>
             </a:fld>
             <a:endParaRPr lang="en-US"/>
           </a:p>
@@ -2922,7 +2922,7 @@
           <a:p>
             <a:fld id="{5BD1349E-D158-4E40-990A-05F7F3787A3C}" type="datetimeFigureOut">
               <a:rPr lang="en-US" smtClean="0"/>
-              <a:t>5/19/23</a:t>
+              <a:t>5/30/23</a:t>
             </a:fld>
             <a:endParaRPr lang="en-US"/>
           </a:p>
@@ -3211,7 +3211,7 @@
           <a:p>
             <a:fld id="{5BD1349E-D158-4E40-990A-05F7F3787A3C}" type="datetimeFigureOut">
               <a:rPr lang="en-US" smtClean="0"/>
-              <a:t>5/19/23</a:t>
+              <a:t>5/30/23</a:t>
             </a:fld>
             <a:endParaRPr lang="en-US"/>
           </a:p>
@@ -3454,7 +3454,7 @@
           <a:p>
             <a:fld id="{5BD1349E-D158-4E40-990A-05F7F3787A3C}" type="datetimeFigureOut">
               <a:rPr lang="en-US" smtClean="0"/>
-              <a:t>5/19/23</a:t>
+              <a:t>5/30/23</a:t>
             </a:fld>
             <a:endParaRPr lang="en-US"/>
           </a:p>
@@ -19024,14 +19024,14 @@
           <p:cNvCxnSpPr>
             <a:cxnSpLocks/>
             <a:stCxn id="24" idx="3"/>
-            <a:endCxn id="18" idx="1"/>
+            <a:endCxn id="17" idx="1"/>
           </p:cNvCxnSpPr>
           <p:nvPr/>
         </p:nvCxnSpPr>
         <p:spPr>
           <a:xfrm>
-            <a:off x="7264477" y="1389050"/>
-            <a:ext cx="534740" cy="33"/>
+            <a:off x="8151744" y="1256074"/>
+            <a:ext cx="513508" cy="601"/>
           </a:xfrm>
           <a:prstGeom prst="straightConnector1">
             <a:avLst/>
@@ -19072,7 +19072,7 @@
         </p:nvSpPr>
         <p:spPr>
           <a:xfrm>
-            <a:off x="2730831" y="1016665"/>
+            <a:off x="2781735" y="1113347"/>
             <a:ext cx="745014" cy="272753"/>
           </a:xfrm>
           <a:prstGeom prst="rect">
@@ -19130,7 +19130,7 @@
         </p:nvSpPr>
         <p:spPr>
           <a:xfrm>
-            <a:off x="2730831" y="1294053"/>
+            <a:off x="2781735" y="1929546"/>
             <a:ext cx="745014" cy="272753"/>
           </a:xfrm>
           <a:prstGeom prst="rect">
@@ -19191,7 +19191,7 @@
         </p:nvSpPr>
         <p:spPr>
           <a:xfrm>
-            <a:off x="2730831" y="1567407"/>
+            <a:off x="2781735" y="2202900"/>
             <a:ext cx="745014" cy="272753"/>
           </a:xfrm>
           <a:prstGeom prst="rect">
@@ -19252,7 +19252,7 @@
         </p:nvSpPr>
         <p:spPr>
           <a:xfrm>
-            <a:off x="2730831" y="1834771"/>
+            <a:off x="2781735" y="2470264"/>
             <a:ext cx="745014" cy="272753"/>
           </a:xfrm>
           <a:prstGeom prst="rect">
@@ -19313,7 +19313,7 @@
         </p:nvSpPr>
         <p:spPr>
           <a:xfrm>
-            <a:off x="2730831" y="2107524"/>
+            <a:off x="2781735" y="2743017"/>
             <a:ext cx="745014" cy="272753"/>
           </a:xfrm>
           <a:prstGeom prst="rect">
@@ -19374,7 +19374,7 @@
         </p:nvSpPr>
         <p:spPr>
           <a:xfrm>
-            <a:off x="2730831" y="2374888"/>
+            <a:off x="2781735" y="3010381"/>
             <a:ext cx="745014" cy="272753"/>
           </a:xfrm>
           <a:prstGeom prst="rect">
@@ -19435,7 +19435,7 @@
         </p:nvSpPr>
         <p:spPr>
           <a:xfrm>
-            <a:off x="2730831" y="469717"/>
+            <a:off x="2781735" y="846944"/>
             <a:ext cx="745014" cy="272753"/>
           </a:xfrm>
           <a:prstGeom prst="rect">
@@ -19493,7 +19493,7 @@
         </p:nvSpPr>
         <p:spPr>
           <a:xfrm>
-            <a:off x="238679" y="195462"/>
+            <a:off x="289583" y="572689"/>
             <a:ext cx="1838183" cy="2733417"/>
           </a:xfrm>
           <a:prstGeom prst="rect">
@@ -19692,67 +19692,6 @@
       </p:sp>
       <p:sp>
         <p:nvSpPr>
-          <p:cNvPr id="162" name="Rectangle 161">
-            <a:extLst>
-              <a:ext uri="{FF2B5EF4-FFF2-40B4-BE49-F238E27FC236}">
-                <a16:creationId xmlns:a16="http://schemas.microsoft.com/office/drawing/2014/main" id="{9CB46FAE-109A-2965-2352-390E8D3B94DC}"/>
-              </a:ext>
-            </a:extLst>
-          </p:cNvPr>
-          <p:cNvSpPr/>
-          <p:nvPr/>
-        </p:nvSpPr>
-        <p:spPr>
-          <a:xfrm>
-            <a:off x="2730831" y="742951"/>
-            <a:ext cx="745014" cy="272753"/>
-          </a:xfrm>
-          <a:prstGeom prst="rect">
-            <a:avLst/>
-          </a:prstGeom>
-          <a:solidFill>
-            <a:srgbClr val="FDF8EE"/>
-          </a:solidFill>
-          <a:ln>
-            <a:solidFill>
-              <a:srgbClr val="EFC57B"/>
-            </a:solidFill>
-          </a:ln>
-        </p:spPr>
-        <p:style>
-          <a:lnRef idx="2">
-            <a:schemeClr val="accent1">
-              <a:shade val="15000"/>
-            </a:schemeClr>
-          </a:lnRef>
-          <a:fillRef idx="1">
-            <a:schemeClr val="accent1"/>
-          </a:fillRef>
-          <a:effectRef idx="0">
-            <a:schemeClr val="accent1"/>
-          </a:effectRef>
-          <a:fontRef idx="minor">
-            <a:schemeClr val="lt1"/>
-          </a:fontRef>
-        </p:style>
-        <p:txBody>
-          <a:bodyPr rtlCol="0" anchor="ctr"/>
-          <a:lstStyle/>
-          <a:p>
-            <a:pPr algn="ctr"/>
-            <a:r>
-              <a:rPr lang="en-US" sz="800" dirty="0">
-                <a:solidFill>
-                  <a:schemeClr val="tx1"/>
-                </a:solidFill>
-              </a:rPr>
-              <a:t>value</a:t>
-            </a:r>
-          </a:p>
-        </p:txBody>
-      </p:sp>
-      <p:sp>
-        <p:nvSpPr>
           <p:cNvPr id="180" name="Rectangle 179">
             <a:extLst>
               <a:ext uri="{FF2B5EF4-FFF2-40B4-BE49-F238E27FC236}">
@@ -19765,7 +19704,7 @@
         </p:nvSpPr>
         <p:spPr>
           <a:xfrm>
-            <a:off x="2730831" y="196003"/>
+            <a:off x="2781735" y="573230"/>
             <a:ext cx="745014" cy="272753"/>
           </a:xfrm>
           <a:prstGeom prst="rect">
@@ -19829,7 +19768,7 @@
         </p:nvCxnSpPr>
         <p:spPr>
           <a:xfrm flipV="1">
-            <a:off x="2002280" y="332380"/>
+            <a:off x="2053184" y="709607"/>
             <a:ext cx="728551" cy="957038"/>
           </a:xfrm>
           <a:prstGeom prst="straightConnector1">
@@ -19874,8 +19813,8 @@
         </p:nvCxnSpPr>
         <p:spPr>
           <a:xfrm flipV="1">
-            <a:off x="2002280" y="879328"/>
-            <a:ext cx="728551" cy="682842"/>
+            <a:off x="2053184" y="1522476"/>
+            <a:ext cx="728551" cy="425449"/>
           </a:xfrm>
           <a:prstGeom prst="straightConnector1">
             <a:avLst/>
@@ -19919,8 +19858,8 @@
         </p:nvCxnSpPr>
         <p:spPr>
           <a:xfrm>
-            <a:off x="2002280" y="1848086"/>
-            <a:ext cx="728551" cy="123062"/>
+            <a:off x="2090475" y="2218618"/>
+            <a:ext cx="691260" cy="388023"/>
           </a:xfrm>
           <a:prstGeom prst="straightConnector1">
             <a:avLst/>
@@ -19961,7 +19900,7 @@
         </p:nvSpPr>
         <p:spPr>
           <a:xfrm>
-            <a:off x="7799217" y="711988"/>
+            <a:off x="8665252" y="846944"/>
             <a:ext cx="745014" cy="272753"/>
           </a:xfrm>
           <a:prstGeom prst="rect">
@@ -20022,7 +19961,7 @@
         </p:nvSpPr>
         <p:spPr>
           <a:xfrm>
-            <a:off x="7799217" y="985342"/>
+            <a:off x="8665252" y="1120298"/>
             <a:ext cx="745014" cy="272753"/>
           </a:xfrm>
           <a:prstGeom prst="rect">
@@ -20083,7 +20022,7 @@
         </p:nvSpPr>
         <p:spPr>
           <a:xfrm>
-            <a:off x="7799217" y="1252706"/>
+            <a:off x="8665252" y="1387662"/>
             <a:ext cx="745014" cy="272753"/>
           </a:xfrm>
           <a:prstGeom prst="rect">
@@ -20132,128 +20071,6 @@
       </p:sp>
       <p:sp>
         <p:nvSpPr>
-          <p:cNvPr id="19" name="Rectangle 18">
-            <a:extLst>
-              <a:ext uri="{FF2B5EF4-FFF2-40B4-BE49-F238E27FC236}">
-                <a16:creationId xmlns:a16="http://schemas.microsoft.com/office/drawing/2014/main" id="{7A04AFA7-31A2-B0E4-3D25-B53EBC790A01}"/>
-              </a:ext>
-            </a:extLst>
-          </p:cNvPr>
-          <p:cNvSpPr/>
-          <p:nvPr/>
-        </p:nvSpPr>
-        <p:spPr>
-          <a:xfrm>
-            <a:off x="7799217" y="1525459"/>
-            <a:ext cx="745014" cy="272753"/>
-          </a:xfrm>
-          <a:prstGeom prst="rect">
-            <a:avLst/>
-          </a:prstGeom>
-          <a:solidFill>
-            <a:srgbClr val="F0FDF2"/>
-          </a:solidFill>
-          <a:ln>
-            <a:solidFill>
-              <a:srgbClr val="82E995"/>
-            </a:solidFill>
-          </a:ln>
-        </p:spPr>
-        <p:style>
-          <a:lnRef idx="2">
-            <a:schemeClr val="accent1">
-              <a:shade val="15000"/>
-            </a:schemeClr>
-          </a:lnRef>
-          <a:fillRef idx="1">
-            <a:schemeClr val="accent1"/>
-          </a:fillRef>
-          <a:effectRef idx="0">
-            <a:schemeClr val="accent1"/>
-          </a:effectRef>
-          <a:fontRef idx="minor">
-            <a:schemeClr val="lt1"/>
-          </a:fontRef>
-        </p:style>
-        <p:txBody>
-          <a:bodyPr rtlCol="0" anchor="ctr"/>
-          <a:lstStyle/>
-          <a:p>
-            <a:pPr algn="ctr"/>
-            <a:r>
-              <a:rPr lang="en-US" sz="800" dirty="0">
-                <a:solidFill>
-                  <a:schemeClr val="tx1"/>
-                </a:solidFill>
-              </a:rPr>
-              <a:t>position[3]</a:t>
-            </a:r>
-          </a:p>
-        </p:txBody>
-      </p:sp>
-      <p:sp>
-        <p:nvSpPr>
-          <p:cNvPr id="20" name="Rectangle 19">
-            <a:extLst>
-              <a:ext uri="{FF2B5EF4-FFF2-40B4-BE49-F238E27FC236}">
-                <a16:creationId xmlns:a16="http://schemas.microsoft.com/office/drawing/2014/main" id="{63EBBC81-8262-65C1-5418-7ED4106FF530}"/>
-              </a:ext>
-            </a:extLst>
-          </p:cNvPr>
-          <p:cNvSpPr/>
-          <p:nvPr/>
-        </p:nvSpPr>
-        <p:spPr>
-          <a:xfrm>
-            <a:off x="7799217" y="1792823"/>
-            <a:ext cx="745014" cy="272753"/>
-          </a:xfrm>
-          <a:prstGeom prst="rect">
-            <a:avLst/>
-          </a:prstGeom>
-          <a:solidFill>
-            <a:srgbClr val="F0FDF2"/>
-          </a:solidFill>
-          <a:ln>
-            <a:solidFill>
-              <a:srgbClr val="82E995"/>
-            </a:solidFill>
-          </a:ln>
-        </p:spPr>
-        <p:style>
-          <a:lnRef idx="2">
-            <a:schemeClr val="accent1">
-              <a:shade val="15000"/>
-            </a:schemeClr>
-          </a:lnRef>
-          <a:fillRef idx="1">
-            <a:schemeClr val="accent1"/>
-          </a:fillRef>
-          <a:effectRef idx="0">
-            <a:schemeClr val="accent1"/>
-          </a:effectRef>
-          <a:fontRef idx="minor">
-            <a:schemeClr val="lt1"/>
-          </a:fontRef>
-        </p:style>
-        <p:txBody>
-          <a:bodyPr rtlCol="0" anchor="ctr"/>
-          <a:lstStyle/>
-          <a:p>
-            <a:pPr algn="ctr"/>
-            <a:r>
-              <a:rPr lang="en-US" sz="800" dirty="0">
-                <a:solidFill>
-                  <a:schemeClr val="tx1"/>
-                </a:solidFill>
-              </a:rPr>
-              <a:t>position[4]</a:t>
-            </a:r>
-          </a:p>
-        </p:txBody>
-      </p:sp>
-      <p:sp>
-        <p:nvSpPr>
           <p:cNvPr id="21" name="Rectangle 20">
             <a:extLst>
               <a:ext uri="{FF2B5EF4-FFF2-40B4-BE49-F238E27FC236}">
@@ -20266,7 +20083,7 @@
         </p:nvSpPr>
         <p:spPr>
           <a:xfrm>
-            <a:off x="6519463" y="1526387"/>
+            <a:off x="7406730" y="1393411"/>
             <a:ext cx="745014" cy="272753"/>
           </a:xfrm>
           <a:prstGeom prst="rect">
@@ -20324,7 +20141,7 @@
         </p:nvSpPr>
         <p:spPr>
           <a:xfrm>
-            <a:off x="4097047" y="1012304"/>
+            <a:off x="4984314" y="879328"/>
             <a:ext cx="2054492" cy="1225937"/>
           </a:xfrm>
           <a:prstGeom prst="rect">
@@ -20481,7 +20298,7 @@
         </p:nvSpPr>
         <p:spPr>
           <a:xfrm>
-            <a:off x="6519463" y="1799621"/>
+            <a:off x="7406730" y="1666645"/>
             <a:ext cx="745014" cy="272753"/>
           </a:xfrm>
           <a:prstGeom prst="rect">
@@ -20518,13 +20335,18 @@
           <a:p>
             <a:pPr algn="ctr"/>
             <a:r>
-              <a:rPr lang="en-US" sz="800" dirty="0">
-                <a:solidFill>
-                  <a:schemeClr val="tx1"/>
-                </a:solidFill>
-              </a:rPr>
-              <a:t>5</a:t>
-            </a:r>
+              <a:rPr lang="en-US" sz="800" dirty="0" err="1">
+                <a:solidFill>
+                  <a:schemeClr val="tx1"/>
+                </a:solidFill>
+              </a:rPr>
+              <a:t>num_cells</a:t>
+            </a:r>
+            <a:endParaRPr lang="en-US" sz="800" dirty="0">
+              <a:solidFill>
+                <a:schemeClr val="tx1"/>
+              </a:solidFill>
+            </a:endParaRPr>
           </a:p>
         </p:txBody>
       </p:sp>
@@ -20542,7 +20364,7 @@
         </p:nvSpPr>
         <p:spPr>
           <a:xfrm>
-            <a:off x="6519463" y="1252673"/>
+            <a:off x="7406730" y="1119697"/>
             <a:ext cx="745014" cy="272753"/>
           </a:xfrm>
           <a:prstGeom prst="rect">
@@ -20605,7 +20427,7 @@
         </p:nvCxnSpPr>
         <p:spPr>
           <a:xfrm flipV="1">
-            <a:off x="6096000" y="1389050"/>
+            <a:off x="6983267" y="1256074"/>
             <a:ext cx="423463" cy="106667"/>
           </a:xfrm>
           <a:prstGeom prst="straightConnector1">
@@ -20650,7 +20472,7 @@
         </p:nvCxnSpPr>
         <p:spPr>
           <a:xfrm>
-            <a:off x="6096000" y="1823301"/>
+            <a:off x="6983267" y="1690325"/>
             <a:ext cx="423463" cy="112697"/>
           </a:xfrm>
           <a:prstGeom prst="straightConnector1">
@@ -20678,6 +20500,125 @@
           </a:fontRef>
         </p:style>
       </p:cxnSp>
+      <p:sp>
+        <p:nvSpPr>
+          <p:cNvPr id="7" name="Rectangle 6">
+            <a:extLst>
+              <a:ext uri="{FF2B5EF4-FFF2-40B4-BE49-F238E27FC236}">
+                <a16:creationId xmlns:a16="http://schemas.microsoft.com/office/drawing/2014/main" id="{868112EA-37A7-4581-AFD9-E6D749F1EE06}"/>
+              </a:ext>
+            </a:extLst>
+          </p:cNvPr>
+          <p:cNvSpPr/>
+          <p:nvPr/>
+        </p:nvSpPr>
+        <p:spPr>
+          <a:xfrm>
+            <a:off x="2782660" y="1656793"/>
+            <a:ext cx="745014" cy="272753"/>
+          </a:xfrm>
+          <a:prstGeom prst="rect">
+            <a:avLst/>
+          </a:prstGeom>
+          <a:solidFill>
+            <a:srgbClr val="FAFDF0"/>
+          </a:solidFill>
+          <a:ln>
+            <a:solidFill>
+              <a:srgbClr val="DDF08B"/>
+            </a:solidFill>
+          </a:ln>
+        </p:spPr>
+        <p:style>
+          <a:lnRef idx="2">
+            <a:schemeClr val="accent1">
+              <a:shade val="15000"/>
+            </a:schemeClr>
+          </a:lnRef>
+          <a:fillRef idx="1">
+            <a:schemeClr val="accent1"/>
+          </a:fillRef>
+          <a:effectRef idx="0">
+            <a:schemeClr val="accent1"/>
+          </a:effectRef>
+          <a:fontRef idx="minor">
+            <a:schemeClr val="lt1"/>
+          </a:fontRef>
+        </p:style>
+        <p:txBody>
+          <a:bodyPr rtlCol="0" anchor="ctr"/>
+          <a:lstStyle/>
+          <a:p>
+            <a:pPr algn="ctr"/>
+            <a:endParaRPr lang="en-US" sz="800" dirty="0">
+              <a:solidFill>
+                <a:schemeClr val="tx1"/>
+              </a:solidFill>
+            </a:endParaRPr>
+          </a:p>
+        </p:txBody>
+      </p:sp>
+      <p:sp>
+        <p:nvSpPr>
+          <p:cNvPr id="162" name="Rectangle 161">
+            <a:extLst>
+              <a:ext uri="{FF2B5EF4-FFF2-40B4-BE49-F238E27FC236}">
+                <a16:creationId xmlns:a16="http://schemas.microsoft.com/office/drawing/2014/main" id="{9CB46FAE-109A-2965-2352-390E8D3B94DC}"/>
+              </a:ext>
+            </a:extLst>
+          </p:cNvPr>
+          <p:cNvSpPr/>
+          <p:nvPr/>
+        </p:nvSpPr>
+        <p:spPr>
+          <a:xfrm>
+            <a:off x="2781735" y="1386099"/>
+            <a:ext cx="745014" cy="272753"/>
+          </a:xfrm>
+          <a:prstGeom prst="rect">
+            <a:avLst/>
+          </a:prstGeom>
+          <a:solidFill>
+            <a:srgbClr val="FDF8EE"/>
+          </a:solidFill>
+          <a:ln>
+            <a:solidFill>
+              <a:srgbClr val="EFC57B"/>
+            </a:solidFill>
+          </a:ln>
+        </p:spPr>
+        <p:style>
+          <a:lnRef idx="2">
+            <a:schemeClr val="accent1">
+              <a:shade val="15000"/>
+            </a:schemeClr>
+          </a:lnRef>
+          <a:fillRef idx="1">
+            <a:schemeClr val="accent1"/>
+          </a:fillRef>
+          <a:effectRef idx="0">
+            <a:schemeClr val="accent1"/>
+          </a:effectRef>
+          <a:fontRef idx="minor">
+            <a:schemeClr val="lt1"/>
+          </a:fontRef>
+        </p:style>
+        <p:txBody>
+          <a:bodyPr rtlCol="0" anchor="ctr"/>
+          <a:lstStyle/>
+          <a:p>
+            <a:pPr algn="ctr"/>
+            <a:r>
+              <a:rPr lang="en-US" sz="800" dirty="0">
+                <a:solidFill>
+                  <a:schemeClr val="tx1"/>
+                </a:solidFill>
+              </a:rPr>
+              <a:t>value</a:t>
+            </a:r>
+          </a:p>
+        </p:txBody>
+      </p:sp>
     </p:spTree>
     <p:extLst>
       <p:ext uri="{BB962C8B-B14F-4D97-AF65-F5344CB8AC3E}">
@@ -20758,6 +20699,189 @@
           <a:lstStyle/>
           <a:p>
             <a:pPr algn="ctr"/>
+            <a:r>
+              <a:rPr lang="en-US" sz="700" dirty="0">
+                <a:solidFill>
+                  <a:schemeClr val="tx1"/>
+                </a:solidFill>
+              </a:rPr>
+              <a:t>x[0]</a:t>
+            </a:r>
+          </a:p>
+        </p:txBody>
+      </p:sp>
+      <p:sp>
+        <p:nvSpPr>
+          <p:cNvPr id="21" name="Rectangle 20">
+            <a:extLst>
+              <a:ext uri="{FF2B5EF4-FFF2-40B4-BE49-F238E27FC236}">
+                <a16:creationId xmlns:a16="http://schemas.microsoft.com/office/drawing/2014/main" id="{5507BB2A-B3C9-45B1-BBDD-FDCE1754D73A}"/>
+              </a:ext>
+            </a:extLst>
+          </p:cNvPr>
+          <p:cNvSpPr/>
+          <p:nvPr/>
+        </p:nvSpPr>
+        <p:spPr>
+          <a:xfrm>
+            <a:off x="2189263" y="253612"/>
+            <a:ext cx="322151" cy="272753"/>
+          </a:xfrm>
+          <a:prstGeom prst="rect">
+            <a:avLst/>
+          </a:prstGeom>
+          <a:solidFill>
+            <a:srgbClr val="F2EFF6"/>
+          </a:solidFill>
+          <a:ln>
+            <a:solidFill>
+              <a:srgbClr val="360084"/>
+            </a:solidFill>
+          </a:ln>
+        </p:spPr>
+        <p:style>
+          <a:lnRef idx="2">
+            <a:schemeClr val="accent1">
+              <a:shade val="15000"/>
+            </a:schemeClr>
+          </a:lnRef>
+          <a:fillRef idx="1">
+            <a:schemeClr val="accent1"/>
+          </a:fillRef>
+          <a:effectRef idx="0">
+            <a:schemeClr val="accent1"/>
+          </a:effectRef>
+          <a:fontRef idx="minor">
+            <a:schemeClr val="lt1"/>
+          </a:fontRef>
+        </p:style>
+        <p:txBody>
+          <a:bodyPr rtlCol="0" anchor="ctr"/>
+          <a:lstStyle/>
+          <a:p>
+            <a:pPr algn="ctr"/>
+            <a:r>
+              <a:rPr lang="en-US" sz="700" dirty="0">
+                <a:solidFill>
+                  <a:schemeClr val="tx1"/>
+                </a:solidFill>
+              </a:rPr>
+              <a:t>x[1]</a:t>
+            </a:r>
+          </a:p>
+        </p:txBody>
+      </p:sp>
+      <p:sp>
+        <p:nvSpPr>
+          <p:cNvPr id="22" name="Rectangle 21">
+            <a:extLst>
+              <a:ext uri="{FF2B5EF4-FFF2-40B4-BE49-F238E27FC236}">
+                <a16:creationId xmlns:a16="http://schemas.microsoft.com/office/drawing/2014/main" id="{92A1B641-6BD3-908F-C36B-91F22CB5B6E9}"/>
+              </a:ext>
+            </a:extLst>
+          </p:cNvPr>
+          <p:cNvSpPr/>
+          <p:nvPr/>
+        </p:nvSpPr>
+        <p:spPr>
+          <a:xfrm>
+            <a:off x="2511414" y="253611"/>
+            <a:ext cx="322151" cy="272753"/>
+          </a:xfrm>
+          <a:prstGeom prst="rect">
+            <a:avLst/>
+          </a:prstGeom>
+          <a:solidFill>
+            <a:srgbClr val="F2EFF6"/>
+          </a:solidFill>
+          <a:ln>
+            <a:solidFill>
+              <a:srgbClr val="360084"/>
+            </a:solidFill>
+          </a:ln>
+        </p:spPr>
+        <p:style>
+          <a:lnRef idx="2">
+            <a:schemeClr val="accent1">
+              <a:shade val="15000"/>
+            </a:schemeClr>
+          </a:lnRef>
+          <a:fillRef idx="1">
+            <a:schemeClr val="accent1"/>
+          </a:fillRef>
+          <a:effectRef idx="0">
+            <a:schemeClr val="accent1"/>
+          </a:effectRef>
+          <a:fontRef idx="minor">
+            <a:schemeClr val="lt1"/>
+          </a:fontRef>
+        </p:style>
+        <p:txBody>
+          <a:bodyPr rtlCol="0" anchor="ctr"/>
+          <a:lstStyle/>
+          <a:p>
+            <a:pPr algn="ctr"/>
+            <a:r>
+              <a:rPr lang="en-US" sz="700" dirty="0">
+                <a:solidFill>
+                  <a:schemeClr val="tx1"/>
+                </a:solidFill>
+              </a:rPr>
+              <a:t>x[2]</a:t>
+            </a:r>
+          </a:p>
+        </p:txBody>
+      </p:sp>
+      <p:sp>
+        <p:nvSpPr>
+          <p:cNvPr id="24" name="Rectangle 23">
+            <a:extLst>
+              <a:ext uri="{FF2B5EF4-FFF2-40B4-BE49-F238E27FC236}">
+                <a16:creationId xmlns:a16="http://schemas.microsoft.com/office/drawing/2014/main" id="{1AE8C708-30F2-C7FD-7833-3E0A4A89DA7C}"/>
+              </a:ext>
+            </a:extLst>
+          </p:cNvPr>
+          <p:cNvSpPr/>
+          <p:nvPr/>
+        </p:nvSpPr>
+        <p:spPr>
+          <a:xfrm>
+            <a:off x="6699375" y="253605"/>
+            <a:ext cx="322151" cy="272753"/>
+          </a:xfrm>
+          <a:prstGeom prst="rect">
+            <a:avLst/>
+          </a:prstGeom>
+          <a:solidFill>
+            <a:srgbClr val="FAFDF0"/>
+          </a:solidFill>
+          <a:ln>
+            <a:solidFill>
+              <a:srgbClr val="DDF08B"/>
+            </a:solidFill>
+          </a:ln>
+        </p:spPr>
+        <p:style>
+          <a:lnRef idx="2">
+            <a:schemeClr val="accent1">
+              <a:shade val="15000"/>
+            </a:schemeClr>
+          </a:lnRef>
+          <a:fillRef idx="1">
+            <a:schemeClr val="accent1"/>
+          </a:fillRef>
+          <a:effectRef idx="0">
+            <a:schemeClr val="accent1"/>
+          </a:effectRef>
+          <a:fontRef idx="minor">
+            <a:schemeClr val="lt1"/>
+          </a:fontRef>
+        </p:style>
+        <p:txBody>
+          <a:bodyPr rtlCol="0" anchor="ctr"/>
+          <a:lstStyle/>
+          <a:p>
+            <a:pPr algn="ctr"/>
             <a:endParaRPr lang="en-US" sz="800" dirty="0">
               <a:solidFill>
                 <a:schemeClr val="tx1"/>
@@ -20768,30 +20892,152 @@
       </p:sp>
       <p:sp>
         <p:nvSpPr>
-          <p:cNvPr id="21" name="Rectangle 20">
-            <a:extLst>
-              <a:ext uri="{FF2B5EF4-FFF2-40B4-BE49-F238E27FC236}">
-                <a16:creationId xmlns:a16="http://schemas.microsoft.com/office/drawing/2014/main" id="{5507BB2A-B3C9-45B1-BBDD-FDCE1754D73A}"/>
-              </a:ext>
-            </a:extLst>
-          </p:cNvPr>
-          <p:cNvSpPr/>
-          <p:nvPr/>
-        </p:nvSpPr>
-        <p:spPr>
-          <a:xfrm>
-            <a:off x="2189263" y="253612"/>
-            <a:ext cx="322151" cy="272753"/>
-          </a:xfrm>
-          <a:prstGeom prst="rect">
-            <a:avLst/>
-          </a:prstGeom>
-          <a:solidFill>
-            <a:srgbClr val="F2EFF6"/>
-          </a:solidFill>
-          <a:ln>
-            <a:solidFill>
-              <a:srgbClr val="360084"/>
+          <p:cNvPr id="25" name="Rectangle 24">
+            <a:extLst>
+              <a:ext uri="{FF2B5EF4-FFF2-40B4-BE49-F238E27FC236}">
+                <a16:creationId xmlns:a16="http://schemas.microsoft.com/office/drawing/2014/main" id="{B0BA7E38-442F-9767-1AD7-774A17E47ED6}"/>
+              </a:ext>
+            </a:extLst>
+          </p:cNvPr>
+          <p:cNvSpPr/>
+          <p:nvPr/>
+        </p:nvSpPr>
+        <p:spPr>
+          <a:xfrm>
+            <a:off x="4766470" y="253608"/>
+            <a:ext cx="322151" cy="272753"/>
+          </a:xfrm>
+          <a:prstGeom prst="rect">
+            <a:avLst/>
+          </a:prstGeom>
+          <a:solidFill>
+            <a:srgbClr val="FDF8EE"/>
+          </a:solidFill>
+          <a:ln>
+            <a:solidFill>
+              <a:srgbClr val="EFC57B"/>
+            </a:solidFill>
+          </a:ln>
+        </p:spPr>
+        <p:style>
+          <a:lnRef idx="2">
+            <a:schemeClr val="accent1">
+              <a:shade val="15000"/>
+            </a:schemeClr>
+          </a:lnRef>
+          <a:fillRef idx="1">
+            <a:schemeClr val="accent1"/>
+          </a:fillRef>
+          <a:effectRef idx="0">
+            <a:schemeClr val="accent1"/>
+          </a:effectRef>
+          <a:fontRef idx="minor">
+            <a:schemeClr val="lt1"/>
+          </a:fontRef>
+        </p:style>
+        <p:txBody>
+          <a:bodyPr rtlCol="0" anchor="ctr"/>
+          <a:lstStyle/>
+          <a:p>
+            <a:pPr algn="ctr"/>
+            <a:r>
+              <a:rPr lang="en-US" sz="700" dirty="0">
+                <a:solidFill>
+                  <a:schemeClr val="tx1"/>
+                </a:solidFill>
+              </a:rPr>
+              <a:t>y[1]</a:t>
+            </a:r>
+          </a:p>
+        </p:txBody>
+      </p:sp>
+      <p:sp>
+        <p:nvSpPr>
+          <p:cNvPr id="26" name="Rectangle 25">
+            <a:extLst>
+              <a:ext uri="{FF2B5EF4-FFF2-40B4-BE49-F238E27FC236}">
+                <a16:creationId xmlns:a16="http://schemas.microsoft.com/office/drawing/2014/main" id="{42CE0387-79B8-1F0C-9A65-3B47CAE784FB}"/>
+              </a:ext>
+            </a:extLst>
+          </p:cNvPr>
+          <p:cNvSpPr/>
+          <p:nvPr/>
+        </p:nvSpPr>
+        <p:spPr>
+          <a:xfrm>
+            <a:off x="5088621" y="253607"/>
+            <a:ext cx="322151" cy="272753"/>
+          </a:xfrm>
+          <a:prstGeom prst="rect">
+            <a:avLst/>
+          </a:prstGeom>
+          <a:solidFill>
+            <a:srgbClr val="FDF8EE"/>
+          </a:solidFill>
+          <a:ln>
+            <a:solidFill>
+              <a:srgbClr val="EFC57B"/>
+            </a:solidFill>
+          </a:ln>
+        </p:spPr>
+        <p:style>
+          <a:lnRef idx="2">
+            <a:schemeClr val="accent1">
+              <a:shade val="15000"/>
+            </a:schemeClr>
+          </a:lnRef>
+          <a:fillRef idx="1">
+            <a:schemeClr val="accent1"/>
+          </a:fillRef>
+          <a:effectRef idx="0">
+            <a:schemeClr val="accent1"/>
+          </a:effectRef>
+          <a:fontRef idx="minor">
+            <a:schemeClr val="lt1"/>
+          </a:fontRef>
+        </p:style>
+        <p:txBody>
+          <a:bodyPr rtlCol="0" anchor="ctr"/>
+          <a:lstStyle/>
+          <a:p>
+            <a:pPr algn="ctr"/>
+            <a:r>
+              <a:rPr lang="en-US" sz="700" dirty="0">
+                <a:solidFill>
+                  <a:schemeClr val="tx1"/>
+                </a:solidFill>
+              </a:rPr>
+              <a:t>y[2]</a:t>
+            </a:r>
+          </a:p>
+        </p:txBody>
+      </p:sp>
+      <p:sp>
+        <p:nvSpPr>
+          <p:cNvPr id="27" name="Rectangle 26">
+            <a:extLst>
+              <a:ext uri="{FF2B5EF4-FFF2-40B4-BE49-F238E27FC236}">
+                <a16:creationId xmlns:a16="http://schemas.microsoft.com/office/drawing/2014/main" id="{89A93FD3-EDBB-6CBD-D89B-44FF4A1210A0}"/>
+              </a:ext>
+            </a:extLst>
+          </p:cNvPr>
+          <p:cNvSpPr/>
+          <p:nvPr/>
+        </p:nvSpPr>
+        <p:spPr>
+          <a:xfrm>
+            <a:off x="6055073" y="253606"/>
+            <a:ext cx="322151" cy="272753"/>
+          </a:xfrm>
+          <a:prstGeom prst="rect">
+            <a:avLst/>
+          </a:prstGeom>
+          <a:solidFill>
+            <a:srgbClr val="FAFDF0"/>
+          </a:solidFill>
+          <a:ln>
+            <a:solidFill>
+              <a:srgbClr val="DDF08B"/>
             </a:solidFill>
           </a:ln>
         </p:spPr>
@@ -20826,30 +21072,30 @@
       </p:sp>
       <p:sp>
         <p:nvSpPr>
-          <p:cNvPr id="22" name="Rectangle 21">
-            <a:extLst>
-              <a:ext uri="{FF2B5EF4-FFF2-40B4-BE49-F238E27FC236}">
-                <a16:creationId xmlns:a16="http://schemas.microsoft.com/office/drawing/2014/main" id="{92A1B641-6BD3-908F-C36B-91F22CB5B6E9}"/>
-              </a:ext>
-            </a:extLst>
-          </p:cNvPr>
-          <p:cNvSpPr/>
-          <p:nvPr/>
-        </p:nvSpPr>
-        <p:spPr>
-          <a:xfrm>
-            <a:off x="2511414" y="253611"/>
-            <a:ext cx="322151" cy="272753"/>
-          </a:xfrm>
-          <a:prstGeom prst="rect">
-            <a:avLst/>
-          </a:prstGeom>
-          <a:solidFill>
-            <a:srgbClr val="F2EFF6"/>
-          </a:solidFill>
-          <a:ln>
-            <a:solidFill>
-              <a:srgbClr val="360084"/>
+          <p:cNvPr id="28" name="Rectangle 27">
+            <a:extLst>
+              <a:ext uri="{FF2B5EF4-FFF2-40B4-BE49-F238E27FC236}">
+                <a16:creationId xmlns:a16="http://schemas.microsoft.com/office/drawing/2014/main" id="{BF16CA68-23F7-34E7-8B4E-3670216FE344}"/>
+              </a:ext>
+            </a:extLst>
+          </p:cNvPr>
+          <p:cNvSpPr/>
+          <p:nvPr/>
+        </p:nvSpPr>
+        <p:spPr>
+          <a:xfrm>
+            <a:off x="6377224" y="253605"/>
+            <a:ext cx="322151" cy="272753"/>
+          </a:xfrm>
+          <a:prstGeom prst="rect">
+            <a:avLst/>
+          </a:prstGeom>
+          <a:solidFill>
+            <a:srgbClr val="FAFDF0"/>
+          </a:solidFill>
+          <a:ln>
+            <a:solidFill>
+              <a:srgbClr val="DDF08B"/>
             </a:solidFill>
           </a:ln>
         </p:spPr>
@@ -20884,19 +21130,80 @@
       </p:sp>
       <p:sp>
         <p:nvSpPr>
-          <p:cNvPr id="23" name="Rectangle 22">
-            <a:extLst>
-              <a:ext uri="{FF2B5EF4-FFF2-40B4-BE49-F238E27FC236}">
-                <a16:creationId xmlns:a16="http://schemas.microsoft.com/office/drawing/2014/main" id="{8CAD7EA1-2665-3694-3031-33454E3821DA}"/>
-              </a:ext>
-            </a:extLst>
-          </p:cNvPr>
-          <p:cNvSpPr/>
-          <p:nvPr/>
-        </p:nvSpPr>
-        <p:spPr>
-          <a:xfrm>
-            <a:off x="5732920" y="253605"/>
+          <p:cNvPr id="29" name="Rectangle 28">
+            <a:extLst>
+              <a:ext uri="{FF2B5EF4-FFF2-40B4-BE49-F238E27FC236}">
+                <a16:creationId xmlns:a16="http://schemas.microsoft.com/office/drawing/2014/main" id="{96887129-7E8A-6E9C-7F30-91896F3E9C05}"/>
+              </a:ext>
+            </a:extLst>
+          </p:cNvPr>
+          <p:cNvSpPr/>
+          <p:nvPr/>
+        </p:nvSpPr>
+        <p:spPr>
+          <a:xfrm>
+            <a:off x="5410772" y="253607"/>
+            <a:ext cx="322151" cy="272753"/>
+          </a:xfrm>
+          <a:prstGeom prst="rect">
+            <a:avLst/>
+          </a:prstGeom>
+          <a:solidFill>
+            <a:srgbClr val="FDF8EE"/>
+          </a:solidFill>
+          <a:ln>
+            <a:solidFill>
+              <a:srgbClr val="EFC57B"/>
+            </a:solidFill>
+          </a:ln>
+        </p:spPr>
+        <p:style>
+          <a:lnRef idx="2">
+            <a:schemeClr val="accent1">
+              <a:shade val="15000"/>
+            </a:schemeClr>
+          </a:lnRef>
+          <a:fillRef idx="1">
+            <a:schemeClr val="accent1"/>
+          </a:fillRef>
+          <a:effectRef idx="0">
+            <a:schemeClr val="accent1"/>
+          </a:effectRef>
+          <a:fontRef idx="minor">
+            <a:schemeClr val="lt1"/>
+          </a:fontRef>
+        </p:style>
+        <p:txBody>
+          <a:bodyPr rtlCol="0" anchor="ctr"/>
+          <a:lstStyle/>
+          <a:p>
+            <a:pPr algn="ctr"/>
+            <a:r>
+              <a:rPr lang="en-US" sz="700" dirty="0">
+                <a:solidFill>
+                  <a:schemeClr val="tx1"/>
+                </a:solidFill>
+              </a:rPr>
+              <a:t>y[3]</a:t>
+            </a:r>
+          </a:p>
+        </p:txBody>
+      </p:sp>
+      <p:sp>
+        <p:nvSpPr>
+          <p:cNvPr id="30" name="Rectangle 29">
+            <a:extLst>
+              <a:ext uri="{FF2B5EF4-FFF2-40B4-BE49-F238E27FC236}">
+                <a16:creationId xmlns:a16="http://schemas.microsoft.com/office/drawing/2014/main" id="{DE6AD10A-44D6-DD6E-644B-017460711E87}"/>
+              </a:ext>
+            </a:extLst>
+          </p:cNvPr>
+          <p:cNvSpPr/>
+          <p:nvPr/>
+        </p:nvSpPr>
+        <p:spPr>
+          <a:xfrm>
+            <a:off x="3155716" y="253611"/>
             <a:ext cx="322151" cy="272753"/>
           </a:xfrm>
           <a:prstGeom prst="rect">
@@ -20942,19 +21249,19 @@
       </p:sp>
       <p:sp>
         <p:nvSpPr>
-          <p:cNvPr id="24" name="Rectangle 23">
-            <a:extLst>
-              <a:ext uri="{FF2B5EF4-FFF2-40B4-BE49-F238E27FC236}">
-                <a16:creationId xmlns:a16="http://schemas.microsoft.com/office/drawing/2014/main" id="{1AE8C708-30F2-C7FD-7833-3E0A4A89DA7C}"/>
-              </a:ext>
-            </a:extLst>
-          </p:cNvPr>
-          <p:cNvSpPr/>
-          <p:nvPr/>
-        </p:nvSpPr>
-        <p:spPr>
-          <a:xfrm>
-            <a:off x="6699375" y="253605"/>
+          <p:cNvPr id="31" name="Rectangle 30">
+            <a:extLst>
+              <a:ext uri="{FF2B5EF4-FFF2-40B4-BE49-F238E27FC236}">
+                <a16:creationId xmlns:a16="http://schemas.microsoft.com/office/drawing/2014/main" id="{6EF843CE-F97A-96C6-531A-57F857868D16}"/>
+              </a:ext>
+            </a:extLst>
+          </p:cNvPr>
+          <p:cNvSpPr/>
+          <p:nvPr/>
+        </p:nvSpPr>
+        <p:spPr>
+          <a:xfrm>
+            <a:off x="4122169" y="253609"/>
             <a:ext cx="322151" cy="272753"/>
           </a:xfrm>
           <a:prstGeom prst="rect">
@@ -21000,30 +21307,30 @@
       </p:sp>
       <p:sp>
         <p:nvSpPr>
-          <p:cNvPr id="25" name="Rectangle 24">
-            <a:extLst>
-              <a:ext uri="{FF2B5EF4-FFF2-40B4-BE49-F238E27FC236}">
-                <a16:creationId xmlns:a16="http://schemas.microsoft.com/office/drawing/2014/main" id="{B0BA7E38-442F-9767-1AD7-774A17E47ED6}"/>
-              </a:ext>
-            </a:extLst>
-          </p:cNvPr>
-          <p:cNvSpPr/>
-          <p:nvPr/>
-        </p:nvSpPr>
-        <p:spPr>
-          <a:xfrm>
-            <a:off x="4766470" y="253608"/>
-            <a:ext cx="322151" cy="272753"/>
-          </a:xfrm>
-          <a:prstGeom prst="rect">
-            <a:avLst/>
-          </a:prstGeom>
-          <a:solidFill>
-            <a:srgbClr val="FDF8EE"/>
-          </a:solidFill>
-          <a:ln>
-            <a:solidFill>
-              <a:srgbClr val="EFC57B"/>
+          <p:cNvPr id="32" name="Rectangle 31">
+            <a:extLst>
+              <a:ext uri="{FF2B5EF4-FFF2-40B4-BE49-F238E27FC236}">
+                <a16:creationId xmlns:a16="http://schemas.microsoft.com/office/drawing/2014/main" id="{C927F461-7AFB-7E17-067B-ABC29034FA29}"/>
+              </a:ext>
+            </a:extLst>
+          </p:cNvPr>
+          <p:cNvSpPr/>
+          <p:nvPr/>
+        </p:nvSpPr>
+        <p:spPr>
+          <a:xfrm>
+            <a:off x="3477867" y="253610"/>
+            <a:ext cx="322151" cy="272753"/>
+          </a:xfrm>
+          <a:prstGeom prst="rect">
+            <a:avLst/>
+          </a:prstGeom>
+          <a:solidFill>
+            <a:srgbClr val="FAFDF0"/>
+          </a:solidFill>
+          <a:ln>
+            <a:solidFill>
+              <a:srgbClr val="DDF08B"/>
             </a:solidFill>
           </a:ln>
         </p:spPr>
@@ -21058,30 +21365,30 @@
       </p:sp>
       <p:sp>
         <p:nvSpPr>
-          <p:cNvPr id="26" name="Rectangle 25">
-            <a:extLst>
-              <a:ext uri="{FF2B5EF4-FFF2-40B4-BE49-F238E27FC236}">
-                <a16:creationId xmlns:a16="http://schemas.microsoft.com/office/drawing/2014/main" id="{42CE0387-79B8-1F0C-9A65-3B47CAE784FB}"/>
-              </a:ext>
-            </a:extLst>
-          </p:cNvPr>
-          <p:cNvSpPr/>
-          <p:nvPr/>
-        </p:nvSpPr>
-        <p:spPr>
-          <a:xfrm>
-            <a:off x="5088621" y="253607"/>
-            <a:ext cx="322151" cy="272753"/>
-          </a:xfrm>
-          <a:prstGeom prst="rect">
-            <a:avLst/>
-          </a:prstGeom>
-          <a:solidFill>
-            <a:srgbClr val="FDF8EE"/>
-          </a:solidFill>
-          <a:ln>
-            <a:solidFill>
-              <a:srgbClr val="EFC57B"/>
+          <p:cNvPr id="33" name="Rectangle 32">
+            <a:extLst>
+              <a:ext uri="{FF2B5EF4-FFF2-40B4-BE49-F238E27FC236}">
+                <a16:creationId xmlns:a16="http://schemas.microsoft.com/office/drawing/2014/main" id="{463B9CE4-01E5-F66E-FCC5-C6E411EFDE1D}"/>
+              </a:ext>
+            </a:extLst>
+          </p:cNvPr>
+          <p:cNvSpPr/>
+          <p:nvPr/>
+        </p:nvSpPr>
+        <p:spPr>
+          <a:xfrm>
+            <a:off x="3800018" y="253609"/>
+            <a:ext cx="322151" cy="272753"/>
+          </a:xfrm>
+          <a:prstGeom prst="rect">
+            <a:avLst/>
+          </a:prstGeom>
+          <a:solidFill>
+            <a:srgbClr val="FAFDF0"/>
+          </a:solidFill>
+          <a:ln>
+            <a:solidFill>
+              <a:srgbClr val="DDF08B"/>
             </a:solidFill>
           </a:ln>
         </p:spPr>
@@ -21116,135 +21423,80 @@
       </p:sp>
       <p:sp>
         <p:nvSpPr>
-          <p:cNvPr id="27" name="Rectangle 26">
-            <a:extLst>
-              <a:ext uri="{FF2B5EF4-FFF2-40B4-BE49-F238E27FC236}">
-                <a16:creationId xmlns:a16="http://schemas.microsoft.com/office/drawing/2014/main" id="{89A93FD3-EDBB-6CBD-D89B-44FF4A1210A0}"/>
-              </a:ext>
-            </a:extLst>
-          </p:cNvPr>
-          <p:cNvSpPr/>
-          <p:nvPr/>
-        </p:nvSpPr>
-        <p:spPr>
-          <a:xfrm>
-            <a:off x="6055073" y="253606"/>
-            <a:ext cx="322151" cy="272753"/>
-          </a:xfrm>
-          <a:prstGeom prst="rect">
-            <a:avLst/>
-          </a:prstGeom>
-          <a:solidFill>
-            <a:srgbClr val="FAFDF0"/>
-          </a:solidFill>
-          <a:ln>
-            <a:solidFill>
-              <a:srgbClr val="DDF08B"/>
-            </a:solidFill>
-          </a:ln>
-        </p:spPr>
-        <p:style>
-          <a:lnRef idx="2">
-            <a:schemeClr val="accent1">
-              <a:shade val="15000"/>
-            </a:schemeClr>
-          </a:lnRef>
-          <a:fillRef idx="1">
-            <a:schemeClr val="accent1"/>
-          </a:fillRef>
-          <a:effectRef idx="0">
-            <a:schemeClr val="accent1"/>
-          </a:effectRef>
-          <a:fontRef idx="minor">
-            <a:schemeClr val="lt1"/>
-          </a:fontRef>
-        </p:style>
-        <p:txBody>
-          <a:bodyPr rtlCol="0" anchor="ctr"/>
-          <a:lstStyle/>
-          <a:p>
-            <a:pPr algn="ctr"/>
-            <a:endParaRPr lang="en-US" sz="800" dirty="0">
-              <a:solidFill>
-                <a:schemeClr val="tx1"/>
-              </a:solidFill>
-            </a:endParaRPr>
-          </a:p>
-        </p:txBody>
-      </p:sp>
-      <p:sp>
-        <p:nvSpPr>
-          <p:cNvPr id="28" name="Rectangle 27">
-            <a:extLst>
-              <a:ext uri="{FF2B5EF4-FFF2-40B4-BE49-F238E27FC236}">
-                <a16:creationId xmlns:a16="http://schemas.microsoft.com/office/drawing/2014/main" id="{BF16CA68-23F7-34E7-8B4E-3670216FE344}"/>
-              </a:ext>
-            </a:extLst>
-          </p:cNvPr>
-          <p:cNvSpPr/>
-          <p:nvPr/>
-        </p:nvSpPr>
-        <p:spPr>
-          <a:xfrm>
-            <a:off x="6377224" y="253605"/>
-            <a:ext cx="322151" cy="272753"/>
-          </a:xfrm>
-          <a:prstGeom prst="rect">
-            <a:avLst/>
-          </a:prstGeom>
-          <a:solidFill>
-            <a:srgbClr val="FAFDF0"/>
-          </a:solidFill>
-          <a:ln>
-            <a:solidFill>
-              <a:srgbClr val="DDF08B"/>
-            </a:solidFill>
-          </a:ln>
-        </p:spPr>
-        <p:style>
-          <a:lnRef idx="2">
-            <a:schemeClr val="accent1">
-              <a:shade val="15000"/>
-            </a:schemeClr>
-          </a:lnRef>
-          <a:fillRef idx="1">
-            <a:schemeClr val="accent1"/>
-          </a:fillRef>
-          <a:effectRef idx="0">
-            <a:schemeClr val="accent1"/>
-          </a:effectRef>
-          <a:fontRef idx="minor">
-            <a:schemeClr val="lt1"/>
-          </a:fontRef>
-        </p:style>
-        <p:txBody>
-          <a:bodyPr rtlCol="0" anchor="ctr"/>
-          <a:lstStyle/>
-          <a:p>
-            <a:pPr algn="ctr"/>
-            <a:endParaRPr lang="en-US" sz="800" dirty="0">
-              <a:solidFill>
-                <a:schemeClr val="tx1"/>
-              </a:solidFill>
-            </a:endParaRPr>
-          </a:p>
-        </p:txBody>
-      </p:sp>
-      <p:sp>
-        <p:nvSpPr>
-          <p:cNvPr id="29" name="Rectangle 28">
-            <a:extLst>
-              <a:ext uri="{FF2B5EF4-FFF2-40B4-BE49-F238E27FC236}">
-                <a16:creationId xmlns:a16="http://schemas.microsoft.com/office/drawing/2014/main" id="{96887129-7E8A-6E9C-7F30-91896F3E9C05}"/>
-              </a:ext>
-            </a:extLst>
-          </p:cNvPr>
-          <p:cNvSpPr/>
-          <p:nvPr/>
-        </p:nvSpPr>
-        <p:spPr>
-          <a:xfrm>
-            <a:off x="5410772" y="253607"/>
+          <p:cNvPr id="34" name="Rectangle 33">
+            <a:extLst>
+              <a:ext uri="{FF2B5EF4-FFF2-40B4-BE49-F238E27FC236}">
+                <a16:creationId xmlns:a16="http://schemas.microsoft.com/office/drawing/2014/main" id="{076E9E92-B3E9-67DB-F97B-5D3E4350E2C5}"/>
+              </a:ext>
+            </a:extLst>
+          </p:cNvPr>
+          <p:cNvSpPr/>
+          <p:nvPr/>
+        </p:nvSpPr>
+        <p:spPr>
+          <a:xfrm>
+            <a:off x="2833565" y="253611"/>
+            <a:ext cx="322151" cy="272753"/>
+          </a:xfrm>
+          <a:prstGeom prst="rect">
+            <a:avLst/>
+          </a:prstGeom>
+          <a:solidFill>
+            <a:srgbClr val="F2EFF6"/>
+          </a:solidFill>
+          <a:ln>
+            <a:solidFill>
+              <a:srgbClr val="360084"/>
+            </a:solidFill>
+          </a:ln>
+        </p:spPr>
+        <p:style>
+          <a:lnRef idx="2">
+            <a:schemeClr val="accent1">
+              <a:shade val="15000"/>
+            </a:schemeClr>
+          </a:lnRef>
+          <a:fillRef idx="1">
+            <a:schemeClr val="accent1"/>
+          </a:fillRef>
+          <a:effectRef idx="0">
+            <a:schemeClr val="accent1"/>
+          </a:effectRef>
+          <a:fontRef idx="minor">
+            <a:schemeClr val="lt1"/>
+          </a:fontRef>
+        </p:style>
+        <p:txBody>
+          <a:bodyPr rtlCol="0" anchor="ctr"/>
+          <a:lstStyle/>
+          <a:p>
+            <a:pPr algn="ctr"/>
+            <a:r>
+              <a:rPr lang="en-US" sz="700" dirty="0">
+                <a:solidFill>
+                  <a:schemeClr val="tx1"/>
+                </a:solidFill>
+              </a:rPr>
+              <a:t>x[3]</a:t>
+            </a:r>
+          </a:p>
+        </p:txBody>
+      </p:sp>
+      <p:sp>
+        <p:nvSpPr>
+          <p:cNvPr id="35" name="Rectangle 34">
+            <a:extLst>
+              <a:ext uri="{FF2B5EF4-FFF2-40B4-BE49-F238E27FC236}">
+                <a16:creationId xmlns:a16="http://schemas.microsoft.com/office/drawing/2014/main" id="{5264B164-BCCE-D1D2-5711-AFBDFBA0323E}"/>
+              </a:ext>
+            </a:extLst>
+          </p:cNvPr>
+          <p:cNvSpPr/>
+          <p:nvPr/>
+        </p:nvSpPr>
+        <p:spPr>
+          <a:xfrm>
+            <a:off x="4444319" y="253609"/>
             <a:ext cx="322151" cy="272753"/>
           </a:xfrm>
           <a:prstGeom prst="rect">
@@ -21280,261 +21532,32 @@
           <a:lstStyle/>
           <a:p>
             <a:pPr algn="ctr"/>
-            <a:endParaRPr lang="en-US" sz="800" dirty="0">
-              <a:solidFill>
-                <a:schemeClr val="tx1"/>
-              </a:solidFill>
-            </a:endParaRPr>
-          </a:p>
-        </p:txBody>
-      </p:sp>
-      <p:sp>
-        <p:nvSpPr>
-          <p:cNvPr id="30" name="Rectangle 29">
-            <a:extLst>
-              <a:ext uri="{FF2B5EF4-FFF2-40B4-BE49-F238E27FC236}">
-                <a16:creationId xmlns:a16="http://schemas.microsoft.com/office/drawing/2014/main" id="{DE6AD10A-44D6-DD6E-644B-017460711E87}"/>
-              </a:ext>
-            </a:extLst>
-          </p:cNvPr>
-          <p:cNvSpPr/>
-          <p:nvPr/>
-        </p:nvSpPr>
-        <p:spPr>
-          <a:xfrm>
-            <a:off x="3155716" y="253611"/>
-            <a:ext cx="322151" cy="272753"/>
-          </a:xfrm>
-          <a:prstGeom prst="rect">
-            <a:avLst/>
-          </a:prstGeom>
-          <a:solidFill>
-            <a:srgbClr val="FAFDF0"/>
-          </a:solidFill>
-          <a:ln>
-            <a:solidFill>
-              <a:srgbClr val="DDF08B"/>
-            </a:solidFill>
-          </a:ln>
-        </p:spPr>
-        <p:style>
-          <a:lnRef idx="2">
-            <a:schemeClr val="accent1">
-              <a:shade val="15000"/>
-            </a:schemeClr>
-          </a:lnRef>
-          <a:fillRef idx="1">
-            <a:schemeClr val="accent1"/>
-          </a:fillRef>
-          <a:effectRef idx="0">
-            <a:schemeClr val="accent1"/>
-          </a:effectRef>
-          <a:fontRef idx="minor">
-            <a:schemeClr val="lt1"/>
-          </a:fontRef>
-        </p:style>
-        <p:txBody>
-          <a:bodyPr rtlCol="0" anchor="ctr"/>
-          <a:lstStyle/>
-          <a:p>
-            <a:pPr algn="ctr"/>
-            <a:endParaRPr lang="en-US" sz="800" dirty="0">
-              <a:solidFill>
-                <a:schemeClr val="tx1"/>
-              </a:solidFill>
-            </a:endParaRPr>
-          </a:p>
-        </p:txBody>
-      </p:sp>
-      <p:sp>
-        <p:nvSpPr>
-          <p:cNvPr id="31" name="Rectangle 30">
-            <a:extLst>
-              <a:ext uri="{FF2B5EF4-FFF2-40B4-BE49-F238E27FC236}">
-                <a16:creationId xmlns:a16="http://schemas.microsoft.com/office/drawing/2014/main" id="{6EF843CE-F97A-96C6-531A-57F857868D16}"/>
-              </a:ext>
-            </a:extLst>
-          </p:cNvPr>
-          <p:cNvSpPr/>
-          <p:nvPr/>
-        </p:nvSpPr>
-        <p:spPr>
-          <a:xfrm>
-            <a:off x="4122169" y="253609"/>
-            <a:ext cx="322151" cy="272753"/>
-          </a:xfrm>
-          <a:prstGeom prst="rect">
-            <a:avLst/>
-          </a:prstGeom>
-          <a:solidFill>
-            <a:srgbClr val="FAFDF0"/>
-          </a:solidFill>
-          <a:ln>
-            <a:solidFill>
-              <a:srgbClr val="DDF08B"/>
-            </a:solidFill>
-          </a:ln>
-        </p:spPr>
-        <p:style>
-          <a:lnRef idx="2">
-            <a:schemeClr val="accent1">
-              <a:shade val="15000"/>
-            </a:schemeClr>
-          </a:lnRef>
-          <a:fillRef idx="1">
-            <a:schemeClr val="accent1"/>
-          </a:fillRef>
-          <a:effectRef idx="0">
-            <a:schemeClr val="accent1"/>
-          </a:effectRef>
-          <a:fontRef idx="minor">
-            <a:schemeClr val="lt1"/>
-          </a:fontRef>
-        </p:style>
-        <p:txBody>
-          <a:bodyPr rtlCol="0" anchor="ctr"/>
-          <a:lstStyle/>
-          <a:p>
-            <a:pPr algn="ctr"/>
-            <a:endParaRPr lang="en-US" sz="800" dirty="0">
-              <a:solidFill>
-                <a:schemeClr val="tx1"/>
-              </a:solidFill>
-            </a:endParaRPr>
-          </a:p>
-        </p:txBody>
-      </p:sp>
-      <p:sp>
-        <p:nvSpPr>
-          <p:cNvPr id="32" name="Rectangle 31">
-            <a:extLst>
-              <a:ext uri="{FF2B5EF4-FFF2-40B4-BE49-F238E27FC236}">
-                <a16:creationId xmlns:a16="http://schemas.microsoft.com/office/drawing/2014/main" id="{C927F461-7AFB-7E17-067B-ABC29034FA29}"/>
-              </a:ext>
-            </a:extLst>
-          </p:cNvPr>
-          <p:cNvSpPr/>
-          <p:nvPr/>
-        </p:nvSpPr>
-        <p:spPr>
-          <a:xfrm>
-            <a:off x="3477867" y="253610"/>
-            <a:ext cx="322151" cy="272753"/>
-          </a:xfrm>
-          <a:prstGeom prst="rect">
-            <a:avLst/>
-          </a:prstGeom>
-          <a:solidFill>
-            <a:srgbClr val="FAFDF0"/>
-          </a:solidFill>
-          <a:ln>
-            <a:solidFill>
-              <a:srgbClr val="DDF08B"/>
-            </a:solidFill>
-          </a:ln>
-        </p:spPr>
-        <p:style>
-          <a:lnRef idx="2">
-            <a:schemeClr val="accent1">
-              <a:shade val="15000"/>
-            </a:schemeClr>
-          </a:lnRef>
-          <a:fillRef idx="1">
-            <a:schemeClr val="accent1"/>
-          </a:fillRef>
-          <a:effectRef idx="0">
-            <a:schemeClr val="accent1"/>
-          </a:effectRef>
-          <a:fontRef idx="minor">
-            <a:schemeClr val="lt1"/>
-          </a:fontRef>
-        </p:style>
-        <p:txBody>
-          <a:bodyPr rtlCol="0" anchor="ctr"/>
-          <a:lstStyle/>
-          <a:p>
-            <a:pPr algn="ctr"/>
-            <a:endParaRPr lang="en-US" sz="800" dirty="0">
-              <a:solidFill>
-                <a:schemeClr val="tx1"/>
-              </a:solidFill>
-            </a:endParaRPr>
-          </a:p>
-        </p:txBody>
-      </p:sp>
-      <p:sp>
-        <p:nvSpPr>
-          <p:cNvPr id="33" name="Rectangle 32">
-            <a:extLst>
-              <a:ext uri="{FF2B5EF4-FFF2-40B4-BE49-F238E27FC236}">
-                <a16:creationId xmlns:a16="http://schemas.microsoft.com/office/drawing/2014/main" id="{463B9CE4-01E5-F66E-FCC5-C6E411EFDE1D}"/>
-              </a:ext>
-            </a:extLst>
-          </p:cNvPr>
-          <p:cNvSpPr/>
-          <p:nvPr/>
-        </p:nvSpPr>
-        <p:spPr>
-          <a:xfrm>
-            <a:off x="3800018" y="253609"/>
-            <a:ext cx="322151" cy="272753"/>
-          </a:xfrm>
-          <a:prstGeom prst="rect">
-            <a:avLst/>
-          </a:prstGeom>
-          <a:solidFill>
-            <a:srgbClr val="FAFDF0"/>
-          </a:solidFill>
-          <a:ln>
-            <a:solidFill>
-              <a:srgbClr val="DDF08B"/>
-            </a:solidFill>
-          </a:ln>
-        </p:spPr>
-        <p:style>
-          <a:lnRef idx="2">
-            <a:schemeClr val="accent1">
-              <a:shade val="15000"/>
-            </a:schemeClr>
-          </a:lnRef>
-          <a:fillRef idx="1">
-            <a:schemeClr val="accent1"/>
-          </a:fillRef>
-          <a:effectRef idx="0">
-            <a:schemeClr val="accent1"/>
-          </a:effectRef>
-          <a:fontRef idx="minor">
-            <a:schemeClr val="lt1"/>
-          </a:fontRef>
-        </p:style>
-        <p:txBody>
-          <a:bodyPr rtlCol="0" anchor="ctr"/>
-          <a:lstStyle/>
-          <a:p>
-            <a:pPr algn="ctr"/>
-            <a:endParaRPr lang="en-US" sz="800" dirty="0">
-              <a:solidFill>
-                <a:schemeClr val="tx1"/>
-              </a:solidFill>
-            </a:endParaRPr>
-          </a:p>
-        </p:txBody>
-      </p:sp>
-      <p:sp>
-        <p:nvSpPr>
-          <p:cNvPr id="34" name="Rectangle 33">
-            <a:extLst>
-              <a:ext uri="{FF2B5EF4-FFF2-40B4-BE49-F238E27FC236}">
-                <a16:creationId xmlns:a16="http://schemas.microsoft.com/office/drawing/2014/main" id="{076E9E92-B3E9-67DB-F97B-5D3E4350E2C5}"/>
-              </a:ext>
-            </a:extLst>
-          </p:cNvPr>
-          <p:cNvSpPr/>
-          <p:nvPr/>
-        </p:nvSpPr>
-        <p:spPr>
-          <a:xfrm>
-            <a:off x="2833565" y="253611"/>
+            <a:r>
+              <a:rPr lang="en-US" sz="700" dirty="0">
+                <a:solidFill>
+                  <a:schemeClr val="tx1"/>
+                </a:solidFill>
+              </a:rPr>
+              <a:t>y[0]</a:t>
+            </a:r>
+          </a:p>
+        </p:txBody>
+      </p:sp>
+      <p:sp>
+        <p:nvSpPr>
+          <p:cNvPr id="37" name="Rectangle 36">
+            <a:extLst>
+              <a:ext uri="{FF2B5EF4-FFF2-40B4-BE49-F238E27FC236}">
+                <a16:creationId xmlns:a16="http://schemas.microsoft.com/office/drawing/2014/main" id="{82891F91-6D93-9AC5-FBF4-78BEE02508BF}"/>
+              </a:ext>
+            </a:extLst>
+          </p:cNvPr>
+          <p:cNvSpPr/>
+          <p:nvPr/>
+        </p:nvSpPr>
+        <p:spPr>
+          <a:xfrm>
+            <a:off x="2508316" y="659294"/>
             <a:ext cx="322151" cy="272753"/>
           </a:xfrm>
           <a:prstGeom prst="rect">
@@ -21570,29 +21593,93 @@
           <a:lstStyle/>
           <a:p>
             <a:pPr algn="ctr"/>
-            <a:endParaRPr lang="en-US" sz="800" dirty="0">
-              <a:solidFill>
-                <a:schemeClr val="tx1"/>
-              </a:solidFill>
-            </a:endParaRPr>
-          </a:p>
-        </p:txBody>
-      </p:sp>
-      <p:sp>
-        <p:nvSpPr>
-          <p:cNvPr id="35" name="Rectangle 34">
-            <a:extLst>
-              <a:ext uri="{FF2B5EF4-FFF2-40B4-BE49-F238E27FC236}">
-                <a16:creationId xmlns:a16="http://schemas.microsoft.com/office/drawing/2014/main" id="{5264B164-BCCE-D1D2-5711-AFBDFBA0323E}"/>
-              </a:ext>
-            </a:extLst>
-          </p:cNvPr>
-          <p:cNvSpPr/>
-          <p:nvPr/>
-        </p:nvSpPr>
-        <p:spPr>
-          <a:xfrm>
-            <a:off x="4444319" y="253609"/>
+            <a:r>
+              <a:rPr lang="en-US" sz="700" dirty="0">
+                <a:solidFill>
+                  <a:schemeClr val="tx1"/>
+                </a:solidFill>
+              </a:rPr>
+              <a:t>x[1]</a:t>
+            </a:r>
+          </a:p>
+        </p:txBody>
+      </p:sp>
+      <p:sp>
+        <p:nvSpPr>
+          <p:cNvPr id="38" name="Rectangle 37">
+            <a:extLst>
+              <a:ext uri="{FF2B5EF4-FFF2-40B4-BE49-F238E27FC236}">
+                <a16:creationId xmlns:a16="http://schemas.microsoft.com/office/drawing/2014/main" id="{47FA9643-D368-F783-EB9C-C34059D88D83}"/>
+              </a:ext>
+            </a:extLst>
+          </p:cNvPr>
+          <p:cNvSpPr/>
+          <p:nvPr/>
+        </p:nvSpPr>
+        <p:spPr>
+          <a:xfrm>
+            <a:off x="2830467" y="659293"/>
+            <a:ext cx="322151" cy="272753"/>
+          </a:xfrm>
+          <a:prstGeom prst="rect">
+            <a:avLst/>
+          </a:prstGeom>
+          <a:solidFill>
+            <a:srgbClr val="F2EFF6"/>
+          </a:solidFill>
+          <a:ln>
+            <a:solidFill>
+              <a:srgbClr val="360084"/>
+            </a:solidFill>
+          </a:ln>
+        </p:spPr>
+        <p:style>
+          <a:lnRef idx="2">
+            <a:schemeClr val="accent1">
+              <a:shade val="15000"/>
+            </a:schemeClr>
+          </a:lnRef>
+          <a:fillRef idx="1">
+            <a:schemeClr val="accent1"/>
+          </a:fillRef>
+          <a:effectRef idx="0">
+            <a:schemeClr val="accent1"/>
+          </a:effectRef>
+          <a:fontRef idx="minor">
+            <a:schemeClr val="lt1"/>
+          </a:fontRef>
+        </p:style>
+        <p:txBody>
+          <a:bodyPr rtlCol="0" anchor="ctr"/>
+          <a:lstStyle/>
+          <a:p>
+            <a:pPr algn="ctr"/>
+            <a:r>
+              <a:rPr lang="en-US" sz="700" dirty="0">
+                <a:solidFill>
+                  <a:schemeClr val="tx1"/>
+                </a:solidFill>
+              </a:rPr>
+              <a:t>x[2]</a:t>
+            </a:r>
+          </a:p>
+        </p:txBody>
+      </p:sp>
+      <p:sp>
+        <p:nvSpPr>
+          <p:cNvPr id="40" name="Rectangle 39">
+            <a:extLst>
+              <a:ext uri="{FF2B5EF4-FFF2-40B4-BE49-F238E27FC236}">
+                <a16:creationId xmlns:a16="http://schemas.microsoft.com/office/drawing/2014/main" id="{44533F58-4FE4-1602-0066-4FCA111177CD}"/>
+              </a:ext>
+            </a:extLst>
+          </p:cNvPr>
+          <p:cNvSpPr/>
+          <p:nvPr/>
+        </p:nvSpPr>
+        <p:spPr>
+          <a:xfrm>
+            <a:off x="4436571" y="659293"/>
             <a:ext cx="322151" cy="272753"/>
           </a:xfrm>
           <a:prstGeom prst="rect">
@@ -21628,203 +21715,32 @@
           <a:lstStyle/>
           <a:p>
             <a:pPr algn="ctr"/>
-            <a:endParaRPr lang="en-US" sz="800" dirty="0">
-              <a:solidFill>
-                <a:schemeClr val="tx1"/>
-              </a:solidFill>
-            </a:endParaRPr>
-          </a:p>
-        </p:txBody>
-      </p:sp>
-      <p:sp>
-        <p:nvSpPr>
-          <p:cNvPr id="36" name="Rectangle 35">
-            <a:extLst>
-              <a:ext uri="{FF2B5EF4-FFF2-40B4-BE49-F238E27FC236}">
-                <a16:creationId xmlns:a16="http://schemas.microsoft.com/office/drawing/2014/main" id="{5CE6A78A-C55E-5FD0-A432-FA7067E4421F}"/>
-              </a:ext>
-            </a:extLst>
-          </p:cNvPr>
-          <p:cNvSpPr/>
-          <p:nvPr/>
-        </p:nvSpPr>
-        <p:spPr>
-          <a:xfrm>
-            <a:off x="1867112" y="1111009"/>
-            <a:ext cx="322151" cy="272753"/>
-          </a:xfrm>
-          <a:prstGeom prst="rect">
-            <a:avLst/>
-          </a:prstGeom>
-          <a:solidFill>
-            <a:srgbClr val="F2EFF6"/>
-          </a:solidFill>
-          <a:ln>
-            <a:solidFill>
-              <a:srgbClr val="360084"/>
-            </a:solidFill>
-          </a:ln>
-        </p:spPr>
-        <p:style>
-          <a:lnRef idx="2">
-            <a:schemeClr val="accent1">
-              <a:shade val="15000"/>
-            </a:schemeClr>
-          </a:lnRef>
-          <a:fillRef idx="1">
-            <a:schemeClr val="accent1"/>
-          </a:fillRef>
-          <a:effectRef idx="0">
-            <a:schemeClr val="accent1"/>
-          </a:effectRef>
-          <a:fontRef idx="minor">
-            <a:schemeClr val="lt1"/>
-          </a:fontRef>
-        </p:style>
-        <p:txBody>
-          <a:bodyPr rtlCol="0" anchor="ctr"/>
-          <a:lstStyle/>
-          <a:p>
-            <a:pPr algn="ctr"/>
-            <a:endParaRPr lang="en-US" sz="800" dirty="0">
-              <a:solidFill>
-                <a:schemeClr val="tx1"/>
-              </a:solidFill>
-            </a:endParaRPr>
-          </a:p>
-        </p:txBody>
-      </p:sp>
-      <p:sp>
-        <p:nvSpPr>
-          <p:cNvPr id="37" name="Rectangle 36">
-            <a:extLst>
-              <a:ext uri="{FF2B5EF4-FFF2-40B4-BE49-F238E27FC236}">
-                <a16:creationId xmlns:a16="http://schemas.microsoft.com/office/drawing/2014/main" id="{82891F91-6D93-9AC5-FBF4-78BEE02508BF}"/>
-              </a:ext>
-            </a:extLst>
-          </p:cNvPr>
-          <p:cNvSpPr/>
-          <p:nvPr/>
-        </p:nvSpPr>
-        <p:spPr>
-          <a:xfrm>
-            <a:off x="2189263" y="1111008"/>
-            <a:ext cx="322151" cy="272753"/>
-          </a:xfrm>
-          <a:prstGeom prst="rect">
-            <a:avLst/>
-          </a:prstGeom>
-          <a:solidFill>
-            <a:srgbClr val="F2EFF6"/>
-          </a:solidFill>
-          <a:ln>
-            <a:solidFill>
-              <a:srgbClr val="360084"/>
-            </a:solidFill>
-          </a:ln>
-        </p:spPr>
-        <p:style>
-          <a:lnRef idx="2">
-            <a:schemeClr val="accent1">
-              <a:shade val="15000"/>
-            </a:schemeClr>
-          </a:lnRef>
-          <a:fillRef idx="1">
-            <a:schemeClr val="accent1"/>
-          </a:fillRef>
-          <a:effectRef idx="0">
-            <a:schemeClr val="accent1"/>
-          </a:effectRef>
-          <a:fontRef idx="minor">
-            <a:schemeClr val="lt1"/>
-          </a:fontRef>
-        </p:style>
-        <p:txBody>
-          <a:bodyPr rtlCol="0" anchor="ctr"/>
-          <a:lstStyle/>
-          <a:p>
-            <a:pPr algn="ctr"/>
-            <a:endParaRPr lang="en-US" sz="800" dirty="0">
-              <a:solidFill>
-                <a:schemeClr val="tx1"/>
-              </a:solidFill>
-            </a:endParaRPr>
-          </a:p>
-        </p:txBody>
-      </p:sp>
-      <p:sp>
-        <p:nvSpPr>
-          <p:cNvPr id="38" name="Rectangle 37">
-            <a:extLst>
-              <a:ext uri="{FF2B5EF4-FFF2-40B4-BE49-F238E27FC236}">
-                <a16:creationId xmlns:a16="http://schemas.microsoft.com/office/drawing/2014/main" id="{47FA9643-D368-F783-EB9C-C34059D88D83}"/>
-              </a:ext>
-            </a:extLst>
-          </p:cNvPr>
-          <p:cNvSpPr/>
-          <p:nvPr/>
-        </p:nvSpPr>
-        <p:spPr>
-          <a:xfrm>
-            <a:off x="2511414" y="1111007"/>
-            <a:ext cx="322151" cy="272753"/>
-          </a:xfrm>
-          <a:prstGeom prst="rect">
-            <a:avLst/>
-          </a:prstGeom>
-          <a:solidFill>
-            <a:srgbClr val="F2EFF6"/>
-          </a:solidFill>
-          <a:ln>
-            <a:solidFill>
-              <a:srgbClr val="360084"/>
-            </a:solidFill>
-          </a:ln>
-        </p:spPr>
-        <p:style>
-          <a:lnRef idx="2">
-            <a:schemeClr val="accent1">
-              <a:shade val="15000"/>
-            </a:schemeClr>
-          </a:lnRef>
-          <a:fillRef idx="1">
-            <a:schemeClr val="accent1"/>
-          </a:fillRef>
-          <a:effectRef idx="0">
-            <a:schemeClr val="accent1"/>
-          </a:effectRef>
-          <a:fontRef idx="minor">
-            <a:schemeClr val="lt1"/>
-          </a:fontRef>
-        </p:style>
-        <p:txBody>
-          <a:bodyPr rtlCol="0" anchor="ctr"/>
-          <a:lstStyle/>
-          <a:p>
-            <a:pPr algn="ctr"/>
-            <a:endParaRPr lang="en-US" sz="800" dirty="0">
-              <a:solidFill>
-                <a:schemeClr val="tx1"/>
-              </a:solidFill>
-            </a:endParaRPr>
-          </a:p>
-        </p:txBody>
-      </p:sp>
-      <p:sp>
-        <p:nvSpPr>
-          <p:cNvPr id="40" name="Rectangle 39">
-            <a:extLst>
-              <a:ext uri="{FF2B5EF4-FFF2-40B4-BE49-F238E27FC236}">
-                <a16:creationId xmlns:a16="http://schemas.microsoft.com/office/drawing/2014/main" id="{44533F58-4FE4-1602-0066-4FCA111177CD}"/>
-              </a:ext>
-            </a:extLst>
-          </p:cNvPr>
-          <p:cNvSpPr/>
-          <p:nvPr/>
-        </p:nvSpPr>
-        <p:spPr>
-          <a:xfrm>
-            <a:off x="4122169" y="1111005"/>
+            <a:r>
+              <a:rPr lang="en-US" sz="700" dirty="0">
+                <a:solidFill>
+                  <a:schemeClr val="tx1"/>
+                </a:solidFill>
+              </a:rPr>
+              <a:t>y[2]</a:t>
+            </a:r>
+          </a:p>
+        </p:txBody>
+      </p:sp>
+      <p:sp>
+        <p:nvSpPr>
+          <p:cNvPr id="42" name="Rectangle 41">
+            <a:extLst>
+              <a:ext uri="{FF2B5EF4-FFF2-40B4-BE49-F238E27FC236}">
+                <a16:creationId xmlns:a16="http://schemas.microsoft.com/office/drawing/2014/main" id="{F615455A-A222-9EFA-EF1A-BF0B308A1D2B}"/>
+              </a:ext>
+            </a:extLst>
+          </p:cNvPr>
+          <p:cNvSpPr/>
+          <p:nvPr/>
+        </p:nvSpPr>
+        <p:spPr>
+          <a:xfrm>
+            <a:off x="4114420" y="659293"/>
             <a:ext cx="322151" cy="272753"/>
           </a:xfrm>
           <a:prstGeom prst="rect">
@@ -21860,29 +21776,32 @@
           <a:lstStyle/>
           <a:p>
             <a:pPr algn="ctr"/>
-            <a:endParaRPr lang="en-US" sz="800" dirty="0">
-              <a:solidFill>
-                <a:schemeClr val="tx1"/>
-              </a:solidFill>
-            </a:endParaRPr>
-          </a:p>
-        </p:txBody>
-      </p:sp>
-      <p:sp>
-        <p:nvSpPr>
-          <p:cNvPr id="41" name="Rectangle 40">
-            <a:extLst>
-              <a:ext uri="{FF2B5EF4-FFF2-40B4-BE49-F238E27FC236}">
-                <a16:creationId xmlns:a16="http://schemas.microsoft.com/office/drawing/2014/main" id="{37DF5E3A-6341-2497-2EE3-B4B92A55FED8}"/>
-              </a:ext>
-            </a:extLst>
-          </p:cNvPr>
-          <p:cNvSpPr/>
-          <p:nvPr/>
-        </p:nvSpPr>
-        <p:spPr>
-          <a:xfrm>
-            <a:off x="3477867" y="1111006"/>
+            <a:r>
+              <a:rPr lang="en-US" sz="700" dirty="0">
+                <a:solidFill>
+                  <a:schemeClr val="tx1"/>
+                </a:solidFill>
+              </a:rPr>
+              <a:t>y[1]</a:t>
+            </a:r>
+          </a:p>
+        </p:txBody>
+      </p:sp>
+      <p:sp>
+        <p:nvSpPr>
+          <p:cNvPr id="45" name="Rectangle 44">
+            <a:extLst>
+              <a:ext uri="{FF2B5EF4-FFF2-40B4-BE49-F238E27FC236}">
+                <a16:creationId xmlns:a16="http://schemas.microsoft.com/office/drawing/2014/main" id="{1E846ADE-ED93-27CE-0ED1-22E443B49A45}"/>
+              </a:ext>
+            </a:extLst>
+          </p:cNvPr>
+          <p:cNvSpPr/>
+          <p:nvPr/>
+        </p:nvSpPr>
+        <p:spPr>
+          <a:xfrm>
+            <a:off x="4758722" y="659293"/>
             <a:ext cx="322151" cy="272753"/>
           </a:xfrm>
           <a:prstGeom prst="rect">
@@ -21918,337 +21837,17 @@
           <a:lstStyle/>
           <a:p>
             <a:pPr algn="ctr"/>
-            <a:endParaRPr lang="en-US" sz="800" dirty="0">
-              <a:solidFill>
-                <a:schemeClr val="tx1"/>
-              </a:solidFill>
-            </a:endParaRPr>
-          </a:p>
-        </p:txBody>
-      </p:sp>
-      <p:sp>
-        <p:nvSpPr>
-          <p:cNvPr id="42" name="Rectangle 41">
-            <a:extLst>
-              <a:ext uri="{FF2B5EF4-FFF2-40B4-BE49-F238E27FC236}">
-                <a16:creationId xmlns:a16="http://schemas.microsoft.com/office/drawing/2014/main" id="{F615455A-A222-9EFA-EF1A-BF0B308A1D2B}"/>
-              </a:ext>
-            </a:extLst>
-          </p:cNvPr>
-          <p:cNvSpPr/>
-          <p:nvPr/>
-        </p:nvSpPr>
-        <p:spPr>
-          <a:xfrm>
-            <a:off x="3800018" y="1111005"/>
-            <a:ext cx="322151" cy="272753"/>
-          </a:xfrm>
-          <a:prstGeom prst="rect">
-            <a:avLst/>
-          </a:prstGeom>
-          <a:solidFill>
-            <a:srgbClr val="FDF8EE"/>
-          </a:solidFill>
-          <a:ln>
-            <a:solidFill>
-              <a:srgbClr val="EFC57B"/>
-            </a:solidFill>
-          </a:ln>
-        </p:spPr>
-        <p:style>
-          <a:lnRef idx="2">
-            <a:schemeClr val="accent1">
-              <a:shade val="15000"/>
-            </a:schemeClr>
-          </a:lnRef>
-          <a:fillRef idx="1">
-            <a:schemeClr val="accent1"/>
-          </a:fillRef>
-          <a:effectRef idx="0">
-            <a:schemeClr val="accent1"/>
-          </a:effectRef>
-          <a:fontRef idx="minor">
-            <a:schemeClr val="lt1"/>
-          </a:fontRef>
-        </p:style>
-        <p:txBody>
-          <a:bodyPr rtlCol="0" anchor="ctr"/>
-          <a:lstStyle/>
-          <a:p>
-            <a:pPr algn="ctr"/>
-            <a:endParaRPr lang="en-US" sz="800" dirty="0">
-              <a:solidFill>
-                <a:schemeClr val="tx1"/>
-              </a:solidFill>
-            </a:endParaRPr>
-          </a:p>
-        </p:txBody>
-      </p:sp>
-      <p:sp>
-        <p:nvSpPr>
-          <p:cNvPr id="43" name="Rectangle 42">
-            <a:extLst>
-              <a:ext uri="{FF2B5EF4-FFF2-40B4-BE49-F238E27FC236}">
-                <a16:creationId xmlns:a16="http://schemas.microsoft.com/office/drawing/2014/main" id="{5A790D2E-1FEC-5D7B-939F-3C0656685A11}"/>
-              </a:ext>
-            </a:extLst>
-          </p:cNvPr>
-          <p:cNvSpPr/>
-          <p:nvPr/>
-        </p:nvSpPr>
-        <p:spPr>
-          <a:xfrm>
-            <a:off x="2833565" y="1111007"/>
-            <a:ext cx="322151" cy="272753"/>
-          </a:xfrm>
-          <a:prstGeom prst="rect">
-            <a:avLst/>
-          </a:prstGeom>
-          <a:solidFill>
-            <a:srgbClr val="F2EFF6"/>
-          </a:solidFill>
-          <a:ln>
-            <a:solidFill>
-              <a:srgbClr val="360084"/>
-            </a:solidFill>
-          </a:ln>
-        </p:spPr>
-        <p:style>
-          <a:lnRef idx="2">
-            <a:schemeClr val="accent1">
-              <a:shade val="15000"/>
-            </a:schemeClr>
-          </a:lnRef>
-          <a:fillRef idx="1">
-            <a:schemeClr val="accent1"/>
-          </a:fillRef>
-          <a:effectRef idx="0">
-            <a:schemeClr val="accent1"/>
-          </a:effectRef>
-          <a:fontRef idx="minor">
-            <a:schemeClr val="lt1"/>
-          </a:fontRef>
-        </p:style>
-        <p:txBody>
-          <a:bodyPr rtlCol="0" anchor="ctr"/>
-          <a:lstStyle/>
-          <a:p>
-            <a:pPr algn="ctr"/>
-            <a:endParaRPr lang="en-US" sz="800" dirty="0">
-              <a:solidFill>
-                <a:schemeClr val="tx1"/>
-              </a:solidFill>
-            </a:endParaRPr>
-          </a:p>
-        </p:txBody>
-      </p:sp>
-      <p:sp>
-        <p:nvSpPr>
-          <p:cNvPr id="45" name="Rectangle 44">
-            <a:extLst>
-              <a:ext uri="{FF2B5EF4-FFF2-40B4-BE49-F238E27FC236}">
-                <a16:creationId xmlns:a16="http://schemas.microsoft.com/office/drawing/2014/main" id="{1E846ADE-ED93-27CE-0ED1-22E443B49A45}"/>
-              </a:ext>
-            </a:extLst>
-          </p:cNvPr>
-          <p:cNvSpPr/>
-          <p:nvPr/>
-        </p:nvSpPr>
-        <p:spPr>
-          <a:xfrm>
-            <a:off x="4444320" y="1111005"/>
-            <a:ext cx="322151" cy="272753"/>
-          </a:xfrm>
-          <a:prstGeom prst="rect">
-            <a:avLst/>
-          </a:prstGeom>
-          <a:solidFill>
-            <a:srgbClr val="FDF8EE"/>
-          </a:solidFill>
-          <a:ln>
-            <a:solidFill>
-              <a:srgbClr val="EFC57B"/>
-            </a:solidFill>
-          </a:ln>
-        </p:spPr>
-        <p:style>
-          <a:lnRef idx="2">
-            <a:schemeClr val="accent1">
-              <a:shade val="15000"/>
-            </a:schemeClr>
-          </a:lnRef>
-          <a:fillRef idx="1">
-            <a:schemeClr val="accent1"/>
-          </a:fillRef>
-          <a:effectRef idx="0">
-            <a:schemeClr val="accent1"/>
-          </a:effectRef>
-          <a:fontRef idx="minor">
-            <a:schemeClr val="lt1"/>
-          </a:fontRef>
-        </p:style>
-        <p:txBody>
-          <a:bodyPr rtlCol="0" anchor="ctr"/>
-          <a:lstStyle/>
-          <a:p>
-            <a:pPr algn="ctr"/>
-            <a:endParaRPr lang="en-US" sz="800" dirty="0">
-              <a:solidFill>
-                <a:schemeClr val="tx1"/>
-              </a:solidFill>
-            </a:endParaRPr>
-          </a:p>
-        </p:txBody>
-      </p:sp>
-      <p:sp>
-        <p:nvSpPr>
-          <p:cNvPr id="39" name="Rectangle 38">
-            <a:extLst>
-              <a:ext uri="{FF2B5EF4-FFF2-40B4-BE49-F238E27FC236}">
-                <a16:creationId xmlns:a16="http://schemas.microsoft.com/office/drawing/2014/main" id="{A111B3C1-D11C-EDDB-D6F6-0AF39CE8531F}"/>
-              </a:ext>
-            </a:extLst>
-          </p:cNvPr>
-          <p:cNvSpPr/>
-          <p:nvPr/>
-        </p:nvSpPr>
-        <p:spPr>
-          <a:xfrm>
-            <a:off x="3155716" y="1111007"/>
-            <a:ext cx="322151" cy="272753"/>
-          </a:xfrm>
-          <a:prstGeom prst="rect">
-            <a:avLst/>
-          </a:prstGeom>
-          <a:pattFill prst="wdUpDiag">
-            <a:fgClr>
-              <a:srgbClr val="360084"/>
-            </a:fgClr>
-            <a:bgClr>
-              <a:schemeClr val="bg1"/>
-            </a:bgClr>
-          </a:pattFill>
-          <a:ln>
-            <a:solidFill>
-              <a:srgbClr val="360084"/>
-            </a:solidFill>
-          </a:ln>
-        </p:spPr>
-        <p:style>
-          <a:lnRef idx="2">
-            <a:schemeClr val="accent1">
-              <a:shade val="15000"/>
-            </a:schemeClr>
-          </a:lnRef>
-          <a:fillRef idx="1">
-            <a:schemeClr val="accent1"/>
-          </a:fillRef>
-          <a:effectRef idx="0">
-            <a:schemeClr val="accent1"/>
-          </a:effectRef>
-          <a:fontRef idx="minor">
-            <a:schemeClr val="lt1"/>
-          </a:fontRef>
-        </p:style>
-        <p:txBody>
-          <a:bodyPr rtlCol="0" anchor="ctr"/>
-          <a:lstStyle/>
-          <a:p>
-            <a:pPr algn="ctr"/>
-            <a:endParaRPr lang="en-US" sz="800" dirty="0">
-              <a:solidFill>
-                <a:schemeClr val="tx1"/>
-              </a:solidFill>
-            </a:endParaRPr>
-          </a:p>
-        </p:txBody>
-      </p:sp>
-      <p:cxnSp>
-        <p:nvCxnSpPr>
-          <p:cNvPr id="47" name="Straight Arrow Connector 46">
-            <a:extLst>
-              <a:ext uri="{FF2B5EF4-FFF2-40B4-BE49-F238E27FC236}">
-                <a16:creationId xmlns:a16="http://schemas.microsoft.com/office/drawing/2014/main" id="{E009DCF6-720B-ADEC-C76E-7F57144EAFD6}"/>
-              </a:ext>
-            </a:extLst>
-          </p:cNvPr>
-          <p:cNvCxnSpPr/>
-          <p:nvPr/>
-        </p:nvCxnSpPr>
-        <p:spPr>
-          <a:xfrm>
-            <a:off x="2511414" y="526358"/>
-            <a:ext cx="0" cy="584647"/>
-          </a:xfrm>
-          <a:prstGeom prst="straightConnector1">
-            <a:avLst/>
-          </a:prstGeom>
-          <a:ln w="12700">
-            <a:solidFill>
-              <a:srgbClr val="360084"/>
-            </a:solidFill>
-            <a:tailEnd type="triangle"/>
-          </a:ln>
-        </p:spPr>
-        <p:style>
-          <a:lnRef idx="1">
-            <a:schemeClr val="accent1"/>
-          </a:lnRef>
-          <a:fillRef idx="0">
-            <a:schemeClr val="accent1"/>
-          </a:fillRef>
-          <a:effectRef idx="0">
-            <a:schemeClr val="accent1"/>
-          </a:effectRef>
-          <a:fontRef idx="minor">
-            <a:schemeClr val="tx1"/>
-          </a:fontRef>
-        </p:style>
-      </p:cxnSp>
-      <p:cxnSp>
-        <p:nvCxnSpPr>
-          <p:cNvPr id="48" name="Straight Arrow Connector 47">
-            <a:extLst>
-              <a:ext uri="{FF2B5EF4-FFF2-40B4-BE49-F238E27FC236}">
-                <a16:creationId xmlns:a16="http://schemas.microsoft.com/office/drawing/2014/main" id="{F493AC74-8D8B-60B2-1E78-3C008281F9B2}"/>
-              </a:ext>
-            </a:extLst>
-          </p:cNvPr>
-          <p:cNvCxnSpPr>
-            <a:cxnSpLocks/>
-          </p:cNvCxnSpPr>
-          <p:nvPr/>
-        </p:nvCxnSpPr>
-        <p:spPr>
-          <a:xfrm flipH="1">
-            <a:off x="4122169" y="526358"/>
-            <a:ext cx="966452" cy="584647"/>
-          </a:xfrm>
-          <a:prstGeom prst="straightConnector1">
-            <a:avLst/>
-          </a:prstGeom>
-          <a:ln w="12700">
-            <a:solidFill>
-              <a:srgbClr val="EFC57B"/>
-            </a:solidFill>
-            <a:tailEnd type="triangle"/>
-          </a:ln>
-        </p:spPr>
-        <p:style>
-          <a:lnRef idx="1">
-            <a:schemeClr val="accent1"/>
-          </a:lnRef>
-          <a:fillRef idx="0">
-            <a:schemeClr val="accent1"/>
-          </a:fillRef>
-          <a:effectRef idx="0">
-            <a:schemeClr val="accent1"/>
-          </a:effectRef>
-          <a:fontRef idx="minor">
-            <a:schemeClr val="tx1"/>
-          </a:fontRef>
-        </p:style>
-      </p:cxnSp>
+            <a:r>
+              <a:rPr lang="en-US" sz="700" dirty="0">
+                <a:solidFill>
+                  <a:schemeClr val="tx1"/>
+                </a:solidFill>
+              </a:rPr>
+              <a:t>y[3]</a:t>
+            </a:r>
+          </a:p>
+        </p:txBody>
+      </p:sp>
       <p:sp>
         <p:nvSpPr>
           <p:cNvPr id="50" name="TextBox 49">
@@ -22263,44 +21862,8 @@
         </p:nvSpPr>
         <p:spPr>
           <a:xfrm>
-            <a:off x="576903" y="1106759"/>
-            <a:ext cx="1180323" cy="307777"/>
-          </a:xfrm>
-          <a:prstGeom prst="rect">
-            <a:avLst/>
-          </a:prstGeom>
-          <a:noFill/>
-        </p:spPr>
-        <p:txBody>
-          <a:bodyPr wrap="none" rtlCol="0">
-            <a:spAutoFit/>
-          </a:bodyPr>
-          <a:lstStyle/>
-          <a:p>
-            <a:pPr algn="r"/>
-            <a:r>
-              <a:rPr lang="en-US" sz="1400" dirty="0"/>
-              <a:t>Packed buffer</a:t>
-            </a:r>
-          </a:p>
-        </p:txBody>
-      </p:sp>
-      <p:sp>
-        <p:nvSpPr>
-          <p:cNvPr id="51" name="TextBox 50">
-            <a:extLst>
-              <a:ext uri="{FF2B5EF4-FFF2-40B4-BE49-F238E27FC236}">
-                <a16:creationId xmlns:a16="http://schemas.microsoft.com/office/drawing/2014/main" id="{51BB6E5C-1742-8EC0-4CD9-294FD782CCEE}"/>
-              </a:ext>
-            </a:extLst>
-          </p:cNvPr>
-          <p:cNvSpPr txBox="1"/>
-          <p:nvPr/>
-        </p:nvSpPr>
-        <p:spPr>
-          <a:xfrm>
-            <a:off x="576902" y="249359"/>
-            <a:ext cx="1180324" cy="307777"/>
+            <a:off x="1061202" y="649760"/>
+            <a:ext cx="696023" cy="307777"/>
           </a:xfrm>
           <a:prstGeom prst="rect">
             <a:avLst/>
@@ -22316,155 +21879,131 @@
             <a:pPr algn="r"/>
             <a:r>
               <a:rPr lang="en-US" sz="1400" dirty="0"/>
-              <a:t>Array</a:t>
-            </a:r>
-          </a:p>
-        </p:txBody>
-      </p:sp>
-      <p:sp>
-        <p:nvSpPr>
-          <p:cNvPr id="52" name="Rectangle 51">
-            <a:extLst>
-              <a:ext uri="{FF2B5EF4-FFF2-40B4-BE49-F238E27FC236}">
-                <a16:creationId xmlns:a16="http://schemas.microsoft.com/office/drawing/2014/main" id="{D25E4042-2CCB-9195-F7CF-9321235B7426}"/>
-              </a:ext>
-            </a:extLst>
-          </p:cNvPr>
-          <p:cNvSpPr/>
-          <p:nvPr/>
-        </p:nvSpPr>
-        <p:spPr>
-          <a:xfrm>
-            <a:off x="5088619" y="1111001"/>
-            <a:ext cx="322151" cy="272753"/>
-          </a:xfrm>
-          <a:prstGeom prst="rect">
-            <a:avLst/>
-          </a:prstGeom>
-          <a:solidFill>
-            <a:srgbClr val="FAFDF0"/>
-          </a:solidFill>
-          <a:ln>
-            <a:solidFill>
-              <a:srgbClr val="DDF08B"/>
-            </a:solidFill>
-          </a:ln>
-        </p:spPr>
-        <p:style>
-          <a:lnRef idx="2">
-            <a:schemeClr val="accent1">
-              <a:shade val="15000"/>
-            </a:schemeClr>
-          </a:lnRef>
-          <a:fillRef idx="1">
-            <a:schemeClr val="accent1"/>
-          </a:fillRef>
-          <a:effectRef idx="0">
-            <a:schemeClr val="accent1"/>
-          </a:effectRef>
-          <a:fontRef idx="minor">
-            <a:schemeClr val="lt1"/>
-          </a:fontRef>
-        </p:style>
-        <p:txBody>
-          <a:bodyPr rtlCol="0" anchor="ctr"/>
-          <a:lstStyle/>
-          <a:p>
-            <a:pPr algn="ctr"/>
-            <a:endParaRPr lang="en-US" sz="800" dirty="0">
-              <a:solidFill>
-                <a:schemeClr val="tx1"/>
-              </a:solidFill>
-            </a:endParaRPr>
-          </a:p>
-        </p:txBody>
-      </p:sp>
-      <p:sp>
-        <p:nvSpPr>
-          <p:cNvPr id="53" name="Rectangle 52">
-            <a:extLst>
-              <a:ext uri="{FF2B5EF4-FFF2-40B4-BE49-F238E27FC236}">
-                <a16:creationId xmlns:a16="http://schemas.microsoft.com/office/drawing/2014/main" id="{D0D106E4-744C-C0CD-1CC0-EA4B8FB6A168}"/>
-              </a:ext>
-            </a:extLst>
-          </p:cNvPr>
-          <p:cNvSpPr/>
-          <p:nvPr/>
-        </p:nvSpPr>
-        <p:spPr>
-          <a:xfrm>
-            <a:off x="5410772" y="1111002"/>
-            <a:ext cx="322151" cy="272753"/>
-          </a:xfrm>
-          <a:prstGeom prst="rect">
-            <a:avLst/>
-          </a:prstGeom>
-          <a:solidFill>
-            <a:srgbClr val="FAFDF0"/>
-          </a:solidFill>
-          <a:ln>
-            <a:solidFill>
-              <a:srgbClr val="DDF08B"/>
-            </a:solidFill>
-          </a:ln>
-        </p:spPr>
-        <p:style>
-          <a:lnRef idx="2">
-            <a:schemeClr val="accent1">
-              <a:shade val="15000"/>
-            </a:schemeClr>
-          </a:lnRef>
-          <a:fillRef idx="1">
-            <a:schemeClr val="accent1"/>
-          </a:fillRef>
-          <a:effectRef idx="0">
-            <a:schemeClr val="accent1"/>
-          </a:effectRef>
-          <a:fontRef idx="minor">
-            <a:schemeClr val="lt1"/>
-          </a:fontRef>
-        </p:style>
-        <p:txBody>
-          <a:bodyPr rtlCol="0" anchor="ctr"/>
-          <a:lstStyle/>
-          <a:p>
-            <a:pPr algn="ctr"/>
-            <a:endParaRPr lang="en-US" sz="800" dirty="0">
-              <a:solidFill>
-                <a:schemeClr val="tx1"/>
-              </a:solidFill>
-            </a:endParaRPr>
-          </a:p>
-        </p:txBody>
-      </p:sp>
-      <p:sp>
-        <p:nvSpPr>
-          <p:cNvPr id="44" name="Rectangle 43">
-            <a:extLst>
-              <a:ext uri="{FF2B5EF4-FFF2-40B4-BE49-F238E27FC236}">
-                <a16:creationId xmlns:a16="http://schemas.microsoft.com/office/drawing/2014/main" id="{A6FAAB99-493F-1924-7F30-BAA03308AF34}"/>
-              </a:ext>
-            </a:extLst>
-          </p:cNvPr>
-          <p:cNvSpPr/>
-          <p:nvPr/>
-        </p:nvSpPr>
-        <p:spPr>
-          <a:xfrm>
-            <a:off x="4766471" y="1111005"/>
-            <a:ext cx="322151" cy="272753"/>
-          </a:xfrm>
-          <a:prstGeom prst="rect">
-            <a:avLst/>
-          </a:prstGeom>
-          <a:pattFill prst="wdUpDiag">
-            <a:fgClr>
+              <a:t>Packed</a:t>
+            </a:r>
+          </a:p>
+        </p:txBody>
+      </p:sp>
+      <p:sp>
+        <p:nvSpPr>
+          <p:cNvPr id="51" name="TextBox 50">
+            <a:extLst>
+              <a:ext uri="{FF2B5EF4-FFF2-40B4-BE49-F238E27FC236}">
+                <a16:creationId xmlns:a16="http://schemas.microsoft.com/office/drawing/2014/main" id="{51BB6E5C-1742-8EC0-4CD9-294FD782CCEE}"/>
+              </a:ext>
+            </a:extLst>
+          </p:cNvPr>
+          <p:cNvSpPr txBox="1"/>
+          <p:nvPr/>
+        </p:nvSpPr>
+        <p:spPr>
+          <a:xfrm>
+            <a:off x="900659" y="249359"/>
+            <a:ext cx="856567" cy="307777"/>
+          </a:xfrm>
+          <a:prstGeom prst="rect">
+            <a:avLst/>
+          </a:prstGeom>
+          <a:noFill/>
+        </p:spPr>
+        <p:txBody>
+          <a:bodyPr wrap="square" rtlCol="0">
+            <a:spAutoFit/>
+          </a:bodyPr>
+          <a:lstStyle/>
+          <a:p>
+            <a:pPr algn="r"/>
+            <a:r>
+              <a:rPr lang="en-US" sz="1400" dirty="0"/>
+              <a:t>Memory</a:t>
+            </a:r>
+          </a:p>
+        </p:txBody>
+      </p:sp>
+      <p:sp>
+        <p:nvSpPr>
+          <p:cNvPr id="3" name="Rectangle 2">
+            <a:extLst>
+              <a:ext uri="{FF2B5EF4-FFF2-40B4-BE49-F238E27FC236}">
+                <a16:creationId xmlns:a16="http://schemas.microsoft.com/office/drawing/2014/main" id="{8839767C-8CA2-5290-BB52-8EC3C544EBB0}"/>
+              </a:ext>
+            </a:extLst>
+          </p:cNvPr>
+          <p:cNvSpPr/>
+          <p:nvPr/>
+        </p:nvSpPr>
+        <p:spPr>
+          <a:xfrm>
+            <a:off x="5732922" y="253605"/>
+            <a:ext cx="322151" cy="272753"/>
+          </a:xfrm>
+          <a:prstGeom prst="rect">
+            <a:avLst/>
+          </a:prstGeom>
+          <a:solidFill>
+            <a:srgbClr val="FDF8EE"/>
+          </a:solidFill>
+          <a:ln>
+            <a:solidFill>
               <a:srgbClr val="EFC57B"/>
-            </a:fgClr>
-            <a:bgClr>
-              <a:schemeClr val="bg1"/>
-            </a:bgClr>
-          </a:pattFill>
+            </a:solidFill>
+          </a:ln>
+        </p:spPr>
+        <p:style>
+          <a:lnRef idx="2">
+            <a:schemeClr val="accent1">
+              <a:shade val="15000"/>
+            </a:schemeClr>
+          </a:lnRef>
+          <a:fillRef idx="1">
+            <a:schemeClr val="accent1"/>
+          </a:fillRef>
+          <a:effectRef idx="0">
+            <a:schemeClr val="accent1"/>
+          </a:effectRef>
+          <a:fontRef idx="minor">
+            <a:schemeClr val="lt1"/>
+          </a:fontRef>
+        </p:style>
+        <p:txBody>
+          <a:bodyPr rtlCol="0" anchor="ctr"/>
+          <a:lstStyle/>
+          <a:p>
+            <a:pPr algn="ctr"/>
+            <a:r>
+              <a:rPr lang="en-US" sz="700" dirty="0">
+                <a:solidFill>
+                  <a:schemeClr val="tx1"/>
+                </a:solidFill>
+              </a:rPr>
+              <a:t>y[4]</a:t>
+            </a:r>
+          </a:p>
+        </p:txBody>
+      </p:sp>
+      <p:sp>
+        <p:nvSpPr>
+          <p:cNvPr id="4" name="Rectangle 3">
+            <a:extLst>
+              <a:ext uri="{FF2B5EF4-FFF2-40B4-BE49-F238E27FC236}">
+                <a16:creationId xmlns:a16="http://schemas.microsoft.com/office/drawing/2014/main" id="{81B38D1C-6656-57F1-658E-72A38B9964C4}"/>
+              </a:ext>
+            </a:extLst>
+          </p:cNvPr>
+          <p:cNvSpPr/>
+          <p:nvPr/>
+        </p:nvSpPr>
+        <p:spPr>
+          <a:xfrm>
+            <a:off x="5080873" y="659291"/>
+            <a:ext cx="322151" cy="272753"/>
+          </a:xfrm>
+          <a:prstGeom prst="rect">
+            <a:avLst/>
+          </a:prstGeom>
+          <a:solidFill>
+            <a:srgbClr val="FDF8EE"/>
+          </a:solidFill>
           <a:ln>
             <a:solidFill>
               <a:srgbClr val="EFC57B"/>
@@ -22492,11 +22031,319 @@
           <a:lstStyle/>
           <a:p>
             <a:pPr algn="ctr"/>
-            <a:endParaRPr lang="en-US" sz="800" dirty="0">
-              <a:solidFill>
-                <a:schemeClr val="tx1"/>
-              </a:solidFill>
-            </a:endParaRPr>
+            <a:r>
+              <a:rPr lang="en-US" sz="700" dirty="0">
+                <a:solidFill>
+                  <a:schemeClr val="tx1"/>
+                </a:solidFill>
+              </a:rPr>
+              <a:t>y[4]</a:t>
+            </a:r>
+          </a:p>
+        </p:txBody>
+      </p:sp>
+      <p:sp>
+        <p:nvSpPr>
+          <p:cNvPr id="5" name="Rectangle 4">
+            <a:extLst>
+              <a:ext uri="{FF2B5EF4-FFF2-40B4-BE49-F238E27FC236}">
+                <a16:creationId xmlns:a16="http://schemas.microsoft.com/office/drawing/2014/main" id="{513E6787-8715-BA6B-1D5B-EFE1C0626FCA}"/>
+              </a:ext>
+            </a:extLst>
+          </p:cNvPr>
+          <p:cNvSpPr/>
+          <p:nvPr/>
+        </p:nvSpPr>
+        <p:spPr>
+          <a:xfrm>
+            <a:off x="1867112" y="659295"/>
+            <a:ext cx="322151" cy="272753"/>
+          </a:xfrm>
+          <a:prstGeom prst="rect">
+            <a:avLst/>
+          </a:prstGeom>
+          <a:solidFill>
+            <a:srgbClr val="F0FDF2"/>
+          </a:solidFill>
+          <a:ln>
+            <a:solidFill>
+              <a:srgbClr val="82E995"/>
+            </a:solidFill>
+          </a:ln>
+        </p:spPr>
+        <p:style>
+          <a:lnRef idx="2">
+            <a:schemeClr val="accent1">
+              <a:shade val="15000"/>
+            </a:schemeClr>
+          </a:lnRef>
+          <a:fillRef idx="1">
+            <a:schemeClr val="accent1"/>
+          </a:fillRef>
+          <a:effectRef idx="0">
+            <a:schemeClr val="accent1"/>
+          </a:effectRef>
+          <a:fontRef idx="minor">
+            <a:schemeClr val="lt1"/>
+          </a:fontRef>
+        </p:style>
+        <p:txBody>
+          <a:bodyPr rtlCol="0" anchor="ctr"/>
+          <a:lstStyle/>
+          <a:p>
+            <a:pPr algn="ctr"/>
+            <a:r>
+              <a:rPr lang="en-US" sz="700" dirty="0">
+                <a:solidFill>
+                  <a:schemeClr val="tx1"/>
+                </a:solidFill>
+              </a:rPr>
+              <a:t>4</a:t>
+            </a:r>
+          </a:p>
+        </p:txBody>
+      </p:sp>
+      <p:sp>
+        <p:nvSpPr>
+          <p:cNvPr id="7" name="Rectangle 6">
+            <a:extLst>
+              <a:ext uri="{FF2B5EF4-FFF2-40B4-BE49-F238E27FC236}">
+                <a16:creationId xmlns:a16="http://schemas.microsoft.com/office/drawing/2014/main" id="{6197113B-9DAA-FC1A-D9F0-357FCC8B6D74}"/>
+              </a:ext>
+            </a:extLst>
+          </p:cNvPr>
+          <p:cNvSpPr/>
+          <p:nvPr/>
+        </p:nvSpPr>
+        <p:spPr>
+          <a:xfrm>
+            <a:off x="3470118" y="659293"/>
+            <a:ext cx="322151" cy="272753"/>
+          </a:xfrm>
+          <a:prstGeom prst="rect">
+            <a:avLst/>
+          </a:prstGeom>
+          <a:solidFill>
+            <a:srgbClr val="F0FDF2"/>
+          </a:solidFill>
+          <a:ln>
+            <a:solidFill>
+              <a:srgbClr val="82E995"/>
+            </a:solidFill>
+          </a:ln>
+        </p:spPr>
+        <p:style>
+          <a:lnRef idx="2">
+            <a:schemeClr val="accent1">
+              <a:shade val="15000"/>
+            </a:schemeClr>
+          </a:lnRef>
+          <a:fillRef idx="1">
+            <a:schemeClr val="accent1"/>
+          </a:fillRef>
+          <a:effectRef idx="0">
+            <a:schemeClr val="accent1"/>
+          </a:effectRef>
+          <a:fontRef idx="minor">
+            <a:schemeClr val="lt1"/>
+          </a:fontRef>
+        </p:style>
+        <p:txBody>
+          <a:bodyPr rtlCol="0" anchor="ctr"/>
+          <a:lstStyle/>
+          <a:p>
+            <a:pPr algn="ctr"/>
+            <a:r>
+              <a:rPr lang="en-US" sz="700" dirty="0">
+                <a:solidFill>
+                  <a:schemeClr val="tx1"/>
+                </a:solidFill>
+              </a:rPr>
+              <a:t>5</a:t>
+            </a:r>
+          </a:p>
+        </p:txBody>
+      </p:sp>
+      <p:sp>
+        <p:nvSpPr>
+          <p:cNvPr id="36" name="Rectangle 35">
+            <a:extLst>
+              <a:ext uri="{FF2B5EF4-FFF2-40B4-BE49-F238E27FC236}">
+                <a16:creationId xmlns:a16="http://schemas.microsoft.com/office/drawing/2014/main" id="{5CE6A78A-C55E-5FD0-A432-FA7067E4421F}"/>
+              </a:ext>
+            </a:extLst>
+          </p:cNvPr>
+          <p:cNvSpPr/>
+          <p:nvPr/>
+        </p:nvSpPr>
+        <p:spPr>
+          <a:xfrm>
+            <a:off x="2186165" y="659295"/>
+            <a:ext cx="322151" cy="272753"/>
+          </a:xfrm>
+          <a:prstGeom prst="rect">
+            <a:avLst/>
+          </a:prstGeom>
+          <a:solidFill>
+            <a:srgbClr val="F2EFF6"/>
+          </a:solidFill>
+          <a:ln>
+            <a:solidFill>
+              <a:srgbClr val="360084"/>
+            </a:solidFill>
+          </a:ln>
+        </p:spPr>
+        <p:style>
+          <a:lnRef idx="2">
+            <a:schemeClr val="accent1">
+              <a:shade val="15000"/>
+            </a:schemeClr>
+          </a:lnRef>
+          <a:fillRef idx="1">
+            <a:schemeClr val="accent1"/>
+          </a:fillRef>
+          <a:effectRef idx="0">
+            <a:schemeClr val="accent1"/>
+          </a:effectRef>
+          <a:fontRef idx="minor">
+            <a:schemeClr val="lt1"/>
+          </a:fontRef>
+        </p:style>
+        <p:txBody>
+          <a:bodyPr rtlCol="0" anchor="ctr"/>
+          <a:lstStyle/>
+          <a:p>
+            <a:pPr algn="ctr"/>
+            <a:r>
+              <a:rPr lang="en-US" sz="700" dirty="0">
+                <a:solidFill>
+                  <a:schemeClr val="tx1"/>
+                </a:solidFill>
+              </a:rPr>
+              <a:t>x[0]</a:t>
+            </a:r>
+          </a:p>
+        </p:txBody>
+      </p:sp>
+      <p:sp>
+        <p:nvSpPr>
+          <p:cNvPr id="41" name="Rectangle 40">
+            <a:extLst>
+              <a:ext uri="{FF2B5EF4-FFF2-40B4-BE49-F238E27FC236}">
+                <a16:creationId xmlns:a16="http://schemas.microsoft.com/office/drawing/2014/main" id="{37DF5E3A-6341-2497-2EE3-B4B92A55FED8}"/>
+              </a:ext>
+            </a:extLst>
+          </p:cNvPr>
+          <p:cNvSpPr/>
+          <p:nvPr/>
+        </p:nvSpPr>
+        <p:spPr>
+          <a:xfrm>
+            <a:off x="3792269" y="659294"/>
+            <a:ext cx="322151" cy="272753"/>
+          </a:xfrm>
+          <a:prstGeom prst="rect">
+            <a:avLst/>
+          </a:prstGeom>
+          <a:solidFill>
+            <a:srgbClr val="FDF8EE"/>
+          </a:solidFill>
+          <a:ln>
+            <a:solidFill>
+              <a:srgbClr val="EFC57B"/>
+            </a:solidFill>
+          </a:ln>
+        </p:spPr>
+        <p:style>
+          <a:lnRef idx="2">
+            <a:schemeClr val="accent1">
+              <a:shade val="15000"/>
+            </a:schemeClr>
+          </a:lnRef>
+          <a:fillRef idx="1">
+            <a:schemeClr val="accent1"/>
+          </a:fillRef>
+          <a:effectRef idx="0">
+            <a:schemeClr val="accent1"/>
+          </a:effectRef>
+          <a:fontRef idx="minor">
+            <a:schemeClr val="lt1"/>
+          </a:fontRef>
+        </p:style>
+        <p:txBody>
+          <a:bodyPr rtlCol="0" anchor="ctr"/>
+          <a:lstStyle/>
+          <a:p>
+            <a:pPr algn="ctr"/>
+            <a:r>
+              <a:rPr lang="en-US" sz="700" dirty="0">
+                <a:solidFill>
+                  <a:schemeClr val="tx1"/>
+                </a:solidFill>
+              </a:rPr>
+              <a:t>y[0]</a:t>
+            </a:r>
+          </a:p>
+        </p:txBody>
+      </p:sp>
+      <p:sp>
+        <p:nvSpPr>
+          <p:cNvPr id="43" name="Rectangle 42">
+            <a:extLst>
+              <a:ext uri="{FF2B5EF4-FFF2-40B4-BE49-F238E27FC236}">
+                <a16:creationId xmlns:a16="http://schemas.microsoft.com/office/drawing/2014/main" id="{5A790D2E-1FEC-5D7B-939F-3C0656685A11}"/>
+              </a:ext>
+            </a:extLst>
+          </p:cNvPr>
+          <p:cNvSpPr/>
+          <p:nvPr/>
+        </p:nvSpPr>
+        <p:spPr>
+          <a:xfrm>
+            <a:off x="3152618" y="659293"/>
+            <a:ext cx="322151" cy="272753"/>
+          </a:xfrm>
+          <a:prstGeom prst="rect">
+            <a:avLst/>
+          </a:prstGeom>
+          <a:solidFill>
+            <a:srgbClr val="F2EFF6"/>
+          </a:solidFill>
+          <a:ln>
+            <a:solidFill>
+              <a:srgbClr val="360084"/>
+            </a:solidFill>
+          </a:ln>
+        </p:spPr>
+        <p:style>
+          <a:lnRef idx="2">
+            <a:schemeClr val="accent1">
+              <a:shade val="15000"/>
+            </a:schemeClr>
+          </a:lnRef>
+          <a:fillRef idx="1">
+            <a:schemeClr val="accent1"/>
+          </a:fillRef>
+          <a:effectRef idx="0">
+            <a:schemeClr val="accent1"/>
+          </a:effectRef>
+          <a:fontRef idx="minor">
+            <a:schemeClr val="lt1"/>
+          </a:fontRef>
+        </p:style>
+        <p:txBody>
+          <a:bodyPr rtlCol="0" anchor="ctr"/>
+          <a:lstStyle/>
+          <a:p>
+            <a:pPr algn="ctr"/>
+            <a:r>
+              <a:rPr lang="en-US" sz="700" dirty="0">
+                <a:solidFill>
+                  <a:schemeClr val="tx1"/>
+                </a:solidFill>
+              </a:rPr>
+              <a:t>x[3]</a:t>
+            </a:r>
           </a:p>
         </p:txBody>
       </p:sp>

--- a/files/communication_diagram.pptx
+++ b/files/communication_diagram.pptx
@@ -200,7 +200,7 @@
           <a:p>
             <a:fld id="{1DA394A1-87FE-BC40-B428-C4F79D5812EE}" type="datetimeFigureOut">
               <a:rPr lang="en-US" smtClean="0"/>
-              <a:t>5/30/23</a:t>
+              <a:t>6/5/23</a:t>
             </a:fld>
             <a:endParaRPr lang="en-US"/>
           </a:p>
@@ -785,7 +785,7 @@
           <a:p>
             <a:fld id="{5BD1349E-D158-4E40-990A-05F7F3787A3C}" type="datetimeFigureOut">
               <a:rPr lang="en-US" smtClean="0"/>
-              <a:t>5/30/23</a:t>
+              <a:t>6/5/23</a:t>
             </a:fld>
             <a:endParaRPr lang="en-US"/>
           </a:p>
@@ -985,7 +985,7 @@
           <a:p>
             <a:fld id="{5BD1349E-D158-4E40-990A-05F7F3787A3C}" type="datetimeFigureOut">
               <a:rPr lang="en-US" smtClean="0"/>
-              <a:t>5/30/23</a:t>
+              <a:t>6/5/23</a:t>
             </a:fld>
             <a:endParaRPr lang="en-US"/>
           </a:p>
@@ -1195,7 +1195,7 @@
           <a:p>
             <a:fld id="{5BD1349E-D158-4E40-990A-05F7F3787A3C}" type="datetimeFigureOut">
               <a:rPr lang="en-US" smtClean="0"/>
-              <a:t>5/30/23</a:t>
+              <a:t>6/5/23</a:t>
             </a:fld>
             <a:endParaRPr lang="en-US"/>
           </a:p>
@@ -1395,7 +1395,7 @@
           <a:p>
             <a:fld id="{5BD1349E-D158-4E40-990A-05F7F3787A3C}" type="datetimeFigureOut">
               <a:rPr lang="en-US" smtClean="0"/>
-              <a:t>5/30/23</a:t>
+              <a:t>6/5/23</a:t>
             </a:fld>
             <a:endParaRPr lang="en-US"/>
           </a:p>
@@ -1671,7 +1671,7 @@
           <a:p>
             <a:fld id="{5BD1349E-D158-4E40-990A-05F7F3787A3C}" type="datetimeFigureOut">
               <a:rPr lang="en-US" smtClean="0"/>
-              <a:t>5/30/23</a:t>
+              <a:t>6/5/23</a:t>
             </a:fld>
             <a:endParaRPr lang="en-US"/>
           </a:p>
@@ -1939,7 +1939,7 @@
           <a:p>
             <a:fld id="{5BD1349E-D158-4E40-990A-05F7F3787A3C}" type="datetimeFigureOut">
               <a:rPr lang="en-US" smtClean="0"/>
-              <a:t>5/30/23</a:t>
+              <a:t>6/5/23</a:t>
             </a:fld>
             <a:endParaRPr lang="en-US"/>
           </a:p>
@@ -2354,7 +2354,7 @@
           <a:p>
             <a:fld id="{5BD1349E-D158-4E40-990A-05F7F3787A3C}" type="datetimeFigureOut">
               <a:rPr lang="en-US" smtClean="0"/>
-              <a:t>5/30/23</a:t>
+              <a:t>6/5/23</a:t>
             </a:fld>
             <a:endParaRPr lang="en-US"/>
           </a:p>
@@ -2496,7 +2496,7 @@
           <a:p>
             <a:fld id="{5BD1349E-D158-4E40-990A-05F7F3787A3C}" type="datetimeFigureOut">
               <a:rPr lang="en-US" smtClean="0"/>
-              <a:t>5/30/23</a:t>
+              <a:t>6/5/23</a:t>
             </a:fld>
             <a:endParaRPr lang="en-US"/>
           </a:p>
@@ -2609,7 +2609,7 @@
           <a:p>
             <a:fld id="{5BD1349E-D158-4E40-990A-05F7F3787A3C}" type="datetimeFigureOut">
               <a:rPr lang="en-US" smtClean="0"/>
-              <a:t>5/30/23</a:t>
+              <a:t>6/5/23</a:t>
             </a:fld>
             <a:endParaRPr lang="en-US"/>
           </a:p>
@@ -2922,7 +2922,7 @@
           <a:p>
             <a:fld id="{5BD1349E-D158-4E40-990A-05F7F3787A3C}" type="datetimeFigureOut">
               <a:rPr lang="en-US" smtClean="0"/>
-              <a:t>5/30/23</a:t>
+              <a:t>6/5/23</a:t>
             </a:fld>
             <a:endParaRPr lang="en-US"/>
           </a:p>
@@ -3211,7 +3211,7 @@
           <a:p>
             <a:fld id="{5BD1349E-D158-4E40-990A-05F7F3787A3C}" type="datetimeFigureOut">
               <a:rPr lang="en-US" smtClean="0"/>
-              <a:t>5/30/23</a:t>
+              <a:t>6/5/23</a:t>
             </a:fld>
             <a:endParaRPr lang="en-US"/>
           </a:p>
@@ -3454,7 +3454,7 @@
           <a:p>
             <a:fld id="{5BD1349E-D158-4E40-990A-05F7F3787A3C}" type="datetimeFigureOut">
               <a:rPr lang="en-US" smtClean="0"/>
-              <a:t>5/30/23</a:t>
+              <a:t>6/5/23</a:t>
             </a:fld>
             <a:endParaRPr lang="en-US"/>
           </a:p>
@@ -4985,6 +4985,673 @@
             <a:r>
               <a:rPr lang="en-US" dirty="0"/>
               <a:t>Blocking Communication</a:t>
+            </a:r>
+          </a:p>
+        </p:txBody>
+      </p:sp>
+      <p:sp>
+        <p:nvSpPr>
+          <p:cNvPr id="3" name="Alternative Process 2">
+            <a:extLst>
+              <a:ext uri="{FF2B5EF4-FFF2-40B4-BE49-F238E27FC236}">
+                <a16:creationId xmlns:a16="http://schemas.microsoft.com/office/drawing/2014/main" id="{A322C727-2B95-D0EF-E853-9F82D77657A2}"/>
+              </a:ext>
+            </a:extLst>
+          </p:cNvPr>
+          <p:cNvSpPr/>
+          <p:nvPr/>
+        </p:nvSpPr>
+        <p:spPr>
+          <a:xfrm>
+            <a:off x="6880411" y="3869457"/>
+            <a:ext cx="4736749" cy="375781"/>
+          </a:xfrm>
+          <a:prstGeom prst="flowChartAlternateProcess">
+            <a:avLst/>
+          </a:prstGeom>
+          <a:solidFill>
+            <a:srgbClr val="FAFDF0"/>
+          </a:solidFill>
+          <a:ln>
+            <a:solidFill>
+              <a:srgbClr val="DDF08B"/>
+            </a:solidFill>
+          </a:ln>
+        </p:spPr>
+        <p:style>
+          <a:lnRef idx="2">
+            <a:schemeClr val="accent1">
+              <a:shade val="15000"/>
+            </a:schemeClr>
+          </a:lnRef>
+          <a:fillRef idx="1">
+            <a:schemeClr val="accent1"/>
+          </a:fillRef>
+          <a:effectRef idx="0">
+            <a:schemeClr val="accent1"/>
+          </a:effectRef>
+          <a:fontRef idx="minor">
+            <a:schemeClr val="lt1"/>
+          </a:fontRef>
+        </p:style>
+        <p:txBody>
+          <a:bodyPr rtlCol="0" anchor="ctr"/>
+          <a:lstStyle/>
+          <a:p>
+            <a:pPr algn="ctr"/>
+            <a:endParaRPr lang="en-US"/>
+          </a:p>
+        </p:txBody>
+      </p:sp>
+      <p:sp>
+        <p:nvSpPr>
+          <p:cNvPr id="7" name="Alternative Process 6">
+            <a:extLst>
+              <a:ext uri="{FF2B5EF4-FFF2-40B4-BE49-F238E27FC236}">
+                <a16:creationId xmlns:a16="http://schemas.microsoft.com/office/drawing/2014/main" id="{7D9050CF-9505-5AF9-4639-4DAA36908FF4}"/>
+              </a:ext>
+            </a:extLst>
+          </p:cNvPr>
+          <p:cNvSpPr/>
+          <p:nvPr/>
+        </p:nvSpPr>
+        <p:spPr>
+          <a:xfrm>
+            <a:off x="6880411" y="4336750"/>
+            <a:ext cx="4123838" cy="375781"/>
+          </a:xfrm>
+          <a:prstGeom prst="flowChartAlternateProcess">
+            <a:avLst/>
+          </a:prstGeom>
+          <a:solidFill>
+            <a:srgbClr val="FAFDF0"/>
+          </a:solidFill>
+          <a:ln>
+            <a:solidFill>
+              <a:srgbClr val="DDF08B"/>
+            </a:solidFill>
+          </a:ln>
+        </p:spPr>
+        <p:style>
+          <a:lnRef idx="2">
+            <a:schemeClr val="accent1">
+              <a:shade val="15000"/>
+            </a:schemeClr>
+          </a:lnRef>
+          <a:fillRef idx="1">
+            <a:schemeClr val="accent1"/>
+          </a:fillRef>
+          <a:effectRef idx="0">
+            <a:schemeClr val="accent1"/>
+          </a:effectRef>
+          <a:fontRef idx="minor">
+            <a:schemeClr val="lt1"/>
+          </a:fontRef>
+        </p:style>
+        <p:txBody>
+          <a:bodyPr rtlCol="0" anchor="ctr"/>
+          <a:lstStyle/>
+          <a:p>
+            <a:pPr algn="ctr"/>
+            <a:endParaRPr lang="en-US"/>
+          </a:p>
+        </p:txBody>
+      </p:sp>
+      <p:sp>
+        <p:nvSpPr>
+          <p:cNvPr id="8" name="Alternative Process 7">
+            <a:extLst>
+              <a:ext uri="{FF2B5EF4-FFF2-40B4-BE49-F238E27FC236}">
+                <a16:creationId xmlns:a16="http://schemas.microsoft.com/office/drawing/2014/main" id="{CB1AF7D9-6B34-2B06-17ED-3D8B007620CB}"/>
+              </a:ext>
+            </a:extLst>
+          </p:cNvPr>
+          <p:cNvSpPr/>
+          <p:nvPr/>
+        </p:nvSpPr>
+        <p:spPr>
+          <a:xfrm>
+            <a:off x="8639281" y="3869457"/>
+            <a:ext cx="339115" cy="375781"/>
+          </a:xfrm>
+          <a:prstGeom prst="flowChartAlternateProcess">
+            <a:avLst/>
+          </a:prstGeom>
+          <a:solidFill>
+            <a:srgbClr val="F2EFF6"/>
+          </a:solidFill>
+          <a:ln>
+            <a:solidFill>
+              <a:srgbClr val="360084"/>
+            </a:solidFill>
+          </a:ln>
+        </p:spPr>
+        <p:style>
+          <a:lnRef idx="2">
+            <a:schemeClr val="accent1">
+              <a:shade val="15000"/>
+            </a:schemeClr>
+          </a:lnRef>
+          <a:fillRef idx="1">
+            <a:schemeClr val="accent1"/>
+          </a:fillRef>
+          <a:effectRef idx="0">
+            <a:schemeClr val="accent1"/>
+          </a:effectRef>
+          <a:fontRef idx="minor">
+            <a:schemeClr val="lt1"/>
+          </a:fontRef>
+        </p:style>
+        <p:txBody>
+          <a:bodyPr rtlCol="0" anchor="ctr"/>
+          <a:lstStyle/>
+          <a:p>
+            <a:pPr algn="ctr"/>
+            <a:endParaRPr lang="en-US"/>
+          </a:p>
+        </p:txBody>
+      </p:sp>
+      <p:sp>
+        <p:nvSpPr>
+          <p:cNvPr id="17" name="Alternative Process 16">
+            <a:extLst>
+              <a:ext uri="{FF2B5EF4-FFF2-40B4-BE49-F238E27FC236}">
+                <a16:creationId xmlns:a16="http://schemas.microsoft.com/office/drawing/2014/main" id="{621CBAAF-B394-F8CE-6CEF-5F02AB5DB896}"/>
+              </a:ext>
+            </a:extLst>
+          </p:cNvPr>
+          <p:cNvSpPr/>
+          <p:nvPr/>
+        </p:nvSpPr>
+        <p:spPr>
+          <a:xfrm>
+            <a:off x="10665134" y="4342884"/>
+            <a:ext cx="339115" cy="375781"/>
+          </a:xfrm>
+          <a:prstGeom prst="flowChartAlternateProcess">
+            <a:avLst/>
+          </a:prstGeom>
+          <a:solidFill>
+            <a:srgbClr val="F2EFF6"/>
+          </a:solidFill>
+          <a:ln>
+            <a:solidFill>
+              <a:srgbClr val="360084"/>
+            </a:solidFill>
+          </a:ln>
+        </p:spPr>
+        <p:style>
+          <a:lnRef idx="2">
+            <a:schemeClr val="accent1">
+              <a:shade val="15000"/>
+            </a:schemeClr>
+          </a:lnRef>
+          <a:fillRef idx="1">
+            <a:schemeClr val="accent1"/>
+          </a:fillRef>
+          <a:effectRef idx="0">
+            <a:schemeClr val="accent1"/>
+          </a:effectRef>
+          <a:fontRef idx="minor">
+            <a:schemeClr val="lt1"/>
+          </a:fontRef>
+        </p:style>
+        <p:txBody>
+          <a:bodyPr rtlCol="0" anchor="ctr"/>
+          <a:lstStyle/>
+          <a:p>
+            <a:pPr algn="ctr"/>
+            <a:endParaRPr lang="en-US"/>
+          </a:p>
+        </p:txBody>
+      </p:sp>
+      <p:sp>
+        <p:nvSpPr>
+          <p:cNvPr id="18" name="TextBox 17">
+            <a:extLst>
+              <a:ext uri="{FF2B5EF4-FFF2-40B4-BE49-F238E27FC236}">
+                <a16:creationId xmlns:a16="http://schemas.microsoft.com/office/drawing/2014/main" id="{0461C0C9-06AA-95D6-712D-F486B0CEA06E}"/>
+              </a:ext>
+            </a:extLst>
+          </p:cNvPr>
+          <p:cNvSpPr txBox="1"/>
+          <p:nvPr/>
+        </p:nvSpPr>
+        <p:spPr>
+          <a:xfrm>
+            <a:off x="6012159" y="3872680"/>
+            <a:ext cx="816249" cy="369332"/>
+          </a:xfrm>
+          <a:prstGeom prst="rect">
+            <a:avLst/>
+          </a:prstGeom>
+          <a:noFill/>
+        </p:spPr>
+        <p:txBody>
+          <a:bodyPr wrap="none" rtlCol="0">
+            <a:spAutoFit/>
+          </a:bodyPr>
+          <a:lstStyle/>
+          <a:p>
+            <a:r>
+              <a:rPr lang="en-US" dirty="0"/>
+              <a:t>Rank 0</a:t>
+            </a:r>
+          </a:p>
+        </p:txBody>
+      </p:sp>
+      <p:sp>
+        <p:nvSpPr>
+          <p:cNvPr id="24" name="TextBox 23">
+            <a:extLst>
+              <a:ext uri="{FF2B5EF4-FFF2-40B4-BE49-F238E27FC236}">
+                <a16:creationId xmlns:a16="http://schemas.microsoft.com/office/drawing/2014/main" id="{6AB8E812-8C85-7CAC-DDD9-A307C4CAADCA}"/>
+              </a:ext>
+            </a:extLst>
+          </p:cNvPr>
+          <p:cNvSpPr txBox="1"/>
+          <p:nvPr/>
+        </p:nvSpPr>
+        <p:spPr>
+          <a:xfrm>
+            <a:off x="6012159" y="4336750"/>
+            <a:ext cx="816249" cy="369332"/>
+          </a:xfrm>
+          <a:prstGeom prst="rect">
+            <a:avLst/>
+          </a:prstGeom>
+          <a:noFill/>
+        </p:spPr>
+        <p:txBody>
+          <a:bodyPr wrap="none" rtlCol="0">
+            <a:spAutoFit/>
+          </a:bodyPr>
+          <a:lstStyle/>
+          <a:p>
+            <a:r>
+              <a:rPr lang="en-US" dirty="0"/>
+              <a:t>Rank 1</a:t>
+            </a:r>
+          </a:p>
+        </p:txBody>
+      </p:sp>
+      <p:sp>
+        <p:nvSpPr>
+          <p:cNvPr id="26" name="Alternative Process 25">
+            <a:extLst>
+              <a:ext uri="{FF2B5EF4-FFF2-40B4-BE49-F238E27FC236}">
+                <a16:creationId xmlns:a16="http://schemas.microsoft.com/office/drawing/2014/main" id="{E523B841-528C-169C-9F67-C5B7CEDEC504}"/>
+              </a:ext>
+            </a:extLst>
+          </p:cNvPr>
+          <p:cNvSpPr/>
+          <p:nvPr/>
+        </p:nvSpPr>
+        <p:spPr>
+          <a:xfrm>
+            <a:off x="11278045" y="3866231"/>
+            <a:ext cx="339115" cy="375781"/>
+          </a:xfrm>
+          <a:prstGeom prst="flowChartAlternateProcess">
+            <a:avLst/>
+          </a:prstGeom>
+          <a:solidFill>
+            <a:srgbClr val="F2EFF6"/>
+          </a:solidFill>
+          <a:ln>
+            <a:solidFill>
+              <a:srgbClr val="360084"/>
+            </a:solidFill>
+          </a:ln>
+        </p:spPr>
+        <p:style>
+          <a:lnRef idx="2">
+            <a:schemeClr val="accent1">
+              <a:shade val="15000"/>
+            </a:schemeClr>
+          </a:lnRef>
+          <a:fillRef idx="1">
+            <a:schemeClr val="accent1"/>
+          </a:fillRef>
+          <a:effectRef idx="0">
+            <a:schemeClr val="accent1"/>
+          </a:effectRef>
+          <a:fontRef idx="minor">
+            <a:schemeClr val="lt1"/>
+          </a:fontRef>
+        </p:style>
+        <p:txBody>
+          <a:bodyPr rtlCol="0" anchor="ctr"/>
+          <a:lstStyle/>
+          <a:p>
+            <a:pPr algn="ctr"/>
+            <a:endParaRPr lang="en-US"/>
+          </a:p>
+        </p:txBody>
+      </p:sp>
+      <p:sp>
+        <p:nvSpPr>
+          <p:cNvPr id="29" name="Alternative Process 28">
+            <a:extLst>
+              <a:ext uri="{FF2B5EF4-FFF2-40B4-BE49-F238E27FC236}">
+                <a16:creationId xmlns:a16="http://schemas.microsoft.com/office/drawing/2014/main" id="{75AB3373-5212-4CA4-7291-A6AACDE57DDC}"/>
+              </a:ext>
+            </a:extLst>
+          </p:cNvPr>
+          <p:cNvSpPr/>
+          <p:nvPr/>
+        </p:nvSpPr>
+        <p:spPr>
+          <a:xfrm>
+            <a:off x="7335401" y="4902157"/>
+            <a:ext cx="1249095" cy="375781"/>
+          </a:xfrm>
+          <a:prstGeom prst="flowChartAlternateProcess">
+            <a:avLst/>
+          </a:prstGeom>
+          <a:solidFill>
+            <a:srgbClr val="FAFDF0"/>
+          </a:solidFill>
+          <a:ln>
+            <a:solidFill>
+              <a:srgbClr val="DDF08B"/>
+            </a:solidFill>
+          </a:ln>
+        </p:spPr>
+        <p:style>
+          <a:lnRef idx="2">
+            <a:schemeClr val="accent1">
+              <a:shade val="15000"/>
+            </a:schemeClr>
+          </a:lnRef>
+          <a:fillRef idx="1">
+            <a:schemeClr val="accent1"/>
+          </a:fillRef>
+          <a:effectRef idx="0">
+            <a:schemeClr val="accent1"/>
+          </a:effectRef>
+          <a:fontRef idx="minor">
+            <a:schemeClr val="lt1"/>
+          </a:fontRef>
+        </p:style>
+        <p:txBody>
+          <a:bodyPr rtlCol="0" anchor="ctr"/>
+          <a:lstStyle/>
+          <a:p>
+            <a:pPr algn="ctr"/>
+            <a:r>
+              <a:rPr lang="en-US" sz="1100" dirty="0">
+                <a:solidFill>
+                  <a:schemeClr val="tx1"/>
+                </a:solidFill>
+              </a:rPr>
+              <a:t>Calculations</a:t>
+            </a:r>
+          </a:p>
+        </p:txBody>
+      </p:sp>
+      <p:sp>
+        <p:nvSpPr>
+          <p:cNvPr id="30" name="Alternative Process 29">
+            <a:extLst>
+              <a:ext uri="{FF2B5EF4-FFF2-40B4-BE49-F238E27FC236}">
+                <a16:creationId xmlns:a16="http://schemas.microsoft.com/office/drawing/2014/main" id="{3580CF7A-A51F-A7F7-6CBE-C0F70897C841}"/>
+              </a:ext>
+            </a:extLst>
+          </p:cNvPr>
+          <p:cNvSpPr/>
+          <p:nvPr/>
+        </p:nvSpPr>
+        <p:spPr>
+          <a:xfrm>
+            <a:off x="8639281" y="4902156"/>
+            <a:ext cx="1249095" cy="375781"/>
+          </a:xfrm>
+          <a:prstGeom prst="flowChartAlternateProcess">
+            <a:avLst/>
+          </a:prstGeom>
+          <a:solidFill>
+            <a:srgbClr val="F2EFF6"/>
+          </a:solidFill>
+          <a:ln>
+            <a:solidFill>
+              <a:srgbClr val="360084"/>
+            </a:solidFill>
+          </a:ln>
+        </p:spPr>
+        <p:style>
+          <a:lnRef idx="2">
+            <a:schemeClr val="accent1">
+              <a:shade val="15000"/>
+            </a:schemeClr>
+          </a:lnRef>
+          <a:fillRef idx="1">
+            <a:schemeClr val="accent1"/>
+          </a:fillRef>
+          <a:effectRef idx="0">
+            <a:schemeClr val="accent1"/>
+          </a:effectRef>
+          <a:fontRef idx="minor">
+            <a:schemeClr val="lt1"/>
+          </a:fontRef>
+        </p:style>
+        <p:txBody>
+          <a:bodyPr rtlCol="0" anchor="ctr"/>
+          <a:lstStyle/>
+          <a:p>
+            <a:pPr algn="ctr"/>
+            <a:r>
+              <a:rPr lang="en-US" sz="1100" dirty="0">
+                <a:solidFill>
+                  <a:schemeClr val="tx1"/>
+                </a:solidFill>
+              </a:rPr>
+              <a:t>Communication</a:t>
+            </a:r>
+          </a:p>
+        </p:txBody>
+      </p:sp>
+      <p:sp>
+        <p:nvSpPr>
+          <p:cNvPr id="36" name="Alternative Process 35">
+            <a:extLst>
+              <a:ext uri="{FF2B5EF4-FFF2-40B4-BE49-F238E27FC236}">
+                <a16:creationId xmlns:a16="http://schemas.microsoft.com/office/drawing/2014/main" id="{88D1DBFD-304F-B881-E438-90F32C3AED51}"/>
+              </a:ext>
+            </a:extLst>
+          </p:cNvPr>
+          <p:cNvSpPr/>
+          <p:nvPr/>
+        </p:nvSpPr>
+        <p:spPr>
+          <a:xfrm>
+            <a:off x="7959948" y="4339976"/>
+            <a:ext cx="1018448" cy="375781"/>
+          </a:xfrm>
+          <a:prstGeom prst="flowChartAlternateProcess">
+            <a:avLst/>
+          </a:prstGeom>
+          <a:solidFill>
+            <a:srgbClr val="FDF8EE"/>
+          </a:solidFill>
+          <a:ln>
+            <a:solidFill>
+              <a:srgbClr val="EFC57B"/>
+            </a:solidFill>
+          </a:ln>
+        </p:spPr>
+        <p:style>
+          <a:lnRef idx="2">
+            <a:schemeClr val="accent1">
+              <a:shade val="15000"/>
+            </a:schemeClr>
+          </a:lnRef>
+          <a:fillRef idx="1">
+            <a:schemeClr val="accent1"/>
+          </a:fillRef>
+          <a:effectRef idx="0">
+            <a:schemeClr val="accent1"/>
+          </a:effectRef>
+          <a:fontRef idx="minor">
+            <a:schemeClr val="lt1"/>
+          </a:fontRef>
+        </p:style>
+        <p:txBody>
+          <a:bodyPr rtlCol="0" anchor="ctr"/>
+          <a:lstStyle/>
+          <a:p>
+            <a:pPr algn="ctr"/>
+            <a:endParaRPr lang="en-US"/>
+          </a:p>
+        </p:txBody>
+      </p:sp>
+      <p:sp>
+        <p:nvSpPr>
+          <p:cNvPr id="25" name="Alternative Process 24">
+            <a:extLst>
+              <a:ext uri="{FF2B5EF4-FFF2-40B4-BE49-F238E27FC236}">
+                <a16:creationId xmlns:a16="http://schemas.microsoft.com/office/drawing/2014/main" id="{78187536-A481-90B5-12AB-FF03C844E92A}"/>
+              </a:ext>
+            </a:extLst>
+          </p:cNvPr>
+          <p:cNvSpPr/>
+          <p:nvPr/>
+        </p:nvSpPr>
+        <p:spPr>
+          <a:xfrm>
+            <a:off x="7729303" y="4342884"/>
+            <a:ext cx="339115" cy="375781"/>
+          </a:xfrm>
+          <a:prstGeom prst="flowChartAlternateProcess">
+            <a:avLst/>
+          </a:prstGeom>
+          <a:solidFill>
+            <a:srgbClr val="F2EFF6"/>
+          </a:solidFill>
+          <a:ln>
+            <a:solidFill>
+              <a:srgbClr val="360084"/>
+            </a:solidFill>
+          </a:ln>
+        </p:spPr>
+        <p:style>
+          <a:lnRef idx="2">
+            <a:schemeClr val="accent1">
+              <a:shade val="15000"/>
+            </a:schemeClr>
+          </a:lnRef>
+          <a:fillRef idx="1">
+            <a:schemeClr val="accent1"/>
+          </a:fillRef>
+          <a:effectRef idx="0">
+            <a:schemeClr val="accent1"/>
+          </a:effectRef>
+          <a:fontRef idx="minor">
+            <a:schemeClr val="lt1"/>
+          </a:fontRef>
+        </p:style>
+        <p:txBody>
+          <a:bodyPr rtlCol="0" anchor="ctr"/>
+          <a:lstStyle/>
+          <a:p>
+            <a:pPr algn="ctr"/>
+            <a:endParaRPr lang="en-US"/>
+          </a:p>
+        </p:txBody>
+      </p:sp>
+      <p:sp>
+        <p:nvSpPr>
+          <p:cNvPr id="37" name="Alternative Process 36">
+            <a:extLst>
+              <a:ext uri="{FF2B5EF4-FFF2-40B4-BE49-F238E27FC236}">
+                <a16:creationId xmlns:a16="http://schemas.microsoft.com/office/drawing/2014/main" id="{7E837ADA-1B4D-CBD7-EEBE-8F0321F25A34}"/>
+              </a:ext>
+            </a:extLst>
+          </p:cNvPr>
+          <p:cNvSpPr/>
+          <p:nvPr/>
+        </p:nvSpPr>
+        <p:spPr>
+          <a:xfrm>
+            <a:off x="9964460" y="4902155"/>
+            <a:ext cx="1249095" cy="375781"/>
+          </a:xfrm>
+          <a:prstGeom prst="flowChartAlternateProcess">
+            <a:avLst/>
+          </a:prstGeom>
+          <a:solidFill>
+            <a:srgbClr val="FDF8EE"/>
+          </a:solidFill>
+          <a:ln>
+            <a:solidFill>
+              <a:srgbClr val="EFC57B"/>
+            </a:solidFill>
+          </a:ln>
+        </p:spPr>
+        <p:style>
+          <a:lnRef idx="2">
+            <a:schemeClr val="accent1">
+              <a:shade val="15000"/>
+            </a:schemeClr>
+          </a:lnRef>
+          <a:fillRef idx="1">
+            <a:schemeClr val="accent1"/>
+          </a:fillRef>
+          <a:effectRef idx="0">
+            <a:schemeClr val="accent1"/>
+          </a:effectRef>
+          <a:fontRef idx="minor">
+            <a:schemeClr val="lt1"/>
+          </a:fontRef>
+        </p:style>
+        <p:txBody>
+          <a:bodyPr rtlCol="0" anchor="ctr"/>
+          <a:lstStyle/>
+          <a:p>
+            <a:pPr algn="ctr"/>
+            <a:r>
+              <a:rPr lang="en-US" sz="1100" dirty="0">
+                <a:solidFill>
+                  <a:schemeClr val="tx1"/>
+                </a:solidFill>
+              </a:rPr>
+              <a:t>Waiting</a:t>
+            </a:r>
+          </a:p>
+        </p:txBody>
+      </p:sp>
+      <p:sp>
+        <p:nvSpPr>
+          <p:cNvPr id="39" name="TextBox 38">
+            <a:extLst>
+              <a:ext uri="{FF2B5EF4-FFF2-40B4-BE49-F238E27FC236}">
+                <a16:creationId xmlns:a16="http://schemas.microsoft.com/office/drawing/2014/main" id="{063B7CD4-1253-D450-693D-551695C32084}"/>
+              </a:ext>
+            </a:extLst>
+          </p:cNvPr>
+          <p:cNvSpPr txBox="1"/>
+          <p:nvPr/>
+        </p:nvSpPr>
+        <p:spPr>
+          <a:xfrm>
+            <a:off x="6880410" y="3320907"/>
+            <a:ext cx="4736749" cy="369332"/>
+          </a:xfrm>
+          <a:prstGeom prst="rect">
+            <a:avLst/>
+          </a:prstGeom>
+          <a:noFill/>
+        </p:spPr>
+        <p:txBody>
+          <a:bodyPr wrap="square" rtlCol="0">
+            <a:spAutoFit/>
+          </a:bodyPr>
+          <a:lstStyle/>
+          <a:p>
+            <a:pPr algn="ctr"/>
+            <a:r>
+              <a:rPr lang="en-US" dirty="0"/>
+              <a:t>Non-blocking with Data Dependency</a:t>
             </a:r>
           </a:p>
         </p:txBody>
@@ -22347,6 +23014,425 @@
           </a:p>
         </p:txBody>
       </p:sp>
+      <p:sp>
+        <p:nvSpPr>
+          <p:cNvPr id="6" name="Rectangle 5">
+            <a:extLst>
+              <a:ext uri="{FF2B5EF4-FFF2-40B4-BE49-F238E27FC236}">
+                <a16:creationId xmlns:a16="http://schemas.microsoft.com/office/drawing/2014/main" id="{E5D20810-DF72-9536-F383-28BA0055A3ED}"/>
+              </a:ext>
+            </a:extLst>
+          </p:cNvPr>
+          <p:cNvSpPr/>
+          <p:nvPr/>
+        </p:nvSpPr>
+        <p:spPr>
+          <a:xfrm>
+            <a:off x="2238361" y="1950812"/>
+            <a:ext cx="490011" cy="490884"/>
+          </a:xfrm>
+          <a:prstGeom prst="rect">
+            <a:avLst/>
+          </a:prstGeom>
+          <a:solidFill>
+            <a:srgbClr val="FAFDF0"/>
+          </a:solidFill>
+          <a:ln>
+            <a:solidFill>
+              <a:srgbClr val="DDF08B"/>
+            </a:solidFill>
+          </a:ln>
+        </p:spPr>
+        <p:style>
+          <a:lnRef idx="2">
+            <a:schemeClr val="accent1">
+              <a:shade val="15000"/>
+            </a:schemeClr>
+          </a:lnRef>
+          <a:fillRef idx="1">
+            <a:schemeClr val="accent1"/>
+          </a:fillRef>
+          <a:effectRef idx="0">
+            <a:schemeClr val="accent1"/>
+          </a:effectRef>
+          <a:fontRef idx="minor">
+            <a:schemeClr val="lt1"/>
+          </a:fontRef>
+        </p:style>
+        <p:txBody>
+          <a:bodyPr rtlCol="0" anchor="ctr"/>
+          <a:lstStyle/>
+          <a:p>
+            <a:pPr algn="ctr"/>
+            <a:r>
+              <a:rPr lang="en-US" sz="800" dirty="0">
+                <a:solidFill>
+                  <a:schemeClr val="tx1"/>
+                </a:solidFill>
+              </a:rPr>
+              <a:t>Rank</a:t>
+            </a:r>
+          </a:p>
+          <a:p>
+            <a:pPr algn="ctr"/>
+            <a:r>
+              <a:rPr lang="en-US" sz="800" dirty="0">
+                <a:solidFill>
+                  <a:schemeClr val="tx1"/>
+                </a:solidFill>
+              </a:rPr>
+              <a:t>0</a:t>
+            </a:r>
+          </a:p>
+        </p:txBody>
+      </p:sp>
+      <p:sp>
+        <p:nvSpPr>
+          <p:cNvPr id="9" name="Rectangle 8">
+            <a:extLst>
+              <a:ext uri="{FF2B5EF4-FFF2-40B4-BE49-F238E27FC236}">
+                <a16:creationId xmlns:a16="http://schemas.microsoft.com/office/drawing/2014/main" id="{DA0E279E-7456-AD7B-0455-087833D77581}"/>
+              </a:ext>
+            </a:extLst>
+          </p:cNvPr>
+          <p:cNvSpPr/>
+          <p:nvPr/>
+        </p:nvSpPr>
+        <p:spPr>
+          <a:xfrm>
+            <a:off x="3141182" y="1950812"/>
+            <a:ext cx="490011" cy="490884"/>
+          </a:xfrm>
+          <a:prstGeom prst="rect">
+            <a:avLst/>
+          </a:prstGeom>
+          <a:solidFill>
+            <a:srgbClr val="FAFDF0"/>
+          </a:solidFill>
+          <a:ln>
+            <a:solidFill>
+              <a:srgbClr val="DDF08B"/>
+            </a:solidFill>
+          </a:ln>
+        </p:spPr>
+        <p:style>
+          <a:lnRef idx="2">
+            <a:schemeClr val="accent1">
+              <a:shade val="15000"/>
+            </a:schemeClr>
+          </a:lnRef>
+          <a:fillRef idx="1">
+            <a:schemeClr val="accent1"/>
+          </a:fillRef>
+          <a:effectRef idx="0">
+            <a:schemeClr val="accent1"/>
+          </a:effectRef>
+          <a:fontRef idx="minor">
+            <a:schemeClr val="lt1"/>
+          </a:fontRef>
+        </p:style>
+        <p:txBody>
+          <a:bodyPr rtlCol="0" anchor="ctr"/>
+          <a:lstStyle/>
+          <a:p>
+            <a:pPr algn="ctr"/>
+            <a:r>
+              <a:rPr lang="en-US" sz="800" dirty="0">
+                <a:solidFill>
+                  <a:schemeClr val="tx1"/>
+                </a:solidFill>
+              </a:rPr>
+              <a:t>Rank</a:t>
+            </a:r>
+          </a:p>
+          <a:p>
+            <a:pPr algn="ctr"/>
+            <a:r>
+              <a:rPr lang="en-US" sz="800" dirty="0">
+                <a:solidFill>
+                  <a:schemeClr val="tx1"/>
+                </a:solidFill>
+              </a:rPr>
+              <a:t>1</a:t>
+            </a:r>
+          </a:p>
+        </p:txBody>
+      </p:sp>
+      <p:sp>
+        <p:nvSpPr>
+          <p:cNvPr id="10" name="Rectangle 9">
+            <a:extLst>
+              <a:ext uri="{FF2B5EF4-FFF2-40B4-BE49-F238E27FC236}">
+                <a16:creationId xmlns:a16="http://schemas.microsoft.com/office/drawing/2014/main" id="{F6A30FB5-3549-63EE-9062-A4F69C629663}"/>
+              </a:ext>
+            </a:extLst>
+          </p:cNvPr>
+          <p:cNvSpPr/>
+          <p:nvPr/>
+        </p:nvSpPr>
+        <p:spPr>
+          <a:xfrm>
+            <a:off x="4044003" y="1950812"/>
+            <a:ext cx="490011" cy="490884"/>
+          </a:xfrm>
+          <a:prstGeom prst="rect">
+            <a:avLst/>
+          </a:prstGeom>
+          <a:solidFill>
+            <a:srgbClr val="FAFDF0"/>
+          </a:solidFill>
+          <a:ln>
+            <a:solidFill>
+              <a:srgbClr val="DDF08B"/>
+            </a:solidFill>
+          </a:ln>
+        </p:spPr>
+        <p:style>
+          <a:lnRef idx="2">
+            <a:schemeClr val="accent1">
+              <a:shade val="15000"/>
+            </a:schemeClr>
+          </a:lnRef>
+          <a:fillRef idx="1">
+            <a:schemeClr val="accent1"/>
+          </a:fillRef>
+          <a:effectRef idx="0">
+            <a:schemeClr val="accent1"/>
+          </a:effectRef>
+          <a:fontRef idx="minor">
+            <a:schemeClr val="lt1"/>
+          </a:fontRef>
+        </p:style>
+        <p:txBody>
+          <a:bodyPr rtlCol="0" anchor="ctr"/>
+          <a:lstStyle/>
+          <a:p>
+            <a:pPr algn="ctr"/>
+            <a:r>
+              <a:rPr lang="en-US" sz="800" dirty="0">
+                <a:solidFill>
+                  <a:schemeClr val="tx1"/>
+                </a:solidFill>
+              </a:rPr>
+              <a:t>Rank</a:t>
+            </a:r>
+          </a:p>
+          <a:p>
+            <a:pPr algn="ctr"/>
+            <a:r>
+              <a:rPr lang="en-US" sz="800" dirty="0">
+                <a:solidFill>
+                  <a:schemeClr val="tx1"/>
+                </a:solidFill>
+              </a:rPr>
+              <a:t>2</a:t>
+            </a:r>
+          </a:p>
+        </p:txBody>
+      </p:sp>
+      <p:cxnSp>
+        <p:nvCxnSpPr>
+          <p:cNvPr id="12" name="Straight Arrow Connector 11">
+            <a:extLst>
+              <a:ext uri="{FF2B5EF4-FFF2-40B4-BE49-F238E27FC236}">
+                <a16:creationId xmlns:a16="http://schemas.microsoft.com/office/drawing/2014/main" id="{45C1B572-86A6-39CD-08C7-ED63F210C836}"/>
+              </a:ext>
+            </a:extLst>
+          </p:cNvPr>
+          <p:cNvCxnSpPr>
+            <a:stCxn id="6" idx="3"/>
+            <a:endCxn id="9" idx="1"/>
+          </p:cNvCxnSpPr>
+          <p:nvPr/>
+        </p:nvCxnSpPr>
+        <p:spPr>
+          <a:xfrm>
+            <a:off x="2728372" y="2196254"/>
+            <a:ext cx="412810" cy="0"/>
+          </a:xfrm>
+          <a:prstGeom prst="straightConnector1">
+            <a:avLst/>
+          </a:prstGeom>
+          <a:ln w="12700">
+            <a:headEnd type="triangle"/>
+            <a:tailEnd type="triangle"/>
+          </a:ln>
+        </p:spPr>
+        <p:style>
+          <a:lnRef idx="1">
+            <a:schemeClr val="dk1"/>
+          </a:lnRef>
+          <a:fillRef idx="0">
+            <a:schemeClr val="dk1"/>
+          </a:fillRef>
+          <a:effectRef idx="0">
+            <a:schemeClr val="dk1"/>
+          </a:effectRef>
+          <a:fontRef idx="minor">
+            <a:schemeClr val="tx1"/>
+          </a:fontRef>
+        </p:style>
+      </p:cxnSp>
+      <p:cxnSp>
+        <p:nvCxnSpPr>
+          <p:cNvPr id="13" name="Straight Arrow Connector 12">
+            <a:extLst>
+              <a:ext uri="{FF2B5EF4-FFF2-40B4-BE49-F238E27FC236}">
+                <a16:creationId xmlns:a16="http://schemas.microsoft.com/office/drawing/2014/main" id="{B9CF6AB7-DBA3-078F-4BC4-26128EC51C3E}"/>
+              </a:ext>
+            </a:extLst>
+          </p:cNvPr>
+          <p:cNvCxnSpPr/>
+          <p:nvPr/>
+        </p:nvCxnSpPr>
+        <p:spPr>
+          <a:xfrm>
+            <a:off x="3638942" y="2187239"/>
+            <a:ext cx="412810" cy="0"/>
+          </a:xfrm>
+          <a:prstGeom prst="straightConnector1">
+            <a:avLst/>
+          </a:prstGeom>
+          <a:ln w="12700">
+            <a:headEnd type="triangle"/>
+            <a:tailEnd type="triangle"/>
+          </a:ln>
+        </p:spPr>
+        <p:style>
+          <a:lnRef idx="1">
+            <a:schemeClr val="dk1"/>
+          </a:lnRef>
+          <a:fillRef idx="0">
+            <a:schemeClr val="dk1"/>
+          </a:fillRef>
+          <a:effectRef idx="0">
+            <a:schemeClr val="dk1"/>
+          </a:effectRef>
+          <a:fontRef idx="minor">
+            <a:schemeClr val="tx1"/>
+          </a:fontRef>
+        </p:style>
+      </p:cxnSp>
+      <p:cxnSp>
+        <p:nvCxnSpPr>
+          <p:cNvPr id="17" name="Elbow Connector 16">
+            <a:extLst>
+              <a:ext uri="{FF2B5EF4-FFF2-40B4-BE49-F238E27FC236}">
+                <a16:creationId xmlns:a16="http://schemas.microsoft.com/office/drawing/2014/main" id="{9398B8BB-47E8-7BD2-2E6C-D08B8869C3C7}"/>
+              </a:ext>
+            </a:extLst>
+          </p:cNvPr>
+          <p:cNvCxnSpPr>
+            <a:cxnSpLocks/>
+            <a:stCxn id="10" idx="3"/>
+          </p:cNvCxnSpPr>
+          <p:nvPr/>
+        </p:nvCxnSpPr>
+        <p:spPr>
+          <a:xfrm>
+            <a:off x="4534014" y="2196254"/>
+            <a:ext cx="270293" cy="339352"/>
+          </a:xfrm>
+          <a:prstGeom prst="bentConnector2">
+            <a:avLst/>
+          </a:prstGeom>
+          <a:ln w="12700">
+            <a:headEnd type="triangle"/>
+          </a:ln>
+        </p:spPr>
+        <p:style>
+          <a:lnRef idx="1">
+            <a:schemeClr val="dk1"/>
+          </a:lnRef>
+          <a:fillRef idx="0">
+            <a:schemeClr val="dk1"/>
+          </a:fillRef>
+          <a:effectRef idx="0">
+            <a:schemeClr val="dk1"/>
+          </a:effectRef>
+          <a:fontRef idx="minor">
+            <a:schemeClr val="tx1"/>
+          </a:fontRef>
+        </p:style>
+      </p:cxnSp>
+      <p:cxnSp>
+        <p:nvCxnSpPr>
+          <p:cNvPr id="39" name="Straight Connector 38">
+            <a:extLst>
+              <a:ext uri="{FF2B5EF4-FFF2-40B4-BE49-F238E27FC236}">
+                <a16:creationId xmlns:a16="http://schemas.microsoft.com/office/drawing/2014/main" id="{286F4BB3-3E99-EBBD-8924-AA25BE7B52AB}"/>
+              </a:ext>
+            </a:extLst>
+          </p:cNvPr>
+          <p:cNvCxnSpPr/>
+          <p:nvPr/>
+        </p:nvCxnSpPr>
+        <p:spPr>
+          <a:xfrm>
+            <a:off x="1968068" y="2535606"/>
+            <a:ext cx="2836239" cy="0"/>
+          </a:xfrm>
+          <a:prstGeom prst="line">
+            <a:avLst/>
+          </a:prstGeom>
+          <a:ln w="12700"/>
+        </p:spPr>
+        <p:style>
+          <a:lnRef idx="1">
+            <a:schemeClr val="dk1"/>
+          </a:lnRef>
+          <a:fillRef idx="0">
+            <a:schemeClr val="dk1"/>
+          </a:fillRef>
+          <a:effectRef idx="0">
+            <a:schemeClr val="dk1"/>
+          </a:effectRef>
+          <a:fontRef idx="minor">
+            <a:schemeClr val="tx1"/>
+          </a:fontRef>
+        </p:style>
+      </p:cxnSp>
+      <p:cxnSp>
+        <p:nvCxnSpPr>
+          <p:cNvPr id="47" name="Elbow Connector 46">
+            <a:extLst>
+              <a:ext uri="{FF2B5EF4-FFF2-40B4-BE49-F238E27FC236}">
+                <a16:creationId xmlns:a16="http://schemas.microsoft.com/office/drawing/2014/main" id="{1C9FD76F-5386-0F02-7F3B-69D40329AF64}"/>
+              </a:ext>
+            </a:extLst>
+          </p:cNvPr>
+          <p:cNvCxnSpPr>
+            <a:cxnSpLocks/>
+          </p:cNvCxnSpPr>
+          <p:nvPr/>
+        </p:nvCxnSpPr>
+        <p:spPr>
+          <a:xfrm flipH="1">
+            <a:off x="1975148" y="2196254"/>
+            <a:ext cx="270293" cy="339352"/>
+          </a:xfrm>
+          <a:prstGeom prst="bentConnector2">
+            <a:avLst/>
+          </a:prstGeom>
+          <a:ln w="12700">
+            <a:headEnd type="triangle"/>
+          </a:ln>
+        </p:spPr>
+        <p:style>
+          <a:lnRef idx="1">
+            <a:schemeClr val="dk1"/>
+          </a:lnRef>
+          <a:fillRef idx="0">
+            <a:schemeClr val="dk1"/>
+          </a:fillRef>
+          <a:effectRef idx="0">
+            <a:schemeClr val="dk1"/>
+          </a:effectRef>
+          <a:fontRef idx="minor">
+            <a:schemeClr val="tx1"/>
+          </a:fontRef>
+        </p:style>
+      </p:cxnSp>
     </p:spTree>
     <p:extLst>
       <p:ext uri="{BB962C8B-B14F-4D97-AF65-F5344CB8AC3E}">

--- a/files/communication_diagram.pptx
+++ b/files/communication_diagram.pptx
@@ -200,7 +200,7 @@
           <a:p>
             <a:fld id="{1DA394A1-87FE-BC40-B428-C4F79D5812EE}" type="datetimeFigureOut">
               <a:rPr lang="en-US" smtClean="0"/>
-              <a:t>6/5/23</a:t>
+              <a:t>6/9/23</a:t>
             </a:fld>
             <a:endParaRPr lang="en-US"/>
           </a:p>
@@ -785,7 +785,7 @@
           <a:p>
             <a:fld id="{5BD1349E-D158-4E40-990A-05F7F3787A3C}" type="datetimeFigureOut">
               <a:rPr lang="en-US" smtClean="0"/>
-              <a:t>6/5/23</a:t>
+              <a:t>6/9/23</a:t>
             </a:fld>
             <a:endParaRPr lang="en-US"/>
           </a:p>
@@ -985,7 +985,7 @@
           <a:p>
             <a:fld id="{5BD1349E-D158-4E40-990A-05F7F3787A3C}" type="datetimeFigureOut">
               <a:rPr lang="en-US" smtClean="0"/>
-              <a:t>6/5/23</a:t>
+              <a:t>6/9/23</a:t>
             </a:fld>
             <a:endParaRPr lang="en-US"/>
           </a:p>
@@ -1195,7 +1195,7 @@
           <a:p>
             <a:fld id="{5BD1349E-D158-4E40-990A-05F7F3787A3C}" type="datetimeFigureOut">
               <a:rPr lang="en-US" smtClean="0"/>
-              <a:t>6/5/23</a:t>
+              <a:t>6/9/23</a:t>
             </a:fld>
             <a:endParaRPr lang="en-US"/>
           </a:p>
@@ -1395,7 +1395,7 @@
           <a:p>
             <a:fld id="{5BD1349E-D158-4E40-990A-05F7F3787A3C}" type="datetimeFigureOut">
               <a:rPr lang="en-US" smtClean="0"/>
-              <a:t>6/5/23</a:t>
+              <a:t>6/9/23</a:t>
             </a:fld>
             <a:endParaRPr lang="en-US"/>
           </a:p>
@@ -1671,7 +1671,7 @@
           <a:p>
             <a:fld id="{5BD1349E-D158-4E40-990A-05F7F3787A3C}" type="datetimeFigureOut">
               <a:rPr lang="en-US" smtClean="0"/>
-              <a:t>6/5/23</a:t>
+              <a:t>6/9/23</a:t>
             </a:fld>
             <a:endParaRPr lang="en-US"/>
           </a:p>
@@ -1939,7 +1939,7 @@
           <a:p>
             <a:fld id="{5BD1349E-D158-4E40-990A-05F7F3787A3C}" type="datetimeFigureOut">
               <a:rPr lang="en-US" smtClean="0"/>
-              <a:t>6/5/23</a:t>
+              <a:t>6/9/23</a:t>
             </a:fld>
             <a:endParaRPr lang="en-US"/>
           </a:p>
@@ -2354,7 +2354,7 @@
           <a:p>
             <a:fld id="{5BD1349E-D158-4E40-990A-05F7F3787A3C}" type="datetimeFigureOut">
               <a:rPr lang="en-US" smtClean="0"/>
-              <a:t>6/5/23</a:t>
+              <a:t>6/9/23</a:t>
             </a:fld>
             <a:endParaRPr lang="en-US"/>
           </a:p>
@@ -2496,7 +2496,7 @@
           <a:p>
             <a:fld id="{5BD1349E-D158-4E40-990A-05F7F3787A3C}" type="datetimeFigureOut">
               <a:rPr lang="en-US" smtClean="0"/>
-              <a:t>6/5/23</a:t>
+              <a:t>6/9/23</a:t>
             </a:fld>
             <a:endParaRPr lang="en-US"/>
           </a:p>
@@ -2609,7 +2609,7 @@
           <a:p>
             <a:fld id="{5BD1349E-D158-4E40-990A-05F7F3787A3C}" type="datetimeFigureOut">
               <a:rPr lang="en-US" smtClean="0"/>
-              <a:t>6/5/23</a:t>
+              <a:t>6/9/23</a:t>
             </a:fld>
             <a:endParaRPr lang="en-US"/>
           </a:p>
@@ -2922,7 +2922,7 @@
           <a:p>
             <a:fld id="{5BD1349E-D158-4E40-990A-05F7F3787A3C}" type="datetimeFigureOut">
               <a:rPr lang="en-US" smtClean="0"/>
-              <a:t>6/5/23</a:t>
+              <a:t>6/9/23</a:t>
             </a:fld>
             <a:endParaRPr lang="en-US"/>
           </a:p>
@@ -3211,7 +3211,7 @@
           <a:p>
             <a:fld id="{5BD1349E-D158-4E40-990A-05F7F3787A3C}" type="datetimeFigureOut">
               <a:rPr lang="en-US" smtClean="0"/>
-              <a:t>6/5/23</a:t>
+              <a:t>6/9/23</a:t>
             </a:fld>
             <a:endParaRPr lang="en-US"/>
           </a:p>
@@ -3454,7 +3454,7 @@
           <a:p>
             <a:fld id="{5BD1349E-D158-4E40-990A-05F7F3787A3C}" type="datetimeFigureOut">
               <a:rPr lang="en-US" smtClean="0"/>
-              <a:t>6/5/23</a:t>
+              <a:t>6/9/23</a:t>
             </a:fld>
             <a:endParaRPr lang="en-US"/>
           </a:p>
@@ -5446,7 +5446,7 @@
                   <a:schemeClr val="tx1"/>
                 </a:solidFill>
               </a:rPr>
-              <a:t>Communication</a:t>
+              <a:t>Receiving</a:t>
             </a:r>
           </a:p>
         </p:txBody>
@@ -5519,7 +5519,7 @@
         </p:nvSpPr>
         <p:spPr>
           <a:xfrm>
-            <a:off x="7729303" y="4342884"/>
+            <a:off x="8639281" y="4343202"/>
             <a:ext cx="339115" cy="375781"/>
           </a:xfrm>
           <a:prstGeom prst="flowChartAlternateProcess">

--- a/files/communication_diagram.pptx
+++ b/files/communication_diagram.pptx
@@ -200,7 +200,7 @@
           <a:p>
             <a:fld id="{1DA394A1-87FE-BC40-B428-C4F79D5812EE}" type="datetimeFigureOut">
               <a:rPr lang="en-US" smtClean="0"/>
-              <a:t>5/30/23</a:t>
+              <a:t>6/9/23</a:t>
             </a:fld>
             <a:endParaRPr lang="en-US"/>
           </a:p>
@@ -785,7 +785,7 @@
           <a:p>
             <a:fld id="{5BD1349E-D158-4E40-990A-05F7F3787A3C}" type="datetimeFigureOut">
               <a:rPr lang="en-US" smtClean="0"/>
-              <a:t>5/30/23</a:t>
+              <a:t>6/9/23</a:t>
             </a:fld>
             <a:endParaRPr lang="en-US"/>
           </a:p>
@@ -985,7 +985,7 @@
           <a:p>
             <a:fld id="{5BD1349E-D158-4E40-990A-05F7F3787A3C}" type="datetimeFigureOut">
               <a:rPr lang="en-US" smtClean="0"/>
-              <a:t>5/30/23</a:t>
+              <a:t>6/9/23</a:t>
             </a:fld>
             <a:endParaRPr lang="en-US"/>
           </a:p>
@@ -1195,7 +1195,7 @@
           <a:p>
             <a:fld id="{5BD1349E-D158-4E40-990A-05F7F3787A3C}" type="datetimeFigureOut">
               <a:rPr lang="en-US" smtClean="0"/>
-              <a:t>5/30/23</a:t>
+              <a:t>6/9/23</a:t>
             </a:fld>
             <a:endParaRPr lang="en-US"/>
           </a:p>
@@ -1395,7 +1395,7 @@
           <a:p>
             <a:fld id="{5BD1349E-D158-4E40-990A-05F7F3787A3C}" type="datetimeFigureOut">
               <a:rPr lang="en-US" smtClean="0"/>
-              <a:t>5/30/23</a:t>
+              <a:t>6/9/23</a:t>
             </a:fld>
             <a:endParaRPr lang="en-US"/>
           </a:p>
@@ -1671,7 +1671,7 @@
           <a:p>
             <a:fld id="{5BD1349E-D158-4E40-990A-05F7F3787A3C}" type="datetimeFigureOut">
               <a:rPr lang="en-US" smtClean="0"/>
-              <a:t>5/30/23</a:t>
+              <a:t>6/9/23</a:t>
             </a:fld>
             <a:endParaRPr lang="en-US"/>
           </a:p>
@@ -1939,7 +1939,7 @@
           <a:p>
             <a:fld id="{5BD1349E-D158-4E40-990A-05F7F3787A3C}" type="datetimeFigureOut">
               <a:rPr lang="en-US" smtClean="0"/>
-              <a:t>5/30/23</a:t>
+              <a:t>6/9/23</a:t>
             </a:fld>
             <a:endParaRPr lang="en-US"/>
           </a:p>
@@ -2354,7 +2354,7 @@
           <a:p>
             <a:fld id="{5BD1349E-D158-4E40-990A-05F7F3787A3C}" type="datetimeFigureOut">
               <a:rPr lang="en-US" smtClean="0"/>
-              <a:t>5/30/23</a:t>
+              <a:t>6/9/23</a:t>
             </a:fld>
             <a:endParaRPr lang="en-US"/>
           </a:p>
@@ -2496,7 +2496,7 @@
           <a:p>
             <a:fld id="{5BD1349E-D158-4E40-990A-05F7F3787A3C}" type="datetimeFigureOut">
               <a:rPr lang="en-US" smtClean="0"/>
-              <a:t>5/30/23</a:t>
+              <a:t>6/9/23</a:t>
             </a:fld>
             <a:endParaRPr lang="en-US"/>
           </a:p>
@@ -2609,7 +2609,7 @@
           <a:p>
             <a:fld id="{5BD1349E-D158-4E40-990A-05F7F3787A3C}" type="datetimeFigureOut">
               <a:rPr lang="en-US" smtClean="0"/>
-              <a:t>5/30/23</a:t>
+              <a:t>6/9/23</a:t>
             </a:fld>
             <a:endParaRPr lang="en-US"/>
           </a:p>
@@ -2922,7 +2922,7 @@
           <a:p>
             <a:fld id="{5BD1349E-D158-4E40-990A-05F7F3787A3C}" type="datetimeFigureOut">
               <a:rPr lang="en-US" smtClean="0"/>
-              <a:t>5/30/23</a:t>
+              <a:t>6/9/23</a:t>
             </a:fld>
             <a:endParaRPr lang="en-US"/>
           </a:p>
@@ -3211,7 +3211,7 @@
           <a:p>
             <a:fld id="{5BD1349E-D158-4E40-990A-05F7F3787A3C}" type="datetimeFigureOut">
               <a:rPr lang="en-US" smtClean="0"/>
-              <a:t>5/30/23</a:t>
+              <a:t>6/9/23</a:t>
             </a:fld>
             <a:endParaRPr lang="en-US"/>
           </a:p>
@@ -3454,7 +3454,7 @@
           <a:p>
             <a:fld id="{5BD1349E-D158-4E40-990A-05F7F3787A3C}" type="datetimeFigureOut">
               <a:rPr lang="en-US" smtClean="0"/>
-              <a:t>5/30/23</a:t>
+              <a:t>6/9/23</a:t>
             </a:fld>
             <a:endParaRPr lang="en-US"/>
           </a:p>
@@ -4985,6 +4985,673 @@
             <a:r>
               <a:rPr lang="en-US" dirty="0"/>
               <a:t>Blocking Communication</a:t>
+            </a:r>
+          </a:p>
+        </p:txBody>
+      </p:sp>
+      <p:sp>
+        <p:nvSpPr>
+          <p:cNvPr id="3" name="Alternative Process 2">
+            <a:extLst>
+              <a:ext uri="{FF2B5EF4-FFF2-40B4-BE49-F238E27FC236}">
+                <a16:creationId xmlns:a16="http://schemas.microsoft.com/office/drawing/2014/main" id="{A322C727-2B95-D0EF-E853-9F82D77657A2}"/>
+              </a:ext>
+            </a:extLst>
+          </p:cNvPr>
+          <p:cNvSpPr/>
+          <p:nvPr/>
+        </p:nvSpPr>
+        <p:spPr>
+          <a:xfrm>
+            <a:off x="6880411" y="3869457"/>
+            <a:ext cx="4736749" cy="375781"/>
+          </a:xfrm>
+          <a:prstGeom prst="flowChartAlternateProcess">
+            <a:avLst/>
+          </a:prstGeom>
+          <a:solidFill>
+            <a:srgbClr val="FAFDF0"/>
+          </a:solidFill>
+          <a:ln>
+            <a:solidFill>
+              <a:srgbClr val="DDF08B"/>
+            </a:solidFill>
+          </a:ln>
+        </p:spPr>
+        <p:style>
+          <a:lnRef idx="2">
+            <a:schemeClr val="accent1">
+              <a:shade val="15000"/>
+            </a:schemeClr>
+          </a:lnRef>
+          <a:fillRef idx="1">
+            <a:schemeClr val="accent1"/>
+          </a:fillRef>
+          <a:effectRef idx="0">
+            <a:schemeClr val="accent1"/>
+          </a:effectRef>
+          <a:fontRef idx="minor">
+            <a:schemeClr val="lt1"/>
+          </a:fontRef>
+        </p:style>
+        <p:txBody>
+          <a:bodyPr rtlCol="0" anchor="ctr"/>
+          <a:lstStyle/>
+          <a:p>
+            <a:pPr algn="ctr"/>
+            <a:endParaRPr lang="en-US"/>
+          </a:p>
+        </p:txBody>
+      </p:sp>
+      <p:sp>
+        <p:nvSpPr>
+          <p:cNvPr id="7" name="Alternative Process 6">
+            <a:extLst>
+              <a:ext uri="{FF2B5EF4-FFF2-40B4-BE49-F238E27FC236}">
+                <a16:creationId xmlns:a16="http://schemas.microsoft.com/office/drawing/2014/main" id="{7D9050CF-9505-5AF9-4639-4DAA36908FF4}"/>
+              </a:ext>
+            </a:extLst>
+          </p:cNvPr>
+          <p:cNvSpPr/>
+          <p:nvPr/>
+        </p:nvSpPr>
+        <p:spPr>
+          <a:xfrm>
+            <a:off x="6880411" y="4336750"/>
+            <a:ext cx="4123838" cy="375781"/>
+          </a:xfrm>
+          <a:prstGeom prst="flowChartAlternateProcess">
+            <a:avLst/>
+          </a:prstGeom>
+          <a:solidFill>
+            <a:srgbClr val="FAFDF0"/>
+          </a:solidFill>
+          <a:ln>
+            <a:solidFill>
+              <a:srgbClr val="DDF08B"/>
+            </a:solidFill>
+          </a:ln>
+        </p:spPr>
+        <p:style>
+          <a:lnRef idx="2">
+            <a:schemeClr val="accent1">
+              <a:shade val="15000"/>
+            </a:schemeClr>
+          </a:lnRef>
+          <a:fillRef idx="1">
+            <a:schemeClr val="accent1"/>
+          </a:fillRef>
+          <a:effectRef idx="0">
+            <a:schemeClr val="accent1"/>
+          </a:effectRef>
+          <a:fontRef idx="minor">
+            <a:schemeClr val="lt1"/>
+          </a:fontRef>
+        </p:style>
+        <p:txBody>
+          <a:bodyPr rtlCol="0" anchor="ctr"/>
+          <a:lstStyle/>
+          <a:p>
+            <a:pPr algn="ctr"/>
+            <a:endParaRPr lang="en-US"/>
+          </a:p>
+        </p:txBody>
+      </p:sp>
+      <p:sp>
+        <p:nvSpPr>
+          <p:cNvPr id="8" name="Alternative Process 7">
+            <a:extLst>
+              <a:ext uri="{FF2B5EF4-FFF2-40B4-BE49-F238E27FC236}">
+                <a16:creationId xmlns:a16="http://schemas.microsoft.com/office/drawing/2014/main" id="{CB1AF7D9-6B34-2B06-17ED-3D8B007620CB}"/>
+              </a:ext>
+            </a:extLst>
+          </p:cNvPr>
+          <p:cNvSpPr/>
+          <p:nvPr/>
+        </p:nvSpPr>
+        <p:spPr>
+          <a:xfrm>
+            <a:off x="8639281" y="3869457"/>
+            <a:ext cx="339115" cy="375781"/>
+          </a:xfrm>
+          <a:prstGeom prst="flowChartAlternateProcess">
+            <a:avLst/>
+          </a:prstGeom>
+          <a:solidFill>
+            <a:srgbClr val="F2EFF6"/>
+          </a:solidFill>
+          <a:ln>
+            <a:solidFill>
+              <a:srgbClr val="360084"/>
+            </a:solidFill>
+          </a:ln>
+        </p:spPr>
+        <p:style>
+          <a:lnRef idx="2">
+            <a:schemeClr val="accent1">
+              <a:shade val="15000"/>
+            </a:schemeClr>
+          </a:lnRef>
+          <a:fillRef idx="1">
+            <a:schemeClr val="accent1"/>
+          </a:fillRef>
+          <a:effectRef idx="0">
+            <a:schemeClr val="accent1"/>
+          </a:effectRef>
+          <a:fontRef idx="minor">
+            <a:schemeClr val="lt1"/>
+          </a:fontRef>
+        </p:style>
+        <p:txBody>
+          <a:bodyPr rtlCol="0" anchor="ctr"/>
+          <a:lstStyle/>
+          <a:p>
+            <a:pPr algn="ctr"/>
+            <a:endParaRPr lang="en-US"/>
+          </a:p>
+        </p:txBody>
+      </p:sp>
+      <p:sp>
+        <p:nvSpPr>
+          <p:cNvPr id="17" name="Alternative Process 16">
+            <a:extLst>
+              <a:ext uri="{FF2B5EF4-FFF2-40B4-BE49-F238E27FC236}">
+                <a16:creationId xmlns:a16="http://schemas.microsoft.com/office/drawing/2014/main" id="{621CBAAF-B394-F8CE-6CEF-5F02AB5DB896}"/>
+              </a:ext>
+            </a:extLst>
+          </p:cNvPr>
+          <p:cNvSpPr/>
+          <p:nvPr/>
+        </p:nvSpPr>
+        <p:spPr>
+          <a:xfrm>
+            <a:off x="10665134" y="4342884"/>
+            <a:ext cx="339115" cy="375781"/>
+          </a:xfrm>
+          <a:prstGeom prst="flowChartAlternateProcess">
+            <a:avLst/>
+          </a:prstGeom>
+          <a:solidFill>
+            <a:srgbClr val="F2EFF6"/>
+          </a:solidFill>
+          <a:ln>
+            <a:solidFill>
+              <a:srgbClr val="360084"/>
+            </a:solidFill>
+          </a:ln>
+        </p:spPr>
+        <p:style>
+          <a:lnRef idx="2">
+            <a:schemeClr val="accent1">
+              <a:shade val="15000"/>
+            </a:schemeClr>
+          </a:lnRef>
+          <a:fillRef idx="1">
+            <a:schemeClr val="accent1"/>
+          </a:fillRef>
+          <a:effectRef idx="0">
+            <a:schemeClr val="accent1"/>
+          </a:effectRef>
+          <a:fontRef idx="minor">
+            <a:schemeClr val="lt1"/>
+          </a:fontRef>
+        </p:style>
+        <p:txBody>
+          <a:bodyPr rtlCol="0" anchor="ctr"/>
+          <a:lstStyle/>
+          <a:p>
+            <a:pPr algn="ctr"/>
+            <a:endParaRPr lang="en-US"/>
+          </a:p>
+        </p:txBody>
+      </p:sp>
+      <p:sp>
+        <p:nvSpPr>
+          <p:cNvPr id="18" name="TextBox 17">
+            <a:extLst>
+              <a:ext uri="{FF2B5EF4-FFF2-40B4-BE49-F238E27FC236}">
+                <a16:creationId xmlns:a16="http://schemas.microsoft.com/office/drawing/2014/main" id="{0461C0C9-06AA-95D6-712D-F486B0CEA06E}"/>
+              </a:ext>
+            </a:extLst>
+          </p:cNvPr>
+          <p:cNvSpPr txBox="1"/>
+          <p:nvPr/>
+        </p:nvSpPr>
+        <p:spPr>
+          <a:xfrm>
+            <a:off x="6012159" y="3872680"/>
+            <a:ext cx="816249" cy="369332"/>
+          </a:xfrm>
+          <a:prstGeom prst="rect">
+            <a:avLst/>
+          </a:prstGeom>
+          <a:noFill/>
+        </p:spPr>
+        <p:txBody>
+          <a:bodyPr wrap="none" rtlCol="0">
+            <a:spAutoFit/>
+          </a:bodyPr>
+          <a:lstStyle/>
+          <a:p>
+            <a:r>
+              <a:rPr lang="en-US" dirty="0"/>
+              <a:t>Rank 0</a:t>
+            </a:r>
+          </a:p>
+        </p:txBody>
+      </p:sp>
+      <p:sp>
+        <p:nvSpPr>
+          <p:cNvPr id="24" name="TextBox 23">
+            <a:extLst>
+              <a:ext uri="{FF2B5EF4-FFF2-40B4-BE49-F238E27FC236}">
+                <a16:creationId xmlns:a16="http://schemas.microsoft.com/office/drawing/2014/main" id="{6AB8E812-8C85-7CAC-DDD9-A307C4CAADCA}"/>
+              </a:ext>
+            </a:extLst>
+          </p:cNvPr>
+          <p:cNvSpPr txBox="1"/>
+          <p:nvPr/>
+        </p:nvSpPr>
+        <p:spPr>
+          <a:xfrm>
+            <a:off x="6012159" y="4336750"/>
+            <a:ext cx="816249" cy="369332"/>
+          </a:xfrm>
+          <a:prstGeom prst="rect">
+            <a:avLst/>
+          </a:prstGeom>
+          <a:noFill/>
+        </p:spPr>
+        <p:txBody>
+          <a:bodyPr wrap="none" rtlCol="0">
+            <a:spAutoFit/>
+          </a:bodyPr>
+          <a:lstStyle/>
+          <a:p>
+            <a:r>
+              <a:rPr lang="en-US" dirty="0"/>
+              <a:t>Rank 1</a:t>
+            </a:r>
+          </a:p>
+        </p:txBody>
+      </p:sp>
+      <p:sp>
+        <p:nvSpPr>
+          <p:cNvPr id="26" name="Alternative Process 25">
+            <a:extLst>
+              <a:ext uri="{FF2B5EF4-FFF2-40B4-BE49-F238E27FC236}">
+                <a16:creationId xmlns:a16="http://schemas.microsoft.com/office/drawing/2014/main" id="{E523B841-528C-169C-9F67-C5B7CEDEC504}"/>
+              </a:ext>
+            </a:extLst>
+          </p:cNvPr>
+          <p:cNvSpPr/>
+          <p:nvPr/>
+        </p:nvSpPr>
+        <p:spPr>
+          <a:xfrm>
+            <a:off x="11278045" y="3866231"/>
+            <a:ext cx="339115" cy="375781"/>
+          </a:xfrm>
+          <a:prstGeom prst="flowChartAlternateProcess">
+            <a:avLst/>
+          </a:prstGeom>
+          <a:solidFill>
+            <a:srgbClr val="F2EFF6"/>
+          </a:solidFill>
+          <a:ln>
+            <a:solidFill>
+              <a:srgbClr val="360084"/>
+            </a:solidFill>
+          </a:ln>
+        </p:spPr>
+        <p:style>
+          <a:lnRef idx="2">
+            <a:schemeClr val="accent1">
+              <a:shade val="15000"/>
+            </a:schemeClr>
+          </a:lnRef>
+          <a:fillRef idx="1">
+            <a:schemeClr val="accent1"/>
+          </a:fillRef>
+          <a:effectRef idx="0">
+            <a:schemeClr val="accent1"/>
+          </a:effectRef>
+          <a:fontRef idx="minor">
+            <a:schemeClr val="lt1"/>
+          </a:fontRef>
+        </p:style>
+        <p:txBody>
+          <a:bodyPr rtlCol="0" anchor="ctr"/>
+          <a:lstStyle/>
+          <a:p>
+            <a:pPr algn="ctr"/>
+            <a:endParaRPr lang="en-US"/>
+          </a:p>
+        </p:txBody>
+      </p:sp>
+      <p:sp>
+        <p:nvSpPr>
+          <p:cNvPr id="29" name="Alternative Process 28">
+            <a:extLst>
+              <a:ext uri="{FF2B5EF4-FFF2-40B4-BE49-F238E27FC236}">
+                <a16:creationId xmlns:a16="http://schemas.microsoft.com/office/drawing/2014/main" id="{75AB3373-5212-4CA4-7291-A6AACDE57DDC}"/>
+              </a:ext>
+            </a:extLst>
+          </p:cNvPr>
+          <p:cNvSpPr/>
+          <p:nvPr/>
+        </p:nvSpPr>
+        <p:spPr>
+          <a:xfrm>
+            <a:off x="7335401" y="4902157"/>
+            <a:ext cx="1249095" cy="375781"/>
+          </a:xfrm>
+          <a:prstGeom prst="flowChartAlternateProcess">
+            <a:avLst/>
+          </a:prstGeom>
+          <a:solidFill>
+            <a:srgbClr val="FAFDF0"/>
+          </a:solidFill>
+          <a:ln>
+            <a:solidFill>
+              <a:srgbClr val="DDF08B"/>
+            </a:solidFill>
+          </a:ln>
+        </p:spPr>
+        <p:style>
+          <a:lnRef idx="2">
+            <a:schemeClr val="accent1">
+              <a:shade val="15000"/>
+            </a:schemeClr>
+          </a:lnRef>
+          <a:fillRef idx="1">
+            <a:schemeClr val="accent1"/>
+          </a:fillRef>
+          <a:effectRef idx="0">
+            <a:schemeClr val="accent1"/>
+          </a:effectRef>
+          <a:fontRef idx="minor">
+            <a:schemeClr val="lt1"/>
+          </a:fontRef>
+        </p:style>
+        <p:txBody>
+          <a:bodyPr rtlCol="0" anchor="ctr"/>
+          <a:lstStyle/>
+          <a:p>
+            <a:pPr algn="ctr"/>
+            <a:r>
+              <a:rPr lang="en-US" sz="1100" dirty="0">
+                <a:solidFill>
+                  <a:schemeClr val="tx1"/>
+                </a:solidFill>
+              </a:rPr>
+              <a:t>Calculations</a:t>
+            </a:r>
+          </a:p>
+        </p:txBody>
+      </p:sp>
+      <p:sp>
+        <p:nvSpPr>
+          <p:cNvPr id="30" name="Alternative Process 29">
+            <a:extLst>
+              <a:ext uri="{FF2B5EF4-FFF2-40B4-BE49-F238E27FC236}">
+                <a16:creationId xmlns:a16="http://schemas.microsoft.com/office/drawing/2014/main" id="{3580CF7A-A51F-A7F7-6CBE-C0F70897C841}"/>
+              </a:ext>
+            </a:extLst>
+          </p:cNvPr>
+          <p:cNvSpPr/>
+          <p:nvPr/>
+        </p:nvSpPr>
+        <p:spPr>
+          <a:xfrm>
+            <a:off x="8639281" y="4902156"/>
+            <a:ext cx="1249095" cy="375781"/>
+          </a:xfrm>
+          <a:prstGeom prst="flowChartAlternateProcess">
+            <a:avLst/>
+          </a:prstGeom>
+          <a:solidFill>
+            <a:srgbClr val="F2EFF6"/>
+          </a:solidFill>
+          <a:ln>
+            <a:solidFill>
+              <a:srgbClr val="360084"/>
+            </a:solidFill>
+          </a:ln>
+        </p:spPr>
+        <p:style>
+          <a:lnRef idx="2">
+            <a:schemeClr val="accent1">
+              <a:shade val="15000"/>
+            </a:schemeClr>
+          </a:lnRef>
+          <a:fillRef idx="1">
+            <a:schemeClr val="accent1"/>
+          </a:fillRef>
+          <a:effectRef idx="0">
+            <a:schemeClr val="accent1"/>
+          </a:effectRef>
+          <a:fontRef idx="minor">
+            <a:schemeClr val="lt1"/>
+          </a:fontRef>
+        </p:style>
+        <p:txBody>
+          <a:bodyPr rtlCol="0" anchor="ctr"/>
+          <a:lstStyle/>
+          <a:p>
+            <a:pPr algn="ctr"/>
+            <a:r>
+              <a:rPr lang="en-US" sz="1100" dirty="0">
+                <a:solidFill>
+                  <a:schemeClr val="tx1"/>
+                </a:solidFill>
+              </a:rPr>
+              <a:t>Receiving</a:t>
+            </a:r>
+          </a:p>
+        </p:txBody>
+      </p:sp>
+      <p:sp>
+        <p:nvSpPr>
+          <p:cNvPr id="36" name="Alternative Process 35">
+            <a:extLst>
+              <a:ext uri="{FF2B5EF4-FFF2-40B4-BE49-F238E27FC236}">
+                <a16:creationId xmlns:a16="http://schemas.microsoft.com/office/drawing/2014/main" id="{88D1DBFD-304F-B881-E438-90F32C3AED51}"/>
+              </a:ext>
+            </a:extLst>
+          </p:cNvPr>
+          <p:cNvSpPr/>
+          <p:nvPr/>
+        </p:nvSpPr>
+        <p:spPr>
+          <a:xfrm>
+            <a:off x="7959948" y="4339976"/>
+            <a:ext cx="1018448" cy="375781"/>
+          </a:xfrm>
+          <a:prstGeom prst="flowChartAlternateProcess">
+            <a:avLst/>
+          </a:prstGeom>
+          <a:solidFill>
+            <a:srgbClr val="FDF8EE"/>
+          </a:solidFill>
+          <a:ln>
+            <a:solidFill>
+              <a:srgbClr val="EFC57B"/>
+            </a:solidFill>
+          </a:ln>
+        </p:spPr>
+        <p:style>
+          <a:lnRef idx="2">
+            <a:schemeClr val="accent1">
+              <a:shade val="15000"/>
+            </a:schemeClr>
+          </a:lnRef>
+          <a:fillRef idx="1">
+            <a:schemeClr val="accent1"/>
+          </a:fillRef>
+          <a:effectRef idx="0">
+            <a:schemeClr val="accent1"/>
+          </a:effectRef>
+          <a:fontRef idx="minor">
+            <a:schemeClr val="lt1"/>
+          </a:fontRef>
+        </p:style>
+        <p:txBody>
+          <a:bodyPr rtlCol="0" anchor="ctr"/>
+          <a:lstStyle/>
+          <a:p>
+            <a:pPr algn="ctr"/>
+            <a:endParaRPr lang="en-US"/>
+          </a:p>
+        </p:txBody>
+      </p:sp>
+      <p:sp>
+        <p:nvSpPr>
+          <p:cNvPr id="25" name="Alternative Process 24">
+            <a:extLst>
+              <a:ext uri="{FF2B5EF4-FFF2-40B4-BE49-F238E27FC236}">
+                <a16:creationId xmlns:a16="http://schemas.microsoft.com/office/drawing/2014/main" id="{78187536-A481-90B5-12AB-FF03C844E92A}"/>
+              </a:ext>
+            </a:extLst>
+          </p:cNvPr>
+          <p:cNvSpPr/>
+          <p:nvPr/>
+        </p:nvSpPr>
+        <p:spPr>
+          <a:xfrm>
+            <a:off x="8639281" y="4343202"/>
+            <a:ext cx="339115" cy="375781"/>
+          </a:xfrm>
+          <a:prstGeom prst="flowChartAlternateProcess">
+            <a:avLst/>
+          </a:prstGeom>
+          <a:solidFill>
+            <a:srgbClr val="F2EFF6"/>
+          </a:solidFill>
+          <a:ln>
+            <a:solidFill>
+              <a:srgbClr val="360084"/>
+            </a:solidFill>
+          </a:ln>
+        </p:spPr>
+        <p:style>
+          <a:lnRef idx="2">
+            <a:schemeClr val="accent1">
+              <a:shade val="15000"/>
+            </a:schemeClr>
+          </a:lnRef>
+          <a:fillRef idx="1">
+            <a:schemeClr val="accent1"/>
+          </a:fillRef>
+          <a:effectRef idx="0">
+            <a:schemeClr val="accent1"/>
+          </a:effectRef>
+          <a:fontRef idx="minor">
+            <a:schemeClr val="lt1"/>
+          </a:fontRef>
+        </p:style>
+        <p:txBody>
+          <a:bodyPr rtlCol="0" anchor="ctr"/>
+          <a:lstStyle/>
+          <a:p>
+            <a:pPr algn="ctr"/>
+            <a:endParaRPr lang="en-US"/>
+          </a:p>
+        </p:txBody>
+      </p:sp>
+      <p:sp>
+        <p:nvSpPr>
+          <p:cNvPr id="37" name="Alternative Process 36">
+            <a:extLst>
+              <a:ext uri="{FF2B5EF4-FFF2-40B4-BE49-F238E27FC236}">
+                <a16:creationId xmlns:a16="http://schemas.microsoft.com/office/drawing/2014/main" id="{7E837ADA-1B4D-CBD7-EEBE-8F0321F25A34}"/>
+              </a:ext>
+            </a:extLst>
+          </p:cNvPr>
+          <p:cNvSpPr/>
+          <p:nvPr/>
+        </p:nvSpPr>
+        <p:spPr>
+          <a:xfrm>
+            <a:off x="9964460" y="4902155"/>
+            <a:ext cx="1249095" cy="375781"/>
+          </a:xfrm>
+          <a:prstGeom prst="flowChartAlternateProcess">
+            <a:avLst/>
+          </a:prstGeom>
+          <a:solidFill>
+            <a:srgbClr val="FDF8EE"/>
+          </a:solidFill>
+          <a:ln>
+            <a:solidFill>
+              <a:srgbClr val="EFC57B"/>
+            </a:solidFill>
+          </a:ln>
+        </p:spPr>
+        <p:style>
+          <a:lnRef idx="2">
+            <a:schemeClr val="accent1">
+              <a:shade val="15000"/>
+            </a:schemeClr>
+          </a:lnRef>
+          <a:fillRef idx="1">
+            <a:schemeClr val="accent1"/>
+          </a:fillRef>
+          <a:effectRef idx="0">
+            <a:schemeClr val="accent1"/>
+          </a:effectRef>
+          <a:fontRef idx="minor">
+            <a:schemeClr val="lt1"/>
+          </a:fontRef>
+        </p:style>
+        <p:txBody>
+          <a:bodyPr rtlCol="0" anchor="ctr"/>
+          <a:lstStyle/>
+          <a:p>
+            <a:pPr algn="ctr"/>
+            <a:r>
+              <a:rPr lang="en-US" sz="1100" dirty="0">
+                <a:solidFill>
+                  <a:schemeClr val="tx1"/>
+                </a:solidFill>
+              </a:rPr>
+              <a:t>Waiting</a:t>
+            </a:r>
+          </a:p>
+        </p:txBody>
+      </p:sp>
+      <p:sp>
+        <p:nvSpPr>
+          <p:cNvPr id="39" name="TextBox 38">
+            <a:extLst>
+              <a:ext uri="{FF2B5EF4-FFF2-40B4-BE49-F238E27FC236}">
+                <a16:creationId xmlns:a16="http://schemas.microsoft.com/office/drawing/2014/main" id="{063B7CD4-1253-D450-693D-551695C32084}"/>
+              </a:ext>
+            </a:extLst>
+          </p:cNvPr>
+          <p:cNvSpPr txBox="1"/>
+          <p:nvPr/>
+        </p:nvSpPr>
+        <p:spPr>
+          <a:xfrm>
+            <a:off x="6880410" y="3320907"/>
+            <a:ext cx="4736749" cy="369332"/>
+          </a:xfrm>
+          <a:prstGeom prst="rect">
+            <a:avLst/>
+          </a:prstGeom>
+          <a:noFill/>
+        </p:spPr>
+        <p:txBody>
+          <a:bodyPr wrap="square" rtlCol="0">
+            <a:spAutoFit/>
+          </a:bodyPr>
+          <a:lstStyle/>
+          <a:p>
+            <a:pPr algn="ctr"/>
+            <a:r>
+              <a:rPr lang="en-US" dirty="0"/>
+              <a:t>Non-blocking with Data Dependency</a:t>
             </a:r>
           </a:p>
         </p:txBody>
@@ -22347,6 +23014,425 @@
           </a:p>
         </p:txBody>
       </p:sp>
+      <p:sp>
+        <p:nvSpPr>
+          <p:cNvPr id="6" name="Rectangle 5">
+            <a:extLst>
+              <a:ext uri="{FF2B5EF4-FFF2-40B4-BE49-F238E27FC236}">
+                <a16:creationId xmlns:a16="http://schemas.microsoft.com/office/drawing/2014/main" id="{E5D20810-DF72-9536-F383-28BA0055A3ED}"/>
+              </a:ext>
+            </a:extLst>
+          </p:cNvPr>
+          <p:cNvSpPr/>
+          <p:nvPr/>
+        </p:nvSpPr>
+        <p:spPr>
+          <a:xfrm>
+            <a:off x="2238361" y="1950812"/>
+            <a:ext cx="490011" cy="490884"/>
+          </a:xfrm>
+          <a:prstGeom prst="rect">
+            <a:avLst/>
+          </a:prstGeom>
+          <a:solidFill>
+            <a:srgbClr val="FAFDF0"/>
+          </a:solidFill>
+          <a:ln>
+            <a:solidFill>
+              <a:srgbClr val="DDF08B"/>
+            </a:solidFill>
+          </a:ln>
+        </p:spPr>
+        <p:style>
+          <a:lnRef idx="2">
+            <a:schemeClr val="accent1">
+              <a:shade val="15000"/>
+            </a:schemeClr>
+          </a:lnRef>
+          <a:fillRef idx="1">
+            <a:schemeClr val="accent1"/>
+          </a:fillRef>
+          <a:effectRef idx="0">
+            <a:schemeClr val="accent1"/>
+          </a:effectRef>
+          <a:fontRef idx="minor">
+            <a:schemeClr val="lt1"/>
+          </a:fontRef>
+        </p:style>
+        <p:txBody>
+          <a:bodyPr rtlCol="0" anchor="ctr"/>
+          <a:lstStyle/>
+          <a:p>
+            <a:pPr algn="ctr"/>
+            <a:r>
+              <a:rPr lang="en-US" sz="800" dirty="0">
+                <a:solidFill>
+                  <a:schemeClr val="tx1"/>
+                </a:solidFill>
+              </a:rPr>
+              <a:t>Rank</a:t>
+            </a:r>
+          </a:p>
+          <a:p>
+            <a:pPr algn="ctr"/>
+            <a:r>
+              <a:rPr lang="en-US" sz="800" dirty="0">
+                <a:solidFill>
+                  <a:schemeClr val="tx1"/>
+                </a:solidFill>
+              </a:rPr>
+              <a:t>0</a:t>
+            </a:r>
+          </a:p>
+        </p:txBody>
+      </p:sp>
+      <p:sp>
+        <p:nvSpPr>
+          <p:cNvPr id="9" name="Rectangle 8">
+            <a:extLst>
+              <a:ext uri="{FF2B5EF4-FFF2-40B4-BE49-F238E27FC236}">
+                <a16:creationId xmlns:a16="http://schemas.microsoft.com/office/drawing/2014/main" id="{DA0E279E-7456-AD7B-0455-087833D77581}"/>
+              </a:ext>
+            </a:extLst>
+          </p:cNvPr>
+          <p:cNvSpPr/>
+          <p:nvPr/>
+        </p:nvSpPr>
+        <p:spPr>
+          <a:xfrm>
+            <a:off x="3141182" y="1950812"/>
+            <a:ext cx="490011" cy="490884"/>
+          </a:xfrm>
+          <a:prstGeom prst="rect">
+            <a:avLst/>
+          </a:prstGeom>
+          <a:solidFill>
+            <a:srgbClr val="FAFDF0"/>
+          </a:solidFill>
+          <a:ln>
+            <a:solidFill>
+              <a:srgbClr val="DDF08B"/>
+            </a:solidFill>
+          </a:ln>
+        </p:spPr>
+        <p:style>
+          <a:lnRef idx="2">
+            <a:schemeClr val="accent1">
+              <a:shade val="15000"/>
+            </a:schemeClr>
+          </a:lnRef>
+          <a:fillRef idx="1">
+            <a:schemeClr val="accent1"/>
+          </a:fillRef>
+          <a:effectRef idx="0">
+            <a:schemeClr val="accent1"/>
+          </a:effectRef>
+          <a:fontRef idx="minor">
+            <a:schemeClr val="lt1"/>
+          </a:fontRef>
+        </p:style>
+        <p:txBody>
+          <a:bodyPr rtlCol="0" anchor="ctr"/>
+          <a:lstStyle/>
+          <a:p>
+            <a:pPr algn="ctr"/>
+            <a:r>
+              <a:rPr lang="en-US" sz="800" dirty="0">
+                <a:solidFill>
+                  <a:schemeClr val="tx1"/>
+                </a:solidFill>
+              </a:rPr>
+              <a:t>Rank</a:t>
+            </a:r>
+          </a:p>
+          <a:p>
+            <a:pPr algn="ctr"/>
+            <a:r>
+              <a:rPr lang="en-US" sz="800" dirty="0">
+                <a:solidFill>
+                  <a:schemeClr val="tx1"/>
+                </a:solidFill>
+              </a:rPr>
+              <a:t>1</a:t>
+            </a:r>
+          </a:p>
+        </p:txBody>
+      </p:sp>
+      <p:sp>
+        <p:nvSpPr>
+          <p:cNvPr id="10" name="Rectangle 9">
+            <a:extLst>
+              <a:ext uri="{FF2B5EF4-FFF2-40B4-BE49-F238E27FC236}">
+                <a16:creationId xmlns:a16="http://schemas.microsoft.com/office/drawing/2014/main" id="{F6A30FB5-3549-63EE-9062-A4F69C629663}"/>
+              </a:ext>
+            </a:extLst>
+          </p:cNvPr>
+          <p:cNvSpPr/>
+          <p:nvPr/>
+        </p:nvSpPr>
+        <p:spPr>
+          <a:xfrm>
+            <a:off x="4044003" y="1950812"/>
+            <a:ext cx="490011" cy="490884"/>
+          </a:xfrm>
+          <a:prstGeom prst="rect">
+            <a:avLst/>
+          </a:prstGeom>
+          <a:solidFill>
+            <a:srgbClr val="FAFDF0"/>
+          </a:solidFill>
+          <a:ln>
+            <a:solidFill>
+              <a:srgbClr val="DDF08B"/>
+            </a:solidFill>
+          </a:ln>
+        </p:spPr>
+        <p:style>
+          <a:lnRef idx="2">
+            <a:schemeClr val="accent1">
+              <a:shade val="15000"/>
+            </a:schemeClr>
+          </a:lnRef>
+          <a:fillRef idx="1">
+            <a:schemeClr val="accent1"/>
+          </a:fillRef>
+          <a:effectRef idx="0">
+            <a:schemeClr val="accent1"/>
+          </a:effectRef>
+          <a:fontRef idx="minor">
+            <a:schemeClr val="lt1"/>
+          </a:fontRef>
+        </p:style>
+        <p:txBody>
+          <a:bodyPr rtlCol="0" anchor="ctr"/>
+          <a:lstStyle/>
+          <a:p>
+            <a:pPr algn="ctr"/>
+            <a:r>
+              <a:rPr lang="en-US" sz="800" dirty="0">
+                <a:solidFill>
+                  <a:schemeClr val="tx1"/>
+                </a:solidFill>
+              </a:rPr>
+              <a:t>Rank</a:t>
+            </a:r>
+          </a:p>
+          <a:p>
+            <a:pPr algn="ctr"/>
+            <a:r>
+              <a:rPr lang="en-US" sz="800" dirty="0">
+                <a:solidFill>
+                  <a:schemeClr val="tx1"/>
+                </a:solidFill>
+              </a:rPr>
+              <a:t>2</a:t>
+            </a:r>
+          </a:p>
+        </p:txBody>
+      </p:sp>
+      <p:cxnSp>
+        <p:nvCxnSpPr>
+          <p:cNvPr id="12" name="Straight Arrow Connector 11">
+            <a:extLst>
+              <a:ext uri="{FF2B5EF4-FFF2-40B4-BE49-F238E27FC236}">
+                <a16:creationId xmlns:a16="http://schemas.microsoft.com/office/drawing/2014/main" id="{45C1B572-86A6-39CD-08C7-ED63F210C836}"/>
+              </a:ext>
+            </a:extLst>
+          </p:cNvPr>
+          <p:cNvCxnSpPr>
+            <a:stCxn id="6" idx="3"/>
+            <a:endCxn id="9" idx="1"/>
+          </p:cNvCxnSpPr>
+          <p:nvPr/>
+        </p:nvCxnSpPr>
+        <p:spPr>
+          <a:xfrm>
+            <a:off x="2728372" y="2196254"/>
+            <a:ext cx="412810" cy="0"/>
+          </a:xfrm>
+          <a:prstGeom prst="straightConnector1">
+            <a:avLst/>
+          </a:prstGeom>
+          <a:ln w="12700">
+            <a:headEnd type="triangle"/>
+            <a:tailEnd type="triangle"/>
+          </a:ln>
+        </p:spPr>
+        <p:style>
+          <a:lnRef idx="1">
+            <a:schemeClr val="dk1"/>
+          </a:lnRef>
+          <a:fillRef idx="0">
+            <a:schemeClr val="dk1"/>
+          </a:fillRef>
+          <a:effectRef idx="0">
+            <a:schemeClr val="dk1"/>
+          </a:effectRef>
+          <a:fontRef idx="minor">
+            <a:schemeClr val="tx1"/>
+          </a:fontRef>
+        </p:style>
+      </p:cxnSp>
+      <p:cxnSp>
+        <p:nvCxnSpPr>
+          <p:cNvPr id="13" name="Straight Arrow Connector 12">
+            <a:extLst>
+              <a:ext uri="{FF2B5EF4-FFF2-40B4-BE49-F238E27FC236}">
+                <a16:creationId xmlns:a16="http://schemas.microsoft.com/office/drawing/2014/main" id="{B9CF6AB7-DBA3-078F-4BC4-26128EC51C3E}"/>
+              </a:ext>
+            </a:extLst>
+          </p:cNvPr>
+          <p:cNvCxnSpPr/>
+          <p:nvPr/>
+        </p:nvCxnSpPr>
+        <p:spPr>
+          <a:xfrm>
+            <a:off x="3638942" y="2187239"/>
+            <a:ext cx="412810" cy="0"/>
+          </a:xfrm>
+          <a:prstGeom prst="straightConnector1">
+            <a:avLst/>
+          </a:prstGeom>
+          <a:ln w="12700">
+            <a:headEnd type="triangle"/>
+            <a:tailEnd type="triangle"/>
+          </a:ln>
+        </p:spPr>
+        <p:style>
+          <a:lnRef idx="1">
+            <a:schemeClr val="dk1"/>
+          </a:lnRef>
+          <a:fillRef idx="0">
+            <a:schemeClr val="dk1"/>
+          </a:fillRef>
+          <a:effectRef idx="0">
+            <a:schemeClr val="dk1"/>
+          </a:effectRef>
+          <a:fontRef idx="minor">
+            <a:schemeClr val="tx1"/>
+          </a:fontRef>
+        </p:style>
+      </p:cxnSp>
+      <p:cxnSp>
+        <p:nvCxnSpPr>
+          <p:cNvPr id="17" name="Elbow Connector 16">
+            <a:extLst>
+              <a:ext uri="{FF2B5EF4-FFF2-40B4-BE49-F238E27FC236}">
+                <a16:creationId xmlns:a16="http://schemas.microsoft.com/office/drawing/2014/main" id="{9398B8BB-47E8-7BD2-2E6C-D08B8869C3C7}"/>
+              </a:ext>
+            </a:extLst>
+          </p:cNvPr>
+          <p:cNvCxnSpPr>
+            <a:cxnSpLocks/>
+            <a:stCxn id="10" idx="3"/>
+          </p:cNvCxnSpPr>
+          <p:nvPr/>
+        </p:nvCxnSpPr>
+        <p:spPr>
+          <a:xfrm>
+            <a:off x="4534014" y="2196254"/>
+            <a:ext cx="270293" cy="339352"/>
+          </a:xfrm>
+          <a:prstGeom prst="bentConnector2">
+            <a:avLst/>
+          </a:prstGeom>
+          <a:ln w="12700">
+            <a:headEnd type="triangle"/>
+          </a:ln>
+        </p:spPr>
+        <p:style>
+          <a:lnRef idx="1">
+            <a:schemeClr val="dk1"/>
+          </a:lnRef>
+          <a:fillRef idx="0">
+            <a:schemeClr val="dk1"/>
+          </a:fillRef>
+          <a:effectRef idx="0">
+            <a:schemeClr val="dk1"/>
+          </a:effectRef>
+          <a:fontRef idx="minor">
+            <a:schemeClr val="tx1"/>
+          </a:fontRef>
+        </p:style>
+      </p:cxnSp>
+      <p:cxnSp>
+        <p:nvCxnSpPr>
+          <p:cNvPr id="39" name="Straight Connector 38">
+            <a:extLst>
+              <a:ext uri="{FF2B5EF4-FFF2-40B4-BE49-F238E27FC236}">
+                <a16:creationId xmlns:a16="http://schemas.microsoft.com/office/drawing/2014/main" id="{286F4BB3-3E99-EBBD-8924-AA25BE7B52AB}"/>
+              </a:ext>
+            </a:extLst>
+          </p:cNvPr>
+          <p:cNvCxnSpPr/>
+          <p:nvPr/>
+        </p:nvCxnSpPr>
+        <p:spPr>
+          <a:xfrm>
+            <a:off x="1968068" y="2535606"/>
+            <a:ext cx="2836239" cy="0"/>
+          </a:xfrm>
+          <a:prstGeom prst="line">
+            <a:avLst/>
+          </a:prstGeom>
+          <a:ln w="12700"/>
+        </p:spPr>
+        <p:style>
+          <a:lnRef idx="1">
+            <a:schemeClr val="dk1"/>
+          </a:lnRef>
+          <a:fillRef idx="0">
+            <a:schemeClr val="dk1"/>
+          </a:fillRef>
+          <a:effectRef idx="0">
+            <a:schemeClr val="dk1"/>
+          </a:effectRef>
+          <a:fontRef idx="minor">
+            <a:schemeClr val="tx1"/>
+          </a:fontRef>
+        </p:style>
+      </p:cxnSp>
+      <p:cxnSp>
+        <p:nvCxnSpPr>
+          <p:cNvPr id="47" name="Elbow Connector 46">
+            <a:extLst>
+              <a:ext uri="{FF2B5EF4-FFF2-40B4-BE49-F238E27FC236}">
+                <a16:creationId xmlns:a16="http://schemas.microsoft.com/office/drawing/2014/main" id="{1C9FD76F-5386-0F02-7F3B-69D40329AF64}"/>
+              </a:ext>
+            </a:extLst>
+          </p:cNvPr>
+          <p:cNvCxnSpPr>
+            <a:cxnSpLocks/>
+          </p:cNvCxnSpPr>
+          <p:nvPr/>
+        </p:nvCxnSpPr>
+        <p:spPr>
+          <a:xfrm flipH="1">
+            <a:off x="1975148" y="2196254"/>
+            <a:ext cx="270293" cy="339352"/>
+          </a:xfrm>
+          <a:prstGeom prst="bentConnector2">
+            <a:avLst/>
+          </a:prstGeom>
+          <a:ln w="12700">
+            <a:headEnd type="triangle"/>
+          </a:ln>
+        </p:spPr>
+        <p:style>
+          <a:lnRef idx="1">
+            <a:schemeClr val="dk1"/>
+          </a:lnRef>
+          <a:fillRef idx="0">
+            <a:schemeClr val="dk1"/>
+          </a:fillRef>
+          <a:effectRef idx="0">
+            <a:schemeClr val="dk1"/>
+          </a:effectRef>
+          <a:fontRef idx="minor">
+            <a:schemeClr val="tx1"/>
+          </a:fontRef>
+        </p:style>
+      </p:cxnSp>
     </p:spTree>
     <p:extLst>
       <p:ext uri="{BB962C8B-B14F-4D97-AF65-F5344CB8AC3E}">

--- a/files/communication_diagram.pptx
+++ b/files/communication_diagram.pptx
@@ -5,13 +5,14 @@
     <p:sldMasterId id="2147483648" r:id="rId1"/>
   </p:sldMasterIdLst>
   <p:notesMasterIdLst>
-    <p:notesMasterId r:id="rId6"/>
+    <p:notesMasterId r:id="rId7"/>
   </p:notesMasterIdLst>
   <p:sldIdLst>
     <p:sldId id="256" r:id="rId2"/>
     <p:sldId id="257" r:id="rId3"/>
     <p:sldId id="258" r:id="rId4"/>
     <p:sldId id="259" r:id="rId5"/>
+    <p:sldId id="260" r:id="rId6"/>
   </p:sldIdLst>
   <p:sldSz cx="12192000" cy="6858000"/>
   <p:notesSz cx="6858000" cy="9144000"/>
@@ -200,7 +201,7 @@
           <a:p>
             <a:fld id="{1DA394A1-87FE-BC40-B428-C4F79D5812EE}" type="datetimeFigureOut">
               <a:rPr lang="en-US" smtClean="0"/>
-              <a:t>6/9/23</a:t>
+              <a:t>7/18/23</a:t>
             </a:fld>
             <a:endParaRPr lang="en-US"/>
           </a:p>
@@ -785,7 +786,7 @@
           <a:p>
             <a:fld id="{5BD1349E-D158-4E40-990A-05F7F3787A3C}" type="datetimeFigureOut">
               <a:rPr lang="en-US" smtClean="0"/>
-              <a:t>6/9/23</a:t>
+              <a:t>7/18/23</a:t>
             </a:fld>
             <a:endParaRPr lang="en-US"/>
           </a:p>
@@ -985,7 +986,7 @@
           <a:p>
             <a:fld id="{5BD1349E-D158-4E40-990A-05F7F3787A3C}" type="datetimeFigureOut">
               <a:rPr lang="en-US" smtClean="0"/>
-              <a:t>6/9/23</a:t>
+              <a:t>7/18/23</a:t>
             </a:fld>
             <a:endParaRPr lang="en-US"/>
           </a:p>
@@ -1195,7 +1196,7 @@
           <a:p>
             <a:fld id="{5BD1349E-D158-4E40-990A-05F7F3787A3C}" type="datetimeFigureOut">
               <a:rPr lang="en-US" smtClean="0"/>
-              <a:t>6/9/23</a:t>
+              <a:t>7/18/23</a:t>
             </a:fld>
             <a:endParaRPr lang="en-US"/>
           </a:p>
@@ -1395,7 +1396,7 @@
           <a:p>
             <a:fld id="{5BD1349E-D158-4E40-990A-05F7F3787A3C}" type="datetimeFigureOut">
               <a:rPr lang="en-US" smtClean="0"/>
-              <a:t>6/9/23</a:t>
+              <a:t>7/18/23</a:t>
             </a:fld>
             <a:endParaRPr lang="en-US"/>
           </a:p>
@@ -1671,7 +1672,7 @@
           <a:p>
             <a:fld id="{5BD1349E-D158-4E40-990A-05F7F3787A3C}" type="datetimeFigureOut">
               <a:rPr lang="en-US" smtClean="0"/>
-              <a:t>6/9/23</a:t>
+              <a:t>7/18/23</a:t>
             </a:fld>
             <a:endParaRPr lang="en-US"/>
           </a:p>
@@ -1939,7 +1940,7 @@
           <a:p>
             <a:fld id="{5BD1349E-D158-4E40-990A-05F7F3787A3C}" type="datetimeFigureOut">
               <a:rPr lang="en-US" smtClean="0"/>
-              <a:t>6/9/23</a:t>
+              <a:t>7/18/23</a:t>
             </a:fld>
             <a:endParaRPr lang="en-US"/>
           </a:p>
@@ -2354,7 +2355,7 @@
           <a:p>
             <a:fld id="{5BD1349E-D158-4E40-990A-05F7F3787A3C}" type="datetimeFigureOut">
               <a:rPr lang="en-US" smtClean="0"/>
-              <a:t>6/9/23</a:t>
+              <a:t>7/18/23</a:t>
             </a:fld>
             <a:endParaRPr lang="en-US"/>
           </a:p>
@@ -2496,7 +2497,7 @@
           <a:p>
             <a:fld id="{5BD1349E-D158-4E40-990A-05F7F3787A3C}" type="datetimeFigureOut">
               <a:rPr lang="en-US" smtClean="0"/>
-              <a:t>6/9/23</a:t>
+              <a:t>7/18/23</a:t>
             </a:fld>
             <a:endParaRPr lang="en-US"/>
           </a:p>
@@ -2609,7 +2610,7 @@
           <a:p>
             <a:fld id="{5BD1349E-D158-4E40-990A-05F7F3787A3C}" type="datetimeFigureOut">
               <a:rPr lang="en-US" smtClean="0"/>
-              <a:t>6/9/23</a:t>
+              <a:t>7/18/23</a:t>
             </a:fld>
             <a:endParaRPr lang="en-US"/>
           </a:p>
@@ -2922,7 +2923,7 @@
           <a:p>
             <a:fld id="{5BD1349E-D158-4E40-990A-05F7F3787A3C}" type="datetimeFigureOut">
               <a:rPr lang="en-US" smtClean="0"/>
-              <a:t>6/9/23</a:t>
+              <a:t>7/18/23</a:t>
             </a:fld>
             <a:endParaRPr lang="en-US"/>
           </a:p>
@@ -3211,7 +3212,7 @@
           <a:p>
             <a:fld id="{5BD1349E-D158-4E40-990A-05F7F3787A3C}" type="datetimeFigureOut">
               <a:rPr lang="en-US" smtClean="0"/>
-              <a:t>6/9/23</a:t>
+              <a:t>7/18/23</a:t>
             </a:fld>
             <a:endParaRPr lang="en-US"/>
           </a:p>
@@ -3454,7 +3455,7 @@
           <a:p>
             <a:fld id="{5BD1349E-D158-4E40-990A-05F7F3787A3C}" type="datetimeFigureOut">
               <a:rPr lang="en-US" smtClean="0"/>
-              <a:t>6/9/23</a:t>
+              <a:t>7/18/23</a:t>
             </a:fld>
             <a:endParaRPr lang="en-US"/>
           </a:p>
@@ -23437,6 +23438,1227 @@
     <p:extLst>
       <p:ext uri="{BB962C8B-B14F-4D97-AF65-F5344CB8AC3E}">
         <p14:creationId xmlns:p14="http://schemas.microsoft.com/office/powerpoint/2010/main" val="2905784832"/>
+      </p:ext>
+    </p:extLst>
+  </p:cSld>
+  <p:clrMapOvr>
+    <a:masterClrMapping/>
+  </p:clrMapOvr>
+</p:sld>
+</file>
+
+<file path=ppt/slides/slide5.xml><?xml version="1.0" encoding="utf-8"?>
+<p:sld xmlns:a="http://schemas.openxmlformats.org/drawingml/2006/main" xmlns:r="http://schemas.openxmlformats.org/officeDocument/2006/relationships" xmlns:p="http://schemas.openxmlformats.org/presentationml/2006/main">
+  <p:cSld>
+    <p:spTree>
+      <p:nvGrpSpPr>
+        <p:cNvPr id="1" name=""/>
+        <p:cNvGrpSpPr/>
+        <p:nvPr/>
+      </p:nvGrpSpPr>
+      <p:grpSpPr>
+        <a:xfrm>
+          <a:off x="0" y="0"/>
+          <a:ext cx="0" cy="0"/>
+          <a:chOff x="0" y="0"/>
+          <a:chExt cx="0" cy="0"/>
+        </a:xfrm>
+      </p:grpSpPr>
+      <mc:AlternateContent xmlns:mc="http://schemas.openxmlformats.org/markup-compatibility/2006">
+        <mc:Choice xmlns:a14="http://schemas.microsoft.com/office/drawing/2010/main" Requires="a14">
+          <p:sp>
+            <p:nvSpPr>
+              <p:cNvPr id="42" name="TextBox 41">
+                <a:extLst>
+                  <a:ext uri="{FF2B5EF4-FFF2-40B4-BE49-F238E27FC236}">
+                    <a16:creationId xmlns:a16="http://schemas.microsoft.com/office/drawing/2014/main" id="{2659D933-30CB-2444-E3C3-3778559986DF}"/>
+                  </a:ext>
+                </a:extLst>
+              </p:cNvPr>
+              <p:cNvSpPr txBox="1"/>
+              <p:nvPr/>
+            </p:nvSpPr>
+            <p:spPr>
+              <a:xfrm>
+                <a:off x="1376156" y="904741"/>
+                <a:ext cx="7049622" cy="809132"/>
+              </a:xfrm>
+              <a:prstGeom prst="rect">
+                <a:avLst/>
+              </a:prstGeom>
+              <a:noFill/>
+            </p:spPr>
+            <p:txBody>
+              <a:bodyPr wrap="none" lIns="0" tIns="0" rIns="0" bIns="0" rtlCol="0">
+                <a:spAutoFit/>
+              </a:bodyPr>
+              <a:lstStyle/>
+              <a:p>
+                <a14:m>
+                  <m:oMathPara xmlns:m="http://schemas.openxmlformats.org/officeDocument/2006/math">
+                    <m:oMathParaPr>
+                      <m:jc m:val="centerGroup"/>
+                    </m:oMathParaPr>
+                    <m:oMath xmlns:m="http://schemas.openxmlformats.org/officeDocument/2006/math">
+                      <m:d>
+                        <m:dPr>
+                          <m:begChr m:val="["/>
+                          <m:endChr m:val="]"/>
+                          <m:ctrlPr>
+                            <a:rPr lang="en-US" i="1" smtClean="0">
+                              <a:latin typeface="Cambria Math" panose="02040503050406030204" pitchFamily="18" charset="0"/>
+                            </a:rPr>
+                          </m:ctrlPr>
+                        </m:dPr>
+                        <m:e>
+                          <m:m>
+                            <m:mPr>
+                              <m:mcs>
+                                <m:mc>
+                                  <m:mcPr>
+                                    <m:count m:val="3"/>
+                                    <m:mcJc m:val="center"/>
+                                  </m:mcPr>
+                                </m:mc>
+                              </m:mcs>
+                              <m:ctrlPr>
+                                <a:rPr lang="en-US" i="1" smtClean="0">
+                                  <a:latin typeface="Cambria Math" panose="02040503050406030204" pitchFamily="18" charset="0"/>
+                                </a:rPr>
+                              </m:ctrlPr>
+                            </m:mPr>
+                            <m:mr>
+                              <m:e>
+                                <m:sSub>
+                                  <m:sSubPr>
+                                    <m:ctrlPr>
+                                      <a:rPr lang="en-US" i="1">
+                                        <a:latin typeface="Cambria Math" panose="02040503050406030204" pitchFamily="18" charset="0"/>
+                                      </a:rPr>
+                                    </m:ctrlPr>
+                                  </m:sSubPr>
+                                  <m:e>
+                                    <m:r>
+                                      <a:rPr lang="en-US" i="1">
+                                        <a:latin typeface="Cambria Math" panose="02040503050406030204" pitchFamily="18" charset="0"/>
+                                      </a:rPr>
+                                      <m:t>𝑎</m:t>
+                                    </m:r>
+                                  </m:e>
+                                  <m:sub>
+                                    <m:r>
+                                      <a:rPr lang="en-US" i="1">
+                                        <a:latin typeface="Cambria Math" panose="02040503050406030204" pitchFamily="18" charset="0"/>
+                                      </a:rPr>
+                                      <m:t>1</m:t>
+                                    </m:r>
+                                  </m:sub>
+                                </m:sSub>
+                              </m:e>
+                              <m:e>
+                                <m:sSub>
+                                  <m:sSubPr>
+                                    <m:ctrlPr>
+                                      <a:rPr lang="en-US" i="1">
+                                        <a:latin typeface="Cambria Math" panose="02040503050406030204" pitchFamily="18" charset="0"/>
+                                      </a:rPr>
+                                    </m:ctrlPr>
+                                  </m:sSubPr>
+                                  <m:e>
+                                    <m:r>
+                                      <a:rPr lang="en-US" i="1">
+                                        <a:latin typeface="Cambria Math" panose="02040503050406030204" pitchFamily="18" charset="0"/>
+                                      </a:rPr>
+                                      <m:t>𝑎</m:t>
+                                    </m:r>
+                                  </m:e>
+                                  <m:sub>
+                                    <m:r>
+                                      <a:rPr lang="en-US" b="0" i="1" smtClean="0">
+                                        <a:latin typeface="Cambria Math" panose="02040503050406030204" pitchFamily="18" charset="0"/>
+                                      </a:rPr>
+                                      <m:t>2</m:t>
+                                    </m:r>
+                                  </m:sub>
+                                </m:sSub>
+                              </m:e>
+                              <m:e>
+                                <m:sSub>
+                                  <m:sSubPr>
+                                    <m:ctrlPr>
+                                      <a:rPr lang="en-US" i="1" smtClean="0">
+                                        <a:latin typeface="Cambria Math" panose="02040503050406030204" pitchFamily="18" charset="0"/>
+                                      </a:rPr>
+                                    </m:ctrlPr>
+                                  </m:sSubPr>
+                                  <m:e>
+                                    <m:r>
+                                      <a:rPr lang="en-US" i="1">
+                                        <a:latin typeface="Cambria Math" panose="02040503050406030204" pitchFamily="18" charset="0"/>
+                                      </a:rPr>
+                                      <m:t>𝑎</m:t>
+                                    </m:r>
+                                  </m:e>
+                                  <m:sub>
+                                    <m:r>
+                                      <a:rPr lang="en-US" b="0" i="1" smtClean="0">
+                                        <a:latin typeface="Cambria Math" panose="02040503050406030204" pitchFamily="18" charset="0"/>
+                                      </a:rPr>
+                                      <m:t>3</m:t>
+                                    </m:r>
+                                  </m:sub>
+                                </m:sSub>
+                              </m:e>
+                            </m:mr>
+                            <m:mr>
+                              <m:e>
+                                <m:sSub>
+                                  <m:sSubPr>
+                                    <m:ctrlPr>
+                                      <a:rPr lang="en-US" i="1">
+                                        <a:latin typeface="Cambria Math" panose="02040503050406030204" pitchFamily="18" charset="0"/>
+                                      </a:rPr>
+                                    </m:ctrlPr>
+                                  </m:sSubPr>
+                                  <m:e>
+                                    <m:r>
+                                      <a:rPr lang="en-US" i="1">
+                                        <a:latin typeface="Cambria Math" panose="02040503050406030204" pitchFamily="18" charset="0"/>
+                                      </a:rPr>
+                                      <m:t>𝑎</m:t>
+                                    </m:r>
+                                  </m:e>
+                                  <m:sub>
+                                    <m:r>
+                                      <a:rPr lang="en-US" b="0" i="1" smtClean="0">
+                                        <a:latin typeface="Cambria Math" panose="02040503050406030204" pitchFamily="18" charset="0"/>
+                                      </a:rPr>
+                                      <m:t>4</m:t>
+                                    </m:r>
+                                  </m:sub>
+                                </m:sSub>
+                              </m:e>
+                              <m:e>
+                                <m:sSub>
+                                  <m:sSubPr>
+                                    <m:ctrlPr>
+                                      <a:rPr lang="en-US" i="1">
+                                        <a:latin typeface="Cambria Math" panose="02040503050406030204" pitchFamily="18" charset="0"/>
+                                      </a:rPr>
+                                    </m:ctrlPr>
+                                  </m:sSubPr>
+                                  <m:e>
+                                    <m:r>
+                                      <a:rPr lang="en-US" i="1">
+                                        <a:latin typeface="Cambria Math" panose="02040503050406030204" pitchFamily="18" charset="0"/>
+                                      </a:rPr>
+                                      <m:t>𝑎</m:t>
+                                    </m:r>
+                                  </m:e>
+                                  <m:sub>
+                                    <m:r>
+                                      <a:rPr lang="en-US" b="0" i="1" smtClean="0">
+                                        <a:latin typeface="Cambria Math" panose="02040503050406030204" pitchFamily="18" charset="0"/>
+                                      </a:rPr>
+                                      <m:t>5</m:t>
+                                    </m:r>
+                                  </m:sub>
+                                </m:sSub>
+                              </m:e>
+                              <m:e>
+                                <m:sSub>
+                                  <m:sSubPr>
+                                    <m:ctrlPr>
+                                      <a:rPr lang="en-US" i="1">
+                                        <a:latin typeface="Cambria Math" panose="02040503050406030204" pitchFamily="18" charset="0"/>
+                                      </a:rPr>
+                                    </m:ctrlPr>
+                                  </m:sSubPr>
+                                  <m:e>
+                                    <m:r>
+                                      <a:rPr lang="en-US" i="1">
+                                        <a:latin typeface="Cambria Math" panose="02040503050406030204" pitchFamily="18" charset="0"/>
+                                      </a:rPr>
+                                      <m:t>𝑎</m:t>
+                                    </m:r>
+                                  </m:e>
+                                  <m:sub>
+                                    <m:r>
+                                      <a:rPr lang="en-US" b="0" i="1" smtClean="0">
+                                        <a:latin typeface="Cambria Math" panose="02040503050406030204" pitchFamily="18" charset="0"/>
+                                      </a:rPr>
+                                      <m:t>6</m:t>
+                                    </m:r>
+                                  </m:sub>
+                                </m:sSub>
+                              </m:e>
+                            </m:mr>
+                          </m:m>
+                        </m:e>
+                      </m:d>
+                      <m:r>
+                        <a:rPr lang="en-US" i="1" smtClean="0">
+                          <a:latin typeface="Cambria Math" panose="02040503050406030204" pitchFamily="18" charset="0"/>
+                          <a:ea typeface="Cambria Math" panose="02040503050406030204" pitchFamily="18" charset="0"/>
+                        </a:rPr>
+                        <m:t>×</m:t>
+                      </m:r>
+                      <m:d>
+                        <m:dPr>
+                          <m:begChr m:val="["/>
+                          <m:endChr m:val="]"/>
+                          <m:ctrlPr>
+                            <a:rPr lang="en-US" i="1" smtClean="0">
+                              <a:latin typeface="Cambria Math" panose="02040503050406030204" pitchFamily="18" charset="0"/>
+                              <a:ea typeface="Cambria Math" panose="02040503050406030204" pitchFamily="18" charset="0"/>
+                            </a:rPr>
+                          </m:ctrlPr>
+                        </m:dPr>
+                        <m:e>
+                          <m:m>
+                            <m:mPr>
+                              <m:mcs>
+                                <m:mc>
+                                  <m:mcPr>
+                                    <m:count m:val="2"/>
+                                    <m:mcJc m:val="center"/>
+                                  </m:mcPr>
+                                </m:mc>
+                              </m:mcs>
+                              <m:ctrlPr>
+                                <a:rPr lang="en-US" i="1" smtClean="0">
+                                  <a:latin typeface="Cambria Math" panose="02040503050406030204" pitchFamily="18" charset="0"/>
+                                  <a:ea typeface="Cambria Math" panose="02040503050406030204" pitchFamily="18" charset="0"/>
+                                </a:rPr>
+                              </m:ctrlPr>
+                            </m:mPr>
+                            <m:mr>
+                              <m:e>
+                                <m:sSub>
+                                  <m:sSubPr>
+                                    <m:ctrlPr>
+                                      <a:rPr lang="en-US" i="1">
+                                        <a:latin typeface="Cambria Math" panose="02040503050406030204" pitchFamily="18" charset="0"/>
+                                      </a:rPr>
+                                    </m:ctrlPr>
+                                  </m:sSubPr>
+                                  <m:e>
+                                    <m:r>
+                                      <a:rPr lang="en-US" b="0" i="1" smtClean="0">
+                                        <a:latin typeface="Cambria Math" panose="02040503050406030204" pitchFamily="18" charset="0"/>
+                                      </a:rPr>
+                                      <m:t>𝑏</m:t>
+                                    </m:r>
+                                  </m:e>
+                                  <m:sub>
+                                    <m:r>
+                                      <a:rPr lang="en-US" i="1">
+                                        <a:latin typeface="Cambria Math" panose="02040503050406030204" pitchFamily="18" charset="0"/>
+                                      </a:rPr>
+                                      <m:t>1</m:t>
+                                    </m:r>
+                                  </m:sub>
+                                </m:sSub>
+                              </m:e>
+                              <m:e>
+                                <m:sSub>
+                                  <m:sSubPr>
+                                    <m:ctrlPr>
+                                      <a:rPr lang="en-US" i="1">
+                                        <a:latin typeface="Cambria Math" panose="02040503050406030204" pitchFamily="18" charset="0"/>
+                                      </a:rPr>
+                                    </m:ctrlPr>
+                                  </m:sSubPr>
+                                  <m:e>
+                                    <m:r>
+                                      <a:rPr lang="en-US" i="1">
+                                        <a:latin typeface="Cambria Math" panose="02040503050406030204" pitchFamily="18" charset="0"/>
+                                      </a:rPr>
+                                      <m:t>𝑏</m:t>
+                                    </m:r>
+                                  </m:e>
+                                  <m:sub>
+                                    <m:r>
+                                      <a:rPr lang="en-US" b="0" i="1" smtClean="0">
+                                        <a:latin typeface="Cambria Math" panose="02040503050406030204" pitchFamily="18" charset="0"/>
+                                      </a:rPr>
+                                      <m:t>2</m:t>
+                                    </m:r>
+                                  </m:sub>
+                                </m:sSub>
+                              </m:e>
+                            </m:mr>
+                            <m:mr>
+                              <m:e>
+                                <m:sSub>
+                                  <m:sSubPr>
+                                    <m:ctrlPr>
+                                      <a:rPr lang="en-US" i="1" smtClean="0">
+                                        <a:latin typeface="Cambria Math" panose="02040503050406030204" pitchFamily="18" charset="0"/>
+                                      </a:rPr>
+                                    </m:ctrlPr>
+                                  </m:sSubPr>
+                                  <m:e>
+                                    <m:r>
+                                      <a:rPr lang="en-US" i="1">
+                                        <a:latin typeface="Cambria Math" panose="02040503050406030204" pitchFamily="18" charset="0"/>
+                                      </a:rPr>
+                                      <m:t>𝑏</m:t>
+                                    </m:r>
+                                  </m:e>
+                                  <m:sub>
+                                    <m:r>
+                                      <a:rPr lang="en-US" b="0" i="1" smtClean="0">
+                                        <a:latin typeface="Cambria Math" panose="02040503050406030204" pitchFamily="18" charset="0"/>
+                                      </a:rPr>
+                                      <m:t>3</m:t>
+                                    </m:r>
+                                  </m:sub>
+                                </m:sSub>
+                              </m:e>
+                              <m:e>
+                                <m:sSub>
+                                  <m:sSubPr>
+                                    <m:ctrlPr>
+                                      <a:rPr lang="en-US" i="1">
+                                        <a:latin typeface="Cambria Math" panose="02040503050406030204" pitchFamily="18" charset="0"/>
+                                      </a:rPr>
+                                    </m:ctrlPr>
+                                  </m:sSubPr>
+                                  <m:e>
+                                    <m:r>
+                                      <a:rPr lang="en-US" i="1">
+                                        <a:latin typeface="Cambria Math" panose="02040503050406030204" pitchFamily="18" charset="0"/>
+                                      </a:rPr>
+                                      <m:t>𝑏</m:t>
+                                    </m:r>
+                                  </m:e>
+                                  <m:sub>
+                                    <m:r>
+                                      <a:rPr lang="en-US" b="0" i="1" smtClean="0">
+                                        <a:latin typeface="Cambria Math" panose="02040503050406030204" pitchFamily="18" charset="0"/>
+                                      </a:rPr>
+                                      <m:t>4</m:t>
+                                    </m:r>
+                                  </m:sub>
+                                </m:sSub>
+                              </m:e>
+                            </m:mr>
+                            <m:mr>
+                              <m:e>
+                                <m:sSub>
+                                  <m:sSubPr>
+                                    <m:ctrlPr>
+                                      <a:rPr lang="en-US" i="1">
+                                        <a:latin typeface="Cambria Math" panose="02040503050406030204" pitchFamily="18" charset="0"/>
+                                      </a:rPr>
+                                    </m:ctrlPr>
+                                  </m:sSubPr>
+                                  <m:e>
+                                    <m:r>
+                                      <a:rPr lang="en-US" i="1">
+                                        <a:latin typeface="Cambria Math" panose="02040503050406030204" pitchFamily="18" charset="0"/>
+                                      </a:rPr>
+                                      <m:t>𝑏</m:t>
+                                    </m:r>
+                                  </m:e>
+                                  <m:sub>
+                                    <m:r>
+                                      <a:rPr lang="en-US" b="0" i="1" smtClean="0">
+                                        <a:latin typeface="Cambria Math" panose="02040503050406030204" pitchFamily="18" charset="0"/>
+                                      </a:rPr>
+                                      <m:t>5</m:t>
+                                    </m:r>
+                                  </m:sub>
+                                </m:sSub>
+                              </m:e>
+                              <m:e>
+                                <m:sSub>
+                                  <m:sSubPr>
+                                    <m:ctrlPr>
+                                      <a:rPr lang="en-US" i="1">
+                                        <a:latin typeface="Cambria Math" panose="02040503050406030204" pitchFamily="18" charset="0"/>
+                                      </a:rPr>
+                                    </m:ctrlPr>
+                                  </m:sSubPr>
+                                  <m:e>
+                                    <m:r>
+                                      <a:rPr lang="en-US" i="1">
+                                        <a:latin typeface="Cambria Math" panose="02040503050406030204" pitchFamily="18" charset="0"/>
+                                      </a:rPr>
+                                      <m:t>𝑏</m:t>
+                                    </m:r>
+                                  </m:e>
+                                  <m:sub>
+                                    <m:r>
+                                      <a:rPr lang="en-US" b="0" i="1" smtClean="0">
+                                        <a:latin typeface="Cambria Math" panose="02040503050406030204" pitchFamily="18" charset="0"/>
+                                      </a:rPr>
+                                      <m:t>6</m:t>
+                                    </m:r>
+                                  </m:sub>
+                                </m:sSub>
+                              </m:e>
+                            </m:mr>
+                          </m:m>
+                        </m:e>
+                      </m:d>
+                      <m:r>
+                        <a:rPr lang="en-US" b="0" i="0" smtClean="0">
+                          <a:latin typeface="Cambria Math" panose="02040503050406030204" pitchFamily="18" charset="0"/>
+                          <a:ea typeface="Cambria Math" panose="02040503050406030204" pitchFamily="18" charset="0"/>
+                        </a:rPr>
+                        <m:t>=</m:t>
+                      </m:r>
+                      <m:d>
+                        <m:dPr>
+                          <m:begChr m:val="["/>
+                          <m:endChr m:val="]"/>
+                          <m:ctrlPr>
+                            <a:rPr lang="en-US" b="0" i="1" smtClean="0">
+                              <a:latin typeface="Cambria Math" panose="02040503050406030204" pitchFamily="18" charset="0"/>
+                              <a:ea typeface="Cambria Math" panose="02040503050406030204" pitchFamily="18" charset="0"/>
+                            </a:rPr>
+                          </m:ctrlPr>
+                        </m:dPr>
+                        <m:e>
+                          <m:m>
+                            <m:mPr>
+                              <m:mcs>
+                                <m:mc>
+                                  <m:mcPr>
+                                    <m:count m:val="2"/>
+                                    <m:mcJc m:val="center"/>
+                                  </m:mcPr>
+                                </m:mc>
+                              </m:mcs>
+                              <m:ctrlPr>
+                                <a:rPr lang="en-US" b="0" i="1" smtClean="0">
+                                  <a:latin typeface="Cambria Math" panose="02040503050406030204" pitchFamily="18" charset="0"/>
+                                  <a:ea typeface="Cambria Math" panose="02040503050406030204" pitchFamily="18" charset="0"/>
+                                </a:rPr>
+                              </m:ctrlPr>
+                            </m:mPr>
+                            <m:mr>
+                              <m:e>
+                                <m:sSub>
+                                  <m:sSubPr>
+                                    <m:ctrlPr>
+                                      <a:rPr lang="en-US" i="1">
+                                        <a:latin typeface="Cambria Math" panose="02040503050406030204" pitchFamily="18" charset="0"/>
+                                      </a:rPr>
+                                    </m:ctrlPr>
+                                  </m:sSubPr>
+                                  <m:e>
+                                    <m:r>
+                                      <a:rPr lang="en-US" b="0" i="1" smtClean="0">
+                                        <a:latin typeface="Cambria Math" panose="02040503050406030204" pitchFamily="18" charset="0"/>
+                                      </a:rPr>
+                                      <m:t>𝑎</m:t>
+                                    </m:r>
+                                  </m:e>
+                                  <m:sub>
+                                    <m:r>
+                                      <a:rPr lang="en-US" i="1">
+                                        <a:latin typeface="Cambria Math" panose="02040503050406030204" pitchFamily="18" charset="0"/>
+                                      </a:rPr>
+                                      <m:t>1</m:t>
+                                    </m:r>
+                                  </m:sub>
+                                </m:sSub>
+                                <m:sSub>
+                                  <m:sSubPr>
+                                    <m:ctrlPr>
+                                      <a:rPr lang="en-US" i="1">
+                                        <a:latin typeface="Cambria Math" panose="02040503050406030204" pitchFamily="18" charset="0"/>
+                                      </a:rPr>
+                                    </m:ctrlPr>
+                                  </m:sSubPr>
+                                  <m:e>
+                                    <m:r>
+                                      <a:rPr lang="en-US" i="1">
+                                        <a:latin typeface="Cambria Math" panose="02040503050406030204" pitchFamily="18" charset="0"/>
+                                      </a:rPr>
+                                      <m:t>𝑏</m:t>
+                                    </m:r>
+                                  </m:e>
+                                  <m:sub>
+                                    <m:r>
+                                      <a:rPr lang="en-US" i="1">
+                                        <a:latin typeface="Cambria Math" panose="02040503050406030204" pitchFamily="18" charset="0"/>
+                                      </a:rPr>
+                                      <m:t>1</m:t>
+                                    </m:r>
+                                  </m:sub>
+                                </m:sSub>
+                                <m:r>
+                                  <a:rPr lang="en-US" b="0" i="1" smtClean="0">
+                                    <a:latin typeface="Cambria Math" panose="02040503050406030204" pitchFamily="18" charset="0"/>
+                                  </a:rPr>
+                                  <m:t>+</m:t>
+                                </m:r>
+                                <m:sSub>
+                                  <m:sSubPr>
+                                    <m:ctrlPr>
+                                      <a:rPr lang="en-US" i="1">
+                                        <a:latin typeface="Cambria Math" panose="02040503050406030204" pitchFamily="18" charset="0"/>
+                                      </a:rPr>
+                                    </m:ctrlPr>
+                                  </m:sSubPr>
+                                  <m:e>
+                                    <m:r>
+                                      <a:rPr lang="en-US" b="0" i="1" smtClean="0">
+                                        <a:latin typeface="Cambria Math" panose="02040503050406030204" pitchFamily="18" charset="0"/>
+                                      </a:rPr>
+                                      <m:t>𝑎</m:t>
+                                    </m:r>
+                                  </m:e>
+                                  <m:sub>
+                                    <m:r>
+                                      <a:rPr lang="en-US" b="0" i="1" smtClean="0">
+                                        <a:latin typeface="Cambria Math" panose="02040503050406030204" pitchFamily="18" charset="0"/>
+                                      </a:rPr>
+                                      <m:t>2</m:t>
+                                    </m:r>
+                                  </m:sub>
+                                </m:sSub>
+                                <m:sSub>
+                                  <m:sSubPr>
+                                    <m:ctrlPr>
+                                      <a:rPr lang="en-US" i="1">
+                                        <a:latin typeface="Cambria Math" panose="02040503050406030204" pitchFamily="18" charset="0"/>
+                                      </a:rPr>
+                                    </m:ctrlPr>
+                                  </m:sSubPr>
+                                  <m:e>
+                                    <m:r>
+                                      <a:rPr lang="en-US" i="1">
+                                        <a:latin typeface="Cambria Math" panose="02040503050406030204" pitchFamily="18" charset="0"/>
+                                      </a:rPr>
+                                      <m:t>𝑏</m:t>
+                                    </m:r>
+                                  </m:e>
+                                  <m:sub>
+                                    <m:r>
+                                      <a:rPr lang="en-US" b="0" i="1" smtClean="0">
+                                        <a:latin typeface="Cambria Math" panose="02040503050406030204" pitchFamily="18" charset="0"/>
+                                      </a:rPr>
+                                      <m:t>3</m:t>
+                                    </m:r>
+                                  </m:sub>
+                                </m:sSub>
+                                <m:r>
+                                  <a:rPr lang="en-US" b="0" i="1" smtClean="0">
+                                    <a:latin typeface="Cambria Math" panose="02040503050406030204" pitchFamily="18" charset="0"/>
+                                  </a:rPr>
+                                  <m:t>+</m:t>
+                                </m:r>
+                                <m:sSub>
+                                  <m:sSubPr>
+                                    <m:ctrlPr>
+                                      <a:rPr lang="en-US" i="1">
+                                        <a:latin typeface="Cambria Math" panose="02040503050406030204" pitchFamily="18" charset="0"/>
+                                      </a:rPr>
+                                    </m:ctrlPr>
+                                  </m:sSubPr>
+                                  <m:e>
+                                    <m:r>
+                                      <a:rPr lang="en-US" b="0" i="1" smtClean="0">
+                                        <a:latin typeface="Cambria Math" panose="02040503050406030204" pitchFamily="18" charset="0"/>
+                                      </a:rPr>
+                                      <m:t>𝑎</m:t>
+                                    </m:r>
+                                  </m:e>
+                                  <m:sub>
+                                    <m:r>
+                                      <a:rPr lang="en-US" b="0" i="1" smtClean="0">
+                                        <a:latin typeface="Cambria Math" panose="02040503050406030204" pitchFamily="18" charset="0"/>
+                                      </a:rPr>
+                                      <m:t>3</m:t>
+                                    </m:r>
+                                  </m:sub>
+                                </m:sSub>
+                                <m:sSub>
+                                  <m:sSubPr>
+                                    <m:ctrlPr>
+                                      <a:rPr lang="en-US" i="1">
+                                        <a:latin typeface="Cambria Math" panose="02040503050406030204" pitchFamily="18" charset="0"/>
+                                      </a:rPr>
+                                    </m:ctrlPr>
+                                  </m:sSubPr>
+                                  <m:e>
+                                    <m:r>
+                                      <a:rPr lang="en-US" i="1">
+                                        <a:latin typeface="Cambria Math" panose="02040503050406030204" pitchFamily="18" charset="0"/>
+                                      </a:rPr>
+                                      <m:t>𝑏</m:t>
+                                    </m:r>
+                                  </m:e>
+                                  <m:sub>
+                                    <m:r>
+                                      <a:rPr lang="en-US" b="0" i="1" smtClean="0">
+                                        <a:latin typeface="Cambria Math" panose="02040503050406030204" pitchFamily="18" charset="0"/>
+                                      </a:rPr>
+                                      <m:t>5</m:t>
+                                    </m:r>
+                                  </m:sub>
+                                </m:sSub>
+                              </m:e>
+                              <m:e>
+                                <m:sSub>
+                                  <m:sSubPr>
+                                    <m:ctrlPr>
+                                      <a:rPr lang="en-US" i="1">
+                                        <a:latin typeface="Cambria Math" panose="02040503050406030204" pitchFamily="18" charset="0"/>
+                                      </a:rPr>
+                                    </m:ctrlPr>
+                                  </m:sSubPr>
+                                  <m:e>
+                                    <m:r>
+                                      <a:rPr lang="en-US" i="1">
+                                        <a:latin typeface="Cambria Math" panose="02040503050406030204" pitchFamily="18" charset="0"/>
+                                      </a:rPr>
+                                      <m:t>𝑎</m:t>
+                                    </m:r>
+                                  </m:e>
+                                  <m:sub>
+                                    <m:r>
+                                      <a:rPr lang="en-US" i="1">
+                                        <a:latin typeface="Cambria Math" panose="02040503050406030204" pitchFamily="18" charset="0"/>
+                                      </a:rPr>
+                                      <m:t>1</m:t>
+                                    </m:r>
+                                  </m:sub>
+                                </m:sSub>
+                                <m:sSub>
+                                  <m:sSubPr>
+                                    <m:ctrlPr>
+                                      <a:rPr lang="en-US" i="1">
+                                        <a:latin typeface="Cambria Math" panose="02040503050406030204" pitchFamily="18" charset="0"/>
+                                      </a:rPr>
+                                    </m:ctrlPr>
+                                  </m:sSubPr>
+                                  <m:e>
+                                    <m:r>
+                                      <a:rPr lang="en-US" i="1">
+                                        <a:latin typeface="Cambria Math" panose="02040503050406030204" pitchFamily="18" charset="0"/>
+                                      </a:rPr>
+                                      <m:t>𝑏</m:t>
+                                    </m:r>
+                                  </m:e>
+                                  <m:sub>
+                                    <m:r>
+                                      <a:rPr lang="en-US" b="0" i="1" smtClean="0">
+                                        <a:latin typeface="Cambria Math" panose="02040503050406030204" pitchFamily="18" charset="0"/>
+                                      </a:rPr>
+                                      <m:t>2</m:t>
+                                    </m:r>
+                                  </m:sub>
+                                </m:sSub>
+                                <m:r>
+                                  <a:rPr lang="en-US" i="1">
+                                    <a:latin typeface="Cambria Math" panose="02040503050406030204" pitchFamily="18" charset="0"/>
+                                  </a:rPr>
+                                  <m:t>+</m:t>
+                                </m:r>
+                                <m:sSub>
+                                  <m:sSubPr>
+                                    <m:ctrlPr>
+                                      <a:rPr lang="en-US" i="1">
+                                        <a:latin typeface="Cambria Math" panose="02040503050406030204" pitchFamily="18" charset="0"/>
+                                      </a:rPr>
+                                    </m:ctrlPr>
+                                  </m:sSubPr>
+                                  <m:e>
+                                    <m:r>
+                                      <a:rPr lang="en-US" i="1">
+                                        <a:latin typeface="Cambria Math" panose="02040503050406030204" pitchFamily="18" charset="0"/>
+                                      </a:rPr>
+                                      <m:t>𝑎</m:t>
+                                    </m:r>
+                                  </m:e>
+                                  <m:sub>
+                                    <m:r>
+                                      <a:rPr lang="en-US" i="1">
+                                        <a:latin typeface="Cambria Math" panose="02040503050406030204" pitchFamily="18" charset="0"/>
+                                      </a:rPr>
+                                      <m:t>2</m:t>
+                                    </m:r>
+                                  </m:sub>
+                                </m:sSub>
+                                <m:sSub>
+                                  <m:sSubPr>
+                                    <m:ctrlPr>
+                                      <a:rPr lang="en-US" i="1">
+                                        <a:latin typeface="Cambria Math" panose="02040503050406030204" pitchFamily="18" charset="0"/>
+                                      </a:rPr>
+                                    </m:ctrlPr>
+                                  </m:sSubPr>
+                                  <m:e>
+                                    <m:r>
+                                      <a:rPr lang="en-US" i="1">
+                                        <a:latin typeface="Cambria Math" panose="02040503050406030204" pitchFamily="18" charset="0"/>
+                                      </a:rPr>
+                                      <m:t>𝑏</m:t>
+                                    </m:r>
+                                  </m:e>
+                                  <m:sub>
+                                    <m:r>
+                                      <a:rPr lang="en-US" b="0" i="1" smtClean="0">
+                                        <a:latin typeface="Cambria Math" panose="02040503050406030204" pitchFamily="18" charset="0"/>
+                                      </a:rPr>
+                                      <m:t>4</m:t>
+                                    </m:r>
+                                  </m:sub>
+                                </m:sSub>
+                                <m:r>
+                                  <a:rPr lang="en-US" i="1">
+                                    <a:latin typeface="Cambria Math" panose="02040503050406030204" pitchFamily="18" charset="0"/>
+                                  </a:rPr>
+                                  <m:t>+</m:t>
+                                </m:r>
+                                <m:sSub>
+                                  <m:sSubPr>
+                                    <m:ctrlPr>
+                                      <a:rPr lang="en-US" i="1">
+                                        <a:latin typeface="Cambria Math" panose="02040503050406030204" pitchFamily="18" charset="0"/>
+                                      </a:rPr>
+                                    </m:ctrlPr>
+                                  </m:sSubPr>
+                                  <m:e>
+                                    <m:r>
+                                      <a:rPr lang="en-US" i="1">
+                                        <a:latin typeface="Cambria Math" panose="02040503050406030204" pitchFamily="18" charset="0"/>
+                                      </a:rPr>
+                                      <m:t>𝑎</m:t>
+                                    </m:r>
+                                  </m:e>
+                                  <m:sub>
+                                    <m:r>
+                                      <a:rPr lang="en-US" i="1">
+                                        <a:latin typeface="Cambria Math" panose="02040503050406030204" pitchFamily="18" charset="0"/>
+                                      </a:rPr>
+                                      <m:t>3</m:t>
+                                    </m:r>
+                                  </m:sub>
+                                </m:sSub>
+                                <m:sSub>
+                                  <m:sSubPr>
+                                    <m:ctrlPr>
+                                      <a:rPr lang="en-US" i="1">
+                                        <a:latin typeface="Cambria Math" panose="02040503050406030204" pitchFamily="18" charset="0"/>
+                                      </a:rPr>
+                                    </m:ctrlPr>
+                                  </m:sSubPr>
+                                  <m:e>
+                                    <m:r>
+                                      <a:rPr lang="en-US" i="1">
+                                        <a:latin typeface="Cambria Math" panose="02040503050406030204" pitchFamily="18" charset="0"/>
+                                      </a:rPr>
+                                      <m:t>𝑏</m:t>
+                                    </m:r>
+                                  </m:e>
+                                  <m:sub>
+                                    <m:r>
+                                      <a:rPr lang="en-US" b="0" i="1" smtClean="0">
+                                        <a:latin typeface="Cambria Math" panose="02040503050406030204" pitchFamily="18" charset="0"/>
+                                      </a:rPr>
+                                      <m:t>6</m:t>
+                                    </m:r>
+                                  </m:sub>
+                                </m:sSub>
+                              </m:e>
+                            </m:mr>
+                            <m:mr>
+                              <m:e>
+                                <m:sSub>
+                                  <m:sSubPr>
+                                    <m:ctrlPr>
+                                      <a:rPr lang="en-US" i="1">
+                                        <a:latin typeface="Cambria Math" panose="02040503050406030204" pitchFamily="18" charset="0"/>
+                                      </a:rPr>
+                                    </m:ctrlPr>
+                                  </m:sSubPr>
+                                  <m:e>
+                                    <m:r>
+                                      <a:rPr lang="en-US" i="1">
+                                        <a:latin typeface="Cambria Math" panose="02040503050406030204" pitchFamily="18" charset="0"/>
+                                      </a:rPr>
+                                      <m:t>𝑎</m:t>
+                                    </m:r>
+                                  </m:e>
+                                  <m:sub>
+                                    <m:r>
+                                      <a:rPr lang="en-US" b="0" i="1" smtClean="0">
+                                        <a:latin typeface="Cambria Math" panose="02040503050406030204" pitchFamily="18" charset="0"/>
+                                      </a:rPr>
+                                      <m:t>4</m:t>
+                                    </m:r>
+                                  </m:sub>
+                                </m:sSub>
+                                <m:sSub>
+                                  <m:sSubPr>
+                                    <m:ctrlPr>
+                                      <a:rPr lang="en-US" i="1">
+                                        <a:latin typeface="Cambria Math" panose="02040503050406030204" pitchFamily="18" charset="0"/>
+                                      </a:rPr>
+                                    </m:ctrlPr>
+                                  </m:sSubPr>
+                                  <m:e>
+                                    <m:r>
+                                      <a:rPr lang="en-US" i="1">
+                                        <a:latin typeface="Cambria Math" panose="02040503050406030204" pitchFamily="18" charset="0"/>
+                                      </a:rPr>
+                                      <m:t>𝑏</m:t>
+                                    </m:r>
+                                  </m:e>
+                                  <m:sub>
+                                    <m:r>
+                                      <a:rPr lang="en-US" i="1">
+                                        <a:latin typeface="Cambria Math" panose="02040503050406030204" pitchFamily="18" charset="0"/>
+                                      </a:rPr>
+                                      <m:t>1</m:t>
+                                    </m:r>
+                                  </m:sub>
+                                </m:sSub>
+                                <m:r>
+                                  <a:rPr lang="en-US" i="1">
+                                    <a:latin typeface="Cambria Math" panose="02040503050406030204" pitchFamily="18" charset="0"/>
+                                  </a:rPr>
+                                  <m:t>+</m:t>
+                                </m:r>
+                                <m:sSub>
+                                  <m:sSubPr>
+                                    <m:ctrlPr>
+                                      <a:rPr lang="en-US" i="1">
+                                        <a:latin typeface="Cambria Math" panose="02040503050406030204" pitchFamily="18" charset="0"/>
+                                      </a:rPr>
+                                    </m:ctrlPr>
+                                  </m:sSubPr>
+                                  <m:e>
+                                    <m:r>
+                                      <a:rPr lang="en-US" i="1">
+                                        <a:latin typeface="Cambria Math" panose="02040503050406030204" pitchFamily="18" charset="0"/>
+                                      </a:rPr>
+                                      <m:t>𝑎</m:t>
+                                    </m:r>
+                                  </m:e>
+                                  <m:sub>
+                                    <m:r>
+                                      <a:rPr lang="en-US" b="0" i="1" smtClean="0">
+                                        <a:latin typeface="Cambria Math" panose="02040503050406030204" pitchFamily="18" charset="0"/>
+                                      </a:rPr>
+                                      <m:t>5</m:t>
+                                    </m:r>
+                                  </m:sub>
+                                </m:sSub>
+                                <m:sSub>
+                                  <m:sSubPr>
+                                    <m:ctrlPr>
+                                      <a:rPr lang="en-US" i="1">
+                                        <a:latin typeface="Cambria Math" panose="02040503050406030204" pitchFamily="18" charset="0"/>
+                                      </a:rPr>
+                                    </m:ctrlPr>
+                                  </m:sSubPr>
+                                  <m:e>
+                                    <m:r>
+                                      <a:rPr lang="en-US" i="1">
+                                        <a:latin typeface="Cambria Math" panose="02040503050406030204" pitchFamily="18" charset="0"/>
+                                      </a:rPr>
+                                      <m:t>𝑏</m:t>
+                                    </m:r>
+                                  </m:e>
+                                  <m:sub>
+                                    <m:r>
+                                      <a:rPr lang="en-US" i="1">
+                                        <a:latin typeface="Cambria Math" panose="02040503050406030204" pitchFamily="18" charset="0"/>
+                                      </a:rPr>
+                                      <m:t>3</m:t>
+                                    </m:r>
+                                  </m:sub>
+                                </m:sSub>
+                                <m:r>
+                                  <a:rPr lang="en-US" i="1">
+                                    <a:latin typeface="Cambria Math" panose="02040503050406030204" pitchFamily="18" charset="0"/>
+                                  </a:rPr>
+                                  <m:t>+</m:t>
+                                </m:r>
+                                <m:sSub>
+                                  <m:sSubPr>
+                                    <m:ctrlPr>
+                                      <a:rPr lang="en-US" i="1">
+                                        <a:latin typeface="Cambria Math" panose="02040503050406030204" pitchFamily="18" charset="0"/>
+                                      </a:rPr>
+                                    </m:ctrlPr>
+                                  </m:sSubPr>
+                                  <m:e>
+                                    <m:r>
+                                      <a:rPr lang="en-US" i="1">
+                                        <a:latin typeface="Cambria Math" panose="02040503050406030204" pitchFamily="18" charset="0"/>
+                                      </a:rPr>
+                                      <m:t>𝑎</m:t>
+                                    </m:r>
+                                  </m:e>
+                                  <m:sub>
+                                    <m:r>
+                                      <a:rPr lang="en-US" b="0" i="1" smtClean="0">
+                                        <a:latin typeface="Cambria Math" panose="02040503050406030204" pitchFamily="18" charset="0"/>
+                                      </a:rPr>
+                                      <m:t>6</m:t>
+                                    </m:r>
+                                  </m:sub>
+                                </m:sSub>
+                                <m:sSub>
+                                  <m:sSubPr>
+                                    <m:ctrlPr>
+                                      <a:rPr lang="en-US" i="1">
+                                        <a:latin typeface="Cambria Math" panose="02040503050406030204" pitchFamily="18" charset="0"/>
+                                      </a:rPr>
+                                    </m:ctrlPr>
+                                  </m:sSubPr>
+                                  <m:e>
+                                    <m:r>
+                                      <a:rPr lang="en-US" i="1">
+                                        <a:latin typeface="Cambria Math" panose="02040503050406030204" pitchFamily="18" charset="0"/>
+                                      </a:rPr>
+                                      <m:t>𝑏</m:t>
+                                    </m:r>
+                                  </m:e>
+                                  <m:sub>
+                                    <m:r>
+                                      <a:rPr lang="en-US" i="1">
+                                        <a:latin typeface="Cambria Math" panose="02040503050406030204" pitchFamily="18" charset="0"/>
+                                      </a:rPr>
+                                      <m:t>5</m:t>
+                                    </m:r>
+                                  </m:sub>
+                                </m:sSub>
+                              </m:e>
+                              <m:e>
+                                <m:sSub>
+                                  <m:sSubPr>
+                                    <m:ctrlPr>
+                                      <a:rPr lang="en-US" i="1">
+                                        <a:latin typeface="Cambria Math" panose="02040503050406030204" pitchFamily="18" charset="0"/>
+                                      </a:rPr>
+                                    </m:ctrlPr>
+                                  </m:sSubPr>
+                                  <m:e>
+                                    <m:r>
+                                      <a:rPr lang="en-US" i="1">
+                                        <a:latin typeface="Cambria Math" panose="02040503050406030204" pitchFamily="18" charset="0"/>
+                                      </a:rPr>
+                                      <m:t>𝑎</m:t>
+                                    </m:r>
+                                  </m:e>
+                                  <m:sub>
+                                    <m:r>
+                                      <a:rPr lang="en-US" b="0" i="1" smtClean="0">
+                                        <a:latin typeface="Cambria Math" panose="02040503050406030204" pitchFamily="18" charset="0"/>
+                                      </a:rPr>
+                                      <m:t>4</m:t>
+                                    </m:r>
+                                  </m:sub>
+                                </m:sSub>
+                                <m:sSub>
+                                  <m:sSubPr>
+                                    <m:ctrlPr>
+                                      <a:rPr lang="en-US" i="1">
+                                        <a:latin typeface="Cambria Math" panose="02040503050406030204" pitchFamily="18" charset="0"/>
+                                      </a:rPr>
+                                    </m:ctrlPr>
+                                  </m:sSubPr>
+                                  <m:e>
+                                    <m:r>
+                                      <a:rPr lang="en-US" i="1">
+                                        <a:latin typeface="Cambria Math" panose="02040503050406030204" pitchFamily="18" charset="0"/>
+                                      </a:rPr>
+                                      <m:t>𝑏</m:t>
+                                    </m:r>
+                                  </m:e>
+                                  <m:sub>
+                                    <m:r>
+                                      <a:rPr lang="en-US" b="0" i="1" smtClean="0">
+                                        <a:latin typeface="Cambria Math" panose="02040503050406030204" pitchFamily="18" charset="0"/>
+                                      </a:rPr>
+                                      <m:t>2</m:t>
+                                    </m:r>
+                                  </m:sub>
+                                </m:sSub>
+                                <m:r>
+                                  <a:rPr lang="en-US" i="1">
+                                    <a:latin typeface="Cambria Math" panose="02040503050406030204" pitchFamily="18" charset="0"/>
+                                  </a:rPr>
+                                  <m:t>+</m:t>
+                                </m:r>
+                                <m:sSub>
+                                  <m:sSubPr>
+                                    <m:ctrlPr>
+                                      <a:rPr lang="en-US" i="1">
+                                        <a:latin typeface="Cambria Math" panose="02040503050406030204" pitchFamily="18" charset="0"/>
+                                      </a:rPr>
+                                    </m:ctrlPr>
+                                  </m:sSubPr>
+                                  <m:e>
+                                    <m:r>
+                                      <a:rPr lang="en-US" i="1">
+                                        <a:latin typeface="Cambria Math" panose="02040503050406030204" pitchFamily="18" charset="0"/>
+                                      </a:rPr>
+                                      <m:t>𝑎</m:t>
+                                    </m:r>
+                                  </m:e>
+                                  <m:sub>
+                                    <m:r>
+                                      <a:rPr lang="en-US" b="0" i="1" smtClean="0">
+                                        <a:latin typeface="Cambria Math" panose="02040503050406030204" pitchFamily="18" charset="0"/>
+                                      </a:rPr>
+                                      <m:t>5</m:t>
+                                    </m:r>
+                                  </m:sub>
+                                </m:sSub>
+                                <m:sSub>
+                                  <m:sSubPr>
+                                    <m:ctrlPr>
+                                      <a:rPr lang="en-US" i="1">
+                                        <a:latin typeface="Cambria Math" panose="02040503050406030204" pitchFamily="18" charset="0"/>
+                                      </a:rPr>
+                                    </m:ctrlPr>
+                                  </m:sSubPr>
+                                  <m:e>
+                                    <m:r>
+                                      <a:rPr lang="en-US" i="1">
+                                        <a:latin typeface="Cambria Math" panose="02040503050406030204" pitchFamily="18" charset="0"/>
+                                      </a:rPr>
+                                      <m:t>𝑏</m:t>
+                                    </m:r>
+                                  </m:e>
+                                  <m:sub>
+                                    <m:r>
+                                      <a:rPr lang="en-US" b="0" i="1" smtClean="0">
+                                        <a:latin typeface="Cambria Math" panose="02040503050406030204" pitchFamily="18" charset="0"/>
+                                      </a:rPr>
+                                      <m:t>4</m:t>
+                                    </m:r>
+                                  </m:sub>
+                                </m:sSub>
+                                <m:r>
+                                  <a:rPr lang="en-US" i="1">
+                                    <a:latin typeface="Cambria Math" panose="02040503050406030204" pitchFamily="18" charset="0"/>
+                                  </a:rPr>
+                                  <m:t>+</m:t>
+                                </m:r>
+                                <m:sSub>
+                                  <m:sSubPr>
+                                    <m:ctrlPr>
+                                      <a:rPr lang="en-US" i="1">
+                                        <a:latin typeface="Cambria Math" panose="02040503050406030204" pitchFamily="18" charset="0"/>
+                                      </a:rPr>
+                                    </m:ctrlPr>
+                                  </m:sSubPr>
+                                  <m:e>
+                                    <m:r>
+                                      <a:rPr lang="en-US" i="1">
+                                        <a:latin typeface="Cambria Math" panose="02040503050406030204" pitchFamily="18" charset="0"/>
+                                      </a:rPr>
+                                      <m:t>𝑎</m:t>
+                                    </m:r>
+                                  </m:e>
+                                  <m:sub>
+                                    <m:r>
+                                      <a:rPr lang="en-US" b="0" i="1" smtClean="0">
+                                        <a:latin typeface="Cambria Math" panose="02040503050406030204" pitchFamily="18" charset="0"/>
+                                      </a:rPr>
+                                      <m:t>5</m:t>
+                                    </m:r>
+                                  </m:sub>
+                                </m:sSub>
+                                <m:sSub>
+                                  <m:sSubPr>
+                                    <m:ctrlPr>
+                                      <a:rPr lang="en-US" i="1">
+                                        <a:latin typeface="Cambria Math" panose="02040503050406030204" pitchFamily="18" charset="0"/>
+                                      </a:rPr>
+                                    </m:ctrlPr>
+                                  </m:sSubPr>
+                                  <m:e>
+                                    <m:r>
+                                      <a:rPr lang="en-US" i="1">
+                                        <a:latin typeface="Cambria Math" panose="02040503050406030204" pitchFamily="18" charset="0"/>
+                                      </a:rPr>
+                                      <m:t>𝑏</m:t>
+                                    </m:r>
+                                  </m:e>
+                                  <m:sub>
+                                    <m:r>
+                                      <a:rPr lang="en-US" b="0" i="1" smtClean="0">
+                                        <a:latin typeface="Cambria Math" panose="02040503050406030204" pitchFamily="18" charset="0"/>
+                                      </a:rPr>
+                                      <m:t>6</m:t>
+                                    </m:r>
+                                  </m:sub>
+                                </m:sSub>
+                              </m:e>
+                            </m:mr>
+                          </m:m>
+                        </m:e>
+                      </m:d>
+                    </m:oMath>
+                  </m:oMathPara>
+                </a14:m>
+                <a:endParaRPr lang="en-US" dirty="0"/>
+              </a:p>
+            </p:txBody>
+          </p:sp>
+        </mc:Choice>
+        <mc:Fallback>
+          <p:sp>
+            <p:nvSpPr>
+              <p:cNvPr id="42" name="TextBox 41">
+                <a:extLst>
+                  <a:ext uri="{FF2B5EF4-FFF2-40B4-BE49-F238E27FC236}">
+                    <a16:creationId xmlns:a16="http://schemas.microsoft.com/office/drawing/2014/main" id="{2659D933-30CB-2444-E3C3-3778559986DF}"/>
+                  </a:ext>
+                </a:extLst>
+              </p:cNvPr>
+              <p:cNvSpPr txBox="1">
+                <a:spLocks noRot="1" noChangeAspect="1" noMove="1" noResize="1" noEditPoints="1" noAdjustHandles="1" noChangeArrowheads="1" noChangeShapeType="1" noTextEdit="1"/>
+              </p:cNvSpPr>
+              <p:nvPr/>
+            </p:nvSpPr>
+            <p:spPr>
+              <a:xfrm>
+                <a:off x="1376156" y="904741"/>
+                <a:ext cx="7049622" cy="809132"/>
+              </a:xfrm>
+              <a:prstGeom prst="rect">
+                <a:avLst/>
+              </a:prstGeom>
+              <a:blipFill>
+                <a:blip r:embed="rId2"/>
+                <a:stretch>
+                  <a:fillRect t="-1563" b="-6250"/>
+                </a:stretch>
+              </a:blipFill>
+            </p:spPr>
+            <p:txBody>
+              <a:bodyPr/>
+              <a:lstStyle/>
+              <a:p>
+                <a:r>
+                  <a:rPr lang="en-US">
+                    <a:noFill/>
+                  </a:rPr>
+                  <a:t> </a:t>
+                </a:r>
+              </a:p>
+            </p:txBody>
+          </p:sp>
+        </mc:Fallback>
+      </mc:AlternateContent>
+    </p:spTree>
+    <p:extLst>
+      <p:ext uri="{BB962C8B-B14F-4D97-AF65-F5344CB8AC3E}">
+        <p14:creationId xmlns:p14="http://schemas.microsoft.com/office/powerpoint/2010/main" val="3206631681"/>
       </p:ext>
     </p:extLst>
   </p:cSld>

--- a/files/communication_diagram.pptx
+++ b/files/communication_diagram.pptx
@@ -23464,1197 +23464,735 @@
           <a:chExt cx="0" cy="0"/>
         </a:xfrm>
       </p:grpSpPr>
-      <mc:AlternateContent xmlns:mc="http://schemas.openxmlformats.org/markup-compatibility/2006">
-        <mc:Choice xmlns:a14="http://schemas.microsoft.com/office/drawing/2010/main" Requires="a14">
-          <p:sp>
-            <p:nvSpPr>
-              <p:cNvPr id="42" name="TextBox 41">
-                <a:extLst>
-                  <a:ext uri="{FF2B5EF4-FFF2-40B4-BE49-F238E27FC236}">
-                    <a16:creationId xmlns:a16="http://schemas.microsoft.com/office/drawing/2014/main" id="{2659D933-30CB-2444-E3C3-3778559986DF}"/>
-                  </a:ext>
-                </a:extLst>
-              </p:cNvPr>
-              <p:cNvSpPr txBox="1"/>
-              <p:nvPr/>
-            </p:nvSpPr>
-            <p:spPr>
-              <a:xfrm>
-                <a:off x="1376156" y="904741"/>
-                <a:ext cx="7049622" cy="809132"/>
-              </a:xfrm>
-              <a:prstGeom prst="rect">
-                <a:avLst/>
-              </a:prstGeom>
-              <a:noFill/>
-            </p:spPr>
-            <p:txBody>
-              <a:bodyPr wrap="none" lIns="0" tIns="0" rIns="0" bIns="0" rtlCol="0">
-                <a:spAutoFit/>
-              </a:bodyPr>
-              <a:lstStyle/>
-              <a:p>
-                <a14:m>
-                  <m:oMathPara xmlns:m="http://schemas.openxmlformats.org/officeDocument/2006/math">
-                    <m:oMathParaPr>
-                      <m:jc m:val="centerGroup"/>
-                    </m:oMathParaPr>
-                    <m:oMath xmlns:m="http://schemas.openxmlformats.org/officeDocument/2006/math">
-                      <m:d>
-                        <m:dPr>
-                          <m:begChr m:val="["/>
-                          <m:endChr m:val="]"/>
-                          <m:ctrlPr>
-                            <a:rPr lang="en-US" i="1" smtClean="0">
-                              <a:latin typeface="Cambria Math" panose="02040503050406030204" pitchFamily="18" charset="0"/>
-                            </a:rPr>
-                          </m:ctrlPr>
-                        </m:dPr>
-                        <m:e>
-                          <m:m>
-                            <m:mPr>
-                              <m:mcs>
-                                <m:mc>
-                                  <m:mcPr>
-                                    <m:count m:val="3"/>
-                                    <m:mcJc m:val="center"/>
-                                  </m:mcPr>
-                                </m:mc>
-                              </m:mcs>
-                              <m:ctrlPr>
-                                <a:rPr lang="en-US" i="1" smtClean="0">
-                                  <a:latin typeface="Cambria Math" panose="02040503050406030204" pitchFamily="18" charset="0"/>
-                                </a:rPr>
-                              </m:ctrlPr>
-                            </m:mPr>
-                            <m:mr>
-                              <m:e>
-                                <m:sSub>
-                                  <m:sSubPr>
-                                    <m:ctrlPr>
-                                      <a:rPr lang="en-US" i="1">
-                                        <a:latin typeface="Cambria Math" panose="02040503050406030204" pitchFamily="18" charset="0"/>
-                                      </a:rPr>
-                                    </m:ctrlPr>
-                                  </m:sSubPr>
-                                  <m:e>
-                                    <m:r>
-                                      <a:rPr lang="en-US" i="1">
-                                        <a:latin typeface="Cambria Math" panose="02040503050406030204" pitchFamily="18" charset="0"/>
-                                      </a:rPr>
-                                      <m:t>𝑎</m:t>
-                                    </m:r>
-                                  </m:e>
-                                  <m:sub>
-                                    <m:r>
-                                      <a:rPr lang="en-US" i="1">
-                                        <a:latin typeface="Cambria Math" panose="02040503050406030204" pitchFamily="18" charset="0"/>
-                                      </a:rPr>
-                                      <m:t>1</m:t>
-                                    </m:r>
-                                  </m:sub>
-                                </m:sSub>
-                              </m:e>
-                              <m:e>
-                                <m:sSub>
-                                  <m:sSubPr>
-                                    <m:ctrlPr>
-                                      <a:rPr lang="en-US" i="1">
-                                        <a:latin typeface="Cambria Math" panose="02040503050406030204" pitchFamily="18" charset="0"/>
-                                      </a:rPr>
-                                    </m:ctrlPr>
-                                  </m:sSubPr>
-                                  <m:e>
-                                    <m:r>
-                                      <a:rPr lang="en-US" i="1">
-                                        <a:latin typeface="Cambria Math" panose="02040503050406030204" pitchFamily="18" charset="0"/>
-                                      </a:rPr>
-                                      <m:t>𝑎</m:t>
-                                    </m:r>
-                                  </m:e>
-                                  <m:sub>
-                                    <m:r>
-                                      <a:rPr lang="en-US" b="0" i="1" smtClean="0">
-                                        <a:latin typeface="Cambria Math" panose="02040503050406030204" pitchFamily="18" charset="0"/>
-                                      </a:rPr>
-                                      <m:t>2</m:t>
-                                    </m:r>
-                                  </m:sub>
-                                </m:sSub>
-                              </m:e>
-                              <m:e>
-                                <m:sSub>
-                                  <m:sSubPr>
-                                    <m:ctrlPr>
-                                      <a:rPr lang="en-US" i="1" smtClean="0">
-                                        <a:latin typeface="Cambria Math" panose="02040503050406030204" pitchFamily="18" charset="0"/>
-                                      </a:rPr>
-                                    </m:ctrlPr>
-                                  </m:sSubPr>
-                                  <m:e>
-                                    <m:r>
-                                      <a:rPr lang="en-US" i="1">
-                                        <a:latin typeface="Cambria Math" panose="02040503050406030204" pitchFamily="18" charset="0"/>
-                                      </a:rPr>
-                                      <m:t>𝑎</m:t>
-                                    </m:r>
-                                  </m:e>
-                                  <m:sub>
-                                    <m:r>
-                                      <a:rPr lang="en-US" b="0" i="1" smtClean="0">
-                                        <a:latin typeface="Cambria Math" panose="02040503050406030204" pitchFamily="18" charset="0"/>
-                                      </a:rPr>
-                                      <m:t>3</m:t>
-                                    </m:r>
-                                  </m:sub>
-                                </m:sSub>
-                              </m:e>
-                            </m:mr>
-                            <m:mr>
-                              <m:e>
-                                <m:sSub>
-                                  <m:sSubPr>
-                                    <m:ctrlPr>
-                                      <a:rPr lang="en-US" i="1">
-                                        <a:latin typeface="Cambria Math" panose="02040503050406030204" pitchFamily="18" charset="0"/>
-                                      </a:rPr>
-                                    </m:ctrlPr>
-                                  </m:sSubPr>
-                                  <m:e>
-                                    <m:r>
-                                      <a:rPr lang="en-US" i="1">
-                                        <a:latin typeface="Cambria Math" panose="02040503050406030204" pitchFamily="18" charset="0"/>
-                                      </a:rPr>
-                                      <m:t>𝑎</m:t>
-                                    </m:r>
-                                  </m:e>
-                                  <m:sub>
-                                    <m:r>
-                                      <a:rPr lang="en-US" b="0" i="1" smtClean="0">
-                                        <a:latin typeface="Cambria Math" panose="02040503050406030204" pitchFamily="18" charset="0"/>
-                                      </a:rPr>
-                                      <m:t>4</m:t>
-                                    </m:r>
-                                  </m:sub>
-                                </m:sSub>
-                              </m:e>
-                              <m:e>
-                                <m:sSub>
-                                  <m:sSubPr>
-                                    <m:ctrlPr>
-                                      <a:rPr lang="en-US" i="1">
-                                        <a:latin typeface="Cambria Math" panose="02040503050406030204" pitchFamily="18" charset="0"/>
-                                      </a:rPr>
-                                    </m:ctrlPr>
-                                  </m:sSubPr>
-                                  <m:e>
-                                    <m:r>
-                                      <a:rPr lang="en-US" i="1">
-                                        <a:latin typeface="Cambria Math" panose="02040503050406030204" pitchFamily="18" charset="0"/>
-                                      </a:rPr>
-                                      <m:t>𝑎</m:t>
-                                    </m:r>
-                                  </m:e>
-                                  <m:sub>
-                                    <m:r>
-                                      <a:rPr lang="en-US" b="0" i="1" smtClean="0">
-                                        <a:latin typeface="Cambria Math" panose="02040503050406030204" pitchFamily="18" charset="0"/>
-                                      </a:rPr>
-                                      <m:t>5</m:t>
-                                    </m:r>
-                                  </m:sub>
-                                </m:sSub>
-                              </m:e>
-                              <m:e>
-                                <m:sSub>
-                                  <m:sSubPr>
-                                    <m:ctrlPr>
-                                      <a:rPr lang="en-US" i="1">
-                                        <a:latin typeface="Cambria Math" panose="02040503050406030204" pitchFamily="18" charset="0"/>
-                                      </a:rPr>
-                                    </m:ctrlPr>
-                                  </m:sSubPr>
-                                  <m:e>
-                                    <m:r>
-                                      <a:rPr lang="en-US" i="1">
-                                        <a:latin typeface="Cambria Math" panose="02040503050406030204" pitchFamily="18" charset="0"/>
-                                      </a:rPr>
-                                      <m:t>𝑎</m:t>
-                                    </m:r>
-                                  </m:e>
-                                  <m:sub>
-                                    <m:r>
-                                      <a:rPr lang="en-US" b="0" i="1" smtClean="0">
-                                        <a:latin typeface="Cambria Math" panose="02040503050406030204" pitchFamily="18" charset="0"/>
-                                      </a:rPr>
-                                      <m:t>6</m:t>
-                                    </m:r>
-                                  </m:sub>
-                                </m:sSub>
-                              </m:e>
-                            </m:mr>
-                          </m:m>
-                        </m:e>
-                      </m:d>
-                      <m:r>
-                        <a:rPr lang="en-US" i="1" smtClean="0">
-                          <a:latin typeface="Cambria Math" panose="02040503050406030204" pitchFamily="18" charset="0"/>
-                          <a:ea typeface="Cambria Math" panose="02040503050406030204" pitchFamily="18" charset="0"/>
-                        </a:rPr>
-                        <m:t>×</m:t>
-                      </m:r>
-                      <m:d>
-                        <m:dPr>
-                          <m:begChr m:val="["/>
-                          <m:endChr m:val="]"/>
-                          <m:ctrlPr>
-                            <a:rPr lang="en-US" i="1" smtClean="0">
-                              <a:latin typeface="Cambria Math" panose="02040503050406030204" pitchFamily="18" charset="0"/>
-                              <a:ea typeface="Cambria Math" panose="02040503050406030204" pitchFamily="18" charset="0"/>
-                            </a:rPr>
-                          </m:ctrlPr>
-                        </m:dPr>
-                        <m:e>
-                          <m:m>
-                            <m:mPr>
-                              <m:mcs>
-                                <m:mc>
-                                  <m:mcPr>
-                                    <m:count m:val="2"/>
-                                    <m:mcJc m:val="center"/>
-                                  </m:mcPr>
-                                </m:mc>
-                              </m:mcs>
-                              <m:ctrlPr>
-                                <a:rPr lang="en-US" i="1" smtClean="0">
-                                  <a:latin typeface="Cambria Math" panose="02040503050406030204" pitchFamily="18" charset="0"/>
-                                  <a:ea typeface="Cambria Math" panose="02040503050406030204" pitchFamily="18" charset="0"/>
-                                </a:rPr>
-                              </m:ctrlPr>
-                            </m:mPr>
-                            <m:mr>
-                              <m:e>
-                                <m:sSub>
-                                  <m:sSubPr>
-                                    <m:ctrlPr>
-                                      <a:rPr lang="en-US" i="1">
-                                        <a:latin typeface="Cambria Math" panose="02040503050406030204" pitchFamily="18" charset="0"/>
-                                      </a:rPr>
-                                    </m:ctrlPr>
-                                  </m:sSubPr>
-                                  <m:e>
-                                    <m:r>
-                                      <a:rPr lang="en-US" b="0" i="1" smtClean="0">
-                                        <a:latin typeface="Cambria Math" panose="02040503050406030204" pitchFamily="18" charset="0"/>
-                                      </a:rPr>
-                                      <m:t>𝑏</m:t>
-                                    </m:r>
-                                  </m:e>
-                                  <m:sub>
-                                    <m:r>
-                                      <a:rPr lang="en-US" i="1">
-                                        <a:latin typeface="Cambria Math" panose="02040503050406030204" pitchFamily="18" charset="0"/>
-                                      </a:rPr>
-                                      <m:t>1</m:t>
-                                    </m:r>
-                                  </m:sub>
-                                </m:sSub>
-                              </m:e>
-                              <m:e>
-                                <m:sSub>
-                                  <m:sSubPr>
-                                    <m:ctrlPr>
-                                      <a:rPr lang="en-US" i="1">
-                                        <a:latin typeface="Cambria Math" panose="02040503050406030204" pitchFamily="18" charset="0"/>
-                                      </a:rPr>
-                                    </m:ctrlPr>
-                                  </m:sSubPr>
-                                  <m:e>
-                                    <m:r>
-                                      <a:rPr lang="en-US" i="1">
-                                        <a:latin typeface="Cambria Math" panose="02040503050406030204" pitchFamily="18" charset="0"/>
-                                      </a:rPr>
-                                      <m:t>𝑏</m:t>
-                                    </m:r>
-                                  </m:e>
-                                  <m:sub>
-                                    <m:r>
-                                      <a:rPr lang="en-US" b="0" i="1" smtClean="0">
-                                        <a:latin typeface="Cambria Math" panose="02040503050406030204" pitchFamily="18" charset="0"/>
-                                      </a:rPr>
-                                      <m:t>2</m:t>
-                                    </m:r>
-                                  </m:sub>
-                                </m:sSub>
-                              </m:e>
-                            </m:mr>
-                            <m:mr>
-                              <m:e>
-                                <m:sSub>
-                                  <m:sSubPr>
-                                    <m:ctrlPr>
-                                      <a:rPr lang="en-US" i="1" smtClean="0">
-                                        <a:latin typeface="Cambria Math" panose="02040503050406030204" pitchFamily="18" charset="0"/>
-                                      </a:rPr>
-                                    </m:ctrlPr>
-                                  </m:sSubPr>
-                                  <m:e>
-                                    <m:r>
-                                      <a:rPr lang="en-US" i="1">
-                                        <a:latin typeface="Cambria Math" panose="02040503050406030204" pitchFamily="18" charset="0"/>
-                                      </a:rPr>
-                                      <m:t>𝑏</m:t>
-                                    </m:r>
-                                  </m:e>
-                                  <m:sub>
-                                    <m:r>
-                                      <a:rPr lang="en-US" b="0" i="1" smtClean="0">
-                                        <a:latin typeface="Cambria Math" panose="02040503050406030204" pitchFamily="18" charset="0"/>
-                                      </a:rPr>
-                                      <m:t>3</m:t>
-                                    </m:r>
-                                  </m:sub>
-                                </m:sSub>
-                              </m:e>
-                              <m:e>
-                                <m:sSub>
-                                  <m:sSubPr>
-                                    <m:ctrlPr>
-                                      <a:rPr lang="en-US" i="1">
-                                        <a:latin typeface="Cambria Math" panose="02040503050406030204" pitchFamily="18" charset="0"/>
-                                      </a:rPr>
-                                    </m:ctrlPr>
-                                  </m:sSubPr>
-                                  <m:e>
-                                    <m:r>
-                                      <a:rPr lang="en-US" i="1">
-                                        <a:latin typeface="Cambria Math" panose="02040503050406030204" pitchFamily="18" charset="0"/>
-                                      </a:rPr>
-                                      <m:t>𝑏</m:t>
-                                    </m:r>
-                                  </m:e>
-                                  <m:sub>
-                                    <m:r>
-                                      <a:rPr lang="en-US" b="0" i="1" smtClean="0">
-                                        <a:latin typeface="Cambria Math" panose="02040503050406030204" pitchFamily="18" charset="0"/>
-                                      </a:rPr>
-                                      <m:t>4</m:t>
-                                    </m:r>
-                                  </m:sub>
-                                </m:sSub>
-                              </m:e>
-                            </m:mr>
-                            <m:mr>
-                              <m:e>
-                                <m:sSub>
-                                  <m:sSubPr>
-                                    <m:ctrlPr>
-                                      <a:rPr lang="en-US" i="1">
-                                        <a:latin typeface="Cambria Math" panose="02040503050406030204" pitchFamily="18" charset="0"/>
-                                      </a:rPr>
-                                    </m:ctrlPr>
-                                  </m:sSubPr>
-                                  <m:e>
-                                    <m:r>
-                                      <a:rPr lang="en-US" i="1">
-                                        <a:latin typeface="Cambria Math" panose="02040503050406030204" pitchFamily="18" charset="0"/>
-                                      </a:rPr>
-                                      <m:t>𝑏</m:t>
-                                    </m:r>
-                                  </m:e>
-                                  <m:sub>
-                                    <m:r>
-                                      <a:rPr lang="en-US" b="0" i="1" smtClean="0">
-                                        <a:latin typeface="Cambria Math" panose="02040503050406030204" pitchFamily="18" charset="0"/>
-                                      </a:rPr>
-                                      <m:t>5</m:t>
-                                    </m:r>
-                                  </m:sub>
-                                </m:sSub>
-                              </m:e>
-                              <m:e>
-                                <m:sSub>
-                                  <m:sSubPr>
-                                    <m:ctrlPr>
-                                      <a:rPr lang="en-US" i="1">
-                                        <a:latin typeface="Cambria Math" panose="02040503050406030204" pitchFamily="18" charset="0"/>
-                                      </a:rPr>
-                                    </m:ctrlPr>
-                                  </m:sSubPr>
-                                  <m:e>
-                                    <m:r>
-                                      <a:rPr lang="en-US" i="1">
-                                        <a:latin typeface="Cambria Math" panose="02040503050406030204" pitchFamily="18" charset="0"/>
-                                      </a:rPr>
-                                      <m:t>𝑏</m:t>
-                                    </m:r>
-                                  </m:e>
-                                  <m:sub>
-                                    <m:r>
-                                      <a:rPr lang="en-US" b="0" i="1" smtClean="0">
-                                        <a:latin typeface="Cambria Math" panose="02040503050406030204" pitchFamily="18" charset="0"/>
-                                      </a:rPr>
-                                      <m:t>6</m:t>
-                                    </m:r>
-                                  </m:sub>
-                                </m:sSub>
-                              </m:e>
-                            </m:mr>
-                          </m:m>
-                        </m:e>
-                      </m:d>
-                      <m:r>
-                        <a:rPr lang="en-US" b="0" i="0" smtClean="0">
-                          <a:latin typeface="Cambria Math" panose="02040503050406030204" pitchFamily="18" charset="0"/>
-                          <a:ea typeface="Cambria Math" panose="02040503050406030204" pitchFamily="18" charset="0"/>
-                        </a:rPr>
-                        <m:t>=</m:t>
-                      </m:r>
-                      <m:d>
-                        <m:dPr>
-                          <m:begChr m:val="["/>
-                          <m:endChr m:val="]"/>
-                          <m:ctrlPr>
-                            <a:rPr lang="en-US" b="0" i="1" smtClean="0">
-                              <a:latin typeface="Cambria Math" panose="02040503050406030204" pitchFamily="18" charset="0"/>
-                              <a:ea typeface="Cambria Math" panose="02040503050406030204" pitchFamily="18" charset="0"/>
-                            </a:rPr>
-                          </m:ctrlPr>
-                        </m:dPr>
-                        <m:e>
-                          <m:m>
-                            <m:mPr>
-                              <m:mcs>
-                                <m:mc>
-                                  <m:mcPr>
-                                    <m:count m:val="2"/>
-                                    <m:mcJc m:val="center"/>
-                                  </m:mcPr>
-                                </m:mc>
-                              </m:mcs>
-                              <m:ctrlPr>
-                                <a:rPr lang="en-US" b="0" i="1" smtClean="0">
-                                  <a:latin typeface="Cambria Math" panose="02040503050406030204" pitchFamily="18" charset="0"/>
-                                  <a:ea typeface="Cambria Math" panose="02040503050406030204" pitchFamily="18" charset="0"/>
-                                </a:rPr>
-                              </m:ctrlPr>
-                            </m:mPr>
-                            <m:mr>
-                              <m:e>
-                                <m:sSub>
-                                  <m:sSubPr>
-                                    <m:ctrlPr>
-                                      <a:rPr lang="en-US" i="1">
-                                        <a:latin typeface="Cambria Math" panose="02040503050406030204" pitchFamily="18" charset="0"/>
-                                      </a:rPr>
-                                    </m:ctrlPr>
-                                  </m:sSubPr>
-                                  <m:e>
-                                    <m:r>
-                                      <a:rPr lang="en-US" b="0" i="1" smtClean="0">
-                                        <a:latin typeface="Cambria Math" panose="02040503050406030204" pitchFamily="18" charset="0"/>
-                                      </a:rPr>
-                                      <m:t>𝑎</m:t>
-                                    </m:r>
-                                  </m:e>
-                                  <m:sub>
-                                    <m:r>
-                                      <a:rPr lang="en-US" i="1">
-                                        <a:latin typeface="Cambria Math" panose="02040503050406030204" pitchFamily="18" charset="0"/>
-                                      </a:rPr>
-                                      <m:t>1</m:t>
-                                    </m:r>
-                                  </m:sub>
-                                </m:sSub>
-                                <m:sSub>
-                                  <m:sSubPr>
-                                    <m:ctrlPr>
-                                      <a:rPr lang="en-US" i="1">
-                                        <a:latin typeface="Cambria Math" panose="02040503050406030204" pitchFamily="18" charset="0"/>
-                                      </a:rPr>
-                                    </m:ctrlPr>
-                                  </m:sSubPr>
-                                  <m:e>
-                                    <m:r>
-                                      <a:rPr lang="en-US" i="1">
-                                        <a:latin typeface="Cambria Math" panose="02040503050406030204" pitchFamily="18" charset="0"/>
-                                      </a:rPr>
-                                      <m:t>𝑏</m:t>
-                                    </m:r>
-                                  </m:e>
-                                  <m:sub>
-                                    <m:r>
-                                      <a:rPr lang="en-US" i="1">
-                                        <a:latin typeface="Cambria Math" panose="02040503050406030204" pitchFamily="18" charset="0"/>
-                                      </a:rPr>
-                                      <m:t>1</m:t>
-                                    </m:r>
-                                  </m:sub>
-                                </m:sSub>
-                                <m:r>
-                                  <a:rPr lang="en-US" b="0" i="1" smtClean="0">
-                                    <a:latin typeface="Cambria Math" panose="02040503050406030204" pitchFamily="18" charset="0"/>
-                                  </a:rPr>
-                                  <m:t>+</m:t>
-                                </m:r>
-                                <m:sSub>
-                                  <m:sSubPr>
-                                    <m:ctrlPr>
-                                      <a:rPr lang="en-US" i="1">
-                                        <a:latin typeface="Cambria Math" panose="02040503050406030204" pitchFamily="18" charset="0"/>
-                                      </a:rPr>
-                                    </m:ctrlPr>
-                                  </m:sSubPr>
-                                  <m:e>
-                                    <m:r>
-                                      <a:rPr lang="en-US" b="0" i="1" smtClean="0">
-                                        <a:latin typeface="Cambria Math" panose="02040503050406030204" pitchFamily="18" charset="0"/>
-                                      </a:rPr>
-                                      <m:t>𝑎</m:t>
-                                    </m:r>
-                                  </m:e>
-                                  <m:sub>
-                                    <m:r>
-                                      <a:rPr lang="en-US" b="0" i="1" smtClean="0">
-                                        <a:latin typeface="Cambria Math" panose="02040503050406030204" pitchFamily="18" charset="0"/>
-                                      </a:rPr>
-                                      <m:t>2</m:t>
-                                    </m:r>
-                                  </m:sub>
-                                </m:sSub>
-                                <m:sSub>
-                                  <m:sSubPr>
-                                    <m:ctrlPr>
-                                      <a:rPr lang="en-US" i="1">
-                                        <a:latin typeface="Cambria Math" panose="02040503050406030204" pitchFamily="18" charset="0"/>
-                                      </a:rPr>
-                                    </m:ctrlPr>
-                                  </m:sSubPr>
-                                  <m:e>
-                                    <m:r>
-                                      <a:rPr lang="en-US" i="1">
-                                        <a:latin typeface="Cambria Math" panose="02040503050406030204" pitchFamily="18" charset="0"/>
-                                      </a:rPr>
-                                      <m:t>𝑏</m:t>
-                                    </m:r>
-                                  </m:e>
-                                  <m:sub>
-                                    <m:r>
-                                      <a:rPr lang="en-US" b="0" i="1" smtClean="0">
-                                        <a:latin typeface="Cambria Math" panose="02040503050406030204" pitchFamily="18" charset="0"/>
-                                      </a:rPr>
-                                      <m:t>3</m:t>
-                                    </m:r>
-                                  </m:sub>
-                                </m:sSub>
-                                <m:r>
-                                  <a:rPr lang="en-US" b="0" i="1" smtClean="0">
-                                    <a:latin typeface="Cambria Math" panose="02040503050406030204" pitchFamily="18" charset="0"/>
-                                  </a:rPr>
-                                  <m:t>+</m:t>
-                                </m:r>
-                                <m:sSub>
-                                  <m:sSubPr>
-                                    <m:ctrlPr>
-                                      <a:rPr lang="en-US" i="1">
-                                        <a:latin typeface="Cambria Math" panose="02040503050406030204" pitchFamily="18" charset="0"/>
-                                      </a:rPr>
-                                    </m:ctrlPr>
-                                  </m:sSubPr>
-                                  <m:e>
-                                    <m:r>
-                                      <a:rPr lang="en-US" b="0" i="1" smtClean="0">
-                                        <a:latin typeface="Cambria Math" panose="02040503050406030204" pitchFamily="18" charset="0"/>
-                                      </a:rPr>
-                                      <m:t>𝑎</m:t>
-                                    </m:r>
-                                  </m:e>
-                                  <m:sub>
-                                    <m:r>
-                                      <a:rPr lang="en-US" b="0" i="1" smtClean="0">
-                                        <a:latin typeface="Cambria Math" panose="02040503050406030204" pitchFamily="18" charset="0"/>
-                                      </a:rPr>
-                                      <m:t>3</m:t>
-                                    </m:r>
-                                  </m:sub>
-                                </m:sSub>
-                                <m:sSub>
-                                  <m:sSubPr>
-                                    <m:ctrlPr>
-                                      <a:rPr lang="en-US" i="1">
-                                        <a:latin typeface="Cambria Math" panose="02040503050406030204" pitchFamily="18" charset="0"/>
-                                      </a:rPr>
-                                    </m:ctrlPr>
-                                  </m:sSubPr>
-                                  <m:e>
-                                    <m:r>
-                                      <a:rPr lang="en-US" i="1">
-                                        <a:latin typeface="Cambria Math" panose="02040503050406030204" pitchFamily="18" charset="0"/>
-                                      </a:rPr>
-                                      <m:t>𝑏</m:t>
-                                    </m:r>
-                                  </m:e>
-                                  <m:sub>
-                                    <m:r>
-                                      <a:rPr lang="en-US" b="0" i="1" smtClean="0">
-                                        <a:latin typeface="Cambria Math" panose="02040503050406030204" pitchFamily="18" charset="0"/>
-                                      </a:rPr>
-                                      <m:t>5</m:t>
-                                    </m:r>
-                                  </m:sub>
-                                </m:sSub>
-                              </m:e>
-                              <m:e>
-                                <m:sSub>
-                                  <m:sSubPr>
-                                    <m:ctrlPr>
-                                      <a:rPr lang="en-US" i="1">
-                                        <a:latin typeface="Cambria Math" panose="02040503050406030204" pitchFamily="18" charset="0"/>
-                                      </a:rPr>
-                                    </m:ctrlPr>
-                                  </m:sSubPr>
-                                  <m:e>
-                                    <m:r>
-                                      <a:rPr lang="en-US" i="1">
-                                        <a:latin typeface="Cambria Math" panose="02040503050406030204" pitchFamily="18" charset="0"/>
-                                      </a:rPr>
-                                      <m:t>𝑎</m:t>
-                                    </m:r>
-                                  </m:e>
-                                  <m:sub>
-                                    <m:r>
-                                      <a:rPr lang="en-US" i="1">
-                                        <a:latin typeface="Cambria Math" panose="02040503050406030204" pitchFamily="18" charset="0"/>
-                                      </a:rPr>
-                                      <m:t>1</m:t>
-                                    </m:r>
-                                  </m:sub>
-                                </m:sSub>
-                                <m:sSub>
-                                  <m:sSubPr>
-                                    <m:ctrlPr>
-                                      <a:rPr lang="en-US" i="1">
-                                        <a:latin typeface="Cambria Math" panose="02040503050406030204" pitchFamily="18" charset="0"/>
-                                      </a:rPr>
-                                    </m:ctrlPr>
-                                  </m:sSubPr>
-                                  <m:e>
-                                    <m:r>
-                                      <a:rPr lang="en-US" i="1">
-                                        <a:latin typeface="Cambria Math" panose="02040503050406030204" pitchFamily="18" charset="0"/>
-                                      </a:rPr>
-                                      <m:t>𝑏</m:t>
-                                    </m:r>
-                                  </m:e>
-                                  <m:sub>
-                                    <m:r>
-                                      <a:rPr lang="en-US" b="0" i="1" smtClean="0">
-                                        <a:latin typeface="Cambria Math" panose="02040503050406030204" pitchFamily="18" charset="0"/>
-                                      </a:rPr>
-                                      <m:t>2</m:t>
-                                    </m:r>
-                                  </m:sub>
-                                </m:sSub>
-                                <m:r>
-                                  <a:rPr lang="en-US" i="1">
-                                    <a:latin typeface="Cambria Math" panose="02040503050406030204" pitchFamily="18" charset="0"/>
-                                  </a:rPr>
-                                  <m:t>+</m:t>
-                                </m:r>
-                                <m:sSub>
-                                  <m:sSubPr>
-                                    <m:ctrlPr>
-                                      <a:rPr lang="en-US" i="1">
-                                        <a:latin typeface="Cambria Math" panose="02040503050406030204" pitchFamily="18" charset="0"/>
-                                      </a:rPr>
-                                    </m:ctrlPr>
-                                  </m:sSubPr>
-                                  <m:e>
-                                    <m:r>
-                                      <a:rPr lang="en-US" i="1">
-                                        <a:latin typeface="Cambria Math" panose="02040503050406030204" pitchFamily="18" charset="0"/>
-                                      </a:rPr>
-                                      <m:t>𝑎</m:t>
-                                    </m:r>
-                                  </m:e>
-                                  <m:sub>
-                                    <m:r>
-                                      <a:rPr lang="en-US" i="1">
-                                        <a:latin typeface="Cambria Math" panose="02040503050406030204" pitchFamily="18" charset="0"/>
-                                      </a:rPr>
-                                      <m:t>2</m:t>
-                                    </m:r>
-                                  </m:sub>
-                                </m:sSub>
-                                <m:sSub>
-                                  <m:sSubPr>
-                                    <m:ctrlPr>
-                                      <a:rPr lang="en-US" i="1">
-                                        <a:latin typeface="Cambria Math" panose="02040503050406030204" pitchFamily="18" charset="0"/>
-                                      </a:rPr>
-                                    </m:ctrlPr>
-                                  </m:sSubPr>
-                                  <m:e>
-                                    <m:r>
-                                      <a:rPr lang="en-US" i="1">
-                                        <a:latin typeface="Cambria Math" panose="02040503050406030204" pitchFamily="18" charset="0"/>
-                                      </a:rPr>
-                                      <m:t>𝑏</m:t>
-                                    </m:r>
-                                  </m:e>
-                                  <m:sub>
-                                    <m:r>
-                                      <a:rPr lang="en-US" b="0" i="1" smtClean="0">
-                                        <a:latin typeface="Cambria Math" panose="02040503050406030204" pitchFamily="18" charset="0"/>
-                                      </a:rPr>
-                                      <m:t>4</m:t>
-                                    </m:r>
-                                  </m:sub>
-                                </m:sSub>
-                                <m:r>
-                                  <a:rPr lang="en-US" i="1">
-                                    <a:latin typeface="Cambria Math" panose="02040503050406030204" pitchFamily="18" charset="0"/>
-                                  </a:rPr>
-                                  <m:t>+</m:t>
-                                </m:r>
-                                <m:sSub>
-                                  <m:sSubPr>
-                                    <m:ctrlPr>
-                                      <a:rPr lang="en-US" i="1">
-                                        <a:latin typeface="Cambria Math" panose="02040503050406030204" pitchFamily="18" charset="0"/>
-                                      </a:rPr>
-                                    </m:ctrlPr>
-                                  </m:sSubPr>
-                                  <m:e>
-                                    <m:r>
-                                      <a:rPr lang="en-US" i="1">
-                                        <a:latin typeface="Cambria Math" panose="02040503050406030204" pitchFamily="18" charset="0"/>
-                                      </a:rPr>
-                                      <m:t>𝑎</m:t>
-                                    </m:r>
-                                  </m:e>
-                                  <m:sub>
-                                    <m:r>
-                                      <a:rPr lang="en-US" i="1">
-                                        <a:latin typeface="Cambria Math" panose="02040503050406030204" pitchFamily="18" charset="0"/>
-                                      </a:rPr>
-                                      <m:t>3</m:t>
-                                    </m:r>
-                                  </m:sub>
-                                </m:sSub>
-                                <m:sSub>
-                                  <m:sSubPr>
-                                    <m:ctrlPr>
-                                      <a:rPr lang="en-US" i="1">
-                                        <a:latin typeface="Cambria Math" panose="02040503050406030204" pitchFamily="18" charset="0"/>
-                                      </a:rPr>
-                                    </m:ctrlPr>
-                                  </m:sSubPr>
-                                  <m:e>
-                                    <m:r>
-                                      <a:rPr lang="en-US" i="1">
-                                        <a:latin typeface="Cambria Math" panose="02040503050406030204" pitchFamily="18" charset="0"/>
-                                      </a:rPr>
-                                      <m:t>𝑏</m:t>
-                                    </m:r>
-                                  </m:e>
-                                  <m:sub>
-                                    <m:r>
-                                      <a:rPr lang="en-US" b="0" i="1" smtClean="0">
-                                        <a:latin typeface="Cambria Math" panose="02040503050406030204" pitchFamily="18" charset="0"/>
-                                      </a:rPr>
-                                      <m:t>6</m:t>
-                                    </m:r>
-                                  </m:sub>
-                                </m:sSub>
-                              </m:e>
-                            </m:mr>
-                            <m:mr>
-                              <m:e>
-                                <m:sSub>
-                                  <m:sSubPr>
-                                    <m:ctrlPr>
-                                      <a:rPr lang="en-US" i="1">
-                                        <a:latin typeface="Cambria Math" panose="02040503050406030204" pitchFamily="18" charset="0"/>
-                                      </a:rPr>
-                                    </m:ctrlPr>
-                                  </m:sSubPr>
-                                  <m:e>
-                                    <m:r>
-                                      <a:rPr lang="en-US" i="1">
-                                        <a:latin typeface="Cambria Math" panose="02040503050406030204" pitchFamily="18" charset="0"/>
-                                      </a:rPr>
-                                      <m:t>𝑎</m:t>
-                                    </m:r>
-                                  </m:e>
-                                  <m:sub>
-                                    <m:r>
-                                      <a:rPr lang="en-US" b="0" i="1" smtClean="0">
-                                        <a:latin typeface="Cambria Math" panose="02040503050406030204" pitchFamily="18" charset="0"/>
-                                      </a:rPr>
-                                      <m:t>4</m:t>
-                                    </m:r>
-                                  </m:sub>
-                                </m:sSub>
-                                <m:sSub>
-                                  <m:sSubPr>
-                                    <m:ctrlPr>
-                                      <a:rPr lang="en-US" i="1">
-                                        <a:latin typeface="Cambria Math" panose="02040503050406030204" pitchFamily="18" charset="0"/>
-                                      </a:rPr>
-                                    </m:ctrlPr>
-                                  </m:sSubPr>
-                                  <m:e>
-                                    <m:r>
-                                      <a:rPr lang="en-US" i="1">
-                                        <a:latin typeface="Cambria Math" panose="02040503050406030204" pitchFamily="18" charset="0"/>
-                                      </a:rPr>
-                                      <m:t>𝑏</m:t>
-                                    </m:r>
-                                  </m:e>
-                                  <m:sub>
-                                    <m:r>
-                                      <a:rPr lang="en-US" i="1">
-                                        <a:latin typeface="Cambria Math" panose="02040503050406030204" pitchFamily="18" charset="0"/>
-                                      </a:rPr>
-                                      <m:t>1</m:t>
-                                    </m:r>
-                                  </m:sub>
-                                </m:sSub>
-                                <m:r>
-                                  <a:rPr lang="en-US" i="1">
-                                    <a:latin typeface="Cambria Math" panose="02040503050406030204" pitchFamily="18" charset="0"/>
-                                  </a:rPr>
-                                  <m:t>+</m:t>
-                                </m:r>
-                                <m:sSub>
-                                  <m:sSubPr>
-                                    <m:ctrlPr>
-                                      <a:rPr lang="en-US" i="1">
-                                        <a:latin typeface="Cambria Math" panose="02040503050406030204" pitchFamily="18" charset="0"/>
-                                      </a:rPr>
-                                    </m:ctrlPr>
-                                  </m:sSubPr>
-                                  <m:e>
-                                    <m:r>
-                                      <a:rPr lang="en-US" i="1">
-                                        <a:latin typeface="Cambria Math" panose="02040503050406030204" pitchFamily="18" charset="0"/>
-                                      </a:rPr>
-                                      <m:t>𝑎</m:t>
-                                    </m:r>
-                                  </m:e>
-                                  <m:sub>
-                                    <m:r>
-                                      <a:rPr lang="en-US" b="0" i="1" smtClean="0">
-                                        <a:latin typeface="Cambria Math" panose="02040503050406030204" pitchFamily="18" charset="0"/>
-                                      </a:rPr>
-                                      <m:t>5</m:t>
-                                    </m:r>
-                                  </m:sub>
-                                </m:sSub>
-                                <m:sSub>
-                                  <m:sSubPr>
-                                    <m:ctrlPr>
-                                      <a:rPr lang="en-US" i="1">
-                                        <a:latin typeface="Cambria Math" panose="02040503050406030204" pitchFamily="18" charset="0"/>
-                                      </a:rPr>
-                                    </m:ctrlPr>
-                                  </m:sSubPr>
-                                  <m:e>
-                                    <m:r>
-                                      <a:rPr lang="en-US" i="1">
-                                        <a:latin typeface="Cambria Math" panose="02040503050406030204" pitchFamily="18" charset="0"/>
-                                      </a:rPr>
-                                      <m:t>𝑏</m:t>
-                                    </m:r>
-                                  </m:e>
-                                  <m:sub>
-                                    <m:r>
-                                      <a:rPr lang="en-US" i="1">
-                                        <a:latin typeface="Cambria Math" panose="02040503050406030204" pitchFamily="18" charset="0"/>
-                                      </a:rPr>
-                                      <m:t>3</m:t>
-                                    </m:r>
-                                  </m:sub>
-                                </m:sSub>
-                                <m:r>
-                                  <a:rPr lang="en-US" i="1">
-                                    <a:latin typeface="Cambria Math" panose="02040503050406030204" pitchFamily="18" charset="0"/>
-                                  </a:rPr>
-                                  <m:t>+</m:t>
-                                </m:r>
-                                <m:sSub>
-                                  <m:sSubPr>
-                                    <m:ctrlPr>
-                                      <a:rPr lang="en-US" i="1">
-                                        <a:latin typeface="Cambria Math" panose="02040503050406030204" pitchFamily="18" charset="0"/>
-                                      </a:rPr>
-                                    </m:ctrlPr>
-                                  </m:sSubPr>
-                                  <m:e>
-                                    <m:r>
-                                      <a:rPr lang="en-US" i="1">
-                                        <a:latin typeface="Cambria Math" panose="02040503050406030204" pitchFamily="18" charset="0"/>
-                                      </a:rPr>
-                                      <m:t>𝑎</m:t>
-                                    </m:r>
-                                  </m:e>
-                                  <m:sub>
-                                    <m:r>
-                                      <a:rPr lang="en-US" b="0" i="1" smtClean="0">
-                                        <a:latin typeface="Cambria Math" panose="02040503050406030204" pitchFamily="18" charset="0"/>
-                                      </a:rPr>
-                                      <m:t>6</m:t>
-                                    </m:r>
-                                  </m:sub>
-                                </m:sSub>
-                                <m:sSub>
-                                  <m:sSubPr>
-                                    <m:ctrlPr>
-                                      <a:rPr lang="en-US" i="1">
-                                        <a:latin typeface="Cambria Math" panose="02040503050406030204" pitchFamily="18" charset="0"/>
-                                      </a:rPr>
-                                    </m:ctrlPr>
-                                  </m:sSubPr>
-                                  <m:e>
-                                    <m:r>
-                                      <a:rPr lang="en-US" i="1">
-                                        <a:latin typeface="Cambria Math" panose="02040503050406030204" pitchFamily="18" charset="0"/>
-                                      </a:rPr>
-                                      <m:t>𝑏</m:t>
-                                    </m:r>
-                                  </m:e>
-                                  <m:sub>
-                                    <m:r>
-                                      <a:rPr lang="en-US" i="1">
-                                        <a:latin typeface="Cambria Math" panose="02040503050406030204" pitchFamily="18" charset="0"/>
-                                      </a:rPr>
-                                      <m:t>5</m:t>
-                                    </m:r>
-                                  </m:sub>
-                                </m:sSub>
-                              </m:e>
-                              <m:e>
-                                <m:sSub>
-                                  <m:sSubPr>
-                                    <m:ctrlPr>
-                                      <a:rPr lang="en-US" i="1">
-                                        <a:latin typeface="Cambria Math" panose="02040503050406030204" pitchFamily="18" charset="0"/>
-                                      </a:rPr>
-                                    </m:ctrlPr>
-                                  </m:sSubPr>
-                                  <m:e>
-                                    <m:r>
-                                      <a:rPr lang="en-US" i="1">
-                                        <a:latin typeface="Cambria Math" panose="02040503050406030204" pitchFamily="18" charset="0"/>
-                                      </a:rPr>
-                                      <m:t>𝑎</m:t>
-                                    </m:r>
-                                  </m:e>
-                                  <m:sub>
-                                    <m:r>
-                                      <a:rPr lang="en-US" b="0" i="1" smtClean="0">
-                                        <a:latin typeface="Cambria Math" panose="02040503050406030204" pitchFamily="18" charset="0"/>
-                                      </a:rPr>
-                                      <m:t>4</m:t>
-                                    </m:r>
-                                  </m:sub>
-                                </m:sSub>
-                                <m:sSub>
-                                  <m:sSubPr>
-                                    <m:ctrlPr>
-                                      <a:rPr lang="en-US" i="1">
-                                        <a:latin typeface="Cambria Math" panose="02040503050406030204" pitchFamily="18" charset="0"/>
-                                      </a:rPr>
-                                    </m:ctrlPr>
-                                  </m:sSubPr>
-                                  <m:e>
-                                    <m:r>
-                                      <a:rPr lang="en-US" i="1">
-                                        <a:latin typeface="Cambria Math" panose="02040503050406030204" pitchFamily="18" charset="0"/>
-                                      </a:rPr>
-                                      <m:t>𝑏</m:t>
-                                    </m:r>
-                                  </m:e>
-                                  <m:sub>
-                                    <m:r>
-                                      <a:rPr lang="en-US" b="0" i="1" smtClean="0">
-                                        <a:latin typeface="Cambria Math" panose="02040503050406030204" pitchFamily="18" charset="0"/>
-                                      </a:rPr>
-                                      <m:t>2</m:t>
-                                    </m:r>
-                                  </m:sub>
-                                </m:sSub>
-                                <m:r>
-                                  <a:rPr lang="en-US" i="1">
-                                    <a:latin typeface="Cambria Math" panose="02040503050406030204" pitchFamily="18" charset="0"/>
-                                  </a:rPr>
-                                  <m:t>+</m:t>
-                                </m:r>
-                                <m:sSub>
-                                  <m:sSubPr>
-                                    <m:ctrlPr>
-                                      <a:rPr lang="en-US" i="1">
-                                        <a:latin typeface="Cambria Math" panose="02040503050406030204" pitchFamily="18" charset="0"/>
-                                      </a:rPr>
-                                    </m:ctrlPr>
-                                  </m:sSubPr>
-                                  <m:e>
-                                    <m:r>
-                                      <a:rPr lang="en-US" i="1">
-                                        <a:latin typeface="Cambria Math" panose="02040503050406030204" pitchFamily="18" charset="0"/>
-                                      </a:rPr>
-                                      <m:t>𝑎</m:t>
-                                    </m:r>
-                                  </m:e>
-                                  <m:sub>
-                                    <m:r>
-                                      <a:rPr lang="en-US" b="0" i="1" smtClean="0">
-                                        <a:latin typeface="Cambria Math" panose="02040503050406030204" pitchFamily="18" charset="0"/>
-                                      </a:rPr>
-                                      <m:t>5</m:t>
-                                    </m:r>
-                                  </m:sub>
-                                </m:sSub>
-                                <m:sSub>
-                                  <m:sSubPr>
-                                    <m:ctrlPr>
-                                      <a:rPr lang="en-US" i="1">
-                                        <a:latin typeface="Cambria Math" panose="02040503050406030204" pitchFamily="18" charset="0"/>
-                                      </a:rPr>
-                                    </m:ctrlPr>
-                                  </m:sSubPr>
-                                  <m:e>
-                                    <m:r>
-                                      <a:rPr lang="en-US" i="1">
-                                        <a:latin typeface="Cambria Math" panose="02040503050406030204" pitchFamily="18" charset="0"/>
-                                      </a:rPr>
-                                      <m:t>𝑏</m:t>
-                                    </m:r>
-                                  </m:e>
-                                  <m:sub>
-                                    <m:r>
-                                      <a:rPr lang="en-US" b="0" i="1" smtClean="0">
-                                        <a:latin typeface="Cambria Math" panose="02040503050406030204" pitchFamily="18" charset="0"/>
-                                      </a:rPr>
-                                      <m:t>4</m:t>
-                                    </m:r>
-                                  </m:sub>
-                                </m:sSub>
-                                <m:r>
-                                  <a:rPr lang="en-US" i="1">
-                                    <a:latin typeface="Cambria Math" panose="02040503050406030204" pitchFamily="18" charset="0"/>
-                                  </a:rPr>
-                                  <m:t>+</m:t>
-                                </m:r>
-                                <m:sSub>
-                                  <m:sSubPr>
-                                    <m:ctrlPr>
-                                      <a:rPr lang="en-US" i="1">
-                                        <a:latin typeface="Cambria Math" panose="02040503050406030204" pitchFamily="18" charset="0"/>
-                                      </a:rPr>
-                                    </m:ctrlPr>
-                                  </m:sSubPr>
-                                  <m:e>
-                                    <m:r>
-                                      <a:rPr lang="en-US" i="1">
-                                        <a:latin typeface="Cambria Math" panose="02040503050406030204" pitchFamily="18" charset="0"/>
-                                      </a:rPr>
-                                      <m:t>𝑎</m:t>
-                                    </m:r>
-                                  </m:e>
-                                  <m:sub>
-                                    <m:r>
-                                      <a:rPr lang="en-US" b="0" i="1" smtClean="0">
-                                        <a:latin typeface="Cambria Math" panose="02040503050406030204" pitchFamily="18" charset="0"/>
-                                      </a:rPr>
-                                      <m:t>5</m:t>
-                                    </m:r>
-                                  </m:sub>
-                                </m:sSub>
-                                <m:sSub>
-                                  <m:sSubPr>
-                                    <m:ctrlPr>
-                                      <a:rPr lang="en-US" i="1">
-                                        <a:latin typeface="Cambria Math" panose="02040503050406030204" pitchFamily="18" charset="0"/>
-                                      </a:rPr>
-                                    </m:ctrlPr>
-                                  </m:sSubPr>
-                                  <m:e>
-                                    <m:r>
-                                      <a:rPr lang="en-US" i="1">
-                                        <a:latin typeface="Cambria Math" panose="02040503050406030204" pitchFamily="18" charset="0"/>
-                                      </a:rPr>
-                                      <m:t>𝑏</m:t>
-                                    </m:r>
-                                  </m:e>
-                                  <m:sub>
-                                    <m:r>
-                                      <a:rPr lang="en-US" b="0" i="1" smtClean="0">
-                                        <a:latin typeface="Cambria Math" panose="02040503050406030204" pitchFamily="18" charset="0"/>
-                                      </a:rPr>
-                                      <m:t>6</m:t>
-                                    </m:r>
-                                  </m:sub>
-                                </m:sSub>
-                              </m:e>
-                            </m:mr>
-                          </m:m>
-                        </m:e>
-                      </m:d>
-                    </m:oMath>
-                  </m:oMathPara>
-                </a14:m>
-                <a:endParaRPr lang="en-US" dirty="0"/>
-              </a:p>
-            </p:txBody>
-          </p:sp>
-        </mc:Choice>
-        <mc:Fallback>
-          <p:sp>
-            <p:nvSpPr>
-              <p:cNvPr id="42" name="TextBox 41">
-                <a:extLst>
-                  <a:ext uri="{FF2B5EF4-FFF2-40B4-BE49-F238E27FC236}">
-                    <a16:creationId xmlns:a16="http://schemas.microsoft.com/office/drawing/2014/main" id="{2659D933-30CB-2444-E3C3-3778559986DF}"/>
-                  </a:ext>
-                </a:extLst>
-              </p:cNvPr>
-              <p:cNvSpPr txBox="1">
-                <a:spLocks noRot="1" noChangeAspect="1" noMove="1" noResize="1" noEditPoints="1" noAdjustHandles="1" noChangeArrowheads="1" noChangeShapeType="1" noTextEdit="1"/>
-              </p:cNvSpPr>
-              <p:nvPr/>
-            </p:nvSpPr>
-            <p:spPr>
-              <a:xfrm>
-                <a:off x="1376156" y="904741"/>
-                <a:ext cx="7049622" cy="809132"/>
-              </a:xfrm>
-              <a:prstGeom prst="rect">
-                <a:avLst/>
-              </a:prstGeom>
-              <a:blipFill>
-                <a:blip r:embed="rId2"/>
-                <a:stretch>
-                  <a:fillRect t="-1563" b="-6250"/>
-                </a:stretch>
-              </a:blipFill>
-            </p:spPr>
-            <p:txBody>
-              <a:bodyPr/>
-              <a:lstStyle/>
-              <a:p>
-                <a:r>
-                  <a:rPr lang="en-US">
-                    <a:noFill/>
-                  </a:rPr>
-                  <a:t> </a:t>
-                </a:r>
-              </a:p>
-            </p:txBody>
-          </p:sp>
-        </mc:Fallback>
-      </mc:AlternateContent>
+      <p:sp>
+        <p:nvSpPr>
+          <p:cNvPr id="48" name="Rectangle 47">
+            <a:extLst>
+              <a:ext uri="{FF2B5EF4-FFF2-40B4-BE49-F238E27FC236}">
+                <a16:creationId xmlns:a16="http://schemas.microsoft.com/office/drawing/2014/main" id="{1875138C-411D-09C9-B4EF-658582612DD5}"/>
+              </a:ext>
+            </a:extLst>
+          </p:cNvPr>
+          <p:cNvSpPr/>
+          <p:nvPr/>
+        </p:nvSpPr>
+        <p:spPr>
+          <a:xfrm>
+            <a:off x="2246302" y="685242"/>
+            <a:ext cx="281734" cy="1206394"/>
+          </a:xfrm>
+          <a:prstGeom prst="rect">
+            <a:avLst/>
+          </a:prstGeom>
+          <a:solidFill>
+            <a:srgbClr val="15AD2E"/>
+          </a:solidFill>
+        </p:spPr>
+        <p:style>
+          <a:lnRef idx="2">
+            <a:schemeClr val="accent1">
+              <a:shade val="15000"/>
+            </a:schemeClr>
+          </a:lnRef>
+          <a:fillRef idx="1">
+            <a:schemeClr val="accent1"/>
+          </a:fillRef>
+          <a:effectRef idx="0">
+            <a:schemeClr val="accent1"/>
+          </a:effectRef>
+          <a:fontRef idx="minor">
+            <a:schemeClr val="lt1"/>
+          </a:fontRef>
+        </p:style>
+        <p:txBody>
+          <a:bodyPr rtlCol="0" anchor="ctr"/>
+          <a:lstStyle/>
+          <a:p>
+            <a:pPr algn="ctr"/>
+            <a:endParaRPr lang="en-US" dirty="0"/>
+          </a:p>
+        </p:txBody>
+      </p:sp>
+      <p:sp>
+        <p:nvSpPr>
+          <p:cNvPr id="49" name="Rectangle 48">
+            <a:extLst>
+              <a:ext uri="{FF2B5EF4-FFF2-40B4-BE49-F238E27FC236}">
+                <a16:creationId xmlns:a16="http://schemas.microsoft.com/office/drawing/2014/main" id="{D1027101-0CA7-5506-C8FC-388DFFCE4873}"/>
+              </a:ext>
+            </a:extLst>
+          </p:cNvPr>
+          <p:cNvSpPr/>
+          <p:nvPr/>
+        </p:nvSpPr>
+        <p:spPr>
+          <a:xfrm>
+            <a:off x="3373239" y="685242"/>
+            <a:ext cx="281734" cy="1206394"/>
+          </a:xfrm>
+          <a:prstGeom prst="rect">
+            <a:avLst/>
+          </a:prstGeom>
+        </p:spPr>
+        <p:style>
+          <a:lnRef idx="2">
+            <a:schemeClr val="accent1">
+              <a:shade val="15000"/>
+            </a:schemeClr>
+          </a:lnRef>
+          <a:fillRef idx="1">
+            <a:schemeClr val="accent1"/>
+          </a:fillRef>
+          <a:effectRef idx="0">
+            <a:schemeClr val="accent1"/>
+          </a:effectRef>
+          <a:fontRef idx="minor">
+            <a:schemeClr val="lt1"/>
+          </a:fontRef>
+        </p:style>
+        <p:txBody>
+          <a:bodyPr rtlCol="0" anchor="ctr"/>
+          <a:lstStyle/>
+          <a:p>
+            <a:pPr algn="ctr"/>
+            <a:endParaRPr lang="en-US" dirty="0"/>
+          </a:p>
+        </p:txBody>
+      </p:sp>
+      <p:sp>
+        <p:nvSpPr>
+          <p:cNvPr id="50" name="Rectangle 49">
+            <a:extLst>
+              <a:ext uri="{FF2B5EF4-FFF2-40B4-BE49-F238E27FC236}">
+                <a16:creationId xmlns:a16="http://schemas.microsoft.com/office/drawing/2014/main" id="{F34F4026-7E40-CAAA-0DF0-2E3A8AAF8B2B}"/>
+              </a:ext>
+            </a:extLst>
+          </p:cNvPr>
+          <p:cNvSpPr/>
+          <p:nvPr/>
+        </p:nvSpPr>
+        <p:spPr>
+          <a:xfrm>
+            <a:off x="2528036" y="685242"/>
+            <a:ext cx="281734" cy="1206394"/>
+          </a:xfrm>
+          <a:prstGeom prst="rect">
+            <a:avLst/>
+          </a:prstGeom>
+          <a:solidFill>
+            <a:srgbClr val="4472C5">
+              <a:alpha val="70000"/>
+            </a:srgbClr>
+          </a:solidFill>
+        </p:spPr>
+        <p:style>
+          <a:lnRef idx="2">
+            <a:schemeClr val="accent1">
+              <a:shade val="15000"/>
+            </a:schemeClr>
+          </a:lnRef>
+          <a:fillRef idx="1">
+            <a:schemeClr val="accent1"/>
+          </a:fillRef>
+          <a:effectRef idx="0">
+            <a:schemeClr val="accent1"/>
+          </a:effectRef>
+          <a:fontRef idx="minor">
+            <a:schemeClr val="lt1"/>
+          </a:fontRef>
+        </p:style>
+        <p:txBody>
+          <a:bodyPr rtlCol="0" anchor="ctr"/>
+          <a:lstStyle/>
+          <a:p>
+            <a:pPr algn="ctr"/>
+            <a:endParaRPr lang="en-US" dirty="0"/>
+          </a:p>
+        </p:txBody>
+      </p:sp>
+      <p:sp>
+        <p:nvSpPr>
+          <p:cNvPr id="51" name="Rectangle 50">
+            <a:extLst>
+              <a:ext uri="{FF2B5EF4-FFF2-40B4-BE49-F238E27FC236}">
+                <a16:creationId xmlns:a16="http://schemas.microsoft.com/office/drawing/2014/main" id="{7C070088-B36C-376C-3C64-72BE7F07D71E}"/>
+              </a:ext>
+            </a:extLst>
+          </p:cNvPr>
+          <p:cNvSpPr/>
+          <p:nvPr/>
+        </p:nvSpPr>
+        <p:spPr>
+          <a:xfrm>
+            <a:off x="1964568" y="685242"/>
+            <a:ext cx="281734" cy="1206394"/>
+          </a:xfrm>
+          <a:prstGeom prst="rect">
+            <a:avLst/>
+          </a:prstGeom>
+          <a:solidFill>
+            <a:srgbClr val="15AD2E"/>
+          </a:solidFill>
+        </p:spPr>
+        <p:style>
+          <a:lnRef idx="2">
+            <a:schemeClr val="accent1">
+              <a:shade val="15000"/>
+            </a:schemeClr>
+          </a:lnRef>
+          <a:fillRef idx="1">
+            <a:schemeClr val="accent1"/>
+          </a:fillRef>
+          <a:effectRef idx="0">
+            <a:schemeClr val="accent1"/>
+          </a:effectRef>
+          <a:fontRef idx="minor">
+            <a:schemeClr val="lt1"/>
+          </a:fontRef>
+        </p:style>
+        <p:txBody>
+          <a:bodyPr rtlCol="0" anchor="ctr"/>
+          <a:lstStyle/>
+          <a:p>
+            <a:pPr algn="ctr"/>
+            <a:endParaRPr lang="en-US" dirty="0"/>
+          </a:p>
+        </p:txBody>
+      </p:sp>
+      <p:sp>
+        <p:nvSpPr>
+          <p:cNvPr id="52" name="Rectangle 51">
+            <a:extLst>
+              <a:ext uri="{FF2B5EF4-FFF2-40B4-BE49-F238E27FC236}">
+                <a16:creationId xmlns:a16="http://schemas.microsoft.com/office/drawing/2014/main" id="{BDEBB670-6CCB-E02E-75E6-8EB8EF826BC0}"/>
+              </a:ext>
+            </a:extLst>
+          </p:cNvPr>
+          <p:cNvSpPr/>
+          <p:nvPr/>
+        </p:nvSpPr>
+        <p:spPr>
+          <a:xfrm>
+            <a:off x="1682834" y="685242"/>
+            <a:ext cx="281734" cy="1206394"/>
+          </a:xfrm>
+          <a:prstGeom prst="rect">
+            <a:avLst/>
+          </a:prstGeom>
+          <a:solidFill>
+            <a:srgbClr val="15AD2E"/>
+          </a:solidFill>
+        </p:spPr>
+        <p:style>
+          <a:lnRef idx="2">
+            <a:schemeClr val="accent1">
+              <a:shade val="15000"/>
+            </a:schemeClr>
+          </a:lnRef>
+          <a:fillRef idx="1">
+            <a:schemeClr val="accent1"/>
+          </a:fillRef>
+          <a:effectRef idx="0">
+            <a:schemeClr val="accent1"/>
+          </a:effectRef>
+          <a:fontRef idx="minor">
+            <a:schemeClr val="lt1"/>
+          </a:fontRef>
+        </p:style>
+        <p:txBody>
+          <a:bodyPr rtlCol="0" anchor="ctr"/>
+          <a:lstStyle/>
+          <a:p>
+            <a:pPr algn="ctr"/>
+            <a:endParaRPr lang="en-US" dirty="0"/>
+          </a:p>
+        </p:txBody>
+      </p:sp>
+      <p:sp>
+        <p:nvSpPr>
+          <p:cNvPr id="53" name="Rectangle 52">
+            <a:extLst>
+              <a:ext uri="{FF2B5EF4-FFF2-40B4-BE49-F238E27FC236}">
+                <a16:creationId xmlns:a16="http://schemas.microsoft.com/office/drawing/2014/main" id="{B45BC851-2DFD-78AF-C864-0C84F660727E}"/>
+              </a:ext>
+            </a:extLst>
+          </p:cNvPr>
+          <p:cNvSpPr/>
+          <p:nvPr/>
+        </p:nvSpPr>
+        <p:spPr>
+          <a:xfrm>
+            <a:off x="1408102" y="685242"/>
+            <a:ext cx="281734" cy="1206394"/>
+          </a:xfrm>
+          <a:prstGeom prst="rect">
+            <a:avLst/>
+          </a:prstGeom>
+          <a:solidFill>
+            <a:srgbClr val="15AD2E"/>
+          </a:solidFill>
+        </p:spPr>
+        <p:style>
+          <a:lnRef idx="2">
+            <a:schemeClr val="accent1">
+              <a:shade val="15000"/>
+            </a:schemeClr>
+          </a:lnRef>
+          <a:fillRef idx="1">
+            <a:schemeClr val="accent1"/>
+          </a:fillRef>
+          <a:effectRef idx="0">
+            <a:schemeClr val="accent1"/>
+          </a:effectRef>
+          <a:fontRef idx="minor">
+            <a:schemeClr val="lt1"/>
+          </a:fontRef>
+        </p:style>
+        <p:txBody>
+          <a:bodyPr rtlCol="0" anchor="ctr"/>
+          <a:lstStyle/>
+          <a:p>
+            <a:pPr algn="ctr"/>
+            <a:endParaRPr lang="en-US" dirty="0"/>
+          </a:p>
+        </p:txBody>
+      </p:sp>
+      <p:sp>
+        <p:nvSpPr>
+          <p:cNvPr id="54" name="Rectangle 53">
+            <a:extLst>
+              <a:ext uri="{FF2B5EF4-FFF2-40B4-BE49-F238E27FC236}">
+                <a16:creationId xmlns:a16="http://schemas.microsoft.com/office/drawing/2014/main" id="{8F0BF0B7-E0FA-7A58-42DF-7235E711ED99}"/>
+              </a:ext>
+            </a:extLst>
+          </p:cNvPr>
+          <p:cNvSpPr/>
+          <p:nvPr/>
+        </p:nvSpPr>
+        <p:spPr>
+          <a:xfrm>
+            <a:off x="1147374" y="685242"/>
+            <a:ext cx="281734" cy="1206394"/>
+          </a:xfrm>
+          <a:prstGeom prst="rect">
+            <a:avLst/>
+          </a:prstGeom>
+          <a:solidFill>
+            <a:srgbClr val="15AD2E"/>
+          </a:solidFill>
+        </p:spPr>
+        <p:style>
+          <a:lnRef idx="2">
+            <a:schemeClr val="accent1">
+              <a:shade val="15000"/>
+            </a:schemeClr>
+          </a:lnRef>
+          <a:fillRef idx="1">
+            <a:schemeClr val="accent1"/>
+          </a:fillRef>
+          <a:effectRef idx="0">
+            <a:schemeClr val="accent1"/>
+          </a:effectRef>
+          <a:fontRef idx="minor">
+            <a:schemeClr val="lt1"/>
+          </a:fontRef>
+        </p:style>
+        <p:txBody>
+          <a:bodyPr rtlCol="0" anchor="ctr"/>
+          <a:lstStyle/>
+          <a:p>
+            <a:pPr algn="ctr"/>
+            <a:endParaRPr lang="en-US" dirty="0"/>
+          </a:p>
+        </p:txBody>
+      </p:sp>
+      <p:sp>
+        <p:nvSpPr>
+          <p:cNvPr id="55" name="Rectangle 54">
+            <a:extLst>
+              <a:ext uri="{FF2B5EF4-FFF2-40B4-BE49-F238E27FC236}">
+                <a16:creationId xmlns:a16="http://schemas.microsoft.com/office/drawing/2014/main" id="{8856C046-92ED-C6B0-6D0C-690E080EA961}"/>
+              </a:ext>
+            </a:extLst>
+          </p:cNvPr>
+          <p:cNvSpPr/>
+          <p:nvPr/>
+        </p:nvSpPr>
+        <p:spPr>
+          <a:xfrm>
+            <a:off x="3091504" y="685242"/>
+            <a:ext cx="281734" cy="1206394"/>
+          </a:xfrm>
+          <a:prstGeom prst="rect">
+            <a:avLst/>
+          </a:prstGeom>
+          <a:solidFill>
+            <a:srgbClr val="15AD2E">
+              <a:alpha val="70000"/>
+            </a:srgbClr>
+          </a:solidFill>
+        </p:spPr>
+        <p:style>
+          <a:lnRef idx="2">
+            <a:schemeClr val="accent1">
+              <a:shade val="15000"/>
+            </a:schemeClr>
+          </a:lnRef>
+          <a:fillRef idx="1">
+            <a:schemeClr val="accent1"/>
+          </a:fillRef>
+          <a:effectRef idx="0">
+            <a:schemeClr val="accent1"/>
+          </a:effectRef>
+          <a:fontRef idx="minor">
+            <a:schemeClr val="lt1"/>
+          </a:fontRef>
+        </p:style>
+        <p:txBody>
+          <a:bodyPr rtlCol="0" anchor="ctr"/>
+          <a:lstStyle/>
+          <a:p>
+            <a:pPr algn="ctr"/>
+            <a:endParaRPr lang="en-US" dirty="0"/>
+          </a:p>
+        </p:txBody>
+      </p:sp>
+      <p:sp>
+        <p:nvSpPr>
+          <p:cNvPr id="56" name="Rectangle 55">
+            <a:extLst>
+              <a:ext uri="{FF2B5EF4-FFF2-40B4-BE49-F238E27FC236}">
+                <a16:creationId xmlns:a16="http://schemas.microsoft.com/office/drawing/2014/main" id="{5159C8E3-E51A-3F8A-C98C-26B77D4E6F3C}"/>
+              </a:ext>
+            </a:extLst>
+          </p:cNvPr>
+          <p:cNvSpPr/>
+          <p:nvPr/>
+        </p:nvSpPr>
+        <p:spPr>
+          <a:xfrm>
+            <a:off x="3654973" y="685242"/>
+            <a:ext cx="281734" cy="1206394"/>
+          </a:xfrm>
+          <a:prstGeom prst="rect">
+            <a:avLst/>
+          </a:prstGeom>
+        </p:spPr>
+        <p:style>
+          <a:lnRef idx="2">
+            <a:schemeClr val="accent1">
+              <a:shade val="15000"/>
+            </a:schemeClr>
+          </a:lnRef>
+          <a:fillRef idx="1">
+            <a:schemeClr val="accent1"/>
+          </a:fillRef>
+          <a:effectRef idx="0">
+            <a:schemeClr val="accent1"/>
+          </a:effectRef>
+          <a:fontRef idx="minor">
+            <a:schemeClr val="lt1"/>
+          </a:fontRef>
+        </p:style>
+        <p:txBody>
+          <a:bodyPr rtlCol="0" anchor="ctr"/>
+          <a:lstStyle/>
+          <a:p>
+            <a:pPr algn="ctr"/>
+            <a:endParaRPr lang="en-US" dirty="0"/>
+          </a:p>
+        </p:txBody>
+      </p:sp>
+      <p:sp>
+        <p:nvSpPr>
+          <p:cNvPr id="57" name="Rectangle 56">
+            <a:extLst>
+              <a:ext uri="{FF2B5EF4-FFF2-40B4-BE49-F238E27FC236}">
+                <a16:creationId xmlns:a16="http://schemas.microsoft.com/office/drawing/2014/main" id="{F03FFD48-939E-EBB3-1F99-2E6E6DFB04D3}"/>
+              </a:ext>
+            </a:extLst>
+          </p:cNvPr>
+          <p:cNvSpPr/>
+          <p:nvPr/>
+        </p:nvSpPr>
+        <p:spPr>
+          <a:xfrm>
+            <a:off x="3936707" y="685242"/>
+            <a:ext cx="281734" cy="1206394"/>
+          </a:xfrm>
+          <a:prstGeom prst="rect">
+            <a:avLst/>
+          </a:prstGeom>
+        </p:spPr>
+        <p:style>
+          <a:lnRef idx="2">
+            <a:schemeClr val="accent1">
+              <a:shade val="15000"/>
+            </a:schemeClr>
+          </a:lnRef>
+          <a:fillRef idx="1">
+            <a:schemeClr val="accent1"/>
+          </a:fillRef>
+          <a:effectRef idx="0">
+            <a:schemeClr val="accent1"/>
+          </a:effectRef>
+          <a:fontRef idx="minor">
+            <a:schemeClr val="lt1"/>
+          </a:fontRef>
+        </p:style>
+        <p:txBody>
+          <a:bodyPr rtlCol="0" anchor="ctr"/>
+          <a:lstStyle/>
+          <a:p>
+            <a:pPr algn="ctr"/>
+            <a:endParaRPr lang="en-US" dirty="0"/>
+          </a:p>
+        </p:txBody>
+      </p:sp>
+      <p:sp>
+        <p:nvSpPr>
+          <p:cNvPr id="58" name="Rectangle 57">
+            <a:extLst>
+              <a:ext uri="{FF2B5EF4-FFF2-40B4-BE49-F238E27FC236}">
+                <a16:creationId xmlns:a16="http://schemas.microsoft.com/office/drawing/2014/main" id="{D5010B99-1B46-5782-8078-01707DBB48FB}"/>
+              </a:ext>
+            </a:extLst>
+          </p:cNvPr>
+          <p:cNvSpPr/>
+          <p:nvPr/>
+        </p:nvSpPr>
+        <p:spPr>
+          <a:xfrm>
+            <a:off x="4218441" y="685242"/>
+            <a:ext cx="281734" cy="1206394"/>
+          </a:xfrm>
+          <a:prstGeom prst="rect">
+            <a:avLst/>
+          </a:prstGeom>
+        </p:spPr>
+        <p:style>
+          <a:lnRef idx="2">
+            <a:schemeClr val="accent1">
+              <a:shade val="15000"/>
+            </a:schemeClr>
+          </a:lnRef>
+          <a:fillRef idx="1">
+            <a:schemeClr val="accent1"/>
+          </a:fillRef>
+          <a:effectRef idx="0">
+            <a:schemeClr val="accent1"/>
+          </a:effectRef>
+          <a:fontRef idx="minor">
+            <a:schemeClr val="lt1"/>
+          </a:fontRef>
+        </p:style>
+        <p:txBody>
+          <a:bodyPr rtlCol="0" anchor="ctr"/>
+          <a:lstStyle/>
+          <a:p>
+            <a:pPr algn="ctr"/>
+            <a:endParaRPr lang="en-US" dirty="0"/>
+          </a:p>
+        </p:txBody>
+      </p:sp>
+      <p:sp>
+        <p:nvSpPr>
+          <p:cNvPr id="59" name="Rectangle 58">
+            <a:extLst>
+              <a:ext uri="{FF2B5EF4-FFF2-40B4-BE49-F238E27FC236}">
+                <a16:creationId xmlns:a16="http://schemas.microsoft.com/office/drawing/2014/main" id="{006911A1-918A-47FC-B879-DEF9CDDEA095}"/>
+              </a:ext>
+            </a:extLst>
+          </p:cNvPr>
+          <p:cNvSpPr/>
+          <p:nvPr/>
+        </p:nvSpPr>
+        <p:spPr>
+          <a:xfrm>
+            <a:off x="4500175" y="685242"/>
+            <a:ext cx="281734" cy="1206394"/>
+          </a:xfrm>
+          <a:prstGeom prst="rect">
+            <a:avLst/>
+          </a:prstGeom>
+        </p:spPr>
+        <p:style>
+          <a:lnRef idx="2">
+            <a:schemeClr val="accent1">
+              <a:shade val="15000"/>
+            </a:schemeClr>
+          </a:lnRef>
+          <a:fillRef idx="1">
+            <a:schemeClr val="accent1"/>
+          </a:fillRef>
+          <a:effectRef idx="0">
+            <a:schemeClr val="accent1"/>
+          </a:effectRef>
+          <a:fontRef idx="minor">
+            <a:schemeClr val="lt1"/>
+          </a:fontRef>
+        </p:style>
+        <p:txBody>
+          <a:bodyPr rtlCol="0" anchor="ctr"/>
+          <a:lstStyle/>
+          <a:p>
+            <a:pPr algn="ctr"/>
+            <a:endParaRPr lang="en-US" dirty="0"/>
+          </a:p>
+        </p:txBody>
+      </p:sp>
+      <p:sp>
+        <p:nvSpPr>
+          <p:cNvPr id="62" name="TextBox 61">
+            <a:extLst>
+              <a:ext uri="{FF2B5EF4-FFF2-40B4-BE49-F238E27FC236}">
+                <a16:creationId xmlns:a16="http://schemas.microsoft.com/office/drawing/2014/main" id="{24BFDA6F-BA52-EA27-5E30-CEB44F9A4868}"/>
+              </a:ext>
+            </a:extLst>
+          </p:cNvPr>
+          <p:cNvSpPr txBox="1"/>
+          <p:nvPr/>
+        </p:nvSpPr>
+        <p:spPr>
+          <a:xfrm>
+            <a:off x="1147374" y="315017"/>
+            <a:ext cx="1669398" cy="369332"/>
+          </a:xfrm>
+          <a:prstGeom prst="rect">
+            <a:avLst/>
+          </a:prstGeom>
+          <a:noFill/>
+        </p:spPr>
+        <p:txBody>
+          <a:bodyPr wrap="square" rtlCol="0">
+            <a:spAutoFit/>
+          </a:bodyPr>
+          <a:lstStyle/>
+          <a:p>
+            <a:pPr algn="ctr"/>
+            <a:r>
+              <a:rPr lang="en-US" dirty="0"/>
+              <a:t>Rank 0</a:t>
+            </a:r>
+          </a:p>
+        </p:txBody>
+      </p:sp>
+      <p:sp>
+        <p:nvSpPr>
+          <p:cNvPr id="63" name="TextBox 62">
+            <a:extLst>
+              <a:ext uri="{FF2B5EF4-FFF2-40B4-BE49-F238E27FC236}">
+                <a16:creationId xmlns:a16="http://schemas.microsoft.com/office/drawing/2014/main" id="{181B330C-0981-C08C-D865-C705F7F31B61}"/>
+              </a:ext>
+            </a:extLst>
+          </p:cNvPr>
+          <p:cNvSpPr txBox="1"/>
+          <p:nvPr/>
+        </p:nvSpPr>
+        <p:spPr>
+          <a:xfrm>
+            <a:off x="3091503" y="315017"/>
+            <a:ext cx="1683403" cy="369332"/>
+          </a:xfrm>
+          <a:prstGeom prst="rect">
+            <a:avLst/>
+          </a:prstGeom>
+          <a:noFill/>
+        </p:spPr>
+        <p:txBody>
+          <a:bodyPr wrap="square" rtlCol="0">
+            <a:spAutoFit/>
+          </a:bodyPr>
+          <a:lstStyle/>
+          <a:p>
+            <a:pPr algn="ctr"/>
+            <a:r>
+              <a:rPr lang="en-US" dirty="0"/>
+              <a:t>Rank 1</a:t>
+            </a:r>
+          </a:p>
+        </p:txBody>
+      </p:sp>
+      <p:cxnSp>
+        <p:nvCxnSpPr>
+          <p:cNvPr id="65" name="Straight Arrow Connector 64">
+            <a:extLst>
+              <a:ext uri="{FF2B5EF4-FFF2-40B4-BE49-F238E27FC236}">
+                <a16:creationId xmlns:a16="http://schemas.microsoft.com/office/drawing/2014/main" id="{B16078BB-F36B-90B8-077C-F90A85C61AA3}"/>
+              </a:ext>
+            </a:extLst>
+          </p:cNvPr>
+          <p:cNvCxnSpPr/>
+          <p:nvPr/>
+        </p:nvCxnSpPr>
+        <p:spPr>
+          <a:xfrm flipH="1">
+            <a:off x="2648857" y="904119"/>
+            <a:ext cx="846667" cy="0"/>
+          </a:xfrm>
+          <a:prstGeom prst="straightConnector1">
+            <a:avLst/>
+          </a:prstGeom>
+          <a:ln w="19050">
+            <a:tailEnd type="triangle"/>
+          </a:ln>
+        </p:spPr>
+        <p:style>
+          <a:lnRef idx="1">
+            <a:schemeClr val="dk1"/>
+          </a:lnRef>
+          <a:fillRef idx="0">
+            <a:schemeClr val="dk1"/>
+          </a:fillRef>
+          <a:effectRef idx="0">
+            <a:schemeClr val="dk1"/>
+          </a:effectRef>
+          <a:fontRef idx="minor">
+            <a:schemeClr val="tx1"/>
+          </a:fontRef>
+        </p:style>
+      </p:cxnSp>
+      <p:cxnSp>
+        <p:nvCxnSpPr>
+          <p:cNvPr id="66" name="Straight Arrow Connector 65">
+            <a:extLst>
+              <a:ext uri="{FF2B5EF4-FFF2-40B4-BE49-F238E27FC236}">
+                <a16:creationId xmlns:a16="http://schemas.microsoft.com/office/drawing/2014/main" id="{7387A86F-3736-2455-C33A-E7FFEE629E43}"/>
+              </a:ext>
+            </a:extLst>
+          </p:cNvPr>
+          <p:cNvCxnSpPr>
+            <a:cxnSpLocks/>
+          </p:cNvCxnSpPr>
+          <p:nvPr/>
+        </p:nvCxnSpPr>
+        <p:spPr>
+          <a:xfrm>
+            <a:off x="2386436" y="1640719"/>
+            <a:ext cx="846667" cy="0"/>
+          </a:xfrm>
+          <a:prstGeom prst="straightConnector1">
+            <a:avLst/>
+          </a:prstGeom>
+          <a:ln w="19050">
+            <a:tailEnd type="triangle"/>
+          </a:ln>
+        </p:spPr>
+        <p:style>
+          <a:lnRef idx="1">
+            <a:schemeClr val="dk1"/>
+          </a:lnRef>
+          <a:fillRef idx="0">
+            <a:schemeClr val="dk1"/>
+          </a:fillRef>
+          <a:effectRef idx="0">
+            <a:schemeClr val="dk1"/>
+          </a:effectRef>
+          <a:fontRef idx="minor">
+            <a:schemeClr val="tx1"/>
+          </a:fontRef>
+        </p:style>
+      </p:cxnSp>
     </p:spTree>
     <p:extLst>
       <p:ext uri="{BB962C8B-B14F-4D97-AF65-F5344CB8AC3E}">

--- a/files/communication_diagram.pptx
+++ b/files/communication_diagram.pptx
@@ -5,13 +5,14 @@
     <p:sldMasterId id="2147483648" r:id="rId1"/>
   </p:sldMasterIdLst>
   <p:notesMasterIdLst>
-    <p:notesMasterId r:id="rId6"/>
+    <p:notesMasterId r:id="rId7"/>
   </p:notesMasterIdLst>
   <p:sldIdLst>
     <p:sldId id="256" r:id="rId2"/>
     <p:sldId id="257" r:id="rId3"/>
     <p:sldId id="258" r:id="rId4"/>
     <p:sldId id="259" r:id="rId5"/>
+    <p:sldId id="260" r:id="rId6"/>
   </p:sldIdLst>
   <p:sldSz cx="12192000" cy="6858000"/>
   <p:notesSz cx="6858000" cy="9144000"/>
@@ -200,7 +201,7 @@
           <a:p>
             <a:fld id="{1DA394A1-87FE-BC40-B428-C4F79D5812EE}" type="datetimeFigureOut">
               <a:rPr lang="en-US" smtClean="0"/>
-              <a:t>6/9/23</a:t>
+              <a:t>7/18/23</a:t>
             </a:fld>
             <a:endParaRPr lang="en-US"/>
           </a:p>
@@ -785,7 +786,7 @@
           <a:p>
             <a:fld id="{5BD1349E-D158-4E40-990A-05F7F3787A3C}" type="datetimeFigureOut">
               <a:rPr lang="en-US" smtClean="0"/>
-              <a:t>6/9/23</a:t>
+              <a:t>7/18/23</a:t>
             </a:fld>
             <a:endParaRPr lang="en-US"/>
           </a:p>
@@ -985,7 +986,7 @@
           <a:p>
             <a:fld id="{5BD1349E-D158-4E40-990A-05F7F3787A3C}" type="datetimeFigureOut">
               <a:rPr lang="en-US" smtClean="0"/>
-              <a:t>6/9/23</a:t>
+              <a:t>7/18/23</a:t>
             </a:fld>
             <a:endParaRPr lang="en-US"/>
           </a:p>
@@ -1195,7 +1196,7 @@
           <a:p>
             <a:fld id="{5BD1349E-D158-4E40-990A-05F7F3787A3C}" type="datetimeFigureOut">
               <a:rPr lang="en-US" smtClean="0"/>
-              <a:t>6/9/23</a:t>
+              <a:t>7/18/23</a:t>
             </a:fld>
             <a:endParaRPr lang="en-US"/>
           </a:p>
@@ -1395,7 +1396,7 @@
           <a:p>
             <a:fld id="{5BD1349E-D158-4E40-990A-05F7F3787A3C}" type="datetimeFigureOut">
               <a:rPr lang="en-US" smtClean="0"/>
-              <a:t>6/9/23</a:t>
+              <a:t>7/18/23</a:t>
             </a:fld>
             <a:endParaRPr lang="en-US"/>
           </a:p>
@@ -1671,7 +1672,7 @@
           <a:p>
             <a:fld id="{5BD1349E-D158-4E40-990A-05F7F3787A3C}" type="datetimeFigureOut">
               <a:rPr lang="en-US" smtClean="0"/>
-              <a:t>6/9/23</a:t>
+              <a:t>7/18/23</a:t>
             </a:fld>
             <a:endParaRPr lang="en-US"/>
           </a:p>
@@ -1939,7 +1940,7 @@
           <a:p>
             <a:fld id="{5BD1349E-D158-4E40-990A-05F7F3787A3C}" type="datetimeFigureOut">
               <a:rPr lang="en-US" smtClean="0"/>
-              <a:t>6/9/23</a:t>
+              <a:t>7/18/23</a:t>
             </a:fld>
             <a:endParaRPr lang="en-US"/>
           </a:p>
@@ -2354,7 +2355,7 @@
           <a:p>
             <a:fld id="{5BD1349E-D158-4E40-990A-05F7F3787A3C}" type="datetimeFigureOut">
               <a:rPr lang="en-US" smtClean="0"/>
-              <a:t>6/9/23</a:t>
+              <a:t>7/18/23</a:t>
             </a:fld>
             <a:endParaRPr lang="en-US"/>
           </a:p>
@@ -2496,7 +2497,7 @@
           <a:p>
             <a:fld id="{5BD1349E-D158-4E40-990A-05F7F3787A3C}" type="datetimeFigureOut">
               <a:rPr lang="en-US" smtClean="0"/>
-              <a:t>6/9/23</a:t>
+              <a:t>7/18/23</a:t>
             </a:fld>
             <a:endParaRPr lang="en-US"/>
           </a:p>
@@ -2609,7 +2610,7 @@
           <a:p>
             <a:fld id="{5BD1349E-D158-4E40-990A-05F7F3787A3C}" type="datetimeFigureOut">
               <a:rPr lang="en-US" smtClean="0"/>
-              <a:t>6/9/23</a:t>
+              <a:t>7/18/23</a:t>
             </a:fld>
             <a:endParaRPr lang="en-US"/>
           </a:p>
@@ -2922,7 +2923,7 @@
           <a:p>
             <a:fld id="{5BD1349E-D158-4E40-990A-05F7F3787A3C}" type="datetimeFigureOut">
               <a:rPr lang="en-US" smtClean="0"/>
-              <a:t>6/9/23</a:t>
+              <a:t>7/18/23</a:t>
             </a:fld>
             <a:endParaRPr lang="en-US"/>
           </a:p>
@@ -3211,7 +3212,7 @@
           <a:p>
             <a:fld id="{5BD1349E-D158-4E40-990A-05F7F3787A3C}" type="datetimeFigureOut">
               <a:rPr lang="en-US" smtClean="0"/>
-              <a:t>6/9/23</a:t>
+              <a:t>7/18/23</a:t>
             </a:fld>
             <a:endParaRPr lang="en-US"/>
           </a:p>
@@ -3454,7 +3455,7 @@
           <a:p>
             <a:fld id="{5BD1349E-D158-4E40-990A-05F7F3787A3C}" type="datetimeFigureOut">
               <a:rPr lang="en-US" smtClean="0"/>
-              <a:t>6/9/23</a:t>
+              <a:t>7/18/23</a:t>
             </a:fld>
             <a:endParaRPr lang="en-US"/>
           </a:p>
@@ -23437,6 +23438,765 @@
     <p:extLst>
       <p:ext uri="{BB962C8B-B14F-4D97-AF65-F5344CB8AC3E}">
         <p14:creationId xmlns:p14="http://schemas.microsoft.com/office/powerpoint/2010/main" val="2905784832"/>
+      </p:ext>
+    </p:extLst>
+  </p:cSld>
+  <p:clrMapOvr>
+    <a:masterClrMapping/>
+  </p:clrMapOvr>
+</p:sld>
+</file>
+
+<file path=ppt/slides/slide5.xml><?xml version="1.0" encoding="utf-8"?>
+<p:sld xmlns:a="http://schemas.openxmlformats.org/drawingml/2006/main" xmlns:r="http://schemas.openxmlformats.org/officeDocument/2006/relationships" xmlns:p="http://schemas.openxmlformats.org/presentationml/2006/main">
+  <p:cSld>
+    <p:spTree>
+      <p:nvGrpSpPr>
+        <p:cNvPr id="1" name=""/>
+        <p:cNvGrpSpPr/>
+        <p:nvPr/>
+      </p:nvGrpSpPr>
+      <p:grpSpPr>
+        <a:xfrm>
+          <a:off x="0" y="0"/>
+          <a:ext cx="0" cy="0"/>
+          <a:chOff x="0" y="0"/>
+          <a:chExt cx="0" cy="0"/>
+        </a:xfrm>
+      </p:grpSpPr>
+      <p:sp>
+        <p:nvSpPr>
+          <p:cNvPr id="48" name="Rectangle 47">
+            <a:extLst>
+              <a:ext uri="{FF2B5EF4-FFF2-40B4-BE49-F238E27FC236}">
+                <a16:creationId xmlns:a16="http://schemas.microsoft.com/office/drawing/2014/main" id="{1875138C-411D-09C9-B4EF-658582612DD5}"/>
+              </a:ext>
+            </a:extLst>
+          </p:cNvPr>
+          <p:cNvSpPr/>
+          <p:nvPr/>
+        </p:nvSpPr>
+        <p:spPr>
+          <a:xfrm>
+            <a:off x="2246302" y="685242"/>
+            <a:ext cx="281734" cy="1206394"/>
+          </a:xfrm>
+          <a:prstGeom prst="rect">
+            <a:avLst/>
+          </a:prstGeom>
+          <a:solidFill>
+            <a:srgbClr val="15AD2E"/>
+          </a:solidFill>
+        </p:spPr>
+        <p:style>
+          <a:lnRef idx="2">
+            <a:schemeClr val="accent1">
+              <a:shade val="15000"/>
+            </a:schemeClr>
+          </a:lnRef>
+          <a:fillRef idx="1">
+            <a:schemeClr val="accent1"/>
+          </a:fillRef>
+          <a:effectRef idx="0">
+            <a:schemeClr val="accent1"/>
+          </a:effectRef>
+          <a:fontRef idx="minor">
+            <a:schemeClr val="lt1"/>
+          </a:fontRef>
+        </p:style>
+        <p:txBody>
+          <a:bodyPr rtlCol="0" anchor="ctr"/>
+          <a:lstStyle/>
+          <a:p>
+            <a:pPr algn="ctr"/>
+            <a:endParaRPr lang="en-US" dirty="0"/>
+          </a:p>
+        </p:txBody>
+      </p:sp>
+      <p:sp>
+        <p:nvSpPr>
+          <p:cNvPr id="49" name="Rectangle 48">
+            <a:extLst>
+              <a:ext uri="{FF2B5EF4-FFF2-40B4-BE49-F238E27FC236}">
+                <a16:creationId xmlns:a16="http://schemas.microsoft.com/office/drawing/2014/main" id="{D1027101-0CA7-5506-C8FC-388DFFCE4873}"/>
+              </a:ext>
+            </a:extLst>
+          </p:cNvPr>
+          <p:cNvSpPr/>
+          <p:nvPr/>
+        </p:nvSpPr>
+        <p:spPr>
+          <a:xfrm>
+            <a:off x="3373239" y="685242"/>
+            <a:ext cx="281734" cy="1206394"/>
+          </a:xfrm>
+          <a:prstGeom prst="rect">
+            <a:avLst/>
+          </a:prstGeom>
+        </p:spPr>
+        <p:style>
+          <a:lnRef idx="2">
+            <a:schemeClr val="accent1">
+              <a:shade val="15000"/>
+            </a:schemeClr>
+          </a:lnRef>
+          <a:fillRef idx="1">
+            <a:schemeClr val="accent1"/>
+          </a:fillRef>
+          <a:effectRef idx="0">
+            <a:schemeClr val="accent1"/>
+          </a:effectRef>
+          <a:fontRef idx="minor">
+            <a:schemeClr val="lt1"/>
+          </a:fontRef>
+        </p:style>
+        <p:txBody>
+          <a:bodyPr rtlCol="0" anchor="ctr"/>
+          <a:lstStyle/>
+          <a:p>
+            <a:pPr algn="ctr"/>
+            <a:endParaRPr lang="en-US" dirty="0"/>
+          </a:p>
+        </p:txBody>
+      </p:sp>
+      <p:sp>
+        <p:nvSpPr>
+          <p:cNvPr id="50" name="Rectangle 49">
+            <a:extLst>
+              <a:ext uri="{FF2B5EF4-FFF2-40B4-BE49-F238E27FC236}">
+                <a16:creationId xmlns:a16="http://schemas.microsoft.com/office/drawing/2014/main" id="{F34F4026-7E40-CAAA-0DF0-2E3A8AAF8B2B}"/>
+              </a:ext>
+            </a:extLst>
+          </p:cNvPr>
+          <p:cNvSpPr/>
+          <p:nvPr/>
+        </p:nvSpPr>
+        <p:spPr>
+          <a:xfrm>
+            <a:off x="2528036" y="685242"/>
+            <a:ext cx="281734" cy="1206394"/>
+          </a:xfrm>
+          <a:prstGeom prst="rect">
+            <a:avLst/>
+          </a:prstGeom>
+          <a:solidFill>
+            <a:srgbClr val="4472C5">
+              <a:alpha val="70000"/>
+            </a:srgbClr>
+          </a:solidFill>
+        </p:spPr>
+        <p:style>
+          <a:lnRef idx="2">
+            <a:schemeClr val="accent1">
+              <a:shade val="15000"/>
+            </a:schemeClr>
+          </a:lnRef>
+          <a:fillRef idx="1">
+            <a:schemeClr val="accent1"/>
+          </a:fillRef>
+          <a:effectRef idx="0">
+            <a:schemeClr val="accent1"/>
+          </a:effectRef>
+          <a:fontRef idx="minor">
+            <a:schemeClr val="lt1"/>
+          </a:fontRef>
+        </p:style>
+        <p:txBody>
+          <a:bodyPr rtlCol="0" anchor="ctr"/>
+          <a:lstStyle/>
+          <a:p>
+            <a:pPr algn="ctr"/>
+            <a:endParaRPr lang="en-US" dirty="0"/>
+          </a:p>
+        </p:txBody>
+      </p:sp>
+      <p:sp>
+        <p:nvSpPr>
+          <p:cNvPr id="51" name="Rectangle 50">
+            <a:extLst>
+              <a:ext uri="{FF2B5EF4-FFF2-40B4-BE49-F238E27FC236}">
+                <a16:creationId xmlns:a16="http://schemas.microsoft.com/office/drawing/2014/main" id="{7C070088-B36C-376C-3C64-72BE7F07D71E}"/>
+              </a:ext>
+            </a:extLst>
+          </p:cNvPr>
+          <p:cNvSpPr/>
+          <p:nvPr/>
+        </p:nvSpPr>
+        <p:spPr>
+          <a:xfrm>
+            <a:off x="1964568" y="685242"/>
+            <a:ext cx="281734" cy="1206394"/>
+          </a:xfrm>
+          <a:prstGeom prst="rect">
+            <a:avLst/>
+          </a:prstGeom>
+          <a:solidFill>
+            <a:srgbClr val="15AD2E"/>
+          </a:solidFill>
+        </p:spPr>
+        <p:style>
+          <a:lnRef idx="2">
+            <a:schemeClr val="accent1">
+              <a:shade val="15000"/>
+            </a:schemeClr>
+          </a:lnRef>
+          <a:fillRef idx="1">
+            <a:schemeClr val="accent1"/>
+          </a:fillRef>
+          <a:effectRef idx="0">
+            <a:schemeClr val="accent1"/>
+          </a:effectRef>
+          <a:fontRef idx="minor">
+            <a:schemeClr val="lt1"/>
+          </a:fontRef>
+        </p:style>
+        <p:txBody>
+          <a:bodyPr rtlCol="0" anchor="ctr"/>
+          <a:lstStyle/>
+          <a:p>
+            <a:pPr algn="ctr"/>
+            <a:endParaRPr lang="en-US" dirty="0"/>
+          </a:p>
+        </p:txBody>
+      </p:sp>
+      <p:sp>
+        <p:nvSpPr>
+          <p:cNvPr id="52" name="Rectangle 51">
+            <a:extLst>
+              <a:ext uri="{FF2B5EF4-FFF2-40B4-BE49-F238E27FC236}">
+                <a16:creationId xmlns:a16="http://schemas.microsoft.com/office/drawing/2014/main" id="{BDEBB670-6CCB-E02E-75E6-8EB8EF826BC0}"/>
+              </a:ext>
+            </a:extLst>
+          </p:cNvPr>
+          <p:cNvSpPr/>
+          <p:nvPr/>
+        </p:nvSpPr>
+        <p:spPr>
+          <a:xfrm>
+            <a:off x="1682834" y="685242"/>
+            <a:ext cx="281734" cy="1206394"/>
+          </a:xfrm>
+          <a:prstGeom prst="rect">
+            <a:avLst/>
+          </a:prstGeom>
+          <a:solidFill>
+            <a:srgbClr val="15AD2E"/>
+          </a:solidFill>
+        </p:spPr>
+        <p:style>
+          <a:lnRef idx="2">
+            <a:schemeClr val="accent1">
+              <a:shade val="15000"/>
+            </a:schemeClr>
+          </a:lnRef>
+          <a:fillRef idx="1">
+            <a:schemeClr val="accent1"/>
+          </a:fillRef>
+          <a:effectRef idx="0">
+            <a:schemeClr val="accent1"/>
+          </a:effectRef>
+          <a:fontRef idx="minor">
+            <a:schemeClr val="lt1"/>
+          </a:fontRef>
+        </p:style>
+        <p:txBody>
+          <a:bodyPr rtlCol="0" anchor="ctr"/>
+          <a:lstStyle/>
+          <a:p>
+            <a:pPr algn="ctr"/>
+            <a:endParaRPr lang="en-US" dirty="0"/>
+          </a:p>
+        </p:txBody>
+      </p:sp>
+      <p:sp>
+        <p:nvSpPr>
+          <p:cNvPr id="53" name="Rectangle 52">
+            <a:extLst>
+              <a:ext uri="{FF2B5EF4-FFF2-40B4-BE49-F238E27FC236}">
+                <a16:creationId xmlns:a16="http://schemas.microsoft.com/office/drawing/2014/main" id="{B45BC851-2DFD-78AF-C864-0C84F660727E}"/>
+              </a:ext>
+            </a:extLst>
+          </p:cNvPr>
+          <p:cNvSpPr/>
+          <p:nvPr/>
+        </p:nvSpPr>
+        <p:spPr>
+          <a:xfrm>
+            <a:off x="1408102" y="685242"/>
+            <a:ext cx="281734" cy="1206394"/>
+          </a:xfrm>
+          <a:prstGeom prst="rect">
+            <a:avLst/>
+          </a:prstGeom>
+          <a:solidFill>
+            <a:srgbClr val="15AD2E"/>
+          </a:solidFill>
+        </p:spPr>
+        <p:style>
+          <a:lnRef idx="2">
+            <a:schemeClr val="accent1">
+              <a:shade val="15000"/>
+            </a:schemeClr>
+          </a:lnRef>
+          <a:fillRef idx="1">
+            <a:schemeClr val="accent1"/>
+          </a:fillRef>
+          <a:effectRef idx="0">
+            <a:schemeClr val="accent1"/>
+          </a:effectRef>
+          <a:fontRef idx="minor">
+            <a:schemeClr val="lt1"/>
+          </a:fontRef>
+        </p:style>
+        <p:txBody>
+          <a:bodyPr rtlCol="0" anchor="ctr"/>
+          <a:lstStyle/>
+          <a:p>
+            <a:pPr algn="ctr"/>
+            <a:endParaRPr lang="en-US" dirty="0"/>
+          </a:p>
+        </p:txBody>
+      </p:sp>
+      <p:sp>
+        <p:nvSpPr>
+          <p:cNvPr id="54" name="Rectangle 53">
+            <a:extLst>
+              <a:ext uri="{FF2B5EF4-FFF2-40B4-BE49-F238E27FC236}">
+                <a16:creationId xmlns:a16="http://schemas.microsoft.com/office/drawing/2014/main" id="{8F0BF0B7-E0FA-7A58-42DF-7235E711ED99}"/>
+              </a:ext>
+            </a:extLst>
+          </p:cNvPr>
+          <p:cNvSpPr/>
+          <p:nvPr/>
+        </p:nvSpPr>
+        <p:spPr>
+          <a:xfrm>
+            <a:off x="1147374" y="685242"/>
+            <a:ext cx="281734" cy="1206394"/>
+          </a:xfrm>
+          <a:prstGeom prst="rect">
+            <a:avLst/>
+          </a:prstGeom>
+          <a:solidFill>
+            <a:srgbClr val="15AD2E"/>
+          </a:solidFill>
+        </p:spPr>
+        <p:style>
+          <a:lnRef idx="2">
+            <a:schemeClr val="accent1">
+              <a:shade val="15000"/>
+            </a:schemeClr>
+          </a:lnRef>
+          <a:fillRef idx="1">
+            <a:schemeClr val="accent1"/>
+          </a:fillRef>
+          <a:effectRef idx="0">
+            <a:schemeClr val="accent1"/>
+          </a:effectRef>
+          <a:fontRef idx="minor">
+            <a:schemeClr val="lt1"/>
+          </a:fontRef>
+        </p:style>
+        <p:txBody>
+          <a:bodyPr rtlCol="0" anchor="ctr"/>
+          <a:lstStyle/>
+          <a:p>
+            <a:pPr algn="ctr"/>
+            <a:endParaRPr lang="en-US" dirty="0"/>
+          </a:p>
+        </p:txBody>
+      </p:sp>
+      <p:sp>
+        <p:nvSpPr>
+          <p:cNvPr id="55" name="Rectangle 54">
+            <a:extLst>
+              <a:ext uri="{FF2B5EF4-FFF2-40B4-BE49-F238E27FC236}">
+                <a16:creationId xmlns:a16="http://schemas.microsoft.com/office/drawing/2014/main" id="{8856C046-92ED-C6B0-6D0C-690E080EA961}"/>
+              </a:ext>
+            </a:extLst>
+          </p:cNvPr>
+          <p:cNvSpPr/>
+          <p:nvPr/>
+        </p:nvSpPr>
+        <p:spPr>
+          <a:xfrm>
+            <a:off x="3091504" y="685242"/>
+            <a:ext cx="281734" cy="1206394"/>
+          </a:xfrm>
+          <a:prstGeom prst="rect">
+            <a:avLst/>
+          </a:prstGeom>
+          <a:solidFill>
+            <a:srgbClr val="15AD2E">
+              <a:alpha val="70000"/>
+            </a:srgbClr>
+          </a:solidFill>
+        </p:spPr>
+        <p:style>
+          <a:lnRef idx="2">
+            <a:schemeClr val="accent1">
+              <a:shade val="15000"/>
+            </a:schemeClr>
+          </a:lnRef>
+          <a:fillRef idx="1">
+            <a:schemeClr val="accent1"/>
+          </a:fillRef>
+          <a:effectRef idx="0">
+            <a:schemeClr val="accent1"/>
+          </a:effectRef>
+          <a:fontRef idx="minor">
+            <a:schemeClr val="lt1"/>
+          </a:fontRef>
+        </p:style>
+        <p:txBody>
+          <a:bodyPr rtlCol="0" anchor="ctr"/>
+          <a:lstStyle/>
+          <a:p>
+            <a:pPr algn="ctr"/>
+            <a:endParaRPr lang="en-US" dirty="0"/>
+          </a:p>
+        </p:txBody>
+      </p:sp>
+      <p:sp>
+        <p:nvSpPr>
+          <p:cNvPr id="56" name="Rectangle 55">
+            <a:extLst>
+              <a:ext uri="{FF2B5EF4-FFF2-40B4-BE49-F238E27FC236}">
+                <a16:creationId xmlns:a16="http://schemas.microsoft.com/office/drawing/2014/main" id="{5159C8E3-E51A-3F8A-C98C-26B77D4E6F3C}"/>
+              </a:ext>
+            </a:extLst>
+          </p:cNvPr>
+          <p:cNvSpPr/>
+          <p:nvPr/>
+        </p:nvSpPr>
+        <p:spPr>
+          <a:xfrm>
+            <a:off x="3654973" y="685242"/>
+            <a:ext cx="281734" cy="1206394"/>
+          </a:xfrm>
+          <a:prstGeom prst="rect">
+            <a:avLst/>
+          </a:prstGeom>
+        </p:spPr>
+        <p:style>
+          <a:lnRef idx="2">
+            <a:schemeClr val="accent1">
+              <a:shade val="15000"/>
+            </a:schemeClr>
+          </a:lnRef>
+          <a:fillRef idx="1">
+            <a:schemeClr val="accent1"/>
+          </a:fillRef>
+          <a:effectRef idx="0">
+            <a:schemeClr val="accent1"/>
+          </a:effectRef>
+          <a:fontRef idx="minor">
+            <a:schemeClr val="lt1"/>
+          </a:fontRef>
+        </p:style>
+        <p:txBody>
+          <a:bodyPr rtlCol="0" anchor="ctr"/>
+          <a:lstStyle/>
+          <a:p>
+            <a:pPr algn="ctr"/>
+            <a:endParaRPr lang="en-US" dirty="0"/>
+          </a:p>
+        </p:txBody>
+      </p:sp>
+      <p:sp>
+        <p:nvSpPr>
+          <p:cNvPr id="57" name="Rectangle 56">
+            <a:extLst>
+              <a:ext uri="{FF2B5EF4-FFF2-40B4-BE49-F238E27FC236}">
+                <a16:creationId xmlns:a16="http://schemas.microsoft.com/office/drawing/2014/main" id="{F03FFD48-939E-EBB3-1F99-2E6E6DFB04D3}"/>
+              </a:ext>
+            </a:extLst>
+          </p:cNvPr>
+          <p:cNvSpPr/>
+          <p:nvPr/>
+        </p:nvSpPr>
+        <p:spPr>
+          <a:xfrm>
+            <a:off x="3936707" y="685242"/>
+            <a:ext cx="281734" cy="1206394"/>
+          </a:xfrm>
+          <a:prstGeom prst="rect">
+            <a:avLst/>
+          </a:prstGeom>
+        </p:spPr>
+        <p:style>
+          <a:lnRef idx="2">
+            <a:schemeClr val="accent1">
+              <a:shade val="15000"/>
+            </a:schemeClr>
+          </a:lnRef>
+          <a:fillRef idx="1">
+            <a:schemeClr val="accent1"/>
+          </a:fillRef>
+          <a:effectRef idx="0">
+            <a:schemeClr val="accent1"/>
+          </a:effectRef>
+          <a:fontRef idx="minor">
+            <a:schemeClr val="lt1"/>
+          </a:fontRef>
+        </p:style>
+        <p:txBody>
+          <a:bodyPr rtlCol="0" anchor="ctr"/>
+          <a:lstStyle/>
+          <a:p>
+            <a:pPr algn="ctr"/>
+            <a:endParaRPr lang="en-US" dirty="0"/>
+          </a:p>
+        </p:txBody>
+      </p:sp>
+      <p:sp>
+        <p:nvSpPr>
+          <p:cNvPr id="58" name="Rectangle 57">
+            <a:extLst>
+              <a:ext uri="{FF2B5EF4-FFF2-40B4-BE49-F238E27FC236}">
+                <a16:creationId xmlns:a16="http://schemas.microsoft.com/office/drawing/2014/main" id="{D5010B99-1B46-5782-8078-01707DBB48FB}"/>
+              </a:ext>
+            </a:extLst>
+          </p:cNvPr>
+          <p:cNvSpPr/>
+          <p:nvPr/>
+        </p:nvSpPr>
+        <p:spPr>
+          <a:xfrm>
+            <a:off x="4218441" y="685242"/>
+            <a:ext cx="281734" cy="1206394"/>
+          </a:xfrm>
+          <a:prstGeom prst="rect">
+            <a:avLst/>
+          </a:prstGeom>
+        </p:spPr>
+        <p:style>
+          <a:lnRef idx="2">
+            <a:schemeClr val="accent1">
+              <a:shade val="15000"/>
+            </a:schemeClr>
+          </a:lnRef>
+          <a:fillRef idx="1">
+            <a:schemeClr val="accent1"/>
+          </a:fillRef>
+          <a:effectRef idx="0">
+            <a:schemeClr val="accent1"/>
+          </a:effectRef>
+          <a:fontRef idx="minor">
+            <a:schemeClr val="lt1"/>
+          </a:fontRef>
+        </p:style>
+        <p:txBody>
+          <a:bodyPr rtlCol="0" anchor="ctr"/>
+          <a:lstStyle/>
+          <a:p>
+            <a:pPr algn="ctr"/>
+            <a:endParaRPr lang="en-US" dirty="0"/>
+          </a:p>
+        </p:txBody>
+      </p:sp>
+      <p:sp>
+        <p:nvSpPr>
+          <p:cNvPr id="59" name="Rectangle 58">
+            <a:extLst>
+              <a:ext uri="{FF2B5EF4-FFF2-40B4-BE49-F238E27FC236}">
+                <a16:creationId xmlns:a16="http://schemas.microsoft.com/office/drawing/2014/main" id="{006911A1-918A-47FC-B879-DEF9CDDEA095}"/>
+              </a:ext>
+            </a:extLst>
+          </p:cNvPr>
+          <p:cNvSpPr/>
+          <p:nvPr/>
+        </p:nvSpPr>
+        <p:spPr>
+          <a:xfrm>
+            <a:off x="4500175" y="685242"/>
+            <a:ext cx="281734" cy="1206394"/>
+          </a:xfrm>
+          <a:prstGeom prst="rect">
+            <a:avLst/>
+          </a:prstGeom>
+        </p:spPr>
+        <p:style>
+          <a:lnRef idx="2">
+            <a:schemeClr val="accent1">
+              <a:shade val="15000"/>
+            </a:schemeClr>
+          </a:lnRef>
+          <a:fillRef idx="1">
+            <a:schemeClr val="accent1"/>
+          </a:fillRef>
+          <a:effectRef idx="0">
+            <a:schemeClr val="accent1"/>
+          </a:effectRef>
+          <a:fontRef idx="minor">
+            <a:schemeClr val="lt1"/>
+          </a:fontRef>
+        </p:style>
+        <p:txBody>
+          <a:bodyPr rtlCol="0" anchor="ctr"/>
+          <a:lstStyle/>
+          <a:p>
+            <a:pPr algn="ctr"/>
+            <a:endParaRPr lang="en-US" dirty="0"/>
+          </a:p>
+        </p:txBody>
+      </p:sp>
+      <p:sp>
+        <p:nvSpPr>
+          <p:cNvPr id="62" name="TextBox 61">
+            <a:extLst>
+              <a:ext uri="{FF2B5EF4-FFF2-40B4-BE49-F238E27FC236}">
+                <a16:creationId xmlns:a16="http://schemas.microsoft.com/office/drawing/2014/main" id="{24BFDA6F-BA52-EA27-5E30-CEB44F9A4868}"/>
+              </a:ext>
+            </a:extLst>
+          </p:cNvPr>
+          <p:cNvSpPr txBox="1"/>
+          <p:nvPr/>
+        </p:nvSpPr>
+        <p:spPr>
+          <a:xfrm>
+            <a:off x="1147374" y="315017"/>
+            <a:ext cx="1669398" cy="369332"/>
+          </a:xfrm>
+          <a:prstGeom prst="rect">
+            <a:avLst/>
+          </a:prstGeom>
+          <a:noFill/>
+        </p:spPr>
+        <p:txBody>
+          <a:bodyPr wrap="square" rtlCol="0">
+            <a:spAutoFit/>
+          </a:bodyPr>
+          <a:lstStyle/>
+          <a:p>
+            <a:pPr algn="ctr"/>
+            <a:r>
+              <a:rPr lang="en-US" dirty="0"/>
+              <a:t>Rank 0</a:t>
+            </a:r>
+          </a:p>
+        </p:txBody>
+      </p:sp>
+      <p:sp>
+        <p:nvSpPr>
+          <p:cNvPr id="63" name="TextBox 62">
+            <a:extLst>
+              <a:ext uri="{FF2B5EF4-FFF2-40B4-BE49-F238E27FC236}">
+                <a16:creationId xmlns:a16="http://schemas.microsoft.com/office/drawing/2014/main" id="{181B330C-0981-C08C-D865-C705F7F31B61}"/>
+              </a:ext>
+            </a:extLst>
+          </p:cNvPr>
+          <p:cNvSpPr txBox="1"/>
+          <p:nvPr/>
+        </p:nvSpPr>
+        <p:spPr>
+          <a:xfrm>
+            <a:off x="3091503" y="315017"/>
+            <a:ext cx="1683403" cy="369332"/>
+          </a:xfrm>
+          <a:prstGeom prst="rect">
+            <a:avLst/>
+          </a:prstGeom>
+          <a:noFill/>
+        </p:spPr>
+        <p:txBody>
+          <a:bodyPr wrap="square" rtlCol="0">
+            <a:spAutoFit/>
+          </a:bodyPr>
+          <a:lstStyle/>
+          <a:p>
+            <a:pPr algn="ctr"/>
+            <a:r>
+              <a:rPr lang="en-US" dirty="0"/>
+              <a:t>Rank 1</a:t>
+            </a:r>
+          </a:p>
+        </p:txBody>
+      </p:sp>
+      <p:cxnSp>
+        <p:nvCxnSpPr>
+          <p:cNvPr id="65" name="Straight Arrow Connector 64">
+            <a:extLst>
+              <a:ext uri="{FF2B5EF4-FFF2-40B4-BE49-F238E27FC236}">
+                <a16:creationId xmlns:a16="http://schemas.microsoft.com/office/drawing/2014/main" id="{B16078BB-F36B-90B8-077C-F90A85C61AA3}"/>
+              </a:ext>
+            </a:extLst>
+          </p:cNvPr>
+          <p:cNvCxnSpPr/>
+          <p:nvPr/>
+        </p:nvCxnSpPr>
+        <p:spPr>
+          <a:xfrm flipH="1">
+            <a:off x="2648857" y="904119"/>
+            <a:ext cx="846667" cy="0"/>
+          </a:xfrm>
+          <a:prstGeom prst="straightConnector1">
+            <a:avLst/>
+          </a:prstGeom>
+          <a:ln w="19050">
+            <a:tailEnd type="triangle"/>
+          </a:ln>
+        </p:spPr>
+        <p:style>
+          <a:lnRef idx="1">
+            <a:schemeClr val="dk1"/>
+          </a:lnRef>
+          <a:fillRef idx="0">
+            <a:schemeClr val="dk1"/>
+          </a:fillRef>
+          <a:effectRef idx="0">
+            <a:schemeClr val="dk1"/>
+          </a:effectRef>
+          <a:fontRef idx="minor">
+            <a:schemeClr val="tx1"/>
+          </a:fontRef>
+        </p:style>
+      </p:cxnSp>
+      <p:cxnSp>
+        <p:nvCxnSpPr>
+          <p:cNvPr id="66" name="Straight Arrow Connector 65">
+            <a:extLst>
+              <a:ext uri="{FF2B5EF4-FFF2-40B4-BE49-F238E27FC236}">
+                <a16:creationId xmlns:a16="http://schemas.microsoft.com/office/drawing/2014/main" id="{7387A86F-3736-2455-C33A-E7FFEE629E43}"/>
+              </a:ext>
+            </a:extLst>
+          </p:cNvPr>
+          <p:cNvCxnSpPr>
+            <a:cxnSpLocks/>
+          </p:cNvCxnSpPr>
+          <p:nvPr/>
+        </p:nvCxnSpPr>
+        <p:spPr>
+          <a:xfrm>
+            <a:off x="2386436" y="1640719"/>
+            <a:ext cx="846667" cy="0"/>
+          </a:xfrm>
+          <a:prstGeom prst="straightConnector1">
+            <a:avLst/>
+          </a:prstGeom>
+          <a:ln w="19050">
+            <a:tailEnd type="triangle"/>
+          </a:ln>
+        </p:spPr>
+        <p:style>
+          <a:lnRef idx="1">
+            <a:schemeClr val="dk1"/>
+          </a:lnRef>
+          <a:fillRef idx="0">
+            <a:schemeClr val="dk1"/>
+          </a:fillRef>
+          <a:effectRef idx="0">
+            <a:schemeClr val="dk1"/>
+          </a:effectRef>
+          <a:fontRef idx="minor">
+            <a:schemeClr val="tx1"/>
+          </a:fontRef>
+        </p:style>
+      </p:cxnSp>
+    </p:spTree>
+    <p:extLst>
+      <p:ext uri="{BB962C8B-B14F-4D97-AF65-F5344CB8AC3E}">
+        <p14:creationId xmlns:p14="http://schemas.microsoft.com/office/powerpoint/2010/main" val="3206631681"/>
       </p:ext>
     </p:extLst>
   </p:cSld>

--- a/files/communication_diagram.pptx
+++ b/files/communication_diagram.pptx
@@ -5,14 +5,13 @@
     <p:sldMasterId id="2147483648" r:id="rId1"/>
   </p:sldMasterIdLst>
   <p:notesMasterIdLst>
-    <p:notesMasterId r:id="rId7"/>
+    <p:notesMasterId r:id="rId6"/>
   </p:notesMasterIdLst>
   <p:sldIdLst>
     <p:sldId id="256" r:id="rId2"/>
     <p:sldId id="257" r:id="rId3"/>
     <p:sldId id="258" r:id="rId4"/>
     <p:sldId id="259" r:id="rId5"/>
-    <p:sldId id="260" r:id="rId6"/>
   </p:sldIdLst>
   <p:sldSz cx="12192000" cy="6858000"/>
   <p:notesSz cx="6858000" cy="9144000"/>
@@ -201,7 +200,7 @@
           <a:p>
             <a:fld id="{1DA394A1-87FE-BC40-B428-C4F79D5812EE}" type="datetimeFigureOut">
               <a:rPr lang="en-US" smtClean="0"/>
-              <a:t>7/18/23</a:t>
+              <a:t>6/9/23</a:t>
             </a:fld>
             <a:endParaRPr lang="en-US"/>
           </a:p>
@@ -786,7 +785,7 @@
           <a:p>
             <a:fld id="{5BD1349E-D158-4E40-990A-05F7F3787A3C}" type="datetimeFigureOut">
               <a:rPr lang="en-US" smtClean="0"/>
-              <a:t>7/18/23</a:t>
+              <a:t>6/9/23</a:t>
             </a:fld>
             <a:endParaRPr lang="en-US"/>
           </a:p>
@@ -986,7 +985,7 @@
           <a:p>
             <a:fld id="{5BD1349E-D158-4E40-990A-05F7F3787A3C}" type="datetimeFigureOut">
               <a:rPr lang="en-US" smtClean="0"/>
-              <a:t>7/18/23</a:t>
+              <a:t>6/9/23</a:t>
             </a:fld>
             <a:endParaRPr lang="en-US"/>
           </a:p>
@@ -1196,7 +1195,7 @@
           <a:p>
             <a:fld id="{5BD1349E-D158-4E40-990A-05F7F3787A3C}" type="datetimeFigureOut">
               <a:rPr lang="en-US" smtClean="0"/>
-              <a:t>7/18/23</a:t>
+              <a:t>6/9/23</a:t>
             </a:fld>
             <a:endParaRPr lang="en-US"/>
           </a:p>
@@ -1396,7 +1395,7 @@
           <a:p>
             <a:fld id="{5BD1349E-D158-4E40-990A-05F7F3787A3C}" type="datetimeFigureOut">
               <a:rPr lang="en-US" smtClean="0"/>
-              <a:t>7/18/23</a:t>
+              <a:t>6/9/23</a:t>
             </a:fld>
             <a:endParaRPr lang="en-US"/>
           </a:p>
@@ -1672,7 +1671,7 @@
           <a:p>
             <a:fld id="{5BD1349E-D158-4E40-990A-05F7F3787A3C}" type="datetimeFigureOut">
               <a:rPr lang="en-US" smtClean="0"/>
-              <a:t>7/18/23</a:t>
+              <a:t>6/9/23</a:t>
             </a:fld>
             <a:endParaRPr lang="en-US"/>
           </a:p>
@@ -1940,7 +1939,7 @@
           <a:p>
             <a:fld id="{5BD1349E-D158-4E40-990A-05F7F3787A3C}" type="datetimeFigureOut">
               <a:rPr lang="en-US" smtClean="0"/>
-              <a:t>7/18/23</a:t>
+              <a:t>6/9/23</a:t>
             </a:fld>
             <a:endParaRPr lang="en-US"/>
           </a:p>
@@ -2355,7 +2354,7 @@
           <a:p>
             <a:fld id="{5BD1349E-D158-4E40-990A-05F7F3787A3C}" type="datetimeFigureOut">
               <a:rPr lang="en-US" smtClean="0"/>
-              <a:t>7/18/23</a:t>
+              <a:t>6/9/23</a:t>
             </a:fld>
             <a:endParaRPr lang="en-US"/>
           </a:p>
@@ -2497,7 +2496,7 @@
           <a:p>
             <a:fld id="{5BD1349E-D158-4E40-990A-05F7F3787A3C}" type="datetimeFigureOut">
               <a:rPr lang="en-US" smtClean="0"/>
-              <a:t>7/18/23</a:t>
+              <a:t>6/9/23</a:t>
             </a:fld>
             <a:endParaRPr lang="en-US"/>
           </a:p>
@@ -2610,7 +2609,7 @@
           <a:p>
             <a:fld id="{5BD1349E-D158-4E40-990A-05F7F3787A3C}" type="datetimeFigureOut">
               <a:rPr lang="en-US" smtClean="0"/>
-              <a:t>7/18/23</a:t>
+              <a:t>6/9/23</a:t>
             </a:fld>
             <a:endParaRPr lang="en-US"/>
           </a:p>
@@ -2923,7 +2922,7 @@
           <a:p>
             <a:fld id="{5BD1349E-D158-4E40-990A-05F7F3787A3C}" type="datetimeFigureOut">
               <a:rPr lang="en-US" smtClean="0"/>
-              <a:t>7/18/23</a:t>
+              <a:t>6/9/23</a:t>
             </a:fld>
             <a:endParaRPr lang="en-US"/>
           </a:p>
@@ -3212,7 +3211,7 @@
           <a:p>
             <a:fld id="{5BD1349E-D158-4E40-990A-05F7F3787A3C}" type="datetimeFigureOut">
               <a:rPr lang="en-US" smtClean="0"/>
-              <a:t>7/18/23</a:t>
+              <a:t>6/9/23</a:t>
             </a:fld>
             <a:endParaRPr lang="en-US"/>
           </a:p>
@@ -3455,7 +3454,7 @@
           <a:p>
             <a:fld id="{5BD1349E-D158-4E40-990A-05F7F3787A3C}" type="datetimeFigureOut">
               <a:rPr lang="en-US" smtClean="0"/>
-              <a:t>7/18/23</a:t>
+              <a:t>6/9/23</a:t>
             </a:fld>
             <a:endParaRPr lang="en-US"/>
           </a:p>
@@ -23438,765 +23437,6 @@
     <p:extLst>
       <p:ext uri="{BB962C8B-B14F-4D97-AF65-F5344CB8AC3E}">
         <p14:creationId xmlns:p14="http://schemas.microsoft.com/office/powerpoint/2010/main" val="2905784832"/>
-      </p:ext>
-    </p:extLst>
-  </p:cSld>
-  <p:clrMapOvr>
-    <a:masterClrMapping/>
-  </p:clrMapOvr>
-</p:sld>
-</file>
-
-<file path=ppt/slides/slide5.xml><?xml version="1.0" encoding="utf-8"?>
-<p:sld xmlns:a="http://schemas.openxmlformats.org/drawingml/2006/main" xmlns:r="http://schemas.openxmlformats.org/officeDocument/2006/relationships" xmlns:p="http://schemas.openxmlformats.org/presentationml/2006/main">
-  <p:cSld>
-    <p:spTree>
-      <p:nvGrpSpPr>
-        <p:cNvPr id="1" name=""/>
-        <p:cNvGrpSpPr/>
-        <p:nvPr/>
-      </p:nvGrpSpPr>
-      <p:grpSpPr>
-        <a:xfrm>
-          <a:off x="0" y="0"/>
-          <a:ext cx="0" cy="0"/>
-          <a:chOff x="0" y="0"/>
-          <a:chExt cx="0" cy="0"/>
-        </a:xfrm>
-      </p:grpSpPr>
-      <p:sp>
-        <p:nvSpPr>
-          <p:cNvPr id="48" name="Rectangle 47">
-            <a:extLst>
-              <a:ext uri="{FF2B5EF4-FFF2-40B4-BE49-F238E27FC236}">
-                <a16:creationId xmlns:a16="http://schemas.microsoft.com/office/drawing/2014/main" id="{1875138C-411D-09C9-B4EF-658582612DD5}"/>
-              </a:ext>
-            </a:extLst>
-          </p:cNvPr>
-          <p:cNvSpPr/>
-          <p:nvPr/>
-        </p:nvSpPr>
-        <p:spPr>
-          <a:xfrm>
-            <a:off x="2246302" y="685242"/>
-            <a:ext cx="281734" cy="1206394"/>
-          </a:xfrm>
-          <a:prstGeom prst="rect">
-            <a:avLst/>
-          </a:prstGeom>
-          <a:solidFill>
-            <a:srgbClr val="15AD2E"/>
-          </a:solidFill>
-        </p:spPr>
-        <p:style>
-          <a:lnRef idx="2">
-            <a:schemeClr val="accent1">
-              <a:shade val="15000"/>
-            </a:schemeClr>
-          </a:lnRef>
-          <a:fillRef idx="1">
-            <a:schemeClr val="accent1"/>
-          </a:fillRef>
-          <a:effectRef idx="0">
-            <a:schemeClr val="accent1"/>
-          </a:effectRef>
-          <a:fontRef idx="minor">
-            <a:schemeClr val="lt1"/>
-          </a:fontRef>
-        </p:style>
-        <p:txBody>
-          <a:bodyPr rtlCol="0" anchor="ctr"/>
-          <a:lstStyle/>
-          <a:p>
-            <a:pPr algn="ctr"/>
-            <a:endParaRPr lang="en-US" dirty="0"/>
-          </a:p>
-        </p:txBody>
-      </p:sp>
-      <p:sp>
-        <p:nvSpPr>
-          <p:cNvPr id="49" name="Rectangle 48">
-            <a:extLst>
-              <a:ext uri="{FF2B5EF4-FFF2-40B4-BE49-F238E27FC236}">
-                <a16:creationId xmlns:a16="http://schemas.microsoft.com/office/drawing/2014/main" id="{D1027101-0CA7-5506-C8FC-388DFFCE4873}"/>
-              </a:ext>
-            </a:extLst>
-          </p:cNvPr>
-          <p:cNvSpPr/>
-          <p:nvPr/>
-        </p:nvSpPr>
-        <p:spPr>
-          <a:xfrm>
-            <a:off x="3373239" y="685242"/>
-            <a:ext cx="281734" cy="1206394"/>
-          </a:xfrm>
-          <a:prstGeom prst="rect">
-            <a:avLst/>
-          </a:prstGeom>
-        </p:spPr>
-        <p:style>
-          <a:lnRef idx="2">
-            <a:schemeClr val="accent1">
-              <a:shade val="15000"/>
-            </a:schemeClr>
-          </a:lnRef>
-          <a:fillRef idx="1">
-            <a:schemeClr val="accent1"/>
-          </a:fillRef>
-          <a:effectRef idx="0">
-            <a:schemeClr val="accent1"/>
-          </a:effectRef>
-          <a:fontRef idx="minor">
-            <a:schemeClr val="lt1"/>
-          </a:fontRef>
-        </p:style>
-        <p:txBody>
-          <a:bodyPr rtlCol="0" anchor="ctr"/>
-          <a:lstStyle/>
-          <a:p>
-            <a:pPr algn="ctr"/>
-            <a:endParaRPr lang="en-US" dirty="0"/>
-          </a:p>
-        </p:txBody>
-      </p:sp>
-      <p:sp>
-        <p:nvSpPr>
-          <p:cNvPr id="50" name="Rectangle 49">
-            <a:extLst>
-              <a:ext uri="{FF2B5EF4-FFF2-40B4-BE49-F238E27FC236}">
-                <a16:creationId xmlns:a16="http://schemas.microsoft.com/office/drawing/2014/main" id="{F34F4026-7E40-CAAA-0DF0-2E3A8AAF8B2B}"/>
-              </a:ext>
-            </a:extLst>
-          </p:cNvPr>
-          <p:cNvSpPr/>
-          <p:nvPr/>
-        </p:nvSpPr>
-        <p:spPr>
-          <a:xfrm>
-            <a:off x="2528036" y="685242"/>
-            <a:ext cx="281734" cy="1206394"/>
-          </a:xfrm>
-          <a:prstGeom prst="rect">
-            <a:avLst/>
-          </a:prstGeom>
-          <a:solidFill>
-            <a:srgbClr val="4472C5">
-              <a:alpha val="70000"/>
-            </a:srgbClr>
-          </a:solidFill>
-        </p:spPr>
-        <p:style>
-          <a:lnRef idx="2">
-            <a:schemeClr val="accent1">
-              <a:shade val="15000"/>
-            </a:schemeClr>
-          </a:lnRef>
-          <a:fillRef idx="1">
-            <a:schemeClr val="accent1"/>
-          </a:fillRef>
-          <a:effectRef idx="0">
-            <a:schemeClr val="accent1"/>
-          </a:effectRef>
-          <a:fontRef idx="minor">
-            <a:schemeClr val="lt1"/>
-          </a:fontRef>
-        </p:style>
-        <p:txBody>
-          <a:bodyPr rtlCol="0" anchor="ctr"/>
-          <a:lstStyle/>
-          <a:p>
-            <a:pPr algn="ctr"/>
-            <a:endParaRPr lang="en-US" dirty="0"/>
-          </a:p>
-        </p:txBody>
-      </p:sp>
-      <p:sp>
-        <p:nvSpPr>
-          <p:cNvPr id="51" name="Rectangle 50">
-            <a:extLst>
-              <a:ext uri="{FF2B5EF4-FFF2-40B4-BE49-F238E27FC236}">
-                <a16:creationId xmlns:a16="http://schemas.microsoft.com/office/drawing/2014/main" id="{7C070088-B36C-376C-3C64-72BE7F07D71E}"/>
-              </a:ext>
-            </a:extLst>
-          </p:cNvPr>
-          <p:cNvSpPr/>
-          <p:nvPr/>
-        </p:nvSpPr>
-        <p:spPr>
-          <a:xfrm>
-            <a:off x="1964568" y="685242"/>
-            <a:ext cx="281734" cy="1206394"/>
-          </a:xfrm>
-          <a:prstGeom prst="rect">
-            <a:avLst/>
-          </a:prstGeom>
-          <a:solidFill>
-            <a:srgbClr val="15AD2E"/>
-          </a:solidFill>
-        </p:spPr>
-        <p:style>
-          <a:lnRef idx="2">
-            <a:schemeClr val="accent1">
-              <a:shade val="15000"/>
-            </a:schemeClr>
-          </a:lnRef>
-          <a:fillRef idx="1">
-            <a:schemeClr val="accent1"/>
-          </a:fillRef>
-          <a:effectRef idx="0">
-            <a:schemeClr val="accent1"/>
-          </a:effectRef>
-          <a:fontRef idx="minor">
-            <a:schemeClr val="lt1"/>
-          </a:fontRef>
-        </p:style>
-        <p:txBody>
-          <a:bodyPr rtlCol="0" anchor="ctr"/>
-          <a:lstStyle/>
-          <a:p>
-            <a:pPr algn="ctr"/>
-            <a:endParaRPr lang="en-US" dirty="0"/>
-          </a:p>
-        </p:txBody>
-      </p:sp>
-      <p:sp>
-        <p:nvSpPr>
-          <p:cNvPr id="52" name="Rectangle 51">
-            <a:extLst>
-              <a:ext uri="{FF2B5EF4-FFF2-40B4-BE49-F238E27FC236}">
-                <a16:creationId xmlns:a16="http://schemas.microsoft.com/office/drawing/2014/main" id="{BDEBB670-6CCB-E02E-75E6-8EB8EF826BC0}"/>
-              </a:ext>
-            </a:extLst>
-          </p:cNvPr>
-          <p:cNvSpPr/>
-          <p:nvPr/>
-        </p:nvSpPr>
-        <p:spPr>
-          <a:xfrm>
-            <a:off x="1682834" y="685242"/>
-            <a:ext cx="281734" cy="1206394"/>
-          </a:xfrm>
-          <a:prstGeom prst="rect">
-            <a:avLst/>
-          </a:prstGeom>
-          <a:solidFill>
-            <a:srgbClr val="15AD2E"/>
-          </a:solidFill>
-        </p:spPr>
-        <p:style>
-          <a:lnRef idx="2">
-            <a:schemeClr val="accent1">
-              <a:shade val="15000"/>
-            </a:schemeClr>
-          </a:lnRef>
-          <a:fillRef idx="1">
-            <a:schemeClr val="accent1"/>
-          </a:fillRef>
-          <a:effectRef idx="0">
-            <a:schemeClr val="accent1"/>
-          </a:effectRef>
-          <a:fontRef idx="minor">
-            <a:schemeClr val="lt1"/>
-          </a:fontRef>
-        </p:style>
-        <p:txBody>
-          <a:bodyPr rtlCol="0" anchor="ctr"/>
-          <a:lstStyle/>
-          <a:p>
-            <a:pPr algn="ctr"/>
-            <a:endParaRPr lang="en-US" dirty="0"/>
-          </a:p>
-        </p:txBody>
-      </p:sp>
-      <p:sp>
-        <p:nvSpPr>
-          <p:cNvPr id="53" name="Rectangle 52">
-            <a:extLst>
-              <a:ext uri="{FF2B5EF4-FFF2-40B4-BE49-F238E27FC236}">
-                <a16:creationId xmlns:a16="http://schemas.microsoft.com/office/drawing/2014/main" id="{B45BC851-2DFD-78AF-C864-0C84F660727E}"/>
-              </a:ext>
-            </a:extLst>
-          </p:cNvPr>
-          <p:cNvSpPr/>
-          <p:nvPr/>
-        </p:nvSpPr>
-        <p:spPr>
-          <a:xfrm>
-            <a:off x="1408102" y="685242"/>
-            <a:ext cx="281734" cy="1206394"/>
-          </a:xfrm>
-          <a:prstGeom prst="rect">
-            <a:avLst/>
-          </a:prstGeom>
-          <a:solidFill>
-            <a:srgbClr val="15AD2E"/>
-          </a:solidFill>
-        </p:spPr>
-        <p:style>
-          <a:lnRef idx="2">
-            <a:schemeClr val="accent1">
-              <a:shade val="15000"/>
-            </a:schemeClr>
-          </a:lnRef>
-          <a:fillRef idx="1">
-            <a:schemeClr val="accent1"/>
-          </a:fillRef>
-          <a:effectRef idx="0">
-            <a:schemeClr val="accent1"/>
-          </a:effectRef>
-          <a:fontRef idx="minor">
-            <a:schemeClr val="lt1"/>
-          </a:fontRef>
-        </p:style>
-        <p:txBody>
-          <a:bodyPr rtlCol="0" anchor="ctr"/>
-          <a:lstStyle/>
-          <a:p>
-            <a:pPr algn="ctr"/>
-            <a:endParaRPr lang="en-US" dirty="0"/>
-          </a:p>
-        </p:txBody>
-      </p:sp>
-      <p:sp>
-        <p:nvSpPr>
-          <p:cNvPr id="54" name="Rectangle 53">
-            <a:extLst>
-              <a:ext uri="{FF2B5EF4-FFF2-40B4-BE49-F238E27FC236}">
-                <a16:creationId xmlns:a16="http://schemas.microsoft.com/office/drawing/2014/main" id="{8F0BF0B7-E0FA-7A58-42DF-7235E711ED99}"/>
-              </a:ext>
-            </a:extLst>
-          </p:cNvPr>
-          <p:cNvSpPr/>
-          <p:nvPr/>
-        </p:nvSpPr>
-        <p:spPr>
-          <a:xfrm>
-            <a:off x="1147374" y="685242"/>
-            <a:ext cx="281734" cy="1206394"/>
-          </a:xfrm>
-          <a:prstGeom prst="rect">
-            <a:avLst/>
-          </a:prstGeom>
-          <a:solidFill>
-            <a:srgbClr val="15AD2E"/>
-          </a:solidFill>
-        </p:spPr>
-        <p:style>
-          <a:lnRef idx="2">
-            <a:schemeClr val="accent1">
-              <a:shade val="15000"/>
-            </a:schemeClr>
-          </a:lnRef>
-          <a:fillRef idx="1">
-            <a:schemeClr val="accent1"/>
-          </a:fillRef>
-          <a:effectRef idx="0">
-            <a:schemeClr val="accent1"/>
-          </a:effectRef>
-          <a:fontRef idx="minor">
-            <a:schemeClr val="lt1"/>
-          </a:fontRef>
-        </p:style>
-        <p:txBody>
-          <a:bodyPr rtlCol="0" anchor="ctr"/>
-          <a:lstStyle/>
-          <a:p>
-            <a:pPr algn="ctr"/>
-            <a:endParaRPr lang="en-US" dirty="0"/>
-          </a:p>
-        </p:txBody>
-      </p:sp>
-      <p:sp>
-        <p:nvSpPr>
-          <p:cNvPr id="55" name="Rectangle 54">
-            <a:extLst>
-              <a:ext uri="{FF2B5EF4-FFF2-40B4-BE49-F238E27FC236}">
-                <a16:creationId xmlns:a16="http://schemas.microsoft.com/office/drawing/2014/main" id="{8856C046-92ED-C6B0-6D0C-690E080EA961}"/>
-              </a:ext>
-            </a:extLst>
-          </p:cNvPr>
-          <p:cNvSpPr/>
-          <p:nvPr/>
-        </p:nvSpPr>
-        <p:spPr>
-          <a:xfrm>
-            <a:off x="3091504" y="685242"/>
-            <a:ext cx="281734" cy="1206394"/>
-          </a:xfrm>
-          <a:prstGeom prst="rect">
-            <a:avLst/>
-          </a:prstGeom>
-          <a:solidFill>
-            <a:srgbClr val="15AD2E">
-              <a:alpha val="70000"/>
-            </a:srgbClr>
-          </a:solidFill>
-        </p:spPr>
-        <p:style>
-          <a:lnRef idx="2">
-            <a:schemeClr val="accent1">
-              <a:shade val="15000"/>
-            </a:schemeClr>
-          </a:lnRef>
-          <a:fillRef idx="1">
-            <a:schemeClr val="accent1"/>
-          </a:fillRef>
-          <a:effectRef idx="0">
-            <a:schemeClr val="accent1"/>
-          </a:effectRef>
-          <a:fontRef idx="minor">
-            <a:schemeClr val="lt1"/>
-          </a:fontRef>
-        </p:style>
-        <p:txBody>
-          <a:bodyPr rtlCol="0" anchor="ctr"/>
-          <a:lstStyle/>
-          <a:p>
-            <a:pPr algn="ctr"/>
-            <a:endParaRPr lang="en-US" dirty="0"/>
-          </a:p>
-        </p:txBody>
-      </p:sp>
-      <p:sp>
-        <p:nvSpPr>
-          <p:cNvPr id="56" name="Rectangle 55">
-            <a:extLst>
-              <a:ext uri="{FF2B5EF4-FFF2-40B4-BE49-F238E27FC236}">
-                <a16:creationId xmlns:a16="http://schemas.microsoft.com/office/drawing/2014/main" id="{5159C8E3-E51A-3F8A-C98C-26B77D4E6F3C}"/>
-              </a:ext>
-            </a:extLst>
-          </p:cNvPr>
-          <p:cNvSpPr/>
-          <p:nvPr/>
-        </p:nvSpPr>
-        <p:spPr>
-          <a:xfrm>
-            <a:off x="3654973" y="685242"/>
-            <a:ext cx="281734" cy="1206394"/>
-          </a:xfrm>
-          <a:prstGeom prst="rect">
-            <a:avLst/>
-          </a:prstGeom>
-        </p:spPr>
-        <p:style>
-          <a:lnRef idx="2">
-            <a:schemeClr val="accent1">
-              <a:shade val="15000"/>
-            </a:schemeClr>
-          </a:lnRef>
-          <a:fillRef idx="1">
-            <a:schemeClr val="accent1"/>
-          </a:fillRef>
-          <a:effectRef idx="0">
-            <a:schemeClr val="accent1"/>
-          </a:effectRef>
-          <a:fontRef idx="minor">
-            <a:schemeClr val="lt1"/>
-          </a:fontRef>
-        </p:style>
-        <p:txBody>
-          <a:bodyPr rtlCol="0" anchor="ctr"/>
-          <a:lstStyle/>
-          <a:p>
-            <a:pPr algn="ctr"/>
-            <a:endParaRPr lang="en-US" dirty="0"/>
-          </a:p>
-        </p:txBody>
-      </p:sp>
-      <p:sp>
-        <p:nvSpPr>
-          <p:cNvPr id="57" name="Rectangle 56">
-            <a:extLst>
-              <a:ext uri="{FF2B5EF4-FFF2-40B4-BE49-F238E27FC236}">
-                <a16:creationId xmlns:a16="http://schemas.microsoft.com/office/drawing/2014/main" id="{F03FFD48-939E-EBB3-1F99-2E6E6DFB04D3}"/>
-              </a:ext>
-            </a:extLst>
-          </p:cNvPr>
-          <p:cNvSpPr/>
-          <p:nvPr/>
-        </p:nvSpPr>
-        <p:spPr>
-          <a:xfrm>
-            <a:off x="3936707" y="685242"/>
-            <a:ext cx="281734" cy="1206394"/>
-          </a:xfrm>
-          <a:prstGeom prst="rect">
-            <a:avLst/>
-          </a:prstGeom>
-        </p:spPr>
-        <p:style>
-          <a:lnRef idx="2">
-            <a:schemeClr val="accent1">
-              <a:shade val="15000"/>
-            </a:schemeClr>
-          </a:lnRef>
-          <a:fillRef idx="1">
-            <a:schemeClr val="accent1"/>
-          </a:fillRef>
-          <a:effectRef idx="0">
-            <a:schemeClr val="accent1"/>
-          </a:effectRef>
-          <a:fontRef idx="minor">
-            <a:schemeClr val="lt1"/>
-          </a:fontRef>
-        </p:style>
-        <p:txBody>
-          <a:bodyPr rtlCol="0" anchor="ctr"/>
-          <a:lstStyle/>
-          <a:p>
-            <a:pPr algn="ctr"/>
-            <a:endParaRPr lang="en-US" dirty="0"/>
-          </a:p>
-        </p:txBody>
-      </p:sp>
-      <p:sp>
-        <p:nvSpPr>
-          <p:cNvPr id="58" name="Rectangle 57">
-            <a:extLst>
-              <a:ext uri="{FF2B5EF4-FFF2-40B4-BE49-F238E27FC236}">
-                <a16:creationId xmlns:a16="http://schemas.microsoft.com/office/drawing/2014/main" id="{D5010B99-1B46-5782-8078-01707DBB48FB}"/>
-              </a:ext>
-            </a:extLst>
-          </p:cNvPr>
-          <p:cNvSpPr/>
-          <p:nvPr/>
-        </p:nvSpPr>
-        <p:spPr>
-          <a:xfrm>
-            <a:off x="4218441" y="685242"/>
-            <a:ext cx="281734" cy="1206394"/>
-          </a:xfrm>
-          <a:prstGeom prst="rect">
-            <a:avLst/>
-          </a:prstGeom>
-        </p:spPr>
-        <p:style>
-          <a:lnRef idx="2">
-            <a:schemeClr val="accent1">
-              <a:shade val="15000"/>
-            </a:schemeClr>
-          </a:lnRef>
-          <a:fillRef idx="1">
-            <a:schemeClr val="accent1"/>
-          </a:fillRef>
-          <a:effectRef idx="0">
-            <a:schemeClr val="accent1"/>
-          </a:effectRef>
-          <a:fontRef idx="minor">
-            <a:schemeClr val="lt1"/>
-          </a:fontRef>
-        </p:style>
-        <p:txBody>
-          <a:bodyPr rtlCol="0" anchor="ctr"/>
-          <a:lstStyle/>
-          <a:p>
-            <a:pPr algn="ctr"/>
-            <a:endParaRPr lang="en-US" dirty="0"/>
-          </a:p>
-        </p:txBody>
-      </p:sp>
-      <p:sp>
-        <p:nvSpPr>
-          <p:cNvPr id="59" name="Rectangle 58">
-            <a:extLst>
-              <a:ext uri="{FF2B5EF4-FFF2-40B4-BE49-F238E27FC236}">
-                <a16:creationId xmlns:a16="http://schemas.microsoft.com/office/drawing/2014/main" id="{006911A1-918A-47FC-B879-DEF9CDDEA095}"/>
-              </a:ext>
-            </a:extLst>
-          </p:cNvPr>
-          <p:cNvSpPr/>
-          <p:nvPr/>
-        </p:nvSpPr>
-        <p:spPr>
-          <a:xfrm>
-            <a:off x="4500175" y="685242"/>
-            <a:ext cx="281734" cy="1206394"/>
-          </a:xfrm>
-          <a:prstGeom prst="rect">
-            <a:avLst/>
-          </a:prstGeom>
-        </p:spPr>
-        <p:style>
-          <a:lnRef idx="2">
-            <a:schemeClr val="accent1">
-              <a:shade val="15000"/>
-            </a:schemeClr>
-          </a:lnRef>
-          <a:fillRef idx="1">
-            <a:schemeClr val="accent1"/>
-          </a:fillRef>
-          <a:effectRef idx="0">
-            <a:schemeClr val="accent1"/>
-          </a:effectRef>
-          <a:fontRef idx="minor">
-            <a:schemeClr val="lt1"/>
-          </a:fontRef>
-        </p:style>
-        <p:txBody>
-          <a:bodyPr rtlCol="0" anchor="ctr"/>
-          <a:lstStyle/>
-          <a:p>
-            <a:pPr algn="ctr"/>
-            <a:endParaRPr lang="en-US" dirty="0"/>
-          </a:p>
-        </p:txBody>
-      </p:sp>
-      <p:sp>
-        <p:nvSpPr>
-          <p:cNvPr id="62" name="TextBox 61">
-            <a:extLst>
-              <a:ext uri="{FF2B5EF4-FFF2-40B4-BE49-F238E27FC236}">
-                <a16:creationId xmlns:a16="http://schemas.microsoft.com/office/drawing/2014/main" id="{24BFDA6F-BA52-EA27-5E30-CEB44F9A4868}"/>
-              </a:ext>
-            </a:extLst>
-          </p:cNvPr>
-          <p:cNvSpPr txBox="1"/>
-          <p:nvPr/>
-        </p:nvSpPr>
-        <p:spPr>
-          <a:xfrm>
-            <a:off x="1147374" y="315017"/>
-            <a:ext cx="1669398" cy="369332"/>
-          </a:xfrm>
-          <a:prstGeom prst="rect">
-            <a:avLst/>
-          </a:prstGeom>
-          <a:noFill/>
-        </p:spPr>
-        <p:txBody>
-          <a:bodyPr wrap="square" rtlCol="0">
-            <a:spAutoFit/>
-          </a:bodyPr>
-          <a:lstStyle/>
-          <a:p>
-            <a:pPr algn="ctr"/>
-            <a:r>
-              <a:rPr lang="en-US" dirty="0"/>
-              <a:t>Rank 0</a:t>
-            </a:r>
-          </a:p>
-        </p:txBody>
-      </p:sp>
-      <p:sp>
-        <p:nvSpPr>
-          <p:cNvPr id="63" name="TextBox 62">
-            <a:extLst>
-              <a:ext uri="{FF2B5EF4-FFF2-40B4-BE49-F238E27FC236}">
-                <a16:creationId xmlns:a16="http://schemas.microsoft.com/office/drawing/2014/main" id="{181B330C-0981-C08C-D865-C705F7F31B61}"/>
-              </a:ext>
-            </a:extLst>
-          </p:cNvPr>
-          <p:cNvSpPr txBox="1"/>
-          <p:nvPr/>
-        </p:nvSpPr>
-        <p:spPr>
-          <a:xfrm>
-            <a:off x="3091503" y="315017"/>
-            <a:ext cx="1683403" cy="369332"/>
-          </a:xfrm>
-          <a:prstGeom prst="rect">
-            <a:avLst/>
-          </a:prstGeom>
-          <a:noFill/>
-        </p:spPr>
-        <p:txBody>
-          <a:bodyPr wrap="square" rtlCol="0">
-            <a:spAutoFit/>
-          </a:bodyPr>
-          <a:lstStyle/>
-          <a:p>
-            <a:pPr algn="ctr"/>
-            <a:r>
-              <a:rPr lang="en-US" dirty="0"/>
-              <a:t>Rank 1</a:t>
-            </a:r>
-          </a:p>
-        </p:txBody>
-      </p:sp>
-      <p:cxnSp>
-        <p:nvCxnSpPr>
-          <p:cNvPr id="65" name="Straight Arrow Connector 64">
-            <a:extLst>
-              <a:ext uri="{FF2B5EF4-FFF2-40B4-BE49-F238E27FC236}">
-                <a16:creationId xmlns:a16="http://schemas.microsoft.com/office/drawing/2014/main" id="{B16078BB-F36B-90B8-077C-F90A85C61AA3}"/>
-              </a:ext>
-            </a:extLst>
-          </p:cNvPr>
-          <p:cNvCxnSpPr/>
-          <p:nvPr/>
-        </p:nvCxnSpPr>
-        <p:spPr>
-          <a:xfrm flipH="1">
-            <a:off x="2648857" y="904119"/>
-            <a:ext cx="846667" cy="0"/>
-          </a:xfrm>
-          <a:prstGeom prst="straightConnector1">
-            <a:avLst/>
-          </a:prstGeom>
-          <a:ln w="19050">
-            <a:tailEnd type="triangle"/>
-          </a:ln>
-        </p:spPr>
-        <p:style>
-          <a:lnRef idx="1">
-            <a:schemeClr val="dk1"/>
-          </a:lnRef>
-          <a:fillRef idx="0">
-            <a:schemeClr val="dk1"/>
-          </a:fillRef>
-          <a:effectRef idx="0">
-            <a:schemeClr val="dk1"/>
-          </a:effectRef>
-          <a:fontRef idx="minor">
-            <a:schemeClr val="tx1"/>
-          </a:fontRef>
-        </p:style>
-      </p:cxnSp>
-      <p:cxnSp>
-        <p:nvCxnSpPr>
-          <p:cNvPr id="66" name="Straight Arrow Connector 65">
-            <a:extLst>
-              <a:ext uri="{FF2B5EF4-FFF2-40B4-BE49-F238E27FC236}">
-                <a16:creationId xmlns:a16="http://schemas.microsoft.com/office/drawing/2014/main" id="{7387A86F-3736-2455-C33A-E7FFEE629E43}"/>
-              </a:ext>
-            </a:extLst>
-          </p:cNvPr>
-          <p:cNvCxnSpPr>
-            <a:cxnSpLocks/>
-          </p:cNvCxnSpPr>
-          <p:nvPr/>
-        </p:nvCxnSpPr>
-        <p:spPr>
-          <a:xfrm>
-            <a:off x="2386436" y="1640719"/>
-            <a:ext cx="846667" cy="0"/>
-          </a:xfrm>
-          <a:prstGeom prst="straightConnector1">
-            <a:avLst/>
-          </a:prstGeom>
-          <a:ln w="19050">
-            <a:tailEnd type="triangle"/>
-          </a:ln>
-        </p:spPr>
-        <p:style>
-          <a:lnRef idx="1">
-            <a:schemeClr val="dk1"/>
-          </a:lnRef>
-          <a:fillRef idx="0">
-            <a:schemeClr val="dk1"/>
-          </a:fillRef>
-          <a:effectRef idx="0">
-            <a:schemeClr val="dk1"/>
-          </a:effectRef>
-          <a:fontRef idx="minor">
-            <a:schemeClr val="tx1"/>
-          </a:fontRef>
-        </p:style>
-      </p:cxnSp>
-    </p:spTree>
-    <p:extLst>
-      <p:ext uri="{BB962C8B-B14F-4D97-AF65-F5344CB8AC3E}">
-        <p14:creationId xmlns:p14="http://schemas.microsoft.com/office/powerpoint/2010/main" val="3206631681"/>
       </p:ext>
     </p:extLst>
   </p:cSld>

--- a/files/communication_diagram.pptx
+++ b/files/communication_diagram.pptx
@@ -201,7 +201,7 @@
           <a:p>
             <a:fld id="{1DA394A1-87FE-BC40-B428-C4F79D5812EE}" type="datetimeFigureOut">
               <a:rPr lang="en-US" smtClean="0"/>
-              <a:t>7/18/23</a:t>
+              <a:t>7/27/23</a:t>
             </a:fld>
             <a:endParaRPr lang="en-US"/>
           </a:p>
@@ -786,7 +786,7 @@
           <a:p>
             <a:fld id="{5BD1349E-D158-4E40-990A-05F7F3787A3C}" type="datetimeFigureOut">
               <a:rPr lang="en-US" smtClean="0"/>
-              <a:t>7/18/23</a:t>
+              <a:t>7/27/23</a:t>
             </a:fld>
             <a:endParaRPr lang="en-US"/>
           </a:p>
@@ -986,7 +986,7 @@
           <a:p>
             <a:fld id="{5BD1349E-D158-4E40-990A-05F7F3787A3C}" type="datetimeFigureOut">
               <a:rPr lang="en-US" smtClean="0"/>
-              <a:t>7/18/23</a:t>
+              <a:t>7/27/23</a:t>
             </a:fld>
             <a:endParaRPr lang="en-US"/>
           </a:p>
@@ -1196,7 +1196,7 @@
           <a:p>
             <a:fld id="{5BD1349E-D158-4E40-990A-05F7F3787A3C}" type="datetimeFigureOut">
               <a:rPr lang="en-US" smtClean="0"/>
-              <a:t>7/18/23</a:t>
+              <a:t>7/27/23</a:t>
             </a:fld>
             <a:endParaRPr lang="en-US"/>
           </a:p>
@@ -1396,7 +1396,7 @@
           <a:p>
             <a:fld id="{5BD1349E-D158-4E40-990A-05F7F3787A3C}" type="datetimeFigureOut">
               <a:rPr lang="en-US" smtClean="0"/>
-              <a:t>7/18/23</a:t>
+              <a:t>7/27/23</a:t>
             </a:fld>
             <a:endParaRPr lang="en-US"/>
           </a:p>
@@ -1672,7 +1672,7 @@
           <a:p>
             <a:fld id="{5BD1349E-D158-4E40-990A-05F7F3787A3C}" type="datetimeFigureOut">
               <a:rPr lang="en-US" smtClean="0"/>
-              <a:t>7/18/23</a:t>
+              <a:t>7/27/23</a:t>
             </a:fld>
             <a:endParaRPr lang="en-US"/>
           </a:p>
@@ -1940,7 +1940,7 @@
           <a:p>
             <a:fld id="{5BD1349E-D158-4E40-990A-05F7F3787A3C}" type="datetimeFigureOut">
               <a:rPr lang="en-US" smtClean="0"/>
-              <a:t>7/18/23</a:t>
+              <a:t>7/27/23</a:t>
             </a:fld>
             <a:endParaRPr lang="en-US"/>
           </a:p>
@@ -2355,7 +2355,7 @@
           <a:p>
             <a:fld id="{5BD1349E-D158-4E40-990A-05F7F3787A3C}" type="datetimeFigureOut">
               <a:rPr lang="en-US" smtClean="0"/>
-              <a:t>7/18/23</a:t>
+              <a:t>7/27/23</a:t>
             </a:fld>
             <a:endParaRPr lang="en-US"/>
           </a:p>
@@ -2497,7 +2497,7 @@
           <a:p>
             <a:fld id="{5BD1349E-D158-4E40-990A-05F7F3787A3C}" type="datetimeFigureOut">
               <a:rPr lang="en-US" smtClean="0"/>
-              <a:t>7/18/23</a:t>
+              <a:t>7/27/23</a:t>
             </a:fld>
             <a:endParaRPr lang="en-US"/>
           </a:p>
@@ -2610,7 +2610,7 @@
           <a:p>
             <a:fld id="{5BD1349E-D158-4E40-990A-05F7F3787A3C}" type="datetimeFigureOut">
               <a:rPr lang="en-US" smtClean="0"/>
-              <a:t>7/18/23</a:t>
+              <a:t>7/27/23</a:t>
             </a:fld>
             <a:endParaRPr lang="en-US"/>
           </a:p>
@@ -2923,7 +2923,7 @@
           <a:p>
             <a:fld id="{5BD1349E-D158-4E40-990A-05F7F3787A3C}" type="datetimeFigureOut">
               <a:rPr lang="en-US" smtClean="0"/>
-              <a:t>7/18/23</a:t>
+              <a:t>7/27/23</a:t>
             </a:fld>
             <a:endParaRPr lang="en-US"/>
           </a:p>
@@ -3212,7 +3212,7 @@
           <a:p>
             <a:fld id="{5BD1349E-D158-4E40-990A-05F7F3787A3C}" type="datetimeFigureOut">
               <a:rPr lang="en-US" smtClean="0"/>
-              <a:t>7/18/23</a:t>
+              <a:t>7/27/23</a:t>
             </a:fld>
             <a:endParaRPr lang="en-US"/>
           </a:p>
@@ -3455,7 +3455,7 @@
           <a:p>
             <a:fld id="{5BD1349E-D158-4E40-990A-05F7F3787A3C}" type="datetimeFigureOut">
               <a:rPr lang="en-US" smtClean="0"/>
-              <a:t>7/18/23</a:t>
+              <a:t>7/27/23</a:t>
             </a:fld>
             <a:endParaRPr lang="en-US"/>
           </a:p>
@@ -23478,8 +23478,8 @@
         </p:nvSpPr>
         <p:spPr>
           <a:xfrm>
-            <a:off x="2246302" y="685242"/>
-            <a:ext cx="281734" cy="1206394"/>
+            <a:off x="1620163" y="373706"/>
+            <a:ext cx="118267" cy="148230"/>
           </a:xfrm>
           <a:prstGeom prst="rect">
             <a:avLst/>
@@ -23527,8 +23527,8 @@
         </p:nvSpPr>
         <p:spPr>
           <a:xfrm>
-            <a:off x="3373239" y="685242"/>
-            <a:ext cx="281734" cy="1206394"/>
+            <a:off x="1972748" y="419495"/>
+            <a:ext cx="118267" cy="148230"/>
           </a:xfrm>
           <a:prstGeom prst="rect">
             <a:avLst/>
@@ -23573,8 +23573,8 @@
         </p:nvSpPr>
         <p:spPr>
           <a:xfrm>
-            <a:off x="2528036" y="685242"/>
-            <a:ext cx="281734" cy="1206394"/>
+            <a:off x="1741719" y="373706"/>
+            <a:ext cx="118267" cy="148230"/>
           </a:xfrm>
           <a:prstGeom prst="rect">
             <a:avLst/>
@@ -23624,8 +23624,8 @@
         </p:nvSpPr>
         <p:spPr>
           <a:xfrm>
-            <a:off x="1964568" y="685242"/>
-            <a:ext cx="281734" cy="1206394"/>
+            <a:off x="1498606" y="373706"/>
+            <a:ext cx="118267" cy="148230"/>
           </a:xfrm>
           <a:prstGeom prst="rect">
             <a:avLst/>
@@ -23673,8 +23673,8 @@
         </p:nvSpPr>
         <p:spPr>
           <a:xfrm>
-            <a:off x="1682834" y="685242"/>
-            <a:ext cx="281734" cy="1206394"/>
+            <a:off x="1377050" y="373706"/>
+            <a:ext cx="118267" cy="148230"/>
           </a:xfrm>
           <a:prstGeom prst="rect">
             <a:avLst/>
@@ -23722,8 +23722,8 @@
         </p:nvSpPr>
         <p:spPr>
           <a:xfrm>
-            <a:off x="1408102" y="685242"/>
-            <a:ext cx="281734" cy="1206394"/>
+            <a:off x="1258515" y="373706"/>
+            <a:ext cx="118267" cy="148230"/>
           </a:xfrm>
           <a:prstGeom prst="rect">
             <a:avLst/>
@@ -23771,8 +23771,8 @@
         </p:nvSpPr>
         <p:spPr>
           <a:xfrm>
-            <a:off x="1147374" y="685242"/>
-            <a:ext cx="281734" cy="1206394"/>
+            <a:off x="1146022" y="373706"/>
+            <a:ext cx="118267" cy="148230"/>
           </a:xfrm>
           <a:prstGeom prst="rect">
             <a:avLst/>
@@ -23820,8 +23820,8 @@
         </p:nvSpPr>
         <p:spPr>
           <a:xfrm>
-            <a:off x="3091504" y="685242"/>
-            <a:ext cx="281734" cy="1206394"/>
+            <a:off x="1984832" y="373706"/>
+            <a:ext cx="118267" cy="148230"/>
           </a:xfrm>
           <a:prstGeom prst="rect">
             <a:avLst/>
@@ -23871,8 +23871,8 @@
         </p:nvSpPr>
         <p:spPr>
           <a:xfrm>
-            <a:off x="3654973" y="685242"/>
-            <a:ext cx="281734" cy="1206394"/>
+            <a:off x="2227945" y="373706"/>
+            <a:ext cx="118267" cy="148230"/>
           </a:xfrm>
           <a:prstGeom prst="rect">
             <a:avLst/>
@@ -23917,8 +23917,8 @@
         </p:nvSpPr>
         <p:spPr>
           <a:xfrm>
-            <a:off x="3936707" y="685242"/>
-            <a:ext cx="281734" cy="1206394"/>
+            <a:off x="2349502" y="373706"/>
+            <a:ext cx="118267" cy="148230"/>
           </a:xfrm>
           <a:prstGeom prst="rect">
             <a:avLst/>
@@ -23963,8 +23963,8 @@
         </p:nvSpPr>
         <p:spPr>
           <a:xfrm>
-            <a:off x="4218441" y="685242"/>
-            <a:ext cx="281734" cy="1206394"/>
+            <a:off x="2471058" y="373706"/>
+            <a:ext cx="118267" cy="148230"/>
           </a:xfrm>
           <a:prstGeom prst="rect">
             <a:avLst/>
@@ -24009,8 +24009,8 @@
         </p:nvSpPr>
         <p:spPr>
           <a:xfrm>
-            <a:off x="4500175" y="685242"/>
-            <a:ext cx="281734" cy="1206394"/>
+            <a:off x="2592615" y="373706"/>
+            <a:ext cx="118267" cy="148230"/>
           </a:xfrm>
           <a:prstGeom prst="rect">
             <a:avLst/>
@@ -24055,8 +24055,8 @@
         </p:nvSpPr>
         <p:spPr>
           <a:xfrm>
-            <a:off x="1147374" y="315017"/>
-            <a:ext cx="1669398" cy="369332"/>
+            <a:off x="1139980" y="123352"/>
+            <a:ext cx="720275" cy="246221"/>
           </a:xfrm>
           <a:prstGeom prst="rect">
             <a:avLst/>
@@ -24071,44 +24071,8 @@
           <a:p>
             <a:pPr algn="ctr"/>
             <a:r>
-              <a:rPr lang="en-US" dirty="0"/>
+              <a:rPr lang="en-US" sz="1000" dirty="0"/>
               <a:t>Rank 0</a:t>
-            </a:r>
-          </a:p>
-        </p:txBody>
-      </p:sp>
-      <p:sp>
-        <p:nvSpPr>
-          <p:cNvPr id="63" name="TextBox 62">
-            <a:extLst>
-              <a:ext uri="{FF2B5EF4-FFF2-40B4-BE49-F238E27FC236}">
-                <a16:creationId xmlns:a16="http://schemas.microsoft.com/office/drawing/2014/main" id="{181B330C-0981-C08C-D865-C705F7F31B61}"/>
-              </a:ext>
-            </a:extLst>
-          </p:cNvPr>
-          <p:cNvSpPr txBox="1"/>
-          <p:nvPr/>
-        </p:nvSpPr>
-        <p:spPr>
-          <a:xfrm>
-            <a:off x="3091503" y="315017"/>
-            <a:ext cx="1683403" cy="369332"/>
-          </a:xfrm>
-          <a:prstGeom prst="rect">
-            <a:avLst/>
-          </a:prstGeom>
-          <a:noFill/>
-        </p:spPr>
-        <p:txBody>
-          <a:bodyPr wrap="square" rtlCol="0">
-            <a:spAutoFit/>
-          </a:bodyPr>
-          <a:lstStyle/>
-          <a:p>
-            <a:pPr algn="ctr"/>
-            <a:r>
-              <a:rPr lang="en-US" dirty="0"/>
-              <a:t>Rank 1</a:t>
             </a:r>
           </a:p>
         </p:txBody>
@@ -24122,18 +24086,20 @@
               </a:ext>
             </a:extLst>
           </p:cNvPr>
-          <p:cNvCxnSpPr/>
+          <p:cNvCxnSpPr>
+            <a:cxnSpLocks/>
+          </p:cNvCxnSpPr>
           <p:nvPr/>
         </p:nvCxnSpPr>
         <p:spPr>
           <a:xfrm flipH="1">
-            <a:off x="2648857" y="904119"/>
-            <a:ext cx="846667" cy="0"/>
+            <a:off x="2167100" y="488373"/>
+            <a:ext cx="11527" cy="0"/>
           </a:xfrm>
           <a:prstGeom prst="straightConnector1">
             <a:avLst/>
           </a:prstGeom>
-          <a:ln w="19050">
+          <a:ln w="15875">
             <a:tailEnd type="triangle"/>
           </a:ln>
         </p:spPr>
@@ -24168,8 +24134,8 @@
         </p:nvCxnSpPr>
         <p:spPr>
           <a:xfrm>
-            <a:off x="2386436" y="1640719"/>
-            <a:ext cx="846667" cy="0"/>
+            <a:off x="1691469" y="413346"/>
+            <a:ext cx="393540" cy="2306"/>
           </a:xfrm>
           <a:prstGeom prst="straightConnector1">
             <a:avLst/>
@@ -24187,6 +24153,8976 @@
           </a:fillRef>
           <a:effectRef idx="0">
             <a:schemeClr val="dk1"/>
+          </a:effectRef>
+          <a:fontRef idx="minor">
+            <a:schemeClr val="tx1"/>
+          </a:fontRef>
+        </p:style>
+      </p:cxnSp>
+      <p:sp>
+        <p:nvSpPr>
+          <p:cNvPr id="73" name="TextBox 72">
+            <a:extLst>
+              <a:ext uri="{FF2B5EF4-FFF2-40B4-BE49-F238E27FC236}">
+                <a16:creationId xmlns:a16="http://schemas.microsoft.com/office/drawing/2014/main" id="{CB5A9EF2-4AED-48C4-1729-69A969ED6B48}"/>
+              </a:ext>
+            </a:extLst>
+          </p:cNvPr>
+          <p:cNvSpPr txBox="1"/>
+          <p:nvPr/>
+        </p:nvSpPr>
+        <p:spPr>
+          <a:xfrm>
+            <a:off x="1978789" y="127485"/>
+            <a:ext cx="741424" cy="246221"/>
+          </a:xfrm>
+          <a:prstGeom prst="rect">
+            <a:avLst/>
+          </a:prstGeom>
+          <a:noFill/>
+        </p:spPr>
+        <p:txBody>
+          <a:bodyPr wrap="square" rtlCol="0">
+            <a:spAutoFit/>
+          </a:bodyPr>
+          <a:lstStyle/>
+          <a:p>
+            <a:pPr algn="ctr"/>
+            <a:r>
+              <a:rPr lang="en-US" sz="1000" dirty="0"/>
+              <a:t>Rank 1</a:t>
+            </a:r>
+          </a:p>
+        </p:txBody>
+      </p:sp>
+      <p:sp>
+        <p:nvSpPr>
+          <p:cNvPr id="81" name="Rectangle 80">
+            <a:extLst>
+              <a:ext uri="{FF2B5EF4-FFF2-40B4-BE49-F238E27FC236}">
+                <a16:creationId xmlns:a16="http://schemas.microsoft.com/office/drawing/2014/main" id="{F1212B5C-E909-D38A-6C29-CB7A596D7EF0}"/>
+              </a:ext>
+            </a:extLst>
+          </p:cNvPr>
+          <p:cNvSpPr/>
+          <p:nvPr/>
+        </p:nvSpPr>
+        <p:spPr>
+          <a:xfrm>
+            <a:off x="1744684" y="1829711"/>
+            <a:ext cx="121556" cy="343572"/>
+          </a:xfrm>
+          <a:prstGeom prst="rect">
+            <a:avLst/>
+          </a:prstGeom>
+          <a:solidFill>
+            <a:srgbClr val="15AD2E"/>
+          </a:solidFill>
+        </p:spPr>
+        <p:style>
+          <a:lnRef idx="2">
+            <a:schemeClr val="accent1">
+              <a:shade val="15000"/>
+            </a:schemeClr>
+          </a:lnRef>
+          <a:fillRef idx="1">
+            <a:schemeClr val="accent1"/>
+          </a:fillRef>
+          <a:effectRef idx="0">
+            <a:schemeClr val="accent1"/>
+          </a:effectRef>
+          <a:fontRef idx="minor">
+            <a:schemeClr val="lt1"/>
+          </a:fontRef>
+        </p:style>
+        <p:txBody>
+          <a:bodyPr rtlCol="0" anchor="ctr"/>
+          <a:lstStyle/>
+          <a:p>
+            <a:pPr algn="ctr"/>
+            <a:endParaRPr lang="en-US" dirty="0"/>
+          </a:p>
+        </p:txBody>
+      </p:sp>
+      <p:sp>
+        <p:nvSpPr>
+          <p:cNvPr id="82" name="Rectangle 81">
+            <a:extLst>
+              <a:ext uri="{FF2B5EF4-FFF2-40B4-BE49-F238E27FC236}">
+                <a16:creationId xmlns:a16="http://schemas.microsoft.com/office/drawing/2014/main" id="{491C3584-3C5F-5A83-A87C-3D239EBE210F}"/>
+              </a:ext>
+            </a:extLst>
+          </p:cNvPr>
+          <p:cNvSpPr/>
+          <p:nvPr/>
+        </p:nvSpPr>
+        <p:spPr>
+          <a:xfrm>
+            <a:off x="2107049" y="1829711"/>
+            <a:ext cx="121556" cy="343572"/>
+          </a:xfrm>
+          <a:prstGeom prst="rect">
+            <a:avLst/>
+          </a:prstGeom>
+        </p:spPr>
+        <p:style>
+          <a:lnRef idx="2">
+            <a:schemeClr val="accent1">
+              <a:shade val="15000"/>
+            </a:schemeClr>
+          </a:lnRef>
+          <a:fillRef idx="1">
+            <a:schemeClr val="accent1"/>
+          </a:fillRef>
+          <a:effectRef idx="0">
+            <a:schemeClr val="accent1"/>
+          </a:effectRef>
+          <a:fontRef idx="minor">
+            <a:schemeClr val="lt1"/>
+          </a:fontRef>
+        </p:style>
+        <p:txBody>
+          <a:bodyPr rtlCol="0" anchor="ctr"/>
+          <a:lstStyle/>
+          <a:p>
+            <a:pPr algn="ctr"/>
+            <a:endParaRPr lang="en-US" dirty="0"/>
+          </a:p>
+        </p:txBody>
+      </p:sp>
+      <p:sp>
+        <p:nvSpPr>
+          <p:cNvPr id="84" name="Rectangle 83">
+            <a:extLst>
+              <a:ext uri="{FF2B5EF4-FFF2-40B4-BE49-F238E27FC236}">
+                <a16:creationId xmlns:a16="http://schemas.microsoft.com/office/drawing/2014/main" id="{D9AF6833-7CB3-FCA6-8C5E-1B92F1BEE1C3}"/>
+              </a:ext>
+            </a:extLst>
+          </p:cNvPr>
+          <p:cNvSpPr/>
+          <p:nvPr/>
+        </p:nvSpPr>
+        <p:spPr>
+          <a:xfrm>
+            <a:off x="1623127" y="1829711"/>
+            <a:ext cx="121556" cy="343572"/>
+          </a:xfrm>
+          <a:prstGeom prst="rect">
+            <a:avLst/>
+          </a:prstGeom>
+          <a:solidFill>
+            <a:srgbClr val="15AD2E"/>
+          </a:solidFill>
+        </p:spPr>
+        <p:style>
+          <a:lnRef idx="2">
+            <a:schemeClr val="accent1">
+              <a:shade val="15000"/>
+            </a:schemeClr>
+          </a:lnRef>
+          <a:fillRef idx="1">
+            <a:schemeClr val="accent1"/>
+          </a:fillRef>
+          <a:effectRef idx="0">
+            <a:schemeClr val="accent1"/>
+          </a:effectRef>
+          <a:fontRef idx="minor">
+            <a:schemeClr val="lt1"/>
+          </a:fontRef>
+        </p:style>
+        <p:txBody>
+          <a:bodyPr rtlCol="0" anchor="ctr"/>
+          <a:lstStyle/>
+          <a:p>
+            <a:pPr algn="ctr"/>
+            <a:endParaRPr lang="en-US" dirty="0"/>
+          </a:p>
+        </p:txBody>
+      </p:sp>
+      <p:sp>
+        <p:nvSpPr>
+          <p:cNvPr id="85" name="Rectangle 84">
+            <a:extLst>
+              <a:ext uri="{FF2B5EF4-FFF2-40B4-BE49-F238E27FC236}">
+                <a16:creationId xmlns:a16="http://schemas.microsoft.com/office/drawing/2014/main" id="{320C0E47-6410-1509-11DA-4EA388EC641E}"/>
+              </a:ext>
+            </a:extLst>
+          </p:cNvPr>
+          <p:cNvSpPr/>
+          <p:nvPr/>
+        </p:nvSpPr>
+        <p:spPr>
+          <a:xfrm>
+            <a:off x="1501571" y="1829711"/>
+            <a:ext cx="121556" cy="343572"/>
+          </a:xfrm>
+          <a:prstGeom prst="rect">
+            <a:avLst/>
+          </a:prstGeom>
+          <a:solidFill>
+            <a:srgbClr val="15AD2E"/>
+          </a:solidFill>
+        </p:spPr>
+        <p:style>
+          <a:lnRef idx="2">
+            <a:schemeClr val="accent1">
+              <a:shade val="15000"/>
+            </a:schemeClr>
+          </a:lnRef>
+          <a:fillRef idx="1">
+            <a:schemeClr val="accent1"/>
+          </a:fillRef>
+          <a:effectRef idx="0">
+            <a:schemeClr val="accent1"/>
+          </a:effectRef>
+          <a:fontRef idx="minor">
+            <a:schemeClr val="lt1"/>
+          </a:fontRef>
+        </p:style>
+        <p:txBody>
+          <a:bodyPr rtlCol="0" anchor="ctr"/>
+          <a:lstStyle/>
+          <a:p>
+            <a:pPr algn="ctr"/>
+            <a:endParaRPr lang="en-US" dirty="0"/>
+          </a:p>
+        </p:txBody>
+      </p:sp>
+      <p:sp>
+        <p:nvSpPr>
+          <p:cNvPr id="86" name="Rectangle 85">
+            <a:extLst>
+              <a:ext uri="{FF2B5EF4-FFF2-40B4-BE49-F238E27FC236}">
+                <a16:creationId xmlns:a16="http://schemas.microsoft.com/office/drawing/2014/main" id="{19DBA65D-91FB-D8B8-3737-DA0A41FACA4D}"/>
+              </a:ext>
+            </a:extLst>
+          </p:cNvPr>
+          <p:cNvSpPr/>
+          <p:nvPr/>
+        </p:nvSpPr>
+        <p:spPr>
+          <a:xfrm>
+            <a:off x="1383036" y="1829711"/>
+            <a:ext cx="121556" cy="343572"/>
+          </a:xfrm>
+          <a:prstGeom prst="rect">
+            <a:avLst/>
+          </a:prstGeom>
+          <a:solidFill>
+            <a:srgbClr val="15AD2E"/>
+          </a:solidFill>
+        </p:spPr>
+        <p:style>
+          <a:lnRef idx="2">
+            <a:schemeClr val="accent1">
+              <a:shade val="15000"/>
+            </a:schemeClr>
+          </a:lnRef>
+          <a:fillRef idx="1">
+            <a:schemeClr val="accent1"/>
+          </a:fillRef>
+          <a:effectRef idx="0">
+            <a:schemeClr val="accent1"/>
+          </a:effectRef>
+          <a:fontRef idx="minor">
+            <a:schemeClr val="lt1"/>
+          </a:fontRef>
+        </p:style>
+        <p:txBody>
+          <a:bodyPr rtlCol="0" anchor="ctr"/>
+          <a:lstStyle/>
+          <a:p>
+            <a:pPr algn="ctr"/>
+            <a:endParaRPr lang="en-US" dirty="0"/>
+          </a:p>
+        </p:txBody>
+      </p:sp>
+      <p:sp>
+        <p:nvSpPr>
+          <p:cNvPr id="87" name="Rectangle 86">
+            <a:extLst>
+              <a:ext uri="{FF2B5EF4-FFF2-40B4-BE49-F238E27FC236}">
+                <a16:creationId xmlns:a16="http://schemas.microsoft.com/office/drawing/2014/main" id="{4CAD0DDA-B389-683B-F4CF-644FF97BFA4A}"/>
+              </a:ext>
+            </a:extLst>
+          </p:cNvPr>
+          <p:cNvSpPr/>
+          <p:nvPr/>
+        </p:nvSpPr>
+        <p:spPr>
+          <a:xfrm>
+            <a:off x="1270543" y="1829711"/>
+            <a:ext cx="121556" cy="343572"/>
+          </a:xfrm>
+          <a:prstGeom prst="rect">
+            <a:avLst/>
+          </a:prstGeom>
+          <a:solidFill>
+            <a:srgbClr val="15AD2E"/>
+          </a:solidFill>
+        </p:spPr>
+        <p:style>
+          <a:lnRef idx="2">
+            <a:schemeClr val="accent1">
+              <a:shade val="15000"/>
+            </a:schemeClr>
+          </a:lnRef>
+          <a:fillRef idx="1">
+            <a:schemeClr val="accent1"/>
+          </a:fillRef>
+          <a:effectRef idx="0">
+            <a:schemeClr val="accent1"/>
+          </a:effectRef>
+          <a:fontRef idx="minor">
+            <a:schemeClr val="lt1"/>
+          </a:fontRef>
+        </p:style>
+        <p:txBody>
+          <a:bodyPr rtlCol="0" anchor="ctr"/>
+          <a:lstStyle/>
+          <a:p>
+            <a:pPr algn="ctr"/>
+            <a:endParaRPr lang="en-US" dirty="0"/>
+          </a:p>
+        </p:txBody>
+      </p:sp>
+      <p:sp>
+        <p:nvSpPr>
+          <p:cNvPr id="89" name="Rectangle 88">
+            <a:extLst>
+              <a:ext uri="{FF2B5EF4-FFF2-40B4-BE49-F238E27FC236}">
+                <a16:creationId xmlns:a16="http://schemas.microsoft.com/office/drawing/2014/main" id="{4161F346-F1F5-3C57-215B-BBB2A4165A0F}"/>
+              </a:ext>
+            </a:extLst>
+          </p:cNvPr>
+          <p:cNvSpPr/>
+          <p:nvPr/>
+        </p:nvSpPr>
+        <p:spPr>
+          <a:xfrm>
+            <a:off x="2228605" y="1829711"/>
+            <a:ext cx="121556" cy="343572"/>
+          </a:xfrm>
+          <a:prstGeom prst="rect">
+            <a:avLst/>
+          </a:prstGeom>
+        </p:spPr>
+        <p:style>
+          <a:lnRef idx="2">
+            <a:schemeClr val="accent1">
+              <a:shade val="15000"/>
+            </a:schemeClr>
+          </a:lnRef>
+          <a:fillRef idx="1">
+            <a:schemeClr val="accent1"/>
+          </a:fillRef>
+          <a:effectRef idx="0">
+            <a:schemeClr val="accent1"/>
+          </a:effectRef>
+          <a:fontRef idx="minor">
+            <a:schemeClr val="lt1"/>
+          </a:fontRef>
+        </p:style>
+        <p:txBody>
+          <a:bodyPr rtlCol="0" anchor="ctr"/>
+          <a:lstStyle/>
+          <a:p>
+            <a:pPr algn="ctr"/>
+            <a:endParaRPr lang="en-US" dirty="0"/>
+          </a:p>
+        </p:txBody>
+      </p:sp>
+      <p:sp>
+        <p:nvSpPr>
+          <p:cNvPr id="90" name="Rectangle 89">
+            <a:extLst>
+              <a:ext uri="{FF2B5EF4-FFF2-40B4-BE49-F238E27FC236}">
+                <a16:creationId xmlns:a16="http://schemas.microsoft.com/office/drawing/2014/main" id="{A39AB036-66A1-C095-BC66-F385E92F8F74}"/>
+              </a:ext>
+            </a:extLst>
+          </p:cNvPr>
+          <p:cNvSpPr/>
+          <p:nvPr/>
+        </p:nvSpPr>
+        <p:spPr>
+          <a:xfrm>
+            <a:off x="2350162" y="1829711"/>
+            <a:ext cx="121556" cy="343572"/>
+          </a:xfrm>
+          <a:prstGeom prst="rect">
+            <a:avLst/>
+          </a:prstGeom>
+        </p:spPr>
+        <p:style>
+          <a:lnRef idx="2">
+            <a:schemeClr val="accent1">
+              <a:shade val="15000"/>
+            </a:schemeClr>
+          </a:lnRef>
+          <a:fillRef idx="1">
+            <a:schemeClr val="accent1"/>
+          </a:fillRef>
+          <a:effectRef idx="0">
+            <a:schemeClr val="accent1"/>
+          </a:effectRef>
+          <a:fontRef idx="minor">
+            <a:schemeClr val="lt1"/>
+          </a:fontRef>
+        </p:style>
+        <p:txBody>
+          <a:bodyPr rtlCol="0" anchor="ctr"/>
+          <a:lstStyle/>
+          <a:p>
+            <a:pPr algn="ctr"/>
+            <a:endParaRPr lang="en-US" dirty="0"/>
+          </a:p>
+        </p:txBody>
+      </p:sp>
+      <p:sp>
+        <p:nvSpPr>
+          <p:cNvPr id="91" name="Rectangle 90">
+            <a:extLst>
+              <a:ext uri="{FF2B5EF4-FFF2-40B4-BE49-F238E27FC236}">
+                <a16:creationId xmlns:a16="http://schemas.microsoft.com/office/drawing/2014/main" id="{AF66C5FD-220F-0CE3-C5DA-9B1793A703B7}"/>
+              </a:ext>
+            </a:extLst>
+          </p:cNvPr>
+          <p:cNvSpPr/>
+          <p:nvPr/>
+        </p:nvSpPr>
+        <p:spPr>
+          <a:xfrm>
+            <a:off x="2471718" y="1829711"/>
+            <a:ext cx="121556" cy="343572"/>
+          </a:xfrm>
+          <a:prstGeom prst="rect">
+            <a:avLst/>
+          </a:prstGeom>
+        </p:spPr>
+        <p:style>
+          <a:lnRef idx="2">
+            <a:schemeClr val="accent1">
+              <a:shade val="15000"/>
+            </a:schemeClr>
+          </a:lnRef>
+          <a:fillRef idx="1">
+            <a:schemeClr val="accent1"/>
+          </a:fillRef>
+          <a:effectRef idx="0">
+            <a:schemeClr val="accent1"/>
+          </a:effectRef>
+          <a:fontRef idx="minor">
+            <a:schemeClr val="lt1"/>
+          </a:fontRef>
+        </p:style>
+        <p:txBody>
+          <a:bodyPr rtlCol="0" anchor="ctr"/>
+          <a:lstStyle/>
+          <a:p>
+            <a:pPr algn="ctr"/>
+            <a:endParaRPr lang="en-US" dirty="0"/>
+          </a:p>
+        </p:txBody>
+      </p:sp>
+      <p:sp>
+        <p:nvSpPr>
+          <p:cNvPr id="92" name="Rectangle 91">
+            <a:extLst>
+              <a:ext uri="{FF2B5EF4-FFF2-40B4-BE49-F238E27FC236}">
+                <a16:creationId xmlns:a16="http://schemas.microsoft.com/office/drawing/2014/main" id="{EA6876BC-ADDE-1C49-9CD4-1E3460666EB9}"/>
+              </a:ext>
+            </a:extLst>
+          </p:cNvPr>
+          <p:cNvSpPr/>
+          <p:nvPr/>
+        </p:nvSpPr>
+        <p:spPr>
+          <a:xfrm>
+            <a:off x="2593275" y="1829711"/>
+            <a:ext cx="121556" cy="343572"/>
+          </a:xfrm>
+          <a:prstGeom prst="rect">
+            <a:avLst/>
+          </a:prstGeom>
+        </p:spPr>
+        <p:style>
+          <a:lnRef idx="2">
+            <a:schemeClr val="accent1">
+              <a:shade val="15000"/>
+            </a:schemeClr>
+          </a:lnRef>
+          <a:fillRef idx="1">
+            <a:schemeClr val="accent1"/>
+          </a:fillRef>
+          <a:effectRef idx="0">
+            <a:schemeClr val="accent1"/>
+          </a:effectRef>
+          <a:fontRef idx="minor">
+            <a:schemeClr val="lt1"/>
+          </a:fontRef>
+        </p:style>
+        <p:txBody>
+          <a:bodyPr rtlCol="0" anchor="ctr"/>
+          <a:lstStyle/>
+          <a:p>
+            <a:pPr algn="ctr"/>
+            <a:endParaRPr lang="en-US" dirty="0"/>
+          </a:p>
+        </p:txBody>
+      </p:sp>
+      <p:sp>
+        <p:nvSpPr>
+          <p:cNvPr id="93" name="TextBox 92">
+            <a:extLst>
+              <a:ext uri="{FF2B5EF4-FFF2-40B4-BE49-F238E27FC236}">
+                <a16:creationId xmlns:a16="http://schemas.microsoft.com/office/drawing/2014/main" id="{71409B4B-D798-76B7-B46A-3EDB4F0E442A}"/>
+              </a:ext>
+            </a:extLst>
+          </p:cNvPr>
+          <p:cNvSpPr txBox="1"/>
+          <p:nvPr/>
+        </p:nvSpPr>
+        <p:spPr>
+          <a:xfrm>
+            <a:off x="1267578" y="2173283"/>
+            <a:ext cx="601739" cy="246221"/>
+          </a:xfrm>
+          <a:prstGeom prst="rect">
+            <a:avLst/>
+          </a:prstGeom>
+          <a:noFill/>
+        </p:spPr>
+        <p:txBody>
+          <a:bodyPr wrap="square" rtlCol="0">
+            <a:spAutoFit/>
+          </a:bodyPr>
+          <a:lstStyle/>
+          <a:p>
+            <a:pPr algn="ctr"/>
+            <a:r>
+              <a:rPr lang="en-US" sz="1000" dirty="0"/>
+              <a:t>Rank 0</a:t>
+            </a:r>
+          </a:p>
+        </p:txBody>
+      </p:sp>
+      <p:sp>
+        <p:nvSpPr>
+          <p:cNvPr id="96" name="TextBox 95">
+            <a:extLst>
+              <a:ext uri="{FF2B5EF4-FFF2-40B4-BE49-F238E27FC236}">
+                <a16:creationId xmlns:a16="http://schemas.microsoft.com/office/drawing/2014/main" id="{F2D4190C-3873-108E-44D6-C68556106E45}"/>
+              </a:ext>
+            </a:extLst>
+          </p:cNvPr>
+          <p:cNvSpPr txBox="1"/>
+          <p:nvPr/>
+        </p:nvSpPr>
+        <p:spPr>
+          <a:xfrm>
+            <a:off x="2095992" y="2170730"/>
+            <a:ext cx="619867" cy="246221"/>
+          </a:xfrm>
+          <a:prstGeom prst="rect">
+            <a:avLst/>
+          </a:prstGeom>
+          <a:noFill/>
+        </p:spPr>
+        <p:txBody>
+          <a:bodyPr wrap="square" rtlCol="0">
+            <a:spAutoFit/>
+          </a:bodyPr>
+          <a:lstStyle/>
+          <a:p>
+            <a:pPr algn="ctr"/>
+            <a:r>
+              <a:rPr lang="en-US" sz="1000" dirty="0"/>
+              <a:t>Rank 1</a:t>
+            </a:r>
+          </a:p>
+        </p:txBody>
+      </p:sp>
+      <p:sp>
+        <p:nvSpPr>
+          <p:cNvPr id="97" name="Rectangle 96">
+            <a:extLst>
+              <a:ext uri="{FF2B5EF4-FFF2-40B4-BE49-F238E27FC236}">
+                <a16:creationId xmlns:a16="http://schemas.microsoft.com/office/drawing/2014/main" id="{71A37FE9-AAE0-8021-0D5D-4A70299F25D2}"/>
+              </a:ext>
+            </a:extLst>
+          </p:cNvPr>
+          <p:cNvSpPr/>
+          <p:nvPr/>
+        </p:nvSpPr>
+        <p:spPr>
+          <a:xfrm>
+            <a:off x="1859986" y="1116807"/>
+            <a:ext cx="121556" cy="343572"/>
+          </a:xfrm>
+          <a:prstGeom prst="rect">
+            <a:avLst/>
+          </a:prstGeom>
+          <a:solidFill>
+            <a:srgbClr val="1ED1FD"/>
+          </a:solidFill>
+        </p:spPr>
+        <p:style>
+          <a:lnRef idx="2">
+            <a:schemeClr val="accent1">
+              <a:shade val="15000"/>
+            </a:schemeClr>
+          </a:lnRef>
+          <a:fillRef idx="1">
+            <a:schemeClr val="accent1"/>
+          </a:fillRef>
+          <a:effectRef idx="0">
+            <a:schemeClr val="accent1"/>
+          </a:effectRef>
+          <a:fontRef idx="minor">
+            <a:schemeClr val="lt1"/>
+          </a:fontRef>
+        </p:style>
+        <p:txBody>
+          <a:bodyPr rtlCol="0" anchor="ctr"/>
+          <a:lstStyle/>
+          <a:p>
+            <a:pPr algn="ctr"/>
+            <a:endParaRPr lang="en-US" dirty="0"/>
+          </a:p>
+        </p:txBody>
+      </p:sp>
+      <p:sp>
+        <p:nvSpPr>
+          <p:cNvPr id="98" name="Rectangle 97">
+            <a:extLst>
+              <a:ext uri="{FF2B5EF4-FFF2-40B4-BE49-F238E27FC236}">
+                <a16:creationId xmlns:a16="http://schemas.microsoft.com/office/drawing/2014/main" id="{7D600DD0-F903-6749-9480-AA6BC09A602C}"/>
+              </a:ext>
+            </a:extLst>
+          </p:cNvPr>
+          <p:cNvSpPr/>
+          <p:nvPr/>
+        </p:nvSpPr>
+        <p:spPr>
+          <a:xfrm>
+            <a:off x="1972748" y="1116807"/>
+            <a:ext cx="121556" cy="343572"/>
+          </a:xfrm>
+          <a:prstGeom prst="rect">
+            <a:avLst/>
+          </a:prstGeom>
+          <a:solidFill>
+            <a:srgbClr val="1ED1FD"/>
+          </a:solidFill>
+        </p:spPr>
+        <p:style>
+          <a:lnRef idx="2">
+            <a:schemeClr val="accent1">
+              <a:shade val="15000"/>
+            </a:schemeClr>
+          </a:lnRef>
+          <a:fillRef idx="1">
+            <a:schemeClr val="accent1"/>
+          </a:fillRef>
+          <a:effectRef idx="0">
+            <a:schemeClr val="accent1"/>
+          </a:effectRef>
+          <a:fontRef idx="minor">
+            <a:schemeClr val="lt1"/>
+          </a:fontRef>
+        </p:style>
+        <p:txBody>
+          <a:bodyPr rtlCol="0" anchor="ctr"/>
+          <a:lstStyle/>
+          <a:p>
+            <a:pPr algn="ctr"/>
+            <a:endParaRPr lang="en-US" dirty="0"/>
+          </a:p>
+        </p:txBody>
+      </p:sp>
+      <p:sp>
+        <p:nvSpPr>
+          <p:cNvPr id="99" name="Rectangle 98">
+            <a:extLst>
+              <a:ext uri="{FF2B5EF4-FFF2-40B4-BE49-F238E27FC236}">
+                <a16:creationId xmlns:a16="http://schemas.microsoft.com/office/drawing/2014/main" id="{688F987D-C00E-D5D9-08E6-4ECE4F852719}"/>
+              </a:ext>
+            </a:extLst>
+          </p:cNvPr>
+          <p:cNvSpPr/>
+          <p:nvPr/>
+        </p:nvSpPr>
+        <p:spPr>
+          <a:xfrm>
+            <a:off x="1738429" y="1116807"/>
+            <a:ext cx="121556" cy="343572"/>
+          </a:xfrm>
+          <a:prstGeom prst="rect">
+            <a:avLst/>
+          </a:prstGeom>
+          <a:solidFill>
+            <a:srgbClr val="1ED1FD"/>
+          </a:solidFill>
+        </p:spPr>
+        <p:style>
+          <a:lnRef idx="2">
+            <a:schemeClr val="accent1">
+              <a:shade val="15000"/>
+            </a:schemeClr>
+          </a:lnRef>
+          <a:fillRef idx="1">
+            <a:schemeClr val="accent1"/>
+          </a:fillRef>
+          <a:effectRef idx="0">
+            <a:schemeClr val="accent1"/>
+          </a:effectRef>
+          <a:fontRef idx="minor">
+            <a:schemeClr val="lt1"/>
+          </a:fontRef>
+        </p:style>
+        <p:txBody>
+          <a:bodyPr rtlCol="0" anchor="ctr"/>
+          <a:lstStyle/>
+          <a:p>
+            <a:pPr algn="ctr"/>
+            <a:endParaRPr lang="en-US" dirty="0"/>
+          </a:p>
+        </p:txBody>
+      </p:sp>
+      <p:sp>
+        <p:nvSpPr>
+          <p:cNvPr id="100" name="Rectangle 99">
+            <a:extLst>
+              <a:ext uri="{FF2B5EF4-FFF2-40B4-BE49-F238E27FC236}">
+                <a16:creationId xmlns:a16="http://schemas.microsoft.com/office/drawing/2014/main" id="{1650D040-B917-7801-2771-A8A37C57A311}"/>
+              </a:ext>
+            </a:extLst>
+          </p:cNvPr>
+          <p:cNvSpPr/>
+          <p:nvPr/>
+        </p:nvSpPr>
+        <p:spPr>
+          <a:xfrm>
+            <a:off x="1616873" y="1116807"/>
+            <a:ext cx="121556" cy="343572"/>
+          </a:xfrm>
+          <a:prstGeom prst="rect">
+            <a:avLst/>
+          </a:prstGeom>
+          <a:solidFill>
+            <a:srgbClr val="1ED1FD"/>
+          </a:solidFill>
+        </p:spPr>
+        <p:style>
+          <a:lnRef idx="2">
+            <a:schemeClr val="accent1">
+              <a:shade val="15000"/>
+            </a:schemeClr>
+          </a:lnRef>
+          <a:fillRef idx="1">
+            <a:schemeClr val="accent1"/>
+          </a:fillRef>
+          <a:effectRef idx="0">
+            <a:schemeClr val="accent1"/>
+          </a:effectRef>
+          <a:fontRef idx="minor">
+            <a:schemeClr val="lt1"/>
+          </a:fontRef>
+        </p:style>
+        <p:txBody>
+          <a:bodyPr rtlCol="0" anchor="ctr"/>
+          <a:lstStyle/>
+          <a:p>
+            <a:pPr algn="ctr"/>
+            <a:endParaRPr lang="en-US" dirty="0"/>
+          </a:p>
+        </p:txBody>
+      </p:sp>
+      <p:sp>
+        <p:nvSpPr>
+          <p:cNvPr id="101" name="Rectangle 100">
+            <a:extLst>
+              <a:ext uri="{FF2B5EF4-FFF2-40B4-BE49-F238E27FC236}">
+                <a16:creationId xmlns:a16="http://schemas.microsoft.com/office/drawing/2014/main" id="{FB9A9223-7048-5F4D-891E-D66BF46365AA}"/>
+              </a:ext>
+            </a:extLst>
+          </p:cNvPr>
+          <p:cNvSpPr/>
+          <p:nvPr/>
+        </p:nvSpPr>
+        <p:spPr>
+          <a:xfrm>
+            <a:off x="1498338" y="1116807"/>
+            <a:ext cx="121556" cy="343572"/>
+          </a:xfrm>
+          <a:prstGeom prst="rect">
+            <a:avLst/>
+          </a:prstGeom>
+          <a:solidFill>
+            <a:srgbClr val="1ED1FD"/>
+          </a:solidFill>
+        </p:spPr>
+        <p:style>
+          <a:lnRef idx="2">
+            <a:schemeClr val="accent1">
+              <a:shade val="15000"/>
+            </a:schemeClr>
+          </a:lnRef>
+          <a:fillRef idx="1">
+            <a:schemeClr val="accent1"/>
+          </a:fillRef>
+          <a:effectRef idx="0">
+            <a:schemeClr val="accent1"/>
+          </a:effectRef>
+          <a:fontRef idx="minor">
+            <a:schemeClr val="lt1"/>
+          </a:fontRef>
+        </p:style>
+        <p:txBody>
+          <a:bodyPr rtlCol="0" anchor="ctr"/>
+          <a:lstStyle/>
+          <a:p>
+            <a:pPr algn="ctr"/>
+            <a:endParaRPr lang="en-US" dirty="0"/>
+          </a:p>
+        </p:txBody>
+      </p:sp>
+      <p:sp>
+        <p:nvSpPr>
+          <p:cNvPr id="102" name="Rectangle 101">
+            <a:extLst>
+              <a:ext uri="{FF2B5EF4-FFF2-40B4-BE49-F238E27FC236}">
+                <a16:creationId xmlns:a16="http://schemas.microsoft.com/office/drawing/2014/main" id="{9DA95B4A-CC66-7A75-DF20-3407727E502F}"/>
+              </a:ext>
+            </a:extLst>
+          </p:cNvPr>
+          <p:cNvSpPr/>
+          <p:nvPr/>
+        </p:nvSpPr>
+        <p:spPr>
+          <a:xfrm>
+            <a:off x="1385845" y="1116807"/>
+            <a:ext cx="121556" cy="343572"/>
+          </a:xfrm>
+          <a:prstGeom prst="rect">
+            <a:avLst/>
+          </a:prstGeom>
+          <a:solidFill>
+            <a:srgbClr val="1ED1FD"/>
+          </a:solidFill>
+        </p:spPr>
+        <p:style>
+          <a:lnRef idx="2">
+            <a:schemeClr val="accent1">
+              <a:shade val="15000"/>
+            </a:schemeClr>
+          </a:lnRef>
+          <a:fillRef idx="1">
+            <a:schemeClr val="accent1"/>
+          </a:fillRef>
+          <a:effectRef idx="0">
+            <a:schemeClr val="accent1"/>
+          </a:effectRef>
+          <a:fontRef idx="minor">
+            <a:schemeClr val="lt1"/>
+          </a:fontRef>
+        </p:style>
+        <p:txBody>
+          <a:bodyPr rtlCol="0" anchor="ctr"/>
+          <a:lstStyle/>
+          <a:p>
+            <a:pPr algn="ctr"/>
+            <a:endParaRPr lang="en-US" dirty="0"/>
+          </a:p>
+        </p:txBody>
+      </p:sp>
+      <p:sp>
+        <p:nvSpPr>
+          <p:cNvPr id="103" name="Rectangle 102">
+            <a:extLst>
+              <a:ext uri="{FF2B5EF4-FFF2-40B4-BE49-F238E27FC236}">
+                <a16:creationId xmlns:a16="http://schemas.microsoft.com/office/drawing/2014/main" id="{97B4A801-2E59-C59D-A20D-505F0B0A3CB3}"/>
+              </a:ext>
+            </a:extLst>
+          </p:cNvPr>
+          <p:cNvSpPr/>
+          <p:nvPr/>
+        </p:nvSpPr>
+        <p:spPr>
+          <a:xfrm>
+            <a:off x="2094304" y="1116807"/>
+            <a:ext cx="121556" cy="343572"/>
+          </a:xfrm>
+          <a:prstGeom prst="rect">
+            <a:avLst/>
+          </a:prstGeom>
+          <a:solidFill>
+            <a:srgbClr val="1ED1FD"/>
+          </a:solidFill>
+        </p:spPr>
+        <p:style>
+          <a:lnRef idx="2">
+            <a:schemeClr val="accent1">
+              <a:shade val="15000"/>
+            </a:schemeClr>
+          </a:lnRef>
+          <a:fillRef idx="1">
+            <a:schemeClr val="accent1"/>
+          </a:fillRef>
+          <a:effectRef idx="0">
+            <a:schemeClr val="accent1"/>
+          </a:effectRef>
+          <a:fontRef idx="minor">
+            <a:schemeClr val="lt1"/>
+          </a:fontRef>
+        </p:style>
+        <p:txBody>
+          <a:bodyPr rtlCol="0" anchor="ctr"/>
+          <a:lstStyle/>
+          <a:p>
+            <a:pPr algn="ctr"/>
+            <a:endParaRPr lang="en-US" dirty="0"/>
+          </a:p>
+        </p:txBody>
+      </p:sp>
+      <p:sp>
+        <p:nvSpPr>
+          <p:cNvPr id="104" name="Rectangle 103">
+            <a:extLst>
+              <a:ext uri="{FF2B5EF4-FFF2-40B4-BE49-F238E27FC236}">
+                <a16:creationId xmlns:a16="http://schemas.microsoft.com/office/drawing/2014/main" id="{160C5260-4C5C-F32C-1657-B587F25C813C}"/>
+              </a:ext>
+            </a:extLst>
+          </p:cNvPr>
+          <p:cNvSpPr/>
+          <p:nvPr/>
+        </p:nvSpPr>
+        <p:spPr>
+          <a:xfrm>
+            <a:off x="2215861" y="1116807"/>
+            <a:ext cx="121556" cy="343572"/>
+          </a:xfrm>
+          <a:prstGeom prst="rect">
+            <a:avLst/>
+          </a:prstGeom>
+          <a:solidFill>
+            <a:srgbClr val="1ED1FD"/>
+          </a:solidFill>
+        </p:spPr>
+        <p:style>
+          <a:lnRef idx="2">
+            <a:schemeClr val="accent1">
+              <a:shade val="15000"/>
+            </a:schemeClr>
+          </a:lnRef>
+          <a:fillRef idx="1">
+            <a:schemeClr val="accent1"/>
+          </a:fillRef>
+          <a:effectRef idx="0">
+            <a:schemeClr val="accent1"/>
+          </a:effectRef>
+          <a:fontRef idx="minor">
+            <a:schemeClr val="lt1"/>
+          </a:fontRef>
+        </p:style>
+        <p:txBody>
+          <a:bodyPr rtlCol="0" anchor="ctr"/>
+          <a:lstStyle/>
+          <a:p>
+            <a:pPr algn="ctr"/>
+            <a:endParaRPr lang="en-US" dirty="0"/>
+          </a:p>
+        </p:txBody>
+      </p:sp>
+      <p:sp>
+        <p:nvSpPr>
+          <p:cNvPr id="105" name="Rectangle 104">
+            <a:extLst>
+              <a:ext uri="{FF2B5EF4-FFF2-40B4-BE49-F238E27FC236}">
+                <a16:creationId xmlns:a16="http://schemas.microsoft.com/office/drawing/2014/main" id="{C15585AD-C070-9331-F479-DCA5D825B8DE}"/>
+              </a:ext>
+            </a:extLst>
+          </p:cNvPr>
+          <p:cNvSpPr/>
+          <p:nvPr/>
+        </p:nvSpPr>
+        <p:spPr>
+          <a:xfrm>
+            <a:off x="2337417" y="1116807"/>
+            <a:ext cx="121556" cy="343572"/>
+          </a:xfrm>
+          <a:prstGeom prst="rect">
+            <a:avLst/>
+          </a:prstGeom>
+          <a:solidFill>
+            <a:srgbClr val="1ED1FD"/>
+          </a:solidFill>
+        </p:spPr>
+        <p:style>
+          <a:lnRef idx="2">
+            <a:schemeClr val="accent1">
+              <a:shade val="15000"/>
+            </a:schemeClr>
+          </a:lnRef>
+          <a:fillRef idx="1">
+            <a:schemeClr val="accent1"/>
+          </a:fillRef>
+          <a:effectRef idx="0">
+            <a:schemeClr val="accent1"/>
+          </a:effectRef>
+          <a:fontRef idx="minor">
+            <a:schemeClr val="lt1"/>
+          </a:fontRef>
+        </p:style>
+        <p:txBody>
+          <a:bodyPr rtlCol="0" anchor="ctr"/>
+          <a:lstStyle/>
+          <a:p>
+            <a:pPr algn="ctr"/>
+            <a:endParaRPr lang="en-US" dirty="0"/>
+          </a:p>
+        </p:txBody>
+      </p:sp>
+      <p:sp>
+        <p:nvSpPr>
+          <p:cNvPr id="106" name="Rectangle 105">
+            <a:extLst>
+              <a:ext uri="{FF2B5EF4-FFF2-40B4-BE49-F238E27FC236}">
+                <a16:creationId xmlns:a16="http://schemas.microsoft.com/office/drawing/2014/main" id="{AF439BAF-2491-B0B2-B127-5FE08BCBCC16}"/>
+              </a:ext>
+            </a:extLst>
+          </p:cNvPr>
+          <p:cNvSpPr/>
+          <p:nvPr/>
+        </p:nvSpPr>
+        <p:spPr>
+          <a:xfrm>
+            <a:off x="2458974" y="1116807"/>
+            <a:ext cx="121556" cy="343572"/>
+          </a:xfrm>
+          <a:prstGeom prst="rect">
+            <a:avLst/>
+          </a:prstGeom>
+          <a:solidFill>
+            <a:srgbClr val="1ED1FD"/>
+          </a:solidFill>
+        </p:spPr>
+        <p:style>
+          <a:lnRef idx="2">
+            <a:schemeClr val="accent1">
+              <a:shade val="15000"/>
+            </a:schemeClr>
+          </a:lnRef>
+          <a:fillRef idx="1">
+            <a:schemeClr val="accent1"/>
+          </a:fillRef>
+          <a:effectRef idx="0">
+            <a:schemeClr val="accent1"/>
+          </a:effectRef>
+          <a:fontRef idx="minor">
+            <a:schemeClr val="lt1"/>
+          </a:fontRef>
+        </p:style>
+        <p:txBody>
+          <a:bodyPr rtlCol="0" anchor="ctr"/>
+          <a:lstStyle/>
+          <a:p>
+            <a:pPr algn="ctr"/>
+            <a:endParaRPr lang="en-US" dirty="0"/>
+          </a:p>
+        </p:txBody>
+      </p:sp>
+      <p:cxnSp>
+        <p:nvCxnSpPr>
+          <p:cNvPr id="107" name="Straight Arrow Connector 106">
+            <a:extLst>
+              <a:ext uri="{FF2B5EF4-FFF2-40B4-BE49-F238E27FC236}">
+                <a16:creationId xmlns:a16="http://schemas.microsoft.com/office/drawing/2014/main" id="{9B2E9D75-9331-61B5-6A90-84CE25D6B8BF}"/>
+              </a:ext>
+            </a:extLst>
+          </p:cNvPr>
+          <p:cNvCxnSpPr>
+            <a:cxnSpLocks/>
+            <a:endCxn id="85" idx="0"/>
+          </p:cNvCxnSpPr>
+          <p:nvPr/>
+        </p:nvCxnSpPr>
+        <p:spPr>
+          <a:xfrm flipH="1">
+            <a:off x="1562349" y="1461655"/>
+            <a:ext cx="411924" cy="368056"/>
+          </a:xfrm>
+          <a:prstGeom prst="straightConnector1">
+            <a:avLst/>
+          </a:prstGeom>
+          <a:ln w="15875">
+            <a:tailEnd type="triangle"/>
+          </a:ln>
+        </p:spPr>
+        <p:style>
+          <a:lnRef idx="1">
+            <a:schemeClr val="dk1"/>
+          </a:lnRef>
+          <a:fillRef idx="0">
+            <a:schemeClr val="dk1"/>
+          </a:fillRef>
+          <a:effectRef idx="0">
+            <a:schemeClr val="dk1"/>
+          </a:effectRef>
+          <a:fontRef idx="minor">
+            <a:schemeClr val="tx1"/>
+          </a:fontRef>
+        </p:style>
+      </p:cxnSp>
+      <p:cxnSp>
+        <p:nvCxnSpPr>
+          <p:cNvPr id="110" name="Straight Arrow Connector 109">
+            <a:extLst>
+              <a:ext uri="{FF2B5EF4-FFF2-40B4-BE49-F238E27FC236}">
+                <a16:creationId xmlns:a16="http://schemas.microsoft.com/office/drawing/2014/main" id="{EA2FB9EE-33E0-A725-E17E-EA9FBC161B9C}"/>
+              </a:ext>
+            </a:extLst>
+          </p:cNvPr>
+          <p:cNvCxnSpPr>
+            <a:cxnSpLocks/>
+            <a:endCxn id="90" idx="0"/>
+          </p:cNvCxnSpPr>
+          <p:nvPr/>
+        </p:nvCxnSpPr>
+        <p:spPr>
+          <a:xfrm>
+            <a:off x="1974273" y="1458191"/>
+            <a:ext cx="436667" cy="371520"/>
+          </a:xfrm>
+          <a:prstGeom prst="straightConnector1">
+            <a:avLst/>
+          </a:prstGeom>
+          <a:ln w="15875">
+            <a:tailEnd type="triangle"/>
+          </a:ln>
+        </p:spPr>
+        <p:style>
+          <a:lnRef idx="1">
+            <a:schemeClr val="dk1"/>
+          </a:lnRef>
+          <a:fillRef idx="0">
+            <a:schemeClr val="dk1"/>
+          </a:fillRef>
+          <a:effectRef idx="0">
+            <a:schemeClr val="dk1"/>
+          </a:effectRef>
+          <a:fontRef idx="minor">
+            <a:schemeClr val="tx1"/>
+          </a:fontRef>
+        </p:style>
+      </p:cxnSp>
+      <p:cxnSp>
+        <p:nvCxnSpPr>
+          <p:cNvPr id="116" name="Straight Connector 115">
+            <a:extLst>
+              <a:ext uri="{FF2B5EF4-FFF2-40B4-BE49-F238E27FC236}">
+                <a16:creationId xmlns:a16="http://schemas.microsoft.com/office/drawing/2014/main" id="{0A23B648-5CBB-B7F3-65C3-095366C2DF5B}"/>
+              </a:ext>
+            </a:extLst>
+          </p:cNvPr>
+          <p:cNvCxnSpPr>
+            <a:cxnSpLocks/>
+          </p:cNvCxnSpPr>
+          <p:nvPr/>
+        </p:nvCxnSpPr>
+        <p:spPr>
+          <a:xfrm>
+            <a:off x="1972748" y="988555"/>
+            <a:ext cx="0" cy="655396"/>
+          </a:xfrm>
+          <a:prstGeom prst="line">
+            <a:avLst/>
+          </a:prstGeom>
+          <a:ln w="12700">
+            <a:solidFill>
+              <a:schemeClr val="tx1"/>
+            </a:solidFill>
+            <a:prstDash val="sysDot"/>
+          </a:ln>
+        </p:spPr>
+        <p:style>
+          <a:lnRef idx="1">
+            <a:schemeClr val="accent1"/>
+          </a:lnRef>
+          <a:fillRef idx="0">
+            <a:schemeClr val="accent1"/>
+          </a:fillRef>
+          <a:effectRef idx="0">
+            <a:schemeClr val="accent1"/>
+          </a:effectRef>
+          <a:fontRef idx="minor">
+            <a:schemeClr val="tx1"/>
+          </a:fontRef>
+        </p:style>
+      </p:cxnSp>
+      <p:sp>
+        <p:nvSpPr>
+          <p:cNvPr id="198" name="Rectangle 197">
+            <a:extLst>
+              <a:ext uri="{FF2B5EF4-FFF2-40B4-BE49-F238E27FC236}">
+                <a16:creationId xmlns:a16="http://schemas.microsoft.com/office/drawing/2014/main" id="{48CB788E-6B93-D6DD-2515-A4A0B13EBBD1}"/>
+              </a:ext>
+            </a:extLst>
+          </p:cNvPr>
+          <p:cNvSpPr/>
+          <p:nvPr/>
+        </p:nvSpPr>
+        <p:spPr>
+          <a:xfrm>
+            <a:off x="3028950" y="2670175"/>
+            <a:ext cx="136525" cy="136525"/>
+          </a:xfrm>
+          <a:prstGeom prst="rect">
+            <a:avLst/>
+          </a:prstGeom>
+          <a:solidFill>
+            <a:srgbClr val="1ED1FD"/>
+          </a:solidFill>
+        </p:spPr>
+        <p:style>
+          <a:lnRef idx="2">
+            <a:schemeClr val="accent1">
+              <a:shade val="15000"/>
+            </a:schemeClr>
+          </a:lnRef>
+          <a:fillRef idx="1">
+            <a:schemeClr val="accent1"/>
+          </a:fillRef>
+          <a:effectRef idx="0">
+            <a:schemeClr val="accent1"/>
+          </a:effectRef>
+          <a:fontRef idx="minor">
+            <a:schemeClr val="lt1"/>
+          </a:fontRef>
+        </p:style>
+        <p:txBody>
+          <a:bodyPr rtlCol="0" anchor="ctr"/>
+          <a:lstStyle/>
+          <a:p>
+            <a:pPr algn="ctr"/>
+            <a:endParaRPr lang="en-US" sz="1000" dirty="0"/>
+          </a:p>
+        </p:txBody>
+      </p:sp>
+      <p:sp>
+        <p:nvSpPr>
+          <p:cNvPr id="199" name="Rectangle 198">
+            <a:extLst>
+              <a:ext uri="{FF2B5EF4-FFF2-40B4-BE49-F238E27FC236}">
+                <a16:creationId xmlns:a16="http://schemas.microsoft.com/office/drawing/2014/main" id="{E83BD4C3-B77E-1138-73EF-D272A1FC5E00}"/>
+              </a:ext>
+            </a:extLst>
+          </p:cNvPr>
+          <p:cNvSpPr/>
+          <p:nvPr/>
+        </p:nvSpPr>
+        <p:spPr>
+          <a:xfrm>
+            <a:off x="3165475" y="2670175"/>
+            <a:ext cx="136525" cy="136525"/>
+          </a:xfrm>
+          <a:prstGeom prst="rect">
+            <a:avLst/>
+          </a:prstGeom>
+          <a:solidFill>
+            <a:srgbClr val="1ED1FD"/>
+          </a:solidFill>
+        </p:spPr>
+        <p:style>
+          <a:lnRef idx="2">
+            <a:schemeClr val="accent1">
+              <a:shade val="15000"/>
+            </a:schemeClr>
+          </a:lnRef>
+          <a:fillRef idx="1">
+            <a:schemeClr val="accent1"/>
+          </a:fillRef>
+          <a:effectRef idx="0">
+            <a:schemeClr val="accent1"/>
+          </a:effectRef>
+          <a:fontRef idx="minor">
+            <a:schemeClr val="lt1"/>
+          </a:fontRef>
+        </p:style>
+        <p:txBody>
+          <a:bodyPr rtlCol="0" anchor="ctr"/>
+          <a:lstStyle/>
+          <a:p>
+            <a:pPr algn="ctr"/>
+            <a:endParaRPr lang="en-US" sz="1000" dirty="0"/>
+          </a:p>
+        </p:txBody>
+      </p:sp>
+      <p:sp>
+        <p:nvSpPr>
+          <p:cNvPr id="200" name="Rectangle 199">
+            <a:extLst>
+              <a:ext uri="{FF2B5EF4-FFF2-40B4-BE49-F238E27FC236}">
+                <a16:creationId xmlns:a16="http://schemas.microsoft.com/office/drawing/2014/main" id="{735BF106-C4AB-336C-CED7-130F13807E99}"/>
+              </a:ext>
+            </a:extLst>
+          </p:cNvPr>
+          <p:cNvSpPr/>
+          <p:nvPr/>
+        </p:nvSpPr>
+        <p:spPr>
+          <a:xfrm>
+            <a:off x="3302000" y="2670175"/>
+            <a:ext cx="136525" cy="136525"/>
+          </a:xfrm>
+          <a:prstGeom prst="rect">
+            <a:avLst/>
+          </a:prstGeom>
+          <a:solidFill>
+            <a:srgbClr val="1ED1FD"/>
+          </a:solidFill>
+        </p:spPr>
+        <p:style>
+          <a:lnRef idx="2">
+            <a:schemeClr val="accent1">
+              <a:shade val="15000"/>
+            </a:schemeClr>
+          </a:lnRef>
+          <a:fillRef idx="1">
+            <a:schemeClr val="accent1"/>
+          </a:fillRef>
+          <a:effectRef idx="0">
+            <a:schemeClr val="accent1"/>
+          </a:effectRef>
+          <a:fontRef idx="minor">
+            <a:schemeClr val="lt1"/>
+          </a:fontRef>
+        </p:style>
+        <p:txBody>
+          <a:bodyPr rtlCol="0" anchor="ctr"/>
+          <a:lstStyle/>
+          <a:p>
+            <a:pPr algn="ctr"/>
+            <a:endParaRPr lang="en-US" sz="1000" dirty="0"/>
+          </a:p>
+        </p:txBody>
+      </p:sp>
+      <p:sp>
+        <p:nvSpPr>
+          <p:cNvPr id="201" name="Rectangle 200">
+            <a:extLst>
+              <a:ext uri="{FF2B5EF4-FFF2-40B4-BE49-F238E27FC236}">
+                <a16:creationId xmlns:a16="http://schemas.microsoft.com/office/drawing/2014/main" id="{83CCA094-6523-E8A7-42B3-F7C5C7AEF547}"/>
+              </a:ext>
+            </a:extLst>
+          </p:cNvPr>
+          <p:cNvSpPr/>
+          <p:nvPr/>
+        </p:nvSpPr>
+        <p:spPr>
+          <a:xfrm>
+            <a:off x="3438525" y="2670175"/>
+            <a:ext cx="136525" cy="136525"/>
+          </a:xfrm>
+          <a:prstGeom prst="rect">
+            <a:avLst/>
+          </a:prstGeom>
+          <a:solidFill>
+            <a:srgbClr val="1ED1FD"/>
+          </a:solidFill>
+        </p:spPr>
+        <p:style>
+          <a:lnRef idx="2">
+            <a:schemeClr val="accent1">
+              <a:shade val="15000"/>
+            </a:schemeClr>
+          </a:lnRef>
+          <a:fillRef idx="1">
+            <a:schemeClr val="accent1"/>
+          </a:fillRef>
+          <a:effectRef idx="0">
+            <a:schemeClr val="accent1"/>
+          </a:effectRef>
+          <a:fontRef idx="minor">
+            <a:schemeClr val="lt1"/>
+          </a:fontRef>
+        </p:style>
+        <p:txBody>
+          <a:bodyPr rtlCol="0" anchor="ctr"/>
+          <a:lstStyle/>
+          <a:p>
+            <a:pPr algn="ctr"/>
+            <a:endParaRPr lang="en-US" sz="1000" dirty="0"/>
+          </a:p>
+        </p:txBody>
+      </p:sp>
+      <p:sp>
+        <p:nvSpPr>
+          <p:cNvPr id="202" name="Rectangle 201">
+            <a:extLst>
+              <a:ext uri="{FF2B5EF4-FFF2-40B4-BE49-F238E27FC236}">
+                <a16:creationId xmlns:a16="http://schemas.microsoft.com/office/drawing/2014/main" id="{F031A968-72A6-4630-7EEB-B23ADF579BDA}"/>
+              </a:ext>
+            </a:extLst>
+          </p:cNvPr>
+          <p:cNvSpPr/>
+          <p:nvPr/>
+        </p:nvSpPr>
+        <p:spPr>
+          <a:xfrm>
+            <a:off x="3575050" y="2670175"/>
+            <a:ext cx="136525" cy="136525"/>
+          </a:xfrm>
+          <a:prstGeom prst="rect">
+            <a:avLst/>
+          </a:prstGeom>
+          <a:solidFill>
+            <a:srgbClr val="1ED1FD"/>
+          </a:solidFill>
+        </p:spPr>
+        <p:style>
+          <a:lnRef idx="2">
+            <a:schemeClr val="accent1">
+              <a:shade val="15000"/>
+            </a:schemeClr>
+          </a:lnRef>
+          <a:fillRef idx="1">
+            <a:schemeClr val="accent1"/>
+          </a:fillRef>
+          <a:effectRef idx="0">
+            <a:schemeClr val="accent1"/>
+          </a:effectRef>
+          <a:fontRef idx="minor">
+            <a:schemeClr val="lt1"/>
+          </a:fontRef>
+        </p:style>
+        <p:txBody>
+          <a:bodyPr rtlCol="0" anchor="ctr"/>
+          <a:lstStyle/>
+          <a:p>
+            <a:pPr algn="ctr"/>
+            <a:endParaRPr lang="en-US" sz="1000" dirty="0"/>
+          </a:p>
+        </p:txBody>
+      </p:sp>
+      <p:sp>
+        <p:nvSpPr>
+          <p:cNvPr id="203" name="Rectangle 202">
+            <a:extLst>
+              <a:ext uri="{FF2B5EF4-FFF2-40B4-BE49-F238E27FC236}">
+                <a16:creationId xmlns:a16="http://schemas.microsoft.com/office/drawing/2014/main" id="{B08844A7-7C26-7E89-AFD1-BC327F2A4F63}"/>
+              </a:ext>
+            </a:extLst>
+          </p:cNvPr>
+          <p:cNvSpPr/>
+          <p:nvPr/>
+        </p:nvSpPr>
+        <p:spPr>
+          <a:xfrm>
+            <a:off x="3711575" y="2670175"/>
+            <a:ext cx="136525" cy="136525"/>
+          </a:xfrm>
+          <a:prstGeom prst="rect">
+            <a:avLst/>
+          </a:prstGeom>
+          <a:solidFill>
+            <a:srgbClr val="1ED1FD"/>
+          </a:solidFill>
+        </p:spPr>
+        <p:style>
+          <a:lnRef idx="2">
+            <a:schemeClr val="accent1">
+              <a:shade val="15000"/>
+            </a:schemeClr>
+          </a:lnRef>
+          <a:fillRef idx="1">
+            <a:schemeClr val="accent1"/>
+          </a:fillRef>
+          <a:effectRef idx="0">
+            <a:schemeClr val="accent1"/>
+          </a:effectRef>
+          <a:fontRef idx="minor">
+            <a:schemeClr val="lt1"/>
+          </a:fontRef>
+        </p:style>
+        <p:txBody>
+          <a:bodyPr rtlCol="0" anchor="ctr"/>
+          <a:lstStyle/>
+          <a:p>
+            <a:pPr algn="ctr"/>
+            <a:endParaRPr lang="en-US" sz="1000" dirty="0"/>
+          </a:p>
+        </p:txBody>
+      </p:sp>
+      <p:sp>
+        <p:nvSpPr>
+          <p:cNvPr id="204" name="Rectangle 203">
+            <a:extLst>
+              <a:ext uri="{FF2B5EF4-FFF2-40B4-BE49-F238E27FC236}">
+                <a16:creationId xmlns:a16="http://schemas.microsoft.com/office/drawing/2014/main" id="{E62C5406-5C08-3BDF-D2BB-8765FFA57B27}"/>
+              </a:ext>
+            </a:extLst>
+          </p:cNvPr>
+          <p:cNvSpPr/>
+          <p:nvPr/>
+        </p:nvSpPr>
+        <p:spPr>
+          <a:xfrm>
+            <a:off x="3848100" y="2670175"/>
+            <a:ext cx="136525" cy="136525"/>
+          </a:xfrm>
+          <a:prstGeom prst="rect">
+            <a:avLst/>
+          </a:prstGeom>
+          <a:solidFill>
+            <a:srgbClr val="1ED1FD"/>
+          </a:solidFill>
+        </p:spPr>
+        <p:style>
+          <a:lnRef idx="2">
+            <a:schemeClr val="accent1">
+              <a:shade val="15000"/>
+            </a:schemeClr>
+          </a:lnRef>
+          <a:fillRef idx="1">
+            <a:schemeClr val="accent1"/>
+          </a:fillRef>
+          <a:effectRef idx="0">
+            <a:schemeClr val="accent1"/>
+          </a:effectRef>
+          <a:fontRef idx="minor">
+            <a:schemeClr val="lt1"/>
+          </a:fontRef>
+        </p:style>
+        <p:txBody>
+          <a:bodyPr rtlCol="0" anchor="ctr"/>
+          <a:lstStyle/>
+          <a:p>
+            <a:pPr algn="ctr"/>
+            <a:endParaRPr lang="en-US" sz="1000" dirty="0"/>
+          </a:p>
+        </p:txBody>
+      </p:sp>
+      <p:sp>
+        <p:nvSpPr>
+          <p:cNvPr id="205" name="Rectangle 204">
+            <a:extLst>
+              <a:ext uri="{FF2B5EF4-FFF2-40B4-BE49-F238E27FC236}">
+                <a16:creationId xmlns:a16="http://schemas.microsoft.com/office/drawing/2014/main" id="{F3D9DB6E-4211-B121-C452-E2A8DAA6E567}"/>
+              </a:ext>
+            </a:extLst>
+          </p:cNvPr>
+          <p:cNvSpPr/>
+          <p:nvPr/>
+        </p:nvSpPr>
+        <p:spPr>
+          <a:xfrm>
+            <a:off x="3984625" y="2670175"/>
+            <a:ext cx="136525" cy="136525"/>
+          </a:xfrm>
+          <a:prstGeom prst="rect">
+            <a:avLst/>
+          </a:prstGeom>
+          <a:solidFill>
+            <a:srgbClr val="1ED1FD"/>
+          </a:solidFill>
+        </p:spPr>
+        <p:style>
+          <a:lnRef idx="2">
+            <a:schemeClr val="accent1">
+              <a:shade val="15000"/>
+            </a:schemeClr>
+          </a:lnRef>
+          <a:fillRef idx="1">
+            <a:schemeClr val="accent1"/>
+          </a:fillRef>
+          <a:effectRef idx="0">
+            <a:schemeClr val="accent1"/>
+          </a:effectRef>
+          <a:fontRef idx="minor">
+            <a:schemeClr val="lt1"/>
+          </a:fontRef>
+        </p:style>
+        <p:txBody>
+          <a:bodyPr rtlCol="0" anchor="ctr"/>
+          <a:lstStyle/>
+          <a:p>
+            <a:pPr algn="ctr"/>
+            <a:endParaRPr lang="en-US" sz="1000" dirty="0"/>
+          </a:p>
+        </p:txBody>
+      </p:sp>
+      <p:sp>
+        <p:nvSpPr>
+          <p:cNvPr id="206" name="Rectangle 205">
+            <a:extLst>
+              <a:ext uri="{FF2B5EF4-FFF2-40B4-BE49-F238E27FC236}">
+                <a16:creationId xmlns:a16="http://schemas.microsoft.com/office/drawing/2014/main" id="{D75EFF0D-B057-6CC7-D43B-5FC147D02A45}"/>
+              </a:ext>
+            </a:extLst>
+          </p:cNvPr>
+          <p:cNvSpPr/>
+          <p:nvPr/>
+        </p:nvSpPr>
+        <p:spPr>
+          <a:xfrm>
+            <a:off x="3028950" y="2806700"/>
+            <a:ext cx="136525" cy="136525"/>
+          </a:xfrm>
+          <a:prstGeom prst="rect">
+            <a:avLst/>
+          </a:prstGeom>
+          <a:solidFill>
+            <a:srgbClr val="1ED1FD"/>
+          </a:solidFill>
+        </p:spPr>
+        <p:style>
+          <a:lnRef idx="2">
+            <a:schemeClr val="accent1">
+              <a:shade val="15000"/>
+            </a:schemeClr>
+          </a:lnRef>
+          <a:fillRef idx="1">
+            <a:schemeClr val="accent1"/>
+          </a:fillRef>
+          <a:effectRef idx="0">
+            <a:schemeClr val="accent1"/>
+          </a:effectRef>
+          <a:fontRef idx="minor">
+            <a:schemeClr val="lt1"/>
+          </a:fontRef>
+        </p:style>
+        <p:txBody>
+          <a:bodyPr rtlCol="0" anchor="ctr"/>
+          <a:lstStyle/>
+          <a:p>
+            <a:pPr algn="ctr"/>
+            <a:endParaRPr lang="en-US" sz="1000" dirty="0"/>
+          </a:p>
+        </p:txBody>
+      </p:sp>
+      <p:sp>
+        <p:nvSpPr>
+          <p:cNvPr id="207" name="Rectangle 206">
+            <a:extLst>
+              <a:ext uri="{FF2B5EF4-FFF2-40B4-BE49-F238E27FC236}">
+                <a16:creationId xmlns:a16="http://schemas.microsoft.com/office/drawing/2014/main" id="{BECE9D78-AE71-520E-7C8F-E1DA41F29B32}"/>
+              </a:ext>
+            </a:extLst>
+          </p:cNvPr>
+          <p:cNvSpPr/>
+          <p:nvPr/>
+        </p:nvSpPr>
+        <p:spPr>
+          <a:xfrm>
+            <a:off x="3165475" y="2806700"/>
+            <a:ext cx="136525" cy="136525"/>
+          </a:xfrm>
+          <a:prstGeom prst="rect">
+            <a:avLst/>
+          </a:prstGeom>
+          <a:solidFill>
+            <a:srgbClr val="1ED1FD"/>
+          </a:solidFill>
+        </p:spPr>
+        <p:style>
+          <a:lnRef idx="2">
+            <a:schemeClr val="accent1">
+              <a:shade val="15000"/>
+            </a:schemeClr>
+          </a:lnRef>
+          <a:fillRef idx="1">
+            <a:schemeClr val="accent1"/>
+          </a:fillRef>
+          <a:effectRef idx="0">
+            <a:schemeClr val="accent1"/>
+          </a:effectRef>
+          <a:fontRef idx="minor">
+            <a:schemeClr val="lt1"/>
+          </a:fontRef>
+        </p:style>
+        <p:txBody>
+          <a:bodyPr rtlCol="0" anchor="ctr"/>
+          <a:lstStyle/>
+          <a:p>
+            <a:pPr algn="ctr"/>
+            <a:endParaRPr lang="en-US" sz="1000" dirty="0"/>
+          </a:p>
+        </p:txBody>
+      </p:sp>
+      <p:sp>
+        <p:nvSpPr>
+          <p:cNvPr id="208" name="Rectangle 207">
+            <a:extLst>
+              <a:ext uri="{FF2B5EF4-FFF2-40B4-BE49-F238E27FC236}">
+                <a16:creationId xmlns:a16="http://schemas.microsoft.com/office/drawing/2014/main" id="{F3A12EFA-0E92-847F-CE87-B43F93B125D9}"/>
+              </a:ext>
+            </a:extLst>
+          </p:cNvPr>
+          <p:cNvSpPr/>
+          <p:nvPr/>
+        </p:nvSpPr>
+        <p:spPr>
+          <a:xfrm>
+            <a:off x="3302000" y="2806700"/>
+            <a:ext cx="136525" cy="136525"/>
+          </a:xfrm>
+          <a:prstGeom prst="rect">
+            <a:avLst/>
+          </a:prstGeom>
+          <a:solidFill>
+            <a:srgbClr val="1ED1FD"/>
+          </a:solidFill>
+        </p:spPr>
+        <p:style>
+          <a:lnRef idx="2">
+            <a:schemeClr val="accent1">
+              <a:shade val="15000"/>
+            </a:schemeClr>
+          </a:lnRef>
+          <a:fillRef idx="1">
+            <a:schemeClr val="accent1"/>
+          </a:fillRef>
+          <a:effectRef idx="0">
+            <a:schemeClr val="accent1"/>
+          </a:effectRef>
+          <a:fontRef idx="minor">
+            <a:schemeClr val="lt1"/>
+          </a:fontRef>
+        </p:style>
+        <p:txBody>
+          <a:bodyPr rtlCol="0" anchor="ctr"/>
+          <a:lstStyle/>
+          <a:p>
+            <a:pPr algn="ctr"/>
+            <a:endParaRPr lang="en-US" sz="1000"/>
+          </a:p>
+        </p:txBody>
+      </p:sp>
+      <p:sp>
+        <p:nvSpPr>
+          <p:cNvPr id="209" name="Rectangle 208">
+            <a:extLst>
+              <a:ext uri="{FF2B5EF4-FFF2-40B4-BE49-F238E27FC236}">
+                <a16:creationId xmlns:a16="http://schemas.microsoft.com/office/drawing/2014/main" id="{D2BC15FE-3C31-215B-DA9C-E87C50EF71A8}"/>
+              </a:ext>
+            </a:extLst>
+          </p:cNvPr>
+          <p:cNvSpPr/>
+          <p:nvPr/>
+        </p:nvSpPr>
+        <p:spPr>
+          <a:xfrm>
+            <a:off x="3438525" y="2806700"/>
+            <a:ext cx="136525" cy="136525"/>
+          </a:xfrm>
+          <a:prstGeom prst="rect">
+            <a:avLst/>
+          </a:prstGeom>
+          <a:solidFill>
+            <a:srgbClr val="1ED1FD"/>
+          </a:solidFill>
+        </p:spPr>
+        <p:style>
+          <a:lnRef idx="2">
+            <a:schemeClr val="accent1">
+              <a:shade val="15000"/>
+            </a:schemeClr>
+          </a:lnRef>
+          <a:fillRef idx="1">
+            <a:schemeClr val="accent1"/>
+          </a:fillRef>
+          <a:effectRef idx="0">
+            <a:schemeClr val="accent1"/>
+          </a:effectRef>
+          <a:fontRef idx="minor">
+            <a:schemeClr val="lt1"/>
+          </a:fontRef>
+        </p:style>
+        <p:txBody>
+          <a:bodyPr rtlCol="0" anchor="ctr"/>
+          <a:lstStyle/>
+          <a:p>
+            <a:pPr algn="ctr"/>
+            <a:endParaRPr lang="en-US" sz="1000"/>
+          </a:p>
+        </p:txBody>
+      </p:sp>
+      <p:sp>
+        <p:nvSpPr>
+          <p:cNvPr id="210" name="Rectangle 209">
+            <a:extLst>
+              <a:ext uri="{FF2B5EF4-FFF2-40B4-BE49-F238E27FC236}">
+                <a16:creationId xmlns:a16="http://schemas.microsoft.com/office/drawing/2014/main" id="{F487AB04-9088-38C5-63DA-1E3FB0E5507C}"/>
+              </a:ext>
+            </a:extLst>
+          </p:cNvPr>
+          <p:cNvSpPr/>
+          <p:nvPr/>
+        </p:nvSpPr>
+        <p:spPr>
+          <a:xfrm>
+            <a:off x="3575050" y="2806700"/>
+            <a:ext cx="136525" cy="136525"/>
+          </a:xfrm>
+          <a:prstGeom prst="rect">
+            <a:avLst/>
+          </a:prstGeom>
+          <a:solidFill>
+            <a:srgbClr val="1ED1FD"/>
+          </a:solidFill>
+        </p:spPr>
+        <p:style>
+          <a:lnRef idx="2">
+            <a:schemeClr val="accent1">
+              <a:shade val="15000"/>
+            </a:schemeClr>
+          </a:lnRef>
+          <a:fillRef idx="1">
+            <a:schemeClr val="accent1"/>
+          </a:fillRef>
+          <a:effectRef idx="0">
+            <a:schemeClr val="accent1"/>
+          </a:effectRef>
+          <a:fontRef idx="minor">
+            <a:schemeClr val="lt1"/>
+          </a:fontRef>
+        </p:style>
+        <p:txBody>
+          <a:bodyPr rtlCol="0" anchor="ctr"/>
+          <a:lstStyle/>
+          <a:p>
+            <a:pPr algn="ctr"/>
+            <a:endParaRPr lang="en-US" sz="1000"/>
+          </a:p>
+        </p:txBody>
+      </p:sp>
+      <p:sp>
+        <p:nvSpPr>
+          <p:cNvPr id="211" name="Rectangle 210">
+            <a:extLst>
+              <a:ext uri="{FF2B5EF4-FFF2-40B4-BE49-F238E27FC236}">
+                <a16:creationId xmlns:a16="http://schemas.microsoft.com/office/drawing/2014/main" id="{CCAD6629-BE79-D426-E854-4C21721C7ACB}"/>
+              </a:ext>
+            </a:extLst>
+          </p:cNvPr>
+          <p:cNvSpPr/>
+          <p:nvPr/>
+        </p:nvSpPr>
+        <p:spPr>
+          <a:xfrm>
+            <a:off x="3711575" y="2806700"/>
+            <a:ext cx="136525" cy="136525"/>
+          </a:xfrm>
+          <a:prstGeom prst="rect">
+            <a:avLst/>
+          </a:prstGeom>
+          <a:solidFill>
+            <a:srgbClr val="1ED1FD"/>
+          </a:solidFill>
+        </p:spPr>
+        <p:style>
+          <a:lnRef idx="2">
+            <a:schemeClr val="accent1">
+              <a:shade val="15000"/>
+            </a:schemeClr>
+          </a:lnRef>
+          <a:fillRef idx="1">
+            <a:schemeClr val="accent1"/>
+          </a:fillRef>
+          <a:effectRef idx="0">
+            <a:schemeClr val="accent1"/>
+          </a:effectRef>
+          <a:fontRef idx="minor">
+            <a:schemeClr val="lt1"/>
+          </a:fontRef>
+        </p:style>
+        <p:txBody>
+          <a:bodyPr rtlCol="0" anchor="ctr"/>
+          <a:lstStyle/>
+          <a:p>
+            <a:pPr algn="ctr"/>
+            <a:endParaRPr lang="en-US" sz="1000"/>
+          </a:p>
+        </p:txBody>
+      </p:sp>
+      <p:sp>
+        <p:nvSpPr>
+          <p:cNvPr id="212" name="Rectangle 211">
+            <a:extLst>
+              <a:ext uri="{FF2B5EF4-FFF2-40B4-BE49-F238E27FC236}">
+                <a16:creationId xmlns:a16="http://schemas.microsoft.com/office/drawing/2014/main" id="{CE295715-34C4-4896-1CE6-DACE901D7EFF}"/>
+              </a:ext>
+            </a:extLst>
+          </p:cNvPr>
+          <p:cNvSpPr/>
+          <p:nvPr/>
+        </p:nvSpPr>
+        <p:spPr>
+          <a:xfrm>
+            <a:off x="3848100" y="2806700"/>
+            <a:ext cx="136525" cy="136525"/>
+          </a:xfrm>
+          <a:prstGeom prst="rect">
+            <a:avLst/>
+          </a:prstGeom>
+          <a:solidFill>
+            <a:srgbClr val="1ED1FD"/>
+          </a:solidFill>
+        </p:spPr>
+        <p:style>
+          <a:lnRef idx="2">
+            <a:schemeClr val="accent1">
+              <a:shade val="15000"/>
+            </a:schemeClr>
+          </a:lnRef>
+          <a:fillRef idx="1">
+            <a:schemeClr val="accent1"/>
+          </a:fillRef>
+          <a:effectRef idx="0">
+            <a:schemeClr val="accent1"/>
+          </a:effectRef>
+          <a:fontRef idx="minor">
+            <a:schemeClr val="lt1"/>
+          </a:fontRef>
+        </p:style>
+        <p:txBody>
+          <a:bodyPr rtlCol="0" anchor="ctr"/>
+          <a:lstStyle/>
+          <a:p>
+            <a:pPr algn="ctr"/>
+            <a:endParaRPr lang="en-US" sz="1000"/>
+          </a:p>
+        </p:txBody>
+      </p:sp>
+      <p:sp>
+        <p:nvSpPr>
+          <p:cNvPr id="213" name="Rectangle 212">
+            <a:extLst>
+              <a:ext uri="{FF2B5EF4-FFF2-40B4-BE49-F238E27FC236}">
+                <a16:creationId xmlns:a16="http://schemas.microsoft.com/office/drawing/2014/main" id="{5CC1E554-1159-7779-65C9-EAD5C45C2C94}"/>
+              </a:ext>
+            </a:extLst>
+          </p:cNvPr>
+          <p:cNvSpPr/>
+          <p:nvPr/>
+        </p:nvSpPr>
+        <p:spPr>
+          <a:xfrm>
+            <a:off x="3984625" y="2806700"/>
+            <a:ext cx="136525" cy="136525"/>
+          </a:xfrm>
+          <a:prstGeom prst="rect">
+            <a:avLst/>
+          </a:prstGeom>
+          <a:solidFill>
+            <a:srgbClr val="1ED1FD"/>
+          </a:solidFill>
+        </p:spPr>
+        <p:style>
+          <a:lnRef idx="2">
+            <a:schemeClr val="accent1">
+              <a:shade val="15000"/>
+            </a:schemeClr>
+          </a:lnRef>
+          <a:fillRef idx="1">
+            <a:schemeClr val="accent1"/>
+          </a:fillRef>
+          <a:effectRef idx="0">
+            <a:schemeClr val="accent1"/>
+          </a:effectRef>
+          <a:fontRef idx="minor">
+            <a:schemeClr val="lt1"/>
+          </a:fontRef>
+        </p:style>
+        <p:txBody>
+          <a:bodyPr rtlCol="0" anchor="ctr"/>
+          <a:lstStyle/>
+          <a:p>
+            <a:pPr algn="ctr"/>
+            <a:endParaRPr lang="en-US" sz="1000"/>
+          </a:p>
+        </p:txBody>
+      </p:sp>
+      <p:sp>
+        <p:nvSpPr>
+          <p:cNvPr id="214" name="Rectangle 213">
+            <a:extLst>
+              <a:ext uri="{FF2B5EF4-FFF2-40B4-BE49-F238E27FC236}">
+                <a16:creationId xmlns:a16="http://schemas.microsoft.com/office/drawing/2014/main" id="{AFA29A13-5B30-797C-9A6C-014320F29874}"/>
+              </a:ext>
+            </a:extLst>
+          </p:cNvPr>
+          <p:cNvSpPr/>
+          <p:nvPr/>
+        </p:nvSpPr>
+        <p:spPr>
+          <a:xfrm>
+            <a:off x="3028950" y="2943225"/>
+            <a:ext cx="136525" cy="136525"/>
+          </a:xfrm>
+          <a:prstGeom prst="rect">
+            <a:avLst/>
+          </a:prstGeom>
+          <a:solidFill>
+            <a:srgbClr val="1ED1FD"/>
+          </a:solidFill>
+        </p:spPr>
+        <p:style>
+          <a:lnRef idx="2">
+            <a:schemeClr val="accent1">
+              <a:shade val="15000"/>
+            </a:schemeClr>
+          </a:lnRef>
+          <a:fillRef idx="1">
+            <a:schemeClr val="accent1"/>
+          </a:fillRef>
+          <a:effectRef idx="0">
+            <a:schemeClr val="accent1"/>
+          </a:effectRef>
+          <a:fontRef idx="minor">
+            <a:schemeClr val="lt1"/>
+          </a:fontRef>
+        </p:style>
+        <p:txBody>
+          <a:bodyPr rtlCol="0" anchor="ctr"/>
+          <a:lstStyle/>
+          <a:p>
+            <a:pPr algn="ctr"/>
+            <a:endParaRPr lang="en-US" sz="1000"/>
+          </a:p>
+        </p:txBody>
+      </p:sp>
+      <p:sp>
+        <p:nvSpPr>
+          <p:cNvPr id="215" name="Rectangle 214">
+            <a:extLst>
+              <a:ext uri="{FF2B5EF4-FFF2-40B4-BE49-F238E27FC236}">
+                <a16:creationId xmlns:a16="http://schemas.microsoft.com/office/drawing/2014/main" id="{4AD01F7F-BC2F-87A8-E38F-E1819620A267}"/>
+              </a:ext>
+            </a:extLst>
+          </p:cNvPr>
+          <p:cNvSpPr/>
+          <p:nvPr/>
+        </p:nvSpPr>
+        <p:spPr>
+          <a:xfrm>
+            <a:off x="3165475" y="2943225"/>
+            <a:ext cx="136525" cy="136525"/>
+          </a:xfrm>
+          <a:prstGeom prst="rect">
+            <a:avLst/>
+          </a:prstGeom>
+          <a:solidFill>
+            <a:srgbClr val="1ED1FD"/>
+          </a:solidFill>
+        </p:spPr>
+        <p:style>
+          <a:lnRef idx="2">
+            <a:schemeClr val="accent1">
+              <a:shade val="15000"/>
+            </a:schemeClr>
+          </a:lnRef>
+          <a:fillRef idx="1">
+            <a:schemeClr val="accent1"/>
+          </a:fillRef>
+          <a:effectRef idx="0">
+            <a:schemeClr val="accent1"/>
+          </a:effectRef>
+          <a:fontRef idx="minor">
+            <a:schemeClr val="lt1"/>
+          </a:fontRef>
+        </p:style>
+        <p:txBody>
+          <a:bodyPr rtlCol="0" anchor="ctr"/>
+          <a:lstStyle/>
+          <a:p>
+            <a:pPr algn="ctr"/>
+            <a:endParaRPr lang="en-US" sz="1000"/>
+          </a:p>
+        </p:txBody>
+      </p:sp>
+      <p:sp>
+        <p:nvSpPr>
+          <p:cNvPr id="216" name="Rectangle 215">
+            <a:extLst>
+              <a:ext uri="{FF2B5EF4-FFF2-40B4-BE49-F238E27FC236}">
+                <a16:creationId xmlns:a16="http://schemas.microsoft.com/office/drawing/2014/main" id="{9780E386-9C24-CA00-FA39-4E101B9622A0}"/>
+              </a:ext>
+            </a:extLst>
+          </p:cNvPr>
+          <p:cNvSpPr/>
+          <p:nvPr/>
+        </p:nvSpPr>
+        <p:spPr>
+          <a:xfrm>
+            <a:off x="3302000" y="2943225"/>
+            <a:ext cx="136525" cy="136525"/>
+          </a:xfrm>
+          <a:prstGeom prst="rect">
+            <a:avLst/>
+          </a:prstGeom>
+          <a:solidFill>
+            <a:srgbClr val="1ED1FD"/>
+          </a:solidFill>
+        </p:spPr>
+        <p:style>
+          <a:lnRef idx="2">
+            <a:schemeClr val="accent1">
+              <a:shade val="15000"/>
+            </a:schemeClr>
+          </a:lnRef>
+          <a:fillRef idx="1">
+            <a:schemeClr val="accent1"/>
+          </a:fillRef>
+          <a:effectRef idx="0">
+            <a:schemeClr val="accent1"/>
+          </a:effectRef>
+          <a:fontRef idx="minor">
+            <a:schemeClr val="lt1"/>
+          </a:fontRef>
+        </p:style>
+        <p:txBody>
+          <a:bodyPr rtlCol="0" anchor="ctr"/>
+          <a:lstStyle/>
+          <a:p>
+            <a:pPr algn="ctr"/>
+            <a:endParaRPr lang="en-US" sz="1000"/>
+          </a:p>
+        </p:txBody>
+      </p:sp>
+      <p:sp>
+        <p:nvSpPr>
+          <p:cNvPr id="217" name="Rectangle 216">
+            <a:extLst>
+              <a:ext uri="{FF2B5EF4-FFF2-40B4-BE49-F238E27FC236}">
+                <a16:creationId xmlns:a16="http://schemas.microsoft.com/office/drawing/2014/main" id="{FCD0727E-99A7-3785-38F8-DDA273DD3627}"/>
+              </a:ext>
+            </a:extLst>
+          </p:cNvPr>
+          <p:cNvSpPr/>
+          <p:nvPr/>
+        </p:nvSpPr>
+        <p:spPr>
+          <a:xfrm>
+            <a:off x="3438525" y="2943225"/>
+            <a:ext cx="136525" cy="136525"/>
+          </a:xfrm>
+          <a:prstGeom prst="rect">
+            <a:avLst/>
+          </a:prstGeom>
+          <a:solidFill>
+            <a:srgbClr val="1ED1FD"/>
+          </a:solidFill>
+        </p:spPr>
+        <p:style>
+          <a:lnRef idx="2">
+            <a:schemeClr val="accent1">
+              <a:shade val="15000"/>
+            </a:schemeClr>
+          </a:lnRef>
+          <a:fillRef idx="1">
+            <a:schemeClr val="accent1"/>
+          </a:fillRef>
+          <a:effectRef idx="0">
+            <a:schemeClr val="accent1"/>
+          </a:effectRef>
+          <a:fontRef idx="minor">
+            <a:schemeClr val="lt1"/>
+          </a:fontRef>
+        </p:style>
+        <p:txBody>
+          <a:bodyPr rtlCol="0" anchor="ctr"/>
+          <a:lstStyle/>
+          <a:p>
+            <a:pPr algn="ctr"/>
+            <a:endParaRPr lang="en-US" sz="1000"/>
+          </a:p>
+        </p:txBody>
+      </p:sp>
+      <p:sp>
+        <p:nvSpPr>
+          <p:cNvPr id="218" name="Rectangle 217">
+            <a:extLst>
+              <a:ext uri="{FF2B5EF4-FFF2-40B4-BE49-F238E27FC236}">
+                <a16:creationId xmlns:a16="http://schemas.microsoft.com/office/drawing/2014/main" id="{D1E369AC-56D3-1C21-1E02-2C6AB745DE49}"/>
+              </a:ext>
+            </a:extLst>
+          </p:cNvPr>
+          <p:cNvSpPr/>
+          <p:nvPr/>
+        </p:nvSpPr>
+        <p:spPr>
+          <a:xfrm>
+            <a:off x="3575050" y="2943225"/>
+            <a:ext cx="136525" cy="136525"/>
+          </a:xfrm>
+          <a:prstGeom prst="rect">
+            <a:avLst/>
+          </a:prstGeom>
+          <a:solidFill>
+            <a:srgbClr val="1ED1FD"/>
+          </a:solidFill>
+        </p:spPr>
+        <p:style>
+          <a:lnRef idx="2">
+            <a:schemeClr val="accent1">
+              <a:shade val="15000"/>
+            </a:schemeClr>
+          </a:lnRef>
+          <a:fillRef idx="1">
+            <a:schemeClr val="accent1"/>
+          </a:fillRef>
+          <a:effectRef idx="0">
+            <a:schemeClr val="accent1"/>
+          </a:effectRef>
+          <a:fontRef idx="minor">
+            <a:schemeClr val="lt1"/>
+          </a:fontRef>
+        </p:style>
+        <p:txBody>
+          <a:bodyPr rtlCol="0" anchor="ctr"/>
+          <a:lstStyle/>
+          <a:p>
+            <a:pPr algn="ctr"/>
+            <a:endParaRPr lang="en-US" sz="1000"/>
+          </a:p>
+        </p:txBody>
+      </p:sp>
+      <p:sp>
+        <p:nvSpPr>
+          <p:cNvPr id="219" name="Rectangle 218">
+            <a:extLst>
+              <a:ext uri="{FF2B5EF4-FFF2-40B4-BE49-F238E27FC236}">
+                <a16:creationId xmlns:a16="http://schemas.microsoft.com/office/drawing/2014/main" id="{CD0E6034-3E9C-B07E-ECCE-FC772D033D93}"/>
+              </a:ext>
+            </a:extLst>
+          </p:cNvPr>
+          <p:cNvSpPr/>
+          <p:nvPr/>
+        </p:nvSpPr>
+        <p:spPr>
+          <a:xfrm>
+            <a:off x="3711575" y="2943225"/>
+            <a:ext cx="136525" cy="136525"/>
+          </a:xfrm>
+          <a:prstGeom prst="rect">
+            <a:avLst/>
+          </a:prstGeom>
+          <a:solidFill>
+            <a:srgbClr val="1ED1FD"/>
+          </a:solidFill>
+        </p:spPr>
+        <p:style>
+          <a:lnRef idx="2">
+            <a:schemeClr val="accent1">
+              <a:shade val="15000"/>
+            </a:schemeClr>
+          </a:lnRef>
+          <a:fillRef idx="1">
+            <a:schemeClr val="accent1"/>
+          </a:fillRef>
+          <a:effectRef idx="0">
+            <a:schemeClr val="accent1"/>
+          </a:effectRef>
+          <a:fontRef idx="minor">
+            <a:schemeClr val="lt1"/>
+          </a:fontRef>
+        </p:style>
+        <p:txBody>
+          <a:bodyPr rtlCol="0" anchor="ctr"/>
+          <a:lstStyle/>
+          <a:p>
+            <a:pPr algn="ctr"/>
+            <a:endParaRPr lang="en-US" sz="1000"/>
+          </a:p>
+        </p:txBody>
+      </p:sp>
+      <p:sp>
+        <p:nvSpPr>
+          <p:cNvPr id="220" name="Rectangle 219">
+            <a:extLst>
+              <a:ext uri="{FF2B5EF4-FFF2-40B4-BE49-F238E27FC236}">
+                <a16:creationId xmlns:a16="http://schemas.microsoft.com/office/drawing/2014/main" id="{6755BEC1-F659-5520-77E5-583810F2BB3B}"/>
+              </a:ext>
+            </a:extLst>
+          </p:cNvPr>
+          <p:cNvSpPr/>
+          <p:nvPr/>
+        </p:nvSpPr>
+        <p:spPr>
+          <a:xfrm>
+            <a:off x="3848100" y="2943225"/>
+            <a:ext cx="136525" cy="136525"/>
+          </a:xfrm>
+          <a:prstGeom prst="rect">
+            <a:avLst/>
+          </a:prstGeom>
+          <a:solidFill>
+            <a:srgbClr val="1ED1FD"/>
+          </a:solidFill>
+        </p:spPr>
+        <p:style>
+          <a:lnRef idx="2">
+            <a:schemeClr val="accent1">
+              <a:shade val="15000"/>
+            </a:schemeClr>
+          </a:lnRef>
+          <a:fillRef idx="1">
+            <a:schemeClr val="accent1"/>
+          </a:fillRef>
+          <a:effectRef idx="0">
+            <a:schemeClr val="accent1"/>
+          </a:effectRef>
+          <a:fontRef idx="minor">
+            <a:schemeClr val="lt1"/>
+          </a:fontRef>
+        </p:style>
+        <p:txBody>
+          <a:bodyPr rtlCol="0" anchor="ctr"/>
+          <a:lstStyle/>
+          <a:p>
+            <a:pPr algn="ctr"/>
+            <a:endParaRPr lang="en-US" sz="1000"/>
+          </a:p>
+        </p:txBody>
+      </p:sp>
+      <p:sp>
+        <p:nvSpPr>
+          <p:cNvPr id="221" name="Rectangle 220">
+            <a:extLst>
+              <a:ext uri="{FF2B5EF4-FFF2-40B4-BE49-F238E27FC236}">
+                <a16:creationId xmlns:a16="http://schemas.microsoft.com/office/drawing/2014/main" id="{252C0E2C-CFB4-638A-31D7-D7656CE97FC2}"/>
+              </a:ext>
+            </a:extLst>
+          </p:cNvPr>
+          <p:cNvSpPr/>
+          <p:nvPr/>
+        </p:nvSpPr>
+        <p:spPr>
+          <a:xfrm>
+            <a:off x="3984625" y="2943225"/>
+            <a:ext cx="136525" cy="136525"/>
+          </a:xfrm>
+          <a:prstGeom prst="rect">
+            <a:avLst/>
+          </a:prstGeom>
+          <a:solidFill>
+            <a:srgbClr val="1ED1FD"/>
+          </a:solidFill>
+        </p:spPr>
+        <p:style>
+          <a:lnRef idx="2">
+            <a:schemeClr val="accent1">
+              <a:shade val="15000"/>
+            </a:schemeClr>
+          </a:lnRef>
+          <a:fillRef idx="1">
+            <a:schemeClr val="accent1"/>
+          </a:fillRef>
+          <a:effectRef idx="0">
+            <a:schemeClr val="accent1"/>
+          </a:effectRef>
+          <a:fontRef idx="minor">
+            <a:schemeClr val="lt1"/>
+          </a:fontRef>
+        </p:style>
+        <p:txBody>
+          <a:bodyPr rtlCol="0" anchor="ctr"/>
+          <a:lstStyle/>
+          <a:p>
+            <a:pPr algn="ctr"/>
+            <a:endParaRPr lang="en-US" sz="1000"/>
+          </a:p>
+        </p:txBody>
+      </p:sp>
+      <p:sp>
+        <p:nvSpPr>
+          <p:cNvPr id="222" name="Rectangle 221">
+            <a:extLst>
+              <a:ext uri="{FF2B5EF4-FFF2-40B4-BE49-F238E27FC236}">
+                <a16:creationId xmlns:a16="http://schemas.microsoft.com/office/drawing/2014/main" id="{FD3867C6-6E02-1BD1-3EF9-F9415AE4BDAD}"/>
+              </a:ext>
+            </a:extLst>
+          </p:cNvPr>
+          <p:cNvSpPr/>
+          <p:nvPr/>
+        </p:nvSpPr>
+        <p:spPr>
+          <a:xfrm>
+            <a:off x="3028950" y="3079750"/>
+            <a:ext cx="136525" cy="136525"/>
+          </a:xfrm>
+          <a:prstGeom prst="rect">
+            <a:avLst/>
+          </a:prstGeom>
+          <a:solidFill>
+            <a:srgbClr val="1ED1FD"/>
+          </a:solidFill>
+        </p:spPr>
+        <p:style>
+          <a:lnRef idx="2">
+            <a:schemeClr val="accent1">
+              <a:shade val="15000"/>
+            </a:schemeClr>
+          </a:lnRef>
+          <a:fillRef idx="1">
+            <a:schemeClr val="accent1"/>
+          </a:fillRef>
+          <a:effectRef idx="0">
+            <a:schemeClr val="accent1"/>
+          </a:effectRef>
+          <a:fontRef idx="minor">
+            <a:schemeClr val="lt1"/>
+          </a:fontRef>
+        </p:style>
+        <p:txBody>
+          <a:bodyPr rtlCol="0" anchor="ctr"/>
+          <a:lstStyle/>
+          <a:p>
+            <a:pPr algn="ctr"/>
+            <a:endParaRPr lang="en-US" sz="1000"/>
+          </a:p>
+        </p:txBody>
+      </p:sp>
+      <p:sp>
+        <p:nvSpPr>
+          <p:cNvPr id="223" name="Rectangle 222">
+            <a:extLst>
+              <a:ext uri="{FF2B5EF4-FFF2-40B4-BE49-F238E27FC236}">
+                <a16:creationId xmlns:a16="http://schemas.microsoft.com/office/drawing/2014/main" id="{9CB6E7B4-8B96-AA83-B11B-B0A7019D84CF}"/>
+              </a:ext>
+            </a:extLst>
+          </p:cNvPr>
+          <p:cNvSpPr/>
+          <p:nvPr/>
+        </p:nvSpPr>
+        <p:spPr>
+          <a:xfrm>
+            <a:off x="3165475" y="3079750"/>
+            <a:ext cx="136525" cy="136525"/>
+          </a:xfrm>
+          <a:prstGeom prst="rect">
+            <a:avLst/>
+          </a:prstGeom>
+          <a:solidFill>
+            <a:srgbClr val="1ED1FD"/>
+          </a:solidFill>
+        </p:spPr>
+        <p:style>
+          <a:lnRef idx="2">
+            <a:schemeClr val="accent1">
+              <a:shade val="15000"/>
+            </a:schemeClr>
+          </a:lnRef>
+          <a:fillRef idx="1">
+            <a:schemeClr val="accent1"/>
+          </a:fillRef>
+          <a:effectRef idx="0">
+            <a:schemeClr val="accent1"/>
+          </a:effectRef>
+          <a:fontRef idx="minor">
+            <a:schemeClr val="lt1"/>
+          </a:fontRef>
+        </p:style>
+        <p:txBody>
+          <a:bodyPr rtlCol="0" anchor="ctr"/>
+          <a:lstStyle/>
+          <a:p>
+            <a:pPr algn="ctr"/>
+            <a:endParaRPr lang="en-US" sz="1000"/>
+          </a:p>
+        </p:txBody>
+      </p:sp>
+      <p:sp>
+        <p:nvSpPr>
+          <p:cNvPr id="224" name="Rectangle 223">
+            <a:extLst>
+              <a:ext uri="{FF2B5EF4-FFF2-40B4-BE49-F238E27FC236}">
+                <a16:creationId xmlns:a16="http://schemas.microsoft.com/office/drawing/2014/main" id="{E3BA2F97-C4AE-9E26-DD44-23AA8574590E}"/>
+              </a:ext>
+            </a:extLst>
+          </p:cNvPr>
+          <p:cNvSpPr/>
+          <p:nvPr/>
+        </p:nvSpPr>
+        <p:spPr>
+          <a:xfrm>
+            <a:off x="3302000" y="3079750"/>
+            <a:ext cx="136525" cy="136525"/>
+          </a:xfrm>
+          <a:prstGeom prst="rect">
+            <a:avLst/>
+          </a:prstGeom>
+          <a:solidFill>
+            <a:srgbClr val="1ED1FD"/>
+          </a:solidFill>
+        </p:spPr>
+        <p:style>
+          <a:lnRef idx="2">
+            <a:schemeClr val="accent1">
+              <a:shade val="15000"/>
+            </a:schemeClr>
+          </a:lnRef>
+          <a:fillRef idx="1">
+            <a:schemeClr val="accent1"/>
+          </a:fillRef>
+          <a:effectRef idx="0">
+            <a:schemeClr val="accent1"/>
+          </a:effectRef>
+          <a:fontRef idx="minor">
+            <a:schemeClr val="lt1"/>
+          </a:fontRef>
+        </p:style>
+        <p:txBody>
+          <a:bodyPr rtlCol="0" anchor="ctr"/>
+          <a:lstStyle/>
+          <a:p>
+            <a:pPr algn="ctr"/>
+            <a:endParaRPr lang="en-US" sz="1000"/>
+          </a:p>
+        </p:txBody>
+      </p:sp>
+      <p:sp>
+        <p:nvSpPr>
+          <p:cNvPr id="225" name="Rectangle 224">
+            <a:extLst>
+              <a:ext uri="{FF2B5EF4-FFF2-40B4-BE49-F238E27FC236}">
+                <a16:creationId xmlns:a16="http://schemas.microsoft.com/office/drawing/2014/main" id="{52EF2DB0-FC16-A553-F9B7-E4FEC278D1B3}"/>
+              </a:ext>
+            </a:extLst>
+          </p:cNvPr>
+          <p:cNvSpPr/>
+          <p:nvPr/>
+        </p:nvSpPr>
+        <p:spPr>
+          <a:xfrm>
+            <a:off x="3438525" y="3079750"/>
+            <a:ext cx="136525" cy="136525"/>
+          </a:xfrm>
+          <a:prstGeom prst="rect">
+            <a:avLst/>
+          </a:prstGeom>
+          <a:solidFill>
+            <a:srgbClr val="1ED1FD"/>
+          </a:solidFill>
+        </p:spPr>
+        <p:style>
+          <a:lnRef idx="2">
+            <a:schemeClr val="accent1">
+              <a:shade val="15000"/>
+            </a:schemeClr>
+          </a:lnRef>
+          <a:fillRef idx="1">
+            <a:schemeClr val="accent1"/>
+          </a:fillRef>
+          <a:effectRef idx="0">
+            <a:schemeClr val="accent1"/>
+          </a:effectRef>
+          <a:fontRef idx="minor">
+            <a:schemeClr val="lt1"/>
+          </a:fontRef>
+        </p:style>
+        <p:txBody>
+          <a:bodyPr rtlCol="0" anchor="ctr"/>
+          <a:lstStyle/>
+          <a:p>
+            <a:pPr algn="ctr"/>
+            <a:endParaRPr lang="en-US" sz="1000"/>
+          </a:p>
+        </p:txBody>
+      </p:sp>
+      <p:sp>
+        <p:nvSpPr>
+          <p:cNvPr id="226" name="Rectangle 225">
+            <a:extLst>
+              <a:ext uri="{FF2B5EF4-FFF2-40B4-BE49-F238E27FC236}">
+                <a16:creationId xmlns:a16="http://schemas.microsoft.com/office/drawing/2014/main" id="{6441782B-F505-D07A-891E-4CE2B437CD3E}"/>
+              </a:ext>
+            </a:extLst>
+          </p:cNvPr>
+          <p:cNvSpPr/>
+          <p:nvPr/>
+        </p:nvSpPr>
+        <p:spPr>
+          <a:xfrm>
+            <a:off x="3575050" y="3079750"/>
+            <a:ext cx="136525" cy="136525"/>
+          </a:xfrm>
+          <a:prstGeom prst="rect">
+            <a:avLst/>
+          </a:prstGeom>
+          <a:solidFill>
+            <a:srgbClr val="1ED1FD"/>
+          </a:solidFill>
+        </p:spPr>
+        <p:style>
+          <a:lnRef idx="2">
+            <a:schemeClr val="accent1">
+              <a:shade val="15000"/>
+            </a:schemeClr>
+          </a:lnRef>
+          <a:fillRef idx="1">
+            <a:schemeClr val="accent1"/>
+          </a:fillRef>
+          <a:effectRef idx="0">
+            <a:schemeClr val="accent1"/>
+          </a:effectRef>
+          <a:fontRef idx="minor">
+            <a:schemeClr val="lt1"/>
+          </a:fontRef>
+        </p:style>
+        <p:txBody>
+          <a:bodyPr rtlCol="0" anchor="ctr"/>
+          <a:lstStyle/>
+          <a:p>
+            <a:pPr algn="ctr"/>
+            <a:endParaRPr lang="en-US" sz="1000"/>
+          </a:p>
+        </p:txBody>
+      </p:sp>
+      <p:sp>
+        <p:nvSpPr>
+          <p:cNvPr id="227" name="Rectangle 226">
+            <a:extLst>
+              <a:ext uri="{FF2B5EF4-FFF2-40B4-BE49-F238E27FC236}">
+                <a16:creationId xmlns:a16="http://schemas.microsoft.com/office/drawing/2014/main" id="{DF983180-5AC2-E76D-4FEC-B6A373847A4D}"/>
+              </a:ext>
+            </a:extLst>
+          </p:cNvPr>
+          <p:cNvSpPr/>
+          <p:nvPr/>
+        </p:nvSpPr>
+        <p:spPr>
+          <a:xfrm>
+            <a:off x="3711575" y="3079750"/>
+            <a:ext cx="136525" cy="136525"/>
+          </a:xfrm>
+          <a:prstGeom prst="rect">
+            <a:avLst/>
+          </a:prstGeom>
+          <a:solidFill>
+            <a:srgbClr val="1ED1FD"/>
+          </a:solidFill>
+        </p:spPr>
+        <p:style>
+          <a:lnRef idx="2">
+            <a:schemeClr val="accent1">
+              <a:shade val="15000"/>
+            </a:schemeClr>
+          </a:lnRef>
+          <a:fillRef idx="1">
+            <a:schemeClr val="accent1"/>
+          </a:fillRef>
+          <a:effectRef idx="0">
+            <a:schemeClr val="accent1"/>
+          </a:effectRef>
+          <a:fontRef idx="minor">
+            <a:schemeClr val="lt1"/>
+          </a:fontRef>
+        </p:style>
+        <p:txBody>
+          <a:bodyPr rtlCol="0" anchor="ctr"/>
+          <a:lstStyle/>
+          <a:p>
+            <a:pPr algn="ctr"/>
+            <a:endParaRPr lang="en-US" sz="1000"/>
+          </a:p>
+        </p:txBody>
+      </p:sp>
+      <p:sp>
+        <p:nvSpPr>
+          <p:cNvPr id="228" name="Rectangle 227">
+            <a:extLst>
+              <a:ext uri="{FF2B5EF4-FFF2-40B4-BE49-F238E27FC236}">
+                <a16:creationId xmlns:a16="http://schemas.microsoft.com/office/drawing/2014/main" id="{CE1B3A78-9F4F-45E8-4A88-A06DA1BE20AF}"/>
+              </a:ext>
+            </a:extLst>
+          </p:cNvPr>
+          <p:cNvSpPr/>
+          <p:nvPr/>
+        </p:nvSpPr>
+        <p:spPr>
+          <a:xfrm>
+            <a:off x="3848100" y="3079750"/>
+            <a:ext cx="136525" cy="136525"/>
+          </a:xfrm>
+          <a:prstGeom prst="rect">
+            <a:avLst/>
+          </a:prstGeom>
+          <a:solidFill>
+            <a:srgbClr val="1ED1FD"/>
+          </a:solidFill>
+        </p:spPr>
+        <p:style>
+          <a:lnRef idx="2">
+            <a:schemeClr val="accent1">
+              <a:shade val="15000"/>
+            </a:schemeClr>
+          </a:lnRef>
+          <a:fillRef idx="1">
+            <a:schemeClr val="accent1"/>
+          </a:fillRef>
+          <a:effectRef idx="0">
+            <a:schemeClr val="accent1"/>
+          </a:effectRef>
+          <a:fontRef idx="minor">
+            <a:schemeClr val="lt1"/>
+          </a:fontRef>
+        </p:style>
+        <p:txBody>
+          <a:bodyPr rtlCol="0" anchor="ctr"/>
+          <a:lstStyle/>
+          <a:p>
+            <a:pPr algn="ctr"/>
+            <a:endParaRPr lang="en-US" sz="1000"/>
+          </a:p>
+        </p:txBody>
+      </p:sp>
+      <p:sp>
+        <p:nvSpPr>
+          <p:cNvPr id="229" name="Rectangle 228">
+            <a:extLst>
+              <a:ext uri="{FF2B5EF4-FFF2-40B4-BE49-F238E27FC236}">
+                <a16:creationId xmlns:a16="http://schemas.microsoft.com/office/drawing/2014/main" id="{5D7A038C-CA50-5E79-C456-0FEE90F66025}"/>
+              </a:ext>
+            </a:extLst>
+          </p:cNvPr>
+          <p:cNvSpPr/>
+          <p:nvPr/>
+        </p:nvSpPr>
+        <p:spPr>
+          <a:xfrm>
+            <a:off x="3984625" y="3079750"/>
+            <a:ext cx="136525" cy="136525"/>
+          </a:xfrm>
+          <a:prstGeom prst="rect">
+            <a:avLst/>
+          </a:prstGeom>
+          <a:solidFill>
+            <a:srgbClr val="1ED1FD"/>
+          </a:solidFill>
+        </p:spPr>
+        <p:style>
+          <a:lnRef idx="2">
+            <a:schemeClr val="accent1">
+              <a:shade val="15000"/>
+            </a:schemeClr>
+          </a:lnRef>
+          <a:fillRef idx="1">
+            <a:schemeClr val="accent1"/>
+          </a:fillRef>
+          <a:effectRef idx="0">
+            <a:schemeClr val="accent1"/>
+          </a:effectRef>
+          <a:fontRef idx="minor">
+            <a:schemeClr val="lt1"/>
+          </a:fontRef>
+        </p:style>
+        <p:txBody>
+          <a:bodyPr rtlCol="0" anchor="ctr"/>
+          <a:lstStyle/>
+          <a:p>
+            <a:pPr algn="ctr"/>
+            <a:endParaRPr lang="en-US" sz="1000"/>
+          </a:p>
+        </p:txBody>
+      </p:sp>
+      <p:sp>
+        <p:nvSpPr>
+          <p:cNvPr id="230" name="Rectangle 229">
+            <a:extLst>
+              <a:ext uri="{FF2B5EF4-FFF2-40B4-BE49-F238E27FC236}">
+                <a16:creationId xmlns:a16="http://schemas.microsoft.com/office/drawing/2014/main" id="{EAE7C498-6126-1513-0F11-37B4C60529FD}"/>
+              </a:ext>
+            </a:extLst>
+          </p:cNvPr>
+          <p:cNvSpPr/>
+          <p:nvPr/>
+        </p:nvSpPr>
+        <p:spPr>
+          <a:xfrm>
+            <a:off x="3028950" y="3216275"/>
+            <a:ext cx="136525" cy="136525"/>
+          </a:xfrm>
+          <a:prstGeom prst="rect">
+            <a:avLst/>
+          </a:prstGeom>
+          <a:solidFill>
+            <a:srgbClr val="1ED1FD"/>
+          </a:solidFill>
+        </p:spPr>
+        <p:style>
+          <a:lnRef idx="2">
+            <a:schemeClr val="accent1">
+              <a:shade val="15000"/>
+            </a:schemeClr>
+          </a:lnRef>
+          <a:fillRef idx="1">
+            <a:schemeClr val="accent1"/>
+          </a:fillRef>
+          <a:effectRef idx="0">
+            <a:schemeClr val="accent1"/>
+          </a:effectRef>
+          <a:fontRef idx="minor">
+            <a:schemeClr val="lt1"/>
+          </a:fontRef>
+        </p:style>
+        <p:txBody>
+          <a:bodyPr rtlCol="0" anchor="ctr"/>
+          <a:lstStyle/>
+          <a:p>
+            <a:pPr algn="ctr"/>
+            <a:endParaRPr lang="en-US" sz="1000"/>
+          </a:p>
+        </p:txBody>
+      </p:sp>
+      <p:sp>
+        <p:nvSpPr>
+          <p:cNvPr id="231" name="Rectangle 230">
+            <a:extLst>
+              <a:ext uri="{FF2B5EF4-FFF2-40B4-BE49-F238E27FC236}">
+                <a16:creationId xmlns:a16="http://schemas.microsoft.com/office/drawing/2014/main" id="{F1317AB7-A72C-1586-FE0B-917721B0599C}"/>
+              </a:ext>
+            </a:extLst>
+          </p:cNvPr>
+          <p:cNvSpPr/>
+          <p:nvPr/>
+        </p:nvSpPr>
+        <p:spPr>
+          <a:xfrm>
+            <a:off x="3165475" y="3216275"/>
+            <a:ext cx="136525" cy="136525"/>
+          </a:xfrm>
+          <a:prstGeom prst="rect">
+            <a:avLst/>
+          </a:prstGeom>
+          <a:solidFill>
+            <a:srgbClr val="1ED1FD"/>
+          </a:solidFill>
+        </p:spPr>
+        <p:style>
+          <a:lnRef idx="2">
+            <a:schemeClr val="accent1">
+              <a:shade val="15000"/>
+            </a:schemeClr>
+          </a:lnRef>
+          <a:fillRef idx="1">
+            <a:schemeClr val="accent1"/>
+          </a:fillRef>
+          <a:effectRef idx="0">
+            <a:schemeClr val="accent1"/>
+          </a:effectRef>
+          <a:fontRef idx="minor">
+            <a:schemeClr val="lt1"/>
+          </a:fontRef>
+        </p:style>
+        <p:txBody>
+          <a:bodyPr rtlCol="0" anchor="ctr"/>
+          <a:lstStyle/>
+          <a:p>
+            <a:pPr algn="ctr"/>
+            <a:endParaRPr lang="en-US" sz="1000"/>
+          </a:p>
+        </p:txBody>
+      </p:sp>
+      <p:sp>
+        <p:nvSpPr>
+          <p:cNvPr id="232" name="Rectangle 231">
+            <a:extLst>
+              <a:ext uri="{FF2B5EF4-FFF2-40B4-BE49-F238E27FC236}">
+                <a16:creationId xmlns:a16="http://schemas.microsoft.com/office/drawing/2014/main" id="{2CA95485-68A6-F31E-3809-50CF801D6028}"/>
+              </a:ext>
+            </a:extLst>
+          </p:cNvPr>
+          <p:cNvSpPr/>
+          <p:nvPr/>
+        </p:nvSpPr>
+        <p:spPr>
+          <a:xfrm>
+            <a:off x="3302000" y="3216275"/>
+            <a:ext cx="136525" cy="136525"/>
+          </a:xfrm>
+          <a:prstGeom prst="rect">
+            <a:avLst/>
+          </a:prstGeom>
+          <a:solidFill>
+            <a:srgbClr val="1ED1FD"/>
+          </a:solidFill>
+        </p:spPr>
+        <p:style>
+          <a:lnRef idx="2">
+            <a:schemeClr val="accent1">
+              <a:shade val="15000"/>
+            </a:schemeClr>
+          </a:lnRef>
+          <a:fillRef idx="1">
+            <a:schemeClr val="accent1"/>
+          </a:fillRef>
+          <a:effectRef idx="0">
+            <a:schemeClr val="accent1"/>
+          </a:effectRef>
+          <a:fontRef idx="minor">
+            <a:schemeClr val="lt1"/>
+          </a:fontRef>
+        </p:style>
+        <p:txBody>
+          <a:bodyPr rtlCol="0" anchor="ctr"/>
+          <a:lstStyle/>
+          <a:p>
+            <a:pPr algn="ctr"/>
+            <a:endParaRPr lang="en-US" sz="1000"/>
+          </a:p>
+        </p:txBody>
+      </p:sp>
+      <p:sp>
+        <p:nvSpPr>
+          <p:cNvPr id="233" name="Rectangle 232">
+            <a:extLst>
+              <a:ext uri="{FF2B5EF4-FFF2-40B4-BE49-F238E27FC236}">
+                <a16:creationId xmlns:a16="http://schemas.microsoft.com/office/drawing/2014/main" id="{0FB5D5AC-12A6-237A-D857-502C9B3C66BC}"/>
+              </a:ext>
+            </a:extLst>
+          </p:cNvPr>
+          <p:cNvSpPr/>
+          <p:nvPr/>
+        </p:nvSpPr>
+        <p:spPr>
+          <a:xfrm>
+            <a:off x="3438525" y="3216275"/>
+            <a:ext cx="136525" cy="136525"/>
+          </a:xfrm>
+          <a:prstGeom prst="rect">
+            <a:avLst/>
+          </a:prstGeom>
+          <a:solidFill>
+            <a:srgbClr val="1ED1FD"/>
+          </a:solidFill>
+        </p:spPr>
+        <p:style>
+          <a:lnRef idx="2">
+            <a:schemeClr val="accent1">
+              <a:shade val="15000"/>
+            </a:schemeClr>
+          </a:lnRef>
+          <a:fillRef idx="1">
+            <a:schemeClr val="accent1"/>
+          </a:fillRef>
+          <a:effectRef idx="0">
+            <a:schemeClr val="accent1"/>
+          </a:effectRef>
+          <a:fontRef idx="minor">
+            <a:schemeClr val="lt1"/>
+          </a:fontRef>
+        </p:style>
+        <p:txBody>
+          <a:bodyPr rtlCol="0" anchor="ctr"/>
+          <a:lstStyle/>
+          <a:p>
+            <a:pPr algn="ctr"/>
+            <a:endParaRPr lang="en-US" sz="1000"/>
+          </a:p>
+        </p:txBody>
+      </p:sp>
+      <p:sp>
+        <p:nvSpPr>
+          <p:cNvPr id="234" name="Rectangle 233">
+            <a:extLst>
+              <a:ext uri="{FF2B5EF4-FFF2-40B4-BE49-F238E27FC236}">
+                <a16:creationId xmlns:a16="http://schemas.microsoft.com/office/drawing/2014/main" id="{E3844DFE-CB90-1BBD-D364-8FBEEAB9A9CD}"/>
+              </a:ext>
+            </a:extLst>
+          </p:cNvPr>
+          <p:cNvSpPr/>
+          <p:nvPr/>
+        </p:nvSpPr>
+        <p:spPr>
+          <a:xfrm>
+            <a:off x="3575050" y="3216275"/>
+            <a:ext cx="136525" cy="136525"/>
+          </a:xfrm>
+          <a:prstGeom prst="rect">
+            <a:avLst/>
+          </a:prstGeom>
+          <a:solidFill>
+            <a:srgbClr val="1ED1FD"/>
+          </a:solidFill>
+        </p:spPr>
+        <p:style>
+          <a:lnRef idx="2">
+            <a:schemeClr val="accent1">
+              <a:shade val="15000"/>
+            </a:schemeClr>
+          </a:lnRef>
+          <a:fillRef idx="1">
+            <a:schemeClr val="accent1"/>
+          </a:fillRef>
+          <a:effectRef idx="0">
+            <a:schemeClr val="accent1"/>
+          </a:effectRef>
+          <a:fontRef idx="minor">
+            <a:schemeClr val="lt1"/>
+          </a:fontRef>
+        </p:style>
+        <p:txBody>
+          <a:bodyPr rtlCol="0" anchor="ctr"/>
+          <a:lstStyle/>
+          <a:p>
+            <a:pPr algn="ctr"/>
+            <a:endParaRPr lang="en-US" sz="1000"/>
+          </a:p>
+        </p:txBody>
+      </p:sp>
+      <p:sp>
+        <p:nvSpPr>
+          <p:cNvPr id="235" name="Rectangle 234">
+            <a:extLst>
+              <a:ext uri="{FF2B5EF4-FFF2-40B4-BE49-F238E27FC236}">
+                <a16:creationId xmlns:a16="http://schemas.microsoft.com/office/drawing/2014/main" id="{363796DA-3854-ACCD-02F9-436731538E8B}"/>
+              </a:ext>
+            </a:extLst>
+          </p:cNvPr>
+          <p:cNvSpPr/>
+          <p:nvPr/>
+        </p:nvSpPr>
+        <p:spPr>
+          <a:xfrm>
+            <a:off x="3711575" y="3216275"/>
+            <a:ext cx="136525" cy="136525"/>
+          </a:xfrm>
+          <a:prstGeom prst="rect">
+            <a:avLst/>
+          </a:prstGeom>
+          <a:solidFill>
+            <a:srgbClr val="1ED1FD"/>
+          </a:solidFill>
+        </p:spPr>
+        <p:style>
+          <a:lnRef idx="2">
+            <a:schemeClr val="accent1">
+              <a:shade val="15000"/>
+            </a:schemeClr>
+          </a:lnRef>
+          <a:fillRef idx="1">
+            <a:schemeClr val="accent1"/>
+          </a:fillRef>
+          <a:effectRef idx="0">
+            <a:schemeClr val="accent1"/>
+          </a:effectRef>
+          <a:fontRef idx="minor">
+            <a:schemeClr val="lt1"/>
+          </a:fontRef>
+        </p:style>
+        <p:txBody>
+          <a:bodyPr rtlCol="0" anchor="ctr"/>
+          <a:lstStyle/>
+          <a:p>
+            <a:pPr algn="ctr"/>
+            <a:endParaRPr lang="en-US" sz="1000"/>
+          </a:p>
+        </p:txBody>
+      </p:sp>
+      <p:sp>
+        <p:nvSpPr>
+          <p:cNvPr id="236" name="Rectangle 235">
+            <a:extLst>
+              <a:ext uri="{FF2B5EF4-FFF2-40B4-BE49-F238E27FC236}">
+                <a16:creationId xmlns:a16="http://schemas.microsoft.com/office/drawing/2014/main" id="{B3999D70-0B30-94EC-E87C-406C5CF46C0F}"/>
+              </a:ext>
+            </a:extLst>
+          </p:cNvPr>
+          <p:cNvSpPr/>
+          <p:nvPr/>
+        </p:nvSpPr>
+        <p:spPr>
+          <a:xfrm>
+            <a:off x="3848100" y="3216275"/>
+            <a:ext cx="136525" cy="136525"/>
+          </a:xfrm>
+          <a:prstGeom prst="rect">
+            <a:avLst/>
+          </a:prstGeom>
+          <a:solidFill>
+            <a:srgbClr val="1ED1FD"/>
+          </a:solidFill>
+        </p:spPr>
+        <p:style>
+          <a:lnRef idx="2">
+            <a:schemeClr val="accent1">
+              <a:shade val="15000"/>
+            </a:schemeClr>
+          </a:lnRef>
+          <a:fillRef idx="1">
+            <a:schemeClr val="accent1"/>
+          </a:fillRef>
+          <a:effectRef idx="0">
+            <a:schemeClr val="accent1"/>
+          </a:effectRef>
+          <a:fontRef idx="minor">
+            <a:schemeClr val="lt1"/>
+          </a:fontRef>
+        </p:style>
+        <p:txBody>
+          <a:bodyPr rtlCol="0" anchor="ctr"/>
+          <a:lstStyle/>
+          <a:p>
+            <a:pPr algn="ctr"/>
+            <a:endParaRPr lang="en-US" sz="1000"/>
+          </a:p>
+        </p:txBody>
+      </p:sp>
+      <p:sp>
+        <p:nvSpPr>
+          <p:cNvPr id="237" name="Rectangle 236">
+            <a:extLst>
+              <a:ext uri="{FF2B5EF4-FFF2-40B4-BE49-F238E27FC236}">
+                <a16:creationId xmlns:a16="http://schemas.microsoft.com/office/drawing/2014/main" id="{E0B1A5BE-452E-26C2-0338-F0D0DAA466B6}"/>
+              </a:ext>
+            </a:extLst>
+          </p:cNvPr>
+          <p:cNvSpPr/>
+          <p:nvPr/>
+        </p:nvSpPr>
+        <p:spPr>
+          <a:xfrm>
+            <a:off x="3984625" y="3216275"/>
+            <a:ext cx="136525" cy="136525"/>
+          </a:xfrm>
+          <a:prstGeom prst="rect">
+            <a:avLst/>
+          </a:prstGeom>
+          <a:solidFill>
+            <a:srgbClr val="1ED1FD"/>
+          </a:solidFill>
+        </p:spPr>
+        <p:style>
+          <a:lnRef idx="2">
+            <a:schemeClr val="accent1">
+              <a:shade val="15000"/>
+            </a:schemeClr>
+          </a:lnRef>
+          <a:fillRef idx="1">
+            <a:schemeClr val="accent1"/>
+          </a:fillRef>
+          <a:effectRef idx="0">
+            <a:schemeClr val="accent1"/>
+          </a:effectRef>
+          <a:fontRef idx="minor">
+            <a:schemeClr val="lt1"/>
+          </a:fontRef>
+        </p:style>
+        <p:txBody>
+          <a:bodyPr rtlCol="0" anchor="ctr"/>
+          <a:lstStyle/>
+          <a:p>
+            <a:pPr algn="ctr"/>
+            <a:endParaRPr lang="en-US" sz="1000"/>
+          </a:p>
+        </p:txBody>
+      </p:sp>
+      <p:sp>
+        <p:nvSpPr>
+          <p:cNvPr id="238" name="Rectangle 237">
+            <a:extLst>
+              <a:ext uri="{FF2B5EF4-FFF2-40B4-BE49-F238E27FC236}">
+                <a16:creationId xmlns:a16="http://schemas.microsoft.com/office/drawing/2014/main" id="{9A3BFBB2-C238-9684-2D26-56AEBEEB50BE}"/>
+              </a:ext>
+            </a:extLst>
+          </p:cNvPr>
+          <p:cNvSpPr/>
+          <p:nvPr/>
+        </p:nvSpPr>
+        <p:spPr>
+          <a:xfrm>
+            <a:off x="3028950" y="3352800"/>
+            <a:ext cx="136525" cy="136525"/>
+          </a:xfrm>
+          <a:prstGeom prst="rect">
+            <a:avLst/>
+          </a:prstGeom>
+          <a:solidFill>
+            <a:srgbClr val="1ED1FD"/>
+          </a:solidFill>
+        </p:spPr>
+        <p:style>
+          <a:lnRef idx="2">
+            <a:schemeClr val="accent1">
+              <a:shade val="15000"/>
+            </a:schemeClr>
+          </a:lnRef>
+          <a:fillRef idx="1">
+            <a:schemeClr val="accent1"/>
+          </a:fillRef>
+          <a:effectRef idx="0">
+            <a:schemeClr val="accent1"/>
+          </a:effectRef>
+          <a:fontRef idx="minor">
+            <a:schemeClr val="lt1"/>
+          </a:fontRef>
+        </p:style>
+        <p:txBody>
+          <a:bodyPr rtlCol="0" anchor="ctr"/>
+          <a:lstStyle/>
+          <a:p>
+            <a:pPr algn="ctr"/>
+            <a:endParaRPr lang="en-US" sz="1000"/>
+          </a:p>
+        </p:txBody>
+      </p:sp>
+      <p:sp>
+        <p:nvSpPr>
+          <p:cNvPr id="239" name="Rectangle 238">
+            <a:extLst>
+              <a:ext uri="{FF2B5EF4-FFF2-40B4-BE49-F238E27FC236}">
+                <a16:creationId xmlns:a16="http://schemas.microsoft.com/office/drawing/2014/main" id="{75A5CC0D-2DC4-33AB-998A-FE62D25F30B0}"/>
+              </a:ext>
+            </a:extLst>
+          </p:cNvPr>
+          <p:cNvSpPr/>
+          <p:nvPr/>
+        </p:nvSpPr>
+        <p:spPr>
+          <a:xfrm>
+            <a:off x="3165475" y="3352800"/>
+            <a:ext cx="136525" cy="136525"/>
+          </a:xfrm>
+          <a:prstGeom prst="rect">
+            <a:avLst/>
+          </a:prstGeom>
+          <a:solidFill>
+            <a:srgbClr val="1ED1FD"/>
+          </a:solidFill>
+        </p:spPr>
+        <p:style>
+          <a:lnRef idx="2">
+            <a:schemeClr val="accent1">
+              <a:shade val="15000"/>
+            </a:schemeClr>
+          </a:lnRef>
+          <a:fillRef idx="1">
+            <a:schemeClr val="accent1"/>
+          </a:fillRef>
+          <a:effectRef idx="0">
+            <a:schemeClr val="accent1"/>
+          </a:effectRef>
+          <a:fontRef idx="minor">
+            <a:schemeClr val="lt1"/>
+          </a:fontRef>
+        </p:style>
+        <p:txBody>
+          <a:bodyPr rtlCol="0" anchor="ctr"/>
+          <a:lstStyle/>
+          <a:p>
+            <a:pPr algn="ctr"/>
+            <a:endParaRPr lang="en-US" sz="1000"/>
+          </a:p>
+        </p:txBody>
+      </p:sp>
+      <p:sp>
+        <p:nvSpPr>
+          <p:cNvPr id="240" name="Rectangle 239">
+            <a:extLst>
+              <a:ext uri="{FF2B5EF4-FFF2-40B4-BE49-F238E27FC236}">
+                <a16:creationId xmlns:a16="http://schemas.microsoft.com/office/drawing/2014/main" id="{E39F89A4-FA72-4DBE-E392-5E1FBE5B107C}"/>
+              </a:ext>
+            </a:extLst>
+          </p:cNvPr>
+          <p:cNvSpPr/>
+          <p:nvPr/>
+        </p:nvSpPr>
+        <p:spPr>
+          <a:xfrm>
+            <a:off x="3302000" y="3352800"/>
+            <a:ext cx="136525" cy="136525"/>
+          </a:xfrm>
+          <a:prstGeom prst="rect">
+            <a:avLst/>
+          </a:prstGeom>
+          <a:solidFill>
+            <a:srgbClr val="1ED1FD"/>
+          </a:solidFill>
+        </p:spPr>
+        <p:style>
+          <a:lnRef idx="2">
+            <a:schemeClr val="accent1">
+              <a:shade val="15000"/>
+            </a:schemeClr>
+          </a:lnRef>
+          <a:fillRef idx="1">
+            <a:schemeClr val="accent1"/>
+          </a:fillRef>
+          <a:effectRef idx="0">
+            <a:schemeClr val="accent1"/>
+          </a:effectRef>
+          <a:fontRef idx="minor">
+            <a:schemeClr val="lt1"/>
+          </a:fontRef>
+        </p:style>
+        <p:txBody>
+          <a:bodyPr rtlCol="0" anchor="ctr"/>
+          <a:lstStyle/>
+          <a:p>
+            <a:pPr algn="ctr"/>
+            <a:endParaRPr lang="en-US" sz="1000"/>
+          </a:p>
+        </p:txBody>
+      </p:sp>
+      <p:sp>
+        <p:nvSpPr>
+          <p:cNvPr id="241" name="Rectangle 240">
+            <a:extLst>
+              <a:ext uri="{FF2B5EF4-FFF2-40B4-BE49-F238E27FC236}">
+                <a16:creationId xmlns:a16="http://schemas.microsoft.com/office/drawing/2014/main" id="{B37F7E87-4595-638B-B89D-338F1191B230}"/>
+              </a:ext>
+            </a:extLst>
+          </p:cNvPr>
+          <p:cNvSpPr/>
+          <p:nvPr/>
+        </p:nvSpPr>
+        <p:spPr>
+          <a:xfrm>
+            <a:off x="3438525" y="3352800"/>
+            <a:ext cx="136525" cy="136525"/>
+          </a:xfrm>
+          <a:prstGeom prst="rect">
+            <a:avLst/>
+          </a:prstGeom>
+          <a:solidFill>
+            <a:srgbClr val="1ED1FD"/>
+          </a:solidFill>
+        </p:spPr>
+        <p:style>
+          <a:lnRef idx="2">
+            <a:schemeClr val="accent1">
+              <a:shade val="15000"/>
+            </a:schemeClr>
+          </a:lnRef>
+          <a:fillRef idx="1">
+            <a:schemeClr val="accent1"/>
+          </a:fillRef>
+          <a:effectRef idx="0">
+            <a:schemeClr val="accent1"/>
+          </a:effectRef>
+          <a:fontRef idx="minor">
+            <a:schemeClr val="lt1"/>
+          </a:fontRef>
+        </p:style>
+        <p:txBody>
+          <a:bodyPr rtlCol="0" anchor="ctr"/>
+          <a:lstStyle/>
+          <a:p>
+            <a:pPr algn="ctr"/>
+            <a:endParaRPr lang="en-US" sz="1000"/>
+          </a:p>
+        </p:txBody>
+      </p:sp>
+      <p:sp>
+        <p:nvSpPr>
+          <p:cNvPr id="242" name="Rectangle 241">
+            <a:extLst>
+              <a:ext uri="{FF2B5EF4-FFF2-40B4-BE49-F238E27FC236}">
+                <a16:creationId xmlns:a16="http://schemas.microsoft.com/office/drawing/2014/main" id="{D300C218-0F94-BC9D-231B-42FDC4B8459F}"/>
+              </a:ext>
+            </a:extLst>
+          </p:cNvPr>
+          <p:cNvSpPr/>
+          <p:nvPr/>
+        </p:nvSpPr>
+        <p:spPr>
+          <a:xfrm>
+            <a:off x="3575050" y="3352800"/>
+            <a:ext cx="136525" cy="136525"/>
+          </a:xfrm>
+          <a:prstGeom prst="rect">
+            <a:avLst/>
+          </a:prstGeom>
+          <a:solidFill>
+            <a:srgbClr val="1ED1FD"/>
+          </a:solidFill>
+        </p:spPr>
+        <p:style>
+          <a:lnRef idx="2">
+            <a:schemeClr val="accent1">
+              <a:shade val="15000"/>
+            </a:schemeClr>
+          </a:lnRef>
+          <a:fillRef idx="1">
+            <a:schemeClr val="accent1"/>
+          </a:fillRef>
+          <a:effectRef idx="0">
+            <a:schemeClr val="accent1"/>
+          </a:effectRef>
+          <a:fontRef idx="minor">
+            <a:schemeClr val="lt1"/>
+          </a:fontRef>
+        </p:style>
+        <p:txBody>
+          <a:bodyPr rtlCol="0" anchor="ctr"/>
+          <a:lstStyle/>
+          <a:p>
+            <a:pPr algn="ctr"/>
+            <a:endParaRPr lang="en-US" sz="1000"/>
+          </a:p>
+        </p:txBody>
+      </p:sp>
+      <p:sp>
+        <p:nvSpPr>
+          <p:cNvPr id="243" name="Rectangle 242">
+            <a:extLst>
+              <a:ext uri="{FF2B5EF4-FFF2-40B4-BE49-F238E27FC236}">
+                <a16:creationId xmlns:a16="http://schemas.microsoft.com/office/drawing/2014/main" id="{ABF32ACF-93AE-4B55-FE4A-A93D0A76695C}"/>
+              </a:ext>
+            </a:extLst>
+          </p:cNvPr>
+          <p:cNvSpPr/>
+          <p:nvPr/>
+        </p:nvSpPr>
+        <p:spPr>
+          <a:xfrm>
+            <a:off x="3711575" y="3352800"/>
+            <a:ext cx="136525" cy="136525"/>
+          </a:xfrm>
+          <a:prstGeom prst="rect">
+            <a:avLst/>
+          </a:prstGeom>
+          <a:solidFill>
+            <a:srgbClr val="1ED1FD"/>
+          </a:solidFill>
+        </p:spPr>
+        <p:style>
+          <a:lnRef idx="2">
+            <a:schemeClr val="accent1">
+              <a:shade val="15000"/>
+            </a:schemeClr>
+          </a:lnRef>
+          <a:fillRef idx="1">
+            <a:schemeClr val="accent1"/>
+          </a:fillRef>
+          <a:effectRef idx="0">
+            <a:schemeClr val="accent1"/>
+          </a:effectRef>
+          <a:fontRef idx="minor">
+            <a:schemeClr val="lt1"/>
+          </a:fontRef>
+        </p:style>
+        <p:txBody>
+          <a:bodyPr rtlCol="0" anchor="ctr"/>
+          <a:lstStyle/>
+          <a:p>
+            <a:pPr algn="ctr"/>
+            <a:endParaRPr lang="en-US" sz="1000"/>
+          </a:p>
+        </p:txBody>
+      </p:sp>
+      <p:sp>
+        <p:nvSpPr>
+          <p:cNvPr id="244" name="Rectangle 243">
+            <a:extLst>
+              <a:ext uri="{FF2B5EF4-FFF2-40B4-BE49-F238E27FC236}">
+                <a16:creationId xmlns:a16="http://schemas.microsoft.com/office/drawing/2014/main" id="{E1509596-8572-5B77-498E-5A2F9C0C2A98}"/>
+              </a:ext>
+            </a:extLst>
+          </p:cNvPr>
+          <p:cNvSpPr/>
+          <p:nvPr/>
+        </p:nvSpPr>
+        <p:spPr>
+          <a:xfrm>
+            <a:off x="3848100" y="3352800"/>
+            <a:ext cx="136525" cy="136525"/>
+          </a:xfrm>
+          <a:prstGeom prst="rect">
+            <a:avLst/>
+          </a:prstGeom>
+          <a:solidFill>
+            <a:srgbClr val="1ED1FD"/>
+          </a:solidFill>
+        </p:spPr>
+        <p:style>
+          <a:lnRef idx="2">
+            <a:schemeClr val="accent1">
+              <a:shade val="15000"/>
+            </a:schemeClr>
+          </a:lnRef>
+          <a:fillRef idx="1">
+            <a:schemeClr val="accent1"/>
+          </a:fillRef>
+          <a:effectRef idx="0">
+            <a:schemeClr val="accent1"/>
+          </a:effectRef>
+          <a:fontRef idx="minor">
+            <a:schemeClr val="lt1"/>
+          </a:fontRef>
+        </p:style>
+        <p:txBody>
+          <a:bodyPr rtlCol="0" anchor="ctr"/>
+          <a:lstStyle/>
+          <a:p>
+            <a:pPr algn="ctr"/>
+            <a:endParaRPr lang="en-US" sz="1000"/>
+          </a:p>
+        </p:txBody>
+      </p:sp>
+      <p:sp>
+        <p:nvSpPr>
+          <p:cNvPr id="245" name="Rectangle 244">
+            <a:extLst>
+              <a:ext uri="{FF2B5EF4-FFF2-40B4-BE49-F238E27FC236}">
+                <a16:creationId xmlns:a16="http://schemas.microsoft.com/office/drawing/2014/main" id="{C0C90A65-81F8-03AD-5241-4DABDDFF3A2B}"/>
+              </a:ext>
+            </a:extLst>
+          </p:cNvPr>
+          <p:cNvSpPr/>
+          <p:nvPr/>
+        </p:nvSpPr>
+        <p:spPr>
+          <a:xfrm>
+            <a:off x="3984625" y="3352800"/>
+            <a:ext cx="136525" cy="136525"/>
+          </a:xfrm>
+          <a:prstGeom prst="rect">
+            <a:avLst/>
+          </a:prstGeom>
+          <a:solidFill>
+            <a:srgbClr val="1ED1FD"/>
+          </a:solidFill>
+        </p:spPr>
+        <p:style>
+          <a:lnRef idx="2">
+            <a:schemeClr val="accent1">
+              <a:shade val="15000"/>
+            </a:schemeClr>
+          </a:lnRef>
+          <a:fillRef idx="1">
+            <a:schemeClr val="accent1"/>
+          </a:fillRef>
+          <a:effectRef idx="0">
+            <a:schemeClr val="accent1"/>
+          </a:effectRef>
+          <a:fontRef idx="minor">
+            <a:schemeClr val="lt1"/>
+          </a:fontRef>
+        </p:style>
+        <p:txBody>
+          <a:bodyPr rtlCol="0" anchor="ctr"/>
+          <a:lstStyle/>
+          <a:p>
+            <a:pPr algn="ctr"/>
+            <a:endParaRPr lang="en-US" sz="1000"/>
+          </a:p>
+        </p:txBody>
+      </p:sp>
+      <p:sp>
+        <p:nvSpPr>
+          <p:cNvPr id="246" name="Rectangle 245">
+            <a:extLst>
+              <a:ext uri="{FF2B5EF4-FFF2-40B4-BE49-F238E27FC236}">
+                <a16:creationId xmlns:a16="http://schemas.microsoft.com/office/drawing/2014/main" id="{5F3500EE-802B-EA2A-1C55-3F4FF4CE1F5F}"/>
+              </a:ext>
+            </a:extLst>
+          </p:cNvPr>
+          <p:cNvSpPr/>
+          <p:nvPr/>
+        </p:nvSpPr>
+        <p:spPr>
+          <a:xfrm>
+            <a:off x="3028950" y="3489325"/>
+            <a:ext cx="136525" cy="136525"/>
+          </a:xfrm>
+          <a:prstGeom prst="rect">
+            <a:avLst/>
+          </a:prstGeom>
+          <a:solidFill>
+            <a:srgbClr val="1ED1FD"/>
+          </a:solidFill>
+        </p:spPr>
+        <p:style>
+          <a:lnRef idx="2">
+            <a:schemeClr val="accent1">
+              <a:shade val="15000"/>
+            </a:schemeClr>
+          </a:lnRef>
+          <a:fillRef idx="1">
+            <a:schemeClr val="accent1"/>
+          </a:fillRef>
+          <a:effectRef idx="0">
+            <a:schemeClr val="accent1"/>
+          </a:effectRef>
+          <a:fontRef idx="minor">
+            <a:schemeClr val="lt1"/>
+          </a:fontRef>
+        </p:style>
+        <p:txBody>
+          <a:bodyPr rtlCol="0" anchor="ctr"/>
+          <a:lstStyle/>
+          <a:p>
+            <a:pPr algn="ctr"/>
+            <a:endParaRPr lang="en-US" sz="1000"/>
+          </a:p>
+        </p:txBody>
+      </p:sp>
+      <p:sp>
+        <p:nvSpPr>
+          <p:cNvPr id="247" name="Rectangle 246">
+            <a:extLst>
+              <a:ext uri="{FF2B5EF4-FFF2-40B4-BE49-F238E27FC236}">
+                <a16:creationId xmlns:a16="http://schemas.microsoft.com/office/drawing/2014/main" id="{475B0DF6-7C30-3F47-9599-1C84EC4617D6}"/>
+              </a:ext>
+            </a:extLst>
+          </p:cNvPr>
+          <p:cNvSpPr/>
+          <p:nvPr/>
+        </p:nvSpPr>
+        <p:spPr>
+          <a:xfrm>
+            <a:off x="3165475" y="3489325"/>
+            <a:ext cx="136525" cy="136525"/>
+          </a:xfrm>
+          <a:prstGeom prst="rect">
+            <a:avLst/>
+          </a:prstGeom>
+          <a:solidFill>
+            <a:srgbClr val="1ED1FD"/>
+          </a:solidFill>
+        </p:spPr>
+        <p:style>
+          <a:lnRef idx="2">
+            <a:schemeClr val="accent1">
+              <a:shade val="15000"/>
+            </a:schemeClr>
+          </a:lnRef>
+          <a:fillRef idx="1">
+            <a:schemeClr val="accent1"/>
+          </a:fillRef>
+          <a:effectRef idx="0">
+            <a:schemeClr val="accent1"/>
+          </a:effectRef>
+          <a:fontRef idx="minor">
+            <a:schemeClr val="lt1"/>
+          </a:fontRef>
+        </p:style>
+        <p:txBody>
+          <a:bodyPr rtlCol="0" anchor="ctr"/>
+          <a:lstStyle/>
+          <a:p>
+            <a:pPr algn="ctr"/>
+            <a:endParaRPr lang="en-US" sz="1000"/>
+          </a:p>
+        </p:txBody>
+      </p:sp>
+      <p:sp>
+        <p:nvSpPr>
+          <p:cNvPr id="248" name="Rectangle 247">
+            <a:extLst>
+              <a:ext uri="{FF2B5EF4-FFF2-40B4-BE49-F238E27FC236}">
+                <a16:creationId xmlns:a16="http://schemas.microsoft.com/office/drawing/2014/main" id="{BC4212BA-2484-0AE4-39ED-EE22F18FF3F4}"/>
+              </a:ext>
+            </a:extLst>
+          </p:cNvPr>
+          <p:cNvSpPr/>
+          <p:nvPr/>
+        </p:nvSpPr>
+        <p:spPr>
+          <a:xfrm>
+            <a:off x="3302000" y="3489325"/>
+            <a:ext cx="136525" cy="136525"/>
+          </a:xfrm>
+          <a:prstGeom prst="rect">
+            <a:avLst/>
+          </a:prstGeom>
+          <a:solidFill>
+            <a:srgbClr val="1ED1FD"/>
+          </a:solidFill>
+        </p:spPr>
+        <p:style>
+          <a:lnRef idx="2">
+            <a:schemeClr val="accent1">
+              <a:shade val="15000"/>
+            </a:schemeClr>
+          </a:lnRef>
+          <a:fillRef idx="1">
+            <a:schemeClr val="accent1"/>
+          </a:fillRef>
+          <a:effectRef idx="0">
+            <a:schemeClr val="accent1"/>
+          </a:effectRef>
+          <a:fontRef idx="minor">
+            <a:schemeClr val="lt1"/>
+          </a:fontRef>
+        </p:style>
+        <p:txBody>
+          <a:bodyPr rtlCol="0" anchor="ctr"/>
+          <a:lstStyle/>
+          <a:p>
+            <a:pPr algn="ctr"/>
+            <a:endParaRPr lang="en-US" sz="1000"/>
+          </a:p>
+        </p:txBody>
+      </p:sp>
+      <p:sp>
+        <p:nvSpPr>
+          <p:cNvPr id="249" name="Rectangle 248">
+            <a:extLst>
+              <a:ext uri="{FF2B5EF4-FFF2-40B4-BE49-F238E27FC236}">
+                <a16:creationId xmlns:a16="http://schemas.microsoft.com/office/drawing/2014/main" id="{321708F6-5902-5BC1-FD36-3D811CBB6202}"/>
+              </a:ext>
+            </a:extLst>
+          </p:cNvPr>
+          <p:cNvSpPr/>
+          <p:nvPr/>
+        </p:nvSpPr>
+        <p:spPr>
+          <a:xfrm>
+            <a:off x="3438525" y="3489325"/>
+            <a:ext cx="136525" cy="136525"/>
+          </a:xfrm>
+          <a:prstGeom prst="rect">
+            <a:avLst/>
+          </a:prstGeom>
+          <a:solidFill>
+            <a:srgbClr val="1ED1FD"/>
+          </a:solidFill>
+        </p:spPr>
+        <p:style>
+          <a:lnRef idx="2">
+            <a:schemeClr val="accent1">
+              <a:shade val="15000"/>
+            </a:schemeClr>
+          </a:lnRef>
+          <a:fillRef idx="1">
+            <a:schemeClr val="accent1"/>
+          </a:fillRef>
+          <a:effectRef idx="0">
+            <a:schemeClr val="accent1"/>
+          </a:effectRef>
+          <a:fontRef idx="minor">
+            <a:schemeClr val="lt1"/>
+          </a:fontRef>
+        </p:style>
+        <p:txBody>
+          <a:bodyPr rtlCol="0" anchor="ctr"/>
+          <a:lstStyle/>
+          <a:p>
+            <a:pPr algn="ctr"/>
+            <a:endParaRPr lang="en-US" sz="1000"/>
+          </a:p>
+        </p:txBody>
+      </p:sp>
+      <p:sp>
+        <p:nvSpPr>
+          <p:cNvPr id="250" name="Rectangle 249">
+            <a:extLst>
+              <a:ext uri="{FF2B5EF4-FFF2-40B4-BE49-F238E27FC236}">
+                <a16:creationId xmlns:a16="http://schemas.microsoft.com/office/drawing/2014/main" id="{46168346-5BDA-BCEF-BB9B-C662C1488CCF}"/>
+              </a:ext>
+            </a:extLst>
+          </p:cNvPr>
+          <p:cNvSpPr/>
+          <p:nvPr/>
+        </p:nvSpPr>
+        <p:spPr>
+          <a:xfrm>
+            <a:off x="3575050" y="3489325"/>
+            <a:ext cx="136525" cy="136525"/>
+          </a:xfrm>
+          <a:prstGeom prst="rect">
+            <a:avLst/>
+          </a:prstGeom>
+          <a:solidFill>
+            <a:srgbClr val="1ED1FD"/>
+          </a:solidFill>
+        </p:spPr>
+        <p:style>
+          <a:lnRef idx="2">
+            <a:schemeClr val="accent1">
+              <a:shade val="15000"/>
+            </a:schemeClr>
+          </a:lnRef>
+          <a:fillRef idx="1">
+            <a:schemeClr val="accent1"/>
+          </a:fillRef>
+          <a:effectRef idx="0">
+            <a:schemeClr val="accent1"/>
+          </a:effectRef>
+          <a:fontRef idx="minor">
+            <a:schemeClr val="lt1"/>
+          </a:fontRef>
+        </p:style>
+        <p:txBody>
+          <a:bodyPr rtlCol="0" anchor="ctr"/>
+          <a:lstStyle/>
+          <a:p>
+            <a:pPr algn="ctr"/>
+            <a:endParaRPr lang="en-US" sz="1000"/>
+          </a:p>
+        </p:txBody>
+      </p:sp>
+      <p:sp>
+        <p:nvSpPr>
+          <p:cNvPr id="251" name="Rectangle 250">
+            <a:extLst>
+              <a:ext uri="{FF2B5EF4-FFF2-40B4-BE49-F238E27FC236}">
+                <a16:creationId xmlns:a16="http://schemas.microsoft.com/office/drawing/2014/main" id="{F63B02AE-9B13-7B5B-326F-2FCFD1F13353}"/>
+              </a:ext>
+            </a:extLst>
+          </p:cNvPr>
+          <p:cNvSpPr/>
+          <p:nvPr/>
+        </p:nvSpPr>
+        <p:spPr>
+          <a:xfrm>
+            <a:off x="3711575" y="3489325"/>
+            <a:ext cx="136525" cy="136525"/>
+          </a:xfrm>
+          <a:prstGeom prst="rect">
+            <a:avLst/>
+          </a:prstGeom>
+          <a:solidFill>
+            <a:srgbClr val="1ED1FD"/>
+          </a:solidFill>
+        </p:spPr>
+        <p:style>
+          <a:lnRef idx="2">
+            <a:schemeClr val="accent1">
+              <a:shade val="15000"/>
+            </a:schemeClr>
+          </a:lnRef>
+          <a:fillRef idx="1">
+            <a:schemeClr val="accent1"/>
+          </a:fillRef>
+          <a:effectRef idx="0">
+            <a:schemeClr val="accent1"/>
+          </a:effectRef>
+          <a:fontRef idx="minor">
+            <a:schemeClr val="lt1"/>
+          </a:fontRef>
+        </p:style>
+        <p:txBody>
+          <a:bodyPr rtlCol="0" anchor="ctr"/>
+          <a:lstStyle/>
+          <a:p>
+            <a:pPr algn="ctr"/>
+            <a:endParaRPr lang="en-US" sz="1000"/>
+          </a:p>
+        </p:txBody>
+      </p:sp>
+      <p:sp>
+        <p:nvSpPr>
+          <p:cNvPr id="252" name="Rectangle 251">
+            <a:extLst>
+              <a:ext uri="{FF2B5EF4-FFF2-40B4-BE49-F238E27FC236}">
+                <a16:creationId xmlns:a16="http://schemas.microsoft.com/office/drawing/2014/main" id="{7C70280B-4A03-F9DE-80BF-85949E20BA4C}"/>
+              </a:ext>
+            </a:extLst>
+          </p:cNvPr>
+          <p:cNvSpPr/>
+          <p:nvPr/>
+        </p:nvSpPr>
+        <p:spPr>
+          <a:xfrm>
+            <a:off x="3848100" y="3489325"/>
+            <a:ext cx="136525" cy="136525"/>
+          </a:xfrm>
+          <a:prstGeom prst="rect">
+            <a:avLst/>
+          </a:prstGeom>
+          <a:solidFill>
+            <a:srgbClr val="1ED1FD"/>
+          </a:solidFill>
+        </p:spPr>
+        <p:style>
+          <a:lnRef idx="2">
+            <a:schemeClr val="accent1">
+              <a:shade val="15000"/>
+            </a:schemeClr>
+          </a:lnRef>
+          <a:fillRef idx="1">
+            <a:schemeClr val="accent1"/>
+          </a:fillRef>
+          <a:effectRef idx="0">
+            <a:schemeClr val="accent1"/>
+          </a:effectRef>
+          <a:fontRef idx="minor">
+            <a:schemeClr val="lt1"/>
+          </a:fontRef>
+        </p:style>
+        <p:txBody>
+          <a:bodyPr rtlCol="0" anchor="ctr"/>
+          <a:lstStyle/>
+          <a:p>
+            <a:pPr algn="ctr"/>
+            <a:endParaRPr lang="en-US" sz="1000"/>
+          </a:p>
+        </p:txBody>
+      </p:sp>
+      <p:sp>
+        <p:nvSpPr>
+          <p:cNvPr id="253" name="Rectangle 252">
+            <a:extLst>
+              <a:ext uri="{FF2B5EF4-FFF2-40B4-BE49-F238E27FC236}">
+                <a16:creationId xmlns:a16="http://schemas.microsoft.com/office/drawing/2014/main" id="{5057623A-4BA8-B34D-7F11-8107286F2171}"/>
+              </a:ext>
+            </a:extLst>
+          </p:cNvPr>
+          <p:cNvSpPr/>
+          <p:nvPr/>
+        </p:nvSpPr>
+        <p:spPr>
+          <a:xfrm>
+            <a:off x="3984625" y="3489325"/>
+            <a:ext cx="136525" cy="136525"/>
+          </a:xfrm>
+          <a:prstGeom prst="rect">
+            <a:avLst/>
+          </a:prstGeom>
+          <a:solidFill>
+            <a:srgbClr val="1ED1FD"/>
+          </a:solidFill>
+        </p:spPr>
+        <p:style>
+          <a:lnRef idx="2">
+            <a:schemeClr val="accent1">
+              <a:shade val="15000"/>
+            </a:schemeClr>
+          </a:lnRef>
+          <a:fillRef idx="1">
+            <a:schemeClr val="accent1"/>
+          </a:fillRef>
+          <a:effectRef idx="0">
+            <a:schemeClr val="accent1"/>
+          </a:effectRef>
+          <a:fontRef idx="minor">
+            <a:schemeClr val="lt1"/>
+          </a:fontRef>
+        </p:style>
+        <p:txBody>
+          <a:bodyPr rtlCol="0" anchor="ctr"/>
+          <a:lstStyle/>
+          <a:p>
+            <a:pPr algn="ctr"/>
+            <a:endParaRPr lang="en-US" sz="1000"/>
+          </a:p>
+        </p:txBody>
+      </p:sp>
+      <p:sp>
+        <p:nvSpPr>
+          <p:cNvPr id="254" name="Rectangle 253">
+            <a:extLst>
+              <a:ext uri="{FF2B5EF4-FFF2-40B4-BE49-F238E27FC236}">
+                <a16:creationId xmlns:a16="http://schemas.microsoft.com/office/drawing/2014/main" id="{DBFEFBAF-5D66-9917-4D1D-1F33B3F78162}"/>
+              </a:ext>
+            </a:extLst>
+          </p:cNvPr>
+          <p:cNvSpPr/>
+          <p:nvPr/>
+        </p:nvSpPr>
+        <p:spPr>
+          <a:xfrm>
+            <a:off x="3028950" y="3625850"/>
+            <a:ext cx="136525" cy="136525"/>
+          </a:xfrm>
+          <a:prstGeom prst="rect">
+            <a:avLst/>
+          </a:prstGeom>
+          <a:solidFill>
+            <a:srgbClr val="1ED1FD"/>
+          </a:solidFill>
+        </p:spPr>
+        <p:style>
+          <a:lnRef idx="2">
+            <a:schemeClr val="accent1">
+              <a:shade val="15000"/>
+            </a:schemeClr>
+          </a:lnRef>
+          <a:fillRef idx="1">
+            <a:schemeClr val="accent1"/>
+          </a:fillRef>
+          <a:effectRef idx="0">
+            <a:schemeClr val="accent1"/>
+          </a:effectRef>
+          <a:fontRef idx="minor">
+            <a:schemeClr val="lt1"/>
+          </a:fontRef>
+        </p:style>
+        <p:txBody>
+          <a:bodyPr rtlCol="0" anchor="ctr"/>
+          <a:lstStyle/>
+          <a:p>
+            <a:pPr algn="ctr"/>
+            <a:endParaRPr lang="en-US" sz="1000"/>
+          </a:p>
+        </p:txBody>
+      </p:sp>
+      <p:sp>
+        <p:nvSpPr>
+          <p:cNvPr id="255" name="Rectangle 254">
+            <a:extLst>
+              <a:ext uri="{FF2B5EF4-FFF2-40B4-BE49-F238E27FC236}">
+                <a16:creationId xmlns:a16="http://schemas.microsoft.com/office/drawing/2014/main" id="{C970ABD6-EA83-903F-9B7C-57FEDFCF3305}"/>
+              </a:ext>
+            </a:extLst>
+          </p:cNvPr>
+          <p:cNvSpPr/>
+          <p:nvPr/>
+        </p:nvSpPr>
+        <p:spPr>
+          <a:xfrm>
+            <a:off x="3165475" y="3625850"/>
+            <a:ext cx="136525" cy="136525"/>
+          </a:xfrm>
+          <a:prstGeom prst="rect">
+            <a:avLst/>
+          </a:prstGeom>
+          <a:solidFill>
+            <a:srgbClr val="1ED1FD"/>
+          </a:solidFill>
+        </p:spPr>
+        <p:style>
+          <a:lnRef idx="2">
+            <a:schemeClr val="accent1">
+              <a:shade val="15000"/>
+            </a:schemeClr>
+          </a:lnRef>
+          <a:fillRef idx="1">
+            <a:schemeClr val="accent1"/>
+          </a:fillRef>
+          <a:effectRef idx="0">
+            <a:schemeClr val="accent1"/>
+          </a:effectRef>
+          <a:fontRef idx="minor">
+            <a:schemeClr val="lt1"/>
+          </a:fontRef>
+        </p:style>
+        <p:txBody>
+          <a:bodyPr rtlCol="0" anchor="ctr"/>
+          <a:lstStyle/>
+          <a:p>
+            <a:pPr algn="ctr"/>
+            <a:endParaRPr lang="en-US" sz="1000"/>
+          </a:p>
+        </p:txBody>
+      </p:sp>
+      <p:sp>
+        <p:nvSpPr>
+          <p:cNvPr id="256" name="Rectangle 255">
+            <a:extLst>
+              <a:ext uri="{FF2B5EF4-FFF2-40B4-BE49-F238E27FC236}">
+                <a16:creationId xmlns:a16="http://schemas.microsoft.com/office/drawing/2014/main" id="{AEEB4AB7-3AC4-6908-1602-084B3DDE4B3B}"/>
+              </a:ext>
+            </a:extLst>
+          </p:cNvPr>
+          <p:cNvSpPr/>
+          <p:nvPr/>
+        </p:nvSpPr>
+        <p:spPr>
+          <a:xfrm>
+            <a:off x="3302000" y="3625850"/>
+            <a:ext cx="136525" cy="136525"/>
+          </a:xfrm>
+          <a:prstGeom prst="rect">
+            <a:avLst/>
+          </a:prstGeom>
+          <a:solidFill>
+            <a:srgbClr val="1ED1FD"/>
+          </a:solidFill>
+        </p:spPr>
+        <p:style>
+          <a:lnRef idx="2">
+            <a:schemeClr val="accent1">
+              <a:shade val="15000"/>
+            </a:schemeClr>
+          </a:lnRef>
+          <a:fillRef idx="1">
+            <a:schemeClr val="accent1"/>
+          </a:fillRef>
+          <a:effectRef idx="0">
+            <a:schemeClr val="accent1"/>
+          </a:effectRef>
+          <a:fontRef idx="minor">
+            <a:schemeClr val="lt1"/>
+          </a:fontRef>
+        </p:style>
+        <p:txBody>
+          <a:bodyPr rtlCol="0" anchor="ctr"/>
+          <a:lstStyle/>
+          <a:p>
+            <a:pPr algn="ctr"/>
+            <a:endParaRPr lang="en-US" sz="1000"/>
+          </a:p>
+        </p:txBody>
+      </p:sp>
+      <p:sp>
+        <p:nvSpPr>
+          <p:cNvPr id="257" name="Rectangle 256">
+            <a:extLst>
+              <a:ext uri="{FF2B5EF4-FFF2-40B4-BE49-F238E27FC236}">
+                <a16:creationId xmlns:a16="http://schemas.microsoft.com/office/drawing/2014/main" id="{AA1F15B9-AB58-6223-7201-FC8B39739F81}"/>
+              </a:ext>
+            </a:extLst>
+          </p:cNvPr>
+          <p:cNvSpPr/>
+          <p:nvPr/>
+        </p:nvSpPr>
+        <p:spPr>
+          <a:xfrm>
+            <a:off x="3438525" y="3625850"/>
+            <a:ext cx="136525" cy="136525"/>
+          </a:xfrm>
+          <a:prstGeom prst="rect">
+            <a:avLst/>
+          </a:prstGeom>
+          <a:solidFill>
+            <a:srgbClr val="1ED1FD"/>
+          </a:solidFill>
+        </p:spPr>
+        <p:style>
+          <a:lnRef idx="2">
+            <a:schemeClr val="accent1">
+              <a:shade val="15000"/>
+            </a:schemeClr>
+          </a:lnRef>
+          <a:fillRef idx="1">
+            <a:schemeClr val="accent1"/>
+          </a:fillRef>
+          <a:effectRef idx="0">
+            <a:schemeClr val="accent1"/>
+          </a:effectRef>
+          <a:fontRef idx="minor">
+            <a:schemeClr val="lt1"/>
+          </a:fontRef>
+        </p:style>
+        <p:txBody>
+          <a:bodyPr rtlCol="0" anchor="ctr"/>
+          <a:lstStyle/>
+          <a:p>
+            <a:pPr algn="ctr"/>
+            <a:endParaRPr lang="en-US" sz="1000"/>
+          </a:p>
+        </p:txBody>
+      </p:sp>
+      <p:sp>
+        <p:nvSpPr>
+          <p:cNvPr id="258" name="Rectangle 257">
+            <a:extLst>
+              <a:ext uri="{FF2B5EF4-FFF2-40B4-BE49-F238E27FC236}">
+                <a16:creationId xmlns:a16="http://schemas.microsoft.com/office/drawing/2014/main" id="{3D66569D-458A-0216-9AC2-FCEC2DBB767D}"/>
+              </a:ext>
+            </a:extLst>
+          </p:cNvPr>
+          <p:cNvSpPr/>
+          <p:nvPr/>
+        </p:nvSpPr>
+        <p:spPr>
+          <a:xfrm>
+            <a:off x="3575050" y="3625850"/>
+            <a:ext cx="136525" cy="136525"/>
+          </a:xfrm>
+          <a:prstGeom prst="rect">
+            <a:avLst/>
+          </a:prstGeom>
+          <a:solidFill>
+            <a:srgbClr val="1ED1FD"/>
+          </a:solidFill>
+        </p:spPr>
+        <p:style>
+          <a:lnRef idx="2">
+            <a:schemeClr val="accent1">
+              <a:shade val="15000"/>
+            </a:schemeClr>
+          </a:lnRef>
+          <a:fillRef idx="1">
+            <a:schemeClr val="accent1"/>
+          </a:fillRef>
+          <a:effectRef idx="0">
+            <a:schemeClr val="accent1"/>
+          </a:effectRef>
+          <a:fontRef idx="minor">
+            <a:schemeClr val="lt1"/>
+          </a:fontRef>
+        </p:style>
+        <p:txBody>
+          <a:bodyPr rtlCol="0" anchor="ctr"/>
+          <a:lstStyle/>
+          <a:p>
+            <a:pPr algn="ctr"/>
+            <a:endParaRPr lang="en-US" sz="1000"/>
+          </a:p>
+        </p:txBody>
+      </p:sp>
+      <p:sp>
+        <p:nvSpPr>
+          <p:cNvPr id="259" name="Rectangle 258">
+            <a:extLst>
+              <a:ext uri="{FF2B5EF4-FFF2-40B4-BE49-F238E27FC236}">
+                <a16:creationId xmlns:a16="http://schemas.microsoft.com/office/drawing/2014/main" id="{73657FE0-8234-205E-4D15-2E31C8FF859D}"/>
+              </a:ext>
+            </a:extLst>
+          </p:cNvPr>
+          <p:cNvSpPr/>
+          <p:nvPr/>
+        </p:nvSpPr>
+        <p:spPr>
+          <a:xfrm>
+            <a:off x="3711575" y="3625850"/>
+            <a:ext cx="136525" cy="136525"/>
+          </a:xfrm>
+          <a:prstGeom prst="rect">
+            <a:avLst/>
+          </a:prstGeom>
+          <a:solidFill>
+            <a:srgbClr val="1ED1FD"/>
+          </a:solidFill>
+        </p:spPr>
+        <p:style>
+          <a:lnRef idx="2">
+            <a:schemeClr val="accent1">
+              <a:shade val="15000"/>
+            </a:schemeClr>
+          </a:lnRef>
+          <a:fillRef idx="1">
+            <a:schemeClr val="accent1"/>
+          </a:fillRef>
+          <a:effectRef idx="0">
+            <a:schemeClr val="accent1"/>
+          </a:effectRef>
+          <a:fontRef idx="minor">
+            <a:schemeClr val="lt1"/>
+          </a:fontRef>
+        </p:style>
+        <p:txBody>
+          <a:bodyPr rtlCol="0" anchor="ctr"/>
+          <a:lstStyle/>
+          <a:p>
+            <a:pPr algn="ctr"/>
+            <a:endParaRPr lang="en-US" sz="1000"/>
+          </a:p>
+        </p:txBody>
+      </p:sp>
+      <p:sp>
+        <p:nvSpPr>
+          <p:cNvPr id="260" name="Rectangle 259">
+            <a:extLst>
+              <a:ext uri="{FF2B5EF4-FFF2-40B4-BE49-F238E27FC236}">
+                <a16:creationId xmlns:a16="http://schemas.microsoft.com/office/drawing/2014/main" id="{C896A24B-44D6-B296-D244-46B19AE0C09D}"/>
+              </a:ext>
+            </a:extLst>
+          </p:cNvPr>
+          <p:cNvSpPr/>
+          <p:nvPr/>
+        </p:nvSpPr>
+        <p:spPr>
+          <a:xfrm>
+            <a:off x="3848100" y="3625850"/>
+            <a:ext cx="136525" cy="136525"/>
+          </a:xfrm>
+          <a:prstGeom prst="rect">
+            <a:avLst/>
+          </a:prstGeom>
+          <a:solidFill>
+            <a:srgbClr val="1ED1FD"/>
+          </a:solidFill>
+        </p:spPr>
+        <p:style>
+          <a:lnRef idx="2">
+            <a:schemeClr val="accent1">
+              <a:shade val="15000"/>
+            </a:schemeClr>
+          </a:lnRef>
+          <a:fillRef idx="1">
+            <a:schemeClr val="accent1"/>
+          </a:fillRef>
+          <a:effectRef idx="0">
+            <a:schemeClr val="accent1"/>
+          </a:effectRef>
+          <a:fontRef idx="minor">
+            <a:schemeClr val="lt1"/>
+          </a:fontRef>
+        </p:style>
+        <p:txBody>
+          <a:bodyPr rtlCol="0" anchor="ctr"/>
+          <a:lstStyle/>
+          <a:p>
+            <a:pPr algn="ctr"/>
+            <a:endParaRPr lang="en-US" sz="1000"/>
+          </a:p>
+        </p:txBody>
+      </p:sp>
+      <p:sp>
+        <p:nvSpPr>
+          <p:cNvPr id="261" name="Rectangle 260">
+            <a:extLst>
+              <a:ext uri="{FF2B5EF4-FFF2-40B4-BE49-F238E27FC236}">
+                <a16:creationId xmlns:a16="http://schemas.microsoft.com/office/drawing/2014/main" id="{50250064-F830-EE04-0778-EDA4B864D6D4}"/>
+              </a:ext>
+            </a:extLst>
+          </p:cNvPr>
+          <p:cNvSpPr/>
+          <p:nvPr/>
+        </p:nvSpPr>
+        <p:spPr>
+          <a:xfrm>
+            <a:off x="3984625" y="3625850"/>
+            <a:ext cx="136525" cy="136525"/>
+          </a:xfrm>
+          <a:prstGeom prst="rect">
+            <a:avLst/>
+          </a:prstGeom>
+          <a:solidFill>
+            <a:srgbClr val="1ED1FD"/>
+          </a:solidFill>
+        </p:spPr>
+        <p:style>
+          <a:lnRef idx="2">
+            <a:schemeClr val="accent1">
+              <a:shade val="15000"/>
+            </a:schemeClr>
+          </a:lnRef>
+          <a:fillRef idx="1">
+            <a:schemeClr val="accent1"/>
+          </a:fillRef>
+          <a:effectRef idx="0">
+            <a:schemeClr val="accent1"/>
+          </a:effectRef>
+          <a:fontRef idx="minor">
+            <a:schemeClr val="lt1"/>
+          </a:fontRef>
+        </p:style>
+        <p:txBody>
+          <a:bodyPr rtlCol="0" anchor="ctr"/>
+          <a:lstStyle/>
+          <a:p>
+            <a:pPr algn="ctr"/>
+            <a:endParaRPr lang="en-US" sz="1000"/>
+          </a:p>
+        </p:txBody>
+      </p:sp>
+      <p:grpSp>
+        <p:nvGrpSpPr>
+          <p:cNvPr id="278" name="Group 277">
+            <a:extLst>
+              <a:ext uri="{FF2B5EF4-FFF2-40B4-BE49-F238E27FC236}">
+                <a16:creationId xmlns:a16="http://schemas.microsoft.com/office/drawing/2014/main" id="{F0B85FF7-FB2F-8B15-2967-44665276F8AD}"/>
+              </a:ext>
+            </a:extLst>
+          </p:cNvPr>
+          <p:cNvGrpSpPr/>
+          <p:nvPr/>
+        </p:nvGrpSpPr>
+        <p:grpSpPr>
+          <a:xfrm>
+            <a:off x="4539241" y="2529443"/>
+            <a:ext cx="546100" cy="546100"/>
+            <a:chOff x="4718050" y="2260600"/>
+            <a:chExt cx="546100" cy="546100"/>
+          </a:xfrm>
+          <a:solidFill>
+            <a:srgbClr val="15AD2E"/>
+          </a:solidFill>
+        </p:grpSpPr>
+        <p:sp>
+          <p:nvSpPr>
+            <p:cNvPr id="262" name="Rectangle 261">
+              <a:extLst>
+                <a:ext uri="{FF2B5EF4-FFF2-40B4-BE49-F238E27FC236}">
+                  <a16:creationId xmlns:a16="http://schemas.microsoft.com/office/drawing/2014/main" id="{CB4E5756-6437-7D9C-C72F-D093BB06FB06}"/>
+                </a:ext>
+              </a:extLst>
+            </p:cNvPr>
+            <p:cNvSpPr/>
+            <p:nvPr/>
+          </p:nvSpPr>
+          <p:spPr>
+            <a:xfrm>
+              <a:off x="4718050" y="2260600"/>
+              <a:ext cx="136525" cy="136525"/>
+            </a:xfrm>
+            <a:prstGeom prst="rect">
+              <a:avLst/>
+            </a:prstGeom>
+            <a:grpFill/>
+          </p:spPr>
+          <p:style>
+            <a:lnRef idx="2">
+              <a:schemeClr val="accent1">
+                <a:shade val="15000"/>
+              </a:schemeClr>
+            </a:lnRef>
+            <a:fillRef idx="1">
+              <a:schemeClr val="accent1"/>
+            </a:fillRef>
+            <a:effectRef idx="0">
+              <a:schemeClr val="accent1"/>
+            </a:effectRef>
+            <a:fontRef idx="minor">
+              <a:schemeClr val="lt1"/>
+            </a:fontRef>
+          </p:style>
+          <p:txBody>
+            <a:bodyPr rtlCol="0" anchor="ctr"/>
+            <a:lstStyle/>
+            <a:p>
+              <a:pPr algn="ctr"/>
+              <a:endParaRPr lang="en-US"/>
+            </a:p>
+          </p:txBody>
+        </p:sp>
+        <p:sp>
+          <p:nvSpPr>
+            <p:cNvPr id="263" name="Rectangle 262">
+              <a:extLst>
+                <a:ext uri="{FF2B5EF4-FFF2-40B4-BE49-F238E27FC236}">
+                  <a16:creationId xmlns:a16="http://schemas.microsoft.com/office/drawing/2014/main" id="{C70C5DEE-6FCA-551C-A567-EAB041B88665}"/>
+                </a:ext>
+              </a:extLst>
+            </p:cNvPr>
+            <p:cNvSpPr/>
+            <p:nvPr/>
+          </p:nvSpPr>
+          <p:spPr>
+            <a:xfrm>
+              <a:off x="4854575" y="2260600"/>
+              <a:ext cx="136525" cy="136525"/>
+            </a:xfrm>
+            <a:prstGeom prst="rect">
+              <a:avLst/>
+            </a:prstGeom>
+            <a:grpFill/>
+          </p:spPr>
+          <p:style>
+            <a:lnRef idx="2">
+              <a:schemeClr val="accent1">
+                <a:shade val="15000"/>
+              </a:schemeClr>
+            </a:lnRef>
+            <a:fillRef idx="1">
+              <a:schemeClr val="accent1"/>
+            </a:fillRef>
+            <a:effectRef idx="0">
+              <a:schemeClr val="accent1"/>
+            </a:effectRef>
+            <a:fontRef idx="minor">
+              <a:schemeClr val="lt1"/>
+            </a:fontRef>
+          </p:style>
+          <p:txBody>
+            <a:bodyPr rtlCol="0" anchor="ctr"/>
+            <a:lstStyle/>
+            <a:p>
+              <a:pPr algn="ctr"/>
+              <a:endParaRPr lang="en-US"/>
+            </a:p>
+          </p:txBody>
+        </p:sp>
+        <p:sp>
+          <p:nvSpPr>
+            <p:cNvPr id="264" name="Rectangle 263">
+              <a:extLst>
+                <a:ext uri="{FF2B5EF4-FFF2-40B4-BE49-F238E27FC236}">
+                  <a16:creationId xmlns:a16="http://schemas.microsoft.com/office/drawing/2014/main" id="{789ACAC8-37BD-88C1-2284-EBDDEE808419}"/>
+                </a:ext>
+              </a:extLst>
+            </p:cNvPr>
+            <p:cNvSpPr/>
+            <p:nvPr/>
+          </p:nvSpPr>
+          <p:spPr>
+            <a:xfrm>
+              <a:off x="4991100" y="2260600"/>
+              <a:ext cx="136525" cy="136525"/>
+            </a:xfrm>
+            <a:prstGeom prst="rect">
+              <a:avLst/>
+            </a:prstGeom>
+            <a:grpFill/>
+          </p:spPr>
+          <p:style>
+            <a:lnRef idx="2">
+              <a:schemeClr val="accent1">
+                <a:shade val="15000"/>
+              </a:schemeClr>
+            </a:lnRef>
+            <a:fillRef idx="1">
+              <a:schemeClr val="accent1"/>
+            </a:fillRef>
+            <a:effectRef idx="0">
+              <a:schemeClr val="accent1"/>
+            </a:effectRef>
+            <a:fontRef idx="minor">
+              <a:schemeClr val="lt1"/>
+            </a:fontRef>
+          </p:style>
+          <p:txBody>
+            <a:bodyPr rtlCol="0" anchor="ctr"/>
+            <a:lstStyle/>
+            <a:p>
+              <a:pPr algn="ctr"/>
+              <a:endParaRPr lang="en-US"/>
+            </a:p>
+          </p:txBody>
+        </p:sp>
+        <p:sp>
+          <p:nvSpPr>
+            <p:cNvPr id="265" name="Rectangle 264">
+              <a:extLst>
+                <a:ext uri="{FF2B5EF4-FFF2-40B4-BE49-F238E27FC236}">
+                  <a16:creationId xmlns:a16="http://schemas.microsoft.com/office/drawing/2014/main" id="{C5D0CD45-A77C-DA2F-A28E-DF041BB97688}"/>
+                </a:ext>
+              </a:extLst>
+            </p:cNvPr>
+            <p:cNvSpPr/>
+            <p:nvPr/>
+          </p:nvSpPr>
+          <p:spPr>
+            <a:xfrm>
+              <a:off x="5127625" y="2260600"/>
+              <a:ext cx="136525" cy="136525"/>
+            </a:xfrm>
+            <a:prstGeom prst="rect">
+              <a:avLst/>
+            </a:prstGeom>
+            <a:grpFill/>
+          </p:spPr>
+          <p:style>
+            <a:lnRef idx="2">
+              <a:schemeClr val="accent1">
+                <a:shade val="15000"/>
+              </a:schemeClr>
+            </a:lnRef>
+            <a:fillRef idx="1">
+              <a:schemeClr val="accent1"/>
+            </a:fillRef>
+            <a:effectRef idx="0">
+              <a:schemeClr val="accent1"/>
+            </a:effectRef>
+            <a:fontRef idx="minor">
+              <a:schemeClr val="lt1"/>
+            </a:fontRef>
+          </p:style>
+          <p:txBody>
+            <a:bodyPr rtlCol="0" anchor="ctr"/>
+            <a:lstStyle/>
+            <a:p>
+              <a:pPr algn="ctr"/>
+              <a:endParaRPr lang="en-US"/>
+            </a:p>
+          </p:txBody>
+        </p:sp>
+        <p:sp>
+          <p:nvSpPr>
+            <p:cNvPr id="266" name="Rectangle 265">
+              <a:extLst>
+                <a:ext uri="{FF2B5EF4-FFF2-40B4-BE49-F238E27FC236}">
+                  <a16:creationId xmlns:a16="http://schemas.microsoft.com/office/drawing/2014/main" id="{090BDBD0-165B-37C3-C168-96D93254B263}"/>
+                </a:ext>
+              </a:extLst>
+            </p:cNvPr>
+            <p:cNvSpPr/>
+            <p:nvPr/>
+          </p:nvSpPr>
+          <p:spPr>
+            <a:xfrm>
+              <a:off x="4718050" y="2397125"/>
+              <a:ext cx="136525" cy="136525"/>
+            </a:xfrm>
+            <a:prstGeom prst="rect">
+              <a:avLst/>
+            </a:prstGeom>
+            <a:grpFill/>
+          </p:spPr>
+          <p:style>
+            <a:lnRef idx="2">
+              <a:schemeClr val="accent1">
+                <a:shade val="15000"/>
+              </a:schemeClr>
+            </a:lnRef>
+            <a:fillRef idx="1">
+              <a:schemeClr val="accent1"/>
+            </a:fillRef>
+            <a:effectRef idx="0">
+              <a:schemeClr val="accent1"/>
+            </a:effectRef>
+            <a:fontRef idx="minor">
+              <a:schemeClr val="lt1"/>
+            </a:fontRef>
+          </p:style>
+          <p:txBody>
+            <a:bodyPr rtlCol="0" anchor="ctr"/>
+            <a:lstStyle/>
+            <a:p>
+              <a:pPr algn="ctr"/>
+              <a:endParaRPr lang="en-US"/>
+            </a:p>
+          </p:txBody>
+        </p:sp>
+        <p:sp>
+          <p:nvSpPr>
+            <p:cNvPr id="267" name="Rectangle 266">
+              <a:extLst>
+                <a:ext uri="{FF2B5EF4-FFF2-40B4-BE49-F238E27FC236}">
+                  <a16:creationId xmlns:a16="http://schemas.microsoft.com/office/drawing/2014/main" id="{3AE9A65E-AE95-3E56-285A-165EDCB9FFED}"/>
+                </a:ext>
+              </a:extLst>
+            </p:cNvPr>
+            <p:cNvSpPr/>
+            <p:nvPr/>
+          </p:nvSpPr>
+          <p:spPr>
+            <a:xfrm>
+              <a:off x="4854575" y="2397125"/>
+              <a:ext cx="136525" cy="136525"/>
+            </a:xfrm>
+            <a:prstGeom prst="rect">
+              <a:avLst/>
+            </a:prstGeom>
+            <a:grpFill/>
+          </p:spPr>
+          <p:style>
+            <a:lnRef idx="2">
+              <a:schemeClr val="accent1">
+                <a:shade val="15000"/>
+              </a:schemeClr>
+            </a:lnRef>
+            <a:fillRef idx="1">
+              <a:schemeClr val="accent1"/>
+            </a:fillRef>
+            <a:effectRef idx="0">
+              <a:schemeClr val="accent1"/>
+            </a:effectRef>
+            <a:fontRef idx="minor">
+              <a:schemeClr val="lt1"/>
+            </a:fontRef>
+          </p:style>
+          <p:txBody>
+            <a:bodyPr rtlCol="0" anchor="ctr"/>
+            <a:lstStyle/>
+            <a:p>
+              <a:pPr algn="ctr"/>
+              <a:endParaRPr lang="en-US"/>
+            </a:p>
+          </p:txBody>
+        </p:sp>
+        <p:sp>
+          <p:nvSpPr>
+            <p:cNvPr id="268" name="Rectangle 267">
+              <a:extLst>
+                <a:ext uri="{FF2B5EF4-FFF2-40B4-BE49-F238E27FC236}">
+                  <a16:creationId xmlns:a16="http://schemas.microsoft.com/office/drawing/2014/main" id="{A7CF31AD-C217-2168-0755-49A4C5ECFFBB}"/>
+                </a:ext>
+              </a:extLst>
+            </p:cNvPr>
+            <p:cNvSpPr/>
+            <p:nvPr/>
+          </p:nvSpPr>
+          <p:spPr>
+            <a:xfrm>
+              <a:off x="4991100" y="2397125"/>
+              <a:ext cx="136525" cy="136525"/>
+            </a:xfrm>
+            <a:prstGeom prst="rect">
+              <a:avLst/>
+            </a:prstGeom>
+            <a:grpFill/>
+          </p:spPr>
+          <p:style>
+            <a:lnRef idx="2">
+              <a:schemeClr val="accent1">
+                <a:shade val="15000"/>
+              </a:schemeClr>
+            </a:lnRef>
+            <a:fillRef idx="1">
+              <a:schemeClr val="accent1"/>
+            </a:fillRef>
+            <a:effectRef idx="0">
+              <a:schemeClr val="accent1"/>
+            </a:effectRef>
+            <a:fontRef idx="minor">
+              <a:schemeClr val="lt1"/>
+            </a:fontRef>
+          </p:style>
+          <p:txBody>
+            <a:bodyPr rtlCol="0" anchor="ctr"/>
+            <a:lstStyle/>
+            <a:p>
+              <a:pPr algn="ctr"/>
+              <a:endParaRPr lang="en-US"/>
+            </a:p>
+          </p:txBody>
+        </p:sp>
+        <p:sp>
+          <p:nvSpPr>
+            <p:cNvPr id="269" name="Rectangle 268">
+              <a:extLst>
+                <a:ext uri="{FF2B5EF4-FFF2-40B4-BE49-F238E27FC236}">
+                  <a16:creationId xmlns:a16="http://schemas.microsoft.com/office/drawing/2014/main" id="{925DCB2D-CA02-7A98-8536-267E15DD6D38}"/>
+                </a:ext>
+              </a:extLst>
+            </p:cNvPr>
+            <p:cNvSpPr/>
+            <p:nvPr/>
+          </p:nvSpPr>
+          <p:spPr>
+            <a:xfrm>
+              <a:off x="5127625" y="2397125"/>
+              <a:ext cx="136525" cy="136525"/>
+            </a:xfrm>
+            <a:prstGeom prst="rect">
+              <a:avLst/>
+            </a:prstGeom>
+            <a:grpFill/>
+          </p:spPr>
+          <p:style>
+            <a:lnRef idx="2">
+              <a:schemeClr val="accent1">
+                <a:shade val="15000"/>
+              </a:schemeClr>
+            </a:lnRef>
+            <a:fillRef idx="1">
+              <a:schemeClr val="accent1"/>
+            </a:fillRef>
+            <a:effectRef idx="0">
+              <a:schemeClr val="accent1"/>
+            </a:effectRef>
+            <a:fontRef idx="minor">
+              <a:schemeClr val="lt1"/>
+            </a:fontRef>
+          </p:style>
+          <p:txBody>
+            <a:bodyPr rtlCol="0" anchor="ctr"/>
+            <a:lstStyle/>
+            <a:p>
+              <a:pPr algn="ctr"/>
+              <a:endParaRPr lang="en-US"/>
+            </a:p>
+          </p:txBody>
+        </p:sp>
+        <p:sp>
+          <p:nvSpPr>
+            <p:cNvPr id="270" name="Rectangle 269">
+              <a:extLst>
+                <a:ext uri="{FF2B5EF4-FFF2-40B4-BE49-F238E27FC236}">
+                  <a16:creationId xmlns:a16="http://schemas.microsoft.com/office/drawing/2014/main" id="{21D1245B-7F9F-34FC-4DE9-36216AB567A9}"/>
+                </a:ext>
+              </a:extLst>
+            </p:cNvPr>
+            <p:cNvSpPr/>
+            <p:nvPr/>
+          </p:nvSpPr>
+          <p:spPr>
+            <a:xfrm>
+              <a:off x="4718050" y="2533650"/>
+              <a:ext cx="136525" cy="136525"/>
+            </a:xfrm>
+            <a:prstGeom prst="rect">
+              <a:avLst/>
+            </a:prstGeom>
+            <a:grpFill/>
+          </p:spPr>
+          <p:style>
+            <a:lnRef idx="2">
+              <a:schemeClr val="accent1">
+                <a:shade val="15000"/>
+              </a:schemeClr>
+            </a:lnRef>
+            <a:fillRef idx="1">
+              <a:schemeClr val="accent1"/>
+            </a:fillRef>
+            <a:effectRef idx="0">
+              <a:schemeClr val="accent1"/>
+            </a:effectRef>
+            <a:fontRef idx="minor">
+              <a:schemeClr val="lt1"/>
+            </a:fontRef>
+          </p:style>
+          <p:txBody>
+            <a:bodyPr rtlCol="0" anchor="ctr"/>
+            <a:lstStyle/>
+            <a:p>
+              <a:pPr algn="ctr"/>
+              <a:endParaRPr lang="en-US"/>
+            </a:p>
+          </p:txBody>
+        </p:sp>
+        <p:sp>
+          <p:nvSpPr>
+            <p:cNvPr id="271" name="Rectangle 270">
+              <a:extLst>
+                <a:ext uri="{FF2B5EF4-FFF2-40B4-BE49-F238E27FC236}">
+                  <a16:creationId xmlns:a16="http://schemas.microsoft.com/office/drawing/2014/main" id="{3DC9F34A-67F1-E92F-7F85-AC8D20D0E9A6}"/>
+                </a:ext>
+              </a:extLst>
+            </p:cNvPr>
+            <p:cNvSpPr/>
+            <p:nvPr/>
+          </p:nvSpPr>
+          <p:spPr>
+            <a:xfrm>
+              <a:off x="4854575" y="2533650"/>
+              <a:ext cx="136525" cy="136525"/>
+            </a:xfrm>
+            <a:prstGeom prst="rect">
+              <a:avLst/>
+            </a:prstGeom>
+            <a:grpFill/>
+          </p:spPr>
+          <p:style>
+            <a:lnRef idx="2">
+              <a:schemeClr val="accent1">
+                <a:shade val="15000"/>
+              </a:schemeClr>
+            </a:lnRef>
+            <a:fillRef idx="1">
+              <a:schemeClr val="accent1"/>
+            </a:fillRef>
+            <a:effectRef idx="0">
+              <a:schemeClr val="accent1"/>
+            </a:effectRef>
+            <a:fontRef idx="minor">
+              <a:schemeClr val="lt1"/>
+            </a:fontRef>
+          </p:style>
+          <p:txBody>
+            <a:bodyPr rtlCol="0" anchor="ctr"/>
+            <a:lstStyle/>
+            <a:p>
+              <a:pPr algn="ctr"/>
+              <a:endParaRPr lang="en-US"/>
+            </a:p>
+          </p:txBody>
+        </p:sp>
+        <p:sp>
+          <p:nvSpPr>
+            <p:cNvPr id="272" name="Rectangle 271">
+              <a:extLst>
+                <a:ext uri="{FF2B5EF4-FFF2-40B4-BE49-F238E27FC236}">
+                  <a16:creationId xmlns:a16="http://schemas.microsoft.com/office/drawing/2014/main" id="{E47B8B9B-25CB-1F18-D7BE-3205D7C95CB6}"/>
+                </a:ext>
+              </a:extLst>
+            </p:cNvPr>
+            <p:cNvSpPr/>
+            <p:nvPr/>
+          </p:nvSpPr>
+          <p:spPr>
+            <a:xfrm>
+              <a:off x="4991100" y="2533650"/>
+              <a:ext cx="136525" cy="136525"/>
+            </a:xfrm>
+            <a:prstGeom prst="rect">
+              <a:avLst/>
+            </a:prstGeom>
+            <a:grpFill/>
+          </p:spPr>
+          <p:style>
+            <a:lnRef idx="2">
+              <a:schemeClr val="accent1">
+                <a:shade val="15000"/>
+              </a:schemeClr>
+            </a:lnRef>
+            <a:fillRef idx="1">
+              <a:schemeClr val="accent1"/>
+            </a:fillRef>
+            <a:effectRef idx="0">
+              <a:schemeClr val="accent1"/>
+            </a:effectRef>
+            <a:fontRef idx="minor">
+              <a:schemeClr val="lt1"/>
+            </a:fontRef>
+          </p:style>
+          <p:txBody>
+            <a:bodyPr rtlCol="0" anchor="ctr"/>
+            <a:lstStyle/>
+            <a:p>
+              <a:pPr algn="ctr"/>
+              <a:endParaRPr lang="en-US"/>
+            </a:p>
+          </p:txBody>
+        </p:sp>
+        <p:sp>
+          <p:nvSpPr>
+            <p:cNvPr id="273" name="Rectangle 272">
+              <a:extLst>
+                <a:ext uri="{FF2B5EF4-FFF2-40B4-BE49-F238E27FC236}">
+                  <a16:creationId xmlns:a16="http://schemas.microsoft.com/office/drawing/2014/main" id="{FA2499EC-69D9-00F5-3DE6-D08574EF79AF}"/>
+                </a:ext>
+              </a:extLst>
+            </p:cNvPr>
+            <p:cNvSpPr/>
+            <p:nvPr/>
+          </p:nvSpPr>
+          <p:spPr>
+            <a:xfrm>
+              <a:off x="5127625" y="2533650"/>
+              <a:ext cx="136525" cy="136525"/>
+            </a:xfrm>
+            <a:prstGeom prst="rect">
+              <a:avLst/>
+            </a:prstGeom>
+            <a:grpFill/>
+          </p:spPr>
+          <p:style>
+            <a:lnRef idx="2">
+              <a:schemeClr val="accent1">
+                <a:shade val="15000"/>
+              </a:schemeClr>
+            </a:lnRef>
+            <a:fillRef idx="1">
+              <a:schemeClr val="accent1"/>
+            </a:fillRef>
+            <a:effectRef idx="0">
+              <a:schemeClr val="accent1"/>
+            </a:effectRef>
+            <a:fontRef idx="minor">
+              <a:schemeClr val="lt1"/>
+            </a:fontRef>
+          </p:style>
+          <p:txBody>
+            <a:bodyPr rtlCol="0" anchor="ctr"/>
+            <a:lstStyle/>
+            <a:p>
+              <a:pPr algn="ctr"/>
+              <a:endParaRPr lang="en-US"/>
+            </a:p>
+          </p:txBody>
+        </p:sp>
+        <p:sp>
+          <p:nvSpPr>
+            <p:cNvPr id="274" name="Rectangle 273">
+              <a:extLst>
+                <a:ext uri="{FF2B5EF4-FFF2-40B4-BE49-F238E27FC236}">
+                  <a16:creationId xmlns:a16="http://schemas.microsoft.com/office/drawing/2014/main" id="{72B40C29-7484-521D-730D-3319E3A5C4E6}"/>
+                </a:ext>
+              </a:extLst>
+            </p:cNvPr>
+            <p:cNvSpPr/>
+            <p:nvPr/>
+          </p:nvSpPr>
+          <p:spPr>
+            <a:xfrm>
+              <a:off x="4718050" y="2670175"/>
+              <a:ext cx="136525" cy="136525"/>
+            </a:xfrm>
+            <a:prstGeom prst="rect">
+              <a:avLst/>
+            </a:prstGeom>
+            <a:grpFill/>
+          </p:spPr>
+          <p:style>
+            <a:lnRef idx="2">
+              <a:schemeClr val="accent1">
+                <a:shade val="15000"/>
+              </a:schemeClr>
+            </a:lnRef>
+            <a:fillRef idx="1">
+              <a:schemeClr val="accent1"/>
+            </a:fillRef>
+            <a:effectRef idx="0">
+              <a:schemeClr val="accent1"/>
+            </a:effectRef>
+            <a:fontRef idx="minor">
+              <a:schemeClr val="lt1"/>
+            </a:fontRef>
+          </p:style>
+          <p:txBody>
+            <a:bodyPr rtlCol="0" anchor="ctr"/>
+            <a:lstStyle/>
+            <a:p>
+              <a:pPr algn="ctr"/>
+              <a:endParaRPr lang="en-US"/>
+            </a:p>
+          </p:txBody>
+        </p:sp>
+        <p:sp>
+          <p:nvSpPr>
+            <p:cNvPr id="275" name="Rectangle 274">
+              <a:extLst>
+                <a:ext uri="{FF2B5EF4-FFF2-40B4-BE49-F238E27FC236}">
+                  <a16:creationId xmlns:a16="http://schemas.microsoft.com/office/drawing/2014/main" id="{058CA4E9-E180-1727-3D15-254564032A77}"/>
+                </a:ext>
+              </a:extLst>
+            </p:cNvPr>
+            <p:cNvSpPr/>
+            <p:nvPr/>
+          </p:nvSpPr>
+          <p:spPr>
+            <a:xfrm>
+              <a:off x="4854575" y="2670175"/>
+              <a:ext cx="136525" cy="136525"/>
+            </a:xfrm>
+            <a:prstGeom prst="rect">
+              <a:avLst/>
+            </a:prstGeom>
+            <a:grpFill/>
+          </p:spPr>
+          <p:style>
+            <a:lnRef idx="2">
+              <a:schemeClr val="accent1">
+                <a:shade val="15000"/>
+              </a:schemeClr>
+            </a:lnRef>
+            <a:fillRef idx="1">
+              <a:schemeClr val="accent1"/>
+            </a:fillRef>
+            <a:effectRef idx="0">
+              <a:schemeClr val="accent1"/>
+            </a:effectRef>
+            <a:fontRef idx="minor">
+              <a:schemeClr val="lt1"/>
+            </a:fontRef>
+          </p:style>
+          <p:txBody>
+            <a:bodyPr rtlCol="0" anchor="ctr"/>
+            <a:lstStyle/>
+            <a:p>
+              <a:pPr algn="ctr"/>
+              <a:endParaRPr lang="en-US"/>
+            </a:p>
+          </p:txBody>
+        </p:sp>
+        <p:sp>
+          <p:nvSpPr>
+            <p:cNvPr id="276" name="Rectangle 275">
+              <a:extLst>
+                <a:ext uri="{FF2B5EF4-FFF2-40B4-BE49-F238E27FC236}">
+                  <a16:creationId xmlns:a16="http://schemas.microsoft.com/office/drawing/2014/main" id="{A59419F7-56E9-1131-E362-A7C679F54894}"/>
+                </a:ext>
+              </a:extLst>
+            </p:cNvPr>
+            <p:cNvSpPr/>
+            <p:nvPr/>
+          </p:nvSpPr>
+          <p:spPr>
+            <a:xfrm>
+              <a:off x="4991100" y="2670175"/>
+              <a:ext cx="136525" cy="136525"/>
+            </a:xfrm>
+            <a:prstGeom prst="rect">
+              <a:avLst/>
+            </a:prstGeom>
+            <a:grpFill/>
+          </p:spPr>
+          <p:style>
+            <a:lnRef idx="2">
+              <a:schemeClr val="accent1">
+                <a:shade val="15000"/>
+              </a:schemeClr>
+            </a:lnRef>
+            <a:fillRef idx="1">
+              <a:schemeClr val="accent1"/>
+            </a:fillRef>
+            <a:effectRef idx="0">
+              <a:schemeClr val="accent1"/>
+            </a:effectRef>
+            <a:fontRef idx="minor">
+              <a:schemeClr val="lt1"/>
+            </a:fontRef>
+          </p:style>
+          <p:txBody>
+            <a:bodyPr rtlCol="0" anchor="ctr"/>
+            <a:lstStyle/>
+            <a:p>
+              <a:pPr algn="ctr"/>
+              <a:endParaRPr lang="en-US"/>
+            </a:p>
+          </p:txBody>
+        </p:sp>
+        <p:sp>
+          <p:nvSpPr>
+            <p:cNvPr id="277" name="Rectangle 276">
+              <a:extLst>
+                <a:ext uri="{FF2B5EF4-FFF2-40B4-BE49-F238E27FC236}">
+                  <a16:creationId xmlns:a16="http://schemas.microsoft.com/office/drawing/2014/main" id="{A0B34A36-47EB-FA79-31CE-A6951419350C}"/>
+                </a:ext>
+              </a:extLst>
+            </p:cNvPr>
+            <p:cNvSpPr/>
+            <p:nvPr/>
+          </p:nvSpPr>
+          <p:spPr>
+            <a:xfrm>
+              <a:off x="5127625" y="2670175"/>
+              <a:ext cx="136525" cy="136525"/>
+            </a:xfrm>
+            <a:prstGeom prst="rect">
+              <a:avLst/>
+            </a:prstGeom>
+            <a:grpFill/>
+          </p:spPr>
+          <p:style>
+            <a:lnRef idx="2">
+              <a:schemeClr val="accent1">
+                <a:shade val="15000"/>
+              </a:schemeClr>
+            </a:lnRef>
+            <a:fillRef idx="1">
+              <a:schemeClr val="accent1"/>
+            </a:fillRef>
+            <a:effectRef idx="0">
+              <a:schemeClr val="accent1"/>
+            </a:effectRef>
+            <a:fontRef idx="minor">
+              <a:schemeClr val="lt1"/>
+            </a:fontRef>
+          </p:style>
+          <p:txBody>
+            <a:bodyPr rtlCol="0" anchor="ctr"/>
+            <a:lstStyle/>
+            <a:p>
+              <a:pPr algn="ctr"/>
+              <a:endParaRPr lang="en-US"/>
+            </a:p>
+          </p:txBody>
+        </p:sp>
+      </p:grpSp>
+      <p:grpSp>
+        <p:nvGrpSpPr>
+          <p:cNvPr id="279" name="Group 278">
+            <a:extLst>
+              <a:ext uri="{FF2B5EF4-FFF2-40B4-BE49-F238E27FC236}">
+                <a16:creationId xmlns:a16="http://schemas.microsoft.com/office/drawing/2014/main" id="{FD5838DD-9E9C-94CF-4A7E-4226B8966652}"/>
+              </a:ext>
+            </a:extLst>
+          </p:cNvPr>
+          <p:cNvGrpSpPr/>
+          <p:nvPr/>
+        </p:nvGrpSpPr>
+        <p:grpSpPr>
+          <a:xfrm>
+            <a:off x="5494916" y="2529443"/>
+            <a:ext cx="546100" cy="546100"/>
+            <a:chOff x="4718050" y="2260600"/>
+            <a:chExt cx="546100" cy="546100"/>
+          </a:xfrm>
+          <a:solidFill>
+            <a:srgbClr val="4472C5"/>
+          </a:solidFill>
+        </p:grpSpPr>
+        <p:sp>
+          <p:nvSpPr>
+            <p:cNvPr id="280" name="Rectangle 279">
+              <a:extLst>
+                <a:ext uri="{FF2B5EF4-FFF2-40B4-BE49-F238E27FC236}">
+                  <a16:creationId xmlns:a16="http://schemas.microsoft.com/office/drawing/2014/main" id="{1C6BA7F9-0C11-EDB3-DE08-8B9B16877F14}"/>
+                </a:ext>
+              </a:extLst>
+            </p:cNvPr>
+            <p:cNvSpPr/>
+            <p:nvPr/>
+          </p:nvSpPr>
+          <p:spPr>
+            <a:xfrm>
+              <a:off x="4718050" y="2260600"/>
+              <a:ext cx="136525" cy="136525"/>
+            </a:xfrm>
+            <a:prstGeom prst="rect">
+              <a:avLst/>
+            </a:prstGeom>
+            <a:grpFill/>
+          </p:spPr>
+          <p:style>
+            <a:lnRef idx="2">
+              <a:schemeClr val="accent1">
+                <a:shade val="15000"/>
+              </a:schemeClr>
+            </a:lnRef>
+            <a:fillRef idx="1">
+              <a:schemeClr val="accent1"/>
+            </a:fillRef>
+            <a:effectRef idx="0">
+              <a:schemeClr val="accent1"/>
+            </a:effectRef>
+            <a:fontRef idx="minor">
+              <a:schemeClr val="lt1"/>
+            </a:fontRef>
+          </p:style>
+          <p:txBody>
+            <a:bodyPr rtlCol="0" anchor="ctr"/>
+            <a:lstStyle/>
+            <a:p>
+              <a:pPr algn="ctr"/>
+              <a:endParaRPr lang="en-US"/>
+            </a:p>
+          </p:txBody>
+        </p:sp>
+        <p:sp>
+          <p:nvSpPr>
+            <p:cNvPr id="281" name="Rectangle 280">
+              <a:extLst>
+                <a:ext uri="{FF2B5EF4-FFF2-40B4-BE49-F238E27FC236}">
+                  <a16:creationId xmlns:a16="http://schemas.microsoft.com/office/drawing/2014/main" id="{5C95B9BB-1846-EE3E-F518-A94D95DBA5D6}"/>
+                </a:ext>
+              </a:extLst>
+            </p:cNvPr>
+            <p:cNvSpPr/>
+            <p:nvPr/>
+          </p:nvSpPr>
+          <p:spPr>
+            <a:xfrm>
+              <a:off x="4854575" y="2260600"/>
+              <a:ext cx="136525" cy="136525"/>
+            </a:xfrm>
+            <a:prstGeom prst="rect">
+              <a:avLst/>
+            </a:prstGeom>
+            <a:grpFill/>
+          </p:spPr>
+          <p:style>
+            <a:lnRef idx="2">
+              <a:schemeClr val="accent1">
+                <a:shade val="15000"/>
+              </a:schemeClr>
+            </a:lnRef>
+            <a:fillRef idx="1">
+              <a:schemeClr val="accent1"/>
+            </a:fillRef>
+            <a:effectRef idx="0">
+              <a:schemeClr val="accent1"/>
+            </a:effectRef>
+            <a:fontRef idx="minor">
+              <a:schemeClr val="lt1"/>
+            </a:fontRef>
+          </p:style>
+          <p:txBody>
+            <a:bodyPr rtlCol="0" anchor="ctr"/>
+            <a:lstStyle/>
+            <a:p>
+              <a:pPr algn="ctr"/>
+              <a:endParaRPr lang="en-US"/>
+            </a:p>
+          </p:txBody>
+        </p:sp>
+        <p:sp>
+          <p:nvSpPr>
+            <p:cNvPr id="282" name="Rectangle 281">
+              <a:extLst>
+                <a:ext uri="{FF2B5EF4-FFF2-40B4-BE49-F238E27FC236}">
+                  <a16:creationId xmlns:a16="http://schemas.microsoft.com/office/drawing/2014/main" id="{8FC4B7E7-886E-2756-37B9-9484A5C283D1}"/>
+                </a:ext>
+              </a:extLst>
+            </p:cNvPr>
+            <p:cNvSpPr/>
+            <p:nvPr/>
+          </p:nvSpPr>
+          <p:spPr>
+            <a:xfrm>
+              <a:off x="4991100" y="2260600"/>
+              <a:ext cx="136525" cy="136525"/>
+            </a:xfrm>
+            <a:prstGeom prst="rect">
+              <a:avLst/>
+            </a:prstGeom>
+            <a:grpFill/>
+          </p:spPr>
+          <p:style>
+            <a:lnRef idx="2">
+              <a:schemeClr val="accent1">
+                <a:shade val="15000"/>
+              </a:schemeClr>
+            </a:lnRef>
+            <a:fillRef idx="1">
+              <a:schemeClr val="accent1"/>
+            </a:fillRef>
+            <a:effectRef idx="0">
+              <a:schemeClr val="accent1"/>
+            </a:effectRef>
+            <a:fontRef idx="minor">
+              <a:schemeClr val="lt1"/>
+            </a:fontRef>
+          </p:style>
+          <p:txBody>
+            <a:bodyPr rtlCol="0" anchor="ctr"/>
+            <a:lstStyle/>
+            <a:p>
+              <a:pPr algn="ctr"/>
+              <a:endParaRPr lang="en-US"/>
+            </a:p>
+          </p:txBody>
+        </p:sp>
+        <p:sp>
+          <p:nvSpPr>
+            <p:cNvPr id="283" name="Rectangle 282">
+              <a:extLst>
+                <a:ext uri="{FF2B5EF4-FFF2-40B4-BE49-F238E27FC236}">
+                  <a16:creationId xmlns:a16="http://schemas.microsoft.com/office/drawing/2014/main" id="{86C54BDD-354B-754C-2EB9-3073B439C734}"/>
+                </a:ext>
+              </a:extLst>
+            </p:cNvPr>
+            <p:cNvSpPr/>
+            <p:nvPr/>
+          </p:nvSpPr>
+          <p:spPr>
+            <a:xfrm>
+              <a:off x="5127625" y="2260600"/>
+              <a:ext cx="136525" cy="136525"/>
+            </a:xfrm>
+            <a:prstGeom prst="rect">
+              <a:avLst/>
+            </a:prstGeom>
+            <a:grpFill/>
+          </p:spPr>
+          <p:style>
+            <a:lnRef idx="2">
+              <a:schemeClr val="accent1">
+                <a:shade val="15000"/>
+              </a:schemeClr>
+            </a:lnRef>
+            <a:fillRef idx="1">
+              <a:schemeClr val="accent1"/>
+            </a:fillRef>
+            <a:effectRef idx="0">
+              <a:schemeClr val="accent1"/>
+            </a:effectRef>
+            <a:fontRef idx="minor">
+              <a:schemeClr val="lt1"/>
+            </a:fontRef>
+          </p:style>
+          <p:txBody>
+            <a:bodyPr rtlCol="0" anchor="ctr"/>
+            <a:lstStyle/>
+            <a:p>
+              <a:pPr algn="ctr"/>
+              <a:endParaRPr lang="en-US"/>
+            </a:p>
+          </p:txBody>
+        </p:sp>
+        <p:sp>
+          <p:nvSpPr>
+            <p:cNvPr id="284" name="Rectangle 283">
+              <a:extLst>
+                <a:ext uri="{FF2B5EF4-FFF2-40B4-BE49-F238E27FC236}">
+                  <a16:creationId xmlns:a16="http://schemas.microsoft.com/office/drawing/2014/main" id="{78D2385E-FC39-81FF-0DE0-6E116F954D91}"/>
+                </a:ext>
+              </a:extLst>
+            </p:cNvPr>
+            <p:cNvSpPr/>
+            <p:nvPr/>
+          </p:nvSpPr>
+          <p:spPr>
+            <a:xfrm>
+              <a:off x="4718050" y="2397125"/>
+              <a:ext cx="136525" cy="136525"/>
+            </a:xfrm>
+            <a:prstGeom prst="rect">
+              <a:avLst/>
+            </a:prstGeom>
+            <a:grpFill/>
+          </p:spPr>
+          <p:style>
+            <a:lnRef idx="2">
+              <a:schemeClr val="accent1">
+                <a:shade val="15000"/>
+              </a:schemeClr>
+            </a:lnRef>
+            <a:fillRef idx="1">
+              <a:schemeClr val="accent1"/>
+            </a:fillRef>
+            <a:effectRef idx="0">
+              <a:schemeClr val="accent1"/>
+            </a:effectRef>
+            <a:fontRef idx="minor">
+              <a:schemeClr val="lt1"/>
+            </a:fontRef>
+          </p:style>
+          <p:txBody>
+            <a:bodyPr rtlCol="0" anchor="ctr"/>
+            <a:lstStyle/>
+            <a:p>
+              <a:pPr algn="ctr"/>
+              <a:endParaRPr lang="en-US"/>
+            </a:p>
+          </p:txBody>
+        </p:sp>
+        <p:sp>
+          <p:nvSpPr>
+            <p:cNvPr id="285" name="Rectangle 284">
+              <a:extLst>
+                <a:ext uri="{FF2B5EF4-FFF2-40B4-BE49-F238E27FC236}">
+                  <a16:creationId xmlns:a16="http://schemas.microsoft.com/office/drawing/2014/main" id="{CBB33B53-C536-7A5A-CA72-4D396F120A39}"/>
+                </a:ext>
+              </a:extLst>
+            </p:cNvPr>
+            <p:cNvSpPr/>
+            <p:nvPr/>
+          </p:nvSpPr>
+          <p:spPr>
+            <a:xfrm>
+              <a:off x="4854575" y="2397125"/>
+              <a:ext cx="136525" cy="136525"/>
+            </a:xfrm>
+            <a:prstGeom prst="rect">
+              <a:avLst/>
+            </a:prstGeom>
+            <a:grpFill/>
+          </p:spPr>
+          <p:style>
+            <a:lnRef idx="2">
+              <a:schemeClr val="accent1">
+                <a:shade val="15000"/>
+              </a:schemeClr>
+            </a:lnRef>
+            <a:fillRef idx="1">
+              <a:schemeClr val="accent1"/>
+            </a:fillRef>
+            <a:effectRef idx="0">
+              <a:schemeClr val="accent1"/>
+            </a:effectRef>
+            <a:fontRef idx="minor">
+              <a:schemeClr val="lt1"/>
+            </a:fontRef>
+          </p:style>
+          <p:txBody>
+            <a:bodyPr rtlCol="0" anchor="ctr"/>
+            <a:lstStyle/>
+            <a:p>
+              <a:pPr algn="ctr"/>
+              <a:endParaRPr lang="en-US"/>
+            </a:p>
+          </p:txBody>
+        </p:sp>
+        <p:sp>
+          <p:nvSpPr>
+            <p:cNvPr id="286" name="Rectangle 285">
+              <a:extLst>
+                <a:ext uri="{FF2B5EF4-FFF2-40B4-BE49-F238E27FC236}">
+                  <a16:creationId xmlns:a16="http://schemas.microsoft.com/office/drawing/2014/main" id="{F8B71B40-F5B4-4C59-A6D1-8652D2E3EEAF}"/>
+                </a:ext>
+              </a:extLst>
+            </p:cNvPr>
+            <p:cNvSpPr/>
+            <p:nvPr/>
+          </p:nvSpPr>
+          <p:spPr>
+            <a:xfrm>
+              <a:off x="4991100" y="2397125"/>
+              <a:ext cx="136525" cy="136525"/>
+            </a:xfrm>
+            <a:prstGeom prst="rect">
+              <a:avLst/>
+            </a:prstGeom>
+            <a:grpFill/>
+          </p:spPr>
+          <p:style>
+            <a:lnRef idx="2">
+              <a:schemeClr val="accent1">
+                <a:shade val="15000"/>
+              </a:schemeClr>
+            </a:lnRef>
+            <a:fillRef idx="1">
+              <a:schemeClr val="accent1"/>
+            </a:fillRef>
+            <a:effectRef idx="0">
+              <a:schemeClr val="accent1"/>
+            </a:effectRef>
+            <a:fontRef idx="minor">
+              <a:schemeClr val="lt1"/>
+            </a:fontRef>
+          </p:style>
+          <p:txBody>
+            <a:bodyPr rtlCol="0" anchor="ctr"/>
+            <a:lstStyle/>
+            <a:p>
+              <a:pPr algn="ctr"/>
+              <a:endParaRPr lang="en-US"/>
+            </a:p>
+          </p:txBody>
+        </p:sp>
+        <p:sp>
+          <p:nvSpPr>
+            <p:cNvPr id="287" name="Rectangle 286">
+              <a:extLst>
+                <a:ext uri="{FF2B5EF4-FFF2-40B4-BE49-F238E27FC236}">
+                  <a16:creationId xmlns:a16="http://schemas.microsoft.com/office/drawing/2014/main" id="{F0CBA733-F338-8102-55A9-5F06701934BB}"/>
+                </a:ext>
+              </a:extLst>
+            </p:cNvPr>
+            <p:cNvSpPr/>
+            <p:nvPr/>
+          </p:nvSpPr>
+          <p:spPr>
+            <a:xfrm>
+              <a:off x="5127625" y="2397125"/>
+              <a:ext cx="136525" cy="136525"/>
+            </a:xfrm>
+            <a:prstGeom prst="rect">
+              <a:avLst/>
+            </a:prstGeom>
+            <a:grpFill/>
+          </p:spPr>
+          <p:style>
+            <a:lnRef idx="2">
+              <a:schemeClr val="accent1">
+                <a:shade val="15000"/>
+              </a:schemeClr>
+            </a:lnRef>
+            <a:fillRef idx="1">
+              <a:schemeClr val="accent1"/>
+            </a:fillRef>
+            <a:effectRef idx="0">
+              <a:schemeClr val="accent1"/>
+            </a:effectRef>
+            <a:fontRef idx="minor">
+              <a:schemeClr val="lt1"/>
+            </a:fontRef>
+          </p:style>
+          <p:txBody>
+            <a:bodyPr rtlCol="0" anchor="ctr"/>
+            <a:lstStyle/>
+            <a:p>
+              <a:pPr algn="ctr"/>
+              <a:endParaRPr lang="en-US"/>
+            </a:p>
+          </p:txBody>
+        </p:sp>
+        <p:sp>
+          <p:nvSpPr>
+            <p:cNvPr id="288" name="Rectangle 287">
+              <a:extLst>
+                <a:ext uri="{FF2B5EF4-FFF2-40B4-BE49-F238E27FC236}">
+                  <a16:creationId xmlns:a16="http://schemas.microsoft.com/office/drawing/2014/main" id="{2EBEA8E7-ED42-DF2E-ED85-A2ED874FB00D}"/>
+                </a:ext>
+              </a:extLst>
+            </p:cNvPr>
+            <p:cNvSpPr/>
+            <p:nvPr/>
+          </p:nvSpPr>
+          <p:spPr>
+            <a:xfrm>
+              <a:off x="4718050" y="2533650"/>
+              <a:ext cx="136525" cy="136525"/>
+            </a:xfrm>
+            <a:prstGeom prst="rect">
+              <a:avLst/>
+            </a:prstGeom>
+            <a:grpFill/>
+          </p:spPr>
+          <p:style>
+            <a:lnRef idx="2">
+              <a:schemeClr val="accent1">
+                <a:shade val="15000"/>
+              </a:schemeClr>
+            </a:lnRef>
+            <a:fillRef idx="1">
+              <a:schemeClr val="accent1"/>
+            </a:fillRef>
+            <a:effectRef idx="0">
+              <a:schemeClr val="accent1"/>
+            </a:effectRef>
+            <a:fontRef idx="minor">
+              <a:schemeClr val="lt1"/>
+            </a:fontRef>
+          </p:style>
+          <p:txBody>
+            <a:bodyPr rtlCol="0" anchor="ctr"/>
+            <a:lstStyle/>
+            <a:p>
+              <a:pPr algn="ctr"/>
+              <a:endParaRPr lang="en-US"/>
+            </a:p>
+          </p:txBody>
+        </p:sp>
+        <p:sp>
+          <p:nvSpPr>
+            <p:cNvPr id="289" name="Rectangle 288">
+              <a:extLst>
+                <a:ext uri="{FF2B5EF4-FFF2-40B4-BE49-F238E27FC236}">
+                  <a16:creationId xmlns:a16="http://schemas.microsoft.com/office/drawing/2014/main" id="{1869E5E1-AAC2-F266-2CEF-FAAAD3069763}"/>
+                </a:ext>
+              </a:extLst>
+            </p:cNvPr>
+            <p:cNvSpPr/>
+            <p:nvPr/>
+          </p:nvSpPr>
+          <p:spPr>
+            <a:xfrm>
+              <a:off x="4854575" y="2533650"/>
+              <a:ext cx="136525" cy="136525"/>
+            </a:xfrm>
+            <a:prstGeom prst="rect">
+              <a:avLst/>
+            </a:prstGeom>
+            <a:grpFill/>
+          </p:spPr>
+          <p:style>
+            <a:lnRef idx="2">
+              <a:schemeClr val="accent1">
+                <a:shade val="15000"/>
+              </a:schemeClr>
+            </a:lnRef>
+            <a:fillRef idx="1">
+              <a:schemeClr val="accent1"/>
+            </a:fillRef>
+            <a:effectRef idx="0">
+              <a:schemeClr val="accent1"/>
+            </a:effectRef>
+            <a:fontRef idx="minor">
+              <a:schemeClr val="lt1"/>
+            </a:fontRef>
+          </p:style>
+          <p:txBody>
+            <a:bodyPr rtlCol="0" anchor="ctr"/>
+            <a:lstStyle/>
+            <a:p>
+              <a:pPr algn="ctr"/>
+              <a:endParaRPr lang="en-US"/>
+            </a:p>
+          </p:txBody>
+        </p:sp>
+        <p:sp>
+          <p:nvSpPr>
+            <p:cNvPr id="290" name="Rectangle 289">
+              <a:extLst>
+                <a:ext uri="{FF2B5EF4-FFF2-40B4-BE49-F238E27FC236}">
+                  <a16:creationId xmlns:a16="http://schemas.microsoft.com/office/drawing/2014/main" id="{DC5D4F95-57D9-A51F-0ED9-7DF9EE4EB052}"/>
+                </a:ext>
+              </a:extLst>
+            </p:cNvPr>
+            <p:cNvSpPr/>
+            <p:nvPr/>
+          </p:nvSpPr>
+          <p:spPr>
+            <a:xfrm>
+              <a:off x="4991100" y="2533650"/>
+              <a:ext cx="136525" cy="136525"/>
+            </a:xfrm>
+            <a:prstGeom prst="rect">
+              <a:avLst/>
+            </a:prstGeom>
+            <a:grpFill/>
+          </p:spPr>
+          <p:style>
+            <a:lnRef idx="2">
+              <a:schemeClr val="accent1">
+                <a:shade val="15000"/>
+              </a:schemeClr>
+            </a:lnRef>
+            <a:fillRef idx="1">
+              <a:schemeClr val="accent1"/>
+            </a:fillRef>
+            <a:effectRef idx="0">
+              <a:schemeClr val="accent1"/>
+            </a:effectRef>
+            <a:fontRef idx="minor">
+              <a:schemeClr val="lt1"/>
+            </a:fontRef>
+          </p:style>
+          <p:txBody>
+            <a:bodyPr rtlCol="0" anchor="ctr"/>
+            <a:lstStyle/>
+            <a:p>
+              <a:pPr algn="ctr"/>
+              <a:endParaRPr lang="en-US"/>
+            </a:p>
+          </p:txBody>
+        </p:sp>
+        <p:sp>
+          <p:nvSpPr>
+            <p:cNvPr id="291" name="Rectangle 290">
+              <a:extLst>
+                <a:ext uri="{FF2B5EF4-FFF2-40B4-BE49-F238E27FC236}">
+                  <a16:creationId xmlns:a16="http://schemas.microsoft.com/office/drawing/2014/main" id="{A14EB9D9-D00D-796F-2C13-B95815A24FD0}"/>
+                </a:ext>
+              </a:extLst>
+            </p:cNvPr>
+            <p:cNvSpPr/>
+            <p:nvPr/>
+          </p:nvSpPr>
+          <p:spPr>
+            <a:xfrm>
+              <a:off x="5127625" y="2533650"/>
+              <a:ext cx="136525" cy="136525"/>
+            </a:xfrm>
+            <a:prstGeom prst="rect">
+              <a:avLst/>
+            </a:prstGeom>
+            <a:grpFill/>
+          </p:spPr>
+          <p:style>
+            <a:lnRef idx="2">
+              <a:schemeClr val="accent1">
+                <a:shade val="15000"/>
+              </a:schemeClr>
+            </a:lnRef>
+            <a:fillRef idx="1">
+              <a:schemeClr val="accent1"/>
+            </a:fillRef>
+            <a:effectRef idx="0">
+              <a:schemeClr val="accent1"/>
+            </a:effectRef>
+            <a:fontRef idx="minor">
+              <a:schemeClr val="lt1"/>
+            </a:fontRef>
+          </p:style>
+          <p:txBody>
+            <a:bodyPr rtlCol="0" anchor="ctr"/>
+            <a:lstStyle/>
+            <a:p>
+              <a:pPr algn="ctr"/>
+              <a:endParaRPr lang="en-US"/>
+            </a:p>
+          </p:txBody>
+        </p:sp>
+        <p:sp>
+          <p:nvSpPr>
+            <p:cNvPr id="292" name="Rectangle 291">
+              <a:extLst>
+                <a:ext uri="{FF2B5EF4-FFF2-40B4-BE49-F238E27FC236}">
+                  <a16:creationId xmlns:a16="http://schemas.microsoft.com/office/drawing/2014/main" id="{25FC62B0-AC11-BE94-C91D-1AB21C975E9E}"/>
+                </a:ext>
+              </a:extLst>
+            </p:cNvPr>
+            <p:cNvSpPr/>
+            <p:nvPr/>
+          </p:nvSpPr>
+          <p:spPr>
+            <a:xfrm>
+              <a:off x="4718050" y="2670175"/>
+              <a:ext cx="136525" cy="136525"/>
+            </a:xfrm>
+            <a:prstGeom prst="rect">
+              <a:avLst/>
+            </a:prstGeom>
+            <a:grpFill/>
+          </p:spPr>
+          <p:style>
+            <a:lnRef idx="2">
+              <a:schemeClr val="accent1">
+                <a:shade val="15000"/>
+              </a:schemeClr>
+            </a:lnRef>
+            <a:fillRef idx="1">
+              <a:schemeClr val="accent1"/>
+            </a:fillRef>
+            <a:effectRef idx="0">
+              <a:schemeClr val="accent1"/>
+            </a:effectRef>
+            <a:fontRef idx="minor">
+              <a:schemeClr val="lt1"/>
+            </a:fontRef>
+          </p:style>
+          <p:txBody>
+            <a:bodyPr rtlCol="0" anchor="ctr"/>
+            <a:lstStyle/>
+            <a:p>
+              <a:pPr algn="ctr"/>
+              <a:endParaRPr lang="en-US"/>
+            </a:p>
+          </p:txBody>
+        </p:sp>
+        <p:sp>
+          <p:nvSpPr>
+            <p:cNvPr id="293" name="Rectangle 292">
+              <a:extLst>
+                <a:ext uri="{FF2B5EF4-FFF2-40B4-BE49-F238E27FC236}">
+                  <a16:creationId xmlns:a16="http://schemas.microsoft.com/office/drawing/2014/main" id="{E8503AC9-1324-C6E9-03D3-A994088C3C13}"/>
+                </a:ext>
+              </a:extLst>
+            </p:cNvPr>
+            <p:cNvSpPr/>
+            <p:nvPr/>
+          </p:nvSpPr>
+          <p:spPr>
+            <a:xfrm>
+              <a:off x="4854575" y="2670175"/>
+              <a:ext cx="136525" cy="136525"/>
+            </a:xfrm>
+            <a:prstGeom prst="rect">
+              <a:avLst/>
+            </a:prstGeom>
+            <a:grpFill/>
+          </p:spPr>
+          <p:style>
+            <a:lnRef idx="2">
+              <a:schemeClr val="accent1">
+                <a:shade val="15000"/>
+              </a:schemeClr>
+            </a:lnRef>
+            <a:fillRef idx="1">
+              <a:schemeClr val="accent1"/>
+            </a:fillRef>
+            <a:effectRef idx="0">
+              <a:schemeClr val="accent1"/>
+            </a:effectRef>
+            <a:fontRef idx="minor">
+              <a:schemeClr val="lt1"/>
+            </a:fontRef>
+          </p:style>
+          <p:txBody>
+            <a:bodyPr rtlCol="0" anchor="ctr"/>
+            <a:lstStyle/>
+            <a:p>
+              <a:pPr algn="ctr"/>
+              <a:endParaRPr lang="en-US"/>
+            </a:p>
+          </p:txBody>
+        </p:sp>
+        <p:sp>
+          <p:nvSpPr>
+            <p:cNvPr id="294" name="Rectangle 293">
+              <a:extLst>
+                <a:ext uri="{FF2B5EF4-FFF2-40B4-BE49-F238E27FC236}">
+                  <a16:creationId xmlns:a16="http://schemas.microsoft.com/office/drawing/2014/main" id="{07D249B0-D90A-72A6-C8CC-45088EA6070C}"/>
+                </a:ext>
+              </a:extLst>
+            </p:cNvPr>
+            <p:cNvSpPr/>
+            <p:nvPr/>
+          </p:nvSpPr>
+          <p:spPr>
+            <a:xfrm>
+              <a:off x="4991100" y="2670175"/>
+              <a:ext cx="136525" cy="136525"/>
+            </a:xfrm>
+            <a:prstGeom prst="rect">
+              <a:avLst/>
+            </a:prstGeom>
+            <a:grpFill/>
+          </p:spPr>
+          <p:style>
+            <a:lnRef idx="2">
+              <a:schemeClr val="accent1">
+                <a:shade val="15000"/>
+              </a:schemeClr>
+            </a:lnRef>
+            <a:fillRef idx="1">
+              <a:schemeClr val="accent1"/>
+            </a:fillRef>
+            <a:effectRef idx="0">
+              <a:schemeClr val="accent1"/>
+            </a:effectRef>
+            <a:fontRef idx="minor">
+              <a:schemeClr val="lt1"/>
+            </a:fontRef>
+          </p:style>
+          <p:txBody>
+            <a:bodyPr rtlCol="0" anchor="ctr"/>
+            <a:lstStyle/>
+            <a:p>
+              <a:pPr algn="ctr"/>
+              <a:endParaRPr lang="en-US"/>
+            </a:p>
+          </p:txBody>
+        </p:sp>
+        <p:sp>
+          <p:nvSpPr>
+            <p:cNvPr id="295" name="Rectangle 294">
+              <a:extLst>
+                <a:ext uri="{FF2B5EF4-FFF2-40B4-BE49-F238E27FC236}">
+                  <a16:creationId xmlns:a16="http://schemas.microsoft.com/office/drawing/2014/main" id="{87833A1D-46DB-39EA-B93D-FB60100AF76F}"/>
+                </a:ext>
+              </a:extLst>
+            </p:cNvPr>
+            <p:cNvSpPr/>
+            <p:nvPr/>
+          </p:nvSpPr>
+          <p:spPr>
+            <a:xfrm>
+              <a:off x="5127625" y="2670175"/>
+              <a:ext cx="136525" cy="136525"/>
+            </a:xfrm>
+            <a:prstGeom prst="rect">
+              <a:avLst/>
+            </a:prstGeom>
+            <a:grpFill/>
+          </p:spPr>
+          <p:style>
+            <a:lnRef idx="2">
+              <a:schemeClr val="accent1">
+                <a:shade val="15000"/>
+              </a:schemeClr>
+            </a:lnRef>
+            <a:fillRef idx="1">
+              <a:schemeClr val="accent1"/>
+            </a:fillRef>
+            <a:effectRef idx="0">
+              <a:schemeClr val="accent1"/>
+            </a:effectRef>
+            <a:fontRef idx="minor">
+              <a:schemeClr val="lt1"/>
+            </a:fontRef>
+          </p:style>
+          <p:txBody>
+            <a:bodyPr rtlCol="0" anchor="ctr"/>
+            <a:lstStyle/>
+            <a:p>
+              <a:pPr algn="ctr"/>
+              <a:endParaRPr lang="en-US"/>
+            </a:p>
+          </p:txBody>
+        </p:sp>
+      </p:grpSp>
+      <p:grpSp>
+        <p:nvGrpSpPr>
+          <p:cNvPr id="296" name="Group 295">
+            <a:extLst>
+              <a:ext uri="{FF2B5EF4-FFF2-40B4-BE49-F238E27FC236}">
+                <a16:creationId xmlns:a16="http://schemas.microsoft.com/office/drawing/2014/main" id="{3FFD4B96-42AD-C796-37F7-564BB80091AE}"/>
+              </a:ext>
+            </a:extLst>
+          </p:cNvPr>
+          <p:cNvGrpSpPr/>
+          <p:nvPr/>
+        </p:nvGrpSpPr>
+        <p:grpSpPr>
+          <a:xfrm>
+            <a:off x="4551959" y="3347408"/>
+            <a:ext cx="546100" cy="546100"/>
+            <a:chOff x="4718050" y="2260600"/>
+            <a:chExt cx="546100" cy="546100"/>
+          </a:xfrm>
+          <a:solidFill>
+            <a:srgbClr val="EFC57B"/>
+          </a:solidFill>
+        </p:grpSpPr>
+        <p:sp>
+          <p:nvSpPr>
+            <p:cNvPr id="297" name="Rectangle 296">
+              <a:extLst>
+                <a:ext uri="{FF2B5EF4-FFF2-40B4-BE49-F238E27FC236}">
+                  <a16:creationId xmlns:a16="http://schemas.microsoft.com/office/drawing/2014/main" id="{413A365C-9659-C77C-EA81-0E472592F1A7}"/>
+                </a:ext>
+              </a:extLst>
+            </p:cNvPr>
+            <p:cNvSpPr/>
+            <p:nvPr/>
+          </p:nvSpPr>
+          <p:spPr>
+            <a:xfrm>
+              <a:off x="4718050" y="2260600"/>
+              <a:ext cx="136525" cy="136525"/>
+            </a:xfrm>
+            <a:prstGeom prst="rect">
+              <a:avLst/>
+            </a:prstGeom>
+            <a:grpFill/>
+          </p:spPr>
+          <p:style>
+            <a:lnRef idx="2">
+              <a:schemeClr val="accent1">
+                <a:shade val="15000"/>
+              </a:schemeClr>
+            </a:lnRef>
+            <a:fillRef idx="1">
+              <a:schemeClr val="accent1"/>
+            </a:fillRef>
+            <a:effectRef idx="0">
+              <a:schemeClr val="accent1"/>
+            </a:effectRef>
+            <a:fontRef idx="minor">
+              <a:schemeClr val="lt1"/>
+            </a:fontRef>
+          </p:style>
+          <p:txBody>
+            <a:bodyPr rtlCol="0" anchor="ctr"/>
+            <a:lstStyle/>
+            <a:p>
+              <a:pPr algn="ctr"/>
+              <a:endParaRPr lang="en-US"/>
+            </a:p>
+          </p:txBody>
+        </p:sp>
+        <p:sp>
+          <p:nvSpPr>
+            <p:cNvPr id="298" name="Rectangle 297">
+              <a:extLst>
+                <a:ext uri="{FF2B5EF4-FFF2-40B4-BE49-F238E27FC236}">
+                  <a16:creationId xmlns:a16="http://schemas.microsoft.com/office/drawing/2014/main" id="{B050F8B4-1BF3-8CEE-9C96-528A926D4E38}"/>
+                </a:ext>
+              </a:extLst>
+            </p:cNvPr>
+            <p:cNvSpPr/>
+            <p:nvPr/>
+          </p:nvSpPr>
+          <p:spPr>
+            <a:xfrm>
+              <a:off x="4854575" y="2260600"/>
+              <a:ext cx="136525" cy="136525"/>
+            </a:xfrm>
+            <a:prstGeom prst="rect">
+              <a:avLst/>
+            </a:prstGeom>
+            <a:grpFill/>
+          </p:spPr>
+          <p:style>
+            <a:lnRef idx="2">
+              <a:schemeClr val="accent1">
+                <a:shade val="15000"/>
+              </a:schemeClr>
+            </a:lnRef>
+            <a:fillRef idx="1">
+              <a:schemeClr val="accent1"/>
+            </a:fillRef>
+            <a:effectRef idx="0">
+              <a:schemeClr val="accent1"/>
+            </a:effectRef>
+            <a:fontRef idx="minor">
+              <a:schemeClr val="lt1"/>
+            </a:fontRef>
+          </p:style>
+          <p:txBody>
+            <a:bodyPr rtlCol="0" anchor="ctr"/>
+            <a:lstStyle/>
+            <a:p>
+              <a:pPr algn="ctr"/>
+              <a:endParaRPr lang="en-US"/>
+            </a:p>
+          </p:txBody>
+        </p:sp>
+        <p:sp>
+          <p:nvSpPr>
+            <p:cNvPr id="299" name="Rectangle 298">
+              <a:extLst>
+                <a:ext uri="{FF2B5EF4-FFF2-40B4-BE49-F238E27FC236}">
+                  <a16:creationId xmlns:a16="http://schemas.microsoft.com/office/drawing/2014/main" id="{B91CC67F-B439-E43C-A03F-734E5ECB531D}"/>
+                </a:ext>
+              </a:extLst>
+            </p:cNvPr>
+            <p:cNvSpPr/>
+            <p:nvPr/>
+          </p:nvSpPr>
+          <p:spPr>
+            <a:xfrm>
+              <a:off x="4991100" y="2260600"/>
+              <a:ext cx="136525" cy="136525"/>
+            </a:xfrm>
+            <a:prstGeom prst="rect">
+              <a:avLst/>
+            </a:prstGeom>
+            <a:grpFill/>
+          </p:spPr>
+          <p:style>
+            <a:lnRef idx="2">
+              <a:schemeClr val="accent1">
+                <a:shade val="15000"/>
+              </a:schemeClr>
+            </a:lnRef>
+            <a:fillRef idx="1">
+              <a:schemeClr val="accent1"/>
+            </a:fillRef>
+            <a:effectRef idx="0">
+              <a:schemeClr val="accent1"/>
+            </a:effectRef>
+            <a:fontRef idx="minor">
+              <a:schemeClr val="lt1"/>
+            </a:fontRef>
+          </p:style>
+          <p:txBody>
+            <a:bodyPr rtlCol="0" anchor="ctr"/>
+            <a:lstStyle/>
+            <a:p>
+              <a:pPr algn="ctr"/>
+              <a:endParaRPr lang="en-US"/>
+            </a:p>
+          </p:txBody>
+        </p:sp>
+        <p:sp>
+          <p:nvSpPr>
+            <p:cNvPr id="300" name="Rectangle 299">
+              <a:extLst>
+                <a:ext uri="{FF2B5EF4-FFF2-40B4-BE49-F238E27FC236}">
+                  <a16:creationId xmlns:a16="http://schemas.microsoft.com/office/drawing/2014/main" id="{FE1B88A2-8C87-2E15-9108-22B5F983AD05}"/>
+                </a:ext>
+              </a:extLst>
+            </p:cNvPr>
+            <p:cNvSpPr/>
+            <p:nvPr/>
+          </p:nvSpPr>
+          <p:spPr>
+            <a:xfrm>
+              <a:off x="5127625" y="2260600"/>
+              <a:ext cx="136525" cy="136525"/>
+            </a:xfrm>
+            <a:prstGeom prst="rect">
+              <a:avLst/>
+            </a:prstGeom>
+            <a:grpFill/>
+          </p:spPr>
+          <p:style>
+            <a:lnRef idx="2">
+              <a:schemeClr val="accent1">
+                <a:shade val="15000"/>
+              </a:schemeClr>
+            </a:lnRef>
+            <a:fillRef idx="1">
+              <a:schemeClr val="accent1"/>
+            </a:fillRef>
+            <a:effectRef idx="0">
+              <a:schemeClr val="accent1"/>
+            </a:effectRef>
+            <a:fontRef idx="minor">
+              <a:schemeClr val="lt1"/>
+            </a:fontRef>
+          </p:style>
+          <p:txBody>
+            <a:bodyPr rtlCol="0" anchor="ctr"/>
+            <a:lstStyle/>
+            <a:p>
+              <a:pPr algn="ctr"/>
+              <a:endParaRPr lang="en-US"/>
+            </a:p>
+          </p:txBody>
+        </p:sp>
+        <p:sp>
+          <p:nvSpPr>
+            <p:cNvPr id="301" name="Rectangle 300">
+              <a:extLst>
+                <a:ext uri="{FF2B5EF4-FFF2-40B4-BE49-F238E27FC236}">
+                  <a16:creationId xmlns:a16="http://schemas.microsoft.com/office/drawing/2014/main" id="{484DFDC9-1101-56A3-CF0B-446BE4A68A90}"/>
+                </a:ext>
+              </a:extLst>
+            </p:cNvPr>
+            <p:cNvSpPr/>
+            <p:nvPr/>
+          </p:nvSpPr>
+          <p:spPr>
+            <a:xfrm>
+              <a:off x="4718050" y="2397125"/>
+              <a:ext cx="136525" cy="136525"/>
+            </a:xfrm>
+            <a:prstGeom prst="rect">
+              <a:avLst/>
+            </a:prstGeom>
+            <a:grpFill/>
+          </p:spPr>
+          <p:style>
+            <a:lnRef idx="2">
+              <a:schemeClr val="accent1">
+                <a:shade val="15000"/>
+              </a:schemeClr>
+            </a:lnRef>
+            <a:fillRef idx="1">
+              <a:schemeClr val="accent1"/>
+            </a:fillRef>
+            <a:effectRef idx="0">
+              <a:schemeClr val="accent1"/>
+            </a:effectRef>
+            <a:fontRef idx="minor">
+              <a:schemeClr val="lt1"/>
+            </a:fontRef>
+          </p:style>
+          <p:txBody>
+            <a:bodyPr rtlCol="0" anchor="ctr"/>
+            <a:lstStyle/>
+            <a:p>
+              <a:pPr algn="ctr"/>
+              <a:endParaRPr lang="en-US"/>
+            </a:p>
+          </p:txBody>
+        </p:sp>
+        <p:sp>
+          <p:nvSpPr>
+            <p:cNvPr id="302" name="Rectangle 301">
+              <a:extLst>
+                <a:ext uri="{FF2B5EF4-FFF2-40B4-BE49-F238E27FC236}">
+                  <a16:creationId xmlns:a16="http://schemas.microsoft.com/office/drawing/2014/main" id="{8A5618E9-EBA2-314A-7BD1-CEC7BF823226}"/>
+                </a:ext>
+              </a:extLst>
+            </p:cNvPr>
+            <p:cNvSpPr/>
+            <p:nvPr/>
+          </p:nvSpPr>
+          <p:spPr>
+            <a:xfrm>
+              <a:off x="4854575" y="2397125"/>
+              <a:ext cx="136525" cy="136525"/>
+            </a:xfrm>
+            <a:prstGeom prst="rect">
+              <a:avLst/>
+            </a:prstGeom>
+            <a:grpFill/>
+          </p:spPr>
+          <p:style>
+            <a:lnRef idx="2">
+              <a:schemeClr val="accent1">
+                <a:shade val="15000"/>
+              </a:schemeClr>
+            </a:lnRef>
+            <a:fillRef idx="1">
+              <a:schemeClr val="accent1"/>
+            </a:fillRef>
+            <a:effectRef idx="0">
+              <a:schemeClr val="accent1"/>
+            </a:effectRef>
+            <a:fontRef idx="minor">
+              <a:schemeClr val="lt1"/>
+            </a:fontRef>
+          </p:style>
+          <p:txBody>
+            <a:bodyPr rtlCol="0" anchor="ctr"/>
+            <a:lstStyle/>
+            <a:p>
+              <a:pPr algn="ctr"/>
+              <a:endParaRPr lang="en-US"/>
+            </a:p>
+          </p:txBody>
+        </p:sp>
+        <p:sp>
+          <p:nvSpPr>
+            <p:cNvPr id="303" name="Rectangle 302">
+              <a:extLst>
+                <a:ext uri="{FF2B5EF4-FFF2-40B4-BE49-F238E27FC236}">
+                  <a16:creationId xmlns:a16="http://schemas.microsoft.com/office/drawing/2014/main" id="{9DE97150-1B44-5B8C-5506-15E04488294F}"/>
+                </a:ext>
+              </a:extLst>
+            </p:cNvPr>
+            <p:cNvSpPr/>
+            <p:nvPr/>
+          </p:nvSpPr>
+          <p:spPr>
+            <a:xfrm>
+              <a:off x="4991100" y="2397125"/>
+              <a:ext cx="136525" cy="136525"/>
+            </a:xfrm>
+            <a:prstGeom prst="rect">
+              <a:avLst/>
+            </a:prstGeom>
+            <a:grpFill/>
+          </p:spPr>
+          <p:style>
+            <a:lnRef idx="2">
+              <a:schemeClr val="accent1">
+                <a:shade val="15000"/>
+              </a:schemeClr>
+            </a:lnRef>
+            <a:fillRef idx="1">
+              <a:schemeClr val="accent1"/>
+            </a:fillRef>
+            <a:effectRef idx="0">
+              <a:schemeClr val="accent1"/>
+            </a:effectRef>
+            <a:fontRef idx="minor">
+              <a:schemeClr val="lt1"/>
+            </a:fontRef>
+          </p:style>
+          <p:txBody>
+            <a:bodyPr rtlCol="0" anchor="ctr"/>
+            <a:lstStyle/>
+            <a:p>
+              <a:pPr algn="ctr"/>
+              <a:endParaRPr lang="en-US"/>
+            </a:p>
+          </p:txBody>
+        </p:sp>
+        <p:sp>
+          <p:nvSpPr>
+            <p:cNvPr id="304" name="Rectangle 303">
+              <a:extLst>
+                <a:ext uri="{FF2B5EF4-FFF2-40B4-BE49-F238E27FC236}">
+                  <a16:creationId xmlns:a16="http://schemas.microsoft.com/office/drawing/2014/main" id="{3BC86FA7-C5A1-CBAE-F1F0-C7A042F23643}"/>
+                </a:ext>
+              </a:extLst>
+            </p:cNvPr>
+            <p:cNvSpPr/>
+            <p:nvPr/>
+          </p:nvSpPr>
+          <p:spPr>
+            <a:xfrm>
+              <a:off x="5127625" y="2397125"/>
+              <a:ext cx="136525" cy="136525"/>
+            </a:xfrm>
+            <a:prstGeom prst="rect">
+              <a:avLst/>
+            </a:prstGeom>
+            <a:grpFill/>
+          </p:spPr>
+          <p:style>
+            <a:lnRef idx="2">
+              <a:schemeClr val="accent1">
+                <a:shade val="15000"/>
+              </a:schemeClr>
+            </a:lnRef>
+            <a:fillRef idx="1">
+              <a:schemeClr val="accent1"/>
+            </a:fillRef>
+            <a:effectRef idx="0">
+              <a:schemeClr val="accent1"/>
+            </a:effectRef>
+            <a:fontRef idx="minor">
+              <a:schemeClr val="lt1"/>
+            </a:fontRef>
+          </p:style>
+          <p:txBody>
+            <a:bodyPr rtlCol="0" anchor="ctr"/>
+            <a:lstStyle/>
+            <a:p>
+              <a:pPr algn="ctr"/>
+              <a:endParaRPr lang="en-US"/>
+            </a:p>
+          </p:txBody>
+        </p:sp>
+        <p:sp>
+          <p:nvSpPr>
+            <p:cNvPr id="305" name="Rectangle 304">
+              <a:extLst>
+                <a:ext uri="{FF2B5EF4-FFF2-40B4-BE49-F238E27FC236}">
+                  <a16:creationId xmlns:a16="http://schemas.microsoft.com/office/drawing/2014/main" id="{81030CAD-EF58-0356-07A3-FEC40B2A6629}"/>
+                </a:ext>
+              </a:extLst>
+            </p:cNvPr>
+            <p:cNvSpPr/>
+            <p:nvPr/>
+          </p:nvSpPr>
+          <p:spPr>
+            <a:xfrm>
+              <a:off x="4718050" y="2533650"/>
+              <a:ext cx="136525" cy="136525"/>
+            </a:xfrm>
+            <a:prstGeom prst="rect">
+              <a:avLst/>
+            </a:prstGeom>
+            <a:grpFill/>
+          </p:spPr>
+          <p:style>
+            <a:lnRef idx="2">
+              <a:schemeClr val="accent1">
+                <a:shade val="15000"/>
+              </a:schemeClr>
+            </a:lnRef>
+            <a:fillRef idx="1">
+              <a:schemeClr val="accent1"/>
+            </a:fillRef>
+            <a:effectRef idx="0">
+              <a:schemeClr val="accent1"/>
+            </a:effectRef>
+            <a:fontRef idx="minor">
+              <a:schemeClr val="lt1"/>
+            </a:fontRef>
+          </p:style>
+          <p:txBody>
+            <a:bodyPr rtlCol="0" anchor="ctr"/>
+            <a:lstStyle/>
+            <a:p>
+              <a:pPr algn="ctr"/>
+              <a:endParaRPr lang="en-US"/>
+            </a:p>
+          </p:txBody>
+        </p:sp>
+        <p:sp>
+          <p:nvSpPr>
+            <p:cNvPr id="306" name="Rectangle 305">
+              <a:extLst>
+                <a:ext uri="{FF2B5EF4-FFF2-40B4-BE49-F238E27FC236}">
+                  <a16:creationId xmlns:a16="http://schemas.microsoft.com/office/drawing/2014/main" id="{EA07FB0A-A93F-DD19-656B-C2DE2A530595}"/>
+                </a:ext>
+              </a:extLst>
+            </p:cNvPr>
+            <p:cNvSpPr/>
+            <p:nvPr/>
+          </p:nvSpPr>
+          <p:spPr>
+            <a:xfrm>
+              <a:off x="4854575" y="2533650"/>
+              <a:ext cx="136525" cy="136525"/>
+            </a:xfrm>
+            <a:prstGeom prst="rect">
+              <a:avLst/>
+            </a:prstGeom>
+            <a:grpFill/>
+          </p:spPr>
+          <p:style>
+            <a:lnRef idx="2">
+              <a:schemeClr val="accent1">
+                <a:shade val="15000"/>
+              </a:schemeClr>
+            </a:lnRef>
+            <a:fillRef idx="1">
+              <a:schemeClr val="accent1"/>
+            </a:fillRef>
+            <a:effectRef idx="0">
+              <a:schemeClr val="accent1"/>
+            </a:effectRef>
+            <a:fontRef idx="minor">
+              <a:schemeClr val="lt1"/>
+            </a:fontRef>
+          </p:style>
+          <p:txBody>
+            <a:bodyPr rtlCol="0" anchor="ctr"/>
+            <a:lstStyle/>
+            <a:p>
+              <a:pPr algn="ctr"/>
+              <a:endParaRPr lang="en-US"/>
+            </a:p>
+          </p:txBody>
+        </p:sp>
+        <p:sp>
+          <p:nvSpPr>
+            <p:cNvPr id="307" name="Rectangle 306">
+              <a:extLst>
+                <a:ext uri="{FF2B5EF4-FFF2-40B4-BE49-F238E27FC236}">
+                  <a16:creationId xmlns:a16="http://schemas.microsoft.com/office/drawing/2014/main" id="{ECD8C2B1-DD72-6110-83CC-9FCB7C75F1C9}"/>
+                </a:ext>
+              </a:extLst>
+            </p:cNvPr>
+            <p:cNvSpPr/>
+            <p:nvPr/>
+          </p:nvSpPr>
+          <p:spPr>
+            <a:xfrm>
+              <a:off x="4991100" y="2533650"/>
+              <a:ext cx="136525" cy="136525"/>
+            </a:xfrm>
+            <a:prstGeom prst="rect">
+              <a:avLst/>
+            </a:prstGeom>
+            <a:grpFill/>
+          </p:spPr>
+          <p:style>
+            <a:lnRef idx="2">
+              <a:schemeClr val="accent1">
+                <a:shade val="15000"/>
+              </a:schemeClr>
+            </a:lnRef>
+            <a:fillRef idx="1">
+              <a:schemeClr val="accent1"/>
+            </a:fillRef>
+            <a:effectRef idx="0">
+              <a:schemeClr val="accent1"/>
+            </a:effectRef>
+            <a:fontRef idx="minor">
+              <a:schemeClr val="lt1"/>
+            </a:fontRef>
+          </p:style>
+          <p:txBody>
+            <a:bodyPr rtlCol="0" anchor="ctr"/>
+            <a:lstStyle/>
+            <a:p>
+              <a:pPr algn="ctr"/>
+              <a:endParaRPr lang="en-US"/>
+            </a:p>
+          </p:txBody>
+        </p:sp>
+        <p:sp>
+          <p:nvSpPr>
+            <p:cNvPr id="308" name="Rectangle 307">
+              <a:extLst>
+                <a:ext uri="{FF2B5EF4-FFF2-40B4-BE49-F238E27FC236}">
+                  <a16:creationId xmlns:a16="http://schemas.microsoft.com/office/drawing/2014/main" id="{D796303E-0847-1BFB-51FB-24FAA6120C5F}"/>
+                </a:ext>
+              </a:extLst>
+            </p:cNvPr>
+            <p:cNvSpPr/>
+            <p:nvPr/>
+          </p:nvSpPr>
+          <p:spPr>
+            <a:xfrm>
+              <a:off x="5127625" y="2533650"/>
+              <a:ext cx="136525" cy="136525"/>
+            </a:xfrm>
+            <a:prstGeom prst="rect">
+              <a:avLst/>
+            </a:prstGeom>
+            <a:grpFill/>
+          </p:spPr>
+          <p:style>
+            <a:lnRef idx="2">
+              <a:schemeClr val="accent1">
+                <a:shade val="15000"/>
+              </a:schemeClr>
+            </a:lnRef>
+            <a:fillRef idx="1">
+              <a:schemeClr val="accent1"/>
+            </a:fillRef>
+            <a:effectRef idx="0">
+              <a:schemeClr val="accent1"/>
+            </a:effectRef>
+            <a:fontRef idx="minor">
+              <a:schemeClr val="lt1"/>
+            </a:fontRef>
+          </p:style>
+          <p:txBody>
+            <a:bodyPr rtlCol="0" anchor="ctr"/>
+            <a:lstStyle/>
+            <a:p>
+              <a:pPr algn="ctr"/>
+              <a:endParaRPr lang="en-US"/>
+            </a:p>
+          </p:txBody>
+        </p:sp>
+        <p:sp>
+          <p:nvSpPr>
+            <p:cNvPr id="309" name="Rectangle 308">
+              <a:extLst>
+                <a:ext uri="{FF2B5EF4-FFF2-40B4-BE49-F238E27FC236}">
+                  <a16:creationId xmlns:a16="http://schemas.microsoft.com/office/drawing/2014/main" id="{E45FC0C4-2272-0569-F042-5CFFDD532C72}"/>
+                </a:ext>
+              </a:extLst>
+            </p:cNvPr>
+            <p:cNvSpPr/>
+            <p:nvPr/>
+          </p:nvSpPr>
+          <p:spPr>
+            <a:xfrm>
+              <a:off x="4718050" y="2670175"/>
+              <a:ext cx="136525" cy="136525"/>
+            </a:xfrm>
+            <a:prstGeom prst="rect">
+              <a:avLst/>
+            </a:prstGeom>
+            <a:grpFill/>
+          </p:spPr>
+          <p:style>
+            <a:lnRef idx="2">
+              <a:schemeClr val="accent1">
+                <a:shade val="15000"/>
+              </a:schemeClr>
+            </a:lnRef>
+            <a:fillRef idx="1">
+              <a:schemeClr val="accent1"/>
+            </a:fillRef>
+            <a:effectRef idx="0">
+              <a:schemeClr val="accent1"/>
+            </a:effectRef>
+            <a:fontRef idx="minor">
+              <a:schemeClr val="lt1"/>
+            </a:fontRef>
+          </p:style>
+          <p:txBody>
+            <a:bodyPr rtlCol="0" anchor="ctr"/>
+            <a:lstStyle/>
+            <a:p>
+              <a:pPr algn="ctr"/>
+              <a:endParaRPr lang="en-US"/>
+            </a:p>
+          </p:txBody>
+        </p:sp>
+        <p:sp>
+          <p:nvSpPr>
+            <p:cNvPr id="310" name="Rectangle 309">
+              <a:extLst>
+                <a:ext uri="{FF2B5EF4-FFF2-40B4-BE49-F238E27FC236}">
+                  <a16:creationId xmlns:a16="http://schemas.microsoft.com/office/drawing/2014/main" id="{C0FECC4E-372D-9153-9442-B0174166B6A2}"/>
+                </a:ext>
+              </a:extLst>
+            </p:cNvPr>
+            <p:cNvSpPr/>
+            <p:nvPr/>
+          </p:nvSpPr>
+          <p:spPr>
+            <a:xfrm>
+              <a:off x="4854575" y="2670175"/>
+              <a:ext cx="136525" cy="136525"/>
+            </a:xfrm>
+            <a:prstGeom prst="rect">
+              <a:avLst/>
+            </a:prstGeom>
+            <a:grpFill/>
+          </p:spPr>
+          <p:style>
+            <a:lnRef idx="2">
+              <a:schemeClr val="accent1">
+                <a:shade val="15000"/>
+              </a:schemeClr>
+            </a:lnRef>
+            <a:fillRef idx="1">
+              <a:schemeClr val="accent1"/>
+            </a:fillRef>
+            <a:effectRef idx="0">
+              <a:schemeClr val="accent1"/>
+            </a:effectRef>
+            <a:fontRef idx="minor">
+              <a:schemeClr val="lt1"/>
+            </a:fontRef>
+          </p:style>
+          <p:txBody>
+            <a:bodyPr rtlCol="0" anchor="ctr"/>
+            <a:lstStyle/>
+            <a:p>
+              <a:pPr algn="ctr"/>
+              <a:endParaRPr lang="en-US"/>
+            </a:p>
+          </p:txBody>
+        </p:sp>
+        <p:sp>
+          <p:nvSpPr>
+            <p:cNvPr id="311" name="Rectangle 310">
+              <a:extLst>
+                <a:ext uri="{FF2B5EF4-FFF2-40B4-BE49-F238E27FC236}">
+                  <a16:creationId xmlns:a16="http://schemas.microsoft.com/office/drawing/2014/main" id="{B7DF7DFE-6814-8DBB-0B9D-EEE87A834EBE}"/>
+                </a:ext>
+              </a:extLst>
+            </p:cNvPr>
+            <p:cNvSpPr/>
+            <p:nvPr/>
+          </p:nvSpPr>
+          <p:spPr>
+            <a:xfrm>
+              <a:off x="4991100" y="2670175"/>
+              <a:ext cx="136525" cy="136525"/>
+            </a:xfrm>
+            <a:prstGeom prst="rect">
+              <a:avLst/>
+            </a:prstGeom>
+            <a:grpFill/>
+          </p:spPr>
+          <p:style>
+            <a:lnRef idx="2">
+              <a:schemeClr val="accent1">
+                <a:shade val="15000"/>
+              </a:schemeClr>
+            </a:lnRef>
+            <a:fillRef idx="1">
+              <a:schemeClr val="accent1"/>
+            </a:fillRef>
+            <a:effectRef idx="0">
+              <a:schemeClr val="accent1"/>
+            </a:effectRef>
+            <a:fontRef idx="minor">
+              <a:schemeClr val="lt1"/>
+            </a:fontRef>
+          </p:style>
+          <p:txBody>
+            <a:bodyPr rtlCol="0" anchor="ctr"/>
+            <a:lstStyle/>
+            <a:p>
+              <a:pPr algn="ctr"/>
+              <a:endParaRPr lang="en-US"/>
+            </a:p>
+          </p:txBody>
+        </p:sp>
+        <p:sp>
+          <p:nvSpPr>
+            <p:cNvPr id="312" name="Rectangle 311">
+              <a:extLst>
+                <a:ext uri="{FF2B5EF4-FFF2-40B4-BE49-F238E27FC236}">
+                  <a16:creationId xmlns:a16="http://schemas.microsoft.com/office/drawing/2014/main" id="{EF0A077C-EF0D-9EAE-A27A-3680894ACFC2}"/>
+                </a:ext>
+              </a:extLst>
+            </p:cNvPr>
+            <p:cNvSpPr/>
+            <p:nvPr/>
+          </p:nvSpPr>
+          <p:spPr>
+            <a:xfrm>
+              <a:off x="5127625" y="2670175"/>
+              <a:ext cx="136525" cy="136525"/>
+            </a:xfrm>
+            <a:prstGeom prst="rect">
+              <a:avLst/>
+            </a:prstGeom>
+            <a:grpFill/>
+          </p:spPr>
+          <p:style>
+            <a:lnRef idx="2">
+              <a:schemeClr val="accent1">
+                <a:shade val="15000"/>
+              </a:schemeClr>
+            </a:lnRef>
+            <a:fillRef idx="1">
+              <a:schemeClr val="accent1"/>
+            </a:fillRef>
+            <a:effectRef idx="0">
+              <a:schemeClr val="accent1"/>
+            </a:effectRef>
+            <a:fontRef idx="minor">
+              <a:schemeClr val="lt1"/>
+            </a:fontRef>
+          </p:style>
+          <p:txBody>
+            <a:bodyPr rtlCol="0" anchor="ctr"/>
+            <a:lstStyle/>
+            <a:p>
+              <a:pPr algn="ctr"/>
+              <a:endParaRPr lang="en-US"/>
+            </a:p>
+          </p:txBody>
+        </p:sp>
+      </p:grpSp>
+      <p:grpSp>
+        <p:nvGrpSpPr>
+          <p:cNvPr id="313" name="Group 312">
+            <a:extLst>
+              <a:ext uri="{FF2B5EF4-FFF2-40B4-BE49-F238E27FC236}">
+                <a16:creationId xmlns:a16="http://schemas.microsoft.com/office/drawing/2014/main" id="{8AA845AF-AFEB-B3FB-E8BA-7F06453A7D14}"/>
+              </a:ext>
+            </a:extLst>
+          </p:cNvPr>
+          <p:cNvGrpSpPr/>
+          <p:nvPr/>
+        </p:nvGrpSpPr>
+        <p:grpSpPr>
+          <a:xfrm>
+            <a:off x="5494916" y="3343174"/>
+            <a:ext cx="546100" cy="546100"/>
+            <a:chOff x="4718050" y="2260600"/>
+            <a:chExt cx="546100" cy="546100"/>
+          </a:xfrm>
+          <a:solidFill>
+            <a:srgbClr val="FF0000"/>
+          </a:solidFill>
+        </p:grpSpPr>
+        <p:sp>
+          <p:nvSpPr>
+            <p:cNvPr id="314" name="Rectangle 313">
+              <a:extLst>
+                <a:ext uri="{FF2B5EF4-FFF2-40B4-BE49-F238E27FC236}">
+                  <a16:creationId xmlns:a16="http://schemas.microsoft.com/office/drawing/2014/main" id="{8E2FDA46-FBDE-C2F3-325B-C240F5617F2F}"/>
+                </a:ext>
+              </a:extLst>
+            </p:cNvPr>
+            <p:cNvSpPr/>
+            <p:nvPr/>
+          </p:nvSpPr>
+          <p:spPr>
+            <a:xfrm>
+              <a:off x="4718050" y="2260600"/>
+              <a:ext cx="136525" cy="136525"/>
+            </a:xfrm>
+            <a:prstGeom prst="rect">
+              <a:avLst/>
+            </a:prstGeom>
+            <a:grpFill/>
+          </p:spPr>
+          <p:style>
+            <a:lnRef idx="2">
+              <a:schemeClr val="accent1">
+                <a:shade val="15000"/>
+              </a:schemeClr>
+            </a:lnRef>
+            <a:fillRef idx="1">
+              <a:schemeClr val="accent1"/>
+            </a:fillRef>
+            <a:effectRef idx="0">
+              <a:schemeClr val="accent1"/>
+            </a:effectRef>
+            <a:fontRef idx="minor">
+              <a:schemeClr val="lt1"/>
+            </a:fontRef>
+          </p:style>
+          <p:txBody>
+            <a:bodyPr rtlCol="0" anchor="ctr"/>
+            <a:lstStyle/>
+            <a:p>
+              <a:pPr algn="ctr"/>
+              <a:endParaRPr lang="en-US"/>
+            </a:p>
+          </p:txBody>
+        </p:sp>
+        <p:sp>
+          <p:nvSpPr>
+            <p:cNvPr id="315" name="Rectangle 314">
+              <a:extLst>
+                <a:ext uri="{FF2B5EF4-FFF2-40B4-BE49-F238E27FC236}">
+                  <a16:creationId xmlns:a16="http://schemas.microsoft.com/office/drawing/2014/main" id="{A949615B-B09E-241F-24F2-87C5F35DE52E}"/>
+                </a:ext>
+              </a:extLst>
+            </p:cNvPr>
+            <p:cNvSpPr/>
+            <p:nvPr/>
+          </p:nvSpPr>
+          <p:spPr>
+            <a:xfrm>
+              <a:off x="4854575" y="2260600"/>
+              <a:ext cx="136525" cy="136525"/>
+            </a:xfrm>
+            <a:prstGeom prst="rect">
+              <a:avLst/>
+            </a:prstGeom>
+            <a:grpFill/>
+          </p:spPr>
+          <p:style>
+            <a:lnRef idx="2">
+              <a:schemeClr val="accent1">
+                <a:shade val="15000"/>
+              </a:schemeClr>
+            </a:lnRef>
+            <a:fillRef idx="1">
+              <a:schemeClr val="accent1"/>
+            </a:fillRef>
+            <a:effectRef idx="0">
+              <a:schemeClr val="accent1"/>
+            </a:effectRef>
+            <a:fontRef idx="minor">
+              <a:schemeClr val="lt1"/>
+            </a:fontRef>
+          </p:style>
+          <p:txBody>
+            <a:bodyPr rtlCol="0" anchor="ctr"/>
+            <a:lstStyle/>
+            <a:p>
+              <a:pPr algn="ctr"/>
+              <a:endParaRPr lang="en-US"/>
+            </a:p>
+          </p:txBody>
+        </p:sp>
+        <p:sp>
+          <p:nvSpPr>
+            <p:cNvPr id="316" name="Rectangle 315">
+              <a:extLst>
+                <a:ext uri="{FF2B5EF4-FFF2-40B4-BE49-F238E27FC236}">
+                  <a16:creationId xmlns:a16="http://schemas.microsoft.com/office/drawing/2014/main" id="{A91E4A7E-5C27-8574-F20B-0F816C1A0264}"/>
+                </a:ext>
+              </a:extLst>
+            </p:cNvPr>
+            <p:cNvSpPr/>
+            <p:nvPr/>
+          </p:nvSpPr>
+          <p:spPr>
+            <a:xfrm>
+              <a:off x="4991100" y="2260600"/>
+              <a:ext cx="136525" cy="136525"/>
+            </a:xfrm>
+            <a:prstGeom prst="rect">
+              <a:avLst/>
+            </a:prstGeom>
+            <a:grpFill/>
+          </p:spPr>
+          <p:style>
+            <a:lnRef idx="2">
+              <a:schemeClr val="accent1">
+                <a:shade val="15000"/>
+              </a:schemeClr>
+            </a:lnRef>
+            <a:fillRef idx="1">
+              <a:schemeClr val="accent1"/>
+            </a:fillRef>
+            <a:effectRef idx="0">
+              <a:schemeClr val="accent1"/>
+            </a:effectRef>
+            <a:fontRef idx="minor">
+              <a:schemeClr val="lt1"/>
+            </a:fontRef>
+          </p:style>
+          <p:txBody>
+            <a:bodyPr rtlCol="0" anchor="ctr"/>
+            <a:lstStyle/>
+            <a:p>
+              <a:pPr algn="ctr"/>
+              <a:endParaRPr lang="en-US"/>
+            </a:p>
+          </p:txBody>
+        </p:sp>
+        <p:sp>
+          <p:nvSpPr>
+            <p:cNvPr id="317" name="Rectangle 316">
+              <a:extLst>
+                <a:ext uri="{FF2B5EF4-FFF2-40B4-BE49-F238E27FC236}">
+                  <a16:creationId xmlns:a16="http://schemas.microsoft.com/office/drawing/2014/main" id="{E37E6B61-1BF2-291D-2614-A7552F203974}"/>
+                </a:ext>
+              </a:extLst>
+            </p:cNvPr>
+            <p:cNvSpPr/>
+            <p:nvPr/>
+          </p:nvSpPr>
+          <p:spPr>
+            <a:xfrm>
+              <a:off x="5127625" y="2260600"/>
+              <a:ext cx="136525" cy="136525"/>
+            </a:xfrm>
+            <a:prstGeom prst="rect">
+              <a:avLst/>
+            </a:prstGeom>
+            <a:grpFill/>
+          </p:spPr>
+          <p:style>
+            <a:lnRef idx="2">
+              <a:schemeClr val="accent1">
+                <a:shade val="15000"/>
+              </a:schemeClr>
+            </a:lnRef>
+            <a:fillRef idx="1">
+              <a:schemeClr val="accent1"/>
+            </a:fillRef>
+            <a:effectRef idx="0">
+              <a:schemeClr val="accent1"/>
+            </a:effectRef>
+            <a:fontRef idx="minor">
+              <a:schemeClr val="lt1"/>
+            </a:fontRef>
+          </p:style>
+          <p:txBody>
+            <a:bodyPr rtlCol="0" anchor="ctr"/>
+            <a:lstStyle/>
+            <a:p>
+              <a:pPr algn="ctr"/>
+              <a:endParaRPr lang="en-US"/>
+            </a:p>
+          </p:txBody>
+        </p:sp>
+        <p:sp>
+          <p:nvSpPr>
+            <p:cNvPr id="318" name="Rectangle 317">
+              <a:extLst>
+                <a:ext uri="{FF2B5EF4-FFF2-40B4-BE49-F238E27FC236}">
+                  <a16:creationId xmlns:a16="http://schemas.microsoft.com/office/drawing/2014/main" id="{1A8F173F-EAF7-6CC9-4CA8-51FF5795716D}"/>
+                </a:ext>
+              </a:extLst>
+            </p:cNvPr>
+            <p:cNvSpPr/>
+            <p:nvPr/>
+          </p:nvSpPr>
+          <p:spPr>
+            <a:xfrm>
+              <a:off x="4718050" y="2397125"/>
+              <a:ext cx="136525" cy="136525"/>
+            </a:xfrm>
+            <a:prstGeom prst="rect">
+              <a:avLst/>
+            </a:prstGeom>
+            <a:grpFill/>
+          </p:spPr>
+          <p:style>
+            <a:lnRef idx="2">
+              <a:schemeClr val="accent1">
+                <a:shade val="15000"/>
+              </a:schemeClr>
+            </a:lnRef>
+            <a:fillRef idx="1">
+              <a:schemeClr val="accent1"/>
+            </a:fillRef>
+            <a:effectRef idx="0">
+              <a:schemeClr val="accent1"/>
+            </a:effectRef>
+            <a:fontRef idx="minor">
+              <a:schemeClr val="lt1"/>
+            </a:fontRef>
+          </p:style>
+          <p:txBody>
+            <a:bodyPr rtlCol="0" anchor="ctr"/>
+            <a:lstStyle/>
+            <a:p>
+              <a:pPr algn="ctr"/>
+              <a:endParaRPr lang="en-US"/>
+            </a:p>
+          </p:txBody>
+        </p:sp>
+        <p:sp>
+          <p:nvSpPr>
+            <p:cNvPr id="319" name="Rectangle 318">
+              <a:extLst>
+                <a:ext uri="{FF2B5EF4-FFF2-40B4-BE49-F238E27FC236}">
+                  <a16:creationId xmlns:a16="http://schemas.microsoft.com/office/drawing/2014/main" id="{99A58881-7717-A9AB-ED7E-1F145D35FEC2}"/>
+                </a:ext>
+              </a:extLst>
+            </p:cNvPr>
+            <p:cNvSpPr/>
+            <p:nvPr/>
+          </p:nvSpPr>
+          <p:spPr>
+            <a:xfrm>
+              <a:off x="4854575" y="2397125"/>
+              <a:ext cx="136525" cy="136525"/>
+            </a:xfrm>
+            <a:prstGeom prst="rect">
+              <a:avLst/>
+            </a:prstGeom>
+            <a:grpFill/>
+          </p:spPr>
+          <p:style>
+            <a:lnRef idx="2">
+              <a:schemeClr val="accent1">
+                <a:shade val="15000"/>
+              </a:schemeClr>
+            </a:lnRef>
+            <a:fillRef idx="1">
+              <a:schemeClr val="accent1"/>
+            </a:fillRef>
+            <a:effectRef idx="0">
+              <a:schemeClr val="accent1"/>
+            </a:effectRef>
+            <a:fontRef idx="minor">
+              <a:schemeClr val="lt1"/>
+            </a:fontRef>
+          </p:style>
+          <p:txBody>
+            <a:bodyPr rtlCol="0" anchor="ctr"/>
+            <a:lstStyle/>
+            <a:p>
+              <a:pPr algn="ctr"/>
+              <a:endParaRPr lang="en-US"/>
+            </a:p>
+          </p:txBody>
+        </p:sp>
+        <p:sp>
+          <p:nvSpPr>
+            <p:cNvPr id="320" name="Rectangle 319">
+              <a:extLst>
+                <a:ext uri="{FF2B5EF4-FFF2-40B4-BE49-F238E27FC236}">
+                  <a16:creationId xmlns:a16="http://schemas.microsoft.com/office/drawing/2014/main" id="{CE094AC4-4C22-D88B-2286-E19CCED6E8FC}"/>
+                </a:ext>
+              </a:extLst>
+            </p:cNvPr>
+            <p:cNvSpPr/>
+            <p:nvPr/>
+          </p:nvSpPr>
+          <p:spPr>
+            <a:xfrm>
+              <a:off x="4991100" y="2397125"/>
+              <a:ext cx="136525" cy="136525"/>
+            </a:xfrm>
+            <a:prstGeom prst="rect">
+              <a:avLst/>
+            </a:prstGeom>
+            <a:grpFill/>
+          </p:spPr>
+          <p:style>
+            <a:lnRef idx="2">
+              <a:schemeClr val="accent1">
+                <a:shade val="15000"/>
+              </a:schemeClr>
+            </a:lnRef>
+            <a:fillRef idx="1">
+              <a:schemeClr val="accent1"/>
+            </a:fillRef>
+            <a:effectRef idx="0">
+              <a:schemeClr val="accent1"/>
+            </a:effectRef>
+            <a:fontRef idx="minor">
+              <a:schemeClr val="lt1"/>
+            </a:fontRef>
+          </p:style>
+          <p:txBody>
+            <a:bodyPr rtlCol="0" anchor="ctr"/>
+            <a:lstStyle/>
+            <a:p>
+              <a:pPr algn="ctr"/>
+              <a:endParaRPr lang="en-US"/>
+            </a:p>
+          </p:txBody>
+        </p:sp>
+        <p:sp>
+          <p:nvSpPr>
+            <p:cNvPr id="321" name="Rectangle 320">
+              <a:extLst>
+                <a:ext uri="{FF2B5EF4-FFF2-40B4-BE49-F238E27FC236}">
+                  <a16:creationId xmlns:a16="http://schemas.microsoft.com/office/drawing/2014/main" id="{2EFA6B9E-EDFC-ABA1-EC6C-9A7C41705649}"/>
+                </a:ext>
+              </a:extLst>
+            </p:cNvPr>
+            <p:cNvSpPr/>
+            <p:nvPr/>
+          </p:nvSpPr>
+          <p:spPr>
+            <a:xfrm>
+              <a:off x="5127625" y="2397125"/>
+              <a:ext cx="136525" cy="136525"/>
+            </a:xfrm>
+            <a:prstGeom prst="rect">
+              <a:avLst/>
+            </a:prstGeom>
+            <a:grpFill/>
+          </p:spPr>
+          <p:style>
+            <a:lnRef idx="2">
+              <a:schemeClr val="accent1">
+                <a:shade val="15000"/>
+              </a:schemeClr>
+            </a:lnRef>
+            <a:fillRef idx="1">
+              <a:schemeClr val="accent1"/>
+            </a:fillRef>
+            <a:effectRef idx="0">
+              <a:schemeClr val="accent1"/>
+            </a:effectRef>
+            <a:fontRef idx="minor">
+              <a:schemeClr val="lt1"/>
+            </a:fontRef>
+          </p:style>
+          <p:txBody>
+            <a:bodyPr rtlCol="0" anchor="ctr"/>
+            <a:lstStyle/>
+            <a:p>
+              <a:pPr algn="ctr"/>
+              <a:endParaRPr lang="en-US"/>
+            </a:p>
+          </p:txBody>
+        </p:sp>
+        <p:sp>
+          <p:nvSpPr>
+            <p:cNvPr id="322" name="Rectangle 321">
+              <a:extLst>
+                <a:ext uri="{FF2B5EF4-FFF2-40B4-BE49-F238E27FC236}">
+                  <a16:creationId xmlns:a16="http://schemas.microsoft.com/office/drawing/2014/main" id="{1236F456-B3FF-484A-D07D-532F79A8D396}"/>
+                </a:ext>
+              </a:extLst>
+            </p:cNvPr>
+            <p:cNvSpPr/>
+            <p:nvPr/>
+          </p:nvSpPr>
+          <p:spPr>
+            <a:xfrm>
+              <a:off x="4718050" y="2533650"/>
+              <a:ext cx="136525" cy="136525"/>
+            </a:xfrm>
+            <a:prstGeom prst="rect">
+              <a:avLst/>
+            </a:prstGeom>
+            <a:grpFill/>
+          </p:spPr>
+          <p:style>
+            <a:lnRef idx="2">
+              <a:schemeClr val="accent1">
+                <a:shade val="15000"/>
+              </a:schemeClr>
+            </a:lnRef>
+            <a:fillRef idx="1">
+              <a:schemeClr val="accent1"/>
+            </a:fillRef>
+            <a:effectRef idx="0">
+              <a:schemeClr val="accent1"/>
+            </a:effectRef>
+            <a:fontRef idx="minor">
+              <a:schemeClr val="lt1"/>
+            </a:fontRef>
+          </p:style>
+          <p:txBody>
+            <a:bodyPr rtlCol="0" anchor="ctr"/>
+            <a:lstStyle/>
+            <a:p>
+              <a:pPr algn="ctr"/>
+              <a:endParaRPr lang="en-US"/>
+            </a:p>
+          </p:txBody>
+        </p:sp>
+        <p:sp>
+          <p:nvSpPr>
+            <p:cNvPr id="323" name="Rectangle 322">
+              <a:extLst>
+                <a:ext uri="{FF2B5EF4-FFF2-40B4-BE49-F238E27FC236}">
+                  <a16:creationId xmlns:a16="http://schemas.microsoft.com/office/drawing/2014/main" id="{6CD2A8E7-262C-2828-CC39-4F9E120747B3}"/>
+                </a:ext>
+              </a:extLst>
+            </p:cNvPr>
+            <p:cNvSpPr/>
+            <p:nvPr/>
+          </p:nvSpPr>
+          <p:spPr>
+            <a:xfrm>
+              <a:off x="4854575" y="2533650"/>
+              <a:ext cx="136525" cy="136525"/>
+            </a:xfrm>
+            <a:prstGeom prst="rect">
+              <a:avLst/>
+            </a:prstGeom>
+            <a:grpFill/>
+          </p:spPr>
+          <p:style>
+            <a:lnRef idx="2">
+              <a:schemeClr val="accent1">
+                <a:shade val="15000"/>
+              </a:schemeClr>
+            </a:lnRef>
+            <a:fillRef idx="1">
+              <a:schemeClr val="accent1"/>
+            </a:fillRef>
+            <a:effectRef idx="0">
+              <a:schemeClr val="accent1"/>
+            </a:effectRef>
+            <a:fontRef idx="minor">
+              <a:schemeClr val="lt1"/>
+            </a:fontRef>
+          </p:style>
+          <p:txBody>
+            <a:bodyPr rtlCol="0" anchor="ctr"/>
+            <a:lstStyle/>
+            <a:p>
+              <a:pPr algn="ctr"/>
+              <a:endParaRPr lang="en-US"/>
+            </a:p>
+          </p:txBody>
+        </p:sp>
+        <p:sp>
+          <p:nvSpPr>
+            <p:cNvPr id="324" name="Rectangle 323">
+              <a:extLst>
+                <a:ext uri="{FF2B5EF4-FFF2-40B4-BE49-F238E27FC236}">
+                  <a16:creationId xmlns:a16="http://schemas.microsoft.com/office/drawing/2014/main" id="{7F7FF207-0669-DDED-1FD6-EB222D8D08C3}"/>
+                </a:ext>
+              </a:extLst>
+            </p:cNvPr>
+            <p:cNvSpPr/>
+            <p:nvPr/>
+          </p:nvSpPr>
+          <p:spPr>
+            <a:xfrm>
+              <a:off x="4991100" y="2533650"/>
+              <a:ext cx="136525" cy="136525"/>
+            </a:xfrm>
+            <a:prstGeom prst="rect">
+              <a:avLst/>
+            </a:prstGeom>
+            <a:grpFill/>
+          </p:spPr>
+          <p:style>
+            <a:lnRef idx="2">
+              <a:schemeClr val="accent1">
+                <a:shade val="15000"/>
+              </a:schemeClr>
+            </a:lnRef>
+            <a:fillRef idx="1">
+              <a:schemeClr val="accent1"/>
+            </a:fillRef>
+            <a:effectRef idx="0">
+              <a:schemeClr val="accent1"/>
+            </a:effectRef>
+            <a:fontRef idx="minor">
+              <a:schemeClr val="lt1"/>
+            </a:fontRef>
+          </p:style>
+          <p:txBody>
+            <a:bodyPr rtlCol="0" anchor="ctr"/>
+            <a:lstStyle/>
+            <a:p>
+              <a:pPr algn="ctr"/>
+              <a:endParaRPr lang="en-US"/>
+            </a:p>
+          </p:txBody>
+        </p:sp>
+        <p:sp>
+          <p:nvSpPr>
+            <p:cNvPr id="325" name="Rectangle 324">
+              <a:extLst>
+                <a:ext uri="{FF2B5EF4-FFF2-40B4-BE49-F238E27FC236}">
+                  <a16:creationId xmlns:a16="http://schemas.microsoft.com/office/drawing/2014/main" id="{39E09C51-A61B-3A77-57C3-F320D8876BA7}"/>
+                </a:ext>
+              </a:extLst>
+            </p:cNvPr>
+            <p:cNvSpPr/>
+            <p:nvPr/>
+          </p:nvSpPr>
+          <p:spPr>
+            <a:xfrm>
+              <a:off x="5127625" y="2533650"/>
+              <a:ext cx="136525" cy="136525"/>
+            </a:xfrm>
+            <a:prstGeom prst="rect">
+              <a:avLst/>
+            </a:prstGeom>
+            <a:grpFill/>
+          </p:spPr>
+          <p:style>
+            <a:lnRef idx="2">
+              <a:schemeClr val="accent1">
+                <a:shade val="15000"/>
+              </a:schemeClr>
+            </a:lnRef>
+            <a:fillRef idx="1">
+              <a:schemeClr val="accent1"/>
+            </a:fillRef>
+            <a:effectRef idx="0">
+              <a:schemeClr val="accent1"/>
+            </a:effectRef>
+            <a:fontRef idx="minor">
+              <a:schemeClr val="lt1"/>
+            </a:fontRef>
+          </p:style>
+          <p:txBody>
+            <a:bodyPr rtlCol="0" anchor="ctr"/>
+            <a:lstStyle/>
+            <a:p>
+              <a:pPr algn="ctr"/>
+              <a:endParaRPr lang="en-US"/>
+            </a:p>
+          </p:txBody>
+        </p:sp>
+        <p:sp>
+          <p:nvSpPr>
+            <p:cNvPr id="326" name="Rectangle 325">
+              <a:extLst>
+                <a:ext uri="{FF2B5EF4-FFF2-40B4-BE49-F238E27FC236}">
+                  <a16:creationId xmlns:a16="http://schemas.microsoft.com/office/drawing/2014/main" id="{728B57B4-0782-77C6-E5E7-3983081AF315}"/>
+                </a:ext>
+              </a:extLst>
+            </p:cNvPr>
+            <p:cNvSpPr/>
+            <p:nvPr/>
+          </p:nvSpPr>
+          <p:spPr>
+            <a:xfrm>
+              <a:off x="4718050" y="2670175"/>
+              <a:ext cx="136525" cy="136525"/>
+            </a:xfrm>
+            <a:prstGeom prst="rect">
+              <a:avLst/>
+            </a:prstGeom>
+            <a:grpFill/>
+          </p:spPr>
+          <p:style>
+            <a:lnRef idx="2">
+              <a:schemeClr val="accent1">
+                <a:shade val="15000"/>
+              </a:schemeClr>
+            </a:lnRef>
+            <a:fillRef idx="1">
+              <a:schemeClr val="accent1"/>
+            </a:fillRef>
+            <a:effectRef idx="0">
+              <a:schemeClr val="accent1"/>
+            </a:effectRef>
+            <a:fontRef idx="minor">
+              <a:schemeClr val="lt1"/>
+            </a:fontRef>
+          </p:style>
+          <p:txBody>
+            <a:bodyPr rtlCol="0" anchor="ctr"/>
+            <a:lstStyle/>
+            <a:p>
+              <a:pPr algn="ctr"/>
+              <a:endParaRPr lang="en-US"/>
+            </a:p>
+          </p:txBody>
+        </p:sp>
+        <p:sp>
+          <p:nvSpPr>
+            <p:cNvPr id="327" name="Rectangle 326">
+              <a:extLst>
+                <a:ext uri="{FF2B5EF4-FFF2-40B4-BE49-F238E27FC236}">
+                  <a16:creationId xmlns:a16="http://schemas.microsoft.com/office/drawing/2014/main" id="{C957B8A5-6336-CC08-E78A-85FEC986ECFC}"/>
+                </a:ext>
+              </a:extLst>
+            </p:cNvPr>
+            <p:cNvSpPr/>
+            <p:nvPr/>
+          </p:nvSpPr>
+          <p:spPr>
+            <a:xfrm>
+              <a:off x="4854575" y="2670175"/>
+              <a:ext cx="136525" cy="136525"/>
+            </a:xfrm>
+            <a:prstGeom prst="rect">
+              <a:avLst/>
+            </a:prstGeom>
+            <a:grpFill/>
+          </p:spPr>
+          <p:style>
+            <a:lnRef idx="2">
+              <a:schemeClr val="accent1">
+                <a:shade val="15000"/>
+              </a:schemeClr>
+            </a:lnRef>
+            <a:fillRef idx="1">
+              <a:schemeClr val="accent1"/>
+            </a:fillRef>
+            <a:effectRef idx="0">
+              <a:schemeClr val="accent1"/>
+            </a:effectRef>
+            <a:fontRef idx="minor">
+              <a:schemeClr val="lt1"/>
+            </a:fontRef>
+          </p:style>
+          <p:txBody>
+            <a:bodyPr rtlCol="0" anchor="ctr"/>
+            <a:lstStyle/>
+            <a:p>
+              <a:pPr algn="ctr"/>
+              <a:endParaRPr lang="en-US"/>
+            </a:p>
+          </p:txBody>
+        </p:sp>
+        <p:sp>
+          <p:nvSpPr>
+            <p:cNvPr id="328" name="Rectangle 327">
+              <a:extLst>
+                <a:ext uri="{FF2B5EF4-FFF2-40B4-BE49-F238E27FC236}">
+                  <a16:creationId xmlns:a16="http://schemas.microsoft.com/office/drawing/2014/main" id="{1CF8180E-C96C-B07E-C2B6-DA52D9E3DEEE}"/>
+                </a:ext>
+              </a:extLst>
+            </p:cNvPr>
+            <p:cNvSpPr/>
+            <p:nvPr/>
+          </p:nvSpPr>
+          <p:spPr>
+            <a:xfrm>
+              <a:off x="4991100" y="2670175"/>
+              <a:ext cx="136525" cy="136525"/>
+            </a:xfrm>
+            <a:prstGeom prst="rect">
+              <a:avLst/>
+            </a:prstGeom>
+            <a:grpFill/>
+          </p:spPr>
+          <p:style>
+            <a:lnRef idx="2">
+              <a:schemeClr val="accent1">
+                <a:shade val="15000"/>
+              </a:schemeClr>
+            </a:lnRef>
+            <a:fillRef idx="1">
+              <a:schemeClr val="accent1"/>
+            </a:fillRef>
+            <a:effectRef idx="0">
+              <a:schemeClr val="accent1"/>
+            </a:effectRef>
+            <a:fontRef idx="minor">
+              <a:schemeClr val="lt1"/>
+            </a:fontRef>
+          </p:style>
+          <p:txBody>
+            <a:bodyPr rtlCol="0" anchor="ctr"/>
+            <a:lstStyle/>
+            <a:p>
+              <a:pPr algn="ctr"/>
+              <a:endParaRPr lang="en-US"/>
+            </a:p>
+          </p:txBody>
+        </p:sp>
+        <p:sp>
+          <p:nvSpPr>
+            <p:cNvPr id="329" name="Rectangle 328">
+              <a:extLst>
+                <a:ext uri="{FF2B5EF4-FFF2-40B4-BE49-F238E27FC236}">
+                  <a16:creationId xmlns:a16="http://schemas.microsoft.com/office/drawing/2014/main" id="{4399CB9F-EBFE-327E-C506-D864F2D5D564}"/>
+                </a:ext>
+              </a:extLst>
+            </p:cNvPr>
+            <p:cNvSpPr/>
+            <p:nvPr/>
+          </p:nvSpPr>
+          <p:spPr>
+            <a:xfrm>
+              <a:off x="5127625" y="2670175"/>
+              <a:ext cx="136525" cy="136525"/>
+            </a:xfrm>
+            <a:prstGeom prst="rect">
+              <a:avLst/>
+            </a:prstGeom>
+            <a:grpFill/>
+          </p:spPr>
+          <p:style>
+            <a:lnRef idx="2">
+              <a:schemeClr val="accent1">
+                <a:shade val="15000"/>
+              </a:schemeClr>
+            </a:lnRef>
+            <a:fillRef idx="1">
+              <a:schemeClr val="accent1"/>
+            </a:fillRef>
+            <a:effectRef idx="0">
+              <a:schemeClr val="accent1"/>
+            </a:effectRef>
+            <a:fontRef idx="minor">
+              <a:schemeClr val="lt1"/>
+            </a:fontRef>
+          </p:style>
+          <p:txBody>
+            <a:bodyPr rtlCol="0" anchor="ctr"/>
+            <a:lstStyle/>
+            <a:p>
+              <a:pPr algn="ctr"/>
+              <a:endParaRPr lang="en-US"/>
+            </a:p>
+          </p:txBody>
+        </p:sp>
+      </p:grpSp>
+      <p:pic>
+        <p:nvPicPr>
+          <p:cNvPr id="1028" name="Picture 4" descr="undefined">
+            <a:extLst>
+              <a:ext uri="{FF2B5EF4-FFF2-40B4-BE49-F238E27FC236}">
+                <a16:creationId xmlns:a16="http://schemas.microsoft.com/office/drawing/2014/main" id="{1CE2CC18-E6F7-FEB7-E5C4-F2340468C1EA}"/>
+              </a:ext>
+            </a:extLst>
+          </p:cNvPr>
+          <p:cNvPicPr>
+            <a:picLocks noChangeAspect="1" noChangeArrowheads="1"/>
+          </p:cNvPicPr>
+          <p:nvPr/>
+        </p:nvPicPr>
+        <p:blipFill>
+          <a:blip r:embed="rId2">
+            <a:extLst>
+              <a:ext uri="{28A0092B-C50C-407E-A947-70E740481C1C}">
+                <a14:useLocalDpi xmlns:a14="http://schemas.microsoft.com/office/drawing/2010/main" val="0"/>
+              </a:ext>
+            </a:extLst>
+          </a:blip>
+          <a:srcRect/>
+          <a:stretch>
+            <a:fillRect/>
+          </a:stretch>
+        </p:blipFill>
+        <p:spPr bwMode="auto">
+          <a:xfrm>
+            <a:off x="3302000" y="1116807"/>
+            <a:ext cx="1005645" cy="798795"/>
+          </a:xfrm>
+          <a:prstGeom prst="rect">
+            <a:avLst/>
+          </a:prstGeom>
+          <a:noFill/>
+          <a:extLst>
+            <a:ext uri="{909E8E84-426E-40DD-AFC4-6F175D3DCCD1}">
+              <a14:hiddenFill xmlns:a14="http://schemas.microsoft.com/office/drawing/2010/main">
+                <a:solidFill>
+                  <a:srgbClr val="FFFFFF"/>
+                </a:solidFill>
+              </a14:hiddenFill>
+            </a:ext>
+          </a:extLst>
+        </p:spPr>
+      </p:pic>
+      <p:sp>
+        <p:nvSpPr>
+          <p:cNvPr id="341" name="Rectangle 340">
+            <a:extLst>
+              <a:ext uri="{FF2B5EF4-FFF2-40B4-BE49-F238E27FC236}">
+                <a16:creationId xmlns:a16="http://schemas.microsoft.com/office/drawing/2014/main" id="{D23602D1-A6B7-0D14-E406-7355403978A6}"/>
+              </a:ext>
+            </a:extLst>
+          </p:cNvPr>
+          <p:cNvSpPr/>
+          <p:nvPr/>
+        </p:nvSpPr>
+        <p:spPr>
+          <a:xfrm>
+            <a:off x="3302000" y="1116807"/>
+            <a:ext cx="1005645" cy="798795"/>
+          </a:xfrm>
+          <a:prstGeom prst="rect">
+            <a:avLst/>
+          </a:prstGeom>
+          <a:noFill/>
+        </p:spPr>
+        <p:style>
+          <a:lnRef idx="2">
+            <a:schemeClr val="accent1">
+              <a:shade val="15000"/>
+            </a:schemeClr>
+          </a:lnRef>
+          <a:fillRef idx="1">
+            <a:schemeClr val="accent1"/>
+          </a:fillRef>
+          <a:effectRef idx="0">
+            <a:schemeClr val="accent1"/>
+          </a:effectRef>
+          <a:fontRef idx="minor">
+            <a:schemeClr val="lt1"/>
+          </a:fontRef>
+        </p:style>
+        <p:txBody>
+          <a:bodyPr rtlCol="0" anchor="ctr"/>
+          <a:lstStyle/>
+          <a:p>
+            <a:pPr algn="ctr"/>
+            <a:endParaRPr lang="en-US"/>
+          </a:p>
+        </p:txBody>
+      </p:sp>
+      <p:sp>
+        <p:nvSpPr>
+          <p:cNvPr id="352" name="Rectangle 351">
+            <a:extLst>
+              <a:ext uri="{FF2B5EF4-FFF2-40B4-BE49-F238E27FC236}">
+                <a16:creationId xmlns:a16="http://schemas.microsoft.com/office/drawing/2014/main" id="{EE1A10DD-D1BC-6C26-F534-A792DDE124AE}"/>
+              </a:ext>
+            </a:extLst>
+          </p:cNvPr>
+          <p:cNvSpPr/>
+          <p:nvPr/>
+        </p:nvSpPr>
+        <p:spPr>
+          <a:xfrm>
+            <a:off x="5104505" y="123352"/>
+            <a:ext cx="246401" cy="957806"/>
+          </a:xfrm>
+          <a:prstGeom prst="rect">
+            <a:avLst/>
+          </a:prstGeom>
+          <a:solidFill>
+            <a:schemeClr val="bg1"/>
+          </a:solidFill>
+          <a:ln>
+            <a:noFill/>
+          </a:ln>
+        </p:spPr>
+        <p:style>
+          <a:lnRef idx="2">
+            <a:schemeClr val="accent1">
+              <a:shade val="15000"/>
+            </a:schemeClr>
+          </a:lnRef>
+          <a:fillRef idx="1">
+            <a:schemeClr val="accent1"/>
+          </a:fillRef>
+          <a:effectRef idx="0">
+            <a:schemeClr val="accent1"/>
+          </a:effectRef>
+          <a:fontRef idx="minor">
+            <a:schemeClr val="lt1"/>
+          </a:fontRef>
+        </p:style>
+        <p:txBody>
+          <a:bodyPr rtlCol="0" anchor="ctr"/>
+          <a:lstStyle/>
+          <a:p>
+            <a:pPr algn="ctr"/>
+            <a:endParaRPr lang="en-US"/>
+          </a:p>
+        </p:txBody>
+      </p:sp>
+      <p:sp>
+        <p:nvSpPr>
+          <p:cNvPr id="355" name="Rectangle 354">
+            <a:extLst>
+              <a:ext uri="{FF2B5EF4-FFF2-40B4-BE49-F238E27FC236}">
+                <a16:creationId xmlns:a16="http://schemas.microsoft.com/office/drawing/2014/main" id="{93110182-3ADB-52CE-30DC-C7F6F75959CA}"/>
+              </a:ext>
+            </a:extLst>
+          </p:cNvPr>
+          <p:cNvSpPr/>
+          <p:nvPr/>
+        </p:nvSpPr>
+        <p:spPr>
+          <a:xfrm>
+            <a:off x="5455229" y="1350808"/>
+            <a:ext cx="517524" cy="957806"/>
+          </a:xfrm>
+          <a:prstGeom prst="rect">
+            <a:avLst/>
+          </a:prstGeom>
+          <a:solidFill>
+            <a:schemeClr val="bg1"/>
+          </a:solidFill>
+          <a:ln>
+            <a:noFill/>
+          </a:ln>
+        </p:spPr>
+        <p:style>
+          <a:lnRef idx="2">
+            <a:schemeClr val="accent1">
+              <a:shade val="15000"/>
+            </a:schemeClr>
+          </a:lnRef>
+          <a:fillRef idx="1">
+            <a:schemeClr val="accent1"/>
+          </a:fillRef>
+          <a:effectRef idx="0">
+            <a:schemeClr val="accent1"/>
+          </a:effectRef>
+          <a:fontRef idx="minor">
+            <a:schemeClr val="lt1"/>
+          </a:fontRef>
+        </p:style>
+        <p:txBody>
+          <a:bodyPr rtlCol="0" anchor="ctr"/>
+          <a:lstStyle/>
+          <a:p>
+            <a:pPr algn="ctr"/>
+            <a:endParaRPr lang="en-US"/>
+          </a:p>
+        </p:txBody>
+      </p:sp>
+      <p:sp>
+        <p:nvSpPr>
+          <p:cNvPr id="358" name="Rectangle 357">
+            <a:extLst>
+              <a:ext uri="{FF2B5EF4-FFF2-40B4-BE49-F238E27FC236}">
+                <a16:creationId xmlns:a16="http://schemas.microsoft.com/office/drawing/2014/main" id="{A3722BA9-90C8-4386-CD8B-3A1F777C91A3}"/>
+              </a:ext>
+            </a:extLst>
+          </p:cNvPr>
+          <p:cNvSpPr/>
+          <p:nvPr/>
+        </p:nvSpPr>
+        <p:spPr>
+          <a:xfrm>
+            <a:off x="3804822" y="1055829"/>
+            <a:ext cx="561007" cy="460376"/>
+          </a:xfrm>
+          <a:prstGeom prst="rect">
+            <a:avLst/>
+          </a:prstGeom>
+          <a:solidFill>
+            <a:schemeClr val="bg1"/>
+          </a:solidFill>
+          <a:ln>
+            <a:noFill/>
+          </a:ln>
+        </p:spPr>
+        <p:style>
+          <a:lnRef idx="2">
+            <a:schemeClr val="accent1">
+              <a:shade val="15000"/>
+            </a:schemeClr>
+          </a:lnRef>
+          <a:fillRef idx="1">
+            <a:schemeClr val="accent1"/>
+          </a:fillRef>
+          <a:effectRef idx="0">
+            <a:schemeClr val="accent1"/>
+          </a:effectRef>
+          <a:fontRef idx="minor">
+            <a:schemeClr val="lt1"/>
+          </a:fontRef>
+        </p:style>
+        <p:txBody>
+          <a:bodyPr rtlCol="0" anchor="ctr"/>
+          <a:lstStyle/>
+          <a:p>
+            <a:pPr algn="ctr"/>
+            <a:endParaRPr lang="en-US"/>
+          </a:p>
+        </p:txBody>
+      </p:sp>
+      <p:cxnSp>
+        <p:nvCxnSpPr>
+          <p:cNvPr id="343" name="Straight Connector 342">
+            <a:extLst>
+              <a:ext uri="{FF2B5EF4-FFF2-40B4-BE49-F238E27FC236}">
+                <a16:creationId xmlns:a16="http://schemas.microsoft.com/office/drawing/2014/main" id="{74563198-D3DC-A786-A104-20D7116E9CAE}"/>
+              </a:ext>
+            </a:extLst>
+          </p:cNvPr>
+          <p:cNvCxnSpPr>
+            <a:stCxn id="341" idx="0"/>
+            <a:endCxn id="341" idx="2"/>
+          </p:cNvCxnSpPr>
+          <p:nvPr/>
+        </p:nvCxnSpPr>
+        <p:spPr>
+          <a:xfrm>
+            <a:off x="3804823" y="1116807"/>
+            <a:ext cx="0" cy="798795"/>
+          </a:xfrm>
+          <a:prstGeom prst="line">
+            <a:avLst/>
+          </a:prstGeom>
+          <a:ln w="12700">
+            <a:solidFill>
+              <a:schemeClr val="tx1"/>
+            </a:solidFill>
+          </a:ln>
+        </p:spPr>
+        <p:style>
+          <a:lnRef idx="1">
+            <a:schemeClr val="accent1"/>
+          </a:lnRef>
+          <a:fillRef idx="0">
+            <a:schemeClr val="accent1"/>
+          </a:fillRef>
+          <a:effectRef idx="0">
+            <a:schemeClr val="accent1"/>
+          </a:effectRef>
+          <a:fontRef idx="minor">
+            <a:schemeClr val="tx1"/>
+          </a:fontRef>
+        </p:style>
+      </p:cxnSp>
+      <p:cxnSp>
+        <p:nvCxnSpPr>
+          <p:cNvPr id="344" name="Straight Connector 343">
+            <a:extLst>
+              <a:ext uri="{FF2B5EF4-FFF2-40B4-BE49-F238E27FC236}">
+                <a16:creationId xmlns:a16="http://schemas.microsoft.com/office/drawing/2014/main" id="{6777151A-CCF3-7906-8B56-10D2D6AC066F}"/>
+              </a:ext>
+            </a:extLst>
+          </p:cNvPr>
+          <p:cNvCxnSpPr>
+            <a:cxnSpLocks/>
+            <a:stCxn id="1028" idx="3"/>
+            <a:endCxn id="1028" idx="1"/>
+          </p:cNvCxnSpPr>
+          <p:nvPr/>
+        </p:nvCxnSpPr>
+        <p:spPr>
+          <a:xfrm flipH="1">
+            <a:off x="3302000" y="1516205"/>
+            <a:ext cx="1005645" cy="0"/>
+          </a:xfrm>
+          <a:prstGeom prst="line">
+            <a:avLst/>
+          </a:prstGeom>
+          <a:ln w="12700">
+            <a:solidFill>
+              <a:schemeClr val="tx1"/>
+            </a:solidFill>
+          </a:ln>
+        </p:spPr>
+        <p:style>
+          <a:lnRef idx="1">
+            <a:schemeClr val="accent1"/>
+          </a:lnRef>
+          <a:fillRef idx="0">
+            <a:schemeClr val="accent1"/>
+          </a:fillRef>
+          <a:effectRef idx="0">
+            <a:schemeClr val="accent1"/>
+          </a:effectRef>
+          <a:fontRef idx="minor">
+            <a:schemeClr val="tx1"/>
+          </a:fontRef>
+        </p:style>
+      </p:cxnSp>
+      <p:grpSp>
+        <p:nvGrpSpPr>
+          <p:cNvPr id="359" name="Group 358">
+            <a:extLst>
+              <a:ext uri="{FF2B5EF4-FFF2-40B4-BE49-F238E27FC236}">
+                <a16:creationId xmlns:a16="http://schemas.microsoft.com/office/drawing/2014/main" id="{47D8B031-9226-604C-3ABB-9F9F67B13106}"/>
+              </a:ext>
+            </a:extLst>
+          </p:cNvPr>
+          <p:cNvGrpSpPr/>
+          <p:nvPr/>
+        </p:nvGrpSpPr>
+        <p:grpSpPr>
+          <a:xfrm>
+            <a:off x="3926377" y="951410"/>
+            <a:ext cx="502822" cy="399398"/>
+            <a:chOff x="4357041" y="656433"/>
+            <a:chExt cx="502822" cy="399398"/>
+          </a:xfrm>
+        </p:grpSpPr>
+        <p:pic>
+          <p:nvPicPr>
+            <p:cNvPr id="348" name="Picture 4" descr="undefined">
+              <a:extLst>
+                <a:ext uri="{FF2B5EF4-FFF2-40B4-BE49-F238E27FC236}">
+                  <a16:creationId xmlns:a16="http://schemas.microsoft.com/office/drawing/2014/main" id="{56138848-E4B4-BFC1-9B91-88D899A880C0}"/>
+                </a:ext>
+              </a:extLst>
+            </p:cNvPr>
+            <p:cNvPicPr>
+              <a:picLocks noChangeAspect="1" noChangeArrowheads="1"/>
+            </p:cNvPicPr>
+            <p:nvPr/>
+          </p:nvPicPr>
+          <p:blipFill rotWithShape="1">
+            <a:blip r:embed="rId2">
+              <a:extLst>
+                <a:ext uri="{28A0092B-C50C-407E-A947-70E740481C1C}">
+                  <a14:useLocalDpi xmlns:a14="http://schemas.microsoft.com/office/drawing/2010/main" val="0"/>
+                </a:ext>
+              </a:extLst>
+            </a:blip>
+            <a:srcRect l="50000" t="1" b="49999"/>
+            <a:stretch/>
+          </p:blipFill>
+          <p:spPr bwMode="auto">
+            <a:xfrm>
+              <a:off x="4357041" y="656433"/>
+              <a:ext cx="502822" cy="399398"/>
+            </a:xfrm>
+            <a:prstGeom prst="rect">
+              <a:avLst/>
+            </a:prstGeom>
+            <a:noFill/>
+            <a:extLst>
+              <a:ext uri="{909E8E84-426E-40DD-AFC4-6F175D3DCCD1}">
+                <a14:hiddenFill xmlns:a14="http://schemas.microsoft.com/office/drawing/2010/main">
+                  <a:solidFill>
+                    <a:srgbClr val="FFFFFF"/>
+                  </a:solidFill>
+                </a14:hiddenFill>
+              </a:ext>
+            </a:extLst>
+          </p:spPr>
+        </p:pic>
+        <p:sp>
+          <p:nvSpPr>
+            <p:cNvPr id="349" name="Rectangle 348">
+              <a:extLst>
+                <a:ext uri="{FF2B5EF4-FFF2-40B4-BE49-F238E27FC236}">
+                  <a16:creationId xmlns:a16="http://schemas.microsoft.com/office/drawing/2014/main" id="{1F81E1F0-E142-990F-25D7-1E8C6732647D}"/>
+                </a:ext>
+              </a:extLst>
+            </p:cNvPr>
+            <p:cNvSpPr/>
+            <p:nvPr/>
+          </p:nvSpPr>
+          <p:spPr>
+            <a:xfrm>
+              <a:off x="4357041" y="656433"/>
+              <a:ext cx="502822" cy="399396"/>
+            </a:xfrm>
+            <a:prstGeom prst="rect">
+              <a:avLst/>
+            </a:prstGeom>
+            <a:noFill/>
+          </p:spPr>
+          <p:style>
+            <a:lnRef idx="2">
+              <a:schemeClr val="accent1">
+                <a:shade val="15000"/>
+              </a:schemeClr>
+            </a:lnRef>
+            <a:fillRef idx="1">
+              <a:schemeClr val="accent1"/>
+            </a:fillRef>
+            <a:effectRef idx="0">
+              <a:schemeClr val="accent1"/>
+            </a:effectRef>
+            <a:fontRef idx="minor">
+              <a:schemeClr val="lt1"/>
+            </a:fontRef>
+          </p:style>
+          <p:txBody>
+            <a:bodyPr rtlCol="0" anchor="ctr"/>
+            <a:lstStyle/>
+            <a:p>
+              <a:pPr algn="ctr"/>
+              <a:endParaRPr lang="en-US" dirty="0"/>
+            </a:p>
+          </p:txBody>
+        </p:sp>
+      </p:grpSp>
+      <p:pic>
+        <p:nvPicPr>
+          <p:cNvPr id="360" name="Picture 4" descr="undefined">
+            <a:extLst>
+              <a:ext uri="{FF2B5EF4-FFF2-40B4-BE49-F238E27FC236}">
+                <a16:creationId xmlns:a16="http://schemas.microsoft.com/office/drawing/2014/main" id="{6F2759AB-4878-FB70-9150-34D04F403ED0}"/>
+              </a:ext>
+            </a:extLst>
+          </p:cNvPr>
+          <p:cNvPicPr>
+            <a:picLocks noChangeAspect="1" noChangeArrowheads="1"/>
+          </p:cNvPicPr>
+          <p:nvPr/>
+        </p:nvPicPr>
+        <p:blipFill rotWithShape="1">
+          <a:blip r:embed="rId2">
+            <a:extLst>
+              <a:ext uri="{28A0092B-C50C-407E-A947-70E740481C1C}">
+                <a14:useLocalDpi xmlns:a14="http://schemas.microsoft.com/office/drawing/2010/main" val="0"/>
+              </a:ext>
+            </a:extLst>
+          </a:blip>
+          <a:srcRect r="48201" b="49734"/>
+          <a:stretch/>
+        </p:blipFill>
+        <p:spPr bwMode="auto">
+          <a:xfrm>
+            <a:off x="2666093" y="4736632"/>
+            <a:ext cx="520913" cy="401523"/>
+          </a:xfrm>
+          <a:prstGeom prst="rect">
+            <a:avLst/>
+          </a:prstGeom>
+          <a:noFill/>
+          <a:ln w="12700">
+            <a:solidFill>
+              <a:schemeClr val="tx1"/>
+            </a:solidFill>
+          </a:ln>
+          <a:extLst>
+            <a:ext uri="{909E8E84-426E-40DD-AFC4-6F175D3DCCD1}">
+              <a14:hiddenFill xmlns:a14="http://schemas.microsoft.com/office/drawing/2010/main">
+                <a:solidFill>
+                  <a:srgbClr val="FFFFFF"/>
+                </a:solidFill>
+              </a14:hiddenFill>
+            </a:ext>
+          </a:extLst>
+        </p:spPr>
+      </p:pic>
+      <p:pic>
+        <p:nvPicPr>
+          <p:cNvPr id="361" name="Picture 4" descr="undefined">
+            <a:extLst>
+              <a:ext uri="{FF2B5EF4-FFF2-40B4-BE49-F238E27FC236}">
+                <a16:creationId xmlns:a16="http://schemas.microsoft.com/office/drawing/2014/main" id="{F2ACC02C-74A7-2231-2CF9-D69AD7D7D429}"/>
+              </a:ext>
+            </a:extLst>
+          </p:cNvPr>
+          <p:cNvPicPr>
+            <a:picLocks noChangeAspect="1" noChangeArrowheads="1"/>
+          </p:cNvPicPr>
+          <p:nvPr/>
+        </p:nvPicPr>
+        <p:blipFill rotWithShape="1">
+          <a:blip r:embed="rId2">
+            <a:extLst>
+              <a:ext uri="{28A0092B-C50C-407E-A947-70E740481C1C}">
+                <a14:useLocalDpi xmlns:a14="http://schemas.microsoft.com/office/drawing/2010/main" val="0"/>
+              </a:ext>
+            </a:extLst>
+          </a:blip>
+          <a:srcRect l="48201" t="49734"/>
+          <a:stretch/>
+        </p:blipFill>
+        <p:spPr bwMode="auto">
+          <a:xfrm>
+            <a:off x="3302000" y="5241575"/>
+            <a:ext cx="520913" cy="401523"/>
+          </a:xfrm>
+          <a:prstGeom prst="rect">
+            <a:avLst/>
+          </a:prstGeom>
+          <a:noFill/>
+          <a:ln w="12700">
+            <a:solidFill>
+              <a:schemeClr val="tx1"/>
+            </a:solidFill>
+          </a:ln>
+          <a:extLst>
+            <a:ext uri="{909E8E84-426E-40DD-AFC4-6F175D3DCCD1}">
+              <a14:hiddenFill xmlns:a14="http://schemas.microsoft.com/office/drawing/2010/main">
+                <a:solidFill>
+                  <a:srgbClr val="FFFFFF"/>
+                </a:solidFill>
+              </a14:hiddenFill>
+            </a:ext>
+          </a:extLst>
+        </p:spPr>
+      </p:pic>
+      <p:pic>
+        <p:nvPicPr>
+          <p:cNvPr id="362" name="Picture 4" descr="undefined">
+            <a:extLst>
+              <a:ext uri="{FF2B5EF4-FFF2-40B4-BE49-F238E27FC236}">
+                <a16:creationId xmlns:a16="http://schemas.microsoft.com/office/drawing/2014/main" id="{79CAA88E-987E-2CA9-AFE7-124FF3D1C5F1}"/>
+              </a:ext>
+            </a:extLst>
+          </p:cNvPr>
+          <p:cNvPicPr>
+            <a:picLocks noChangeAspect="1" noChangeArrowheads="1"/>
+          </p:cNvPicPr>
+          <p:nvPr/>
+        </p:nvPicPr>
+        <p:blipFill rotWithShape="1">
+          <a:blip r:embed="rId2">
+            <a:extLst>
+              <a:ext uri="{28A0092B-C50C-407E-A947-70E740481C1C}">
+                <a14:useLocalDpi xmlns:a14="http://schemas.microsoft.com/office/drawing/2010/main" val="0"/>
+              </a:ext>
+            </a:extLst>
+          </a:blip>
+          <a:srcRect t="49734" r="48201"/>
+          <a:stretch/>
+        </p:blipFill>
+        <p:spPr bwMode="auto">
+          <a:xfrm>
+            <a:off x="2666093" y="5241576"/>
+            <a:ext cx="520913" cy="401523"/>
+          </a:xfrm>
+          <a:prstGeom prst="rect">
+            <a:avLst/>
+          </a:prstGeom>
+          <a:noFill/>
+          <a:ln w="12700">
+            <a:solidFill>
+              <a:schemeClr val="tx1"/>
+            </a:solidFill>
+          </a:ln>
+          <a:extLst>
+            <a:ext uri="{909E8E84-426E-40DD-AFC4-6F175D3DCCD1}">
+              <a14:hiddenFill xmlns:a14="http://schemas.microsoft.com/office/drawing/2010/main">
+                <a:solidFill>
+                  <a:srgbClr val="FFFFFF"/>
+                </a:solidFill>
+              </a14:hiddenFill>
+            </a:ext>
+          </a:extLst>
+        </p:spPr>
+      </p:pic>
+      <p:pic>
+        <p:nvPicPr>
+          <p:cNvPr id="363" name="Picture 4" descr="undefined">
+            <a:extLst>
+              <a:ext uri="{FF2B5EF4-FFF2-40B4-BE49-F238E27FC236}">
+                <a16:creationId xmlns:a16="http://schemas.microsoft.com/office/drawing/2014/main" id="{1CB1A7C8-CB23-FF8F-B4A7-5B97E2E85177}"/>
+              </a:ext>
+            </a:extLst>
+          </p:cNvPr>
+          <p:cNvPicPr>
+            <a:picLocks noChangeAspect="1" noChangeArrowheads="1"/>
+          </p:cNvPicPr>
+          <p:nvPr/>
+        </p:nvPicPr>
+        <p:blipFill rotWithShape="1">
+          <a:blip r:embed="rId2">
+            <a:extLst>
+              <a:ext uri="{28A0092B-C50C-407E-A947-70E740481C1C}">
+                <a14:useLocalDpi xmlns:a14="http://schemas.microsoft.com/office/drawing/2010/main" val="0"/>
+              </a:ext>
+            </a:extLst>
+          </a:blip>
+          <a:srcRect l="48201" t="1" b="49847"/>
+          <a:stretch/>
+        </p:blipFill>
+        <p:spPr bwMode="auto">
+          <a:xfrm>
+            <a:off x="3302001" y="4736632"/>
+            <a:ext cx="520913" cy="400610"/>
+          </a:xfrm>
+          <a:prstGeom prst="rect">
+            <a:avLst/>
+          </a:prstGeom>
+          <a:noFill/>
+          <a:ln w="12700">
+            <a:solidFill>
+              <a:schemeClr val="tx1"/>
+            </a:solidFill>
+          </a:ln>
+          <a:extLst>
+            <a:ext uri="{909E8E84-426E-40DD-AFC4-6F175D3DCCD1}">
+              <a14:hiddenFill xmlns:a14="http://schemas.microsoft.com/office/drawing/2010/main">
+                <a:solidFill>
+                  <a:srgbClr val="FFFFFF"/>
+                </a:solidFill>
+              </a14:hiddenFill>
+            </a:ext>
+          </a:extLst>
+        </p:spPr>
+      </p:pic>
+      <p:pic>
+        <p:nvPicPr>
+          <p:cNvPr id="364" name="Picture 4" descr="undefined">
+            <a:extLst>
+              <a:ext uri="{FF2B5EF4-FFF2-40B4-BE49-F238E27FC236}">
+                <a16:creationId xmlns:a16="http://schemas.microsoft.com/office/drawing/2014/main" id="{2CEA7BB4-66C8-4DE1-B94C-05093DE3CDF7}"/>
+              </a:ext>
+            </a:extLst>
+          </p:cNvPr>
+          <p:cNvPicPr>
+            <a:picLocks noChangeAspect="1" noChangeArrowheads="1"/>
+          </p:cNvPicPr>
+          <p:nvPr/>
+        </p:nvPicPr>
+        <p:blipFill>
+          <a:blip r:embed="rId2">
+            <a:extLst>
+              <a:ext uri="{28A0092B-C50C-407E-A947-70E740481C1C}">
+                <a14:useLocalDpi xmlns:a14="http://schemas.microsoft.com/office/drawing/2010/main" val="0"/>
+              </a:ext>
+            </a:extLst>
+          </a:blip>
+          <a:srcRect/>
+          <a:stretch>
+            <a:fillRect/>
+          </a:stretch>
+        </p:blipFill>
+        <p:spPr bwMode="auto">
+          <a:xfrm>
+            <a:off x="1183284" y="4795463"/>
+            <a:ext cx="1005645" cy="798795"/>
+          </a:xfrm>
+          <a:prstGeom prst="rect">
+            <a:avLst/>
+          </a:prstGeom>
+          <a:noFill/>
+          <a:ln w="12700">
+            <a:solidFill>
+              <a:schemeClr val="tx1"/>
+            </a:solidFill>
+          </a:ln>
+          <a:extLst>
+            <a:ext uri="{909E8E84-426E-40DD-AFC4-6F175D3DCCD1}">
+              <a14:hiddenFill xmlns:a14="http://schemas.microsoft.com/office/drawing/2010/main">
+                <a:solidFill>
+                  <a:srgbClr val="FFFFFF"/>
+                </a:solidFill>
+              </a14:hiddenFill>
+            </a:ext>
+          </a:extLst>
+        </p:spPr>
+      </p:pic>
+      <p:sp>
+        <p:nvSpPr>
+          <p:cNvPr id="365" name="TextBox 364">
+            <a:extLst>
+              <a:ext uri="{FF2B5EF4-FFF2-40B4-BE49-F238E27FC236}">
+                <a16:creationId xmlns:a16="http://schemas.microsoft.com/office/drawing/2014/main" id="{DDB3F50F-C7D5-0739-F3FC-EB30045EA843}"/>
+              </a:ext>
+            </a:extLst>
+          </p:cNvPr>
+          <p:cNvSpPr txBox="1"/>
+          <p:nvPr/>
+        </p:nvSpPr>
+        <p:spPr>
+          <a:xfrm>
+            <a:off x="2666092" y="4759046"/>
+            <a:ext cx="520913" cy="369332"/>
+          </a:xfrm>
+          <a:prstGeom prst="rect">
+            <a:avLst/>
+          </a:prstGeom>
+          <a:noFill/>
+        </p:spPr>
+        <p:txBody>
+          <a:bodyPr wrap="square" rtlCol="0">
+            <a:spAutoFit/>
+          </a:bodyPr>
+          <a:lstStyle/>
+          <a:p>
+            <a:pPr algn="ctr"/>
+            <a:r>
+              <a:rPr lang="en-US" dirty="0">
+                <a:solidFill>
+                  <a:schemeClr val="bg1"/>
+                </a:solidFill>
+                <a:effectLst>
+                  <a:outerShdw blurRad="63500" sx="102000" sy="102000" algn="ctr" rotWithShape="0">
+                    <a:prstClr val="black">
+                      <a:alpha val="40000"/>
+                    </a:prstClr>
+                  </a:outerShdw>
+                </a:effectLst>
+              </a:rPr>
+              <a:t>0</a:t>
+            </a:r>
+          </a:p>
+        </p:txBody>
+      </p:sp>
+      <p:sp>
+        <p:nvSpPr>
+          <p:cNvPr id="366" name="TextBox 365">
+            <a:extLst>
+              <a:ext uri="{FF2B5EF4-FFF2-40B4-BE49-F238E27FC236}">
+                <a16:creationId xmlns:a16="http://schemas.microsoft.com/office/drawing/2014/main" id="{CE7B6341-1FF9-81B0-C40E-09F78BC23E14}"/>
+              </a:ext>
+            </a:extLst>
+          </p:cNvPr>
+          <p:cNvSpPr txBox="1"/>
+          <p:nvPr/>
+        </p:nvSpPr>
+        <p:spPr>
+          <a:xfrm>
+            <a:off x="3302000" y="4750308"/>
+            <a:ext cx="520913" cy="369332"/>
+          </a:xfrm>
+          <a:prstGeom prst="rect">
+            <a:avLst/>
+          </a:prstGeom>
+          <a:noFill/>
+        </p:spPr>
+        <p:txBody>
+          <a:bodyPr wrap="square" rtlCol="0">
+            <a:spAutoFit/>
+          </a:bodyPr>
+          <a:lstStyle/>
+          <a:p>
+            <a:pPr algn="ctr"/>
+            <a:r>
+              <a:rPr lang="en-US" dirty="0">
+                <a:solidFill>
+                  <a:schemeClr val="bg1"/>
+                </a:solidFill>
+                <a:effectLst>
+                  <a:outerShdw blurRad="63500" sx="102000" sy="102000" algn="ctr" rotWithShape="0">
+                    <a:prstClr val="black">
+                      <a:alpha val="40000"/>
+                    </a:prstClr>
+                  </a:outerShdw>
+                </a:effectLst>
+              </a:rPr>
+              <a:t>1</a:t>
+            </a:r>
+          </a:p>
+        </p:txBody>
+      </p:sp>
+      <p:sp>
+        <p:nvSpPr>
+          <p:cNvPr id="367" name="TextBox 366">
+            <a:extLst>
+              <a:ext uri="{FF2B5EF4-FFF2-40B4-BE49-F238E27FC236}">
+                <a16:creationId xmlns:a16="http://schemas.microsoft.com/office/drawing/2014/main" id="{5360A466-4B17-21CB-B88B-F820A2F572A7}"/>
+              </a:ext>
+            </a:extLst>
+          </p:cNvPr>
+          <p:cNvSpPr txBox="1"/>
+          <p:nvPr/>
+        </p:nvSpPr>
+        <p:spPr>
+          <a:xfrm>
+            <a:off x="2657298" y="5257670"/>
+            <a:ext cx="520913" cy="369332"/>
+          </a:xfrm>
+          <a:prstGeom prst="rect">
+            <a:avLst/>
+          </a:prstGeom>
+          <a:noFill/>
+        </p:spPr>
+        <p:txBody>
+          <a:bodyPr wrap="square" rtlCol="0">
+            <a:spAutoFit/>
+          </a:bodyPr>
+          <a:lstStyle/>
+          <a:p>
+            <a:pPr algn="ctr"/>
+            <a:r>
+              <a:rPr lang="en-US" dirty="0">
+                <a:solidFill>
+                  <a:schemeClr val="bg1"/>
+                </a:solidFill>
+                <a:effectLst>
+                  <a:outerShdw blurRad="63500" sx="102000" sy="102000" algn="ctr" rotWithShape="0">
+                    <a:prstClr val="black">
+                      <a:alpha val="40000"/>
+                    </a:prstClr>
+                  </a:outerShdw>
+                </a:effectLst>
+              </a:rPr>
+              <a:t>2</a:t>
+            </a:r>
+          </a:p>
+        </p:txBody>
+      </p:sp>
+      <p:sp>
+        <p:nvSpPr>
+          <p:cNvPr id="368" name="TextBox 367">
+            <a:extLst>
+              <a:ext uri="{FF2B5EF4-FFF2-40B4-BE49-F238E27FC236}">
+                <a16:creationId xmlns:a16="http://schemas.microsoft.com/office/drawing/2014/main" id="{20813F86-7F80-16D0-B1A9-9C9E2A36E77D}"/>
+              </a:ext>
+            </a:extLst>
+          </p:cNvPr>
+          <p:cNvSpPr txBox="1"/>
+          <p:nvPr/>
+        </p:nvSpPr>
+        <p:spPr>
+          <a:xfrm>
+            <a:off x="3293205" y="5241575"/>
+            <a:ext cx="520913" cy="369332"/>
+          </a:xfrm>
+          <a:prstGeom prst="rect">
+            <a:avLst/>
+          </a:prstGeom>
+          <a:noFill/>
+        </p:spPr>
+        <p:txBody>
+          <a:bodyPr wrap="square" rtlCol="0">
+            <a:spAutoFit/>
+          </a:bodyPr>
+          <a:lstStyle/>
+          <a:p>
+            <a:pPr algn="ctr"/>
+            <a:r>
+              <a:rPr lang="en-US" dirty="0">
+                <a:solidFill>
+                  <a:schemeClr val="bg1"/>
+                </a:solidFill>
+                <a:effectLst>
+                  <a:outerShdw blurRad="63500" sx="102000" sy="102000" algn="ctr" rotWithShape="0">
+                    <a:prstClr val="black">
+                      <a:alpha val="40000"/>
+                    </a:prstClr>
+                  </a:outerShdw>
+                </a:effectLst>
+              </a:rPr>
+              <a:t>3</a:t>
+            </a:r>
+          </a:p>
+        </p:txBody>
+      </p:sp>
+      <p:cxnSp>
+        <p:nvCxnSpPr>
+          <p:cNvPr id="370" name="Straight Arrow Connector 369">
+            <a:extLst>
+              <a:ext uri="{FF2B5EF4-FFF2-40B4-BE49-F238E27FC236}">
+                <a16:creationId xmlns:a16="http://schemas.microsoft.com/office/drawing/2014/main" id="{136111CB-77AF-3FDA-61AC-3F8F8C9C7B88}"/>
+              </a:ext>
+            </a:extLst>
+          </p:cNvPr>
+          <p:cNvCxnSpPr/>
+          <p:nvPr/>
+        </p:nvCxnSpPr>
+        <p:spPr>
+          <a:xfrm>
+            <a:off x="2263996" y="5193010"/>
+            <a:ext cx="316534" cy="0"/>
+          </a:xfrm>
+          <a:prstGeom prst="straightConnector1">
+            <a:avLst/>
+          </a:prstGeom>
+          <a:ln w="25400">
+            <a:solidFill>
+              <a:schemeClr val="tx1"/>
+            </a:solidFill>
+            <a:tailEnd type="triangle"/>
+          </a:ln>
+        </p:spPr>
+        <p:style>
+          <a:lnRef idx="1">
+            <a:schemeClr val="accent1"/>
+          </a:lnRef>
+          <a:fillRef idx="0">
+            <a:schemeClr val="accent1"/>
+          </a:fillRef>
+          <a:effectRef idx="0">
+            <a:schemeClr val="accent1"/>
+          </a:effectRef>
+          <a:fontRef idx="minor">
+            <a:schemeClr val="tx1"/>
+          </a:fontRef>
+        </p:style>
+      </p:cxnSp>
+      <p:pic>
+        <p:nvPicPr>
+          <p:cNvPr id="36" name="Picture 4" descr="undefined">
+            <a:extLst>
+              <a:ext uri="{FF2B5EF4-FFF2-40B4-BE49-F238E27FC236}">
+                <a16:creationId xmlns:a16="http://schemas.microsoft.com/office/drawing/2014/main" id="{206C9B11-1ED1-FEB8-9C68-A92D0C03A93A}"/>
+              </a:ext>
+            </a:extLst>
+          </p:cNvPr>
+          <p:cNvPicPr>
+            <a:picLocks noChangeAspect="1" noChangeArrowheads="1"/>
+          </p:cNvPicPr>
+          <p:nvPr/>
+        </p:nvPicPr>
+        <p:blipFill rotWithShape="1">
+          <a:blip r:embed="rId2">
+            <a:extLst>
+              <a:ext uri="{28A0092B-C50C-407E-A947-70E740481C1C}">
+                <a14:useLocalDpi xmlns:a14="http://schemas.microsoft.com/office/drawing/2010/main" val="0"/>
+              </a:ext>
+            </a:extLst>
+          </a:blip>
+          <a:srcRect r="48201"/>
+          <a:stretch/>
+        </p:blipFill>
+        <p:spPr bwMode="auto">
+          <a:xfrm>
+            <a:off x="4567816" y="4672464"/>
+            <a:ext cx="520914" cy="798795"/>
+          </a:xfrm>
+          <a:prstGeom prst="rect">
+            <a:avLst/>
+          </a:prstGeom>
+          <a:noFill/>
+          <a:ln w="12700">
+            <a:solidFill>
+              <a:schemeClr val="tx1"/>
+            </a:solidFill>
+          </a:ln>
+          <a:extLst>
+            <a:ext uri="{909E8E84-426E-40DD-AFC4-6F175D3DCCD1}">
+              <a14:hiddenFill xmlns:a14="http://schemas.microsoft.com/office/drawing/2010/main">
+                <a:solidFill>
+                  <a:srgbClr val="FFFFFF"/>
+                </a:solidFill>
+              </a14:hiddenFill>
+            </a:ext>
+          </a:extLst>
+        </p:spPr>
+      </p:pic>
+      <p:pic>
+        <p:nvPicPr>
+          <p:cNvPr id="37" name="Picture 4" descr="undefined">
+            <a:extLst>
+              <a:ext uri="{FF2B5EF4-FFF2-40B4-BE49-F238E27FC236}">
+                <a16:creationId xmlns:a16="http://schemas.microsoft.com/office/drawing/2014/main" id="{8BD9C232-6C4A-A37E-8C94-3294B7BF4AA0}"/>
+              </a:ext>
+            </a:extLst>
+          </p:cNvPr>
+          <p:cNvPicPr>
+            <a:picLocks noChangeAspect="1" noChangeArrowheads="1"/>
+          </p:cNvPicPr>
+          <p:nvPr/>
+        </p:nvPicPr>
+        <p:blipFill rotWithShape="1">
+          <a:blip r:embed="rId2">
+            <a:extLst>
+              <a:ext uri="{28A0092B-C50C-407E-A947-70E740481C1C}">
+                <a14:useLocalDpi xmlns:a14="http://schemas.microsoft.com/office/drawing/2010/main" val="0"/>
+              </a:ext>
+            </a:extLst>
+          </a:blip>
+          <a:srcRect l="48201"/>
+          <a:stretch/>
+        </p:blipFill>
+        <p:spPr bwMode="auto">
+          <a:xfrm>
+            <a:off x="5605820" y="4671701"/>
+            <a:ext cx="520914" cy="798795"/>
+          </a:xfrm>
+          <a:prstGeom prst="rect">
+            <a:avLst/>
+          </a:prstGeom>
+          <a:noFill/>
+          <a:ln w="12700">
+            <a:solidFill>
+              <a:schemeClr val="tx1"/>
+            </a:solidFill>
+          </a:ln>
+          <a:extLst>
+            <a:ext uri="{909E8E84-426E-40DD-AFC4-6F175D3DCCD1}">
+              <a14:hiddenFill xmlns:a14="http://schemas.microsoft.com/office/drawing/2010/main">
+                <a:solidFill>
+                  <a:srgbClr val="FFFFFF"/>
+                </a:solidFill>
+              </a14:hiddenFill>
+            </a:ext>
+          </a:extLst>
+        </p:spPr>
+      </p:pic>
+      <p:pic>
+        <p:nvPicPr>
+          <p:cNvPr id="41" name="Picture 4" descr="undefined">
+            <a:extLst>
+              <a:ext uri="{FF2B5EF4-FFF2-40B4-BE49-F238E27FC236}">
+                <a16:creationId xmlns:a16="http://schemas.microsoft.com/office/drawing/2014/main" id="{1A8680C6-2DE0-5F98-E5F0-AA184791C497}"/>
+              </a:ext>
+            </a:extLst>
+          </p:cNvPr>
+          <p:cNvPicPr>
+            <a:picLocks noChangeAspect="1" noChangeArrowheads="1"/>
+          </p:cNvPicPr>
+          <p:nvPr/>
+        </p:nvPicPr>
+        <p:blipFill>
+          <a:blip r:embed="rId2">
+            <a:extLst>
+              <a:ext uri="{28A0092B-C50C-407E-A947-70E740481C1C}">
+                <a14:useLocalDpi xmlns:a14="http://schemas.microsoft.com/office/drawing/2010/main" val="0"/>
+              </a:ext>
+            </a:extLst>
+          </a:blip>
+          <a:srcRect/>
+          <a:stretch>
+            <a:fillRect/>
+          </a:stretch>
+        </p:blipFill>
+        <p:spPr bwMode="auto">
+          <a:xfrm>
+            <a:off x="6342768" y="3516894"/>
+            <a:ext cx="1005645" cy="798795"/>
+          </a:xfrm>
+          <a:prstGeom prst="rect">
+            <a:avLst/>
+          </a:prstGeom>
+          <a:noFill/>
+          <a:ln w="12700">
+            <a:solidFill>
+              <a:schemeClr val="tx1"/>
+            </a:solidFill>
+          </a:ln>
+          <a:extLst>
+            <a:ext uri="{909E8E84-426E-40DD-AFC4-6F175D3DCCD1}">
+              <a14:hiddenFill xmlns:a14="http://schemas.microsoft.com/office/drawing/2010/main">
+                <a:solidFill>
+                  <a:srgbClr val="FFFFFF"/>
+                </a:solidFill>
+              </a14:hiddenFill>
+            </a:ext>
+          </a:extLst>
+        </p:spPr>
+      </p:pic>
+      <p:sp>
+        <p:nvSpPr>
+          <p:cNvPr id="42" name="TextBox 41">
+            <a:extLst>
+              <a:ext uri="{FF2B5EF4-FFF2-40B4-BE49-F238E27FC236}">
+                <a16:creationId xmlns:a16="http://schemas.microsoft.com/office/drawing/2014/main" id="{0B996C5B-8440-F461-B7A2-B26A92292034}"/>
+              </a:ext>
+            </a:extLst>
+          </p:cNvPr>
+          <p:cNvSpPr txBox="1"/>
+          <p:nvPr/>
+        </p:nvSpPr>
+        <p:spPr>
+          <a:xfrm>
+            <a:off x="4560572" y="4908229"/>
+            <a:ext cx="520913" cy="369332"/>
+          </a:xfrm>
+          <a:prstGeom prst="rect">
+            <a:avLst/>
+          </a:prstGeom>
+          <a:noFill/>
+        </p:spPr>
+        <p:txBody>
+          <a:bodyPr wrap="square" rtlCol="0">
+            <a:spAutoFit/>
+          </a:bodyPr>
+          <a:lstStyle/>
+          <a:p>
+            <a:pPr algn="ctr"/>
+            <a:r>
+              <a:rPr lang="en-US" dirty="0">
+                <a:solidFill>
+                  <a:schemeClr val="bg1"/>
+                </a:solidFill>
+                <a:effectLst>
+                  <a:outerShdw blurRad="63500" sx="102000" sy="102000" algn="ctr" rotWithShape="0">
+                    <a:prstClr val="black">
+                      <a:alpha val="40000"/>
+                    </a:prstClr>
+                  </a:outerShdw>
+                </a:effectLst>
+              </a:rPr>
+              <a:t>0</a:t>
+            </a:r>
+          </a:p>
+        </p:txBody>
+      </p:sp>
+      <p:sp>
+        <p:nvSpPr>
+          <p:cNvPr id="43" name="TextBox 42">
+            <a:extLst>
+              <a:ext uri="{FF2B5EF4-FFF2-40B4-BE49-F238E27FC236}">
+                <a16:creationId xmlns:a16="http://schemas.microsoft.com/office/drawing/2014/main" id="{6102E301-1D96-FC29-C3E9-5FCB4974ECF3}"/>
+              </a:ext>
+            </a:extLst>
+          </p:cNvPr>
+          <p:cNvSpPr txBox="1"/>
+          <p:nvPr/>
+        </p:nvSpPr>
+        <p:spPr>
+          <a:xfrm>
+            <a:off x="5605821" y="4907467"/>
+            <a:ext cx="520913" cy="369332"/>
+          </a:xfrm>
+          <a:prstGeom prst="rect">
+            <a:avLst/>
+          </a:prstGeom>
+          <a:noFill/>
+        </p:spPr>
+        <p:txBody>
+          <a:bodyPr wrap="square" rtlCol="0">
+            <a:spAutoFit/>
+          </a:bodyPr>
+          <a:lstStyle/>
+          <a:p>
+            <a:pPr algn="ctr"/>
+            <a:r>
+              <a:rPr lang="en-US" dirty="0">
+                <a:solidFill>
+                  <a:schemeClr val="bg1"/>
+                </a:solidFill>
+                <a:effectLst>
+                  <a:outerShdw blurRad="63500" sx="102000" sy="102000" algn="ctr" rotWithShape="0">
+                    <a:prstClr val="black">
+                      <a:alpha val="40000"/>
+                    </a:prstClr>
+                  </a:outerShdw>
+                </a:effectLst>
+              </a:rPr>
+              <a:t>1</a:t>
+            </a:r>
+          </a:p>
+        </p:txBody>
+      </p:sp>
+      <p:sp>
+        <p:nvSpPr>
+          <p:cNvPr id="72" name="TextBox 71">
+            <a:extLst>
+              <a:ext uri="{FF2B5EF4-FFF2-40B4-BE49-F238E27FC236}">
+                <a16:creationId xmlns:a16="http://schemas.microsoft.com/office/drawing/2014/main" id="{7DB0DA6B-EEFC-F857-5C6C-6E9E59F3EB06}"/>
+              </a:ext>
+            </a:extLst>
+          </p:cNvPr>
+          <p:cNvSpPr txBox="1"/>
+          <p:nvPr/>
+        </p:nvSpPr>
+        <p:spPr>
+          <a:xfrm>
+            <a:off x="6643825" y="4621005"/>
+            <a:ext cx="323165" cy="798794"/>
+          </a:xfrm>
+          <a:prstGeom prst="rect">
+            <a:avLst/>
+          </a:prstGeom>
+          <a:noFill/>
+        </p:spPr>
+        <p:txBody>
+          <a:bodyPr vert="vert270" wrap="square" rtlCol="0">
+            <a:spAutoFit/>
+          </a:bodyPr>
+          <a:lstStyle/>
+          <a:p>
+            <a:pPr algn="ctr"/>
+            <a:r>
+              <a:rPr lang="en-US" sz="900" dirty="0">
+                <a:solidFill>
+                  <a:schemeClr val="bg1"/>
+                </a:solidFill>
+                <a:effectLst>
+                  <a:outerShdw blurRad="50800" dist="38100" dir="2700000" algn="tl" rotWithShape="0">
+                    <a:prstClr val="black">
+                      <a:alpha val="40000"/>
+                    </a:prstClr>
+                  </a:outerShdw>
+                </a:effectLst>
+              </a:rPr>
+              <a:t>Halo Cells</a:t>
+            </a:r>
+          </a:p>
+        </p:txBody>
+      </p:sp>
+      <p:pic>
+        <p:nvPicPr>
+          <p:cNvPr id="77" name="Picture 4" descr="undefined">
+            <a:extLst>
+              <a:ext uri="{FF2B5EF4-FFF2-40B4-BE49-F238E27FC236}">
+                <a16:creationId xmlns:a16="http://schemas.microsoft.com/office/drawing/2014/main" id="{5934577E-1CBF-C27F-56C1-FDE08B306C80}"/>
+              </a:ext>
+            </a:extLst>
+          </p:cNvPr>
+          <p:cNvPicPr>
+            <a:picLocks noChangeAspect="1" noChangeArrowheads="1"/>
+          </p:cNvPicPr>
+          <p:nvPr/>
+        </p:nvPicPr>
+        <p:blipFill rotWithShape="1">
+          <a:blip r:embed="rId2">
+            <a:duotone>
+              <a:prstClr val="black"/>
+              <a:schemeClr val="accent1">
+                <a:tint val="45000"/>
+                <a:satMod val="400000"/>
+              </a:schemeClr>
+            </a:duotone>
+            <a:extLst>
+              <a:ext uri="{28A0092B-C50C-407E-A947-70E740481C1C}">
+                <a14:useLocalDpi xmlns:a14="http://schemas.microsoft.com/office/drawing/2010/main" val="0"/>
+              </a:ext>
+            </a:extLst>
+          </a:blip>
+          <a:srcRect l="48201" r="37639"/>
+          <a:stretch/>
+        </p:blipFill>
+        <p:spPr bwMode="auto">
+          <a:xfrm>
+            <a:off x="5099871" y="4671699"/>
+            <a:ext cx="142404" cy="798795"/>
+          </a:xfrm>
+          <a:prstGeom prst="rect">
+            <a:avLst/>
+          </a:prstGeom>
+          <a:noFill/>
+          <a:ln w="12700">
+            <a:solidFill>
+              <a:schemeClr val="tx1"/>
+            </a:solidFill>
+          </a:ln>
+          <a:extLst>
+            <a:ext uri="{909E8E84-426E-40DD-AFC4-6F175D3DCCD1}">
+              <a14:hiddenFill xmlns:a14="http://schemas.microsoft.com/office/drawing/2010/main">
+                <a:solidFill>
+                  <a:srgbClr val="FFFFFF"/>
+                </a:solidFill>
+              </a14:hiddenFill>
+            </a:ext>
+          </a:extLst>
+        </p:spPr>
+      </p:pic>
+      <p:pic>
+        <p:nvPicPr>
+          <p:cNvPr id="79" name="Picture 4" descr="undefined">
+            <a:extLst>
+              <a:ext uri="{FF2B5EF4-FFF2-40B4-BE49-F238E27FC236}">
+                <a16:creationId xmlns:a16="http://schemas.microsoft.com/office/drawing/2014/main" id="{944C4519-F141-B3DB-5ED4-0F94C75B6E63}"/>
+              </a:ext>
+            </a:extLst>
+          </p:cNvPr>
+          <p:cNvPicPr>
+            <a:picLocks noChangeAspect="1" noChangeArrowheads="1"/>
+          </p:cNvPicPr>
+          <p:nvPr/>
+        </p:nvPicPr>
+        <p:blipFill rotWithShape="1">
+          <a:blip r:embed="rId2">
+            <a:duotone>
+              <a:prstClr val="black"/>
+              <a:schemeClr val="accent1">
+                <a:tint val="45000"/>
+                <a:satMod val="400000"/>
+              </a:schemeClr>
+            </a:duotone>
+            <a:extLst>
+              <a:ext uri="{28A0092B-C50C-407E-A947-70E740481C1C}">
+                <a14:useLocalDpi xmlns:a14="http://schemas.microsoft.com/office/drawing/2010/main" val="0"/>
+              </a:ext>
+            </a:extLst>
+          </a:blip>
+          <a:srcRect l="37355" r="48201"/>
+          <a:stretch/>
+        </p:blipFill>
+        <p:spPr bwMode="auto">
+          <a:xfrm>
+            <a:off x="5447641" y="4671700"/>
+            <a:ext cx="145255" cy="798795"/>
+          </a:xfrm>
+          <a:prstGeom prst="rect">
+            <a:avLst/>
+          </a:prstGeom>
+          <a:noFill/>
+          <a:ln w="12700">
+            <a:solidFill>
+              <a:schemeClr val="tx1"/>
+            </a:solidFill>
+          </a:ln>
+          <a:extLst>
+            <a:ext uri="{909E8E84-426E-40DD-AFC4-6F175D3DCCD1}">
+              <a14:hiddenFill xmlns:a14="http://schemas.microsoft.com/office/drawing/2010/main">
+                <a:solidFill>
+                  <a:srgbClr val="FFFFFF"/>
+                </a:solidFill>
+              </a14:hiddenFill>
+            </a:ext>
+          </a:extLst>
+        </p:spPr>
+      </p:pic>
+      <p:pic>
+        <p:nvPicPr>
+          <p:cNvPr id="95" name="Picture 4" descr="undefined">
+            <a:extLst>
+              <a:ext uri="{FF2B5EF4-FFF2-40B4-BE49-F238E27FC236}">
+                <a16:creationId xmlns:a16="http://schemas.microsoft.com/office/drawing/2014/main" id="{C5B59CBA-BA7A-E5A7-78E8-BFA34B08353D}"/>
+              </a:ext>
+            </a:extLst>
+          </p:cNvPr>
+          <p:cNvPicPr>
+            <a:picLocks noChangeAspect="1" noChangeArrowheads="1"/>
+          </p:cNvPicPr>
+          <p:nvPr/>
+        </p:nvPicPr>
+        <p:blipFill rotWithShape="1">
+          <a:blip r:embed="rId2">
+            <a:extLst>
+              <a:ext uri="{28A0092B-C50C-407E-A947-70E740481C1C}">
+                <a14:useLocalDpi xmlns:a14="http://schemas.microsoft.com/office/drawing/2010/main" val="0"/>
+              </a:ext>
+            </a:extLst>
+          </a:blip>
+          <a:srcRect l="37355" r="48201"/>
+          <a:stretch/>
+        </p:blipFill>
+        <p:spPr bwMode="auto">
+          <a:xfrm>
+            <a:off x="4943474" y="4671699"/>
+            <a:ext cx="145255" cy="798795"/>
+          </a:xfrm>
+          <a:prstGeom prst="rect">
+            <a:avLst/>
+          </a:prstGeom>
+          <a:noFill/>
+          <a:ln w="12700">
+            <a:solidFill>
+              <a:schemeClr val="tx1"/>
+            </a:solidFill>
+          </a:ln>
+          <a:extLst>
+            <a:ext uri="{909E8E84-426E-40DD-AFC4-6F175D3DCCD1}">
+              <a14:hiddenFill xmlns:a14="http://schemas.microsoft.com/office/drawing/2010/main">
+                <a:solidFill>
+                  <a:srgbClr val="FFFFFF"/>
+                </a:solidFill>
+              </a14:hiddenFill>
+            </a:ext>
+          </a:extLst>
+        </p:spPr>
+      </p:pic>
+      <p:cxnSp>
+        <p:nvCxnSpPr>
+          <p:cNvPr id="94" name="Straight Arrow Connector 93">
+            <a:extLst>
+              <a:ext uri="{FF2B5EF4-FFF2-40B4-BE49-F238E27FC236}">
+                <a16:creationId xmlns:a16="http://schemas.microsoft.com/office/drawing/2014/main" id="{B4FA675A-252A-9AAC-7472-1B18BF884587}"/>
+              </a:ext>
+            </a:extLst>
+          </p:cNvPr>
+          <p:cNvCxnSpPr>
+            <a:cxnSpLocks/>
+          </p:cNvCxnSpPr>
+          <p:nvPr/>
+        </p:nvCxnSpPr>
+        <p:spPr>
+          <a:xfrm>
+            <a:off x="5029796" y="5276799"/>
+            <a:ext cx="519316" cy="0"/>
+          </a:xfrm>
+          <a:prstGeom prst="straightConnector1">
+            <a:avLst/>
+          </a:prstGeom>
+          <a:ln w="12700">
+            <a:solidFill>
+              <a:schemeClr val="tx1"/>
+            </a:solidFill>
+            <a:tailEnd type="triangle"/>
+          </a:ln>
+        </p:spPr>
+        <p:style>
+          <a:lnRef idx="1">
+            <a:schemeClr val="accent1"/>
+          </a:lnRef>
+          <a:fillRef idx="0">
+            <a:schemeClr val="accent1"/>
+          </a:fillRef>
+          <a:effectRef idx="0">
+            <a:schemeClr val="accent1"/>
+          </a:effectRef>
+          <a:fontRef idx="minor">
+            <a:schemeClr val="tx1"/>
+          </a:fontRef>
+        </p:style>
+      </p:cxnSp>
+      <p:pic>
+        <p:nvPicPr>
+          <p:cNvPr id="108" name="Picture 4" descr="undefined">
+            <a:extLst>
+              <a:ext uri="{FF2B5EF4-FFF2-40B4-BE49-F238E27FC236}">
+                <a16:creationId xmlns:a16="http://schemas.microsoft.com/office/drawing/2014/main" id="{89AF3CED-7C86-23FA-CEAA-1D746AE2D4F8}"/>
+              </a:ext>
+            </a:extLst>
+          </p:cNvPr>
+          <p:cNvPicPr>
+            <a:picLocks noChangeAspect="1" noChangeArrowheads="1"/>
+          </p:cNvPicPr>
+          <p:nvPr/>
+        </p:nvPicPr>
+        <p:blipFill rotWithShape="1">
+          <a:blip r:embed="rId2">
+            <a:extLst>
+              <a:ext uri="{28A0092B-C50C-407E-A947-70E740481C1C}">
+                <a14:useLocalDpi xmlns:a14="http://schemas.microsoft.com/office/drawing/2010/main" val="0"/>
+              </a:ext>
+            </a:extLst>
+          </a:blip>
+          <a:srcRect l="48201" r="37639"/>
+          <a:stretch/>
+        </p:blipFill>
+        <p:spPr bwMode="auto">
+          <a:xfrm>
+            <a:off x="5606472" y="4671699"/>
+            <a:ext cx="142404" cy="798795"/>
+          </a:xfrm>
+          <a:prstGeom prst="rect">
+            <a:avLst/>
+          </a:prstGeom>
+          <a:noFill/>
+          <a:ln w="12700">
+            <a:solidFill>
+              <a:schemeClr val="tx1"/>
+            </a:solidFill>
+          </a:ln>
+          <a:extLst>
+            <a:ext uri="{909E8E84-426E-40DD-AFC4-6F175D3DCCD1}">
+              <a14:hiddenFill xmlns:a14="http://schemas.microsoft.com/office/drawing/2010/main">
+                <a:solidFill>
+                  <a:srgbClr val="FFFFFF"/>
+                </a:solidFill>
+              </a14:hiddenFill>
+            </a:ext>
+          </a:extLst>
+        </p:spPr>
+      </p:pic>
+      <p:cxnSp>
+        <p:nvCxnSpPr>
+          <p:cNvPr id="88" name="Straight Arrow Connector 87">
+            <a:extLst>
+              <a:ext uri="{FF2B5EF4-FFF2-40B4-BE49-F238E27FC236}">
+                <a16:creationId xmlns:a16="http://schemas.microsoft.com/office/drawing/2014/main" id="{6A40C3E7-DC9E-5AE9-7A97-1E13BF592FCB}"/>
+              </a:ext>
+            </a:extLst>
+          </p:cNvPr>
+          <p:cNvCxnSpPr>
+            <a:cxnSpLocks/>
+          </p:cNvCxnSpPr>
+          <p:nvPr/>
+        </p:nvCxnSpPr>
+        <p:spPr>
+          <a:xfrm flipH="1">
+            <a:off x="5140325" y="4832350"/>
+            <a:ext cx="537349" cy="0"/>
+          </a:xfrm>
+          <a:prstGeom prst="straightConnector1">
+            <a:avLst/>
+          </a:prstGeom>
+          <a:ln w="12700">
+            <a:solidFill>
+              <a:schemeClr val="tx1"/>
+            </a:solidFill>
+            <a:tailEnd type="triangle"/>
+          </a:ln>
+        </p:spPr>
+        <p:style>
+          <a:lnRef idx="1">
+            <a:schemeClr val="accent1"/>
+          </a:lnRef>
+          <a:fillRef idx="0">
+            <a:schemeClr val="accent1"/>
+          </a:fillRef>
+          <a:effectRef idx="0">
+            <a:schemeClr val="accent1"/>
           </a:effectRef>
           <a:fontRef idx="minor">
             <a:schemeClr val="tx1"/>
